--- a/txt/schemes.pptx
+++ b/txt/schemes.pptx
@@ -119,18 +119,18 @@
   <pc:docChgLst>
     <pc:chgData name="Otto Schefer" userId="fd5a25951ba882f8" providerId="LiveId" clId="{01312597-0B54-46BE-906A-F240F5E61C87}"/>
     <pc:docChg chg="undo custSel addSld modSld">
-      <pc:chgData name="Otto Schefer" userId="fd5a25951ba882f8" providerId="LiveId" clId="{01312597-0B54-46BE-906A-F240F5E61C87}" dt="2021-05-15T22:04:56.895" v="187" actId="1076"/>
+      <pc:chgData name="Otto Schefer" userId="fd5a25951ba882f8" providerId="LiveId" clId="{01312597-0B54-46BE-906A-F240F5E61C87}" dt="2021-05-16T20:06:20.592" v="203" actId="404"/>
       <pc:docMkLst>
         <pc:docMk/>
       </pc:docMkLst>
       <pc:sldChg chg="addSp delSp modSp mod">
-        <pc:chgData name="Otto Schefer" userId="fd5a25951ba882f8" providerId="LiveId" clId="{01312597-0B54-46BE-906A-F240F5E61C87}" dt="2021-05-15T22:04:56.895" v="187" actId="1076"/>
+        <pc:chgData name="Otto Schefer" userId="fd5a25951ba882f8" providerId="LiveId" clId="{01312597-0B54-46BE-906A-F240F5E61C87}" dt="2021-05-16T20:05:03.138" v="198" actId="20577"/>
         <pc:sldMkLst>
           <pc:docMk/>
           <pc:sldMk cId="1581449444" sldId="256"/>
         </pc:sldMkLst>
         <pc:spChg chg="mod">
-          <ac:chgData name="Otto Schefer" userId="fd5a25951ba882f8" providerId="LiveId" clId="{01312597-0B54-46BE-906A-F240F5E61C87}" dt="2021-05-15T20:04:55.843" v="60" actId="1076"/>
+          <ac:chgData name="Otto Schefer" userId="fd5a25951ba882f8" providerId="LiveId" clId="{01312597-0B54-46BE-906A-F240F5E61C87}" dt="2021-05-16T20:05:03.138" v="198" actId="20577"/>
           <ac:spMkLst>
             <pc:docMk/>
             <pc:sldMk cId="1581449444" sldId="256"/>
@@ -914,7 +914,7 @@
         </pc:cxnChg>
       </pc:sldChg>
       <pc:sldChg chg="addSp delSp modSp new mod">
-        <pc:chgData name="Otto Schefer" userId="fd5a25951ba882f8" providerId="LiveId" clId="{01312597-0B54-46BE-906A-F240F5E61C87}" dt="2021-05-15T22:04:32.864" v="183" actId="1076"/>
+        <pc:chgData name="Otto Schefer" userId="fd5a25951ba882f8" providerId="LiveId" clId="{01312597-0B54-46BE-906A-F240F5E61C87}" dt="2021-05-16T20:06:20.592" v="203" actId="404"/>
         <pc:sldMkLst>
           <pc:docMk/>
           <pc:sldMk cId="1258381903" sldId="258"/>
@@ -952,7 +952,7 @@
           </ac:spMkLst>
         </pc:spChg>
         <pc:spChg chg="add mod">
-          <ac:chgData name="Otto Schefer" userId="fd5a25951ba882f8" providerId="LiveId" clId="{01312597-0B54-46BE-906A-F240F5E61C87}" dt="2021-05-15T22:00:05.823" v="146"/>
+          <ac:chgData name="Otto Schefer" userId="fd5a25951ba882f8" providerId="LiveId" clId="{01312597-0B54-46BE-906A-F240F5E61C87}" dt="2021-05-16T20:06:20.592" v="203" actId="404"/>
           <ac:spMkLst>
             <pc:docMk/>
             <pc:sldMk cId="1258381903" sldId="258"/>
@@ -1592,7 +1592,7 @@
           <a:p>
             <a:fld id="{083E7580-4A74-4DC1-979A-56FFF28705FF}" type="datetimeFigureOut">
               <a:rPr lang="ru-RU" smtClean="0"/>
-              <a:t>15.05.2021</a:t>
+              <a:t>16.05.2021</a:t>
             </a:fld>
             <a:endParaRPr lang="ru-RU"/>
           </a:p>
@@ -1790,7 +1790,7 @@
           <a:p>
             <a:fld id="{083E7580-4A74-4DC1-979A-56FFF28705FF}" type="datetimeFigureOut">
               <a:rPr lang="ru-RU" smtClean="0"/>
-              <a:t>15.05.2021</a:t>
+              <a:t>16.05.2021</a:t>
             </a:fld>
             <a:endParaRPr lang="ru-RU"/>
           </a:p>
@@ -1998,7 +1998,7 @@
           <a:p>
             <a:fld id="{083E7580-4A74-4DC1-979A-56FFF28705FF}" type="datetimeFigureOut">
               <a:rPr lang="ru-RU" smtClean="0"/>
-              <a:t>15.05.2021</a:t>
+              <a:t>16.05.2021</a:t>
             </a:fld>
             <a:endParaRPr lang="ru-RU"/>
           </a:p>
@@ -2196,7 +2196,7 @@
           <a:p>
             <a:fld id="{083E7580-4A74-4DC1-979A-56FFF28705FF}" type="datetimeFigureOut">
               <a:rPr lang="ru-RU" smtClean="0"/>
-              <a:t>15.05.2021</a:t>
+              <a:t>16.05.2021</a:t>
             </a:fld>
             <a:endParaRPr lang="ru-RU"/>
           </a:p>
@@ -2471,7 +2471,7 @@
           <a:p>
             <a:fld id="{083E7580-4A74-4DC1-979A-56FFF28705FF}" type="datetimeFigureOut">
               <a:rPr lang="ru-RU" smtClean="0"/>
-              <a:t>15.05.2021</a:t>
+              <a:t>16.05.2021</a:t>
             </a:fld>
             <a:endParaRPr lang="ru-RU"/>
           </a:p>
@@ -2736,7 +2736,7 @@
           <a:p>
             <a:fld id="{083E7580-4A74-4DC1-979A-56FFF28705FF}" type="datetimeFigureOut">
               <a:rPr lang="ru-RU" smtClean="0"/>
-              <a:t>15.05.2021</a:t>
+              <a:t>16.05.2021</a:t>
             </a:fld>
             <a:endParaRPr lang="ru-RU"/>
           </a:p>
@@ -3148,7 +3148,7 @@
           <a:p>
             <a:fld id="{083E7580-4A74-4DC1-979A-56FFF28705FF}" type="datetimeFigureOut">
               <a:rPr lang="ru-RU" smtClean="0"/>
-              <a:t>15.05.2021</a:t>
+              <a:t>16.05.2021</a:t>
             </a:fld>
             <a:endParaRPr lang="ru-RU"/>
           </a:p>
@@ -3289,7 +3289,7 @@
           <a:p>
             <a:fld id="{083E7580-4A74-4DC1-979A-56FFF28705FF}" type="datetimeFigureOut">
               <a:rPr lang="ru-RU" smtClean="0"/>
-              <a:t>15.05.2021</a:t>
+              <a:t>16.05.2021</a:t>
             </a:fld>
             <a:endParaRPr lang="ru-RU"/>
           </a:p>
@@ -3402,7 +3402,7 @@
           <a:p>
             <a:fld id="{083E7580-4A74-4DC1-979A-56FFF28705FF}" type="datetimeFigureOut">
               <a:rPr lang="ru-RU" smtClean="0"/>
-              <a:t>15.05.2021</a:t>
+              <a:t>16.05.2021</a:t>
             </a:fld>
             <a:endParaRPr lang="ru-RU"/>
           </a:p>
@@ -3713,7 +3713,7 @@
           <a:p>
             <a:fld id="{083E7580-4A74-4DC1-979A-56FFF28705FF}" type="datetimeFigureOut">
               <a:rPr lang="ru-RU" smtClean="0"/>
-              <a:t>15.05.2021</a:t>
+              <a:t>16.05.2021</a:t>
             </a:fld>
             <a:endParaRPr lang="ru-RU"/>
           </a:p>
@@ -4001,7 +4001,7 @@
           <a:p>
             <a:fld id="{083E7580-4A74-4DC1-979A-56FFF28705FF}" type="datetimeFigureOut">
               <a:rPr lang="ru-RU" smtClean="0"/>
-              <a:t>15.05.2021</a:t>
+              <a:t>16.05.2021</a:t>
             </a:fld>
             <a:endParaRPr lang="ru-RU"/>
           </a:p>
@@ -4242,7 +4242,7 @@
           <a:p>
             <a:fld id="{083E7580-4A74-4DC1-979A-56FFF28705FF}" type="datetimeFigureOut">
               <a:rPr lang="ru-RU" smtClean="0"/>
-              <a:t>15.05.2021</a:t>
+              <a:t>16.05.2021</a:t>
             </a:fld>
             <a:endParaRPr lang="ru-RU"/>
           </a:p>
@@ -4958,7 +4958,7 @@
             <p:spPr>
               <a:xfrm>
                 <a:off x="6019034" y="1873473"/>
-                <a:ext cx="652007" cy="898323"/>
+                <a:ext cx="652007" cy="790666"/>
               </a:xfrm>
               <a:prstGeom prst="rect">
                 <a:avLst/>
@@ -4981,7 +4981,7 @@
                       <m:f>
                         <m:fPr>
                           <m:ctrlPr>
-                            <a:rPr lang="ru-RU" sz="1400" i="1" smtClean="0">
+                            <a:rPr lang="ru-RU" sz="1100" i="1" smtClean="0">
                               <a:effectLst/>
                               <a:latin typeface="Cambria Math" panose="02040503050406030204" pitchFamily="18" charset="0"/>
                               <a:ea typeface="Calibri" panose="020F0502020204030204" pitchFamily="34" charset="0"/>
@@ -4991,20 +4991,21 @@
                         </m:fPr>
                         <m:num>
                           <m:r>
-                            <a:rPr lang="en-US" sz="1400" i="1">
-                              <a:effectLst/>
+                            <m:rPr>
+                              <m:sty m:val="p"/>
+                            </m:rPr>
+                            <a:rPr lang="ru-RU" sz="1400">
                               <a:latin typeface="Cambria Math" panose="02040503050406030204" pitchFamily="18" charset="0"/>
-                              <a:ea typeface="Calibri" panose="020F0502020204030204" pitchFamily="34" charset="0"/>
-                              <a:cs typeface="Times New Roman" panose="02020603050405020304" pitchFamily="18" charset="0"/>
+                              <a:ea typeface="Cambria Math" panose="02040503050406030204" pitchFamily="18" charset="0"/>
                             </a:rPr>
-                            <m:t>1</m:t>
+                            <m:t>ε</m:t>
                           </m:r>
                         </m:num>
                         <m:den>
                           <m:sSub>
                             <m:sSubPr>
                               <m:ctrlPr>
-                                <a:rPr lang="ru-RU" sz="1400" i="1">
+                                <a:rPr lang="ru-RU" sz="1100" i="1">
                                   <a:effectLst/>
                                   <a:latin typeface="Cambria Math" panose="02040503050406030204" pitchFamily="18" charset="0"/>
                                   <a:ea typeface="Calibri" panose="020F0502020204030204" pitchFamily="34" charset="0"/>
@@ -5014,7 +5015,7 @@
                             </m:sSubPr>
                             <m:e>
                               <m:r>
-                                <a:rPr lang="ru-RU" sz="1400" b="0" i="1" smtClean="0">
+                                <a:rPr lang="ru-RU" sz="1100" b="0" i="1" smtClean="0">
                                   <a:effectLst/>
                                   <a:latin typeface="Cambria Math" panose="02040503050406030204" pitchFamily="18" charset="0"/>
                                   <a:ea typeface="Calibri" panose="020F0502020204030204" pitchFamily="34" charset="0"/>
@@ -5023,7 +5024,7 @@
                                 <m:t>(</m:t>
                               </m:r>
                               <m:r>
-                                <a:rPr lang="en-US" sz="1400" i="1">
+                                <a:rPr lang="en-US" sz="1100" i="1">
                                   <a:effectLst/>
                                   <a:latin typeface="Cambria Math" panose="02040503050406030204" pitchFamily="18" charset="0"/>
                                   <a:ea typeface="Calibri" panose="020F0502020204030204" pitchFamily="34" charset="0"/>
@@ -5034,7 +5035,7 @@
                             </m:e>
                             <m:sub>
                               <m:r>
-                                <a:rPr lang="ru-RU" sz="1400" b="0" i="1" smtClean="0">
+                                <a:rPr lang="ru-RU" sz="1100" b="0" i="1" smtClean="0">
                                   <a:effectLst/>
                                   <a:latin typeface="Cambria Math" panose="02040503050406030204" pitchFamily="18" charset="0"/>
                                   <a:ea typeface="Calibri" panose="020F0502020204030204" pitchFamily="34" charset="0"/>
@@ -5045,7 +5046,7 @@
                             </m:sub>
                           </m:sSub>
                           <m:r>
-                            <a:rPr lang="ru-RU" sz="1400" b="0" i="1" smtClean="0">
+                            <a:rPr lang="ru-RU" sz="1100" b="0" i="1" smtClean="0">
                               <a:effectLst/>
                               <a:latin typeface="Cambria Math" panose="02040503050406030204" pitchFamily="18" charset="0"/>
                               <a:ea typeface="Calibri" panose="020F0502020204030204" pitchFamily="34" charset="0"/>
@@ -5056,7 +5057,7 @@
                           <m:sSub>
                             <m:sSubPr>
                               <m:ctrlPr>
-                                <a:rPr lang="ru-RU" sz="1400" i="1">
+                                <a:rPr lang="ru-RU" sz="1100" i="1">
                                   <a:latin typeface="Cambria Math" panose="02040503050406030204" pitchFamily="18" charset="0"/>
                                   <a:ea typeface="Calibri" panose="020F0502020204030204" pitchFamily="34" charset="0"/>
                                   <a:cs typeface="Times New Roman" panose="02020603050405020304" pitchFamily="18" charset="0"/>
@@ -5065,7 +5066,7 @@
                             </m:sSubPr>
                             <m:e>
                               <m:r>
-                                <a:rPr lang="en-US" sz="1400" i="1">
+                                <a:rPr lang="en-US" sz="1100" i="1">
                                   <a:latin typeface="Cambria Math" panose="02040503050406030204" pitchFamily="18" charset="0"/>
                                   <a:ea typeface="Calibri" panose="020F0502020204030204" pitchFamily="34" charset="0"/>
                                   <a:cs typeface="Times New Roman" panose="02020603050405020304" pitchFamily="18" charset="0"/>
@@ -5075,7 +5076,7 @@
                             </m:e>
                             <m:sub>
                               <m:r>
-                                <a:rPr lang="ru-RU" sz="1400" b="0" i="1" smtClean="0">
+                                <a:rPr lang="ru-RU" sz="1100" b="0" i="1" smtClean="0">
                                   <a:latin typeface="Cambria Math" panose="02040503050406030204" pitchFamily="18" charset="0"/>
                                   <a:ea typeface="Calibri" panose="020F0502020204030204" pitchFamily="34" charset="0"/>
                                   <a:cs typeface="Times New Roman" panose="02020603050405020304" pitchFamily="18" charset="0"/>
@@ -5085,7 +5086,7 @@
                             </m:sub>
                           </m:sSub>
                           <m:r>
-                            <a:rPr lang="ru-RU" sz="1400" b="0" i="1" smtClean="0">
+                            <a:rPr lang="ru-RU" sz="1100" b="0" i="1" smtClean="0">
                               <a:effectLst/>
                               <a:latin typeface="Cambria Math" panose="02040503050406030204" pitchFamily="18" charset="0"/>
                               <a:ea typeface="Calibri" panose="020F0502020204030204" pitchFamily="34" charset="0"/>
@@ -5094,7 +5095,7 @@
                             <m:t>)</m:t>
                           </m:r>
                           <m:r>
-                            <a:rPr lang="en-US" sz="1400" i="1">
+                            <a:rPr lang="en-US" sz="1100" i="1">
                               <a:effectLst/>
                               <a:latin typeface="Cambria Math" panose="02040503050406030204" pitchFamily="18" charset="0"/>
                               <a:ea typeface="Calibri" panose="020F0502020204030204" pitchFamily="34" charset="0"/>
@@ -5146,7 +5147,7 @@
             <p:spPr>
               <a:xfrm>
                 <a:off x="6019034" y="1873473"/>
-                <a:ext cx="652007" cy="898323"/>
+                <a:ext cx="652007" cy="790666"/>
               </a:xfrm>
               <a:prstGeom prst="rect">
                 <a:avLst/>
@@ -5154,7 +5155,7 @@
               <a:blipFill>
                 <a:blip r:embed="rId4"/>
                 <a:stretch>
-                  <a:fillRect l="-11215" r="-5607"/>
+                  <a:fillRect/>
                 </a:stretch>
               </a:blipFill>
             </p:spPr>
@@ -6491,8 +6492,8 @@
           </a:fontRef>
         </p:style>
       </p:cxnSp>
-      <mc:AlternateContent xmlns:mc="http://schemas.openxmlformats.org/markup-compatibility/2006">
-        <mc:Choice xmlns:a14="http://schemas.microsoft.com/office/drawing/2010/main" Requires="a14">
+      <mc:AlternateContent xmlns:mc="http://schemas.openxmlformats.org/markup-compatibility/2006" xmlns:a14="http://schemas.microsoft.com/office/drawing/2010/main">
+        <mc:Choice Requires="a14">
           <p:sp>
             <p:nvSpPr>
               <p:cNvPr id="82" name="TextBox 81">
@@ -6578,7 +6579,7 @@
             </p:txBody>
           </p:sp>
         </mc:Choice>
-        <mc:Fallback>
+        <mc:Fallback xmlns="">
           <p:sp>
             <p:nvSpPr>
               <p:cNvPr id="82" name="TextBox 81">
@@ -6826,8 +6827,8 @@
           </a:p>
         </p:txBody>
       </p:sp>
-      <mc:AlternateContent xmlns:mc="http://schemas.openxmlformats.org/markup-compatibility/2006">
-        <mc:Choice xmlns:a14="http://schemas.microsoft.com/office/drawing/2010/main" Requires="a14">
+      <mc:AlternateContent xmlns:mc="http://schemas.openxmlformats.org/markup-compatibility/2006" xmlns:a14="http://schemas.microsoft.com/office/drawing/2010/main">
+        <mc:Choice Requires="a14">
           <p:sp>
             <p:nvSpPr>
               <p:cNvPr id="95" name="TextBox 94">
@@ -6913,7 +6914,7 @@
             </p:txBody>
           </p:sp>
         </mc:Choice>
-        <mc:Fallback>
+        <mc:Fallback xmlns="">
           <p:sp>
             <p:nvSpPr>
               <p:cNvPr id="95" name="TextBox 94">
@@ -7137,8 +7138,8 @@
           </a:fontRef>
         </p:style>
       </p:cxnSp>
-      <mc:AlternateContent xmlns:mc="http://schemas.openxmlformats.org/markup-compatibility/2006">
-        <mc:Choice xmlns:a14="http://schemas.microsoft.com/office/drawing/2010/main" Requires="a14">
+      <mc:AlternateContent xmlns:mc="http://schemas.openxmlformats.org/markup-compatibility/2006" xmlns:a14="http://schemas.microsoft.com/office/drawing/2010/main">
+        <mc:Choice Requires="a14">
           <p:sp>
             <p:nvSpPr>
               <p:cNvPr id="43" name="TextBox 42">
@@ -7226,7 +7227,7 @@
             </p:txBody>
           </p:sp>
         </mc:Choice>
-        <mc:Fallback>
+        <mc:Fallback xmlns="">
           <p:sp>
             <p:nvSpPr>
               <p:cNvPr id="43" name="TextBox 42">
@@ -7271,8 +7272,8 @@
           </p:sp>
         </mc:Fallback>
       </mc:AlternateContent>
-      <mc:AlternateContent xmlns:mc="http://schemas.openxmlformats.org/markup-compatibility/2006">
-        <mc:Choice xmlns:a14="http://schemas.microsoft.com/office/drawing/2010/main" Requires="a14">
+      <mc:AlternateContent xmlns:mc="http://schemas.openxmlformats.org/markup-compatibility/2006" xmlns:a14="http://schemas.microsoft.com/office/drawing/2010/main">
+        <mc:Choice Requires="a14">
           <p:sp>
             <p:nvSpPr>
               <p:cNvPr id="44" name="TextBox 43">
@@ -7333,7 +7334,7 @@
             </p:txBody>
           </p:sp>
         </mc:Choice>
-        <mc:Fallback>
+        <mc:Fallback xmlns="">
           <p:sp>
             <p:nvSpPr>
               <p:cNvPr id="44" name="TextBox 43">
@@ -7406,7 +7407,6 @@
           </a:bodyPr>
           <a:lstStyle/>
           <a:p>
-            <a:pPr/>
             <a:endParaRPr lang="ru-RU" sz="1400" dirty="0">
               <a:effectLst/>
               <a:latin typeface="Times New Roman" panose="02020603050405020304" pitchFamily="18" charset="0"/>
@@ -7419,8 +7419,8 @@
           </a:p>
         </p:txBody>
       </p:sp>
-      <mc:AlternateContent xmlns:mc="http://schemas.openxmlformats.org/markup-compatibility/2006">
-        <mc:Choice xmlns:a14="http://schemas.microsoft.com/office/drawing/2010/main" Requires="a14">
+      <mc:AlternateContent xmlns:mc="http://schemas.openxmlformats.org/markup-compatibility/2006" xmlns:a14="http://schemas.microsoft.com/office/drawing/2010/main">
+        <mc:Choice Requires="a14">
           <p:sp>
             <p:nvSpPr>
               <p:cNvPr id="47" name="TextBox 46">
@@ -7504,7 +7504,7 @@
             </p:txBody>
           </p:sp>
         </mc:Choice>
-        <mc:Fallback>
+        <mc:Fallback xmlns="">
           <p:sp>
             <p:nvSpPr>
               <p:cNvPr id="47" name="TextBox 46">
@@ -7549,8 +7549,8 @@
           </p:sp>
         </mc:Fallback>
       </mc:AlternateContent>
-      <mc:AlternateContent xmlns:mc="http://schemas.openxmlformats.org/markup-compatibility/2006">
-        <mc:Choice xmlns:a14="http://schemas.microsoft.com/office/drawing/2010/main" Requires="a14">
+      <mc:AlternateContent xmlns:mc="http://schemas.openxmlformats.org/markup-compatibility/2006" xmlns:a14="http://schemas.microsoft.com/office/drawing/2010/main">
+        <mc:Choice Requires="a14">
           <p:sp>
             <p:nvSpPr>
               <p:cNvPr id="48" name="TextBox 47">
@@ -7611,7 +7611,7 @@
             </p:txBody>
           </p:sp>
         </mc:Choice>
-        <mc:Fallback>
+        <mc:Fallback xmlns="">
           <p:sp>
             <p:nvSpPr>
               <p:cNvPr id="48" name="TextBox 47">
@@ -7656,8 +7656,8 @@
           </p:sp>
         </mc:Fallback>
       </mc:AlternateContent>
-      <mc:AlternateContent xmlns:mc="http://schemas.openxmlformats.org/markup-compatibility/2006">
-        <mc:Choice xmlns:a14="http://schemas.microsoft.com/office/drawing/2010/main" Requires="a14">
+      <mc:AlternateContent xmlns:mc="http://schemas.openxmlformats.org/markup-compatibility/2006" xmlns:a14="http://schemas.microsoft.com/office/drawing/2010/main">
+        <mc:Choice Requires="a14">
           <p:sp>
             <p:nvSpPr>
               <p:cNvPr id="49" name="TextBox 48">
@@ -7751,7 +7751,7 @@
             </p:txBody>
           </p:sp>
         </mc:Choice>
-        <mc:Fallback>
+        <mc:Fallback xmlns="">
           <p:sp>
             <p:nvSpPr>
               <p:cNvPr id="49" name="TextBox 48">
@@ -7890,8 +7890,8 @@
           </a:fontRef>
         </p:style>
       </p:cxnSp>
-      <mc:AlternateContent xmlns:mc="http://schemas.openxmlformats.org/markup-compatibility/2006">
-        <mc:Choice xmlns:a14="http://schemas.microsoft.com/office/drawing/2010/main" Requires="a14">
+      <mc:AlternateContent xmlns:mc="http://schemas.openxmlformats.org/markup-compatibility/2006" xmlns:a14="http://schemas.microsoft.com/office/drawing/2010/main">
+        <mc:Choice Requires="a14">
           <p:sp>
             <p:nvSpPr>
               <p:cNvPr id="52" name="TextBox 51">
@@ -7979,7 +7979,7 @@
             </p:txBody>
           </p:sp>
         </mc:Choice>
-        <mc:Fallback>
+        <mc:Fallback xmlns="">
           <p:sp>
             <p:nvSpPr>
               <p:cNvPr id="52" name="TextBox 51">
@@ -8024,8 +8024,8 @@
           </p:sp>
         </mc:Fallback>
       </mc:AlternateContent>
-      <mc:AlternateContent xmlns:mc="http://schemas.openxmlformats.org/markup-compatibility/2006">
-        <mc:Choice xmlns:a14="http://schemas.microsoft.com/office/drawing/2010/main" Requires="a14">
+      <mc:AlternateContent xmlns:mc="http://schemas.openxmlformats.org/markup-compatibility/2006" xmlns:a14="http://schemas.microsoft.com/office/drawing/2010/main">
+        <mc:Choice Requires="a14">
           <p:sp>
             <p:nvSpPr>
               <p:cNvPr id="53" name="TextBox 52">
@@ -8088,7 +8088,7 @@
             </p:txBody>
           </p:sp>
         </mc:Choice>
-        <mc:Fallback>
+        <mc:Fallback xmlns="">
           <p:sp>
             <p:nvSpPr>
               <p:cNvPr id="53" name="TextBox 52">
@@ -8133,8 +8133,8 @@
           </p:sp>
         </mc:Fallback>
       </mc:AlternateContent>
-      <mc:AlternateContent xmlns:mc="http://schemas.openxmlformats.org/markup-compatibility/2006">
-        <mc:Choice xmlns:a14="http://schemas.microsoft.com/office/drawing/2010/main" Requires="a14">
+      <mc:AlternateContent xmlns:mc="http://schemas.openxmlformats.org/markup-compatibility/2006" xmlns:a14="http://schemas.microsoft.com/office/drawing/2010/main">
+        <mc:Choice Requires="a14">
           <p:sp>
             <p:nvSpPr>
               <p:cNvPr id="63" name="TextBox 62">
@@ -8238,7 +8238,7 @@
             </p:txBody>
           </p:sp>
         </mc:Choice>
-        <mc:Fallback>
+        <mc:Fallback xmlns="">
           <p:sp>
             <p:nvSpPr>
               <p:cNvPr id="63" name="TextBox 62">
@@ -8424,8 +8424,8 @@
           </a:fontRef>
         </p:style>
       </p:cxnSp>
-      <mc:AlternateContent xmlns:mc="http://schemas.openxmlformats.org/markup-compatibility/2006">
-        <mc:Choice xmlns:a14="http://schemas.microsoft.com/office/drawing/2010/main" Requires="a14">
+      <mc:AlternateContent xmlns:mc="http://schemas.openxmlformats.org/markup-compatibility/2006" xmlns:a14="http://schemas.microsoft.com/office/drawing/2010/main">
+        <mc:Choice Requires="a14">
           <p:sp>
             <p:nvSpPr>
               <p:cNvPr id="91" name="TextBox 90">
@@ -8454,6 +8454,7 @@
               </a:bodyPr>
               <a:lstStyle/>
               <a:p>
+                <a:pPr/>
                 <a14:m>
                   <m:oMathPara xmlns:m="http://schemas.openxmlformats.org/officeDocument/2006/math">
                     <m:oMathParaPr>
@@ -8511,7 +8512,6 @@
                 <a:endParaRPr lang="ru-RU" dirty="0"/>
               </a:p>
               <a:p>
-                <a:pPr/>
                 <a:endParaRPr lang="ru-RU" sz="1400" dirty="0">
                   <a:effectLst/>
                   <a:latin typeface="Times New Roman" panose="02020603050405020304" pitchFamily="18" charset="0"/>
@@ -8525,7 +8525,7 @@
             </p:txBody>
           </p:sp>
         </mc:Choice>
-        <mc:Fallback>
+        <mc:Fallback xmlns="">
           <p:sp>
             <p:nvSpPr>
               <p:cNvPr id="91" name="TextBox 90">
@@ -8758,8 +8758,8 @@
           </a:fontRef>
         </p:style>
       </p:cxnSp>
-      <mc:AlternateContent xmlns:mc="http://schemas.openxmlformats.org/markup-compatibility/2006">
-        <mc:Choice xmlns:a14="http://schemas.microsoft.com/office/drawing/2010/main" Requires="a14">
+      <mc:AlternateContent xmlns:mc="http://schemas.openxmlformats.org/markup-compatibility/2006" xmlns:a14="http://schemas.microsoft.com/office/drawing/2010/main">
+        <mc:Choice Requires="a14">
           <p:sp>
             <p:nvSpPr>
               <p:cNvPr id="102" name="TextBox 101">
@@ -8819,7 +8819,7 @@
             </p:txBody>
           </p:sp>
         </mc:Choice>
-        <mc:Fallback>
+        <mc:Fallback xmlns="">
           <p:sp>
             <p:nvSpPr>
               <p:cNvPr id="102" name="TextBox 101">
@@ -8864,8 +8864,8 @@
           </p:sp>
         </mc:Fallback>
       </mc:AlternateContent>
-      <mc:AlternateContent xmlns:mc="http://schemas.openxmlformats.org/markup-compatibility/2006">
-        <mc:Choice xmlns:a14="http://schemas.microsoft.com/office/drawing/2010/main" Requires="a14">
+      <mc:AlternateContent xmlns:mc="http://schemas.openxmlformats.org/markup-compatibility/2006" xmlns:a14="http://schemas.microsoft.com/office/drawing/2010/main">
+        <mc:Choice Requires="a14">
           <p:sp>
             <p:nvSpPr>
               <p:cNvPr id="103" name="TextBox 102">
@@ -8925,7 +8925,7 @@
             </p:txBody>
           </p:sp>
         </mc:Choice>
-        <mc:Fallback>
+        <mc:Fallback xmlns="">
           <p:sp>
             <p:nvSpPr>
               <p:cNvPr id="103" name="TextBox 102">
@@ -8970,8 +8970,8 @@
           </p:sp>
         </mc:Fallback>
       </mc:AlternateContent>
-      <mc:AlternateContent xmlns:mc="http://schemas.openxmlformats.org/markup-compatibility/2006">
-        <mc:Choice xmlns:a14="http://schemas.microsoft.com/office/drawing/2010/main" Requires="a14">
+      <mc:AlternateContent xmlns:mc="http://schemas.openxmlformats.org/markup-compatibility/2006" xmlns:a14="http://schemas.microsoft.com/office/drawing/2010/main">
+        <mc:Choice Requires="a14">
           <p:sp>
             <p:nvSpPr>
               <p:cNvPr id="104" name="TextBox 103">
@@ -9031,7 +9031,7 @@
             </p:txBody>
           </p:sp>
         </mc:Choice>
-        <mc:Fallback>
+        <mc:Fallback xmlns="">
           <p:sp>
             <p:nvSpPr>
               <p:cNvPr id="104" name="TextBox 103">
@@ -9106,8 +9106,8 @@
           <a:chExt cx="0" cy="0"/>
         </a:xfrm>
       </p:grpSpPr>
-      <mc:AlternateContent xmlns:mc="http://schemas.openxmlformats.org/markup-compatibility/2006">
-        <mc:Choice xmlns:a14="http://schemas.microsoft.com/office/drawing/2010/main" Requires="a14">
+      <mc:AlternateContent xmlns:mc="http://schemas.openxmlformats.org/markup-compatibility/2006" xmlns:a14="http://schemas.microsoft.com/office/drawing/2010/main">
+        <mc:Choice Requires="a14">
           <p:sp>
             <p:nvSpPr>
               <p:cNvPr id="5" name="TextBox 4">
@@ -9211,7 +9211,7 @@
             </p:txBody>
           </p:sp>
         </mc:Choice>
-        <mc:Fallback>
+        <mc:Fallback xmlns="">
           <p:sp>
             <p:nvSpPr>
               <p:cNvPr id="5" name="TextBox 4">
@@ -9256,8 +9256,8 @@
           </p:sp>
         </mc:Fallback>
       </mc:AlternateContent>
-      <mc:AlternateContent xmlns:mc="http://schemas.openxmlformats.org/markup-compatibility/2006">
-        <mc:Choice xmlns:a14="http://schemas.microsoft.com/office/drawing/2010/main" Requires="a14">
+      <mc:AlternateContent xmlns:mc="http://schemas.openxmlformats.org/markup-compatibility/2006" xmlns:a14="http://schemas.microsoft.com/office/drawing/2010/main">
+        <mc:Choice Requires="a14">
           <p:sp>
             <p:nvSpPr>
               <p:cNvPr id="6" name="TextBox 5">
@@ -9343,7 +9343,7 @@
             </p:txBody>
           </p:sp>
         </mc:Choice>
-        <mc:Fallback>
+        <mc:Fallback xmlns="">
           <p:sp>
             <p:nvSpPr>
               <p:cNvPr id="6" name="TextBox 5">
@@ -9388,8 +9388,8 @@
           </p:sp>
         </mc:Fallback>
       </mc:AlternateContent>
-      <mc:AlternateContent xmlns:mc="http://schemas.openxmlformats.org/markup-compatibility/2006">
-        <mc:Choice xmlns:a14="http://schemas.microsoft.com/office/drawing/2010/main" Requires="a14">
+      <mc:AlternateContent xmlns:mc="http://schemas.openxmlformats.org/markup-compatibility/2006" xmlns:a14="http://schemas.microsoft.com/office/drawing/2010/main">
+        <mc:Choice Requires="a14">
           <p:sp>
             <p:nvSpPr>
               <p:cNvPr id="7" name="TextBox 6">
@@ -9575,7 +9575,7 @@
             </p:txBody>
           </p:sp>
         </mc:Choice>
-        <mc:Fallback>
+        <mc:Fallback xmlns="">
           <p:sp>
             <p:nvSpPr>
               <p:cNvPr id="7" name="TextBox 6">
@@ -9620,8 +9620,8 @@
           </p:sp>
         </mc:Fallback>
       </mc:AlternateContent>
-      <mc:AlternateContent xmlns:mc="http://schemas.openxmlformats.org/markup-compatibility/2006">
-        <mc:Choice xmlns:a14="http://schemas.microsoft.com/office/drawing/2010/main" Requires="a14">
+      <mc:AlternateContent xmlns:mc="http://schemas.openxmlformats.org/markup-compatibility/2006" xmlns:a14="http://schemas.microsoft.com/office/drawing/2010/main">
+        <mc:Choice Requires="a14">
           <p:sp>
             <p:nvSpPr>
               <p:cNvPr id="8" name="TextBox 7">
@@ -9715,7 +9715,7 @@
             </p:txBody>
           </p:sp>
         </mc:Choice>
-        <mc:Fallback>
+        <mc:Fallback xmlns="">
           <p:sp>
             <p:nvSpPr>
               <p:cNvPr id="8" name="TextBox 7">
@@ -9760,8 +9760,8 @@
           </p:sp>
         </mc:Fallback>
       </mc:AlternateContent>
-      <mc:AlternateContent xmlns:mc="http://schemas.openxmlformats.org/markup-compatibility/2006">
-        <mc:Choice xmlns:a14="http://schemas.microsoft.com/office/drawing/2010/main" Requires="a14">
+      <mc:AlternateContent xmlns:mc="http://schemas.openxmlformats.org/markup-compatibility/2006" xmlns:a14="http://schemas.microsoft.com/office/drawing/2010/main">
+        <mc:Choice Requires="a14">
           <p:sp>
             <p:nvSpPr>
               <p:cNvPr id="9" name="TextBox 8">
@@ -9865,7 +9865,7 @@
             </p:txBody>
           </p:sp>
         </mc:Choice>
-        <mc:Fallback>
+        <mc:Fallback xmlns="">
           <p:sp>
             <p:nvSpPr>
               <p:cNvPr id="9" name="TextBox 8">
@@ -10120,8 +10120,8 @@
           </a:p>
         </p:txBody>
       </p:sp>
-      <mc:AlternateContent xmlns:mc="http://schemas.openxmlformats.org/markup-compatibility/2006">
-        <mc:Choice xmlns:a14="http://schemas.microsoft.com/office/drawing/2010/main" Requires="a14">
+      <mc:AlternateContent xmlns:mc="http://schemas.openxmlformats.org/markup-compatibility/2006" xmlns:a14="http://schemas.microsoft.com/office/drawing/2010/main">
+        <mc:Choice Requires="a14">
           <p:sp>
             <p:nvSpPr>
               <p:cNvPr id="20" name="TextBox 19">
@@ -10207,7 +10207,7 @@
             </p:txBody>
           </p:sp>
         </mc:Choice>
-        <mc:Fallback>
+        <mc:Fallback xmlns="">
           <p:sp>
             <p:nvSpPr>
               <p:cNvPr id="20" name="TextBox 19">
@@ -10678,8 +10678,8 @@
           </a:fontRef>
         </p:style>
       </p:cxnSp>
-      <mc:AlternateContent xmlns:mc="http://schemas.openxmlformats.org/markup-compatibility/2006">
-        <mc:Choice xmlns:a14="http://schemas.microsoft.com/office/drawing/2010/main" Requires="a14">
+      <mc:AlternateContent xmlns:mc="http://schemas.openxmlformats.org/markup-compatibility/2006" xmlns:a14="http://schemas.microsoft.com/office/drawing/2010/main">
+        <mc:Choice Requires="a14">
           <p:sp>
             <p:nvSpPr>
               <p:cNvPr id="30" name="TextBox 29">
@@ -10765,7 +10765,7 @@
             </p:txBody>
           </p:sp>
         </mc:Choice>
-        <mc:Fallback>
+        <mc:Fallback xmlns="">
           <p:sp>
             <p:nvSpPr>
               <p:cNvPr id="30" name="TextBox 29">
@@ -11104,8 +11104,8 @@
           </a:p>
         </p:txBody>
       </p:sp>
-      <mc:AlternateContent xmlns:mc="http://schemas.openxmlformats.org/markup-compatibility/2006">
-        <mc:Choice xmlns:a14="http://schemas.microsoft.com/office/drawing/2010/main" Requires="a14">
+      <mc:AlternateContent xmlns:mc="http://schemas.openxmlformats.org/markup-compatibility/2006" xmlns:a14="http://schemas.microsoft.com/office/drawing/2010/main">
+        <mc:Choice Requires="a14">
           <p:sp>
             <p:nvSpPr>
               <p:cNvPr id="37" name="TextBox 36">
@@ -11191,7 +11191,7 @@
             </p:txBody>
           </p:sp>
         </mc:Choice>
-        <mc:Fallback>
+        <mc:Fallback xmlns="">
           <p:sp>
             <p:nvSpPr>
               <p:cNvPr id="37" name="TextBox 36">
@@ -11418,8 +11418,8 @@
           </a:fontRef>
         </p:style>
       </p:cxnSp>
-      <mc:AlternateContent xmlns:mc="http://schemas.openxmlformats.org/markup-compatibility/2006">
-        <mc:Choice xmlns:a14="http://schemas.microsoft.com/office/drawing/2010/main" Requires="a14">
+      <mc:AlternateContent xmlns:mc="http://schemas.openxmlformats.org/markup-compatibility/2006" xmlns:a14="http://schemas.microsoft.com/office/drawing/2010/main">
+        <mc:Choice Requires="a14">
           <p:sp>
             <p:nvSpPr>
               <p:cNvPr id="43" name="TextBox 42">
@@ -11507,7 +11507,7 @@
             </p:txBody>
           </p:sp>
         </mc:Choice>
-        <mc:Fallback>
+        <mc:Fallback xmlns="">
           <p:sp>
             <p:nvSpPr>
               <p:cNvPr id="43" name="TextBox 42">
@@ -11552,8 +11552,8 @@
           </p:sp>
         </mc:Fallback>
       </mc:AlternateContent>
-      <mc:AlternateContent xmlns:mc="http://schemas.openxmlformats.org/markup-compatibility/2006">
-        <mc:Choice xmlns:a14="http://schemas.microsoft.com/office/drawing/2010/main" Requires="a14">
+      <mc:AlternateContent xmlns:mc="http://schemas.openxmlformats.org/markup-compatibility/2006" xmlns:a14="http://schemas.microsoft.com/office/drawing/2010/main">
+        <mc:Choice Requires="a14">
           <p:sp>
             <p:nvSpPr>
               <p:cNvPr id="44" name="TextBox 43">
@@ -11614,7 +11614,7 @@
             </p:txBody>
           </p:sp>
         </mc:Choice>
-        <mc:Fallback>
+        <mc:Fallback xmlns="">
           <p:sp>
             <p:nvSpPr>
               <p:cNvPr id="44" name="TextBox 43">
@@ -11687,7 +11687,6 @@
           </a:bodyPr>
           <a:lstStyle/>
           <a:p>
-            <a:pPr/>
             <a:endParaRPr lang="ru-RU" sz="1400" dirty="0">
               <a:effectLst/>
               <a:latin typeface="Times New Roman" panose="02020603050405020304" pitchFamily="18" charset="0"/>
@@ -11700,8 +11699,8 @@
           </a:p>
         </p:txBody>
       </p:sp>
-      <mc:AlternateContent xmlns:mc="http://schemas.openxmlformats.org/markup-compatibility/2006">
-        <mc:Choice xmlns:a14="http://schemas.microsoft.com/office/drawing/2010/main" Requires="a14">
+      <mc:AlternateContent xmlns:mc="http://schemas.openxmlformats.org/markup-compatibility/2006" xmlns:a14="http://schemas.microsoft.com/office/drawing/2010/main">
+        <mc:Choice Requires="a14">
           <p:sp>
             <p:nvSpPr>
               <p:cNvPr id="46" name="TextBox 45">
@@ -11785,7 +11784,7 @@
             </p:txBody>
           </p:sp>
         </mc:Choice>
-        <mc:Fallback>
+        <mc:Fallback xmlns="">
           <p:sp>
             <p:nvSpPr>
               <p:cNvPr id="46" name="TextBox 45">
@@ -11830,8 +11829,8 @@
           </p:sp>
         </mc:Fallback>
       </mc:AlternateContent>
-      <mc:AlternateContent xmlns:mc="http://schemas.openxmlformats.org/markup-compatibility/2006">
-        <mc:Choice xmlns:a14="http://schemas.microsoft.com/office/drawing/2010/main" Requires="a14">
+      <mc:AlternateContent xmlns:mc="http://schemas.openxmlformats.org/markup-compatibility/2006" xmlns:a14="http://schemas.microsoft.com/office/drawing/2010/main">
+        <mc:Choice Requires="a14">
           <p:sp>
             <p:nvSpPr>
               <p:cNvPr id="47" name="TextBox 46">
@@ -11892,7 +11891,7 @@
             </p:txBody>
           </p:sp>
         </mc:Choice>
-        <mc:Fallback>
+        <mc:Fallback xmlns="">
           <p:sp>
             <p:nvSpPr>
               <p:cNvPr id="47" name="TextBox 46">
@@ -11937,8 +11936,8 @@
           </p:sp>
         </mc:Fallback>
       </mc:AlternateContent>
-      <mc:AlternateContent xmlns:mc="http://schemas.openxmlformats.org/markup-compatibility/2006">
-        <mc:Choice xmlns:a14="http://schemas.microsoft.com/office/drawing/2010/main" Requires="a14">
+      <mc:AlternateContent xmlns:mc="http://schemas.openxmlformats.org/markup-compatibility/2006" xmlns:a14="http://schemas.microsoft.com/office/drawing/2010/main">
+        <mc:Choice Requires="a14">
           <p:sp>
             <p:nvSpPr>
               <p:cNvPr id="48" name="TextBox 47">
@@ -12032,7 +12031,7 @@
             </p:txBody>
           </p:sp>
         </mc:Choice>
-        <mc:Fallback>
+        <mc:Fallback xmlns="">
           <p:sp>
             <p:nvSpPr>
               <p:cNvPr id="48" name="TextBox 47">
@@ -12171,8 +12170,8 @@
           </a:fontRef>
         </p:style>
       </p:cxnSp>
-      <mc:AlternateContent xmlns:mc="http://schemas.openxmlformats.org/markup-compatibility/2006">
-        <mc:Choice xmlns:a14="http://schemas.microsoft.com/office/drawing/2010/main" Requires="a14">
+      <mc:AlternateContent xmlns:mc="http://schemas.openxmlformats.org/markup-compatibility/2006" xmlns:a14="http://schemas.microsoft.com/office/drawing/2010/main">
+        <mc:Choice Requires="a14">
           <p:sp>
             <p:nvSpPr>
               <p:cNvPr id="51" name="TextBox 50">
@@ -12260,7 +12259,7 @@
             </p:txBody>
           </p:sp>
         </mc:Choice>
-        <mc:Fallback>
+        <mc:Fallback xmlns="">
           <p:sp>
             <p:nvSpPr>
               <p:cNvPr id="51" name="TextBox 50">
@@ -12305,8 +12304,8 @@
           </p:sp>
         </mc:Fallback>
       </mc:AlternateContent>
-      <mc:AlternateContent xmlns:mc="http://schemas.openxmlformats.org/markup-compatibility/2006">
-        <mc:Choice xmlns:a14="http://schemas.microsoft.com/office/drawing/2010/main" Requires="a14">
+      <mc:AlternateContent xmlns:mc="http://schemas.openxmlformats.org/markup-compatibility/2006" xmlns:a14="http://schemas.microsoft.com/office/drawing/2010/main">
+        <mc:Choice Requires="a14">
           <p:sp>
             <p:nvSpPr>
               <p:cNvPr id="52" name="TextBox 51">
@@ -12369,7 +12368,7 @@
             </p:txBody>
           </p:sp>
         </mc:Choice>
-        <mc:Fallback>
+        <mc:Fallback xmlns="">
           <p:sp>
             <p:nvSpPr>
               <p:cNvPr id="52" name="TextBox 51">
@@ -12414,8 +12413,8 @@
           </p:sp>
         </mc:Fallback>
       </mc:AlternateContent>
-      <mc:AlternateContent xmlns:mc="http://schemas.openxmlformats.org/markup-compatibility/2006">
-        <mc:Choice xmlns:a14="http://schemas.microsoft.com/office/drawing/2010/main" Requires="a14">
+      <mc:AlternateContent xmlns:mc="http://schemas.openxmlformats.org/markup-compatibility/2006" xmlns:a14="http://schemas.microsoft.com/office/drawing/2010/main">
+        <mc:Choice Requires="a14">
           <p:sp>
             <p:nvSpPr>
               <p:cNvPr id="54" name="TextBox 53">
@@ -12501,7 +12500,7 @@
             </p:txBody>
           </p:sp>
         </mc:Choice>
-        <mc:Fallback>
+        <mc:Fallback xmlns="">
           <p:sp>
             <p:nvSpPr>
               <p:cNvPr id="54" name="TextBox 53">
@@ -12644,8 +12643,8 @@
           </a:fontRef>
         </p:style>
       </p:cxnSp>
-      <mc:AlternateContent xmlns:mc="http://schemas.openxmlformats.org/markup-compatibility/2006">
-        <mc:Choice xmlns:a14="http://schemas.microsoft.com/office/drawing/2010/main" Requires="a14">
+      <mc:AlternateContent xmlns:mc="http://schemas.openxmlformats.org/markup-compatibility/2006" xmlns:a14="http://schemas.microsoft.com/office/drawing/2010/main">
+        <mc:Choice Requires="a14">
           <p:sp>
             <p:nvSpPr>
               <p:cNvPr id="63" name="TextBox 62">
@@ -12705,7 +12704,7 @@
             </p:txBody>
           </p:sp>
         </mc:Choice>
-        <mc:Fallback>
+        <mc:Fallback xmlns="">
           <p:sp>
             <p:nvSpPr>
               <p:cNvPr id="63" name="TextBox 62">
@@ -12750,8 +12749,8 @@
           </p:sp>
         </mc:Fallback>
       </mc:AlternateContent>
-      <mc:AlternateContent xmlns:mc="http://schemas.openxmlformats.org/markup-compatibility/2006">
-        <mc:Choice xmlns:a14="http://schemas.microsoft.com/office/drawing/2010/main" Requires="a14">
+      <mc:AlternateContent xmlns:mc="http://schemas.openxmlformats.org/markup-compatibility/2006" xmlns:a14="http://schemas.microsoft.com/office/drawing/2010/main">
+        <mc:Choice Requires="a14">
           <p:sp>
             <p:nvSpPr>
               <p:cNvPr id="64" name="TextBox 63">
@@ -12811,7 +12810,7 @@
             </p:txBody>
           </p:sp>
         </mc:Choice>
-        <mc:Fallback>
+        <mc:Fallback xmlns="">
           <p:sp>
             <p:nvSpPr>
               <p:cNvPr id="64" name="TextBox 63">
@@ -12856,8 +12855,8 @@
           </p:sp>
         </mc:Fallback>
       </mc:AlternateContent>
-      <mc:AlternateContent xmlns:mc="http://schemas.openxmlformats.org/markup-compatibility/2006">
-        <mc:Choice xmlns:a14="http://schemas.microsoft.com/office/drawing/2010/main" Requires="a14">
+      <mc:AlternateContent xmlns:mc="http://schemas.openxmlformats.org/markup-compatibility/2006" xmlns:a14="http://schemas.microsoft.com/office/drawing/2010/main">
+        <mc:Choice Requires="a14">
           <p:sp>
             <p:nvSpPr>
               <p:cNvPr id="65" name="TextBox 64">
@@ -12917,7 +12916,7 @@
             </p:txBody>
           </p:sp>
         </mc:Choice>
-        <mc:Fallback>
+        <mc:Fallback xmlns="">
           <p:sp>
             <p:nvSpPr>
               <p:cNvPr id="65" name="TextBox 64">
@@ -12992,8 +12991,8 @@
           <a:chExt cx="0" cy="0"/>
         </a:xfrm>
       </p:grpSpPr>
-      <mc:AlternateContent xmlns:mc="http://schemas.openxmlformats.org/markup-compatibility/2006">
-        <mc:Choice xmlns:a14="http://schemas.microsoft.com/office/drawing/2010/main" Requires="a14">
+      <mc:AlternateContent xmlns:mc="http://schemas.openxmlformats.org/markup-compatibility/2006" xmlns:a14="http://schemas.microsoft.com/office/drawing/2010/main">
+        <mc:Choice Requires="a14">
           <p:sp>
             <p:nvSpPr>
               <p:cNvPr id="4" name="TextBox 3">
@@ -13097,7 +13096,7 @@
             </p:txBody>
           </p:sp>
         </mc:Choice>
-        <mc:Fallback>
+        <mc:Fallback xmlns="">
           <p:sp>
             <p:nvSpPr>
               <p:cNvPr id="4" name="TextBox 3">
@@ -13142,8 +13141,8 @@
           </p:sp>
         </mc:Fallback>
       </mc:AlternateContent>
-      <mc:AlternateContent xmlns:mc="http://schemas.openxmlformats.org/markup-compatibility/2006">
-        <mc:Choice xmlns:a14="http://schemas.microsoft.com/office/drawing/2010/main" Requires="a14">
+      <mc:AlternateContent xmlns:mc="http://schemas.openxmlformats.org/markup-compatibility/2006" xmlns:a14="http://schemas.microsoft.com/office/drawing/2010/main">
+        <mc:Choice Requires="a14">
           <p:sp>
             <p:nvSpPr>
               <p:cNvPr id="5" name="TextBox 4">
@@ -13229,7 +13228,7 @@
             </p:txBody>
           </p:sp>
         </mc:Choice>
-        <mc:Fallback>
+        <mc:Fallback xmlns="">
           <p:sp>
             <p:nvSpPr>
               <p:cNvPr id="5" name="TextBox 4">
@@ -13291,7 +13290,7 @@
             <p:spPr>
               <a:xfrm>
                 <a:off x="6019034" y="1873473"/>
-                <a:ext cx="652007" cy="898323"/>
+                <a:ext cx="652007" cy="802912"/>
               </a:xfrm>
               <a:prstGeom prst="rect">
                 <a:avLst/>
@@ -13314,7 +13313,7 @@
                       <m:f>
                         <m:fPr>
                           <m:ctrlPr>
-                            <a:rPr lang="ru-RU" sz="1400" i="1" smtClean="0">
+                            <a:rPr lang="ru-RU" sz="1100" i="1" smtClean="0">
                               <a:effectLst/>
                               <a:latin typeface="Cambria Math" panose="02040503050406030204" pitchFamily="18" charset="0"/>
                               <a:ea typeface="Calibri" panose="020F0502020204030204" pitchFamily="34" charset="0"/>
@@ -13324,20 +13323,21 @@
                         </m:fPr>
                         <m:num>
                           <m:r>
-                            <a:rPr lang="en-US" sz="1400" i="1">
-                              <a:effectLst/>
+                            <m:rPr>
+                              <m:sty m:val="p"/>
+                            </m:rPr>
+                            <a:rPr lang="ru-RU" sz="1400">
                               <a:latin typeface="Cambria Math" panose="02040503050406030204" pitchFamily="18" charset="0"/>
-                              <a:ea typeface="Calibri" panose="020F0502020204030204" pitchFamily="34" charset="0"/>
-                              <a:cs typeface="Times New Roman" panose="02020603050405020304" pitchFamily="18" charset="0"/>
+                              <a:ea typeface="Cambria Math" panose="02040503050406030204" pitchFamily="18" charset="0"/>
                             </a:rPr>
-                            <m:t>1</m:t>
+                            <m:t>ε</m:t>
                           </m:r>
                         </m:num>
                         <m:den>
                           <m:sSub>
                             <m:sSubPr>
                               <m:ctrlPr>
-                                <a:rPr lang="ru-RU" sz="1400" i="1">
+                                <a:rPr lang="ru-RU" sz="1100" i="1">
                                   <a:effectLst/>
                                   <a:latin typeface="Cambria Math" panose="02040503050406030204" pitchFamily="18" charset="0"/>
                                   <a:ea typeface="Calibri" panose="020F0502020204030204" pitchFamily="34" charset="0"/>
@@ -13347,7 +13347,7 @@
                             </m:sSubPr>
                             <m:e>
                               <m:r>
-                                <a:rPr lang="ru-RU" sz="1400" b="0" i="1" smtClean="0">
+                                <a:rPr lang="ru-RU" sz="1100" b="0" i="1" smtClean="0">
                                   <a:effectLst/>
                                   <a:latin typeface="Cambria Math" panose="02040503050406030204" pitchFamily="18" charset="0"/>
                                   <a:ea typeface="Calibri" panose="020F0502020204030204" pitchFamily="34" charset="0"/>
@@ -13356,7 +13356,7 @@
                                 <m:t>(</m:t>
                               </m:r>
                               <m:r>
-                                <a:rPr lang="en-US" sz="1400" i="1">
+                                <a:rPr lang="en-US" sz="1100" i="1">
                                   <a:effectLst/>
                                   <a:latin typeface="Cambria Math" panose="02040503050406030204" pitchFamily="18" charset="0"/>
                                   <a:ea typeface="Calibri" panose="020F0502020204030204" pitchFamily="34" charset="0"/>
@@ -13367,7 +13367,7 @@
                             </m:e>
                             <m:sub>
                               <m:r>
-                                <a:rPr lang="ru-RU" sz="1400" b="0" i="1" smtClean="0">
+                                <a:rPr lang="ru-RU" sz="1100" b="0" i="1" smtClean="0">
                                   <a:effectLst/>
                                   <a:latin typeface="Cambria Math" panose="02040503050406030204" pitchFamily="18" charset="0"/>
                                   <a:ea typeface="Calibri" panose="020F0502020204030204" pitchFamily="34" charset="0"/>
@@ -13378,7 +13378,7 @@
                             </m:sub>
                           </m:sSub>
                           <m:r>
-                            <a:rPr lang="ru-RU" sz="1400" b="0" i="1" smtClean="0">
+                            <a:rPr lang="ru-RU" sz="1100" b="0" i="1" smtClean="0">
                               <a:effectLst/>
                               <a:latin typeface="Cambria Math" panose="02040503050406030204" pitchFamily="18" charset="0"/>
                               <a:ea typeface="Calibri" panose="020F0502020204030204" pitchFamily="34" charset="0"/>
@@ -13389,7 +13389,7 @@
                           <m:sSub>
                             <m:sSubPr>
                               <m:ctrlPr>
-                                <a:rPr lang="ru-RU" sz="1400" i="1">
+                                <a:rPr lang="ru-RU" sz="1100" i="1">
                                   <a:latin typeface="Cambria Math" panose="02040503050406030204" pitchFamily="18" charset="0"/>
                                   <a:ea typeface="Calibri" panose="020F0502020204030204" pitchFamily="34" charset="0"/>
                                   <a:cs typeface="Times New Roman" panose="02020603050405020304" pitchFamily="18" charset="0"/>
@@ -13398,7 +13398,7 @@
                             </m:sSubPr>
                             <m:e>
                               <m:r>
-                                <a:rPr lang="en-US" sz="1400" i="1">
+                                <a:rPr lang="en-US" sz="1100" i="1">
                                   <a:latin typeface="Cambria Math" panose="02040503050406030204" pitchFamily="18" charset="0"/>
                                   <a:ea typeface="Calibri" panose="020F0502020204030204" pitchFamily="34" charset="0"/>
                                   <a:cs typeface="Times New Roman" panose="02020603050405020304" pitchFamily="18" charset="0"/>
@@ -13408,7 +13408,7 @@
                             </m:e>
                             <m:sub>
                               <m:r>
-                                <a:rPr lang="ru-RU" sz="1400" b="0" i="1" smtClean="0">
+                                <a:rPr lang="ru-RU" sz="1100" b="0" i="1" smtClean="0">
                                   <a:latin typeface="Cambria Math" panose="02040503050406030204" pitchFamily="18" charset="0"/>
                                   <a:ea typeface="Calibri" panose="020F0502020204030204" pitchFamily="34" charset="0"/>
                                   <a:cs typeface="Times New Roman" panose="02020603050405020304" pitchFamily="18" charset="0"/>
@@ -13418,7 +13418,7 @@
                             </m:sub>
                           </m:sSub>
                           <m:r>
-                            <a:rPr lang="ru-RU" sz="1400" b="0" i="1" smtClean="0">
+                            <a:rPr lang="ru-RU" sz="1100" b="0" i="1" smtClean="0">
                               <a:effectLst/>
                               <a:latin typeface="Cambria Math" panose="02040503050406030204" pitchFamily="18" charset="0"/>
                               <a:ea typeface="Calibri" panose="020F0502020204030204" pitchFamily="34" charset="0"/>
@@ -13427,7 +13427,7 @@
                             <m:t>)</m:t>
                           </m:r>
                           <m:r>
-                            <a:rPr lang="en-US" sz="1400" i="1">
+                            <a:rPr lang="en-US" sz="1100" i="1">
                               <a:effectLst/>
                               <a:latin typeface="Cambria Math" panose="02040503050406030204" pitchFamily="18" charset="0"/>
                               <a:ea typeface="Calibri" panose="020F0502020204030204" pitchFamily="34" charset="0"/>
@@ -13479,7 +13479,7 @@
             <p:spPr>
               <a:xfrm>
                 <a:off x="6019034" y="1873473"/>
-                <a:ext cx="652007" cy="898323"/>
+                <a:ext cx="652007" cy="802912"/>
               </a:xfrm>
               <a:prstGeom prst="rect">
                 <a:avLst/>
@@ -13487,7 +13487,7 @@
               <a:blipFill>
                 <a:blip r:embed="rId4"/>
                 <a:stretch>
-                  <a:fillRect l="-11215" r="-5607"/>
+                  <a:fillRect/>
                 </a:stretch>
               </a:blipFill>
             </p:spPr>
@@ -13506,8 +13506,8 @@
           </p:sp>
         </mc:Fallback>
       </mc:AlternateContent>
-      <mc:AlternateContent xmlns:mc="http://schemas.openxmlformats.org/markup-compatibility/2006">
-        <mc:Choice xmlns:a14="http://schemas.microsoft.com/office/drawing/2010/main" Requires="a14">
+      <mc:AlternateContent xmlns:mc="http://schemas.openxmlformats.org/markup-compatibility/2006" xmlns:a14="http://schemas.microsoft.com/office/drawing/2010/main">
+        <mc:Choice Requires="a14">
           <p:sp>
             <p:nvSpPr>
               <p:cNvPr id="7" name="TextBox 6">
@@ -13601,7 +13601,7 @@
             </p:txBody>
           </p:sp>
         </mc:Choice>
-        <mc:Fallback>
+        <mc:Fallback xmlns="">
           <p:sp>
             <p:nvSpPr>
               <p:cNvPr id="7" name="TextBox 6">
@@ -13646,8 +13646,8 @@
           </p:sp>
         </mc:Fallback>
       </mc:AlternateContent>
-      <mc:AlternateContent xmlns:mc="http://schemas.openxmlformats.org/markup-compatibility/2006">
-        <mc:Choice xmlns:a14="http://schemas.microsoft.com/office/drawing/2010/main" Requires="a14">
+      <mc:AlternateContent xmlns:mc="http://schemas.openxmlformats.org/markup-compatibility/2006" xmlns:a14="http://schemas.microsoft.com/office/drawing/2010/main">
+        <mc:Choice Requires="a14">
           <p:sp>
             <p:nvSpPr>
               <p:cNvPr id="8" name="TextBox 7">
@@ -13751,7 +13751,7 @@
             </p:txBody>
           </p:sp>
         </mc:Choice>
-        <mc:Fallback>
+        <mc:Fallback xmlns="">
           <p:sp>
             <p:nvSpPr>
               <p:cNvPr id="8" name="TextBox 7">
@@ -14006,8 +14006,8 @@
           </a:p>
         </p:txBody>
       </p:sp>
-      <mc:AlternateContent xmlns:mc="http://schemas.openxmlformats.org/markup-compatibility/2006">
-        <mc:Choice xmlns:a14="http://schemas.microsoft.com/office/drawing/2010/main" Requires="a14">
+      <mc:AlternateContent xmlns:mc="http://schemas.openxmlformats.org/markup-compatibility/2006" xmlns:a14="http://schemas.microsoft.com/office/drawing/2010/main">
+        <mc:Choice Requires="a14">
           <p:sp>
             <p:nvSpPr>
               <p:cNvPr id="19" name="TextBox 18">
@@ -14093,7 +14093,7 @@
             </p:txBody>
           </p:sp>
         </mc:Choice>
-        <mc:Fallback>
+        <mc:Fallback xmlns="">
           <p:sp>
             <p:nvSpPr>
               <p:cNvPr id="19" name="TextBox 18">
@@ -14564,8 +14564,8 @@
           </a:fontRef>
         </p:style>
       </p:cxnSp>
-      <mc:AlternateContent xmlns:mc="http://schemas.openxmlformats.org/markup-compatibility/2006">
-        <mc:Choice xmlns:a14="http://schemas.microsoft.com/office/drawing/2010/main" Requires="a14">
+      <mc:AlternateContent xmlns:mc="http://schemas.openxmlformats.org/markup-compatibility/2006" xmlns:a14="http://schemas.microsoft.com/office/drawing/2010/main">
+        <mc:Choice Requires="a14">
           <p:sp>
             <p:nvSpPr>
               <p:cNvPr id="29" name="TextBox 28">
@@ -14651,7 +14651,7 @@
             </p:txBody>
           </p:sp>
         </mc:Choice>
-        <mc:Fallback>
+        <mc:Fallback xmlns="">
           <p:sp>
             <p:nvSpPr>
               <p:cNvPr id="29" name="TextBox 28">
@@ -14899,8 +14899,8 @@
           </a:p>
         </p:txBody>
       </p:sp>
-      <mc:AlternateContent xmlns:mc="http://schemas.openxmlformats.org/markup-compatibility/2006">
-        <mc:Choice xmlns:a14="http://schemas.microsoft.com/office/drawing/2010/main" Requires="a14">
+      <mc:AlternateContent xmlns:mc="http://schemas.openxmlformats.org/markup-compatibility/2006" xmlns:a14="http://schemas.microsoft.com/office/drawing/2010/main">
+        <mc:Choice Requires="a14">
           <p:sp>
             <p:nvSpPr>
               <p:cNvPr id="34" name="TextBox 33">
@@ -14986,7 +14986,7 @@
             </p:txBody>
           </p:sp>
         </mc:Choice>
-        <mc:Fallback>
+        <mc:Fallback xmlns="">
           <p:sp>
             <p:nvSpPr>
               <p:cNvPr id="34" name="TextBox 33">
@@ -15165,8 +15165,8 @@
           </a:fontRef>
         </p:style>
       </p:cxnSp>
-      <mc:AlternateContent xmlns:mc="http://schemas.openxmlformats.org/markup-compatibility/2006">
-        <mc:Choice xmlns:a14="http://schemas.microsoft.com/office/drawing/2010/main" Requires="a14">
+      <mc:AlternateContent xmlns:mc="http://schemas.openxmlformats.org/markup-compatibility/2006" xmlns:a14="http://schemas.microsoft.com/office/drawing/2010/main">
+        <mc:Choice Requires="a14">
           <p:sp>
             <p:nvSpPr>
               <p:cNvPr id="39" name="TextBox 38">
@@ -15254,7 +15254,7 @@
             </p:txBody>
           </p:sp>
         </mc:Choice>
-        <mc:Fallback>
+        <mc:Fallback xmlns="">
           <p:sp>
             <p:nvSpPr>
               <p:cNvPr id="39" name="TextBox 38">
@@ -15299,8 +15299,8 @@
           </p:sp>
         </mc:Fallback>
       </mc:AlternateContent>
-      <mc:AlternateContent xmlns:mc="http://schemas.openxmlformats.org/markup-compatibility/2006">
-        <mc:Choice xmlns:a14="http://schemas.microsoft.com/office/drawing/2010/main" Requires="a14">
+      <mc:AlternateContent xmlns:mc="http://schemas.openxmlformats.org/markup-compatibility/2006" xmlns:a14="http://schemas.microsoft.com/office/drawing/2010/main">
+        <mc:Choice Requires="a14">
           <p:sp>
             <p:nvSpPr>
               <p:cNvPr id="40" name="TextBox 39">
@@ -15361,7 +15361,7 @@
             </p:txBody>
           </p:sp>
         </mc:Choice>
-        <mc:Fallback>
+        <mc:Fallback xmlns="">
           <p:sp>
             <p:nvSpPr>
               <p:cNvPr id="40" name="TextBox 39">
@@ -15434,7 +15434,6 @@
           </a:bodyPr>
           <a:lstStyle/>
           <a:p>
-            <a:pPr/>
             <a:endParaRPr lang="ru-RU" sz="1400" dirty="0">
               <a:effectLst/>
               <a:latin typeface="Times New Roman" panose="02020603050405020304" pitchFamily="18" charset="0"/>
@@ -15447,8 +15446,8 @@
           </a:p>
         </p:txBody>
       </p:sp>
-      <mc:AlternateContent xmlns:mc="http://schemas.openxmlformats.org/markup-compatibility/2006">
-        <mc:Choice xmlns:a14="http://schemas.microsoft.com/office/drawing/2010/main" Requires="a14">
+      <mc:AlternateContent xmlns:mc="http://schemas.openxmlformats.org/markup-compatibility/2006" xmlns:a14="http://schemas.microsoft.com/office/drawing/2010/main">
+        <mc:Choice Requires="a14">
           <p:sp>
             <p:nvSpPr>
               <p:cNvPr id="42" name="TextBox 41">
@@ -15532,7 +15531,7 @@
             </p:txBody>
           </p:sp>
         </mc:Choice>
-        <mc:Fallback>
+        <mc:Fallback xmlns="">
           <p:sp>
             <p:nvSpPr>
               <p:cNvPr id="42" name="TextBox 41">
@@ -15577,8 +15576,8 @@
           </p:sp>
         </mc:Fallback>
       </mc:AlternateContent>
-      <mc:AlternateContent xmlns:mc="http://schemas.openxmlformats.org/markup-compatibility/2006">
-        <mc:Choice xmlns:a14="http://schemas.microsoft.com/office/drawing/2010/main" Requires="a14">
+      <mc:AlternateContent xmlns:mc="http://schemas.openxmlformats.org/markup-compatibility/2006" xmlns:a14="http://schemas.microsoft.com/office/drawing/2010/main">
+        <mc:Choice Requires="a14">
           <p:sp>
             <p:nvSpPr>
               <p:cNvPr id="43" name="TextBox 42">
@@ -15639,7 +15638,7 @@
             </p:txBody>
           </p:sp>
         </mc:Choice>
-        <mc:Fallback>
+        <mc:Fallback xmlns="">
           <p:sp>
             <p:nvSpPr>
               <p:cNvPr id="43" name="TextBox 42">
@@ -15684,8 +15683,8 @@
           </p:sp>
         </mc:Fallback>
       </mc:AlternateContent>
-      <mc:AlternateContent xmlns:mc="http://schemas.openxmlformats.org/markup-compatibility/2006">
-        <mc:Choice xmlns:a14="http://schemas.microsoft.com/office/drawing/2010/main" Requires="a14">
+      <mc:AlternateContent xmlns:mc="http://schemas.openxmlformats.org/markup-compatibility/2006" xmlns:a14="http://schemas.microsoft.com/office/drawing/2010/main">
+        <mc:Choice Requires="a14">
           <p:sp>
             <p:nvSpPr>
               <p:cNvPr id="44" name="TextBox 43">
@@ -15779,7 +15778,7 @@
             </p:txBody>
           </p:sp>
         </mc:Choice>
-        <mc:Fallback>
+        <mc:Fallback xmlns="">
           <p:sp>
             <p:nvSpPr>
               <p:cNvPr id="44" name="TextBox 43">
@@ -15918,8 +15917,8 @@
           </a:fontRef>
         </p:style>
       </p:cxnSp>
-      <mc:AlternateContent xmlns:mc="http://schemas.openxmlformats.org/markup-compatibility/2006">
-        <mc:Choice xmlns:a14="http://schemas.microsoft.com/office/drawing/2010/main" Requires="a14">
+      <mc:AlternateContent xmlns:mc="http://schemas.openxmlformats.org/markup-compatibility/2006" xmlns:a14="http://schemas.microsoft.com/office/drawing/2010/main">
+        <mc:Choice Requires="a14">
           <p:sp>
             <p:nvSpPr>
               <p:cNvPr id="47" name="TextBox 46">
@@ -16007,7 +16006,7 @@
             </p:txBody>
           </p:sp>
         </mc:Choice>
-        <mc:Fallback>
+        <mc:Fallback xmlns="">
           <p:sp>
             <p:nvSpPr>
               <p:cNvPr id="47" name="TextBox 46">
@@ -16052,8 +16051,8 @@
           </p:sp>
         </mc:Fallback>
       </mc:AlternateContent>
-      <mc:AlternateContent xmlns:mc="http://schemas.openxmlformats.org/markup-compatibility/2006">
-        <mc:Choice xmlns:a14="http://schemas.microsoft.com/office/drawing/2010/main" Requires="a14">
+      <mc:AlternateContent xmlns:mc="http://schemas.openxmlformats.org/markup-compatibility/2006" xmlns:a14="http://schemas.microsoft.com/office/drawing/2010/main">
+        <mc:Choice Requires="a14">
           <p:sp>
             <p:nvSpPr>
               <p:cNvPr id="48" name="TextBox 47">
@@ -16116,7 +16115,7 @@
             </p:txBody>
           </p:sp>
         </mc:Choice>
-        <mc:Fallback>
+        <mc:Fallback xmlns="">
           <p:sp>
             <p:nvSpPr>
               <p:cNvPr id="48" name="TextBox 47">
@@ -16161,8 +16160,8 @@
           </p:sp>
         </mc:Fallback>
       </mc:AlternateContent>
-      <mc:AlternateContent xmlns:mc="http://schemas.openxmlformats.org/markup-compatibility/2006">
-        <mc:Choice xmlns:a14="http://schemas.microsoft.com/office/drawing/2010/main" Requires="a14">
+      <mc:AlternateContent xmlns:mc="http://schemas.openxmlformats.org/markup-compatibility/2006" xmlns:a14="http://schemas.microsoft.com/office/drawing/2010/main">
+        <mc:Choice Requires="a14">
           <p:sp>
             <p:nvSpPr>
               <p:cNvPr id="49" name="TextBox 48">
@@ -16266,7 +16265,7 @@
             </p:txBody>
           </p:sp>
         </mc:Choice>
-        <mc:Fallback>
+        <mc:Fallback xmlns="">
           <p:sp>
             <p:nvSpPr>
               <p:cNvPr id="49" name="TextBox 48">
@@ -16452,8 +16451,8 @@
           </a:fontRef>
         </p:style>
       </p:cxnSp>
-      <mc:AlternateContent xmlns:mc="http://schemas.openxmlformats.org/markup-compatibility/2006">
-        <mc:Choice xmlns:a14="http://schemas.microsoft.com/office/drawing/2010/main" Requires="a14">
+      <mc:AlternateContent xmlns:mc="http://schemas.openxmlformats.org/markup-compatibility/2006" xmlns:a14="http://schemas.microsoft.com/office/drawing/2010/main">
+        <mc:Choice Requires="a14">
           <p:sp>
             <p:nvSpPr>
               <p:cNvPr id="53" name="TextBox 52">
@@ -16482,6 +16481,7 @@
               </a:bodyPr>
               <a:lstStyle/>
               <a:p>
+                <a:pPr/>
                 <a14:m>
                   <m:oMathPara xmlns:m="http://schemas.openxmlformats.org/officeDocument/2006/math">
                     <m:oMathParaPr>
@@ -16539,7 +16539,6 @@
                 <a:endParaRPr lang="ru-RU" dirty="0"/>
               </a:p>
               <a:p>
-                <a:pPr/>
                 <a:endParaRPr lang="ru-RU" sz="1400" dirty="0">
                   <a:effectLst/>
                   <a:latin typeface="Times New Roman" panose="02020603050405020304" pitchFamily="18" charset="0"/>
@@ -16553,7 +16552,7 @@
             </p:txBody>
           </p:sp>
         </mc:Choice>
-        <mc:Fallback>
+        <mc:Fallback xmlns="">
           <p:sp>
             <p:nvSpPr>
               <p:cNvPr id="53" name="TextBox 52">
@@ -16786,8 +16785,8 @@
           </a:fontRef>
         </p:style>
       </p:cxnSp>
-      <mc:AlternateContent xmlns:mc="http://schemas.openxmlformats.org/markup-compatibility/2006">
-        <mc:Choice xmlns:a14="http://schemas.microsoft.com/office/drawing/2010/main" Requires="a14">
+      <mc:AlternateContent xmlns:mc="http://schemas.openxmlformats.org/markup-compatibility/2006" xmlns:a14="http://schemas.microsoft.com/office/drawing/2010/main">
+        <mc:Choice Requires="a14">
           <p:sp>
             <p:nvSpPr>
               <p:cNvPr id="58" name="TextBox 57">
@@ -16873,7 +16872,7 @@
             </p:txBody>
           </p:sp>
         </mc:Choice>
-        <mc:Fallback>
+        <mc:Fallback xmlns="">
           <p:sp>
             <p:nvSpPr>
               <p:cNvPr id="58" name="TextBox 57">
@@ -17015,8 +17014,8 @@
           </a:fontRef>
         </p:style>
       </p:cxnSp>
-      <mc:AlternateContent xmlns:mc="http://schemas.openxmlformats.org/markup-compatibility/2006">
-        <mc:Choice xmlns:a14="http://schemas.microsoft.com/office/drawing/2010/main" Requires="a14">
+      <mc:AlternateContent xmlns:mc="http://schemas.openxmlformats.org/markup-compatibility/2006" xmlns:a14="http://schemas.microsoft.com/office/drawing/2010/main">
+        <mc:Choice Requires="a14">
           <p:sp>
             <p:nvSpPr>
               <p:cNvPr id="68" name="TextBox 67">
@@ -17076,7 +17075,7 @@
             </p:txBody>
           </p:sp>
         </mc:Choice>
-        <mc:Fallback>
+        <mc:Fallback xmlns="">
           <p:sp>
             <p:nvSpPr>
               <p:cNvPr id="68" name="TextBox 67">
@@ -17121,8 +17120,8 @@
           </p:sp>
         </mc:Fallback>
       </mc:AlternateContent>
-      <mc:AlternateContent xmlns:mc="http://schemas.openxmlformats.org/markup-compatibility/2006">
-        <mc:Choice xmlns:a14="http://schemas.microsoft.com/office/drawing/2010/main" Requires="a14">
+      <mc:AlternateContent xmlns:mc="http://schemas.openxmlformats.org/markup-compatibility/2006" xmlns:a14="http://schemas.microsoft.com/office/drawing/2010/main">
+        <mc:Choice Requires="a14">
           <p:sp>
             <p:nvSpPr>
               <p:cNvPr id="69" name="TextBox 68">
@@ -17182,7 +17181,7 @@
             </p:txBody>
           </p:sp>
         </mc:Choice>
-        <mc:Fallback>
+        <mc:Fallback xmlns="">
           <p:sp>
             <p:nvSpPr>
               <p:cNvPr id="69" name="TextBox 68">
@@ -17227,8 +17226,8 @@
           </p:sp>
         </mc:Fallback>
       </mc:AlternateContent>
-      <mc:AlternateContent xmlns:mc="http://schemas.openxmlformats.org/markup-compatibility/2006">
-        <mc:Choice xmlns:a14="http://schemas.microsoft.com/office/drawing/2010/main" Requires="a14">
+      <mc:AlternateContent xmlns:mc="http://schemas.openxmlformats.org/markup-compatibility/2006" xmlns:a14="http://schemas.microsoft.com/office/drawing/2010/main">
+        <mc:Choice Requires="a14">
           <p:sp>
             <p:nvSpPr>
               <p:cNvPr id="70" name="TextBox 69">
@@ -17288,7 +17287,7 @@
             </p:txBody>
           </p:sp>
         </mc:Choice>
-        <mc:Fallback>
+        <mc:Fallback xmlns="">
           <p:sp>
             <p:nvSpPr>
               <p:cNvPr id="70" name="TextBox 69">

--- a/txt/schemes.pptx
+++ b/txt/schemes.pptx
@@ -9,6 +9,7 @@
     <p:sldId id="259" r:id="rId3"/>
     <p:sldId id="257" r:id="rId4"/>
     <p:sldId id="258" r:id="rId5"/>
+    <p:sldId id="260" r:id="rId6"/>
   </p:sldIdLst>
   <p:sldSz cx="12192000" cy="6858000"/>
   <p:notesSz cx="6858000" cy="9144000"/>
@@ -119,8 +120,8 @@
 <pc:chgInfo xmlns:a="http://schemas.openxmlformats.org/drawingml/2006/main" xmlns:r="http://schemas.openxmlformats.org/officeDocument/2006/relationships" xmlns:ac="http://schemas.microsoft.com/office/drawing/2013/main/command" xmlns:pc="http://schemas.microsoft.com/office/powerpoint/2013/main/command">
   <pc:docChgLst>
     <pc:chgData name="Otto Schefer" userId="fd5a25951ba882f8" providerId="LiveId" clId="{01312597-0B54-46BE-906A-F240F5E61C87}"/>
-    <pc:docChg chg="undo custSel addSld modSld">
-      <pc:chgData name="Otto Schefer" userId="fd5a25951ba882f8" providerId="LiveId" clId="{01312597-0B54-46BE-906A-F240F5E61C87}" dt="2021-05-19T21:47:33.576" v="302" actId="208"/>
+    <pc:docChg chg="undo custSel addSld delSld modSld">
+      <pc:chgData name="Otto Schefer" userId="fd5a25951ba882f8" providerId="LiveId" clId="{01312597-0B54-46BE-906A-F240F5E61C87}" dt="2021-05-22T20:56:13.094" v="461" actId="1076"/>
       <pc:docMkLst>
         <pc:docMk/>
       </pc:docMkLst>
@@ -1442,7 +1443,7 @@
         </pc:cxnChg>
       </pc:sldChg>
       <pc:sldChg chg="addSp delSp modSp new mod">
-        <pc:chgData name="Otto Schefer" userId="fd5a25951ba882f8" providerId="LiveId" clId="{01312597-0B54-46BE-906A-F240F5E61C87}" dt="2021-05-19T21:47:33.576" v="302" actId="208"/>
+        <pc:chgData name="Otto Schefer" userId="fd5a25951ba882f8" providerId="LiveId" clId="{01312597-0B54-46BE-906A-F240F5E61C87}" dt="2021-05-22T20:55:28.785" v="459" actId="571"/>
         <pc:sldMkLst>
           <pc:docMk/>
           <pc:sldMk cId="3605550184" sldId="259"/>
@@ -1904,6 +1905,14 @@
           </ac:cxnSpMkLst>
         </pc:cxnChg>
         <pc:cxnChg chg="add mod">
+          <ac:chgData name="Otto Schefer" userId="fd5a25951ba882f8" providerId="LiveId" clId="{01312597-0B54-46BE-906A-F240F5E61C87}" dt="2021-05-22T20:55:28.785" v="459" actId="571"/>
+          <ac:cxnSpMkLst>
+            <pc:docMk/>
+            <pc:sldMk cId="3605550184" sldId="259"/>
+            <ac:cxnSpMk id="53" creationId="{722C90DB-FBE0-4575-9C52-4B8245200257}"/>
+          </ac:cxnSpMkLst>
+        </pc:cxnChg>
+        <pc:cxnChg chg="add mod">
           <ac:chgData name="Otto Schefer" userId="fd5a25951ba882f8" providerId="LiveId" clId="{01312597-0B54-46BE-906A-F240F5E61C87}" dt="2021-05-19T21:41:35.150" v="295" actId="208"/>
           <ac:cxnSpMkLst>
             <pc:docMk/>
@@ -2023,6 +2032,332 @@
             <ac:cxnSpMk id="104" creationId="{35A200C0-49C8-45A1-857A-EF6BDDAB1561}"/>
           </ac:cxnSpMkLst>
         </pc:cxnChg>
+      </pc:sldChg>
+      <pc:sldChg chg="addSp delSp modSp new mod">
+        <pc:chgData name="Otto Schefer" userId="fd5a25951ba882f8" providerId="LiveId" clId="{01312597-0B54-46BE-906A-F240F5E61C87}" dt="2021-05-22T20:56:13.094" v="461" actId="1076"/>
+        <pc:sldMkLst>
+          <pc:docMk/>
+          <pc:sldMk cId="428892733" sldId="260"/>
+        </pc:sldMkLst>
+        <pc:spChg chg="del">
+          <ac:chgData name="Otto Schefer" userId="fd5a25951ba882f8" providerId="LiveId" clId="{01312597-0B54-46BE-906A-F240F5E61C87}" dt="2021-05-22T20:47:55.727" v="305" actId="478"/>
+          <ac:spMkLst>
+            <pc:docMk/>
+            <pc:sldMk cId="428892733" sldId="260"/>
+            <ac:spMk id="2" creationId="{379AF8E3-6256-45D5-BB0C-34B60135A954}"/>
+          </ac:spMkLst>
+        </pc:spChg>
+        <pc:spChg chg="del">
+          <ac:chgData name="Otto Schefer" userId="fd5a25951ba882f8" providerId="LiveId" clId="{01312597-0B54-46BE-906A-F240F5E61C87}" dt="2021-05-22T20:47:50.747" v="304" actId="478"/>
+          <ac:spMkLst>
+            <pc:docMk/>
+            <pc:sldMk cId="428892733" sldId="260"/>
+            <ac:spMk id="3" creationId="{74B76F5D-0A88-461A-9F29-0C751DC0B467}"/>
+          </ac:spMkLst>
+        </pc:spChg>
+        <pc:spChg chg="add mod">
+          <ac:chgData name="Otto Schefer" userId="fd5a25951ba882f8" providerId="LiveId" clId="{01312597-0B54-46BE-906A-F240F5E61C87}" dt="2021-05-22T20:52:49.086" v="425" actId="1036"/>
+          <ac:spMkLst>
+            <pc:docMk/>
+            <pc:sldMk cId="428892733" sldId="260"/>
+            <ac:spMk id="4" creationId="{84E0B761-1D02-4453-9081-7F993E1D8DCE}"/>
+          </ac:spMkLst>
+        </pc:spChg>
+        <pc:spChg chg="add mod">
+          <ac:chgData name="Otto Schefer" userId="fd5a25951ba882f8" providerId="LiveId" clId="{01312597-0B54-46BE-906A-F240F5E61C87}" dt="2021-05-22T20:53:06.031" v="437" actId="1035"/>
+          <ac:spMkLst>
+            <pc:docMk/>
+            <pc:sldMk cId="428892733" sldId="260"/>
+            <ac:spMk id="5" creationId="{721D13F5-490E-400F-972C-A03096BC2AD9}"/>
+          </ac:spMkLst>
+        </pc:spChg>
+        <pc:spChg chg="add mod">
+          <ac:chgData name="Otto Schefer" userId="fd5a25951ba882f8" providerId="LiveId" clId="{01312597-0B54-46BE-906A-F240F5E61C87}" dt="2021-05-22T20:52:49.086" v="425" actId="1036"/>
+          <ac:spMkLst>
+            <pc:docMk/>
+            <pc:sldMk cId="428892733" sldId="260"/>
+            <ac:spMk id="6" creationId="{175DEEC5-D578-4630-9B21-33C2E5C6DC15}"/>
+          </ac:spMkLst>
+        </pc:spChg>
+        <pc:spChg chg="add del mod">
+          <ac:chgData name="Otto Schefer" userId="fd5a25951ba882f8" providerId="LiveId" clId="{01312597-0B54-46BE-906A-F240F5E61C87}" dt="2021-05-22T20:48:03.153" v="307" actId="478"/>
+          <ac:spMkLst>
+            <pc:docMk/>
+            <pc:sldMk cId="428892733" sldId="260"/>
+            <ac:spMk id="7" creationId="{DEA4393D-3CA3-4535-B3B7-B26F4A519A08}"/>
+          </ac:spMkLst>
+        </pc:spChg>
+        <pc:spChg chg="add mod">
+          <ac:chgData name="Otto Schefer" userId="fd5a25951ba882f8" providerId="LiveId" clId="{01312597-0B54-46BE-906A-F240F5E61C87}" dt="2021-05-22T20:53:06.031" v="437" actId="1035"/>
+          <ac:spMkLst>
+            <pc:docMk/>
+            <pc:sldMk cId="428892733" sldId="260"/>
+            <ac:spMk id="8" creationId="{1674A0BC-E855-4A59-B7A3-BD99E1202727}"/>
+          </ac:spMkLst>
+        </pc:spChg>
+        <pc:spChg chg="add mod">
+          <ac:chgData name="Otto Schefer" userId="fd5a25951ba882f8" providerId="LiveId" clId="{01312597-0B54-46BE-906A-F240F5E61C87}" dt="2021-05-22T20:53:59.494" v="444" actId="1076"/>
+          <ac:spMkLst>
+            <pc:docMk/>
+            <pc:sldMk cId="428892733" sldId="260"/>
+            <ac:spMk id="11" creationId="{580915D7-AD30-4826-A43E-4E87ED7AAE71}"/>
+          </ac:spMkLst>
+        </pc:spChg>
+        <pc:spChg chg="add del mod">
+          <ac:chgData name="Otto Schefer" userId="fd5a25951ba882f8" providerId="LiveId" clId="{01312597-0B54-46BE-906A-F240F5E61C87}" dt="2021-05-22T20:48:19.390" v="317" actId="478"/>
+          <ac:spMkLst>
+            <pc:docMk/>
+            <pc:sldMk cId="428892733" sldId="260"/>
+            <ac:spMk id="12" creationId="{BD550C32-FA5C-476D-AE3E-DBC1EB58A379}"/>
+          </ac:spMkLst>
+        </pc:spChg>
+        <pc:spChg chg="add del mod">
+          <ac:chgData name="Otto Schefer" userId="fd5a25951ba882f8" providerId="LiveId" clId="{01312597-0B54-46BE-906A-F240F5E61C87}" dt="2021-05-22T20:48:17.166" v="314" actId="478"/>
+          <ac:spMkLst>
+            <pc:docMk/>
+            <pc:sldMk cId="428892733" sldId="260"/>
+            <ac:spMk id="13" creationId="{7797E3CE-56E1-408F-9884-909BD0D14549}"/>
+          </ac:spMkLst>
+        </pc:spChg>
+        <pc:spChg chg="add del mod">
+          <ac:chgData name="Otto Schefer" userId="fd5a25951ba882f8" providerId="LiveId" clId="{01312597-0B54-46BE-906A-F240F5E61C87}" dt="2021-05-22T20:51:07.375" v="389" actId="478"/>
+          <ac:spMkLst>
+            <pc:docMk/>
+            <pc:sldMk cId="428892733" sldId="260"/>
+            <ac:spMk id="17" creationId="{064B6ABC-C302-4F32-8235-727E84F8ABBD}"/>
+          </ac:spMkLst>
+        </pc:spChg>
+        <pc:spChg chg="add del mod">
+          <ac:chgData name="Otto Schefer" userId="fd5a25951ba882f8" providerId="LiveId" clId="{01312597-0B54-46BE-906A-F240F5E61C87}" dt="2021-05-22T20:50:54.255" v="383" actId="478"/>
+          <ac:spMkLst>
+            <pc:docMk/>
+            <pc:sldMk cId="428892733" sldId="260"/>
+            <ac:spMk id="18" creationId="{D9383717-800A-4F35-8331-DD23A5FA1043}"/>
+          </ac:spMkLst>
+        </pc:spChg>
+        <pc:spChg chg="add del mod">
+          <ac:chgData name="Otto Schefer" userId="fd5a25951ba882f8" providerId="LiveId" clId="{01312597-0B54-46BE-906A-F240F5E61C87}" dt="2021-05-22T20:48:15.038" v="313" actId="478"/>
+          <ac:spMkLst>
+            <pc:docMk/>
+            <pc:sldMk cId="428892733" sldId="260"/>
+            <ac:spMk id="19" creationId="{814E0477-8882-46B6-9DD7-F56C9A39BD0E}"/>
+          </ac:spMkLst>
+        </pc:spChg>
+        <pc:spChg chg="add del mod">
+          <ac:chgData name="Otto Schefer" userId="fd5a25951ba882f8" providerId="LiveId" clId="{01312597-0B54-46BE-906A-F240F5E61C87}" dt="2021-05-22T20:48:12.718" v="311" actId="478"/>
+          <ac:spMkLst>
+            <pc:docMk/>
+            <pc:sldMk cId="428892733" sldId="260"/>
+            <ac:spMk id="20" creationId="{DF87E4CC-DC70-4836-952E-67188A42B04B}"/>
+          </ac:spMkLst>
+        </pc:spChg>
+        <pc:spChg chg="add mod">
+          <ac:chgData name="Otto Schefer" userId="fd5a25951ba882f8" providerId="LiveId" clId="{01312597-0B54-46BE-906A-F240F5E61C87}" dt="2021-05-22T20:56:13.094" v="461" actId="1076"/>
+          <ac:spMkLst>
+            <pc:docMk/>
+            <pc:sldMk cId="428892733" sldId="260"/>
+            <ac:spMk id="23" creationId="{52363669-2B07-4EA0-9778-18BF73072118}"/>
+          </ac:spMkLst>
+        </pc:spChg>
+        <pc:spChg chg="add mod">
+          <ac:chgData name="Otto Schefer" userId="fd5a25951ba882f8" providerId="LiveId" clId="{01312597-0B54-46BE-906A-F240F5E61C87}" dt="2021-05-22T20:52:49.086" v="425" actId="1036"/>
+          <ac:spMkLst>
+            <pc:docMk/>
+            <pc:sldMk cId="428892733" sldId="260"/>
+            <ac:spMk id="29" creationId="{02D91855-69AB-45DD-8453-08C3724C8D97}"/>
+          </ac:spMkLst>
+        </pc:spChg>
+        <pc:spChg chg="add mod">
+          <ac:chgData name="Otto Schefer" userId="fd5a25951ba882f8" providerId="LiveId" clId="{01312597-0B54-46BE-906A-F240F5E61C87}" dt="2021-05-22T20:52:49.086" v="425" actId="1036"/>
+          <ac:spMkLst>
+            <pc:docMk/>
+            <pc:sldMk cId="428892733" sldId="260"/>
+            <ac:spMk id="30" creationId="{3E7DDE2B-906C-46A6-90FA-7F384C5742C6}"/>
+          </ac:spMkLst>
+        </pc:spChg>
+        <pc:spChg chg="add mod">
+          <ac:chgData name="Otto Schefer" userId="fd5a25951ba882f8" providerId="LiveId" clId="{01312597-0B54-46BE-906A-F240F5E61C87}" dt="2021-05-22T20:52:49.086" v="425" actId="1036"/>
+          <ac:spMkLst>
+            <pc:docMk/>
+            <pc:sldMk cId="428892733" sldId="260"/>
+            <ac:spMk id="31" creationId="{4EDECD4F-71BB-4EBF-A71D-F74EC52F38A0}"/>
+          </ac:spMkLst>
+        </pc:spChg>
+        <pc:spChg chg="add mod">
+          <ac:chgData name="Otto Schefer" userId="fd5a25951ba882f8" providerId="LiveId" clId="{01312597-0B54-46BE-906A-F240F5E61C87}" dt="2021-05-22T20:52:49.086" v="425" actId="1036"/>
+          <ac:spMkLst>
+            <pc:docMk/>
+            <pc:sldMk cId="428892733" sldId="260"/>
+            <ac:spMk id="32" creationId="{5AAFA3A5-2049-44D5-B4C2-9C4462CC9342}"/>
+          </ac:spMkLst>
+        </pc:spChg>
+        <pc:spChg chg="add mod">
+          <ac:chgData name="Otto Schefer" userId="fd5a25951ba882f8" providerId="LiveId" clId="{01312597-0B54-46BE-906A-F240F5E61C87}" dt="2021-05-22T20:52:17.544" v="416" actId="1076"/>
+          <ac:spMkLst>
+            <pc:docMk/>
+            <pc:sldMk cId="428892733" sldId="260"/>
+            <ac:spMk id="33" creationId="{C3B6A417-0382-47AA-A526-0FDE3732BBEC}"/>
+          </ac:spMkLst>
+        </pc:spChg>
+        <pc:cxnChg chg="add del mod">
+          <ac:chgData name="Otto Schefer" userId="fd5a25951ba882f8" providerId="LiveId" clId="{01312597-0B54-46BE-906A-F240F5E61C87}" dt="2021-05-22T20:50:54.734" v="384" actId="478"/>
+          <ac:cxnSpMkLst>
+            <pc:docMk/>
+            <pc:sldMk cId="428892733" sldId="260"/>
+            <ac:cxnSpMk id="9" creationId="{9E58F83B-666B-4715-9204-5E0A2CF442F6}"/>
+          </ac:cxnSpMkLst>
+        </pc:cxnChg>
+        <pc:cxnChg chg="add del mod">
+          <ac:chgData name="Otto Schefer" userId="fd5a25951ba882f8" providerId="LiveId" clId="{01312597-0B54-46BE-906A-F240F5E61C87}" dt="2021-05-22T20:48:07.310" v="309" actId="478"/>
+          <ac:cxnSpMkLst>
+            <pc:docMk/>
+            <pc:sldMk cId="428892733" sldId="260"/>
+            <ac:cxnSpMk id="10" creationId="{1144D488-A2E5-4775-A17F-CFBEFFCE1988}"/>
+          </ac:cxnSpMkLst>
+        </pc:cxnChg>
+        <pc:cxnChg chg="add del mod">
+          <ac:chgData name="Otto Schefer" userId="fd5a25951ba882f8" providerId="LiveId" clId="{01312597-0B54-46BE-906A-F240F5E61C87}" dt="2021-05-22T20:51:03.502" v="387" actId="478"/>
+          <ac:cxnSpMkLst>
+            <pc:docMk/>
+            <pc:sldMk cId="428892733" sldId="260"/>
+            <ac:cxnSpMk id="14" creationId="{87C52D6F-3080-4DEF-9D36-EF5C4F709F45}"/>
+          </ac:cxnSpMkLst>
+        </pc:cxnChg>
+        <pc:cxnChg chg="add del mod">
+          <ac:chgData name="Otto Schefer" userId="fd5a25951ba882f8" providerId="LiveId" clId="{01312597-0B54-46BE-906A-F240F5E61C87}" dt="2021-05-22T20:48:05.871" v="308" actId="478"/>
+          <ac:cxnSpMkLst>
+            <pc:docMk/>
+            <pc:sldMk cId="428892733" sldId="260"/>
+            <ac:cxnSpMk id="15" creationId="{71701F17-33C9-4EDA-A170-DC7AF6BDA333}"/>
+          </ac:cxnSpMkLst>
+        </pc:cxnChg>
+        <pc:cxnChg chg="add del mod">
+          <ac:chgData name="Otto Schefer" userId="fd5a25951ba882f8" providerId="LiveId" clId="{01312597-0B54-46BE-906A-F240F5E61C87}" dt="2021-05-22T20:51:07.951" v="390" actId="478"/>
+          <ac:cxnSpMkLst>
+            <pc:docMk/>
+            <pc:sldMk cId="428892733" sldId="260"/>
+            <ac:cxnSpMk id="16" creationId="{881AFAE9-84AE-4E45-ABE2-A9CB69F6F7DF}"/>
+          </ac:cxnSpMkLst>
+        </pc:cxnChg>
+        <pc:cxnChg chg="add del mod">
+          <ac:chgData name="Otto Schefer" userId="fd5a25951ba882f8" providerId="LiveId" clId="{01312597-0B54-46BE-906A-F240F5E61C87}" dt="2021-05-22T20:48:11.214" v="310" actId="478"/>
+          <ac:cxnSpMkLst>
+            <pc:docMk/>
+            <pc:sldMk cId="428892733" sldId="260"/>
+            <ac:cxnSpMk id="21" creationId="{CB125412-5D0D-4EC2-88CE-EF31704C8E1B}"/>
+          </ac:cxnSpMkLst>
+        </pc:cxnChg>
+        <pc:cxnChg chg="add del mod">
+          <ac:chgData name="Otto Schefer" userId="fd5a25951ba882f8" providerId="LiveId" clId="{01312597-0B54-46BE-906A-F240F5E61C87}" dt="2021-05-22T20:48:20.526" v="318" actId="478"/>
+          <ac:cxnSpMkLst>
+            <pc:docMk/>
+            <pc:sldMk cId="428892733" sldId="260"/>
+            <ac:cxnSpMk id="22" creationId="{465187E6-E083-45F0-8C35-4C223E404755}"/>
+          </ac:cxnSpMkLst>
+        </pc:cxnChg>
+        <pc:cxnChg chg="add mod">
+          <ac:chgData name="Otto Schefer" userId="fd5a25951ba882f8" providerId="LiveId" clId="{01312597-0B54-46BE-906A-F240F5E61C87}" dt="2021-05-22T20:55:06.331" v="457" actId="208"/>
+          <ac:cxnSpMkLst>
+            <pc:docMk/>
+            <pc:sldMk cId="428892733" sldId="260"/>
+            <ac:cxnSpMk id="35" creationId="{6D004D29-CB78-4917-A29F-CB33CDADB8E2}"/>
+          </ac:cxnSpMkLst>
+        </pc:cxnChg>
+        <pc:cxnChg chg="add mod">
+          <ac:chgData name="Otto Schefer" userId="fd5a25951ba882f8" providerId="LiveId" clId="{01312597-0B54-46BE-906A-F240F5E61C87}" dt="2021-05-22T20:55:06.331" v="457" actId="208"/>
+          <ac:cxnSpMkLst>
+            <pc:docMk/>
+            <pc:sldMk cId="428892733" sldId="260"/>
+            <ac:cxnSpMk id="37" creationId="{D5733BC4-B80C-453A-AA28-B5B3230C3B04}"/>
+          </ac:cxnSpMkLst>
+        </pc:cxnChg>
+        <pc:cxnChg chg="add mod">
+          <ac:chgData name="Otto Schefer" userId="fd5a25951ba882f8" providerId="LiveId" clId="{01312597-0B54-46BE-906A-F240F5E61C87}" dt="2021-05-22T20:55:06.331" v="457" actId="208"/>
+          <ac:cxnSpMkLst>
+            <pc:docMk/>
+            <pc:sldMk cId="428892733" sldId="260"/>
+            <ac:cxnSpMk id="39" creationId="{B4692B33-CA0A-4E9A-AAA5-86A076C8EFD0}"/>
+          </ac:cxnSpMkLst>
+        </pc:cxnChg>
+        <pc:cxnChg chg="add mod">
+          <ac:chgData name="Otto Schefer" userId="fd5a25951ba882f8" providerId="LiveId" clId="{01312597-0B54-46BE-906A-F240F5E61C87}" dt="2021-05-22T20:55:06.331" v="457" actId="208"/>
+          <ac:cxnSpMkLst>
+            <pc:docMk/>
+            <pc:sldMk cId="428892733" sldId="260"/>
+            <ac:cxnSpMk id="44" creationId="{356C98B4-57B9-44C2-A27E-159559769A69}"/>
+          </ac:cxnSpMkLst>
+        </pc:cxnChg>
+        <pc:cxnChg chg="add del mod">
+          <ac:chgData name="Otto Schefer" userId="fd5a25951ba882f8" providerId="LiveId" clId="{01312597-0B54-46BE-906A-F240F5E61C87}" dt="2021-05-22T20:54:01.453" v="445" actId="478"/>
+          <ac:cxnSpMkLst>
+            <pc:docMk/>
+            <pc:sldMk cId="428892733" sldId="260"/>
+            <ac:cxnSpMk id="46" creationId="{3A4A4DBD-4B1E-41F1-98AE-6B2248327171}"/>
+          </ac:cxnSpMkLst>
+        </pc:cxnChg>
+        <pc:cxnChg chg="add del mod">
+          <ac:chgData name="Otto Schefer" userId="fd5a25951ba882f8" providerId="LiveId" clId="{01312597-0B54-46BE-906A-F240F5E61C87}" dt="2021-05-22T20:54:02.414" v="446" actId="478"/>
+          <ac:cxnSpMkLst>
+            <pc:docMk/>
+            <pc:sldMk cId="428892733" sldId="260"/>
+            <ac:cxnSpMk id="48" creationId="{DA2EAABD-5307-42B3-A793-D52502F477AA}"/>
+          </ac:cxnSpMkLst>
+        </pc:cxnChg>
+        <pc:cxnChg chg="add mod">
+          <ac:chgData name="Otto Schefer" userId="fd5a25951ba882f8" providerId="LiveId" clId="{01312597-0B54-46BE-906A-F240F5E61C87}" dt="2021-05-22T20:55:11.029" v="458" actId="208"/>
+          <ac:cxnSpMkLst>
+            <pc:docMk/>
+            <pc:sldMk cId="428892733" sldId="260"/>
+            <ac:cxnSpMk id="50" creationId="{EA7D3950-2123-4982-BCF2-BB3C16045C7E}"/>
+          </ac:cxnSpMkLst>
+        </pc:cxnChg>
+        <pc:cxnChg chg="add mod">
+          <ac:chgData name="Otto Schefer" userId="fd5a25951ba882f8" providerId="LiveId" clId="{01312597-0B54-46BE-906A-F240F5E61C87}" dt="2021-05-22T20:55:06.331" v="457" actId="208"/>
+          <ac:cxnSpMkLst>
+            <pc:docMk/>
+            <pc:sldMk cId="428892733" sldId="260"/>
+            <ac:cxnSpMk id="55" creationId="{220E78C2-94DE-4A59-9D5B-00F863EAB1D2}"/>
+          </ac:cxnSpMkLst>
+        </pc:cxnChg>
+        <pc:cxnChg chg="add mod">
+          <ac:chgData name="Otto Schefer" userId="fd5a25951ba882f8" providerId="LiveId" clId="{01312597-0B54-46BE-906A-F240F5E61C87}" dt="2021-05-22T20:55:06.331" v="457" actId="208"/>
+          <ac:cxnSpMkLst>
+            <pc:docMk/>
+            <pc:sldMk cId="428892733" sldId="260"/>
+            <ac:cxnSpMk id="62" creationId="{EE58FDA2-5CB1-4CBF-83D4-29710941780D}"/>
+          </ac:cxnSpMkLst>
+        </pc:cxnChg>
+        <pc:cxnChg chg="add mod">
+          <ac:chgData name="Otto Schefer" userId="fd5a25951ba882f8" providerId="LiveId" clId="{01312597-0B54-46BE-906A-F240F5E61C87}" dt="2021-05-22T20:55:06.331" v="457" actId="208"/>
+          <ac:cxnSpMkLst>
+            <pc:docMk/>
+            <pc:sldMk cId="428892733" sldId="260"/>
+            <ac:cxnSpMk id="64" creationId="{F4C62FC1-7868-4723-AC50-B077D7DDC655}"/>
+          </ac:cxnSpMkLst>
+        </pc:cxnChg>
+        <pc:cxnChg chg="add mod">
+          <ac:chgData name="Otto Schefer" userId="fd5a25951ba882f8" providerId="LiveId" clId="{01312597-0B54-46BE-906A-F240F5E61C87}" dt="2021-05-22T20:55:06.331" v="457" actId="208"/>
+          <ac:cxnSpMkLst>
+            <pc:docMk/>
+            <pc:sldMk cId="428892733" sldId="260"/>
+            <ac:cxnSpMk id="66" creationId="{2CC09AC4-A4E6-4B79-ADE8-6CC400DB3648}"/>
+          </ac:cxnSpMkLst>
+        </pc:cxnChg>
+        <pc:cxnChg chg="add mod">
+          <ac:chgData name="Otto Schefer" userId="fd5a25951ba882f8" providerId="LiveId" clId="{01312597-0B54-46BE-906A-F240F5E61C87}" dt="2021-05-22T20:55:06.331" v="457" actId="208"/>
+          <ac:cxnSpMkLst>
+            <pc:docMk/>
+            <pc:sldMk cId="428892733" sldId="260"/>
+            <ac:cxnSpMk id="69" creationId="{595B1699-DC94-4575-9AFA-10ECCA3AD16C}"/>
+          </ac:cxnSpMkLst>
+        </pc:cxnChg>
+      </pc:sldChg>
+      <pc:sldChg chg="new del">
+        <pc:chgData name="Otto Schefer" userId="fd5a25951ba882f8" providerId="LiveId" clId="{01312597-0B54-46BE-906A-F240F5E61C87}" dt="2021-05-22T20:51:33.955" v="404" actId="680"/>
+        <pc:sldMkLst>
+          <pc:docMk/>
+          <pc:sldMk cId="565864455" sldId="261"/>
+        </pc:sldMkLst>
       </pc:sldChg>
     </pc:docChg>
   </pc:docChgLst>
@@ -2176,7 +2511,7 @@
           <a:p>
             <a:fld id="{083E7580-4A74-4DC1-979A-56FFF28705FF}" type="datetimeFigureOut">
               <a:rPr lang="ru-RU" smtClean="0"/>
-              <a:t>20.05.2021</a:t>
+              <a:t>22.05.2021</a:t>
             </a:fld>
             <a:endParaRPr lang="ru-RU"/>
           </a:p>
@@ -2374,7 +2709,7 @@
           <a:p>
             <a:fld id="{083E7580-4A74-4DC1-979A-56FFF28705FF}" type="datetimeFigureOut">
               <a:rPr lang="ru-RU" smtClean="0"/>
-              <a:t>20.05.2021</a:t>
+              <a:t>22.05.2021</a:t>
             </a:fld>
             <a:endParaRPr lang="ru-RU"/>
           </a:p>
@@ -2582,7 +2917,7 @@
           <a:p>
             <a:fld id="{083E7580-4A74-4DC1-979A-56FFF28705FF}" type="datetimeFigureOut">
               <a:rPr lang="ru-RU" smtClean="0"/>
-              <a:t>20.05.2021</a:t>
+              <a:t>22.05.2021</a:t>
             </a:fld>
             <a:endParaRPr lang="ru-RU"/>
           </a:p>
@@ -2780,7 +3115,7 @@
           <a:p>
             <a:fld id="{083E7580-4A74-4DC1-979A-56FFF28705FF}" type="datetimeFigureOut">
               <a:rPr lang="ru-RU" smtClean="0"/>
-              <a:t>20.05.2021</a:t>
+              <a:t>22.05.2021</a:t>
             </a:fld>
             <a:endParaRPr lang="ru-RU"/>
           </a:p>
@@ -3055,7 +3390,7 @@
           <a:p>
             <a:fld id="{083E7580-4A74-4DC1-979A-56FFF28705FF}" type="datetimeFigureOut">
               <a:rPr lang="ru-RU" smtClean="0"/>
-              <a:t>20.05.2021</a:t>
+              <a:t>22.05.2021</a:t>
             </a:fld>
             <a:endParaRPr lang="ru-RU"/>
           </a:p>
@@ -3320,7 +3655,7 @@
           <a:p>
             <a:fld id="{083E7580-4A74-4DC1-979A-56FFF28705FF}" type="datetimeFigureOut">
               <a:rPr lang="ru-RU" smtClean="0"/>
-              <a:t>20.05.2021</a:t>
+              <a:t>22.05.2021</a:t>
             </a:fld>
             <a:endParaRPr lang="ru-RU"/>
           </a:p>
@@ -3732,7 +4067,7 @@
           <a:p>
             <a:fld id="{083E7580-4A74-4DC1-979A-56FFF28705FF}" type="datetimeFigureOut">
               <a:rPr lang="ru-RU" smtClean="0"/>
-              <a:t>20.05.2021</a:t>
+              <a:t>22.05.2021</a:t>
             </a:fld>
             <a:endParaRPr lang="ru-RU"/>
           </a:p>
@@ -3873,7 +4208,7 @@
           <a:p>
             <a:fld id="{083E7580-4A74-4DC1-979A-56FFF28705FF}" type="datetimeFigureOut">
               <a:rPr lang="ru-RU" smtClean="0"/>
-              <a:t>20.05.2021</a:t>
+              <a:t>22.05.2021</a:t>
             </a:fld>
             <a:endParaRPr lang="ru-RU"/>
           </a:p>
@@ -3986,7 +4321,7 @@
           <a:p>
             <a:fld id="{083E7580-4A74-4DC1-979A-56FFF28705FF}" type="datetimeFigureOut">
               <a:rPr lang="ru-RU" smtClean="0"/>
-              <a:t>20.05.2021</a:t>
+              <a:t>22.05.2021</a:t>
             </a:fld>
             <a:endParaRPr lang="ru-RU"/>
           </a:p>
@@ -4297,7 +4632,7 @@
           <a:p>
             <a:fld id="{083E7580-4A74-4DC1-979A-56FFF28705FF}" type="datetimeFigureOut">
               <a:rPr lang="ru-RU" smtClean="0"/>
-              <a:t>20.05.2021</a:t>
+              <a:t>22.05.2021</a:t>
             </a:fld>
             <a:endParaRPr lang="ru-RU"/>
           </a:p>
@@ -4585,7 +4920,7 @@
           <a:p>
             <a:fld id="{083E7580-4A74-4DC1-979A-56FFF28705FF}" type="datetimeFigureOut">
               <a:rPr lang="ru-RU" smtClean="0"/>
-              <a:t>20.05.2021</a:t>
+              <a:t>22.05.2021</a:t>
             </a:fld>
             <a:endParaRPr lang="ru-RU"/>
           </a:p>
@@ -4826,7 +5161,7 @@
           <a:p>
             <a:fld id="{083E7580-4A74-4DC1-979A-56FFF28705FF}" type="datetimeFigureOut">
               <a:rPr lang="ru-RU" smtClean="0"/>
-              <a:t>20.05.2021</a:t>
+              <a:t>22.05.2021</a:t>
             </a:fld>
             <a:endParaRPr lang="ru-RU"/>
           </a:p>
@@ -9690,8 +10025,8 @@
           <a:chExt cx="0" cy="0"/>
         </a:xfrm>
       </p:grpSpPr>
-      <mc:AlternateContent xmlns:mc="http://schemas.openxmlformats.org/markup-compatibility/2006">
-        <mc:Choice xmlns:a14="http://schemas.microsoft.com/office/drawing/2010/main" Requires="a14">
+      <mc:AlternateContent xmlns:mc="http://schemas.openxmlformats.org/markup-compatibility/2006" xmlns:a14="http://schemas.microsoft.com/office/drawing/2010/main">
+        <mc:Choice Requires="a14">
           <p:sp>
             <p:nvSpPr>
               <p:cNvPr id="4" name="TextBox 3">
@@ -9817,7 +10152,7 @@
             </p:txBody>
           </p:sp>
         </mc:Choice>
-        <mc:Fallback>
+        <mc:Fallback xmlns="">
           <p:sp>
             <p:nvSpPr>
               <p:cNvPr id="4" name="TextBox 3">
@@ -9862,8 +10197,8 @@
           </p:sp>
         </mc:Fallback>
       </mc:AlternateContent>
-      <mc:AlternateContent xmlns:mc="http://schemas.openxmlformats.org/markup-compatibility/2006">
-        <mc:Choice xmlns:a14="http://schemas.microsoft.com/office/drawing/2010/main" Requires="a14">
+      <mc:AlternateContent xmlns:mc="http://schemas.openxmlformats.org/markup-compatibility/2006" xmlns:a14="http://schemas.microsoft.com/office/drawing/2010/main">
+        <mc:Choice Requires="a14">
           <p:sp>
             <p:nvSpPr>
               <p:cNvPr id="6" name="TextBox 5">
@@ -10050,7 +10385,7 @@
             </p:txBody>
           </p:sp>
         </mc:Choice>
-        <mc:Fallback>
+        <mc:Fallback xmlns="">
           <p:sp>
             <p:nvSpPr>
               <p:cNvPr id="6" name="TextBox 5">
@@ -10095,8 +10430,8 @@
           </p:sp>
         </mc:Fallback>
       </mc:AlternateContent>
-      <mc:AlternateContent xmlns:mc="http://schemas.openxmlformats.org/markup-compatibility/2006">
-        <mc:Choice xmlns:a14="http://schemas.microsoft.com/office/drawing/2010/main" Requires="a14">
+      <mc:AlternateContent xmlns:mc="http://schemas.openxmlformats.org/markup-compatibility/2006" xmlns:a14="http://schemas.microsoft.com/office/drawing/2010/main">
+        <mc:Choice Requires="a14">
           <p:sp>
             <p:nvSpPr>
               <p:cNvPr id="7" name="TextBox 6">
@@ -10190,7 +10525,7 @@
             </p:txBody>
           </p:sp>
         </mc:Choice>
-        <mc:Fallback>
+        <mc:Fallback xmlns="">
           <p:sp>
             <p:nvSpPr>
               <p:cNvPr id="7" name="TextBox 6">
@@ -10235,8 +10570,8 @@
           </p:sp>
         </mc:Fallback>
       </mc:AlternateContent>
-      <mc:AlternateContent xmlns:mc="http://schemas.openxmlformats.org/markup-compatibility/2006">
-        <mc:Choice xmlns:a14="http://schemas.microsoft.com/office/drawing/2010/main" Requires="a14">
+      <mc:AlternateContent xmlns:mc="http://schemas.openxmlformats.org/markup-compatibility/2006" xmlns:a14="http://schemas.microsoft.com/office/drawing/2010/main">
+        <mc:Choice Requires="a14">
           <p:sp>
             <p:nvSpPr>
               <p:cNvPr id="8" name="TextBox 7">
@@ -10340,7 +10675,7 @@
             </p:txBody>
           </p:sp>
         </mc:Choice>
-        <mc:Fallback>
+        <mc:Fallback xmlns="">
           <p:sp>
             <p:nvSpPr>
               <p:cNvPr id="8" name="TextBox 7">
@@ -10543,8 +10878,8 @@
           </a:p>
         </p:txBody>
       </p:sp>
-      <mc:AlternateContent xmlns:mc="http://schemas.openxmlformats.org/markup-compatibility/2006">
-        <mc:Choice xmlns:a14="http://schemas.microsoft.com/office/drawing/2010/main" Requires="a14">
+      <mc:AlternateContent xmlns:mc="http://schemas.openxmlformats.org/markup-compatibility/2006" xmlns:a14="http://schemas.microsoft.com/office/drawing/2010/main">
+        <mc:Choice Requires="a14">
           <p:sp>
             <p:nvSpPr>
               <p:cNvPr id="13" name="TextBox 12">
@@ -10630,7 +10965,7 @@
             </p:txBody>
           </p:sp>
         </mc:Choice>
-        <mc:Fallback>
+        <mc:Fallback xmlns="">
           <p:sp>
             <p:nvSpPr>
               <p:cNvPr id="13" name="TextBox 12">
@@ -10921,8 +11256,8 @@
           </a:p>
         </p:txBody>
       </p:sp>
-      <mc:AlternateContent xmlns:mc="http://schemas.openxmlformats.org/markup-compatibility/2006">
-        <mc:Choice xmlns:a14="http://schemas.microsoft.com/office/drawing/2010/main" Requires="a14">
+      <mc:AlternateContent xmlns:mc="http://schemas.openxmlformats.org/markup-compatibility/2006" xmlns:a14="http://schemas.microsoft.com/office/drawing/2010/main">
+        <mc:Choice Requires="a14">
           <p:sp>
             <p:nvSpPr>
               <p:cNvPr id="23" name="TextBox 22">
@@ -11008,7 +11343,7 @@
             </p:txBody>
           </p:sp>
         </mc:Choice>
-        <mc:Fallback>
+        <mc:Fallback xmlns="">
           <p:sp>
             <p:nvSpPr>
               <p:cNvPr id="23" name="TextBox 22">
@@ -11209,8 +11544,8 @@
           </a:p>
         </p:txBody>
       </p:sp>
-      <mc:AlternateContent xmlns:mc="http://schemas.openxmlformats.org/markup-compatibility/2006">
-        <mc:Choice xmlns:a14="http://schemas.microsoft.com/office/drawing/2010/main" Requires="a14">
+      <mc:AlternateContent xmlns:mc="http://schemas.openxmlformats.org/markup-compatibility/2006" xmlns:a14="http://schemas.microsoft.com/office/drawing/2010/main">
+        <mc:Choice Requires="a14">
           <p:sp>
             <p:nvSpPr>
               <p:cNvPr id="28" name="TextBox 27">
@@ -11296,7 +11631,7 @@
             </p:txBody>
           </p:sp>
         </mc:Choice>
-        <mc:Fallback>
+        <mc:Fallback xmlns="">
           <p:sp>
             <p:nvSpPr>
               <p:cNvPr id="28" name="TextBox 27">
@@ -11341,8 +11676,8 @@
           </p:sp>
         </mc:Fallback>
       </mc:AlternateContent>
-      <mc:AlternateContent xmlns:mc="http://schemas.openxmlformats.org/markup-compatibility/2006">
-        <mc:Choice xmlns:a14="http://schemas.microsoft.com/office/drawing/2010/main" Requires="a14">
+      <mc:AlternateContent xmlns:mc="http://schemas.openxmlformats.org/markup-compatibility/2006" xmlns:a14="http://schemas.microsoft.com/office/drawing/2010/main">
+        <mc:Choice Requires="a14">
           <p:sp>
             <p:nvSpPr>
               <p:cNvPr id="33" name="TextBox 32">
@@ -11426,7 +11761,7 @@
             </p:txBody>
           </p:sp>
         </mc:Choice>
-        <mc:Fallback>
+        <mc:Fallback xmlns="">
           <p:sp>
             <p:nvSpPr>
               <p:cNvPr id="33" name="TextBox 32">
@@ -11471,8 +11806,8 @@
           </p:sp>
         </mc:Fallback>
       </mc:AlternateContent>
-      <mc:AlternateContent xmlns:mc="http://schemas.openxmlformats.org/markup-compatibility/2006">
-        <mc:Choice xmlns:a14="http://schemas.microsoft.com/office/drawing/2010/main" Requires="a14">
+      <mc:AlternateContent xmlns:mc="http://schemas.openxmlformats.org/markup-compatibility/2006" xmlns:a14="http://schemas.microsoft.com/office/drawing/2010/main">
+        <mc:Choice Requires="a14">
           <p:sp>
             <p:nvSpPr>
               <p:cNvPr id="35" name="TextBox 34">
@@ -11566,7 +11901,7 @@
             </p:txBody>
           </p:sp>
         </mc:Choice>
-        <mc:Fallback>
+        <mc:Fallback xmlns="">
           <p:sp>
             <p:nvSpPr>
               <p:cNvPr id="35" name="TextBox 34">
@@ -11663,8 +11998,8 @@
           </a:p>
         </p:txBody>
       </p:sp>
-      <mc:AlternateContent xmlns:mc="http://schemas.openxmlformats.org/markup-compatibility/2006">
-        <mc:Choice xmlns:a14="http://schemas.microsoft.com/office/drawing/2010/main" Requires="a14">
+      <mc:AlternateContent xmlns:mc="http://schemas.openxmlformats.org/markup-compatibility/2006" xmlns:a14="http://schemas.microsoft.com/office/drawing/2010/main">
+        <mc:Choice Requires="a14">
           <p:sp>
             <p:nvSpPr>
               <p:cNvPr id="38" name="TextBox 37">
@@ -11752,7 +12087,7 @@
             </p:txBody>
           </p:sp>
         </mc:Choice>
-        <mc:Fallback>
+        <mc:Fallback xmlns="">
           <p:sp>
             <p:nvSpPr>
               <p:cNvPr id="38" name="TextBox 37">
@@ -11797,8 +12132,8 @@
           </p:sp>
         </mc:Fallback>
       </mc:AlternateContent>
-      <mc:AlternateContent xmlns:mc="http://schemas.openxmlformats.org/markup-compatibility/2006">
-        <mc:Choice xmlns:a14="http://schemas.microsoft.com/office/drawing/2010/main" Requires="a14">
+      <mc:AlternateContent xmlns:mc="http://schemas.openxmlformats.org/markup-compatibility/2006" xmlns:a14="http://schemas.microsoft.com/office/drawing/2010/main">
+        <mc:Choice Requires="a14">
           <p:sp>
             <p:nvSpPr>
               <p:cNvPr id="39" name="TextBox 38">
@@ -11861,7 +12196,7 @@
             </p:txBody>
           </p:sp>
         </mc:Choice>
-        <mc:Fallback>
+        <mc:Fallback xmlns="">
           <p:sp>
             <p:nvSpPr>
               <p:cNvPr id="39" name="TextBox 38">
@@ -11906,8 +12241,8 @@
           </p:sp>
         </mc:Fallback>
       </mc:AlternateContent>
-      <mc:AlternateContent xmlns:mc="http://schemas.openxmlformats.org/markup-compatibility/2006">
-        <mc:Choice xmlns:a14="http://schemas.microsoft.com/office/drawing/2010/main" Requires="a14">
+      <mc:AlternateContent xmlns:mc="http://schemas.openxmlformats.org/markup-compatibility/2006" xmlns:a14="http://schemas.microsoft.com/office/drawing/2010/main">
+        <mc:Choice Requires="a14">
           <p:sp>
             <p:nvSpPr>
               <p:cNvPr id="40" name="TextBox 39">
@@ -12011,7 +12346,7 @@
             </p:txBody>
           </p:sp>
         </mc:Choice>
-        <mc:Fallback>
+        <mc:Fallback xmlns="">
           <p:sp>
             <p:nvSpPr>
               <p:cNvPr id="40" name="TextBox 39">
@@ -12153,8 +12488,8 @@
           </a:fontRef>
         </p:style>
       </p:cxnSp>
-      <mc:AlternateContent xmlns:mc="http://schemas.openxmlformats.org/markup-compatibility/2006">
-        <mc:Choice xmlns:a14="http://schemas.microsoft.com/office/drawing/2010/main" Requires="a14">
+      <mc:AlternateContent xmlns:mc="http://schemas.openxmlformats.org/markup-compatibility/2006" xmlns:a14="http://schemas.microsoft.com/office/drawing/2010/main">
+        <mc:Choice Requires="a14">
           <p:sp>
             <p:nvSpPr>
               <p:cNvPr id="44" name="TextBox 43">
@@ -12254,7 +12589,7 @@
             </p:txBody>
           </p:sp>
         </mc:Choice>
-        <mc:Fallback>
+        <mc:Fallback xmlns="">
           <p:sp>
             <p:nvSpPr>
               <p:cNvPr id="44" name="TextBox 43">
@@ -12351,8 +12686,8 @@
           </a:p>
         </p:txBody>
       </p:sp>
-      <mc:AlternateContent xmlns:mc="http://schemas.openxmlformats.org/markup-compatibility/2006">
-        <mc:Choice xmlns:a14="http://schemas.microsoft.com/office/drawing/2010/main" Requires="a14">
+      <mc:AlternateContent xmlns:mc="http://schemas.openxmlformats.org/markup-compatibility/2006" xmlns:a14="http://schemas.microsoft.com/office/drawing/2010/main">
+        <mc:Choice Requires="a14">
           <p:sp>
             <p:nvSpPr>
               <p:cNvPr id="49" name="TextBox 48">
@@ -12438,7 +12773,7 @@
             </p:txBody>
           </p:sp>
         </mc:Choice>
-        <mc:Fallback>
+        <mc:Fallback xmlns="">
           <p:sp>
             <p:nvSpPr>
               <p:cNvPr id="49" name="TextBox 48">
@@ -12535,8 +12870,8 @@
           </a:p>
         </p:txBody>
       </p:sp>
-      <mc:AlternateContent xmlns:mc="http://schemas.openxmlformats.org/markup-compatibility/2006">
-        <mc:Choice xmlns:a14="http://schemas.microsoft.com/office/drawing/2010/main" Requires="a14">
+      <mc:AlternateContent xmlns:mc="http://schemas.openxmlformats.org/markup-compatibility/2006" xmlns:a14="http://schemas.microsoft.com/office/drawing/2010/main">
+        <mc:Choice Requires="a14">
           <p:sp>
             <p:nvSpPr>
               <p:cNvPr id="52" name="TextBox 51">
@@ -12596,7 +12931,7 @@
             </p:txBody>
           </p:sp>
         </mc:Choice>
-        <mc:Fallback>
+        <mc:Fallback xmlns="">
           <p:sp>
             <p:nvSpPr>
               <p:cNvPr id="52" name="TextBox 51">
@@ -12641,8 +12976,8 @@
           </p:sp>
         </mc:Fallback>
       </mc:AlternateContent>
-      <mc:AlternateContent xmlns:mc="http://schemas.openxmlformats.org/markup-compatibility/2006">
-        <mc:Choice xmlns:a14="http://schemas.microsoft.com/office/drawing/2010/main" Requires="a14">
+      <mc:AlternateContent xmlns:mc="http://schemas.openxmlformats.org/markup-compatibility/2006" xmlns:a14="http://schemas.microsoft.com/office/drawing/2010/main">
+        <mc:Choice Requires="a14">
           <p:sp>
             <p:nvSpPr>
               <p:cNvPr id="54" name="TextBox 53">
@@ -12702,7 +13037,7 @@
             </p:txBody>
           </p:sp>
         </mc:Choice>
-        <mc:Fallback>
+        <mc:Fallback xmlns="">
           <p:sp>
             <p:nvSpPr>
               <p:cNvPr id="54" name="TextBox 53">
@@ -12747,8 +13082,8 @@
           </p:sp>
         </mc:Fallback>
       </mc:AlternateContent>
-      <mc:AlternateContent xmlns:mc="http://schemas.openxmlformats.org/markup-compatibility/2006">
-        <mc:Choice xmlns:a14="http://schemas.microsoft.com/office/drawing/2010/main" Requires="a14">
+      <mc:AlternateContent xmlns:mc="http://schemas.openxmlformats.org/markup-compatibility/2006" xmlns:a14="http://schemas.microsoft.com/office/drawing/2010/main">
+        <mc:Choice Requires="a14">
           <p:sp>
             <p:nvSpPr>
               <p:cNvPr id="55" name="TextBox 54">
@@ -12874,7 +13209,7 @@
             </p:txBody>
           </p:sp>
         </mc:Choice>
-        <mc:Fallback>
+        <mc:Fallback xmlns="">
           <p:sp>
             <p:nvSpPr>
               <p:cNvPr id="55" name="TextBox 54">
@@ -13429,8 +13764,8 @@
           </a:fontRef>
         </p:style>
       </p:cxnSp>
-      <mc:AlternateContent xmlns:mc="http://schemas.openxmlformats.org/markup-compatibility/2006">
-        <mc:Choice xmlns:a14="http://schemas.microsoft.com/office/drawing/2010/main" Requires="a14">
+      <mc:AlternateContent xmlns:mc="http://schemas.openxmlformats.org/markup-compatibility/2006" xmlns:a14="http://schemas.microsoft.com/office/drawing/2010/main">
+        <mc:Choice Requires="a14">
           <p:sp>
             <p:nvSpPr>
               <p:cNvPr id="86" name="TextBox 85">
@@ -13524,7 +13859,7 @@
             </p:txBody>
           </p:sp>
         </mc:Choice>
-        <mc:Fallback>
+        <mc:Fallback xmlns="">
           <p:sp>
             <p:nvSpPr>
               <p:cNvPr id="86" name="TextBox 85">
@@ -13771,6 +14106,48 @@
         <p:spPr>
           <a:xfrm flipV="1">
             <a:off x="11267856" y="2133497"/>
+            <a:ext cx="547782" cy="2471"/>
+          </a:xfrm>
+          <a:prstGeom prst="bentConnector3">
+            <a:avLst/>
+          </a:prstGeom>
+          <a:ln>
+            <a:solidFill>
+              <a:schemeClr val="tx1"/>
+            </a:solidFill>
+            <a:tailEnd type="triangle"/>
+          </a:ln>
+        </p:spPr>
+        <p:style>
+          <a:lnRef idx="1">
+            <a:schemeClr val="accent1"/>
+          </a:lnRef>
+          <a:fillRef idx="0">
+            <a:schemeClr val="accent1"/>
+          </a:fillRef>
+          <a:effectRef idx="0">
+            <a:schemeClr val="accent1"/>
+          </a:effectRef>
+          <a:fontRef idx="minor">
+            <a:schemeClr val="tx1"/>
+          </a:fontRef>
+        </p:style>
+      </p:cxnSp>
+      <p:cxnSp>
+        <p:nvCxnSpPr>
+          <p:cNvPr id="53" name="Соединитель: уступ 52">
+            <a:extLst>
+              <a:ext uri="{FF2B5EF4-FFF2-40B4-BE49-F238E27FC236}">
+                <a16:creationId xmlns:a16="http://schemas.microsoft.com/office/drawing/2014/main" id="{722C90DB-FBE0-4575-9C52-4B8245200257}"/>
+              </a:ext>
+            </a:extLst>
+          </p:cNvPr>
+          <p:cNvCxnSpPr/>
+          <p:nvPr/>
+        </p:nvCxnSpPr>
+        <p:spPr>
+          <a:xfrm flipV="1">
+            <a:off x="2798374" y="2136044"/>
             <a:ext cx="547782" cy="2471"/>
           </a:xfrm>
           <a:prstGeom prst="bentConnector3">
@@ -22058,6 +22435,1391 @@
     <p:extLst>
       <p:ext uri="{BB962C8B-B14F-4D97-AF65-F5344CB8AC3E}">
         <p14:creationId xmlns:p14="http://schemas.microsoft.com/office/powerpoint/2010/main" val="1258381903"/>
+      </p:ext>
+    </p:extLst>
+  </p:cSld>
+  <p:clrMapOvr>
+    <a:masterClrMapping/>
+  </p:clrMapOvr>
+</p:sld>
+</file>
+
+<file path=ppt/slides/slide5.xml><?xml version="1.0" encoding="utf-8"?>
+<p:sld xmlns:a="http://schemas.openxmlformats.org/drawingml/2006/main" xmlns:r="http://schemas.openxmlformats.org/officeDocument/2006/relationships" xmlns:p="http://schemas.openxmlformats.org/presentationml/2006/main">
+  <p:cSld>
+    <p:spTree>
+      <p:nvGrpSpPr>
+        <p:cNvPr id="1" name=""/>
+        <p:cNvGrpSpPr/>
+        <p:nvPr/>
+      </p:nvGrpSpPr>
+      <p:grpSpPr>
+        <a:xfrm>
+          <a:off x="0" y="0"/>
+          <a:ext cx="0" cy="0"/>
+          <a:chOff x="0" y="0"/>
+          <a:chExt cx="0" cy="0"/>
+        </a:xfrm>
+      </p:grpSpPr>
+      <mc:AlternateContent xmlns:mc="http://schemas.openxmlformats.org/markup-compatibility/2006">
+        <mc:Choice xmlns:a14="http://schemas.microsoft.com/office/drawing/2010/main" Requires="a14">
+          <p:sp>
+            <p:nvSpPr>
+              <p:cNvPr id="4" name="TextBox 3">
+                <a:extLst>
+                  <a:ext uri="{FF2B5EF4-FFF2-40B4-BE49-F238E27FC236}">
+                    <a16:creationId xmlns:a16="http://schemas.microsoft.com/office/drawing/2014/main" id="{84E0B761-1D02-4453-9081-7F993E1D8DCE}"/>
+                  </a:ext>
+                </a:extLst>
+              </p:cNvPr>
+              <p:cNvSpPr txBox="1"/>
+              <p:nvPr/>
+            </p:nvSpPr>
+            <p:spPr>
+              <a:xfrm>
+                <a:off x="4078802" y="1452702"/>
+                <a:ext cx="445955" cy="618824"/>
+              </a:xfrm>
+              <a:prstGeom prst="rect">
+                <a:avLst/>
+              </a:prstGeom>
+              <a:noFill/>
+            </p:spPr>
+            <p:txBody>
+              <a:bodyPr wrap="square" lIns="0" tIns="0" rIns="0" bIns="0" rtlCol="0">
+                <a:spAutoFit/>
+              </a:bodyPr>
+              <a:lstStyle/>
+              <a:p>
+                <a:pPr/>
+                <a14:m>
+                  <m:oMathPara xmlns:m="http://schemas.openxmlformats.org/officeDocument/2006/math">
+                    <m:oMathParaPr>
+                      <m:jc m:val="centerGroup"/>
+                    </m:oMathParaPr>
+                    <m:oMath xmlns:m="http://schemas.openxmlformats.org/officeDocument/2006/math">
+                      <m:f>
+                        <m:fPr>
+                          <m:ctrlPr>
+                            <a:rPr lang="ru-RU" sz="1400" i="1" smtClean="0">
+                              <a:effectLst/>
+                              <a:latin typeface="Cambria Math" panose="02040503050406030204" pitchFamily="18" charset="0"/>
+                              <a:ea typeface="Calibri" panose="020F0502020204030204" pitchFamily="34" charset="0"/>
+                              <a:cs typeface="Times New Roman" panose="02020603050405020304" pitchFamily="18" charset="0"/>
+                            </a:rPr>
+                          </m:ctrlPr>
+                        </m:fPr>
+                        <m:num>
+                          <m:sSub>
+                            <m:sSubPr>
+                              <m:ctrlPr>
+                                <a:rPr lang="en-US" sz="1400" i="1">
+                                  <a:latin typeface="Cambria Math" panose="02040503050406030204" pitchFamily="18" charset="0"/>
+                                  <a:ea typeface="Calibri" panose="020F0502020204030204" pitchFamily="34" charset="0"/>
+                                  <a:cs typeface="Times New Roman" panose="02020603050405020304" pitchFamily="18" charset="0"/>
+                                </a:rPr>
+                              </m:ctrlPr>
+                            </m:sSubPr>
+                            <m:e>
+                              <m:r>
+                                <a:rPr lang="en-US" sz="1400" i="1">
+                                  <a:latin typeface="Cambria Math" panose="02040503050406030204" pitchFamily="18" charset="0"/>
+                                  <a:ea typeface="Calibri" panose="020F0502020204030204" pitchFamily="34" charset="0"/>
+                                  <a:cs typeface="Times New Roman" panose="02020603050405020304" pitchFamily="18" charset="0"/>
+                                </a:rPr>
+                                <m:t>𝐾</m:t>
+                              </m:r>
+                            </m:e>
+                            <m:sub>
+                              <m:r>
+                                <a:rPr lang="en-US" sz="1400" b="0" i="1" smtClean="0">
+                                  <a:latin typeface="Cambria Math" panose="02040503050406030204" pitchFamily="18" charset="0"/>
+                                  <a:ea typeface="Calibri" panose="020F0502020204030204" pitchFamily="34" charset="0"/>
+                                  <a:cs typeface="Times New Roman" panose="02020603050405020304" pitchFamily="18" charset="0"/>
+                                </a:rPr>
+                                <m:t>𝑖</m:t>
+                              </m:r>
+                            </m:sub>
+                          </m:sSub>
+                        </m:num>
+                        <m:den>
+                          <m:r>
+                            <a:rPr lang="en-US" sz="1400" i="1">
+                              <a:effectLst/>
+                              <a:latin typeface="Cambria Math" panose="02040503050406030204" pitchFamily="18" charset="0"/>
+                              <a:ea typeface="Calibri" panose="020F0502020204030204" pitchFamily="34" charset="0"/>
+                              <a:cs typeface="Times New Roman" panose="02020603050405020304" pitchFamily="18" charset="0"/>
+                            </a:rPr>
+                            <m:t>𝑠</m:t>
+                          </m:r>
+                        </m:den>
+                      </m:f>
+                    </m:oMath>
+                  </m:oMathPara>
+                </a14:m>
+                <a:endParaRPr lang="ru-RU" sz="1400" dirty="0">
+                  <a:effectLst/>
+                  <a:latin typeface="Times New Roman" panose="02020603050405020304" pitchFamily="18" charset="0"/>
+                  <a:ea typeface="Calibri" panose="020F0502020204030204" pitchFamily="34" charset="0"/>
+                  <a:cs typeface="Times New Roman" panose="02020603050405020304" pitchFamily="18" charset="0"/>
+                </a:endParaRPr>
+              </a:p>
+              <a:p>
+                <a:endParaRPr lang="ru-RU" sz="1400" dirty="0"/>
+              </a:p>
+            </p:txBody>
+          </p:sp>
+        </mc:Choice>
+        <mc:Fallback>
+          <p:sp>
+            <p:nvSpPr>
+              <p:cNvPr id="4" name="TextBox 3">
+                <a:extLst>
+                  <a:ext uri="{FF2B5EF4-FFF2-40B4-BE49-F238E27FC236}">
+                    <a16:creationId xmlns:a16="http://schemas.microsoft.com/office/drawing/2014/main" id="{84E0B761-1D02-4453-9081-7F993E1D8DCE}"/>
+                  </a:ext>
+                </a:extLst>
+              </p:cNvPr>
+              <p:cNvSpPr txBox="1">
+                <a:spLocks noRot="1" noChangeAspect="1" noMove="1" noResize="1" noEditPoints="1" noAdjustHandles="1" noChangeArrowheads="1" noChangeShapeType="1" noTextEdit="1"/>
+              </p:cNvSpPr>
+              <p:nvPr/>
+            </p:nvSpPr>
+            <p:spPr>
+              <a:xfrm>
+                <a:off x="4078802" y="1452702"/>
+                <a:ext cx="445955" cy="618824"/>
+              </a:xfrm>
+              <a:prstGeom prst="rect">
+                <a:avLst/>
+              </a:prstGeom>
+              <a:blipFill>
+                <a:blip r:embed="rId2"/>
+                <a:stretch>
+                  <a:fillRect/>
+                </a:stretch>
+              </a:blipFill>
+            </p:spPr>
+            <p:txBody>
+              <a:bodyPr/>
+              <a:lstStyle/>
+              <a:p>
+                <a:r>
+                  <a:rPr lang="ru-RU">
+                    <a:noFill/>
+                  </a:rPr>
+                  <a:t> </a:t>
+                </a:r>
+              </a:p>
+            </p:txBody>
+          </p:sp>
+        </mc:Fallback>
+      </mc:AlternateContent>
+      <p:sp>
+        <p:nvSpPr>
+          <p:cNvPr id="5" name="TextBox 4">
+            <a:extLst>
+              <a:ext uri="{FF2B5EF4-FFF2-40B4-BE49-F238E27FC236}">
+                <a16:creationId xmlns:a16="http://schemas.microsoft.com/office/drawing/2014/main" id="{721D13F5-490E-400F-972C-A03096BC2AD9}"/>
+              </a:ext>
+            </a:extLst>
+          </p:cNvPr>
+          <p:cNvSpPr txBox="1"/>
+          <p:nvPr/>
+        </p:nvSpPr>
+        <p:spPr>
+          <a:xfrm>
+            <a:off x="6399189" y="2432156"/>
+            <a:ext cx="1424609" cy="646331"/>
+          </a:xfrm>
+          <a:prstGeom prst="rect">
+            <a:avLst/>
+          </a:prstGeom>
+          <a:noFill/>
+        </p:spPr>
+        <p:txBody>
+          <a:bodyPr wrap="square" lIns="0" tIns="0" rIns="0" bIns="0" rtlCol="0">
+            <a:spAutoFit/>
+          </a:bodyPr>
+          <a:lstStyle/>
+          <a:p>
+            <a:pPr algn="ctr"/>
+            <a:r>
+              <a:rPr lang="ru-RU" sz="1400" dirty="0">
+                <a:effectLst/>
+                <a:latin typeface="Cambria Math" panose="02040503050406030204" pitchFamily="18" charset="0"/>
+                <a:ea typeface="Cambria Math" panose="02040503050406030204" pitchFamily="18" charset="0"/>
+                <a:cs typeface="Times New Roman" panose="02020603050405020304" pitchFamily="18" charset="0"/>
+              </a:rPr>
+              <a:t>Объект </a:t>
+            </a:r>
+          </a:p>
+          <a:p>
+            <a:pPr algn="ctr"/>
+            <a:r>
+              <a:rPr lang="ru-RU" sz="1400" dirty="0">
+                <a:effectLst/>
+                <a:latin typeface="Cambria Math" panose="02040503050406030204" pitchFamily="18" charset="0"/>
+                <a:ea typeface="Cambria Math" panose="02040503050406030204" pitchFamily="18" charset="0"/>
+                <a:cs typeface="Times New Roman" panose="02020603050405020304" pitchFamily="18" charset="0"/>
+              </a:rPr>
+              <a:t>регулирования</a:t>
+            </a:r>
+          </a:p>
+          <a:p>
+            <a:endParaRPr lang="ru-RU" sz="1400" dirty="0"/>
+          </a:p>
+        </p:txBody>
+      </p:sp>
+      <p:sp>
+        <p:nvSpPr>
+          <p:cNvPr id="6" name="Прямоугольник 5">
+            <a:extLst>
+              <a:ext uri="{FF2B5EF4-FFF2-40B4-BE49-F238E27FC236}">
+                <a16:creationId xmlns:a16="http://schemas.microsoft.com/office/drawing/2014/main" id="{175DEEC5-D578-4630-9B21-33C2E5C6DC15}"/>
+              </a:ext>
+            </a:extLst>
+          </p:cNvPr>
+          <p:cNvSpPr/>
+          <p:nvPr/>
+        </p:nvSpPr>
+        <p:spPr>
+          <a:xfrm>
+            <a:off x="3893489" y="1344545"/>
+            <a:ext cx="789830" cy="618824"/>
+          </a:xfrm>
+          <a:prstGeom prst="rect">
+            <a:avLst/>
+          </a:prstGeom>
+          <a:noFill/>
+          <a:ln>
+            <a:solidFill>
+              <a:schemeClr val="tx1"/>
+            </a:solidFill>
+          </a:ln>
+        </p:spPr>
+        <p:style>
+          <a:lnRef idx="2">
+            <a:schemeClr val="accent1">
+              <a:shade val="50000"/>
+            </a:schemeClr>
+          </a:lnRef>
+          <a:fillRef idx="1">
+            <a:schemeClr val="accent1"/>
+          </a:fillRef>
+          <a:effectRef idx="0">
+            <a:schemeClr val="accent1"/>
+          </a:effectRef>
+          <a:fontRef idx="minor">
+            <a:schemeClr val="lt1"/>
+          </a:fontRef>
+        </p:style>
+        <p:txBody>
+          <a:bodyPr rtlCol="0" anchor="ctr"/>
+          <a:lstStyle/>
+          <a:p>
+            <a:pPr algn="ctr"/>
+            <a:endParaRPr lang="ru-RU"/>
+          </a:p>
+        </p:txBody>
+      </p:sp>
+      <p:sp>
+        <p:nvSpPr>
+          <p:cNvPr id="8" name="Прямоугольник 7">
+            <a:extLst>
+              <a:ext uri="{FF2B5EF4-FFF2-40B4-BE49-F238E27FC236}">
+                <a16:creationId xmlns:a16="http://schemas.microsoft.com/office/drawing/2014/main" id="{1674A0BC-E855-4A59-B7A3-BD99E1202727}"/>
+              </a:ext>
+            </a:extLst>
+          </p:cNvPr>
+          <p:cNvSpPr/>
+          <p:nvPr/>
+        </p:nvSpPr>
+        <p:spPr>
+          <a:xfrm>
+            <a:off x="6098350" y="2341882"/>
+            <a:ext cx="2027993" cy="736593"/>
+          </a:xfrm>
+          <a:prstGeom prst="rect">
+            <a:avLst/>
+          </a:prstGeom>
+          <a:noFill/>
+          <a:ln>
+            <a:solidFill>
+              <a:schemeClr val="tx1"/>
+            </a:solidFill>
+          </a:ln>
+        </p:spPr>
+        <p:style>
+          <a:lnRef idx="2">
+            <a:schemeClr val="accent1">
+              <a:shade val="50000"/>
+            </a:schemeClr>
+          </a:lnRef>
+          <a:fillRef idx="1">
+            <a:schemeClr val="accent1"/>
+          </a:fillRef>
+          <a:effectRef idx="0">
+            <a:schemeClr val="accent1"/>
+          </a:effectRef>
+          <a:fontRef idx="minor">
+            <a:schemeClr val="lt1"/>
+          </a:fontRef>
+        </p:style>
+        <p:txBody>
+          <a:bodyPr rtlCol="0" anchor="ctr"/>
+          <a:lstStyle/>
+          <a:p>
+            <a:pPr algn="ctr"/>
+            <a:endParaRPr lang="ru-RU"/>
+          </a:p>
+        </p:txBody>
+      </p:sp>
+      <p:sp>
+        <p:nvSpPr>
+          <p:cNvPr id="11" name="Блок-схема: узел суммирования 10">
+            <a:extLst>
+              <a:ext uri="{FF2B5EF4-FFF2-40B4-BE49-F238E27FC236}">
+                <a16:creationId xmlns:a16="http://schemas.microsoft.com/office/drawing/2014/main" id="{580915D7-AD30-4826-A43E-4E87ED7AAE71}"/>
+              </a:ext>
+            </a:extLst>
+          </p:cNvPr>
+          <p:cNvSpPr/>
+          <p:nvPr/>
+        </p:nvSpPr>
+        <p:spPr>
+          <a:xfrm>
+            <a:off x="2630648" y="2594676"/>
+            <a:ext cx="238539" cy="246908"/>
+          </a:xfrm>
+          <a:prstGeom prst="flowChartSummingJunction">
+            <a:avLst/>
+          </a:prstGeom>
+          <a:noFill/>
+          <a:ln w="6350">
+            <a:solidFill>
+              <a:schemeClr val="tx1"/>
+            </a:solidFill>
+          </a:ln>
+        </p:spPr>
+        <p:style>
+          <a:lnRef idx="2">
+            <a:schemeClr val="accent1">
+              <a:shade val="50000"/>
+            </a:schemeClr>
+          </a:lnRef>
+          <a:fillRef idx="1">
+            <a:schemeClr val="accent1"/>
+          </a:fillRef>
+          <a:effectRef idx="0">
+            <a:schemeClr val="accent1"/>
+          </a:effectRef>
+          <a:fontRef idx="minor">
+            <a:schemeClr val="lt1"/>
+          </a:fontRef>
+        </p:style>
+        <p:txBody>
+          <a:bodyPr rtlCol="0" anchor="ctr"/>
+          <a:lstStyle/>
+          <a:p>
+            <a:pPr algn="ctr"/>
+            <a:endParaRPr lang="ru-RU">
+              <a:noFill/>
+            </a:endParaRPr>
+          </a:p>
+        </p:txBody>
+      </p:sp>
+      <mc:AlternateContent xmlns:mc="http://schemas.openxmlformats.org/markup-compatibility/2006">
+        <mc:Choice xmlns:a14="http://schemas.microsoft.com/office/drawing/2010/main" Requires="a14">
+          <p:sp>
+            <p:nvSpPr>
+              <p:cNvPr id="23" name="TextBox 22">
+                <a:extLst>
+                  <a:ext uri="{FF2B5EF4-FFF2-40B4-BE49-F238E27FC236}">
+                    <a16:creationId xmlns:a16="http://schemas.microsoft.com/office/drawing/2014/main" id="{52363669-2B07-4EA0-9778-18BF73072118}"/>
+                  </a:ext>
+                </a:extLst>
+              </p:cNvPr>
+              <p:cNvSpPr txBox="1"/>
+              <p:nvPr/>
+            </p:nvSpPr>
+            <p:spPr>
+              <a:xfrm>
+                <a:off x="2681768" y="2691323"/>
+                <a:ext cx="652007" cy="443455"/>
+              </a:xfrm>
+              <a:prstGeom prst="rect">
+                <a:avLst/>
+              </a:prstGeom>
+              <a:noFill/>
+            </p:spPr>
+            <p:txBody>
+              <a:bodyPr wrap="square" lIns="0" tIns="0" rIns="0" bIns="0" rtlCol="0">
+                <a:spAutoFit/>
+              </a:bodyPr>
+              <a:lstStyle/>
+              <a:p>
+                <a:pPr/>
+                <a14:m>
+                  <m:oMathPara xmlns:m="http://schemas.openxmlformats.org/officeDocument/2006/math">
+                    <m:oMathParaPr>
+                      <m:jc m:val="centerGroup"/>
+                    </m:oMathParaPr>
+                    <m:oMath xmlns:m="http://schemas.openxmlformats.org/officeDocument/2006/math">
+                      <m:r>
+                        <a:rPr lang="ru-RU" sz="1400" i="1" smtClean="0">
+                          <a:effectLst/>
+                          <a:latin typeface="Cambria Math" panose="02040503050406030204" pitchFamily="18" charset="0"/>
+                          <a:ea typeface="Times New Roman" panose="02020603050405020304" pitchFamily="18" charset="0"/>
+                        </a:rPr>
+                        <m:t>−</m:t>
+                      </m:r>
+                    </m:oMath>
+                  </m:oMathPara>
+                </a14:m>
+                <a:endParaRPr lang="ru-RU" sz="1400" dirty="0">
+                  <a:effectLst/>
+                  <a:latin typeface="Times New Roman" panose="02020603050405020304" pitchFamily="18" charset="0"/>
+                  <a:ea typeface="Calibri" panose="020F0502020204030204" pitchFamily="34" charset="0"/>
+                  <a:cs typeface="Times New Roman" panose="02020603050405020304" pitchFamily="18" charset="0"/>
+                </a:endParaRPr>
+              </a:p>
+              <a:p>
+                <a:endParaRPr lang="ru-RU" sz="1400" dirty="0"/>
+              </a:p>
+            </p:txBody>
+          </p:sp>
+        </mc:Choice>
+        <mc:Fallback>
+          <p:sp>
+            <p:nvSpPr>
+              <p:cNvPr id="23" name="TextBox 22">
+                <a:extLst>
+                  <a:ext uri="{FF2B5EF4-FFF2-40B4-BE49-F238E27FC236}">
+                    <a16:creationId xmlns:a16="http://schemas.microsoft.com/office/drawing/2014/main" id="{52363669-2B07-4EA0-9778-18BF73072118}"/>
+                  </a:ext>
+                </a:extLst>
+              </p:cNvPr>
+              <p:cNvSpPr txBox="1">
+                <a:spLocks noRot="1" noChangeAspect="1" noMove="1" noResize="1" noEditPoints="1" noAdjustHandles="1" noChangeArrowheads="1" noChangeShapeType="1" noTextEdit="1"/>
+              </p:cNvSpPr>
+              <p:nvPr/>
+            </p:nvSpPr>
+            <p:spPr>
+              <a:xfrm>
+                <a:off x="2681768" y="2691323"/>
+                <a:ext cx="652007" cy="443455"/>
+              </a:xfrm>
+              <a:prstGeom prst="rect">
+                <a:avLst/>
+              </a:prstGeom>
+              <a:blipFill>
+                <a:blip r:embed="rId3"/>
+                <a:stretch>
+                  <a:fillRect/>
+                </a:stretch>
+              </a:blipFill>
+            </p:spPr>
+            <p:txBody>
+              <a:bodyPr/>
+              <a:lstStyle/>
+              <a:p>
+                <a:r>
+                  <a:rPr lang="ru-RU">
+                    <a:noFill/>
+                  </a:rPr>
+                  <a:t> </a:t>
+                </a:r>
+              </a:p>
+            </p:txBody>
+          </p:sp>
+        </mc:Fallback>
+      </mc:AlternateContent>
+      <mc:AlternateContent xmlns:mc="http://schemas.openxmlformats.org/markup-compatibility/2006">
+        <mc:Choice xmlns:a14="http://schemas.microsoft.com/office/drawing/2010/main" Requires="a14">
+          <p:sp>
+            <p:nvSpPr>
+              <p:cNvPr id="29" name="TextBox 28">
+                <a:extLst>
+                  <a:ext uri="{FF2B5EF4-FFF2-40B4-BE49-F238E27FC236}">
+                    <a16:creationId xmlns:a16="http://schemas.microsoft.com/office/drawing/2014/main" id="{02D91855-69AB-45DD-8453-08C3724C8D97}"/>
+                  </a:ext>
+                </a:extLst>
+              </p:cNvPr>
+              <p:cNvSpPr txBox="1"/>
+              <p:nvPr/>
+            </p:nvSpPr>
+            <p:spPr>
+              <a:xfrm>
+                <a:off x="4078802" y="2580121"/>
+                <a:ext cx="445955" cy="447495"/>
+              </a:xfrm>
+              <a:prstGeom prst="rect">
+                <a:avLst/>
+              </a:prstGeom>
+              <a:noFill/>
+            </p:spPr>
+            <p:txBody>
+              <a:bodyPr wrap="square" lIns="0" tIns="0" rIns="0" bIns="0" rtlCol="0">
+                <a:spAutoFit/>
+              </a:bodyPr>
+              <a:lstStyle/>
+              <a:p>
+                <a:pPr/>
+                <a14:m>
+                  <m:oMathPara xmlns:m="http://schemas.openxmlformats.org/officeDocument/2006/math">
+                    <m:oMathParaPr>
+                      <m:jc m:val="centerGroup"/>
+                    </m:oMathParaPr>
+                    <m:oMath xmlns:m="http://schemas.openxmlformats.org/officeDocument/2006/math">
+                      <m:sSub>
+                        <m:sSubPr>
+                          <m:ctrlPr>
+                            <a:rPr lang="en-US" sz="1400" b="0" i="1" smtClean="0">
+                              <a:effectLst/>
+                              <a:latin typeface="Cambria Math" panose="02040503050406030204" pitchFamily="18" charset="0"/>
+                              <a:ea typeface="Calibri" panose="020F0502020204030204" pitchFamily="34" charset="0"/>
+                              <a:cs typeface="Times New Roman" panose="02020603050405020304" pitchFamily="18" charset="0"/>
+                            </a:rPr>
+                          </m:ctrlPr>
+                        </m:sSubPr>
+                        <m:e>
+                          <m:r>
+                            <a:rPr lang="en-US" sz="1400" b="0" i="1" smtClean="0">
+                              <a:effectLst/>
+                              <a:latin typeface="Cambria Math" panose="02040503050406030204" pitchFamily="18" charset="0"/>
+                              <a:ea typeface="Calibri" panose="020F0502020204030204" pitchFamily="34" charset="0"/>
+                              <a:cs typeface="Times New Roman" panose="02020603050405020304" pitchFamily="18" charset="0"/>
+                            </a:rPr>
+                            <m:t>𝐾</m:t>
+                          </m:r>
+                        </m:e>
+                        <m:sub>
+                          <m:r>
+                            <a:rPr lang="en-US" sz="1400" b="0" i="1" smtClean="0">
+                              <a:effectLst/>
+                              <a:latin typeface="Cambria Math" panose="02040503050406030204" pitchFamily="18" charset="0"/>
+                              <a:ea typeface="Calibri" panose="020F0502020204030204" pitchFamily="34" charset="0"/>
+                              <a:cs typeface="Times New Roman" panose="02020603050405020304" pitchFamily="18" charset="0"/>
+                            </a:rPr>
+                            <m:t>𝑝</m:t>
+                          </m:r>
+                        </m:sub>
+                      </m:sSub>
+                    </m:oMath>
+                  </m:oMathPara>
+                </a14:m>
+                <a:endParaRPr lang="ru-RU" sz="1400" dirty="0">
+                  <a:effectLst/>
+                  <a:latin typeface="Times New Roman" panose="02020603050405020304" pitchFamily="18" charset="0"/>
+                  <a:ea typeface="Calibri" panose="020F0502020204030204" pitchFamily="34" charset="0"/>
+                  <a:cs typeface="Times New Roman" panose="02020603050405020304" pitchFamily="18" charset="0"/>
+                </a:endParaRPr>
+              </a:p>
+              <a:p>
+                <a:endParaRPr lang="ru-RU" sz="1400" dirty="0"/>
+              </a:p>
+            </p:txBody>
+          </p:sp>
+        </mc:Choice>
+        <mc:Fallback>
+          <p:sp>
+            <p:nvSpPr>
+              <p:cNvPr id="29" name="TextBox 28">
+                <a:extLst>
+                  <a:ext uri="{FF2B5EF4-FFF2-40B4-BE49-F238E27FC236}">
+                    <a16:creationId xmlns:a16="http://schemas.microsoft.com/office/drawing/2014/main" id="{02D91855-69AB-45DD-8453-08C3724C8D97}"/>
+                  </a:ext>
+                </a:extLst>
+              </p:cNvPr>
+              <p:cNvSpPr txBox="1">
+                <a:spLocks noRot="1" noChangeAspect="1" noMove="1" noResize="1" noEditPoints="1" noAdjustHandles="1" noChangeArrowheads="1" noChangeShapeType="1" noTextEdit="1"/>
+              </p:cNvSpPr>
+              <p:nvPr/>
+            </p:nvSpPr>
+            <p:spPr>
+              <a:xfrm>
+                <a:off x="4078802" y="2580121"/>
+                <a:ext cx="445955" cy="447495"/>
+              </a:xfrm>
+              <a:prstGeom prst="rect">
+                <a:avLst/>
+              </a:prstGeom>
+              <a:blipFill>
+                <a:blip r:embed="rId4"/>
+                <a:stretch>
+                  <a:fillRect/>
+                </a:stretch>
+              </a:blipFill>
+            </p:spPr>
+            <p:txBody>
+              <a:bodyPr/>
+              <a:lstStyle/>
+              <a:p>
+                <a:r>
+                  <a:rPr lang="ru-RU">
+                    <a:noFill/>
+                  </a:rPr>
+                  <a:t> </a:t>
+                </a:r>
+              </a:p>
+            </p:txBody>
+          </p:sp>
+        </mc:Fallback>
+      </mc:AlternateContent>
+      <p:sp>
+        <p:nvSpPr>
+          <p:cNvPr id="30" name="Прямоугольник 29">
+            <a:extLst>
+              <a:ext uri="{FF2B5EF4-FFF2-40B4-BE49-F238E27FC236}">
+                <a16:creationId xmlns:a16="http://schemas.microsoft.com/office/drawing/2014/main" id="{3E7DDE2B-906C-46A6-90FA-7F384C5742C6}"/>
+              </a:ext>
+            </a:extLst>
+          </p:cNvPr>
+          <p:cNvSpPr/>
+          <p:nvPr/>
+        </p:nvSpPr>
+        <p:spPr>
+          <a:xfrm>
+            <a:off x="3893489" y="2408792"/>
+            <a:ext cx="789830" cy="618824"/>
+          </a:xfrm>
+          <a:prstGeom prst="rect">
+            <a:avLst/>
+          </a:prstGeom>
+          <a:noFill/>
+          <a:ln>
+            <a:solidFill>
+              <a:schemeClr val="tx1"/>
+            </a:solidFill>
+          </a:ln>
+        </p:spPr>
+        <p:style>
+          <a:lnRef idx="2">
+            <a:schemeClr val="accent1">
+              <a:shade val="50000"/>
+            </a:schemeClr>
+          </a:lnRef>
+          <a:fillRef idx="1">
+            <a:schemeClr val="accent1"/>
+          </a:fillRef>
+          <a:effectRef idx="0">
+            <a:schemeClr val="accent1"/>
+          </a:effectRef>
+          <a:fontRef idx="minor">
+            <a:schemeClr val="lt1"/>
+          </a:fontRef>
+        </p:style>
+        <p:txBody>
+          <a:bodyPr rtlCol="0" anchor="ctr"/>
+          <a:lstStyle/>
+          <a:p>
+            <a:pPr algn="ctr"/>
+            <a:endParaRPr lang="ru-RU"/>
+          </a:p>
+        </p:txBody>
+      </p:sp>
+      <mc:AlternateContent xmlns:mc="http://schemas.openxmlformats.org/markup-compatibility/2006">
+        <mc:Choice xmlns:a14="http://schemas.microsoft.com/office/drawing/2010/main" Requires="a14">
+          <p:sp>
+            <p:nvSpPr>
+              <p:cNvPr id="31" name="TextBox 30">
+                <a:extLst>
+                  <a:ext uri="{FF2B5EF4-FFF2-40B4-BE49-F238E27FC236}">
+                    <a16:creationId xmlns:a16="http://schemas.microsoft.com/office/drawing/2014/main" id="{4EDECD4F-71BB-4EBF-A71D-F74EC52F38A0}"/>
+                  </a:ext>
+                </a:extLst>
+              </p:cNvPr>
+              <p:cNvSpPr txBox="1"/>
+              <p:nvPr/>
+            </p:nvSpPr>
+            <p:spPr>
+              <a:xfrm>
+                <a:off x="4078802" y="3644368"/>
+                <a:ext cx="445955" cy="447495"/>
+              </a:xfrm>
+              <a:prstGeom prst="rect">
+                <a:avLst/>
+              </a:prstGeom>
+              <a:noFill/>
+            </p:spPr>
+            <p:txBody>
+              <a:bodyPr wrap="square" lIns="0" tIns="0" rIns="0" bIns="0" rtlCol="0">
+                <a:spAutoFit/>
+              </a:bodyPr>
+              <a:lstStyle/>
+              <a:p>
+                <a:pPr/>
+                <a14:m>
+                  <m:oMathPara xmlns:m="http://schemas.openxmlformats.org/officeDocument/2006/math">
+                    <m:oMathParaPr>
+                      <m:jc m:val="centerGroup"/>
+                    </m:oMathParaPr>
+                    <m:oMath xmlns:m="http://schemas.openxmlformats.org/officeDocument/2006/math">
+                      <m:sSub>
+                        <m:sSubPr>
+                          <m:ctrlPr>
+                            <a:rPr lang="en-US" sz="1400" b="0" i="1" smtClean="0">
+                              <a:effectLst/>
+                              <a:latin typeface="Cambria Math" panose="02040503050406030204" pitchFamily="18" charset="0"/>
+                              <a:ea typeface="Calibri" panose="020F0502020204030204" pitchFamily="34" charset="0"/>
+                              <a:cs typeface="Times New Roman" panose="02020603050405020304" pitchFamily="18" charset="0"/>
+                            </a:rPr>
+                          </m:ctrlPr>
+                        </m:sSubPr>
+                        <m:e>
+                          <m:r>
+                            <a:rPr lang="en-US" sz="1400" b="0" i="1" smtClean="0">
+                              <a:effectLst/>
+                              <a:latin typeface="Cambria Math" panose="02040503050406030204" pitchFamily="18" charset="0"/>
+                              <a:ea typeface="Calibri" panose="020F0502020204030204" pitchFamily="34" charset="0"/>
+                              <a:cs typeface="Times New Roman" panose="02020603050405020304" pitchFamily="18" charset="0"/>
+                            </a:rPr>
+                            <m:t>𝐾</m:t>
+                          </m:r>
+                        </m:e>
+                        <m:sub>
+                          <m:r>
+                            <a:rPr lang="en-US" sz="1400" b="0" i="1" smtClean="0">
+                              <a:effectLst/>
+                              <a:latin typeface="Cambria Math" panose="02040503050406030204" pitchFamily="18" charset="0"/>
+                              <a:ea typeface="Calibri" panose="020F0502020204030204" pitchFamily="34" charset="0"/>
+                              <a:cs typeface="Times New Roman" panose="02020603050405020304" pitchFamily="18" charset="0"/>
+                            </a:rPr>
+                            <m:t>𝑑</m:t>
+                          </m:r>
+                        </m:sub>
+                      </m:sSub>
+                      <m:r>
+                        <a:rPr lang="en-US" sz="1400" b="0" i="1" smtClean="0">
+                          <a:effectLst/>
+                          <a:latin typeface="Cambria Math" panose="02040503050406030204" pitchFamily="18" charset="0"/>
+                          <a:ea typeface="Calibri" panose="020F0502020204030204" pitchFamily="34" charset="0"/>
+                          <a:cs typeface="Times New Roman" panose="02020603050405020304" pitchFamily="18" charset="0"/>
+                        </a:rPr>
+                        <m:t>𝑠</m:t>
+                      </m:r>
+                    </m:oMath>
+                  </m:oMathPara>
+                </a14:m>
+                <a:endParaRPr lang="ru-RU" sz="1400" dirty="0">
+                  <a:effectLst/>
+                  <a:latin typeface="Times New Roman" panose="02020603050405020304" pitchFamily="18" charset="0"/>
+                  <a:ea typeface="Calibri" panose="020F0502020204030204" pitchFamily="34" charset="0"/>
+                  <a:cs typeface="Times New Roman" panose="02020603050405020304" pitchFamily="18" charset="0"/>
+                </a:endParaRPr>
+              </a:p>
+              <a:p>
+                <a:endParaRPr lang="ru-RU" sz="1400" dirty="0"/>
+              </a:p>
+            </p:txBody>
+          </p:sp>
+        </mc:Choice>
+        <mc:Fallback>
+          <p:sp>
+            <p:nvSpPr>
+              <p:cNvPr id="31" name="TextBox 30">
+                <a:extLst>
+                  <a:ext uri="{FF2B5EF4-FFF2-40B4-BE49-F238E27FC236}">
+                    <a16:creationId xmlns:a16="http://schemas.microsoft.com/office/drawing/2014/main" id="{4EDECD4F-71BB-4EBF-A71D-F74EC52F38A0}"/>
+                  </a:ext>
+                </a:extLst>
+              </p:cNvPr>
+              <p:cNvSpPr txBox="1">
+                <a:spLocks noRot="1" noChangeAspect="1" noMove="1" noResize="1" noEditPoints="1" noAdjustHandles="1" noChangeArrowheads="1" noChangeShapeType="1" noTextEdit="1"/>
+              </p:cNvSpPr>
+              <p:nvPr/>
+            </p:nvSpPr>
+            <p:spPr>
+              <a:xfrm>
+                <a:off x="4078802" y="3644368"/>
+                <a:ext cx="445955" cy="447495"/>
+              </a:xfrm>
+              <a:prstGeom prst="rect">
+                <a:avLst/>
+              </a:prstGeom>
+              <a:blipFill>
+                <a:blip r:embed="rId5"/>
+                <a:stretch>
+                  <a:fillRect/>
+                </a:stretch>
+              </a:blipFill>
+            </p:spPr>
+            <p:txBody>
+              <a:bodyPr/>
+              <a:lstStyle/>
+              <a:p>
+                <a:r>
+                  <a:rPr lang="ru-RU">
+                    <a:noFill/>
+                  </a:rPr>
+                  <a:t> </a:t>
+                </a:r>
+              </a:p>
+            </p:txBody>
+          </p:sp>
+        </mc:Fallback>
+      </mc:AlternateContent>
+      <p:sp>
+        <p:nvSpPr>
+          <p:cNvPr id="32" name="Прямоугольник 31">
+            <a:extLst>
+              <a:ext uri="{FF2B5EF4-FFF2-40B4-BE49-F238E27FC236}">
+                <a16:creationId xmlns:a16="http://schemas.microsoft.com/office/drawing/2014/main" id="{5AAFA3A5-2049-44D5-B4C2-9C4462CC9342}"/>
+              </a:ext>
+            </a:extLst>
+          </p:cNvPr>
+          <p:cNvSpPr/>
+          <p:nvPr/>
+        </p:nvSpPr>
+        <p:spPr>
+          <a:xfrm>
+            <a:off x="3893489" y="3473039"/>
+            <a:ext cx="789830" cy="618824"/>
+          </a:xfrm>
+          <a:prstGeom prst="rect">
+            <a:avLst/>
+          </a:prstGeom>
+          <a:noFill/>
+          <a:ln>
+            <a:solidFill>
+              <a:schemeClr val="tx1"/>
+            </a:solidFill>
+          </a:ln>
+        </p:spPr>
+        <p:style>
+          <a:lnRef idx="2">
+            <a:schemeClr val="accent1">
+              <a:shade val="50000"/>
+            </a:schemeClr>
+          </a:lnRef>
+          <a:fillRef idx="1">
+            <a:schemeClr val="accent1"/>
+          </a:fillRef>
+          <a:effectRef idx="0">
+            <a:schemeClr val="accent1"/>
+          </a:effectRef>
+          <a:fontRef idx="minor">
+            <a:schemeClr val="lt1"/>
+          </a:fontRef>
+        </p:style>
+        <p:txBody>
+          <a:bodyPr rtlCol="0" anchor="ctr"/>
+          <a:lstStyle/>
+          <a:p>
+            <a:pPr algn="ctr"/>
+            <a:endParaRPr lang="ru-RU"/>
+          </a:p>
+        </p:txBody>
+      </p:sp>
+      <p:sp>
+        <p:nvSpPr>
+          <p:cNvPr id="33" name="Блок-схема: узел суммирования 32">
+            <a:extLst>
+              <a:ext uri="{FF2B5EF4-FFF2-40B4-BE49-F238E27FC236}">
+                <a16:creationId xmlns:a16="http://schemas.microsoft.com/office/drawing/2014/main" id="{C3B6A417-0382-47AA-A526-0FDE3732BBEC}"/>
+              </a:ext>
+            </a:extLst>
+          </p:cNvPr>
+          <p:cNvSpPr/>
+          <p:nvPr/>
+        </p:nvSpPr>
+        <p:spPr>
+          <a:xfrm>
+            <a:off x="5380082" y="2594676"/>
+            <a:ext cx="238539" cy="246908"/>
+          </a:xfrm>
+          <a:prstGeom prst="flowChartSummingJunction">
+            <a:avLst/>
+          </a:prstGeom>
+          <a:noFill/>
+          <a:ln w="6350">
+            <a:solidFill>
+              <a:schemeClr val="tx1"/>
+            </a:solidFill>
+          </a:ln>
+        </p:spPr>
+        <p:style>
+          <a:lnRef idx="2">
+            <a:schemeClr val="accent1">
+              <a:shade val="50000"/>
+            </a:schemeClr>
+          </a:lnRef>
+          <a:fillRef idx="1">
+            <a:schemeClr val="accent1"/>
+          </a:fillRef>
+          <a:effectRef idx="0">
+            <a:schemeClr val="accent1"/>
+          </a:effectRef>
+          <a:fontRef idx="minor">
+            <a:schemeClr val="lt1"/>
+          </a:fontRef>
+        </p:style>
+        <p:txBody>
+          <a:bodyPr rtlCol="0" anchor="ctr"/>
+          <a:lstStyle/>
+          <a:p>
+            <a:pPr algn="ctr"/>
+            <a:endParaRPr lang="ru-RU">
+              <a:noFill/>
+            </a:endParaRPr>
+          </a:p>
+        </p:txBody>
+      </p:sp>
+      <p:cxnSp>
+        <p:nvCxnSpPr>
+          <p:cNvPr id="35" name="Соединитель: уступ 34">
+            <a:extLst>
+              <a:ext uri="{FF2B5EF4-FFF2-40B4-BE49-F238E27FC236}">
+                <a16:creationId xmlns:a16="http://schemas.microsoft.com/office/drawing/2014/main" id="{6D004D29-CB78-4917-A29F-CB33CDADB8E2}"/>
+              </a:ext>
+            </a:extLst>
+          </p:cNvPr>
+          <p:cNvCxnSpPr>
+            <a:stCxn id="6" idx="3"/>
+            <a:endCxn id="33" idx="0"/>
+          </p:cNvCxnSpPr>
+          <p:nvPr/>
+        </p:nvCxnSpPr>
+        <p:spPr>
+          <a:xfrm>
+            <a:off x="4683319" y="1653957"/>
+            <a:ext cx="816033" cy="940719"/>
+          </a:xfrm>
+          <a:prstGeom prst="bentConnector2">
+            <a:avLst/>
+          </a:prstGeom>
+          <a:ln>
+            <a:solidFill>
+              <a:schemeClr val="tx1"/>
+            </a:solidFill>
+            <a:tailEnd type="triangle"/>
+          </a:ln>
+        </p:spPr>
+        <p:style>
+          <a:lnRef idx="1">
+            <a:schemeClr val="accent1"/>
+          </a:lnRef>
+          <a:fillRef idx="0">
+            <a:schemeClr val="accent1"/>
+          </a:fillRef>
+          <a:effectRef idx="0">
+            <a:schemeClr val="accent1"/>
+          </a:effectRef>
+          <a:fontRef idx="minor">
+            <a:schemeClr val="tx1"/>
+          </a:fontRef>
+        </p:style>
+      </p:cxnSp>
+      <p:cxnSp>
+        <p:nvCxnSpPr>
+          <p:cNvPr id="37" name="Соединитель: уступ 36">
+            <a:extLst>
+              <a:ext uri="{FF2B5EF4-FFF2-40B4-BE49-F238E27FC236}">
+                <a16:creationId xmlns:a16="http://schemas.microsoft.com/office/drawing/2014/main" id="{D5733BC4-B80C-453A-AA28-B5B3230C3B04}"/>
+              </a:ext>
+            </a:extLst>
+          </p:cNvPr>
+          <p:cNvCxnSpPr>
+            <a:stCxn id="32" idx="3"/>
+            <a:endCxn id="33" idx="4"/>
+          </p:cNvCxnSpPr>
+          <p:nvPr/>
+        </p:nvCxnSpPr>
+        <p:spPr>
+          <a:xfrm flipV="1">
+            <a:off x="4683319" y="2841584"/>
+            <a:ext cx="816033" cy="940867"/>
+          </a:xfrm>
+          <a:prstGeom prst="bentConnector2">
+            <a:avLst/>
+          </a:prstGeom>
+          <a:ln>
+            <a:solidFill>
+              <a:schemeClr val="tx1"/>
+            </a:solidFill>
+            <a:tailEnd type="triangle"/>
+          </a:ln>
+        </p:spPr>
+        <p:style>
+          <a:lnRef idx="1">
+            <a:schemeClr val="accent1"/>
+          </a:lnRef>
+          <a:fillRef idx="0">
+            <a:schemeClr val="accent1"/>
+          </a:fillRef>
+          <a:effectRef idx="0">
+            <a:schemeClr val="accent1"/>
+          </a:effectRef>
+          <a:fontRef idx="minor">
+            <a:schemeClr val="tx1"/>
+          </a:fontRef>
+        </p:style>
+      </p:cxnSp>
+      <p:cxnSp>
+        <p:nvCxnSpPr>
+          <p:cNvPr id="39" name="Соединитель: уступ 38">
+            <a:extLst>
+              <a:ext uri="{FF2B5EF4-FFF2-40B4-BE49-F238E27FC236}">
+                <a16:creationId xmlns:a16="http://schemas.microsoft.com/office/drawing/2014/main" id="{B4692B33-CA0A-4E9A-AAA5-86A076C8EFD0}"/>
+              </a:ext>
+            </a:extLst>
+          </p:cNvPr>
+          <p:cNvCxnSpPr>
+            <a:stCxn id="30" idx="3"/>
+            <a:endCxn id="33" idx="2"/>
+          </p:cNvCxnSpPr>
+          <p:nvPr/>
+        </p:nvCxnSpPr>
+        <p:spPr>
+          <a:xfrm flipV="1">
+            <a:off x="4683319" y="2718130"/>
+            <a:ext cx="696763" cy="74"/>
+          </a:xfrm>
+          <a:prstGeom prst="bentConnector3">
+            <a:avLst/>
+          </a:prstGeom>
+          <a:ln>
+            <a:solidFill>
+              <a:schemeClr val="tx1"/>
+            </a:solidFill>
+            <a:tailEnd type="triangle"/>
+          </a:ln>
+        </p:spPr>
+        <p:style>
+          <a:lnRef idx="1">
+            <a:schemeClr val="accent1"/>
+          </a:lnRef>
+          <a:fillRef idx="0">
+            <a:schemeClr val="accent1"/>
+          </a:fillRef>
+          <a:effectRef idx="0">
+            <a:schemeClr val="accent1"/>
+          </a:effectRef>
+          <a:fontRef idx="minor">
+            <a:schemeClr val="tx1"/>
+          </a:fontRef>
+        </p:style>
+      </p:cxnSp>
+      <p:cxnSp>
+        <p:nvCxnSpPr>
+          <p:cNvPr id="44" name="Соединитель: уступ 43">
+            <a:extLst>
+              <a:ext uri="{FF2B5EF4-FFF2-40B4-BE49-F238E27FC236}">
+                <a16:creationId xmlns:a16="http://schemas.microsoft.com/office/drawing/2014/main" id="{356C98B4-57B9-44C2-A27E-159559769A69}"/>
+              </a:ext>
+            </a:extLst>
+          </p:cNvPr>
+          <p:cNvCxnSpPr>
+            <a:stCxn id="33" idx="6"/>
+            <a:endCxn id="8" idx="1"/>
+          </p:cNvCxnSpPr>
+          <p:nvPr/>
+        </p:nvCxnSpPr>
+        <p:spPr>
+          <a:xfrm flipV="1">
+            <a:off x="5618621" y="2710179"/>
+            <a:ext cx="479729" cy="7951"/>
+          </a:xfrm>
+          <a:prstGeom prst="bentConnector3">
+            <a:avLst/>
+          </a:prstGeom>
+          <a:ln>
+            <a:solidFill>
+              <a:schemeClr val="tx1"/>
+            </a:solidFill>
+            <a:tailEnd type="triangle"/>
+          </a:ln>
+        </p:spPr>
+        <p:style>
+          <a:lnRef idx="1">
+            <a:schemeClr val="accent1"/>
+          </a:lnRef>
+          <a:fillRef idx="0">
+            <a:schemeClr val="accent1"/>
+          </a:fillRef>
+          <a:effectRef idx="0">
+            <a:schemeClr val="accent1"/>
+          </a:effectRef>
+          <a:fontRef idx="minor">
+            <a:schemeClr val="tx1"/>
+          </a:fontRef>
+        </p:style>
+      </p:cxnSp>
+      <p:cxnSp>
+        <p:nvCxnSpPr>
+          <p:cNvPr id="50" name="Соединитель: уступ 49">
+            <a:extLst>
+              <a:ext uri="{FF2B5EF4-FFF2-40B4-BE49-F238E27FC236}">
+                <a16:creationId xmlns:a16="http://schemas.microsoft.com/office/drawing/2014/main" id="{EA7D3950-2123-4982-BCF2-BB3C16045C7E}"/>
+              </a:ext>
+            </a:extLst>
+          </p:cNvPr>
+          <p:cNvCxnSpPr>
+            <a:stCxn id="11" idx="6"/>
+            <a:endCxn id="30" idx="1"/>
+          </p:cNvCxnSpPr>
+          <p:nvPr/>
+        </p:nvCxnSpPr>
+        <p:spPr>
+          <a:xfrm>
+            <a:off x="2869187" y="2718130"/>
+            <a:ext cx="1024302" cy="74"/>
+          </a:xfrm>
+          <a:prstGeom prst="bentConnector3">
+            <a:avLst/>
+          </a:prstGeom>
+          <a:ln>
+            <a:solidFill>
+              <a:schemeClr val="tx1"/>
+            </a:solidFill>
+            <a:tailEnd type="triangle"/>
+          </a:ln>
+        </p:spPr>
+        <p:style>
+          <a:lnRef idx="1">
+            <a:schemeClr val="accent1"/>
+          </a:lnRef>
+          <a:fillRef idx="0">
+            <a:schemeClr val="accent1"/>
+          </a:fillRef>
+          <a:effectRef idx="0">
+            <a:schemeClr val="accent1"/>
+          </a:effectRef>
+          <a:fontRef idx="minor">
+            <a:schemeClr val="tx1"/>
+          </a:fontRef>
+        </p:style>
+      </p:cxnSp>
+      <p:cxnSp>
+        <p:nvCxnSpPr>
+          <p:cNvPr id="55" name="Соединитель: уступ 54">
+            <a:extLst>
+              <a:ext uri="{FF2B5EF4-FFF2-40B4-BE49-F238E27FC236}">
+                <a16:creationId xmlns:a16="http://schemas.microsoft.com/office/drawing/2014/main" id="{220E78C2-94DE-4A59-9D5B-00F863EAB1D2}"/>
+              </a:ext>
+            </a:extLst>
+          </p:cNvPr>
+          <p:cNvCxnSpPr>
+            <a:cxnSpLocks/>
+            <a:stCxn id="8" idx="3"/>
+            <a:endCxn id="11" idx="4"/>
+          </p:cNvCxnSpPr>
+          <p:nvPr/>
+        </p:nvCxnSpPr>
+        <p:spPr>
+          <a:xfrm flipH="1">
+            <a:off x="2749918" y="2710179"/>
+            <a:ext cx="5376425" cy="131405"/>
+          </a:xfrm>
+          <a:prstGeom prst="bentConnector4">
+            <a:avLst>
+              <a:gd name="adj1" fmla="val -4252"/>
+              <a:gd name="adj2" fmla="val 1543418"/>
+            </a:avLst>
+          </a:prstGeom>
+          <a:ln>
+            <a:solidFill>
+              <a:schemeClr val="tx1"/>
+            </a:solidFill>
+            <a:tailEnd type="triangle"/>
+          </a:ln>
+        </p:spPr>
+        <p:style>
+          <a:lnRef idx="1">
+            <a:schemeClr val="accent1"/>
+          </a:lnRef>
+          <a:fillRef idx="0">
+            <a:schemeClr val="accent1"/>
+          </a:fillRef>
+          <a:effectRef idx="0">
+            <a:schemeClr val="accent1"/>
+          </a:effectRef>
+          <a:fontRef idx="minor">
+            <a:schemeClr val="tx1"/>
+          </a:fontRef>
+        </p:style>
+      </p:cxnSp>
+      <p:cxnSp>
+        <p:nvCxnSpPr>
+          <p:cNvPr id="62" name="Соединитель: уступ 61">
+            <a:extLst>
+              <a:ext uri="{FF2B5EF4-FFF2-40B4-BE49-F238E27FC236}">
+                <a16:creationId xmlns:a16="http://schemas.microsoft.com/office/drawing/2014/main" id="{EE58FDA2-5CB1-4CBF-83D4-29710941780D}"/>
+              </a:ext>
+            </a:extLst>
+          </p:cNvPr>
+          <p:cNvCxnSpPr>
+            <a:endCxn id="6" idx="1"/>
+          </p:cNvCxnSpPr>
+          <p:nvPr/>
+        </p:nvCxnSpPr>
+        <p:spPr>
+          <a:xfrm rot="5400000" flipH="1" flipV="1">
+            <a:off x="3105327" y="1929969"/>
+            <a:ext cx="1064173" cy="512151"/>
+          </a:xfrm>
+          <a:prstGeom prst="bentConnector2">
+            <a:avLst/>
+          </a:prstGeom>
+          <a:ln>
+            <a:solidFill>
+              <a:schemeClr val="tx1"/>
+            </a:solidFill>
+            <a:tailEnd type="triangle"/>
+          </a:ln>
+        </p:spPr>
+        <p:style>
+          <a:lnRef idx="1">
+            <a:schemeClr val="accent1"/>
+          </a:lnRef>
+          <a:fillRef idx="0">
+            <a:schemeClr val="accent1"/>
+          </a:fillRef>
+          <a:effectRef idx="0">
+            <a:schemeClr val="accent1"/>
+          </a:effectRef>
+          <a:fontRef idx="minor">
+            <a:schemeClr val="tx1"/>
+          </a:fontRef>
+        </p:style>
+      </p:cxnSp>
+      <p:cxnSp>
+        <p:nvCxnSpPr>
+          <p:cNvPr id="64" name="Соединитель: уступ 63">
+            <a:extLst>
+              <a:ext uri="{FF2B5EF4-FFF2-40B4-BE49-F238E27FC236}">
+                <a16:creationId xmlns:a16="http://schemas.microsoft.com/office/drawing/2014/main" id="{F4C62FC1-7868-4723-AC50-B077D7DDC655}"/>
+              </a:ext>
+            </a:extLst>
+          </p:cNvPr>
+          <p:cNvCxnSpPr>
+            <a:endCxn id="32" idx="1"/>
+          </p:cNvCxnSpPr>
+          <p:nvPr/>
+        </p:nvCxnSpPr>
+        <p:spPr>
+          <a:xfrm rot="16200000" flipH="1">
+            <a:off x="3105253" y="2994214"/>
+            <a:ext cx="1064321" cy="512151"/>
+          </a:xfrm>
+          <a:prstGeom prst="bentConnector2">
+            <a:avLst/>
+          </a:prstGeom>
+          <a:ln>
+            <a:solidFill>
+              <a:schemeClr val="tx1"/>
+            </a:solidFill>
+            <a:tailEnd type="triangle"/>
+          </a:ln>
+        </p:spPr>
+        <p:style>
+          <a:lnRef idx="1">
+            <a:schemeClr val="accent1"/>
+          </a:lnRef>
+          <a:fillRef idx="0">
+            <a:schemeClr val="accent1"/>
+          </a:fillRef>
+          <a:effectRef idx="0">
+            <a:schemeClr val="accent1"/>
+          </a:effectRef>
+          <a:fontRef idx="minor">
+            <a:schemeClr val="tx1"/>
+          </a:fontRef>
+        </p:style>
+      </p:cxnSp>
+      <p:cxnSp>
+        <p:nvCxnSpPr>
+          <p:cNvPr id="66" name="Прямая со стрелкой 65">
+            <a:extLst>
+              <a:ext uri="{FF2B5EF4-FFF2-40B4-BE49-F238E27FC236}">
+                <a16:creationId xmlns:a16="http://schemas.microsoft.com/office/drawing/2014/main" id="{2CC09AC4-A4E6-4B79-ADE8-6CC400DB3648}"/>
+              </a:ext>
+            </a:extLst>
+          </p:cNvPr>
+          <p:cNvCxnSpPr>
+            <a:cxnSpLocks/>
+          </p:cNvCxnSpPr>
+          <p:nvPr/>
+        </p:nvCxnSpPr>
+        <p:spPr>
+          <a:xfrm>
+            <a:off x="8127287" y="2702217"/>
+            <a:ext cx="596348" cy="0"/>
+          </a:xfrm>
+          <a:prstGeom prst="straightConnector1">
+            <a:avLst/>
+          </a:prstGeom>
+          <a:ln>
+            <a:solidFill>
+              <a:schemeClr val="tx1"/>
+            </a:solidFill>
+            <a:tailEnd type="triangle"/>
+          </a:ln>
+        </p:spPr>
+        <p:style>
+          <a:lnRef idx="1">
+            <a:schemeClr val="accent1"/>
+          </a:lnRef>
+          <a:fillRef idx="0">
+            <a:schemeClr val="accent1"/>
+          </a:fillRef>
+          <a:effectRef idx="0">
+            <a:schemeClr val="accent1"/>
+          </a:effectRef>
+          <a:fontRef idx="minor">
+            <a:schemeClr val="tx1"/>
+          </a:fontRef>
+        </p:style>
+      </p:cxnSp>
+      <p:cxnSp>
+        <p:nvCxnSpPr>
+          <p:cNvPr id="69" name="Прямая со стрелкой 68">
+            <a:extLst>
+              <a:ext uri="{FF2B5EF4-FFF2-40B4-BE49-F238E27FC236}">
+                <a16:creationId xmlns:a16="http://schemas.microsoft.com/office/drawing/2014/main" id="{595B1699-DC94-4575-9AFA-10ECCA3AD16C}"/>
+              </a:ext>
+            </a:extLst>
+          </p:cNvPr>
+          <p:cNvCxnSpPr>
+            <a:cxnSpLocks/>
+          </p:cNvCxnSpPr>
+          <p:nvPr/>
+        </p:nvCxnSpPr>
+        <p:spPr>
+          <a:xfrm>
+            <a:off x="2034300" y="2702217"/>
+            <a:ext cx="596348" cy="0"/>
+          </a:xfrm>
+          <a:prstGeom prst="straightConnector1">
+            <a:avLst/>
+          </a:prstGeom>
+          <a:ln>
+            <a:solidFill>
+              <a:schemeClr val="tx1"/>
+            </a:solidFill>
+            <a:tailEnd type="triangle"/>
+          </a:ln>
+        </p:spPr>
+        <p:style>
+          <a:lnRef idx="1">
+            <a:schemeClr val="accent1"/>
+          </a:lnRef>
+          <a:fillRef idx="0">
+            <a:schemeClr val="accent1"/>
+          </a:fillRef>
+          <a:effectRef idx="0">
+            <a:schemeClr val="accent1"/>
+          </a:effectRef>
+          <a:fontRef idx="minor">
+            <a:schemeClr val="tx1"/>
+          </a:fontRef>
+        </p:style>
+      </p:cxnSp>
+    </p:spTree>
+    <p:extLst>
+      <p:ext uri="{BB962C8B-B14F-4D97-AF65-F5344CB8AC3E}">
+        <p14:creationId xmlns:p14="http://schemas.microsoft.com/office/powerpoint/2010/main" val="428892733"/>
       </p:ext>
     </p:extLst>
   </p:cSld>

--- a/txt/schemes.pptx
+++ b/txt/schemes.pptx
@@ -121,7 +121,7 @@
   <pc:docChgLst>
     <pc:chgData name="Otto Schefer" userId="fd5a25951ba882f8" providerId="LiveId" clId="{01312597-0B54-46BE-906A-F240F5E61C87}"/>
     <pc:docChg chg="undo custSel addSld delSld modSld">
-      <pc:chgData name="Otto Schefer" userId="fd5a25951ba882f8" providerId="LiveId" clId="{01312597-0B54-46BE-906A-F240F5E61C87}" dt="2021-05-22T20:56:13.094" v="461" actId="1076"/>
+      <pc:chgData name="Otto Schefer" userId="fd5a25951ba882f8" providerId="LiveId" clId="{01312597-0B54-46BE-906A-F240F5E61C87}" dt="2021-05-23T22:31:08.017" v="485" actId="208"/>
       <pc:docMkLst>
         <pc:docMk/>
       </pc:docMkLst>
@@ -2034,7 +2034,7 @@
         </pc:cxnChg>
       </pc:sldChg>
       <pc:sldChg chg="addSp delSp modSp new mod">
-        <pc:chgData name="Otto Schefer" userId="fd5a25951ba882f8" providerId="LiveId" clId="{01312597-0B54-46BE-906A-F240F5E61C87}" dt="2021-05-22T20:56:13.094" v="461" actId="1076"/>
+        <pc:chgData name="Otto Schefer" userId="fd5a25951ba882f8" providerId="LiveId" clId="{01312597-0B54-46BE-906A-F240F5E61C87}" dt="2021-05-23T22:31:08.017" v="485" actId="208"/>
         <pc:sldMkLst>
           <pc:docMk/>
           <pc:sldMk cId="428892733" sldId="260"/>
@@ -2152,11 +2152,27 @@
           </ac:spMkLst>
         </pc:spChg>
         <pc:spChg chg="add mod">
-          <ac:chgData name="Otto Schefer" userId="fd5a25951ba882f8" providerId="LiveId" clId="{01312597-0B54-46BE-906A-F240F5E61C87}" dt="2021-05-22T20:56:13.094" v="461" actId="1076"/>
+          <ac:chgData name="Otto Schefer" userId="fd5a25951ba882f8" providerId="LiveId" clId="{01312597-0B54-46BE-906A-F240F5E61C87}" dt="2021-05-23T22:31:00.480" v="484" actId="1076"/>
           <ac:spMkLst>
             <pc:docMk/>
             <pc:sldMk cId="428892733" sldId="260"/>
             <ac:spMk id="23" creationId="{52363669-2B07-4EA0-9778-18BF73072118}"/>
+          </ac:spMkLst>
+        </pc:spChg>
+        <pc:spChg chg="add mod">
+          <ac:chgData name="Otto Schefer" userId="fd5a25951ba882f8" providerId="LiveId" clId="{01312597-0B54-46BE-906A-F240F5E61C87}" dt="2021-05-23T22:29:53.222" v="473" actId="1076"/>
+          <ac:spMkLst>
+            <pc:docMk/>
+            <pc:sldMk cId="428892733" sldId="260"/>
+            <ac:spMk id="26" creationId="{D5D460AF-B7FE-4C95-99BD-84F0AA79EE8D}"/>
+          </ac:spMkLst>
+        </pc:spChg>
+        <pc:spChg chg="add mod">
+          <ac:chgData name="Otto Schefer" userId="fd5a25951ba882f8" providerId="LiveId" clId="{01312597-0B54-46BE-906A-F240F5E61C87}" dt="2021-05-23T22:29:53.222" v="473" actId="1076"/>
+          <ac:spMkLst>
+            <pc:docMk/>
+            <pc:sldMk cId="428892733" sldId="260"/>
+            <ac:spMk id="27" creationId="{EB9EC7DD-2963-4D5B-8FE6-50A2CBA14D09}"/>
           </ac:spMkLst>
         </pc:spChg>
         <pc:spChg chg="add mod">
@@ -2176,7 +2192,7 @@
           </ac:spMkLst>
         </pc:spChg>
         <pc:spChg chg="add mod">
-          <ac:chgData name="Otto Schefer" userId="fd5a25951ba882f8" providerId="LiveId" clId="{01312597-0B54-46BE-906A-F240F5E61C87}" dt="2021-05-22T20:52:49.086" v="425" actId="1036"/>
+          <ac:chgData name="Otto Schefer" userId="fd5a25951ba882f8" providerId="LiveId" clId="{01312597-0B54-46BE-906A-F240F5E61C87}" dt="2021-05-23T22:29:30.529" v="465" actId="1076"/>
           <ac:spMkLst>
             <pc:docMk/>
             <pc:sldMk cId="428892733" sldId="260"/>
@@ -2184,7 +2200,7 @@
           </ac:spMkLst>
         </pc:spChg>
         <pc:spChg chg="add mod">
-          <ac:chgData name="Otto Schefer" userId="fd5a25951ba882f8" providerId="LiveId" clId="{01312597-0B54-46BE-906A-F240F5E61C87}" dt="2021-05-22T20:52:49.086" v="425" actId="1036"/>
+          <ac:chgData name="Otto Schefer" userId="fd5a25951ba882f8" providerId="LiveId" clId="{01312597-0B54-46BE-906A-F240F5E61C87}" dt="2021-05-23T22:29:30.529" v="465" actId="1076"/>
           <ac:spMkLst>
             <pc:docMk/>
             <pc:sldMk cId="428892733" sldId="260"/>
@@ -2215,6 +2231,14 @@
             <ac:cxnSpMk id="10" creationId="{1144D488-A2E5-4775-A17F-CFBEFFCE1988}"/>
           </ac:cxnSpMkLst>
         </pc:cxnChg>
+        <pc:cxnChg chg="add mod">
+          <ac:chgData name="Otto Schefer" userId="fd5a25951ba882f8" providerId="LiveId" clId="{01312597-0B54-46BE-906A-F240F5E61C87}" dt="2021-05-23T22:31:08.017" v="485" actId="208"/>
+          <ac:cxnSpMkLst>
+            <pc:docMk/>
+            <pc:sldMk cId="428892733" sldId="260"/>
+            <ac:cxnSpMk id="10" creationId="{E16843F9-BC97-4946-9F17-949FADFBDD80}"/>
+          </ac:cxnSpMkLst>
+        </pc:cxnChg>
         <pc:cxnChg chg="add del mod">
           <ac:chgData name="Otto Schefer" userId="fd5a25951ba882f8" providerId="LiveId" clId="{01312597-0B54-46BE-906A-F240F5E61C87}" dt="2021-05-22T20:51:03.502" v="387" actId="478"/>
           <ac:cxnSpMkLst>
@@ -2239,6 +2263,14 @@
             <ac:cxnSpMk id="16" creationId="{881AFAE9-84AE-4E45-ABE2-A9CB69F6F7DF}"/>
           </ac:cxnSpMkLst>
         </pc:cxnChg>
+        <pc:cxnChg chg="add mod">
+          <ac:chgData name="Otto Schefer" userId="fd5a25951ba882f8" providerId="LiveId" clId="{01312597-0B54-46BE-906A-F240F5E61C87}" dt="2021-05-23T22:31:08.017" v="485" actId="208"/>
+          <ac:cxnSpMkLst>
+            <pc:docMk/>
+            <pc:sldMk cId="428892733" sldId="260"/>
+            <ac:cxnSpMk id="16" creationId="{C385CA3F-CFBE-42C9-8FE9-8E87D9E8E3CA}"/>
+          </ac:cxnSpMkLst>
+        </pc:cxnChg>
         <pc:cxnChg chg="add del mod">
           <ac:chgData name="Otto Schefer" userId="fd5a25951ba882f8" providerId="LiveId" clId="{01312597-0B54-46BE-906A-F240F5E61C87}" dt="2021-05-22T20:48:11.214" v="310" actId="478"/>
           <ac:cxnSpMkLst>
@@ -2264,7 +2296,7 @@
           </ac:cxnSpMkLst>
         </pc:cxnChg>
         <pc:cxnChg chg="add mod">
-          <ac:chgData name="Otto Schefer" userId="fd5a25951ba882f8" providerId="LiveId" clId="{01312597-0B54-46BE-906A-F240F5E61C87}" dt="2021-05-22T20:55:06.331" v="457" actId="208"/>
+          <ac:chgData name="Otto Schefer" userId="fd5a25951ba882f8" providerId="LiveId" clId="{01312597-0B54-46BE-906A-F240F5E61C87}" dt="2021-05-23T22:29:30.529" v="465" actId="1076"/>
           <ac:cxnSpMkLst>
             <pc:docMk/>
             <pc:sldMk cId="428892733" sldId="260"/>
@@ -2311,8 +2343,8 @@
             <ac:cxnSpMk id="50" creationId="{EA7D3950-2123-4982-BCF2-BB3C16045C7E}"/>
           </ac:cxnSpMkLst>
         </pc:cxnChg>
-        <pc:cxnChg chg="add mod">
-          <ac:chgData name="Otto Schefer" userId="fd5a25951ba882f8" providerId="LiveId" clId="{01312597-0B54-46BE-906A-F240F5E61C87}" dt="2021-05-22T20:55:06.331" v="457" actId="208"/>
+        <pc:cxnChg chg="add del mod">
+          <ac:chgData name="Otto Schefer" userId="fd5a25951ba882f8" providerId="LiveId" clId="{01312597-0B54-46BE-906A-F240F5E61C87}" dt="2021-05-23T22:29:47.310" v="472" actId="478"/>
           <ac:cxnSpMkLst>
             <pc:docMk/>
             <pc:sldMk cId="428892733" sldId="260"/>
@@ -2328,7 +2360,7 @@
           </ac:cxnSpMkLst>
         </pc:cxnChg>
         <pc:cxnChg chg="add mod">
-          <ac:chgData name="Otto Schefer" userId="fd5a25951ba882f8" providerId="LiveId" clId="{01312597-0B54-46BE-906A-F240F5E61C87}" dt="2021-05-22T20:55:06.331" v="457" actId="208"/>
+          <ac:chgData name="Otto Schefer" userId="fd5a25951ba882f8" providerId="LiveId" clId="{01312597-0B54-46BE-906A-F240F5E61C87}" dt="2021-05-23T22:29:30.529" v="465" actId="1076"/>
           <ac:cxnSpMkLst>
             <pc:docMk/>
             <pc:sldMk cId="428892733" sldId="260"/>
@@ -2511,7 +2543,7 @@
           <a:p>
             <a:fld id="{083E7580-4A74-4DC1-979A-56FFF28705FF}" type="datetimeFigureOut">
               <a:rPr lang="ru-RU" smtClean="0"/>
-              <a:t>22.05.2021</a:t>
+              <a:t>24.05.2021</a:t>
             </a:fld>
             <a:endParaRPr lang="ru-RU"/>
           </a:p>
@@ -2709,7 +2741,7 @@
           <a:p>
             <a:fld id="{083E7580-4A74-4DC1-979A-56FFF28705FF}" type="datetimeFigureOut">
               <a:rPr lang="ru-RU" smtClean="0"/>
-              <a:t>22.05.2021</a:t>
+              <a:t>24.05.2021</a:t>
             </a:fld>
             <a:endParaRPr lang="ru-RU"/>
           </a:p>
@@ -2917,7 +2949,7 @@
           <a:p>
             <a:fld id="{083E7580-4A74-4DC1-979A-56FFF28705FF}" type="datetimeFigureOut">
               <a:rPr lang="ru-RU" smtClean="0"/>
-              <a:t>22.05.2021</a:t>
+              <a:t>24.05.2021</a:t>
             </a:fld>
             <a:endParaRPr lang="ru-RU"/>
           </a:p>
@@ -3115,7 +3147,7 @@
           <a:p>
             <a:fld id="{083E7580-4A74-4DC1-979A-56FFF28705FF}" type="datetimeFigureOut">
               <a:rPr lang="ru-RU" smtClean="0"/>
-              <a:t>22.05.2021</a:t>
+              <a:t>24.05.2021</a:t>
             </a:fld>
             <a:endParaRPr lang="ru-RU"/>
           </a:p>
@@ -3390,7 +3422,7 @@
           <a:p>
             <a:fld id="{083E7580-4A74-4DC1-979A-56FFF28705FF}" type="datetimeFigureOut">
               <a:rPr lang="ru-RU" smtClean="0"/>
-              <a:t>22.05.2021</a:t>
+              <a:t>24.05.2021</a:t>
             </a:fld>
             <a:endParaRPr lang="ru-RU"/>
           </a:p>
@@ -3655,7 +3687,7 @@
           <a:p>
             <a:fld id="{083E7580-4A74-4DC1-979A-56FFF28705FF}" type="datetimeFigureOut">
               <a:rPr lang="ru-RU" smtClean="0"/>
-              <a:t>22.05.2021</a:t>
+              <a:t>24.05.2021</a:t>
             </a:fld>
             <a:endParaRPr lang="ru-RU"/>
           </a:p>
@@ -4067,7 +4099,7 @@
           <a:p>
             <a:fld id="{083E7580-4A74-4DC1-979A-56FFF28705FF}" type="datetimeFigureOut">
               <a:rPr lang="ru-RU" smtClean="0"/>
-              <a:t>22.05.2021</a:t>
+              <a:t>24.05.2021</a:t>
             </a:fld>
             <a:endParaRPr lang="ru-RU"/>
           </a:p>
@@ -4208,7 +4240,7 @@
           <a:p>
             <a:fld id="{083E7580-4A74-4DC1-979A-56FFF28705FF}" type="datetimeFigureOut">
               <a:rPr lang="ru-RU" smtClean="0"/>
-              <a:t>22.05.2021</a:t>
+              <a:t>24.05.2021</a:t>
             </a:fld>
             <a:endParaRPr lang="ru-RU"/>
           </a:p>
@@ -4321,7 +4353,7 @@
           <a:p>
             <a:fld id="{083E7580-4A74-4DC1-979A-56FFF28705FF}" type="datetimeFigureOut">
               <a:rPr lang="ru-RU" smtClean="0"/>
-              <a:t>22.05.2021</a:t>
+              <a:t>24.05.2021</a:t>
             </a:fld>
             <a:endParaRPr lang="ru-RU"/>
           </a:p>
@@ -4632,7 +4664,7 @@
           <a:p>
             <a:fld id="{083E7580-4A74-4DC1-979A-56FFF28705FF}" type="datetimeFigureOut">
               <a:rPr lang="ru-RU" smtClean="0"/>
-              <a:t>22.05.2021</a:t>
+              <a:t>24.05.2021</a:t>
             </a:fld>
             <a:endParaRPr lang="ru-RU"/>
           </a:p>
@@ -4920,7 +4952,7 @@
           <a:p>
             <a:fld id="{083E7580-4A74-4DC1-979A-56FFF28705FF}" type="datetimeFigureOut">
               <a:rPr lang="ru-RU" smtClean="0"/>
-              <a:t>22.05.2021</a:t>
+              <a:t>24.05.2021</a:t>
             </a:fld>
             <a:endParaRPr lang="ru-RU"/>
           </a:p>
@@ -5161,7 +5193,7 @@
           <a:p>
             <a:fld id="{083E7580-4A74-4DC1-979A-56FFF28705FF}" type="datetimeFigureOut">
               <a:rPr lang="ru-RU" smtClean="0"/>
-              <a:t>22.05.2021</a:t>
+              <a:t>24.05.2021</a:t>
             </a:fld>
             <a:endParaRPr lang="ru-RU"/>
           </a:p>
@@ -22461,8 +22493,8 @@
           <a:chExt cx="0" cy="0"/>
         </a:xfrm>
       </p:grpSpPr>
-      <mc:AlternateContent xmlns:mc="http://schemas.openxmlformats.org/markup-compatibility/2006">
-        <mc:Choice xmlns:a14="http://schemas.microsoft.com/office/drawing/2010/main" Requires="a14">
+      <mc:AlternateContent xmlns:mc="http://schemas.openxmlformats.org/markup-compatibility/2006" xmlns:a14="http://schemas.microsoft.com/office/drawing/2010/main">
+        <mc:Choice Requires="a14">
           <p:sp>
             <p:nvSpPr>
               <p:cNvPr id="4" name="TextBox 3">
@@ -22570,7 +22602,7 @@
             </p:txBody>
           </p:sp>
         </mc:Choice>
-        <mc:Fallback>
+        <mc:Fallback xmlns="">
           <p:sp>
             <p:nvSpPr>
               <p:cNvPr id="4" name="TextBox 3">
@@ -22845,8 +22877,8 @@
             </p:nvSpPr>
             <p:spPr>
               <a:xfrm>
-                <a:off x="2681768" y="2691323"/>
-                <a:ext cx="652007" cy="443455"/>
+                <a:off x="2851873" y="2749521"/>
+                <a:ext cx="306026" cy="430887"/>
               </a:xfrm>
               <a:prstGeom prst="rect">
                 <a:avLst/>
@@ -22907,8 +22939,8 @@
             </p:nvSpPr>
             <p:spPr>
               <a:xfrm>
-                <a:off x="2681768" y="2691323"/>
-                <a:ext cx="652007" cy="443455"/>
+                <a:off x="2851873" y="2749521"/>
+                <a:ext cx="306026" cy="430887"/>
               </a:xfrm>
               <a:prstGeom prst="rect">
                 <a:avLst/>
@@ -22935,8 +22967,8 @@
           </p:sp>
         </mc:Fallback>
       </mc:AlternateContent>
-      <mc:AlternateContent xmlns:mc="http://schemas.openxmlformats.org/markup-compatibility/2006">
-        <mc:Choice xmlns:a14="http://schemas.microsoft.com/office/drawing/2010/main" Requires="a14">
+      <mc:AlternateContent xmlns:mc="http://schemas.openxmlformats.org/markup-compatibility/2006" xmlns:a14="http://schemas.microsoft.com/office/drawing/2010/main">
+        <mc:Choice Requires="a14">
           <p:sp>
             <p:nvSpPr>
               <p:cNvPr id="29" name="TextBox 28">
@@ -23022,7 +23054,7 @@
             </p:txBody>
           </p:sp>
         </mc:Choice>
-        <mc:Fallback>
+        <mc:Fallback xmlns="">
           <p:sp>
             <p:nvSpPr>
               <p:cNvPr id="29" name="TextBox 28">
@@ -23593,55 +23625,6 @@
       </p:cxnSp>
       <p:cxnSp>
         <p:nvCxnSpPr>
-          <p:cNvPr id="55" name="Соединитель: уступ 54">
-            <a:extLst>
-              <a:ext uri="{FF2B5EF4-FFF2-40B4-BE49-F238E27FC236}">
-                <a16:creationId xmlns:a16="http://schemas.microsoft.com/office/drawing/2014/main" id="{220E78C2-94DE-4A59-9D5B-00F863EAB1D2}"/>
-              </a:ext>
-            </a:extLst>
-          </p:cNvPr>
-          <p:cNvCxnSpPr>
-            <a:cxnSpLocks/>
-            <a:stCxn id="8" idx="3"/>
-            <a:endCxn id="11" idx="4"/>
-          </p:cNvCxnSpPr>
-          <p:nvPr/>
-        </p:nvCxnSpPr>
-        <p:spPr>
-          <a:xfrm flipH="1">
-            <a:off x="2749918" y="2710179"/>
-            <a:ext cx="5376425" cy="131405"/>
-          </a:xfrm>
-          <a:prstGeom prst="bentConnector4">
-            <a:avLst>
-              <a:gd name="adj1" fmla="val -4252"/>
-              <a:gd name="adj2" fmla="val 1543418"/>
-            </a:avLst>
-          </a:prstGeom>
-          <a:ln>
-            <a:solidFill>
-              <a:schemeClr val="tx1"/>
-            </a:solidFill>
-            <a:tailEnd type="triangle"/>
-          </a:ln>
-        </p:spPr>
-        <p:style>
-          <a:lnRef idx="1">
-            <a:schemeClr val="accent1"/>
-          </a:lnRef>
-          <a:fillRef idx="0">
-            <a:schemeClr val="accent1"/>
-          </a:fillRef>
-          <a:effectRef idx="0">
-            <a:schemeClr val="accent1"/>
-          </a:effectRef>
-          <a:fontRef idx="minor">
-            <a:schemeClr val="tx1"/>
-          </a:fontRef>
-        </p:style>
-      </p:cxnSp>
-      <p:cxnSp>
-        <p:nvCxnSpPr>
           <p:cNvPr id="62" name="Соединитель: уступ 61">
             <a:extLst>
               <a:ext uri="{FF2B5EF4-FFF2-40B4-BE49-F238E27FC236}">
@@ -23792,6 +23775,281 @@
             <a:ext cx="596348" cy="0"/>
           </a:xfrm>
           <a:prstGeom prst="straightConnector1">
+            <a:avLst/>
+          </a:prstGeom>
+          <a:ln>
+            <a:solidFill>
+              <a:schemeClr val="tx1"/>
+            </a:solidFill>
+            <a:tailEnd type="triangle"/>
+          </a:ln>
+        </p:spPr>
+        <p:style>
+          <a:lnRef idx="1">
+            <a:schemeClr val="accent1"/>
+          </a:lnRef>
+          <a:fillRef idx="0">
+            <a:schemeClr val="accent1"/>
+          </a:fillRef>
+          <a:effectRef idx="0">
+            <a:schemeClr val="accent1"/>
+          </a:effectRef>
+          <a:fontRef idx="minor">
+            <a:schemeClr val="tx1"/>
+          </a:fontRef>
+        </p:style>
+      </p:cxnSp>
+      <mc:AlternateContent xmlns:mc="http://schemas.openxmlformats.org/markup-compatibility/2006">
+        <mc:Choice xmlns:a14="http://schemas.microsoft.com/office/drawing/2010/main" Requires="a14">
+          <p:sp>
+            <p:nvSpPr>
+              <p:cNvPr id="26" name="TextBox 25">
+                <a:extLst>
+                  <a:ext uri="{FF2B5EF4-FFF2-40B4-BE49-F238E27FC236}">
+                    <a16:creationId xmlns:a16="http://schemas.microsoft.com/office/drawing/2014/main" id="{D5D460AF-B7FE-4C95-99BD-84F0AA79EE8D}"/>
+                  </a:ext>
+                </a:extLst>
+              </p:cNvPr>
+              <p:cNvSpPr txBox="1"/>
+              <p:nvPr/>
+            </p:nvSpPr>
+            <p:spPr>
+              <a:xfrm>
+                <a:off x="5491483" y="4756548"/>
+                <a:ext cx="445955" cy="443455"/>
+              </a:xfrm>
+              <a:prstGeom prst="rect">
+                <a:avLst/>
+              </a:prstGeom>
+              <a:noFill/>
+            </p:spPr>
+            <p:txBody>
+              <a:bodyPr wrap="square" lIns="0" tIns="0" rIns="0" bIns="0" rtlCol="0">
+                <a:spAutoFit/>
+              </a:bodyPr>
+              <a:lstStyle/>
+              <a:p>
+                <a:pPr/>
+                <a14:m>
+                  <m:oMathPara xmlns:m="http://schemas.openxmlformats.org/officeDocument/2006/math">
+                    <m:oMathParaPr>
+                      <m:jc m:val="centerGroup"/>
+                    </m:oMathParaPr>
+                    <m:oMath xmlns:m="http://schemas.openxmlformats.org/officeDocument/2006/math">
+                      <m:sSub>
+                        <m:sSubPr>
+                          <m:ctrlPr>
+                            <a:rPr lang="ru-RU" sz="1400" i="1" smtClean="0">
+                              <a:effectLst/>
+                              <a:latin typeface="Cambria Math" panose="02040503050406030204" pitchFamily="18" charset="0"/>
+                            </a:rPr>
+                          </m:ctrlPr>
+                        </m:sSubPr>
+                        <m:e>
+                          <m:r>
+                            <a:rPr lang="ru-RU" sz="1400" i="1">
+                              <a:effectLst/>
+                              <a:latin typeface="Cambria Math" panose="02040503050406030204" pitchFamily="18" charset="0"/>
+                              <a:ea typeface="Calibri" panose="020F0502020204030204" pitchFamily="34" charset="0"/>
+                              <a:cs typeface="Times New Roman" panose="02020603050405020304" pitchFamily="18" charset="0"/>
+                            </a:rPr>
+                            <m:t>𝑊</m:t>
+                          </m:r>
+                        </m:e>
+                        <m:sub>
+                          <m:r>
+                            <a:rPr lang="ru-RU" sz="1400" i="1">
+                              <a:effectLst/>
+                              <a:latin typeface="Cambria Math" panose="02040503050406030204" pitchFamily="18" charset="0"/>
+                              <a:ea typeface="Calibri" panose="020F0502020204030204" pitchFamily="34" charset="0"/>
+                              <a:cs typeface="Times New Roman" panose="02020603050405020304" pitchFamily="18" charset="0"/>
+                            </a:rPr>
+                            <m:t>д</m:t>
+                          </m:r>
+                        </m:sub>
+                      </m:sSub>
+                    </m:oMath>
+                  </m:oMathPara>
+                </a14:m>
+                <a:endParaRPr lang="ru-RU" sz="1400" dirty="0">
+                  <a:effectLst/>
+                  <a:latin typeface="Times New Roman" panose="02020603050405020304" pitchFamily="18" charset="0"/>
+                  <a:ea typeface="Calibri" panose="020F0502020204030204" pitchFamily="34" charset="0"/>
+                  <a:cs typeface="Times New Roman" panose="02020603050405020304" pitchFamily="18" charset="0"/>
+                </a:endParaRPr>
+              </a:p>
+              <a:p>
+                <a:endParaRPr lang="ru-RU" sz="1400" dirty="0"/>
+              </a:p>
+            </p:txBody>
+          </p:sp>
+        </mc:Choice>
+        <mc:Fallback>
+          <p:sp>
+            <p:nvSpPr>
+              <p:cNvPr id="26" name="TextBox 25">
+                <a:extLst>
+                  <a:ext uri="{FF2B5EF4-FFF2-40B4-BE49-F238E27FC236}">
+                    <a16:creationId xmlns:a16="http://schemas.microsoft.com/office/drawing/2014/main" id="{D5D460AF-B7FE-4C95-99BD-84F0AA79EE8D}"/>
+                  </a:ext>
+                </a:extLst>
+              </p:cNvPr>
+              <p:cNvSpPr txBox="1">
+                <a:spLocks noRot="1" noChangeAspect="1" noMove="1" noResize="1" noEditPoints="1" noAdjustHandles="1" noChangeArrowheads="1" noChangeShapeType="1" noTextEdit="1"/>
+              </p:cNvSpPr>
+              <p:nvPr/>
+            </p:nvSpPr>
+            <p:spPr>
+              <a:xfrm>
+                <a:off x="5491483" y="4756548"/>
+                <a:ext cx="445955" cy="443455"/>
+              </a:xfrm>
+              <a:prstGeom prst="rect">
+                <a:avLst/>
+              </a:prstGeom>
+              <a:blipFill>
+                <a:blip r:embed="rId6"/>
+                <a:stretch>
+                  <a:fillRect/>
+                </a:stretch>
+              </a:blipFill>
+            </p:spPr>
+            <p:txBody>
+              <a:bodyPr/>
+              <a:lstStyle/>
+              <a:p>
+                <a:r>
+                  <a:rPr lang="ru-RU">
+                    <a:noFill/>
+                  </a:rPr>
+                  <a:t> </a:t>
+                </a:r>
+              </a:p>
+            </p:txBody>
+          </p:sp>
+        </mc:Fallback>
+      </mc:AlternateContent>
+      <p:sp>
+        <p:nvSpPr>
+          <p:cNvPr id="27" name="Прямоугольник 26">
+            <a:extLst>
+              <a:ext uri="{FF2B5EF4-FFF2-40B4-BE49-F238E27FC236}">
+                <a16:creationId xmlns:a16="http://schemas.microsoft.com/office/drawing/2014/main" id="{EB9EC7DD-2963-4D5B-8FE6-50A2CBA14D09}"/>
+              </a:ext>
+            </a:extLst>
+          </p:cNvPr>
+          <p:cNvSpPr/>
+          <p:nvPr/>
+        </p:nvSpPr>
+        <p:spPr>
+          <a:xfrm>
+            <a:off x="5306170" y="4585219"/>
+            <a:ext cx="789830" cy="618824"/>
+          </a:xfrm>
+          <a:prstGeom prst="rect">
+            <a:avLst/>
+          </a:prstGeom>
+          <a:noFill/>
+          <a:ln>
+            <a:solidFill>
+              <a:schemeClr val="tx1"/>
+            </a:solidFill>
+          </a:ln>
+        </p:spPr>
+        <p:style>
+          <a:lnRef idx="2">
+            <a:schemeClr val="accent1">
+              <a:shade val="50000"/>
+            </a:schemeClr>
+          </a:lnRef>
+          <a:fillRef idx="1">
+            <a:schemeClr val="accent1"/>
+          </a:fillRef>
+          <a:effectRef idx="0">
+            <a:schemeClr val="accent1"/>
+          </a:effectRef>
+          <a:fontRef idx="minor">
+            <a:schemeClr val="lt1"/>
+          </a:fontRef>
+        </p:style>
+        <p:txBody>
+          <a:bodyPr rtlCol="0" anchor="ctr"/>
+          <a:lstStyle/>
+          <a:p>
+            <a:pPr algn="ctr"/>
+            <a:endParaRPr lang="ru-RU"/>
+          </a:p>
+        </p:txBody>
+      </p:sp>
+      <p:cxnSp>
+        <p:nvCxnSpPr>
+          <p:cNvPr id="10" name="Соединитель: уступ 9">
+            <a:extLst>
+              <a:ext uri="{FF2B5EF4-FFF2-40B4-BE49-F238E27FC236}">
+                <a16:creationId xmlns:a16="http://schemas.microsoft.com/office/drawing/2014/main" id="{E16843F9-BC97-4946-9F17-949FADFBDD80}"/>
+              </a:ext>
+            </a:extLst>
+          </p:cNvPr>
+          <p:cNvCxnSpPr>
+            <a:cxnSpLocks/>
+            <a:endCxn id="27" idx="3"/>
+          </p:cNvCxnSpPr>
+          <p:nvPr/>
+        </p:nvCxnSpPr>
+        <p:spPr>
+          <a:xfrm rot="10800000" flipV="1">
+            <a:off x="6096001" y="2702217"/>
+            <a:ext cx="2356237" cy="2192414"/>
+          </a:xfrm>
+          <a:prstGeom prst="bentConnector3">
+            <a:avLst>
+              <a:gd name="adj1" fmla="val 731"/>
+            </a:avLst>
+          </a:prstGeom>
+          <a:ln>
+            <a:solidFill>
+              <a:schemeClr val="tx1"/>
+            </a:solidFill>
+            <a:tailEnd type="triangle"/>
+          </a:ln>
+        </p:spPr>
+        <p:style>
+          <a:lnRef idx="1">
+            <a:schemeClr val="accent1"/>
+          </a:lnRef>
+          <a:fillRef idx="0">
+            <a:schemeClr val="accent1"/>
+          </a:fillRef>
+          <a:effectRef idx="0">
+            <a:schemeClr val="accent1"/>
+          </a:effectRef>
+          <a:fontRef idx="minor">
+            <a:schemeClr val="tx1"/>
+          </a:fontRef>
+        </p:style>
+      </p:cxnSp>
+      <p:cxnSp>
+        <p:nvCxnSpPr>
+          <p:cNvPr id="16" name="Соединитель: уступ 15">
+            <a:extLst>
+              <a:ext uri="{FF2B5EF4-FFF2-40B4-BE49-F238E27FC236}">
+                <a16:creationId xmlns:a16="http://schemas.microsoft.com/office/drawing/2014/main" id="{C385CA3F-CFBE-42C9-8FE9-8E87D9E8E3CA}"/>
+              </a:ext>
+            </a:extLst>
+          </p:cNvPr>
+          <p:cNvCxnSpPr>
+            <a:cxnSpLocks/>
+            <a:stCxn id="27" idx="1"/>
+            <a:endCxn id="11" idx="4"/>
+          </p:cNvCxnSpPr>
+          <p:nvPr/>
+        </p:nvCxnSpPr>
+        <p:spPr>
+          <a:xfrm rot="10800000">
+            <a:off x="2749918" y="2841585"/>
+            <a:ext cx="2556252" cy="2053047"/>
+          </a:xfrm>
+          <a:prstGeom prst="bentConnector2">
             <a:avLst/>
           </a:prstGeom>
           <a:ln>

--- a/txt/schemes.pptx
+++ b/txt/schemes.pptx
@@ -10,6 +10,7 @@
     <p:sldId id="257" r:id="rId4"/>
     <p:sldId id="258" r:id="rId5"/>
     <p:sldId id="260" r:id="rId6"/>
+    <p:sldId id="261" r:id="rId7"/>
   </p:sldIdLst>
   <p:sldSz cx="12192000" cy="6858000"/>
   <p:notesSz cx="6858000" cy="9144000"/>
@@ -121,7 +122,7 @@
   <pc:docChgLst>
     <pc:chgData name="Otto Schefer" userId="fd5a25951ba882f8" providerId="LiveId" clId="{01312597-0B54-46BE-906A-F240F5E61C87}"/>
     <pc:docChg chg="undo custSel addSld delSld modSld">
-      <pc:chgData name="Otto Schefer" userId="fd5a25951ba882f8" providerId="LiveId" clId="{01312597-0B54-46BE-906A-F240F5E61C87}" dt="2021-05-23T22:31:08.017" v="485" actId="208"/>
+      <pc:chgData name="Otto Schefer" userId="fd5a25951ba882f8" providerId="LiveId" clId="{01312597-0B54-46BE-906A-F240F5E61C87}" dt="2021-05-25T22:59:06.908" v="515" actId="1076"/>
       <pc:docMkLst>
         <pc:docMk/>
       </pc:docMkLst>
@@ -2390,6 +2391,589 @@
           <pc:docMk/>
           <pc:sldMk cId="565864455" sldId="261"/>
         </pc:sldMkLst>
+      </pc:sldChg>
+      <pc:sldChg chg="addSp delSp modSp new mod">
+        <pc:chgData name="Otto Schefer" userId="fd5a25951ba882f8" providerId="LiveId" clId="{01312597-0B54-46BE-906A-F240F5E61C87}" dt="2021-05-25T22:59:06.908" v="515" actId="1076"/>
+        <pc:sldMkLst>
+          <pc:docMk/>
+          <pc:sldMk cId="3393602788" sldId="261"/>
+        </pc:sldMkLst>
+        <pc:spChg chg="del">
+          <ac:chgData name="Otto Schefer" userId="fd5a25951ba882f8" providerId="LiveId" clId="{01312597-0B54-46BE-906A-F240F5E61C87}" dt="2021-05-25T22:53:43.668" v="487" actId="478"/>
+          <ac:spMkLst>
+            <pc:docMk/>
+            <pc:sldMk cId="3393602788" sldId="261"/>
+            <ac:spMk id="2" creationId="{21A2F384-42D0-4DF9-95DB-B78723227BCF}"/>
+          </ac:spMkLst>
+        </pc:spChg>
+        <pc:spChg chg="del">
+          <ac:chgData name="Otto Schefer" userId="fd5a25951ba882f8" providerId="LiveId" clId="{01312597-0B54-46BE-906A-F240F5E61C87}" dt="2021-05-25T22:53:43.668" v="487" actId="478"/>
+          <ac:spMkLst>
+            <pc:docMk/>
+            <pc:sldMk cId="3393602788" sldId="261"/>
+            <ac:spMk id="3" creationId="{56652FBD-48D5-46B5-83DF-E6136FC461D5}"/>
+          </ac:spMkLst>
+        </pc:spChg>
+        <pc:spChg chg="add mod">
+          <ac:chgData name="Otto Schefer" userId="fd5a25951ba882f8" providerId="LiveId" clId="{01312597-0B54-46BE-906A-F240F5E61C87}" dt="2021-05-25T22:57:35.567" v="512" actId="1076"/>
+          <ac:spMkLst>
+            <pc:docMk/>
+            <pc:sldMk cId="3393602788" sldId="261"/>
+            <ac:spMk id="4" creationId="{E6DFB72E-E433-43AA-952A-C582B15D1CD7}"/>
+          </ac:spMkLst>
+        </pc:spChg>
+        <pc:spChg chg="add mod">
+          <ac:chgData name="Otto Schefer" userId="fd5a25951ba882f8" providerId="LiveId" clId="{01312597-0B54-46BE-906A-F240F5E61C87}" dt="2021-05-25T22:53:44.488" v="488"/>
+          <ac:spMkLst>
+            <pc:docMk/>
+            <pc:sldMk cId="3393602788" sldId="261"/>
+            <ac:spMk id="5" creationId="{9B903604-B24F-47F5-83CD-B692968B8A6E}"/>
+          </ac:spMkLst>
+        </pc:spChg>
+        <pc:spChg chg="add mod">
+          <ac:chgData name="Otto Schefer" userId="fd5a25951ba882f8" providerId="LiveId" clId="{01312597-0B54-46BE-906A-F240F5E61C87}" dt="2021-05-25T22:53:44.488" v="488"/>
+          <ac:spMkLst>
+            <pc:docMk/>
+            <pc:sldMk cId="3393602788" sldId="261"/>
+            <ac:spMk id="6" creationId="{368613FB-C0DE-4C1A-A4CA-D3CC58C1858B}"/>
+          </ac:spMkLst>
+        </pc:spChg>
+        <pc:spChg chg="add mod">
+          <ac:chgData name="Otto Schefer" userId="fd5a25951ba882f8" providerId="LiveId" clId="{01312597-0B54-46BE-906A-F240F5E61C87}" dt="2021-05-25T22:53:44.488" v="488"/>
+          <ac:spMkLst>
+            <pc:docMk/>
+            <pc:sldMk cId="3393602788" sldId="261"/>
+            <ac:spMk id="7" creationId="{5BFD24F6-9A0A-4B95-9A4C-6A0787994102}"/>
+          </ac:spMkLst>
+        </pc:spChg>
+        <pc:spChg chg="add mod">
+          <ac:chgData name="Otto Schefer" userId="fd5a25951ba882f8" providerId="LiveId" clId="{01312597-0B54-46BE-906A-F240F5E61C87}" dt="2021-05-25T22:53:44.488" v="488"/>
+          <ac:spMkLst>
+            <pc:docMk/>
+            <pc:sldMk cId="3393602788" sldId="261"/>
+            <ac:spMk id="8" creationId="{8BBD4F57-830D-415C-8430-123BF1FB3289}"/>
+          </ac:spMkLst>
+        </pc:spChg>
+        <pc:spChg chg="add mod">
+          <ac:chgData name="Otto Schefer" userId="fd5a25951ba882f8" providerId="LiveId" clId="{01312597-0B54-46BE-906A-F240F5E61C87}" dt="2021-05-25T22:57:35.567" v="512" actId="1076"/>
+          <ac:spMkLst>
+            <pc:docMk/>
+            <pc:sldMk cId="3393602788" sldId="261"/>
+            <ac:spMk id="9" creationId="{C40C1FA3-12D2-47E7-AEC3-5D982A6B9B7B}"/>
+          </ac:spMkLst>
+        </pc:spChg>
+        <pc:spChg chg="add mod">
+          <ac:chgData name="Otto Schefer" userId="fd5a25951ba882f8" providerId="LiveId" clId="{01312597-0B54-46BE-906A-F240F5E61C87}" dt="2021-05-25T22:53:44.488" v="488"/>
+          <ac:spMkLst>
+            <pc:docMk/>
+            <pc:sldMk cId="3393602788" sldId="261"/>
+            <ac:spMk id="10" creationId="{B32A7342-F1C2-46D9-A343-F9EF3136284D}"/>
+          </ac:spMkLst>
+        </pc:spChg>
+        <pc:spChg chg="add mod">
+          <ac:chgData name="Otto Schefer" userId="fd5a25951ba882f8" providerId="LiveId" clId="{01312597-0B54-46BE-906A-F240F5E61C87}" dt="2021-05-25T22:53:44.488" v="488"/>
+          <ac:spMkLst>
+            <pc:docMk/>
+            <pc:sldMk cId="3393602788" sldId="261"/>
+            <ac:spMk id="11" creationId="{372DFFA7-0154-4019-B0F4-337C1C141AB4}"/>
+          </ac:spMkLst>
+        </pc:spChg>
+        <pc:spChg chg="mod">
+          <ac:chgData name="Otto Schefer" userId="fd5a25951ba882f8" providerId="LiveId" clId="{01312597-0B54-46BE-906A-F240F5E61C87}" dt="2021-05-25T22:53:44.488" v="488"/>
+          <ac:spMkLst>
+            <pc:docMk/>
+            <pc:sldMk cId="3393602788" sldId="261"/>
+            <ac:spMk id="13" creationId="{B3768021-0927-4B47-ABFA-0286B6D3AACD}"/>
+          </ac:spMkLst>
+        </pc:spChg>
+        <pc:spChg chg="mod">
+          <ac:chgData name="Otto Schefer" userId="fd5a25951ba882f8" providerId="LiveId" clId="{01312597-0B54-46BE-906A-F240F5E61C87}" dt="2021-05-25T22:53:44.488" v="488"/>
+          <ac:spMkLst>
+            <pc:docMk/>
+            <pc:sldMk cId="3393602788" sldId="261"/>
+            <ac:spMk id="14" creationId="{2B86C13C-AAD3-454E-B08F-667205FA554B}"/>
+          </ac:spMkLst>
+        </pc:spChg>
+        <pc:spChg chg="mod">
+          <ac:chgData name="Otto Schefer" userId="fd5a25951ba882f8" providerId="LiveId" clId="{01312597-0B54-46BE-906A-F240F5E61C87}" dt="2021-05-25T22:53:44.488" v="488"/>
+          <ac:spMkLst>
+            <pc:docMk/>
+            <pc:sldMk cId="3393602788" sldId="261"/>
+            <ac:spMk id="17" creationId="{ACABC5E8-AECC-4855-9078-7CF2D751AA34}"/>
+          </ac:spMkLst>
+        </pc:spChg>
+        <pc:spChg chg="add mod">
+          <ac:chgData name="Otto Schefer" userId="fd5a25951ba882f8" providerId="LiveId" clId="{01312597-0B54-46BE-906A-F240F5E61C87}" dt="2021-05-25T22:53:44.488" v="488"/>
+          <ac:spMkLst>
+            <pc:docMk/>
+            <pc:sldMk cId="3393602788" sldId="261"/>
+            <ac:spMk id="18" creationId="{B7BDBF39-0184-410A-A922-6BA94FA85FBE}"/>
+          </ac:spMkLst>
+        </pc:spChg>
+        <pc:spChg chg="add mod">
+          <ac:chgData name="Otto Schefer" userId="fd5a25951ba882f8" providerId="LiveId" clId="{01312597-0B54-46BE-906A-F240F5E61C87}" dt="2021-05-25T22:53:44.488" v="488"/>
+          <ac:spMkLst>
+            <pc:docMk/>
+            <pc:sldMk cId="3393602788" sldId="261"/>
+            <ac:spMk id="19" creationId="{2AB7E7B8-1F7B-49C7-87FE-E7FD9D12E901}"/>
+          </ac:spMkLst>
+        </pc:spChg>
+        <pc:spChg chg="add mod">
+          <ac:chgData name="Otto Schefer" userId="fd5a25951ba882f8" providerId="LiveId" clId="{01312597-0B54-46BE-906A-F240F5E61C87}" dt="2021-05-25T22:53:44.488" v="488"/>
+          <ac:spMkLst>
+            <pc:docMk/>
+            <pc:sldMk cId="3393602788" sldId="261"/>
+            <ac:spMk id="20" creationId="{97BBEA40-811F-49E7-B8CC-2CBBA7F8A5AE}"/>
+          </ac:spMkLst>
+        </pc:spChg>
+        <pc:spChg chg="add mod">
+          <ac:chgData name="Otto Schefer" userId="fd5a25951ba882f8" providerId="LiveId" clId="{01312597-0B54-46BE-906A-F240F5E61C87}" dt="2021-05-25T22:53:44.488" v="488"/>
+          <ac:spMkLst>
+            <pc:docMk/>
+            <pc:sldMk cId="3393602788" sldId="261"/>
+            <ac:spMk id="21" creationId="{049036CD-2183-45DD-A268-5BA58113CE91}"/>
+          </ac:spMkLst>
+        </pc:spChg>
+        <pc:spChg chg="add mod">
+          <ac:chgData name="Otto Schefer" userId="fd5a25951ba882f8" providerId="LiveId" clId="{01312597-0B54-46BE-906A-F240F5E61C87}" dt="2021-05-25T22:53:44.488" v="488"/>
+          <ac:spMkLst>
+            <pc:docMk/>
+            <pc:sldMk cId="3393602788" sldId="261"/>
+            <ac:spMk id="27" creationId="{C3D4C454-BF56-4B8F-B563-5E79E69609CE}"/>
+          </ac:spMkLst>
+        </pc:spChg>
+        <pc:spChg chg="add mod">
+          <ac:chgData name="Otto Schefer" userId="fd5a25951ba882f8" providerId="LiveId" clId="{01312597-0B54-46BE-906A-F240F5E61C87}" dt="2021-05-25T22:53:44.488" v="488"/>
+          <ac:spMkLst>
+            <pc:docMk/>
+            <pc:sldMk cId="3393602788" sldId="261"/>
+            <ac:spMk id="29" creationId="{1B93FEB6-3131-434B-8AC0-44941FEEEF8D}"/>
+          </ac:spMkLst>
+        </pc:spChg>
+        <pc:spChg chg="add mod">
+          <ac:chgData name="Otto Schefer" userId="fd5a25951ba882f8" providerId="LiveId" clId="{01312597-0B54-46BE-906A-F240F5E61C87}" dt="2021-05-25T22:53:44.488" v="488"/>
+          <ac:spMkLst>
+            <pc:docMk/>
+            <pc:sldMk cId="3393602788" sldId="261"/>
+            <ac:spMk id="30" creationId="{CBE30092-8EFD-48BE-ADC0-92D70DE66FDA}"/>
+          </ac:spMkLst>
+        </pc:spChg>
+        <pc:spChg chg="add mod">
+          <ac:chgData name="Otto Schefer" userId="fd5a25951ba882f8" providerId="LiveId" clId="{01312597-0B54-46BE-906A-F240F5E61C87}" dt="2021-05-25T22:53:44.488" v="488"/>
+          <ac:spMkLst>
+            <pc:docMk/>
+            <pc:sldMk cId="3393602788" sldId="261"/>
+            <ac:spMk id="32" creationId="{4AF2CD32-A3AA-446D-A243-70AF4647D2AF}"/>
+          </ac:spMkLst>
+        </pc:spChg>
+        <pc:spChg chg="add mod">
+          <ac:chgData name="Otto Schefer" userId="fd5a25951ba882f8" providerId="LiveId" clId="{01312597-0B54-46BE-906A-F240F5E61C87}" dt="2021-05-25T22:53:44.488" v="488"/>
+          <ac:spMkLst>
+            <pc:docMk/>
+            <pc:sldMk cId="3393602788" sldId="261"/>
+            <ac:spMk id="33" creationId="{06E3F69D-1B7C-4A6D-9C75-9C135D3ABF86}"/>
+          </ac:spMkLst>
+        </pc:spChg>
+        <pc:spChg chg="add mod">
+          <ac:chgData name="Otto Schefer" userId="fd5a25951ba882f8" providerId="LiveId" clId="{01312597-0B54-46BE-906A-F240F5E61C87}" dt="2021-05-25T22:53:44.488" v="488"/>
+          <ac:spMkLst>
+            <pc:docMk/>
+            <pc:sldMk cId="3393602788" sldId="261"/>
+            <ac:spMk id="34" creationId="{9AF88876-4E15-4BD1-A580-24331DA8FF83}"/>
+          </ac:spMkLst>
+        </pc:spChg>
+        <pc:spChg chg="add mod">
+          <ac:chgData name="Otto Schefer" userId="fd5a25951ba882f8" providerId="LiveId" clId="{01312597-0B54-46BE-906A-F240F5E61C87}" dt="2021-05-25T22:53:44.488" v="488"/>
+          <ac:spMkLst>
+            <pc:docMk/>
+            <pc:sldMk cId="3393602788" sldId="261"/>
+            <ac:spMk id="39" creationId="{ADB1CF13-F2D5-4047-BA54-745A90714932}"/>
+          </ac:spMkLst>
+        </pc:spChg>
+        <pc:spChg chg="add mod">
+          <ac:chgData name="Otto Schefer" userId="fd5a25951ba882f8" providerId="LiveId" clId="{01312597-0B54-46BE-906A-F240F5E61C87}" dt="2021-05-25T22:53:44.488" v="488"/>
+          <ac:spMkLst>
+            <pc:docMk/>
+            <pc:sldMk cId="3393602788" sldId="261"/>
+            <ac:spMk id="40" creationId="{636CFC44-C999-4970-A843-108F154FF3FC}"/>
+          </ac:spMkLst>
+        </pc:spChg>
+        <pc:spChg chg="add mod">
+          <ac:chgData name="Otto Schefer" userId="fd5a25951ba882f8" providerId="LiveId" clId="{01312597-0B54-46BE-906A-F240F5E61C87}" dt="2021-05-25T22:53:44.488" v="488"/>
+          <ac:spMkLst>
+            <pc:docMk/>
+            <pc:sldMk cId="3393602788" sldId="261"/>
+            <ac:spMk id="41" creationId="{4F3D1C71-D88F-444E-A780-282D04841B7B}"/>
+          </ac:spMkLst>
+        </pc:spChg>
+        <pc:spChg chg="add mod">
+          <ac:chgData name="Otto Schefer" userId="fd5a25951ba882f8" providerId="LiveId" clId="{01312597-0B54-46BE-906A-F240F5E61C87}" dt="2021-05-25T22:53:44.488" v="488"/>
+          <ac:spMkLst>
+            <pc:docMk/>
+            <pc:sldMk cId="3393602788" sldId="261"/>
+            <ac:spMk id="42" creationId="{FEA36C42-4CE3-4FBE-B3C5-4DD6070DAAD2}"/>
+          </ac:spMkLst>
+        </pc:spChg>
+        <pc:spChg chg="add mod">
+          <ac:chgData name="Otto Schefer" userId="fd5a25951ba882f8" providerId="LiveId" clId="{01312597-0B54-46BE-906A-F240F5E61C87}" dt="2021-05-25T22:57:36.831" v="514" actId="1076"/>
+          <ac:spMkLst>
+            <pc:docMk/>
+            <pc:sldMk cId="3393602788" sldId="261"/>
+            <ac:spMk id="43" creationId="{D7D0D28A-70A6-44D8-8C18-F1D6144775FA}"/>
+          </ac:spMkLst>
+        </pc:spChg>
+        <pc:spChg chg="add mod">
+          <ac:chgData name="Otto Schefer" userId="fd5a25951ba882f8" providerId="LiveId" clId="{01312597-0B54-46BE-906A-F240F5E61C87}" dt="2021-05-25T22:53:44.488" v="488"/>
+          <ac:spMkLst>
+            <pc:docMk/>
+            <pc:sldMk cId="3393602788" sldId="261"/>
+            <ac:spMk id="44" creationId="{CB4198AF-D55C-4AD1-90EB-646D2CD79D83}"/>
+          </ac:spMkLst>
+        </pc:spChg>
+        <pc:spChg chg="add mod">
+          <ac:chgData name="Otto Schefer" userId="fd5a25951ba882f8" providerId="LiveId" clId="{01312597-0B54-46BE-906A-F240F5E61C87}" dt="2021-05-25T22:53:44.488" v="488"/>
+          <ac:spMkLst>
+            <pc:docMk/>
+            <pc:sldMk cId="3393602788" sldId="261"/>
+            <ac:spMk id="45" creationId="{3883A57B-7C18-4B28-9BC6-D2050F242F8A}"/>
+          </ac:spMkLst>
+        </pc:spChg>
+        <pc:spChg chg="add mod">
+          <ac:chgData name="Otto Schefer" userId="fd5a25951ba882f8" providerId="LiveId" clId="{01312597-0B54-46BE-906A-F240F5E61C87}" dt="2021-05-25T22:53:44.488" v="488"/>
+          <ac:spMkLst>
+            <pc:docMk/>
+            <pc:sldMk cId="3393602788" sldId="261"/>
+            <ac:spMk id="47" creationId="{7BE5FBE0-C79A-4BBF-B7F1-3024F6D8C332}"/>
+          </ac:spMkLst>
+        </pc:spChg>
+        <pc:spChg chg="add mod">
+          <ac:chgData name="Otto Schefer" userId="fd5a25951ba882f8" providerId="LiveId" clId="{01312597-0B54-46BE-906A-F240F5E61C87}" dt="2021-05-25T22:53:44.488" v="488"/>
+          <ac:spMkLst>
+            <pc:docMk/>
+            <pc:sldMk cId="3393602788" sldId="261"/>
+            <ac:spMk id="48" creationId="{EC0157BA-EAD7-44F8-8893-658145D2750B}"/>
+          </ac:spMkLst>
+        </pc:spChg>
+        <pc:spChg chg="add mod">
+          <ac:chgData name="Otto Schefer" userId="fd5a25951ba882f8" providerId="LiveId" clId="{01312597-0B54-46BE-906A-F240F5E61C87}" dt="2021-05-25T22:53:44.488" v="488"/>
+          <ac:spMkLst>
+            <pc:docMk/>
+            <pc:sldMk cId="3393602788" sldId="261"/>
+            <ac:spMk id="49" creationId="{84246806-0365-4AC9-86F2-41D84FC57F5D}"/>
+          </ac:spMkLst>
+        </pc:spChg>
+        <pc:spChg chg="add mod">
+          <ac:chgData name="Otto Schefer" userId="fd5a25951ba882f8" providerId="LiveId" clId="{01312597-0B54-46BE-906A-F240F5E61C87}" dt="2021-05-25T22:53:44.488" v="488"/>
+          <ac:spMkLst>
+            <pc:docMk/>
+            <pc:sldMk cId="3393602788" sldId="261"/>
+            <ac:spMk id="50" creationId="{4396547E-F9A3-4CB8-B93A-46044CDEA742}"/>
+          </ac:spMkLst>
+        </pc:spChg>
+        <pc:spChg chg="add mod">
+          <ac:chgData name="Otto Schefer" userId="fd5a25951ba882f8" providerId="LiveId" clId="{01312597-0B54-46BE-906A-F240F5E61C87}" dt="2021-05-25T22:53:44.488" v="488"/>
+          <ac:spMkLst>
+            <pc:docMk/>
+            <pc:sldMk cId="3393602788" sldId="261"/>
+            <ac:spMk id="53" creationId="{FE3A3AF7-00E8-4A0B-92AB-49362C0562B2}"/>
+          </ac:spMkLst>
+        </pc:spChg>
+        <pc:spChg chg="add mod">
+          <ac:chgData name="Otto Schefer" userId="fd5a25951ba882f8" providerId="LiveId" clId="{01312597-0B54-46BE-906A-F240F5E61C87}" dt="2021-05-25T22:53:44.488" v="488"/>
+          <ac:spMkLst>
+            <pc:docMk/>
+            <pc:sldMk cId="3393602788" sldId="261"/>
+            <ac:spMk id="54" creationId="{1E945875-F58F-477F-9C07-ACE48D5832DF}"/>
+          </ac:spMkLst>
+        </pc:spChg>
+        <pc:spChg chg="add mod">
+          <ac:chgData name="Otto Schefer" userId="fd5a25951ba882f8" providerId="LiveId" clId="{01312597-0B54-46BE-906A-F240F5E61C87}" dt="2021-05-25T22:53:44.488" v="488"/>
+          <ac:spMkLst>
+            <pc:docMk/>
+            <pc:sldMk cId="3393602788" sldId="261"/>
+            <ac:spMk id="58" creationId="{94A20B86-E84B-433F-818F-7ED3D51950CA}"/>
+          </ac:spMkLst>
+        </pc:spChg>
+        <pc:spChg chg="add mod">
+          <ac:chgData name="Otto Schefer" userId="fd5a25951ba882f8" providerId="LiveId" clId="{01312597-0B54-46BE-906A-F240F5E61C87}" dt="2021-05-25T22:53:44.488" v="488"/>
+          <ac:spMkLst>
+            <pc:docMk/>
+            <pc:sldMk cId="3393602788" sldId="261"/>
+            <ac:spMk id="59" creationId="{9E1E262A-1AD4-4256-B408-152712AD3EA2}"/>
+          </ac:spMkLst>
+        </pc:spChg>
+        <pc:spChg chg="add mod">
+          <ac:chgData name="Otto Schefer" userId="fd5a25951ba882f8" providerId="LiveId" clId="{01312597-0B54-46BE-906A-F240F5E61C87}" dt="2021-05-25T22:53:44.488" v="488"/>
+          <ac:spMkLst>
+            <pc:docMk/>
+            <pc:sldMk cId="3393602788" sldId="261"/>
+            <ac:spMk id="60" creationId="{444945A7-57BB-4C30-8F15-93651391CC57}"/>
+          </ac:spMkLst>
+        </pc:spChg>
+        <pc:spChg chg="del mod topLvl">
+          <ac:chgData name="Otto Schefer" userId="fd5a25951ba882f8" providerId="LiveId" clId="{01312597-0B54-46BE-906A-F240F5E61C87}" dt="2021-05-25T22:55:02.702" v="491" actId="478"/>
+          <ac:spMkLst>
+            <pc:docMk/>
+            <pc:sldMk cId="3393602788" sldId="261"/>
+            <ac:spMk id="62" creationId="{753A6EB8-1FC0-46E9-87D9-6C2F4FE51800}"/>
+          </ac:spMkLst>
+        </pc:spChg>
+        <pc:spChg chg="del mod topLvl">
+          <ac:chgData name="Otto Schefer" userId="fd5a25951ba882f8" providerId="LiveId" clId="{01312597-0B54-46BE-906A-F240F5E61C87}" dt="2021-05-25T22:55:04.862" v="492" actId="478"/>
+          <ac:spMkLst>
+            <pc:docMk/>
+            <pc:sldMk cId="3393602788" sldId="261"/>
+            <ac:spMk id="63" creationId="{B08464CD-8A07-48CB-BBAA-C64613A57091}"/>
+          </ac:spMkLst>
+        </pc:spChg>
+        <pc:spChg chg="mod topLvl">
+          <ac:chgData name="Otto Schefer" userId="fd5a25951ba882f8" providerId="LiveId" clId="{01312597-0B54-46BE-906A-F240F5E61C87}" dt="2021-05-25T22:56:55.705" v="502" actId="164"/>
+          <ac:spMkLst>
+            <pc:docMk/>
+            <pc:sldMk cId="3393602788" sldId="261"/>
+            <ac:spMk id="66" creationId="{E32C3083-35F4-412C-94A7-C3547D4F9118}"/>
+          </ac:spMkLst>
+        </pc:spChg>
+        <pc:spChg chg="add mod">
+          <ac:chgData name="Otto Schefer" userId="fd5a25951ba882f8" providerId="LiveId" clId="{01312597-0B54-46BE-906A-F240F5E61C87}" dt="2021-05-25T22:57:16.875" v="506" actId="571"/>
+          <ac:spMkLst>
+            <pc:docMk/>
+            <pc:sldMk cId="3393602788" sldId="261"/>
+            <ac:spMk id="78" creationId="{043BEC89-4E2A-4D1D-9DD7-2396CA5BD824}"/>
+          </ac:spMkLst>
+        </pc:spChg>
+        <pc:grpChg chg="add mod">
+          <ac:chgData name="Otto Schefer" userId="fd5a25951ba882f8" providerId="LiveId" clId="{01312597-0B54-46BE-906A-F240F5E61C87}" dt="2021-05-25T22:53:44.488" v="488"/>
+          <ac:grpSpMkLst>
+            <pc:docMk/>
+            <pc:sldMk cId="3393602788" sldId="261"/>
+            <ac:grpSpMk id="12" creationId="{5E1353F4-A29F-4066-BEF7-CB680C655586}"/>
+          </ac:grpSpMkLst>
+        </pc:grpChg>
+        <pc:grpChg chg="add del mod">
+          <ac:chgData name="Otto Schefer" userId="fd5a25951ba882f8" providerId="LiveId" clId="{01312597-0B54-46BE-906A-F240F5E61C87}" dt="2021-05-25T22:54:46.137" v="490" actId="165"/>
+          <ac:grpSpMkLst>
+            <pc:docMk/>
+            <pc:sldMk cId="3393602788" sldId="261"/>
+            <ac:grpSpMk id="61" creationId="{4F9FE0BC-B6DB-4408-8ADF-1C078E500468}"/>
+          </ac:grpSpMkLst>
+        </pc:grpChg>
+        <pc:grpChg chg="add mod">
+          <ac:chgData name="Otto Schefer" userId="fd5a25951ba882f8" providerId="LiveId" clId="{01312597-0B54-46BE-906A-F240F5E61C87}" dt="2021-05-25T22:56:55.705" v="502" actId="164"/>
+          <ac:grpSpMkLst>
+            <pc:docMk/>
+            <pc:sldMk cId="3393602788" sldId="261"/>
+            <ac:grpSpMk id="74" creationId="{22CCA21C-CF2C-434C-B076-C2AD88BA6CC0}"/>
+          </ac:grpSpMkLst>
+        </pc:grpChg>
+        <pc:grpChg chg="add mod">
+          <ac:chgData name="Otto Schefer" userId="fd5a25951ba882f8" providerId="LiveId" clId="{01312597-0B54-46BE-906A-F240F5E61C87}" dt="2021-05-25T22:59:06.908" v="515" actId="1076"/>
+          <ac:grpSpMkLst>
+            <pc:docMk/>
+            <pc:sldMk cId="3393602788" sldId="261"/>
+            <ac:grpSpMk id="75" creationId="{130EC822-B2E9-4A6F-9275-E63C26337A5A}"/>
+          </ac:grpSpMkLst>
+        </pc:grpChg>
+        <pc:cxnChg chg="mod">
+          <ac:chgData name="Otto Schefer" userId="fd5a25951ba882f8" providerId="LiveId" clId="{01312597-0B54-46BE-906A-F240F5E61C87}" dt="2021-05-25T22:53:44.488" v="488"/>
+          <ac:cxnSpMkLst>
+            <pc:docMk/>
+            <pc:sldMk cId="3393602788" sldId="261"/>
+            <ac:cxnSpMk id="15" creationId="{811C4E7E-56AC-4F50-899F-7769AD08BDE6}"/>
+          </ac:cxnSpMkLst>
+        </pc:cxnChg>
+        <pc:cxnChg chg="mod">
+          <ac:chgData name="Otto Schefer" userId="fd5a25951ba882f8" providerId="LiveId" clId="{01312597-0B54-46BE-906A-F240F5E61C87}" dt="2021-05-25T22:53:44.488" v="488"/>
+          <ac:cxnSpMkLst>
+            <pc:docMk/>
+            <pc:sldMk cId="3393602788" sldId="261"/>
+            <ac:cxnSpMk id="16" creationId="{B52CF45F-DBA9-42A1-8F87-0B4F6C9B6CFA}"/>
+          </ac:cxnSpMkLst>
+        </pc:cxnChg>
+        <pc:cxnChg chg="add mod">
+          <ac:chgData name="Otto Schefer" userId="fd5a25951ba882f8" providerId="LiveId" clId="{01312597-0B54-46BE-906A-F240F5E61C87}" dt="2021-05-25T22:57:36.334" v="513" actId="14100"/>
+          <ac:cxnSpMkLst>
+            <pc:docMk/>
+            <pc:sldMk cId="3393602788" sldId="261"/>
+            <ac:cxnSpMk id="22" creationId="{D9458935-5D34-456C-B066-A1DFE0B01B35}"/>
+          </ac:cxnSpMkLst>
+        </pc:cxnChg>
+        <pc:cxnChg chg="add mod">
+          <ac:chgData name="Otto Schefer" userId="fd5a25951ba882f8" providerId="LiveId" clId="{01312597-0B54-46BE-906A-F240F5E61C87}" dt="2021-05-25T22:53:44.488" v="488"/>
+          <ac:cxnSpMkLst>
+            <pc:docMk/>
+            <pc:sldMk cId="3393602788" sldId="261"/>
+            <ac:cxnSpMk id="23" creationId="{C0D96150-39CF-4BF6-9EC4-CB4711D4AA65}"/>
+          </ac:cxnSpMkLst>
+        </pc:cxnChg>
+        <pc:cxnChg chg="add mod">
+          <ac:chgData name="Otto Schefer" userId="fd5a25951ba882f8" providerId="LiveId" clId="{01312597-0B54-46BE-906A-F240F5E61C87}" dt="2021-05-25T22:53:44.488" v="488"/>
+          <ac:cxnSpMkLst>
+            <pc:docMk/>
+            <pc:sldMk cId="3393602788" sldId="261"/>
+            <ac:cxnSpMk id="24" creationId="{2DA9FB7C-67A1-431D-9FAF-016012E4A91E}"/>
+          </ac:cxnSpMkLst>
+        </pc:cxnChg>
+        <pc:cxnChg chg="add mod">
+          <ac:chgData name="Otto Schefer" userId="fd5a25951ba882f8" providerId="LiveId" clId="{01312597-0B54-46BE-906A-F240F5E61C87}" dt="2021-05-25T22:53:44.488" v="488"/>
+          <ac:cxnSpMkLst>
+            <pc:docMk/>
+            <pc:sldMk cId="3393602788" sldId="261"/>
+            <ac:cxnSpMk id="25" creationId="{572C5DFE-660C-4AE2-995D-DA75FBA80BBF}"/>
+          </ac:cxnSpMkLst>
+        </pc:cxnChg>
+        <pc:cxnChg chg="add mod">
+          <ac:chgData name="Otto Schefer" userId="fd5a25951ba882f8" providerId="LiveId" clId="{01312597-0B54-46BE-906A-F240F5E61C87}" dt="2021-05-25T22:53:44.488" v="488"/>
+          <ac:cxnSpMkLst>
+            <pc:docMk/>
+            <pc:sldMk cId="3393602788" sldId="261"/>
+            <ac:cxnSpMk id="26" creationId="{C7711D45-0221-466B-A12C-F375B8C99DB3}"/>
+          </ac:cxnSpMkLst>
+        </pc:cxnChg>
+        <pc:cxnChg chg="add mod">
+          <ac:chgData name="Otto Schefer" userId="fd5a25951ba882f8" providerId="LiveId" clId="{01312597-0B54-46BE-906A-F240F5E61C87}" dt="2021-05-25T22:53:44.488" v="488"/>
+          <ac:cxnSpMkLst>
+            <pc:docMk/>
+            <pc:sldMk cId="3393602788" sldId="261"/>
+            <ac:cxnSpMk id="28" creationId="{C18A048D-94F3-4AB2-9EA2-52DCEF210091}"/>
+          </ac:cxnSpMkLst>
+        </pc:cxnChg>
+        <pc:cxnChg chg="add del mod">
+          <ac:chgData name="Otto Schefer" userId="fd5a25951ba882f8" providerId="LiveId" clId="{01312597-0B54-46BE-906A-F240F5E61C87}" dt="2021-05-25T22:57:35.567" v="512" actId="1076"/>
+          <ac:cxnSpMkLst>
+            <pc:docMk/>
+            <pc:sldMk cId="3393602788" sldId="261"/>
+            <ac:cxnSpMk id="31" creationId="{CC963D23-CEF5-430A-A885-CB56969CFF25}"/>
+          </ac:cxnSpMkLst>
+        </pc:cxnChg>
+        <pc:cxnChg chg="add mod">
+          <ac:chgData name="Otto Schefer" userId="fd5a25951ba882f8" providerId="LiveId" clId="{01312597-0B54-46BE-906A-F240F5E61C87}" dt="2021-05-25T22:53:44.488" v="488"/>
+          <ac:cxnSpMkLst>
+            <pc:docMk/>
+            <pc:sldMk cId="3393602788" sldId="261"/>
+            <ac:cxnSpMk id="35" creationId="{2205BC18-CB94-4EB1-8AC1-81C45238FC1B}"/>
+          </ac:cxnSpMkLst>
+        </pc:cxnChg>
+        <pc:cxnChg chg="add mod">
+          <ac:chgData name="Otto Schefer" userId="fd5a25951ba882f8" providerId="LiveId" clId="{01312597-0B54-46BE-906A-F240F5E61C87}" dt="2021-05-25T22:53:44.488" v="488"/>
+          <ac:cxnSpMkLst>
+            <pc:docMk/>
+            <pc:sldMk cId="3393602788" sldId="261"/>
+            <ac:cxnSpMk id="36" creationId="{B21B4DD6-841E-4A32-8CF0-2089307D85AF}"/>
+          </ac:cxnSpMkLst>
+        </pc:cxnChg>
+        <pc:cxnChg chg="add mod">
+          <ac:chgData name="Otto Schefer" userId="fd5a25951ba882f8" providerId="LiveId" clId="{01312597-0B54-46BE-906A-F240F5E61C87}" dt="2021-05-25T22:53:44.488" v="488"/>
+          <ac:cxnSpMkLst>
+            <pc:docMk/>
+            <pc:sldMk cId="3393602788" sldId="261"/>
+            <ac:cxnSpMk id="37" creationId="{2ED4B4A8-6DE9-47A7-A32D-AB3BC98E3A91}"/>
+          </ac:cxnSpMkLst>
+        </pc:cxnChg>
+        <pc:cxnChg chg="add mod">
+          <ac:chgData name="Otto Schefer" userId="fd5a25951ba882f8" providerId="LiveId" clId="{01312597-0B54-46BE-906A-F240F5E61C87}" dt="2021-05-25T22:53:44.488" v="488"/>
+          <ac:cxnSpMkLst>
+            <pc:docMk/>
+            <pc:sldMk cId="3393602788" sldId="261"/>
+            <ac:cxnSpMk id="38" creationId="{682C09A1-8B35-4A3A-936D-D6C8E5DD00D7}"/>
+          </ac:cxnSpMkLst>
+        </pc:cxnChg>
+        <pc:cxnChg chg="add mod">
+          <ac:chgData name="Otto Schefer" userId="fd5a25951ba882f8" providerId="LiveId" clId="{01312597-0B54-46BE-906A-F240F5E61C87}" dt="2021-05-25T22:53:44.488" v="488"/>
+          <ac:cxnSpMkLst>
+            <pc:docMk/>
+            <pc:sldMk cId="3393602788" sldId="261"/>
+            <ac:cxnSpMk id="46" creationId="{C20D7C31-2E4C-443B-A648-32BC0337FC25}"/>
+          </ac:cxnSpMkLst>
+        </pc:cxnChg>
+        <pc:cxnChg chg="add mod">
+          <ac:chgData name="Otto Schefer" userId="fd5a25951ba882f8" providerId="LiveId" clId="{01312597-0B54-46BE-906A-F240F5E61C87}" dt="2021-05-25T22:53:44.488" v="488"/>
+          <ac:cxnSpMkLst>
+            <pc:docMk/>
+            <pc:sldMk cId="3393602788" sldId="261"/>
+            <ac:cxnSpMk id="51" creationId="{5F103CB9-B640-400E-9A41-03DDE25E86B0}"/>
+          </ac:cxnSpMkLst>
+        </pc:cxnChg>
+        <pc:cxnChg chg="add mod">
+          <ac:chgData name="Otto Schefer" userId="fd5a25951ba882f8" providerId="LiveId" clId="{01312597-0B54-46BE-906A-F240F5E61C87}" dt="2021-05-25T22:53:44.488" v="488"/>
+          <ac:cxnSpMkLst>
+            <pc:docMk/>
+            <pc:sldMk cId="3393602788" sldId="261"/>
+            <ac:cxnSpMk id="52" creationId="{11886ADC-A916-4E42-8E26-07007520DC85}"/>
+          </ac:cxnSpMkLst>
+        </pc:cxnChg>
+        <pc:cxnChg chg="add mod">
+          <ac:chgData name="Otto Schefer" userId="fd5a25951ba882f8" providerId="LiveId" clId="{01312597-0B54-46BE-906A-F240F5E61C87}" dt="2021-05-25T22:53:44.488" v="488"/>
+          <ac:cxnSpMkLst>
+            <pc:docMk/>
+            <pc:sldMk cId="3393602788" sldId="261"/>
+            <ac:cxnSpMk id="55" creationId="{C00034F4-44D1-484D-84B9-15C5B01369B0}"/>
+          </ac:cxnSpMkLst>
+        </pc:cxnChg>
+        <pc:cxnChg chg="add mod">
+          <ac:chgData name="Otto Schefer" userId="fd5a25951ba882f8" providerId="LiveId" clId="{01312597-0B54-46BE-906A-F240F5E61C87}" dt="2021-05-25T22:53:44.488" v="488"/>
+          <ac:cxnSpMkLst>
+            <pc:docMk/>
+            <pc:sldMk cId="3393602788" sldId="261"/>
+            <ac:cxnSpMk id="56" creationId="{2D948FBC-CEAA-42A7-8356-01B651566982}"/>
+          </ac:cxnSpMkLst>
+        </pc:cxnChg>
+        <pc:cxnChg chg="add mod">
+          <ac:chgData name="Otto Schefer" userId="fd5a25951ba882f8" providerId="LiveId" clId="{01312597-0B54-46BE-906A-F240F5E61C87}" dt="2021-05-25T22:53:44.488" v="488"/>
+          <ac:cxnSpMkLst>
+            <pc:docMk/>
+            <pc:sldMk cId="3393602788" sldId="261"/>
+            <ac:cxnSpMk id="57" creationId="{40BD28D6-92A4-4ECF-94CA-B16E398E40A0}"/>
+          </ac:cxnSpMkLst>
+        </pc:cxnChg>
+        <pc:cxnChg chg="mod topLvl">
+          <ac:chgData name="Otto Schefer" userId="fd5a25951ba882f8" providerId="LiveId" clId="{01312597-0B54-46BE-906A-F240F5E61C87}" dt="2021-05-25T22:56:55.705" v="502" actId="164"/>
+          <ac:cxnSpMkLst>
+            <pc:docMk/>
+            <pc:sldMk cId="3393602788" sldId="261"/>
+            <ac:cxnSpMk id="64" creationId="{B66BB680-BEBE-49BA-B998-AA137276021C}"/>
+          </ac:cxnSpMkLst>
+        </pc:cxnChg>
+        <pc:cxnChg chg="mod topLvl">
+          <ac:chgData name="Otto Schefer" userId="fd5a25951ba882f8" providerId="LiveId" clId="{01312597-0B54-46BE-906A-F240F5E61C87}" dt="2021-05-25T22:56:55.705" v="502" actId="164"/>
+          <ac:cxnSpMkLst>
+            <pc:docMk/>
+            <pc:sldMk cId="3393602788" sldId="261"/>
+            <ac:cxnSpMk id="65" creationId="{ECD0EA4B-0179-4A22-ABC9-CE5187FB4F48}"/>
+          </ac:cxnSpMkLst>
+        </pc:cxnChg>
+        <pc:cxnChg chg="add mod">
+          <ac:chgData name="Otto Schefer" userId="fd5a25951ba882f8" providerId="LiveId" clId="{01312597-0B54-46BE-906A-F240F5E61C87}" dt="2021-05-25T22:56:55.705" v="502" actId="164"/>
+          <ac:cxnSpMkLst>
+            <pc:docMk/>
+            <pc:sldMk cId="3393602788" sldId="261"/>
+            <ac:cxnSpMk id="68" creationId="{C7080CB6-A18E-4421-BE62-F16DA37861F6}"/>
+          </ac:cxnSpMkLst>
+        </pc:cxnChg>
+        <pc:cxnChg chg="add mod">
+          <ac:chgData name="Otto Schefer" userId="fd5a25951ba882f8" providerId="LiveId" clId="{01312597-0B54-46BE-906A-F240F5E61C87}" dt="2021-05-25T22:56:55.705" v="502" actId="164"/>
+          <ac:cxnSpMkLst>
+            <pc:docMk/>
+            <pc:sldMk cId="3393602788" sldId="261"/>
+            <ac:cxnSpMk id="70" creationId="{B66AB55F-3843-4F3F-943C-0AF194DAFF6A}"/>
+          </ac:cxnSpMkLst>
+        </pc:cxnChg>
+        <pc:cxnChg chg="add mod">
+          <ac:chgData name="Otto Schefer" userId="fd5a25951ba882f8" providerId="LiveId" clId="{01312597-0B54-46BE-906A-F240F5E61C87}" dt="2021-05-25T22:56:45.868" v="501" actId="208"/>
+          <ac:cxnSpMkLst>
+            <pc:docMk/>
+            <pc:sldMk cId="3393602788" sldId="261"/>
+            <ac:cxnSpMk id="72" creationId="{32C0B5DA-24B6-4FE6-8A5E-704D0E534FA1}"/>
+          </ac:cxnSpMkLst>
+        </pc:cxnChg>
+        <pc:cxnChg chg="add mod">
+          <ac:chgData name="Otto Schefer" userId="fd5a25951ba882f8" providerId="LiveId" clId="{01312597-0B54-46BE-906A-F240F5E61C87}" dt="2021-05-25T22:56:45.868" v="501" actId="208"/>
+          <ac:cxnSpMkLst>
+            <pc:docMk/>
+            <pc:sldMk cId="3393602788" sldId="261"/>
+            <ac:cxnSpMk id="73" creationId="{9C302CE7-F709-4473-BC0A-ABF6B05332F0}"/>
+          </ac:cxnSpMkLst>
+        </pc:cxnChg>
       </pc:sldChg>
     </pc:docChg>
   </pc:docChgLst>
@@ -2543,7 +3127,7 @@
           <a:p>
             <a:fld id="{083E7580-4A74-4DC1-979A-56FFF28705FF}" type="datetimeFigureOut">
               <a:rPr lang="ru-RU" smtClean="0"/>
-              <a:t>24.05.2021</a:t>
+              <a:t>26.05.2021</a:t>
             </a:fld>
             <a:endParaRPr lang="ru-RU"/>
           </a:p>
@@ -2741,7 +3325,7 @@
           <a:p>
             <a:fld id="{083E7580-4A74-4DC1-979A-56FFF28705FF}" type="datetimeFigureOut">
               <a:rPr lang="ru-RU" smtClean="0"/>
-              <a:t>24.05.2021</a:t>
+              <a:t>26.05.2021</a:t>
             </a:fld>
             <a:endParaRPr lang="ru-RU"/>
           </a:p>
@@ -2949,7 +3533,7 @@
           <a:p>
             <a:fld id="{083E7580-4A74-4DC1-979A-56FFF28705FF}" type="datetimeFigureOut">
               <a:rPr lang="ru-RU" smtClean="0"/>
-              <a:t>24.05.2021</a:t>
+              <a:t>26.05.2021</a:t>
             </a:fld>
             <a:endParaRPr lang="ru-RU"/>
           </a:p>
@@ -3147,7 +3731,7 @@
           <a:p>
             <a:fld id="{083E7580-4A74-4DC1-979A-56FFF28705FF}" type="datetimeFigureOut">
               <a:rPr lang="ru-RU" smtClean="0"/>
-              <a:t>24.05.2021</a:t>
+              <a:t>26.05.2021</a:t>
             </a:fld>
             <a:endParaRPr lang="ru-RU"/>
           </a:p>
@@ -3422,7 +4006,7 @@
           <a:p>
             <a:fld id="{083E7580-4A74-4DC1-979A-56FFF28705FF}" type="datetimeFigureOut">
               <a:rPr lang="ru-RU" smtClean="0"/>
-              <a:t>24.05.2021</a:t>
+              <a:t>26.05.2021</a:t>
             </a:fld>
             <a:endParaRPr lang="ru-RU"/>
           </a:p>
@@ -3687,7 +4271,7 @@
           <a:p>
             <a:fld id="{083E7580-4A74-4DC1-979A-56FFF28705FF}" type="datetimeFigureOut">
               <a:rPr lang="ru-RU" smtClean="0"/>
-              <a:t>24.05.2021</a:t>
+              <a:t>26.05.2021</a:t>
             </a:fld>
             <a:endParaRPr lang="ru-RU"/>
           </a:p>
@@ -4099,7 +4683,7 @@
           <a:p>
             <a:fld id="{083E7580-4A74-4DC1-979A-56FFF28705FF}" type="datetimeFigureOut">
               <a:rPr lang="ru-RU" smtClean="0"/>
-              <a:t>24.05.2021</a:t>
+              <a:t>26.05.2021</a:t>
             </a:fld>
             <a:endParaRPr lang="ru-RU"/>
           </a:p>
@@ -4240,7 +4824,7 @@
           <a:p>
             <a:fld id="{083E7580-4A74-4DC1-979A-56FFF28705FF}" type="datetimeFigureOut">
               <a:rPr lang="ru-RU" smtClean="0"/>
-              <a:t>24.05.2021</a:t>
+              <a:t>26.05.2021</a:t>
             </a:fld>
             <a:endParaRPr lang="ru-RU"/>
           </a:p>
@@ -4353,7 +4937,7 @@
           <a:p>
             <a:fld id="{083E7580-4A74-4DC1-979A-56FFF28705FF}" type="datetimeFigureOut">
               <a:rPr lang="ru-RU" smtClean="0"/>
-              <a:t>24.05.2021</a:t>
+              <a:t>26.05.2021</a:t>
             </a:fld>
             <a:endParaRPr lang="ru-RU"/>
           </a:p>
@@ -4664,7 +5248,7 @@
           <a:p>
             <a:fld id="{083E7580-4A74-4DC1-979A-56FFF28705FF}" type="datetimeFigureOut">
               <a:rPr lang="ru-RU" smtClean="0"/>
-              <a:t>24.05.2021</a:t>
+              <a:t>26.05.2021</a:t>
             </a:fld>
             <a:endParaRPr lang="ru-RU"/>
           </a:p>
@@ -4952,7 +5536,7 @@
           <a:p>
             <a:fld id="{083E7580-4A74-4DC1-979A-56FFF28705FF}" type="datetimeFigureOut">
               <a:rPr lang="ru-RU" smtClean="0"/>
-              <a:t>24.05.2021</a:t>
+              <a:t>26.05.2021</a:t>
             </a:fld>
             <a:endParaRPr lang="ru-RU"/>
           </a:p>
@@ -5193,7 +5777,7 @@
           <a:p>
             <a:fld id="{083E7580-4A74-4DC1-979A-56FFF28705FF}" type="datetimeFigureOut">
               <a:rPr lang="ru-RU" smtClean="0"/>
-              <a:t>24.05.2021</a:t>
+              <a:t>26.05.2021</a:t>
             </a:fld>
             <a:endParaRPr lang="ru-RU"/>
           </a:p>
@@ -22861,8 +23445,8 @@
           </a:p>
         </p:txBody>
       </p:sp>
-      <mc:AlternateContent xmlns:mc="http://schemas.openxmlformats.org/markup-compatibility/2006">
-        <mc:Choice xmlns:a14="http://schemas.microsoft.com/office/drawing/2010/main" Requires="a14">
+      <mc:AlternateContent xmlns:mc="http://schemas.openxmlformats.org/markup-compatibility/2006" xmlns:a14="http://schemas.microsoft.com/office/drawing/2010/main">
+        <mc:Choice Requires="a14">
           <p:sp>
             <p:nvSpPr>
               <p:cNvPr id="23" name="TextBox 22">
@@ -22922,7 +23506,7 @@
             </p:txBody>
           </p:sp>
         </mc:Choice>
-        <mc:Fallback>
+        <mc:Fallback xmlns="">
           <p:sp>
             <p:nvSpPr>
               <p:cNvPr id="23" name="TextBox 22">
@@ -23151,8 +23735,8 @@
           </a:p>
         </p:txBody>
       </p:sp>
-      <mc:AlternateContent xmlns:mc="http://schemas.openxmlformats.org/markup-compatibility/2006">
-        <mc:Choice xmlns:a14="http://schemas.microsoft.com/office/drawing/2010/main" Requires="a14">
+      <mc:AlternateContent xmlns:mc="http://schemas.openxmlformats.org/markup-compatibility/2006" xmlns:a14="http://schemas.microsoft.com/office/drawing/2010/main">
+        <mc:Choice Requires="a14">
           <p:sp>
             <p:nvSpPr>
               <p:cNvPr id="31" name="TextBox 30">
@@ -23247,7 +23831,7 @@
             </p:txBody>
           </p:sp>
         </mc:Choice>
-        <mc:Fallback>
+        <mc:Fallback xmlns="">
           <p:sp>
             <p:nvSpPr>
               <p:cNvPr id="31" name="TextBox 30">
@@ -23799,8 +24383,8 @@
           </a:fontRef>
         </p:style>
       </p:cxnSp>
-      <mc:AlternateContent xmlns:mc="http://schemas.openxmlformats.org/markup-compatibility/2006">
-        <mc:Choice xmlns:a14="http://schemas.microsoft.com/office/drawing/2010/main" Requires="a14">
+      <mc:AlternateContent xmlns:mc="http://schemas.openxmlformats.org/markup-compatibility/2006" xmlns:a14="http://schemas.microsoft.com/office/drawing/2010/main">
+        <mc:Choice Requires="a14">
           <p:sp>
             <p:nvSpPr>
               <p:cNvPr id="26" name="TextBox 25">
@@ -23884,7 +24468,7 @@
             </p:txBody>
           </p:sp>
         </mc:Choice>
-        <mc:Fallback>
+        <mc:Fallback xmlns="">
           <p:sp>
             <p:nvSpPr>
               <p:cNvPr id="26" name="TextBox 25">
@@ -24078,6 +24662,4805 @@
     <p:extLst>
       <p:ext uri="{BB962C8B-B14F-4D97-AF65-F5344CB8AC3E}">
         <p14:creationId xmlns:p14="http://schemas.microsoft.com/office/powerpoint/2010/main" val="428892733"/>
+      </p:ext>
+    </p:extLst>
+  </p:cSld>
+  <p:clrMapOvr>
+    <a:masterClrMapping/>
+  </p:clrMapOvr>
+</p:sld>
+</file>
+
+<file path=ppt/slides/slide6.xml><?xml version="1.0" encoding="utf-8"?>
+<p:sld xmlns:a="http://schemas.openxmlformats.org/drawingml/2006/main" xmlns:r="http://schemas.openxmlformats.org/officeDocument/2006/relationships" xmlns:p="http://schemas.openxmlformats.org/presentationml/2006/main">
+  <p:cSld>
+    <p:spTree>
+      <p:nvGrpSpPr>
+        <p:cNvPr id="1" name=""/>
+        <p:cNvGrpSpPr/>
+        <p:nvPr/>
+      </p:nvGrpSpPr>
+      <p:grpSpPr>
+        <a:xfrm>
+          <a:off x="0" y="0"/>
+          <a:ext cx="0" cy="0"/>
+          <a:chOff x="0" y="0"/>
+          <a:chExt cx="0" cy="0"/>
+        </a:xfrm>
+      </p:grpSpPr>
+      <mc:AlternateContent xmlns:mc="http://schemas.openxmlformats.org/markup-compatibility/2006">
+        <mc:Choice xmlns:a14="http://schemas.microsoft.com/office/drawing/2010/main" Requires="a14">
+          <p:sp>
+            <p:nvSpPr>
+              <p:cNvPr id="4" name="TextBox 3">
+                <a:extLst>
+                  <a:ext uri="{FF2B5EF4-FFF2-40B4-BE49-F238E27FC236}">
+                    <a16:creationId xmlns:a16="http://schemas.microsoft.com/office/drawing/2014/main" id="{E6DFB72E-E433-43AA-952A-C582B15D1CD7}"/>
+                  </a:ext>
+                </a:extLst>
+              </p:cNvPr>
+              <p:cNvSpPr txBox="1"/>
+              <p:nvPr/>
+            </p:nvSpPr>
+            <p:spPr>
+              <a:xfrm>
+                <a:off x="2445026" y="1918057"/>
+                <a:ext cx="652007" cy="623761"/>
+              </a:xfrm>
+              <a:prstGeom prst="rect">
+                <a:avLst/>
+              </a:prstGeom>
+              <a:noFill/>
+            </p:spPr>
+            <p:txBody>
+              <a:bodyPr wrap="square" lIns="0" tIns="0" rIns="0" bIns="0" rtlCol="0">
+                <a:spAutoFit/>
+              </a:bodyPr>
+              <a:lstStyle/>
+              <a:p>
+                <a:pPr/>
+                <a14:m>
+                  <m:oMathPara xmlns:m="http://schemas.openxmlformats.org/officeDocument/2006/math">
+                    <m:oMathParaPr>
+                      <m:jc m:val="centerGroup"/>
+                    </m:oMathParaPr>
+                    <m:oMath xmlns:m="http://schemas.openxmlformats.org/officeDocument/2006/math">
+                      <m:f>
+                        <m:fPr>
+                          <m:ctrlPr>
+                            <a:rPr lang="ru-RU" sz="1400" i="1" smtClean="0">
+                              <a:effectLst/>
+                              <a:latin typeface="Cambria Math" panose="02040503050406030204" pitchFamily="18" charset="0"/>
+                              <a:ea typeface="Calibri" panose="020F0502020204030204" pitchFamily="34" charset="0"/>
+                              <a:cs typeface="Times New Roman" panose="02020603050405020304" pitchFamily="18" charset="0"/>
+                            </a:rPr>
+                          </m:ctrlPr>
+                        </m:fPr>
+                        <m:num>
+                          <m:r>
+                            <a:rPr lang="en-US" sz="1400" i="1">
+                              <a:effectLst/>
+                              <a:latin typeface="Cambria Math" panose="02040503050406030204" pitchFamily="18" charset="0"/>
+                              <a:ea typeface="Calibri" panose="020F0502020204030204" pitchFamily="34" charset="0"/>
+                              <a:cs typeface="Times New Roman" panose="02020603050405020304" pitchFamily="18" charset="0"/>
+                            </a:rPr>
+                            <m:t>1</m:t>
+                          </m:r>
+                        </m:num>
+                        <m:den>
+                          <m:r>
+                            <a:rPr lang="en-US" sz="1400" i="1">
+                              <a:effectLst/>
+                              <a:latin typeface="Cambria Math" panose="02040503050406030204" pitchFamily="18" charset="0"/>
+                              <a:ea typeface="Calibri" panose="020F0502020204030204" pitchFamily="34" charset="0"/>
+                              <a:cs typeface="Times New Roman" panose="02020603050405020304" pitchFamily="18" charset="0"/>
+                            </a:rPr>
+                            <m:t>𝐿𝑠</m:t>
+                          </m:r>
+                          <m:r>
+                            <a:rPr lang="en-US" sz="1400" i="1">
+                              <a:effectLst/>
+                              <a:latin typeface="Cambria Math" panose="02040503050406030204" pitchFamily="18" charset="0"/>
+                              <a:ea typeface="Calibri" panose="020F0502020204030204" pitchFamily="34" charset="0"/>
+                              <a:cs typeface="Times New Roman" panose="02020603050405020304" pitchFamily="18" charset="0"/>
+                            </a:rPr>
+                            <m:t>+</m:t>
+                          </m:r>
+                          <m:r>
+                            <a:rPr lang="en-US" sz="1400" i="1">
+                              <a:effectLst/>
+                              <a:latin typeface="Cambria Math" panose="02040503050406030204" pitchFamily="18" charset="0"/>
+                              <a:ea typeface="Calibri" panose="020F0502020204030204" pitchFamily="34" charset="0"/>
+                              <a:cs typeface="Times New Roman" panose="02020603050405020304" pitchFamily="18" charset="0"/>
+                            </a:rPr>
+                            <m:t>𝑟</m:t>
+                          </m:r>
+                        </m:den>
+                      </m:f>
+                    </m:oMath>
+                  </m:oMathPara>
+                </a14:m>
+                <a:endParaRPr lang="ru-RU" sz="1400" dirty="0">
+                  <a:effectLst/>
+                  <a:latin typeface="Times New Roman" panose="02020603050405020304" pitchFamily="18" charset="0"/>
+                  <a:ea typeface="Calibri" panose="020F0502020204030204" pitchFamily="34" charset="0"/>
+                  <a:cs typeface="Times New Roman" panose="02020603050405020304" pitchFamily="18" charset="0"/>
+                </a:endParaRPr>
+              </a:p>
+              <a:p>
+                <a:endParaRPr lang="ru-RU" sz="1400" dirty="0"/>
+              </a:p>
+            </p:txBody>
+          </p:sp>
+        </mc:Choice>
+        <mc:Fallback>
+          <p:sp>
+            <p:nvSpPr>
+              <p:cNvPr id="4" name="TextBox 3">
+                <a:extLst>
+                  <a:ext uri="{FF2B5EF4-FFF2-40B4-BE49-F238E27FC236}">
+                    <a16:creationId xmlns:a16="http://schemas.microsoft.com/office/drawing/2014/main" id="{E6DFB72E-E433-43AA-952A-C582B15D1CD7}"/>
+                  </a:ext>
+                </a:extLst>
+              </p:cNvPr>
+              <p:cNvSpPr txBox="1">
+                <a:spLocks noRot="1" noChangeAspect="1" noMove="1" noResize="1" noEditPoints="1" noAdjustHandles="1" noChangeArrowheads="1" noChangeShapeType="1" noTextEdit="1"/>
+              </p:cNvSpPr>
+              <p:nvPr/>
+            </p:nvSpPr>
+            <p:spPr>
+              <a:xfrm>
+                <a:off x="2445026" y="1918057"/>
+                <a:ext cx="652007" cy="623761"/>
+              </a:xfrm>
+              <a:prstGeom prst="rect">
+                <a:avLst/>
+              </a:prstGeom>
+              <a:blipFill>
+                <a:blip r:embed="rId2"/>
+                <a:stretch>
+                  <a:fillRect t="-980"/>
+                </a:stretch>
+              </a:blipFill>
+            </p:spPr>
+            <p:txBody>
+              <a:bodyPr/>
+              <a:lstStyle/>
+              <a:p>
+                <a:r>
+                  <a:rPr lang="ru-RU">
+                    <a:noFill/>
+                  </a:rPr>
+                  <a:t> </a:t>
+                </a:r>
+              </a:p>
+            </p:txBody>
+          </p:sp>
+        </mc:Fallback>
+      </mc:AlternateContent>
+      <mc:AlternateContent xmlns:mc="http://schemas.openxmlformats.org/markup-compatibility/2006">
+        <mc:Choice xmlns:a14="http://schemas.microsoft.com/office/drawing/2010/main" Requires="a14">
+          <p:sp>
+            <p:nvSpPr>
+              <p:cNvPr id="5" name="TextBox 4">
+                <a:extLst>
+                  <a:ext uri="{FF2B5EF4-FFF2-40B4-BE49-F238E27FC236}">
+                    <a16:creationId xmlns:a16="http://schemas.microsoft.com/office/drawing/2014/main" id="{9B903604-B24F-47F5-83CD-B692968B8A6E}"/>
+                  </a:ext>
+                </a:extLst>
+              </p:cNvPr>
+              <p:cNvSpPr txBox="1"/>
+              <p:nvPr/>
+            </p:nvSpPr>
+            <p:spPr>
+              <a:xfrm>
+                <a:off x="4055165" y="2014495"/>
+                <a:ext cx="652007" cy="430887"/>
+              </a:xfrm>
+              <a:prstGeom prst="rect">
+                <a:avLst/>
+              </a:prstGeom>
+              <a:noFill/>
+            </p:spPr>
+            <p:txBody>
+              <a:bodyPr wrap="square" lIns="0" tIns="0" rIns="0" bIns="0" rtlCol="0">
+                <a:spAutoFit/>
+              </a:bodyPr>
+              <a:lstStyle/>
+              <a:p>
+                <a:pPr/>
+                <a14:m>
+                  <m:oMathPara xmlns:m="http://schemas.openxmlformats.org/officeDocument/2006/math">
+                    <m:oMathParaPr>
+                      <m:jc m:val="centerGroup"/>
+                    </m:oMathParaPr>
+                    <m:oMath xmlns:m="http://schemas.openxmlformats.org/officeDocument/2006/math">
+                      <m:sSub>
+                        <m:sSubPr>
+                          <m:ctrlPr>
+                            <a:rPr lang="en-US" sz="1400" b="0" i="1" smtClean="0">
+                              <a:effectLst/>
+                              <a:latin typeface="Cambria Math" panose="02040503050406030204" pitchFamily="18" charset="0"/>
+                              <a:ea typeface="Calibri" panose="020F0502020204030204" pitchFamily="34" charset="0"/>
+                              <a:cs typeface="Times New Roman" panose="02020603050405020304" pitchFamily="18" charset="0"/>
+                            </a:rPr>
+                          </m:ctrlPr>
+                        </m:sSubPr>
+                        <m:e>
+                          <m:r>
+                            <a:rPr lang="en-US" sz="1400" b="0" i="1" smtClean="0">
+                              <a:effectLst/>
+                              <a:latin typeface="Cambria Math" panose="02040503050406030204" pitchFamily="18" charset="0"/>
+                              <a:ea typeface="Calibri" panose="020F0502020204030204" pitchFamily="34" charset="0"/>
+                              <a:cs typeface="Times New Roman" panose="02020603050405020304" pitchFamily="18" charset="0"/>
+                            </a:rPr>
+                            <m:t>𝐾</m:t>
+                          </m:r>
+                        </m:e>
+                        <m:sub>
+                          <m:r>
+                            <a:rPr lang="en-US" sz="1400" b="0" i="1" smtClean="0">
+                              <a:effectLst/>
+                              <a:latin typeface="Cambria Math" panose="02040503050406030204" pitchFamily="18" charset="0"/>
+                              <a:ea typeface="Calibri" panose="020F0502020204030204" pitchFamily="34" charset="0"/>
+                              <a:cs typeface="Times New Roman" panose="02020603050405020304" pitchFamily="18" charset="0"/>
+                            </a:rPr>
+                            <m:t>𝑀</m:t>
+                          </m:r>
+                        </m:sub>
+                      </m:sSub>
+                    </m:oMath>
+                  </m:oMathPara>
+                </a14:m>
+                <a:endParaRPr lang="ru-RU" sz="1400" dirty="0">
+                  <a:effectLst/>
+                  <a:latin typeface="Times New Roman" panose="02020603050405020304" pitchFamily="18" charset="0"/>
+                  <a:ea typeface="Calibri" panose="020F0502020204030204" pitchFamily="34" charset="0"/>
+                  <a:cs typeface="Times New Roman" panose="02020603050405020304" pitchFamily="18" charset="0"/>
+                </a:endParaRPr>
+              </a:p>
+              <a:p>
+                <a:endParaRPr lang="ru-RU" sz="1400" dirty="0"/>
+              </a:p>
+            </p:txBody>
+          </p:sp>
+        </mc:Choice>
+        <mc:Fallback>
+          <p:sp>
+            <p:nvSpPr>
+              <p:cNvPr id="5" name="TextBox 4">
+                <a:extLst>
+                  <a:ext uri="{FF2B5EF4-FFF2-40B4-BE49-F238E27FC236}">
+                    <a16:creationId xmlns:a16="http://schemas.microsoft.com/office/drawing/2014/main" id="{9B903604-B24F-47F5-83CD-B692968B8A6E}"/>
+                  </a:ext>
+                </a:extLst>
+              </p:cNvPr>
+              <p:cNvSpPr txBox="1">
+                <a:spLocks noRot="1" noChangeAspect="1" noMove="1" noResize="1" noEditPoints="1" noAdjustHandles="1" noChangeArrowheads="1" noChangeShapeType="1" noTextEdit="1"/>
+              </p:cNvSpPr>
+              <p:nvPr/>
+            </p:nvSpPr>
+            <p:spPr>
+              <a:xfrm>
+                <a:off x="4055165" y="2014495"/>
+                <a:ext cx="652007" cy="430887"/>
+              </a:xfrm>
+              <a:prstGeom prst="rect">
+                <a:avLst/>
+              </a:prstGeom>
+              <a:blipFill>
+                <a:blip r:embed="rId3"/>
+                <a:stretch>
+                  <a:fillRect/>
+                </a:stretch>
+              </a:blipFill>
+            </p:spPr>
+            <p:txBody>
+              <a:bodyPr/>
+              <a:lstStyle/>
+              <a:p>
+                <a:r>
+                  <a:rPr lang="ru-RU">
+                    <a:noFill/>
+                  </a:rPr>
+                  <a:t> </a:t>
+                </a:r>
+              </a:p>
+            </p:txBody>
+          </p:sp>
+        </mc:Fallback>
+      </mc:AlternateContent>
+      <mc:AlternateContent xmlns:mc="http://schemas.openxmlformats.org/markup-compatibility/2006">
+        <mc:Choice xmlns:a14="http://schemas.microsoft.com/office/drawing/2010/main" Requires="a14">
+          <p:sp>
+            <p:nvSpPr>
+              <p:cNvPr id="6" name="TextBox 5">
+                <a:extLst>
+                  <a:ext uri="{FF2B5EF4-FFF2-40B4-BE49-F238E27FC236}">
+                    <a16:creationId xmlns:a16="http://schemas.microsoft.com/office/drawing/2014/main" id="{368613FB-C0DE-4C1A-A4CA-D3CC58C1858B}"/>
+                  </a:ext>
+                </a:extLst>
+              </p:cNvPr>
+              <p:cNvSpPr txBox="1"/>
+              <p:nvPr/>
+            </p:nvSpPr>
+            <p:spPr>
+              <a:xfrm>
+                <a:off x="6019034" y="1873473"/>
+                <a:ext cx="652007" cy="790666"/>
+              </a:xfrm>
+              <a:prstGeom prst="rect">
+                <a:avLst/>
+              </a:prstGeom>
+              <a:noFill/>
+            </p:spPr>
+            <p:txBody>
+              <a:bodyPr wrap="square" lIns="0" tIns="0" rIns="0" bIns="0" rtlCol="0">
+                <a:spAutoFit/>
+              </a:bodyPr>
+              <a:lstStyle/>
+              <a:p>
+                <a:pPr/>
+                <a14:m>
+                  <m:oMathPara xmlns:m="http://schemas.openxmlformats.org/officeDocument/2006/math">
+                    <m:oMathParaPr>
+                      <m:jc m:val="centerGroup"/>
+                    </m:oMathParaPr>
+                    <m:oMath xmlns:m="http://schemas.openxmlformats.org/officeDocument/2006/math">
+                      <m:f>
+                        <m:fPr>
+                          <m:ctrlPr>
+                            <a:rPr lang="ru-RU" sz="1100" i="1" smtClean="0">
+                              <a:effectLst/>
+                              <a:latin typeface="Cambria Math" panose="02040503050406030204" pitchFamily="18" charset="0"/>
+                              <a:ea typeface="Calibri" panose="020F0502020204030204" pitchFamily="34" charset="0"/>
+                              <a:cs typeface="Times New Roman" panose="02020603050405020304" pitchFamily="18" charset="0"/>
+                            </a:rPr>
+                          </m:ctrlPr>
+                        </m:fPr>
+                        <m:num>
+                          <m:r>
+                            <m:rPr>
+                              <m:sty m:val="p"/>
+                            </m:rPr>
+                            <a:rPr lang="ru-RU" sz="1400">
+                              <a:latin typeface="Cambria Math" panose="02040503050406030204" pitchFamily="18" charset="0"/>
+                              <a:ea typeface="Cambria Math" panose="02040503050406030204" pitchFamily="18" charset="0"/>
+                            </a:rPr>
+                            <m:t>ε</m:t>
+                          </m:r>
+                        </m:num>
+                        <m:den>
+                          <m:sSub>
+                            <m:sSubPr>
+                              <m:ctrlPr>
+                                <a:rPr lang="ru-RU" sz="1100" i="1">
+                                  <a:effectLst/>
+                                  <a:latin typeface="Cambria Math" panose="02040503050406030204" pitchFamily="18" charset="0"/>
+                                  <a:ea typeface="Calibri" panose="020F0502020204030204" pitchFamily="34" charset="0"/>
+                                  <a:cs typeface="Times New Roman" panose="02020603050405020304" pitchFamily="18" charset="0"/>
+                                </a:rPr>
+                              </m:ctrlPr>
+                            </m:sSubPr>
+                            <m:e>
+                              <m:r>
+                                <a:rPr lang="ru-RU" sz="1100" b="0" i="1" smtClean="0">
+                                  <a:effectLst/>
+                                  <a:latin typeface="Cambria Math" panose="02040503050406030204" pitchFamily="18" charset="0"/>
+                                  <a:ea typeface="Calibri" panose="020F0502020204030204" pitchFamily="34" charset="0"/>
+                                  <a:cs typeface="Times New Roman" panose="02020603050405020304" pitchFamily="18" charset="0"/>
+                                </a:rPr>
+                                <m:t>(</m:t>
+                              </m:r>
+                              <m:r>
+                                <a:rPr lang="en-US" sz="1100" i="1">
+                                  <a:effectLst/>
+                                  <a:latin typeface="Cambria Math" panose="02040503050406030204" pitchFamily="18" charset="0"/>
+                                  <a:ea typeface="Calibri" panose="020F0502020204030204" pitchFamily="34" charset="0"/>
+                                  <a:cs typeface="Times New Roman" panose="02020603050405020304" pitchFamily="18" charset="0"/>
+                                </a:rPr>
+                                <m:t>𝐽</m:t>
+                              </m:r>
+                            </m:e>
+                            <m:sub>
+                              <m:r>
+                                <a:rPr lang="ru-RU" sz="1100" b="0" i="1" smtClean="0">
+                                  <a:effectLst/>
+                                  <a:latin typeface="Cambria Math" panose="02040503050406030204" pitchFamily="18" charset="0"/>
+                                  <a:ea typeface="Calibri" panose="020F0502020204030204" pitchFamily="34" charset="0"/>
+                                  <a:cs typeface="Times New Roman" panose="02020603050405020304" pitchFamily="18" charset="0"/>
+                                </a:rPr>
+                                <m:t>п</m:t>
+                              </m:r>
+                            </m:sub>
+                          </m:sSub>
+                          <m:r>
+                            <a:rPr lang="ru-RU" sz="1100" b="0" i="1" smtClean="0">
+                              <a:effectLst/>
+                              <a:latin typeface="Cambria Math" panose="02040503050406030204" pitchFamily="18" charset="0"/>
+                              <a:ea typeface="Calibri" panose="020F0502020204030204" pitchFamily="34" charset="0"/>
+                              <a:cs typeface="Times New Roman" panose="02020603050405020304" pitchFamily="18" charset="0"/>
+                            </a:rPr>
+                            <m:t>+</m:t>
+                          </m:r>
+                          <m:sSub>
+                            <m:sSubPr>
+                              <m:ctrlPr>
+                                <a:rPr lang="ru-RU" sz="1100" i="1">
+                                  <a:latin typeface="Cambria Math" panose="02040503050406030204" pitchFamily="18" charset="0"/>
+                                  <a:ea typeface="Calibri" panose="020F0502020204030204" pitchFamily="34" charset="0"/>
+                                  <a:cs typeface="Times New Roman" panose="02020603050405020304" pitchFamily="18" charset="0"/>
+                                </a:rPr>
+                              </m:ctrlPr>
+                            </m:sSubPr>
+                            <m:e>
+                              <m:r>
+                                <a:rPr lang="en-US" sz="1100" i="1">
+                                  <a:latin typeface="Cambria Math" panose="02040503050406030204" pitchFamily="18" charset="0"/>
+                                  <a:ea typeface="Calibri" panose="020F0502020204030204" pitchFamily="34" charset="0"/>
+                                  <a:cs typeface="Times New Roman" panose="02020603050405020304" pitchFamily="18" charset="0"/>
+                                </a:rPr>
+                                <m:t>𝐽</m:t>
+                              </m:r>
+                            </m:e>
+                            <m:sub>
+                              <m:r>
+                                <a:rPr lang="ru-RU" sz="1100" b="0" i="1" smtClean="0">
+                                  <a:latin typeface="Cambria Math" panose="02040503050406030204" pitchFamily="18" charset="0"/>
+                                  <a:ea typeface="Calibri" panose="020F0502020204030204" pitchFamily="34" charset="0"/>
+                                  <a:cs typeface="Times New Roman" panose="02020603050405020304" pitchFamily="18" charset="0"/>
+                                </a:rPr>
+                                <m:t>р</m:t>
+                              </m:r>
+                            </m:sub>
+                          </m:sSub>
+                          <m:r>
+                            <a:rPr lang="ru-RU" sz="1100" b="0" i="1" smtClean="0">
+                              <a:effectLst/>
+                              <a:latin typeface="Cambria Math" panose="02040503050406030204" pitchFamily="18" charset="0"/>
+                              <a:ea typeface="Calibri" panose="020F0502020204030204" pitchFamily="34" charset="0"/>
+                              <a:cs typeface="Times New Roman" panose="02020603050405020304" pitchFamily="18" charset="0"/>
+                            </a:rPr>
+                            <m:t>)</m:t>
+                          </m:r>
+                          <m:r>
+                            <a:rPr lang="en-US" sz="1100" i="1">
+                              <a:effectLst/>
+                              <a:latin typeface="Cambria Math" panose="02040503050406030204" pitchFamily="18" charset="0"/>
+                              <a:ea typeface="Calibri" panose="020F0502020204030204" pitchFamily="34" charset="0"/>
+                              <a:cs typeface="Times New Roman" panose="02020603050405020304" pitchFamily="18" charset="0"/>
+                            </a:rPr>
+                            <m:t>𝑠</m:t>
+                          </m:r>
+                        </m:den>
+                      </m:f>
+                    </m:oMath>
+                  </m:oMathPara>
+                </a14:m>
+                <a:endParaRPr lang="ru-RU" sz="1400" dirty="0">
+                  <a:effectLst/>
+                  <a:latin typeface="Times New Roman" panose="02020603050405020304" pitchFamily="18" charset="0"/>
+                  <a:ea typeface="Calibri" panose="020F0502020204030204" pitchFamily="34" charset="0"/>
+                  <a:cs typeface="Times New Roman" panose="02020603050405020304" pitchFamily="18" charset="0"/>
+                </a:endParaRPr>
+              </a:p>
+              <a:p>
+                <a:endParaRPr lang="ru-RU" sz="1400" dirty="0">
+                  <a:effectLst/>
+                  <a:latin typeface="Times New Roman" panose="02020603050405020304" pitchFamily="18" charset="0"/>
+                  <a:ea typeface="Calibri" panose="020F0502020204030204" pitchFamily="34" charset="0"/>
+                  <a:cs typeface="Times New Roman" panose="02020603050405020304" pitchFamily="18" charset="0"/>
+                </a:endParaRPr>
+              </a:p>
+              <a:p>
+                <a:endParaRPr lang="ru-RU" sz="1400" dirty="0"/>
+              </a:p>
+            </p:txBody>
+          </p:sp>
+        </mc:Choice>
+        <mc:Fallback>
+          <p:sp>
+            <p:nvSpPr>
+              <p:cNvPr id="6" name="TextBox 5">
+                <a:extLst>
+                  <a:ext uri="{FF2B5EF4-FFF2-40B4-BE49-F238E27FC236}">
+                    <a16:creationId xmlns:a16="http://schemas.microsoft.com/office/drawing/2014/main" id="{368613FB-C0DE-4C1A-A4CA-D3CC58C1858B}"/>
+                  </a:ext>
+                </a:extLst>
+              </p:cNvPr>
+              <p:cNvSpPr txBox="1">
+                <a:spLocks noRot="1" noChangeAspect="1" noMove="1" noResize="1" noEditPoints="1" noAdjustHandles="1" noChangeArrowheads="1" noChangeShapeType="1" noTextEdit="1"/>
+              </p:cNvSpPr>
+              <p:nvPr/>
+            </p:nvSpPr>
+            <p:spPr>
+              <a:xfrm>
+                <a:off x="6019034" y="1873473"/>
+                <a:ext cx="652007" cy="790666"/>
+              </a:xfrm>
+              <a:prstGeom prst="rect">
+                <a:avLst/>
+              </a:prstGeom>
+              <a:blipFill>
+                <a:blip r:embed="rId4"/>
+                <a:stretch>
+                  <a:fillRect/>
+                </a:stretch>
+              </a:blipFill>
+            </p:spPr>
+            <p:txBody>
+              <a:bodyPr/>
+              <a:lstStyle/>
+              <a:p>
+                <a:r>
+                  <a:rPr lang="ru-RU">
+                    <a:noFill/>
+                  </a:rPr>
+                  <a:t> </a:t>
+                </a:r>
+              </a:p>
+            </p:txBody>
+          </p:sp>
+        </mc:Fallback>
+      </mc:AlternateContent>
+      <mc:AlternateContent xmlns:mc="http://schemas.openxmlformats.org/markup-compatibility/2006">
+        <mc:Choice xmlns:a14="http://schemas.microsoft.com/office/drawing/2010/main" Requires="a14">
+          <p:sp>
+            <p:nvSpPr>
+              <p:cNvPr id="7" name="TextBox 6">
+                <a:extLst>
+                  <a:ext uri="{FF2B5EF4-FFF2-40B4-BE49-F238E27FC236}">
+                    <a16:creationId xmlns:a16="http://schemas.microsoft.com/office/drawing/2014/main" id="{5BFD24F6-9A0A-4B95-9A4C-6A0787994102}"/>
+                  </a:ext>
+                </a:extLst>
+              </p:cNvPr>
+              <p:cNvSpPr txBox="1"/>
+              <p:nvPr/>
+            </p:nvSpPr>
+            <p:spPr>
+              <a:xfrm>
+                <a:off x="7707465" y="1924216"/>
+                <a:ext cx="652007" cy="835613"/>
+              </a:xfrm>
+              <a:prstGeom prst="rect">
+                <a:avLst/>
+              </a:prstGeom>
+              <a:noFill/>
+            </p:spPr>
+            <p:txBody>
+              <a:bodyPr wrap="square" lIns="0" tIns="0" rIns="0" bIns="0" rtlCol="0">
+                <a:spAutoFit/>
+              </a:bodyPr>
+              <a:lstStyle/>
+              <a:p>
+                <a:pPr/>
+                <a14:m>
+                  <m:oMathPara xmlns:m="http://schemas.openxmlformats.org/officeDocument/2006/math">
+                    <m:oMathParaPr>
+                      <m:jc m:val="centerGroup"/>
+                    </m:oMathParaPr>
+                    <m:oMath xmlns:m="http://schemas.openxmlformats.org/officeDocument/2006/math">
+                      <m:f>
+                        <m:fPr>
+                          <m:ctrlPr>
+                            <a:rPr lang="ru-RU" sz="1400" i="1" smtClean="0">
+                              <a:effectLst/>
+                              <a:latin typeface="Cambria Math" panose="02040503050406030204" pitchFamily="18" charset="0"/>
+                              <a:ea typeface="Calibri" panose="020F0502020204030204" pitchFamily="34" charset="0"/>
+                              <a:cs typeface="Times New Roman" panose="02020603050405020304" pitchFamily="18" charset="0"/>
+                            </a:rPr>
+                          </m:ctrlPr>
+                        </m:fPr>
+                        <m:num>
+                          <m:r>
+                            <a:rPr lang="en-US" sz="1400" i="1">
+                              <a:effectLst/>
+                              <a:latin typeface="Cambria Math" panose="02040503050406030204" pitchFamily="18" charset="0"/>
+                              <a:ea typeface="Calibri" panose="020F0502020204030204" pitchFamily="34" charset="0"/>
+                              <a:cs typeface="Times New Roman" panose="02020603050405020304" pitchFamily="18" charset="0"/>
+                            </a:rPr>
+                            <m:t>1</m:t>
+                          </m:r>
+                        </m:num>
+                        <m:den>
+                          <m:r>
+                            <a:rPr lang="en-US" sz="1400" b="0" i="1" smtClean="0">
+                              <a:effectLst/>
+                              <a:latin typeface="Cambria Math" panose="02040503050406030204" pitchFamily="18" charset="0"/>
+                              <a:ea typeface="Calibri" panose="020F0502020204030204" pitchFamily="34" charset="0"/>
+                              <a:cs typeface="Times New Roman" panose="02020603050405020304" pitchFamily="18" charset="0"/>
+                            </a:rPr>
+                            <m:t>𝑖</m:t>
+                          </m:r>
+                        </m:den>
+                      </m:f>
+                    </m:oMath>
+                  </m:oMathPara>
+                </a14:m>
+                <a:endParaRPr lang="ru-RU" sz="1400" dirty="0">
+                  <a:effectLst/>
+                  <a:latin typeface="Times New Roman" panose="02020603050405020304" pitchFamily="18" charset="0"/>
+                  <a:ea typeface="Calibri" panose="020F0502020204030204" pitchFamily="34" charset="0"/>
+                  <a:cs typeface="Times New Roman" panose="02020603050405020304" pitchFamily="18" charset="0"/>
+                </a:endParaRPr>
+              </a:p>
+              <a:p>
+                <a:endParaRPr lang="ru-RU" sz="1400" dirty="0">
+                  <a:effectLst/>
+                  <a:latin typeface="Times New Roman" panose="02020603050405020304" pitchFamily="18" charset="0"/>
+                  <a:ea typeface="Calibri" panose="020F0502020204030204" pitchFamily="34" charset="0"/>
+                  <a:cs typeface="Times New Roman" panose="02020603050405020304" pitchFamily="18" charset="0"/>
+                </a:endParaRPr>
+              </a:p>
+              <a:p>
+                <a:endParaRPr lang="ru-RU" sz="1400" dirty="0"/>
+              </a:p>
+            </p:txBody>
+          </p:sp>
+        </mc:Choice>
+        <mc:Fallback>
+          <p:sp>
+            <p:nvSpPr>
+              <p:cNvPr id="7" name="TextBox 6">
+                <a:extLst>
+                  <a:ext uri="{FF2B5EF4-FFF2-40B4-BE49-F238E27FC236}">
+                    <a16:creationId xmlns:a16="http://schemas.microsoft.com/office/drawing/2014/main" id="{5BFD24F6-9A0A-4B95-9A4C-6A0787994102}"/>
+                  </a:ext>
+                </a:extLst>
+              </p:cNvPr>
+              <p:cNvSpPr txBox="1">
+                <a:spLocks noRot="1" noChangeAspect="1" noMove="1" noResize="1" noEditPoints="1" noAdjustHandles="1" noChangeArrowheads="1" noChangeShapeType="1" noTextEdit="1"/>
+              </p:cNvSpPr>
+              <p:nvPr/>
+            </p:nvSpPr>
+            <p:spPr>
+              <a:xfrm>
+                <a:off x="7707465" y="1924216"/>
+                <a:ext cx="652007" cy="835613"/>
+              </a:xfrm>
+              <a:prstGeom prst="rect">
+                <a:avLst/>
+              </a:prstGeom>
+              <a:blipFill>
+                <a:blip r:embed="rId5"/>
+                <a:stretch>
+                  <a:fillRect t="-730"/>
+                </a:stretch>
+              </a:blipFill>
+            </p:spPr>
+            <p:txBody>
+              <a:bodyPr/>
+              <a:lstStyle/>
+              <a:p>
+                <a:r>
+                  <a:rPr lang="ru-RU">
+                    <a:noFill/>
+                  </a:rPr>
+                  <a:t> </a:t>
+                </a:r>
+              </a:p>
+            </p:txBody>
+          </p:sp>
+        </mc:Fallback>
+      </mc:AlternateContent>
+      <mc:AlternateContent xmlns:mc="http://schemas.openxmlformats.org/markup-compatibility/2006">
+        <mc:Choice xmlns:a14="http://schemas.microsoft.com/office/drawing/2010/main" Requires="a14">
+          <p:sp>
+            <p:nvSpPr>
+              <p:cNvPr id="8" name="TextBox 7">
+                <a:extLst>
+                  <a:ext uri="{FF2B5EF4-FFF2-40B4-BE49-F238E27FC236}">
+                    <a16:creationId xmlns:a16="http://schemas.microsoft.com/office/drawing/2014/main" id="{8BBD4F57-830D-415C-8430-123BF1FB3289}"/>
+                  </a:ext>
+                </a:extLst>
+              </p:cNvPr>
+              <p:cNvSpPr txBox="1"/>
+              <p:nvPr/>
+            </p:nvSpPr>
+            <p:spPr>
+              <a:xfrm>
+                <a:off x="5433147" y="3851267"/>
+                <a:ext cx="652007" cy="869405"/>
+              </a:xfrm>
+              <a:prstGeom prst="rect">
+                <a:avLst/>
+              </a:prstGeom>
+              <a:noFill/>
+            </p:spPr>
+            <p:txBody>
+              <a:bodyPr wrap="square" lIns="0" tIns="0" rIns="0" bIns="0" rtlCol="0">
+                <a:spAutoFit/>
+              </a:bodyPr>
+              <a:lstStyle/>
+              <a:p>
+                <a:pPr/>
+                <a14:m>
+                  <m:oMathPara xmlns:m="http://schemas.openxmlformats.org/officeDocument/2006/math">
+                    <m:oMathParaPr>
+                      <m:jc m:val="centerGroup"/>
+                    </m:oMathParaPr>
+                    <m:oMath xmlns:m="http://schemas.openxmlformats.org/officeDocument/2006/math">
+                      <m:f>
+                        <m:fPr>
+                          <m:ctrlPr>
+                            <a:rPr lang="ru-RU" sz="1400" i="1" smtClean="0">
+                              <a:effectLst/>
+                              <a:latin typeface="Cambria Math" panose="02040503050406030204" pitchFamily="18" charset="0"/>
+                              <a:ea typeface="Times New Roman" panose="02020603050405020304" pitchFamily="18" charset="0"/>
+                            </a:rPr>
+                          </m:ctrlPr>
+                        </m:fPr>
+                        <m:num>
+                          <m:r>
+                            <a:rPr lang="ru-RU" sz="1400" b="0" i="1" smtClean="0">
+                              <a:effectLst/>
+                              <a:latin typeface="Cambria Math" panose="02040503050406030204" pitchFamily="18" charset="0"/>
+                              <a:ea typeface="Times New Roman" panose="02020603050405020304" pitchFamily="18" charset="0"/>
+                            </a:rPr>
+                            <m:t>1</m:t>
+                          </m:r>
+                        </m:num>
+                        <m:den>
+                          <m:r>
+                            <a:rPr lang="ru-RU" sz="1400" i="1">
+                              <a:effectLst/>
+                              <a:latin typeface="Cambria Math" panose="02040503050406030204" pitchFamily="18" charset="0"/>
+                              <a:ea typeface="Times New Roman" panose="02020603050405020304" pitchFamily="18" charset="0"/>
+                              <a:cs typeface="Times New Roman" panose="02020603050405020304" pitchFamily="18" charset="0"/>
+                            </a:rPr>
+                            <m:t>𝑖</m:t>
+                          </m:r>
+                          <m:r>
+                            <m:rPr>
+                              <m:sty m:val="p"/>
+                            </m:rPr>
+                            <a:rPr lang="ru-RU" sz="1400">
+                              <a:effectLst/>
+                              <a:latin typeface="Cambria Math" panose="02040503050406030204" pitchFamily="18" charset="0"/>
+                              <a:ea typeface="Times New Roman" panose="02020603050405020304" pitchFamily="18" charset="0"/>
+                              <a:cs typeface="Times New Roman" panose="02020603050405020304" pitchFamily="18" charset="0"/>
+                            </a:rPr>
+                            <m:t>μ</m:t>
+                          </m:r>
+                        </m:den>
+                      </m:f>
+                    </m:oMath>
+                  </m:oMathPara>
+                </a14:m>
+                <a:endParaRPr lang="ru-RU" sz="1400" dirty="0">
+                  <a:effectLst/>
+                  <a:latin typeface="Times New Roman" panose="02020603050405020304" pitchFamily="18" charset="0"/>
+                  <a:ea typeface="Calibri" panose="020F0502020204030204" pitchFamily="34" charset="0"/>
+                  <a:cs typeface="Times New Roman" panose="02020603050405020304" pitchFamily="18" charset="0"/>
+                </a:endParaRPr>
+              </a:p>
+              <a:p>
+                <a:endParaRPr lang="ru-RU" sz="1400" dirty="0">
+                  <a:effectLst/>
+                  <a:latin typeface="Times New Roman" panose="02020603050405020304" pitchFamily="18" charset="0"/>
+                  <a:ea typeface="Calibri" panose="020F0502020204030204" pitchFamily="34" charset="0"/>
+                  <a:cs typeface="Times New Roman" panose="02020603050405020304" pitchFamily="18" charset="0"/>
+                </a:endParaRPr>
+              </a:p>
+              <a:p>
+                <a:endParaRPr lang="ru-RU" sz="1400" dirty="0"/>
+              </a:p>
+            </p:txBody>
+          </p:sp>
+        </mc:Choice>
+        <mc:Fallback>
+          <p:sp>
+            <p:nvSpPr>
+              <p:cNvPr id="8" name="TextBox 7">
+                <a:extLst>
+                  <a:ext uri="{FF2B5EF4-FFF2-40B4-BE49-F238E27FC236}">
+                    <a16:creationId xmlns:a16="http://schemas.microsoft.com/office/drawing/2014/main" id="{8BBD4F57-830D-415C-8430-123BF1FB3289}"/>
+                  </a:ext>
+                </a:extLst>
+              </p:cNvPr>
+              <p:cNvSpPr txBox="1">
+                <a:spLocks noRot="1" noChangeAspect="1" noMove="1" noResize="1" noEditPoints="1" noAdjustHandles="1" noChangeArrowheads="1" noChangeShapeType="1" noTextEdit="1"/>
+              </p:cNvSpPr>
+              <p:nvPr/>
+            </p:nvSpPr>
+            <p:spPr>
+              <a:xfrm>
+                <a:off x="5433147" y="3851267"/>
+                <a:ext cx="652007" cy="869405"/>
+              </a:xfrm>
+              <a:prstGeom prst="rect">
+                <a:avLst/>
+              </a:prstGeom>
+              <a:blipFill>
+                <a:blip r:embed="rId6"/>
+                <a:stretch>
+                  <a:fillRect/>
+                </a:stretch>
+              </a:blipFill>
+            </p:spPr>
+            <p:txBody>
+              <a:bodyPr/>
+              <a:lstStyle/>
+              <a:p>
+                <a:r>
+                  <a:rPr lang="ru-RU">
+                    <a:noFill/>
+                  </a:rPr>
+                  <a:t> </a:t>
+                </a:r>
+              </a:p>
+            </p:txBody>
+          </p:sp>
+        </mc:Fallback>
+      </mc:AlternateContent>
+      <p:sp>
+        <p:nvSpPr>
+          <p:cNvPr id="9" name="Прямоугольник 8">
+            <a:extLst>
+              <a:ext uri="{FF2B5EF4-FFF2-40B4-BE49-F238E27FC236}">
+                <a16:creationId xmlns:a16="http://schemas.microsoft.com/office/drawing/2014/main" id="{C40C1FA3-12D2-47E7-AEC3-5D982A6B9B7B}"/>
+              </a:ext>
+            </a:extLst>
+          </p:cNvPr>
+          <p:cNvSpPr/>
+          <p:nvPr/>
+        </p:nvSpPr>
+        <p:spPr>
+          <a:xfrm>
+            <a:off x="2218414" y="1821621"/>
+            <a:ext cx="1105232" cy="623761"/>
+          </a:xfrm>
+          <a:prstGeom prst="rect">
+            <a:avLst/>
+          </a:prstGeom>
+          <a:noFill/>
+          <a:ln>
+            <a:solidFill>
+              <a:schemeClr val="tx1"/>
+            </a:solidFill>
+          </a:ln>
+        </p:spPr>
+        <p:style>
+          <a:lnRef idx="2">
+            <a:schemeClr val="accent1">
+              <a:shade val="50000"/>
+            </a:schemeClr>
+          </a:lnRef>
+          <a:fillRef idx="1">
+            <a:schemeClr val="accent1"/>
+          </a:fillRef>
+          <a:effectRef idx="0">
+            <a:schemeClr val="accent1"/>
+          </a:effectRef>
+          <a:fontRef idx="minor">
+            <a:schemeClr val="lt1"/>
+          </a:fontRef>
+        </p:style>
+        <p:txBody>
+          <a:bodyPr rtlCol="0" anchor="ctr"/>
+          <a:lstStyle/>
+          <a:p>
+            <a:pPr algn="ctr"/>
+            <a:endParaRPr lang="ru-RU"/>
+          </a:p>
+        </p:txBody>
+      </p:sp>
+      <p:sp>
+        <p:nvSpPr>
+          <p:cNvPr id="10" name="Блок-схема: узел суммирования 9">
+            <a:extLst>
+              <a:ext uri="{FF2B5EF4-FFF2-40B4-BE49-F238E27FC236}">
+                <a16:creationId xmlns:a16="http://schemas.microsoft.com/office/drawing/2014/main" id="{B32A7342-F1C2-46D9-A343-F9EF3136284D}"/>
+              </a:ext>
+            </a:extLst>
+          </p:cNvPr>
+          <p:cNvSpPr/>
+          <p:nvPr/>
+        </p:nvSpPr>
+        <p:spPr>
+          <a:xfrm>
+            <a:off x="5204128" y="2010047"/>
+            <a:ext cx="238539" cy="246908"/>
+          </a:xfrm>
+          <a:prstGeom prst="flowChartSummingJunction">
+            <a:avLst/>
+          </a:prstGeom>
+          <a:noFill/>
+          <a:ln w="6350">
+            <a:solidFill>
+              <a:schemeClr val="tx1"/>
+            </a:solidFill>
+          </a:ln>
+        </p:spPr>
+        <p:style>
+          <a:lnRef idx="2">
+            <a:schemeClr val="accent1">
+              <a:shade val="50000"/>
+            </a:schemeClr>
+          </a:lnRef>
+          <a:fillRef idx="1">
+            <a:schemeClr val="accent1"/>
+          </a:fillRef>
+          <a:effectRef idx="0">
+            <a:schemeClr val="accent1"/>
+          </a:effectRef>
+          <a:fontRef idx="minor">
+            <a:schemeClr val="lt1"/>
+          </a:fontRef>
+        </p:style>
+        <p:txBody>
+          <a:bodyPr rtlCol="0" anchor="ctr"/>
+          <a:lstStyle/>
+          <a:p>
+            <a:pPr algn="ctr"/>
+            <a:endParaRPr lang="ru-RU">
+              <a:noFill/>
+            </a:endParaRPr>
+          </a:p>
+        </p:txBody>
+      </p:sp>
+      <p:sp>
+        <p:nvSpPr>
+          <p:cNvPr id="11" name="Прямоугольник 10">
+            <a:extLst>
+              <a:ext uri="{FF2B5EF4-FFF2-40B4-BE49-F238E27FC236}">
+                <a16:creationId xmlns:a16="http://schemas.microsoft.com/office/drawing/2014/main" id="{372DFFA7-0154-4019-B0F4-337C1C141AB4}"/>
+              </a:ext>
+            </a:extLst>
+          </p:cNvPr>
+          <p:cNvSpPr/>
+          <p:nvPr/>
+        </p:nvSpPr>
+        <p:spPr>
+          <a:xfrm>
+            <a:off x="4055165" y="1821621"/>
+            <a:ext cx="652007" cy="623761"/>
+          </a:xfrm>
+          <a:prstGeom prst="rect">
+            <a:avLst/>
+          </a:prstGeom>
+          <a:noFill/>
+          <a:ln>
+            <a:solidFill>
+              <a:schemeClr val="tx1"/>
+            </a:solidFill>
+          </a:ln>
+        </p:spPr>
+        <p:style>
+          <a:lnRef idx="2">
+            <a:schemeClr val="accent1">
+              <a:shade val="50000"/>
+            </a:schemeClr>
+          </a:lnRef>
+          <a:fillRef idx="1">
+            <a:schemeClr val="accent1"/>
+          </a:fillRef>
+          <a:effectRef idx="0">
+            <a:schemeClr val="accent1"/>
+          </a:effectRef>
+          <a:fontRef idx="minor">
+            <a:schemeClr val="lt1"/>
+          </a:fontRef>
+        </p:style>
+        <p:txBody>
+          <a:bodyPr rtlCol="0" anchor="ctr"/>
+          <a:lstStyle/>
+          <a:p>
+            <a:pPr algn="ctr"/>
+            <a:endParaRPr lang="ru-RU"/>
+          </a:p>
+        </p:txBody>
+      </p:sp>
+      <p:grpSp>
+        <p:nvGrpSpPr>
+          <p:cNvPr id="12" name="Группа 11">
+            <a:extLst>
+              <a:ext uri="{FF2B5EF4-FFF2-40B4-BE49-F238E27FC236}">
+                <a16:creationId xmlns:a16="http://schemas.microsoft.com/office/drawing/2014/main" id="{5E1353F4-A29F-4066-BEF7-CB680C655586}"/>
+              </a:ext>
+            </a:extLst>
+          </p:cNvPr>
+          <p:cNvGrpSpPr/>
+          <p:nvPr/>
+        </p:nvGrpSpPr>
+        <p:grpSpPr>
+          <a:xfrm>
+            <a:off x="7814920" y="3741267"/>
+            <a:ext cx="513972" cy="604091"/>
+            <a:chOff x="6520070" y="2824909"/>
+            <a:chExt cx="946205" cy="1033906"/>
+          </a:xfrm>
+        </p:grpSpPr>
+        <p:sp>
+          <p:nvSpPr>
+            <p:cNvPr id="13" name="Дуга 12">
+              <a:extLst>
+                <a:ext uri="{FF2B5EF4-FFF2-40B4-BE49-F238E27FC236}">
+                  <a16:creationId xmlns:a16="http://schemas.microsoft.com/office/drawing/2014/main" id="{B3768021-0927-4B47-ABFA-0286B6D3AACD}"/>
+                </a:ext>
+              </a:extLst>
+            </p:cNvPr>
+            <p:cNvSpPr/>
+            <p:nvPr/>
+          </p:nvSpPr>
+          <p:spPr>
+            <a:xfrm rot="16200000">
+              <a:off x="6720780" y="3286262"/>
+              <a:ext cx="516953" cy="628154"/>
+            </a:xfrm>
+            <a:prstGeom prst="arc">
+              <a:avLst/>
+            </a:prstGeom>
+            <a:ln>
+              <a:solidFill>
+                <a:schemeClr val="tx1"/>
+              </a:solidFill>
+            </a:ln>
+          </p:spPr>
+          <p:style>
+            <a:lnRef idx="1">
+              <a:schemeClr val="accent1"/>
+            </a:lnRef>
+            <a:fillRef idx="0">
+              <a:schemeClr val="accent1"/>
+            </a:fillRef>
+            <a:effectRef idx="0">
+              <a:schemeClr val="accent1"/>
+            </a:effectRef>
+            <a:fontRef idx="minor">
+              <a:schemeClr val="tx1"/>
+            </a:fontRef>
+          </p:style>
+          <p:txBody>
+            <a:bodyPr rtlCol="0" anchor="ctr"/>
+            <a:lstStyle/>
+            <a:p>
+              <a:pPr algn="ctr"/>
+              <a:endParaRPr lang="ru-RU"/>
+            </a:p>
+          </p:txBody>
+        </p:sp>
+        <p:sp>
+          <p:nvSpPr>
+            <p:cNvPr id="14" name="Дуга 13">
+              <a:extLst>
+                <a:ext uri="{FF2B5EF4-FFF2-40B4-BE49-F238E27FC236}">
+                  <a16:creationId xmlns:a16="http://schemas.microsoft.com/office/drawing/2014/main" id="{2B86C13C-AAD3-454E-B08F-667205FA554B}"/>
+                </a:ext>
+              </a:extLst>
+            </p:cNvPr>
+            <p:cNvSpPr/>
+            <p:nvPr/>
+          </p:nvSpPr>
+          <p:spPr>
+            <a:xfrm rot="5400000">
+              <a:off x="6730719" y="2769309"/>
+              <a:ext cx="516953" cy="628154"/>
+            </a:xfrm>
+            <a:prstGeom prst="arc">
+              <a:avLst/>
+            </a:prstGeom>
+            <a:ln>
+              <a:solidFill>
+                <a:schemeClr val="tx1"/>
+              </a:solidFill>
+            </a:ln>
+          </p:spPr>
+          <p:style>
+            <a:lnRef idx="1">
+              <a:schemeClr val="accent1"/>
+            </a:lnRef>
+            <a:fillRef idx="0">
+              <a:schemeClr val="accent1"/>
+            </a:fillRef>
+            <a:effectRef idx="0">
+              <a:schemeClr val="accent1"/>
+            </a:effectRef>
+            <a:fontRef idx="minor">
+              <a:schemeClr val="tx1"/>
+            </a:fontRef>
+          </p:style>
+          <p:txBody>
+            <a:bodyPr rtlCol="0" anchor="ctr"/>
+            <a:lstStyle/>
+            <a:p>
+              <a:pPr algn="ctr"/>
+              <a:endParaRPr lang="ru-RU"/>
+            </a:p>
+          </p:txBody>
+        </p:sp>
+        <p:cxnSp>
+          <p:nvCxnSpPr>
+            <p:cNvPr id="15" name="Прямая со стрелкой 14">
+              <a:extLst>
+                <a:ext uri="{FF2B5EF4-FFF2-40B4-BE49-F238E27FC236}">
+                  <a16:creationId xmlns:a16="http://schemas.microsoft.com/office/drawing/2014/main" id="{811C4E7E-56AC-4F50-899F-7769AD08BDE6}"/>
+                </a:ext>
+              </a:extLst>
+            </p:cNvPr>
+            <p:cNvCxnSpPr>
+              <a:cxnSpLocks/>
+            </p:cNvCxnSpPr>
+            <p:nvPr/>
+          </p:nvCxnSpPr>
+          <p:spPr>
+            <a:xfrm flipV="1">
+              <a:off x="6981245" y="2973788"/>
+              <a:ext cx="0" cy="699716"/>
+            </a:xfrm>
+            <a:prstGeom prst="straightConnector1">
+              <a:avLst/>
+            </a:prstGeom>
+            <a:ln>
+              <a:solidFill>
+                <a:schemeClr val="tx1"/>
+              </a:solidFill>
+              <a:tailEnd type="triangle"/>
+            </a:ln>
+          </p:spPr>
+          <p:style>
+            <a:lnRef idx="1">
+              <a:schemeClr val="accent1"/>
+            </a:lnRef>
+            <a:fillRef idx="0">
+              <a:schemeClr val="accent1"/>
+            </a:fillRef>
+            <a:effectRef idx="0">
+              <a:schemeClr val="accent1"/>
+            </a:effectRef>
+            <a:fontRef idx="minor">
+              <a:schemeClr val="tx1"/>
+            </a:fontRef>
+          </p:style>
+        </p:cxnSp>
+        <p:cxnSp>
+          <p:nvCxnSpPr>
+            <p:cNvPr id="16" name="Прямая со стрелкой 15">
+              <a:extLst>
+                <a:ext uri="{FF2B5EF4-FFF2-40B4-BE49-F238E27FC236}">
+                  <a16:creationId xmlns:a16="http://schemas.microsoft.com/office/drawing/2014/main" id="{B52CF45F-DBA9-42A1-8F87-0B4F6C9B6CFA}"/>
+                </a:ext>
+              </a:extLst>
+            </p:cNvPr>
+            <p:cNvCxnSpPr>
+              <a:cxnSpLocks/>
+            </p:cNvCxnSpPr>
+            <p:nvPr/>
+          </p:nvCxnSpPr>
+          <p:spPr>
+            <a:xfrm>
+              <a:off x="6601621" y="3341920"/>
+              <a:ext cx="794752" cy="0"/>
+            </a:xfrm>
+            <a:prstGeom prst="straightConnector1">
+              <a:avLst/>
+            </a:prstGeom>
+            <a:ln>
+              <a:solidFill>
+                <a:schemeClr val="tx1"/>
+              </a:solidFill>
+              <a:tailEnd type="triangle"/>
+            </a:ln>
+          </p:spPr>
+          <p:style>
+            <a:lnRef idx="1">
+              <a:schemeClr val="accent1"/>
+            </a:lnRef>
+            <a:fillRef idx="0">
+              <a:schemeClr val="accent1"/>
+            </a:fillRef>
+            <a:effectRef idx="0">
+              <a:schemeClr val="accent1"/>
+            </a:effectRef>
+            <a:fontRef idx="minor">
+              <a:schemeClr val="tx1"/>
+            </a:fontRef>
+          </p:style>
+        </p:cxnSp>
+        <p:sp>
+          <p:nvSpPr>
+            <p:cNvPr id="17" name="Прямоугольник 16">
+              <a:extLst>
+                <a:ext uri="{FF2B5EF4-FFF2-40B4-BE49-F238E27FC236}">
+                  <a16:creationId xmlns:a16="http://schemas.microsoft.com/office/drawing/2014/main" id="{ACABC5E8-AECC-4855-9078-7CF2D751AA34}"/>
+                </a:ext>
+              </a:extLst>
+            </p:cNvPr>
+            <p:cNvSpPr/>
+            <p:nvPr/>
+          </p:nvSpPr>
+          <p:spPr>
+            <a:xfrm>
+              <a:off x="6520070" y="2886324"/>
+              <a:ext cx="946205" cy="866692"/>
+            </a:xfrm>
+            <a:prstGeom prst="rect">
+              <a:avLst/>
+            </a:prstGeom>
+            <a:noFill/>
+            <a:ln>
+              <a:solidFill>
+                <a:schemeClr val="tx1"/>
+              </a:solidFill>
+            </a:ln>
+          </p:spPr>
+          <p:style>
+            <a:lnRef idx="2">
+              <a:schemeClr val="accent1">
+                <a:shade val="50000"/>
+              </a:schemeClr>
+            </a:lnRef>
+            <a:fillRef idx="1">
+              <a:schemeClr val="accent1"/>
+            </a:fillRef>
+            <a:effectRef idx="0">
+              <a:schemeClr val="accent1"/>
+            </a:effectRef>
+            <a:fontRef idx="minor">
+              <a:schemeClr val="lt1"/>
+            </a:fontRef>
+          </p:style>
+          <p:txBody>
+            <a:bodyPr rtlCol="0" anchor="ctr"/>
+            <a:lstStyle/>
+            <a:p>
+              <a:pPr algn="ctr"/>
+              <a:endParaRPr lang="ru-RU"/>
+            </a:p>
+          </p:txBody>
+        </p:sp>
+      </p:grpSp>
+      <p:sp>
+        <p:nvSpPr>
+          <p:cNvPr id="18" name="Прямоугольник 17">
+            <a:extLst>
+              <a:ext uri="{FF2B5EF4-FFF2-40B4-BE49-F238E27FC236}">
+                <a16:creationId xmlns:a16="http://schemas.microsoft.com/office/drawing/2014/main" id="{B7BDBF39-0184-410A-A922-6BA94FA85FBE}"/>
+              </a:ext>
+            </a:extLst>
+          </p:cNvPr>
+          <p:cNvSpPr/>
+          <p:nvPr/>
+        </p:nvSpPr>
+        <p:spPr>
+          <a:xfrm>
+            <a:off x="7707466" y="1803856"/>
+            <a:ext cx="652007" cy="623761"/>
+          </a:xfrm>
+          <a:prstGeom prst="rect">
+            <a:avLst/>
+          </a:prstGeom>
+          <a:noFill/>
+          <a:ln>
+            <a:solidFill>
+              <a:schemeClr val="tx1"/>
+            </a:solidFill>
+          </a:ln>
+        </p:spPr>
+        <p:style>
+          <a:lnRef idx="2">
+            <a:schemeClr val="accent1">
+              <a:shade val="50000"/>
+            </a:schemeClr>
+          </a:lnRef>
+          <a:fillRef idx="1">
+            <a:schemeClr val="accent1"/>
+          </a:fillRef>
+          <a:effectRef idx="0">
+            <a:schemeClr val="accent1"/>
+          </a:effectRef>
+          <a:fontRef idx="minor">
+            <a:schemeClr val="lt1"/>
+          </a:fontRef>
+        </p:style>
+        <p:txBody>
+          <a:bodyPr rtlCol="0" anchor="ctr"/>
+          <a:lstStyle/>
+          <a:p>
+            <a:pPr algn="ctr"/>
+            <a:endParaRPr lang="ru-RU"/>
+          </a:p>
+        </p:txBody>
+      </p:sp>
+      <mc:AlternateContent xmlns:mc="http://schemas.openxmlformats.org/markup-compatibility/2006">
+        <mc:Choice xmlns:a14="http://schemas.microsoft.com/office/drawing/2010/main" Requires="a14">
+          <p:sp>
+            <p:nvSpPr>
+              <p:cNvPr id="19" name="TextBox 18">
+                <a:extLst>
+                  <a:ext uri="{FF2B5EF4-FFF2-40B4-BE49-F238E27FC236}">
+                    <a16:creationId xmlns:a16="http://schemas.microsoft.com/office/drawing/2014/main" id="{2AB7E7B8-1F7B-49C7-87FE-E7FD9D12E901}"/>
+                  </a:ext>
+                </a:extLst>
+              </p:cNvPr>
+              <p:cNvSpPr txBox="1"/>
+              <p:nvPr/>
+            </p:nvSpPr>
+            <p:spPr>
+              <a:xfrm>
+                <a:off x="6573972" y="3879603"/>
+                <a:ext cx="658527" cy="443455"/>
+              </a:xfrm>
+              <a:prstGeom prst="rect">
+                <a:avLst/>
+              </a:prstGeom>
+              <a:noFill/>
+            </p:spPr>
+            <p:txBody>
+              <a:bodyPr wrap="square" lIns="0" tIns="0" rIns="0" bIns="0" rtlCol="0">
+                <a:spAutoFit/>
+              </a:bodyPr>
+              <a:lstStyle/>
+              <a:p>
+                <a:pPr/>
+                <a14:m>
+                  <m:oMathPara xmlns:m="http://schemas.openxmlformats.org/officeDocument/2006/math">
+                    <m:oMathParaPr>
+                      <m:jc m:val="centerGroup"/>
+                    </m:oMathParaPr>
+                    <m:oMath xmlns:m="http://schemas.openxmlformats.org/officeDocument/2006/math">
+                      <m:sSub>
+                        <m:sSubPr>
+                          <m:ctrlPr>
+                            <a:rPr lang="en-US" sz="1400" b="0" i="1" smtClean="0">
+                              <a:effectLst/>
+                              <a:latin typeface="Cambria Math" panose="02040503050406030204" pitchFamily="18" charset="0"/>
+                              <a:ea typeface="Calibri" panose="020F0502020204030204" pitchFamily="34" charset="0"/>
+                              <a:cs typeface="Times New Roman" panose="02020603050405020304" pitchFamily="18" charset="0"/>
+                            </a:rPr>
+                          </m:ctrlPr>
+                        </m:sSubPr>
+                        <m:e>
+                          <m:r>
+                            <a:rPr lang="en-US" sz="1400" b="0" i="1" smtClean="0">
+                              <a:effectLst/>
+                              <a:latin typeface="Cambria Math" panose="02040503050406030204" pitchFamily="18" charset="0"/>
+                              <a:ea typeface="Calibri" panose="020F0502020204030204" pitchFamily="34" charset="0"/>
+                              <a:cs typeface="Times New Roman" panose="02020603050405020304" pitchFamily="18" charset="0"/>
+                            </a:rPr>
+                            <m:t>𝑘</m:t>
+                          </m:r>
+                        </m:e>
+                        <m:sub>
+                          <m:r>
+                            <a:rPr lang="ru-RU" sz="1400" b="0" i="1" smtClean="0">
+                              <a:effectLst/>
+                              <a:latin typeface="Cambria Math" panose="02040503050406030204" pitchFamily="18" charset="0"/>
+                              <a:ea typeface="Calibri" panose="020F0502020204030204" pitchFamily="34" charset="0"/>
+                              <a:cs typeface="Times New Roman" panose="02020603050405020304" pitchFamily="18" charset="0"/>
+                            </a:rPr>
+                            <m:t>гд</m:t>
+                          </m:r>
+                        </m:sub>
+                      </m:sSub>
+                    </m:oMath>
+                  </m:oMathPara>
+                </a14:m>
+                <a:endParaRPr lang="ru-RU" sz="1400" dirty="0">
+                  <a:effectLst/>
+                  <a:latin typeface="Times New Roman" panose="02020603050405020304" pitchFamily="18" charset="0"/>
+                  <a:ea typeface="Calibri" panose="020F0502020204030204" pitchFamily="34" charset="0"/>
+                  <a:cs typeface="Times New Roman" panose="02020603050405020304" pitchFamily="18" charset="0"/>
+                </a:endParaRPr>
+              </a:p>
+              <a:p>
+                <a:endParaRPr lang="ru-RU" sz="1400" dirty="0"/>
+              </a:p>
+            </p:txBody>
+          </p:sp>
+        </mc:Choice>
+        <mc:Fallback>
+          <p:sp>
+            <p:nvSpPr>
+              <p:cNvPr id="19" name="TextBox 18">
+                <a:extLst>
+                  <a:ext uri="{FF2B5EF4-FFF2-40B4-BE49-F238E27FC236}">
+                    <a16:creationId xmlns:a16="http://schemas.microsoft.com/office/drawing/2014/main" id="{2AB7E7B8-1F7B-49C7-87FE-E7FD9D12E901}"/>
+                  </a:ext>
+                </a:extLst>
+              </p:cNvPr>
+              <p:cNvSpPr txBox="1">
+                <a:spLocks noRot="1" noChangeAspect="1" noMove="1" noResize="1" noEditPoints="1" noAdjustHandles="1" noChangeArrowheads="1" noChangeShapeType="1" noTextEdit="1"/>
+              </p:cNvSpPr>
+              <p:nvPr/>
+            </p:nvSpPr>
+            <p:spPr>
+              <a:xfrm>
+                <a:off x="6573972" y="3879603"/>
+                <a:ext cx="658527" cy="443455"/>
+              </a:xfrm>
+              <a:prstGeom prst="rect">
+                <a:avLst/>
+              </a:prstGeom>
+              <a:blipFill>
+                <a:blip r:embed="rId7"/>
+                <a:stretch>
+                  <a:fillRect/>
+                </a:stretch>
+              </a:blipFill>
+            </p:spPr>
+            <p:txBody>
+              <a:bodyPr/>
+              <a:lstStyle/>
+              <a:p>
+                <a:r>
+                  <a:rPr lang="ru-RU">
+                    <a:noFill/>
+                  </a:rPr>
+                  <a:t> </a:t>
+                </a:r>
+              </a:p>
+            </p:txBody>
+          </p:sp>
+        </mc:Fallback>
+      </mc:AlternateContent>
+      <p:sp>
+        <p:nvSpPr>
+          <p:cNvPr id="20" name="Прямоугольник 19">
+            <a:extLst>
+              <a:ext uri="{FF2B5EF4-FFF2-40B4-BE49-F238E27FC236}">
+                <a16:creationId xmlns:a16="http://schemas.microsoft.com/office/drawing/2014/main" id="{97BBEA40-811F-49E7-B8CC-2CBBA7F8A5AE}"/>
+              </a:ext>
+            </a:extLst>
+          </p:cNvPr>
+          <p:cNvSpPr/>
+          <p:nvPr/>
+        </p:nvSpPr>
+        <p:spPr>
+          <a:xfrm>
+            <a:off x="6667575" y="3784761"/>
+            <a:ext cx="578219" cy="517104"/>
+          </a:xfrm>
+          <a:prstGeom prst="rect">
+            <a:avLst/>
+          </a:prstGeom>
+          <a:noFill/>
+          <a:ln>
+            <a:solidFill>
+              <a:schemeClr val="tx1"/>
+            </a:solidFill>
+          </a:ln>
+        </p:spPr>
+        <p:style>
+          <a:lnRef idx="2">
+            <a:schemeClr val="accent1">
+              <a:shade val="50000"/>
+            </a:schemeClr>
+          </a:lnRef>
+          <a:fillRef idx="1">
+            <a:schemeClr val="accent1"/>
+          </a:fillRef>
+          <a:effectRef idx="0">
+            <a:schemeClr val="accent1"/>
+          </a:effectRef>
+          <a:fontRef idx="minor">
+            <a:schemeClr val="lt1"/>
+          </a:fontRef>
+        </p:style>
+        <p:txBody>
+          <a:bodyPr rtlCol="0" anchor="ctr"/>
+          <a:lstStyle/>
+          <a:p>
+            <a:pPr algn="ctr"/>
+            <a:endParaRPr lang="ru-RU"/>
+          </a:p>
+        </p:txBody>
+      </p:sp>
+      <p:sp>
+        <p:nvSpPr>
+          <p:cNvPr id="21" name="Прямоугольник 20">
+            <a:extLst>
+              <a:ext uri="{FF2B5EF4-FFF2-40B4-BE49-F238E27FC236}">
+                <a16:creationId xmlns:a16="http://schemas.microsoft.com/office/drawing/2014/main" id="{049036CD-2183-45DD-A268-5BA58113CE91}"/>
+              </a:ext>
+            </a:extLst>
+          </p:cNvPr>
+          <p:cNvSpPr/>
+          <p:nvPr/>
+        </p:nvSpPr>
+        <p:spPr>
+          <a:xfrm>
+            <a:off x="5939623" y="1803857"/>
+            <a:ext cx="818404" cy="641525"/>
+          </a:xfrm>
+          <a:prstGeom prst="rect">
+            <a:avLst/>
+          </a:prstGeom>
+          <a:noFill/>
+          <a:ln>
+            <a:solidFill>
+              <a:schemeClr val="tx1"/>
+            </a:solidFill>
+          </a:ln>
+        </p:spPr>
+        <p:style>
+          <a:lnRef idx="2">
+            <a:schemeClr val="accent1">
+              <a:shade val="50000"/>
+            </a:schemeClr>
+          </a:lnRef>
+          <a:fillRef idx="1">
+            <a:schemeClr val="accent1"/>
+          </a:fillRef>
+          <a:effectRef idx="0">
+            <a:schemeClr val="accent1"/>
+          </a:effectRef>
+          <a:fontRef idx="minor">
+            <a:schemeClr val="lt1"/>
+          </a:fontRef>
+        </p:style>
+        <p:txBody>
+          <a:bodyPr rtlCol="0" anchor="ctr"/>
+          <a:lstStyle/>
+          <a:p>
+            <a:pPr algn="ctr"/>
+            <a:endParaRPr lang="ru-RU"/>
+          </a:p>
+        </p:txBody>
+      </p:sp>
+      <p:cxnSp>
+        <p:nvCxnSpPr>
+          <p:cNvPr id="22" name="Прямая со стрелкой 21">
+            <a:extLst>
+              <a:ext uri="{FF2B5EF4-FFF2-40B4-BE49-F238E27FC236}">
+                <a16:creationId xmlns:a16="http://schemas.microsoft.com/office/drawing/2014/main" id="{D9458935-5D34-456C-B066-A1DFE0B01B35}"/>
+              </a:ext>
+            </a:extLst>
+          </p:cNvPr>
+          <p:cNvCxnSpPr>
+            <a:cxnSpLocks/>
+            <a:stCxn id="9" idx="3"/>
+          </p:cNvCxnSpPr>
+          <p:nvPr/>
+        </p:nvCxnSpPr>
+        <p:spPr>
+          <a:xfrm flipV="1">
+            <a:off x="3323646" y="2133501"/>
+            <a:ext cx="731519" cy="1"/>
+          </a:xfrm>
+          <a:prstGeom prst="straightConnector1">
+            <a:avLst/>
+          </a:prstGeom>
+          <a:ln>
+            <a:solidFill>
+              <a:schemeClr val="tx1"/>
+            </a:solidFill>
+            <a:tailEnd type="triangle"/>
+          </a:ln>
+        </p:spPr>
+        <p:style>
+          <a:lnRef idx="1">
+            <a:schemeClr val="accent1"/>
+          </a:lnRef>
+          <a:fillRef idx="0">
+            <a:schemeClr val="accent1"/>
+          </a:fillRef>
+          <a:effectRef idx="0">
+            <a:schemeClr val="accent1"/>
+          </a:effectRef>
+          <a:fontRef idx="minor">
+            <a:schemeClr val="tx1"/>
+          </a:fontRef>
+        </p:style>
+      </p:cxnSp>
+      <p:cxnSp>
+        <p:nvCxnSpPr>
+          <p:cNvPr id="23" name="Прямая со стрелкой 22">
+            <a:extLst>
+              <a:ext uri="{FF2B5EF4-FFF2-40B4-BE49-F238E27FC236}">
+                <a16:creationId xmlns:a16="http://schemas.microsoft.com/office/drawing/2014/main" id="{C0D96150-39CF-4BF6-9EC4-CB4711D4AA65}"/>
+              </a:ext>
+            </a:extLst>
+          </p:cNvPr>
+          <p:cNvCxnSpPr>
+            <a:cxnSpLocks/>
+            <a:endCxn id="10" idx="2"/>
+          </p:cNvCxnSpPr>
+          <p:nvPr/>
+        </p:nvCxnSpPr>
+        <p:spPr>
+          <a:xfrm flipV="1">
+            <a:off x="4711148" y="2133501"/>
+            <a:ext cx="492980" cy="2"/>
+          </a:xfrm>
+          <a:prstGeom prst="straightConnector1">
+            <a:avLst/>
+          </a:prstGeom>
+          <a:ln>
+            <a:solidFill>
+              <a:schemeClr val="tx1"/>
+            </a:solidFill>
+            <a:tailEnd type="triangle"/>
+          </a:ln>
+        </p:spPr>
+        <p:style>
+          <a:lnRef idx="1">
+            <a:schemeClr val="accent1"/>
+          </a:lnRef>
+          <a:fillRef idx="0">
+            <a:schemeClr val="accent1"/>
+          </a:fillRef>
+          <a:effectRef idx="0">
+            <a:schemeClr val="accent1"/>
+          </a:effectRef>
+          <a:fontRef idx="minor">
+            <a:schemeClr val="tx1"/>
+          </a:fontRef>
+        </p:style>
+      </p:cxnSp>
+      <p:cxnSp>
+        <p:nvCxnSpPr>
+          <p:cNvPr id="24" name="Прямая со стрелкой 23">
+            <a:extLst>
+              <a:ext uri="{FF2B5EF4-FFF2-40B4-BE49-F238E27FC236}">
+                <a16:creationId xmlns:a16="http://schemas.microsoft.com/office/drawing/2014/main" id="{2DA9FB7C-67A1-431D-9FAF-016012E4A91E}"/>
+              </a:ext>
+            </a:extLst>
+          </p:cNvPr>
+          <p:cNvCxnSpPr>
+            <a:cxnSpLocks/>
+          </p:cNvCxnSpPr>
+          <p:nvPr/>
+        </p:nvCxnSpPr>
+        <p:spPr>
+          <a:xfrm flipV="1">
+            <a:off x="5438691" y="2133501"/>
+            <a:ext cx="492980" cy="2"/>
+          </a:xfrm>
+          <a:prstGeom prst="straightConnector1">
+            <a:avLst/>
+          </a:prstGeom>
+          <a:ln>
+            <a:solidFill>
+              <a:schemeClr val="tx1"/>
+            </a:solidFill>
+            <a:tailEnd type="triangle"/>
+          </a:ln>
+        </p:spPr>
+        <p:style>
+          <a:lnRef idx="1">
+            <a:schemeClr val="accent1"/>
+          </a:lnRef>
+          <a:fillRef idx="0">
+            <a:schemeClr val="accent1"/>
+          </a:fillRef>
+          <a:effectRef idx="0">
+            <a:schemeClr val="accent1"/>
+          </a:effectRef>
+          <a:fontRef idx="minor">
+            <a:schemeClr val="tx1"/>
+          </a:fontRef>
+        </p:style>
+      </p:cxnSp>
+      <p:cxnSp>
+        <p:nvCxnSpPr>
+          <p:cNvPr id="25" name="Прямая со стрелкой 24">
+            <a:extLst>
+              <a:ext uri="{FF2B5EF4-FFF2-40B4-BE49-F238E27FC236}">
+                <a16:creationId xmlns:a16="http://schemas.microsoft.com/office/drawing/2014/main" id="{572C5DFE-660C-4AE2-995D-DA75FBA80BBF}"/>
+              </a:ext>
+            </a:extLst>
+          </p:cNvPr>
+          <p:cNvCxnSpPr>
+            <a:cxnSpLocks/>
+            <a:endCxn id="45" idx="1"/>
+          </p:cNvCxnSpPr>
+          <p:nvPr/>
+        </p:nvCxnSpPr>
+        <p:spPr>
+          <a:xfrm flipV="1">
+            <a:off x="8359472" y="2115738"/>
+            <a:ext cx="1341979" cy="17766"/>
+          </a:xfrm>
+          <a:prstGeom prst="straightConnector1">
+            <a:avLst/>
+          </a:prstGeom>
+          <a:ln>
+            <a:solidFill>
+              <a:schemeClr val="tx1"/>
+            </a:solidFill>
+            <a:tailEnd type="triangle"/>
+          </a:ln>
+        </p:spPr>
+        <p:style>
+          <a:lnRef idx="1">
+            <a:schemeClr val="accent1"/>
+          </a:lnRef>
+          <a:fillRef idx="0">
+            <a:schemeClr val="accent1"/>
+          </a:fillRef>
+          <a:effectRef idx="0">
+            <a:schemeClr val="accent1"/>
+          </a:effectRef>
+          <a:fontRef idx="minor">
+            <a:schemeClr val="tx1"/>
+          </a:fontRef>
+        </p:style>
+      </p:cxnSp>
+      <p:cxnSp>
+        <p:nvCxnSpPr>
+          <p:cNvPr id="26" name="Соединитель: уступ 25">
+            <a:extLst>
+              <a:ext uri="{FF2B5EF4-FFF2-40B4-BE49-F238E27FC236}">
+                <a16:creationId xmlns:a16="http://schemas.microsoft.com/office/drawing/2014/main" id="{C7711D45-0221-466B-A12C-F375B8C99DB3}"/>
+              </a:ext>
+            </a:extLst>
+          </p:cNvPr>
+          <p:cNvCxnSpPr>
+            <a:cxnSpLocks/>
+            <a:endCxn id="17" idx="3"/>
+          </p:cNvCxnSpPr>
+          <p:nvPr/>
+        </p:nvCxnSpPr>
+        <p:spPr>
+          <a:xfrm rot="5400000">
+            <a:off x="7782538" y="2679855"/>
+            <a:ext cx="1896846" cy="804138"/>
+          </a:xfrm>
+          <a:prstGeom prst="bentConnector2">
+            <a:avLst/>
+          </a:prstGeom>
+          <a:ln>
+            <a:solidFill>
+              <a:schemeClr val="tx1"/>
+            </a:solidFill>
+            <a:tailEnd type="triangle"/>
+          </a:ln>
+        </p:spPr>
+        <p:style>
+          <a:lnRef idx="1">
+            <a:schemeClr val="accent1"/>
+          </a:lnRef>
+          <a:fillRef idx="0">
+            <a:schemeClr val="accent1"/>
+          </a:fillRef>
+          <a:effectRef idx="0">
+            <a:schemeClr val="accent1"/>
+          </a:effectRef>
+          <a:fontRef idx="minor">
+            <a:schemeClr val="tx1"/>
+          </a:fontRef>
+        </p:style>
+      </p:cxnSp>
+      <p:sp>
+        <p:nvSpPr>
+          <p:cNvPr id="27" name="Блок-схема: узел суммирования 26">
+            <a:extLst>
+              <a:ext uri="{FF2B5EF4-FFF2-40B4-BE49-F238E27FC236}">
+                <a16:creationId xmlns:a16="http://schemas.microsoft.com/office/drawing/2014/main" id="{C3D4C454-BF56-4B8F-B563-5E79E69609CE}"/>
+              </a:ext>
+            </a:extLst>
+          </p:cNvPr>
+          <p:cNvSpPr/>
+          <p:nvPr/>
+        </p:nvSpPr>
+        <p:spPr>
+          <a:xfrm>
+            <a:off x="1490871" y="1992283"/>
+            <a:ext cx="238539" cy="246908"/>
+          </a:xfrm>
+          <a:prstGeom prst="flowChartSummingJunction">
+            <a:avLst/>
+          </a:prstGeom>
+          <a:noFill/>
+          <a:ln w="6350">
+            <a:solidFill>
+              <a:schemeClr val="tx1"/>
+            </a:solidFill>
+          </a:ln>
+        </p:spPr>
+        <p:style>
+          <a:lnRef idx="2">
+            <a:schemeClr val="accent1">
+              <a:shade val="50000"/>
+            </a:schemeClr>
+          </a:lnRef>
+          <a:fillRef idx="1">
+            <a:schemeClr val="accent1"/>
+          </a:fillRef>
+          <a:effectRef idx="0">
+            <a:schemeClr val="accent1"/>
+          </a:effectRef>
+          <a:fontRef idx="minor">
+            <a:schemeClr val="lt1"/>
+          </a:fontRef>
+        </p:style>
+        <p:txBody>
+          <a:bodyPr rtlCol="0" anchor="ctr"/>
+          <a:lstStyle/>
+          <a:p>
+            <a:pPr algn="ctr"/>
+            <a:endParaRPr lang="ru-RU">
+              <a:noFill/>
+            </a:endParaRPr>
+          </a:p>
+        </p:txBody>
+      </p:sp>
+      <p:cxnSp>
+        <p:nvCxnSpPr>
+          <p:cNvPr id="28" name="Соединитель: уступ 27">
+            <a:extLst>
+              <a:ext uri="{FF2B5EF4-FFF2-40B4-BE49-F238E27FC236}">
+                <a16:creationId xmlns:a16="http://schemas.microsoft.com/office/drawing/2014/main" id="{C18A048D-94F3-4AB2-9EA2-52DCEF210091}"/>
+              </a:ext>
+            </a:extLst>
+          </p:cNvPr>
+          <p:cNvCxnSpPr>
+            <a:cxnSpLocks/>
+            <a:stCxn id="21" idx="3"/>
+            <a:endCxn id="18" idx="1"/>
+          </p:cNvCxnSpPr>
+          <p:nvPr/>
+        </p:nvCxnSpPr>
+        <p:spPr>
+          <a:xfrm flipV="1">
+            <a:off x="6758027" y="2115737"/>
+            <a:ext cx="949439" cy="8883"/>
+          </a:xfrm>
+          <a:prstGeom prst="bentConnector3">
+            <a:avLst/>
+          </a:prstGeom>
+          <a:ln>
+            <a:solidFill>
+              <a:schemeClr val="tx1"/>
+            </a:solidFill>
+            <a:tailEnd type="triangle"/>
+          </a:ln>
+        </p:spPr>
+        <p:style>
+          <a:lnRef idx="1">
+            <a:schemeClr val="accent1"/>
+          </a:lnRef>
+          <a:fillRef idx="0">
+            <a:schemeClr val="accent1"/>
+          </a:fillRef>
+          <a:effectRef idx="0">
+            <a:schemeClr val="accent1"/>
+          </a:effectRef>
+          <a:fontRef idx="minor">
+            <a:schemeClr val="tx1"/>
+          </a:fontRef>
+        </p:style>
+      </p:cxnSp>
+      <mc:AlternateContent xmlns:mc="http://schemas.openxmlformats.org/markup-compatibility/2006">
+        <mc:Choice xmlns:a14="http://schemas.microsoft.com/office/drawing/2010/main" Requires="a14">
+          <p:sp>
+            <p:nvSpPr>
+              <p:cNvPr id="29" name="TextBox 28">
+                <a:extLst>
+                  <a:ext uri="{FF2B5EF4-FFF2-40B4-BE49-F238E27FC236}">
+                    <a16:creationId xmlns:a16="http://schemas.microsoft.com/office/drawing/2014/main" id="{1B93FEB6-3131-434B-8AC0-44941FEEEF8D}"/>
+                  </a:ext>
+                </a:extLst>
+              </p:cNvPr>
+              <p:cNvSpPr txBox="1"/>
+              <p:nvPr/>
+            </p:nvSpPr>
+            <p:spPr>
+              <a:xfrm>
+                <a:off x="2218414" y="3030796"/>
+                <a:ext cx="652007" cy="430887"/>
+              </a:xfrm>
+              <a:prstGeom prst="rect">
+                <a:avLst/>
+              </a:prstGeom>
+              <a:noFill/>
+            </p:spPr>
+            <p:txBody>
+              <a:bodyPr wrap="square" lIns="0" tIns="0" rIns="0" bIns="0" rtlCol="0">
+                <a:spAutoFit/>
+              </a:bodyPr>
+              <a:lstStyle/>
+              <a:p>
+                <a:pPr/>
+                <a14:m>
+                  <m:oMathPara xmlns:m="http://schemas.openxmlformats.org/officeDocument/2006/math">
+                    <m:oMathParaPr>
+                      <m:jc m:val="centerGroup"/>
+                    </m:oMathParaPr>
+                    <m:oMath xmlns:m="http://schemas.openxmlformats.org/officeDocument/2006/math">
+                      <m:sSub>
+                        <m:sSubPr>
+                          <m:ctrlPr>
+                            <a:rPr lang="en-US" sz="1400" b="0" i="1" smtClean="0">
+                              <a:effectLst/>
+                              <a:latin typeface="Cambria Math" panose="02040503050406030204" pitchFamily="18" charset="0"/>
+                              <a:ea typeface="Calibri" panose="020F0502020204030204" pitchFamily="34" charset="0"/>
+                              <a:cs typeface="Times New Roman" panose="02020603050405020304" pitchFamily="18" charset="0"/>
+                            </a:rPr>
+                          </m:ctrlPr>
+                        </m:sSubPr>
+                        <m:e>
+                          <m:r>
+                            <a:rPr lang="en-US" sz="1400" b="0" i="1" smtClean="0">
+                              <a:effectLst/>
+                              <a:latin typeface="Cambria Math" panose="02040503050406030204" pitchFamily="18" charset="0"/>
+                              <a:ea typeface="Calibri" panose="020F0502020204030204" pitchFamily="34" charset="0"/>
+                              <a:cs typeface="Times New Roman" panose="02020603050405020304" pitchFamily="18" charset="0"/>
+                            </a:rPr>
+                            <m:t>𝐾</m:t>
+                          </m:r>
+                        </m:e>
+                        <m:sub>
+                          <m:r>
+                            <a:rPr lang="en-US" sz="1400" b="0" i="1" smtClean="0">
+                              <a:effectLst/>
+                              <a:latin typeface="Cambria Math" panose="02040503050406030204" pitchFamily="18" charset="0"/>
+                              <a:ea typeface="Calibri" panose="020F0502020204030204" pitchFamily="34" charset="0"/>
+                              <a:cs typeface="Times New Roman" panose="02020603050405020304" pitchFamily="18" charset="0"/>
+                            </a:rPr>
+                            <m:t>𝑢</m:t>
+                          </m:r>
+                        </m:sub>
+                      </m:sSub>
+                    </m:oMath>
+                  </m:oMathPara>
+                </a14:m>
+                <a:endParaRPr lang="ru-RU" sz="1400" dirty="0">
+                  <a:effectLst/>
+                  <a:latin typeface="Times New Roman" panose="02020603050405020304" pitchFamily="18" charset="0"/>
+                  <a:ea typeface="Calibri" panose="020F0502020204030204" pitchFamily="34" charset="0"/>
+                  <a:cs typeface="Times New Roman" panose="02020603050405020304" pitchFamily="18" charset="0"/>
+                </a:endParaRPr>
+              </a:p>
+              <a:p>
+                <a:endParaRPr lang="ru-RU" sz="1400" dirty="0"/>
+              </a:p>
+            </p:txBody>
+          </p:sp>
+        </mc:Choice>
+        <mc:Fallback>
+          <p:sp>
+            <p:nvSpPr>
+              <p:cNvPr id="29" name="TextBox 28">
+                <a:extLst>
+                  <a:ext uri="{FF2B5EF4-FFF2-40B4-BE49-F238E27FC236}">
+                    <a16:creationId xmlns:a16="http://schemas.microsoft.com/office/drawing/2014/main" id="{1B93FEB6-3131-434B-8AC0-44941FEEEF8D}"/>
+                  </a:ext>
+                </a:extLst>
+              </p:cNvPr>
+              <p:cNvSpPr txBox="1">
+                <a:spLocks noRot="1" noChangeAspect="1" noMove="1" noResize="1" noEditPoints="1" noAdjustHandles="1" noChangeArrowheads="1" noChangeShapeType="1" noTextEdit="1"/>
+              </p:cNvSpPr>
+              <p:nvPr/>
+            </p:nvSpPr>
+            <p:spPr>
+              <a:xfrm>
+                <a:off x="2218414" y="3030796"/>
+                <a:ext cx="652007" cy="430887"/>
+              </a:xfrm>
+              <a:prstGeom prst="rect">
+                <a:avLst/>
+              </a:prstGeom>
+              <a:blipFill>
+                <a:blip r:embed="rId8"/>
+                <a:stretch>
+                  <a:fillRect/>
+                </a:stretch>
+              </a:blipFill>
+            </p:spPr>
+            <p:txBody>
+              <a:bodyPr/>
+              <a:lstStyle/>
+              <a:p>
+                <a:r>
+                  <a:rPr lang="ru-RU">
+                    <a:noFill/>
+                  </a:rPr>
+                  <a:t> </a:t>
+                </a:r>
+              </a:p>
+            </p:txBody>
+          </p:sp>
+        </mc:Fallback>
+      </mc:AlternateContent>
+      <p:sp>
+        <p:nvSpPr>
+          <p:cNvPr id="30" name="Прямоугольник 29">
+            <a:extLst>
+              <a:ext uri="{FF2B5EF4-FFF2-40B4-BE49-F238E27FC236}">
+                <a16:creationId xmlns:a16="http://schemas.microsoft.com/office/drawing/2014/main" id="{CBE30092-8EFD-48BE-ADC0-92D70DE66FDA}"/>
+              </a:ext>
+            </a:extLst>
+          </p:cNvPr>
+          <p:cNvSpPr/>
+          <p:nvPr/>
+        </p:nvSpPr>
+        <p:spPr>
+          <a:xfrm>
+            <a:off x="2218414" y="2837922"/>
+            <a:ext cx="652007" cy="623761"/>
+          </a:xfrm>
+          <a:prstGeom prst="rect">
+            <a:avLst/>
+          </a:prstGeom>
+          <a:noFill/>
+          <a:ln>
+            <a:solidFill>
+              <a:schemeClr val="tx1"/>
+            </a:solidFill>
+          </a:ln>
+        </p:spPr>
+        <p:style>
+          <a:lnRef idx="2">
+            <a:schemeClr val="accent1">
+              <a:shade val="50000"/>
+            </a:schemeClr>
+          </a:lnRef>
+          <a:fillRef idx="1">
+            <a:schemeClr val="accent1"/>
+          </a:fillRef>
+          <a:effectRef idx="0">
+            <a:schemeClr val="accent1"/>
+          </a:effectRef>
+          <a:fontRef idx="minor">
+            <a:schemeClr val="lt1"/>
+          </a:fontRef>
+        </p:style>
+        <p:txBody>
+          <a:bodyPr rtlCol="0" anchor="ctr"/>
+          <a:lstStyle/>
+          <a:p>
+            <a:pPr algn="ctr"/>
+            <a:endParaRPr lang="ru-RU"/>
+          </a:p>
+        </p:txBody>
+      </p:sp>
+      <p:cxnSp>
+        <p:nvCxnSpPr>
+          <p:cNvPr id="31" name="Соединитель: уступ 30">
+            <a:extLst>
+              <a:ext uri="{FF2B5EF4-FFF2-40B4-BE49-F238E27FC236}">
+                <a16:creationId xmlns:a16="http://schemas.microsoft.com/office/drawing/2014/main" id="{CC963D23-CEF5-430A-A885-CB56969CFF25}"/>
+              </a:ext>
+            </a:extLst>
+          </p:cNvPr>
+          <p:cNvCxnSpPr>
+            <a:cxnSpLocks/>
+            <a:stCxn id="27" idx="6"/>
+            <a:endCxn id="9" idx="1"/>
+          </p:cNvCxnSpPr>
+          <p:nvPr/>
+        </p:nvCxnSpPr>
+        <p:spPr>
+          <a:xfrm>
+            <a:off x="1729410" y="2115737"/>
+            <a:ext cx="489004" cy="17765"/>
+          </a:xfrm>
+          <a:prstGeom prst="bentConnector3">
+            <a:avLst>
+              <a:gd name="adj1" fmla="val 1219"/>
+            </a:avLst>
+          </a:prstGeom>
+          <a:ln>
+            <a:solidFill>
+              <a:schemeClr val="tx1"/>
+            </a:solidFill>
+            <a:tailEnd type="triangle"/>
+          </a:ln>
+        </p:spPr>
+        <p:style>
+          <a:lnRef idx="1">
+            <a:schemeClr val="accent1"/>
+          </a:lnRef>
+          <a:fillRef idx="0">
+            <a:schemeClr val="accent1"/>
+          </a:fillRef>
+          <a:effectRef idx="0">
+            <a:schemeClr val="accent1"/>
+          </a:effectRef>
+          <a:fontRef idx="minor">
+            <a:schemeClr val="tx1"/>
+          </a:fontRef>
+        </p:style>
+      </p:cxnSp>
+      <p:sp>
+        <p:nvSpPr>
+          <p:cNvPr id="32" name="Прямоугольник 31">
+            <a:extLst>
+              <a:ext uri="{FF2B5EF4-FFF2-40B4-BE49-F238E27FC236}">
+                <a16:creationId xmlns:a16="http://schemas.microsoft.com/office/drawing/2014/main" id="{4AF2CD32-A3AA-446D-A243-70AF4647D2AF}"/>
+              </a:ext>
+            </a:extLst>
+          </p:cNvPr>
+          <p:cNvSpPr/>
+          <p:nvPr/>
+        </p:nvSpPr>
+        <p:spPr>
+          <a:xfrm>
+            <a:off x="5502390" y="3789451"/>
+            <a:ext cx="578219" cy="517104"/>
+          </a:xfrm>
+          <a:prstGeom prst="rect">
+            <a:avLst/>
+          </a:prstGeom>
+          <a:noFill/>
+          <a:ln>
+            <a:solidFill>
+              <a:schemeClr val="tx1"/>
+            </a:solidFill>
+          </a:ln>
+        </p:spPr>
+        <p:style>
+          <a:lnRef idx="2">
+            <a:schemeClr val="accent1">
+              <a:shade val="50000"/>
+            </a:schemeClr>
+          </a:lnRef>
+          <a:fillRef idx="1">
+            <a:schemeClr val="accent1"/>
+          </a:fillRef>
+          <a:effectRef idx="0">
+            <a:schemeClr val="accent1"/>
+          </a:effectRef>
+          <a:fontRef idx="minor">
+            <a:schemeClr val="lt1"/>
+          </a:fontRef>
+        </p:style>
+        <p:txBody>
+          <a:bodyPr rtlCol="0" anchor="ctr"/>
+          <a:lstStyle/>
+          <a:p>
+            <a:pPr algn="ctr"/>
+            <a:endParaRPr lang="ru-RU"/>
+          </a:p>
+        </p:txBody>
+      </p:sp>
+      <p:sp>
+        <p:nvSpPr>
+          <p:cNvPr id="33" name="Прямоугольник 32">
+            <a:extLst>
+              <a:ext uri="{FF2B5EF4-FFF2-40B4-BE49-F238E27FC236}">
+                <a16:creationId xmlns:a16="http://schemas.microsoft.com/office/drawing/2014/main" id="{06E3F69D-1B7C-4A6D-9C75-9C135D3ABF86}"/>
+              </a:ext>
+            </a:extLst>
+          </p:cNvPr>
+          <p:cNvSpPr/>
+          <p:nvPr/>
+        </p:nvSpPr>
+        <p:spPr>
+          <a:xfrm>
+            <a:off x="3128546" y="460590"/>
+            <a:ext cx="578219" cy="517104"/>
+          </a:xfrm>
+          <a:prstGeom prst="rect">
+            <a:avLst/>
+          </a:prstGeom>
+          <a:noFill/>
+          <a:ln>
+            <a:solidFill>
+              <a:schemeClr val="tx1"/>
+            </a:solidFill>
+          </a:ln>
+        </p:spPr>
+        <p:style>
+          <a:lnRef idx="2">
+            <a:schemeClr val="accent1">
+              <a:shade val="50000"/>
+            </a:schemeClr>
+          </a:lnRef>
+          <a:fillRef idx="1">
+            <a:schemeClr val="accent1"/>
+          </a:fillRef>
+          <a:effectRef idx="0">
+            <a:schemeClr val="accent1"/>
+          </a:effectRef>
+          <a:fontRef idx="minor">
+            <a:schemeClr val="lt1"/>
+          </a:fontRef>
+        </p:style>
+        <p:txBody>
+          <a:bodyPr rtlCol="0" anchor="ctr"/>
+          <a:lstStyle/>
+          <a:p>
+            <a:pPr algn="ctr"/>
+            <a:endParaRPr lang="ru-RU"/>
+          </a:p>
+        </p:txBody>
+      </p:sp>
+      <mc:AlternateContent xmlns:mc="http://schemas.openxmlformats.org/markup-compatibility/2006">
+        <mc:Choice xmlns:a14="http://schemas.microsoft.com/office/drawing/2010/main" Requires="a14">
+          <p:sp>
+            <p:nvSpPr>
+              <p:cNvPr id="34" name="TextBox 33">
+                <a:extLst>
+                  <a:ext uri="{FF2B5EF4-FFF2-40B4-BE49-F238E27FC236}">
+                    <a16:creationId xmlns:a16="http://schemas.microsoft.com/office/drawing/2014/main" id="{9AF88876-4E15-4BD1-A580-24331DA8FF83}"/>
+                  </a:ext>
+                </a:extLst>
+              </p:cNvPr>
+              <p:cNvSpPr txBox="1"/>
+              <p:nvPr/>
+            </p:nvSpPr>
+            <p:spPr>
+              <a:xfrm>
+                <a:off x="3161522" y="587902"/>
+                <a:ext cx="512265" cy="430887"/>
+              </a:xfrm>
+              <a:prstGeom prst="rect">
+                <a:avLst/>
+              </a:prstGeom>
+              <a:noFill/>
+            </p:spPr>
+            <p:txBody>
+              <a:bodyPr wrap="square" lIns="0" tIns="0" rIns="0" bIns="0" rtlCol="0">
+                <a:spAutoFit/>
+              </a:bodyPr>
+              <a:lstStyle/>
+              <a:p>
+                <a:pPr/>
+                <a14:m>
+                  <m:oMathPara xmlns:m="http://schemas.openxmlformats.org/officeDocument/2006/math">
+                    <m:oMathParaPr>
+                      <m:jc m:val="centerGroup"/>
+                    </m:oMathParaPr>
+                    <m:oMath xmlns:m="http://schemas.openxmlformats.org/officeDocument/2006/math">
+                      <m:sSub>
+                        <m:sSubPr>
+                          <m:ctrlPr>
+                            <a:rPr lang="en-US" sz="1400" b="0" i="1" smtClean="0">
+                              <a:effectLst/>
+                              <a:latin typeface="Cambria Math" panose="02040503050406030204" pitchFamily="18" charset="0"/>
+                              <a:ea typeface="Calibri" panose="020F0502020204030204" pitchFamily="34" charset="0"/>
+                              <a:cs typeface="Times New Roman" panose="02020603050405020304" pitchFamily="18" charset="0"/>
+                            </a:rPr>
+                          </m:ctrlPr>
+                        </m:sSubPr>
+                        <m:e>
+                          <m:r>
+                            <a:rPr lang="ru-RU" sz="1400" b="0" i="1" smtClean="0">
+                              <a:effectLst/>
+                              <a:latin typeface="Cambria Math" panose="02040503050406030204" pitchFamily="18" charset="0"/>
+                              <a:ea typeface="Calibri" panose="020F0502020204030204" pitchFamily="34" charset="0"/>
+                              <a:cs typeface="Times New Roman" panose="02020603050405020304" pitchFamily="18" charset="0"/>
+                            </a:rPr>
+                            <m:t>М</m:t>
+                          </m:r>
+                        </m:e>
+                        <m:sub>
+                          <m:r>
+                            <a:rPr lang="ru-RU" sz="1400" b="0" i="1" smtClean="0">
+                              <a:effectLst/>
+                              <a:latin typeface="Cambria Math" panose="02040503050406030204" pitchFamily="18" charset="0"/>
+                              <a:ea typeface="Calibri" panose="020F0502020204030204" pitchFamily="34" charset="0"/>
+                              <a:cs typeface="Times New Roman" panose="02020603050405020304" pitchFamily="18" charset="0"/>
+                            </a:rPr>
+                            <m:t>в</m:t>
+                          </m:r>
+                        </m:sub>
+                      </m:sSub>
+                    </m:oMath>
+                  </m:oMathPara>
+                </a14:m>
+                <a:endParaRPr lang="ru-RU" sz="1400" dirty="0">
+                  <a:effectLst/>
+                  <a:latin typeface="Times New Roman" panose="02020603050405020304" pitchFamily="18" charset="0"/>
+                  <a:ea typeface="Calibri" panose="020F0502020204030204" pitchFamily="34" charset="0"/>
+                  <a:cs typeface="Times New Roman" panose="02020603050405020304" pitchFamily="18" charset="0"/>
+                </a:endParaRPr>
+              </a:p>
+              <a:p>
+                <a:endParaRPr lang="ru-RU" sz="1400" dirty="0"/>
+              </a:p>
+            </p:txBody>
+          </p:sp>
+        </mc:Choice>
+        <mc:Fallback>
+          <p:sp>
+            <p:nvSpPr>
+              <p:cNvPr id="34" name="TextBox 33">
+                <a:extLst>
+                  <a:ext uri="{FF2B5EF4-FFF2-40B4-BE49-F238E27FC236}">
+                    <a16:creationId xmlns:a16="http://schemas.microsoft.com/office/drawing/2014/main" id="{9AF88876-4E15-4BD1-A580-24331DA8FF83}"/>
+                  </a:ext>
+                </a:extLst>
+              </p:cNvPr>
+              <p:cNvSpPr txBox="1">
+                <a:spLocks noRot="1" noChangeAspect="1" noMove="1" noResize="1" noEditPoints="1" noAdjustHandles="1" noChangeArrowheads="1" noChangeShapeType="1" noTextEdit="1"/>
+              </p:cNvSpPr>
+              <p:nvPr/>
+            </p:nvSpPr>
+            <p:spPr>
+              <a:xfrm>
+                <a:off x="3161522" y="587902"/>
+                <a:ext cx="512265" cy="430887"/>
+              </a:xfrm>
+              <a:prstGeom prst="rect">
+                <a:avLst/>
+              </a:prstGeom>
+              <a:blipFill>
+                <a:blip r:embed="rId9"/>
+                <a:stretch>
+                  <a:fillRect/>
+                </a:stretch>
+              </a:blipFill>
+            </p:spPr>
+            <p:txBody>
+              <a:bodyPr/>
+              <a:lstStyle/>
+              <a:p>
+                <a:r>
+                  <a:rPr lang="ru-RU">
+                    <a:noFill/>
+                  </a:rPr>
+                  <a:t> </a:t>
+                </a:r>
+              </a:p>
+            </p:txBody>
+          </p:sp>
+        </mc:Fallback>
+      </mc:AlternateContent>
+      <p:cxnSp>
+        <p:nvCxnSpPr>
+          <p:cNvPr id="35" name="Соединитель: уступ 34">
+            <a:extLst>
+              <a:ext uri="{FF2B5EF4-FFF2-40B4-BE49-F238E27FC236}">
+                <a16:creationId xmlns:a16="http://schemas.microsoft.com/office/drawing/2014/main" id="{2205BC18-CB94-4EB1-8AC1-81C45238FC1B}"/>
+              </a:ext>
+            </a:extLst>
+          </p:cNvPr>
+          <p:cNvCxnSpPr>
+            <a:stCxn id="17" idx="1"/>
+            <a:endCxn id="20" idx="3"/>
+          </p:cNvCxnSpPr>
+          <p:nvPr/>
+        </p:nvCxnSpPr>
+        <p:spPr>
+          <a:xfrm rot="10800000" flipV="1">
+            <a:off x="7245794" y="4030347"/>
+            <a:ext cx="569126" cy="12966"/>
+          </a:xfrm>
+          <a:prstGeom prst="bentConnector3">
+            <a:avLst/>
+          </a:prstGeom>
+          <a:ln>
+            <a:solidFill>
+              <a:schemeClr val="tx1"/>
+            </a:solidFill>
+            <a:tailEnd type="triangle"/>
+          </a:ln>
+        </p:spPr>
+        <p:style>
+          <a:lnRef idx="1">
+            <a:schemeClr val="accent1"/>
+          </a:lnRef>
+          <a:fillRef idx="0">
+            <a:schemeClr val="accent1"/>
+          </a:fillRef>
+          <a:effectRef idx="0">
+            <a:schemeClr val="accent1"/>
+          </a:effectRef>
+          <a:fontRef idx="minor">
+            <a:schemeClr val="tx1"/>
+          </a:fontRef>
+        </p:style>
+      </p:cxnSp>
+      <p:cxnSp>
+        <p:nvCxnSpPr>
+          <p:cNvPr id="36" name="Соединитель: уступ 35">
+            <a:extLst>
+              <a:ext uri="{FF2B5EF4-FFF2-40B4-BE49-F238E27FC236}">
+                <a16:creationId xmlns:a16="http://schemas.microsoft.com/office/drawing/2014/main" id="{B21B4DD6-841E-4A32-8CF0-2089307D85AF}"/>
+              </a:ext>
+            </a:extLst>
+          </p:cNvPr>
+          <p:cNvCxnSpPr>
+            <a:stCxn id="20" idx="1"/>
+            <a:endCxn id="32" idx="3"/>
+          </p:cNvCxnSpPr>
+          <p:nvPr/>
+        </p:nvCxnSpPr>
+        <p:spPr>
+          <a:xfrm rot="10800000" flipV="1">
+            <a:off x="6080609" y="4043313"/>
+            <a:ext cx="586966" cy="4690"/>
+          </a:xfrm>
+          <a:prstGeom prst="bentConnector3">
+            <a:avLst/>
+          </a:prstGeom>
+          <a:ln>
+            <a:solidFill>
+              <a:schemeClr val="tx1"/>
+            </a:solidFill>
+            <a:tailEnd type="triangle"/>
+          </a:ln>
+        </p:spPr>
+        <p:style>
+          <a:lnRef idx="1">
+            <a:schemeClr val="accent1"/>
+          </a:lnRef>
+          <a:fillRef idx="0">
+            <a:schemeClr val="accent1"/>
+          </a:fillRef>
+          <a:effectRef idx="0">
+            <a:schemeClr val="accent1"/>
+          </a:effectRef>
+          <a:fontRef idx="minor">
+            <a:schemeClr val="tx1"/>
+          </a:fontRef>
+        </p:style>
+      </p:cxnSp>
+      <p:cxnSp>
+        <p:nvCxnSpPr>
+          <p:cNvPr id="37" name="Соединитель: уступ 36">
+            <a:extLst>
+              <a:ext uri="{FF2B5EF4-FFF2-40B4-BE49-F238E27FC236}">
+                <a16:creationId xmlns:a16="http://schemas.microsoft.com/office/drawing/2014/main" id="{2ED4B4A8-6DE9-47A7-A32D-AB3BC98E3A91}"/>
+              </a:ext>
+            </a:extLst>
+          </p:cNvPr>
+          <p:cNvCxnSpPr>
+            <a:stCxn id="32" idx="1"/>
+            <a:endCxn id="10" idx="4"/>
+          </p:cNvCxnSpPr>
+          <p:nvPr/>
+        </p:nvCxnSpPr>
+        <p:spPr>
+          <a:xfrm rot="10800000">
+            <a:off x="5323398" y="2256955"/>
+            <a:ext cx="178992" cy="1791048"/>
+          </a:xfrm>
+          <a:prstGeom prst="bentConnector2">
+            <a:avLst/>
+          </a:prstGeom>
+          <a:ln>
+            <a:solidFill>
+              <a:schemeClr val="tx1"/>
+            </a:solidFill>
+            <a:tailEnd type="triangle"/>
+          </a:ln>
+        </p:spPr>
+        <p:style>
+          <a:lnRef idx="1">
+            <a:schemeClr val="accent1"/>
+          </a:lnRef>
+          <a:fillRef idx="0">
+            <a:schemeClr val="accent1"/>
+          </a:fillRef>
+          <a:effectRef idx="0">
+            <a:schemeClr val="accent1"/>
+          </a:effectRef>
+          <a:fontRef idx="minor">
+            <a:schemeClr val="tx1"/>
+          </a:fontRef>
+        </p:style>
+      </p:cxnSp>
+      <p:cxnSp>
+        <p:nvCxnSpPr>
+          <p:cNvPr id="38" name="Прямая со стрелкой 37">
+            <a:extLst>
+              <a:ext uri="{FF2B5EF4-FFF2-40B4-BE49-F238E27FC236}">
+                <a16:creationId xmlns:a16="http://schemas.microsoft.com/office/drawing/2014/main" id="{682C09A1-8B35-4A3A-936D-D6C8E5DD00D7}"/>
+              </a:ext>
+            </a:extLst>
+          </p:cNvPr>
+          <p:cNvCxnSpPr>
+            <a:cxnSpLocks/>
+          </p:cNvCxnSpPr>
+          <p:nvPr/>
+        </p:nvCxnSpPr>
+        <p:spPr>
+          <a:xfrm>
+            <a:off x="779228" y="2115736"/>
+            <a:ext cx="711643" cy="0"/>
+          </a:xfrm>
+          <a:prstGeom prst="straightConnector1">
+            <a:avLst/>
+          </a:prstGeom>
+          <a:ln>
+            <a:solidFill>
+              <a:schemeClr val="tx1"/>
+            </a:solidFill>
+            <a:tailEnd type="triangle"/>
+          </a:ln>
+        </p:spPr>
+        <p:style>
+          <a:lnRef idx="1">
+            <a:schemeClr val="accent1"/>
+          </a:lnRef>
+          <a:fillRef idx="0">
+            <a:schemeClr val="accent1"/>
+          </a:fillRef>
+          <a:effectRef idx="0">
+            <a:schemeClr val="accent1"/>
+          </a:effectRef>
+          <a:fontRef idx="minor">
+            <a:schemeClr val="tx1"/>
+          </a:fontRef>
+        </p:style>
+      </p:cxnSp>
+      <mc:AlternateContent xmlns:mc="http://schemas.openxmlformats.org/markup-compatibility/2006">
+        <mc:Choice xmlns:a14="http://schemas.microsoft.com/office/drawing/2010/main" Requires="a14">
+          <p:sp>
+            <p:nvSpPr>
+              <p:cNvPr id="39" name="TextBox 38">
+                <a:extLst>
+                  <a:ext uri="{FF2B5EF4-FFF2-40B4-BE49-F238E27FC236}">
+                    <a16:creationId xmlns:a16="http://schemas.microsoft.com/office/drawing/2014/main" id="{ADB1CF13-F2D5-4047-BA54-745A90714932}"/>
+                  </a:ext>
+                </a:extLst>
+              </p:cNvPr>
+              <p:cNvSpPr txBox="1"/>
+              <p:nvPr/>
+            </p:nvSpPr>
+            <p:spPr>
+              <a:xfrm>
+                <a:off x="8757779" y="1699122"/>
+                <a:ext cx="652007" cy="450188"/>
+              </a:xfrm>
+              <a:prstGeom prst="rect">
+                <a:avLst/>
+              </a:prstGeom>
+              <a:noFill/>
+            </p:spPr>
+            <p:txBody>
+              <a:bodyPr wrap="square" lIns="0" tIns="0" rIns="0" bIns="0" rtlCol="0">
+                <a:spAutoFit/>
+              </a:bodyPr>
+              <a:lstStyle/>
+              <a:p>
+                <a:pPr/>
+                <a14:m>
+                  <m:oMathPara xmlns:m="http://schemas.openxmlformats.org/officeDocument/2006/math">
+                    <m:oMathParaPr>
+                      <m:jc m:val="centerGroup"/>
+                    </m:oMathParaPr>
+                    <m:oMath xmlns:m="http://schemas.openxmlformats.org/officeDocument/2006/math">
+                      <m:sSub>
+                        <m:sSubPr>
+                          <m:ctrlPr>
+                            <a:rPr lang="ru-RU" sz="1400" i="1" smtClean="0">
+                              <a:effectLst/>
+                              <a:latin typeface="Cambria Math" panose="02040503050406030204" pitchFamily="18" charset="0"/>
+                              <a:ea typeface="Times New Roman" panose="02020603050405020304" pitchFamily="18" charset="0"/>
+                            </a:rPr>
+                          </m:ctrlPr>
+                        </m:sSubPr>
+                        <m:e>
+                          <m:r>
+                            <m:rPr>
+                              <m:sty m:val="p"/>
+                            </m:rPr>
+                            <a:rPr lang="ru-RU" sz="1400">
+                              <a:effectLst/>
+                              <a:latin typeface="Cambria Math" panose="02040503050406030204" pitchFamily="18" charset="0"/>
+                              <a:ea typeface="Times New Roman" panose="02020603050405020304" pitchFamily="18" charset="0"/>
+                              <a:cs typeface="Times New Roman" panose="02020603050405020304" pitchFamily="18" charset="0"/>
+                            </a:rPr>
+                            <m:t>ω</m:t>
+                          </m:r>
+                        </m:e>
+                        <m:sub>
+                          <m:r>
+                            <a:rPr lang="ru-RU" sz="1400" i="1">
+                              <a:effectLst/>
+                              <a:latin typeface="Cambria Math" panose="02040503050406030204" pitchFamily="18" charset="0"/>
+                              <a:ea typeface="Times New Roman" panose="02020603050405020304" pitchFamily="18" charset="0"/>
+                              <a:cs typeface="Times New Roman" panose="02020603050405020304" pitchFamily="18" charset="0"/>
+                            </a:rPr>
+                            <m:t>ред</m:t>
+                          </m:r>
+                        </m:sub>
+                      </m:sSub>
+                    </m:oMath>
+                  </m:oMathPara>
+                </a14:m>
+                <a:endParaRPr lang="ru-RU" sz="1400" dirty="0">
+                  <a:effectLst/>
+                  <a:latin typeface="Times New Roman" panose="02020603050405020304" pitchFamily="18" charset="0"/>
+                  <a:ea typeface="Calibri" panose="020F0502020204030204" pitchFamily="34" charset="0"/>
+                  <a:cs typeface="Times New Roman" panose="02020603050405020304" pitchFamily="18" charset="0"/>
+                </a:endParaRPr>
+              </a:p>
+              <a:p>
+                <a:endParaRPr lang="ru-RU" sz="1400" dirty="0"/>
+              </a:p>
+            </p:txBody>
+          </p:sp>
+        </mc:Choice>
+        <mc:Fallback>
+          <p:sp>
+            <p:nvSpPr>
+              <p:cNvPr id="39" name="TextBox 38">
+                <a:extLst>
+                  <a:ext uri="{FF2B5EF4-FFF2-40B4-BE49-F238E27FC236}">
+                    <a16:creationId xmlns:a16="http://schemas.microsoft.com/office/drawing/2014/main" id="{ADB1CF13-F2D5-4047-BA54-745A90714932}"/>
+                  </a:ext>
+                </a:extLst>
+              </p:cNvPr>
+              <p:cNvSpPr txBox="1">
+                <a:spLocks noRot="1" noChangeAspect="1" noMove="1" noResize="1" noEditPoints="1" noAdjustHandles="1" noChangeArrowheads="1" noChangeShapeType="1" noTextEdit="1"/>
+              </p:cNvSpPr>
+              <p:nvPr/>
+            </p:nvSpPr>
+            <p:spPr>
+              <a:xfrm>
+                <a:off x="8757779" y="1699122"/>
+                <a:ext cx="652007" cy="450188"/>
+              </a:xfrm>
+              <a:prstGeom prst="rect">
+                <a:avLst/>
+              </a:prstGeom>
+              <a:blipFill>
+                <a:blip r:embed="rId10"/>
+                <a:stretch>
+                  <a:fillRect/>
+                </a:stretch>
+              </a:blipFill>
+            </p:spPr>
+            <p:txBody>
+              <a:bodyPr/>
+              <a:lstStyle/>
+              <a:p>
+                <a:r>
+                  <a:rPr lang="ru-RU">
+                    <a:noFill/>
+                  </a:rPr>
+                  <a:t> </a:t>
+                </a:r>
+              </a:p>
+            </p:txBody>
+          </p:sp>
+        </mc:Fallback>
+      </mc:AlternateContent>
+      <mc:AlternateContent xmlns:mc="http://schemas.openxmlformats.org/markup-compatibility/2006">
+        <mc:Choice xmlns:a14="http://schemas.microsoft.com/office/drawing/2010/main" Requires="a14">
+          <p:sp>
+            <p:nvSpPr>
+              <p:cNvPr id="40" name="TextBox 39">
+                <a:extLst>
+                  <a:ext uri="{FF2B5EF4-FFF2-40B4-BE49-F238E27FC236}">
+                    <a16:creationId xmlns:a16="http://schemas.microsoft.com/office/drawing/2014/main" id="{636CFC44-C999-4970-A843-108F154FF3FC}"/>
+                  </a:ext>
+                </a:extLst>
+              </p:cNvPr>
+              <p:cNvSpPr txBox="1"/>
+              <p:nvPr/>
+            </p:nvSpPr>
+            <p:spPr>
+              <a:xfrm>
+                <a:off x="713079" y="1796319"/>
+                <a:ext cx="652007" cy="430887"/>
+              </a:xfrm>
+              <a:prstGeom prst="rect">
+                <a:avLst/>
+              </a:prstGeom>
+              <a:noFill/>
+            </p:spPr>
+            <p:txBody>
+              <a:bodyPr wrap="square" lIns="0" tIns="0" rIns="0" bIns="0" rtlCol="0">
+                <a:spAutoFit/>
+              </a:bodyPr>
+              <a:lstStyle/>
+              <a:p>
+                <a:pPr/>
+                <a14:m>
+                  <m:oMathPara xmlns:m="http://schemas.openxmlformats.org/officeDocument/2006/math">
+                    <m:oMathParaPr>
+                      <m:jc m:val="centerGroup"/>
+                    </m:oMathParaPr>
+                    <m:oMath xmlns:m="http://schemas.openxmlformats.org/officeDocument/2006/math">
+                      <m:r>
+                        <a:rPr lang="en-US" sz="1400" b="0" i="1" smtClean="0">
+                          <a:effectLst/>
+                          <a:latin typeface="Cambria Math" panose="02040503050406030204" pitchFamily="18" charset="0"/>
+                          <a:ea typeface="Calibri" panose="020F0502020204030204" pitchFamily="34" charset="0"/>
+                          <a:cs typeface="Times New Roman" panose="02020603050405020304" pitchFamily="18" charset="0"/>
+                        </a:rPr>
+                        <m:t>𝑈</m:t>
+                      </m:r>
+                    </m:oMath>
+                  </m:oMathPara>
+                </a14:m>
+                <a:endParaRPr lang="ru-RU" sz="1400" dirty="0">
+                  <a:effectLst/>
+                  <a:latin typeface="Times New Roman" panose="02020603050405020304" pitchFamily="18" charset="0"/>
+                  <a:ea typeface="Calibri" panose="020F0502020204030204" pitchFamily="34" charset="0"/>
+                  <a:cs typeface="Times New Roman" panose="02020603050405020304" pitchFamily="18" charset="0"/>
+                </a:endParaRPr>
+              </a:p>
+              <a:p>
+                <a:endParaRPr lang="ru-RU" sz="1400" dirty="0"/>
+              </a:p>
+            </p:txBody>
+          </p:sp>
+        </mc:Choice>
+        <mc:Fallback>
+          <p:sp>
+            <p:nvSpPr>
+              <p:cNvPr id="40" name="TextBox 39">
+                <a:extLst>
+                  <a:ext uri="{FF2B5EF4-FFF2-40B4-BE49-F238E27FC236}">
+                    <a16:creationId xmlns:a16="http://schemas.microsoft.com/office/drawing/2014/main" id="{636CFC44-C999-4970-A843-108F154FF3FC}"/>
+                  </a:ext>
+                </a:extLst>
+              </p:cNvPr>
+              <p:cNvSpPr txBox="1">
+                <a:spLocks noRot="1" noChangeAspect="1" noMove="1" noResize="1" noEditPoints="1" noAdjustHandles="1" noChangeArrowheads="1" noChangeShapeType="1" noTextEdit="1"/>
+              </p:cNvSpPr>
+              <p:nvPr/>
+            </p:nvSpPr>
+            <p:spPr>
+              <a:xfrm>
+                <a:off x="713079" y="1796319"/>
+                <a:ext cx="652007" cy="430887"/>
+              </a:xfrm>
+              <a:prstGeom prst="rect">
+                <a:avLst/>
+              </a:prstGeom>
+              <a:blipFill>
+                <a:blip r:embed="rId11"/>
+                <a:stretch>
+                  <a:fillRect/>
+                </a:stretch>
+              </a:blipFill>
+            </p:spPr>
+            <p:txBody>
+              <a:bodyPr/>
+              <a:lstStyle/>
+              <a:p>
+                <a:r>
+                  <a:rPr lang="ru-RU">
+                    <a:noFill/>
+                  </a:rPr>
+                  <a:t> </a:t>
+                </a:r>
+              </a:p>
+            </p:txBody>
+          </p:sp>
+        </mc:Fallback>
+      </mc:AlternateContent>
+      <p:sp>
+        <p:nvSpPr>
+          <p:cNvPr id="41" name="TextBox 40">
+            <a:extLst>
+              <a:ext uri="{FF2B5EF4-FFF2-40B4-BE49-F238E27FC236}">
+                <a16:creationId xmlns:a16="http://schemas.microsoft.com/office/drawing/2014/main" id="{4F3D1C71-D88F-444E-A780-282D04841B7B}"/>
+              </a:ext>
+            </a:extLst>
+          </p:cNvPr>
+          <p:cNvSpPr txBox="1"/>
+          <p:nvPr/>
+        </p:nvSpPr>
+        <p:spPr>
+          <a:xfrm>
+            <a:off x="8847378" y="818209"/>
+            <a:ext cx="652007" cy="430887"/>
+          </a:xfrm>
+          <a:prstGeom prst="rect">
+            <a:avLst/>
+          </a:prstGeom>
+          <a:noFill/>
+        </p:spPr>
+        <p:txBody>
+          <a:bodyPr wrap="square" lIns="0" tIns="0" rIns="0" bIns="0" rtlCol="0">
+            <a:spAutoFit/>
+          </a:bodyPr>
+          <a:lstStyle/>
+          <a:p>
+            <a:endParaRPr lang="ru-RU" sz="1400" dirty="0">
+              <a:effectLst/>
+              <a:latin typeface="Times New Roman" panose="02020603050405020304" pitchFamily="18" charset="0"/>
+              <a:ea typeface="Calibri" panose="020F0502020204030204" pitchFamily="34" charset="0"/>
+              <a:cs typeface="Times New Roman" panose="02020603050405020304" pitchFamily="18" charset="0"/>
+            </a:endParaRPr>
+          </a:p>
+          <a:p>
+            <a:endParaRPr lang="ru-RU" sz="1400" dirty="0"/>
+          </a:p>
+        </p:txBody>
+      </p:sp>
+      <mc:AlternateContent xmlns:mc="http://schemas.openxmlformats.org/markup-compatibility/2006">
+        <mc:Choice xmlns:a14="http://schemas.microsoft.com/office/drawing/2010/main" Requires="a14">
+          <p:sp>
+            <p:nvSpPr>
+              <p:cNvPr id="42" name="TextBox 41">
+                <a:extLst>
+                  <a:ext uri="{FF2B5EF4-FFF2-40B4-BE49-F238E27FC236}">
+                    <a16:creationId xmlns:a16="http://schemas.microsoft.com/office/drawing/2014/main" id="{FEA36C42-4CE3-4FBE-B3C5-4DD6070DAAD2}"/>
+                  </a:ext>
+                </a:extLst>
+              </p:cNvPr>
+              <p:cNvSpPr txBox="1"/>
+              <p:nvPr/>
+            </p:nvSpPr>
+            <p:spPr>
+              <a:xfrm>
+                <a:off x="5244741" y="1690043"/>
+                <a:ext cx="652007" cy="443455"/>
+              </a:xfrm>
+              <a:prstGeom prst="rect">
+                <a:avLst/>
+              </a:prstGeom>
+              <a:noFill/>
+            </p:spPr>
+            <p:txBody>
+              <a:bodyPr wrap="square" lIns="0" tIns="0" rIns="0" bIns="0" rtlCol="0">
+                <a:spAutoFit/>
+              </a:bodyPr>
+              <a:lstStyle/>
+              <a:p>
+                <a:pPr/>
+                <a14:m>
+                  <m:oMathPara xmlns:m="http://schemas.openxmlformats.org/officeDocument/2006/math">
+                    <m:oMathParaPr>
+                      <m:jc m:val="centerGroup"/>
+                    </m:oMathParaPr>
+                    <m:oMath xmlns:m="http://schemas.openxmlformats.org/officeDocument/2006/math">
+                      <m:sSub>
+                        <m:sSubPr>
+                          <m:ctrlPr>
+                            <a:rPr lang="ru-RU" sz="1400" i="1" smtClean="0">
+                              <a:effectLst/>
+                              <a:latin typeface="Cambria Math" panose="02040503050406030204" pitchFamily="18" charset="0"/>
+                              <a:ea typeface="Times New Roman" panose="02020603050405020304" pitchFamily="18" charset="0"/>
+                            </a:rPr>
+                          </m:ctrlPr>
+                        </m:sSubPr>
+                        <m:e>
+                          <m:r>
+                            <a:rPr lang="ru-RU" sz="1400" b="0" i="1" smtClean="0">
+                              <a:effectLst/>
+                              <a:latin typeface="Cambria Math" panose="02040503050406030204" pitchFamily="18" charset="0"/>
+                              <a:ea typeface="Times New Roman" panose="02020603050405020304" pitchFamily="18" charset="0"/>
+                            </a:rPr>
+                            <m:t>М</m:t>
+                          </m:r>
+                        </m:e>
+                        <m:sub>
+                          <m:r>
+                            <a:rPr lang="ru-RU" sz="1400" b="0" i="1" smtClean="0">
+                              <a:effectLst/>
+                              <a:latin typeface="Cambria Math" panose="02040503050406030204" pitchFamily="18" charset="0"/>
+                              <a:ea typeface="Times New Roman" panose="02020603050405020304" pitchFamily="18" charset="0"/>
+                              <a:cs typeface="Times New Roman" panose="02020603050405020304" pitchFamily="18" charset="0"/>
+                            </a:rPr>
+                            <m:t>дв</m:t>
+                          </m:r>
+                        </m:sub>
+                      </m:sSub>
+                    </m:oMath>
+                  </m:oMathPara>
+                </a14:m>
+                <a:endParaRPr lang="ru-RU" sz="1400" dirty="0">
+                  <a:effectLst/>
+                  <a:latin typeface="Times New Roman" panose="02020603050405020304" pitchFamily="18" charset="0"/>
+                  <a:ea typeface="Calibri" panose="020F0502020204030204" pitchFamily="34" charset="0"/>
+                  <a:cs typeface="Times New Roman" panose="02020603050405020304" pitchFamily="18" charset="0"/>
+                </a:endParaRPr>
+              </a:p>
+              <a:p>
+                <a:endParaRPr lang="ru-RU" sz="1400" dirty="0"/>
+              </a:p>
+            </p:txBody>
+          </p:sp>
+        </mc:Choice>
+        <mc:Fallback>
+          <p:sp>
+            <p:nvSpPr>
+              <p:cNvPr id="42" name="TextBox 41">
+                <a:extLst>
+                  <a:ext uri="{FF2B5EF4-FFF2-40B4-BE49-F238E27FC236}">
+                    <a16:creationId xmlns:a16="http://schemas.microsoft.com/office/drawing/2014/main" id="{FEA36C42-4CE3-4FBE-B3C5-4DD6070DAAD2}"/>
+                  </a:ext>
+                </a:extLst>
+              </p:cNvPr>
+              <p:cNvSpPr txBox="1">
+                <a:spLocks noRot="1" noChangeAspect="1" noMove="1" noResize="1" noEditPoints="1" noAdjustHandles="1" noChangeArrowheads="1" noChangeShapeType="1" noTextEdit="1"/>
+              </p:cNvSpPr>
+              <p:nvPr/>
+            </p:nvSpPr>
+            <p:spPr>
+              <a:xfrm>
+                <a:off x="5244741" y="1690043"/>
+                <a:ext cx="652007" cy="443455"/>
+              </a:xfrm>
+              <a:prstGeom prst="rect">
+                <a:avLst/>
+              </a:prstGeom>
+              <a:blipFill>
+                <a:blip r:embed="rId12"/>
+                <a:stretch>
+                  <a:fillRect/>
+                </a:stretch>
+              </a:blipFill>
+            </p:spPr>
+            <p:txBody>
+              <a:bodyPr/>
+              <a:lstStyle/>
+              <a:p>
+                <a:r>
+                  <a:rPr lang="ru-RU">
+                    <a:noFill/>
+                  </a:rPr>
+                  <a:t> </a:t>
+                </a:r>
+              </a:p>
+            </p:txBody>
+          </p:sp>
+        </mc:Fallback>
+      </mc:AlternateContent>
+      <mc:AlternateContent xmlns:mc="http://schemas.openxmlformats.org/markup-compatibility/2006">
+        <mc:Choice xmlns:a14="http://schemas.microsoft.com/office/drawing/2010/main" Requires="a14">
+          <p:sp>
+            <p:nvSpPr>
+              <p:cNvPr id="43" name="TextBox 42">
+                <a:extLst>
+                  <a:ext uri="{FF2B5EF4-FFF2-40B4-BE49-F238E27FC236}">
+                    <a16:creationId xmlns:a16="http://schemas.microsoft.com/office/drawing/2014/main" id="{D7D0D28A-70A6-44D8-8C18-F1D6144775FA}"/>
+                  </a:ext>
+                </a:extLst>
+              </p:cNvPr>
+              <p:cNvSpPr txBox="1"/>
+              <p:nvPr/>
+            </p:nvSpPr>
+            <p:spPr>
+              <a:xfrm>
+                <a:off x="3332921" y="1803856"/>
+                <a:ext cx="652007" cy="430887"/>
+              </a:xfrm>
+              <a:prstGeom prst="rect">
+                <a:avLst/>
+              </a:prstGeom>
+              <a:noFill/>
+            </p:spPr>
+            <p:txBody>
+              <a:bodyPr wrap="square" lIns="0" tIns="0" rIns="0" bIns="0" rtlCol="0">
+                <a:spAutoFit/>
+              </a:bodyPr>
+              <a:lstStyle/>
+              <a:p>
+                <a:pPr/>
+                <a14:m>
+                  <m:oMathPara xmlns:m="http://schemas.openxmlformats.org/officeDocument/2006/math">
+                    <m:oMathParaPr>
+                      <m:jc m:val="centerGroup"/>
+                    </m:oMathParaPr>
+                    <m:oMath xmlns:m="http://schemas.openxmlformats.org/officeDocument/2006/math">
+                      <m:r>
+                        <a:rPr lang="en-US" sz="1400" b="0" i="1" smtClean="0">
+                          <a:effectLst/>
+                          <a:latin typeface="Cambria Math" panose="02040503050406030204" pitchFamily="18" charset="0"/>
+                          <a:ea typeface="Calibri" panose="020F0502020204030204" pitchFamily="34" charset="0"/>
+                          <a:cs typeface="Times New Roman" panose="02020603050405020304" pitchFamily="18" charset="0"/>
+                        </a:rPr>
+                        <m:t>𝑖</m:t>
+                      </m:r>
+                    </m:oMath>
+                  </m:oMathPara>
+                </a14:m>
+                <a:endParaRPr lang="ru-RU" sz="1400" dirty="0">
+                  <a:effectLst/>
+                  <a:latin typeface="Times New Roman" panose="02020603050405020304" pitchFamily="18" charset="0"/>
+                  <a:ea typeface="Calibri" panose="020F0502020204030204" pitchFamily="34" charset="0"/>
+                  <a:cs typeface="Times New Roman" panose="02020603050405020304" pitchFamily="18" charset="0"/>
+                </a:endParaRPr>
+              </a:p>
+              <a:p>
+                <a:endParaRPr lang="ru-RU" sz="1400" dirty="0"/>
+              </a:p>
+            </p:txBody>
+          </p:sp>
+        </mc:Choice>
+        <mc:Fallback>
+          <p:sp>
+            <p:nvSpPr>
+              <p:cNvPr id="43" name="TextBox 42">
+                <a:extLst>
+                  <a:ext uri="{FF2B5EF4-FFF2-40B4-BE49-F238E27FC236}">
+                    <a16:creationId xmlns:a16="http://schemas.microsoft.com/office/drawing/2014/main" id="{D7D0D28A-70A6-44D8-8C18-F1D6144775FA}"/>
+                  </a:ext>
+                </a:extLst>
+              </p:cNvPr>
+              <p:cNvSpPr txBox="1">
+                <a:spLocks noRot="1" noChangeAspect="1" noMove="1" noResize="1" noEditPoints="1" noAdjustHandles="1" noChangeArrowheads="1" noChangeShapeType="1" noTextEdit="1"/>
+              </p:cNvSpPr>
+              <p:nvPr/>
+            </p:nvSpPr>
+            <p:spPr>
+              <a:xfrm>
+                <a:off x="3332921" y="1803856"/>
+                <a:ext cx="652007" cy="430887"/>
+              </a:xfrm>
+              <a:prstGeom prst="rect">
+                <a:avLst/>
+              </a:prstGeom>
+              <a:blipFill>
+                <a:blip r:embed="rId13"/>
+                <a:stretch>
+                  <a:fillRect/>
+                </a:stretch>
+              </a:blipFill>
+            </p:spPr>
+            <p:txBody>
+              <a:bodyPr/>
+              <a:lstStyle/>
+              <a:p>
+                <a:r>
+                  <a:rPr lang="ru-RU">
+                    <a:noFill/>
+                  </a:rPr>
+                  <a:t> </a:t>
+                </a:r>
+              </a:p>
+            </p:txBody>
+          </p:sp>
+        </mc:Fallback>
+      </mc:AlternateContent>
+      <mc:AlternateContent xmlns:mc="http://schemas.openxmlformats.org/markup-compatibility/2006">
+        <mc:Choice xmlns:a14="http://schemas.microsoft.com/office/drawing/2010/main" Requires="a14">
+          <p:sp>
+            <p:nvSpPr>
+              <p:cNvPr id="44" name="TextBox 43">
+                <a:extLst>
+                  <a:ext uri="{FF2B5EF4-FFF2-40B4-BE49-F238E27FC236}">
+                    <a16:creationId xmlns:a16="http://schemas.microsoft.com/office/drawing/2014/main" id="{CB4198AF-D55C-4AD1-90EB-646D2CD79D83}"/>
+                  </a:ext>
+                </a:extLst>
+              </p:cNvPr>
+              <p:cNvSpPr txBox="1"/>
+              <p:nvPr/>
+            </p:nvSpPr>
+            <p:spPr>
+              <a:xfrm>
+                <a:off x="9701449" y="1893352"/>
+                <a:ext cx="652007" cy="835678"/>
+              </a:xfrm>
+              <a:prstGeom prst="rect">
+                <a:avLst/>
+              </a:prstGeom>
+              <a:noFill/>
+            </p:spPr>
+            <p:txBody>
+              <a:bodyPr wrap="square" lIns="0" tIns="0" rIns="0" bIns="0" rtlCol="0">
+                <a:spAutoFit/>
+              </a:bodyPr>
+              <a:lstStyle/>
+              <a:p>
+                <a:pPr/>
+                <a14:m>
+                  <m:oMathPara xmlns:m="http://schemas.openxmlformats.org/officeDocument/2006/math">
+                    <m:oMathParaPr>
+                      <m:jc m:val="centerGroup"/>
+                    </m:oMathParaPr>
+                    <m:oMath xmlns:m="http://schemas.openxmlformats.org/officeDocument/2006/math">
+                      <m:f>
+                        <m:fPr>
+                          <m:ctrlPr>
+                            <a:rPr lang="ru-RU" sz="1400" i="1" smtClean="0">
+                              <a:effectLst/>
+                              <a:latin typeface="Cambria Math" panose="02040503050406030204" pitchFamily="18" charset="0"/>
+                              <a:ea typeface="Calibri" panose="020F0502020204030204" pitchFamily="34" charset="0"/>
+                              <a:cs typeface="Times New Roman" panose="02020603050405020304" pitchFamily="18" charset="0"/>
+                            </a:rPr>
+                          </m:ctrlPr>
+                        </m:fPr>
+                        <m:num>
+                          <m:r>
+                            <a:rPr lang="en-US" sz="1400" i="1">
+                              <a:effectLst/>
+                              <a:latin typeface="Cambria Math" panose="02040503050406030204" pitchFamily="18" charset="0"/>
+                              <a:ea typeface="Calibri" panose="020F0502020204030204" pitchFamily="34" charset="0"/>
+                              <a:cs typeface="Times New Roman" panose="02020603050405020304" pitchFamily="18" charset="0"/>
+                            </a:rPr>
+                            <m:t>1</m:t>
+                          </m:r>
+                        </m:num>
+                        <m:den>
+                          <m:r>
+                            <a:rPr lang="en-US" sz="1400" i="1">
+                              <a:effectLst/>
+                              <a:latin typeface="Cambria Math" panose="02040503050406030204" pitchFamily="18" charset="0"/>
+                              <a:ea typeface="Calibri" panose="020F0502020204030204" pitchFamily="34" charset="0"/>
+                              <a:cs typeface="Times New Roman" panose="02020603050405020304" pitchFamily="18" charset="0"/>
+                            </a:rPr>
+                            <m:t>𝑠</m:t>
+                          </m:r>
+                        </m:den>
+                      </m:f>
+                    </m:oMath>
+                  </m:oMathPara>
+                </a14:m>
+                <a:endParaRPr lang="ru-RU" sz="1400" dirty="0">
+                  <a:effectLst/>
+                  <a:latin typeface="Times New Roman" panose="02020603050405020304" pitchFamily="18" charset="0"/>
+                  <a:ea typeface="Calibri" panose="020F0502020204030204" pitchFamily="34" charset="0"/>
+                  <a:cs typeface="Times New Roman" panose="02020603050405020304" pitchFamily="18" charset="0"/>
+                </a:endParaRPr>
+              </a:p>
+              <a:p>
+                <a:endParaRPr lang="ru-RU" sz="1400" dirty="0">
+                  <a:effectLst/>
+                  <a:latin typeface="Times New Roman" panose="02020603050405020304" pitchFamily="18" charset="0"/>
+                  <a:ea typeface="Calibri" panose="020F0502020204030204" pitchFamily="34" charset="0"/>
+                  <a:cs typeface="Times New Roman" panose="02020603050405020304" pitchFamily="18" charset="0"/>
+                </a:endParaRPr>
+              </a:p>
+              <a:p>
+                <a:endParaRPr lang="ru-RU" sz="1400" dirty="0"/>
+              </a:p>
+            </p:txBody>
+          </p:sp>
+        </mc:Choice>
+        <mc:Fallback>
+          <p:sp>
+            <p:nvSpPr>
+              <p:cNvPr id="44" name="TextBox 43">
+                <a:extLst>
+                  <a:ext uri="{FF2B5EF4-FFF2-40B4-BE49-F238E27FC236}">
+                    <a16:creationId xmlns:a16="http://schemas.microsoft.com/office/drawing/2014/main" id="{CB4198AF-D55C-4AD1-90EB-646D2CD79D83}"/>
+                  </a:ext>
+                </a:extLst>
+              </p:cNvPr>
+              <p:cNvSpPr txBox="1">
+                <a:spLocks noRot="1" noChangeAspect="1" noMove="1" noResize="1" noEditPoints="1" noAdjustHandles="1" noChangeArrowheads="1" noChangeShapeType="1" noTextEdit="1"/>
+              </p:cNvSpPr>
+              <p:nvPr/>
+            </p:nvSpPr>
+            <p:spPr>
+              <a:xfrm>
+                <a:off x="9701449" y="1893352"/>
+                <a:ext cx="652007" cy="835678"/>
+              </a:xfrm>
+              <a:prstGeom prst="rect">
+                <a:avLst/>
+              </a:prstGeom>
+              <a:blipFill>
+                <a:blip r:embed="rId14"/>
+                <a:stretch>
+                  <a:fillRect t="-730"/>
+                </a:stretch>
+              </a:blipFill>
+            </p:spPr>
+            <p:txBody>
+              <a:bodyPr/>
+              <a:lstStyle/>
+              <a:p>
+                <a:r>
+                  <a:rPr lang="ru-RU">
+                    <a:noFill/>
+                  </a:rPr>
+                  <a:t> </a:t>
+                </a:r>
+              </a:p>
+            </p:txBody>
+          </p:sp>
+        </mc:Fallback>
+      </mc:AlternateContent>
+      <p:sp>
+        <p:nvSpPr>
+          <p:cNvPr id="45" name="Прямоугольник 44">
+            <a:extLst>
+              <a:ext uri="{FF2B5EF4-FFF2-40B4-BE49-F238E27FC236}">
+                <a16:creationId xmlns:a16="http://schemas.microsoft.com/office/drawing/2014/main" id="{3883A57B-7C18-4B28-9BC6-D2050F242F8A}"/>
+              </a:ext>
+            </a:extLst>
+          </p:cNvPr>
+          <p:cNvSpPr/>
+          <p:nvPr/>
+        </p:nvSpPr>
+        <p:spPr>
+          <a:xfrm>
+            <a:off x="9701451" y="1803857"/>
+            <a:ext cx="652007" cy="623761"/>
+          </a:xfrm>
+          <a:prstGeom prst="rect">
+            <a:avLst/>
+          </a:prstGeom>
+          <a:noFill/>
+          <a:ln>
+            <a:solidFill>
+              <a:schemeClr val="tx1"/>
+            </a:solidFill>
+          </a:ln>
+        </p:spPr>
+        <p:style>
+          <a:lnRef idx="2">
+            <a:schemeClr val="accent1">
+              <a:shade val="50000"/>
+            </a:schemeClr>
+          </a:lnRef>
+          <a:fillRef idx="1">
+            <a:schemeClr val="accent1"/>
+          </a:fillRef>
+          <a:effectRef idx="0">
+            <a:schemeClr val="accent1"/>
+          </a:effectRef>
+          <a:fontRef idx="minor">
+            <a:schemeClr val="lt1"/>
+          </a:fontRef>
+        </p:style>
+        <p:txBody>
+          <a:bodyPr rtlCol="0" anchor="ctr"/>
+          <a:lstStyle/>
+          <a:p>
+            <a:pPr algn="ctr"/>
+            <a:endParaRPr lang="ru-RU"/>
+          </a:p>
+        </p:txBody>
+      </p:sp>
+      <p:cxnSp>
+        <p:nvCxnSpPr>
+          <p:cNvPr id="46" name="Прямая со стрелкой 45">
+            <a:extLst>
+              <a:ext uri="{FF2B5EF4-FFF2-40B4-BE49-F238E27FC236}">
+                <a16:creationId xmlns:a16="http://schemas.microsoft.com/office/drawing/2014/main" id="{C20D7C31-2E4C-443B-A648-32BC0337FC25}"/>
+              </a:ext>
+            </a:extLst>
+          </p:cNvPr>
+          <p:cNvCxnSpPr/>
+          <p:nvPr/>
+        </p:nvCxnSpPr>
+        <p:spPr>
+          <a:xfrm flipV="1">
+            <a:off x="10353456" y="2115735"/>
+            <a:ext cx="731519" cy="1"/>
+          </a:xfrm>
+          <a:prstGeom prst="straightConnector1">
+            <a:avLst/>
+          </a:prstGeom>
+          <a:ln>
+            <a:solidFill>
+              <a:schemeClr val="tx1"/>
+            </a:solidFill>
+            <a:tailEnd type="triangle"/>
+          </a:ln>
+        </p:spPr>
+        <p:style>
+          <a:lnRef idx="1">
+            <a:schemeClr val="accent1"/>
+          </a:lnRef>
+          <a:fillRef idx="0">
+            <a:schemeClr val="accent1"/>
+          </a:fillRef>
+          <a:effectRef idx="0">
+            <a:schemeClr val="accent1"/>
+          </a:effectRef>
+          <a:fontRef idx="minor">
+            <a:schemeClr val="tx1"/>
+          </a:fontRef>
+        </p:style>
+      </p:cxnSp>
+      <mc:AlternateContent xmlns:mc="http://schemas.openxmlformats.org/markup-compatibility/2006">
+        <mc:Choice xmlns:a14="http://schemas.microsoft.com/office/drawing/2010/main" Requires="a14">
+          <p:sp>
+            <p:nvSpPr>
+              <p:cNvPr id="47" name="TextBox 46">
+                <a:extLst>
+                  <a:ext uri="{FF2B5EF4-FFF2-40B4-BE49-F238E27FC236}">
+                    <a16:creationId xmlns:a16="http://schemas.microsoft.com/office/drawing/2014/main" id="{7BE5FBE0-C79A-4BBF-B7F1-3024F6D8C332}"/>
+                  </a:ext>
+                </a:extLst>
+              </p:cNvPr>
+              <p:cNvSpPr txBox="1"/>
+              <p:nvPr/>
+            </p:nvSpPr>
+            <p:spPr>
+              <a:xfrm>
+                <a:off x="6790412" y="1699122"/>
+                <a:ext cx="652007" cy="443455"/>
+              </a:xfrm>
+              <a:prstGeom prst="rect">
+                <a:avLst/>
+              </a:prstGeom>
+              <a:noFill/>
+            </p:spPr>
+            <p:txBody>
+              <a:bodyPr wrap="square" lIns="0" tIns="0" rIns="0" bIns="0" rtlCol="0">
+                <a:spAutoFit/>
+              </a:bodyPr>
+              <a:lstStyle/>
+              <a:p>
+                <a:pPr/>
+                <a14:m>
+                  <m:oMathPara xmlns:m="http://schemas.openxmlformats.org/officeDocument/2006/math">
+                    <m:oMathParaPr>
+                      <m:jc m:val="centerGroup"/>
+                    </m:oMathParaPr>
+                    <m:oMath xmlns:m="http://schemas.openxmlformats.org/officeDocument/2006/math">
+                      <m:sSub>
+                        <m:sSubPr>
+                          <m:ctrlPr>
+                            <a:rPr lang="ru-RU" sz="1400" i="1" smtClean="0">
+                              <a:effectLst/>
+                              <a:latin typeface="Cambria Math" panose="02040503050406030204" pitchFamily="18" charset="0"/>
+                              <a:ea typeface="Times New Roman" panose="02020603050405020304" pitchFamily="18" charset="0"/>
+                            </a:rPr>
+                          </m:ctrlPr>
+                        </m:sSubPr>
+                        <m:e>
+                          <m:r>
+                            <m:rPr>
+                              <m:sty m:val="p"/>
+                            </m:rPr>
+                            <a:rPr lang="ru-RU" sz="1400">
+                              <a:effectLst/>
+                              <a:latin typeface="Cambria Math" panose="02040503050406030204" pitchFamily="18" charset="0"/>
+                              <a:ea typeface="Times New Roman" panose="02020603050405020304" pitchFamily="18" charset="0"/>
+                              <a:cs typeface="Times New Roman" panose="02020603050405020304" pitchFamily="18" charset="0"/>
+                            </a:rPr>
+                            <m:t>ω</m:t>
+                          </m:r>
+                        </m:e>
+                        <m:sub>
+                          <m:r>
+                            <a:rPr lang="ru-RU" sz="1400" b="0" i="1" smtClean="0">
+                              <a:effectLst/>
+                              <a:latin typeface="Cambria Math" panose="02040503050406030204" pitchFamily="18" charset="0"/>
+                              <a:ea typeface="Times New Roman" panose="02020603050405020304" pitchFamily="18" charset="0"/>
+                              <a:cs typeface="Times New Roman" panose="02020603050405020304" pitchFamily="18" charset="0"/>
+                            </a:rPr>
+                            <m:t>дв</m:t>
+                          </m:r>
+                        </m:sub>
+                      </m:sSub>
+                    </m:oMath>
+                  </m:oMathPara>
+                </a14:m>
+                <a:endParaRPr lang="ru-RU" sz="1400" dirty="0">
+                  <a:effectLst/>
+                  <a:latin typeface="Times New Roman" panose="02020603050405020304" pitchFamily="18" charset="0"/>
+                  <a:ea typeface="Calibri" panose="020F0502020204030204" pitchFamily="34" charset="0"/>
+                  <a:cs typeface="Times New Roman" panose="02020603050405020304" pitchFamily="18" charset="0"/>
+                </a:endParaRPr>
+              </a:p>
+              <a:p>
+                <a:endParaRPr lang="ru-RU" sz="1400" dirty="0"/>
+              </a:p>
+            </p:txBody>
+          </p:sp>
+        </mc:Choice>
+        <mc:Fallback>
+          <p:sp>
+            <p:nvSpPr>
+              <p:cNvPr id="47" name="TextBox 46">
+                <a:extLst>
+                  <a:ext uri="{FF2B5EF4-FFF2-40B4-BE49-F238E27FC236}">
+                    <a16:creationId xmlns:a16="http://schemas.microsoft.com/office/drawing/2014/main" id="{7BE5FBE0-C79A-4BBF-B7F1-3024F6D8C332}"/>
+                  </a:ext>
+                </a:extLst>
+              </p:cNvPr>
+              <p:cNvSpPr txBox="1">
+                <a:spLocks noRot="1" noChangeAspect="1" noMove="1" noResize="1" noEditPoints="1" noAdjustHandles="1" noChangeArrowheads="1" noChangeShapeType="1" noTextEdit="1"/>
+              </p:cNvSpPr>
+              <p:nvPr/>
+            </p:nvSpPr>
+            <p:spPr>
+              <a:xfrm>
+                <a:off x="6790412" y="1699122"/>
+                <a:ext cx="652007" cy="443455"/>
+              </a:xfrm>
+              <a:prstGeom prst="rect">
+                <a:avLst/>
+              </a:prstGeom>
+              <a:blipFill>
+                <a:blip r:embed="rId15"/>
+                <a:stretch>
+                  <a:fillRect/>
+                </a:stretch>
+              </a:blipFill>
+            </p:spPr>
+            <p:txBody>
+              <a:bodyPr/>
+              <a:lstStyle/>
+              <a:p>
+                <a:r>
+                  <a:rPr lang="ru-RU">
+                    <a:noFill/>
+                  </a:rPr>
+                  <a:t> </a:t>
+                </a:r>
+              </a:p>
+            </p:txBody>
+          </p:sp>
+        </mc:Fallback>
+      </mc:AlternateContent>
+      <mc:AlternateContent xmlns:mc="http://schemas.openxmlformats.org/markup-compatibility/2006">
+        <mc:Choice xmlns:a14="http://schemas.microsoft.com/office/drawing/2010/main" Requires="a14">
+          <p:sp>
+            <p:nvSpPr>
+              <p:cNvPr id="48" name="TextBox 47">
+                <a:extLst>
+                  <a:ext uri="{FF2B5EF4-FFF2-40B4-BE49-F238E27FC236}">
+                    <a16:creationId xmlns:a16="http://schemas.microsoft.com/office/drawing/2014/main" id="{EC0157BA-EAD7-44F8-8893-658145D2750B}"/>
+                  </a:ext>
+                </a:extLst>
+              </p:cNvPr>
+              <p:cNvSpPr txBox="1"/>
+              <p:nvPr/>
+            </p:nvSpPr>
+            <p:spPr>
+              <a:xfrm>
+                <a:off x="10415388" y="1684848"/>
+                <a:ext cx="652007" cy="430887"/>
+              </a:xfrm>
+              <a:prstGeom prst="rect">
+                <a:avLst/>
+              </a:prstGeom>
+              <a:noFill/>
+            </p:spPr>
+            <p:txBody>
+              <a:bodyPr wrap="square" lIns="0" tIns="0" rIns="0" bIns="0" rtlCol="0">
+                <a:spAutoFit/>
+              </a:bodyPr>
+              <a:lstStyle/>
+              <a:p>
+                <a:pPr/>
+                <a14:m>
+                  <m:oMathPara xmlns:m="http://schemas.openxmlformats.org/officeDocument/2006/math">
+                    <m:oMathParaPr>
+                      <m:jc m:val="centerGroup"/>
+                    </m:oMathParaPr>
+                    <m:oMath xmlns:m="http://schemas.openxmlformats.org/officeDocument/2006/math">
+                      <m:r>
+                        <m:rPr>
+                          <m:sty m:val="p"/>
+                        </m:rPr>
+                        <a:rPr lang="el-GR" sz="1400" i="1" smtClean="0">
+                          <a:effectLst/>
+                          <a:latin typeface="Cambria Math" panose="02040503050406030204" pitchFamily="18" charset="0"/>
+                          <a:ea typeface="Cambria Math" panose="02040503050406030204" pitchFamily="18" charset="0"/>
+                        </a:rPr>
+                        <m:t>α</m:t>
+                      </m:r>
+                    </m:oMath>
+                  </m:oMathPara>
+                </a14:m>
+                <a:endParaRPr lang="ru-RU" sz="1400" dirty="0">
+                  <a:effectLst/>
+                  <a:latin typeface="Times New Roman" panose="02020603050405020304" pitchFamily="18" charset="0"/>
+                  <a:ea typeface="Calibri" panose="020F0502020204030204" pitchFamily="34" charset="0"/>
+                  <a:cs typeface="Times New Roman" panose="02020603050405020304" pitchFamily="18" charset="0"/>
+                </a:endParaRPr>
+              </a:p>
+              <a:p>
+                <a:endParaRPr lang="ru-RU" sz="1400" dirty="0"/>
+              </a:p>
+            </p:txBody>
+          </p:sp>
+        </mc:Choice>
+        <mc:Fallback>
+          <p:sp>
+            <p:nvSpPr>
+              <p:cNvPr id="48" name="TextBox 47">
+                <a:extLst>
+                  <a:ext uri="{FF2B5EF4-FFF2-40B4-BE49-F238E27FC236}">
+                    <a16:creationId xmlns:a16="http://schemas.microsoft.com/office/drawing/2014/main" id="{EC0157BA-EAD7-44F8-8893-658145D2750B}"/>
+                  </a:ext>
+                </a:extLst>
+              </p:cNvPr>
+              <p:cNvSpPr txBox="1">
+                <a:spLocks noRot="1" noChangeAspect="1" noMove="1" noResize="1" noEditPoints="1" noAdjustHandles="1" noChangeArrowheads="1" noChangeShapeType="1" noTextEdit="1"/>
+              </p:cNvSpPr>
+              <p:nvPr/>
+            </p:nvSpPr>
+            <p:spPr>
+              <a:xfrm>
+                <a:off x="10415388" y="1684848"/>
+                <a:ext cx="652007" cy="430887"/>
+              </a:xfrm>
+              <a:prstGeom prst="rect">
+                <a:avLst/>
+              </a:prstGeom>
+              <a:blipFill>
+                <a:blip r:embed="rId16"/>
+                <a:stretch>
+                  <a:fillRect/>
+                </a:stretch>
+              </a:blipFill>
+            </p:spPr>
+            <p:txBody>
+              <a:bodyPr/>
+              <a:lstStyle/>
+              <a:p>
+                <a:r>
+                  <a:rPr lang="ru-RU">
+                    <a:noFill/>
+                  </a:rPr>
+                  <a:t> </a:t>
+                </a:r>
+              </a:p>
+            </p:txBody>
+          </p:sp>
+        </mc:Fallback>
+      </mc:AlternateContent>
+      <mc:AlternateContent xmlns:mc="http://schemas.openxmlformats.org/markup-compatibility/2006">
+        <mc:Choice xmlns:a14="http://schemas.microsoft.com/office/drawing/2010/main" Requires="a14">
+          <p:sp>
+            <p:nvSpPr>
+              <p:cNvPr id="49" name="TextBox 48">
+                <a:extLst>
+                  <a:ext uri="{FF2B5EF4-FFF2-40B4-BE49-F238E27FC236}">
+                    <a16:creationId xmlns:a16="http://schemas.microsoft.com/office/drawing/2014/main" id="{84246806-0365-4AC9-86F2-41D84FC57F5D}"/>
+                  </a:ext>
+                </a:extLst>
+              </p:cNvPr>
+              <p:cNvSpPr txBox="1"/>
+              <p:nvPr/>
+            </p:nvSpPr>
+            <p:spPr>
+              <a:xfrm>
+                <a:off x="4125739" y="517921"/>
+                <a:ext cx="652007" cy="869405"/>
+              </a:xfrm>
+              <a:prstGeom prst="rect">
+                <a:avLst/>
+              </a:prstGeom>
+              <a:noFill/>
+            </p:spPr>
+            <p:txBody>
+              <a:bodyPr wrap="square" lIns="0" tIns="0" rIns="0" bIns="0" rtlCol="0">
+                <a:spAutoFit/>
+              </a:bodyPr>
+              <a:lstStyle/>
+              <a:p>
+                <a:pPr/>
+                <a14:m>
+                  <m:oMathPara xmlns:m="http://schemas.openxmlformats.org/officeDocument/2006/math">
+                    <m:oMathParaPr>
+                      <m:jc m:val="centerGroup"/>
+                    </m:oMathParaPr>
+                    <m:oMath xmlns:m="http://schemas.openxmlformats.org/officeDocument/2006/math">
+                      <m:f>
+                        <m:fPr>
+                          <m:ctrlPr>
+                            <a:rPr lang="ru-RU" sz="1400" i="1" smtClean="0">
+                              <a:effectLst/>
+                              <a:latin typeface="Cambria Math" panose="02040503050406030204" pitchFamily="18" charset="0"/>
+                              <a:ea typeface="Times New Roman" panose="02020603050405020304" pitchFamily="18" charset="0"/>
+                            </a:rPr>
+                          </m:ctrlPr>
+                        </m:fPr>
+                        <m:num>
+                          <m:r>
+                            <a:rPr lang="ru-RU" sz="1400" b="0" i="1" smtClean="0">
+                              <a:effectLst/>
+                              <a:latin typeface="Cambria Math" panose="02040503050406030204" pitchFamily="18" charset="0"/>
+                              <a:ea typeface="Times New Roman" panose="02020603050405020304" pitchFamily="18" charset="0"/>
+                            </a:rPr>
+                            <m:t>1</m:t>
+                          </m:r>
+                        </m:num>
+                        <m:den>
+                          <m:r>
+                            <a:rPr lang="ru-RU" sz="1400" i="1">
+                              <a:effectLst/>
+                              <a:latin typeface="Cambria Math" panose="02040503050406030204" pitchFamily="18" charset="0"/>
+                              <a:ea typeface="Times New Roman" panose="02020603050405020304" pitchFamily="18" charset="0"/>
+                              <a:cs typeface="Times New Roman" panose="02020603050405020304" pitchFamily="18" charset="0"/>
+                            </a:rPr>
+                            <m:t>𝑖</m:t>
+                          </m:r>
+                          <m:r>
+                            <m:rPr>
+                              <m:sty m:val="p"/>
+                            </m:rPr>
+                            <a:rPr lang="ru-RU" sz="1400">
+                              <a:effectLst/>
+                              <a:latin typeface="Cambria Math" panose="02040503050406030204" pitchFamily="18" charset="0"/>
+                              <a:ea typeface="Times New Roman" panose="02020603050405020304" pitchFamily="18" charset="0"/>
+                              <a:cs typeface="Times New Roman" panose="02020603050405020304" pitchFamily="18" charset="0"/>
+                            </a:rPr>
+                            <m:t>μ</m:t>
+                          </m:r>
+                        </m:den>
+                      </m:f>
+                    </m:oMath>
+                  </m:oMathPara>
+                </a14:m>
+                <a:endParaRPr lang="ru-RU" sz="1400" dirty="0">
+                  <a:effectLst/>
+                  <a:latin typeface="Times New Roman" panose="02020603050405020304" pitchFamily="18" charset="0"/>
+                  <a:ea typeface="Calibri" panose="020F0502020204030204" pitchFamily="34" charset="0"/>
+                  <a:cs typeface="Times New Roman" panose="02020603050405020304" pitchFamily="18" charset="0"/>
+                </a:endParaRPr>
+              </a:p>
+              <a:p>
+                <a:endParaRPr lang="ru-RU" sz="1400" dirty="0">
+                  <a:effectLst/>
+                  <a:latin typeface="Times New Roman" panose="02020603050405020304" pitchFamily="18" charset="0"/>
+                  <a:ea typeface="Calibri" panose="020F0502020204030204" pitchFamily="34" charset="0"/>
+                  <a:cs typeface="Times New Roman" panose="02020603050405020304" pitchFamily="18" charset="0"/>
+                </a:endParaRPr>
+              </a:p>
+              <a:p>
+                <a:endParaRPr lang="ru-RU" sz="1400" dirty="0"/>
+              </a:p>
+            </p:txBody>
+          </p:sp>
+        </mc:Choice>
+        <mc:Fallback>
+          <p:sp>
+            <p:nvSpPr>
+              <p:cNvPr id="49" name="TextBox 48">
+                <a:extLst>
+                  <a:ext uri="{FF2B5EF4-FFF2-40B4-BE49-F238E27FC236}">
+                    <a16:creationId xmlns:a16="http://schemas.microsoft.com/office/drawing/2014/main" id="{84246806-0365-4AC9-86F2-41D84FC57F5D}"/>
+                  </a:ext>
+                </a:extLst>
+              </p:cNvPr>
+              <p:cNvSpPr txBox="1">
+                <a:spLocks noRot="1" noChangeAspect="1" noMove="1" noResize="1" noEditPoints="1" noAdjustHandles="1" noChangeArrowheads="1" noChangeShapeType="1" noTextEdit="1"/>
+              </p:cNvSpPr>
+              <p:nvPr/>
+            </p:nvSpPr>
+            <p:spPr>
+              <a:xfrm>
+                <a:off x="4125739" y="517921"/>
+                <a:ext cx="652007" cy="869405"/>
+              </a:xfrm>
+              <a:prstGeom prst="rect">
+                <a:avLst/>
+              </a:prstGeom>
+              <a:blipFill>
+                <a:blip r:embed="rId17"/>
+                <a:stretch>
+                  <a:fillRect/>
+                </a:stretch>
+              </a:blipFill>
+            </p:spPr>
+            <p:txBody>
+              <a:bodyPr/>
+              <a:lstStyle/>
+              <a:p>
+                <a:r>
+                  <a:rPr lang="ru-RU">
+                    <a:noFill/>
+                  </a:rPr>
+                  <a:t> </a:t>
+                </a:r>
+              </a:p>
+            </p:txBody>
+          </p:sp>
+        </mc:Fallback>
+      </mc:AlternateContent>
+      <p:sp>
+        <p:nvSpPr>
+          <p:cNvPr id="50" name="Прямоугольник 49">
+            <a:extLst>
+              <a:ext uri="{FF2B5EF4-FFF2-40B4-BE49-F238E27FC236}">
+                <a16:creationId xmlns:a16="http://schemas.microsoft.com/office/drawing/2014/main" id="{4396547E-F9A3-4CB8-B93A-46044CDEA742}"/>
+              </a:ext>
+            </a:extLst>
+          </p:cNvPr>
+          <p:cNvSpPr/>
+          <p:nvPr/>
+        </p:nvSpPr>
+        <p:spPr>
+          <a:xfrm>
+            <a:off x="4194982" y="456105"/>
+            <a:ext cx="578219" cy="517104"/>
+          </a:xfrm>
+          <a:prstGeom prst="rect">
+            <a:avLst/>
+          </a:prstGeom>
+          <a:noFill/>
+          <a:ln>
+            <a:solidFill>
+              <a:schemeClr val="tx1"/>
+            </a:solidFill>
+          </a:ln>
+        </p:spPr>
+        <p:style>
+          <a:lnRef idx="2">
+            <a:schemeClr val="accent1">
+              <a:shade val="50000"/>
+            </a:schemeClr>
+          </a:lnRef>
+          <a:fillRef idx="1">
+            <a:schemeClr val="accent1"/>
+          </a:fillRef>
+          <a:effectRef idx="0">
+            <a:schemeClr val="accent1"/>
+          </a:effectRef>
+          <a:fontRef idx="minor">
+            <a:schemeClr val="lt1"/>
+          </a:fontRef>
+        </p:style>
+        <p:txBody>
+          <a:bodyPr rtlCol="0" anchor="ctr"/>
+          <a:lstStyle/>
+          <a:p>
+            <a:pPr algn="ctr"/>
+            <a:endParaRPr lang="ru-RU"/>
+          </a:p>
+        </p:txBody>
+      </p:sp>
+      <p:cxnSp>
+        <p:nvCxnSpPr>
+          <p:cNvPr id="51" name="Соединитель: уступ 50">
+            <a:extLst>
+              <a:ext uri="{FF2B5EF4-FFF2-40B4-BE49-F238E27FC236}">
+                <a16:creationId xmlns:a16="http://schemas.microsoft.com/office/drawing/2014/main" id="{5F103CB9-B640-400E-9A41-03DDE25E86B0}"/>
+              </a:ext>
+            </a:extLst>
+          </p:cNvPr>
+          <p:cNvCxnSpPr>
+            <a:stCxn id="50" idx="3"/>
+          </p:cNvCxnSpPr>
+          <p:nvPr/>
+        </p:nvCxnSpPr>
+        <p:spPr>
+          <a:xfrm>
+            <a:off x="4773201" y="714657"/>
+            <a:ext cx="550196" cy="1295390"/>
+          </a:xfrm>
+          <a:prstGeom prst="bentConnector2">
+            <a:avLst/>
+          </a:prstGeom>
+          <a:ln>
+            <a:solidFill>
+              <a:schemeClr val="tx1"/>
+            </a:solidFill>
+            <a:tailEnd type="triangle"/>
+          </a:ln>
+        </p:spPr>
+        <p:style>
+          <a:lnRef idx="1">
+            <a:schemeClr val="accent1"/>
+          </a:lnRef>
+          <a:fillRef idx="0">
+            <a:schemeClr val="accent1"/>
+          </a:fillRef>
+          <a:effectRef idx="0">
+            <a:schemeClr val="accent1"/>
+          </a:effectRef>
+          <a:fontRef idx="minor">
+            <a:schemeClr val="tx1"/>
+          </a:fontRef>
+        </p:style>
+      </p:cxnSp>
+      <p:cxnSp>
+        <p:nvCxnSpPr>
+          <p:cNvPr id="52" name="Соединитель: уступ 51">
+            <a:extLst>
+              <a:ext uri="{FF2B5EF4-FFF2-40B4-BE49-F238E27FC236}">
+                <a16:creationId xmlns:a16="http://schemas.microsoft.com/office/drawing/2014/main" id="{11886ADC-A916-4E42-8E26-07007520DC85}"/>
+              </a:ext>
+            </a:extLst>
+          </p:cNvPr>
+          <p:cNvCxnSpPr>
+            <a:stCxn id="33" idx="3"/>
+            <a:endCxn id="50" idx="1"/>
+          </p:cNvCxnSpPr>
+          <p:nvPr/>
+        </p:nvCxnSpPr>
+        <p:spPr>
+          <a:xfrm flipV="1">
+            <a:off x="3706765" y="714657"/>
+            <a:ext cx="488217" cy="4485"/>
+          </a:xfrm>
+          <a:prstGeom prst="bentConnector3">
+            <a:avLst/>
+          </a:prstGeom>
+          <a:ln>
+            <a:solidFill>
+              <a:schemeClr val="tx1"/>
+            </a:solidFill>
+            <a:tailEnd type="triangle"/>
+          </a:ln>
+        </p:spPr>
+        <p:style>
+          <a:lnRef idx="1">
+            <a:schemeClr val="accent1"/>
+          </a:lnRef>
+          <a:fillRef idx="0">
+            <a:schemeClr val="accent1"/>
+          </a:fillRef>
+          <a:effectRef idx="0">
+            <a:schemeClr val="accent1"/>
+          </a:effectRef>
+          <a:fontRef idx="minor">
+            <a:schemeClr val="tx1"/>
+          </a:fontRef>
+        </p:style>
+      </p:cxnSp>
+      <mc:AlternateContent xmlns:mc="http://schemas.openxmlformats.org/markup-compatibility/2006">
+        <mc:Choice xmlns:a14="http://schemas.microsoft.com/office/drawing/2010/main" Requires="a14">
+          <p:sp>
+            <p:nvSpPr>
+              <p:cNvPr id="53" name="TextBox 52">
+                <a:extLst>
+                  <a:ext uri="{FF2B5EF4-FFF2-40B4-BE49-F238E27FC236}">
+                    <a16:creationId xmlns:a16="http://schemas.microsoft.com/office/drawing/2014/main" id="{FE3A3AF7-00E8-4A0B-92AB-49362C0562B2}"/>
+                  </a:ext>
+                </a:extLst>
+              </p:cNvPr>
+              <p:cNvSpPr txBox="1"/>
+              <p:nvPr/>
+            </p:nvSpPr>
+            <p:spPr>
+              <a:xfrm>
+                <a:off x="3731192" y="2923143"/>
+                <a:ext cx="652007" cy="1112612"/>
+              </a:xfrm>
+              <a:prstGeom prst="rect">
+                <a:avLst/>
+              </a:prstGeom>
+              <a:noFill/>
+            </p:spPr>
+            <p:txBody>
+              <a:bodyPr wrap="square" lIns="0" tIns="0" rIns="0" bIns="0" rtlCol="0">
+                <a:spAutoFit/>
+              </a:bodyPr>
+              <a:lstStyle/>
+              <a:p>
+                <a:pPr/>
+                <a14:m>
+                  <m:oMathPara xmlns:m="http://schemas.openxmlformats.org/officeDocument/2006/math">
+                    <m:oMathParaPr>
+                      <m:jc m:val="centerGroup"/>
+                    </m:oMathParaPr>
+                    <m:oMath xmlns:m="http://schemas.openxmlformats.org/officeDocument/2006/math">
+                      <m:f>
+                        <m:fPr>
+                          <m:ctrlPr>
+                            <a:rPr lang="ru-RU" sz="1400" i="1" smtClean="0">
+                              <a:effectLst/>
+                              <a:latin typeface="Cambria Math" panose="02040503050406030204" pitchFamily="18" charset="0"/>
+                              <a:ea typeface="Calibri" panose="020F0502020204030204" pitchFamily="34" charset="0"/>
+                              <a:cs typeface="Times New Roman" panose="02020603050405020304" pitchFamily="18" charset="0"/>
+                            </a:rPr>
+                          </m:ctrlPr>
+                        </m:fPr>
+                        <m:num>
+                          <m:r>
+                            <a:rPr lang="ru-RU" sz="1400" i="1">
+                              <a:effectLst/>
+                              <a:latin typeface="Cambria Math" panose="02040503050406030204" pitchFamily="18" charset="0"/>
+                              <a:ea typeface="Calibri" panose="020F0502020204030204" pitchFamily="34" charset="0"/>
+                              <a:cs typeface="Times New Roman" panose="02020603050405020304" pitchFamily="18" charset="0"/>
+                            </a:rPr>
+                            <m:t>30</m:t>
+                          </m:r>
+                        </m:num>
+                        <m:den>
+                          <m:r>
+                            <m:rPr>
+                              <m:sty m:val="p"/>
+                            </m:rPr>
+                            <a:rPr lang="ru-RU" sz="1400">
+                              <a:effectLst/>
+                              <a:latin typeface="Cambria Math" panose="02040503050406030204" pitchFamily="18" charset="0"/>
+                              <a:ea typeface="Calibri" panose="020F0502020204030204" pitchFamily="34" charset="0"/>
+                              <a:cs typeface="Times New Roman" panose="02020603050405020304" pitchFamily="18" charset="0"/>
+                            </a:rPr>
+                            <m:t>π</m:t>
+                          </m:r>
+                        </m:den>
+                      </m:f>
+                    </m:oMath>
+                  </m:oMathPara>
+                </a14:m>
+                <a:endParaRPr lang="ru-RU" sz="1400" dirty="0">
+                  <a:effectLst/>
+                  <a:latin typeface="Times New Roman" panose="02020603050405020304" pitchFamily="18" charset="0"/>
+                  <a:ea typeface="Calibri" panose="020F0502020204030204" pitchFamily="34" charset="0"/>
+                  <a:cs typeface="Times New Roman" panose="02020603050405020304" pitchFamily="18" charset="0"/>
+                </a:endParaRPr>
+              </a:p>
+              <a:p>
+                <a:endParaRPr lang="ru-RU" dirty="0"/>
+              </a:p>
+              <a:p>
+                <a:endParaRPr lang="ru-RU" sz="1400" dirty="0">
+                  <a:effectLst/>
+                  <a:latin typeface="Times New Roman" panose="02020603050405020304" pitchFamily="18" charset="0"/>
+                  <a:ea typeface="Calibri" panose="020F0502020204030204" pitchFamily="34" charset="0"/>
+                  <a:cs typeface="Times New Roman" panose="02020603050405020304" pitchFamily="18" charset="0"/>
+                </a:endParaRPr>
+              </a:p>
+              <a:p>
+                <a:endParaRPr lang="ru-RU" sz="1400" dirty="0"/>
+              </a:p>
+            </p:txBody>
+          </p:sp>
+        </mc:Choice>
+        <mc:Fallback>
+          <p:sp>
+            <p:nvSpPr>
+              <p:cNvPr id="53" name="TextBox 52">
+                <a:extLst>
+                  <a:ext uri="{FF2B5EF4-FFF2-40B4-BE49-F238E27FC236}">
+                    <a16:creationId xmlns:a16="http://schemas.microsoft.com/office/drawing/2014/main" id="{FE3A3AF7-00E8-4A0B-92AB-49362C0562B2}"/>
+                  </a:ext>
+                </a:extLst>
+              </p:cNvPr>
+              <p:cNvSpPr txBox="1">
+                <a:spLocks noRot="1" noChangeAspect="1" noMove="1" noResize="1" noEditPoints="1" noAdjustHandles="1" noChangeArrowheads="1" noChangeShapeType="1" noTextEdit="1"/>
+              </p:cNvSpPr>
+              <p:nvPr/>
+            </p:nvSpPr>
+            <p:spPr>
+              <a:xfrm>
+                <a:off x="3731192" y="2923143"/>
+                <a:ext cx="652007" cy="1112612"/>
+              </a:xfrm>
+              <a:prstGeom prst="rect">
+                <a:avLst/>
+              </a:prstGeom>
+              <a:blipFill>
+                <a:blip r:embed="rId18"/>
+                <a:stretch>
+                  <a:fillRect t="-549"/>
+                </a:stretch>
+              </a:blipFill>
+            </p:spPr>
+            <p:txBody>
+              <a:bodyPr/>
+              <a:lstStyle/>
+              <a:p>
+                <a:r>
+                  <a:rPr lang="ru-RU">
+                    <a:noFill/>
+                  </a:rPr>
+                  <a:t> </a:t>
+                </a:r>
+              </a:p>
+            </p:txBody>
+          </p:sp>
+        </mc:Fallback>
+      </mc:AlternateContent>
+      <p:sp>
+        <p:nvSpPr>
+          <p:cNvPr id="54" name="Прямоугольник 53">
+            <a:extLst>
+              <a:ext uri="{FF2B5EF4-FFF2-40B4-BE49-F238E27FC236}">
+                <a16:creationId xmlns:a16="http://schemas.microsoft.com/office/drawing/2014/main" id="{1E945875-F58F-477F-9C07-ACE48D5832DF}"/>
+              </a:ext>
+            </a:extLst>
+          </p:cNvPr>
+          <p:cNvSpPr/>
+          <p:nvPr/>
+        </p:nvSpPr>
+        <p:spPr>
+          <a:xfrm>
+            <a:off x="3720467" y="2830977"/>
+            <a:ext cx="652007" cy="623761"/>
+          </a:xfrm>
+          <a:prstGeom prst="rect">
+            <a:avLst/>
+          </a:prstGeom>
+          <a:noFill/>
+          <a:ln>
+            <a:solidFill>
+              <a:schemeClr val="tx1"/>
+            </a:solidFill>
+          </a:ln>
+        </p:spPr>
+        <p:style>
+          <a:lnRef idx="2">
+            <a:schemeClr val="accent1">
+              <a:shade val="50000"/>
+            </a:schemeClr>
+          </a:lnRef>
+          <a:fillRef idx="1">
+            <a:schemeClr val="accent1"/>
+          </a:fillRef>
+          <a:effectRef idx="0">
+            <a:schemeClr val="accent1"/>
+          </a:effectRef>
+          <a:fontRef idx="minor">
+            <a:schemeClr val="lt1"/>
+          </a:fontRef>
+        </p:style>
+        <p:txBody>
+          <a:bodyPr rtlCol="0" anchor="ctr"/>
+          <a:lstStyle/>
+          <a:p>
+            <a:pPr algn="ctr"/>
+            <a:endParaRPr lang="ru-RU"/>
+          </a:p>
+        </p:txBody>
+      </p:sp>
+      <p:cxnSp>
+        <p:nvCxnSpPr>
+          <p:cNvPr id="55" name="Соединитель: уступ 54">
+            <a:extLst>
+              <a:ext uri="{FF2B5EF4-FFF2-40B4-BE49-F238E27FC236}">
+                <a16:creationId xmlns:a16="http://schemas.microsoft.com/office/drawing/2014/main" id="{C00034F4-44D1-484D-84B9-15C5B01369B0}"/>
+              </a:ext>
+            </a:extLst>
+          </p:cNvPr>
+          <p:cNvCxnSpPr>
+            <a:endCxn id="54" idx="3"/>
+          </p:cNvCxnSpPr>
+          <p:nvPr/>
+        </p:nvCxnSpPr>
+        <p:spPr>
+          <a:xfrm rot="10800000" flipV="1">
+            <a:off x="4372475" y="2117674"/>
+            <a:ext cx="2522067" cy="1025184"/>
+          </a:xfrm>
+          <a:prstGeom prst="bentConnector3">
+            <a:avLst>
+              <a:gd name="adj1" fmla="val -13054"/>
+            </a:avLst>
+          </a:prstGeom>
+          <a:ln>
+            <a:solidFill>
+              <a:schemeClr val="tx1"/>
+            </a:solidFill>
+            <a:tailEnd type="triangle"/>
+          </a:ln>
+        </p:spPr>
+        <p:style>
+          <a:lnRef idx="1">
+            <a:schemeClr val="accent1"/>
+          </a:lnRef>
+          <a:fillRef idx="0">
+            <a:schemeClr val="accent1"/>
+          </a:fillRef>
+          <a:effectRef idx="0">
+            <a:schemeClr val="accent1"/>
+          </a:effectRef>
+          <a:fontRef idx="minor">
+            <a:schemeClr val="tx1"/>
+          </a:fontRef>
+        </p:style>
+      </p:cxnSp>
+      <p:cxnSp>
+        <p:nvCxnSpPr>
+          <p:cNvPr id="56" name="Соединитель: уступ 55">
+            <a:extLst>
+              <a:ext uri="{FF2B5EF4-FFF2-40B4-BE49-F238E27FC236}">
+                <a16:creationId xmlns:a16="http://schemas.microsoft.com/office/drawing/2014/main" id="{2D948FBC-CEAA-42A7-8356-01B651566982}"/>
+              </a:ext>
+            </a:extLst>
+          </p:cNvPr>
+          <p:cNvCxnSpPr>
+            <a:stCxn id="54" idx="1"/>
+            <a:endCxn id="30" idx="3"/>
+          </p:cNvCxnSpPr>
+          <p:nvPr/>
+        </p:nvCxnSpPr>
+        <p:spPr>
+          <a:xfrm rot="10800000" flipV="1">
+            <a:off x="2870421" y="3142857"/>
+            <a:ext cx="850046" cy="6945"/>
+          </a:xfrm>
+          <a:prstGeom prst="bentConnector3">
+            <a:avLst/>
+          </a:prstGeom>
+          <a:ln>
+            <a:solidFill>
+              <a:schemeClr val="tx1"/>
+            </a:solidFill>
+            <a:tailEnd type="triangle"/>
+          </a:ln>
+        </p:spPr>
+        <p:style>
+          <a:lnRef idx="1">
+            <a:schemeClr val="accent1"/>
+          </a:lnRef>
+          <a:fillRef idx="0">
+            <a:schemeClr val="accent1"/>
+          </a:fillRef>
+          <a:effectRef idx="0">
+            <a:schemeClr val="accent1"/>
+          </a:effectRef>
+          <a:fontRef idx="minor">
+            <a:schemeClr val="tx1"/>
+          </a:fontRef>
+        </p:style>
+      </p:cxnSp>
+      <p:cxnSp>
+        <p:nvCxnSpPr>
+          <p:cNvPr id="57" name="Соединитель: уступ 56">
+            <a:extLst>
+              <a:ext uri="{FF2B5EF4-FFF2-40B4-BE49-F238E27FC236}">
+                <a16:creationId xmlns:a16="http://schemas.microsoft.com/office/drawing/2014/main" id="{40BD28D6-92A4-4ECF-94CA-B16E398E40A0}"/>
+              </a:ext>
+            </a:extLst>
+          </p:cNvPr>
+          <p:cNvCxnSpPr>
+            <a:stCxn id="30" idx="1"/>
+            <a:endCxn id="27" idx="4"/>
+          </p:cNvCxnSpPr>
+          <p:nvPr/>
+        </p:nvCxnSpPr>
+        <p:spPr>
+          <a:xfrm rot="10800000">
+            <a:off x="1610142" y="2239191"/>
+            <a:ext cx="608273" cy="910612"/>
+          </a:xfrm>
+          <a:prstGeom prst="bentConnector2">
+            <a:avLst/>
+          </a:prstGeom>
+          <a:ln>
+            <a:solidFill>
+              <a:schemeClr val="tx1"/>
+            </a:solidFill>
+            <a:tailEnd type="triangle"/>
+          </a:ln>
+        </p:spPr>
+        <p:style>
+          <a:lnRef idx="1">
+            <a:schemeClr val="accent1"/>
+          </a:lnRef>
+          <a:fillRef idx="0">
+            <a:schemeClr val="accent1"/>
+          </a:fillRef>
+          <a:effectRef idx="0">
+            <a:schemeClr val="accent1"/>
+          </a:effectRef>
+          <a:fontRef idx="minor">
+            <a:schemeClr val="tx1"/>
+          </a:fontRef>
+        </p:style>
+      </p:cxnSp>
+      <mc:AlternateContent xmlns:mc="http://schemas.openxmlformats.org/markup-compatibility/2006">
+        <mc:Choice xmlns:a14="http://schemas.microsoft.com/office/drawing/2010/main" Requires="a14">
+          <p:sp>
+            <p:nvSpPr>
+              <p:cNvPr id="58" name="TextBox 57">
+                <a:extLst>
+                  <a:ext uri="{FF2B5EF4-FFF2-40B4-BE49-F238E27FC236}">
+                    <a16:creationId xmlns:a16="http://schemas.microsoft.com/office/drawing/2014/main" id="{94A20B86-E84B-433F-818F-7ED3D51950CA}"/>
+                  </a:ext>
+                </a:extLst>
+              </p:cNvPr>
+              <p:cNvSpPr txBox="1"/>
+              <p:nvPr/>
+            </p:nvSpPr>
+            <p:spPr>
+              <a:xfrm>
+                <a:off x="5212080" y="1891747"/>
+                <a:ext cx="652007" cy="430887"/>
+              </a:xfrm>
+              <a:prstGeom prst="rect">
+                <a:avLst/>
+              </a:prstGeom>
+              <a:noFill/>
+            </p:spPr>
+            <p:txBody>
+              <a:bodyPr wrap="square" lIns="0" tIns="0" rIns="0" bIns="0" rtlCol="0">
+                <a:spAutoFit/>
+              </a:bodyPr>
+              <a:lstStyle/>
+              <a:p>
+                <a:pPr/>
+                <a14:m>
+                  <m:oMathPara xmlns:m="http://schemas.openxmlformats.org/officeDocument/2006/math">
+                    <m:oMathParaPr>
+                      <m:jc m:val="centerGroup"/>
+                    </m:oMathParaPr>
+                    <m:oMath xmlns:m="http://schemas.openxmlformats.org/officeDocument/2006/math">
+                      <m:r>
+                        <a:rPr lang="ru-RU" sz="1400" b="0" i="1" smtClean="0">
+                          <a:effectLst/>
+                          <a:latin typeface="Cambria Math" panose="02040503050406030204" pitchFamily="18" charset="0"/>
+                          <a:ea typeface="Times New Roman" panose="02020603050405020304" pitchFamily="18" charset="0"/>
+                        </a:rPr>
+                        <m:t>−</m:t>
+                      </m:r>
+                    </m:oMath>
+                  </m:oMathPara>
+                </a14:m>
+                <a:endParaRPr lang="ru-RU" sz="1400" dirty="0">
+                  <a:effectLst/>
+                  <a:latin typeface="Times New Roman" panose="02020603050405020304" pitchFamily="18" charset="0"/>
+                  <a:ea typeface="Calibri" panose="020F0502020204030204" pitchFamily="34" charset="0"/>
+                  <a:cs typeface="Times New Roman" panose="02020603050405020304" pitchFamily="18" charset="0"/>
+                </a:endParaRPr>
+              </a:p>
+              <a:p>
+                <a:endParaRPr lang="ru-RU" sz="1400" dirty="0"/>
+              </a:p>
+            </p:txBody>
+          </p:sp>
+        </mc:Choice>
+        <mc:Fallback>
+          <p:sp>
+            <p:nvSpPr>
+              <p:cNvPr id="58" name="TextBox 57">
+                <a:extLst>
+                  <a:ext uri="{FF2B5EF4-FFF2-40B4-BE49-F238E27FC236}">
+                    <a16:creationId xmlns:a16="http://schemas.microsoft.com/office/drawing/2014/main" id="{94A20B86-E84B-433F-818F-7ED3D51950CA}"/>
+                  </a:ext>
+                </a:extLst>
+              </p:cNvPr>
+              <p:cNvSpPr txBox="1">
+                <a:spLocks noRot="1" noChangeAspect="1" noMove="1" noResize="1" noEditPoints="1" noAdjustHandles="1" noChangeArrowheads="1" noChangeShapeType="1" noTextEdit="1"/>
+              </p:cNvSpPr>
+              <p:nvPr/>
+            </p:nvSpPr>
+            <p:spPr>
+              <a:xfrm>
+                <a:off x="5212080" y="1891747"/>
+                <a:ext cx="652007" cy="430887"/>
+              </a:xfrm>
+              <a:prstGeom prst="rect">
+                <a:avLst/>
+              </a:prstGeom>
+              <a:blipFill>
+                <a:blip r:embed="rId19"/>
+                <a:stretch>
+                  <a:fillRect/>
+                </a:stretch>
+              </a:blipFill>
+            </p:spPr>
+            <p:txBody>
+              <a:bodyPr/>
+              <a:lstStyle/>
+              <a:p>
+                <a:r>
+                  <a:rPr lang="ru-RU">
+                    <a:noFill/>
+                  </a:rPr>
+                  <a:t> </a:t>
+                </a:r>
+              </a:p>
+            </p:txBody>
+          </p:sp>
+        </mc:Fallback>
+      </mc:AlternateContent>
+      <mc:AlternateContent xmlns:mc="http://schemas.openxmlformats.org/markup-compatibility/2006">
+        <mc:Choice xmlns:a14="http://schemas.microsoft.com/office/drawing/2010/main" Requires="a14">
+          <p:sp>
+            <p:nvSpPr>
+              <p:cNvPr id="59" name="TextBox 58">
+                <a:extLst>
+                  <a:ext uri="{FF2B5EF4-FFF2-40B4-BE49-F238E27FC236}">
+                    <a16:creationId xmlns:a16="http://schemas.microsoft.com/office/drawing/2014/main" id="{9E1E262A-1AD4-4256-B408-152712AD3EA2}"/>
+                  </a:ext>
+                </a:extLst>
+              </p:cNvPr>
+              <p:cNvSpPr txBox="1"/>
+              <p:nvPr/>
+            </p:nvSpPr>
+            <p:spPr>
+              <a:xfrm>
+                <a:off x="1485277" y="2164966"/>
+                <a:ext cx="652007" cy="430887"/>
+              </a:xfrm>
+              <a:prstGeom prst="rect">
+                <a:avLst/>
+              </a:prstGeom>
+              <a:noFill/>
+            </p:spPr>
+            <p:txBody>
+              <a:bodyPr wrap="square" lIns="0" tIns="0" rIns="0" bIns="0" rtlCol="0">
+                <a:spAutoFit/>
+              </a:bodyPr>
+              <a:lstStyle/>
+              <a:p>
+                <a:pPr/>
+                <a14:m>
+                  <m:oMathPara xmlns:m="http://schemas.openxmlformats.org/officeDocument/2006/math">
+                    <m:oMathParaPr>
+                      <m:jc m:val="centerGroup"/>
+                    </m:oMathParaPr>
+                    <m:oMath xmlns:m="http://schemas.openxmlformats.org/officeDocument/2006/math">
+                      <m:r>
+                        <a:rPr lang="ru-RU" sz="1400" b="0" i="1" smtClean="0">
+                          <a:effectLst/>
+                          <a:latin typeface="Cambria Math" panose="02040503050406030204" pitchFamily="18" charset="0"/>
+                          <a:ea typeface="Times New Roman" panose="02020603050405020304" pitchFamily="18" charset="0"/>
+                        </a:rPr>
+                        <m:t>−</m:t>
+                      </m:r>
+                    </m:oMath>
+                  </m:oMathPara>
+                </a14:m>
+                <a:endParaRPr lang="ru-RU" sz="1400" dirty="0">
+                  <a:effectLst/>
+                  <a:latin typeface="Times New Roman" panose="02020603050405020304" pitchFamily="18" charset="0"/>
+                  <a:ea typeface="Calibri" panose="020F0502020204030204" pitchFamily="34" charset="0"/>
+                  <a:cs typeface="Times New Roman" panose="02020603050405020304" pitchFamily="18" charset="0"/>
+                </a:endParaRPr>
+              </a:p>
+              <a:p>
+                <a:endParaRPr lang="ru-RU" sz="1400" dirty="0"/>
+              </a:p>
+            </p:txBody>
+          </p:sp>
+        </mc:Choice>
+        <mc:Fallback>
+          <p:sp>
+            <p:nvSpPr>
+              <p:cNvPr id="59" name="TextBox 58">
+                <a:extLst>
+                  <a:ext uri="{FF2B5EF4-FFF2-40B4-BE49-F238E27FC236}">
+                    <a16:creationId xmlns:a16="http://schemas.microsoft.com/office/drawing/2014/main" id="{9E1E262A-1AD4-4256-B408-152712AD3EA2}"/>
+                  </a:ext>
+                </a:extLst>
+              </p:cNvPr>
+              <p:cNvSpPr txBox="1">
+                <a:spLocks noRot="1" noChangeAspect="1" noMove="1" noResize="1" noEditPoints="1" noAdjustHandles="1" noChangeArrowheads="1" noChangeShapeType="1" noTextEdit="1"/>
+              </p:cNvSpPr>
+              <p:nvPr/>
+            </p:nvSpPr>
+            <p:spPr>
+              <a:xfrm>
+                <a:off x="1485277" y="2164966"/>
+                <a:ext cx="652007" cy="430887"/>
+              </a:xfrm>
+              <a:prstGeom prst="rect">
+                <a:avLst/>
+              </a:prstGeom>
+              <a:blipFill>
+                <a:blip r:embed="rId19"/>
+                <a:stretch>
+                  <a:fillRect/>
+                </a:stretch>
+              </a:blipFill>
+            </p:spPr>
+            <p:txBody>
+              <a:bodyPr/>
+              <a:lstStyle/>
+              <a:p>
+                <a:r>
+                  <a:rPr lang="ru-RU">
+                    <a:noFill/>
+                  </a:rPr>
+                  <a:t> </a:t>
+                </a:r>
+              </a:p>
+            </p:txBody>
+          </p:sp>
+        </mc:Fallback>
+      </mc:AlternateContent>
+      <mc:AlternateContent xmlns:mc="http://schemas.openxmlformats.org/markup-compatibility/2006">
+        <mc:Choice xmlns:a14="http://schemas.microsoft.com/office/drawing/2010/main" Requires="a14">
+          <p:sp>
+            <p:nvSpPr>
+              <p:cNvPr id="60" name="TextBox 59">
+                <a:extLst>
+                  <a:ext uri="{FF2B5EF4-FFF2-40B4-BE49-F238E27FC236}">
+                    <a16:creationId xmlns:a16="http://schemas.microsoft.com/office/drawing/2014/main" id="{444945A7-57BB-4C30-8F15-93651391CC57}"/>
+                  </a:ext>
+                </a:extLst>
+              </p:cNvPr>
+              <p:cNvSpPr txBox="1"/>
+              <p:nvPr/>
+            </p:nvSpPr>
+            <p:spPr>
+              <a:xfrm>
+                <a:off x="5221194" y="2180981"/>
+                <a:ext cx="652007" cy="430887"/>
+              </a:xfrm>
+              <a:prstGeom prst="rect">
+                <a:avLst/>
+              </a:prstGeom>
+              <a:noFill/>
+            </p:spPr>
+            <p:txBody>
+              <a:bodyPr wrap="square" lIns="0" tIns="0" rIns="0" bIns="0" rtlCol="0">
+                <a:spAutoFit/>
+              </a:bodyPr>
+              <a:lstStyle/>
+              <a:p>
+                <a:pPr/>
+                <a14:m>
+                  <m:oMathPara xmlns:m="http://schemas.openxmlformats.org/officeDocument/2006/math">
+                    <m:oMathParaPr>
+                      <m:jc m:val="centerGroup"/>
+                    </m:oMathParaPr>
+                    <m:oMath xmlns:m="http://schemas.openxmlformats.org/officeDocument/2006/math">
+                      <m:r>
+                        <a:rPr lang="ru-RU" sz="1400" b="0" i="1" smtClean="0">
+                          <a:effectLst/>
+                          <a:latin typeface="Cambria Math" panose="02040503050406030204" pitchFamily="18" charset="0"/>
+                          <a:ea typeface="Times New Roman" panose="02020603050405020304" pitchFamily="18" charset="0"/>
+                        </a:rPr>
+                        <m:t>−</m:t>
+                      </m:r>
+                    </m:oMath>
+                  </m:oMathPara>
+                </a14:m>
+                <a:endParaRPr lang="ru-RU" sz="1400" dirty="0">
+                  <a:effectLst/>
+                  <a:latin typeface="Times New Roman" panose="02020603050405020304" pitchFamily="18" charset="0"/>
+                  <a:ea typeface="Calibri" panose="020F0502020204030204" pitchFamily="34" charset="0"/>
+                  <a:cs typeface="Times New Roman" panose="02020603050405020304" pitchFamily="18" charset="0"/>
+                </a:endParaRPr>
+              </a:p>
+              <a:p>
+                <a:endParaRPr lang="ru-RU" sz="1400" dirty="0"/>
+              </a:p>
+            </p:txBody>
+          </p:sp>
+        </mc:Choice>
+        <mc:Fallback>
+          <p:sp>
+            <p:nvSpPr>
+              <p:cNvPr id="60" name="TextBox 59">
+                <a:extLst>
+                  <a:ext uri="{FF2B5EF4-FFF2-40B4-BE49-F238E27FC236}">
+                    <a16:creationId xmlns:a16="http://schemas.microsoft.com/office/drawing/2014/main" id="{444945A7-57BB-4C30-8F15-93651391CC57}"/>
+                  </a:ext>
+                </a:extLst>
+              </p:cNvPr>
+              <p:cNvSpPr txBox="1">
+                <a:spLocks noRot="1" noChangeAspect="1" noMove="1" noResize="1" noEditPoints="1" noAdjustHandles="1" noChangeArrowheads="1" noChangeShapeType="1" noTextEdit="1"/>
+              </p:cNvSpPr>
+              <p:nvPr/>
+            </p:nvSpPr>
+            <p:spPr>
+              <a:xfrm>
+                <a:off x="5221194" y="2180981"/>
+                <a:ext cx="652007" cy="430887"/>
+              </a:xfrm>
+              <a:prstGeom prst="rect">
+                <a:avLst/>
+              </a:prstGeom>
+              <a:blipFill>
+                <a:blip r:embed="rId20"/>
+                <a:stretch>
+                  <a:fillRect/>
+                </a:stretch>
+              </a:blipFill>
+            </p:spPr>
+            <p:txBody>
+              <a:bodyPr/>
+              <a:lstStyle/>
+              <a:p>
+                <a:r>
+                  <a:rPr lang="ru-RU">
+                    <a:noFill/>
+                  </a:rPr>
+                  <a:t> </a:t>
+                </a:r>
+              </a:p>
+            </p:txBody>
+          </p:sp>
+        </mc:Fallback>
+      </mc:AlternateContent>
+      <p:grpSp>
+        <p:nvGrpSpPr>
+          <p:cNvPr id="75" name="Группа 74">
+            <a:extLst>
+              <a:ext uri="{FF2B5EF4-FFF2-40B4-BE49-F238E27FC236}">
+                <a16:creationId xmlns:a16="http://schemas.microsoft.com/office/drawing/2014/main" id="{130EC822-B2E9-4A6F-9275-E63C26337A5A}"/>
+              </a:ext>
+            </a:extLst>
+          </p:cNvPr>
+          <p:cNvGrpSpPr/>
+          <p:nvPr/>
+        </p:nvGrpSpPr>
+        <p:grpSpPr>
+          <a:xfrm>
+            <a:off x="232594" y="1835631"/>
+            <a:ext cx="513972" cy="506391"/>
+            <a:chOff x="5033225" y="5575136"/>
+            <a:chExt cx="513972" cy="506391"/>
+          </a:xfrm>
+        </p:grpSpPr>
+        <p:cxnSp>
+          <p:nvCxnSpPr>
+            <p:cNvPr id="64" name="Прямая со стрелкой 63">
+              <a:extLst>
+                <a:ext uri="{FF2B5EF4-FFF2-40B4-BE49-F238E27FC236}">
+                  <a16:creationId xmlns:a16="http://schemas.microsoft.com/office/drawing/2014/main" id="{B66BB680-BEBE-49BA-B998-AA137276021C}"/>
+                </a:ext>
+              </a:extLst>
+            </p:cNvPr>
+            <p:cNvCxnSpPr>
+              <a:cxnSpLocks/>
+            </p:cNvCxnSpPr>
+            <p:nvPr/>
+          </p:nvCxnSpPr>
+          <p:spPr>
+            <a:xfrm flipV="1">
+              <a:off x="5283732" y="5626239"/>
+              <a:ext cx="0" cy="408830"/>
+            </a:xfrm>
+            <a:prstGeom prst="straightConnector1">
+              <a:avLst/>
+            </a:prstGeom>
+            <a:ln>
+              <a:solidFill>
+                <a:schemeClr val="tx1"/>
+              </a:solidFill>
+              <a:tailEnd type="triangle"/>
+            </a:ln>
+          </p:spPr>
+          <p:style>
+            <a:lnRef idx="1">
+              <a:schemeClr val="accent1"/>
+            </a:lnRef>
+            <a:fillRef idx="0">
+              <a:schemeClr val="accent1"/>
+            </a:fillRef>
+            <a:effectRef idx="0">
+              <a:schemeClr val="accent1"/>
+            </a:effectRef>
+            <a:fontRef idx="minor">
+              <a:schemeClr val="tx1"/>
+            </a:fontRef>
+          </p:style>
+        </p:cxnSp>
+        <p:cxnSp>
+          <p:nvCxnSpPr>
+            <p:cNvPr id="65" name="Прямая со стрелкой 64">
+              <a:extLst>
+                <a:ext uri="{FF2B5EF4-FFF2-40B4-BE49-F238E27FC236}">
+                  <a16:creationId xmlns:a16="http://schemas.microsoft.com/office/drawing/2014/main" id="{ECD0EA4B-0179-4A22-ABC9-CE5187FB4F48}"/>
+                </a:ext>
+              </a:extLst>
+            </p:cNvPr>
+            <p:cNvCxnSpPr>
+              <a:cxnSpLocks/>
+            </p:cNvCxnSpPr>
+            <p:nvPr/>
+          </p:nvCxnSpPr>
+          <p:spPr>
+            <a:xfrm>
+              <a:off x="5077523" y="5841331"/>
+              <a:ext cx="431704" cy="0"/>
+            </a:xfrm>
+            <a:prstGeom prst="straightConnector1">
+              <a:avLst/>
+            </a:prstGeom>
+            <a:ln>
+              <a:solidFill>
+                <a:schemeClr val="tx1"/>
+              </a:solidFill>
+              <a:tailEnd type="triangle"/>
+            </a:ln>
+          </p:spPr>
+          <p:style>
+            <a:lnRef idx="1">
+              <a:schemeClr val="accent1"/>
+            </a:lnRef>
+            <a:fillRef idx="0">
+              <a:schemeClr val="accent1"/>
+            </a:fillRef>
+            <a:effectRef idx="0">
+              <a:schemeClr val="accent1"/>
+            </a:effectRef>
+            <a:fontRef idx="minor">
+              <a:schemeClr val="tx1"/>
+            </a:fontRef>
+          </p:style>
+        </p:cxnSp>
+        <p:sp>
+          <p:nvSpPr>
+            <p:cNvPr id="66" name="Прямоугольник 65">
+              <a:extLst>
+                <a:ext uri="{FF2B5EF4-FFF2-40B4-BE49-F238E27FC236}">
+                  <a16:creationId xmlns:a16="http://schemas.microsoft.com/office/drawing/2014/main" id="{E32C3083-35F4-412C-94A7-C3547D4F9118}"/>
+                </a:ext>
+              </a:extLst>
+            </p:cNvPr>
+            <p:cNvSpPr/>
+            <p:nvPr/>
+          </p:nvSpPr>
+          <p:spPr>
+            <a:xfrm>
+              <a:off x="5033225" y="5575136"/>
+              <a:ext cx="513972" cy="506391"/>
+            </a:xfrm>
+            <a:prstGeom prst="rect">
+              <a:avLst/>
+            </a:prstGeom>
+            <a:noFill/>
+            <a:ln>
+              <a:solidFill>
+                <a:schemeClr val="tx1"/>
+              </a:solidFill>
+            </a:ln>
+          </p:spPr>
+          <p:style>
+            <a:lnRef idx="2">
+              <a:schemeClr val="accent1">
+                <a:shade val="50000"/>
+              </a:schemeClr>
+            </a:lnRef>
+            <a:fillRef idx="1">
+              <a:schemeClr val="accent1"/>
+            </a:fillRef>
+            <a:effectRef idx="0">
+              <a:schemeClr val="accent1"/>
+            </a:effectRef>
+            <a:fontRef idx="minor">
+              <a:schemeClr val="lt1"/>
+            </a:fontRef>
+          </p:style>
+          <p:txBody>
+            <a:bodyPr rtlCol="0" anchor="ctr"/>
+            <a:lstStyle/>
+            <a:p>
+              <a:pPr algn="ctr"/>
+              <a:endParaRPr lang="ru-RU"/>
+            </a:p>
+          </p:txBody>
+        </p:sp>
+        <p:cxnSp>
+          <p:nvCxnSpPr>
+            <p:cNvPr id="68" name="Прямая соединительная линия 67">
+              <a:extLst>
+                <a:ext uri="{FF2B5EF4-FFF2-40B4-BE49-F238E27FC236}">
+                  <a16:creationId xmlns:a16="http://schemas.microsoft.com/office/drawing/2014/main" id="{C7080CB6-A18E-4421-BE62-F16DA37861F6}"/>
+                </a:ext>
+              </a:extLst>
+            </p:cNvPr>
+            <p:cNvCxnSpPr>
+              <a:cxnSpLocks/>
+            </p:cNvCxnSpPr>
+            <p:nvPr/>
+          </p:nvCxnSpPr>
+          <p:spPr>
+            <a:xfrm flipV="1">
+              <a:off x="5283732" y="5725841"/>
+              <a:ext cx="88748" cy="115490"/>
+            </a:xfrm>
+            <a:prstGeom prst="line">
+              <a:avLst/>
+            </a:prstGeom>
+            <a:ln>
+              <a:solidFill>
+                <a:schemeClr val="tx1"/>
+              </a:solidFill>
+            </a:ln>
+          </p:spPr>
+          <p:style>
+            <a:lnRef idx="1">
+              <a:schemeClr val="accent1"/>
+            </a:lnRef>
+            <a:fillRef idx="0">
+              <a:schemeClr val="accent1"/>
+            </a:fillRef>
+            <a:effectRef idx="0">
+              <a:schemeClr val="accent1"/>
+            </a:effectRef>
+            <a:fontRef idx="minor">
+              <a:schemeClr val="tx1"/>
+            </a:fontRef>
+          </p:style>
+        </p:cxnSp>
+        <p:cxnSp>
+          <p:nvCxnSpPr>
+            <p:cNvPr id="70" name="Прямая соединительная линия 69">
+              <a:extLst>
+                <a:ext uri="{FF2B5EF4-FFF2-40B4-BE49-F238E27FC236}">
+                  <a16:creationId xmlns:a16="http://schemas.microsoft.com/office/drawing/2014/main" id="{B66AB55F-3843-4F3F-943C-0AF194DAFF6A}"/>
+                </a:ext>
+              </a:extLst>
+            </p:cNvPr>
+            <p:cNvCxnSpPr/>
+            <p:nvPr/>
+          </p:nvCxnSpPr>
+          <p:spPr>
+            <a:xfrm>
+              <a:off x="5372480" y="5725840"/>
+              <a:ext cx="129910" cy="0"/>
+            </a:xfrm>
+            <a:prstGeom prst="line">
+              <a:avLst/>
+            </a:prstGeom>
+            <a:ln>
+              <a:solidFill>
+                <a:schemeClr val="tx1"/>
+              </a:solidFill>
+            </a:ln>
+          </p:spPr>
+          <p:style>
+            <a:lnRef idx="1">
+              <a:schemeClr val="accent1"/>
+            </a:lnRef>
+            <a:fillRef idx="0">
+              <a:schemeClr val="accent1"/>
+            </a:fillRef>
+            <a:effectRef idx="0">
+              <a:schemeClr val="accent1"/>
+            </a:effectRef>
+            <a:fontRef idx="minor">
+              <a:schemeClr val="tx1"/>
+            </a:fontRef>
+          </p:style>
+        </p:cxnSp>
+        <p:grpSp>
+          <p:nvGrpSpPr>
+            <p:cNvPr id="74" name="Группа 73">
+              <a:extLst>
+                <a:ext uri="{FF2B5EF4-FFF2-40B4-BE49-F238E27FC236}">
+                  <a16:creationId xmlns:a16="http://schemas.microsoft.com/office/drawing/2014/main" id="{22CCA21C-CF2C-434C-B076-C2AD88BA6CC0}"/>
+                </a:ext>
+              </a:extLst>
+            </p:cNvPr>
+            <p:cNvGrpSpPr/>
+            <p:nvPr/>
+          </p:nvGrpSpPr>
+          <p:grpSpPr>
+            <a:xfrm rot="10800000">
+              <a:off x="5063478" y="5845937"/>
+              <a:ext cx="218658" cy="115491"/>
+              <a:chOff x="6217182" y="5575136"/>
+              <a:chExt cx="218658" cy="115491"/>
+            </a:xfrm>
+          </p:grpSpPr>
+          <p:cxnSp>
+            <p:nvCxnSpPr>
+              <p:cNvPr id="72" name="Прямая соединительная линия 71">
+                <a:extLst>
+                  <a:ext uri="{FF2B5EF4-FFF2-40B4-BE49-F238E27FC236}">
+                    <a16:creationId xmlns:a16="http://schemas.microsoft.com/office/drawing/2014/main" id="{32C0B5DA-24B6-4FE6-8A5E-704D0E534FA1}"/>
+                  </a:ext>
+                </a:extLst>
+              </p:cNvPr>
+              <p:cNvCxnSpPr>
+                <a:cxnSpLocks/>
+              </p:cNvCxnSpPr>
+              <p:nvPr/>
+            </p:nvCxnSpPr>
+            <p:spPr>
+              <a:xfrm flipV="1">
+                <a:off x="6217182" y="5575137"/>
+                <a:ext cx="88748" cy="115490"/>
+              </a:xfrm>
+              <a:prstGeom prst="line">
+                <a:avLst/>
+              </a:prstGeom>
+              <a:ln>
+                <a:solidFill>
+                  <a:schemeClr val="tx1"/>
+                </a:solidFill>
+              </a:ln>
+            </p:spPr>
+            <p:style>
+              <a:lnRef idx="1">
+                <a:schemeClr val="accent1"/>
+              </a:lnRef>
+              <a:fillRef idx="0">
+                <a:schemeClr val="accent1"/>
+              </a:fillRef>
+              <a:effectRef idx="0">
+                <a:schemeClr val="accent1"/>
+              </a:effectRef>
+              <a:fontRef idx="minor">
+                <a:schemeClr val="tx1"/>
+              </a:fontRef>
+            </p:style>
+          </p:cxnSp>
+          <p:cxnSp>
+            <p:nvCxnSpPr>
+              <p:cNvPr id="73" name="Прямая соединительная линия 72">
+                <a:extLst>
+                  <a:ext uri="{FF2B5EF4-FFF2-40B4-BE49-F238E27FC236}">
+                    <a16:creationId xmlns:a16="http://schemas.microsoft.com/office/drawing/2014/main" id="{9C302CE7-F709-4473-BC0A-ABF6B05332F0}"/>
+                  </a:ext>
+                </a:extLst>
+              </p:cNvPr>
+              <p:cNvCxnSpPr/>
+              <p:nvPr/>
+            </p:nvCxnSpPr>
+            <p:spPr>
+              <a:xfrm>
+                <a:off x="6305930" y="5575136"/>
+                <a:ext cx="129910" cy="0"/>
+              </a:xfrm>
+              <a:prstGeom prst="line">
+                <a:avLst/>
+              </a:prstGeom>
+              <a:ln>
+                <a:solidFill>
+                  <a:schemeClr val="tx1"/>
+                </a:solidFill>
+              </a:ln>
+            </p:spPr>
+            <p:style>
+              <a:lnRef idx="1">
+                <a:schemeClr val="accent1"/>
+              </a:lnRef>
+              <a:fillRef idx="0">
+                <a:schemeClr val="accent1"/>
+              </a:fillRef>
+              <a:effectRef idx="0">
+                <a:schemeClr val="accent1"/>
+              </a:effectRef>
+              <a:fontRef idx="minor">
+                <a:schemeClr val="tx1"/>
+              </a:fontRef>
+            </p:style>
+          </p:cxnSp>
+        </p:grpSp>
+      </p:grpSp>
+    </p:spTree>
+    <p:extLst>
+      <p:ext uri="{BB962C8B-B14F-4D97-AF65-F5344CB8AC3E}">
+        <p14:creationId xmlns:p14="http://schemas.microsoft.com/office/powerpoint/2010/main" val="3393602788"/>
       </p:ext>
     </p:extLst>
   </p:cSld>

--- a/txt/schemes.pptx
+++ b/txt/schemes.pptx
@@ -11,6 +11,7 @@
     <p:sldId id="258" r:id="rId5"/>
     <p:sldId id="260" r:id="rId6"/>
     <p:sldId id="261" r:id="rId7"/>
+    <p:sldId id="262" r:id="rId8"/>
   </p:sldIdLst>
   <p:sldSz cx="12192000" cy="6858000"/>
   <p:notesSz cx="6858000" cy="9144000"/>
@@ -122,7 +123,7 @@
   <pc:docChgLst>
     <pc:chgData name="Otto Schefer" userId="fd5a25951ba882f8" providerId="LiveId" clId="{01312597-0B54-46BE-906A-F240F5E61C87}"/>
     <pc:docChg chg="undo custSel addSld delSld modSld">
-      <pc:chgData name="Otto Schefer" userId="fd5a25951ba882f8" providerId="LiveId" clId="{01312597-0B54-46BE-906A-F240F5E61C87}" dt="2021-05-25T22:59:06.908" v="515" actId="1076"/>
+      <pc:chgData name="Otto Schefer" userId="fd5a25951ba882f8" providerId="LiveId" clId="{01312597-0B54-46BE-906A-F240F5E61C87}" dt="2021-05-28T23:09:12.482" v="600" actId="14100"/>
       <pc:docMkLst>
         <pc:docMk/>
       </pc:docMkLst>
@@ -2972,6 +2973,797 @@
             <pc:docMk/>
             <pc:sldMk cId="3393602788" sldId="261"/>
             <ac:cxnSpMk id="73" creationId="{9C302CE7-F709-4473-BC0A-ABF6B05332F0}"/>
+          </ac:cxnSpMkLst>
+        </pc:cxnChg>
+      </pc:sldChg>
+      <pc:sldChg chg="addSp delSp modSp new mod">
+        <pc:chgData name="Otto Schefer" userId="fd5a25951ba882f8" providerId="LiveId" clId="{01312597-0B54-46BE-906A-F240F5E61C87}" dt="2021-05-28T23:09:12.482" v="600" actId="14100"/>
+        <pc:sldMkLst>
+          <pc:docMk/>
+          <pc:sldMk cId="3671380643" sldId="262"/>
+        </pc:sldMkLst>
+        <pc:spChg chg="del">
+          <ac:chgData name="Otto Schefer" userId="fd5a25951ba882f8" providerId="LiveId" clId="{01312597-0B54-46BE-906A-F240F5E61C87}" dt="2021-05-28T22:59:49.157" v="517" actId="478"/>
+          <ac:spMkLst>
+            <pc:docMk/>
+            <pc:sldMk cId="3671380643" sldId="262"/>
+            <ac:spMk id="2" creationId="{E187BC38-FDD4-48F3-A770-2AFBDF781355}"/>
+          </ac:spMkLst>
+        </pc:spChg>
+        <pc:spChg chg="del">
+          <ac:chgData name="Otto Schefer" userId="fd5a25951ba882f8" providerId="LiveId" clId="{01312597-0B54-46BE-906A-F240F5E61C87}" dt="2021-05-28T22:59:49.157" v="517" actId="478"/>
+          <ac:spMkLst>
+            <pc:docMk/>
+            <pc:sldMk cId="3671380643" sldId="262"/>
+            <ac:spMk id="3" creationId="{BD202761-CCA0-41A8-9219-648C4871770E}"/>
+          </ac:spMkLst>
+        </pc:spChg>
+        <pc:spChg chg="add mod">
+          <ac:chgData name="Otto Schefer" userId="fd5a25951ba882f8" providerId="LiveId" clId="{01312597-0B54-46BE-906A-F240F5E61C87}" dt="2021-05-28T23:05:54.925" v="562" actId="1076"/>
+          <ac:spMkLst>
+            <pc:docMk/>
+            <pc:sldMk cId="3671380643" sldId="262"/>
+            <ac:spMk id="4" creationId="{150E9DBA-77E3-4DDD-9AC7-C2BDA07F7EF3}"/>
+          </ac:spMkLst>
+        </pc:spChg>
+        <pc:spChg chg="add mod">
+          <ac:chgData name="Otto Schefer" userId="fd5a25951ba882f8" providerId="LiveId" clId="{01312597-0B54-46BE-906A-F240F5E61C87}" dt="2021-05-28T23:05:54.925" v="562" actId="1076"/>
+          <ac:spMkLst>
+            <pc:docMk/>
+            <pc:sldMk cId="3671380643" sldId="262"/>
+            <ac:spMk id="5" creationId="{B08573B9-7A42-49EF-AB01-3C1F71E29C0E}"/>
+          </ac:spMkLst>
+        </pc:spChg>
+        <pc:spChg chg="add mod">
+          <ac:chgData name="Otto Schefer" userId="fd5a25951ba882f8" providerId="LiveId" clId="{01312597-0B54-46BE-906A-F240F5E61C87}" dt="2021-05-28T23:05:54.925" v="562" actId="1076"/>
+          <ac:spMkLst>
+            <pc:docMk/>
+            <pc:sldMk cId="3671380643" sldId="262"/>
+            <ac:spMk id="6" creationId="{F2B27C99-9F53-4127-A897-9067684CEEF8}"/>
+          </ac:spMkLst>
+        </pc:spChg>
+        <pc:spChg chg="add mod">
+          <ac:chgData name="Otto Schefer" userId="fd5a25951ba882f8" providerId="LiveId" clId="{01312597-0B54-46BE-906A-F240F5E61C87}" dt="2021-05-28T23:05:54.925" v="562" actId="1076"/>
+          <ac:spMkLst>
+            <pc:docMk/>
+            <pc:sldMk cId="3671380643" sldId="262"/>
+            <ac:spMk id="7" creationId="{DADE993E-221F-4F45-8A03-DF6B0861879A}"/>
+          </ac:spMkLst>
+        </pc:spChg>
+        <pc:spChg chg="add mod">
+          <ac:chgData name="Otto Schefer" userId="fd5a25951ba882f8" providerId="LiveId" clId="{01312597-0B54-46BE-906A-F240F5E61C87}" dt="2021-05-28T23:05:54.925" v="562" actId="1076"/>
+          <ac:spMkLst>
+            <pc:docMk/>
+            <pc:sldMk cId="3671380643" sldId="262"/>
+            <ac:spMk id="8" creationId="{10C6ED19-BD05-449A-8DB6-A35B0DAA4897}"/>
+          </ac:spMkLst>
+        </pc:spChg>
+        <pc:spChg chg="add mod">
+          <ac:chgData name="Otto Schefer" userId="fd5a25951ba882f8" providerId="LiveId" clId="{01312597-0B54-46BE-906A-F240F5E61C87}" dt="2021-05-28T23:05:54.925" v="562" actId="1076"/>
+          <ac:spMkLst>
+            <pc:docMk/>
+            <pc:sldMk cId="3671380643" sldId="262"/>
+            <ac:spMk id="9" creationId="{EFDBC12D-563C-4A9A-9C42-CB36BB38E2F7}"/>
+          </ac:spMkLst>
+        </pc:spChg>
+        <pc:spChg chg="add mod">
+          <ac:chgData name="Otto Schefer" userId="fd5a25951ba882f8" providerId="LiveId" clId="{01312597-0B54-46BE-906A-F240F5E61C87}" dt="2021-05-28T23:05:54.925" v="562" actId="1076"/>
+          <ac:spMkLst>
+            <pc:docMk/>
+            <pc:sldMk cId="3671380643" sldId="262"/>
+            <ac:spMk id="10" creationId="{E546E868-7F58-4C02-BAD8-0F750A25112D}"/>
+          </ac:spMkLst>
+        </pc:spChg>
+        <pc:spChg chg="add mod">
+          <ac:chgData name="Otto Schefer" userId="fd5a25951ba882f8" providerId="LiveId" clId="{01312597-0B54-46BE-906A-F240F5E61C87}" dt="2021-05-28T23:05:54.925" v="562" actId="1076"/>
+          <ac:spMkLst>
+            <pc:docMk/>
+            <pc:sldMk cId="3671380643" sldId="262"/>
+            <ac:spMk id="11" creationId="{0388D829-86B7-430F-88DD-8D0B79FEE459}"/>
+          </ac:spMkLst>
+        </pc:spChg>
+        <pc:spChg chg="mod">
+          <ac:chgData name="Otto Schefer" userId="fd5a25951ba882f8" providerId="LiveId" clId="{01312597-0B54-46BE-906A-F240F5E61C87}" dt="2021-05-28T22:59:50.027" v="518"/>
+          <ac:spMkLst>
+            <pc:docMk/>
+            <pc:sldMk cId="3671380643" sldId="262"/>
+            <ac:spMk id="13" creationId="{A5250283-460D-41F2-8F7E-7C0C93BED353}"/>
+          </ac:spMkLst>
+        </pc:spChg>
+        <pc:spChg chg="mod">
+          <ac:chgData name="Otto Schefer" userId="fd5a25951ba882f8" providerId="LiveId" clId="{01312597-0B54-46BE-906A-F240F5E61C87}" dt="2021-05-28T22:59:50.027" v="518"/>
+          <ac:spMkLst>
+            <pc:docMk/>
+            <pc:sldMk cId="3671380643" sldId="262"/>
+            <ac:spMk id="14" creationId="{51A7A4C0-856E-45E7-A8AF-9874BF2E4D0A}"/>
+          </ac:spMkLst>
+        </pc:spChg>
+        <pc:spChg chg="mod">
+          <ac:chgData name="Otto Schefer" userId="fd5a25951ba882f8" providerId="LiveId" clId="{01312597-0B54-46BE-906A-F240F5E61C87}" dt="2021-05-28T22:59:50.027" v="518"/>
+          <ac:spMkLst>
+            <pc:docMk/>
+            <pc:sldMk cId="3671380643" sldId="262"/>
+            <ac:spMk id="17" creationId="{C1C35DD6-139E-4D71-A471-D78EA0764859}"/>
+          </ac:spMkLst>
+        </pc:spChg>
+        <pc:spChg chg="add mod">
+          <ac:chgData name="Otto Schefer" userId="fd5a25951ba882f8" providerId="LiveId" clId="{01312597-0B54-46BE-906A-F240F5E61C87}" dt="2021-05-28T23:05:54.925" v="562" actId="1076"/>
+          <ac:spMkLst>
+            <pc:docMk/>
+            <pc:sldMk cId="3671380643" sldId="262"/>
+            <ac:spMk id="18" creationId="{C2B6BBE3-5ABA-4198-ACE4-5220FCE3AA55}"/>
+          </ac:spMkLst>
+        </pc:spChg>
+        <pc:spChg chg="add mod">
+          <ac:chgData name="Otto Schefer" userId="fd5a25951ba882f8" providerId="LiveId" clId="{01312597-0B54-46BE-906A-F240F5E61C87}" dt="2021-05-28T23:05:54.925" v="562" actId="1076"/>
+          <ac:spMkLst>
+            <pc:docMk/>
+            <pc:sldMk cId="3671380643" sldId="262"/>
+            <ac:spMk id="19" creationId="{C3A99C12-6CFB-44DC-95AA-6C888798E633}"/>
+          </ac:spMkLst>
+        </pc:spChg>
+        <pc:spChg chg="add mod">
+          <ac:chgData name="Otto Schefer" userId="fd5a25951ba882f8" providerId="LiveId" clId="{01312597-0B54-46BE-906A-F240F5E61C87}" dt="2021-05-28T23:05:54.925" v="562" actId="1076"/>
+          <ac:spMkLst>
+            <pc:docMk/>
+            <pc:sldMk cId="3671380643" sldId="262"/>
+            <ac:spMk id="20" creationId="{D9C75ABA-2A54-4BFA-A1EF-7B291EA6AB20}"/>
+          </ac:spMkLst>
+        </pc:spChg>
+        <pc:spChg chg="add mod">
+          <ac:chgData name="Otto Schefer" userId="fd5a25951ba882f8" providerId="LiveId" clId="{01312597-0B54-46BE-906A-F240F5E61C87}" dt="2021-05-28T23:05:54.925" v="562" actId="1076"/>
+          <ac:spMkLst>
+            <pc:docMk/>
+            <pc:sldMk cId="3671380643" sldId="262"/>
+            <ac:spMk id="21" creationId="{E826FAC0-9D29-4B03-B966-2664EEE955FA}"/>
+          </ac:spMkLst>
+        </pc:spChg>
+        <pc:spChg chg="add mod">
+          <ac:chgData name="Otto Schefer" userId="fd5a25951ba882f8" providerId="LiveId" clId="{01312597-0B54-46BE-906A-F240F5E61C87}" dt="2021-05-28T23:05:54.925" v="562" actId="1076"/>
+          <ac:spMkLst>
+            <pc:docMk/>
+            <pc:sldMk cId="3671380643" sldId="262"/>
+            <ac:spMk id="27" creationId="{24AE81EB-4884-4935-A8AB-1E14E8CDAFC9}"/>
+          </ac:spMkLst>
+        </pc:spChg>
+        <pc:spChg chg="add mod">
+          <ac:chgData name="Otto Schefer" userId="fd5a25951ba882f8" providerId="LiveId" clId="{01312597-0B54-46BE-906A-F240F5E61C87}" dt="2021-05-28T23:05:54.925" v="562" actId="1076"/>
+          <ac:spMkLst>
+            <pc:docMk/>
+            <pc:sldMk cId="3671380643" sldId="262"/>
+            <ac:spMk id="29" creationId="{1EE5ADCC-3FC4-4D61-9DCD-C31067280E3D}"/>
+          </ac:spMkLst>
+        </pc:spChg>
+        <pc:spChg chg="add mod">
+          <ac:chgData name="Otto Schefer" userId="fd5a25951ba882f8" providerId="LiveId" clId="{01312597-0B54-46BE-906A-F240F5E61C87}" dt="2021-05-28T23:05:54.925" v="562" actId="1076"/>
+          <ac:spMkLst>
+            <pc:docMk/>
+            <pc:sldMk cId="3671380643" sldId="262"/>
+            <ac:spMk id="30" creationId="{B94A82F2-C875-42E8-9B52-B358E4907E76}"/>
+          </ac:spMkLst>
+        </pc:spChg>
+        <pc:spChg chg="add mod">
+          <ac:chgData name="Otto Schefer" userId="fd5a25951ba882f8" providerId="LiveId" clId="{01312597-0B54-46BE-906A-F240F5E61C87}" dt="2021-05-28T23:05:54.925" v="562" actId="1076"/>
+          <ac:spMkLst>
+            <pc:docMk/>
+            <pc:sldMk cId="3671380643" sldId="262"/>
+            <ac:spMk id="32" creationId="{8EBA1767-BE5C-4CEF-BFDD-A3D50EFAB998}"/>
+          </ac:spMkLst>
+        </pc:spChg>
+        <pc:spChg chg="add del mod">
+          <ac:chgData name="Otto Schefer" userId="fd5a25951ba882f8" providerId="LiveId" clId="{01312597-0B54-46BE-906A-F240F5E61C87}" dt="2021-05-28T23:02:18.150" v="541" actId="478"/>
+          <ac:spMkLst>
+            <pc:docMk/>
+            <pc:sldMk cId="3671380643" sldId="262"/>
+            <ac:spMk id="33" creationId="{54687FF2-637E-474E-8BBC-C214CA4738B2}"/>
+          </ac:spMkLst>
+        </pc:spChg>
+        <pc:spChg chg="add del mod">
+          <ac:chgData name="Otto Schefer" userId="fd5a25951ba882f8" providerId="LiveId" clId="{01312597-0B54-46BE-906A-F240F5E61C87}" dt="2021-05-28T23:02:18.150" v="541" actId="478"/>
+          <ac:spMkLst>
+            <pc:docMk/>
+            <pc:sldMk cId="3671380643" sldId="262"/>
+            <ac:spMk id="34" creationId="{BD2167D2-ADCB-411E-A1C7-A64E33015D7C}"/>
+          </ac:spMkLst>
+        </pc:spChg>
+        <pc:spChg chg="add mod">
+          <ac:chgData name="Otto Schefer" userId="fd5a25951ba882f8" providerId="LiveId" clId="{01312597-0B54-46BE-906A-F240F5E61C87}" dt="2021-05-28T23:05:54.925" v="562" actId="1076"/>
+          <ac:spMkLst>
+            <pc:docMk/>
+            <pc:sldMk cId="3671380643" sldId="262"/>
+            <ac:spMk id="39" creationId="{4465D5DC-F420-4320-8882-7F5039DF5776}"/>
+          </ac:spMkLst>
+        </pc:spChg>
+        <pc:spChg chg="add mod">
+          <ac:chgData name="Otto Schefer" userId="fd5a25951ba882f8" providerId="LiveId" clId="{01312597-0B54-46BE-906A-F240F5E61C87}" dt="2021-05-28T23:05:54.925" v="562" actId="1076"/>
+          <ac:spMkLst>
+            <pc:docMk/>
+            <pc:sldMk cId="3671380643" sldId="262"/>
+            <ac:spMk id="40" creationId="{2065FF15-7C99-4C2D-964F-5C90F92C96BC}"/>
+          </ac:spMkLst>
+        </pc:spChg>
+        <pc:spChg chg="add mod">
+          <ac:chgData name="Otto Schefer" userId="fd5a25951ba882f8" providerId="LiveId" clId="{01312597-0B54-46BE-906A-F240F5E61C87}" dt="2021-05-28T23:05:54.925" v="562" actId="1076"/>
+          <ac:spMkLst>
+            <pc:docMk/>
+            <pc:sldMk cId="3671380643" sldId="262"/>
+            <ac:spMk id="41" creationId="{47DF0F33-EE10-4E2E-967C-B71F3EFB1F4D}"/>
+          </ac:spMkLst>
+        </pc:spChg>
+        <pc:spChg chg="add mod">
+          <ac:chgData name="Otto Schefer" userId="fd5a25951ba882f8" providerId="LiveId" clId="{01312597-0B54-46BE-906A-F240F5E61C87}" dt="2021-05-28T23:05:54.925" v="562" actId="1076"/>
+          <ac:spMkLst>
+            <pc:docMk/>
+            <pc:sldMk cId="3671380643" sldId="262"/>
+            <ac:spMk id="42" creationId="{69211A33-DDAB-46AB-BEA6-74ACB8F1B679}"/>
+          </ac:spMkLst>
+        </pc:spChg>
+        <pc:spChg chg="add mod">
+          <ac:chgData name="Otto Schefer" userId="fd5a25951ba882f8" providerId="LiveId" clId="{01312597-0B54-46BE-906A-F240F5E61C87}" dt="2021-05-28T23:05:54.925" v="562" actId="1076"/>
+          <ac:spMkLst>
+            <pc:docMk/>
+            <pc:sldMk cId="3671380643" sldId="262"/>
+            <ac:spMk id="43" creationId="{DC8F3320-CDA5-4139-970A-D8052C7ED2C6}"/>
+          </ac:spMkLst>
+        </pc:spChg>
+        <pc:spChg chg="add mod">
+          <ac:chgData name="Otto Schefer" userId="fd5a25951ba882f8" providerId="LiveId" clId="{01312597-0B54-46BE-906A-F240F5E61C87}" dt="2021-05-28T23:05:54.925" v="562" actId="1076"/>
+          <ac:spMkLst>
+            <pc:docMk/>
+            <pc:sldMk cId="3671380643" sldId="262"/>
+            <ac:spMk id="44" creationId="{FE866419-58CA-4BED-B89E-2716E019199E}"/>
+          </ac:spMkLst>
+        </pc:spChg>
+        <pc:spChg chg="add mod">
+          <ac:chgData name="Otto Schefer" userId="fd5a25951ba882f8" providerId="LiveId" clId="{01312597-0B54-46BE-906A-F240F5E61C87}" dt="2021-05-28T23:05:54.925" v="562" actId="1076"/>
+          <ac:spMkLst>
+            <pc:docMk/>
+            <pc:sldMk cId="3671380643" sldId="262"/>
+            <ac:spMk id="45" creationId="{108AA19D-8A68-4950-81D1-408F9C0992A8}"/>
+          </ac:spMkLst>
+        </pc:spChg>
+        <pc:spChg chg="add mod">
+          <ac:chgData name="Otto Schefer" userId="fd5a25951ba882f8" providerId="LiveId" clId="{01312597-0B54-46BE-906A-F240F5E61C87}" dt="2021-05-28T23:05:54.925" v="562" actId="1076"/>
+          <ac:spMkLst>
+            <pc:docMk/>
+            <pc:sldMk cId="3671380643" sldId="262"/>
+            <ac:spMk id="47" creationId="{15346BFF-B0C6-4CE8-9CC3-6748AAE0F93C}"/>
+          </ac:spMkLst>
+        </pc:spChg>
+        <pc:spChg chg="add mod">
+          <ac:chgData name="Otto Schefer" userId="fd5a25951ba882f8" providerId="LiveId" clId="{01312597-0B54-46BE-906A-F240F5E61C87}" dt="2021-05-28T23:05:54.925" v="562" actId="1076"/>
+          <ac:spMkLst>
+            <pc:docMk/>
+            <pc:sldMk cId="3671380643" sldId="262"/>
+            <ac:spMk id="48" creationId="{465D1D2D-EA49-4FD7-9400-112CC9A09DCE}"/>
+          </ac:spMkLst>
+        </pc:spChg>
+        <pc:spChg chg="add del mod">
+          <ac:chgData name="Otto Schefer" userId="fd5a25951ba882f8" providerId="LiveId" clId="{01312597-0B54-46BE-906A-F240F5E61C87}" dt="2021-05-28T23:02:18.150" v="541" actId="478"/>
+          <ac:spMkLst>
+            <pc:docMk/>
+            <pc:sldMk cId="3671380643" sldId="262"/>
+            <ac:spMk id="49" creationId="{E343410A-2417-4B0D-AB8B-AEE2269F3D82}"/>
+          </ac:spMkLst>
+        </pc:spChg>
+        <pc:spChg chg="add del mod">
+          <ac:chgData name="Otto Schefer" userId="fd5a25951ba882f8" providerId="LiveId" clId="{01312597-0B54-46BE-906A-F240F5E61C87}" dt="2021-05-28T23:02:18.150" v="541" actId="478"/>
+          <ac:spMkLst>
+            <pc:docMk/>
+            <pc:sldMk cId="3671380643" sldId="262"/>
+            <ac:spMk id="50" creationId="{373E908F-5126-4B98-A35D-CCB739806F58}"/>
+          </ac:spMkLst>
+        </pc:spChg>
+        <pc:spChg chg="add mod">
+          <ac:chgData name="Otto Schefer" userId="fd5a25951ba882f8" providerId="LiveId" clId="{01312597-0B54-46BE-906A-F240F5E61C87}" dt="2021-05-28T23:05:54.925" v="562" actId="1076"/>
+          <ac:spMkLst>
+            <pc:docMk/>
+            <pc:sldMk cId="3671380643" sldId="262"/>
+            <ac:spMk id="53" creationId="{9D10FDCB-0028-4CEB-A807-9D12AAA412B5}"/>
+          </ac:spMkLst>
+        </pc:spChg>
+        <pc:spChg chg="add mod">
+          <ac:chgData name="Otto Schefer" userId="fd5a25951ba882f8" providerId="LiveId" clId="{01312597-0B54-46BE-906A-F240F5E61C87}" dt="2021-05-28T23:05:54.925" v="562" actId="1076"/>
+          <ac:spMkLst>
+            <pc:docMk/>
+            <pc:sldMk cId="3671380643" sldId="262"/>
+            <ac:spMk id="54" creationId="{25945BEA-4BEF-4A00-B7F5-7FBDBE4A10C1}"/>
+          </ac:spMkLst>
+        </pc:spChg>
+        <pc:spChg chg="add mod">
+          <ac:chgData name="Otto Schefer" userId="fd5a25951ba882f8" providerId="LiveId" clId="{01312597-0B54-46BE-906A-F240F5E61C87}" dt="2021-05-28T23:05:54.925" v="562" actId="1076"/>
+          <ac:spMkLst>
+            <pc:docMk/>
+            <pc:sldMk cId="3671380643" sldId="262"/>
+            <ac:spMk id="58" creationId="{FF9E555D-C141-4F2F-81EA-D30696717975}"/>
+          </ac:spMkLst>
+        </pc:spChg>
+        <pc:spChg chg="add mod">
+          <ac:chgData name="Otto Schefer" userId="fd5a25951ba882f8" providerId="LiveId" clId="{01312597-0B54-46BE-906A-F240F5E61C87}" dt="2021-05-28T23:05:54.925" v="562" actId="1076"/>
+          <ac:spMkLst>
+            <pc:docMk/>
+            <pc:sldMk cId="3671380643" sldId="262"/>
+            <ac:spMk id="59" creationId="{598BBEE0-233E-40C6-832E-E8789EFEFF9D}"/>
+          </ac:spMkLst>
+        </pc:spChg>
+        <pc:spChg chg="add mod">
+          <ac:chgData name="Otto Schefer" userId="fd5a25951ba882f8" providerId="LiveId" clId="{01312597-0B54-46BE-906A-F240F5E61C87}" dt="2021-05-28T23:05:54.925" v="562" actId="1076"/>
+          <ac:spMkLst>
+            <pc:docMk/>
+            <pc:sldMk cId="3671380643" sldId="262"/>
+            <ac:spMk id="60" creationId="{34B66053-2571-444E-B63D-9F01168B3AC3}"/>
+          </ac:spMkLst>
+        </pc:spChg>
+        <pc:spChg chg="mod">
+          <ac:chgData name="Otto Schefer" userId="fd5a25951ba882f8" providerId="LiveId" clId="{01312597-0B54-46BE-906A-F240F5E61C87}" dt="2021-05-28T22:59:50.027" v="518"/>
+          <ac:spMkLst>
+            <pc:docMk/>
+            <pc:sldMk cId="3671380643" sldId="262"/>
+            <ac:spMk id="64" creationId="{E3B241AE-50A7-4566-9B02-614141640B59}"/>
+          </ac:spMkLst>
+        </pc:spChg>
+        <pc:spChg chg="add mod">
+          <ac:chgData name="Otto Schefer" userId="fd5a25951ba882f8" providerId="LiveId" clId="{01312597-0B54-46BE-906A-F240F5E61C87}" dt="2021-05-28T23:05:54.925" v="562" actId="1076"/>
+          <ac:spMkLst>
+            <pc:docMk/>
+            <pc:sldMk cId="3671380643" sldId="262"/>
+            <ac:spMk id="75" creationId="{253DEBF4-DA29-4397-AC6C-7E0252F51AE5}"/>
+          </ac:spMkLst>
+        </pc:spChg>
+        <pc:spChg chg="add mod">
+          <ac:chgData name="Otto Schefer" userId="fd5a25951ba882f8" providerId="LiveId" clId="{01312597-0B54-46BE-906A-F240F5E61C87}" dt="2021-05-28T23:05:54.925" v="562" actId="1076"/>
+          <ac:spMkLst>
+            <pc:docMk/>
+            <pc:sldMk cId="3671380643" sldId="262"/>
+            <ac:spMk id="76" creationId="{CAA6E96F-92F1-4BD0-9FE4-DFCF876F85B8}"/>
+          </ac:spMkLst>
+        </pc:spChg>
+        <pc:spChg chg="add mod">
+          <ac:chgData name="Otto Schefer" userId="fd5a25951ba882f8" providerId="LiveId" clId="{01312597-0B54-46BE-906A-F240F5E61C87}" dt="2021-05-28T23:08:21.522" v="591" actId="1076"/>
+          <ac:spMkLst>
+            <pc:docMk/>
+            <pc:sldMk cId="3671380643" sldId="262"/>
+            <ac:spMk id="80" creationId="{F1F8EE50-C5DE-4E57-97F3-859986A04AFB}"/>
+          </ac:spMkLst>
+        </pc:spChg>
+        <pc:spChg chg="add mod">
+          <ac:chgData name="Otto Schefer" userId="fd5a25951ba882f8" providerId="LiveId" clId="{01312597-0B54-46BE-906A-F240F5E61C87}" dt="2021-05-28T23:08:21.522" v="591" actId="1076"/>
+          <ac:spMkLst>
+            <pc:docMk/>
+            <pc:sldMk cId="3671380643" sldId="262"/>
+            <ac:spMk id="81" creationId="{62894AE6-C8C4-45C0-8B13-0ACD07EDE298}"/>
+          </ac:spMkLst>
+        </pc:spChg>
+        <pc:spChg chg="add mod">
+          <ac:chgData name="Otto Schefer" userId="fd5a25951ba882f8" providerId="LiveId" clId="{01312597-0B54-46BE-906A-F240F5E61C87}" dt="2021-05-28T23:08:21.522" v="591" actId="1076"/>
+          <ac:spMkLst>
+            <pc:docMk/>
+            <pc:sldMk cId="3671380643" sldId="262"/>
+            <ac:spMk id="82" creationId="{567FC36A-1D56-42C3-830E-6202A925EA6E}"/>
+          </ac:spMkLst>
+        </pc:spChg>
+        <pc:spChg chg="add mod">
+          <ac:chgData name="Otto Schefer" userId="fd5a25951ba882f8" providerId="LiveId" clId="{01312597-0B54-46BE-906A-F240F5E61C87}" dt="2021-05-28T23:08:21.522" v="591" actId="1076"/>
+          <ac:spMkLst>
+            <pc:docMk/>
+            <pc:sldMk cId="3671380643" sldId="262"/>
+            <ac:spMk id="83" creationId="{5F559539-6E59-4468-B5D2-21926423AF77}"/>
+          </ac:spMkLst>
+        </pc:spChg>
+        <pc:spChg chg="add mod">
+          <ac:chgData name="Otto Schefer" userId="fd5a25951ba882f8" providerId="LiveId" clId="{01312597-0B54-46BE-906A-F240F5E61C87}" dt="2021-05-28T23:08:21.522" v="591" actId="1076"/>
+          <ac:spMkLst>
+            <pc:docMk/>
+            <pc:sldMk cId="3671380643" sldId="262"/>
+            <ac:spMk id="84" creationId="{2834D9ED-F013-4933-AC32-66CFA89EC634}"/>
+          </ac:spMkLst>
+        </pc:spChg>
+        <pc:spChg chg="add mod">
+          <ac:chgData name="Otto Schefer" userId="fd5a25951ba882f8" providerId="LiveId" clId="{01312597-0B54-46BE-906A-F240F5E61C87}" dt="2021-05-28T23:08:21.522" v="591" actId="1076"/>
+          <ac:spMkLst>
+            <pc:docMk/>
+            <pc:sldMk cId="3671380643" sldId="262"/>
+            <ac:spMk id="85" creationId="{C628AB43-024E-4891-8187-11837A008E88}"/>
+          </ac:spMkLst>
+        </pc:spChg>
+        <pc:spChg chg="add mod">
+          <ac:chgData name="Otto Schefer" userId="fd5a25951ba882f8" providerId="LiveId" clId="{01312597-0B54-46BE-906A-F240F5E61C87}" dt="2021-05-28T23:06:29.797" v="569" actId="1076"/>
+          <ac:spMkLst>
+            <pc:docMk/>
+            <pc:sldMk cId="3671380643" sldId="262"/>
+            <ac:spMk id="86" creationId="{D4FF3007-0B6D-4935-AE6B-EA94EC5D61DB}"/>
+          </ac:spMkLst>
+        </pc:spChg>
+        <pc:spChg chg="add mod">
+          <ac:chgData name="Otto Schefer" userId="fd5a25951ba882f8" providerId="LiveId" clId="{01312597-0B54-46BE-906A-F240F5E61C87}" dt="2021-05-28T23:07:49.829" v="585" actId="571"/>
+          <ac:spMkLst>
+            <pc:docMk/>
+            <pc:sldMk cId="3671380643" sldId="262"/>
+            <ac:spMk id="115" creationId="{6F2B4D7A-8A99-43DD-A154-FD654A89017F}"/>
+          </ac:spMkLst>
+        </pc:spChg>
+        <pc:spChg chg="add mod">
+          <ac:chgData name="Otto Schefer" userId="fd5a25951ba882f8" providerId="LiveId" clId="{01312597-0B54-46BE-906A-F240F5E61C87}" dt="2021-05-28T23:07:58.487" v="587" actId="1076"/>
+          <ac:spMkLst>
+            <pc:docMk/>
+            <pc:sldMk cId="3671380643" sldId="262"/>
+            <ac:spMk id="117" creationId="{C095A549-7820-4616-9A9F-987F2BBEB664}"/>
+          </ac:spMkLst>
+        </pc:spChg>
+        <pc:grpChg chg="add del mod">
+          <ac:chgData name="Otto Schefer" userId="fd5a25951ba882f8" providerId="LiveId" clId="{01312597-0B54-46BE-906A-F240F5E61C87}" dt="2021-05-28T23:00:06.695" v="519" actId="478"/>
+          <ac:grpSpMkLst>
+            <pc:docMk/>
+            <pc:sldMk cId="3671380643" sldId="262"/>
+            <ac:grpSpMk id="12" creationId="{5DBFF289-1CB0-45D5-B5C3-2E65DE8A6D29}"/>
+          </ac:grpSpMkLst>
+        </pc:grpChg>
+        <pc:grpChg chg="add del mod">
+          <ac:chgData name="Otto Schefer" userId="fd5a25951ba882f8" providerId="LiveId" clId="{01312597-0B54-46BE-906A-F240F5E61C87}" dt="2021-05-28T23:01:10.421" v="536" actId="478"/>
+          <ac:grpSpMkLst>
+            <pc:docMk/>
+            <pc:sldMk cId="3671380643" sldId="262"/>
+            <ac:grpSpMk id="61" creationId="{6A857747-ECEB-4C62-8DD8-F829E608CC75}"/>
+          </ac:grpSpMkLst>
+        </pc:grpChg>
+        <pc:grpChg chg="mod">
+          <ac:chgData name="Otto Schefer" userId="fd5a25951ba882f8" providerId="LiveId" clId="{01312597-0B54-46BE-906A-F240F5E61C87}" dt="2021-05-28T22:59:50.027" v="518"/>
+          <ac:grpSpMkLst>
+            <pc:docMk/>
+            <pc:sldMk cId="3671380643" sldId="262"/>
+            <ac:grpSpMk id="67" creationId="{FAE7CA2E-F2A2-461D-AB43-47AE27F98B54}"/>
+          </ac:grpSpMkLst>
+        </pc:grpChg>
+        <pc:cxnChg chg="mod">
+          <ac:chgData name="Otto Schefer" userId="fd5a25951ba882f8" providerId="LiveId" clId="{01312597-0B54-46BE-906A-F240F5E61C87}" dt="2021-05-28T22:59:50.027" v="518"/>
+          <ac:cxnSpMkLst>
+            <pc:docMk/>
+            <pc:sldMk cId="3671380643" sldId="262"/>
+            <ac:cxnSpMk id="15" creationId="{0167B22F-23EF-4718-9E92-C8A7A3B44E48}"/>
+          </ac:cxnSpMkLst>
+        </pc:cxnChg>
+        <pc:cxnChg chg="mod">
+          <ac:chgData name="Otto Schefer" userId="fd5a25951ba882f8" providerId="LiveId" clId="{01312597-0B54-46BE-906A-F240F5E61C87}" dt="2021-05-28T22:59:50.027" v="518"/>
+          <ac:cxnSpMkLst>
+            <pc:docMk/>
+            <pc:sldMk cId="3671380643" sldId="262"/>
+            <ac:cxnSpMk id="16" creationId="{C7991D52-247F-40E0-8E32-588F70D646E5}"/>
+          </ac:cxnSpMkLst>
+        </pc:cxnChg>
+        <pc:cxnChg chg="add mod">
+          <ac:chgData name="Otto Schefer" userId="fd5a25951ba882f8" providerId="LiveId" clId="{01312597-0B54-46BE-906A-F240F5E61C87}" dt="2021-05-28T23:05:54.925" v="562" actId="1076"/>
+          <ac:cxnSpMkLst>
+            <pc:docMk/>
+            <pc:sldMk cId="3671380643" sldId="262"/>
+            <ac:cxnSpMk id="22" creationId="{F3635D66-5999-427D-A4D2-EE938D087D52}"/>
+          </ac:cxnSpMkLst>
+        </pc:cxnChg>
+        <pc:cxnChg chg="add mod">
+          <ac:chgData name="Otto Schefer" userId="fd5a25951ba882f8" providerId="LiveId" clId="{01312597-0B54-46BE-906A-F240F5E61C87}" dt="2021-05-28T23:05:54.925" v="562" actId="1076"/>
+          <ac:cxnSpMkLst>
+            <pc:docMk/>
+            <pc:sldMk cId="3671380643" sldId="262"/>
+            <ac:cxnSpMk id="23" creationId="{DAD74B2E-D647-480F-AA95-5E58D766A97F}"/>
+          </ac:cxnSpMkLst>
+        </pc:cxnChg>
+        <pc:cxnChg chg="add mod">
+          <ac:chgData name="Otto Schefer" userId="fd5a25951ba882f8" providerId="LiveId" clId="{01312597-0B54-46BE-906A-F240F5E61C87}" dt="2021-05-28T23:05:54.925" v="562" actId="1076"/>
+          <ac:cxnSpMkLst>
+            <pc:docMk/>
+            <pc:sldMk cId="3671380643" sldId="262"/>
+            <ac:cxnSpMk id="24" creationId="{D382CEA5-DA76-4B01-8012-2A10CF47A22E}"/>
+          </ac:cxnSpMkLst>
+        </pc:cxnChg>
+        <pc:cxnChg chg="add del mod">
+          <ac:chgData name="Otto Schefer" userId="fd5a25951ba882f8" providerId="LiveId" clId="{01312597-0B54-46BE-906A-F240F5E61C87}" dt="2021-05-28T23:06:02.212" v="565" actId="478"/>
+          <ac:cxnSpMkLst>
+            <pc:docMk/>
+            <pc:sldMk cId="3671380643" sldId="262"/>
+            <ac:cxnSpMk id="25" creationId="{D4E36AF1-F96C-46A0-9253-A354F7F0A0E5}"/>
+          </ac:cxnSpMkLst>
+        </pc:cxnChg>
+        <pc:cxnChg chg="add del mod">
+          <ac:chgData name="Otto Schefer" userId="fd5a25951ba882f8" providerId="LiveId" clId="{01312597-0B54-46BE-906A-F240F5E61C87}" dt="2021-05-28T23:03:20.836" v="544" actId="478"/>
+          <ac:cxnSpMkLst>
+            <pc:docMk/>
+            <pc:sldMk cId="3671380643" sldId="262"/>
+            <ac:cxnSpMk id="26" creationId="{D9419B7C-5049-4B64-B420-E57082EE39F4}"/>
+          </ac:cxnSpMkLst>
+        </pc:cxnChg>
+        <pc:cxnChg chg="add mod">
+          <ac:chgData name="Otto Schefer" userId="fd5a25951ba882f8" providerId="LiveId" clId="{01312597-0B54-46BE-906A-F240F5E61C87}" dt="2021-05-28T23:05:54.925" v="562" actId="1076"/>
+          <ac:cxnSpMkLst>
+            <pc:docMk/>
+            <pc:sldMk cId="3671380643" sldId="262"/>
+            <ac:cxnSpMk id="28" creationId="{A322843B-0DAE-44A8-8CAD-290EF1932849}"/>
+          </ac:cxnSpMkLst>
+        </pc:cxnChg>
+        <pc:cxnChg chg="add mod">
+          <ac:chgData name="Otto Schefer" userId="fd5a25951ba882f8" providerId="LiveId" clId="{01312597-0B54-46BE-906A-F240F5E61C87}" dt="2021-05-28T23:05:54.925" v="562" actId="1076"/>
+          <ac:cxnSpMkLst>
+            <pc:docMk/>
+            <pc:sldMk cId="3671380643" sldId="262"/>
+            <ac:cxnSpMk id="31" creationId="{26BE0AF0-534A-41D4-84A4-B538CE2128DF}"/>
+          </ac:cxnSpMkLst>
+        </pc:cxnChg>
+        <pc:cxnChg chg="add mod">
+          <ac:chgData name="Otto Schefer" userId="fd5a25951ba882f8" providerId="LiveId" clId="{01312597-0B54-46BE-906A-F240F5E61C87}" dt="2021-05-28T23:05:54.925" v="562" actId="1076"/>
+          <ac:cxnSpMkLst>
+            <pc:docMk/>
+            <pc:sldMk cId="3671380643" sldId="262"/>
+            <ac:cxnSpMk id="35" creationId="{239C69AC-2615-4357-9AB0-F15D3AC51369}"/>
+          </ac:cxnSpMkLst>
+        </pc:cxnChg>
+        <pc:cxnChg chg="add mod">
+          <ac:chgData name="Otto Schefer" userId="fd5a25951ba882f8" providerId="LiveId" clId="{01312597-0B54-46BE-906A-F240F5E61C87}" dt="2021-05-28T23:05:54.925" v="562" actId="1076"/>
+          <ac:cxnSpMkLst>
+            <pc:docMk/>
+            <pc:sldMk cId="3671380643" sldId="262"/>
+            <ac:cxnSpMk id="36" creationId="{367C28A4-20B1-493D-BF64-89DCDEF76EC9}"/>
+          </ac:cxnSpMkLst>
+        </pc:cxnChg>
+        <pc:cxnChg chg="add del mod">
+          <ac:chgData name="Otto Schefer" userId="fd5a25951ba882f8" providerId="LiveId" clId="{01312597-0B54-46BE-906A-F240F5E61C87}" dt="2021-05-28T23:03:22.261" v="545" actId="478"/>
+          <ac:cxnSpMkLst>
+            <pc:docMk/>
+            <pc:sldMk cId="3671380643" sldId="262"/>
+            <ac:cxnSpMk id="37" creationId="{B249B99A-4EF4-4EBA-9BC5-F470E21E5F11}"/>
+          </ac:cxnSpMkLst>
+        </pc:cxnChg>
+        <pc:cxnChg chg="add mod">
+          <ac:chgData name="Otto Schefer" userId="fd5a25951ba882f8" providerId="LiveId" clId="{01312597-0B54-46BE-906A-F240F5E61C87}" dt="2021-05-28T23:05:54.925" v="562" actId="1076"/>
+          <ac:cxnSpMkLst>
+            <pc:docMk/>
+            <pc:sldMk cId="3671380643" sldId="262"/>
+            <ac:cxnSpMk id="38" creationId="{BC7CFDAD-2F9D-4B0E-AF1A-3637F27446E5}"/>
+          </ac:cxnSpMkLst>
+        </pc:cxnChg>
+        <pc:cxnChg chg="add mod">
+          <ac:chgData name="Otto Schefer" userId="fd5a25951ba882f8" providerId="LiveId" clId="{01312597-0B54-46BE-906A-F240F5E61C87}" dt="2021-05-28T23:05:54.925" v="562" actId="1076"/>
+          <ac:cxnSpMkLst>
+            <pc:docMk/>
+            <pc:sldMk cId="3671380643" sldId="262"/>
+            <ac:cxnSpMk id="46" creationId="{5C1DEE24-F3CF-47D1-BC50-47A24500B1A2}"/>
+          </ac:cxnSpMkLst>
+        </pc:cxnChg>
+        <pc:cxnChg chg="add del mod">
+          <ac:chgData name="Otto Schefer" userId="fd5a25951ba882f8" providerId="LiveId" clId="{01312597-0B54-46BE-906A-F240F5E61C87}" dt="2021-05-28T23:02:23.558" v="542" actId="478"/>
+          <ac:cxnSpMkLst>
+            <pc:docMk/>
+            <pc:sldMk cId="3671380643" sldId="262"/>
+            <ac:cxnSpMk id="51" creationId="{70BB0A63-AA0B-4885-82B2-19B6CD139678}"/>
+          </ac:cxnSpMkLst>
+        </pc:cxnChg>
+        <pc:cxnChg chg="add del mod">
+          <ac:chgData name="Otto Schefer" userId="fd5a25951ba882f8" providerId="LiveId" clId="{01312597-0B54-46BE-906A-F240F5E61C87}" dt="2021-05-28T23:02:18.150" v="541" actId="478"/>
+          <ac:cxnSpMkLst>
+            <pc:docMk/>
+            <pc:sldMk cId="3671380643" sldId="262"/>
+            <ac:cxnSpMk id="52" creationId="{D21B2577-0FFE-4C9D-A78F-133EA6F40124}"/>
+          </ac:cxnSpMkLst>
+        </pc:cxnChg>
+        <pc:cxnChg chg="add mod">
+          <ac:chgData name="Otto Schefer" userId="fd5a25951ba882f8" providerId="LiveId" clId="{01312597-0B54-46BE-906A-F240F5E61C87}" dt="2021-05-28T23:05:54.925" v="562" actId="1076"/>
+          <ac:cxnSpMkLst>
+            <pc:docMk/>
+            <pc:sldMk cId="3671380643" sldId="262"/>
+            <ac:cxnSpMk id="55" creationId="{D634ECED-EEF7-4460-95F7-F3524BB708A0}"/>
+          </ac:cxnSpMkLst>
+        </pc:cxnChg>
+        <pc:cxnChg chg="add mod">
+          <ac:chgData name="Otto Schefer" userId="fd5a25951ba882f8" providerId="LiveId" clId="{01312597-0B54-46BE-906A-F240F5E61C87}" dt="2021-05-28T23:05:54.925" v="562" actId="1076"/>
+          <ac:cxnSpMkLst>
+            <pc:docMk/>
+            <pc:sldMk cId="3671380643" sldId="262"/>
+            <ac:cxnSpMk id="56" creationId="{AFC32239-6435-461F-913D-E2DCEBD06E73}"/>
+          </ac:cxnSpMkLst>
+        </pc:cxnChg>
+        <pc:cxnChg chg="add mod">
+          <ac:chgData name="Otto Schefer" userId="fd5a25951ba882f8" providerId="LiveId" clId="{01312597-0B54-46BE-906A-F240F5E61C87}" dt="2021-05-28T23:05:54.925" v="562" actId="1076"/>
+          <ac:cxnSpMkLst>
+            <pc:docMk/>
+            <pc:sldMk cId="3671380643" sldId="262"/>
+            <ac:cxnSpMk id="57" creationId="{C0A1ED54-982C-4742-B411-249F33438CC4}"/>
+          </ac:cxnSpMkLst>
+        </pc:cxnChg>
+        <pc:cxnChg chg="mod">
+          <ac:chgData name="Otto Schefer" userId="fd5a25951ba882f8" providerId="LiveId" clId="{01312597-0B54-46BE-906A-F240F5E61C87}" dt="2021-05-28T22:59:50.027" v="518"/>
+          <ac:cxnSpMkLst>
+            <pc:docMk/>
+            <pc:sldMk cId="3671380643" sldId="262"/>
+            <ac:cxnSpMk id="62" creationId="{FA8AEBED-BB13-436C-BC65-8B1CEAD5340E}"/>
+          </ac:cxnSpMkLst>
+        </pc:cxnChg>
+        <pc:cxnChg chg="mod">
+          <ac:chgData name="Otto Schefer" userId="fd5a25951ba882f8" providerId="LiveId" clId="{01312597-0B54-46BE-906A-F240F5E61C87}" dt="2021-05-28T22:59:50.027" v="518"/>
+          <ac:cxnSpMkLst>
+            <pc:docMk/>
+            <pc:sldMk cId="3671380643" sldId="262"/>
+            <ac:cxnSpMk id="63" creationId="{515664B3-DA63-46A9-A8CA-81E320DEE646}"/>
+          </ac:cxnSpMkLst>
+        </pc:cxnChg>
+        <pc:cxnChg chg="mod">
+          <ac:chgData name="Otto Schefer" userId="fd5a25951ba882f8" providerId="LiveId" clId="{01312597-0B54-46BE-906A-F240F5E61C87}" dt="2021-05-28T22:59:50.027" v="518"/>
+          <ac:cxnSpMkLst>
+            <pc:docMk/>
+            <pc:sldMk cId="3671380643" sldId="262"/>
+            <ac:cxnSpMk id="65" creationId="{C9975C40-7352-4D65-BB58-E093BE2B2E20}"/>
+          </ac:cxnSpMkLst>
+        </pc:cxnChg>
+        <pc:cxnChg chg="mod">
+          <ac:chgData name="Otto Schefer" userId="fd5a25951ba882f8" providerId="LiveId" clId="{01312597-0B54-46BE-906A-F240F5E61C87}" dt="2021-05-28T22:59:50.027" v="518"/>
+          <ac:cxnSpMkLst>
+            <pc:docMk/>
+            <pc:sldMk cId="3671380643" sldId="262"/>
+            <ac:cxnSpMk id="66" creationId="{D588CE72-4999-4DE8-812C-4F5C531DAA53}"/>
+          </ac:cxnSpMkLst>
+        </pc:cxnChg>
+        <pc:cxnChg chg="mod">
+          <ac:chgData name="Otto Schefer" userId="fd5a25951ba882f8" providerId="LiveId" clId="{01312597-0B54-46BE-906A-F240F5E61C87}" dt="2021-05-28T22:59:50.027" v="518"/>
+          <ac:cxnSpMkLst>
+            <pc:docMk/>
+            <pc:sldMk cId="3671380643" sldId="262"/>
+            <ac:cxnSpMk id="68" creationId="{E0222DA0-B00C-4BBF-AAB5-FEB3AC2C97E5}"/>
+          </ac:cxnSpMkLst>
+        </pc:cxnChg>
+        <pc:cxnChg chg="mod">
+          <ac:chgData name="Otto Schefer" userId="fd5a25951ba882f8" providerId="LiveId" clId="{01312597-0B54-46BE-906A-F240F5E61C87}" dt="2021-05-28T22:59:50.027" v="518"/>
+          <ac:cxnSpMkLst>
+            <pc:docMk/>
+            <pc:sldMk cId="3671380643" sldId="262"/>
+            <ac:cxnSpMk id="69" creationId="{405966A6-1BB0-4A81-9012-AF0DD918BD04}"/>
+          </ac:cxnSpMkLst>
+        </pc:cxnChg>
+        <pc:cxnChg chg="add del mod">
+          <ac:chgData name="Otto Schefer" userId="fd5a25951ba882f8" providerId="LiveId" clId="{01312597-0B54-46BE-906A-F240F5E61C87}" dt="2021-05-28T23:03:58.134" v="551" actId="478"/>
+          <ac:cxnSpMkLst>
+            <pc:docMk/>
+            <pc:sldMk cId="3671380643" sldId="262"/>
+            <ac:cxnSpMk id="87" creationId="{B3BBFF6B-7631-44AF-A174-1542946C5E08}"/>
+          </ac:cxnSpMkLst>
+        </pc:cxnChg>
+        <pc:cxnChg chg="add del mod">
+          <ac:chgData name="Otto Schefer" userId="fd5a25951ba882f8" providerId="LiveId" clId="{01312597-0B54-46BE-906A-F240F5E61C87}" dt="2021-05-28T23:03:55.237" v="549" actId="478"/>
+          <ac:cxnSpMkLst>
+            <pc:docMk/>
+            <pc:sldMk cId="3671380643" sldId="262"/>
+            <ac:cxnSpMk id="88" creationId="{7AD93466-45A8-4B4C-93A0-383B5132080D}"/>
+          </ac:cxnSpMkLst>
+        </pc:cxnChg>
+        <pc:cxnChg chg="add del mod">
+          <ac:chgData name="Otto Schefer" userId="fd5a25951ba882f8" providerId="LiveId" clId="{01312597-0B54-46BE-906A-F240F5E61C87}" dt="2021-05-28T23:03:56.278" v="550" actId="478"/>
+          <ac:cxnSpMkLst>
+            <pc:docMk/>
+            <pc:sldMk cId="3671380643" sldId="262"/>
+            <ac:cxnSpMk id="89" creationId="{05F6D80B-3624-42C4-8891-29397A400FCE}"/>
+          </ac:cxnSpMkLst>
+        </pc:cxnChg>
+        <pc:cxnChg chg="add del mod">
+          <ac:chgData name="Otto Schefer" userId="fd5a25951ba882f8" providerId="LiveId" clId="{01312597-0B54-46BE-906A-F240F5E61C87}" dt="2021-05-28T23:04:03.349" v="552" actId="478"/>
+          <ac:cxnSpMkLst>
+            <pc:docMk/>
+            <pc:sldMk cId="3671380643" sldId="262"/>
+            <ac:cxnSpMk id="90" creationId="{A15D0522-DA50-4F89-9399-34BB037F2856}"/>
+          </ac:cxnSpMkLst>
+        </pc:cxnChg>
+        <pc:cxnChg chg="add del mod">
+          <ac:chgData name="Otto Schefer" userId="fd5a25951ba882f8" providerId="LiveId" clId="{01312597-0B54-46BE-906A-F240F5E61C87}" dt="2021-05-28T23:04:05.318" v="554" actId="478"/>
+          <ac:cxnSpMkLst>
+            <pc:docMk/>
+            <pc:sldMk cId="3671380643" sldId="262"/>
+            <ac:cxnSpMk id="91" creationId="{E18C466F-7428-42BF-A48E-F679C151AAFF}"/>
+          </ac:cxnSpMkLst>
+        </pc:cxnChg>
+        <pc:cxnChg chg="add del mod">
+          <ac:chgData name="Otto Schefer" userId="fd5a25951ba882f8" providerId="LiveId" clId="{01312597-0B54-46BE-906A-F240F5E61C87}" dt="2021-05-28T23:04:04.566" v="553" actId="478"/>
+          <ac:cxnSpMkLst>
+            <pc:docMk/>
+            <pc:sldMk cId="3671380643" sldId="262"/>
+            <ac:cxnSpMk id="92" creationId="{96806ED5-7432-476B-AE88-5CAF55AF6ED1}"/>
+          </ac:cxnSpMkLst>
+        </pc:cxnChg>
+        <pc:cxnChg chg="add mod">
+          <ac:chgData name="Otto Schefer" userId="fd5a25951ba882f8" providerId="LiveId" clId="{01312597-0B54-46BE-906A-F240F5E61C87}" dt="2021-05-28T23:08:51.600" v="595" actId="208"/>
+          <ac:cxnSpMkLst>
+            <pc:docMk/>
+            <pc:sldMk cId="3671380643" sldId="262"/>
+            <ac:cxnSpMk id="95" creationId="{C95855CB-BED4-4389-8FDF-33E0585FCFAB}"/>
+          </ac:cxnSpMkLst>
+        </pc:cxnChg>
+        <pc:cxnChg chg="add mod">
+          <ac:chgData name="Otto Schefer" userId="fd5a25951ba882f8" providerId="LiveId" clId="{01312597-0B54-46BE-906A-F240F5E61C87}" dt="2021-05-28T23:08:51.600" v="595" actId="208"/>
+          <ac:cxnSpMkLst>
+            <pc:docMk/>
+            <pc:sldMk cId="3671380643" sldId="262"/>
+            <ac:cxnSpMk id="97" creationId="{5C5065A0-2FFE-45B6-B978-2E5FB34A3DDC}"/>
+          </ac:cxnSpMkLst>
+        </pc:cxnChg>
+        <pc:cxnChg chg="add mod">
+          <ac:chgData name="Otto Schefer" userId="fd5a25951ba882f8" providerId="LiveId" clId="{01312597-0B54-46BE-906A-F240F5E61C87}" dt="2021-05-28T23:08:51.600" v="595" actId="208"/>
+          <ac:cxnSpMkLst>
+            <pc:docMk/>
+            <pc:sldMk cId="3671380643" sldId="262"/>
+            <ac:cxnSpMk id="103" creationId="{F85B3F9B-27FB-4446-AF92-939BC2BF630D}"/>
+          </ac:cxnSpMkLst>
+        </pc:cxnChg>
+        <pc:cxnChg chg="add del mod">
+          <ac:chgData name="Otto Schefer" userId="fd5a25951ba882f8" providerId="LiveId" clId="{01312597-0B54-46BE-906A-F240F5E61C87}" dt="2021-05-28T23:07:04.485" v="577" actId="478"/>
+          <ac:cxnSpMkLst>
+            <pc:docMk/>
+            <pc:sldMk cId="3671380643" sldId="262"/>
+            <ac:cxnSpMk id="106" creationId="{7453DFC7-A4EE-4AEB-BE71-C6872A05C3A1}"/>
+          </ac:cxnSpMkLst>
+        </pc:cxnChg>
+        <pc:cxnChg chg="add del mod">
+          <ac:chgData name="Otto Schefer" userId="fd5a25951ba882f8" providerId="LiveId" clId="{01312597-0B54-46BE-906A-F240F5E61C87}" dt="2021-05-28T23:07:28.038" v="582" actId="478"/>
+          <ac:cxnSpMkLst>
+            <pc:docMk/>
+            <pc:sldMk cId="3671380643" sldId="262"/>
+            <ac:cxnSpMk id="109" creationId="{903097C2-131A-439A-AD37-0D3108745B66}"/>
+          </ac:cxnSpMkLst>
+        </pc:cxnChg>
+        <pc:cxnChg chg="add mod">
+          <ac:chgData name="Otto Schefer" userId="fd5a25951ba882f8" providerId="LiveId" clId="{01312597-0B54-46BE-906A-F240F5E61C87}" dt="2021-05-28T23:08:51.600" v="595" actId="208"/>
+          <ac:cxnSpMkLst>
+            <pc:docMk/>
+            <pc:sldMk cId="3671380643" sldId="262"/>
+            <ac:cxnSpMk id="113" creationId="{4DAE3A08-FCF5-4417-B5D3-808B6DF7DA1E}"/>
+          </ac:cxnSpMkLst>
+        </pc:cxnChg>
+        <pc:cxnChg chg="add mod">
+          <ac:chgData name="Otto Schefer" userId="fd5a25951ba882f8" providerId="LiveId" clId="{01312597-0B54-46BE-906A-F240F5E61C87}" dt="2021-05-28T23:08:51.600" v="595" actId="208"/>
+          <ac:cxnSpMkLst>
+            <pc:docMk/>
+            <pc:sldMk cId="3671380643" sldId="262"/>
+            <ac:cxnSpMk id="119" creationId="{97318D5F-174A-42A7-9AE0-78E15387A7F4}"/>
+          </ac:cxnSpMkLst>
+        </pc:cxnChg>
+        <pc:cxnChg chg="add mod">
+          <ac:chgData name="Otto Schefer" userId="fd5a25951ba882f8" providerId="LiveId" clId="{01312597-0B54-46BE-906A-F240F5E61C87}" dt="2021-05-28T23:08:51.600" v="595" actId="208"/>
+          <ac:cxnSpMkLst>
+            <pc:docMk/>
+            <pc:sldMk cId="3671380643" sldId="262"/>
+            <ac:cxnSpMk id="121" creationId="{56BA759B-8A91-4063-8964-2239BD3F15EA}"/>
+          </ac:cxnSpMkLst>
+        </pc:cxnChg>
+        <pc:cxnChg chg="add mod">
+          <ac:chgData name="Otto Schefer" userId="fd5a25951ba882f8" providerId="LiveId" clId="{01312597-0B54-46BE-906A-F240F5E61C87}" dt="2021-05-28T23:08:51.600" v="595" actId="208"/>
+          <ac:cxnSpMkLst>
+            <pc:docMk/>
+            <pc:sldMk cId="3671380643" sldId="262"/>
+            <ac:cxnSpMk id="123" creationId="{F2AEC554-BCB6-4F9A-A4E3-DB8D427CF22A}"/>
+          </ac:cxnSpMkLst>
+        </pc:cxnChg>
+        <pc:cxnChg chg="add mod">
+          <ac:chgData name="Otto Schefer" userId="fd5a25951ba882f8" providerId="LiveId" clId="{01312597-0B54-46BE-906A-F240F5E61C87}" dt="2021-05-28T23:08:51.600" v="595" actId="208"/>
+          <ac:cxnSpMkLst>
+            <pc:docMk/>
+            <pc:sldMk cId="3671380643" sldId="262"/>
+            <ac:cxnSpMk id="128" creationId="{2CF0051F-9AC1-4615-B5CB-F3170C041025}"/>
+          </ac:cxnSpMkLst>
+        </pc:cxnChg>
+        <pc:cxnChg chg="add mod">
+          <ac:chgData name="Otto Schefer" userId="fd5a25951ba882f8" providerId="LiveId" clId="{01312597-0B54-46BE-906A-F240F5E61C87}" dt="2021-05-28T23:08:51.600" v="595" actId="208"/>
+          <ac:cxnSpMkLst>
+            <pc:docMk/>
+            <pc:sldMk cId="3671380643" sldId="262"/>
+            <ac:cxnSpMk id="130" creationId="{A5701933-75C7-4440-9B74-19053966C8C1}"/>
+          </ac:cxnSpMkLst>
+        </pc:cxnChg>
+        <pc:cxnChg chg="add mod">
+          <ac:chgData name="Otto Schefer" userId="fd5a25951ba882f8" providerId="LiveId" clId="{01312597-0B54-46BE-906A-F240F5E61C87}" dt="2021-05-28T23:09:12.482" v="600" actId="14100"/>
+          <ac:cxnSpMkLst>
+            <pc:docMk/>
+            <pc:sldMk cId="3671380643" sldId="262"/>
+            <ac:cxnSpMk id="132" creationId="{74C6B836-8C0C-468B-B97E-9D0751F47EED}"/>
+          </ac:cxnSpMkLst>
+        </pc:cxnChg>
+        <pc:cxnChg chg="add mod">
+          <ac:chgData name="Otto Schefer" userId="fd5a25951ba882f8" providerId="LiveId" clId="{01312597-0B54-46BE-906A-F240F5E61C87}" dt="2021-05-28T23:09:09.212" v="599" actId="13822"/>
+          <ac:cxnSpMkLst>
+            <pc:docMk/>
+            <pc:sldMk cId="3671380643" sldId="262"/>
+            <ac:cxnSpMk id="134" creationId="{5302BA60-8113-450D-BE78-5250729D0817}"/>
           </ac:cxnSpMkLst>
         </pc:cxnChg>
       </pc:sldChg>
@@ -3127,7 +3919,7 @@
           <a:p>
             <a:fld id="{083E7580-4A74-4DC1-979A-56FFF28705FF}" type="datetimeFigureOut">
               <a:rPr lang="ru-RU" smtClean="0"/>
-              <a:t>26.05.2021</a:t>
+              <a:t>29.05.2021</a:t>
             </a:fld>
             <a:endParaRPr lang="ru-RU"/>
           </a:p>
@@ -3325,7 +4117,7 @@
           <a:p>
             <a:fld id="{083E7580-4A74-4DC1-979A-56FFF28705FF}" type="datetimeFigureOut">
               <a:rPr lang="ru-RU" smtClean="0"/>
-              <a:t>26.05.2021</a:t>
+              <a:t>29.05.2021</a:t>
             </a:fld>
             <a:endParaRPr lang="ru-RU"/>
           </a:p>
@@ -3533,7 +4325,7 @@
           <a:p>
             <a:fld id="{083E7580-4A74-4DC1-979A-56FFF28705FF}" type="datetimeFigureOut">
               <a:rPr lang="ru-RU" smtClean="0"/>
-              <a:t>26.05.2021</a:t>
+              <a:t>29.05.2021</a:t>
             </a:fld>
             <a:endParaRPr lang="ru-RU"/>
           </a:p>
@@ -3731,7 +4523,7 @@
           <a:p>
             <a:fld id="{083E7580-4A74-4DC1-979A-56FFF28705FF}" type="datetimeFigureOut">
               <a:rPr lang="ru-RU" smtClean="0"/>
-              <a:t>26.05.2021</a:t>
+              <a:t>29.05.2021</a:t>
             </a:fld>
             <a:endParaRPr lang="ru-RU"/>
           </a:p>
@@ -4006,7 +4798,7 @@
           <a:p>
             <a:fld id="{083E7580-4A74-4DC1-979A-56FFF28705FF}" type="datetimeFigureOut">
               <a:rPr lang="ru-RU" smtClean="0"/>
-              <a:t>26.05.2021</a:t>
+              <a:t>29.05.2021</a:t>
             </a:fld>
             <a:endParaRPr lang="ru-RU"/>
           </a:p>
@@ -4271,7 +5063,7 @@
           <a:p>
             <a:fld id="{083E7580-4A74-4DC1-979A-56FFF28705FF}" type="datetimeFigureOut">
               <a:rPr lang="ru-RU" smtClean="0"/>
-              <a:t>26.05.2021</a:t>
+              <a:t>29.05.2021</a:t>
             </a:fld>
             <a:endParaRPr lang="ru-RU"/>
           </a:p>
@@ -4683,7 +5475,7 @@
           <a:p>
             <a:fld id="{083E7580-4A74-4DC1-979A-56FFF28705FF}" type="datetimeFigureOut">
               <a:rPr lang="ru-RU" smtClean="0"/>
-              <a:t>26.05.2021</a:t>
+              <a:t>29.05.2021</a:t>
             </a:fld>
             <a:endParaRPr lang="ru-RU"/>
           </a:p>
@@ -4824,7 +5616,7 @@
           <a:p>
             <a:fld id="{083E7580-4A74-4DC1-979A-56FFF28705FF}" type="datetimeFigureOut">
               <a:rPr lang="ru-RU" smtClean="0"/>
-              <a:t>26.05.2021</a:t>
+              <a:t>29.05.2021</a:t>
             </a:fld>
             <a:endParaRPr lang="ru-RU"/>
           </a:p>
@@ -4937,7 +5729,7 @@
           <a:p>
             <a:fld id="{083E7580-4A74-4DC1-979A-56FFF28705FF}" type="datetimeFigureOut">
               <a:rPr lang="ru-RU" smtClean="0"/>
-              <a:t>26.05.2021</a:t>
+              <a:t>29.05.2021</a:t>
             </a:fld>
             <a:endParaRPr lang="ru-RU"/>
           </a:p>
@@ -5248,7 +6040,7 @@
           <a:p>
             <a:fld id="{083E7580-4A74-4DC1-979A-56FFF28705FF}" type="datetimeFigureOut">
               <a:rPr lang="ru-RU" smtClean="0"/>
-              <a:t>26.05.2021</a:t>
+              <a:t>29.05.2021</a:t>
             </a:fld>
             <a:endParaRPr lang="ru-RU"/>
           </a:p>
@@ -5536,7 +6328,7 @@
           <a:p>
             <a:fld id="{083E7580-4A74-4DC1-979A-56FFF28705FF}" type="datetimeFigureOut">
               <a:rPr lang="ru-RU" smtClean="0"/>
-              <a:t>26.05.2021</a:t>
+              <a:t>29.05.2021</a:t>
             </a:fld>
             <a:endParaRPr lang="ru-RU"/>
           </a:p>
@@ -5777,7 +6569,7 @@
           <a:p>
             <a:fld id="{083E7580-4A74-4DC1-979A-56FFF28705FF}" type="datetimeFigureOut">
               <a:rPr lang="ru-RU" smtClean="0"/>
-              <a:t>26.05.2021</a:t>
+              <a:t>29.05.2021</a:t>
             </a:fld>
             <a:endParaRPr lang="ru-RU"/>
           </a:p>
@@ -24688,8 +25480,8 @@
           <a:chExt cx="0" cy="0"/>
         </a:xfrm>
       </p:grpSpPr>
-      <mc:AlternateContent xmlns:mc="http://schemas.openxmlformats.org/markup-compatibility/2006">
-        <mc:Choice xmlns:a14="http://schemas.microsoft.com/office/drawing/2010/main" Requires="a14">
+      <mc:AlternateContent xmlns:mc="http://schemas.openxmlformats.org/markup-compatibility/2006" xmlns:a14="http://schemas.microsoft.com/office/drawing/2010/main">
+        <mc:Choice Requires="a14">
           <p:sp>
             <p:nvSpPr>
               <p:cNvPr id="4" name="TextBox 3">
@@ -24793,7 +25585,7 @@
             </p:txBody>
           </p:sp>
         </mc:Choice>
-        <mc:Fallback>
+        <mc:Fallback xmlns="">
           <p:sp>
             <p:nvSpPr>
               <p:cNvPr id="4" name="TextBox 3">
@@ -24838,8 +25630,8 @@
           </p:sp>
         </mc:Fallback>
       </mc:AlternateContent>
-      <mc:AlternateContent xmlns:mc="http://schemas.openxmlformats.org/markup-compatibility/2006">
-        <mc:Choice xmlns:a14="http://schemas.microsoft.com/office/drawing/2010/main" Requires="a14">
+      <mc:AlternateContent xmlns:mc="http://schemas.openxmlformats.org/markup-compatibility/2006" xmlns:a14="http://schemas.microsoft.com/office/drawing/2010/main">
+        <mc:Choice Requires="a14">
           <p:sp>
             <p:nvSpPr>
               <p:cNvPr id="5" name="TextBox 4">
@@ -24925,7 +25717,7 @@
             </p:txBody>
           </p:sp>
         </mc:Choice>
-        <mc:Fallback>
+        <mc:Fallback xmlns="">
           <p:sp>
             <p:nvSpPr>
               <p:cNvPr id="5" name="TextBox 4">
@@ -24970,8 +25762,8 @@
           </p:sp>
         </mc:Fallback>
       </mc:AlternateContent>
-      <mc:AlternateContent xmlns:mc="http://schemas.openxmlformats.org/markup-compatibility/2006">
-        <mc:Choice xmlns:a14="http://schemas.microsoft.com/office/drawing/2010/main" Requires="a14">
+      <mc:AlternateContent xmlns:mc="http://schemas.openxmlformats.org/markup-compatibility/2006" xmlns:a14="http://schemas.microsoft.com/office/drawing/2010/main">
+        <mc:Choice Requires="a14">
           <p:sp>
             <p:nvSpPr>
               <p:cNvPr id="6" name="TextBox 5">
@@ -25158,7 +25950,7 @@
             </p:txBody>
           </p:sp>
         </mc:Choice>
-        <mc:Fallback>
+        <mc:Fallback xmlns="">
           <p:sp>
             <p:nvSpPr>
               <p:cNvPr id="6" name="TextBox 5">
@@ -25203,8 +25995,8 @@
           </p:sp>
         </mc:Fallback>
       </mc:AlternateContent>
-      <mc:AlternateContent xmlns:mc="http://schemas.openxmlformats.org/markup-compatibility/2006">
-        <mc:Choice xmlns:a14="http://schemas.microsoft.com/office/drawing/2010/main" Requires="a14">
+      <mc:AlternateContent xmlns:mc="http://schemas.openxmlformats.org/markup-compatibility/2006" xmlns:a14="http://schemas.microsoft.com/office/drawing/2010/main">
+        <mc:Choice Requires="a14">
           <p:sp>
             <p:nvSpPr>
               <p:cNvPr id="7" name="TextBox 6">
@@ -25298,7 +26090,7 @@
             </p:txBody>
           </p:sp>
         </mc:Choice>
-        <mc:Fallback>
+        <mc:Fallback xmlns="">
           <p:sp>
             <p:nvSpPr>
               <p:cNvPr id="7" name="TextBox 6">
@@ -25343,8 +26135,8 @@
           </p:sp>
         </mc:Fallback>
       </mc:AlternateContent>
-      <mc:AlternateContent xmlns:mc="http://schemas.openxmlformats.org/markup-compatibility/2006">
-        <mc:Choice xmlns:a14="http://schemas.microsoft.com/office/drawing/2010/main" Requires="a14">
+      <mc:AlternateContent xmlns:mc="http://schemas.openxmlformats.org/markup-compatibility/2006" xmlns:a14="http://schemas.microsoft.com/office/drawing/2010/main">
+        <mc:Choice Requires="a14">
           <p:sp>
             <p:nvSpPr>
               <p:cNvPr id="8" name="TextBox 7">
@@ -25448,7 +26240,7 @@
             </p:txBody>
           </p:sp>
         </mc:Choice>
-        <mc:Fallback>
+        <mc:Fallback xmlns="">
           <p:sp>
             <p:nvSpPr>
               <p:cNvPr id="8" name="TextBox 7">
@@ -25962,8 +26754,8 @@
           </a:p>
         </p:txBody>
       </p:sp>
-      <mc:AlternateContent xmlns:mc="http://schemas.openxmlformats.org/markup-compatibility/2006">
-        <mc:Choice xmlns:a14="http://schemas.microsoft.com/office/drawing/2010/main" Requires="a14">
+      <mc:AlternateContent xmlns:mc="http://schemas.openxmlformats.org/markup-compatibility/2006" xmlns:a14="http://schemas.microsoft.com/office/drawing/2010/main">
+        <mc:Choice Requires="a14">
           <p:sp>
             <p:nvSpPr>
               <p:cNvPr id="19" name="TextBox 18">
@@ -26049,7 +26841,7 @@
             </p:txBody>
           </p:sp>
         </mc:Choice>
-        <mc:Fallback>
+        <mc:Fallback xmlns="">
           <p:sp>
             <p:nvSpPr>
               <p:cNvPr id="19" name="TextBox 18">
@@ -26522,8 +27314,8 @@
           </a:fontRef>
         </p:style>
       </p:cxnSp>
-      <mc:AlternateContent xmlns:mc="http://schemas.openxmlformats.org/markup-compatibility/2006">
-        <mc:Choice xmlns:a14="http://schemas.microsoft.com/office/drawing/2010/main" Requires="a14">
+      <mc:AlternateContent xmlns:mc="http://schemas.openxmlformats.org/markup-compatibility/2006" xmlns:a14="http://schemas.microsoft.com/office/drawing/2010/main">
+        <mc:Choice Requires="a14">
           <p:sp>
             <p:nvSpPr>
               <p:cNvPr id="29" name="TextBox 28">
@@ -26609,7 +27401,7 @@
             </p:txBody>
           </p:sp>
         </mc:Choice>
-        <mc:Fallback>
+        <mc:Fallback xmlns="">
           <p:sp>
             <p:nvSpPr>
               <p:cNvPr id="29" name="TextBox 28">
@@ -26858,8 +27650,8 @@
           </a:p>
         </p:txBody>
       </p:sp>
-      <mc:AlternateContent xmlns:mc="http://schemas.openxmlformats.org/markup-compatibility/2006">
-        <mc:Choice xmlns:a14="http://schemas.microsoft.com/office/drawing/2010/main" Requires="a14">
+      <mc:AlternateContent xmlns:mc="http://schemas.openxmlformats.org/markup-compatibility/2006" xmlns:a14="http://schemas.microsoft.com/office/drawing/2010/main">
+        <mc:Choice Requires="a14">
           <p:sp>
             <p:nvSpPr>
               <p:cNvPr id="34" name="TextBox 33">
@@ -26945,7 +27737,7 @@
             </p:txBody>
           </p:sp>
         </mc:Choice>
-        <mc:Fallback>
+        <mc:Fallback xmlns="">
           <p:sp>
             <p:nvSpPr>
               <p:cNvPr id="34" name="TextBox 33">
@@ -27169,8 +27961,8 @@
           </a:fontRef>
         </p:style>
       </p:cxnSp>
-      <mc:AlternateContent xmlns:mc="http://schemas.openxmlformats.org/markup-compatibility/2006">
-        <mc:Choice xmlns:a14="http://schemas.microsoft.com/office/drawing/2010/main" Requires="a14">
+      <mc:AlternateContent xmlns:mc="http://schemas.openxmlformats.org/markup-compatibility/2006" xmlns:a14="http://schemas.microsoft.com/office/drawing/2010/main">
+        <mc:Choice Requires="a14">
           <p:sp>
             <p:nvSpPr>
               <p:cNvPr id="39" name="TextBox 38">
@@ -27258,7 +28050,7 @@
             </p:txBody>
           </p:sp>
         </mc:Choice>
-        <mc:Fallback>
+        <mc:Fallback xmlns="">
           <p:sp>
             <p:nvSpPr>
               <p:cNvPr id="39" name="TextBox 38">
@@ -27303,8 +28095,8 @@
           </p:sp>
         </mc:Fallback>
       </mc:AlternateContent>
-      <mc:AlternateContent xmlns:mc="http://schemas.openxmlformats.org/markup-compatibility/2006">
-        <mc:Choice xmlns:a14="http://schemas.microsoft.com/office/drawing/2010/main" Requires="a14">
+      <mc:AlternateContent xmlns:mc="http://schemas.openxmlformats.org/markup-compatibility/2006" xmlns:a14="http://schemas.microsoft.com/office/drawing/2010/main">
+        <mc:Choice Requires="a14">
           <p:sp>
             <p:nvSpPr>
               <p:cNvPr id="40" name="TextBox 39">
@@ -27365,7 +28157,7 @@
             </p:txBody>
           </p:sp>
         </mc:Choice>
-        <mc:Fallback>
+        <mc:Fallback xmlns="">
           <p:sp>
             <p:nvSpPr>
               <p:cNvPr id="40" name="TextBox 39">
@@ -27450,8 +28242,8 @@
           </a:p>
         </p:txBody>
       </p:sp>
-      <mc:AlternateContent xmlns:mc="http://schemas.openxmlformats.org/markup-compatibility/2006">
-        <mc:Choice xmlns:a14="http://schemas.microsoft.com/office/drawing/2010/main" Requires="a14">
+      <mc:AlternateContent xmlns:mc="http://schemas.openxmlformats.org/markup-compatibility/2006" xmlns:a14="http://schemas.microsoft.com/office/drawing/2010/main">
+        <mc:Choice Requires="a14">
           <p:sp>
             <p:nvSpPr>
               <p:cNvPr id="42" name="TextBox 41">
@@ -27535,7 +28327,7 @@
             </p:txBody>
           </p:sp>
         </mc:Choice>
-        <mc:Fallback>
+        <mc:Fallback xmlns="">
           <p:sp>
             <p:nvSpPr>
               <p:cNvPr id="42" name="TextBox 41">
@@ -27580,8 +28372,8 @@
           </p:sp>
         </mc:Fallback>
       </mc:AlternateContent>
-      <mc:AlternateContent xmlns:mc="http://schemas.openxmlformats.org/markup-compatibility/2006">
-        <mc:Choice xmlns:a14="http://schemas.microsoft.com/office/drawing/2010/main" Requires="a14">
+      <mc:AlternateContent xmlns:mc="http://schemas.openxmlformats.org/markup-compatibility/2006" xmlns:a14="http://schemas.microsoft.com/office/drawing/2010/main">
+        <mc:Choice Requires="a14">
           <p:sp>
             <p:nvSpPr>
               <p:cNvPr id="43" name="TextBox 42">
@@ -27642,7 +28434,7 @@
             </p:txBody>
           </p:sp>
         </mc:Choice>
-        <mc:Fallback>
+        <mc:Fallback xmlns="">
           <p:sp>
             <p:nvSpPr>
               <p:cNvPr id="43" name="TextBox 42">
@@ -27687,8 +28479,8 @@
           </p:sp>
         </mc:Fallback>
       </mc:AlternateContent>
-      <mc:AlternateContent xmlns:mc="http://schemas.openxmlformats.org/markup-compatibility/2006">
-        <mc:Choice xmlns:a14="http://schemas.microsoft.com/office/drawing/2010/main" Requires="a14">
+      <mc:AlternateContent xmlns:mc="http://schemas.openxmlformats.org/markup-compatibility/2006" xmlns:a14="http://schemas.microsoft.com/office/drawing/2010/main">
+        <mc:Choice Requires="a14">
           <p:sp>
             <p:nvSpPr>
               <p:cNvPr id="44" name="TextBox 43">
@@ -27782,7 +28574,7 @@
             </p:txBody>
           </p:sp>
         </mc:Choice>
-        <mc:Fallback>
+        <mc:Fallback xmlns="">
           <p:sp>
             <p:nvSpPr>
               <p:cNvPr id="44" name="TextBox 43">
@@ -27921,8 +28713,8 @@
           </a:fontRef>
         </p:style>
       </p:cxnSp>
-      <mc:AlternateContent xmlns:mc="http://schemas.openxmlformats.org/markup-compatibility/2006">
-        <mc:Choice xmlns:a14="http://schemas.microsoft.com/office/drawing/2010/main" Requires="a14">
+      <mc:AlternateContent xmlns:mc="http://schemas.openxmlformats.org/markup-compatibility/2006" xmlns:a14="http://schemas.microsoft.com/office/drawing/2010/main">
+        <mc:Choice Requires="a14">
           <p:sp>
             <p:nvSpPr>
               <p:cNvPr id="47" name="TextBox 46">
@@ -28010,7 +28802,7 @@
             </p:txBody>
           </p:sp>
         </mc:Choice>
-        <mc:Fallback>
+        <mc:Fallback xmlns="">
           <p:sp>
             <p:nvSpPr>
               <p:cNvPr id="47" name="TextBox 46">
@@ -28055,8 +28847,8 @@
           </p:sp>
         </mc:Fallback>
       </mc:AlternateContent>
-      <mc:AlternateContent xmlns:mc="http://schemas.openxmlformats.org/markup-compatibility/2006">
-        <mc:Choice xmlns:a14="http://schemas.microsoft.com/office/drawing/2010/main" Requires="a14">
+      <mc:AlternateContent xmlns:mc="http://schemas.openxmlformats.org/markup-compatibility/2006" xmlns:a14="http://schemas.microsoft.com/office/drawing/2010/main">
+        <mc:Choice Requires="a14">
           <p:sp>
             <p:nvSpPr>
               <p:cNvPr id="48" name="TextBox 47">
@@ -28119,7 +28911,7 @@
             </p:txBody>
           </p:sp>
         </mc:Choice>
-        <mc:Fallback>
+        <mc:Fallback xmlns="">
           <p:sp>
             <p:nvSpPr>
               <p:cNvPr id="48" name="TextBox 47">
@@ -28164,8 +28956,8 @@
           </p:sp>
         </mc:Fallback>
       </mc:AlternateContent>
-      <mc:AlternateContent xmlns:mc="http://schemas.openxmlformats.org/markup-compatibility/2006">
-        <mc:Choice xmlns:a14="http://schemas.microsoft.com/office/drawing/2010/main" Requires="a14">
+      <mc:AlternateContent xmlns:mc="http://schemas.openxmlformats.org/markup-compatibility/2006" xmlns:a14="http://schemas.microsoft.com/office/drawing/2010/main">
+        <mc:Choice Requires="a14">
           <p:sp>
             <p:nvSpPr>
               <p:cNvPr id="49" name="TextBox 48">
@@ -28269,7 +29061,7 @@
             </p:txBody>
           </p:sp>
         </mc:Choice>
-        <mc:Fallback>
+        <mc:Fallback xmlns="">
           <p:sp>
             <p:nvSpPr>
               <p:cNvPr id="49" name="TextBox 48">
@@ -28455,8 +29247,8 @@
           </a:fontRef>
         </p:style>
       </p:cxnSp>
-      <mc:AlternateContent xmlns:mc="http://schemas.openxmlformats.org/markup-compatibility/2006">
-        <mc:Choice xmlns:a14="http://schemas.microsoft.com/office/drawing/2010/main" Requires="a14">
+      <mc:AlternateContent xmlns:mc="http://schemas.openxmlformats.org/markup-compatibility/2006" xmlns:a14="http://schemas.microsoft.com/office/drawing/2010/main">
+        <mc:Choice Requires="a14">
           <p:sp>
             <p:nvSpPr>
               <p:cNvPr id="53" name="TextBox 52">
@@ -28556,7 +29348,7 @@
             </p:txBody>
           </p:sp>
         </mc:Choice>
-        <mc:Fallback>
+        <mc:Fallback xmlns="">
           <p:sp>
             <p:nvSpPr>
               <p:cNvPr id="53" name="TextBox 52">
@@ -28789,8 +29581,8 @@
           </a:fontRef>
         </p:style>
       </p:cxnSp>
-      <mc:AlternateContent xmlns:mc="http://schemas.openxmlformats.org/markup-compatibility/2006">
-        <mc:Choice xmlns:a14="http://schemas.microsoft.com/office/drawing/2010/main" Requires="a14">
+      <mc:AlternateContent xmlns:mc="http://schemas.openxmlformats.org/markup-compatibility/2006" xmlns:a14="http://schemas.microsoft.com/office/drawing/2010/main">
+        <mc:Choice Requires="a14">
           <p:sp>
             <p:nvSpPr>
               <p:cNvPr id="58" name="TextBox 57">
@@ -28850,7 +29642,7 @@
             </p:txBody>
           </p:sp>
         </mc:Choice>
-        <mc:Fallback>
+        <mc:Fallback xmlns="">
           <p:sp>
             <p:nvSpPr>
               <p:cNvPr id="58" name="TextBox 57">
@@ -28895,8 +29687,8 @@
           </p:sp>
         </mc:Fallback>
       </mc:AlternateContent>
-      <mc:AlternateContent xmlns:mc="http://schemas.openxmlformats.org/markup-compatibility/2006">
-        <mc:Choice xmlns:a14="http://schemas.microsoft.com/office/drawing/2010/main" Requires="a14">
+      <mc:AlternateContent xmlns:mc="http://schemas.openxmlformats.org/markup-compatibility/2006" xmlns:a14="http://schemas.microsoft.com/office/drawing/2010/main">
+        <mc:Choice Requires="a14">
           <p:sp>
             <p:nvSpPr>
               <p:cNvPr id="59" name="TextBox 58">
@@ -28956,7 +29748,7 @@
             </p:txBody>
           </p:sp>
         </mc:Choice>
-        <mc:Fallback>
+        <mc:Fallback xmlns="">
           <p:sp>
             <p:nvSpPr>
               <p:cNvPr id="59" name="TextBox 58">
@@ -29001,8 +29793,8 @@
           </p:sp>
         </mc:Fallback>
       </mc:AlternateContent>
-      <mc:AlternateContent xmlns:mc="http://schemas.openxmlformats.org/markup-compatibility/2006">
-        <mc:Choice xmlns:a14="http://schemas.microsoft.com/office/drawing/2010/main" Requires="a14">
+      <mc:AlternateContent xmlns:mc="http://schemas.openxmlformats.org/markup-compatibility/2006" xmlns:a14="http://schemas.microsoft.com/office/drawing/2010/main">
+        <mc:Choice Requires="a14">
           <p:sp>
             <p:nvSpPr>
               <p:cNvPr id="60" name="TextBox 59">
@@ -29062,7 +29854,7 @@
             </p:txBody>
           </p:sp>
         </mc:Choice>
-        <mc:Fallback>
+        <mc:Fallback xmlns="">
           <p:sp>
             <p:nvSpPr>
               <p:cNvPr id="60" name="TextBox 59">
@@ -29470,6 +30262,5055 @@
 </p:sld>
 </file>
 
+<file path=ppt/slides/slide7.xml><?xml version="1.0" encoding="utf-8"?>
+<p:sld xmlns:a="http://schemas.openxmlformats.org/drawingml/2006/main" xmlns:r="http://schemas.openxmlformats.org/officeDocument/2006/relationships" xmlns:p="http://schemas.openxmlformats.org/presentationml/2006/main">
+  <p:cSld>
+    <p:spTree>
+      <p:nvGrpSpPr>
+        <p:cNvPr id="1" name=""/>
+        <p:cNvGrpSpPr/>
+        <p:nvPr/>
+      </p:nvGrpSpPr>
+      <p:grpSpPr>
+        <a:xfrm>
+          <a:off x="0" y="0"/>
+          <a:ext cx="0" cy="0"/>
+          <a:chOff x="0" y="0"/>
+          <a:chExt cx="0" cy="0"/>
+        </a:xfrm>
+      </p:grpSpPr>
+      <mc:AlternateContent xmlns:mc="http://schemas.openxmlformats.org/markup-compatibility/2006">
+        <mc:Choice xmlns:a14="http://schemas.microsoft.com/office/drawing/2010/main" Requires="a14">
+          <p:sp>
+            <p:nvSpPr>
+              <p:cNvPr id="4" name="TextBox 3">
+                <a:extLst>
+                  <a:ext uri="{FF2B5EF4-FFF2-40B4-BE49-F238E27FC236}">
+                    <a16:creationId xmlns:a16="http://schemas.microsoft.com/office/drawing/2014/main" id="{150E9DBA-77E3-4DDD-9AC7-C2BDA07F7EF3}"/>
+                  </a:ext>
+                </a:extLst>
+              </p:cNvPr>
+              <p:cNvSpPr txBox="1"/>
+              <p:nvPr/>
+            </p:nvSpPr>
+            <p:spPr>
+              <a:xfrm>
+                <a:off x="4617862" y="2204199"/>
+                <a:ext cx="652007" cy="623761"/>
+              </a:xfrm>
+              <a:prstGeom prst="rect">
+                <a:avLst/>
+              </a:prstGeom>
+              <a:noFill/>
+            </p:spPr>
+            <p:txBody>
+              <a:bodyPr wrap="square" lIns="0" tIns="0" rIns="0" bIns="0" rtlCol="0">
+                <a:spAutoFit/>
+              </a:bodyPr>
+              <a:lstStyle/>
+              <a:p>
+                <a:pPr/>
+                <a14:m>
+                  <m:oMathPara xmlns:m="http://schemas.openxmlformats.org/officeDocument/2006/math">
+                    <m:oMathParaPr>
+                      <m:jc m:val="centerGroup"/>
+                    </m:oMathParaPr>
+                    <m:oMath xmlns:m="http://schemas.openxmlformats.org/officeDocument/2006/math">
+                      <m:f>
+                        <m:fPr>
+                          <m:ctrlPr>
+                            <a:rPr lang="ru-RU" sz="1400" i="1" smtClean="0">
+                              <a:effectLst/>
+                              <a:latin typeface="Cambria Math" panose="02040503050406030204" pitchFamily="18" charset="0"/>
+                              <a:ea typeface="Calibri" panose="020F0502020204030204" pitchFamily="34" charset="0"/>
+                              <a:cs typeface="Times New Roman" panose="02020603050405020304" pitchFamily="18" charset="0"/>
+                            </a:rPr>
+                          </m:ctrlPr>
+                        </m:fPr>
+                        <m:num>
+                          <m:r>
+                            <a:rPr lang="en-US" sz="1400" i="1">
+                              <a:effectLst/>
+                              <a:latin typeface="Cambria Math" panose="02040503050406030204" pitchFamily="18" charset="0"/>
+                              <a:ea typeface="Calibri" panose="020F0502020204030204" pitchFamily="34" charset="0"/>
+                              <a:cs typeface="Times New Roman" panose="02020603050405020304" pitchFamily="18" charset="0"/>
+                            </a:rPr>
+                            <m:t>1</m:t>
+                          </m:r>
+                        </m:num>
+                        <m:den>
+                          <m:r>
+                            <a:rPr lang="en-US" sz="1400" i="1">
+                              <a:effectLst/>
+                              <a:latin typeface="Cambria Math" panose="02040503050406030204" pitchFamily="18" charset="0"/>
+                              <a:ea typeface="Calibri" panose="020F0502020204030204" pitchFamily="34" charset="0"/>
+                              <a:cs typeface="Times New Roman" panose="02020603050405020304" pitchFamily="18" charset="0"/>
+                            </a:rPr>
+                            <m:t>𝐿𝑠</m:t>
+                          </m:r>
+                          <m:r>
+                            <a:rPr lang="en-US" sz="1400" i="1">
+                              <a:effectLst/>
+                              <a:latin typeface="Cambria Math" panose="02040503050406030204" pitchFamily="18" charset="0"/>
+                              <a:ea typeface="Calibri" panose="020F0502020204030204" pitchFamily="34" charset="0"/>
+                              <a:cs typeface="Times New Roman" panose="02020603050405020304" pitchFamily="18" charset="0"/>
+                            </a:rPr>
+                            <m:t>+</m:t>
+                          </m:r>
+                          <m:r>
+                            <a:rPr lang="en-US" sz="1400" i="1">
+                              <a:effectLst/>
+                              <a:latin typeface="Cambria Math" panose="02040503050406030204" pitchFamily="18" charset="0"/>
+                              <a:ea typeface="Calibri" panose="020F0502020204030204" pitchFamily="34" charset="0"/>
+                              <a:cs typeface="Times New Roman" panose="02020603050405020304" pitchFamily="18" charset="0"/>
+                            </a:rPr>
+                            <m:t>𝑟</m:t>
+                          </m:r>
+                        </m:den>
+                      </m:f>
+                    </m:oMath>
+                  </m:oMathPara>
+                </a14:m>
+                <a:endParaRPr lang="ru-RU" sz="1400" dirty="0">
+                  <a:effectLst/>
+                  <a:latin typeface="Times New Roman" panose="02020603050405020304" pitchFamily="18" charset="0"/>
+                  <a:ea typeface="Calibri" panose="020F0502020204030204" pitchFamily="34" charset="0"/>
+                  <a:cs typeface="Times New Roman" panose="02020603050405020304" pitchFamily="18" charset="0"/>
+                </a:endParaRPr>
+              </a:p>
+              <a:p>
+                <a:endParaRPr lang="ru-RU" sz="1400" dirty="0"/>
+              </a:p>
+            </p:txBody>
+          </p:sp>
+        </mc:Choice>
+        <mc:Fallback>
+          <p:sp>
+            <p:nvSpPr>
+              <p:cNvPr id="4" name="TextBox 3">
+                <a:extLst>
+                  <a:ext uri="{FF2B5EF4-FFF2-40B4-BE49-F238E27FC236}">
+                    <a16:creationId xmlns:a16="http://schemas.microsoft.com/office/drawing/2014/main" id="{150E9DBA-77E3-4DDD-9AC7-C2BDA07F7EF3}"/>
+                  </a:ext>
+                </a:extLst>
+              </p:cNvPr>
+              <p:cNvSpPr txBox="1">
+                <a:spLocks noRot="1" noChangeAspect="1" noMove="1" noResize="1" noEditPoints="1" noAdjustHandles="1" noChangeArrowheads="1" noChangeShapeType="1" noTextEdit="1"/>
+              </p:cNvSpPr>
+              <p:nvPr/>
+            </p:nvSpPr>
+            <p:spPr>
+              <a:xfrm>
+                <a:off x="4617862" y="2204199"/>
+                <a:ext cx="652007" cy="623761"/>
+              </a:xfrm>
+              <a:prstGeom prst="rect">
+                <a:avLst/>
+              </a:prstGeom>
+              <a:blipFill>
+                <a:blip r:embed="rId2"/>
+                <a:stretch>
+                  <a:fillRect t="-980"/>
+                </a:stretch>
+              </a:blipFill>
+            </p:spPr>
+            <p:txBody>
+              <a:bodyPr/>
+              <a:lstStyle/>
+              <a:p>
+                <a:r>
+                  <a:rPr lang="ru-RU">
+                    <a:noFill/>
+                  </a:rPr>
+                  <a:t> </a:t>
+                </a:r>
+              </a:p>
+            </p:txBody>
+          </p:sp>
+        </mc:Fallback>
+      </mc:AlternateContent>
+      <mc:AlternateContent xmlns:mc="http://schemas.openxmlformats.org/markup-compatibility/2006">
+        <mc:Choice xmlns:a14="http://schemas.microsoft.com/office/drawing/2010/main" Requires="a14">
+          <p:sp>
+            <p:nvSpPr>
+              <p:cNvPr id="5" name="TextBox 4">
+                <a:extLst>
+                  <a:ext uri="{FF2B5EF4-FFF2-40B4-BE49-F238E27FC236}">
+                    <a16:creationId xmlns:a16="http://schemas.microsoft.com/office/drawing/2014/main" id="{B08573B9-7A42-49EF-AB01-3C1F71E29C0E}"/>
+                  </a:ext>
+                </a:extLst>
+              </p:cNvPr>
+              <p:cNvSpPr txBox="1"/>
+              <p:nvPr/>
+            </p:nvSpPr>
+            <p:spPr>
+              <a:xfrm>
+                <a:off x="6228001" y="2300637"/>
+                <a:ext cx="652007" cy="430887"/>
+              </a:xfrm>
+              <a:prstGeom prst="rect">
+                <a:avLst/>
+              </a:prstGeom>
+              <a:noFill/>
+            </p:spPr>
+            <p:txBody>
+              <a:bodyPr wrap="square" lIns="0" tIns="0" rIns="0" bIns="0" rtlCol="0">
+                <a:spAutoFit/>
+              </a:bodyPr>
+              <a:lstStyle/>
+              <a:p>
+                <a:pPr/>
+                <a14:m>
+                  <m:oMathPara xmlns:m="http://schemas.openxmlformats.org/officeDocument/2006/math">
+                    <m:oMathParaPr>
+                      <m:jc m:val="centerGroup"/>
+                    </m:oMathParaPr>
+                    <m:oMath xmlns:m="http://schemas.openxmlformats.org/officeDocument/2006/math">
+                      <m:sSub>
+                        <m:sSubPr>
+                          <m:ctrlPr>
+                            <a:rPr lang="en-US" sz="1400" b="0" i="1" smtClean="0">
+                              <a:effectLst/>
+                              <a:latin typeface="Cambria Math" panose="02040503050406030204" pitchFamily="18" charset="0"/>
+                              <a:ea typeface="Calibri" panose="020F0502020204030204" pitchFamily="34" charset="0"/>
+                              <a:cs typeface="Times New Roman" panose="02020603050405020304" pitchFamily="18" charset="0"/>
+                            </a:rPr>
+                          </m:ctrlPr>
+                        </m:sSubPr>
+                        <m:e>
+                          <m:r>
+                            <a:rPr lang="en-US" sz="1400" b="0" i="1" smtClean="0">
+                              <a:effectLst/>
+                              <a:latin typeface="Cambria Math" panose="02040503050406030204" pitchFamily="18" charset="0"/>
+                              <a:ea typeface="Calibri" panose="020F0502020204030204" pitchFamily="34" charset="0"/>
+                              <a:cs typeface="Times New Roman" panose="02020603050405020304" pitchFamily="18" charset="0"/>
+                            </a:rPr>
+                            <m:t>𝐾</m:t>
+                          </m:r>
+                        </m:e>
+                        <m:sub>
+                          <m:r>
+                            <a:rPr lang="en-US" sz="1400" b="0" i="1" smtClean="0">
+                              <a:effectLst/>
+                              <a:latin typeface="Cambria Math" panose="02040503050406030204" pitchFamily="18" charset="0"/>
+                              <a:ea typeface="Calibri" panose="020F0502020204030204" pitchFamily="34" charset="0"/>
+                              <a:cs typeface="Times New Roman" panose="02020603050405020304" pitchFamily="18" charset="0"/>
+                            </a:rPr>
+                            <m:t>𝑀</m:t>
+                          </m:r>
+                        </m:sub>
+                      </m:sSub>
+                    </m:oMath>
+                  </m:oMathPara>
+                </a14:m>
+                <a:endParaRPr lang="ru-RU" sz="1400" dirty="0">
+                  <a:effectLst/>
+                  <a:latin typeface="Times New Roman" panose="02020603050405020304" pitchFamily="18" charset="0"/>
+                  <a:ea typeface="Calibri" panose="020F0502020204030204" pitchFamily="34" charset="0"/>
+                  <a:cs typeface="Times New Roman" panose="02020603050405020304" pitchFamily="18" charset="0"/>
+                </a:endParaRPr>
+              </a:p>
+              <a:p>
+                <a:endParaRPr lang="ru-RU" sz="1400" dirty="0"/>
+              </a:p>
+            </p:txBody>
+          </p:sp>
+        </mc:Choice>
+        <mc:Fallback>
+          <p:sp>
+            <p:nvSpPr>
+              <p:cNvPr id="5" name="TextBox 4">
+                <a:extLst>
+                  <a:ext uri="{FF2B5EF4-FFF2-40B4-BE49-F238E27FC236}">
+                    <a16:creationId xmlns:a16="http://schemas.microsoft.com/office/drawing/2014/main" id="{B08573B9-7A42-49EF-AB01-3C1F71E29C0E}"/>
+                  </a:ext>
+                </a:extLst>
+              </p:cNvPr>
+              <p:cNvSpPr txBox="1">
+                <a:spLocks noRot="1" noChangeAspect="1" noMove="1" noResize="1" noEditPoints="1" noAdjustHandles="1" noChangeArrowheads="1" noChangeShapeType="1" noTextEdit="1"/>
+              </p:cNvSpPr>
+              <p:nvPr/>
+            </p:nvSpPr>
+            <p:spPr>
+              <a:xfrm>
+                <a:off x="6228001" y="2300637"/>
+                <a:ext cx="652007" cy="430887"/>
+              </a:xfrm>
+              <a:prstGeom prst="rect">
+                <a:avLst/>
+              </a:prstGeom>
+              <a:blipFill>
+                <a:blip r:embed="rId3"/>
+                <a:stretch>
+                  <a:fillRect/>
+                </a:stretch>
+              </a:blipFill>
+            </p:spPr>
+            <p:txBody>
+              <a:bodyPr/>
+              <a:lstStyle/>
+              <a:p>
+                <a:r>
+                  <a:rPr lang="ru-RU">
+                    <a:noFill/>
+                  </a:rPr>
+                  <a:t> </a:t>
+                </a:r>
+              </a:p>
+            </p:txBody>
+          </p:sp>
+        </mc:Fallback>
+      </mc:AlternateContent>
+      <mc:AlternateContent xmlns:mc="http://schemas.openxmlformats.org/markup-compatibility/2006">
+        <mc:Choice xmlns:a14="http://schemas.microsoft.com/office/drawing/2010/main" Requires="a14">
+          <p:sp>
+            <p:nvSpPr>
+              <p:cNvPr id="6" name="TextBox 5">
+                <a:extLst>
+                  <a:ext uri="{FF2B5EF4-FFF2-40B4-BE49-F238E27FC236}">
+                    <a16:creationId xmlns:a16="http://schemas.microsoft.com/office/drawing/2014/main" id="{F2B27C99-9F53-4127-A897-9067684CEEF8}"/>
+                  </a:ext>
+                </a:extLst>
+              </p:cNvPr>
+              <p:cNvSpPr txBox="1"/>
+              <p:nvPr/>
+            </p:nvSpPr>
+            <p:spPr>
+              <a:xfrm>
+                <a:off x="8191870" y="2159615"/>
+                <a:ext cx="652007" cy="790666"/>
+              </a:xfrm>
+              <a:prstGeom prst="rect">
+                <a:avLst/>
+              </a:prstGeom>
+              <a:noFill/>
+            </p:spPr>
+            <p:txBody>
+              <a:bodyPr wrap="square" lIns="0" tIns="0" rIns="0" bIns="0" rtlCol="0">
+                <a:spAutoFit/>
+              </a:bodyPr>
+              <a:lstStyle/>
+              <a:p>
+                <a:pPr/>
+                <a14:m>
+                  <m:oMathPara xmlns:m="http://schemas.openxmlformats.org/officeDocument/2006/math">
+                    <m:oMathParaPr>
+                      <m:jc m:val="centerGroup"/>
+                    </m:oMathParaPr>
+                    <m:oMath xmlns:m="http://schemas.openxmlformats.org/officeDocument/2006/math">
+                      <m:f>
+                        <m:fPr>
+                          <m:ctrlPr>
+                            <a:rPr lang="ru-RU" sz="1100" i="1" smtClean="0">
+                              <a:effectLst/>
+                              <a:latin typeface="Cambria Math" panose="02040503050406030204" pitchFamily="18" charset="0"/>
+                              <a:ea typeface="Calibri" panose="020F0502020204030204" pitchFamily="34" charset="0"/>
+                              <a:cs typeface="Times New Roman" panose="02020603050405020304" pitchFamily="18" charset="0"/>
+                            </a:rPr>
+                          </m:ctrlPr>
+                        </m:fPr>
+                        <m:num>
+                          <m:r>
+                            <m:rPr>
+                              <m:sty m:val="p"/>
+                            </m:rPr>
+                            <a:rPr lang="ru-RU" sz="1400">
+                              <a:latin typeface="Cambria Math" panose="02040503050406030204" pitchFamily="18" charset="0"/>
+                              <a:ea typeface="Cambria Math" panose="02040503050406030204" pitchFamily="18" charset="0"/>
+                            </a:rPr>
+                            <m:t>ε</m:t>
+                          </m:r>
+                        </m:num>
+                        <m:den>
+                          <m:sSub>
+                            <m:sSubPr>
+                              <m:ctrlPr>
+                                <a:rPr lang="ru-RU" sz="1100" i="1">
+                                  <a:effectLst/>
+                                  <a:latin typeface="Cambria Math" panose="02040503050406030204" pitchFamily="18" charset="0"/>
+                                  <a:ea typeface="Calibri" panose="020F0502020204030204" pitchFamily="34" charset="0"/>
+                                  <a:cs typeface="Times New Roman" panose="02020603050405020304" pitchFamily="18" charset="0"/>
+                                </a:rPr>
+                              </m:ctrlPr>
+                            </m:sSubPr>
+                            <m:e>
+                              <m:r>
+                                <a:rPr lang="ru-RU" sz="1100" b="0" i="1" smtClean="0">
+                                  <a:effectLst/>
+                                  <a:latin typeface="Cambria Math" panose="02040503050406030204" pitchFamily="18" charset="0"/>
+                                  <a:ea typeface="Calibri" panose="020F0502020204030204" pitchFamily="34" charset="0"/>
+                                  <a:cs typeface="Times New Roman" panose="02020603050405020304" pitchFamily="18" charset="0"/>
+                                </a:rPr>
+                                <m:t>(</m:t>
+                              </m:r>
+                              <m:r>
+                                <a:rPr lang="en-US" sz="1100" i="1">
+                                  <a:effectLst/>
+                                  <a:latin typeface="Cambria Math" panose="02040503050406030204" pitchFamily="18" charset="0"/>
+                                  <a:ea typeface="Calibri" panose="020F0502020204030204" pitchFamily="34" charset="0"/>
+                                  <a:cs typeface="Times New Roman" panose="02020603050405020304" pitchFamily="18" charset="0"/>
+                                </a:rPr>
+                                <m:t>𝐽</m:t>
+                              </m:r>
+                            </m:e>
+                            <m:sub>
+                              <m:r>
+                                <a:rPr lang="ru-RU" sz="1100" b="0" i="1" smtClean="0">
+                                  <a:effectLst/>
+                                  <a:latin typeface="Cambria Math" panose="02040503050406030204" pitchFamily="18" charset="0"/>
+                                  <a:ea typeface="Calibri" panose="020F0502020204030204" pitchFamily="34" charset="0"/>
+                                  <a:cs typeface="Times New Roman" panose="02020603050405020304" pitchFamily="18" charset="0"/>
+                                </a:rPr>
+                                <m:t>п</m:t>
+                              </m:r>
+                            </m:sub>
+                          </m:sSub>
+                          <m:r>
+                            <a:rPr lang="ru-RU" sz="1100" b="0" i="1" smtClean="0">
+                              <a:effectLst/>
+                              <a:latin typeface="Cambria Math" panose="02040503050406030204" pitchFamily="18" charset="0"/>
+                              <a:ea typeface="Calibri" panose="020F0502020204030204" pitchFamily="34" charset="0"/>
+                              <a:cs typeface="Times New Roman" panose="02020603050405020304" pitchFamily="18" charset="0"/>
+                            </a:rPr>
+                            <m:t>+</m:t>
+                          </m:r>
+                          <m:sSub>
+                            <m:sSubPr>
+                              <m:ctrlPr>
+                                <a:rPr lang="ru-RU" sz="1100" i="1">
+                                  <a:latin typeface="Cambria Math" panose="02040503050406030204" pitchFamily="18" charset="0"/>
+                                  <a:ea typeface="Calibri" panose="020F0502020204030204" pitchFamily="34" charset="0"/>
+                                  <a:cs typeface="Times New Roman" panose="02020603050405020304" pitchFamily="18" charset="0"/>
+                                </a:rPr>
+                              </m:ctrlPr>
+                            </m:sSubPr>
+                            <m:e>
+                              <m:r>
+                                <a:rPr lang="en-US" sz="1100" i="1">
+                                  <a:latin typeface="Cambria Math" panose="02040503050406030204" pitchFamily="18" charset="0"/>
+                                  <a:ea typeface="Calibri" panose="020F0502020204030204" pitchFamily="34" charset="0"/>
+                                  <a:cs typeface="Times New Roman" panose="02020603050405020304" pitchFamily="18" charset="0"/>
+                                </a:rPr>
+                                <m:t>𝐽</m:t>
+                              </m:r>
+                            </m:e>
+                            <m:sub>
+                              <m:r>
+                                <a:rPr lang="ru-RU" sz="1100" b="0" i="1" smtClean="0">
+                                  <a:latin typeface="Cambria Math" panose="02040503050406030204" pitchFamily="18" charset="0"/>
+                                  <a:ea typeface="Calibri" panose="020F0502020204030204" pitchFamily="34" charset="0"/>
+                                  <a:cs typeface="Times New Roman" panose="02020603050405020304" pitchFamily="18" charset="0"/>
+                                </a:rPr>
+                                <m:t>р</m:t>
+                              </m:r>
+                            </m:sub>
+                          </m:sSub>
+                          <m:r>
+                            <a:rPr lang="ru-RU" sz="1100" b="0" i="1" smtClean="0">
+                              <a:effectLst/>
+                              <a:latin typeface="Cambria Math" panose="02040503050406030204" pitchFamily="18" charset="0"/>
+                              <a:ea typeface="Calibri" panose="020F0502020204030204" pitchFamily="34" charset="0"/>
+                              <a:cs typeface="Times New Roman" panose="02020603050405020304" pitchFamily="18" charset="0"/>
+                            </a:rPr>
+                            <m:t>)</m:t>
+                          </m:r>
+                          <m:r>
+                            <a:rPr lang="en-US" sz="1100" i="1">
+                              <a:effectLst/>
+                              <a:latin typeface="Cambria Math" panose="02040503050406030204" pitchFamily="18" charset="0"/>
+                              <a:ea typeface="Calibri" panose="020F0502020204030204" pitchFamily="34" charset="0"/>
+                              <a:cs typeface="Times New Roman" panose="02020603050405020304" pitchFamily="18" charset="0"/>
+                            </a:rPr>
+                            <m:t>𝑠</m:t>
+                          </m:r>
+                        </m:den>
+                      </m:f>
+                    </m:oMath>
+                  </m:oMathPara>
+                </a14:m>
+                <a:endParaRPr lang="ru-RU" sz="1400" dirty="0">
+                  <a:effectLst/>
+                  <a:latin typeface="Times New Roman" panose="02020603050405020304" pitchFamily="18" charset="0"/>
+                  <a:ea typeface="Calibri" panose="020F0502020204030204" pitchFamily="34" charset="0"/>
+                  <a:cs typeface="Times New Roman" panose="02020603050405020304" pitchFamily="18" charset="0"/>
+                </a:endParaRPr>
+              </a:p>
+              <a:p>
+                <a:endParaRPr lang="ru-RU" sz="1400" dirty="0">
+                  <a:effectLst/>
+                  <a:latin typeface="Times New Roman" panose="02020603050405020304" pitchFamily="18" charset="0"/>
+                  <a:ea typeface="Calibri" panose="020F0502020204030204" pitchFamily="34" charset="0"/>
+                  <a:cs typeface="Times New Roman" panose="02020603050405020304" pitchFamily="18" charset="0"/>
+                </a:endParaRPr>
+              </a:p>
+              <a:p>
+                <a:endParaRPr lang="ru-RU" sz="1400" dirty="0"/>
+              </a:p>
+            </p:txBody>
+          </p:sp>
+        </mc:Choice>
+        <mc:Fallback>
+          <p:sp>
+            <p:nvSpPr>
+              <p:cNvPr id="6" name="TextBox 5">
+                <a:extLst>
+                  <a:ext uri="{FF2B5EF4-FFF2-40B4-BE49-F238E27FC236}">
+                    <a16:creationId xmlns:a16="http://schemas.microsoft.com/office/drawing/2014/main" id="{F2B27C99-9F53-4127-A897-9067684CEEF8}"/>
+                  </a:ext>
+                </a:extLst>
+              </p:cNvPr>
+              <p:cNvSpPr txBox="1">
+                <a:spLocks noRot="1" noChangeAspect="1" noMove="1" noResize="1" noEditPoints="1" noAdjustHandles="1" noChangeArrowheads="1" noChangeShapeType="1" noTextEdit="1"/>
+              </p:cNvSpPr>
+              <p:nvPr/>
+            </p:nvSpPr>
+            <p:spPr>
+              <a:xfrm>
+                <a:off x="8191870" y="2159615"/>
+                <a:ext cx="652007" cy="790666"/>
+              </a:xfrm>
+              <a:prstGeom prst="rect">
+                <a:avLst/>
+              </a:prstGeom>
+              <a:blipFill>
+                <a:blip r:embed="rId4"/>
+                <a:stretch>
+                  <a:fillRect/>
+                </a:stretch>
+              </a:blipFill>
+            </p:spPr>
+            <p:txBody>
+              <a:bodyPr/>
+              <a:lstStyle/>
+              <a:p>
+                <a:r>
+                  <a:rPr lang="ru-RU">
+                    <a:noFill/>
+                  </a:rPr>
+                  <a:t> </a:t>
+                </a:r>
+              </a:p>
+            </p:txBody>
+          </p:sp>
+        </mc:Fallback>
+      </mc:AlternateContent>
+      <mc:AlternateContent xmlns:mc="http://schemas.openxmlformats.org/markup-compatibility/2006">
+        <mc:Choice xmlns:a14="http://schemas.microsoft.com/office/drawing/2010/main" Requires="a14">
+          <p:sp>
+            <p:nvSpPr>
+              <p:cNvPr id="7" name="TextBox 6">
+                <a:extLst>
+                  <a:ext uri="{FF2B5EF4-FFF2-40B4-BE49-F238E27FC236}">
+                    <a16:creationId xmlns:a16="http://schemas.microsoft.com/office/drawing/2014/main" id="{DADE993E-221F-4F45-8A03-DF6B0861879A}"/>
+                  </a:ext>
+                </a:extLst>
+              </p:cNvPr>
+              <p:cNvSpPr txBox="1"/>
+              <p:nvPr/>
+            </p:nvSpPr>
+            <p:spPr>
+              <a:xfrm>
+                <a:off x="9880301" y="2210358"/>
+                <a:ext cx="652007" cy="835613"/>
+              </a:xfrm>
+              <a:prstGeom prst="rect">
+                <a:avLst/>
+              </a:prstGeom>
+              <a:noFill/>
+            </p:spPr>
+            <p:txBody>
+              <a:bodyPr wrap="square" lIns="0" tIns="0" rIns="0" bIns="0" rtlCol="0">
+                <a:spAutoFit/>
+              </a:bodyPr>
+              <a:lstStyle/>
+              <a:p>
+                <a:pPr/>
+                <a14:m>
+                  <m:oMathPara xmlns:m="http://schemas.openxmlformats.org/officeDocument/2006/math">
+                    <m:oMathParaPr>
+                      <m:jc m:val="centerGroup"/>
+                    </m:oMathParaPr>
+                    <m:oMath xmlns:m="http://schemas.openxmlformats.org/officeDocument/2006/math">
+                      <m:f>
+                        <m:fPr>
+                          <m:ctrlPr>
+                            <a:rPr lang="ru-RU" sz="1400" i="1" smtClean="0">
+                              <a:effectLst/>
+                              <a:latin typeface="Cambria Math" panose="02040503050406030204" pitchFamily="18" charset="0"/>
+                              <a:ea typeface="Calibri" panose="020F0502020204030204" pitchFamily="34" charset="0"/>
+                              <a:cs typeface="Times New Roman" panose="02020603050405020304" pitchFamily="18" charset="0"/>
+                            </a:rPr>
+                          </m:ctrlPr>
+                        </m:fPr>
+                        <m:num>
+                          <m:r>
+                            <a:rPr lang="en-US" sz="1400" i="1">
+                              <a:effectLst/>
+                              <a:latin typeface="Cambria Math" panose="02040503050406030204" pitchFamily="18" charset="0"/>
+                              <a:ea typeface="Calibri" panose="020F0502020204030204" pitchFamily="34" charset="0"/>
+                              <a:cs typeface="Times New Roman" panose="02020603050405020304" pitchFamily="18" charset="0"/>
+                            </a:rPr>
+                            <m:t>1</m:t>
+                          </m:r>
+                        </m:num>
+                        <m:den>
+                          <m:r>
+                            <a:rPr lang="en-US" sz="1400" b="0" i="1" smtClean="0">
+                              <a:effectLst/>
+                              <a:latin typeface="Cambria Math" panose="02040503050406030204" pitchFamily="18" charset="0"/>
+                              <a:ea typeface="Calibri" panose="020F0502020204030204" pitchFamily="34" charset="0"/>
+                              <a:cs typeface="Times New Roman" panose="02020603050405020304" pitchFamily="18" charset="0"/>
+                            </a:rPr>
+                            <m:t>𝑖</m:t>
+                          </m:r>
+                        </m:den>
+                      </m:f>
+                    </m:oMath>
+                  </m:oMathPara>
+                </a14:m>
+                <a:endParaRPr lang="ru-RU" sz="1400" dirty="0">
+                  <a:effectLst/>
+                  <a:latin typeface="Times New Roman" panose="02020603050405020304" pitchFamily="18" charset="0"/>
+                  <a:ea typeface="Calibri" panose="020F0502020204030204" pitchFamily="34" charset="0"/>
+                  <a:cs typeface="Times New Roman" panose="02020603050405020304" pitchFamily="18" charset="0"/>
+                </a:endParaRPr>
+              </a:p>
+              <a:p>
+                <a:endParaRPr lang="ru-RU" sz="1400" dirty="0">
+                  <a:effectLst/>
+                  <a:latin typeface="Times New Roman" panose="02020603050405020304" pitchFamily="18" charset="0"/>
+                  <a:ea typeface="Calibri" panose="020F0502020204030204" pitchFamily="34" charset="0"/>
+                  <a:cs typeface="Times New Roman" panose="02020603050405020304" pitchFamily="18" charset="0"/>
+                </a:endParaRPr>
+              </a:p>
+              <a:p>
+                <a:endParaRPr lang="ru-RU" sz="1400" dirty="0"/>
+              </a:p>
+            </p:txBody>
+          </p:sp>
+        </mc:Choice>
+        <mc:Fallback>
+          <p:sp>
+            <p:nvSpPr>
+              <p:cNvPr id="7" name="TextBox 6">
+                <a:extLst>
+                  <a:ext uri="{FF2B5EF4-FFF2-40B4-BE49-F238E27FC236}">
+                    <a16:creationId xmlns:a16="http://schemas.microsoft.com/office/drawing/2014/main" id="{DADE993E-221F-4F45-8A03-DF6B0861879A}"/>
+                  </a:ext>
+                </a:extLst>
+              </p:cNvPr>
+              <p:cNvSpPr txBox="1">
+                <a:spLocks noRot="1" noChangeAspect="1" noMove="1" noResize="1" noEditPoints="1" noAdjustHandles="1" noChangeArrowheads="1" noChangeShapeType="1" noTextEdit="1"/>
+              </p:cNvSpPr>
+              <p:nvPr/>
+            </p:nvSpPr>
+            <p:spPr>
+              <a:xfrm>
+                <a:off x="9880301" y="2210358"/>
+                <a:ext cx="652007" cy="835613"/>
+              </a:xfrm>
+              <a:prstGeom prst="rect">
+                <a:avLst/>
+              </a:prstGeom>
+              <a:blipFill>
+                <a:blip r:embed="rId5"/>
+                <a:stretch>
+                  <a:fillRect t="-730"/>
+                </a:stretch>
+              </a:blipFill>
+            </p:spPr>
+            <p:txBody>
+              <a:bodyPr/>
+              <a:lstStyle/>
+              <a:p>
+                <a:r>
+                  <a:rPr lang="ru-RU">
+                    <a:noFill/>
+                  </a:rPr>
+                  <a:t> </a:t>
+                </a:r>
+              </a:p>
+            </p:txBody>
+          </p:sp>
+        </mc:Fallback>
+      </mc:AlternateContent>
+      <mc:AlternateContent xmlns:mc="http://schemas.openxmlformats.org/markup-compatibility/2006">
+        <mc:Choice xmlns:a14="http://schemas.microsoft.com/office/drawing/2010/main" Requires="a14">
+          <p:sp>
+            <p:nvSpPr>
+              <p:cNvPr id="8" name="TextBox 7">
+                <a:extLst>
+                  <a:ext uri="{FF2B5EF4-FFF2-40B4-BE49-F238E27FC236}">
+                    <a16:creationId xmlns:a16="http://schemas.microsoft.com/office/drawing/2014/main" id="{10C6ED19-BD05-449A-8DB6-A35B0DAA4897}"/>
+                  </a:ext>
+                </a:extLst>
+              </p:cNvPr>
+              <p:cNvSpPr txBox="1"/>
+              <p:nvPr/>
+            </p:nvSpPr>
+            <p:spPr>
+              <a:xfrm>
+                <a:off x="7728093" y="660451"/>
+                <a:ext cx="652007" cy="869405"/>
+              </a:xfrm>
+              <a:prstGeom prst="rect">
+                <a:avLst/>
+              </a:prstGeom>
+              <a:noFill/>
+            </p:spPr>
+            <p:txBody>
+              <a:bodyPr wrap="square" lIns="0" tIns="0" rIns="0" bIns="0" rtlCol="0">
+                <a:spAutoFit/>
+              </a:bodyPr>
+              <a:lstStyle/>
+              <a:p>
+                <a:pPr/>
+                <a14:m>
+                  <m:oMathPara xmlns:m="http://schemas.openxmlformats.org/officeDocument/2006/math">
+                    <m:oMathParaPr>
+                      <m:jc m:val="centerGroup"/>
+                    </m:oMathParaPr>
+                    <m:oMath xmlns:m="http://schemas.openxmlformats.org/officeDocument/2006/math">
+                      <m:f>
+                        <m:fPr>
+                          <m:ctrlPr>
+                            <a:rPr lang="ru-RU" sz="1400" i="1" smtClean="0">
+                              <a:effectLst/>
+                              <a:latin typeface="Cambria Math" panose="02040503050406030204" pitchFamily="18" charset="0"/>
+                              <a:ea typeface="Times New Roman" panose="02020603050405020304" pitchFamily="18" charset="0"/>
+                            </a:rPr>
+                          </m:ctrlPr>
+                        </m:fPr>
+                        <m:num>
+                          <m:r>
+                            <a:rPr lang="ru-RU" sz="1400" b="0" i="1" smtClean="0">
+                              <a:effectLst/>
+                              <a:latin typeface="Cambria Math" panose="02040503050406030204" pitchFamily="18" charset="0"/>
+                              <a:ea typeface="Times New Roman" panose="02020603050405020304" pitchFamily="18" charset="0"/>
+                            </a:rPr>
+                            <m:t>1</m:t>
+                          </m:r>
+                        </m:num>
+                        <m:den>
+                          <m:r>
+                            <a:rPr lang="ru-RU" sz="1400" i="1">
+                              <a:effectLst/>
+                              <a:latin typeface="Cambria Math" panose="02040503050406030204" pitchFamily="18" charset="0"/>
+                              <a:ea typeface="Times New Roman" panose="02020603050405020304" pitchFamily="18" charset="0"/>
+                              <a:cs typeface="Times New Roman" panose="02020603050405020304" pitchFamily="18" charset="0"/>
+                            </a:rPr>
+                            <m:t>𝑖</m:t>
+                          </m:r>
+                          <m:r>
+                            <m:rPr>
+                              <m:sty m:val="p"/>
+                            </m:rPr>
+                            <a:rPr lang="ru-RU" sz="1400">
+                              <a:effectLst/>
+                              <a:latin typeface="Cambria Math" panose="02040503050406030204" pitchFamily="18" charset="0"/>
+                              <a:ea typeface="Times New Roman" panose="02020603050405020304" pitchFamily="18" charset="0"/>
+                              <a:cs typeface="Times New Roman" panose="02020603050405020304" pitchFamily="18" charset="0"/>
+                            </a:rPr>
+                            <m:t>μ</m:t>
+                          </m:r>
+                        </m:den>
+                      </m:f>
+                    </m:oMath>
+                  </m:oMathPara>
+                </a14:m>
+                <a:endParaRPr lang="ru-RU" sz="1400" dirty="0">
+                  <a:effectLst/>
+                  <a:latin typeface="Times New Roman" panose="02020603050405020304" pitchFamily="18" charset="0"/>
+                  <a:ea typeface="Calibri" panose="020F0502020204030204" pitchFamily="34" charset="0"/>
+                  <a:cs typeface="Times New Roman" panose="02020603050405020304" pitchFamily="18" charset="0"/>
+                </a:endParaRPr>
+              </a:p>
+              <a:p>
+                <a:endParaRPr lang="ru-RU" sz="1400" dirty="0">
+                  <a:effectLst/>
+                  <a:latin typeface="Times New Roman" panose="02020603050405020304" pitchFamily="18" charset="0"/>
+                  <a:ea typeface="Calibri" panose="020F0502020204030204" pitchFamily="34" charset="0"/>
+                  <a:cs typeface="Times New Roman" panose="02020603050405020304" pitchFamily="18" charset="0"/>
+                </a:endParaRPr>
+              </a:p>
+              <a:p>
+                <a:endParaRPr lang="ru-RU" sz="1400" dirty="0"/>
+              </a:p>
+            </p:txBody>
+          </p:sp>
+        </mc:Choice>
+        <mc:Fallback>
+          <p:sp>
+            <p:nvSpPr>
+              <p:cNvPr id="8" name="TextBox 7">
+                <a:extLst>
+                  <a:ext uri="{FF2B5EF4-FFF2-40B4-BE49-F238E27FC236}">
+                    <a16:creationId xmlns:a16="http://schemas.microsoft.com/office/drawing/2014/main" id="{10C6ED19-BD05-449A-8DB6-A35B0DAA4897}"/>
+                  </a:ext>
+                </a:extLst>
+              </p:cNvPr>
+              <p:cNvSpPr txBox="1">
+                <a:spLocks noRot="1" noChangeAspect="1" noMove="1" noResize="1" noEditPoints="1" noAdjustHandles="1" noChangeArrowheads="1" noChangeShapeType="1" noTextEdit="1"/>
+              </p:cNvSpPr>
+              <p:nvPr/>
+            </p:nvSpPr>
+            <p:spPr>
+              <a:xfrm>
+                <a:off x="7728093" y="660451"/>
+                <a:ext cx="652007" cy="869405"/>
+              </a:xfrm>
+              <a:prstGeom prst="rect">
+                <a:avLst/>
+              </a:prstGeom>
+              <a:blipFill>
+                <a:blip r:embed="rId6"/>
+                <a:stretch>
+                  <a:fillRect/>
+                </a:stretch>
+              </a:blipFill>
+            </p:spPr>
+            <p:txBody>
+              <a:bodyPr/>
+              <a:lstStyle/>
+              <a:p>
+                <a:r>
+                  <a:rPr lang="ru-RU">
+                    <a:noFill/>
+                  </a:rPr>
+                  <a:t> </a:t>
+                </a:r>
+              </a:p>
+            </p:txBody>
+          </p:sp>
+        </mc:Fallback>
+      </mc:AlternateContent>
+      <p:sp>
+        <p:nvSpPr>
+          <p:cNvPr id="9" name="Прямоугольник 8">
+            <a:extLst>
+              <a:ext uri="{FF2B5EF4-FFF2-40B4-BE49-F238E27FC236}">
+                <a16:creationId xmlns:a16="http://schemas.microsoft.com/office/drawing/2014/main" id="{EFDBC12D-563C-4A9A-9C42-CB36BB38E2F7}"/>
+              </a:ext>
+            </a:extLst>
+          </p:cNvPr>
+          <p:cNvSpPr/>
+          <p:nvPr/>
+        </p:nvSpPr>
+        <p:spPr>
+          <a:xfrm>
+            <a:off x="4391250" y="2107763"/>
+            <a:ext cx="1105232" cy="623761"/>
+          </a:xfrm>
+          <a:prstGeom prst="rect">
+            <a:avLst/>
+          </a:prstGeom>
+          <a:noFill/>
+          <a:ln>
+            <a:solidFill>
+              <a:schemeClr val="tx1"/>
+            </a:solidFill>
+          </a:ln>
+        </p:spPr>
+        <p:style>
+          <a:lnRef idx="2">
+            <a:schemeClr val="accent1">
+              <a:shade val="50000"/>
+            </a:schemeClr>
+          </a:lnRef>
+          <a:fillRef idx="1">
+            <a:schemeClr val="accent1"/>
+          </a:fillRef>
+          <a:effectRef idx="0">
+            <a:schemeClr val="accent1"/>
+          </a:effectRef>
+          <a:fontRef idx="minor">
+            <a:schemeClr val="lt1"/>
+          </a:fontRef>
+        </p:style>
+        <p:txBody>
+          <a:bodyPr rtlCol="0" anchor="ctr"/>
+          <a:lstStyle/>
+          <a:p>
+            <a:pPr algn="ctr"/>
+            <a:endParaRPr lang="ru-RU"/>
+          </a:p>
+        </p:txBody>
+      </p:sp>
+      <p:sp>
+        <p:nvSpPr>
+          <p:cNvPr id="10" name="Блок-схема: узел суммирования 9">
+            <a:extLst>
+              <a:ext uri="{FF2B5EF4-FFF2-40B4-BE49-F238E27FC236}">
+                <a16:creationId xmlns:a16="http://schemas.microsoft.com/office/drawing/2014/main" id="{E546E868-7F58-4C02-BAD8-0F750A25112D}"/>
+              </a:ext>
+            </a:extLst>
+          </p:cNvPr>
+          <p:cNvSpPr/>
+          <p:nvPr/>
+        </p:nvSpPr>
+        <p:spPr>
+          <a:xfrm>
+            <a:off x="7376964" y="2296189"/>
+            <a:ext cx="238539" cy="246908"/>
+          </a:xfrm>
+          <a:prstGeom prst="flowChartSummingJunction">
+            <a:avLst/>
+          </a:prstGeom>
+          <a:noFill/>
+          <a:ln w="6350">
+            <a:solidFill>
+              <a:schemeClr val="tx1"/>
+            </a:solidFill>
+          </a:ln>
+        </p:spPr>
+        <p:style>
+          <a:lnRef idx="2">
+            <a:schemeClr val="accent1">
+              <a:shade val="50000"/>
+            </a:schemeClr>
+          </a:lnRef>
+          <a:fillRef idx="1">
+            <a:schemeClr val="accent1"/>
+          </a:fillRef>
+          <a:effectRef idx="0">
+            <a:schemeClr val="accent1"/>
+          </a:effectRef>
+          <a:fontRef idx="minor">
+            <a:schemeClr val="lt1"/>
+          </a:fontRef>
+        </p:style>
+        <p:txBody>
+          <a:bodyPr rtlCol="0" anchor="ctr"/>
+          <a:lstStyle/>
+          <a:p>
+            <a:pPr algn="ctr"/>
+            <a:endParaRPr lang="ru-RU">
+              <a:noFill/>
+            </a:endParaRPr>
+          </a:p>
+        </p:txBody>
+      </p:sp>
+      <p:sp>
+        <p:nvSpPr>
+          <p:cNvPr id="11" name="Прямоугольник 10">
+            <a:extLst>
+              <a:ext uri="{FF2B5EF4-FFF2-40B4-BE49-F238E27FC236}">
+                <a16:creationId xmlns:a16="http://schemas.microsoft.com/office/drawing/2014/main" id="{0388D829-86B7-430F-88DD-8D0B79FEE459}"/>
+              </a:ext>
+            </a:extLst>
+          </p:cNvPr>
+          <p:cNvSpPr/>
+          <p:nvPr/>
+        </p:nvSpPr>
+        <p:spPr>
+          <a:xfrm>
+            <a:off x="6228001" y="2107763"/>
+            <a:ext cx="652007" cy="623761"/>
+          </a:xfrm>
+          <a:prstGeom prst="rect">
+            <a:avLst/>
+          </a:prstGeom>
+          <a:noFill/>
+          <a:ln>
+            <a:solidFill>
+              <a:schemeClr val="tx1"/>
+            </a:solidFill>
+          </a:ln>
+        </p:spPr>
+        <p:style>
+          <a:lnRef idx="2">
+            <a:schemeClr val="accent1">
+              <a:shade val="50000"/>
+            </a:schemeClr>
+          </a:lnRef>
+          <a:fillRef idx="1">
+            <a:schemeClr val="accent1"/>
+          </a:fillRef>
+          <a:effectRef idx="0">
+            <a:schemeClr val="accent1"/>
+          </a:effectRef>
+          <a:fontRef idx="minor">
+            <a:schemeClr val="lt1"/>
+          </a:fontRef>
+        </p:style>
+        <p:txBody>
+          <a:bodyPr rtlCol="0" anchor="ctr"/>
+          <a:lstStyle/>
+          <a:p>
+            <a:pPr algn="ctr"/>
+            <a:endParaRPr lang="ru-RU"/>
+          </a:p>
+        </p:txBody>
+      </p:sp>
+      <p:sp>
+        <p:nvSpPr>
+          <p:cNvPr id="18" name="Прямоугольник 17">
+            <a:extLst>
+              <a:ext uri="{FF2B5EF4-FFF2-40B4-BE49-F238E27FC236}">
+                <a16:creationId xmlns:a16="http://schemas.microsoft.com/office/drawing/2014/main" id="{C2B6BBE3-5ABA-4198-ACE4-5220FCE3AA55}"/>
+              </a:ext>
+            </a:extLst>
+          </p:cNvPr>
+          <p:cNvSpPr/>
+          <p:nvPr/>
+        </p:nvSpPr>
+        <p:spPr>
+          <a:xfrm>
+            <a:off x="9880302" y="2089998"/>
+            <a:ext cx="652007" cy="623761"/>
+          </a:xfrm>
+          <a:prstGeom prst="rect">
+            <a:avLst/>
+          </a:prstGeom>
+          <a:noFill/>
+          <a:ln>
+            <a:solidFill>
+              <a:schemeClr val="tx1"/>
+            </a:solidFill>
+          </a:ln>
+        </p:spPr>
+        <p:style>
+          <a:lnRef idx="2">
+            <a:schemeClr val="accent1">
+              <a:shade val="50000"/>
+            </a:schemeClr>
+          </a:lnRef>
+          <a:fillRef idx="1">
+            <a:schemeClr val="accent1"/>
+          </a:fillRef>
+          <a:effectRef idx="0">
+            <a:schemeClr val="accent1"/>
+          </a:effectRef>
+          <a:fontRef idx="minor">
+            <a:schemeClr val="lt1"/>
+          </a:fontRef>
+        </p:style>
+        <p:txBody>
+          <a:bodyPr rtlCol="0" anchor="ctr"/>
+          <a:lstStyle/>
+          <a:p>
+            <a:pPr algn="ctr"/>
+            <a:endParaRPr lang="ru-RU"/>
+          </a:p>
+        </p:txBody>
+      </p:sp>
+      <mc:AlternateContent xmlns:mc="http://schemas.openxmlformats.org/markup-compatibility/2006">
+        <mc:Choice xmlns:a14="http://schemas.microsoft.com/office/drawing/2010/main" Requires="a14">
+          <p:sp>
+            <p:nvSpPr>
+              <p:cNvPr id="19" name="TextBox 18">
+                <a:extLst>
+                  <a:ext uri="{FF2B5EF4-FFF2-40B4-BE49-F238E27FC236}">
+                    <a16:creationId xmlns:a16="http://schemas.microsoft.com/office/drawing/2014/main" id="{C3A99C12-6CFB-44DC-95AA-6C888798E633}"/>
+                  </a:ext>
+                </a:extLst>
+              </p:cNvPr>
+              <p:cNvSpPr txBox="1"/>
+              <p:nvPr/>
+            </p:nvSpPr>
+            <p:spPr>
+              <a:xfrm>
+                <a:off x="8654655" y="693478"/>
+                <a:ext cx="658527" cy="443455"/>
+              </a:xfrm>
+              <a:prstGeom prst="rect">
+                <a:avLst/>
+              </a:prstGeom>
+              <a:noFill/>
+            </p:spPr>
+            <p:txBody>
+              <a:bodyPr wrap="square" lIns="0" tIns="0" rIns="0" bIns="0" rtlCol="0">
+                <a:spAutoFit/>
+              </a:bodyPr>
+              <a:lstStyle/>
+              <a:p>
+                <a:pPr/>
+                <a14:m>
+                  <m:oMathPara xmlns:m="http://schemas.openxmlformats.org/officeDocument/2006/math">
+                    <m:oMathParaPr>
+                      <m:jc m:val="centerGroup"/>
+                    </m:oMathParaPr>
+                    <m:oMath xmlns:m="http://schemas.openxmlformats.org/officeDocument/2006/math">
+                      <m:sSub>
+                        <m:sSubPr>
+                          <m:ctrlPr>
+                            <a:rPr lang="en-US" sz="1400" b="0" i="1" smtClean="0">
+                              <a:effectLst/>
+                              <a:latin typeface="Cambria Math" panose="02040503050406030204" pitchFamily="18" charset="0"/>
+                              <a:ea typeface="Calibri" panose="020F0502020204030204" pitchFamily="34" charset="0"/>
+                              <a:cs typeface="Times New Roman" panose="02020603050405020304" pitchFamily="18" charset="0"/>
+                            </a:rPr>
+                          </m:ctrlPr>
+                        </m:sSubPr>
+                        <m:e>
+                          <m:r>
+                            <a:rPr lang="en-US" sz="1400" b="0" i="1" smtClean="0">
+                              <a:effectLst/>
+                              <a:latin typeface="Cambria Math" panose="02040503050406030204" pitchFamily="18" charset="0"/>
+                              <a:ea typeface="Calibri" panose="020F0502020204030204" pitchFamily="34" charset="0"/>
+                              <a:cs typeface="Times New Roman" panose="02020603050405020304" pitchFamily="18" charset="0"/>
+                            </a:rPr>
+                            <m:t>𝑘</m:t>
+                          </m:r>
+                        </m:e>
+                        <m:sub>
+                          <m:r>
+                            <a:rPr lang="ru-RU" sz="1400" b="0" i="1" smtClean="0">
+                              <a:effectLst/>
+                              <a:latin typeface="Cambria Math" panose="02040503050406030204" pitchFamily="18" charset="0"/>
+                              <a:ea typeface="Calibri" panose="020F0502020204030204" pitchFamily="34" charset="0"/>
+                              <a:cs typeface="Times New Roman" panose="02020603050405020304" pitchFamily="18" charset="0"/>
+                            </a:rPr>
+                            <m:t>гд</m:t>
+                          </m:r>
+                        </m:sub>
+                      </m:sSub>
+                    </m:oMath>
+                  </m:oMathPara>
+                </a14:m>
+                <a:endParaRPr lang="ru-RU" sz="1400" dirty="0">
+                  <a:effectLst/>
+                  <a:latin typeface="Times New Roman" panose="02020603050405020304" pitchFamily="18" charset="0"/>
+                  <a:ea typeface="Calibri" panose="020F0502020204030204" pitchFamily="34" charset="0"/>
+                  <a:cs typeface="Times New Roman" panose="02020603050405020304" pitchFamily="18" charset="0"/>
+                </a:endParaRPr>
+              </a:p>
+              <a:p>
+                <a:endParaRPr lang="ru-RU" sz="1400" dirty="0"/>
+              </a:p>
+            </p:txBody>
+          </p:sp>
+        </mc:Choice>
+        <mc:Fallback>
+          <p:sp>
+            <p:nvSpPr>
+              <p:cNvPr id="19" name="TextBox 18">
+                <a:extLst>
+                  <a:ext uri="{FF2B5EF4-FFF2-40B4-BE49-F238E27FC236}">
+                    <a16:creationId xmlns:a16="http://schemas.microsoft.com/office/drawing/2014/main" id="{C3A99C12-6CFB-44DC-95AA-6C888798E633}"/>
+                  </a:ext>
+                </a:extLst>
+              </p:cNvPr>
+              <p:cNvSpPr txBox="1">
+                <a:spLocks noRot="1" noChangeAspect="1" noMove="1" noResize="1" noEditPoints="1" noAdjustHandles="1" noChangeArrowheads="1" noChangeShapeType="1" noTextEdit="1"/>
+              </p:cNvSpPr>
+              <p:nvPr/>
+            </p:nvSpPr>
+            <p:spPr>
+              <a:xfrm>
+                <a:off x="8654655" y="693478"/>
+                <a:ext cx="658527" cy="443455"/>
+              </a:xfrm>
+              <a:prstGeom prst="rect">
+                <a:avLst/>
+              </a:prstGeom>
+              <a:blipFill>
+                <a:blip r:embed="rId7"/>
+                <a:stretch>
+                  <a:fillRect/>
+                </a:stretch>
+              </a:blipFill>
+            </p:spPr>
+            <p:txBody>
+              <a:bodyPr/>
+              <a:lstStyle/>
+              <a:p>
+                <a:r>
+                  <a:rPr lang="ru-RU">
+                    <a:noFill/>
+                  </a:rPr>
+                  <a:t> </a:t>
+                </a:r>
+              </a:p>
+            </p:txBody>
+          </p:sp>
+        </mc:Fallback>
+      </mc:AlternateContent>
+      <p:sp>
+        <p:nvSpPr>
+          <p:cNvPr id="20" name="Прямоугольник 19">
+            <a:extLst>
+              <a:ext uri="{FF2B5EF4-FFF2-40B4-BE49-F238E27FC236}">
+                <a16:creationId xmlns:a16="http://schemas.microsoft.com/office/drawing/2014/main" id="{D9C75ABA-2A54-4BFA-A1EF-7B291EA6AB20}"/>
+              </a:ext>
+            </a:extLst>
+          </p:cNvPr>
+          <p:cNvSpPr/>
+          <p:nvPr/>
+        </p:nvSpPr>
+        <p:spPr>
+          <a:xfrm>
+            <a:off x="8748258" y="598636"/>
+            <a:ext cx="578219" cy="517104"/>
+          </a:xfrm>
+          <a:prstGeom prst="rect">
+            <a:avLst/>
+          </a:prstGeom>
+          <a:noFill/>
+          <a:ln>
+            <a:solidFill>
+              <a:schemeClr val="tx1"/>
+            </a:solidFill>
+          </a:ln>
+        </p:spPr>
+        <p:style>
+          <a:lnRef idx="2">
+            <a:schemeClr val="accent1">
+              <a:shade val="50000"/>
+            </a:schemeClr>
+          </a:lnRef>
+          <a:fillRef idx="1">
+            <a:schemeClr val="accent1"/>
+          </a:fillRef>
+          <a:effectRef idx="0">
+            <a:schemeClr val="accent1"/>
+          </a:effectRef>
+          <a:fontRef idx="minor">
+            <a:schemeClr val="lt1"/>
+          </a:fontRef>
+        </p:style>
+        <p:txBody>
+          <a:bodyPr rtlCol="0" anchor="ctr"/>
+          <a:lstStyle/>
+          <a:p>
+            <a:pPr algn="ctr"/>
+            <a:endParaRPr lang="ru-RU"/>
+          </a:p>
+        </p:txBody>
+      </p:sp>
+      <p:sp>
+        <p:nvSpPr>
+          <p:cNvPr id="21" name="Прямоугольник 20">
+            <a:extLst>
+              <a:ext uri="{FF2B5EF4-FFF2-40B4-BE49-F238E27FC236}">
+                <a16:creationId xmlns:a16="http://schemas.microsoft.com/office/drawing/2014/main" id="{E826FAC0-9D29-4B03-B966-2664EEE955FA}"/>
+              </a:ext>
+            </a:extLst>
+          </p:cNvPr>
+          <p:cNvSpPr/>
+          <p:nvPr/>
+        </p:nvSpPr>
+        <p:spPr>
+          <a:xfrm>
+            <a:off x="8112459" y="2089999"/>
+            <a:ext cx="818404" cy="641525"/>
+          </a:xfrm>
+          <a:prstGeom prst="rect">
+            <a:avLst/>
+          </a:prstGeom>
+          <a:noFill/>
+          <a:ln>
+            <a:solidFill>
+              <a:schemeClr val="tx1"/>
+            </a:solidFill>
+          </a:ln>
+        </p:spPr>
+        <p:style>
+          <a:lnRef idx="2">
+            <a:schemeClr val="accent1">
+              <a:shade val="50000"/>
+            </a:schemeClr>
+          </a:lnRef>
+          <a:fillRef idx="1">
+            <a:schemeClr val="accent1"/>
+          </a:fillRef>
+          <a:effectRef idx="0">
+            <a:schemeClr val="accent1"/>
+          </a:effectRef>
+          <a:fontRef idx="minor">
+            <a:schemeClr val="lt1"/>
+          </a:fontRef>
+        </p:style>
+        <p:txBody>
+          <a:bodyPr rtlCol="0" anchor="ctr"/>
+          <a:lstStyle/>
+          <a:p>
+            <a:pPr algn="ctr"/>
+            <a:endParaRPr lang="ru-RU"/>
+          </a:p>
+        </p:txBody>
+      </p:sp>
+      <p:cxnSp>
+        <p:nvCxnSpPr>
+          <p:cNvPr id="22" name="Прямая со стрелкой 21">
+            <a:extLst>
+              <a:ext uri="{FF2B5EF4-FFF2-40B4-BE49-F238E27FC236}">
+                <a16:creationId xmlns:a16="http://schemas.microsoft.com/office/drawing/2014/main" id="{F3635D66-5999-427D-A4D2-EE938D087D52}"/>
+              </a:ext>
+            </a:extLst>
+          </p:cNvPr>
+          <p:cNvCxnSpPr>
+            <a:cxnSpLocks/>
+            <a:stCxn id="9" idx="3"/>
+          </p:cNvCxnSpPr>
+          <p:nvPr/>
+        </p:nvCxnSpPr>
+        <p:spPr>
+          <a:xfrm flipV="1">
+            <a:off x="5496482" y="2419643"/>
+            <a:ext cx="731519" cy="1"/>
+          </a:xfrm>
+          <a:prstGeom prst="straightConnector1">
+            <a:avLst/>
+          </a:prstGeom>
+          <a:ln>
+            <a:solidFill>
+              <a:schemeClr val="tx1"/>
+            </a:solidFill>
+            <a:tailEnd type="triangle"/>
+          </a:ln>
+        </p:spPr>
+        <p:style>
+          <a:lnRef idx="1">
+            <a:schemeClr val="accent1"/>
+          </a:lnRef>
+          <a:fillRef idx="0">
+            <a:schemeClr val="accent1"/>
+          </a:fillRef>
+          <a:effectRef idx="0">
+            <a:schemeClr val="accent1"/>
+          </a:effectRef>
+          <a:fontRef idx="minor">
+            <a:schemeClr val="tx1"/>
+          </a:fontRef>
+        </p:style>
+      </p:cxnSp>
+      <p:cxnSp>
+        <p:nvCxnSpPr>
+          <p:cNvPr id="23" name="Прямая со стрелкой 22">
+            <a:extLst>
+              <a:ext uri="{FF2B5EF4-FFF2-40B4-BE49-F238E27FC236}">
+                <a16:creationId xmlns:a16="http://schemas.microsoft.com/office/drawing/2014/main" id="{DAD74B2E-D647-480F-AA95-5E58D766A97F}"/>
+              </a:ext>
+            </a:extLst>
+          </p:cNvPr>
+          <p:cNvCxnSpPr>
+            <a:cxnSpLocks/>
+            <a:endCxn id="10" idx="2"/>
+          </p:cNvCxnSpPr>
+          <p:nvPr/>
+        </p:nvCxnSpPr>
+        <p:spPr>
+          <a:xfrm flipV="1">
+            <a:off x="6883984" y="2419643"/>
+            <a:ext cx="492980" cy="2"/>
+          </a:xfrm>
+          <a:prstGeom prst="straightConnector1">
+            <a:avLst/>
+          </a:prstGeom>
+          <a:ln>
+            <a:solidFill>
+              <a:schemeClr val="tx1"/>
+            </a:solidFill>
+            <a:tailEnd type="triangle"/>
+          </a:ln>
+        </p:spPr>
+        <p:style>
+          <a:lnRef idx="1">
+            <a:schemeClr val="accent1"/>
+          </a:lnRef>
+          <a:fillRef idx="0">
+            <a:schemeClr val="accent1"/>
+          </a:fillRef>
+          <a:effectRef idx="0">
+            <a:schemeClr val="accent1"/>
+          </a:effectRef>
+          <a:fontRef idx="minor">
+            <a:schemeClr val="tx1"/>
+          </a:fontRef>
+        </p:style>
+      </p:cxnSp>
+      <p:cxnSp>
+        <p:nvCxnSpPr>
+          <p:cNvPr id="24" name="Прямая со стрелкой 23">
+            <a:extLst>
+              <a:ext uri="{FF2B5EF4-FFF2-40B4-BE49-F238E27FC236}">
+                <a16:creationId xmlns:a16="http://schemas.microsoft.com/office/drawing/2014/main" id="{D382CEA5-DA76-4B01-8012-2A10CF47A22E}"/>
+              </a:ext>
+            </a:extLst>
+          </p:cNvPr>
+          <p:cNvCxnSpPr>
+            <a:cxnSpLocks/>
+          </p:cNvCxnSpPr>
+          <p:nvPr/>
+        </p:nvCxnSpPr>
+        <p:spPr>
+          <a:xfrm flipV="1">
+            <a:off x="7611527" y="2419643"/>
+            <a:ext cx="492980" cy="2"/>
+          </a:xfrm>
+          <a:prstGeom prst="straightConnector1">
+            <a:avLst/>
+          </a:prstGeom>
+          <a:ln>
+            <a:solidFill>
+              <a:schemeClr val="tx1"/>
+            </a:solidFill>
+            <a:tailEnd type="triangle"/>
+          </a:ln>
+        </p:spPr>
+        <p:style>
+          <a:lnRef idx="1">
+            <a:schemeClr val="accent1"/>
+          </a:lnRef>
+          <a:fillRef idx="0">
+            <a:schemeClr val="accent1"/>
+          </a:fillRef>
+          <a:effectRef idx="0">
+            <a:schemeClr val="accent1"/>
+          </a:effectRef>
+          <a:fontRef idx="minor">
+            <a:schemeClr val="tx1"/>
+          </a:fontRef>
+        </p:style>
+      </p:cxnSp>
+      <p:sp>
+        <p:nvSpPr>
+          <p:cNvPr id="27" name="Блок-схема: узел суммирования 26">
+            <a:extLst>
+              <a:ext uri="{FF2B5EF4-FFF2-40B4-BE49-F238E27FC236}">
+                <a16:creationId xmlns:a16="http://schemas.microsoft.com/office/drawing/2014/main" id="{24AE81EB-4884-4935-A8AB-1E14E8CDAFC9}"/>
+              </a:ext>
+            </a:extLst>
+          </p:cNvPr>
+          <p:cNvSpPr/>
+          <p:nvPr/>
+        </p:nvSpPr>
+        <p:spPr>
+          <a:xfrm>
+            <a:off x="3663707" y="2278425"/>
+            <a:ext cx="238539" cy="246908"/>
+          </a:xfrm>
+          <a:prstGeom prst="flowChartSummingJunction">
+            <a:avLst/>
+          </a:prstGeom>
+          <a:noFill/>
+          <a:ln w="6350">
+            <a:solidFill>
+              <a:schemeClr val="tx1"/>
+            </a:solidFill>
+          </a:ln>
+        </p:spPr>
+        <p:style>
+          <a:lnRef idx="2">
+            <a:schemeClr val="accent1">
+              <a:shade val="50000"/>
+            </a:schemeClr>
+          </a:lnRef>
+          <a:fillRef idx="1">
+            <a:schemeClr val="accent1"/>
+          </a:fillRef>
+          <a:effectRef idx="0">
+            <a:schemeClr val="accent1"/>
+          </a:effectRef>
+          <a:fontRef idx="minor">
+            <a:schemeClr val="lt1"/>
+          </a:fontRef>
+        </p:style>
+        <p:txBody>
+          <a:bodyPr rtlCol="0" anchor="ctr"/>
+          <a:lstStyle/>
+          <a:p>
+            <a:pPr algn="ctr"/>
+            <a:endParaRPr lang="ru-RU">
+              <a:noFill/>
+            </a:endParaRPr>
+          </a:p>
+        </p:txBody>
+      </p:sp>
+      <p:cxnSp>
+        <p:nvCxnSpPr>
+          <p:cNvPr id="28" name="Соединитель: уступ 27">
+            <a:extLst>
+              <a:ext uri="{FF2B5EF4-FFF2-40B4-BE49-F238E27FC236}">
+                <a16:creationId xmlns:a16="http://schemas.microsoft.com/office/drawing/2014/main" id="{A322843B-0DAE-44A8-8CAD-290EF1932849}"/>
+              </a:ext>
+            </a:extLst>
+          </p:cNvPr>
+          <p:cNvCxnSpPr>
+            <a:cxnSpLocks/>
+            <a:stCxn id="21" idx="3"/>
+            <a:endCxn id="18" idx="1"/>
+          </p:cNvCxnSpPr>
+          <p:nvPr/>
+        </p:nvCxnSpPr>
+        <p:spPr>
+          <a:xfrm flipV="1">
+            <a:off x="8930863" y="2401879"/>
+            <a:ext cx="949439" cy="8883"/>
+          </a:xfrm>
+          <a:prstGeom prst="bentConnector3">
+            <a:avLst/>
+          </a:prstGeom>
+          <a:ln>
+            <a:solidFill>
+              <a:schemeClr val="tx1"/>
+            </a:solidFill>
+            <a:tailEnd type="triangle"/>
+          </a:ln>
+        </p:spPr>
+        <p:style>
+          <a:lnRef idx="1">
+            <a:schemeClr val="accent1"/>
+          </a:lnRef>
+          <a:fillRef idx="0">
+            <a:schemeClr val="accent1"/>
+          </a:fillRef>
+          <a:effectRef idx="0">
+            <a:schemeClr val="accent1"/>
+          </a:effectRef>
+          <a:fontRef idx="minor">
+            <a:schemeClr val="tx1"/>
+          </a:fontRef>
+        </p:style>
+      </p:cxnSp>
+      <mc:AlternateContent xmlns:mc="http://schemas.openxmlformats.org/markup-compatibility/2006">
+        <mc:Choice xmlns:a14="http://schemas.microsoft.com/office/drawing/2010/main" Requires="a14">
+          <p:sp>
+            <p:nvSpPr>
+              <p:cNvPr id="29" name="TextBox 28">
+                <a:extLst>
+                  <a:ext uri="{FF2B5EF4-FFF2-40B4-BE49-F238E27FC236}">
+                    <a16:creationId xmlns:a16="http://schemas.microsoft.com/office/drawing/2014/main" id="{1EE5ADCC-3FC4-4D61-9DCD-C31067280E3D}"/>
+                  </a:ext>
+                </a:extLst>
+              </p:cNvPr>
+              <p:cNvSpPr txBox="1"/>
+              <p:nvPr/>
+            </p:nvSpPr>
+            <p:spPr>
+              <a:xfrm>
+                <a:off x="4391250" y="3316938"/>
+                <a:ext cx="652007" cy="430887"/>
+              </a:xfrm>
+              <a:prstGeom prst="rect">
+                <a:avLst/>
+              </a:prstGeom>
+              <a:noFill/>
+            </p:spPr>
+            <p:txBody>
+              <a:bodyPr wrap="square" lIns="0" tIns="0" rIns="0" bIns="0" rtlCol="0">
+                <a:spAutoFit/>
+              </a:bodyPr>
+              <a:lstStyle/>
+              <a:p>
+                <a:pPr/>
+                <a14:m>
+                  <m:oMathPara xmlns:m="http://schemas.openxmlformats.org/officeDocument/2006/math">
+                    <m:oMathParaPr>
+                      <m:jc m:val="centerGroup"/>
+                    </m:oMathParaPr>
+                    <m:oMath xmlns:m="http://schemas.openxmlformats.org/officeDocument/2006/math">
+                      <m:sSub>
+                        <m:sSubPr>
+                          <m:ctrlPr>
+                            <a:rPr lang="en-US" sz="1400" b="0" i="1" smtClean="0">
+                              <a:effectLst/>
+                              <a:latin typeface="Cambria Math" panose="02040503050406030204" pitchFamily="18" charset="0"/>
+                              <a:ea typeface="Calibri" panose="020F0502020204030204" pitchFamily="34" charset="0"/>
+                              <a:cs typeface="Times New Roman" panose="02020603050405020304" pitchFamily="18" charset="0"/>
+                            </a:rPr>
+                          </m:ctrlPr>
+                        </m:sSubPr>
+                        <m:e>
+                          <m:r>
+                            <a:rPr lang="en-US" sz="1400" b="0" i="1" smtClean="0">
+                              <a:effectLst/>
+                              <a:latin typeface="Cambria Math" panose="02040503050406030204" pitchFamily="18" charset="0"/>
+                              <a:ea typeface="Calibri" panose="020F0502020204030204" pitchFamily="34" charset="0"/>
+                              <a:cs typeface="Times New Roman" panose="02020603050405020304" pitchFamily="18" charset="0"/>
+                            </a:rPr>
+                            <m:t>𝐾</m:t>
+                          </m:r>
+                        </m:e>
+                        <m:sub>
+                          <m:r>
+                            <a:rPr lang="en-US" sz="1400" b="0" i="1" smtClean="0">
+                              <a:effectLst/>
+                              <a:latin typeface="Cambria Math" panose="02040503050406030204" pitchFamily="18" charset="0"/>
+                              <a:ea typeface="Calibri" panose="020F0502020204030204" pitchFamily="34" charset="0"/>
+                              <a:cs typeface="Times New Roman" panose="02020603050405020304" pitchFamily="18" charset="0"/>
+                            </a:rPr>
+                            <m:t>𝑢</m:t>
+                          </m:r>
+                        </m:sub>
+                      </m:sSub>
+                    </m:oMath>
+                  </m:oMathPara>
+                </a14:m>
+                <a:endParaRPr lang="ru-RU" sz="1400" dirty="0">
+                  <a:effectLst/>
+                  <a:latin typeface="Times New Roman" panose="02020603050405020304" pitchFamily="18" charset="0"/>
+                  <a:ea typeface="Calibri" panose="020F0502020204030204" pitchFamily="34" charset="0"/>
+                  <a:cs typeface="Times New Roman" panose="02020603050405020304" pitchFamily="18" charset="0"/>
+                </a:endParaRPr>
+              </a:p>
+              <a:p>
+                <a:endParaRPr lang="ru-RU" sz="1400" dirty="0"/>
+              </a:p>
+            </p:txBody>
+          </p:sp>
+        </mc:Choice>
+        <mc:Fallback>
+          <p:sp>
+            <p:nvSpPr>
+              <p:cNvPr id="29" name="TextBox 28">
+                <a:extLst>
+                  <a:ext uri="{FF2B5EF4-FFF2-40B4-BE49-F238E27FC236}">
+                    <a16:creationId xmlns:a16="http://schemas.microsoft.com/office/drawing/2014/main" id="{1EE5ADCC-3FC4-4D61-9DCD-C31067280E3D}"/>
+                  </a:ext>
+                </a:extLst>
+              </p:cNvPr>
+              <p:cNvSpPr txBox="1">
+                <a:spLocks noRot="1" noChangeAspect="1" noMove="1" noResize="1" noEditPoints="1" noAdjustHandles="1" noChangeArrowheads="1" noChangeShapeType="1" noTextEdit="1"/>
+              </p:cNvSpPr>
+              <p:nvPr/>
+            </p:nvSpPr>
+            <p:spPr>
+              <a:xfrm>
+                <a:off x="4391250" y="3316938"/>
+                <a:ext cx="652007" cy="430887"/>
+              </a:xfrm>
+              <a:prstGeom prst="rect">
+                <a:avLst/>
+              </a:prstGeom>
+              <a:blipFill>
+                <a:blip r:embed="rId8"/>
+                <a:stretch>
+                  <a:fillRect/>
+                </a:stretch>
+              </a:blipFill>
+            </p:spPr>
+            <p:txBody>
+              <a:bodyPr/>
+              <a:lstStyle/>
+              <a:p>
+                <a:r>
+                  <a:rPr lang="ru-RU">
+                    <a:noFill/>
+                  </a:rPr>
+                  <a:t> </a:t>
+                </a:r>
+              </a:p>
+            </p:txBody>
+          </p:sp>
+        </mc:Fallback>
+      </mc:AlternateContent>
+      <p:sp>
+        <p:nvSpPr>
+          <p:cNvPr id="30" name="Прямоугольник 29">
+            <a:extLst>
+              <a:ext uri="{FF2B5EF4-FFF2-40B4-BE49-F238E27FC236}">
+                <a16:creationId xmlns:a16="http://schemas.microsoft.com/office/drawing/2014/main" id="{B94A82F2-C875-42E8-9B52-B358E4907E76}"/>
+              </a:ext>
+            </a:extLst>
+          </p:cNvPr>
+          <p:cNvSpPr/>
+          <p:nvPr/>
+        </p:nvSpPr>
+        <p:spPr>
+          <a:xfrm>
+            <a:off x="4391250" y="3124064"/>
+            <a:ext cx="652007" cy="623761"/>
+          </a:xfrm>
+          <a:prstGeom prst="rect">
+            <a:avLst/>
+          </a:prstGeom>
+          <a:noFill/>
+          <a:ln>
+            <a:solidFill>
+              <a:schemeClr val="tx1"/>
+            </a:solidFill>
+          </a:ln>
+        </p:spPr>
+        <p:style>
+          <a:lnRef idx="2">
+            <a:schemeClr val="accent1">
+              <a:shade val="50000"/>
+            </a:schemeClr>
+          </a:lnRef>
+          <a:fillRef idx="1">
+            <a:schemeClr val="accent1"/>
+          </a:fillRef>
+          <a:effectRef idx="0">
+            <a:schemeClr val="accent1"/>
+          </a:effectRef>
+          <a:fontRef idx="minor">
+            <a:schemeClr val="lt1"/>
+          </a:fontRef>
+        </p:style>
+        <p:txBody>
+          <a:bodyPr rtlCol="0" anchor="ctr"/>
+          <a:lstStyle/>
+          <a:p>
+            <a:pPr algn="ctr"/>
+            <a:endParaRPr lang="ru-RU"/>
+          </a:p>
+        </p:txBody>
+      </p:sp>
+      <p:cxnSp>
+        <p:nvCxnSpPr>
+          <p:cNvPr id="31" name="Соединитель: уступ 30">
+            <a:extLst>
+              <a:ext uri="{FF2B5EF4-FFF2-40B4-BE49-F238E27FC236}">
+                <a16:creationId xmlns:a16="http://schemas.microsoft.com/office/drawing/2014/main" id="{26BE0AF0-534A-41D4-84A4-B538CE2128DF}"/>
+              </a:ext>
+            </a:extLst>
+          </p:cNvPr>
+          <p:cNvCxnSpPr>
+            <a:cxnSpLocks/>
+            <a:stCxn id="27" idx="6"/>
+            <a:endCxn id="9" idx="1"/>
+          </p:cNvCxnSpPr>
+          <p:nvPr/>
+        </p:nvCxnSpPr>
+        <p:spPr>
+          <a:xfrm>
+            <a:off x="3902246" y="2401879"/>
+            <a:ext cx="489004" cy="17765"/>
+          </a:xfrm>
+          <a:prstGeom prst="bentConnector3">
+            <a:avLst>
+              <a:gd name="adj1" fmla="val 1219"/>
+            </a:avLst>
+          </a:prstGeom>
+          <a:ln>
+            <a:solidFill>
+              <a:schemeClr val="tx1"/>
+            </a:solidFill>
+            <a:tailEnd type="triangle"/>
+          </a:ln>
+        </p:spPr>
+        <p:style>
+          <a:lnRef idx="1">
+            <a:schemeClr val="accent1"/>
+          </a:lnRef>
+          <a:fillRef idx="0">
+            <a:schemeClr val="accent1"/>
+          </a:fillRef>
+          <a:effectRef idx="0">
+            <a:schemeClr val="accent1"/>
+          </a:effectRef>
+          <a:fontRef idx="minor">
+            <a:schemeClr val="tx1"/>
+          </a:fontRef>
+        </p:style>
+      </p:cxnSp>
+      <p:sp>
+        <p:nvSpPr>
+          <p:cNvPr id="32" name="Прямоугольник 31">
+            <a:extLst>
+              <a:ext uri="{FF2B5EF4-FFF2-40B4-BE49-F238E27FC236}">
+                <a16:creationId xmlns:a16="http://schemas.microsoft.com/office/drawing/2014/main" id="{8EBA1767-BE5C-4CEF-BFDD-A3D50EFAB998}"/>
+              </a:ext>
+            </a:extLst>
+          </p:cNvPr>
+          <p:cNvSpPr/>
+          <p:nvPr/>
+        </p:nvSpPr>
+        <p:spPr>
+          <a:xfrm>
+            <a:off x="7797336" y="598635"/>
+            <a:ext cx="578219" cy="517104"/>
+          </a:xfrm>
+          <a:prstGeom prst="rect">
+            <a:avLst/>
+          </a:prstGeom>
+          <a:noFill/>
+          <a:ln>
+            <a:solidFill>
+              <a:schemeClr val="tx1"/>
+            </a:solidFill>
+          </a:ln>
+        </p:spPr>
+        <p:style>
+          <a:lnRef idx="2">
+            <a:schemeClr val="accent1">
+              <a:shade val="50000"/>
+            </a:schemeClr>
+          </a:lnRef>
+          <a:fillRef idx="1">
+            <a:schemeClr val="accent1"/>
+          </a:fillRef>
+          <a:effectRef idx="0">
+            <a:schemeClr val="accent1"/>
+          </a:effectRef>
+          <a:fontRef idx="minor">
+            <a:schemeClr val="lt1"/>
+          </a:fontRef>
+        </p:style>
+        <p:txBody>
+          <a:bodyPr rtlCol="0" anchor="ctr"/>
+          <a:lstStyle/>
+          <a:p>
+            <a:pPr algn="ctr"/>
+            <a:endParaRPr lang="ru-RU"/>
+          </a:p>
+        </p:txBody>
+      </p:sp>
+      <p:cxnSp>
+        <p:nvCxnSpPr>
+          <p:cNvPr id="35" name="Соединитель: уступ 34">
+            <a:extLst>
+              <a:ext uri="{FF2B5EF4-FFF2-40B4-BE49-F238E27FC236}">
+                <a16:creationId xmlns:a16="http://schemas.microsoft.com/office/drawing/2014/main" id="{239C69AC-2615-4357-9AB0-F15D3AC51369}"/>
+              </a:ext>
+            </a:extLst>
+          </p:cNvPr>
+          <p:cNvCxnSpPr>
+            <a:cxnSpLocks/>
+            <a:endCxn id="20" idx="3"/>
+          </p:cNvCxnSpPr>
+          <p:nvPr/>
+        </p:nvCxnSpPr>
+        <p:spPr>
+          <a:xfrm rot="10800000">
+            <a:off x="9326477" y="857188"/>
+            <a:ext cx="410888" cy="12700"/>
+          </a:xfrm>
+          <a:prstGeom prst="bentConnector3">
+            <a:avLst/>
+          </a:prstGeom>
+          <a:ln>
+            <a:solidFill>
+              <a:schemeClr val="tx1"/>
+            </a:solidFill>
+            <a:tailEnd type="triangle"/>
+          </a:ln>
+        </p:spPr>
+        <p:style>
+          <a:lnRef idx="1">
+            <a:schemeClr val="accent1"/>
+          </a:lnRef>
+          <a:fillRef idx="0">
+            <a:schemeClr val="accent1"/>
+          </a:fillRef>
+          <a:effectRef idx="0">
+            <a:schemeClr val="accent1"/>
+          </a:effectRef>
+          <a:fontRef idx="minor">
+            <a:schemeClr val="tx1"/>
+          </a:fontRef>
+        </p:style>
+      </p:cxnSp>
+      <p:cxnSp>
+        <p:nvCxnSpPr>
+          <p:cNvPr id="36" name="Соединитель: уступ 35">
+            <a:extLst>
+              <a:ext uri="{FF2B5EF4-FFF2-40B4-BE49-F238E27FC236}">
+                <a16:creationId xmlns:a16="http://schemas.microsoft.com/office/drawing/2014/main" id="{367C28A4-20B1-493D-BF64-89DCDEF76EC9}"/>
+              </a:ext>
+            </a:extLst>
+          </p:cNvPr>
+          <p:cNvCxnSpPr>
+            <a:stCxn id="20" idx="1"/>
+            <a:endCxn id="32" idx="3"/>
+          </p:cNvCxnSpPr>
+          <p:nvPr/>
+        </p:nvCxnSpPr>
+        <p:spPr>
+          <a:xfrm rot="10800000">
+            <a:off x="8375556" y="857188"/>
+            <a:ext cx="372703" cy="1"/>
+          </a:xfrm>
+          <a:prstGeom prst="bentConnector3">
+            <a:avLst/>
+          </a:prstGeom>
+          <a:ln>
+            <a:solidFill>
+              <a:schemeClr val="tx1"/>
+            </a:solidFill>
+            <a:tailEnd type="triangle"/>
+          </a:ln>
+        </p:spPr>
+        <p:style>
+          <a:lnRef idx="1">
+            <a:schemeClr val="accent1"/>
+          </a:lnRef>
+          <a:fillRef idx="0">
+            <a:schemeClr val="accent1"/>
+          </a:fillRef>
+          <a:effectRef idx="0">
+            <a:schemeClr val="accent1"/>
+          </a:effectRef>
+          <a:fontRef idx="minor">
+            <a:schemeClr val="tx1"/>
+          </a:fontRef>
+        </p:style>
+      </p:cxnSp>
+      <p:cxnSp>
+        <p:nvCxnSpPr>
+          <p:cNvPr id="38" name="Прямая со стрелкой 37">
+            <a:extLst>
+              <a:ext uri="{FF2B5EF4-FFF2-40B4-BE49-F238E27FC236}">
+                <a16:creationId xmlns:a16="http://schemas.microsoft.com/office/drawing/2014/main" id="{BC7CFDAD-2F9D-4B0E-AF1A-3637F27446E5}"/>
+              </a:ext>
+            </a:extLst>
+          </p:cNvPr>
+          <p:cNvCxnSpPr>
+            <a:cxnSpLocks/>
+          </p:cNvCxnSpPr>
+          <p:nvPr/>
+        </p:nvCxnSpPr>
+        <p:spPr>
+          <a:xfrm>
+            <a:off x="2952064" y="2401878"/>
+            <a:ext cx="711643" cy="0"/>
+          </a:xfrm>
+          <a:prstGeom prst="straightConnector1">
+            <a:avLst/>
+          </a:prstGeom>
+          <a:ln>
+            <a:solidFill>
+              <a:schemeClr val="tx1"/>
+            </a:solidFill>
+            <a:tailEnd type="triangle"/>
+          </a:ln>
+        </p:spPr>
+        <p:style>
+          <a:lnRef idx="1">
+            <a:schemeClr val="accent1"/>
+          </a:lnRef>
+          <a:fillRef idx="0">
+            <a:schemeClr val="accent1"/>
+          </a:fillRef>
+          <a:effectRef idx="0">
+            <a:schemeClr val="accent1"/>
+          </a:effectRef>
+          <a:fontRef idx="minor">
+            <a:schemeClr val="tx1"/>
+          </a:fontRef>
+        </p:style>
+      </p:cxnSp>
+      <mc:AlternateContent xmlns:mc="http://schemas.openxmlformats.org/markup-compatibility/2006">
+        <mc:Choice xmlns:a14="http://schemas.microsoft.com/office/drawing/2010/main" Requires="a14">
+          <p:sp>
+            <p:nvSpPr>
+              <p:cNvPr id="39" name="TextBox 38">
+                <a:extLst>
+                  <a:ext uri="{FF2B5EF4-FFF2-40B4-BE49-F238E27FC236}">
+                    <a16:creationId xmlns:a16="http://schemas.microsoft.com/office/drawing/2014/main" id="{4465D5DC-F420-4320-8882-7F5039DF5776}"/>
+                  </a:ext>
+                </a:extLst>
+              </p:cNvPr>
+              <p:cNvSpPr txBox="1"/>
+              <p:nvPr/>
+            </p:nvSpPr>
+            <p:spPr>
+              <a:xfrm>
+                <a:off x="10716984" y="1945074"/>
+                <a:ext cx="652007" cy="450188"/>
+              </a:xfrm>
+              <a:prstGeom prst="rect">
+                <a:avLst/>
+              </a:prstGeom>
+              <a:noFill/>
+            </p:spPr>
+            <p:txBody>
+              <a:bodyPr wrap="square" lIns="0" tIns="0" rIns="0" bIns="0" rtlCol="0">
+                <a:spAutoFit/>
+              </a:bodyPr>
+              <a:lstStyle/>
+              <a:p>
+                <a:pPr/>
+                <a14:m>
+                  <m:oMathPara xmlns:m="http://schemas.openxmlformats.org/officeDocument/2006/math">
+                    <m:oMathParaPr>
+                      <m:jc m:val="centerGroup"/>
+                    </m:oMathParaPr>
+                    <m:oMath xmlns:m="http://schemas.openxmlformats.org/officeDocument/2006/math">
+                      <m:sSub>
+                        <m:sSubPr>
+                          <m:ctrlPr>
+                            <a:rPr lang="ru-RU" sz="1400" i="1" smtClean="0">
+                              <a:effectLst/>
+                              <a:latin typeface="Cambria Math" panose="02040503050406030204" pitchFamily="18" charset="0"/>
+                              <a:ea typeface="Times New Roman" panose="02020603050405020304" pitchFamily="18" charset="0"/>
+                            </a:rPr>
+                          </m:ctrlPr>
+                        </m:sSubPr>
+                        <m:e>
+                          <m:r>
+                            <m:rPr>
+                              <m:sty m:val="p"/>
+                            </m:rPr>
+                            <a:rPr lang="ru-RU" sz="1400">
+                              <a:effectLst/>
+                              <a:latin typeface="Cambria Math" panose="02040503050406030204" pitchFamily="18" charset="0"/>
+                              <a:ea typeface="Times New Roman" panose="02020603050405020304" pitchFamily="18" charset="0"/>
+                              <a:cs typeface="Times New Roman" panose="02020603050405020304" pitchFamily="18" charset="0"/>
+                            </a:rPr>
+                            <m:t>ω</m:t>
+                          </m:r>
+                        </m:e>
+                        <m:sub>
+                          <m:r>
+                            <a:rPr lang="ru-RU" sz="1400" i="1">
+                              <a:effectLst/>
+                              <a:latin typeface="Cambria Math" panose="02040503050406030204" pitchFamily="18" charset="0"/>
+                              <a:ea typeface="Times New Roman" panose="02020603050405020304" pitchFamily="18" charset="0"/>
+                              <a:cs typeface="Times New Roman" panose="02020603050405020304" pitchFamily="18" charset="0"/>
+                            </a:rPr>
+                            <m:t>ред</m:t>
+                          </m:r>
+                        </m:sub>
+                      </m:sSub>
+                    </m:oMath>
+                  </m:oMathPara>
+                </a14:m>
+                <a:endParaRPr lang="ru-RU" sz="1400" dirty="0">
+                  <a:effectLst/>
+                  <a:latin typeface="Times New Roman" panose="02020603050405020304" pitchFamily="18" charset="0"/>
+                  <a:ea typeface="Calibri" panose="020F0502020204030204" pitchFamily="34" charset="0"/>
+                  <a:cs typeface="Times New Roman" panose="02020603050405020304" pitchFamily="18" charset="0"/>
+                </a:endParaRPr>
+              </a:p>
+              <a:p>
+                <a:endParaRPr lang="ru-RU" sz="1400" dirty="0"/>
+              </a:p>
+            </p:txBody>
+          </p:sp>
+        </mc:Choice>
+        <mc:Fallback>
+          <p:sp>
+            <p:nvSpPr>
+              <p:cNvPr id="39" name="TextBox 38">
+                <a:extLst>
+                  <a:ext uri="{FF2B5EF4-FFF2-40B4-BE49-F238E27FC236}">
+                    <a16:creationId xmlns:a16="http://schemas.microsoft.com/office/drawing/2014/main" id="{4465D5DC-F420-4320-8882-7F5039DF5776}"/>
+                  </a:ext>
+                </a:extLst>
+              </p:cNvPr>
+              <p:cNvSpPr txBox="1">
+                <a:spLocks noRot="1" noChangeAspect="1" noMove="1" noResize="1" noEditPoints="1" noAdjustHandles="1" noChangeArrowheads="1" noChangeShapeType="1" noTextEdit="1"/>
+              </p:cNvSpPr>
+              <p:nvPr/>
+            </p:nvSpPr>
+            <p:spPr>
+              <a:xfrm>
+                <a:off x="10716984" y="1945074"/>
+                <a:ext cx="652007" cy="450188"/>
+              </a:xfrm>
+              <a:prstGeom prst="rect">
+                <a:avLst/>
+              </a:prstGeom>
+              <a:blipFill>
+                <a:blip r:embed="rId9"/>
+                <a:stretch>
+                  <a:fillRect/>
+                </a:stretch>
+              </a:blipFill>
+            </p:spPr>
+            <p:txBody>
+              <a:bodyPr/>
+              <a:lstStyle/>
+              <a:p>
+                <a:r>
+                  <a:rPr lang="ru-RU">
+                    <a:noFill/>
+                  </a:rPr>
+                  <a:t> </a:t>
+                </a:r>
+              </a:p>
+            </p:txBody>
+          </p:sp>
+        </mc:Fallback>
+      </mc:AlternateContent>
+      <mc:AlternateContent xmlns:mc="http://schemas.openxmlformats.org/markup-compatibility/2006">
+        <mc:Choice xmlns:a14="http://schemas.microsoft.com/office/drawing/2010/main" Requires="a14">
+          <p:sp>
+            <p:nvSpPr>
+              <p:cNvPr id="40" name="TextBox 39">
+                <a:extLst>
+                  <a:ext uri="{FF2B5EF4-FFF2-40B4-BE49-F238E27FC236}">
+                    <a16:creationId xmlns:a16="http://schemas.microsoft.com/office/drawing/2014/main" id="{2065FF15-7C99-4C2D-964F-5C90F92C96BC}"/>
+                  </a:ext>
+                </a:extLst>
+              </p:cNvPr>
+              <p:cNvSpPr txBox="1"/>
+              <p:nvPr/>
+            </p:nvSpPr>
+            <p:spPr>
+              <a:xfrm>
+                <a:off x="2885915" y="2082461"/>
+                <a:ext cx="652007" cy="430887"/>
+              </a:xfrm>
+              <a:prstGeom prst="rect">
+                <a:avLst/>
+              </a:prstGeom>
+              <a:noFill/>
+            </p:spPr>
+            <p:txBody>
+              <a:bodyPr wrap="square" lIns="0" tIns="0" rIns="0" bIns="0" rtlCol="0">
+                <a:spAutoFit/>
+              </a:bodyPr>
+              <a:lstStyle/>
+              <a:p>
+                <a:pPr/>
+                <a14:m>
+                  <m:oMathPara xmlns:m="http://schemas.openxmlformats.org/officeDocument/2006/math">
+                    <m:oMathParaPr>
+                      <m:jc m:val="centerGroup"/>
+                    </m:oMathParaPr>
+                    <m:oMath xmlns:m="http://schemas.openxmlformats.org/officeDocument/2006/math">
+                      <m:r>
+                        <a:rPr lang="en-US" sz="1400" b="0" i="1" smtClean="0">
+                          <a:effectLst/>
+                          <a:latin typeface="Cambria Math" panose="02040503050406030204" pitchFamily="18" charset="0"/>
+                          <a:ea typeface="Calibri" panose="020F0502020204030204" pitchFamily="34" charset="0"/>
+                          <a:cs typeface="Times New Roman" panose="02020603050405020304" pitchFamily="18" charset="0"/>
+                        </a:rPr>
+                        <m:t>𝑈</m:t>
+                      </m:r>
+                    </m:oMath>
+                  </m:oMathPara>
+                </a14:m>
+                <a:endParaRPr lang="ru-RU" sz="1400" dirty="0">
+                  <a:effectLst/>
+                  <a:latin typeface="Times New Roman" panose="02020603050405020304" pitchFamily="18" charset="0"/>
+                  <a:ea typeface="Calibri" panose="020F0502020204030204" pitchFamily="34" charset="0"/>
+                  <a:cs typeface="Times New Roman" panose="02020603050405020304" pitchFamily="18" charset="0"/>
+                </a:endParaRPr>
+              </a:p>
+              <a:p>
+                <a:endParaRPr lang="ru-RU" sz="1400" dirty="0"/>
+              </a:p>
+            </p:txBody>
+          </p:sp>
+        </mc:Choice>
+        <mc:Fallback>
+          <p:sp>
+            <p:nvSpPr>
+              <p:cNvPr id="40" name="TextBox 39">
+                <a:extLst>
+                  <a:ext uri="{FF2B5EF4-FFF2-40B4-BE49-F238E27FC236}">
+                    <a16:creationId xmlns:a16="http://schemas.microsoft.com/office/drawing/2014/main" id="{2065FF15-7C99-4C2D-964F-5C90F92C96BC}"/>
+                  </a:ext>
+                </a:extLst>
+              </p:cNvPr>
+              <p:cNvSpPr txBox="1">
+                <a:spLocks noRot="1" noChangeAspect="1" noMove="1" noResize="1" noEditPoints="1" noAdjustHandles="1" noChangeArrowheads="1" noChangeShapeType="1" noTextEdit="1"/>
+              </p:cNvSpPr>
+              <p:nvPr/>
+            </p:nvSpPr>
+            <p:spPr>
+              <a:xfrm>
+                <a:off x="2885915" y="2082461"/>
+                <a:ext cx="652007" cy="430887"/>
+              </a:xfrm>
+              <a:prstGeom prst="rect">
+                <a:avLst/>
+              </a:prstGeom>
+              <a:blipFill>
+                <a:blip r:embed="rId10"/>
+                <a:stretch>
+                  <a:fillRect/>
+                </a:stretch>
+              </a:blipFill>
+            </p:spPr>
+            <p:txBody>
+              <a:bodyPr/>
+              <a:lstStyle/>
+              <a:p>
+                <a:r>
+                  <a:rPr lang="ru-RU">
+                    <a:noFill/>
+                  </a:rPr>
+                  <a:t> </a:t>
+                </a:r>
+              </a:p>
+            </p:txBody>
+          </p:sp>
+        </mc:Fallback>
+      </mc:AlternateContent>
+      <p:sp>
+        <p:nvSpPr>
+          <p:cNvPr id="41" name="TextBox 40">
+            <a:extLst>
+              <a:ext uri="{FF2B5EF4-FFF2-40B4-BE49-F238E27FC236}">
+                <a16:creationId xmlns:a16="http://schemas.microsoft.com/office/drawing/2014/main" id="{47DF0F33-EE10-4E2E-967C-B71F3EFB1F4D}"/>
+              </a:ext>
+            </a:extLst>
+          </p:cNvPr>
+          <p:cNvSpPr txBox="1"/>
+          <p:nvPr/>
+        </p:nvSpPr>
+        <p:spPr>
+          <a:xfrm>
+            <a:off x="11020214" y="1104351"/>
+            <a:ext cx="652007" cy="430887"/>
+          </a:xfrm>
+          <a:prstGeom prst="rect">
+            <a:avLst/>
+          </a:prstGeom>
+          <a:noFill/>
+        </p:spPr>
+        <p:txBody>
+          <a:bodyPr wrap="square" lIns="0" tIns="0" rIns="0" bIns="0" rtlCol="0">
+            <a:spAutoFit/>
+          </a:bodyPr>
+          <a:lstStyle/>
+          <a:p>
+            <a:endParaRPr lang="ru-RU" sz="1400" dirty="0">
+              <a:effectLst/>
+              <a:latin typeface="Times New Roman" panose="02020603050405020304" pitchFamily="18" charset="0"/>
+              <a:ea typeface="Calibri" panose="020F0502020204030204" pitchFamily="34" charset="0"/>
+              <a:cs typeface="Times New Roman" panose="02020603050405020304" pitchFamily="18" charset="0"/>
+            </a:endParaRPr>
+          </a:p>
+          <a:p>
+            <a:endParaRPr lang="ru-RU" sz="1400" dirty="0"/>
+          </a:p>
+        </p:txBody>
+      </p:sp>
+      <mc:AlternateContent xmlns:mc="http://schemas.openxmlformats.org/markup-compatibility/2006">
+        <mc:Choice xmlns:a14="http://schemas.microsoft.com/office/drawing/2010/main" Requires="a14">
+          <p:sp>
+            <p:nvSpPr>
+              <p:cNvPr id="42" name="TextBox 41">
+                <a:extLst>
+                  <a:ext uri="{FF2B5EF4-FFF2-40B4-BE49-F238E27FC236}">
+                    <a16:creationId xmlns:a16="http://schemas.microsoft.com/office/drawing/2014/main" id="{69211A33-DDAB-46AB-BEA6-74ACB8F1B679}"/>
+                  </a:ext>
+                </a:extLst>
+              </p:cNvPr>
+              <p:cNvSpPr txBox="1"/>
+              <p:nvPr/>
+            </p:nvSpPr>
+            <p:spPr>
+              <a:xfrm>
+                <a:off x="7417577" y="1976185"/>
+                <a:ext cx="652007" cy="443455"/>
+              </a:xfrm>
+              <a:prstGeom prst="rect">
+                <a:avLst/>
+              </a:prstGeom>
+              <a:noFill/>
+            </p:spPr>
+            <p:txBody>
+              <a:bodyPr wrap="square" lIns="0" tIns="0" rIns="0" bIns="0" rtlCol="0">
+                <a:spAutoFit/>
+              </a:bodyPr>
+              <a:lstStyle/>
+              <a:p>
+                <a:pPr/>
+                <a14:m>
+                  <m:oMathPara xmlns:m="http://schemas.openxmlformats.org/officeDocument/2006/math">
+                    <m:oMathParaPr>
+                      <m:jc m:val="centerGroup"/>
+                    </m:oMathParaPr>
+                    <m:oMath xmlns:m="http://schemas.openxmlformats.org/officeDocument/2006/math">
+                      <m:sSub>
+                        <m:sSubPr>
+                          <m:ctrlPr>
+                            <a:rPr lang="ru-RU" sz="1400" i="1" smtClean="0">
+                              <a:effectLst/>
+                              <a:latin typeface="Cambria Math" panose="02040503050406030204" pitchFamily="18" charset="0"/>
+                              <a:ea typeface="Times New Roman" panose="02020603050405020304" pitchFamily="18" charset="0"/>
+                            </a:rPr>
+                          </m:ctrlPr>
+                        </m:sSubPr>
+                        <m:e>
+                          <m:r>
+                            <a:rPr lang="ru-RU" sz="1400" b="0" i="1" smtClean="0">
+                              <a:effectLst/>
+                              <a:latin typeface="Cambria Math" panose="02040503050406030204" pitchFamily="18" charset="0"/>
+                              <a:ea typeface="Times New Roman" panose="02020603050405020304" pitchFamily="18" charset="0"/>
+                            </a:rPr>
+                            <m:t>М</m:t>
+                          </m:r>
+                        </m:e>
+                        <m:sub>
+                          <m:r>
+                            <a:rPr lang="ru-RU" sz="1400" b="0" i="1" smtClean="0">
+                              <a:effectLst/>
+                              <a:latin typeface="Cambria Math" panose="02040503050406030204" pitchFamily="18" charset="0"/>
+                              <a:ea typeface="Times New Roman" panose="02020603050405020304" pitchFamily="18" charset="0"/>
+                              <a:cs typeface="Times New Roman" panose="02020603050405020304" pitchFamily="18" charset="0"/>
+                            </a:rPr>
+                            <m:t>дв</m:t>
+                          </m:r>
+                        </m:sub>
+                      </m:sSub>
+                    </m:oMath>
+                  </m:oMathPara>
+                </a14:m>
+                <a:endParaRPr lang="ru-RU" sz="1400" dirty="0">
+                  <a:effectLst/>
+                  <a:latin typeface="Times New Roman" panose="02020603050405020304" pitchFamily="18" charset="0"/>
+                  <a:ea typeface="Calibri" panose="020F0502020204030204" pitchFamily="34" charset="0"/>
+                  <a:cs typeface="Times New Roman" panose="02020603050405020304" pitchFamily="18" charset="0"/>
+                </a:endParaRPr>
+              </a:p>
+              <a:p>
+                <a:endParaRPr lang="ru-RU" sz="1400" dirty="0"/>
+              </a:p>
+            </p:txBody>
+          </p:sp>
+        </mc:Choice>
+        <mc:Fallback>
+          <p:sp>
+            <p:nvSpPr>
+              <p:cNvPr id="42" name="TextBox 41">
+                <a:extLst>
+                  <a:ext uri="{FF2B5EF4-FFF2-40B4-BE49-F238E27FC236}">
+                    <a16:creationId xmlns:a16="http://schemas.microsoft.com/office/drawing/2014/main" id="{69211A33-DDAB-46AB-BEA6-74ACB8F1B679}"/>
+                  </a:ext>
+                </a:extLst>
+              </p:cNvPr>
+              <p:cNvSpPr txBox="1">
+                <a:spLocks noRot="1" noChangeAspect="1" noMove="1" noResize="1" noEditPoints="1" noAdjustHandles="1" noChangeArrowheads="1" noChangeShapeType="1" noTextEdit="1"/>
+              </p:cNvSpPr>
+              <p:nvPr/>
+            </p:nvSpPr>
+            <p:spPr>
+              <a:xfrm>
+                <a:off x="7417577" y="1976185"/>
+                <a:ext cx="652007" cy="443455"/>
+              </a:xfrm>
+              <a:prstGeom prst="rect">
+                <a:avLst/>
+              </a:prstGeom>
+              <a:blipFill>
+                <a:blip r:embed="rId11"/>
+                <a:stretch>
+                  <a:fillRect/>
+                </a:stretch>
+              </a:blipFill>
+            </p:spPr>
+            <p:txBody>
+              <a:bodyPr/>
+              <a:lstStyle/>
+              <a:p>
+                <a:r>
+                  <a:rPr lang="ru-RU">
+                    <a:noFill/>
+                  </a:rPr>
+                  <a:t> </a:t>
+                </a:r>
+              </a:p>
+            </p:txBody>
+          </p:sp>
+        </mc:Fallback>
+      </mc:AlternateContent>
+      <mc:AlternateContent xmlns:mc="http://schemas.openxmlformats.org/markup-compatibility/2006">
+        <mc:Choice xmlns:a14="http://schemas.microsoft.com/office/drawing/2010/main" Requires="a14">
+          <p:sp>
+            <p:nvSpPr>
+              <p:cNvPr id="43" name="TextBox 42">
+                <a:extLst>
+                  <a:ext uri="{FF2B5EF4-FFF2-40B4-BE49-F238E27FC236}">
+                    <a16:creationId xmlns:a16="http://schemas.microsoft.com/office/drawing/2014/main" id="{DC8F3320-CDA5-4139-970A-D8052C7ED2C6}"/>
+                  </a:ext>
+                </a:extLst>
+              </p:cNvPr>
+              <p:cNvSpPr txBox="1"/>
+              <p:nvPr/>
+            </p:nvSpPr>
+            <p:spPr>
+              <a:xfrm>
+                <a:off x="5505757" y="2089998"/>
+                <a:ext cx="652007" cy="430887"/>
+              </a:xfrm>
+              <a:prstGeom prst="rect">
+                <a:avLst/>
+              </a:prstGeom>
+              <a:noFill/>
+            </p:spPr>
+            <p:txBody>
+              <a:bodyPr wrap="square" lIns="0" tIns="0" rIns="0" bIns="0" rtlCol="0">
+                <a:spAutoFit/>
+              </a:bodyPr>
+              <a:lstStyle/>
+              <a:p>
+                <a:pPr/>
+                <a14:m>
+                  <m:oMathPara xmlns:m="http://schemas.openxmlformats.org/officeDocument/2006/math">
+                    <m:oMathParaPr>
+                      <m:jc m:val="centerGroup"/>
+                    </m:oMathParaPr>
+                    <m:oMath xmlns:m="http://schemas.openxmlformats.org/officeDocument/2006/math">
+                      <m:r>
+                        <a:rPr lang="en-US" sz="1400" b="0" i="1" smtClean="0">
+                          <a:effectLst/>
+                          <a:latin typeface="Cambria Math" panose="02040503050406030204" pitchFamily="18" charset="0"/>
+                          <a:ea typeface="Calibri" panose="020F0502020204030204" pitchFamily="34" charset="0"/>
+                          <a:cs typeface="Times New Roman" panose="02020603050405020304" pitchFamily="18" charset="0"/>
+                        </a:rPr>
+                        <m:t>𝑖</m:t>
+                      </m:r>
+                    </m:oMath>
+                  </m:oMathPara>
+                </a14:m>
+                <a:endParaRPr lang="ru-RU" sz="1400" dirty="0">
+                  <a:effectLst/>
+                  <a:latin typeface="Times New Roman" panose="02020603050405020304" pitchFamily="18" charset="0"/>
+                  <a:ea typeface="Calibri" panose="020F0502020204030204" pitchFamily="34" charset="0"/>
+                  <a:cs typeface="Times New Roman" panose="02020603050405020304" pitchFamily="18" charset="0"/>
+                </a:endParaRPr>
+              </a:p>
+              <a:p>
+                <a:endParaRPr lang="ru-RU" sz="1400" dirty="0"/>
+              </a:p>
+            </p:txBody>
+          </p:sp>
+        </mc:Choice>
+        <mc:Fallback>
+          <p:sp>
+            <p:nvSpPr>
+              <p:cNvPr id="43" name="TextBox 42">
+                <a:extLst>
+                  <a:ext uri="{FF2B5EF4-FFF2-40B4-BE49-F238E27FC236}">
+                    <a16:creationId xmlns:a16="http://schemas.microsoft.com/office/drawing/2014/main" id="{DC8F3320-CDA5-4139-970A-D8052C7ED2C6}"/>
+                  </a:ext>
+                </a:extLst>
+              </p:cNvPr>
+              <p:cNvSpPr txBox="1">
+                <a:spLocks noRot="1" noChangeAspect="1" noMove="1" noResize="1" noEditPoints="1" noAdjustHandles="1" noChangeArrowheads="1" noChangeShapeType="1" noTextEdit="1"/>
+              </p:cNvSpPr>
+              <p:nvPr/>
+            </p:nvSpPr>
+            <p:spPr>
+              <a:xfrm>
+                <a:off x="5505757" y="2089998"/>
+                <a:ext cx="652007" cy="430887"/>
+              </a:xfrm>
+              <a:prstGeom prst="rect">
+                <a:avLst/>
+              </a:prstGeom>
+              <a:blipFill>
+                <a:blip r:embed="rId12"/>
+                <a:stretch>
+                  <a:fillRect/>
+                </a:stretch>
+              </a:blipFill>
+            </p:spPr>
+            <p:txBody>
+              <a:bodyPr/>
+              <a:lstStyle/>
+              <a:p>
+                <a:r>
+                  <a:rPr lang="ru-RU">
+                    <a:noFill/>
+                  </a:rPr>
+                  <a:t> </a:t>
+                </a:r>
+              </a:p>
+            </p:txBody>
+          </p:sp>
+        </mc:Fallback>
+      </mc:AlternateContent>
+      <mc:AlternateContent xmlns:mc="http://schemas.openxmlformats.org/markup-compatibility/2006">
+        <mc:Choice xmlns:a14="http://schemas.microsoft.com/office/drawing/2010/main" Requires="a14">
+          <p:sp>
+            <p:nvSpPr>
+              <p:cNvPr id="44" name="TextBox 43">
+                <a:extLst>
+                  <a:ext uri="{FF2B5EF4-FFF2-40B4-BE49-F238E27FC236}">
+                    <a16:creationId xmlns:a16="http://schemas.microsoft.com/office/drawing/2014/main" id="{FE866419-58CA-4BED-B89E-2716E019199E}"/>
+                  </a:ext>
+                </a:extLst>
+              </p:cNvPr>
+              <p:cNvSpPr txBox="1"/>
+              <p:nvPr/>
+            </p:nvSpPr>
+            <p:spPr>
+              <a:xfrm>
+                <a:off x="9893079" y="3494783"/>
+                <a:ext cx="652007" cy="835678"/>
+              </a:xfrm>
+              <a:prstGeom prst="rect">
+                <a:avLst/>
+              </a:prstGeom>
+              <a:noFill/>
+            </p:spPr>
+            <p:txBody>
+              <a:bodyPr wrap="square" lIns="0" tIns="0" rIns="0" bIns="0" rtlCol="0">
+                <a:spAutoFit/>
+              </a:bodyPr>
+              <a:lstStyle/>
+              <a:p>
+                <a:pPr/>
+                <a14:m>
+                  <m:oMathPara xmlns:m="http://schemas.openxmlformats.org/officeDocument/2006/math">
+                    <m:oMathParaPr>
+                      <m:jc m:val="centerGroup"/>
+                    </m:oMathParaPr>
+                    <m:oMath xmlns:m="http://schemas.openxmlformats.org/officeDocument/2006/math">
+                      <m:f>
+                        <m:fPr>
+                          <m:ctrlPr>
+                            <a:rPr lang="ru-RU" sz="1400" i="1" smtClean="0">
+                              <a:effectLst/>
+                              <a:latin typeface="Cambria Math" panose="02040503050406030204" pitchFamily="18" charset="0"/>
+                              <a:ea typeface="Calibri" panose="020F0502020204030204" pitchFamily="34" charset="0"/>
+                              <a:cs typeface="Times New Roman" panose="02020603050405020304" pitchFamily="18" charset="0"/>
+                            </a:rPr>
+                          </m:ctrlPr>
+                        </m:fPr>
+                        <m:num>
+                          <m:r>
+                            <a:rPr lang="en-US" sz="1400" i="1">
+                              <a:effectLst/>
+                              <a:latin typeface="Cambria Math" panose="02040503050406030204" pitchFamily="18" charset="0"/>
+                              <a:ea typeface="Calibri" panose="020F0502020204030204" pitchFamily="34" charset="0"/>
+                              <a:cs typeface="Times New Roman" panose="02020603050405020304" pitchFamily="18" charset="0"/>
+                            </a:rPr>
+                            <m:t>1</m:t>
+                          </m:r>
+                        </m:num>
+                        <m:den>
+                          <m:r>
+                            <a:rPr lang="en-US" sz="1400" i="1">
+                              <a:effectLst/>
+                              <a:latin typeface="Cambria Math" panose="02040503050406030204" pitchFamily="18" charset="0"/>
+                              <a:ea typeface="Calibri" panose="020F0502020204030204" pitchFamily="34" charset="0"/>
+                              <a:cs typeface="Times New Roman" panose="02020603050405020304" pitchFamily="18" charset="0"/>
+                            </a:rPr>
+                            <m:t>𝑠</m:t>
+                          </m:r>
+                        </m:den>
+                      </m:f>
+                    </m:oMath>
+                  </m:oMathPara>
+                </a14:m>
+                <a:endParaRPr lang="ru-RU" sz="1400" dirty="0">
+                  <a:effectLst/>
+                  <a:latin typeface="Times New Roman" panose="02020603050405020304" pitchFamily="18" charset="0"/>
+                  <a:ea typeface="Calibri" panose="020F0502020204030204" pitchFamily="34" charset="0"/>
+                  <a:cs typeface="Times New Roman" panose="02020603050405020304" pitchFamily="18" charset="0"/>
+                </a:endParaRPr>
+              </a:p>
+              <a:p>
+                <a:endParaRPr lang="ru-RU" sz="1400" dirty="0">
+                  <a:effectLst/>
+                  <a:latin typeface="Times New Roman" panose="02020603050405020304" pitchFamily="18" charset="0"/>
+                  <a:ea typeface="Calibri" panose="020F0502020204030204" pitchFamily="34" charset="0"/>
+                  <a:cs typeface="Times New Roman" panose="02020603050405020304" pitchFamily="18" charset="0"/>
+                </a:endParaRPr>
+              </a:p>
+              <a:p>
+                <a:endParaRPr lang="ru-RU" sz="1400" dirty="0"/>
+              </a:p>
+            </p:txBody>
+          </p:sp>
+        </mc:Choice>
+        <mc:Fallback>
+          <p:sp>
+            <p:nvSpPr>
+              <p:cNvPr id="44" name="TextBox 43">
+                <a:extLst>
+                  <a:ext uri="{FF2B5EF4-FFF2-40B4-BE49-F238E27FC236}">
+                    <a16:creationId xmlns:a16="http://schemas.microsoft.com/office/drawing/2014/main" id="{FE866419-58CA-4BED-B89E-2716E019199E}"/>
+                  </a:ext>
+                </a:extLst>
+              </p:cNvPr>
+              <p:cNvSpPr txBox="1">
+                <a:spLocks noRot="1" noChangeAspect="1" noMove="1" noResize="1" noEditPoints="1" noAdjustHandles="1" noChangeArrowheads="1" noChangeShapeType="1" noTextEdit="1"/>
+              </p:cNvSpPr>
+              <p:nvPr/>
+            </p:nvSpPr>
+            <p:spPr>
+              <a:xfrm>
+                <a:off x="9893079" y="3494783"/>
+                <a:ext cx="652007" cy="835678"/>
+              </a:xfrm>
+              <a:prstGeom prst="rect">
+                <a:avLst/>
+              </a:prstGeom>
+              <a:blipFill>
+                <a:blip r:embed="rId13"/>
+                <a:stretch>
+                  <a:fillRect/>
+                </a:stretch>
+              </a:blipFill>
+            </p:spPr>
+            <p:txBody>
+              <a:bodyPr/>
+              <a:lstStyle/>
+              <a:p>
+                <a:r>
+                  <a:rPr lang="ru-RU">
+                    <a:noFill/>
+                  </a:rPr>
+                  <a:t> </a:t>
+                </a:r>
+              </a:p>
+            </p:txBody>
+          </p:sp>
+        </mc:Fallback>
+      </mc:AlternateContent>
+      <p:sp>
+        <p:nvSpPr>
+          <p:cNvPr id="45" name="Прямоугольник 44">
+            <a:extLst>
+              <a:ext uri="{FF2B5EF4-FFF2-40B4-BE49-F238E27FC236}">
+                <a16:creationId xmlns:a16="http://schemas.microsoft.com/office/drawing/2014/main" id="{108AA19D-8A68-4950-81D1-408F9C0992A8}"/>
+              </a:ext>
+            </a:extLst>
+          </p:cNvPr>
+          <p:cNvSpPr/>
+          <p:nvPr/>
+        </p:nvSpPr>
+        <p:spPr>
+          <a:xfrm>
+            <a:off x="9893081" y="3405288"/>
+            <a:ext cx="652007" cy="623761"/>
+          </a:xfrm>
+          <a:prstGeom prst="rect">
+            <a:avLst/>
+          </a:prstGeom>
+          <a:noFill/>
+          <a:ln>
+            <a:solidFill>
+              <a:schemeClr val="tx1"/>
+            </a:solidFill>
+          </a:ln>
+        </p:spPr>
+        <p:style>
+          <a:lnRef idx="2">
+            <a:schemeClr val="accent1">
+              <a:shade val="50000"/>
+            </a:schemeClr>
+          </a:lnRef>
+          <a:fillRef idx="1">
+            <a:schemeClr val="accent1"/>
+          </a:fillRef>
+          <a:effectRef idx="0">
+            <a:schemeClr val="accent1"/>
+          </a:effectRef>
+          <a:fontRef idx="minor">
+            <a:schemeClr val="lt1"/>
+          </a:fontRef>
+        </p:style>
+        <p:txBody>
+          <a:bodyPr rtlCol="0" anchor="ctr"/>
+          <a:lstStyle/>
+          <a:p>
+            <a:pPr algn="ctr"/>
+            <a:endParaRPr lang="ru-RU"/>
+          </a:p>
+        </p:txBody>
+      </p:sp>
+      <p:cxnSp>
+        <p:nvCxnSpPr>
+          <p:cNvPr id="46" name="Прямая со стрелкой 45">
+            <a:extLst>
+              <a:ext uri="{FF2B5EF4-FFF2-40B4-BE49-F238E27FC236}">
+                <a16:creationId xmlns:a16="http://schemas.microsoft.com/office/drawing/2014/main" id="{5C1DEE24-F3CF-47D1-BC50-47A24500B1A2}"/>
+              </a:ext>
+            </a:extLst>
+          </p:cNvPr>
+          <p:cNvCxnSpPr/>
+          <p:nvPr/>
+        </p:nvCxnSpPr>
+        <p:spPr>
+          <a:xfrm flipV="1">
+            <a:off x="10545086" y="3717166"/>
+            <a:ext cx="731519" cy="1"/>
+          </a:xfrm>
+          <a:prstGeom prst="straightConnector1">
+            <a:avLst/>
+          </a:prstGeom>
+          <a:ln>
+            <a:solidFill>
+              <a:schemeClr val="tx1"/>
+            </a:solidFill>
+            <a:tailEnd type="triangle"/>
+          </a:ln>
+        </p:spPr>
+        <p:style>
+          <a:lnRef idx="1">
+            <a:schemeClr val="accent1"/>
+          </a:lnRef>
+          <a:fillRef idx="0">
+            <a:schemeClr val="accent1"/>
+          </a:fillRef>
+          <a:effectRef idx="0">
+            <a:schemeClr val="accent1"/>
+          </a:effectRef>
+          <a:fontRef idx="minor">
+            <a:schemeClr val="tx1"/>
+          </a:fontRef>
+        </p:style>
+      </p:cxnSp>
+      <mc:AlternateContent xmlns:mc="http://schemas.openxmlformats.org/markup-compatibility/2006">
+        <mc:Choice xmlns:a14="http://schemas.microsoft.com/office/drawing/2010/main" Requires="a14">
+          <p:sp>
+            <p:nvSpPr>
+              <p:cNvPr id="47" name="TextBox 46">
+                <a:extLst>
+                  <a:ext uri="{FF2B5EF4-FFF2-40B4-BE49-F238E27FC236}">
+                    <a16:creationId xmlns:a16="http://schemas.microsoft.com/office/drawing/2014/main" id="{15346BFF-B0C6-4CE8-9CC3-6748AAE0F93C}"/>
+                  </a:ext>
+                </a:extLst>
+              </p:cNvPr>
+              <p:cNvSpPr txBox="1"/>
+              <p:nvPr/>
+            </p:nvSpPr>
+            <p:spPr>
+              <a:xfrm>
+                <a:off x="8963248" y="1985264"/>
+                <a:ext cx="652007" cy="443455"/>
+              </a:xfrm>
+              <a:prstGeom prst="rect">
+                <a:avLst/>
+              </a:prstGeom>
+              <a:noFill/>
+            </p:spPr>
+            <p:txBody>
+              <a:bodyPr wrap="square" lIns="0" tIns="0" rIns="0" bIns="0" rtlCol="0">
+                <a:spAutoFit/>
+              </a:bodyPr>
+              <a:lstStyle/>
+              <a:p>
+                <a:pPr/>
+                <a14:m>
+                  <m:oMathPara xmlns:m="http://schemas.openxmlformats.org/officeDocument/2006/math">
+                    <m:oMathParaPr>
+                      <m:jc m:val="centerGroup"/>
+                    </m:oMathParaPr>
+                    <m:oMath xmlns:m="http://schemas.openxmlformats.org/officeDocument/2006/math">
+                      <m:sSub>
+                        <m:sSubPr>
+                          <m:ctrlPr>
+                            <a:rPr lang="ru-RU" sz="1400" i="1" smtClean="0">
+                              <a:effectLst/>
+                              <a:latin typeface="Cambria Math" panose="02040503050406030204" pitchFamily="18" charset="0"/>
+                              <a:ea typeface="Times New Roman" panose="02020603050405020304" pitchFamily="18" charset="0"/>
+                            </a:rPr>
+                          </m:ctrlPr>
+                        </m:sSubPr>
+                        <m:e>
+                          <m:r>
+                            <m:rPr>
+                              <m:sty m:val="p"/>
+                            </m:rPr>
+                            <a:rPr lang="ru-RU" sz="1400">
+                              <a:effectLst/>
+                              <a:latin typeface="Cambria Math" panose="02040503050406030204" pitchFamily="18" charset="0"/>
+                              <a:ea typeface="Times New Roman" panose="02020603050405020304" pitchFamily="18" charset="0"/>
+                              <a:cs typeface="Times New Roman" panose="02020603050405020304" pitchFamily="18" charset="0"/>
+                            </a:rPr>
+                            <m:t>ω</m:t>
+                          </m:r>
+                        </m:e>
+                        <m:sub>
+                          <m:r>
+                            <a:rPr lang="ru-RU" sz="1400" b="0" i="1" smtClean="0">
+                              <a:effectLst/>
+                              <a:latin typeface="Cambria Math" panose="02040503050406030204" pitchFamily="18" charset="0"/>
+                              <a:ea typeface="Times New Roman" panose="02020603050405020304" pitchFamily="18" charset="0"/>
+                              <a:cs typeface="Times New Roman" panose="02020603050405020304" pitchFamily="18" charset="0"/>
+                            </a:rPr>
+                            <m:t>дв</m:t>
+                          </m:r>
+                        </m:sub>
+                      </m:sSub>
+                    </m:oMath>
+                  </m:oMathPara>
+                </a14:m>
+                <a:endParaRPr lang="ru-RU" sz="1400" dirty="0">
+                  <a:effectLst/>
+                  <a:latin typeface="Times New Roman" panose="02020603050405020304" pitchFamily="18" charset="0"/>
+                  <a:ea typeface="Calibri" panose="020F0502020204030204" pitchFamily="34" charset="0"/>
+                  <a:cs typeface="Times New Roman" panose="02020603050405020304" pitchFamily="18" charset="0"/>
+                </a:endParaRPr>
+              </a:p>
+              <a:p>
+                <a:endParaRPr lang="ru-RU" sz="1400" dirty="0"/>
+              </a:p>
+            </p:txBody>
+          </p:sp>
+        </mc:Choice>
+        <mc:Fallback>
+          <p:sp>
+            <p:nvSpPr>
+              <p:cNvPr id="47" name="TextBox 46">
+                <a:extLst>
+                  <a:ext uri="{FF2B5EF4-FFF2-40B4-BE49-F238E27FC236}">
+                    <a16:creationId xmlns:a16="http://schemas.microsoft.com/office/drawing/2014/main" id="{15346BFF-B0C6-4CE8-9CC3-6748AAE0F93C}"/>
+                  </a:ext>
+                </a:extLst>
+              </p:cNvPr>
+              <p:cNvSpPr txBox="1">
+                <a:spLocks noRot="1" noChangeAspect="1" noMove="1" noResize="1" noEditPoints="1" noAdjustHandles="1" noChangeArrowheads="1" noChangeShapeType="1" noTextEdit="1"/>
+              </p:cNvSpPr>
+              <p:nvPr/>
+            </p:nvSpPr>
+            <p:spPr>
+              <a:xfrm>
+                <a:off x="8963248" y="1985264"/>
+                <a:ext cx="652007" cy="443455"/>
+              </a:xfrm>
+              <a:prstGeom prst="rect">
+                <a:avLst/>
+              </a:prstGeom>
+              <a:blipFill>
+                <a:blip r:embed="rId14"/>
+                <a:stretch>
+                  <a:fillRect/>
+                </a:stretch>
+              </a:blipFill>
+            </p:spPr>
+            <p:txBody>
+              <a:bodyPr/>
+              <a:lstStyle/>
+              <a:p>
+                <a:r>
+                  <a:rPr lang="ru-RU">
+                    <a:noFill/>
+                  </a:rPr>
+                  <a:t> </a:t>
+                </a:r>
+              </a:p>
+            </p:txBody>
+          </p:sp>
+        </mc:Fallback>
+      </mc:AlternateContent>
+      <mc:AlternateContent xmlns:mc="http://schemas.openxmlformats.org/markup-compatibility/2006">
+        <mc:Choice xmlns:a14="http://schemas.microsoft.com/office/drawing/2010/main" Requires="a14">
+          <p:sp>
+            <p:nvSpPr>
+              <p:cNvPr id="48" name="TextBox 47">
+                <a:extLst>
+                  <a:ext uri="{FF2B5EF4-FFF2-40B4-BE49-F238E27FC236}">
+                    <a16:creationId xmlns:a16="http://schemas.microsoft.com/office/drawing/2014/main" id="{465D1D2D-EA49-4FD7-9400-112CC9A09DCE}"/>
+                  </a:ext>
+                </a:extLst>
+              </p:cNvPr>
+              <p:cNvSpPr txBox="1"/>
+              <p:nvPr/>
+            </p:nvSpPr>
+            <p:spPr>
+              <a:xfrm>
+                <a:off x="10607018" y="3286279"/>
+                <a:ext cx="652007" cy="430887"/>
+              </a:xfrm>
+              <a:prstGeom prst="rect">
+                <a:avLst/>
+              </a:prstGeom>
+              <a:noFill/>
+            </p:spPr>
+            <p:txBody>
+              <a:bodyPr wrap="square" lIns="0" tIns="0" rIns="0" bIns="0" rtlCol="0">
+                <a:spAutoFit/>
+              </a:bodyPr>
+              <a:lstStyle/>
+              <a:p>
+                <a:pPr/>
+                <a14:m>
+                  <m:oMathPara xmlns:m="http://schemas.openxmlformats.org/officeDocument/2006/math">
+                    <m:oMathParaPr>
+                      <m:jc m:val="centerGroup"/>
+                    </m:oMathParaPr>
+                    <m:oMath xmlns:m="http://schemas.openxmlformats.org/officeDocument/2006/math">
+                      <m:r>
+                        <m:rPr>
+                          <m:sty m:val="p"/>
+                        </m:rPr>
+                        <a:rPr lang="el-GR" sz="1400" i="1" smtClean="0">
+                          <a:effectLst/>
+                          <a:latin typeface="Cambria Math" panose="02040503050406030204" pitchFamily="18" charset="0"/>
+                          <a:ea typeface="Cambria Math" panose="02040503050406030204" pitchFamily="18" charset="0"/>
+                        </a:rPr>
+                        <m:t>α</m:t>
+                      </m:r>
+                    </m:oMath>
+                  </m:oMathPara>
+                </a14:m>
+                <a:endParaRPr lang="ru-RU" sz="1400" dirty="0">
+                  <a:effectLst/>
+                  <a:latin typeface="Times New Roman" panose="02020603050405020304" pitchFamily="18" charset="0"/>
+                  <a:ea typeface="Calibri" panose="020F0502020204030204" pitchFamily="34" charset="0"/>
+                  <a:cs typeface="Times New Roman" panose="02020603050405020304" pitchFamily="18" charset="0"/>
+                </a:endParaRPr>
+              </a:p>
+              <a:p>
+                <a:endParaRPr lang="ru-RU" sz="1400" dirty="0"/>
+              </a:p>
+            </p:txBody>
+          </p:sp>
+        </mc:Choice>
+        <mc:Fallback>
+          <p:sp>
+            <p:nvSpPr>
+              <p:cNvPr id="48" name="TextBox 47">
+                <a:extLst>
+                  <a:ext uri="{FF2B5EF4-FFF2-40B4-BE49-F238E27FC236}">
+                    <a16:creationId xmlns:a16="http://schemas.microsoft.com/office/drawing/2014/main" id="{465D1D2D-EA49-4FD7-9400-112CC9A09DCE}"/>
+                  </a:ext>
+                </a:extLst>
+              </p:cNvPr>
+              <p:cNvSpPr txBox="1">
+                <a:spLocks noRot="1" noChangeAspect="1" noMove="1" noResize="1" noEditPoints="1" noAdjustHandles="1" noChangeArrowheads="1" noChangeShapeType="1" noTextEdit="1"/>
+              </p:cNvSpPr>
+              <p:nvPr/>
+            </p:nvSpPr>
+            <p:spPr>
+              <a:xfrm>
+                <a:off x="10607018" y="3286279"/>
+                <a:ext cx="652007" cy="430887"/>
+              </a:xfrm>
+              <a:prstGeom prst="rect">
+                <a:avLst/>
+              </a:prstGeom>
+              <a:blipFill>
+                <a:blip r:embed="rId15"/>
+                <a:stretch>
+                  <a:fillRect/>
+                </a:stretch>
+              </a:blipFill>
+            </p:spPr>
+            <p:txBody>
+              <a:bodyPr/>
+              <a:lstStyle/>
+              <a:p>
+                <a:r>
+                  <a:rPr lang="ru-RU">
+                    <a:noFill/>
+                  </a:rPr>
+                  <a:t> </a:t>
+                </a:r>
+              </a:p>
+            </p:txBody>
+          </p:sp>
+        </mc:Fallback>
+      </mc:AlternateContent>
+      <mc:AlternateContent xmlns:mc="http://schemas.openxmlformats.org/markup-compatibility/2006">
+        <mc:Choice xmlns:a14="http://schemas.microsoft.com/office/drawing/2010/main" Requires="a14">
+          <p:sp>
+            <p:nvSpPr>
+              <p:cNvPr id="53" name="TextBox 52">
+                <a:extLst>
+                  <a:ext uri="{FF2B5EF4-FFF2-40B4-BE49-F238E27FC236}">
+                    <a16:creationId xmlns:a16="http://schemas.microsoft.com/office/drawing/2014/main" id="{9D10FDCB-0028-4CEB-A807-9D12AAA412B5}"/>
+                  </a:ext>
+                </a:extLst>
+              </p:cNvPr>
+              <p:cNvSpPr txBox="1"/>
+              <p:nvPr/>
+            </p:nvSpPr>
+            <p:spPr>
+              <a:xfrm>
+                <a:off x="5904028" y="3209285"/>
+                <a:ext cx="652007" cy="1112612"/>
+              </a:xfrm>
+              <a:prstGeom prst="rect">
+                <a:avLst/>
+              </a:prstGeom>
+              <a:noFill/>
+            </p:spPr>
+            <p:txBody>
+              <a:bodyPr wrap="square" lIns="0" tIns="0" rIns="0" bIns="0" rtlCol="0">
+                <a:spAutoFit/>
+              </a:bodyPr>
+              <a:lstStyle/>
+              <a:p>
+                <a:pPr/>
+                <a14:m>
+                  <m:oMathPara xmlns:m="http://schemas.openxmlformats.org/officeDocument/2006/math">
+                    <m:oMathParaPr>
+                      <m:jc m:val="centerGroup"/>
+                    </m:oMathParaPr>
+                    <m:oMath xmlns:m="http://schemas.openxmlformats.org/officeDocument/2006/math">
+                      <m:f>
+                        <m:fPr>
+                          <m:ctrlPr>
+                            <a:rPr lang="ru-RU" sz="1400" i="1" smtClean="0">
+                              <a:effectLst/>
+                              <a:latin typeface="Cambria Math" panose="02040503050406030204" pitchFamily="18" charset="0"/>
+                              <a:ea typeface="Calibri" panose="020F0502020204030204" pitchFamily="34" charset="0"/>
+                              <a:cs typeface="Times New Roman" panose="02020603050405020304" pitchFamily="18" charset="0"/>
+                            </a:rPr>
+                          </m:ctrlPr>
+                        </m:fPr>
+                        <m:num>
+                          <m:r>
+                            <a:rPr lang="ru-RU" sz="1400" i="1">
+                              <a:effectLst/>
+                              <a:latin typeface="Cambria Math" panose="02040503050406030204" pitchFamily="18" charset="0"/>
+                              <a:ea typeface="Calibri" panose="020F0502020204030204" pitchFamily="34" charset="0"/>
+                              <a:cs typeface="Times New Roman" panose="02020603050405020304" pitchFamily="18" charset="0"/>
+                            </a:rPr>
+                            <m:t>30</m:t>
+                          </m:r>
+                        </m:num>
+                        <m:den>
+                          <m:r>
+                            <m:rPr>
+                              <m:sty m:val="p"/>
+                            </m:rPr>
+                            <a:rPr lang="ru-RU" sz="1400">
+                              <a:effectLst/>
+                              <a:latin typeface="Cambria Math" panose="02040503050406030204" pitchFamily="18" charset="0"/>
+                              <a:ea typeface="Calibri" panose="020F0502020204030204" pitchFamily="34" charset="0"/>
+                              <a:cs typeface="Times New Roman" panose="02020603050405020304" pitchFamily="18" charset="0"/>
+                            </a:rPr>
+                            <m:t>π</m:t>
+                          </m:r>
+                        </m:den>
+                      </m:f>
+                    </m:oMath>
+                  </m:oMathPara>
+                </a14:m>
+                <a:endParaRPr lang="ru-RU" sz="1400" dirty="0">
+                  <a:effectLst/>
+                  <a:latin typeface="Times New Roman" panose="02020603050405020304" pitchFamily="18" charset="0"/>
+                  <a:ea typeface="Calibri" panose="020F0502020204030204" pitchFamily="34" charset="0"/>
+                  <a:cs typeface="Times New Roman" panose="02020603050405020304" pitchFamily="18" charset="0"/>
+                </a:endParaRPr>
+              </a:p>
+              <a:p>
+                <a:endParaRPr lang="ru-RU" dirty="0"/>
+              </a:p>
+              <a:p>
+                <a:endParaRPr lang="ru-RU" sz="1400" dirty="0">
+                  <a:effectLst/>
+                  <a:latin typeface="Times New Roman" panose="02020603050405020304" pitchFamily="18" charset="0"/>
+                  <a:ea typeface="Calibri" panose="020F0502020204030204" pitchFamily="34" charset="0"/>
+                  <a:cs typeface="Times New Roman" panose="02020603050405020304" pitchFamily="18" charset="0"/>
+                </a:endParaRPr>
+              </a:p>
+              <a:p>
+                <a:endParaRPr lang="ru-RU" sz="1400" dirty="0"/>
+              </a:p>
+            </p:txBody>
+          </p:sp>
+        </mc:Choice>
+        <mc:Fallback>
+          <p:sp>
+            <p:nvSpPr>
+              <p:cNvPr id="53" name="TextBox 52">
+                <a:extLst>
+                  <a:ext uri="{FF2B5EF4-FFF2-40B4-BE49-F238E27FC236}">
+                    <a16:creationId xmlns:a16="http://schemas.microsoft.com/office/drawing/2014/main" id="{9D10FDCB-0028-4CEB-A807-9D12AAA412B5}"/>
+                  </a:ext>
+                </a:extLst>
+              </p:cNvPr>
+              <p:cNvSpPr txBox="1">
+                <a:spLocks noRot="1" noChangeAspect="1" noMove="1" noResize="1" noEditPoints="1" noAdjustHandles="1" noChangeArrowheads="1" noChangeShapeType="1" noTextEdit="1"/>
+              </p:cNvSpPr>
+              <p:nvPr/>
+            </p:nvSpPr>
+            <p:spPr>
+              <a:xfrm>
+                <a:off x="5904028" y="3209285"/>
+                <a:ext cx="652007" cy="1112612"/>
+              </a:xfrm>
+              <a:prstGeom prst="rect">
+                <a:avLst/>
+              </a:prstGeom>
+              <a:blipFill>
+                <a:blip r:embed="rId16"/>
+                <a:stretch>
+                  <a:fillRect/>
+                </a:stretch>
+              </a:blipFill>
+            </p:spPr>
+            <p:txBody>
+              <a:bodyPr/>
+              <a:lstStyle/>
+              <a:p>
+                <a:r>
+                  <a:rPr lang="ru-RU">
+                    <a:noFill/>
+                  </a:rPr>
+                  <a:t> </a:t>
+                </a:r>
+              </a:p>
+            </p:txBody>
+          </p:sp>
+        </mc:Fallback>
+      </mc:AlternateContent>
+      <p:sp>
+        <p:nvSpPr>
+          <p:cNvPr id="54" name="Прямоугольник 53">
+            <a:extLst>
+              <a:ext uri="{FF2B5EF4-FFF2-40B4-BE49-F238E27FC236}">
+                <a16:creationId xmlns:a16="http://schemas.microsoft.com/office/drawing/2014/main" id="{25945BEA-4BEF-4A00-B7F5-7FBDBE4A10C1}"/>
+              </a:ext>
+            </a:extLst>
+          </p:cNvPr>
+          <p:cNvSpPr/>
+          <p:nvPr/>
+        </p:nvSpPr>
+        <p:spPr>
+          <a:xfrm>
+            <a:off x="5893303" y="3117119"/>
+            <a:ext cx="652007" cy="623761"/>
+          </a:xfrm>
+          <a:prstGeom prst="rect">
+            <a:avLst/>
+          </a:prstGeom>
+          <a:noFill/>
+          <a:ln>
+            <a:solidFill>
+              <a:schemeClr val="tx1"/>
+            </a:solidFill>
+          </a:ln>
+        </p:spPr>
+        <p:style>
+          <a:lnRef idx="2">
+            <a:schemeClr val="accent1">
+              <a:shade val="50000"/>
+            </a:schemeClr>
+          </a:lnRef>
+          <a:fillRef idx="1">
+            <a:schemeClr val="accent1"/>
+          </a:fillRef>
+          <a:effectRef idx="0">
+            <a:schemeClr val="accent1"/>
+          </a:effectRef>
+          <a:fontRef idx="minor">
+            <a:schemeClr val="lt1"/>
+          </a:fontRef>
+        </p:style>
+        <p:txBody>
+          <a:bodyPr rtlCol="0" anchor="ctr"/>
+          <a:lstStyle/>
+          <a:p>
+            <a:pPr algn="ctr"/>
+            <a:endParaRPr lang="ru-RU"/>
+          </a:p>
+        </p:txBody>
+      </p:sp>
+      <p:cxnSp>
+        <p:nvCxnSpPr>
+          <p:cNvPr id="55" name="Соединитель: уступ 54">
+            <a:extLst>
+              <a:ext uri="{FF2B5EF4-FFF2-40B4-BE49-F238E27FC236}">
+                <a16:creationId xmlns:a16="http://schemas.microsoft.com/office/drawing/2014/main" id="{D634ECED-EEF7-4460-95F7-F3524BB708A0}"/>
+              </a:ext>
+            </a:extLst>
+          </p:cNvPr>
+          <p:cNvCxnSpPr>
+            <a:endCxn id="54" idx="3"/>
+          </p:cNvCxnSpPr>
+          <p:nvPr/>
+        </p:nvCxnSpPr>
+        <p:spPr>
+          <a:xfrm rot="10800000" flipV="1">
+            <a:off x="6545311" y="2403816"/>
+            <a:ext cx="2522067" cy="1025184"/>
+          </a:xfrm>
+          <a:prstGeom prst="bentConnector3">
+            <a:avLst>
+              <a:gd name="adj1" fmla="val -13054"/>
+            </a:avLst>
+          </a:prstGeom>
+          <a:ln>
+            <a:solidFill>
+              <a:schemeClr val="tx1"/>
+            </a:solidFill>
+            <a:tailEnd type="triangle"/>
+          </a:ln>
+        </p:spPr>
+        <p:style>
+          <a:lnRef idx="1">
+            <a:schemeClr val="accent1"/>
+          </a:lnRef>
+          <a:fillRef idx="0">
+            <a:schemeClr val="accent1"/>
+          </a:fillRef>
+          <a:effectRef idx="0">
+            <a:schemeClr val="accent1"/>
+          </a:effectRef>
+          <a:fontRef idx="minor">
+            <a:schemeClr val="tx1"/>
+          </a:fontRef>
+        </p:style>
+      </p:cxnSp>
+      <p:cxnSp>
+        <p:nvCxnSpPr>
+          <p:cNvPr id="56" name="Соединитель: уступ 55">
+            <a:extLst>
+              <a:ext uri="{FF2B5EF4-FFF2-40B4-BE49-F238E27FC236}">
+                <a16:creationId xmlns:a16="http://schemas.microsoft.com/office/drawing/2014/main" id="{AFC32239-6435-461F-913D-E2DCEBD06E73}"/>
+              </a:ext>
+            </a:extLst>
+          </p:cNvPr>
+          <p:cNvCxnSpPr>
+            <a:stCxn id="54" idx="1"/>
+            <a:endCxn id="30" idx="3"/>
+          </p:cNvCxnSpPr>
+          <p:nvPr/>
+        </p:nvCxnSpPr>
+        <p:spPr>
+          <a:xfrm rot="10800000" flipV="1">
+            <a:off x="5043257" y="3428999"/>
+            <a:ext cx="850046" cy="6945"/>
+          </a:xfrm>
+          <a:prstGeom prst="bentConnector3">
+            <a:avLst/>
+          </a:prstGeom>
+          <a:ln>
+            <a:solidFill>
+              <a:schemeClr val="tx1"/>
+            </a:solidFill>
+            <a:tailEnd type="triangle"/>
+          </a:ln>
+        </p:spPr>
+        <p:style>
+          <a:lnRef idx="1">
+            <a:schemeClr val="accent1"/>
+          </a:lnRef>
+          <a:fillRef idx="0">
+            <a:schemeClr val="accent1"/>
+          </a:fillRef>
+          <a:effectRef idx="0">
+            <a:schemeClr val="accent1"/>
+          </a:effectRef>
+          <a:fontRef idx="minor">
+            <a:schemeClr val="tx1"/>
+          </a:fontRef>
+        </p:style>
+      </p:cxnSp>
+      <p:cxnSp>
+        <p:nvCxnSpPr>
+          <p:cNvPr id="57" name="Соединитель: уступ 56">
+            <a:extLst>
+              <a:ext uri="{FF2B5EF4-FFF2-40B4-BE49-F238E27FC236}">
+                <a16:creationId xmlns:a16="http://schemas.microsoft.com/office/drawing/2014/main" id="{C0A1ED54-982C-4742-B411-249F33438CC4}"/>
+              </a:ext>
+            </a:extLst>
+          </p:cNvPr>
+          <p:cNvCxnSpPr>
+            <a:stCxn id="30" idx="1"/>
+            <a:endCxn id="27" idx="4"/>
+          </p:cNvCxnSpPr>
+          <p:nvPr/>
+        </p:nvCxnSpPr>
+        <p:spPr>
+          <a:xfrm rot="10800000">
+            <a:off x="3782978" y="2525333"/>
+            <a:ext cx="608273" cy="910612"/>
+          </a:xfrm>
+          <a:prstGeom prst="bentConnector2">
+            <a:avLst/>
+          </a:prstGeom>
+          <a:ln>
+            <a:solidFill>
+              <a:schemeClr val="tx1"/>
+            </a:solidFill>
+            <a:tailEnd type="triangle"/>
+          </a:ln>
+        </p:spPr>
+        <p:style>
+          <a:lnRef idx="1">
+            <a:schemeClr val="accent1"/>
+          </a:lnRef>
+          <a:fillRef idx="0">
+            <a:schemeClr val="accent1"/>
+          </a:fillRef>
+          <a:effectRef idx="0">
+            <a:schemeClr val="accent1"/>
+          </a:effectRef>
+          <a:fontRef idx="minor">
+            <a:schemeClr val="tx1"/>
+          </a:fontRef>
+        </p:style>
+      </p:cxnSp>
+      <mc:AlternateContent xmlns:mc="http://schemas.openxmlformats.org/markup-compatibility/2006">
+        <mc:Choice xmlns:a14="http://schemas.microsoft.com/office/drawing/2010/main" Requires="a14">
+          <p:sp>
+            <p:nvSpPr>
+              <p:cNvPr id="58" name="TextBox 57">
+                <a:extLst>
+                  <a:ext uri="{FF2B5EF4-FFF2-40B4-BE49-F238E27FC236}">
+                    <a16:creationId xmlns:a16="http://schemas.microsoft.com/office/drawing/2014/main" id="{FF9E555D-C141-4F2F-81EA-D30696717975}"/>
+                  </a:ext>
+                </a:extLst>
+              </p:cNvPr>
+              <p:cNvSpPr txBox="1"/>
+              <p:nvPr/>
+            </p:nvSpPr>
+            <p:spPr>
+              <a:xfrm>
+                <a:off x="7384916" y="2177889"/>
+                <a:ext cx="652007" cy="430887"/>
+              </a:xfrm>
+              <a:prstGeom prst="rect">
+                <a:avLst/>
+              </a:prstGeom>
+              <a:noFill/>
+            </p:spPr>
+            <p:txBody>
+              <a:bodyPr wrap="square" lIns="0" tIns="0" rIns="0" bIns="0" rtlCol="0">
+                <a:spAutoFit/>
+              </a:bodyPr>
+              <a:lstStyle/>
+              <a:p>
+                <a:pPr/>
+                <a14:m>
+                  <m:oMathPara xmlns:m="http://schemas.openxmlformats.org/officeDocument/2006/math">
+                    <m:oMathParaPr>
+                      <m:jc m:val="centerGroup"/>
+                    </m:oMathParaPr>
+                    <m:oMath xmlns:m="http://schemas.openxmlformats.org/officeDocument/2006/math">
+                      <m:r>
+                        <a:rPr lang="ru-RU" sz="1400" b="0" i="1" smtClean="0">
+                          <a:effectLst/>
+                          <a:latin typeface="Cambria Math" panose="02040503050406030204" pitchFamily="18" charset="0"/>
+                          <a:ea typeface="Times New Roman" panose="02020603050405020304" pitchFamily="18" charset="0"/>
+                        </a:rPr>
+                        <m:t>−</m:t>
+                      </m:r>
+                    </m:oMath>
+                  </m:oMathPara>
+                </a14:m>
+                <a:endParaRPr lang="ru-RU" sz="1400" dirty="0">
+                  <a:effectLst/>
+                  <a:latin typeface="Times New Roman" panose="02020603050405020304" pitchFamily="18" charset="0"/>
+                  <a:ea typeface="Calibri" panose="020F0502020204030204" pitchFamily="34" charset="0"/>
+                  <a:cs typeface="Times New Roman" panose="02020603050405020304" pitchFamily="18" charset="0"/>
+                </a:endParaRPr>
+              </a:p>
+              <a:p>
+                <a:endParaRPr lang="ru-RU" sz="1400" dirty="0"/>
+              </a:p>
+            </p:txBody>
+          </p:sp>
+        </mc:Choice>
+        <mc:Fallback>
+          <p:sp>
+            <p:nvSpPr>
+              <p:cNvPr id="58" name="TextBox 57">
+                <a:extLst>
+                  <a:ext uri="{FF2B5EF4-FFF2-40B4-BE49-F238E27FC236}">
+                    <a16:creationId xmlns:a16="http://schemas.microsoft.com/office/drawing/2014/main" id="{FF9E555D-C141-4F2F-81EA-D30696717975}"/>
+                  </a:ext>
+                </a:extLst>
+              </p:cNvPr>
+              <p:cNvSpPr txBox="1">
+                <a:spLocks noRot="1" noChangeAspect="1" noMove="1" noResize="1" noEditPoints="1" noAdjustHandles="1" noChangeArrowheads="1" noChangeShapeType="1" noTextEdit="1"/>
+              </p:cNvSpPr>
+              <p:nvPr/>
+            </p:nvSpPr>
+            <p:spPr>
+              <a:xfrm>
+                <a:off x="7384916" y="2177889"/>
+                <a:ext cx="652007" cy="430887"/>
+              </a:xfrm>
+              <a:prstGeom prst="rect">
+                <a:avLst/>
+              </a:prstGeom>
+              <a:blipFill>
+                <a:blip r:embed="rId17"/>
+                <a:stretch>
+                  <a:fillRect/>
+                </a:stretch>
+              </a:blipFill>
+            </p:spPr>
+            <p:txBody>
+              <a:bodyPr/>
+              <a:lstStyle/>
+              <a:p>
+                <a:r>
+                  <a:rPr lang="ru-RU">
+                    <a:noFill/>
+                  </a:rPr>
+                  <a:t> </a:t>
+                </a:r>
+              </a:p>
+            </p:txBody>
+          </p:sp>
+        </mc:Fallback>
+      </mc:AlternateContent>
+      <mc:AlternateContent xmlns:mc="http://schemas.openxmlformats.org/markup-compatibility/2006">
+        <mc:Choice xmlns:a14="http://schemas.microsoft.com/office/drawing/2010/main" Requires="a14">
+          <p:sp>
+            <p:nvSpPr>
+              <p:cNvPr id="59" name="TextBox 58">
+                <a:extLst>
+                  <a:ext uri="{FF2B5EF4-FFF2-40B4-BE49-F238E27FC236}">
+                    <a16:creationId xmlns:a16="http://schemas.microsoft.com/office/drawing/2014/main" id="{598BBEE0-233E-40C6-832E-E8789EFEFF9D}"/>
+                  </a:ext>
+                </a:extLst>
+              </p:cNvPr>
+              <p:cNvSpPr txBox="1"/>
+              <p:nvPr/>
+            </p:nvSpPr>
+            <p:spPr>
+              <a:xfrm>
+                <a:off x="3658113" y="2451108"/>
+                <a:ext cx="652007" cy="430887"/>
+              </a:xfrm>
+              <a:prstGeom prst="rect">
+                <a:avLst/>
+              </a:prstGeom>
+              <a:noFill/>
+            </p:spPr>
+            <p:txBody>
+              <a:bodyPr wrap="square" lIns="0" tIns="0" rIns="0" bIns="0" rtlCol="0">
+                <a:spAutoFit/>
+              </a:bodyPr>
+              <a:lstStyle/>
+              <a:p>
+                <a:pPr/>
+                <a14:m>
+                  <m:oMathPara xmlns:m="http://schemas.openxmlformats.org/officeDocument/2006/math">
+                    <m:oMathParaPr>
+                      <m:jc m:val="centerGroup"/>
+                    </m:oMathParaPr>
+                    <m:oMath xmlns:m="http://schemas.openxmlformats.org/officeDocument/2006/math">
+                      <m:r>
+                        <a:rPr lang="ru-RU" sz="1400" b="0" i="1" smtClean="0">
+                          <a:effectLst/>
+                          <a:latin typeface="Cambria Math" panose="02040503050406030204" pitchFamily="18" charset="0"/>
+                          <a:ea typeface="Times New Roman" panose="02020603050405020304" pitchFamily="18" charset="0"/>
+                        </a:rPr>
+                        <m:t>−</m:t>
+                      </m:r>
+                    </m:oMath>
+                  </m:oMathPara>
+                </a14:m>
+                <a:endParaRPr lang="ru-RU" sz="1400" dirty="0">
+                  <a:effectLst/>
+                  <a:latin typeface="Times New Roman" panose="02020603050405020304" pitchFamily="18" charset="0"/>
+                  <a:ea typeface="Calibri" panose="020F0502020204030204" pitchFamily="34" charset="0"/>
+                  <a:cs typeface="Times New Roman" panose="02020603050405020304" pitchFamily="18" charset="0"/>
+                </a:endParaRPr>
+              </a:p>
+              <a:p>
+                <a:endParaRPr lang="ru-RU" sz="1400" dirty="0"/>
+              </a:p>
+            </p:txBody>
+          </p:sp>
+        </mc:Choice>
+        <mc:Fallback>
+          <p:sp>
+            <p:nvSpPr>
+              <p:cNvPr id="59" name="TextBox 58">
+                <a:extLst>
+                  <a:ext uri="{FF2B5EF4-FFF2-40B4-BE49-F238E27FC236}">
+                    <a16:creationId xmlns:a16="http://schemas.microsoft.com/office/drawing/2014/main" id="{598BBEE0-233E-40C6-832E-E8789EFEFF9D}"/>
+                  </a:ext>
+                </a:extLst>
+              </p:cNvPr>
+              <p:cNvSpPr txBox="1">
+                <a:spLocks noRot="1" noChangeAspect="1" noMove="1" noResize="1" noEditPoints="1" noAdjustHandles="1" noChangeArrowheads="1" noChangeShapeType="1" noTextEdit="1"/>
+              </p:cNvSpPr>
+              <p:nvPr/>
+            </p:nvSpPr>
+            <p:spPr>
+              <a:xfrm>
+                <a:off x="3658113" y="2451108"/>
+                <a:ext cx="652007" cy="430887"/>
+              </a:xfrm>
+              <a:prstGeom prst="rect">
+                <a:avLst/>
+              </a:prstGeom>
+              <a:blipFill>
+                <a:blip r:embed="rId17"/>
+                <a:stretch>
+                  <a:fillRect/>
+                </a:stretch>
+              </a:blipFill>
+            </p:spPr>
+            <p:txBody>
+              <a:bodyPr/>
+              <a:lstStyle/>
+              <a:p>
+                <a:r>
+                  <a:rPr lang="ru-RU">
+                    <a:noFill/>
+                  </a:rPr>
+                  <a:t> </a:t>
+                </a:r>
+              </a:p>
+            </p:txBody>
+          </p:sp>
+        </mc:Fallback>
+      </mc:AlternateContent>
+      <mc:AlternateContent xmlns:mc="http://schemas.openxmlformats.org/markup-compatibility/2006">
+        <mc:Choice xmlns:a14="http://schemas.microsoft.com/office/drawing/2010/main" Requires="a14">
+          <p:sp>
+            <p:nvSpPr>
+              <p:cNvPr id="60" name="TextBox 59">
+                <a:extLst>
+                  <a:ext uri="{FF2B5EF4-FFF2-40B4-BE49-F238E27FC236}">
+                    <a16:creationId xmlns:a16="http://schemas.microsoft.com/office/drawing/2014/main" id="{34B66053-2571-444E-B63D-9F01168B3AC3}"/>
+                  </a:ext>
+                </a:extLst>
+              </p:cNvPr>
+              <p:cNvSpPr txBox="1"/>
+              <p:nvPr/>
+            </p:nvSpPr>
+            <p:spPr>
+              <a:xfrm>
+                <a:off x="7394030" y="2467123"/>
+                <a:ext cx="652007" cy="430887"/>
+              </a:xfrm>
+              <a:prstGeom prst="rect">
+                <a:avLst/>
+              </a:prstGeom>
+              <a:noFill/>
+            </p:spPr>
+            <p:txBody>
+              <a:bodyPr wrap="square" lIns="0" tIns="0" rIns="0" bIns="0" rtlCol="0">
+                <a:spAutoFit/>
+              </a:bodyPr>
+              <a:lstStyle/>
+              <a:p>
+                <a:pPr/>
+                <a14:m>
+                  <m:oMathPara xmlns:m="http://schemas.openxmlformats.org/officeDocument/2006/math">
+                    <m:oMathParaPr>
+                      <m:jc m:val="centerGroup"/>
+                    </m:oMathParaPr>
+                    <m:oMath xmlns:m="http://schemas.openxmlformats.org/officeDocument/2006/math">
+                      <m:r>
+                        <a:rPr lang="ru-RU" sz="1400" b="0" i="1" smtClean="0">
+                          <a:effectLst/>
+                          <a:latin typeface="Cambria Math" panose="02040503050406030204" pitchFamily="18" charset="0"/>
+                          <a:ea typeface="Times New Roman" panose="02020603050405020304" pitchFamily="18" charset="0"/>
+                        </a:rPr>
+                        <m:t>−</m:t>
+                      </m:r>
+                    </m:oMath>
+                  </m:oMathPara>
+                </a14:m>
+                <a:endParaRPr lang="ru-RU" sz="1400" dirty="0">
+                  <a:effectLst/>
+                  <a:latin typeface="Times New Roman" panose="02020603050405020304" pitchFamily="18" charset="0"/>
+                  <a:ea typeface="Calibri" panose="020F0502020204030204" pitchFamily="34" charset="0"/>
+                  <a:cs typeface="Times New Roman" panose="02020603050405020304" pitchFamily="18" charset="0"/>
+                </a:endParaRPr>
+              </a:p>
+              <a:p>
+                <a:endParaRPr lang="ru-RU" sz="1400" dirty="0"/>
+              </a:p>
+            </p:txBody>
+          </p:sp>
+        </mc:Choice>
+        <mc:Fallback>
+          <p:sp>
+            <p:nvSpPr>
+              <p:cNvPr id="60" name="TextBox 59">
+                <a:extLst>
+                  <a:ext uri="{FF2B5EF4-FFF2-40B4-BE49-F238E27FC236}">
+                    <a16:creationId xmlns:a16="http://schemas.microsoft.com/office/drawing/2014/main" id="{34B66053-2571-444E-B63D-9F01168B3AC3}"/>
+                  </a:ext>
+                </a:extLst>
+              </p:cNvPr>
+              <p:cNvSpPr txBox="1">
+                <a:spLocks noRot="1" noChangeAspect="1" noMove="1" noResize="1" noEditPoints="1" noAdjustHandles="1" noChangeArrowheads="1" noChangeShapeType="1" noTextEdit="1"/>
+              </p:cNvSpPr>
+              <p:nvPr/>
+            </p:nvSpPr>
+            <p:spPr>
+              <a:xfrm>
+                <a:off x="7394030" y="2467123"/>
+                <a:ext cx="652007" cy="430887"/>
+              </a:xfrm>
+              <a:prstGeom prst="rect">
+                <a:avLst/>
+              </a:prstGeom>
+              <a:blipFill>
+                <a:blip r:embed="rId18"/>
+                <a:stretch>
+                  <a:fillRect/>
+                </a:stretch>
+              </a:blipFill>
+            </p:spPr>
+            <p:txBody>
+              <a:bodyPr/>
+              <a:lstStyle/>
+              <a:p>
+                <a:r>
+                  <a:rPr lang="ru-RU">
+                    <a:noFill/>
+                  </a:rPr>
+                  <a:t> </a:t>
+                </a:r>
+              </a:p>
+            </p:txBody>
+          </p:sp>
+        </mc:Fallback>
+      </mc:AlternateContent>
+      <mc:AlternateContent xmlns:mc="http://schemas.openxmlformats.org/markup-compatibility/2006">
+        <mc:Choice xmlns:a14="http://schemas.microsoft.com/office/drawing/2010/main" Requires="a14">
+          <p:sp>
+            <p:nvSpPr>
+              <p:cNvPr id="75" name="TextBox 74">
+                <a:extLst>
+                  <a:ext uri="{FF2B5EF4-FFF2-40B4-BE49-F238E27FC236}">
+                    <a16:creationId xmlns:a16="http://schemas.microsoft.com/office/drawing/2014/main" id="{253DEBF4-DA29-4397-AC6C-7E0252F51AE5}"/>
+                  </a:ext>
+                </a:extLst>
+              </p:cNvPr>
+              <p:cNvSpPr txBox="1"/>
+              <p:nvPr/>
+            </p:nvSpPr>
+            <p:spPr>
+              <a:xfrm>
+                <a:off x="9662906" y="693478"/>
+                <a:ext cx="658527" cy="443455"/>
+              </a:xfrm>
+              <a:prstGeom prst="rect">
+                <a:avLst/>
+              </a:prstGeom>
+              <a:noFill/>
+            </p:spPr>
+            <p:txBody>
+              <a:bodyPr wrap="square" lIns="0" tIns="0" rIns="0" bIns="0" rtlCol="0">
+                <a:spAutoFit/>
+              </a:bodyPr>
+              <a:lstStyle/>
+              <a:p>
+                <a:pPr/>
+                <a14:m>
+                  <m:oMathPara xmlns:m="http://schemas.openxmlformats.org/officeDocument/2006/math">
+                    <m:oMathParaPr>
+                      <m:jc m:val="centerGroup"/>
+                    </m:oMathParaPr>
+                    <m:oMath xmlns:m="http://schemas.openxmlformats.org/officeDocument/2006/math">
+                      <m:sSub>
+                        <m:sSubPr>
+                          <m:ctrlPr>
+                            <a:rPr lang="en-US" sz="1400" b="0" i="1" smtClean="0">
+                              <a:effectLst/>
+                              <a:latin typeface="Cambria Math" panose="02040503050406030204" pitchFamily="18" charset="0"/>
+                              <a:ea typeface="Calibri" panose="020F0502020204030204" pitchFamily="34" charset="0"/>
+                              <a:cs typeface="Times New Roman" panose="02020603050405020304" pitchFamily="18" charset="0"/>
+                            </a:rPr>
+                          </m:ctrlPr>
+                        </m:sSubPr>
+                        <m:e>
+                          <m:r>
+                            <a:rPr lang="en-US" sz="1400" b="0" i="1" smtClean="0">
+                              <a:effectLst/>
+                              <a:latin typeface="Cambria Math" panose="02040503050406030204" pitchFamily="18" charset="0"/>
+                              <a:ea typeface="Calibri" panose="020F0502020204030204" pitchFamily="34" charset="0"/>
+                              <a:cs typeface="Times New Roman" panose="02020603050405020304" pitchFamily="18" charset="0"/>
+                            </a:rPr>
+                            <m:t>𝑘</m:t>
+                          </m:r>
+                        </m:e>
+                        <m:sub>
+                          <m:r>
+                            <a:rPr lang="ru-RU" sz="1400" b="0" i="1" smtClean="0">
+                              <a:effectLst/>
+                              <a:latin typeface="Cambria Math" panose="02040503050406030204" pitchFamily="18" charset="0"/>
+                              <a:ea typeface="Calibri" panose="020F0502020204030204" pitchFamily="34" charset="0"/>
+                              <a:cs typeface="Times New Roman" panose="02020603050405020304" pitchFamily="18" charset="0"/>
+                            </a:rPr>
+                            <m:t>л</m:t>
+                          </m:r>
+                        </m:sub>
+                      </m:sSub>
+                    </m:oMath>
+                  </m:oMathPara>
+                </a14:m>
+                <a:endParaRPr lang="ru-RU" sz="1400" dirty="0">
+                  <a:effectLst/>
+                  <a:latin typeface="Times New Roman" panose="02020603050405020304" pitchFamily="18" charset="0"/>
+                  <a:ea typeface="Calibri" panose="020F0502020204030204" pitchFamily="34" charset="0"/>
+                  <a:cs typeface="Times New Roman" panose="02020603050405020304" pitchFamily="18" charset="0"/>
+                </a:endParaRPr>
+              </a:p>
+              <a:p>
+                <a:endParaRPr lang="ru-RU" sz="1400" dirty="0"/>
+              </a:p>
+            </p:txBody>
+          </p:sp>
+        </mc:Choice>
+        <mc:Fallback>
+          <p:sp>
+            <p:nvSpPr>
+              <p:cNvPr id="75" name="TextBox 74">
+                <a:extLst>
+                  <a:ext uri="{FF2B5EF4-FFF2-40B4-BE49-F238E27FC236}">
+                    <a16:creationId xmlns:a16="http://schemas.microsoft.com/office/drawing/2014/main" id="{253DEBF4-DA29-4397-AC6C-7E0252F51AE5}"/>
+                  </a:ext>
+                </a:extLst>
+              </p:cNvPr>
+              <p:cNvSpPr txBox="1">
+                <a:spLocks noRot="1" noChangeAspect="1" noMove="1" noResize="1" noEditPoints="1" noAdjustHandles="1" noChangeArrowheads="1" noChangeShapeType="1" noTextEdit="1"/>
+              </p:cNvSpPr>
+              <p:nvPr/>
+            </p:nvSpPr>
+            <p:spPr>
+              <a:xfrm>
+                <a:off x="9662906" y="693478"/>
+                <a:ext cx="658527" cy="443455"/>
+              </a:xfrm>
+              <a:prstGeom prst="rect">
+                <a:avLst/>
+              </a:prstGeom>
+              <a:blipFill>
+                <a:blip r:embed="rId19"/>
+                <a:stretch>
+                  <a:fillRect/>
+                </a:stretch>
+              </a:blipFill>
+            </p:spPr>
+            <p:txBody>
+              <a:bodyPr/>
+              <a:lstStyle/>
+              <a:p>
+                <a:r>
+                  <a:rPr lang="ru-RU">
+                    <a:noFill/>
+                  </a:rPr>
+                  <a:t> </a:t>
+                </a:r>
+              </a:p>
+            </p:txBody>
+          </p:sp>
+        </mc:Fallback>
+      </mc:AlternateContent>
+      <p:sp>
+        <p:nvSpPr>
+          <p:cNvPr id="76" name="Прямоугольник 75">
+            <a:extLst>
+              <a:ext uri="{FF2B5EF4-FFF2-40B4-BE49-F238E27FC236}">
+                <a16:creationId xmlns:a16="http://schemas.microsoft.com/office/drawing/2014/main" id="{CAA6E96F-92F1-4BD0-9FE4-DFCF876F85B8}"/>
+              </a:ext>
+            </a:extLst>
+          </p:cNvPr>
+          <p:cNvSpPr/>
+          <p:nvPr/>
+        </p:nvSpPr>
+        <p:spPr>
+          <a:xfrm>
+            <a:off x="9756509" y="598636"/>
+            <a:ext cx="578219" cy="517104"/>
+          </a:xfrm>
+          <a:prstGeom prst="rect">
+            <a:avLst/>
+          </a:prstGeom>
+          <a:noFill/>
+          <a:ln>
+            <a:solidFill>
+              <a:schemeClr val="tx1"/>
+            </a:solidFill>
+          </a:ln>
+        </p:spPr>
+        <p:style>
+          <a:lnRef idx="2">
+            <a:schemeClr val="accent1">
+              <a:shade val="50000"/>
+            </a:schemeClr>
+          </a:lnRef>
+          <a:fillRef idx="1">
+            <a:schemeClr val="accent1"/>
+          </a:fillRef>
+          <a:effectRef idx="0">
+            <a:schemeClr val="accent1"/>
+          </a:effectRef>
+          <a:fontRef idx="minor">
+            <a:schemeClr val="lt1"/>
+          </a:fontRef>
+        </p:style>
+        <p:txBody>
+          <a:bodyPr rtlCol="0" anchor="ctr"/>
+          <a:lstStyle/>
+          <a:p>
+            <a:pPr algn="ctr"/>
+            <a:endParaRPr lang="ru-RU"/>
+          </a:p>
+        </p:txBody>
+      </p:sp>
+      <mc:AlternateContent xmlns:mc="http://schemas.openxmlformats.org/markup-compatibility/2006">
+        <mc:Choice xmlns:a14="http://schemas.microsoft.com/office/drawing/2010/main" Requires="a14">
+          <p:sp>
+            <p:nvSpPr>
+              <p:cNvPr id="80" name="TextBox 79">
+                <a:extLst>
+                  <a:ext uri="{FF2B5EF4-FFF2-40B4-BE49-F238E27FC236}">
+                    <a16:creationId xmlns:a16="http://schemas.microsoft.com/office/drawing/2014/main" id="{F1F8EE50-C5DE-4E57-97F3-859986A04AFB}"/>
+                  </a:ext>
+                </a:extLst>
+              </p:cNvPr>
+              <p:cNvSpPr txBox="1"/>
+              <p:nvPr/>
+            </p:nvSpPr>
+            <p:spPr>
+              <a:xfrm>
+                <a:off x="1775450" y="1380876"/>
+                <a:ext cx="445955" cy="618824"/>
+              </a:xfrm>
+              <a:prstGeom prst="rect">
+                <a:avLst/>
+              </a:prstGeom>
+              <a:noFill/>
+            </p:spPr>
+            <p:txBody>
+              <a:bodyPr wrap="square" lIns="0" tIns="0" rIns="0" bIns="0" rtlCol="0">
+                <a:spAutoFit/>
+              </a:bodyPr>
+              <a:lstStyle/>
+              <a:p>
+                <a:pPr/>
+                <a14:m>
+                  <m:oMathPara xmlns:m="http://schemas.openxmlformats.org/officeDocument/2006/math">
+                    <m:oMathParaPr>
+                      <m:jc m:val="centerGroup"/>
+                    </m:oMathParaPr>
+                    <m:oMath xmlns:m="http://schemas.openxmlformats.org/officeDocument/2006/math">
+                      <m:f>
+                        <m:fPr>
+                          <m:ctrlPr>
+                            <a:rPr lang="ru-RU" sz="1400" i="1" smtClean="0">
+                              <a:effectLst/>
+                              <a:latin typeface="Cambria Math" panose="02040503050406030204" pitchFamily="18" charset="0"/>
+                              <a:ea typeface="Calibri" panose="020F0502020204030204" pitchFamily="34" charset="0"/>
+                              <a:cs typeface="Times New Roman" panose="02020603050405020304" pitchFamily="18" charset="0"/>
+                            </a:rPr>
+                          </m:ctrlPr>
+                        </m:fPr>
+                        <m:num>
+                          <m:sSub>
+                            <m:sSubPr>
+                              <m:ctrlPr>
+                                <a:rPr lang="en-US" sz="1400" i="1">
+                                  <a:latin typeface="Cambria Math" panose="02040503050406030204" pitchFamily="18" charset="0"/>
+                                  <a:ea typeface="Calibri" panose="020F0502020204030204" pitchFamily="34" charset="0"/>
+                                  <a:cs typeface="Times New Roman" panose="02020603050405020304" pitchFamily="18" charset="0"/>
+                                </a:rPr>
+                              </m:ctrlPr>
+                            </m:sSubPr>
+                            <m:e>
+                              <m:r>
+                                <a:rPr lang="en-US" sz="1400" i="1">
+                                  <a:latin typeface="Cambria Math" panose="02040503050406030204" pitchFamily="18" charset="0"/>
+                                  <a:ea typeface="Calibri" panose="020F0502020204030204" pitchFamily="34" charset="0"/>
+                                  <a:cs typeface="Times New Roman" panose="02020603050405020304" pitchFamily="18" charset="0"/>
+                                </a:rPr>
+                                <m:t>𝐾</m:t>
+                              </m:r>
+                            </m:e>
+                            <m:sub>
+                              <m:r>
+                                <a:rPr lang="en-US" sz="1400" b="0" i="1" smtClean="0">
+                                  <a:latin typeface="Cambria Math" panose="02040503050406030204" pitchFamily="18" charset="0"/>
+                                  <a:ea typeface="Calibri" panose="020F0502020204030204" pitchFamily="34" charset="0"/>
+                                  <a:cs typeface="Times New Roman" panose="02020603050405020304" pitchFamily="18" charset="0"/>
+                                </a:rPr>
+                                <m:t>𝑖</m:t>
+                              </m:r>
+                            </m:sub>
+                          </m:sSub>
+                        </m:num>
+                        <m:den>
+                          <m:r>
+                            <a:rPr lang="en-US" sz="1400" i="1">
+                              <a:effectLst/>
+                              <a:latin typeface="Cambria Math" panose="02040503050406030204" pitchFamily="18" charset="0"/>
+                              <a:ea typeface="Calibri" panose="020F0502020204030204" pitchFamily="34" charset="0"/>
+                              <a:cs typeface="Times New Roman" panose="02020603050405020304" pitchFamily="18" charset="0"/>
+                            </a:rPr>
+                            <m:t>𝑠</m:t>
+                          </m:r>
+                        </m:den>
+                      </m:f>
+                    </m:oMath>
+                  </m:oMathPara>
+                </a14:m>
+                <a:endParaRPr lang="ru-RU" sz="1400" dirty="0">
+                  <a:effectLst/>
+                  <a:latin typeface="Times New Roman" panose="02020603050405020304" pitchFamily="18" charset="0"/>
+                  <a:ea typeface="Calibri" panose="020F0502020204030204" pitchFamily="34" charset="0"/>
+                  <a:cs typeface="Times New Roman" panose="02020603050405020304" pitchFamily="18" charset="0"/>
+                </a:endParaRPr>
+              </a:p>
+              <a:p>
+                <a:endParaRPr lang="ru-RU" sz="1400" dirty="0"/>
+              </a:p>
+            </p:txBody>
+          </p:sp>
+        </mc:Choice>
+        <mc:Fallback>
+          <p:sp>
+            <p:nvSpPr>
+              <p:cNvPr id="80" name="TextBox 79">
+                <a:extLst>
+                  <a:ext uri="{FF2B5EF4-FFF2-40B4-BE49-F238E27FC236}">
+                    <a16:creationId xmlns:a16="http://schemas.microsoft.com/office/drawing/2014/main" id="{F1F8EE50-C5DE-4E57-97F3-859986A04AFB}"/>
+                  </a:ext>
+                </a:extLst>
+              </p:cNvPr>
+              <p:cNvSpPr txBox="1">
+                <a:spLocks noRot="1" noChangeAspect="1" noMove="1" noResize="1" noEditPoints="1" noAdjustHandles="1" noChangeArrowheads="1" noChangeShapeType="1" noTextEdit="1"/>
+              </p:cNvSpPr>
+              <p:nvPr/>
+            </p:nvSpPr>
+            <p:spPr>
+              <a:xfrm>
+                <a:off x="1775450" y="1380876"/>
+                <a:ext cx="445955" cy="618824"/>
+              </a:xfrm>
+              <a:prstGeom prst="rect">
+                <a:avLst/>
+              </a:prstGeom>
+              <a:blipFill>
+                <a:blip r:embed="rId20"/>
+                <a:stretch>
+                  <a:fillRect t="-990"/>
+                </a:stretch>
+              </a:blipFill>
+            </p:spPr>
+            <p:txBody>
+              <a:bodyPr/>
+              <a:lstStyle/>
+              <a:p>
+                <a:r>
+                  <a:rPr lang="ru-RU">
+                    <a:noFill/>
+                  </a:rPr>
+                  <a:t> </a:t>
+                </a:r>
+              </a:p>
+            </p:txBody>
+          </p:sp>
+        </mc:Fallback>
+      </mc:AlternateContent>
+      <p:sp>
+        <p:nvSpPr>
+          <p:cNvPr id="81" name="Прямоугольник 80">
+            <a:extLst>
+              <a:ext uri="{FF2B5EF4-FFF2-40B4-BE49-F238E27FC236}">
+                <a16:creationId xmlns:a16="http://schemas.microsoft.com/office/drawing/2014/main" id="{62894AE6-C8C4-45C0-8B13-0ACD07EDE298}"/>
+              </a:ext>
+            </a:extLst>
+          </p:cNvPr>
+          <p:cNvSpPr/>
+          <p:nvPr/>
+        </p:nvSpPr>
+        <p:spPr>
+          <a:xfrm>
+            <a:off x="1590137" y="1272719"/>
+            <a:ext cx="789830" cy="618824"/>
+          </a:xfrm>
+          <a:prstGeom prst="rect">
+            <a:avLst/>
+          </a:prstGeom>
+          <a:noFill/>
+          <a:ln>
+            <a:solidFill>
+              <a:schemeClr val="tx1"/>
+            </a:solidFill>
+          </a:ln>
+        </p:spPr>
+        <p:style>
+          <a:lnRef idx="2">
+            <a:schemeClr val="accent1">
+              <a:shade val="50000"/>
+            </a:schemeClr>
+          </a:lnRef>
+          <a:fillRef idx="1">
+            <a:schemeClr val="accent1"/>
+          </a:fillRef>
+          <a:effectRef idx="0">
+            <a:schemeClr val="accent1"/>
+          </a:effectRef>
+          <a:fontRef idx="minor">
+            <a:schemeClr val="lt1"/>
+          </a:fontRef>
+        </p:style>
+        <p:txBody>
+          <a:bodyPr rtlCol="0" anchor="ctr"/>
+          <a:lstStyle/>
+          <a:p>
+            <a:pPr algn="ctr"/>
+            <a:endParaRPr lang="ru-RU"/>
+          </a:p>
+        </p:txBody>
+      </p:sp>
+      <mc:AlternateContent xmlns:mc="http://schemas.openxmlformats.org/markup-compatibility/2006">
+        <mc:Choice xmlns:a14="http://schemas.microsoft.com/office/drawing/2010/main" Requires="a14">
+          <p:sp>
+            <p:nvSpPr>
+              <p:cNvPr id="82" name="TextBox 81">
+                <a:extLst>
+                  <a:ext uri="{FF2B5EF4-FFF2-40B4-BE49-F238E27FC236}">
+                    <a16:creationId xmlns:a16="http://schemas.microsoft.com/office/drawing/2014/main" id="{567FC36A-1D56-42C3-830E-6202A925EA6E}"/>
+                  </a:ext>
+                </a:extLst>
+              </p:cNvPr>
+              <p:cNvSpPr txBox="1"/>
+              <p:nvPr/>
+            </p:nvSpPr>
+            <p:spPr>
+              <a:xfrm>
+                <a:off x="1775450" y="2279186"/>
+                <a:ext cx="445955" cy="447495"/>
+              </a:xfrm>
+              <a:prstGeom prst="rect">
+                <a:avLst/>
+              </a:prstGeom>
+              <a:noFill/>
+            </p:spPr>
+            <p:txBody>
+              <a:bodyPr wrap="square" lIns="0" tIns="0" rIns="0" bIns="0" rtlCol="0">
+                <a:spAutoFit/>
+              </a:bodyPr>
+              <a:lstStyle/>
+              <a:p>
+                <a:pPr/>
+                <a14:m>
+                  <m:oMathPara xmlns:m="http://schemas.openxmlformats.org/officeDocument/2006/math">
+                    <m:oMathParaPr>
+                      <m:jc m:val="centerGroup"/>
+                    </m:oMathParaPr>
+                    <m:oMath xmlns:m="http://schemas.openxmlformats.org/officeDocument/2006/math">
+                      <m:sSub>
+                        <m:sSubPr>
+                          <m:ctrlPr>
+                            <a:rPr lang="en-US" sz="1400" b="0" i="1" smtClean="0">
+                              <a:effectLst/>
+                              <a:latin typeface="Cambria Math" panose="02040503050406030204" pitchFamily="18" charset="0"/>
+                              <a:ea typeface="Calibri" panose="020F0502020204030204" pitchFamily="34" charset="0"/>
+                              <a:cs typeface="Times New Roman" panose="02020603050405020304" pitchFamily="18" charset="0"/>
+                            </a:rPr>
+                          </m:ctrlPr>
+                        </m:sSubPr>
+                        <m:e>
+                          <m:r>
+                            <a:rPr lang="en-US" sz="1400" b="0" i="1" smtClean="0">
+                              <a:effectLst/>
+                              <a:latin typeface="Cambria Math" panose="02040503050406030204" pitchFamily="18" charset="0"/>
+                              <a:ea typeface="Calibri" panose="020F0502020204030204" pitchFamily="34" charset="0"/>
+                              <a:cs typeface="Times New Roman" panose="02020603050405020304" pitchFamily="18" charset="0"/>
+                            </a:rPr>
+                            <m:t>𝐾</m:t>
+                          </m:r>
+                        </m:e>
+                        <m:sub>
+                          <m:r>
+                            <a:rPr lang="en-US" sz="1400" b="0" i="1" smtClean="0">
+                              <a:effectLst/>
+                              <a:latin typeface="Cambria Math" panose="02040503050406030204" pitchFamily="18" charset="0"/>
+                              <a:ea typeface="Calibri" panose="020F0502020204030204" pitchFamily="34" charset="0"/>
+                              <a:cs typeface="Times New Roman" panose="02020603050405020304" pitchFamily="18" charset="0"/>
+                            </a:rPr>
+                            <m:t>𝑝</m:t>
+                          </m:r>
+                        </m:sub>
+                      </m:sSub>
+                    </m:oMath>
+                  </m:oMathPara>
+                </a14:m>
+                <a:endParaRPr lang="ru-RU" sz="1400" dirty="0">
+                  <a:effectLst/>
+                  <a:latin typeface="Times New Roman" panose="02020603050405020304" pitchFamily="18" charset="0"/>
+                  <a:ea typeface="Calibri" panose="020F0502020204030204" pitchFamily="34" charset="0"/>
+                  <a:cs typeface="Times New Roman" panose="02020603050405020304" pitchFamily="18" charset="0"/>
+                </a:endParaRPr>
+              </a:p>
+              <a:p>
+                <a:endParaRPr lang="ru-RU" sz="1400" dirty="0"/>
+              </a:p>
+            </p:txBody>
+          </p:sp>
+        </mc:Choice>
+        <mc:Fallback>
+          <p:sp>
+            <p:nvSpPr>
+              <p:cNvPr id="82" name="TextBox 81">
+                <a:extLst>
+                  <a:ext uri="{FF2B5EF4-FFF2-40B4-BE49-F238E27FC236}">
+                    <a16:creationId xmlns:a16="http://schemas.microsoft.com/office/drawing/2014/main" id="{567FC36A-1D56-42C3-830E-6202A925EA6E}"/>
+                  </a:ext>
+                </a:extLst>
+              </p:cNvPr>
+              <p:cNvSpPr txBox="1">
+                <a:spLocks noRot="1" noChangeAspect="1" noMove="1" noResize="1" noEditPoints="1" noAdjustHandles="1" noChangeArrowheads="1" noChangeShapeType="1" noTextEdit="1"/>
+              </p:cNvSpPr>
+              <p:nvPr/>
+            </p:nvSpPr>
+            <p:spPr>
+              <a:xfrm>
+                <a:off x="1775450" y="2279186"/>
+                <a:ext cx="445955" cy="447495"/>
+              </a:xfrm>
+              <a:prstGeom prst="rect">
+                <a:avLst/>
+              </a:prstGeom>
+              <a:blipFill>
+                <a:blip r:embed="rId21"/>
+                <a:stretch>
+                  <a:fillRect/>
+                </a:stretch>
+              </a:blipFill>
+            </p:spPr>
+            <p:txBody>
+              <a:bodyPr/>
+              <a:lstStyle/>
+              <a:p>
+                <a:r>
+                  <a:rPr lang="ru-RU">
+                    <a:noFill/>
+                  </a:rPr>
+                  <a:t> </a:t>
+                </a:r>
+              </a:p>
+            </p:txBody>
+          </p:sp>
+        </mc:Fallback>
+      </mc:AlternateContent>
+      <p:sp>
+        <p:nvSpPr>
+          <p:cNvPr id="83" name="Прямоугольник 82">
+            <a:extLst>
+              <a:ext uri="{FF2B5EF4-FFF2-40B4-BE49-F238E27FC236}">
+                <a16:creationId xmlns:a16="http://schemas.microsoft.com/office/drawing/2014/main" id="{5F559539-6E59-4468-B5D2-21926423AF77}"/>
+              </a:ext>
+            </a:extLst>
+          </p:cNvPr>
+          <p:cNvSpPr/>
+          <p:nvPr/>
+        </p:nvSpPr>
+        <p:spPr>
+          <a:xfrm>
+            <a:off x="1590137" y="2107857"/>
+            <a:ext cx="789830" cy="618824"/>
+          </a:xfrm>
+          <a:prstGeom prst="rect">
+            <a:avLst/>
+          </a:prstGeom>
+          <a:noFill/>
+          <a:ln>
+            <a:solidFill>
+              <a:schemeClr val="tx1"/>
+            </a:solidFill>
+          </a:ln>
+        </p:spPr>
+        <p:style>
+          <a:lnRef idx="2">
+            <a:schemeClr val="accent1">
+              <a:shade val="50000"/>
+            </a:schemeClr>
+          </a:lnRef>
+          <a:fillRef idx="1">
+            <a:schemeClr val="accent1"/>
+          </a:fillRef>
+          <a:effectRef idx="0">
+            <a:schemeClr val="accent1"/>
+          </a:effectRef>
+          <a:fontRef idx="minor">
+            <a:schemeClr val="lt1"/>
+          </a:fontRef>
+        </p:style>
+        <p:txBody>
+          <a:bodyPr rtlCol="0" anchor="ctr"/>
+          <a:lstStyle/>
+          <a:p>
+            <a:pPr algn="ctr"/>
+            <a:endParaRPr lang="ru-RU"/>
+          </a:p>
+        </p:txBody>
+      </p:sp>
+      <mc:AlternateContent xmlns:mc="http://schemas.openxmlformats.org/markup-compatibility/2006">
+        <mc:Choice xmlns:a14="http://schemas.microsoft.com/office/drawing/2010/main" Requires="a14">
+          <p:sp>
+            <p:nvSpPr>
+              <p:cNvPr id="84" name="TextBox 83">
+                <a:extLst>
+                  <a:ext uri="{FF2B5EF4-FFF2-40B4-BE49-F238E27FC236}">
+                    <a16:creationId xmlns:a16="http://schemas.microsoft.com/office/drawing/2014/main" id="{2834D9ED-F013-4933-AC32-66CFA89EC634}"/>
+                  </a:ext>
+                </a:extLst>
+              </p:cNvPr>
+              <p:cNvSpPr txBox="1"/>
+              <p:nvPr/>
+            </p:nvSpPr>
+            <p:spPr>
+              <a:xfrm>
+                <a:off x="1775450" y="3069339"/>
+                <a:ext cx="445955" cy="447495"/>
+              </a:xfrm>
+              <a:prstGeom prst="rect">
+                <a:avLst/>
+              </a:prstGeom>
+              <a:noFill/>
+            </p:spPr>
+            <p:txBody>
+              <a:bodyPr wrap="square" lIns="0" tIns="0" rIns="0" bIns="0" rtlCol="0">
+                <a:spAutoFit/>
+              </a:bodyPr>
+              <a:lstStyle/>
+              <a:p>
+                <a:pPr/>
+                <a14:m>
+                  <m:oMathPara xmlns:m="http://schemas.openxmlformats.org/officeDocument/2006/math">
+                    <m:oMathParaPr>
+                      <m:jc m:val="centerGroup"/>
+                    </m:oMathParaPr>
+                    <m:oMath xmlns:m="http://schemas.openxmlformats.org/officeDocument/2006/math">
+                      <m:sSub>
+                        <m:sSubPr>
+                          <m:ctrlPr>
+                            <a:rPr lang="en-US" sz="1400" b="0" i="1" smtClean="0">
+                              <a:effectLst/>
+                              <a:latin typeface="Cambria Math" panose="02040503050406030204" pitchFamily="18" charset="0"/>
+                              <a:ea typeface="Calibri" panose="020F0502020204030204" pitchFamily="34" charset="0"/>
+                              <a:cs typeface="Times New Roman" panose="02020603050405020304" pitchFamily="18" charset="0"/>
+                            </a:rPr>
+                          </m:ctrlPr>
+                        </m:sSubPr>
+                        <m:e>
+                          <m:r>
+                            <a:rPr lang="en-US" sz="1400" b="0" i="1" smtClean="0">
+                              <a:effectLst/>
+                              <a:latin typeface="Cambria Math" panose="02040503050406030204" pitchFamily="18" charset="0"/>
+                              <a:ea typeface="Calibri" panose="020F0502020204030204" pitchFamily="34" charset="0"/>
+                              <a:cs typeface="Times New Roman" panose="02020603050405020304" pitchFamily="18" charset="0"/>
+                            </a:rPr>
+                            <m:t>𝐾</m:t>
+                          </m:r>
+                        </m:e>
+                        <m:sub>
+                          <m:r>
+                            <a:rPr lang="en-US" sz="1400" b="0" i="1" smtClean="0">
+                              <a:effectLst/>
+                              <a:latin typeface="Cambria Math" panose="02040503050406030204" pitchFamily="18" charset="0"/>
+                              <a:ea typeface="Calibri" panose="020F0502020204030204" pitchFamily="34" charset="0"/>
+                              <a:cs typeface="Times New Roman" panose="02020603050405020304" pitchFamily="18" charset="0"/>
+                            </a:rPr>
+                            <m:t>𝑑</m:t>
+                          </m:r>
+                        </m:sub>
+                      </m:sSub>
+                      <m:r>
+                        <a:rPr lang="en-US" sz="1400" b="0" i="1" smtClean="0">
+                          <a:effectLst/>
+                          <a:latin typeface="Cambria Math" panose="02040503050406030204" pitchFamily="18" charset="0"/>
+                          <a:ea typeface="Calibri" panose="020F0502020204030204" pitchFamily="34" charset="0"/>
+                          <a:cs typeface="Times New Roman" panose="02020603050405020304" pitchFamily="18" charset="0"/>
+                        </a:rPr>
+                        <m:t>𝑠</m:t>
+                      </m:r>
+                    </m:oMath>
+                  </m:oMathPara>
+                </a14:m>
+                <a:endParaRPr lang="ru-RU" sz="1400" dirty="0">
+                  <a:effectLst/>
+                  <a:latin typeface="Times New Roman" panose="02020603050405020304" pitchFamily="18" charset="0"/>
+                  <a:ea typeface="Calibri" panose="020F0502020204030204" pitchFamily="34" charset="0"/>
+                  <a:cs typeface="Times New Roman" panose="02020603050405020304" pitchFamily="18" charset="0"/>
+                </a:endParaRPr>
+              </a:p>
+              <a:p>
+                <a:endParaRPr lang="ru-RU" sz="1400" dirty="0"/>
+              </a:p>
+            </p:txBody>
+          </p:sp>
+        </mc:Choice>
+        <mc:Fallback>
+          <p:sp>
+            <p:nvSpPr>
+              <p:cNvPr id="84" name="TextBox 83">
+                <a:extLst>
+                  <a:ext uri="{FF2B5EF4-FFF2-40B4-BE49-F238E27FC236}">
+                    <a16:creationId xmlns:a16="http://schemas.microsoft.com/office/drawing/2014/main" id="{2834D9ED-F013-4933-AC32-66CFA89EC634}"/>
+                  </a:ext>
+                </a:extLst>
+              </p:cNvPr>
+              <p:cNvSpPr txBox="1">
+                <a:spLocks noRot="1" noChangeAspect="1" noMove="1" noResize="1" noEditPoints="1" noAdjustHandles="1" noChangeArrowheads="1" noChangeShapeType="1" noTextEdit="1"/>
+              </p:cNvSpPr>
+              <p:nvPr/>
+            </p:nvSpPr>
+            <p:spPr>
+              <a:xfrm>
+                <a:off x="1775450" y="3069339"/>
+                <a:ext cx="445955" cy="447495"/>
+              </a:xfrm>
+              <a:prstGeom prst="rect">
+                <a:avLst/>
+              </a:prstGeom>
+              <a:blipFill>
+                <a:blip r:embed="rId22"/>
+                <a:stretch>
+                  <a:fillRect/>
+                </a:stretch>
+              </a:blipFill>
+            </p:spPr>
+            <p:txBody>
+              <a:bodyPr/>
+              <a:lstStyle/>
+              <a:p>
+                <a:r>
+                  <a:rPr lang="ru-RU">
+                    <a:noFill/>
+                  </a:rPr>
+                  <a:t> </a:t>
+                </a:r>
+              </a:p>
+            </p:txBody>
+          </p:sp>
+        </mc:Fallback>
+      </mc:AlternateContent>
+      <p:sp>
+        <p:nvSpPr>
+          <p:cNvPr id="85" name="Прямоугольник 84">
+            <a:extLst>
+              <a:ext uri="{FF2B5EF4-FFF2-40B4-BE49-F238E27FC236}">
+                <a16:creationId xmlns:a16="http://schemas.microsoft.com/office/drawing/2014/main" id="{C628AB43-024E-4891-8187-11837A008E88}"/>
+              </a:ext>
+            </a:extLst>
+          </p:cNvPr>
+          <p:cNvSpPr/>
+          <p:nvPr/>
+        </p:nvSpPr>
+        <p:spPr>
+          <a:xfrm>
+            <a:off x="1590137" y="2898010"/>
+            <a:ext cx="789830" cy="618824"/>
+          </a:xfrm>
+          <a:prstGeom prst="rect">
+            <a:avLst/>
+          </a:prstGeom>
+          <a:noFill/>
+          <a:ln>
+            <a:solidFill>
+              <a:schemeClr val="tx1"/>
+            </a:solidFill>
+          </a:ln>
+        </p:spPr>
+        <p:style>
+          <a:lnRef idx="2">
+            <a:schemeClr val="accent1">
+              <a:shade val="50000"/>
+            </a:schemeClr>
+          </a:lnRef>
+          <a:fillRef idx="1">
+            <a:schemeClr val="accent1"/>
+          </a:fillRef>
+          <a:effectRef idx="0">
+            <a:schemeClr val="accent1"/>
+          </a:effectRef>
+          <a:fontRef idx="minor">
+            <a:schemeClr val="lt1"/>
+          </a:fontRef>
+        </p:style>
+        <p:txBody>
+          <a:bodyPr rtlCol="0" anchor="ctr"/>
+          <a:lstStyle/>
+          <a:p>
+            <a:pPr algn="ctr"/>
+            <a:endParaRPr lang="ru-RU"/>
+          </a:p>
+        </p:txBody>
+      </p:sp>
+      <p:sp>
+        <p:nvSpPr>
+          <p:cNvPr id="86" name="Блок-схема: узел суммирования 85">
+            <a:extLst>
+              <a:ext uri="{FF2B5EF4-FFF2-40B4-BE49-F238E27FC236}">
+                <a16:creationId xmlns:a16="http://schemas.microsoft.com/office/drawing/2014/main" id="{D4FF3007-0B6D-4935-AE6B-EA94EC5D61DB}"/>
+              </a:ext>
+            </a:extLst>
+          </p:cNvPr>
+          <p:cNvSpPr/>
+          <p:nvPr/>
+        </p:nvSpPr>
+        <p:spPr>
+          <a:xfrm>
+            <a:off x="773697" y="2287307"/>
+            <a:ext cx="238539" cy="246908"/>
+          </a:xfrm>
+          <a:prstGeom prst="flowChartSummingJunction">
+            <a:avLst/>
+          </a:prstGeom>
+          <a:noFill/>
+          <a:ln w="6350">
+            <a:solidFill>
+              <a:schemeClr val="tx1"/>
+            </a:solidFill>
+          </a:ln>
+        </p:spPr>
+        <p:style>
+          <a:lnRef idx="2">
+            <a:schemeClr val="accent1">
+              <a:shade val="50000"/>
+            </a:schemeClr>
+          </a:lnRef>
+          <a:fillRef idx="1">
+            <a:schemeClr val="accent1"/>
+          </a:fillRef>
+          <a:effectRef idx="0">
+            <a:schemeClr val="accent1"/>
+          </a:effectRef>
+          <a:fontRef idx="minor">
+            <a:schemeClr val="lt1"/>
+          </a:fontRef>
+        </p:style>
+        <p:txBody>
+          <a:bodyPr rtlCol="0" anchor="ctr"/>
+          <a:lstStyle/>
+          <a:p>
+            <a:pPr algn="ctr"/>
+            <a:endParaRPr lang="ru-RU">
+              <a:noFill/>
+            </a:endParaRPr>
+          </a:p>
+        </p:txBody>
+      </p:sp>
+      <p:cxnSp>
+        <p:nvCxnSpPr>
+          <p:cNvPr id="95" name="Соединитель: уступ 94">
+            <a:extLst>
+              <a:ext uri="{FF2B5EF4-FFF2-40B4-BE49-F238E27FC236}">
+                <a16:creationId xmlns:a16="http://schemas.microsoft.com/office/drawing/2014/main" id="{C95855CB-BED4-4389-8FDF-33E0585FCFAB}"/>
+              </a:ext>
+            </a:extLst>
+          </p:cNvPr>
+          <p:cNvCxnSpPr>
+            <a:stCxn id="32" idx="1"/>
+          </p:cNvCxnSpPr>
+          <p:nvPr/>
+        </p:nvCxnSpPr>
+        <p:spPr>
+          <a:xfrm rot="10800000" flipV="1">
+            <a:off x="7511144" y="857187"/>
+            <a:ext cx="286193" cy="1421238"/>
+          </a:xfrm>
+          <a:prstGeom prst="bentConnector2">
+            <a:avLst/>
+          </a:prstGeom>
+          <a:ln>
+            <a:solidFill>
+              <a:schemeClr val="tx1"/>
+            </a:solidFill>
+            <a:tailEnd type="triangle"/>
+          </a:ln>
+        </p:spPr>
+        <p:style>
+          <a:lnRef idx="1">
+            <a:schemeClr val="accent1"/>
+          </a:lnRef>
+          <a:fillRef idx="0">
+            <a:schemeClr val="accent1"/>
+          </a:fillRef>
+          <a:effectRef idx="0">
+            <a:schemeClr val="accent1"/>
+          </a:effectRef>
+          <a:fontRef idx="minor">
+            <a:schemeClr val="tx1"/>
+          </a:fontRef>
+        </p:style>
+      </p:cxnSp>
+      <p:cxnSp>
+        <p:nvCxnSpPr>
+          <p:cNvPr id="97" name="Соединитель: уступ 96">
+            <a:extLst>
+              <a:ext uri="{FF2B5EF4-FFF2-40B4-BE49-F238E27FC236}">
+                <a16:creationId xmlns:a16="http://schemas.microsoft.com/office/drawing/2014/main" id="{5C5065A0-2FFE-45B6-B978-2E5FB34A3DDC}"/>
+              </a:ext>
+            </a:extLst>
+          </p:cNvPr>
+          <p:cNvCxnSpPr>
+            <a:endCxn id="76" idx="3"/>
+          </p:cNvCxnSpPr>
+          <p:nvPr/>
+        </p:nvCxnSpPr>
+        <p:spPr>
+          <a:xfrm rot="16200000" flipV="1">
+            <a:off x="9744629" y="1447287"/>
+            <a:ext cx="1562452" cy="382254"/>
+          </a:xfrm>
+          <a:prstGeom prst="bentConnector2">
+            <a:avLst/>
+          </a:prstGeom>
+          <a:ln>
+            <a:solidFill>
+              <a:schemeClr val="tx1"/>
+            </a:solidFill>
+            <a:tailEnd type="triangle"/>
+          </a:ln>
+        </p:spPr>
+        <p:style>
+          <a:lnRef idx="1">
+            <a:schemeClr val="accent1"/>
+          </a:lnRef>
+          <a:fillRef idx="0">
+            <a:schemeClr val="accent1"/>
+          </a:fillRef>
+          <a:effectRef idx="0">
+            <a:schemeClr val="accent1"/>
+          </a:effectRef>
+          <a:fontRef idx="minor">
+            <a:schemeClr val="tx1"/>
+          </a:fontRef>
+        </p:style>
+      </p:cxnSp>
+      <p:cxnSp>
+        <p:nvCxnSpPr>
+          <p:cNvPr id="103" name="Соединитель: уступ 102">
+            <a:extLst>
+              <a:ext uri="{FF2B5EF4-FFF2-40B4-BE49-F238E27FC236}">
+                <a16:creationId xmlns:a16="http://schemas.microsoft.com/office/drawing/2014/main" id="{F85B3F9B-27FB-4446-AF92-939BC2BF630D}"/>
+              </a:ext>
+            </a:extLst>
+          </p:cNvPr>
+          <p:cNvCxnSpPr>
+            <a:stCxn id="18" idx="3"/>
+            <a:endCxn id="45" idx="0"/>
+          </p:cNvCxnSpPr>
+          <p:nvPr/>
+        </p:nvCxnSpPr>
+        <p:spPr>
+          <a:xfrm flipH="1">
+            <a:off x="10219085" y="2401879"/>
+            <a:ext cx="313224" cy="1003409"/>
+          </a:xfrm>
+          <a:prstGeom prst="bentConnector4">
+            <a:avLst>
+              <a:gd name="adj1" fmla="val -119900"/>
+              <a:gd name="adj2" fmla="val 65541"/>
+            </a:avLst>
+          </a:prstGeom>
+          <a:ln>
+            <a:solidFill>
+              <a:schemeClr val="tx1"/>
+            </a:solidFill>
+            <a:tailEnd type="triangle"/>
+          </a:ln>
+        </p:spPr>
+        <p:style>
+          <a:lnRef idx="1">
+            <a:schemeClr val="accent1"/>
+          </a:lnRef>
+          <a:fillRef idx="0">
+            <a:schemeClr val="accent1"/>
+          </a:fillRef>
+          <a:effectRef idx="0">
+            <a:schemeClr val="accent1"/>
+          </a:effectRef>
+          <a:fontRef idx="minor">
+            <a:schemeClr val="tx1"/>
+          </a:fontRef>
+        </p:style>
+      </p:cxnSp>
+      <p:cxnSp>
+        <p:nvCxnSpPr>
+          <p:cNvPr id="113" name="Соединитель: уступ 112">
+            <a:extLst>
+              <a:ext uri="{FF2B5EF4-FFF2-40B4-BE49-F238E27FC236}">
+                <a16:creationId xmlns:a16="http://schemas.microsoft.com/office/drawing/2014/main" id="{4DAE3A08-FCF5-4417-B5D3-808B6DF7DA1E}"/>
+              </a:ext>
+            </a:extLst>
+          </p:cNvPr>
+          <p:cNvCxnSpPr>
+            <a:stCxn id="45" idx="2"/>
+            <a:endCxn id="86" idx="4"/>
+          </p:cNvCxnSpPr>
+          <p:nvPr/>
+        </p:nvCxnSpPr>
+        <p:spPr>
+          <a:xfrm rot="5400000" flipH="1">
+            <a:off x="4808609" y="-1381427"/>
+            <a:ext cx="1494834" cy="9326118"/>
+          </a:xfrm>
+          <a:prstGeom prst="bentConnector3">
+            <a:avLst>
+              <a:gd name="adj1" fmla="val -28401"/>
+            </a:avLst>
+          </a:prstGeom>
+          <a:ln>
+            <a:solidFill>
+              <a:schemeClr val="tx1"/>
+            </a:solidFill>
+            <a:tailEnd type="triangle"/>
+          </a:ln>
+        </p:spPr>
+        <p:style>
+          <a:lnRef idx="1">
+            <a:schemeClr val="accent1"/>
+          </a:lnRef>
+          <a:fillRef idx="0">
+            <a:schemeClr val="accent1"/>
+          </a:fillRef>
+          <a:effectRef idx="0">
+            <a:schemeClr val="accent1"/>
+          </a:effectRef>
+          <a:fontRef idx="minor">
+            <a:schemeClr val="tx1"/>
+          </a:fontRef>
+        </p:style>
+      </p:cxnSp>
+      <mc:AlternateContent xmlns:mc="http://schemas.openxmlformats.org/markup-compatibility/2006">
+        <mc:Choice xmlns:a14="http://schemas.microsoft.com/office/drawing/2010/main" Requires="a14">
+          <p:sp>
+            <p:nvSpPr>
+              <p:cNvPr id="115" name="TextBox 114">
+                <a:extLst>
+                  <a:ext uri="{FF2B5EF4-FFF2-40B4-BE49-F238E27FC236}">
+                    <a16:creationId xmlns:a16="http://schemas.microsoft.com/office/drawing/2014/main" id="{6F2B4D7A-8A99-43DD-A154-FD654A89017F}"/>
+                  </a:ext>
+                </a:extLst>
+              </p:cNvPr>
+              <p:cNvSpPr txBox="1"/>
+              <p:nvPr/>
+            </p:nvSpPr>
+            <p:spPr>
+              <a:xfrm>
+                <a:off x="742944" y="2493374"/>
+                <a:ext cx="652007" cy="430887"/>
+              </a:xfrm>
+              <a:prstGeom prst="rect">
+                <a:avLst/>
+              </a:prstGeom>
+              <a:noFill/>
+            </p:spPr>
+            <p:txBody>
+              <a:bodyPr wrap="square" lIns="0" tIns="0" rIns="0" bIns="0" rtlCol="0">
+                <a:spAutoFit/>
+              </a:bodyPr>
+              <a:lstStyle/>
+              <a:p>
+                <a:pPr/>
+                <a14:m>
+                  <m:oMathPara xmlns:m="http://schemas.openxmlformats.org/officeDocument/2006/math">
+                    <m:oMathParaPr>
+                      <m:jc m:val="centerGroup"/>
+                    </m:oMathParaPr>
+                    <m:oMath xmlns:m="http://schemas.openxmlformats.org/officeDocument/2006/math">
+                      <m:r>
+                        <a:rPr lang="ru-RU" sz="1400" b="0" i="1" smtClean="0">
+                          <a:effectLst/>
+                          <a:latin typeface="Cambria Math" panose="02040503050406030204" pitchFamily="18" charset="0"/>
+                          <a:ea typeface="Times New Roman" panose="02020603050405020304" pitchFamily="18" charset="0"/>
+                        </a:rPr>
+                        <m:t>−</m:t>
+                      </m:r>
+                    </m:oMath>
+                  </m:oMathPara>
+                </a14:m>
+                <a:endParaRPr lang="ru-RU" sz="1400" dirty="0">
+                  <a:effectLst/>
+                  <a:latin typeface="Times New Roman" panose="02020603050405020304" pitchFamily="18" charset="0"/>
+                  <a:ea typeface="Calibri" panose="020F0502020204030204" pitchFamily="34" charset="0"/>
+                  <a:cs typeface="Times New Roman" panose="02020603050405020304" pitchFamily="18" charset="0"/>
+                </a:endParaRPr>
+              </a:p>
+              <a:p>
+                <a:endParaRPr lang="ru-RU" sz="1400" dirty="0"/>
+              </a:p>
+            </p:txBody>
+          </p:sp>
+        </mc:Choice>
+        <mc:Fallback>
+          <p:sp>
+            <p:nvSpPr>
+              <p:cNvPr id="115" name="TextBox 114">
+                <a:extLst>
+                  <a:ext uri="{FF2B5EF4-FFF2-40B4-BE49-F238E27FC236}">
+                    <a16:creationId xmlns:a16="http://schemas.microsoft.com/office/drawing/2014/main" id="{6F2B4D7A-8A99-43DD-A154-FD654A89017F}"/>
+                  </a:ext>
+                </a:extLst>
+              </p:cNvPr>
+              <p:cNvSpPr txBox="1">
+                <a:spLocks noRot="1" noChangeAspect="1" noMove="1" noResize="1" noEditPoints="1" noAdjustHandles="1" noChangeArrowheads="1" noChangeShapeType="1" noTextEdit="1"/>
+              </p:cNvSpPr>
+              <p:nvPr/>
+            </p:nvSpPr>
+            <p:spPr>
+              <a:xfrm>
+                <a:off x="742944" y="2493374"/>
+                <a:ext cx="652007" cy="430887"/>
+              </a:xfrm>
+              <a:prstGeom prst="rect">
+                <a:avLst/>
+              </a:prstGeom>
+              <a:blipFill>
+                <a:blip r:embed="rId17"/>
+                <a:stretch>
+                  <a:fillRect/>
+                </a:stretch>
+              </a:blipFill>
+            </p:spPr>
+            <p:txBody>
+              <a:bodyPr/>
+              <a:lstStyle/>
+              <a:p>
+                <a:r>
+                  <a:rPr lang="ru-RU">
+                    <a:noFill/>
+                  </a:rPr>
+                  <a:t> </a:t>
+                </a:r>
+              </a:p>
+            </p:txBody>
+          </p:sp>
+        </mc:Fallback>
+      </mc:AlternateContent>
+      <p:sp>
+        <p:nvSpPr>
+          <p:cNvPr id="117" name="Блок-схема: узел суммирования 116">
+            <a:extLst>
+              <a:ext uri="{FF2B5EF4-FFF2-40B4-BE49-F238E27FC236}">
+                <a16:creationId xmlns:a16="http://schemas.microsoft.com/office/drawing/2014/main" id="{C095A549-7820-4616-9A9F-987F2BBEB664}"/>
+              </a:ext>
+            </a:extLst>
+          </p:cNvPr>
+          <p:cNvSpPr/>
+          <p:nvPr/>
+        </p:nvSpPr>
+        <p:spPr>
+          <a:xfrm>
+            <a:off x="2717914" y="2287307"/>
+            <a:ext cx="238539" cy="246908"/>
+          </a:xfrm>
+          <a:prstGeom prst="flowChartSummingJunction">
+            <a:avLst/>
+          </a:prstGeom>
+          <a:noFill/>
+          <a:ln w="6350">
+            <a:solidFill>
+              <a:schemeClr val="tx1"/>
+            </a:solidFill>
+          </a:ln>
+        </p:spPr>
+        <p:style>
+          <a:lnRef idx="2">
+            <a:schemeClr val="accent1">
+              <a:shade val="50000"/>
+            </a:schemeClr>
+          </a:lnRef>
+          <a:fillRef idx="1">
+            <a:schemeClr val="accent1"/>
+          </a:fillRef>
+          <a:effectRef idx="0">
+            <a:schemeClr val="accent1"/>
+          </a:effectRef>
+          <a:fontRef idx="minor">
+            <a:schemeClr val="lt1"/>
+          </a:fontRef>
+        </p:style>
+        <p:txBody>
+          <a:bodyPr rtlCol="0" anchor="ctr"/>
+          <a:lstStyle/>
+          <a:p>
+            <a:pPr algn="ctr"/>
+            <a:endParaRPr lang="ru-RU">
+              <a:noFill/>
+            </a:endParaRPr>
+          </a:p>
+        </p:txBody>
+      </p:sp>
+      <p:cxnSp>
+        <p:nvCxnSpPr>
+          <p:cNvPr id="119" name="Соединитель: уступ 118">
+            <a:extLst>
+              <a:ext uri="{FF2B5EF4-FFF2-40B4-BE49-F238E27FC236}">
+                <a16:creationId xmlns:a16="http://schemas.microsoft.com/office/drawing/2014/main" id="{97318D5F-174A-42A7-9AE0-78E15387A7F4}"/>
+              </a:ext>
+            </a:extLst>
+          </p:cNvPr>
+          <p:cNvCxnSpPr>
+            <a:stCxn id="81" idx="3"/>
+            <a:endCxn id="117" idx="0"/>
+          </p:cNvCxnSpPr>
+          <p:nvPr/>
+        </p:nvCxnSpPr>
+        <p:spPr>
+          <a:xfrm>
+            <a:off x="2379967" y="1582131"/>
+            <a:ext cx="457217" cy="705176"/>
+          </a:xfrm>
+          <a:prstGeom prst="bentConnector2">
+            <a:avLst/>
+          </a:prstGeom>
+          <a:ln>
+            <a:solidFill>
+              <a:schemeClr val="tx1"/>
+            </a:solidFill>
+            <a:tailEnd type="triangle"/>
+          </a:ln>
+        </p:spPr>
+        <p:style>
+          <a:lnRef idx="1">
+            <a:schemeClr val="accent1"/>
+          </a:lnRef>
+          <a:fillRef idx="0">
+            <a:schemeClr val="accent1"/>
+          </a:fillRef>
+          <a:effectRef idx="0">
+            <a:schemeClr val="accent1"/>
+          </a:effectRef>
+          <a:fontRef idx="minor">
+            <a:schemeClr val="tx1"/>
+          </a:fontRef>
+        </p:style>
+      </p:cxnSp>
+      <p:cxnSp>
+        <p:nvCxnSpPr>
+          <p:cNvPr id="121" name="Соединитель: уступ 120">
+            <a:extLst>
+              <a:ext uri="{FF2B5EF4-FFF2-40B4-BE49-F238E27FC236}">
+                <a16:creationId xmlns:a16="http://schemas.microsoft.com/office/drawing/2014/main" id="{56BA759B-8A91-4063-8964-2239BD3F15EA}"/>
+              </a:ext>
+            </a:extLst>
+          </p:cNvPr>
+          <p:cNvCxnSpPr>
+            <a:stCxn id="85" idx="3"/>
+            <a:endCxn id="117" idx="4"/>
+          </p:cNvCxnSpPr>
+          <p:nvPr/>
+        </p:nvCxnSpPr>
+        <p:spPr>
+          <a:xfrm flipV="1">
+            <a:off x="2379967" y="2534215"/>
+            <a:ext cx="457217" cy="673207"/>
+          </a:xfrm>
+          <a:prstGeom prst="bentConnector2">
+            <a:avLst/>
+          </a:prstGeom>
+          <a:ln>
+            <a:solidFill>
+              <a:schemeClr val="tx1"/>
+            </a:solidFill>
+            <a:tailEnd type="triangle"/>
+          </a:ln>
+        </p:spPr>
+        <p:style>
+          <a:lnRef idx="1">
+            <a:schemeClr val="accent1"/>
+          </a:lnRef>
+          <a:fillRef idx="0">
+            <a:schemeClr val="accent1"/>
+          </a:fillRef>
+          <a:effectRef idx="0">
+            <a:schemeClr val="accent1"/>
+          </a:effectRef>
+          <a:fontRef idx="minor">
+            <a:schemeClr val="tx1"/>
+          </a:fontRef>
+        </p:style>
+      </p:cxnSp>
+      <p:cxnSp>
+        <p:nvCxnSpPr>
+          <p:cNvPr id="123" name="Соединитель: уступ 122">
+            <a:extLst>
+              <a:ext uri="{FF2B5EF4-FFF2-40B4-BE49-F238E27FC236}">
+                <a16:creationId xmlns:a16="http://schemas.microsoft.com/office/drawing/2014/main" id="{F2AEC554-BCB6-4F9A-A4E3-DB8D427CF22A}"/>
+              </a:ext>
+            </a:extLst>
+          </p:cNvPr>
+          <p:cNvCxnSpPr>
+            <a:stCxn id="83" idx="3"/>
+            <a:endCxn id="117" idx="2"/>
+          </p:cNvCxnSpPr>
+          <p:nvPr/>
+        </p:nvCxnSpPr>
+        <p:spPr>
+          <a:xfrm flipV="1">
+            <a:off x="2379967" y="2410761"/>
+            <a:ext cx="337947" cy="6508"/>
+          </a:xfrm>
+          <a:prstGeom prst="bentConnector3">
+            <a:avLst/>
+          </a:prstGeom>
+          <a:ln>
+            <a:solidFill>
+              <a:schemeClr val="tx1"/>
+            </a:solidFill>
+            <a:tailEnd type="triangle"/>
+          </a:ln>
+        </p:spPr>
+        <p:style>
+          <a:lnRef idx="1">
+            <a:schemeClr val="accent1"/>
+          </a:lnRef>
+          <a:fillRef idx="0">
+            <a:schemeClr val="accent1"/>
+          </a:fillRef>
+          <a:effectRef idx="0">
+            <a:schemeClr val="accent1"/>
+          </a:effectRef>
+          <a:fontRef idx="minor">
+            <a:schemeClr val="tx1"/>
+          </a:fontRef>
+        </p:style>
+      </p:cxnSp>
+      <p:cxnSp>
+        <p:nvCxnSpPr>
+          <p:cNvPr id="128" name="Соединитель: уступ 127">
+            <a:extLst>
+              <a:ext uri="{FF2B5EF4-FFF2-40B4-BE49-F238E27FC236}">
+                <a16:creationId xmlns:a16="http://schemas.microsoft.com/office/drawing/2014/main" id="{2CF0051F-9AC1-4615-B5CB-F3170C041025}"/>
+              </a:ext>
+            </a:extLst>
+          </p:cNvPr>
+          <p:cNvCxnSpPr>
+            <a:stCxn id="86" idx="6"/>
+            <a:endCxn id="83" idx="1"/>
+          </p:cNvCxnSpPr>
+          <p:nvPr/>
+        </p:nvCxnSpPr>
+        <p:spPr>
+          <a:xfrm>
+            <a:off x="1012236" y="2410761"/>
+            <a:ext cx="577901" cy="6508"/>
+          </a:xfrm>
+          <a:prstGeom prst="bentConnector3">
+            <a:avLst/>
+          </a:prstGeom>
+          <a:ln>
+            <a:solidFill>
+              <a:schemeClr val="tx1"/>
+            </a:solidFill>
+            <a:tailEnd type="triangle"/>
+          </a:ln>
+        </p:spPr>
+        <p:style>
+          <a:lnRef idx="1">
+            <a:schemeClr val="accent1"/>
+          </a:lnRef>
+          <a:fillRef idx="0">
+            <a:schemeClr val="accent1"/>
+          </a:fillRef>
+          <a:effectRef idx="0">
+            <a:schemeClr val="accent1"/>
+          </a:effectRef>
+          <a:fontRef idx="minor">
+            <a:schemeClr val="tx1"/>
+          </a:fontRef>
+        </p:style>
+      </p:cxnSp>
+      <p:cxnSp>
+        <p:nvCxnSpPr>
+          <p:cNvPr id="130" name="Прямая со стрелкой 129">
+            <a:extLst>
+              <a:ext uri="{FF2B5EF4-FFF2-40B4-BE49-F238E27FC236}">
+                <a16:creationId xmlns:a16="http://schemas.microsoft.com/office/drawing/2014/main" id="{A5701933-75C7-4440-9B74-19053966C8C1}"/>
+              </a:ext>
+            </a:extLst>
+          </p:cNvPr>
+          <p:cNvCxnSpPr/>
+          <p:nvPr/>
+        </p:nvCxnSpPr>
+        <p:spPr>
+          <a:xfrm>
+            <a:off x="257445" y="2410761"/>
+            <a:ext cx="516252" cy="0"/>
+          </a:xfrm>
+          <a:prstGeom prst="straightConnector1">
+            <a:avLst/>
+          </a:prstGeom>
+          <a:ln>
+            <a:solidFill>
+              <a:schemeClr val="tx1"/>
+            </a:solidFill>
+            <a:tailEnd type="triangle"/>
+          </a:ln>
+        </p:spPr>
+        <p:style>
+          <a:lnRef idx="1">
+            <a:schemeClr val="accent1"/>
+          </a:lnRef>
+          <a:fillRef idx="0">
+            <a:schemeClr val="accent1"/>
+          </a:fillRef>
+          <a:effectRef idx="0">
+            <a:schemeClr val="accent1"/>
+          </a:effectRef>
+          <a:fontRef idx="minor">
+            <a:schemeClr val="tx1"/>
+          </a:fontRef>
+        </p:style>
+      </p:cxnSp>
+      <p:cxnSp>
+        <p:nvCxnSpPr>
+          <p:cNvPr id="132" name="Соединитель: уступ 131">
+            <a:extLst>
+              <a:ext uri="{FF2B5EF4-FFF2-40B4-BE49-F238E27FC236}">
+                <a16:creationId xmlns:a16="http://schemas.microsoft.com/office/drawing/2014/main" id="{74C6B836-8C0C-468B-B97E-9D0751F47EED}"/>
+              </a:ext>
+            </a:extLst>
+          </p:cNvPr>
+          <p:cNvCxnSpPr>
+            <a:cxnSpLocks/>
+            <a:endCxn id="81" idx="1"/>
+          </p:cNvCxnSpPr>
+          <p:nvPr/>
+        </p:nvCxnSpPr>
+        <p:spPr>
+          <a:xfrm rot="5400000" flipH="1" flipV="1">
+            <a:off x="1040425" y="1852165"/>
+            <a:ext cx="819746" cy="279678"/>
+          </a:xfrm>
+          <a:prstGeom prst="bentConnector2">
+            <a:avLst/>
+          </a:prstGeom>
+          <a:ln>
+            <a:tailEnd type="triangle"/>
+          </a:ln>
+        </p:spPr>
+        <p:style>
+          <a:lnRef idx="1">
+            <a:schemeClr val="dk1"/>
+          </a:lnRef>
+          <a:fillRef idx="0">
+            <a:schemeClr val="dk1"/>
+          </a:fillRef>
+          <a:effectRef idx="0">
+            <a:schemeClr val="dk1"/>
+          </a:effectRef>
+          <a:fontRef idx="minor">
+            <a:schemeClr val="tx1"/>
+          </a:fontRef>
+        </p:style>
+      </p:cxnSp>
+      <p:cxnSp>
+        <p:nvCxnSpPr>
+          <p:cNvPr id="134" name="Соединитель: уступ 133">
+            <a:extLst>
+              <a:ext uri="{FF2B5EF4-FFF2-40B4-BE49-F238E27FC236}">
+                <a16:creationId xmlns:a16="http://schemas.microsoft.com/office/drawing/2014/main" id="{5302BA60-8113-450D-BE78-5250729D0817}"/>
+              </a:ext>
+            </a:extLst>
+          </p:cNvPr>
+          <p:cNvCxnSpPr>
+            <a:endCxn id="85" idx="1"/>
+          </p:cNvCxnSpPr>
+          <p:nvPr/>
+        </p:nvCxnSpPr>
+        <p:spPr>
+          <a:xfrm rot="16200000" flipH="1">
+            <a:off x="1041976" y="2659261"/>
+            <a:ext cx="805544" cy="290778"/>
+          </a:xfrm>
+          <a:prstGeom prst="bentConnector2">
+            <a:avLst/>
+          </a:prstGeom>
+          <a:ln>
+            <a:tailEnd type="triangle"/>
+          </a:ln>
+        </p:spPr>
+        <p:style>
+          <a:lnRef idx="1">
+            <a:schemeClr val="dk1"/>
+          </a:lnRef>
+          <a:fillRef idx="0">
+            <a:schemeClr val="dk1"/>
+          </a:fillRef>
+          <a:effectRef idx="0">
+            <a:schemeClr val="dk1"/>
+          </a:effectRef>
+          <a:fontRef idx="minor">
+            <a:schemeClr val="tx1"/>
+          </a:fontRef>
+        </p:style>
+      </p:cxnSp>
+    </p:spTree>
+    <p:extLst>
+      <p:ext uri="{BB962C8B-B14F-4D97-AF65-F5344CB8AC3E}">
+        <p14:creationId xmlns:p14="http://schemas.microsoft.com/office/powerpoint/2010/main" val="3671380643"/>
+      </p:ext>
+    </p:extLst>
+  </p:cSld>
+  <p:clrMapOvr>
+    <a:masterClrMapping/>
+  </p:clrMapOvr>
+</p:sld>
+</file>
+
 <file path=ppt/theme/theme1.xml><?xml version="1.0" encoding="utf-8"?>
 <a:theme xmlns:a="http://schemas.openxmlformats.org/drawingml/2006/main" name="Тема Office">
   <a:themeElements>

--- a/txt/schemes.pptx
+++ b/txt/schemes.pptx
@@ -16,6 +16,24 @@
     <p:sldId id="264" r:id="rId10"/>
     <p:sldId id="265" r:id="rId11"/>
     <p:sldId id="266" r:id="rId12"/>
+    <p:sldId id="267" r:id="rId13"/>
+    <p:sldId id="278" r:id="rId14"/>
+    <p:sldId id="268" r:id="rId15"/>
+    <p:sldId id="269" r:id="rId16"/>
+    <p:sldId id="270" r:id="rId17"/>
+    <p:sldId id="271" r:id="rId18"/>
+    <p:sldId id="272" r:id="rId19"/>
+    <p:sldId id="273" r:id="rId20"/>
+    <p:sldId id="274" r:id="rId21"/>
+    <p:sldId id="275" r:id="rId22"/>
+    <p:sldId id="276" r:id="rId23"/>
+    <p:sldId id="277" r:id="rId24"/>
+    <p:sldId id="279" r:id="rId25"/>
+    <p:sldId id="280" r:id="rId26"/>
+    <p:sldId id="281" r:id="rId27"/>
+    <p:sldId id="282" r:id="rId28"/>
+    <p:sldId id="283" r:id="rId29"/>
+    <p:sldId id="284" r:id="rId30"/>
   </p:sldIdLst>
   <p:sldSz cx="16200438" cy="7199313"/>
   <p:notesSz cx="6858000" cy="9144000"/>
@@ -127,7 +145,7 @@
   <pc:docChgLst>
     <pc:chgData name="Otto Schefer" userId="fd5a25951ba882f8" providerId="LiveId" clId="{01312597-0B54-46BE-906A-F240F5E61C87}"/>
     <pc:docChg chg="undo custSel addSld delSld modSld">
-      <pc:chgData name="Otto Schefer" userId="fd5a25951ba882f8" providerId="LiveId" clId="{01312597-0B54-46BE-906A-F240F5E61C87}" dt="2021-05-30T18:06:58.117" v="998" actId="1076"/>
+      <pc:chgData name="Otto Schefer" userId="fd5a25951ba882f8" providerId="LiveId" clId="{01312597-0B54-46BE-906A-F240F5E61C87}" dt="2021-06-08T00:25:49.173" v="2342" actId="1076"/>
       <pc:docMkLst>
         <pc:docMk/>
       </pc:docMkLst>
@@ -1449,7 +1467,7 @@
         </pc:cxnChg>
       </pc:sldChg>
       <pc:sldChg chg="addSp delSp modSp new mod">
-        <pc:chgData name="Otto Schefer" userId="fd5a25951ba882f8" providerId="LiveId" clId="{01312597-0B54-46BE-906A-F240F5E61C87}" dt="2021-05-22T20:55:28.785" v="459" actId="571"/>
+        <pc:chgData name="Otto Schefer" userId="fd5a25951ba882f8" providerId="LiveId" clId="{01312597-0B54-46BE-906A-F240F5E61C87}" dt="2021-05-31T19:46:17.996" v="1024" actId="478"/>
         <pc:sldMkLst>
           <pc:docMk/>
           <pc:sldMk cId="3605550184" sldId="259"/>
@@ -1487,7 +1505,7 @@
           </ac:spMkLst>
         </pc:spChg>
         <pc:spChg chg="add mod">
-          <ac:chgData name="Otto Schefer" userId="fd5a25951ba882f8" providerId="LiveId" clId="{01312597-0B54-46BE-906A-F240F5E61C87}" dt="2021-05-19T21:33:25.223" v="206"/>
+          <ac:chgData name="Otto Schefer" userId="fd5a25951ba882f8" providerId="LiveId" clId="{01312597-0B54-46BE-906A-F240F5E61C87}" dt="2021-05-31T19:44:17.873" v="1014" actId="20577"/>
           <ac:spMkLst>
             <pc:docMk/>
             <pc:sldMk cId="3605550184" sldId="259"/>
@@ -1598,16 +1616,16 @@
             <ac:spMk id="26" creationId="{7D5488EA-614C-49DD-BD6B-1038F5DE7C10}"/>
           </ac:spMkLst>
         </pc:spChg>
-        <pc:spChg chg="add mod">
-          <ac:chgData name="Otto Schefer" userId="fd5a25951ba882f8" providerId="LiveId" clId="{01312597-0B54-46BE-906A-F240F5E61C87}" dt="2021-05-19T21:39:36.475" v="278" actId="1076"/>
+        <pc:spChg chg="add del mod">
+          <ac:chgData name="Otto Schefer" userId="fd5a25951ba882f8" providerId="LiveId" clId="{01312597-0B54-46BE-906A-F240F5E61C87}" dt="2021-05-31T19:46:14.700" v="1022" actId="478"/>
           <ac:spMkLst>
             <pc:docMk/>
             <pc:sldMk cId="3605550184" sldId="259"/>
             <ac:spMk id="27" creationId="{150A76DB-243A-44A8-9C7E-7CCBFDD84347}"/>
           </ac:spMkLst>
         </pc:spChg>
-        <pc:spChg chg="add mod">
-          <ac:chgData name="Otto Schefer" userId="fd5a25951ba882f8" providerId="LiveId" clId="{01312597-0B54-46BE-906A-F240F5E61C87}" dt="2021-05-19T21:39:36.475" v="278" actId="1076"/>
+        <pc:spChg chg="add del mod">
+          <ac:chgData name="Otto Schefer" userId="fd5a25951ba882f8" providerId="LiveId" clId="{01312597-0B54-46BE-906A-F240F5E61C87}" dt="2021-05-31T19:46:14.012" v="1021" actId="478"/>
           <ac:spMkLst>
             <pc:docMk/>
             <pc:sldMk cId="3605550184" sldId="259"/>
@@ -1678,16 +1696,16 @@
             <ac:spMk id="39" creationId="{CDC93DE5-8044-4AD6-89E8-542D58ACBF1E}"/>
           </ac:spMkLst>
         </pc:spChg>
-        <pc:spChg chg="add mod">
-          <ac:chgData name="Otto Schefer" userId="fd5a25951ba882f8" providerId="LiveId" clId="{01312597-0B54-46BE-906A-F240F5E61C87}" dt="2021-05-19T21:39:36.475" v="278" actId="1076"/>
+        <pc:spChg chg="add del mod">
+          <ac:chgData name="Otto Schefer" userId="fd5a25951ba882f8" providerId="LiveId" clId="{01312597-0B54-46BE-906A-F240F5E61C87}" dt="2021-05-31T19:46:12.733" v="1020" actId="478"/>
           <ac:spMkLst>
             <pc:docMk/>
             <pc:sldMk cId="3605550184" sldId="259"/>
             <ac:spMk id="40" creationId="{3CE6252C-D8B6-423C-92AC-67DAA8146978}"/>
           </ac:spMkLst>
         </pc:spChg>
-        <pc:spChg chg="add mod">
-          <ac:chgData name="Otto Schefer" userId="fd5a25951ba882f8" providerId="LiveId" clId="{01312597-0B54-46BE-906A-F240F5E61C87}" dt="2021-05-19T21:39:36.475" v="278" actId="1076"/>
+        <pc:spChg chg="add del mod">
+          <ac:chgData name="Otto Schefer" userId="fd5a25951ba882f8" providerId="LiveId" clId="{01312597-0B54-46BE-906A-F240F5E61C87}" dt="2021-05-31T19:46:10.482" v="1017" actId="478"/>
           <ac:spMkLst>
             <pc:docMk/>
             <pc:sldMk cId="3605550184" sldId="259"/>
@@ -1726,8 +1744,8 @@
             <ac:spMk id="50" creationId="{547697BB-46BA-471A-BFAC-EAB1D8BDD6F0}"/>
           </ac:spMkLst>
         </pc:spChg>
-        <pc:spChg chg="add mod">
-          <ac:chgData name="Otto Schefer" userId="fd5a25951ba882f8" providerId="LiveId" clId="{01312597-0B54-46BE-906A-F240F5E61C87}" dt="2021-05-19T21:41:04.084" v="292" actId="1076"/>
+        <pc:spChg chg="add del mod">
+          <ac:chgData name="Otto Schefer" userId="fd5a25951ba882f8" providerId="LiveId" clId="{01312597-0B54-46BE-906A-F240F5E61C87}" dt="2021-05-31T19:46:17.996" v="1024" actId="478"/>
           <ac:spMkLst>
             <pc:docMk/>
             <pc:sldMk cId="3605550184" sldId="259"/>
@@ -1870,8 +1888,8 @@
             <ac:cxnSpMk id="42" creationId="{BCDD8035-891E-4826-A94E-A10CF1C321B6}"/>
           </ac:cxnSpMkLst>
         </pc:cxnChg>
-        <pc:cxnChg chg="add mod">
-          <ac:chgData name="Otto Schefer" userId="fd5a25951ba882f8" providerId="LiveId" clId="{01312597-0B54-46BE-906A-F240F5E61C87}" dt="2021-05-19T21:39:36.475" v="278" actId="1076"/>
+        <pc:cxnChg chg="add del mod">
+          <ac:chgData name="Otto Schefer" userId="fd5a25951ba882f8" providerId="LiveId" clId="{01312597-0B54-46BE-906A-F240F5E61C87}" dt="2021-05-31T19:46:09.089" v="1015" actId="478"/>
           <ac:cxnSpMkLst>
             <pc:docMk/>
             <pc:sldMk cId="3605550184" sldId="259"/>
@@ -2022,8 +2040,8 @@
             <ac:cxnSpMk id="91" creationId="{90CB1C05-2508-4CA4-8294-561857F92EAE}"/>
           </ac:cxnSpMkLst>
         </pc:cxnChg>
-        <pc:cxnChg chg="add mod">
-          <ac:chgData name="Otto Schefer" userId="fd5a25951ba882f8" providerId="LiveId" clId="{01312597-0B54-46BE-906A-F240F5E61C87}" dt="2021-05-19T21:41:35.150" v="295" actId="208"/>
+        <pc:cxnChg chg="add del mod">
+          <ac:chgData name="Otto Schefer" userId="fd5a25951ba882f8" providerId="LiveId" clId="{01312597-0B54-46BE-906A-F240F5E61C87}" dt="2021-05-31T19:46:11.436" v="1018" actId="478"/>
           <ac:cxnSpMkLst>
             <pc:docMk/>
             <pc:sldMk cId="3605550184" sldId="259"/>
@@ -2981,11 +2999,19 @@
         </pc:cxnChg>
       </pc:sldChg>
       <pc:sldChg chg="addSp delSp modSp new mod">
-        <pc:chgData name="Otto Schefer" userId="fd5a25951ba882f8" providerId="LiveId" clId="{01312597-0B54-46BE-906A-F240F5E61C87}" dt="2021-05-29T12:18:15.197" v="757" actId="13822"/>
+        <pc:chgData name="Otto Schefer" userId="fd5a25951ba882f8" providerId="LiveId" clId="{01312597-0B54-46BE-906A-F240F5E61C87}" dt="2021-05-31T19:41:19.645" v="1012" actId="1076"/>
         <pc:sldMkLst>
           <pc:docMk/>
           <pc:sldMk cId="3671380643" sldId="262"/>
         </pc:sldMkLst>
+        <pc:spChg chg="add mod">
+          <ac:chgData name="Otto Schefer" userId="fd5a25951ba882f8" providerId="LiveId" clId="{01312597-0B54-46BE-906A-F240F5E61C87}" dt="2021-05-31T19:41:19.645" v="1012" actId="1076"/>
+          <ac:spMkLst>
+            <pc:docMk/>
+            <pc:sldMk cId="3671380643" sldId="262"/>
+            <ac:spMk id="2" creationId="{1B73C6E9-5357-48F7-97D3-2E1B18152A24}"/>
+          </ac:spMkLst>
+        </pc:spChg>
         <pc:spChg chg="del">
           <ac:chgData name="Otto Schefer" userId="fd5a25951ba882f8" providerId="LiveId" clId="{01312597-0B54-46BE-906A-F240F5E61C87}" dt="2021-05-28T22:59:49.157" v="517" actId="478"/>
           <ac:spMkLst>
@@ -3019,7 +3045,7 @@
           </ac:spMkLst>
         </pc:spChg>
         <pc:spChg chg="add mod">
-          <ac:chgData name="Otto Schefer" userId="fd5a25951ba882f8" providerId="LiveId" clId="{01312597-0B54-46BE-906A-F240F5E61C87}" dt="2021-05-29T12:15:37.365" v="727" actId="1076"/>
+          <ac:chgData name="Otto Schefer" userId="fd5a25951ba882f8" providerId="LiveId" clId="{01312597-0B54-46BE-906A-F240F5E61C87}" dt="2021-05-31T17:09:44.136" v="1000" actId="20577"/>
           <ac:spMkLst>
             <pc:docMk/>
             <pc:sldMk cId="3671380643" sldId="262"/>
@@ -3900,7 +3926,7 @@
         </pc:cxnChg>
       </pc:sldChg>
       <pc:sldChg chg="addSp delSp modSp new mod">
-        <pc:chgData name="Otto Schefer" userId="fd5a25951ba882f8" providerId="LiveId" clId="{01312597-0B54-46BE-906A-F240F5E61C87}" dt="2021-05-29T15:55:41.845" v="870" actId="1076"/>
+        <pc:chgData name="Otto Schefer" userId="fd5a25951ba882f8" providerId="LiveId" clId="{01312597-0B54-46BE-906A-F240F5E61C87}" dt="2021-06-08T00:25:49.173" v="2342" actId="1076"/>
         <pc:sldMkLst>
           <pc:docMk/>
           <pc:sldMk cId="2994267408" sldId="263"/>
@@ -3913,6 +3939,14 @@
             <ac:spMk id="2" creationId="{80874562-CB8B-441D-A9B8-5A3C61F04581}"/>
           </ac:spMkLst>
         </pc:spChg>
+        <pc:spChg chg="add mod">
+          <ac:chgData name="Otto Schefer" userId="fd5a25951ba882f8" providerId="LiveId" clId="{01312597-0B54-46BE-906A-F240F5E61C87}" dt="2021-06-01T18:14:53.752" v="1134" actId="208"/>
+          <ac:spMkLst>
+            <pc:docMk/>
+            <pc:sldMk cId="2994267408" sldId="263"/>
+            <ac:spMk id="2" creationId="{E7445669-B6E1-47DC-8F6C-5094EDD23E61}"/>
+          </ac:spMkLst>
+        </pc:spChg>
         <pc:spChg chg="del">
           <ac:chgData name="Otto Schefer" userId="fd5a25951ba882f8" providerId="LiveId" clId="{01312597-0B54-46BE-906A-F240F5E61C87}" dt="2021-05-29T12:01:22.183" v="602" actId="478"/>
           <ac:spMkLst>
@@ -3945,6 +3979,14 @@
             <ac:spMk id="6" creationId="{174126B0-521B-4D4C-80BF-98B80E2BDA0B}"/>
           </ac:spMkLst>
         </pc:spChg>
+        <pc:spChg chg="add mod">
+          <ac:chgData name="Otto Schefer" userId="fd5a25951ba882f8" providerId="LiveId" clId="{01312597-0B54-46BE-906A-F240F5E61C87}" dt="2021-06-08T00:24:09.093" v="2316" actId="1076"/>
+          <ac:spMkLst>
+            <pc:docMk/>
+            <pc:sldMk cId="2994267408" sldId="263"/>
+            <ac:spMk id="6" creationId="{5F390191-F32D-4D86-BB8A-5371215698EE}"/>
+          </ac:spMkLst>
+        </pc:spChg>
         <pc:spChg chg="add del mod">
           <ac:chgData name="Otto Schefer" userId="fd5a25951ba882f8" providerId="LiveId" clId="{01312597-0B54-46BE-906A-F240F5E61C87}" dt="2021-05-29T12:01:36.197" v="605" actId="478"/>
           <ac:spMkLst>
@@ -3954,7 +3996,7 @@
           </ac:spMkLst>
         </pc:spChg>
         <pc:spChg chg="add mod">
-          <ac:chgData name="Otto Schefer" userId="fd5a25951ba882f8" providerId="LiveId" clId="{01312597-0B54-46BE-906A-F240F5E61C87}" dt="2021-05-29T15:44:17.860" v="810" actId="164"/>
+          <ac:chgData name="Otto Schefer" userId="fd5a25951ba882f8" providerId="LiveId" clId="{01312597-0B54-46BE-906A-F240F5E61C87}" dt="2021-06-01T18:12:00.011" v="1123" actId="571"/>
           <ac:spMkLst>
             <pc:docMk/>
             <pc:sldMk cId="2994267408" sldId="263"/>
@@ -3994,6 +4036,14 @@
           </ac:spMkLst>
         </pc:spChg>
         <pc:spChg chg="add mod">
+          <ac:chgData name="Otto Schefer" userId="fd5a25951ba882f8" providerId="LiveId" clId="{01312597-0B54-46BE-906A-F240F5E61C87}" dt="2021-06-08T00:23:39.516" v="2308" actId="1076"/>
+          <ac:spMkLst>
+            <pc:docMk/>
+            <pc:sldMk cId="2994267408" sldId="263"/>
+            <ac:spMk id="16" creationId="{61EB13C3-C7BA-4B30-ACFC-899A947E2EF4}"/>
+          </ac:spMkLst>
+        </pc:spChg>
+        <pc:spChg chg="add mod">
           <ac:chgData name="Otto Schefer" userId="fd5a25951ba882f8" providerId="LiveId" clId="{01312597-0B54-46BE-906A-F240F5E61C87}" dt="2021-05-29T15:55:37.159" v="869" actId="164"/>
           <ac:spMkLst>
             <pc:docMk/>
@@ -4010,7 +4060,7 @@
           </ac:spMkLst>
         </pc:spChg>
         <pc:spChg chg="add mod">
-          <ac:chgData name="Otto Schefer" userId="fd5a25951ba882f8" providerId="LiveId" clId="{01312597-0B54-46BE-906A-F240F5E61C87}" dt="2021-05-29T15:44:17.860" v="810" actId="164"/>
+          <ac:chgData name="Otto Schefer" userId="fd5a25951ba882f8" providerId="LiveId" clId="{01312597-0B54-46BE-906A-F240F5E61C87}" dt="2021-06-01T18:12:00.011" v="1123" actId="571"/>
           <ac:spMkLst>
             <pc:docMk/>
             <pc:sldMk cId="2994267408" sldId="263"/>
@@ -4073,8 +4123,80 @@
             <ac:spMk id="66" creationId="{C79FB47C-B369-4827-8CB6-48A0280442A8}"/>
           </ac:spMkLst>
         </pc:spChg>
+        <pc:spChg chg="add mod">
+          <ac:chgData name="Otto Schefer" userId="fd5a25951ba882f8" providerId="LiveId" clId="{01312597-0B54-46BE-906A-F240F5E61C87}" dt="2021-06-01T18:14:53.752" v="1134" actId="208"/>
+          <ac:spMkLst>
+            <pc:docMk/>
+            <pc:sldMk cId="2994267408" sldId="263"/>
+            <ac:spMk id="71" creationId="{B93E5CEE-F30C-473A-9B15-8B93DF3B08DC}"/>
+          </ac:spMkLst>
+        </pc:spChg>
+        <pc:spChg chg="add mod">
+          <ac:chgData name="Otto Schefer" userId="fd5a25951ba882f8" providerId="LiveId" clId="{01312597-0B54-46BE-906A-F240F5E61C87}" dt="2021-06-01T18:15:52.799" v="1151" actId="1076"/>
+          <ac:spMkLst>
+            <pc:docMk/>
+            <pc:sldMk cId="2994267408" sldId="263"/>
+            <ac:spMk id="72" creationId="{DD5F6157-001E-432F-AB42-9EAF81CB3D3A}"/>
+          </ac:spMkLst>
+        </pc:spChg>
+        <pc:spChg chg="add mod">
+          <ac:chgData name="Otto Schefer" userId="fd5a25951ba882f8" providerId="LiveId" clId="{01312597-0B54-46BE-906A-F240F5E61C87}" dt="2021-06-08T00:23:55.352" v="2313" actId="1035"/>
+          <ac:spMkLst>
+            <pc:docMk/>
+            <pc:sldMk cId="2994267408" sldId="263"/>
+            <ac:spMk id="73" creationId="{D49F7759-FC93-47E5-BA5C-33008978AD52}"/>
+          </ac:spMkLst>
+        </pc:spChg>
+        <pc:spChg chg="add mod">
+          <ac:chgData name="Otto Schefer" userId="fd5a25951ba882f8" providerId="LiveId" clId="{01312597-0B54-46BE-906A-F240F5E61C87}" dt="2021-06-08T00:23:45.748" v="2310" actId="571"/>
+          <ac:spMkLst>
+            <pc:docMk/>
+            <pc:sldMk cId="2994267408" sldId="263"/>
+            <ac:spMk id="74" creationId="{35CBDB65-40DB-4EF5-A5DD-C02A5CE37D04}"/>
+          </ac:spMkLst>
+        </pc:spChg>
+        <pc:spChg chg="add mod">
+          <ac:chgData name="Otto Schefer" userId="fd5a25951ba882f8" providerId="LiveId" clId="{01312597-0B54-46BE-906A-F240F5E61C87}" dt="2021-06-08T00:23:53.080" v="2312" actId="1035"/>
+          <ac:spMkLst>
+            <pc:docMk/>
+            <pc:sldMk cId="2994267408" sldId="263"/>
+            <ac:spMk id="75" creationId="{7863A17B-F82F-46DF-BD8C-3CA1DC92D76F}"/>
+          </ac:spMkLst>
+        </pc:spChg>
+        <pc:spChg chg="add mod">
+          <ac:chgData name="Otto Schefer" userId="fd5a25951ba882f8" providerId="LiveId" clId="{01312597-0B54-46BE-906A-F240F5E61C87}" dt="2021-06-08T00:24:44.230" v="2332" actId="1037"/>
+          <ac:spMkLst>
+            <pc:docMk/>
+            <pc:sldMk cId="2994267408" sldId="263"/>
+            <ac:spMk id="76" creationId="{B2371F1F-D0F6-4471-9ECB-BF3AED73F1D4}"/>
+          </ac:spMkLst>
+        </pc:spChg>
+        <pc:spChg chg="add mod">
+          <ac:chgData name="Otto Schefer" userId="fd5a25951ba882f8" providerId="LiveId" clId="{01312597-0B54-46BE-906A-F240F5E61C87}" dt="2021-06-08T00:24:40.471" v="2326" actId="1076"/>
+          <ac:spMkLst>
+            <pc:docMk/>
+            <pc:sldMk cId="2994267408" sldId="263"/>
+            <ac:spMk id="77" creationId="{00C680D0-60E8-481A-8F26-930197ED9AD0}"/>
+          </ac:spMkLst>
+        </pc:spChg>
+        <pc:spChg chg="add mod">
+          <ac:chgData name="Otto Schefer" userId="fd5a25951ba882f8" providerId="LiveId" clId="{01312597-0B54-46BE-906A-F240F5E61C87}" dt="2021-06-08T00:25:22.899" v="2338" actId="1076"/>
+          <ac:spMkLst>
+            <pc:docMk/>
+            <pc:sldMk cId="2994267408" sldId="263"/>
+            <ac:spMk id="78" creationId="{A6BE5A3A-BF87-46EC-81DD-A52728DDEBBB}"/>
+          </ac:spMkLst>
+        </pc:spChg>
+        <pc:spChg chg="add mod">
+          <ac:chgData name="Otto Schefer" userId="fd5a25951ba882f8" providerId="LiveId" clId="{01312597-0B54-46BE-906A-F240F5E61C87}" dt="2021-06-08T00:25:49.173" v="2342" actId="1076"/>
+          <ac:spMkLst>
+            <pc:docMk/>
+            <pc:sldMk cId="2994267408" sldId="263"/>
+            <ac:spMk id="79" creationId="{2829CC7F-F73C-4995-8EF4-1930C668AA8E}"/>
+          </ac:spMkLst>
+        </pc:spChg>
         <pc:grpChg chg="add mod">
-          <ac:chgData name="Otto Schefer" userId="fd5a25951ba882f8" providerId="LiveId" clId="{01312597-0B54-46BE-906A-F240F5E61C87}" dt="2021-05-29T15:44:17.860" v="810" actId="164"/>
+          <ac:chgData name="Otto Schefer" userId="fd5a25951ba882f8" providerId="LiveId" clId="{01312597-0B54-46BE-906A-F240F5E61C87}" dt="2021-06-06T15:05:40.100" v="1250" actId="1076"/>
           <ac:grpSpMkLst>
             <pc:docMk/>
             <pc:sldMk cId="2994267408" sldId="263"/>
@@ -4113,6 +4235,14 @@
             <ac:grpSpMk id="57" creationId="{431A0580-B524-4E4A-A9EB-7CDBDBE2A19A}"/>
           </ac:grpSpMkLst>
         </pc:grpChg>
+        <pc:picChg chg="add mod">
+          <ac:chgData name="Otto Schefer" userId="fd5a25951ba882f8" providerId="LiveId" clId="{01312597-0B54-46BE-906A-F240F5E61C87}" dt="2021-06-08T00:23:24.404" v="2303" actId="14100"/>
+          <ac:picMkLst>
+            <pc:docMk/>
+            <pc:sldMk cId="2994267408" sldId="263"/>
+            <ac:picMk id="13" creationId="{E2225FA9-7074-4CE5-93DB-0D92730414E1}"/>
+          </ac:picMkLst>
+        </pc:picChg>
         <pc:picChg chg="add del mod">
           <ac:chgData name="Otto Schefer" userId="fd5a25951ba882f8" providerId="LiveId" clId="{01312597-0B54-46BE-906A-F240F5E61C87}" dt="2021-05-29T12:13:12.594" v="712" actId="478"/>
           <ac:picMkLst>
@@ -4130,7 +4260,7 @@
           </ac:picMkLst>
         </pc:picChg>
         <pc:picChg chg="add mod">
-          <ac:chgData name="Otto Schefer" userId="fd5a25951ba882f8" providerId="LiveId" clId="{01312597-0B54-46BE-906A-F240F5E61C87}" dt="2021-05-29T15:44:17.860" v="810" actId="164"/>
+          <ac:chgData name="Otto Schefer" userId="fd5a25951ba882f8" providerId="LiveId" clId="{01312597-0B54-46BE-906A-F240F5E61C87}" dt="2021-06-01T18:12:00.011" v="1123" actId="571"/>
           <ac:picMkLst>
             <pc:docMk/>
             <pc:sldMk cId="2994267408" sldId="263"/>
@@ -4146,7 +4276,7 @@
           </ac:picMkLst>
         </pc:picChg>
         <pc:cxnChg chg="add mod">
-          <ac:chgData name="Otto Schefer" userId="fd5a25951ba882f8" providerId="LiveId" clId="{01312597-0B54-46BE-906A-F240F5E61C87}" dt="2021-05-29T15:44:17.860" v="810" actId="164"/>
+          <ac:chgData name="Otto Schefer" userId="fd5a25951ba882f8" providerId="LiveId" clId="{01312597-0B54-46BE-906A-F240F5E61C87}" dt="2021-06-01T18:12:00.011" v="1123" actId="571"/>
           <ac:cxnSpMkLst>
             <pc:docMk/>
             <pc:sldMk cId="2994267408" sldId="263"/>
@@ -4162,7 +4292,7 @@
           </ac:cxnSpMkLst>
         </pc:cxnChg>
         <pc:cxnChg chg="add mod">
-          <ac:chgData name="Otto Schefer" userId="fd5a25951ba882f8" providerId="LiveId" clId="{01312597-0B54-46BE-906A-F240F5E61C87}" dt="2021-05-29T15:44:17.860" v="810" actId="164"/>
+          <ac:chgData name="Otto Schefer" userId="fd5a25951ba882f8" providerId="LiveId" clId="{01312597-0B54-46BE-906A-F240F5E61C87}" dt="2021-06-01T18:12:00.011" v="1123" actId="571"/>
           <ac:cxnSpMkLst>
             <pc:docMk/>
             <pc:sldMk cId="2994267408" sldId="263"/>
@@ -4242,7 +4372,7 @@
           </ac:cxnSpMkLst>
         </pc:cxnChg>
         <pc:cxnChg chg="add mod">
-          <ac:chgData name="Otto Schefer" userId="fd5a25951ba882f8" providerId="LiveId" clId="{01312597-0B54-46BE-906A-F240F5E61C87}" dt="2021-05-29T15:44:17.860" v="810" actId="164"/>
+          <ac:chgData name="Otto Schefer" userId="fd5a25951ba882f8" providerId="LiveId" clId="{01312597-0B54-46BE-906A-F240F5E61C87}" dt="2021-06-01T18:12:00.011" v="1123" actId="571"/>
           <ac:cxnSpMkLst>
             <pc:docMk/>
             <pc:sldMk cId="2994267408" sldId="263"/>
@@ -4314,7 +4444,7 @@
           </ac:cxnSpMkLst>
         </pc:cxnChg>
         <pc:cxnChg chg="add mod">
-          <ac:chgData name="Otto Schefer" userId="fd5a25951ba882f8" providerId="LiveId" clId="{01312597-0B54-46BE-906A-F240F5E61C87}" dt="2021-05-29T15:44:17.860" v="810" actId="164"/>
+          <ac:chgData name="Otto Schefer" userId="fd5a25951ba882f8" providerId="LiveId" clId="{01312597-0B54-46BE-906A-F240F5E61C87}" dt="2021-06-01T18:12:00.011" v="1123" actId="571"/>
           <ac:cxnSpMkLst>
             <pc:docMk/>
             <pc:sldMk cId="2994267408" sldId="263"/>
@@ -4351,6 +4481,22 @@
             <pc:docMk/>
             <pc:sldMk cId="2994267408" sldId="263"/>
             <ac:cxnSpMk id="67" creationId="{5CDB66AD-0894-4939-B143-0C72328B2027}"/>
+          </ac:cxnSpMkLst>
+        </pc:cxnChg>
+        <pc:cxnChg chg="add mod">
+          <ac:chgData name="Otto Schefer" userId="fd5a25951ba882f8" providerId="LiveId" clId="{01312597-0B54-46BE-906A-F240F5E61C87}" dt="2021-06-01T18:12:00.011" v="1123" actId="571"/>
+          <ac:cxnSpMkLst>
+            <pc:docMk/>
+            <pc:sldMk cId="2994267408" sldId="263"/>
+            <ac:cxnSpMk id="69" creationId="{0B61A0DE-4297-4137-859B-FC15C8180FB4}"/>
+          </ac:cxnSpMkLst>
+        </pc:cxnChg>
+        <pc:cxnChg chg="add mod">
+          <ac:chgData name="Otto Schefer" userId="fd5a25951ba882f8" providerId="LiveId" clId="{01312597-0B54-46BE-906A-F240F5E61C87}" dt="2021-06-01T18:12:06.412" v="1125" actId="1037"/>
+          <ac:cxnSpMkLst>
+            <pc:docMk/>
+            <pc:sldMk cId="2994267408" sldId="263"/>
+            <ac:cxnSpMk id="70" creationId="{173BEEB5-1EDD-4BC4-9791-F92F2161DEED}"/>
           </ac:cxnSpMkLst>
         </pc:cxnChg>
       </pc:sldChg>
@@ -4556,6 +4702,1555 @@
             <pc:docMk/>
             <pc:sldMk cId="1506166455" sldId="266"/>
             <ac:picMk id="11" creationId="{0DCCF950-D04B-449A-9382-E0D9E13EC509}"/>
+          </ac:picMkLst>
+        </pc:picChg>
+      </pc:sldChg>
+      <pc:sldChg chg="addSp delSp modSp new mod">
+        <pc:chgData name="Otto Schefer" userId="fd5a25951ba882f8" providerId="LiveId" clId="{01312597-0B54-46BE-906A-F240F5E61C87}" dt="2021-06-06T14:30:06.785" v="1152" actId="1076"/>
+        <pc:sldMkLst>
+          <pc:docMk/>
+          <pc:sldMk cId="3950778873" sldId="267"/>
+        </pc:sldMkLst>
+        <pc:spChg chg="del">
+          <ac:chgData name="Otto Schefer" userId="fd5a25951ba882f8" providerId="LiveId" clId="{01312597-0B54-46BE-906A-F240F5E61C87}" dt="2021-05-31T23:38:12.731" v="1026" actId="478"/>
+          <ac:spMkLst>
+            <pc:docMk/>
+            <pc:sldMk cId="3950778873" sldId="267"/>
+            <ac:spMk id="2" creationId="{6B596C03-E4DB-473C-8759-BE9399A27E21}"/>
+          </ac:spMkLst>
+        </pc:spChg>
+        <pc:spChg chg="del">
+          <ac:chgData name="Otto Schefer" userId="fd5a25951ba882f8" providerId="LiveId" clId="{01312597-0B54-46BE-906A-F240F5E61C87}" dt="2021-05-31T23:38:12.731" v="1026" actId="478"/>
+          <ac:spMkLst>
+            <pc:docMk/>
+            <pc:sldMk cId="3950778873" sldId="267"/>
+            <ac:spMk id="3" creationId="{53EAB030-A8AC-493A-91B3-6BB313501B85}"/>
+          </ac:spMkLst>
+        </pc:spChg>
+        <pc:spChg chg="add mod">
+          <ac:chgData name="Otto Schefer" userId="fd5a25951ba882f8" providerId="LiveId" clId="{01312597-0B54-46BE-906A-F240F5E61C87}" dt="2021-05-31T23:39:30.456" v="1032" actId="14100"/>
+          <ac:spMkLst>
+            <pc:docMk/>
+            <pc:sldMk cId="3950778873" sldId="267"/>
+            <ac:spMk id="6" creationId="{AAF2EE8D-B6BF-4CE6-9098-3ABFE0DE3626}"/>
+          </ac:spMkLst>
+        </pc:spChg>
+        <pc:spChg chg="add mod">
+          <ac:chgData name="Otto Schefer" userId="fd5a25951ba882f8" providerId="LiveId" clId="{01312597-0B54-46BE-906A-F240F5E61C87}" dt="2021-05-31T23:39:41.242" v="1035" actId="1076"/>
+          <ac:spMkLst>
+            <pc:docMk/>
+            <pc:sldMk cId="3950778873" sldId="267"/>
+            <ac:spMk id="7" creationId="{AA18DDE0-E6A7-4369-B19C-1C567EAABFB0}"/>
+          </ac:spMkLst>
+        </pc:spChg>
+        <pc:spChg chg="add mod">
+          <ac:chgData name="Otto Schefer" userId="fd5a25951ba882f8" providerId="LiveId" clId="{01312597-0B54-46BE-906A-F240F5E61C87}" dt="2021-05-31T23:39:57.670" v="1038" actId="1076"/>
+          <ac:spMkLst>
+            <pc:docMk/>
+            <pc:sldMk cId="3950778873" sldId="267"/>
+            <ac:spMk id="8" creationId="{5BEEBD94-B20A-4D44-A8D4-D36471C5B1B8}"/>
+          </ac:spMkLst>
+        </pc:spChg>
+        <pc:spChg chg="add mod">
+          <ac:chgData name="Otto Schefer" userId="fd5a25951ba882f8" providerId="LiveId" clId="{01312597-0B54-46BE-906A-F240F5E61C87}" dt="2021-05-31T23:41:11.769" v="1103" actId="1076"/>
+          <ac:spMkLst>
+            <pc:docMk/>
+            <pc:sldMk cId="3950778873" sldId="267"/>
+            <ac:spMk id="9" creationId="{AC668190-CDDA-47FD-937A-5993EEFEA34E}"/>
+          </ac:spMkLst>
+        </pc:spChg>
+        <pc:spChg chg="add mod">
+          <ac:chgData name="Otto Schefer" userId="fd5a25951ba882f8" providerId="LiveId" clId="{01312597-0B54-46BE-906A-F240F5E61C87}" dt="2021-05-31T23:41:05.276" v="1102" actId="1076"/>
+          <ac:spMkLst>
+            <pc:docMk/>
+            <pc:sldMk cId="3950778873" sldId="267"/>
+            <ac:spMk id="10" creationId="{F95588D7-919C-4F3E-928F-3117C74D6C69}"/>
+          </ac:spMkLst>
+        </pc:spChg>
+        <pc:spChg chg="add mod">
+          <ac:chgData name="Otto Schefer" userId="fd5a25951ba882f8" providerId="LiveId" clId="{01312597-0B54-46BE-906A-F240F5E61C87}" dt="2021-05-31T23:41:21.410" v="1105" actId="1076"/>
+          <ac:spMkLst>
+            <pc:docMk/>
+            <pc:sldMk cId="3950778873" sldId="267"/>
+            <ac:spMk id="11" creationId="{F65474A9-6BDA-4BC0-B479-44C2E5C375AC}"/>
+          </ac:spMkLst>
+        </pc:spChg>
+        <pc:spChg chg="add mod">
+          <ac:chgData name="Otto Schefer" userId="fd5a25951ba882f8" providerId="LiveId" clId="{01312597-0B54-46BE-906A-F240F5E61C87}" dt="2021-05-31T23:47:49.963" v="1110" actId="1076"/>
+          <ac:spMkLst>
+            <pc:docMk/>
+            <pc:sldMk cId="3950778873" sldId="267"/>
+            <ac:spMk id="12" creationId="{07277320-CEB8-464D-9434-98B009400D2B}"/>
+          </ac:spMkLst>
+        </pc:spChg>
+        <pc:spChg chg="add del">
+          <ac:chgData name="Otto Schefer" userId="fd5a25951ba882f8" providerId="LiveId" clId="{01312597-0B54-46BE-906A-F240F5E61C87}" dt="2021-05-31T23:48:08.195" v="1112" actId="22"/>
+          <ac:spMkLst>
+            <pc:docMk/>
+            <pc:sldMk cId="3950778873" sldId="267"/>
+            <ac:spMk id="14" creationId="{8F5DB935-B6E2-49B1-AB24-3613D0944519}"/>
+          </ac:spMkLst>
+        </pc:spChg>
+        <pc:spChg chg="add mod">
+          <ac:chgData name="Otto Schefer" userId="fd5a25951ba882f8" providerId="LiveId" clId="{01312597-0B54-46BE-906A-F240F5E61C87}" dt="2021-05-31T23:48:22.169" v="1117" actId="1076"/>
+          <ac:spMkLst>
+            <pc:docMk/>
+            <pc:sldMk cId="3950778873" sldId="267"/>
+            <ac:spMk id="15" creationId="{99DE2301-32C4-4AA6-B4A0-EAA9EC601E7C}"/>
+          </ac:spMkLst>
+        </pc:spChg>
+        <pc:picChg chg="add mod">
+          <ac:chgData name="Otto Schefer" userId="fd5a25951ba882f8" providerId="LiveId" clId="{01312597-0B54-46BE-906A-F240F5E61C87}" dt="2021-06-06T14:30:06.785" v="1152" actId="1076"/>
+          <ac:picMkLst>
+            <pc:docMk/>
+            <pc:sldMk cId="3950778873" sldId="267"/>
+            <ac:picMk id="5" creationId="{68C82AB5-0EE6-43B2-B202-7C6974C6486C}"/>
+          </ac:picMkLst>
+        </pc:picChg>
+      </pc:sldChg>
+      <pc:sldChg chg="addSp delSp modSp new mod">
+        <pc:chgData name="Otto Schefer" userId="fd5a25951ba882f8" providerId="LiveId" clId="{01312597-0B54-46BE-906A-F240F5E61C87}" dt="2021-06-06T14:55:31.204" v="1248" actId="1076"/>
+        <pc:sldMkLst>
+          <pc:docMk/>
+          <pc:sldMk cId="423084528" sldId="268"/>
+        </pc:sldMkLst>
+        <pc:spChg chg="del">
+          <ac:chgData name="Otto Schefer" userId="fd5a25951ba882f8" providerId="LiveId" clId="{01312597-0B54-46BE-906A-F240F5E61C87}" dt="2021-06-06T14:30:11.954" v="1154" actId="478"/>
+          <ac:spMkLst>
+            <pc:docMk/>
+            <pc:sldMk cId="423084528" sldId="268"/>
+            <ac:spMk id="2" creationId="{7BBEFF7B-2751-48A1-9EC1-E3F9A897405C}"/>
+          </ac:spMkLst>
+        </pc:spChg>
+        <pc:spChg chg="del">
+          <ac:chgData name="Otto Schefer" userId="fd5a25951ba882f8" providerId="LiveId" clId="{01312597-0B54-46BE-906A-F240F5E61C87}" dt="2021-06-06T14:30:11.954" v="1154" actId="478"/>
+          <ac:spMkLst>
+            <pc:docMk/>
+            <pc:sldMk cId="423084528" sldId="268"/>
+            <ac:spMk id="3" creationId="{11CB2492-728B-4690-891D-5D5E804FCC34}"/>
+          </ac:spMkLst>
+        </pc:spChg>
+        <pc:spChg chg="add del mod">
+          <ac:chgData name="Otto Schefer" userId="fd5a25951ba882f8" providerId="LiveId" clId="{01312597-0B54-46BE-906A-F240F5E61C87}" dt="2021-06-06T14:33:17.396" v="1193" actId="478"/>
+          <ac:spMkLst>
+            <pc:docMk/>
+            <pc:sldMk cId="423084528" sldId="268"/>
+            <ac:spMk id="6" creationId="{D9064407-B452-4D44-91C0-BD63070BED26}"/>
+          </ac:spMkLst>
+        </pc:spChg>
+        <pc:spChg chg="add mod">
+          <ac:chgData name="Otto Schefer" userId="fd5a25951ba882f8" providerId="LiveId" clId="{01312597-0B54-46BE-906A-F240F5E61C87}" dt="2021-06-06T14:54:53.770" v="1229" actId="1076"/>
+          <ac:spMkLst>
+            <pc:docMk/>
+            <pc:sldMk cId="423084528" sldId="268"/>
+            <ac:spMk id="7" creationId="{0FC664BD-F28A-4511-BD9D-7AE2A7EF930A}"/>
+          </ac:spMkLst>
+        </pc:spChg>
+        <pc:spChg chg="add mod">
+          <ac:chgData name="Otto Schefer" userId="fd5a25951ba882f8" providerId="LiveId" clId="{01312597-0B54-46BE-906A-F240F5E61C87}" dt="2021-06-06T14:54:58.245" v="1231" actId="571"/>
+          <ac:spMkLst>
+            <pc:docMk/>
+            <pc:sldMk cId="423084528" sldId="268"/>
+            <ac:spMk id="9" creationId="{8789C4C1-BB6D-473E-A28D-024C355FAD0B}"/>
+          </ac:spMkLst>
+        </pc:spChg>
+        <pc:spChg chg="add mod">
+          <ac:chgData name="Otto Schefer" userId="fd5a25951ba882f8" providerId="LiveId" clId="{01312597-0B54-46BE-906A-F240F5E61C87}" dt="2021-06-06T14:55:01.365" v="1233" actId="571"/>
+          <ac:spMkLst>
+            <pc:docMk/>
+            <pc:sldMk cId="423084528" sldId="268"/>
+            <ac:spMk id="11" creationId="{7EAA2D09-C880-4C06-9164-A6AFE67A7701}"/>
+          </ac:spMkLst>
+        </pc:spChg>
+        <pc:spChg chg="add mod">
+          <ac:chgData name="Otto Schefer" userId="fd5a25951ba882f8" providerId="LiveId" clId="{01312597-0B54-46BE-906A-F240F5E61C87}" dt="2021-06-06T14:55:31.204" v="1248" actId="1076"/>
+          <ac:spMkLst>
+            <pc:docMk/>
+            <pc:sldMk cId="423084528" sldId="268"/>
+            <ac:spMk id="12" creationId="{8AEF48AE-B7CC-4946-BC82-63097837E6E0}"/>
+          </ac:spMkLst>
+        </pc:spChg>
+        <pc:picChg chg="add mod">
+          <ac:chgData name="Otto Schefer" userId="fd5a25951ba882f8" providerId="LiveId" clId="{01312597-0B54-46BE-906A-F240F5E61C87}" dt="2021-06-06T14:54:49.714" v="1228" actId="1076"/>
+          <ac:picMkLst>
+            <pc:docMk/>
+            <pc:sldMk cId="423084528" sldId="268"/>
+            <ac:picMk id="5" creationId="{22C7CD07-7810-4551-851F-708E4C4BEAC6}"/>
+          </ac:picMkLst>
+        </pc:picChg>
+        <pc:picChg chg="add mod">
+          <ac:chgData name="Otto Schefer" userId="fd5a25951ba882f8" providerId="LiveId" clId="{01312597-0B54-46BE-906A-F240F5E61C87}" dt="2021-06-06T14:54:58.245" v="1231" actId="571"/>
+          <ac:picMkLst>
+            <pc:docMk/>
+            <pc:sldMk cId="423084528" sldId="268"/>
+            <ac:picMk id="8" creationId="{8A038C08-7C92-4E5C-8DAF-862E967A4369}"/>
+          </ac:picMkLst>
+        </pc:picChg>
+        <pc:picChg chg="add mod">
+          <ac:chgData name="Otto Schefer" userId="fd5a25951ba882f8" providerId="LiveId" clId="{01312597-0B54-46BE-906A-F240F5E61C87}" dt="2021-06-06T14:55:01.365" v="1233" actId="571"/>
+          <ac:picMkLst>
+            <pc:docMk/>
+            <pc:sldMk cId="423084528" sldId="268"/>
+            <ac:picMk id="10" creationId="{49C1FD4B-A5BE-4286-B121-5DAF38401BF3}"/>
+          </ac:picMkLst>
+        </pc:picChg>
+      </pc:sldChg>
+      <pc:sldChg chg="addSp delSp modSp new mod">
+        <pc:chgData name="Otto Schefer" userId="fd5a25951ba882f8" providerId="LiveId" clId="{01312597-0B54-46BE-906A-F240F5E61C87}" dt="2021-06-06T18:46:31.860" v="1385" actId="20577"/>
+        <pc:sldMkLst>
+          <pc:docMk/>
+          <pc:sldMk cId="1894432607" sldId="269"/>
+        </pc:sldMkLst>
+        <pc:spChg chg="del">
+          <ac:chgData name="Otto Schefer" userId="fd5a25951ba882f8" providerId="LiveId" clId="{01312597-0B54-46BE-906A-F240F5E61C87}" dt="2021-06-06T18:34:51.317" v="1252" actId="478"/>
+          <ac:spMkLst>
+            <pc:docMk/>
+            <pc:sldMk cId="1894432607" sldId="269"/>
+            <ac:spMk id="2" creationId="{089911C9-90AB-4187-8190-FE39CA78C5D7}"/>
+          </ac:spMkLst>
+        </pc:spChg>
+        <pc:spChg chg="del">
+          <ac:chgData name="Otto Schefer" userId="fd5a25951ba882f8" providerId="LiveId" clId="{01312597-0B54-46BE-906A-F240F5E61C87}" dt="2021-06-06T18:34:51.317" v="1252" actId="478"/>
+          <ac:spMkLst>
+            <pc:docMk/>
+            <pc:sldMk cId="1894432607" sldId="269"/>
+            <ac:spMk id="3" creationId="{4DBFA6C3-7631-48DF-A8C2-CF3A6B4B8AF9}"/>
+          </ac:spMkLst>
+        </pc:spChg>
+        <pc:spChg chg="add mod ord">
+          <ac:chgData name="Otto Schefer" userId="fd5a25951ba882f8" providerId="LiveId" clId="{01312597-0B54-46BE-906A-F240F5E61C87}" dt="2021-06-06T18:45:20.265" v="1362" actId="403"/>
+          <ac:spMkLst>
+            <pc:docMk/>
+            <pc:sldMk cId="1894432607" sldId="269"/>
+            <ac:spMk id="5" creationId="{1CA24034-A437-4082-A56B-9AEC3B945D0D}"/>
+          </ac:spMkLst>
+        </pc:spChg>
+        <pc:spChg chg="add mod ord">
+          <ac:chgData name="Otto Schefer" userId="fd5a25951ba882f8" providerId="LiveId" clId="{01312597-0B54-46BE-906A-F240F5E61C87}" dt="2021-06-06T18:45:20.265" v="1362" actId="403"/>
+          <ac:spMkLst>
+            <pc:docMk/>
+            <pc:sldMk cId="1894432607" sldId="269"/>
+            <ac:spMk id="6" creationId="{6E9D9CC3-1A65-47E9-9834-826DAFD374A2}"/>
+          </ac:spMkLst>
+        </pc:spChg>
+        <pc:spChg chg="add mod ord">
+          <ac:chgData name="Otto Schefer" userId="fd5a25951ba882f8" providerId="LiveId" clId="{01312597-0B54-46BE-906A-F240F5E61C87}" dt="2021-06-06T18:45:20.265" v="1362" actId="403"/>
+          <ac:spMkLst>
+            <pc:docMk/>
+            <pc:sldMk cId="1894432607" sldId="269"/>
+            <ac:spMk id="7" creationId="{FF30DC96-F4E7-4F33-B0C8-7C427B857113}"/>
+          </ac:spMkLst>
+        </pc:spChg>
+        <pc:spChg chg="add mod ord">
+          <ac:chgData name="Otto Schefer" userId="fd5a25951ba882f8" providerId="LiveId" clId="{01312597-0B54-46BE-906A-F240F5E61C87}" dt="2021-06-06T18:45:20.265" v="1362" actId="403"/>
+          <ac:spMkLst>
+            <pc:docMk/>
+            <pc:sldMk cId="1894432607" sldId="269"/>
+            <ac:spMk id="8" creationId="{15F97941-E08C-4C8D-B77E-356CD456AF3C}"/>
+          </ac:spMkLst>
+        </pc:spChg>
+        <pc:spChg chg="add mod ord">
+          <ac:chgData name="Otto Schefer" userId="fd5a25951ba882f8" providerId="LiveId" clId="{01312597-0B54-46BE-906A-F240F5E61C87}" dt="2021-06-06T18:45:20.265" v="1362" actId="403"/>
+          <ac:spMkLst>
+            <pc:docMk/>
+            <pc:sldMk cId="1894432607" sldId="269"/>
+            <ac:spMk id="9" creationId="{EF9F50A0-271C-409A-8C6B-B93468BDE933}"/>
+          </ac:spMkLst>
+        </pc:spChg>
+        <pc:spChg chg="add mod ord">
+          <ac:chgData name="Otto Schefer" userId="fd5a25951ba882f8" providerId="LiveId" clId="{01312597-0B54-46BE-906A-F240F5E61C87}" dt="2021-06-06T18:45:20.265" v="1362" actId="403"/>
+          <ac:spMkLst>
+            <pc:docMk/>
+            <pc:sldMk cId="1894432607" sldId="269"/>
+            <ac:spMk id="10" creationId="{8985E04B-21B3-4001-8295-40CB80B94FB4}"/>
+          </ac:spMkLst>
+        </pc:spChg>
+        <pc:spChg chg="add mod ord">
+          <ac:chgData name="Otto Schefer" userId="fd5a25951ba882f8" providerId="LiveId" clId="{01312597-0B54-46BE-906A-F240F5E61C87}" dt="2021-06-06T18:45:20.265" v="1362" actId="403"/>
+          <ac:spMkLst>
+            <pc:docMk/>
+            <pc:sldMk cId="1894432607" sldId="269"/>
+            <ac:spMk id="11" creationId="{60446092-B5BC-4937-ABA0-BC69289E457B}"/>
+          </ac:spMkLst>
+        </pc:spChg>
+        <pc:spChg chg="add mod ord">
+          <ac:chgData name="Otto Schefer" userId="fd5a25951ba882f8" providerId="LiveId" clId="{01312597-0B54-46BE-906A-F240F5E61C87}" dt="2021-06-06T18:45:20.265" v="1362" actId="403"/>
+          <ac:spMkLst>
+            <pc:docMk/>
+            <pc:sldMk cId="1894432607" sldId="269"/>
+            <ac:spMk id="12" creationId="{C11965C3-0964-4440-95A0-6621FD6049E4}"/>
+          </ac:spMkLst>
+        </pc:spChg>
+        <pc:spChg chg="add mod">
+          <ac:chgData name="Otto Schefer" userId="fd5a25951ba882f8" providerId="LiveId" clId="{01312597-0B54-46BE-906A-F240F5E61C87}" dt="2021-06-06T18:40:36.615" v="1329" actId="1076"/>
+          <ac:spMkLst>
+            <pc:docMk/>
+            <pc:sldMk cId="1894432607" sldId="269"/>
+            <ac:spMk id="13" creationId="{5B510EE6-161B-4AE1-9AE8-EB551A18D5B1}"/>
+          </ac:spMkLst>
+        </pc:spChg>
+        <pc:spChg chg="add mod">
+          <ac:chgData name="Otto Schefer" userId="fd5a25951ba882f8" providerId="LiveId" clId="{01312597-0B54-46BE-906A-F240F5E61C87}" dt="2021-06-06T18:45:43.079" v="1366" actId="1076"/>
+          <ac:spMkLst>
+            <pc:docMk/>
+            <pc:sldMk cId="1894432607" sldId="269"/>
+            <ac:spMk id="14" creationId="{DA1B5E23-A22D-4454-AC59-93F19EEE6A0E}"/>
+          </ac:spMkLst>
+        </pc:spChg>
+        <pc:spChg chg="add mod">
+          <ac:chgData name="Otto Schefer" userId="fd5a25951ba882f8" providerId="LiveId" clId="{01312597-0B54-46BE-906A-F240F5E61C87}" dt="2021-06-06T18:45:53.875" v="1373" actId="1076"/>
+          <ac:spMkLst>
+            <pc:docMk/>
+            <pc:sldMk cId="1894432607" sldId="269"/>
+            <ac:spMk id="15" creationId="{73663123-31F8-4814-9B43-2BB5A9292B99}"/>
+          </ac:spMkLst>
+        </pc:spChg>
+        <pc:spChg chg="add mod">
+          <ac:chgData name="Otto Schefer" userId="fd5a25951ba882f8" providerId="LiveId" clId="{01312597-0B54-46BE-906A-F240F5E61C87}" dt="2021-06-06T18:46:20.448" v="1380" actId="20577"/>
+          <ac:spMkLst>
+            <pc:docMk/>
+            <pc:sldMk cId="1894432607" sldId="269"/>
+            <ac:spMk id="17" creationId="{ECF88BFC-0A6A-406A-B0B3-2ED449CCCC13}"/>
+          </ac:spMkLst>
+        </pc:spChg>
+        <pc:spChg chg="add mod">
+          <ac:chgData name="Otto Schefer" userId="fd5a25951ba882f8" providerId="LiveId" clId="{01312597-0B54-46BE-906A-F240F5E61C87}" dt="2021-06-06T18:46:23.652" v="1381" actId="20577"/>
+          <ac:spMkLst>
+            <pc:docMk/>
+            <pc:sldMk cId="1894432607" sldId="269"/>
+            <ac:spMk id="18" creationId="{10AA5B99-229C-4B32-AFED-C6EF888FD5E1}"/>
+          </ac:spMkLst>
+        </pc:spChg>
+        <pc:spChg chg="add mod">
+          <ac:chgData name="Otto Schefer" userId="fd5a25951ba882f8" providerId="LiveId" clId="{01312597-0B54-46BE-906A-F240F5E61C87}" dt="2021-06-06T18:46:29.636" v="1384" actId="20577"/>
+          <ac:spMkLst>
+            <pc:docMk/>
+            <pc:sldMk cId="1894432607" sldId="269"/>
+            <ac:spMk id="19" creationId="{1491525D-8B52-459A-91EC-34E27BA4A820}"/>
+          </ac:spMkLst>
+        </pc:spChg>
+        <pc:spChg chg="add mod">
+          <ac:chgData name="Otto Schefer" userId="fd5a25951ba882f8" providerId="LiveId" clId="{01312597-0B54-46BE-906A-F240F5E61C87}" dt="2021-06-06T18:46:31.860" v="1385" actId="20577"/>
+          <ac:spMkLst>
+            <pc:docMk/>
+            <pc:sldMk cId="1894432607" sldId="269"/>
+            <ac:spMk id="20" creationId="{8B050555-CE37-4284-AC79-8EE2460F8D74}"/>
+          </ac:spMkLst>
+        </pc:spChg>
+        <pc:picChg chg="add mod">
+          <ac:chgData name="Otto Schefer" userId="fd5a25951ba882f8" providerId="LiveId" clId="{01312597-0B54-46BE-906A-F240F5E61C87}" dt="2021-06-06T18:37:41.159" v="1274" actId="1076"/>
+          <ac:picMkLst>
+            <pc:docMk/>
+            <pc:sldMk cId="1894432607" sldId="269"/>
+            <ac:picMk id="4" creationId="{2878FA11-1BB7-4235-BBBD-6480D29910AD}"/>
+          </ac:picMkLst>
+        </pc:picChg>
+        <pc:picChg chg="add mod">
+          <ac:chgData name="Otto Schefer" userId="fd5a25951ba882f8" providerId="LiveId" clId="{01312597-0B54-46BE-906A-F240F5E61C87}" dt="2021-06-06T18:45:56.394" v="1375" actId="571"/>
+          <ac:picMkLst>
+            <pc:docMk/>
+            <pc:sldMk cId="1894432607" sldId="269"/>
+            <ac:picMk id="16" creationId="{BC7788AC-4CA0-4CE6-8DAE-CD85DFA1F0B3}"/>
+          </ac:picMkLst>
+        </pc:picChg>
+      </pc:sldChg>
+      <pc:sldChg chg="addSp delSp modSp new mod">
+        <pc:chgData name="Otto Schefer" userId="fd5a25951ba882f8" providerId="LiveId" clId="{01312597-0B54-46BE-906A-F240F5E61C87}" dt="2021-06-06T19:36:29.766" v="1410"/>
+        <pc:sldMkLst>
+          <pc:docMk/>
+          <pc:sldMk cId="478811533" sldId="270"/>
+        </pc:sldMkLst>
+        <pc:spChg chg="del">
+          <ac:chgData name="Otto Schefer" userId="fd5a25951ba882f8" providerId="LiveId" clId="{01312597-0B54-46BE-906A-F240F5E61C87}" dt="2021-06-06T19:26:27.508" v="1391" actId="478"/>
+          <ac:spMkLst>
+            <pc:docMk/>
+            <pc:sldMk cId="478811533" sldId="270"/>
+            <ac:spMk id="2" creationId="{DEBDB045-4546-4448-BE19-FCCF04EF0A16}"/>
+          </ac:spMkLst>
+        </pc:spChg>
+        <pc:spChg chg="del">
+          <ac:chgData name="Otto Schefer" userId="fd5a25951ba882f8" providerId="LiveId" clId="{01312597-0B54-46BE-906A-F240F5E61C87}" dt="2021-06-06T19:26:27.508" v="1391" actId="478"/>
+          <ac:spMkLst>
+            <pc:docMk/>
+            <pc:sldMk cId="478811533" sldId="270"/>
+            <ac:spMk id="3" creationId="{980C70EB-2DE9-4E52-82B1-A9E0E456077F}"/>
+          </ac:spMkLst>
+        </pc:spChg>
+        <pc:graphicFrameChg chg="add modGraphic">
+          <ac:chgData name="Otto Schefer" userId="fd5a25951ba882f8" providerId="LiveId" clId="{01312597-0B54-46BE-906A-F240F5E61C87}" dt="2021-06-06T19:36:26.975" v="1408" actId="27309"/>
+          <ac:graphicFrameMkLst>
+            <pc:docMk/>
+            <pc:sldMk cId="478811533" sldId="270"/>
+            <ac:graphicFrameMk id="12" creationId="{8F72F909-2F21-4893-9A9D-C97C6FD5EC85}"/>
+          </ac:graphicFrameMkLst>
+        </pc:graphicFrameChg>
+        <pc:picChg chg="add">
+          <ac:chgData name="Otto Schefer" userId="fd5a25951ba882f8" providerId="LiveId" clId="{01312597-0B54-46BE-906A-F240F5E61C87}" dt="2021-06-06T19:26:28.235" v="1392" actId="22"/>
+          <ac:picMkLst>
+            <pc:docMk/>
+            <pc:sldMk cId="478811533" sldId="270"/>
+            <ac:picMk id="5" creationId="{D2FD3A5E-2F1E-463D-A9C0-AB22F987681F}"/>
+          </ac:picMkLst>
+        </pc:picChg>
+        <pc:cxnChg chg="add mod">
+          <ac:chgData name="Otto Schefer" userId="fd5a25951ba882f8" providerId="LiveId" clId="{01312597-0B54-46BE-906A-F240F5E61C87}" dt="2021-06-06T19:28:15.303" v="1402" actId="14100"/>
+          <ac:cxnSpMkLst>
+            <pc:docMk/>
+            <pc:sldMk cId="478811533" sldId="270"/>
+            <ac:cxnSpMk id="7" creationId="{52CEB9FF-4709-4E50-AF40-7B32340753FA}"/>
+          </ac:cxnSpMkLst>
+        </pc:cxnChg>
+        <pc:cxnChg chg="add mod">
+          <ac:chgData name="Otto Schefer" userId="fd5a25951ba882f8" providerId="LiveId" clId="{01312597-0B54-46BE-906A-F240F5E61C87}" dt="2021-06-06T19:28:22.067" v="1403" actId="571"/>
+          <ac:cxnSpMkLst>
+            <pc:docMk/>
+            <pc:sldMk cId="478811533" sldId="270"/>
+            <ac:cxnSpMk id="10" creationId="{E72B7D8F-5ECB-4233-9DE9-AAF041835F83}"/>
+          </ac:cxnSpMkLst>
+        </pc:cxnChg>
+        <pc:cxnChg chg="add del mod">
+          <ac:chgData name="Otto Schefer" userId="fd5a25951ba882f8" providerId="LiveId" clId="{01312597-0B54-46BE-906A-F240F5E61C87}" dt="2021-06-06T19:36:29.766" v="1410"/>
+          <ac:cxnSpMkLst>
+            <pc:docMk/>
+            <pc:sldMk cId="478811533" sldId="270"/>
+            <ac:cxnSpMk id="13" creationId="{FC426830-6A00-44C9-A202-C561FB9B0333}"/>
+          </ac:cxnSpMkLst>
+        </pc:cxnChg>
+      </pc:sldChg>
+      <pc:sldChg chg="addSp delSp new del mod">
+        <pc:chgData name="Otto Schefer" userId="fd5a25951ba882f8" providerId="LiveId" clId="{01312597-0B54-46BE-906A-F240F5E61C87}" dt="2021-06-06T19:30:33.027" v="1404" actId="47"/>
+        <pc:sldMkLst>
+          <pc:docMk/>
+          <pc:sldMk cId="1709798816" sldId="271"/>
+        </pc:sldMkLst>
+        <pc:spChg chg="del">
+          <ac:chgData name="Otto Schefer" userId="fd5a25951ba882f8" providerId="LiveId" clId="{01312597-0B54-46BE-906A-F240F5E61C87}" dt="2021-06-06T19:23:00.868" v="1388" actId="478"/>
+          <ac:spMkLst>
+            <pc:docMk/>
+            <pc:sldMk cId="1709798816" sldId="271"/>
+            <ac:spMk id="2" creationId="{17734535-653F-42EE-9385-976D232F2F08}"/>
+          </ac:spMkLst>
+        </pc:spChg>
+        <pc:spChg chg="del">
+          <ac:chgData name="Otto Schefer" userId="fd5a25951ba882f8" providerId="LiveId" clId="{01312597-0B54-46BE-906A-F240F5E61C87}" dt="2021-06-06T19:23:00.868" v="1388" actId="478"/>
+          <ac:spMkLst>
+            <pc:docMk/>
+            <pc:sldMk cId="1709798816" sldId="271"/>
+            <ac:spMk id="3" creationId="{DDD700E3-680E-4C7C-B3BB-056B080B8FCF}"/>
+          </ac:spMkLst>
+        </pc:spChg>
+        <pc:picChg chg="add">
+          <ac:chgData name="Otto Schefer" userId="fd5a25951ba882f8" providerId="LiveId" clId="{01312597-0B54-46BE-906A-F240F5E61C87}" dt="2021-06-06T19:23:01.729" v="1389" actId="22"/>
+          <ac:picMkLst>
+            <pc:docMk/>
+            <pc:sldMk cId="1709798816" sldId="271"/>
+            <ac:picMk id="5" creationId="{BBD51BB4-93EA-4169-8F0B-8244FD020679}"/>
+          </ac:picMkLst>
+        </pc:picChg>
+        <pc:cxnChg chg="add">
+          <ac:chgData name="Otto Schefer" userId="fd5a25951ba882f8" providerId="LiveId" clId="{01312597-0B54-46BE-906A-F240F5E61C87}" dt="2021-06-06T19:23:34.683" v="1390" actId="11529"/>
+          <ac:cxnSpMkLst>
+            <pc:docMk/>
+            <pc:sldMk cId="1709798816" sldId="271"/>
+            <ac:cxnSpMk id="7" creationId="{F556920F-9A7D-4D26-AB1B-56A550B78F62}"/>
+          </ac:cxnSpMkLst>
+        </pc:cxnChg>
+      </pc:sldChg>
+      <pc:sldChg chg="addSp delSp modSp new mod">
+        <pc:chgData name="Otto Schefer" userId="fd5a25951ba882f8" providerId="LiveId" clId="{01312597-0B54-46BE-906A-F240F5E61C87}" dt="2021-06-06T19:42:44.751" v="1455" actId="692"/>
+        <pc:sldMkLst>
+          <pc:docMk/>
+          <pc:sldMk cId="2619646079" sldId="271"/>
+        </pc:sldMkLst>
+        <pc:spChg chg="del">
+          <ac:chgData name="Otto Schefer" userId="fd5a25951ba882f8" providerId="LiveId" clId="{01312597-0B54-46BE-906A-F240F5E61C87}" dt="2021-06-06T19:36:20.179" v="1406" actId="478"/>
+          <ac:spMkLst>
+            <pc:docMk/>
+            <pc:sldMk cId="2619646079" sldId="271"/>
+            <ac:spMk id="2" creationId="{B59A491F-FF51-4861-B3F8-AE7391C1A839}"/>
+          </ac:spMkLst>
+        </pc:spChg>
+        <pc:spChg chg="del">
+          <ac:chgData name="Otto Schefer" userId="fd5a25951ba882f8" providerId="LiveId" clId="{01312597-0B54-46BE-906A-F240F5E61C87}" dt="2021-06-06T19:36:20.179" v="1406" actId="478"/>
+          <ac:spMkLst>
+            <pc:docMk/>
+            <pc:sldMk cId="2619646079" sldId="271"/>
+            <ac:spMk id="3" creationId="{6211E36C-27CD-4B6A-A158-40397BEF9AA5}"/>
+          </ac:spMkLst>
+        </pc:spChg>
+        <pc:picChg chg="add">
+          <ac:chgData name="Otto Schefer" userId="fd5a25951ba882f8" providerId="LiveId" clId="{01312597-0B54-46BE-906A-F240F5E61C87}" dt="2021-06-06T19:36:21.008" v="1407" actId="22"/>
+          <ac:picMkLst>
+            <pc:docMk/>
+            <pc:sldMk cId="2619646079" sldId="271"/>
+            <ac:picMk id="5" creationId="{A4632A7B-1B5D-49EF-A9BA-D08B6D496F0D}"/>
+          </ac:picMkLst>
+        </pc:picChg>
+        <pc:cxnChg chg="add mod">
+          <ac:chgData name="Otto Schefer" userId="fd5a25951ba882f8" providerId="LiveId" clId="{01312597-0B54-46BE-906A-F240F5E61C87}" dt="2021-06-06T19:37:06.246" v="1423" actId="1035"/>
+          <ac:cxnSpMkLst>
+            <pc:docMk/>
+            <pc:sldMk cId="2619646079" sldId="271"/>
+            <ac:cxnSpMk id="6" creationId="{A904BE9B-9941-4F6D-BE20-53C1C6D4CB34}"/>
+          </ac:cxnSpMkLst>
+        </pc:cxnChg>
+        <pc:cxnChg chg="add mod">
+          <ac:chgData name="Otto Schefer" userId="fd5a25951ba882f8" providerId="LiveId" clId="{01312597-0B54-46BE-906A-F240F5E61C87}" dt="2021-06-06T19:37:10.964" v="1433" actId="1036"/>
+          <ac:cxnSpMkLst>
+            <pc:docMk/>
+            <pc:sldMk cId="2619646079" sldId="271"/>
+            <ac:cxnSpMk id="7" creationId="{08D37A4B-F015-4AE0-ACCB-B914E69E2DEB}"/>
+          </ac:cxnSpMkLst>
+        </pc:cxnChg>
+        <pc:cxnChg chg="add mod">
+          <ac:chgData name="Otto Schefer" userId="fd5a25951ba882f8" providerId="LiveId" clId="{01312597-0B54-46BE-906A-F240F5E61C87}" dt="2021-06-06T19:42:44.751" v="1455" actId="692"/>
+          <ac:cxnSpMkLst>
+            <pc:docMk/>
+            <pc:sldMk cId="2619646079" sldId="271"/>
+            <ac:cxnSpMk id="13" creationId="{FB9E3359-AAAA-4E80-9ABD-9622C45E7326}"/>
+          </ac:cxnSpMkLst>
+        </pc:cxnChg>
+      </pc:sldChg>
+      <pc:sldChg chg="addSp delSp modSp new mod">
+        <pc:chgData name="Otto Schefer" userId="fd5a25951ba882f8" providerId="LiveId" clId="{01312597-0B54-46BE-906A-F240F5E61C87}" dt="2021-06-06T19:47:08.388" v="1536" actId="1035"/>
+        <pc:sldMkLst>
+          <pc:docMk/>
+          <pc:sldMk cId="1601771800" sldId="272"/>
+        </pc:sldMkLst>
+        <pc:spChg chg="del">
+          <ac:chgData name="Otto Schefer" userId="fd5a25951ba882f8" providerId="LiveId" clId="{01312597-0B54-46BE-906A-F240F5E61C87}" dt="2021-06-06T19:41:33.573" v="1435" actId="478"/>
+          <ac:spMkLst>
+            <pc:docMk/>
+            <pc:sldMk cId="1601771800" sldId="272"/>
+            <ac:spMk id="2" creationId="{D9BBFB48-67AC-4B4B-95ED-FE88B2741E6F}"/>
+          </ac:spMkLst>
+        </pc:spChg>
+        <pc:spChg chg="del">
+          <ac:chgData name="Otto Schefer" userId="fd5a25951ba882f8" providerId="LiveId" clId="{01312597-0B54-46BE-906A-F240F5E61C87}" dt="2021-06-06T19:41:33.573" v="1435" actId="478"/>
+          <ac:spMkLst>
+            <pc:docMk/>
+            <pc:sldMk cId="1601771800" sldId="272"/>
+            <ac:spMk id="3" creationId="{84CFD821-2153-40FD-9D09-8F0B8AF5C1C9}"/>
+          </ac:spMkLst>
+        </pc:spChg>
+        <pc:spChg chg="add del mod">
+          <ac:chgData name="Otto Schefer" userId="fd5a25951ba882f8" providerId="LiveId" clId="{01312597-0B54-46BE-906A-F240F5E61C87}" dt="2021-06-06T19:46:46.612" v="1533" actId="478"/>
+          <ac:spMkLst>
+            <pc:docMk/>
+            <pc:sldMk cId="1601771800" sldId="272"/>
+            <ac:spMk id="9" creationId="{A8D1C2CB-E89D-40CB-93DB-D6B9BE8ED245}"/>
+          </ac:spMkLst>
+        </pc:spChg>
+        <pc:spChg chg="add mod">
+          <ac:chgData name="Otto Schefer" userId="fd5a25951ba882f8" providerId="LiveId" clId="{01312597-0B54-46BE-906A-F240F5E61C87}" dt="2021-06-06T19:46:01.368" v="1502" actId="571"/>
+          <ac:spMkLst>
+            <pc:docMk/>
+            <pc:sldMk cId="1601771800" sldId="272"/>
+            <ac:spMk id="27" creationId="{C1CCE642-2650-46E1-B181-1117BBE14618}"/>
+          </ac:spMkLst>
+        </pc:spChg>
+        <pc:picChg chg="add">
+          <ac:chgData name="Otto Schefer" userId="fd5a25951ba882f8" providerId="LiveId" clId="{01312597-0B54-46BE-906A-F240F5E61C87}" dt="2021-06-06T19:41:34.302" v="1436" actId="22"/>
+          <ac:picMkLst>
+            <pc:docMk/>
+            <pc:sldMk cId="1601771800" sldId="272"/>
+            <ac:picMk id="5" creationId="{CC4E2426-2CC3-4B58-A0C4-1CCF38704703}"/>
+          </ac:picMkLst>
+        </pc:picChg>
+        <pc:cxnChg chg="add del mod">
+          <ac:chgData name="Otto Schefer" userId="fd5a25951ba882f8" providerId="LiveId" clId="{01312597-0B54-46BE-906A-F240F5E61C87}" dt="2021-06-06T19:43:10.499" v="1456" actId="478"/>
+          <ac:cxnSpMkLst>
+            <pc:docMk/>
+            <pc:sldMk cId="1601771800" sldId="272"/>
+            <ac:cxnSpMk id="6" creationId="{07319913-949A-440A-BAD2-70892D8B54B2}"/>
+          </ac:cxnSpMkLst>
+        </pc:cxnChg>
+        <pc:cxnChg chg="add mod">
+          <ac:chgData name="Otto Schefer" userId="fd5a25951ba882f8" providerId="LiveId" clId="{01312597-0B54-46BE-906A-F240F5E61C87}" dt="2021-06-06T19:43:34.976" v="1461" actId="692"/>
+          <ac:cxnSpMkLst>
+            <pc:docMk/>
+            <pc:sldMk cId="1601771800" sldId="272"/>
+            <ac:cxnSpMk id="7" creationId="{1E413C24-25E7-4859-89CE-2ECAE67DBA62}"/>
+          </ac:cxnSpMkLst>
+        </pc:cxnChg>
+        <pc:cxnChg chg="add mod">
+          <ac:chgData name="Otto Schefer" userId="fd5a25951ba882f8" providerId="LiveId" clId="{01312597-0B54-46BE-906A-F240F5E61C87}" dt="2021-06-06T19:47:08.388" v="1536" actId="1035"/>
+          <ac:cxnSpMkLst>
+            <pc:docMk/>
+            <pc:sldMk cId="1601771800" sldId="272"/>
+            <ac:cxnSpMk id="10" creationId="{AA36926B-A0D9-4670-BB08-C4F823B6F4B6}"/>
+          </ac:cxnSpMkLst>
+        </pc:cxnChg>
+        <pc:cxnChg chg="add del mod">
+          <ac:chgData name="Otto Schefer" userId="fd5a25951ba882f8" providerId="LiveId" clId="{01312597-0B54-46BE-906A-F240F5E61C87}" dt="2021-06-06T19:46:46.037" v="1532" actId="478"/>
+          <ac:cxnSpMkLst>
+            <pc:docMk/>
+            <pc:sldMk cId="1601771800" sldId="272"/>
+            <ac:cxnSpMk id="19" creationId="{271E7D3C-B9EF-4E9C-A1E2-1DF03935551C}"/>
+          </ac:cxnSpMkLst>
+        </pc:cxnChg>
+        <pc:cxnChg chg="add del mod">
+          <ac:chgData name="Otto Schefer" userId="fd5a25951ba882f8" providerId="LiveId" clId="{01312597-0B54-46BE-906A-F240F5E61C87}" dt="2021-06-06T19:46:42.054" v="1529" actId="11529"/>
+          <ac:cxnSpMkLst>
+            <pc:docMk/>
+            <pc:sldMk cId="1601771800" sldId="272"/>
+            <ac:cxnSpMk id="21" creationId="{823B0193-D58B-459F-817B-1CC01C9A1FCA}"/>
+          </ac:cxnSpMkLst>
+        </pc:cxnChg>
+        <pc:cxnChg chg="add mod">
+          <ac:chgData name="Otto Schefer" userId="fd5a25951ba882f8" providerId="LiveId" clId="{01312597-0B54-46BE-906A-F240F5E61C87}" dt="2021-06-06T19:46:01.368" v="1502" actId="571"/>
+          <ac:cxnSpMkLst>
+            <pc:docMk/>
+            <pc:sldMk cId="1601771800" sldId="272"/>
+            <ac:cxnSpMk id="28" creationId="{95B376E5-7C99-4775-BA98-7D60D51772AB}"/>
+          </ac:cxnSpMkLst>
+        </pc:cxnChg>
+        <pc:cxnChg chg="add mod">
+          <ac:chgData name="Otto Schefer" userId="fd5a25951ba882f8" providerId="LiveId" clId="{01312597-0B54-46BE-906A-F240F5E61C87}" dt="2021-06-06T19:46:31.002" v="1520" actId="571"/>
+          <ac:cxnSpMkLst>
+            <pc:docMk/>
+            <pc:sldMk cId="1601771800" sldId="272"/>
+            <ac:cxnSpMk id="29" creationId="{1D299486-1150-46A5-842E-5EDFF0390A44}"/>
+          </ac:cxnSpMkLst>
+        </pc:cxnChg>
+        <pc:cxnChg chg="add mod">
+          <ac:chgData name="Otto Schefer" userId="fd5a25951ba882f8" providerId="LiveId" clId="{01312597-0B54-46BE-906A-F240F5E61C87}" dt="2021-06-06T19:46:30.806" v="1519" actId="571"/>
+          <ac:cxnSpMkLst>
+            <pc:docMk/>
+            <pc:sldMk cId="1601771800" sldId="272"/>
+            <ac:cxnSpMk id="30" creationId="{7BC59615-F230-4454-9902-EF541034890C}"/>
+          </ac:cxnSpMkLst>
+        </pc:cxnChg>
+        <pc:cxnChg chg="add mod">
+          <ac:chgData name="Otto Schefer" userId="fd5a25951ba882f8" providerId="LiveId" clId="{01312597-0B54-46BE-906A-F240F5E61C87}" dt="2021-06-06T19:46:30.615" v="1518" actId="571"/>
+          <ac:cxnSpMkLst>
+            <pc:docMk/>
+            <pc:sldMk cId="1601771800" sldId="272"/>
+            <ac:cxnSpMk id="31" creationId="{9AB40A71-CA86-4C77-AE1C-51FE6F53BF85}"/>
+          </ac:cxnSpMkLst>
+        </pc:cxnChg>
+        <pc:cxnChg chg="add mod">
+          <ac:chgData name="Otto Schefer" userId="fd5a25951ba882f8" providerId="LiveId" clId="{01312597-0B54-46BE-906A-F240F5E61C87}" dt="2021-06-06T19:46:30.458" v="1517" actId="571"/>
+          <ac:cxnSpMkLst>
+            <pc:docMk/>
+            <pc:sldMk cId="1601771800" sldId="272"/>
+            <ac:cxnSpMk id="32" creationId="{EC2ACB67-C745-4D5D-848B-29814C0F993E}"/>
+          </ac:cxnSpMkLst>
+        </pc:cxnChg>
+        <pc:cxnChg chg="add mod">
+          <ac:chgData name="Otto Schefer" userId="fd5a25951ba882f8" providerId="LiveId" clId="{01312597-0B54-46BE-906A-F240F5E61C87}" dt="2021-06-06T19:46:30.279" v="1516" actId="571"/>
+          <ac:cxnSpMkLst>
+            <pc:docMk/>
+            <pc:sldMk cId="1601771800" sldId="272"/>
+            <ac:cxnSpMk id="33" creationId="{8D4BFD7F-A15C-4A9D-9226-E764C11330CB}"/>
+          </ac:cxnSpMkLst>
+        </pc:cxnChg>
+        <pc:cxnChg chg="add mod">
+          <ac:chgData name="Otto Schefer" userId="fd5a25951ba882f8" providerId="LiveId" clId="{01312597-0B54-46BE-906A-F240F5E61C87}" dt="2021-06-06T19:46:30.088" v="1515" actId="571"/>
+          <ac:cxnSpMkLst>
+            <pc:docMk/>
+            <pc:sldMk cId="1601771800" sldId="272"/>
+            <ac:cxnSpMk id="34" creationId="{CB465E63-4524-4B7C-90AE-670DDCCEAFC2}"/>
+          </ac:cxnSpMkLst>
+        </pc:cxnChg>
+        <pc:cxnChg chg="add mod">
+          <ac:chgData name="Otto Schefer" userId="fd5a25951ba882f8" providerId="LiveId" clId="{01312597-0B54-46BE-906A-F240F5E61C87}" dt="2021-06-06T19:46:29.878" v="1514" actId="571"/>
+          <ac:cxnSpMkLst>
+            <pc:docMk/>
+            <pc:sldMk cId="1601771800" sldId="272"/>
+            <ac:cxnSpMk id="35" creationId="{D4C3E502-E5EE-4720-8148-FD19DED50149}"/>
+          </ac:cxnSpMkLst>
+        </pc:cxnChg>
+        <pc:cxnChg chg="add mod">
+          <ac:chgData name="Otto Schefer" userId="fd5a25951ba882f8" providerId="LiveId" clId="{01312597-0B54-46BE-906A-F240F5E61C87}" dt="2021-06-06T19:46:29.528" v="1513" actId="571"/>
+          <ac:cxnSpMkLst>
+            <pc:docMk/>
+            <pc:sldMk cId="1601771800" sldId="272"/>
+            <ac:cxnSpMk id="36" creationId="{E86569B6-D753-48E7-83E9-7283D537FF67}"/>
+          </ac:cxnSpMkLst>
+        </pc:cxnChg>
+        <pc:cxnChg chg="add mod">
+          <ac:chgData name="Otto Schefer" userId="fd5a25951ba882f8" providerId="LiveId" clId="{01312597-0B54-46BE-906A-F240F5E61C87}" dt="2021-06-06T19:46:29.064" v="1512" actId="571"/>
+          <ac:cxnSpMkLst>
+            <pc:docMk/>
+            <pc:sldMk cId="1601771800" sldId="272"/>
+            <ac:cxnSpMk id="37" creationId="{A5A1119B-5E9C-422F-847E-A816EDCFB35F}"/>
+          </ac:cxnSpMkLst>
+        </pc:cxnChg>
+        <pc:cxnChg chg="add mod">
+          <ac:chgData name="Otto Schefer" userId="fd5a25951ba882f8" providerId="LiveId" clId="{01312597-0B54-46BE-906A-F240F5E61C87}" dt="2021-06-06T19:47:05.576" v="1534" actId="571"/>
+          <ac:cxnSpMkLst>
+            <pc:docMk/>
+            <pc:sldMk cId="1601771800" sldId="272"/>
+            <ac:cxnSpMk id="38" creationId="{679A4F99-63B2-4340-8955-F3DD23B1EC76}"/>
+          </ac:cxnSpMkLst>
+        </pc:cxnChg>
+      </pc:sldChg>
+      <pc:sldChg chg="addSp delSp modSp new mod">
+        <pc:chgData name="Otto Schefer" userId="fd5a25951ba882f8" providerId="LiveId" clId="{01312597-0B54-46BE-906A-F240F5E61C87}" dt="2021-06-06T20:33:41.574" v="1682" actId="1036"/>
+        <pc:sldMkLst>
+          <pc:docMk/>
+          <pc:sldMk cId="1446561339" sldId="273"/>
+        </pc:sldMkLst>
+        <pc:spChg chg="del">
+          <ac:chgData name="Otto Schefer" userId="fd5a25951ba882f8" providerId="LiveId" clId="{01312597-0B54-46BE-906A-F240F5E61C87}" dt="2021-06-06T19:56:42.212" v="1538" actId="478"/>
+          <ac:spMkLst>
+            <pc:docMk/>
+            <pc:sldMk cId="1446561339" sldId="273"/>
+            <ac:spMk id="2" creationId="{089E9190-8282-48EC-9973-FE20C09434B3}"/>
+          </ac:spMkLst>
+        </pc:spChg>
+        <pc:spChg chg="del">
+          <ac:chgData name="Otto Schefer" userId="fd5a25951ba882f8" providerId="LiveId" clId="{01312597-0B54-46BE-906A-F240F5E61C87}" dt="2021-06-06T19:56:42.212" v="1538" actId="478"/>
+          <ac:spMkLst>
+            <pc:docMk/>
+            <pc:sldMk cId="1446561339" sldId="273"/>
+            <ac:spMk id="3" creationId="{6FEB7AD8-9F61-4571-A999-EEA60ABC9D85}"/>
+          </ac:spMkLst>
+        </pc:spChg>
+        <pc:picChg chg="add del">
+          <ac:chgData name="Otto Schefer" userId="fd5a25951ba882f8" providerId="LiveId" clId="{01312597-0B54-46BE-906A-F240F5E61C87}" dt="2021-06-06T20:10:39.941" v="1565" actId="478"/>
+          <ac:picMkLst>
+            <pc:docMk/>
+            <pc:sldMk cId="1446561339" sldId="273"/>
+            <ac:picMk id="5" creationId="{00720899-8EF1-48AC-8BE4-DC8E593C7DAE}"/>
+          </ac:picMkLst>
+        </pc:picChg>
+        <pc:picChg chg="add del">
+          <ac:chgData name="Otto Schefer" userId="fd5a25951ba882f8" providerId="LiveId" clId="{01312597-0B54-46BE-906A-F240F5E61C87}" dt="2021-06-06T20:10:10.775" v="1560" actId="22"/>
+          <ac:picMkLst>
+            <pc:docMk/>
+            <pc:sldMk cId="1446561339" sldId="273"/>
+            <ac:picMk id="7" creationId="{2647564D-6048-4EED-874D-8D843A0E7214}"/>
+          </ac:picMkLst>
+        </pc:picChg>
+        <pc:picChg chg="add">
+          <ac:chgData name="Otto Schefer" userId="fd5a25951ba882f8" providerId="LiveId" clId="{01312597-0B54-46BE-906A-F240F5E61C87}" dt="2021-06-06T20:33:03.278" v="1670" actId="22"/>
+          <ac:picMkLst>
+            <pc:docMk/>
+            <pc:sldMk cId="1446561339" sldId="273"/>
+            <ac:picMk id="9" creationId="{2ADB115A-4B43-47F1-B5F3-4592C8D85728}"/>
+          </ac:picMkLst>
+        </pc:picChg>
+        <pc:cxnChg chg="add mod">
+          <ac:chgData name="Otto Schefer" userId="fd5a25951ba882f8" providerId="LiveId" clId="{01312597-0B54-46BE-906A-F240F5E61C87}" dt="2021-06-06T20:33:38.373" v="1681" actId="1035"/>
+          <ac:cxnSpMkLst>
+            <pc:docMk/>
+            <pc:sldMk cId="1446561339" sldId="273"/>
+            <ac:cxnSpMk id="10" creationId="{C7EC4329-032A-42DD-A805-B52A4CF644E5}"/>
+          </ac:cxnSpMkLst>
+        </pc:cxnChg>
+        <pc:cxnChg chg="add mod">
+          <ac:chgData name="Otto Schefer" userId="fd5a25951ba882f8" providerId="LiveId" clId="{01312597-0B54-46BE-906A-F240F5E61C87}" dt="2021-06-06T20:33:41.574" v="1682" actId="1036"/>
+          <ac:cxnSpMkLst>
+            <pc:docMk/>
+            <pc:sldMk cId="1446561339" sldId="273"/>
+            <ac:cxnSpMk id="11" creationId="{14BA60F8-AD2F-42B4-8FC3-EBE52607008F}"/>
+          </ac:cxnSpMkLst>
+        </pc:cxnChg>
+      </pc:sldChg>
+      <pc:sldChg chg="addSp delSp modSp new mod">
+        <pc:chgData name="Otto Schefer" userId="fd5a25951ba882f8" providerId="LiveId" clId="{01312597-0B54-46BE-906A-F240F5E61C87}" dt="2021-06-06T20:13:52.501" v="1612" actId="1035"/>
+        <pc:sldMkLst>
+          <pc:docMk/>
+          <pc:sldMk cId="2277004713" sldId="274"/>
+        </pc:sldMkLst>
+        <pc:spChg chg="del">
+          <ac:chgData name="Otto Schefer" userId="fd5a25951ba882f8" providerId="LiveId" clId="{01312597-0B54-46BE-906A-F240F5E61C87}" dt="2021-06-06T19:58:16.502" v="1541" actId="478"/>
+          <ac:spMkLst>
+            <pc:docMk/>
+            <pc:sldMk cId="2277004713" sldId="274"/>
+            <ac:spMk id="2" creationId="{4D2838AD-B071-401F-9F10-728158D9AB64}"/>
+          </ac:spMkLst>
+        </pc:spChg>
+        <pc:spChg chg="del">
+          <ac:chgData name="Otto Schefer" userId="fd5a25951ba882f8" providerId="LiveId" clId="{01312597-0B54-46BE-906A-F240F5E61C87}" dt="2021-06-06T19:58:16.502" v="1541" actId="478"/>
+          <ac:spMkLst>
+            <pc:docMk/>
+            <pc:sldMk cId="2277004713" sldId="274"/>
+            <ac:spMk id="3" creationId="{AF727562-3CF2-4B7A-A0D3-50B4BECA80F7}"/>
+          </ac:spMkLst>
+        </pc:spChg>
+        <pc:picChg chg="add del mod">
+          <ac:chgData name="Otto Schefer" userId="fd5a25951ba882f8" providerId="LiveId" clId="{01312597-0B54-46BE-906A-F240F5E61C87}" dt="2021-06-06T20:13:12.308" v="1602" actId="478"/>
+          <ac:picMkLst>
+            <pc:docMk/>
+            <pc:sldMk cId="2277004713" sldId="274"/>
+            <ac:picMk id="5" creationId="{6C543B60-E5DA-4E25-B873-C2CCA3AEEC56}"/>
+          </ac:picMkLst>
+        </pc:picChg>
+        <pc:picChg chg="add">
+          <ac:chgData name="Otto Schefer" userId="fd5a25951ba882f8" providerId="LiveId" clId="{01312597-0B54-46BE-906A-F240F5E61C87}" dt="2021-06-06T20:13:13.184" v="1603" actId="22"/>
+          <ac:picMkLst>
+            <pc:docMk/>
+            <pc:sldMk cId="2277004713" sldId="274"/>
+            <ac:picMk id="12" creationId="{79250E76-67FE-4FDD-B139-D1A88EE83F07}"/>
+          </ac:picMkLst>
+        </pc:picChg>
+        <pc:cxnChg chg="add mod">
+          <ac:chgData name="Otto Schefer" userId="fd5a25951ba882f8" providerId="LiveId" clId="{01312597-0B54-46BE-906A-F240F5E61C87}" dt="2021-06-06T19:59:04.868" v="1555" actId="1036"/>
+          <ac:cxnSpMkLst>
+            <pc:docMk/>
+            <pc:sldMk cId="2277004713" sldId="274"/>
+            <ac:cxnSpMk id="6" creationId="{A199E0CC-8A82-45C8-BD46-C2739957F538}"/>
+          </ac:cxnSpMkLst>
+        </pc:cxnChg>
+        <pc:cxnChg chg="add mod">
+          <ac:chgData name="Otto Schefer" userId="fd5a25951ba882f8" providerId="LiveId" clId="{01312597-0B54-46BE-906A-F240F5E61C87}" dt="2021-06-06T19:59:08.005" v="1557" actId="1036"/>
+          <ac:cxnSpMkLst>
+            <pc:docMk/>
+            <pc:sldMk cId="2277004713" sldId="274"/>
+            <ac:cxnSpMk id="10" creationId="{32F16DD2-D8BB-4186-8878-CFABD75A8BC8}"/>
+          </ac:cxnSpMkLst>
+        </pc:cxnChg>
+        <pc:cxnChg chg="add mod">
+          <ac:chgData name="Otto Schefer" userId="fd5a25951ba882f8" providerId="LiveId" clId="{01312597-0B54-46BE-906A-F240F5E61C87}" dt="2021-06-06T20:13:49.161" v="1610" actId="14100"/>
+          <ac:cxnSpMkLst>
+            <pc:docMk/>
+            <pc:sldMk cId="2277004713" sldId="274"/>
+            <ac:cxnSpMk id="13" creationId="{3BDE57D2-6CE3-4F1F-A9ED-CD1BF4C3BCD2}"/>
+          </ac:cxnSpMkLst>
+        </pc:cxnChg>
+        <pc:cxnChg chg="add mod">
+          <ac:chgData name="Otto Schefer" userId="fd5a25951ba882f8" providerId="LiveId" clId="{01312597-0B54-46BE-906A-F240F5E61C87}" dt="2021-06-06T20:13:52.501" v="1612" actId="1035"/>
+          <ac:cxnSpMkLst>
+            <pc:docMk/>
+            <pc:sldMk cId="2277004713" sldId="274"/>
+            <ac:cxnSpMk id="14" creationId="{1854D4EC-2DE0-4585-8B5F-7FA5A8E13FC1}"/>
+          </ac:cxnSpMkLst>
+        </pc:cxnChg>
+      </pc:sldChg>
+      <pc:sldChg chg="addSp delSp modSp new mod">
+        <pc:chgData name="Otto Schefer" userId="fd5a25951ba882f8" providerId="LiveId" clId="{01312597-0B54-46BE-906A-F240F5E61C87}" dt="2021-06-06T20:11:27.780" v="1601" actId="14100"/>
+        <pc:sldMkLst>
+          <pc:docMk/>
+          <pc:sldMk cId="914178872" sldId="275"/>
+        </pc:sldMkLst>
+        <pc:spChg chg="del">
+          <ac:chgData name="Otto Schefer" userId="fd5a25951ba882f8" providerId="LiveId" clId="{01312597-0B54-46BE-906A-F240F5E61C87}" dt="2021-06-06T20:10:19.365" v="1563" actId="478"/>
+          <ac:spMkLst>
+            <pc:docMk/>
+            <pc:sldMk cId="914178872" sldId="275"/>
+            <ac:spMk id="2" creationId="{8A20CEC4-617F-4F6B-8887-B7A391EC3CC3}"/>
+          </ac:spMkLst>
+        </pc:spChg>
+        <pc:spChg chg="del">
+          <ac:chgData name="Otto Schefer" userId="fd5a25951ba882f8" providerId="LiveId" clId="{01312597-0B54-46BE-906A-F240F5E61C87}" dt="2021-06-06T20:10:19.365" v="1563" actId="478"/>
+          <ac:spMkLst>
+            <pc:docMk/>
+            <pc:sldMk cId="914178872" sldId="275"/>
+            <ac:spMk id="3" creationId="{E9834FD1-843A-4AAE-94DA-431F80ACE435}"/>
+          </ac:spMkLst>
+        </pc:spChg>
+        <pc:picChg chg="add">
+          <ac:chgData name="Otto Schefer" userId="fd5a25951ba882f8" providerId="LiveId" clId="{01312597-0B54-46BE-906A-F240F5E61C87}" dt="2021-06-06T20:10:20.026" v="1564" actId="22"/>
+          <ac:picMkLst>
+            <pc:docMk/>
+            <pc:sldMk cId="914178872" sldId="275"/>
+            <ac:picMk id="5" creationId="{E17E3668-2900-4C5D-87C2-446443B3A801}"/>
+          </ac:picMkLst>
+        </pc:picChg>
+        <pc:cxnChg chg="add mod">
+          <ac:chgData name="Otto Schefer" userId="fd5a25951ba882f8" providerId="LiveId" clId="{01312597-0B54-46BE-906A-F240F5E61C87}" dt="2021-06-06T20:11:07.587" v="1573" actId="14100"/>
+          <ac:cxnSpMkLst>
+            <pc:docMk/>
+            <pc:sldMk cId="914178872" sldId="275"/>
+            <ac:cxnSpMk id="6" creationId="{E7CA9368-B523-430B-89F5-15AD01B2B324}"/>
+          </ac:cxnSpMkLst>
+        </pc:cxnChg>
+        <pc:cxnChg chg="add mod">
+          <ac:chgData name="Otto Schefer" userId="fd5a25951ba882f8" providerId="LiveId" clId="{01312597-0B54-46BE-906A-F240F5E61C87}" dt="2021-06-06T20:11:16.514" v="1575" actId="14100"/>
+          <ac:cxnSpMkLst>
+            <pc:docMk/>
+            <pc:sldMk cId="914178872" sldId="275"/>
+            <ac:cxnSpMk id="7" creationId="{445AED65-5107-439F-B7CB-F467368C69AF}"/>
+          </ac:cxnSpMkLst>
+        </pc:cxnChg>
+        <pc:cxnChg chg="add mod">
+          <ac:chgData name="Otto Schefer" userId="fd5a25951ba882f8" providerId="LiveId" clId="{01312597-0B54-46BE-906A-F240F5E61C87}" dt="2021-06-06T20:11:27.780" v="1601" actId="14100"/>
+          <ac:cxnSpMkLst>
+            <pc:docMk/>
+            <pc:sldMk cId="914178872" sldId="275"/>
+            <ac:cxnSpMk id="8" creationId="{D43D1C03-44B4-4B64-B638-3E7873F7EC00}"/>
+          </ac:cxnSpMkLst>
+        </pc:cxnChg>
+      </pc:sldChg>
+      <pc:sldChg chg="addSp delSp modSp new mod">
+        <pc:chgData name="Otto Schefer" userId="fd5a25951ba882f8" providerId="LiveId" clId="{01312597-0B54-46BE-906A-F240F5E61C87}" dt="2021-06-06T20:24:26.352" v="1639" actId="14100"/>
+        <pc:sldMkLst>
+          <pc:docMk/>
+          <pc:sldMk cId="138027256" sldId="276"/>
+        </pc:sldMkLst>
+        <pc:spChg chg="del">
+          <ac:chgData name="Otto Schefer" userId="fd5a25951ba882f8" providerId="LiveId" clId="{01312597-0B54-46BE-906A-F240F5E61C87}" dt="2021-06-06T20:23:31.237" v="1614" actId="478"/>
+          <ac:spMkLst>
+            <pc:docMk/>
+            <pc:sldMk cId="138027256" sldId="276"/>
+            <ac:spMk id="2" creationId="{10AF71B0-ACD1-4A23-9730-93C0EEDE8E01}"/>
+          </ac:spMkLst>
+        </pc:spChg>
+        <pc:spChg chg="del">
+          <ac:chgData name="Otto Schefer" userId="fd5a25951ba882f8" providerId="LiveId" clId="{01312597-0B54-46BE-906A-F240F5E61C87}" dt="2021-06-06T20:23:31.237" v="1614" actId="478"/>
+          <ac:spMkLst>
+            <pc:docMk/>
+            <pc:sldMk cId="138027256" sldId="276"/>
+            <ac:spMk id="3" creationId="{ABD6EDD7-5624-4564-877D-7F27ABD78F81}"/>
+          </ac:spMkLst>
+        </pc:spChg>
+        <pc:picChg chg="add mod">
+          <ac:chgData name="Otto Schefer" userId="fd5a25951ba882f8" providerId="LiveId" clId="{01312597-0B54-46BE-906A-F240F5E61C87}" dt="2021-06-06T20:23:45.478" v="1621" actId="14100"/>
+          <ac:picMkLst>
+            <pc:docMk/>
+            <pc:sldMk cId="138027256" sldId="276"/>
+            <ac:picMk id="5" creationId="{8295A48C-4008-490C-AA89-EAB1A0371591}"/>
+          </ac:picMkLst>
+        </pc:picChg>
+        <pc:cxnChg chg="add mod">
+          <ac:chgData name="Otto Schefer" userId="fd5a25951ba882f8" providerId="LiveId" clId="{01312597-0B54-46BE-906A-F240F5E61C87}" dt="2021-06-06T20:24:23.146" v="1638" actId="14100"/>
+          <ac:cxnSpMkLst>
+            <pc:docMk/>
+            <pc:sldMk cId="138027256" sldId="276"/>
+            <ac:cxnSpMk id="6" creationId="{3C037BCF-B710-4E83-ABF8-B90792F5064D}"/>
+          </ac:cxnSpMkLst>
+        </pc:cxnChg>
+        <pc:cxnChg chg="add mod">
+          <ac:chgData name="Otto Schefer" userId="fd5a25951ba882f8" providerId="LiveId" clId="{01312597-0B54-46BE-906A-F240F5E61C87}" dt="2021-06-06T20:24:26.352" v="1639" actId="14100"/>
+          <ac:cxnSpMkLst>
+            <pc:docMk/>
+            <pc:sldMk cId="138027256" sldId="276"/>
+            <ac:cxnSpMk id="7" creationId="{585102CA-2DDD-4452-8497-DFEAE36383ED}"/>
+          </ac:cxnSpMkLst>
+        </pc:cxnChg>
+      </pc:sldChg>
+      <pc:sldChg chg="addSp delSp modSp new mod">
+        <pc:chgData name="Otto Schefer" userId="fd5a25951ba882f8" providerId="LiveId" clId="{01312597-0B54-46BE-906A-F240F5E61C87}" dt="2021-06-06T20:28:03.765" v="1669" actId="1036"/>
+        <pc:sldMkLst>
+          <pc:docMk/>
+          <pc:sldMk cId="512171927" sldId="277"/>
+        </pc:sldMkLst>
+        <pc:spChg chg="del">
+          <ac:chgData name="Otto Schefer" userId="fd5a25951ba882f8" providerId="LiveId" clId="{01312597-0B54-46BE-906A-F240F5E61C87}" dt="2021-06-06T20:27:28.166" v="1641" actId="478"/>
+          <ac:spMkLst>
+            <pc:docMk/>
+            <pc:sldMk cId="512171927" sldId="277"/>
+            <ac:spMk id="2" creationId="{E3F3636F-1064-4C8E-B29D-E849933EDF17}"/>
+          </ac:spMkLst>
+        </pc:spChg>
+        <pc:spChg chg="del">
+          <ac:chgData name="Otto Schefer" userId="fd5a25951ba882f8" providerId="LiveId" clId="{01312597-0B54-46BE-906A-F240F5E61C87}" dt="2021-06-06T20:27:28.166" v="1641" actId="478"/>
+          <ac:spMkLst>
+            <pc:docMk/>
+            <pc:sldMk cId="512171927" sldId="277"/>
+            <ac:spMk id="3" creationId="{6F0C5B37-490A-4DE0-AA54-62F3B62D0635}"/>
+          </ac:spMkLst>
+        </pc:spChg>
+        <pc:picChg chg="add mod">
+          <ac:chgData name="Otto Schefer" userId="fd5a25951ba882f8" providerId="LiveId" clId="{01312597-0B54-46BE-906A-F240F5E61C87}" dt="2021-06-06T20:27:51.104" v="1662" actId="14100"/>
+          <ac:picMkLst>
+            <pc:docMk/>
+            <pc:sldMk cId="512171927" sldId="277"/>
+            <ac:picMk id="5" creationId="{4EB92E34-C9EE-44C4-885B-31FEFB3A83C2}"/>
+          </ac:picMkLst>
+        </pc:picChg>
+        <pc:cxnChg chg="add mod">
+          <ac:chgData name="Otto Schefer" userId="fd5a25951ba882f8" providerId="LiveId" clId="{01312597-0B54-46BE-906A-F240F5E61C87}" dt="2021-06-06T20:28:03.765" v="1669" actId="1036"/>
+          <ac:cxnSpMkLst>
+            <pc:docMk/>
+            <pc:sldMk cId="512171927" sldId="277"/>
+            <ac:cxnSpMk id="6" creationId="{13DCDFEB-A9B2-4DCF-80B7-FF9AB67B8596}"/>
+          </ac:cxnSpMkLst>
+        </pc:cxnChg>
+        <pc:cxnChg chg="add mod">
+          <ac:chgData name="Otto Schefer" userId="fd5a25951ba882f8" providerId="LiveId" clId="{01312597-0B54-46BE-906A-F240F5E61C87}" dt="2021-06-06T20:28:03.765" v="1669" actId="1036"/>
+          <ac:cxnSpMkLst>
+            <pc:docMk/>
+            <pc:sldMk cId="512171927" sldId="277"/>
+            <ac:cxnSpMk id="7" creationId="{E96E7C88-7B15-4CE3-997A-10706546CE25}"/>
+          </ac:cxnSpMkLst>
+        </pc:cxnChg>
+      </pc:sldChg>
+      <pc:sldChg chg="addSp delSp modSp new mod">
+        <pc:chgData name="Otto Schefer" userId="fd5a25951ba882f8" providerId="LiveId" clId="{01312597-0B54-46BE-906A-F240F5E61C87}" dt="2021-06-06T23:21:59.973" v="1752" actId="1037"/>
+        <pc:sldMkLst>
+          <pc:docMk/>
+          <pc:sldMk cId="3899241003" sldId="278"/>
+        </pc:sldMkLst>
+        <pc:spChg chg="del">
+          <ac:chgData name="Otto Schefer" userId="fd5a25951ba882f8" providerId="LiveId" clId="{01312597-0B54-46BE-906A-F240F5E61C87}" dt="2021-06-06T23:18:42.342" v="1684" actId="478"/>
+          <ac:spMkLst>
+            <pc:docMk/>
+            <pc:sldMk cId="3899241003" sldId="278"/>
+            <ac:spMk id="2" creationId="{42D2C448-3A50-4F14-8215-29C3F2C62A49}"/>
+          </ac:spMkLst>
+        </pc:spChg>
+        <pc:spChg chg="del">
+          <ac:chgData name="Otto Schefer" userId="fd5a25951ba882f8" providerId="LiveId" clId="{01312597-0B54-46BE-906A-F240F5E61C87}" dt="2021-06-06T23:18:42.342" v="1684" actId="478"/>
+          <ac:spMkLst>
+            <pc:docMk/>
+            <pc:sldMk cId="3899241003" sldId="278"/>
+            <ac:spMk id="3" creationId="{7FD19D95-D39F-4698-A18F-0564836E61EE}"/>
+          </ac:spMkLst>
+        </pc:spChg>
+        <pc:spChg chg="add mod">
+          <ac:chgData name="Otto Schefer" userId="fd5a25951ba882f8" providerId="LiveId" clId="{01312597-0B54-46BE-906A-F240F5E61C87}" dt="2021-06-06T23:21:33.684" v="1717" actId="1076"/>
+          <ac:spMkLst>
+            <pc:docMk/>
+            <pc:sldMk cId="3899241003" sldId="278"/>
+            <ac:spMk id="6" creationId="{A44EEF65-3519-423F-8D6E-526B4EDE7D1F}"/>
+          </ac:spMkLst>
+        </pc:spChg>
+        <pc:spChg chg="add mod ord">
+          <ac:chgData name="Otto Schefer" userId="fd5a25951ba882f8" providerId="LiveId" clId="{01312597-0B54-46BE-906A-F240F5E61C87}" dt="2021-06-06T23:21:37.123" v="1718" actId="1076"/>
+          <ac:spMkLst>
+            <pc:docMk/>
+            <pc:sldMk cId="3899241003" sldId="278"/>
+            <ac:spMk id="7" creationId="{0CE03985-A1CE-4D86-84DB-8DDEA13A3A1F}"/>
+          </ac:spMkLst>
+        </pc:spChg>
+        <pc:spChg chg="add mod ord">
+          <ac:chgData name="Otto Schefer" userId="fd5a25951ba882f8" providerId="LiveId" clId="{01312597-0B54-46BE-906A-F240F5E61C87}" dt="2021-06-06T23:21:59.973" v="1752" actId="1037"/>
+          <ac:spMkLst>
+            <pc:docMk/>
+            <pc:sldMk cId="3899241003" sldId="278"/>
+            <ac:spMk id="8" creationId="{3B638C57-8FD3-497A-9A42-02DAA1C81F1F}"/>
+          </ac:spMkLst>
+        </pc:spChg>
+        <pc:spChg chg="add mod">
+          <ac:chgData name="Otto Schefer" userId="fd5a25951ba882f8" providerId="LiveId" clId="{01312597-0B54-46BE-906A-F240F5E61C87}" dt="2021-06-06T23:18:54.809" v="1686"/>
+          <ac:spMkLst>
+            <pc:docMk/>
+            <pc:sldMk cId="3899241003" sldId="278"/>
+            <ac:spMk id="9" creationId="{63450F81-09F5-4DDD-BB2F-EF41C026BCA2}"/>
+          </ac:spMkLst>
+        </pc:spChg>
+        <pc:spChg chg="add mod">
+          <ac:chgData name="Otto Schefer" userId="fd5a25951ba882f8" providerId="LiveId" clId="{01312597-0B54-46BE-906A-F240F5E61C87}" dt="2021-06-06T23:18:54.809" v="1686"/>
+          <ac:spMkLst>
+            <pc:docMk/>
+            <pc:sldMk cId="3899241003" sldId="278"/>
+            <ac:spMk id="10" creationId="{4009A760-F7F5-4C82-AB8D-045C6DC8A9BF}"/>
+          </ac:spMkLst>
+        </pc:spChg>
+        <pc:spChg chg="add mod">
+          <ac:chgData name="Otto Schefer" userId="fd5a25951ba882f8" providerId="LiveId" clId="{01312597-0B54-46BE-906A-F240F5E61C87}" dt="2021-06-06T23:20:47.749" v="1706" actId="14100"/>
+          <ac:spMkLst>
+            <pc:docMk/>
+            <pc:sldMk cId="3899241003" sldId="278"/>
+            <ac:spMk id="11" creationId="{8496592B-4AEC-4F09-9121-03D32D6C4F4F}"/>
+          </ac:spMkLst>
+        </pc:spChg>
+        <pc:spChg chg="add mod">
+          <ac:chgData name="Otto Schefer" userId="fd5a25951ba882f8" providerId="LiveId" clId="{01312597-0B54-46BE-906A-F240F5E61C87}" dt="2021-06-06T23:21:08.756" v="1711" actId="1076"/>
+          <ac:spMkLst>
+            <pc:docMk/>
+            <pc:sldMk cId="3899241003" sldId="278"/>
+            <ac:spMk id="16" creationId="{E450E86D-BBDE-4C98-AAD4-380805F35A28}"/>
+          </ac:spMkLst>
+        </pc:spChg>
+        <pc:spChg chg="add mod">
+          <ac:chgData name="Otto Schefer" userId="fd5a25951ba882f8" providerId="LiveId" clId="{01312597-0B54-46BE-906A-F240F5E61C87}" dt="2021-06-06T23:21:12.381" v="1712" actId="571"/>
+          <ac:spMkLst>
+            <pc:docMk/>
+            <pc:sldMk cId="3899241003" sldId="278"/>
+            <ac:spMk id="17" creationId="{59C4647E-29E7-4A0B-B45D-0621114BF4B0}"/>
+          </ac:spMkLst>
+        </pc:spChg>
+        <pc:spChg chg="add mod">
+          <ac:chgData name="Otto Schefer" userId="fd5a25951ba882f8" providerId="LiveId" clId="{01312597-0B54-46BE-906A-F240F5E61C87}" dt="2021-06-06T23:21:54.357" v="1725" actId="1035"/>
+          <ac:spMkLst>
+            <pc:docMk/>
+            <pc:sldMk cId="3899241003" sldId="278"/>
+            <ac:spMk id="18" creationId="{394A1767-AD80-4756-8CA7-B118737BD8C5}"/>
+          </ac:spMkLst>
+        </pc:spChg>
+        <pc:picChg chg="add del">
+          <ac:chgData name="Otto Schefer" userId="fd5a25951ba882f8" providerId="LiveId" clId="{01312597-0B54-46BE-906A-F240F5E61C87}" dt="2021-06-06T23:20:26.213" v="1699" actId="478"/>
+          <ac:picMkLst>
+            <pc:docMk/>
+            <pc:sldMk cId="3899241003" sldId="278"/>
+            <ac:picMk id="5" creationId="{1693EEA6-96A8-4659-BEBC-AE2D0447C1E5}"/>
+          </ac:picMkLst>
+        </pc:picChg>
+        <pc:picChg chg="add del">
+          <ac:chgData name="Otto Schefer" userId="fd5a25951ba882f8" providerId="LiveId" clId="{01312597-0B54-46BE-906A-F240F5E61C87}" dt="2021-06-06T23:20:21.493" v="1698" actId="22"/>
+          <ac:picMkLst>
+            <pc:docMk/>
+            <pc:sldMk cId="3899241003" sldId="278"/>
+            <ac:picMk id="13" creationId="{E83216B2-1BAE-4E39-B77C-076334097433}"/>
+          </ac:picMkLst>
+        </pc:picChg>
+        <pc:picChg chg="add ord">
+          <ac:chgData name="Otto Schefer" userId="fd5a25951ba882f8" providerId="LiveId" clId="{01312597-0B54-46BE-906A-F240F5E61C87}" dt="2021-06-06T23:20:31.084" v="1701" actId="167"/>
+          <ac:picMkLst>
+            <pc:docMk/>
+            <pc:sldMk cId="3899241003" sldId="278"/>
+            <ac:picMk id="15" creationId="{4AD50847-E369-40AE-A138-FB1CC085325C}"/>
+          </ac:picMkLst>
+        </pc:picChg>
+      </pc:sldChg>
+      <pc:sldChg chg="addSp delSp new mod">
+        <pc:chgData name="Otto Schefer" userId="fd5a25951ba882f8" providerId="LiveId" clId="{01312597-0B54-46BE-906A-F240F5E61C87}" dt="2021-06-07T21:24:30.825" v="1755" actId="22"/>
+        <pc:sldMkLst>
+          <pc:docMk/>
+          <pc:sldMk cId="2719226841" sldId="279"/>
+        </pc:sldMkLst>
+        <pc:spChg chg="del">
+          <ac:chgData name="Otto Schefer" userId="fd5a25951ba882f8" providerId="LiveId" clId="{01312597-0B54-46BE-906A-F240F5E61C87}" dt="2021-06-07T21:24:30.163" v="1754" actId="478"/>
+          <ac:spMkLst>
+            <pc:docMk/>
+            <pc:sldMk cId="2719226841" sldId="279"/>
+            <ac:spMk id="2" creationId="{4485851A-8138-4140-8500-F79010E7F9C5}"/>
+          </ac:spMkLst>
+        </pc:spChg>
+        <pc:spChg chg="del">
+          <ac:chgData name="Otto Schefer" userId="fd5a25951ba882f8" providerId="LiveId" clId="{01312597-0B54-46BE-906A-F240F5E61C87}" dt="2021-06-07T21:24:30.163" v="1754" actId="478"/>
+          <ac:spMkLst>
+            <pc:docMk/>
+            <pc:sldMk cId="2719226841" sldId="279"/>
+            <ac:spMk id="3" creationId="{625FFDC3-304C-4489-B7A8-2E25361B1176}"/>
+          </ac:spMkLst>
+        </pc:spChg>
+        <pc:picChg chg="add">
+          <ac:chgData name="Otto Schefer" userId="fd5a25951ba882f8" providerId="LiveId" clId="{01312597-0B54-46BE-906A-F240F5E61C87}" dt="2021-06-07T21:24:30.825" v="1755" actId="22"/>
+          <ac:picMkLst>
+            <pc:docMk/>
+            <pc:sldMk cId="2719226841" sldId="279"/>
+            <ac:picMk id="5" creationId="{F590533B-8760-4889-A5F9-B2BF4C206DD9}"/>
+          </ac:picMkLst>
+        </pc:picChg>
+      </pc:sldChg>
+      <pc:sldChg chg="addSp delSp new mod">
+        <pc:chgData name="Otto Schefer" userId="fd5a25951ba882f8" providerId="LiveId" clId="{01312597-0B54-46BE-906A-F240F5E61C87}" dt="2021-06-07T21:26:53.211" v="1758" actId="22"/>
+        <pc:sldMkLst>
+          <pc:docMk/>
+          <pc:sldMk cId="2828813166" sldId="280"/>
+        </pc:sldMkLst>
+        <pc:spChg chg="del">
+          <ac:chgData name="Otto Schefer" userId="fd5a25951ba882f8" providerId="LiveId" clId="{01312597-0B54-46BE-906A-F240F5E61C87}" dt="2021-06-07T21:26:52.465" v="1757" actId="478"/>
+          <ac:spMkLst>
+            <pc:docMk/>
+            <pc:sldMk cId="2828813166" sldId="280"/>
+            <ac:spMk id="2" creationId="{D53C8785-E6A1-4ECC-B46F-31B7B8DBF3BA}"/>
+          </ac:spMkLst>
+        </pc:spChg>
+        <pc:spChg chg="del">
+          <ac:chgData name="Otto Schefer" userId="fd5a25951ba882f8" providerId="LiveId" clId="{01312597-0B54-46BE-906A-F240F5E61C87}" dt="2021-06-07T21:26:52.465" v="1757" actId="478"/>
+          <ac:spMkLst>
+            <pc:docMk/>
+            <pc:sldMk cId="2828813166" sldId="280"/>
+            <ac:spMk id="3" creationId="{89E3FDFB-E491-44AE-9D6F-145FA976A718}"/>
+          </ac:spMkLst>
+        </pc:spChg>
+        <pc:picChg chg="add">
+          <ac:chgData name="Otto Schefer" userId="fd5a25951ba882f8" providerId="LiveId" clId="{01312597-0B54-46BE-906A-F240F5E61C87}" dt="2021-06-07T21:26:53.211" v="1758" actId="22"/>
+          <ac:picMkLst>
+            <pc:docMk/>
+            <pc:sldMk cId="2828813166" sldId="280"/>
+            <ac:picMk id="5" creationId="{66AE98E0-1C46-4B9C-9329-9020F7A202EA}"/>
+          </ac:picMkLst>
+        </pc:picChg>
+      </pc:sldChg>
+      <pc:sldChg chg="addSp delSp modSp new mod">
+        <pc:chgData name="Otto Schefer" userId="fd5a25951ba882f8" providerId="LiveId" clId="{01312597-0B54-46BE-906A-F240F5E61C87}" dt="2021-06-07T23:12:51.909" v="1930" actId="165"/>
+        <pc:sldMkLst>
+          <pc:docMk/>
+          <pc:sldMk cId="3939828616" sldId="281"/>
+        </pc:sldMkLst>
+        <pc:spChg chg="del">
+          <ac:chgData name="Otto Schefer" userId="fd5a25951ba882f8" providerId="LiveId" clId="{01312597-0B54-46BE-906A-F240F5E61C87}" dt="2021-06-07T22:46:17.921" v="1760" actId="478"/>
+          <ac:spMkLst>
+            <pc:docMk/>
+            <pc:sldMk cId="3939828616" sldId="281"/>
+            <ac:spMk id="2" creationId="{7D1B6F94-D7E3-433E-8998-378BB5B8BE69}"/>
+          </ac:spMkLst>
+        </pc:spChg>
+        <pc:spChg chg="del">
+          <ac:chgData name="Otto Schefer" userId="fd5a25951ba882f8" providerId="LiveId" clId="{01312597-0B54-46BE-906A-F240F5E61C87}" dt="2021-06-07T22:46:17.921" v="1760" actId="478"/>
+          <ac:spMkLst>
+            <pc:docMk/>
+            <pc:sldMk cId="3939828616" sldId="281"/>
+            <ac:spMk id="3" creationId="{88BB8749-07B1-40B5-B80D-83B2B18A8C92}"/>
+          </ac:spMkLst>
+        </pc:spChg>
+        <pc:grpChg chg="add del mod">
+          <ac:chgData name="Otto Schefer" userId="fd5a25951ba882f8" providerId="LiveId" clId="{01312597-0B54-46BE-906A-F240F5E61C87}" dt="2021-06-07T23:12:51.909" v="1930" actId="165"/>
+          <ac:grpSpMkLst>
+            <pc:docMk/>
+            <pc:sldMk cId="3939828616" sldId="281"/>
+            <ac:grpSpMk id="19" creationId="{E32280A7-B65B-486C-9C6E-84F97E308C19}"/>
+          </ac:grpSpMkLst>
+        </pc:grpChg>
+        <pc:picChg chg="add mod topLvl">
+          <ac:chgData name="Otto Schefer" userId="fd5a25951ba882f8" providerId="LiveId" clId="{01312597-0B54-46BE-906A-F240F5E61C87}" dt="2021-06-07T23:12:51.909" v="1930" actId="165"/>
+          <ac:picMkLst>
+            <pc:docMk/>
+            <pc:sldMk cId="3939828616" sldId="281"/>
+            <ac:picMk id="5" creationId="{46B4F35F-EEB4-459C-B06D-9D8B7D21BB7A}"/>
+          </ac:picMkLst>
+        </pc:picChg>
+        <pc:picChg chg="add del mod">
+          <ac:chgData name="Otto Schefer" userId="fd5a25951ba882f8" providerId="LiveId" clId="{01312597-0B54-46BE-906A-F240F5E61C87}" dt="2021-06-07T22:46:53.378" v="1766" actId="478"/>
+          <ac:picMkLst>
+            <pc:docMk/>
+            <pc:sldMk cId="3939828616" sldId="281"/>
+            <ac:picMk id="7" creationId="{77F491B3-34C8-4D41-963F-02C03B1C728B}"/>
+          </ac:picMkLst>
+        </pc:picChg>
+        <pc:picChg chg="add mod topLvl">
+          <ac:chgData name="Otto Schefer" userId="fd5a25951ba882f8" providerId="LiveId" clId="{01312597-0B54-46BE-906A-F240F5E61C87}" dt="2021-06-07T23:12:51.909" v="1930" actId="165"/>
+          <ac:picMkLst>
+            <pc:docMk/>
+            <pc:sldMk cId="3939828616" sldId="281"/>
+            <ac:picMk id="9" creationId="{C8AC7836-2D39-4F47-9E78-9AB3E88284C2}"/>
+          </ac:picMkLst>
+        </pc:picChg>
+        <pc:picChg chg="add del mod">
+          <ac:chgData name="Otto Schefer" userId="fd5a25951ba882f8" providerId="LiveId" clId="{01312597-0B54-46BE-906A-F240F5E61C87}" dt="2021-06-07T23:08:13.043" v="1898" actId="478"/>
+          <ac:picMkLst>
+            <pc:docMk/>
+            <pc:sldMk cId="3939828616" sldId="281"/>
+            <ac:picMk id="11" creationId="{7503C325-6AA5-4ADF-A627-855EFC13FC44}"/>
+          </ac:picMkLst>
+        </pc:picChg>
+        <pc:picChg chg="add mod topLvl">
+          <ac:chgData name="Otto Schefer" userId="fd5a25951ba882f8" providerId="LiveId" clId="{01312597-0B54-46BE-906A-F240F5E61C87}" dt="2021-06-07T23:12:51.909" v="1930" actId="165"/>
+          <ac:picMkLst>
+            <pc:docMk/>
+            <pc:sldMk cId="3939828616" sldId="281"/>
+            <ac:picMk id="13" creationId="{426B47F1-6E40-48A8-8026-75F92B2963AF}"/>
+          </ac:picMkLst>
+        </pc:picChg>
+        <pc:cxnChg chg="add mod">
+          <ac:chgData name="Otto Schefer" userId="fd5a25951ba882f8" providerId="LiveId" clId="{01312597-0B54-46BE-906A-F240F5E61C87}" dt="2021-06-07T23:11:09.198" v="1920" actId="14100"/>
+          <ac:cxnSpMkLst>
+            <pc:docMk/>
+            <pc:sldMk cId="3939828616" sldId="281"/>
+            <ac:cxnSpMk id="15" creationId="{D9CB7EFD-3A95-4D6A-8BA0-779377DB1B89}"/>
+          </ac:cxnSpMkLst>
+        </pc:cxnChg>
+        <pc:cxnChg chg="add mod">
+          <ac:chgData name="Otto Schefer" userId="fd5a25951ba882f8" providerId="LiveId" clId="{01312597-0B54-46BE-906A-F240F5E61C87}" dt="2021-06-07T23:11:25.582" v="1925" actId="14100"/>
+          <ac:cxnSpMkLst>
+            <pc:docMk/>
+            <pc:sldMk cId="3939828616" sldId="281"/>
+            <ac:cxnSpMk id="16" creationId="{6C9409D4-3A7E-418D-B0C9-04DB10855C03}"/>
+          </ac:cxnSpMkLst>
+        </pc:cxnChg>
+        <pc:cxnChg chg="add mod">
+          <ac:chgData name="Otto Schefer" userId="fd5a25951ba882f8" providerId="LiveId" clId="{01312597-0B54-46BE-906A-F240F5E61C87}" dt="2021-06-07T23:11:40.078" v="1927" actId="1076"/>
+          <ac:cxnSpMkLst>
+            <pc:docMk/>
+            <pc:sldMk cId="3939828616" sldId="281"/>
+            <ac:cxnSpMk id="22" creationId="{1C814D09-4284-40CD-8464-3850D87E17AC}"/>
+          </ac:cxnSpMkLst>
+        </pc:cxnChg>
+        <pc:cxnChg chg="add mod">
+          <ac:chgData name="Otto Schefer" userId="fd5a25951ba882f8" providerId="LiveId" clId="{01312597-0B54-46BE-906A-F240F5E61C87}" dt="2021-06-07T23:11:50.365" v="1929" actId="14100"/>
+          <ac:cxnSpMkLst>
+            <pc:docMk/>
+            <pc:sldMk cId="3939828616" sldId="281"/>
+            <ac:cxnSpMk id="23" creationId="{4CE9D5AB-0474-4ABD-9B02-B6F80C54B2AF}"/>
+          </ac:cxnSpMkLst>
+        </pc:cxnChg>
+      </pc:sldChg>
+      <pc:sldChg chg="addSp delSp modSp new mod">
+        <pc:chgData name="Otto Schefer" userId="fd5a25951ba882f8" providerId="LiveId" clId="{01312597-0B54-46BE-906A-F240F5E61C87}" dt="2021-06-08T00:03:25.767" v="2060" actId="1037"/>
+        <pc:sldMkLst>
+          <pc:docMk/>
+          <pc:sldMk cId="1662696643" sldId="282"/>
+        </pc:sldMkLst>
+        <pc:spChg chg="del">
+          <ac:chgData name="Otto Schefer" userId="fd5a25951ba882f8" providerId="LiveId" clId="{01312597-0B54-46BE-906A-F240F5E61C87}" dt="2021-06-07T23:12:59.619" v="1932" actId="478"/>
+          <ac:spMkLst>
+            <pc:docMk/>
+            <pc:sldMk cId="1662696643" sldId="282"/>
+            <ac:spMk id="2" creationId="{BEF18D1D-530D-43D3-9608-804D86B827B2}"/>
+          </ac:spMkLst>
+        </pc:spChg>
+        <pc:spChg chg="del">
+          <ac:chgData name="Otto Schefer" userId="fd5a25951ba882f8" providerId="LiveId" clId="{01312597-0B54-46BE-906A-F240F5E61C87}" dt="2021-06-07T23:13:02.228" v="1933" actId="478"/>
+          <ac:spMkLst>
+            <pc:docMk/>
+            <pc:sldMk cId="1662696643" sldId="282"/>
+            <ac:spMk id="3" creationId="{E71EA8C2-F39F-46BA-83EB-94593A7C0BE4}"/>
+          </ac:spMkLst>
+        </pc:spChg>
+        <pc:picChg chg="add mod">
+          <ac:chgData name="Otto Schefer" userId="fd5a25951ba882f8" providerId="LiveId" clId="{01312597-0B54-46BE-906A-F240F5E61C87}" dt="2021-06-07T23:13:03.099" v="1934"/>
+          <ac:picMkLst>
+            <pc:docMk/>
+            <pc:sldMk cId="1662696643" sldId="282"/>
+            <ac:picMk id="4" creationId="{5432FC12-BDE8-4C01-B147-BCCC9B5D0FAA}"/>
+          </ac:picMkLst>
+        </pc:picChg>
+        <pc:picChg chg="add del mod">
+          <ac:chgData name="Otto Schefer" userId="fd5a25951ba882f8" providerId="LiveId" clId="{01312597-0B54-46BE-906A-F240F5E61C87}" dt="2021-06-07T23:13:05.619" v="1935" actId="478"/>
+          <ac:picMkLst>
+            <pc:docMk/>
+            <pc:sldMk cId="1662696643" sldId="282"/>
+            <ac:picMk id="5" creationId="{65A88F9D-BD7D-4520-BD5C-35E07C277DB5}"/>
+          </ac:picMkLst>
+        </pc:picChg>
+        <pc:picChg chg="add del mod">
+          <ac:chgData name="Otto Schefer" userId="fd5a25951ba882f8" providerId="LiveId" clId="{01312597-0B54-46BE-906A-F240F5E61C87}" dt="2021-06-07T23:13:06.161" v="1936" actId="478"/>
+          <ac:picMkLst>
+            <pc:docMk/>
+            <pc:sldMk cId="1662696643" sldId="282"/>
+            <ac:picMk id="6" creationId="{4788317B-FD9B-4375-BA7E-CC8C3E907CF4}"/>
+          </ac:picMkLst>
+        </pc:picChg>
+        <pc:picChg chg="add mod">
+          <ac:chgData name="Otto Schefer" userId="fd5a25951ba882f8" providerId="LiveId" clId="{01312597-0B54-46BE-906A-F240F5E61C87}" dt="2021-06-07T23:13:59.363" v="1984" actId="1035"/>
+          <ac:picMkLst>
+            <pc:docMk/>
+            <pc:sldMk cId="1662696643" sldId="282"/>
+            <ac:picMk id="8" creationId="{748294AF-FC90-4C6C-A18B-1FEDA5C8BD7D}"/>
+          </ac:picMkLst>
+        </pc:picChg>
+        <pc:picChg chg="add mod">
+          <ac:chgData name="Otto Schefer" userId="fd5a25951ba882f8" providerId="LiveId" clId="{01312597-0B54-46BE-906A-F240F5E61C87}" dt="2021-06-08T00:03:25.767" v="2060" actId="1037"/>
+          <ac:picMkLst>
+            <pc:docMk/>
+            <pc:sldMk cId="1662696643" sldId="282"/>
+            <ac:picMk id="11" creationId="{3F748D64-DCF6-423B-9957-27004636A89B}"/>
+          </ac:picMkLst>
+        </pc:picChg>
+        <pc:cxnChg chg="add mod">
+          <ac:chgData name="Otto Schefer" userId="fd5a25951ba882f8" providerId="LiveId" clId="{01312597-0B54-46BE-906A-F240F5E61C87}" dt="2021-06-07T23:15:51.346" v="2029" actId="1036"/>
+          <ac:cxnSpMkLst>
+            <pc:docMk/>
+            <pc:sldMk cId="1662696643" sldId="282"/>
+            <ac:cxnSpMk id="9" creationId="{F9FE6152-5324-4524-8F41-B1A6B4FC78D7}"/>
+          </ac:cxnSpMkLst>
+        </pc:cxnChg>
+        <pc:cxnChg chg="add mod">
+          <ac:chgData name="Otto Schefer" userId="fd5a25951ba882f8" providerId="LiveId" clId="{01312597-0B54-46BE-906A-F240F5E61C87}" dt="2021-06-07T23:16:21.714" v="2051" actId="1036"/>
+          <ac:cxnSpMkLst>
+            <pc:docMk/>
+            <pc:sldMk cId="1662696643" sldId="282"/>
+            <ac:cxnSpMk id="12" creationId="{D91FED2C-94B3-4B8D-BE45-B58785C70C7B}"/>
+          </ac:cxnSpMkLst>
+        </pc:cxnChg>
+        <pc:cxnChg chg="add mod">
+          <ac:chgData name="Otto Schefer" userId="fd5a25951ba882f8" providerId="LiveId" clId="{01312597-0B54-46BE-906A-F240F5E61C87}" dt="2021-06-07T23:16:11.123" v="2043" actId="1038"/>
+          <ac:cxnSpMkLst>
+            <pc:docMk/>
+            <pc:sldMk cId="1662696643" sldId="282"/>
+            <ac:cxnSpMk id="13" creationId="{F9A3803B-7079-40D3-B54F-5B35DEFF55A2}"/>
+          </ac:cxnSpMkLst>
+        </pc:cxnChg>
+        <pc:cxnChg chg="add mod">
+          <ac:chgData name="Otto Schefer" userId="fd5a25951ba882f8" providerId="LiveId" clId="{01312597-0B54-46BE-906A-F240F5E61C87}" dt="2021-06-07T23:16:33.689" v="2052" actId="571"/>
+          <ac:cxnSpMkLst>
+            <pc:docMk/>
+            <pc:sldMk cId="1662696643" sldId="282"/>
+            <ac:cxnSpMk id="14" creationId="{F257CCAA-002A-4375-9867-C2FCC9E5DB13}"/>
+          </ac:cxnSpMkLst>
+        </pc:cxnChg>
+      </pc:sldChg>
+      <pc:sldChg chg="addSp delSp modSp new mod">
+        <pc:chgData name="Otto Schefer" userId="fd5a25951ba882f8" providerId="LiveId" clId="{01312597-0B54-46BE-906A-F240F5E61C87}" dt="2021-06-08T00:05:43.251" v="2160" actId="571"/>
+        <pc:sldMkLst>
+          <pc:docMk/>
+          <pc:sldMk cId="3977255632" sldId="283"/>
+        </pc:sldMkLst>
+        <pc:spChg chg="del">
+          <ac:chgData name="Otto Schefer" userId="fd5a25951ba882f8" providerId="LiveId" clId="{01312597-0B54-46BE-906A-F240F5E61C87}" dt="2021-06-08T00:03:40.051" v="2065" actId="478"/>
+          <ac:spMkLst>
+            <pc:docMk/>
+            <pc:sldMk cId="3977255632" sldId="283"/>
+            <ac:spMk id="2" creationId="{6B8D8F7A-60D7-4DB9-B559-571C8787F209}"/>
+          </ac:spMkLst>
+        </pc:spChg>
+        <pc:spChg chg="del">
+          <ac:chgData name="Otto Schefer" userId="fd5a25951ba882f8" providerId="LiveId" clId="{01312597-0B54-46BE-906A-F240F5E61C87}" dt="2021-06-08T00:03:40.051" v="2065" actId="478"/>
+          <ac:spMkLst>
+            <pc:docMk/>
+            <pc:sldMk cId="3977255632" sldId="283"/>
+            <ac:spMk id="3" creationId="{619C804B-D75C-4266-97D7-0AE6A3016F60}"/>
+          </ac:spMkLst>
+        </pc:spChg>
+        <pc:spChg chg="add mod">
+          <ac:chgData name="Otto Schefer" userId="fd5a25951ba882f8" providerId="LiveId" clId="{01312597-0B54-46BE-906A-F240F5E61C87}" dt="2021-06-08T00:04:25.821" v="2075" actId="1076"/>
+          <ac:spMkLst>
+            <pc:docMk/>
+            <pc:sldMk cId="3977255632" sldId="283"/>
+            <ac:spMk id="6" creationId="{6C4C548B-D93E-43D0-8FDD-4D35F2D664C8}"/>
+          </ac:spMkLst>
+        </pc:spChg>
+        <pc:spChg chg="add mod">
+          <ac:chgData name="Otto Schefer" userId="fd5a25951ba882f8" providerId="LiveId" clId="{01312597-0B54-46BE-906A-F240F5E61C87}" dt="2021-06-08T00:04:52.451" v="2125" actId="1037"/>
+          <ac:spMkLst>
+            <pc:docMk/>
+            <pc:sldMk cId="3977255632" sldId="283"/>
+            <ac:spMk id="7" creationId="{9FABF699-9296-43FB-8222-F6491413A54F}"/>
+          </ac:spMkLst>
+        </pc:spChg>
+        <pc:spChg chg="add mod">
+          <ac:chgData name="Otto Schefer" userId="fd5a25951ba882f8" providerId="LiveId" clId="{01312597-0B54-46BE-906A-F240F5E61C87}" dt="2021-06-08T00:04:14.154" v="2071" actId="1076"/>
+          <ac:spMkLst>
+            <pc:docMk/>
+            <pc:sldMk cId="3977255632" sldId="283"/>
+            <ac:spMk id="8" creationId="{9114C0A8-8DDE-4F1B-8651-0A9D30D24FC7}"/>
+          </ac:spMkLst>
+        </pc:spChg>
+        <pc:spChg chg="add mod">
+          <ac:chgData name="Otto Schefer" userId="fd5a25951ba882f8" providerId="LiveId" clId="{01312597-0B54-46BE-906A-F240F5E61C87}" dt="2021-06-08T00:04:21.197" v="2074" actId="1076"/>
+          <ac:spMkLst>
+            <pc:docMk/>
+            <pc:sldMk cId="3977255632" sldId="283"/>
+            <ac:spMk id="9" creationId="{522F10F7-59D9-4486-81AA-68B8D0504815}"/>
+          </ac:spMkLst>
+        </pc:spChg>
+        <pc:spChg chg="add del mod">
+          <ac:chgData name="Otto Schefer" userId="fd5a25951ba882f8" providerId="LiveId" clId="{01312597-0B54-46BE-906A-F240F5E61C87}" dt="2021-06-08T00:05:12.899" v="2132" actId="478"/>
+          <ac:spMkLst>
+            <pc:docMk/>
+            <pc:sldMk cId="3977255632" sldId="283"/>
+            <ac:spMk id="10" creationId="{22EFCF4E-CDEE-40C4-8625-E03C82880692}"/>
+          </ac:spMkLst>
+        </pc:spChg>
+        <pc:spChg chg="add mod">
+          <ac:chgData name="Otto Schefer" userId="fd5a25951ba882f8" providerId="LiveId" clId="{01312597-0B54-46BE-906A-F240F5E61C87}" dt="2021-06-08T00:05:01.390" v="2128" actId="1076"/>
+          <ac:spMkLst>
+            <pc:docMk/>
+            <pc:sldMk cId="3977255632" sldId="283"/>
+            <ac:spMk id="11" creationId="{7F1ED56C-F65F-4203-851B-9EE62F46CB1D}"/>
+          </ac:spMkLst>
+        </pc:spChg>
+        <pc:spChg chg="add mod">
+          <ac:chgData name="Otto Schefer" userId="fd5a25951ba882f8" providerId="LiveId" clId="{01312597-0B54-46BE-906A-F240F5E61C87}" dt="2021-06-08T00:05:39.574" v="2159" actId="1076"/>
+          <ac:spMkLst>
+            <pc:docMk/>
+            <pc:sldMk cId="3977255632" sldId="283"/>
+            <ac:spMk id="12" creationId="{572EE907-DC05-44B5-8DFB-48818662D120}"/>
+          </ac:spMkLst>
+        </pc:spChg>
+        <pc:spChg chg="add mod">
+          <ac:chgData name="Otto Schefer" userId="fd5a25951ba882f8" providerId="LiveId" clId="{01312597-0B54-46BE-906A-F240F5E61C87}" dt="2021-06-08T00:05:10.461" v="2131" actId="1076"/>
+          <ac:spMkLst>
+            <pc:docMk/>
+            <pc:sldMk cId="3977255632" sldId="283"/>
+            <ac:spMk id="13" creationId="{F7E900CA-6F8F-4ADE-B567-46AF4DCB2B20}"/>
+          </ac:spMkLst>
+        </pc:spChg>
+        <pc:spChg chg="add mod">
+          <ac:chgData name="Otto Schefer" userId="fd5a25951ba882f8" providerId="LiveId" clId="{01312597-0B54-46BE-906A-F240F5E61C87}" dt="2021-06-08T00:05:43.251" v="2160" actId="571"/>
+          <ac:spMkLst>
+            <pc:docMk/>
+            <pc:sldMk cId="3977255632" sldId="283"/>
+            <ac:spMk id="14" creationId="{57C127FC-F706-4D46-B712-4BA848AC4BD4}"/>
+          </ac:spMkLst>
+        </pc:spChg>
+        <pc:picChg chg="add mod">
+          <ac:chgData name="Otto Schefer" userId="fd5a25951ba882f8" providerId="LiveId" clId="{01312597-0B54-46BE-906A-F240F5E61C87}" dt="2021-06-08T00:04:17.206" v="2073" actId="1076"/>
+          <ac:picMkLst>
+            <pc:docMk/>
+            <pc:sldMk cId="3977255632" sldId="283"/>
+            <ac:picMk id="5" creationId="{88D8E107-A326-41C0-865E-8C1F68142C8B}"/>
+          </ac:picMkLst>
+        </pc:picChg>
+      </pc:sldChg>
+      <pc:sldChg chg="addSp delSp modSp new mod">
+        <pc:chgData name="Otto Schefer" userId="fd5a25951ba882f8" providerId="LiveId" clId="{01312597-0B54-46BE-906A-F240F5E61C87}" dt="2021-06-08T00:08:16.451" v="2299" actId="1038"/>
+        <pc:sldMkLst>
+          <pc:docMk/>
+          <pc:sldMk cId="4238046438" sldId="284"/>
+        </pc:sldMkLst>
+        <pc:spChg chg="del">
+          <ac:chgData name="Otto Schefer" userId="fd5a25951ba882f8" providerId="LiveId" clId="{01312597-0B54-46BE-906A-F240F5E61C87}" dt="2021-06-08T00:03:35.331" v="2063" actId="478"/>
+          <ac:spMkLst>
+            <pc:docMk/>
+            <pc:sldMk cId="4238046438" sldId="284"/>
+            <ac:spMk id="2" creationId="{BA3699B5-2D3C-4F66-B2E6-39C6000350EA}"/>
+          </ac:spMkLst>
+        </pc:spChg>
+        <pc:spChg chg="del">
+          <ac:chgData name="Otto Schefer" userId="fd5a25951ba882f8" providerId="LiveId" clId="{01312597-0B54-46BE-906A-F240F5E61C87}" dt="2021-06-08T00:03:35.331" v="2063" actId="478"/>
+          <ac:spMkLst>
+            <pc:docMk/>
+            <pc:sldMk cId="4238046438" sldId="284"/>
+            <ac:spMk id="3" creationId="{84164E39-53A9-4C3E-AED4-13E6C1B06224}"/>
+          </ac:spMkLst>
+        </pc:spChg>
+        <pc:spChg chg="add mod ord">
+          <ac:chgData name="Otto Schefer" userId="fd5a25951ba882f8" providerId="LiveId" clId="{01312597-0B54-46BE-906A-F240F5E61C87}" dt="2021-06-08T00:08:16.451" v="2299" actId="1038"/>
+          <ac:spMkLst>
+            <pc:docMk/>
+            <pc:sldMk cId="4238046438" sldId="284"/>
+            <ac:spMk id="6" creationId="{6D18924F-B5AF-4980-8ED7-275F22BDDE2C}"/>
+          </ac:spMkLst>
+        </pc:spChg>
+        <pc:spChg chg="add mod">
+          <ac:chgData name="Otto Schefer" userId="fd5a25951ba882f8" providerId="LiveId" clId="{01312597-0B54-46BE-906A-F240F5E61C87}" dt="2021-06-08T00:07:07.345" v="2211" actId="1076"/>
+          <ac:spMkLst>
+            <pc:docMk/>
+            <pc:sldMk cId="4238046438" sldId="284"/>
+            <ac:spMk id="7" creationId="{52B37946-2B2D-45C0-9DD8-D9AC68A68F58}"/>
+          </ac:spMkLst>
+        </pc:spChg>
+        <pc:spChg chg="add mod">
+          <ac:chgData name="Otto Schefer" userId="fd5a25951ba882f8" providerId="LiveId" clId="{01312597-0B54-46BE-906A-F240F5E61C87}" dt="2021-06-08T00:07:11.519" v="2212" actId="1076"/>
+          <ac:spMkLst>
+            <pc:docMk/>
+            <pc:sldMk cId="4238046438" sldId="284"/>
+            <ac:spMk id="8" creationId="{DB08A6A7-BE66-4B12-B50A-D89A40F42E1B}"/>
+          </ac:spMkLst>
+        </pc:spChg>
+        <pc:spChg chg="add mod ord">
+          <ac:chgData name="Otto Schefer" userId="fd5a25951ba882f8" providerId="LiveId" clId="{01312597-0B54-46BE-906A-F240F5E61C87}" dt="2021-06-08T00:07:34.332" v="2221" actId="1076"/>
+          <ac:spMkLst>
+            <pc:docMk/>
+            <pc:sldMk cId="4238046438" sldId="284"/>
+            <ac:spMk id="9" creationId="{308E1435-E491-4272-ABBE-47FD7300AE2A}"/>
+          </ac:spMkLst>
+        </pc:spChg>
+        <pc:spChg chg="add mod">
+          <ac:chgData name="Otto Schefer" userId="fd5a25951ba882f8" providerId="LiveId" clId="{01312597-0B54-46BE-906A-F240F5E61C87}" dt="2021-06-08T00:07:52.771" v="2227" actId="1036"/>
+          <ac:spMkLst>
+            <pc:docMk/>
+            <pc:sldMk cId="4238046438" sldId="284"/>
+            <ac:spMk id="10" creationId="{77ECEB51-B675-4C93-959A-CF3D618235BF}"/>
+          </ac:spMkLst>
+        </pc:spChg>
+        <pc:spChg chg="add mod">
+          <ac:chgData name="Otto Schefer" userId="fd5a25951ba882f8" providerId="LiveId" clId="{01312597-0B54-46BE-906A-F240F5E61C87}" dt="2021-06-08T00:07:20.707" v="2217" actId="1036"/>
+          <ac:spMkLst>
+            <pc:docMk/>
+            <pc:sldMk cId="4238046438" sldId="284"/>
+            <ac:spMk id="11" creationId="{75123D7C-482F-4B0F-BEB7-E0919B34EB72}"/>
+          </ac:spMkLst>
+        </pc:spChg>
+        <pc:spChg chg="add mod">
+          <ac:chgData name="Otto Schefer" userId="fd5a25951ba882f8" providerId="LiveId" clId="{01312597-0B54-46BE-906A-F240F5E61C87}" dt="2021-06-08T00:08:09.107" v="2273" actId="1038"/>
+          <ac:spMkLst>
+            <pc:docMk/>
+            <pc:sldMk cId="4238046438" sldId="284"/>
+            <ac:spMk id="12" creationId="{4F40D1AB-3CB0-4A39-9380-C97CCDCE6126}"/>
+          </ac:spMkLst>
+        </pc:spChg>
+        <pc:spChg chg="add mod">
+          <ac:chgData name="Otto Schefer" userId="fd5a25951ba882f8" providerId="LiveId" clId="{01312597-0B54-46BE-906A-F240F5E61C87}" dt="2021-06-08T00:07:57.683" v="2235" actId="1037"/>
+          <ac:spMkLst>
+            <pc:docMk/>
+            <pc:sldMk cId="4238046438" sldId="284"/>
+            <ac:spMk id="15" creationId="{7FFCB776-E823-4121-965C-808EA41B7C31}"/>
+          </ac:spMkLst>
+        </pc:spChg>
+        <pc:picChg chg="add del">
+          <ac:chgData name="Otto Schefer" userId="fd5a25951ba882f8" providerId="LiveId" clId="{01312597-0B54-46BE-906A-F240F5E61C87}" dt="2021-06-08T00:06:31.490" v="2206" actId="478"/>
+          <ac:picMkLst>
+            <pc:docMk/>
+            <pc:sldMk cId="4238046438" sldId="284"/>
+            <ac:picMk id="5" creationId="{A2AC52E4-77E1-4AEB-BD27-E3A6CA69EC1E}"/>
+          </ac:picMkLst>
+        </pc:picChg>
+        <pc:picChg chg="add mod ord">
+          <ac:chgData name="Otto Schefer" userId="fd5a25951ba882f8" providerId="LiveId" clId="{01312597-0B54-46BE-906A-F240F5E61C87}" dt="2021-06-08T00:07:05.632" v="2210" actId="14100"/>
+          <ac:picMkLst>
+            <pc:docMk/>
+            <pc:sldMk cId="4238046438" sldId="284"/>
+            <ac:picMk id="14" creationId="{5422BD8D-C1E7-40F6-83D4-0EFCD17733B2}"/>
           </ac:picMkLst>
         </pc:picChg>
       </pc:sldChg>
@@ -4695,7 +6390,7 @@
           <a:p>
             <a:fld id="{083E7580-4A74-4DC1-979A-56FFF28705FF}" type="datetimeFigureOut">
               <a:rPr lang="ru-RU" smtClean="0"/>
-              <a:t>30.05.2021</a:t>
+              <a:t>08.06.2021</a:t>
             </a:fld>
             <a:endParaRPr lang="ru-RU"/>
           </a:p>
@@ -4865,7 +6560,7 @@
           <a:p>
             <a:fld id="{083E7580-4A74-4DC1-979A-56FFF28705FF}" type="datetimeFigureOut">
               <a:rPr lang="ru-RU" smtClean="0"/>
-              <a:t>30.05.2021</a:t>
+              <a:t>08.06.2021</a:t>
             </a:fld>
             <a:endParaRPr lang="ru-RU"/>
           </a:p>
@@ -5045,7 +6740,7 @@
           <a:p>
             <a:fld id="{083E7580-4A74-4DC1-979A-56FFF28705FF}" type="datetimeFigureOut">
               <a:rPr lang="ru-RU" smtClean="0"/>
-              <a:t>30.05.2021</a:t>
+              <a:t>08.06.2021</a:t>
             </a:fld>
             <a:endParaRPr lang="ru-RU"/>
           </a:p>
@@ -5215,7 +6910,7 @@
           <a:p>
             <a:fld id="{083E7580-4A74-4DC1-979A-56FFF28705FF}" type="datetimeFigureOut">
               <a:rPr lang="ru-RU" smtClean="0"/>
-              <a:t>30.05.2021</a:t>
+              <a:t>08.06.2021</a:t>
             </a:fld>
             <a:endParaRPr lang="ru-RU"/>
           </a:p>
@@ -5461,7 +7156,7 @@
           <a:p>
             <a:fld id="{083E7580-4A74-4DC1-979A-56FFF28705FF}" type="datetimeFigureOut">
               <a:rPr lang="ru-RU" smtClean="0"/>
-              <a:t>30.05.2021</a:t>
+              <a:t>08.06.2021</a:t>
             </a:fld>
             <a:endParaRPr lang="ru-RU"/>
           </a:p>
@@ -5693,7 +7388,7 @@
           <a:p>
             <a:fld id="{083E7580-4A74-4DC1-979A-56FFF28705FF}" type="datetimeFigureOut">
               <a:rPr lang="ru-RU" smtClean="0"/>
-              <a:t>30.05.2021</a:t>
+              <a:t>08.06.2021</a:t>
             </a:fld>
             <a:endParaRPr lang="ru-RU"/>
           </a:p>
@@ -6060,7 +7755,7 @@
           <a:p>
             <a:fld id="{083E7580-4A74-4DC1-979A-56FFF28705FF}" type="datetimeFigureOut">
               <a:rPr lang="ru-RU" smtClean="0"/>
-              <a:t>30.05.2021</a:t>
+              <a:t>08.06.2021</a:t>
             </a:fld>
             <a:endParaRPr lang="ru-RU"/>
           </a:p>
@@ -6178,7 +7873,7 @@
           <a:p>
             <a:fld id="{083E7580-4A74-4DC1-979A-56FFF28705FF}" type="datetimeFigureOut">
               <a:rPr lang="ru-RU" smtClean="0"/>
-              <a:t>30.05.2021</a:t>
+              <a:t>08.06.2021</a:t>
             </a:fld>
             <a:endParaRPr lang="ru-RU"/>
           </a:p>
@@ -6273,7 +7968,7 @@
           <a:p>
             <a:fld id="{083E7580-4A74-4DC1-979A-56FFF28705FF}" type="datetimeFigureOut">
               <a:rPr lang="ru-RU" smtClean="0"/>
-              <a:t>30.05.2021</a:t>
+              <a:t>08.06.2021</a:t>
             </a:fld>
             <a:endParaRPr lang="ru-RU"/>
           </a:p>
@@ -6550,7 +8245,7 @@
           <a:p>
             <a:fld id="{083E7580-4A74-4DC1-979A-56FFF28705FF}" type="datetimeFigureOut">
               <a:rPr lang="ru-RU" smtClean="0"/>
-              <a:t>30.05.2021</a:t>
+              <a:t>08.06.2021</a:t>
             </a:fld>
             <a:endParaRPr lang="ru-RU"/>
           </a:p>
@@ -6807,7 +8502,7 @@
           <a:p>
             <a:fld id="{083E7580-4A74-4DC1-979A-56FFF28705FF}" type="datetimeFigureOut">
               <a:rPr lang="ru-RU" smtClean="0"/>
-              <a:t>30.05.2021</a:t>
+              <a:t>08.06.2021</a:t>
             </a:fld>
             <a:endParaRPr lang="ru-RU"/>
           </a:p>
@@ -7020,7 +8715,7 @@
           <a:p>
             <a:fld id="{083E7580-4A74-4DC1-979A-56FFF28705FF}" type="datetimeFigureOut">
               <a:rPr lang="ru-RU" smtClean="0"/>
-              <a:t>30.05.2021</a:t>
+              <a:t>08.06.2021</a:t>
             </a:fld>
             <a:endParaRPr lang="ru-RU"/>
           </a:p>
@@ -7697,8 +9392,8 @@
           </p:sp>
         </mc:Fallback>
       </mc:AlternateContent>
-      <mc:AlternateContent xmlns:mc="http://schemas.openxmlformats.org/markup-compatibility/2006">
-        <mc:Choice xmlns:a14="http://schemas.microsoft.com/office/drawing/2010/main" Requires="a14">
+      <mc:AlternateContent xmlns:mc="http://schemas.openxmlformats.org/markup-compatibility/2006" xmlns:a14="http://schemas.microsoft.com/office/drawing/2010/main">
+        <mc:Choice Requires="a14">
           <p:sp>
             <p:nvSpPr>
               <p:cNvPr id="10" name="TextBox 9">
@@ -7873,7 +9568,7 @@
             </p:txBody>
           </p:sp>
         </mc:Choice>
-        <mc:Fallback>
+        <mc:Fallback xmlns="">
           <p:sp>
             <p:nvSpPr>
               <p:cNvPr id="10" name="TextBox 9">
@@ -12457,6 +14152,2884 @@
 </p:sld>
 </file>
 
+<file path=ppt/slides/slide12.xml><?xml version="1.0" encoding="utf-8"?>
+<p:sld xmlns:a="http://schemas.openxmlformats.org/drawingml/2006/main" xmlns:r="http://schemas.openxmlformats.org/officeDocument/2006/relationships" xmlns:p="http://schemas.openxmlformats.org/presentationml/2006/main">
+  <p:cSld>
+    <p:spTree>
+      <p:nvGrpSpPr>
+        <p:cNvPr id="1" name=""/>
+        <p:cNvGrpSpPr/>
+        <p:nvPr/>
+      </p:nvGrpSpPr>
+      <p:grpSpPr>
+        <a:xfrm>
+          <a:off x="0" y="0"/>
+          <a:ext cx="0" cy="0"/>
+          <a:chOff x="0" y="0"/>
+          <a:chExt cx="0" cy="0"/>
+        </a:xfrm>
+      </p:grpSpPr>
+      <p:pic>
+        <p:nvPicPr>
+          <p:cNvPr id="5" name="Рисунок 4">
+            <a:extLst>
+              <a:ext uri="{FF2B5EF4-FFF2-40B4-BE49-F238E27FC236}">
+                <a16:creationId xmlns:a16="http://schemas.microsoft.com/office/drawing/2014/main" id="{68C82AB5-0EE6-43B2-B202-7C6974C6486C}"/>
+              </a:ext>
+            </a:extLst>
+          </p:cNvPr>
+          <p:cNvPicPr>
+            <a:picLocks noChangeAspect="1"/>
+          </p:cNvPicPr>
+          <p:nvPr/>
+        </p:nvPicPr>
+        <p:blipFill>
+          <a:blip r:embed="rId2"/>
+          <a:stretch>
+            <a:fillRect/>
+          </a:stretch>
+        </p:blipFill>
+        <p:spPr>
+          <a:xfrm>
+            <a:off x="3400151" y="-1"/>
+            <a:ext cx="9529568" cy="7199313"/>
+          </a:xfrm>
+          <a:prstGeom prst="rect">
+            <a:avLst/>
+          </a:prstGeom>
+        </p:spPr>
+      </p:pic>
+      <p:sp>
+        <p:nvSpPr>
+          <p:cNvPr id="6" name="Прямоугольник 5">
+            <a:extLst>
+              <a:ext uri="{FF2B5EF4-FFF2-40B4-BE49-F238E27FC236}">
+                <a16:creationId xmlns:a16="http://schemas.microsoft.com/office/drawing/2014/main" id="{AAF2EE8D-B6BF-4CE6-9098-3ABFE0DE3626}"/>
+              </a:ext>
+            </a:extLst>
+          </p:cNvPr>
+          <p:cNvSpPr/>
+          <p:nvPr/>
+        </p:nvSpPr>
+        <p:spPr>
+          <a:xfrm>
+            <a:off x="7450281" y="93518"/>
+            <a:ext cx="1569027" cy="249382"/>
+          </a:xfrm>
+          <a:prstGeom prst="rect">
+            <a:avLst/>
+          </a:prstGeom>
+          <a:solidFill>
+            <a:srgbClr val="F0F0F0"/>
+          </a:solidFill>
+          <a:ln>
+            <a:solidFill>
+              <a:srgbClr val="F0F0F0"/>
+            </a:solidFill>
+          </a:ln>
+        </p:spPr>
+        <p:style>
+          <a:lnRef idx="2">
+            <a:schemeClr val="accent1">
+              <a:shade val="50000"/>
+            </a:schemeClr>
+          </a:lnRef>
+          <a:fillRef idx="1">
+            <a:schemeClr val="accent1"/>
+          </a:fillRef>
+          <a:effectRef idx="0">
+            <a:schemeClr val="accent1"/>
+          </a:effectRef>
+          <a:fontRef idx="minor">
+            <a:schemeClr val="lt1"/>
+          </a:fontRef>
+        </p:style>
+        <p:txBody>
+          <a:bodyPr rtlCol="0" anchor="ctr"/>
+          <a:lstStyle/>
+          <a:p>
+            <a:pPr algn="ctr"/>
+            <a:endParaRPr lang="ru-RU"/>
+          </a:p>
+        </p:txBody>
+      </p:sp>
+      <p:sp>
+        <p:nvSpPr>
+          <p:cNvPr id="7" name="Прямоугольник 6">
+            <a:extLst>
+              <a:ext uri="{FF2B5EF4-FFF2-40B4-BE49-F238E27FC236}">
+                <a16:creationId xmlns:a16="http://schemas.microsoft.com/office/drawing/2014/main" id="{AA18DDE0-E6A7-4369-B19C-1C567EAABFB0}"/>
+              </a:ext>
+            </a:extLst>
+          </p:cNvPr>
+          <p:cNvSpPr/>
+          <p:nvPr/>
+        </p:nvSpPr>
+        <p:spPr>
+          <a:xfrm>
+            <a:off x="7315705" y="6906781"/>
+            <a:ext cx="1569027" cy="249382"/>
+          </a:xfrm>
+          <a:prstGeom prst="rect">
+            <a:avLst/>
+          </a:prstGeom>
+          <a:solidFill>
+            <a:srgbClr val="F0F0F0"/>
+          </a:solidFill>
+          <a:ln>
+            <a:solidFill>
+              <a:srgbClr val="F0F0F0"/>
+            </a:solidFill>
+          </a:ln>
+        </p:spPr>
+        <p:style>
+          <a:lnRef idx="2">
+            <a:schemeClr val="accent1">
+              <a:shade val="50000"/>
+            </a:schemeClr>
+          </a:lnRef>
+          <a:fillRef idx="1">
+            <a:schemeClr val="accent1"/>
+          </a:fillRef>
+          <a:effectRef idx="0">
+            <a:schemeClr val="accent1"/>
+          </a:effectRef>
+          <a:fontRef idx="minor">
+            <a:schemeClr val="lt1"/>
+          </a:fontRef>
+        </p:style>
+        <p:txBody>
+          <a:bodyPr rtlCol="0" anchor="ctr"/>
+          <a:lstStyle/>
+          <a:p>
+            <a:pPr algn="ctr"/>
+            <a:endParaRPr lang="ru-RU"/>
+          </a:p>
+        </p:txBody>
+      </p:sp>
+      <p:sp>
+        <p:nvSpPr>
+          <p:cNvPr id="8" name="Прямоугольник 7">
+            <a:extLst>
+              <a:ext uri="{FF2B5EF4-FFF2-40B4-BE49-F238E27FC236}">
+                <a16:creationId xmlns:a16="http://schemas.microsoft.com/office/drawing/2014/main" id="{5BEEBD94-B20A-4D44-A8D4-D36471C5B1B8}"/>
+              </a:ext>
+            </a:extLst>
+          </p:cNvPr>
+          <p:cNvSpPr/>
+          <p:nvPr/>
+        </p:nvSpPr>
+        <p:spPr>
+          <a:xfrm rot="16200000">
+            <a:off x="2675613" y="3571300"/>
+            <a:ext cx="1569027" cy="249382"/>
+          </a:xfrm>
+          <a:prstGeom prst="rect">
+            <a:avLst/>
+          </a:prstGeom>
+          <a:solidFill>
+            <a:srgbClr val="F0F0F0"/>
+          </a:solidFill>
+          <a:ln>
+            <a:solidFill>
+              <a:srgbClr val="F0F0F0"/>
+            </a:solidFill>
+          </a:ln>
+        </p:spPr>
+        <p:style>
+          <a:lnRef idx="2">
+            <a:schemeClr val="accent1">
+              <a:shade val="50000"/>
+            </a:schemeClr>
+          </a:lnRef>
+          <a:fillRef idx="1">
+            <a:schemeClr val="accent1"/>
+          </a:fillRef>
+          <a:effectRef idx="0">
+            <a:schemeClr val="accent1"/>
+          </a:effectRef>
+          <a:fontRef idx="minor">
+            <a:schemeClr val="lt1"/>
+          </a:fontRef>
+        </p:style>
+        <p:txBody>
+          <a:bodyPr rtlCol="0" anchor="ctr"/>
+          <a:lstStyle/>
+          <a:p>
+            <a:pPr algn="ctr"/>
+            <a:endParaRPr lang="ru-RU"/>
+          </a:p>
+        </p:txBody>
+      </p:sp>
+      <p:sp>
+        <p:nvSpPr>
+          <p:cNvPr id="9" name="TextBox 8">
+            <a:extLst>
+              <a:ext uri="{FF2B5EF4-FFF2-40B4-BE49-F238E27FC236}">
+                <a16:creationId xmlns:a16="http://schemas.microsoft.com/office/drawing/2014/main" id="{AC668190-CDDA-47FD-937A-5993EEFEA34E}"/>
+              </a:ext>
+            </a:extLst>
+          </p:cNvPr>
+          <p:cNvSpPr txBox="1"/>
+          <p:nvPr/>
+        </p:nvSpPr>
+        <p:spPr>
+          <a:xfrm>
+            <a:off x="6978274" y="6829981"/>
+            <a:ext cx="3200400" cy="369332"/>
+          </a:xfrm>
+          <a:prstGeom prst="rect">
+            <a:avLst/>
+          </a:prstGeom>
+          <a:noFill/>
+        </p:spPr>
+        <p:txBody>
+          <a:bodyPr wrap="square" rtlCol="0">
+            <a:spAutoFit/>
+          </a:bodyPr>
+          <a:lstStyle/>
+          <a:p>
+            <a:r>
+              <a:rPr lang="ru-RU" dirty="0">
+                <a:latin typeface="Cambria Math" panose="02040503050406030204" pitchFamily="18" charset="0"/>
+                <a:ea typeface="Cambria Math" panose="02040503050406030204" pitchFamily="18" charset="0"/>
+              </a:rPr>
+              <a:t>Действительная часть</a:t>
+            </a:r>
+          </a:p>
+        </p:txBody>
+      </p:sp>
+      <p:sp>
+        <p:nvSpPr>
+          <p:cNvPr id="10" name="TextBox 9">
+            <a:extLst>
+              <a:ext uri="{FF2B5EF4-FFF2-40B4-BE49-F238E27FC236}">
+                <a16:creationId xmlns:a16="http://schemas.microsoft.com/office/drawing/2014/main" id="{F95588D7-919C-4F3E-928F-3117C74D6C69}"/>
+              </a:ext>
+            </a:extLst>
+          </p:cNvPr>
+          <p:cNvSpPr txBox="1"/>
+          <p:nvPr/>
+        </p:nvSpPr>
+        <p:spPr>
+          <a:xfrm rot="16200000">
+            <a:off x="1984618" y="2329897"/>
+            <a:ext cx="3200400" cy="369332"/>
+          </a:xfrm>
+          <a:prstGeom prst="rect">
+            <a:avLst/>
+          </a:prstGeom>
+          <a:noFill/>
+        </p:spPr>
+        <p:txBody>
+          <a:bodyPr wrap="square" rtlCol="0">
+            <a:spAutoFit/>
+          </a:bodyPr>
+          <a:lstStyle/>
+          <a:p>
+            <a:r>
+              <a:rPr lang="ru-RU" dirty="0">
+                <a:latin typeface="Cambria Math" panose="02040503050406030204" pitchFamily="18" charset="0"/>
+                <a:ea typeface="Cambria Math" panose="02040503050406030204" pitchFamily="18" charset="0"/>
+              </a:rPr>
+              <a:t>Мнимая часть</a:t>
+            </a:r>
+          </a:p>
+        </p:txBody>
+      </p:sp>
+      <p:sp>
+        <p:nvSpPr>
+          <p:cNvPr id="11" name="Прямоугольник 10">
+            <a:extLst>
+              <a:ext uri="{FF2B5EF4-FFF2-40B4-BE49-F238E27FC236}">
+                <a16:creationId xmlns:a16="http://schemas.microsoft.com/office/drawing/2014/main" id="{F65474A9-6BDA-4BC0-B479-44C2E5C375AC}"/>
+              </a:ext>
+            </a:extLst>
+          </p:cNvPr>
+          <p:cNvSpPr/>
+          <p:nvPr/>
+        </p:nvSpPr>
+        <p:spPr>
+          <a:xfrm>
+            <a:off x="10993581" y="93518"/>
+            <a:ext cx="1569027" cy="249382"/>
+          </a:xfrm>
+          <a:prstGeom prst="rect">
+            <a:avLst/>
+          </a:prstGeom>
+          <a:solidFill>
+            <a:srgbClr val="F0F0F0"/>
+          </a:solidFill>
+          <a:ln>
+            <a:solidFill>
+              <a:srgbClr val="F0F0F0"/>
+            </a:solidFill>
+          </a:ln>
+        </p:spPr>
+        <p:style>
+          <a:lnRef idx="2">
+            <a:schemeClr val="accent1">
+              <a:shade val="50000"/>
+            </a:schemeClr>
+          </a:lnRef>
+          <a:fillRef idx="1">
+            <a:schemeClr val="accent1"/>
+          </a:fillRef>
+          <a:effectRef idx="0">
+            <a:schemeClr val="accent1"/>
+          </a:effectRef>
+          <a:fontRef idx="minor">
+            <a:schemeClr val="lt1"/>
+          </a:fontRef>
+        </p:style>
+        <p:txBody>
+          <a:bodyPr rtlCol="0" anchor="ctr"/>
+          <a:lstStyle/>
+          <a:p>
+            <a:pPr algn="ctr"/>
+            <a:endParaRPr lang="ru-RU"/>
+          </a:p>
+        </p:txBody>
+      </p:sp>
+      <mc:AlternateContent xmlns:mc="http://schemas.openxmlformats.org/markup-compatibility/2006" xmlns:a14="http://schemas.microsoft.com/office/drawing/2010/main">
+        <mc:Choice Requires="a14">
+          <p:sp>
+            <p:nvSpPr>
+              <p:cNvPr id="12" name="TextBox 11">
+                <a:extLst>
+                  <a:ext uri="{FF2B5EF4-FFF2-40B4-BE49-F238E27FC236}">
+                    <a16:creationId xmlns:a16="http://schemas.microsoft.com/office/drawing/2014/main" id="{07277320-CEB8-464D-9434-98B009400D2B}"/>
+                  </a:ext>
+                </a:extLst>
+              </p:cNvPr>
+              <p:cNvSpPr txBox="1"/>
+              <p:nvPr/>
+            </p:nvSpPr>
+            <p:spPr>
+              <a:xfrm>
+                <a:off x="6549648" y="2634478"/>
+                <a:ext cx="857251" cy="553998"/>
+              </a:xfrm>
+              <a:prstGeom prst="rect">
+                <a:avLst/>
+              </a:prstGeom>
+              <a:noFill/>
+            </p:spPr>
+            <p:txBody>
+              <a:bodyPr wrap="square" lIns="0" tIns="0" rIns="0" bIns="0" rtlCol="0">
+                <a:spAutoFit/>
+              </a:bodyPr>
+              <a:lstStyle/>
+              <a:p>
+                <a:pPr/>
+                <a14:m>
+                  <m:oMathPara xmlns:m="http://schemas.openxmlformats.org/officeDocument/2006/math">
+                    <m:oMathParaPr>
+                      <m:jc m:val="centerGroup"/>
+                    </m:oMathParaPr>
+                    <m:oMath xmlns:m="http://schemas.openxmlformats.org/officeDocument/2006/math">
+                      <m:r>
+                        <a:rPr lang="ru-RU" i="1">
+                          <a:latin typeface="Cambria Math" panose="02040503050406030204" pitchFamily="18" charset="0"/>
+                        </a:rPr>
+                        <m:t>𝐴</m:t>
+                      </m:r>
+                      <m:r>
+                        <a:rPr lang="ru-RU" i="1">
+                          <a:latin typeface="Cambria Math" panose="02040503050406030204" pitchFamily="18" charset="0"/>
+                        </a:rPr>
+                        <m:t> = </m:t>
+                      </m:r>
+                      <m:r>
+                        <a:rPr lang="ru-RU">
+                          <a:latin typeface="Cambria Math" panose="02040503050406030204" pitchFamily="18" charset="0"/>
+                        </a:rPr>
+                        <m:t>∞</m:t>
+                      </m:r>
+                    </m:oMath>
+                  </m:oMathPara>
+                </a14:m>
+                <a:endParaRPr lang="ru-RU" dirty="0"/>
+              </a:p>
+              <a:p>
+                <a:endParaRPr lang="ru-RU" dirty="0"/>
+              </a:p>
+            </p:txBody>
+          </p:sp>
+        </mc:Choice>
+        <mc:Fallback xmlns="">
+          <p:sp>
+            <p:nvSpPr>
+              <p:cNvPr id="12" name="TextBox 11">
+                <a:extLst>
+                  <a:ext uri="{FF2B5EF4-FFF2-40B4-BE49-F238E27FC236}">
+                    <a16:creationId xmlns:a16="http://schemas.microsoft.com/office/drawing/2014/main" id="{07277320-CEB8-464D-9434-98B009400D2B}"/>
+                  </a:ext>
+                </a:extLst>
+              </p:cNvPr>
+              <p:cNvSpPr txBox="1">
+                <a:spLocks noRot="1" noChangeAspect="1" noMove="1" noResize="1" noEditPoints="1" noAdjustHandles="1" noChangeArrowheads="1" noChangeShapeType="1" noTextEdit="1"/>
+              </p:cNvSpPr>
+              <p:nvPr/>
+            </p:nvSpPr>
+            <p:spPr>
+              <a:xfrm>
+                <a:off x="6549648" y="2634478"/>
+                <a:ext cx="857251" cy="553998"/>
+              </a:xfrm>
+              <a:prstGeom prst="rect">
+                <a:avLst/>
+              </a:prstGeom>
+              <a:blipFill>
+                <a:blip r:embed="rId3"/>
+                <a:stretch>
+                  <a:fillRect l="-2128"/>
+                </a:stretch>
+              </a:blipFill>
+            </p:spPr>
+            <p:txBody>
+              <a:bodyPr/>
+              <a:lstStyle/>
+              <a:p>
+                <a:r>
+                  <a:rPr lang="ru-RU">
+                    <a:noFill/>
+                  </a:rPr>
+                  <a:t> </a:t>
+                </a:r>
+              </a:p>
+            </p:txBody>
+          </p:sp>
+        </mc:Fallback>
+      </mc:AlternateContent>
+      <mc:AlternateContent xmlns:mc="http://schemas.openxmlformats.org/markup-compatibility/2006" xmlns:a14="http://schemas.microsoft.com/office/drawing/2010/main">
+        <mc:Choice Requires="a14">
+          <p:sp>
+            <p:nvSpPr>
+              <p:cNvPr id="15" name="TextBox 14">
+                <a:extLst>
+                  <a:ext uri="{FF2B5EF4-FFF2-40B4-BE49-F238E27FC236}">
+                    <a16:creationId xmlns:a16="http://schemas.microsoft.com/office/drawing/2014/main" id="{99DE2301-32C4-4AA6-B4A0-EAA9EC601E7C}"/>
+                  </a:ext>
+                </a:extLst>
+              </p:cNvPr>
+              <p:cNvSpPr txBox="1"/>
+              <p:nvPr/>
+            </p:nvSpPr>
+            <p:spPr>
+              <a:xfrm>
+                <a:off x="7450281" y="5637068"/>
+                <a:ext cx="857251" cy="553998"/>
+              </a:xfrm>
+              <a:prstGeom prst="rect">
+                <a:avLst/>
+              </a:prstGeom>
+              <a:noFill/>
+            </p:spPr>
+            <p:txBody>
+              <a:bodyPr wrap="square" lIns="0" tIns="0" rIns="0" bIns="0" rtlCol="0">
+                <a:spAutoFit/>
+              </a:bodyPr>
+              <a:lstStyle/>
+              <a:p>
+                <a:pPr/>
+                <a14:m>
+                  <m:oMathPara xmlns:m="http://schemas.openxmlformats.org/officeDocument/2006/math">
+                    <m:oMathParaPr>
+                      <m:jc m:val="centerGroup"/>
+                    </m:oMathParaPr>
+                    <m:oMath xmlns:m="http://schemas.openxmlformats.org/officeDocument/2006/math">
+                      <m:r>
+                        <m:rPr>
+                          <m:sty m:val="p"/>
+                        </m:rPr>
+                        <a:rPr lang="ru-RU">
+                          <a:latin typeface="Cambria Math" panose="02040503050406030204" pitchFamily="18" charset="0"/>
+                        </a:rPr>
+                        <m:t>ω</m:t>
+                      </m:r>
+                      <m:r>
+                        <a:rPr lang="ru-RU" i="1">
+                          <a:latin typeface="Cambria Math" panose="02040503050406030204" pitchFamily="18" charset="0"/>
+                        </a:rPr>
+                        <m:t>=</m:t>
+                      </m:r>
+                      <m:r>
+                        <a:rPr lang="ru-RU">
+                          <a:latin typeface="Cambria Math" panose="02040503050406030204" pitchFamily="18" charset="0"/>
+                        </a:rPr>
+                        <m:t>∞</m:t>
+                      </m:r>
+                    </m:oMath>
+                  </m:oMathPara>
+                </a14:m>
+                <a:endParaRPr lang="ru-RU" dirty="0"/>
+              </a:p>
+              <a:p>
+                <a:endParaRPr lang="ru-RU" dirty="0"/>
+              </a:p>
+            </p:txBody>
+          </p:sp>
+        </mc:Choice>
+        <mc:Fallback xmlns="">
+          <p:sp>
+            <p:nvSpPr>
+              <p:cNvPr id="15" name="TextBox 14">
+                <a:extLst>
+                  <a:ext uri="{FF2B5EF4-FFF2-40B4-BE49-F238E27FC236}">
+                    <a16:creationId xmlns:a16="http://schemas.microsoft.com/office/drawing/2014/main" id="{99DE2301-32C4-4AA6-B4A0-EAA9EC601E7C}"/>
+                  </a:ext>
+                </a:extLst>
+              </p:cNvPr>
+              <p:cNvSpPr txBox="1">
+                <a:spLocks noRot="1" noChangeAspect="1" noMove="1" noResize="1" noEditPoints="1" noAdjustHandles="1" noChangeArrowheads="1" noChangeShapeType="1" noTextEdit="1"/>
+              </p:cNvSpPr>
+              <p:nvPr/>
+            </p:nvSpPr>
+            <p:spPr>
+              <a:xfrm>
+                <a:off x="7450281" y="5637068"/>
+                <a:ext cx="857251" cy="553998"/>
+              </a:xfrm>
+              <a:prstGeom prst="rect">
+                <a:avLst/>
+              </a:prstGeom>
+              <a:blipFill>
+                <a:blip r:embed="rId4"/>
+                <a:stretch>
+                  <a:fillRect/>
+                </a:stretch>
+              </a:blipFill>
+            </p:spPr>
+            <p:txBody>
+              <a:bodyPr/>
+              <a:lstStyle/>
+              <a:p>
+                <a:r>
+                  <a:rPr lang="ru-RU">
+                    <a:noFill/>
+                  </a:rPr>
+                  <a:t> </a:t>
+                </a:r>
+              </a:p>
+            </p:txBody>
+          </p:sp>
+        </mc:Fallback>
+      </mc:AlternateContent>
+    </p:spTree>
+    <p:extLst>
+      <p:ext uri="{BB962C8B-B14F-4D97-AF65-F5344CB8AC3E}">
+        <p14:creationId xmlns:p14="http://schemas.microsoft.com/office/powerpoint/2010/main" val="3950778873"/>
+      </p:ext>
+    </p:extLst>
+  </p:cSld>
+  <p:clrMapOvr>
+    <a:masterClrMapping/>
+  </p:clrMapOvr>
+</p:sld>
+</file>
+
+<file path=ppt/slides/slide13.xml><?xml version="1.0" encoding="utf-8"?>
+<p:sld xmlns:a="http://schemas.openxmlformats.org/drawingml/2006/main" xmlns:r="http://schemas.openxmlformats.org/officeDocument/2006/relationships" xmlns:p="http://schemas.openxmlformats.org/presentationml/2006/main">
+  <p:cSld>
+    <p:spTree>
+      <p:nvGrpSpPr>
+        <p:cNvPr id="1" name=""/>
+        <p:cNvGrpSpPr/>
+        <p:nvPr/>
+      </p:nvGrpSpPr>
+      <p:grpSpPr>
+        <a:xfrm>
+          <a:off x="0" y="0"/>
+          <a:ext cx="0" cy="0"/>
+          <a:chOff x="0" y="0"/>
+          <a:chExt cx="0" cy="0"/>
+        </a:xfrm>
+      </p:grpSpPr>
+      <p:pic>
+        <p:nvPicPr>
+          <p:cNvPr id="15" name="Рисунок 14">
+            <a:extLst>
+              <a:ext uri="{FF2B5EF4-FFF2-40B4-BE49-F238E27FC236}">
+                <a16:creationId xmlns:a16="http://schemas.microsoft.com/office/drawing/2014/main" id="{4AD50847-E369-40AE-A138-FB1CC085325C}"/>
+              </a:ext>
+            </a:extLst>
+          </p:cNvPr>
+          <p:cNvPicPr>
+            <a:picLocks noChangeAspect="1"/>
+          </p:cNvPicPr>
+          <p:nvPr/>
+        </p:nvPicPr>
+        <p:blipFill>
+          <a:blip r:embed="rId2"/>
+          <a:stretch>
+            <a:fillRect/>
+          </a:stretch>
+        </p:blipFill>
+        <p:spPr>
+          <a:xfrm>
+            <a:off x="4080108" y="193993"/>
+            <a:ext cx="8040222" cy="6811326"/>
+          </a:xfrm>
+          <a:prstGeom prst="rect">
+            <a:avLst/>
+          </a:prstGeom>
+        </p:spPr>
+      </p:pic>
+      <p:sp>
+        <p:nvSpPr>
+          <p:cNvPr id="6" name="Прямоугольник 5">
+            <a:extLst>
+              <a:ext uri="{FF2B5EF4-FFF2-40B4-BE49-F238E27FC236}">
+                <a16:creationId xmlns:a16="http://schemas.microsoft.com/office/drawing/2014/main" id="{A44EEF65-3519-423F-8D6E-526B4EDE7D1F}"/>
+              </a:ext>
+            </a:extLst>
+          </p:cNvPr>
+          <p:cNvSpPr/>
+          <p:nvPr/>
+        </p:nvSpPr>
+        <p:spPr>
+          <a:xfrm>
+            <a:off x="7406899" y="6628611"/>
+            <a:ext cx="1569027" cy="249382"/>
+          </a:xfrm>
+          <a:prstGeom prst="rect">
+            <a:avLst/>
+          </a:prstGeom>
+          <a:solidFill>
+            <a:srgbClr val="F0F0F0"/>
+          </a:solidFill>
+          <a:ln>
+            <a:solidFill>
+              <a:srgbClr val="F0F0F0"/>
+            </a:solidFill>
+          </a:ln>
+        </p:spPr>
+        <p:style>
+          <a:lnRef idx="2">
+            <a:schemeClr val="accent1">
+              <a:shade val="50000"/>
+            </a:schemeClr>
+          </a:lnRef>
+          <a:fillRef idx="1">
+            <a:schemeClr val="accent1"/>
+          </a:fillRef>
+          <a:effectRef idx="0">
+            <a:schemeClr val="accent1"/>
+          </a:effectRef>
+          <a:fontRef idx="minor">
+            <a:schemeClr val="lt1"/>
+          </a:fontRef>
+        </p:style>
+        <p:txBody>
+          <a:bodyPr rtlCol="0" anchor="ctr"/>
+          <a:lstStyle/>
+          <a:p>
+            <a:pPr algn="ctr"/>
+            <a:endParaRPr lang="ru-RU"/>
+          </a:p>
+        </p:txBody>
+      </p:sp>
+      <mc:AlternateContent xmlns:mc="http://schemas.openxmlformats.org/markup-compatibility/2006" xmlns:a14="http://schemas.microsoft.com/office/drawing/2010/main">
+        <mc:Choice Requires="a14">
+          <p:sp>
+            <p:nvSpPr>
+              <p:cNvPr id="9" name="TextBox 8">
+                <a:extLst>
+                  <a:ext uri="{FF2B5EF4-FFF2-40B4-BE49-F238E27FC236}">
+                    <a16:creationId xmlns:a16="http://schemas.microsoft.com/office/drawing/2014/main" id="{63450F81-09F5-4DDD-BB2F-EF41C026BCA2}"/>
+                  </a:ext>
+                </a:extLst>
+              </p:cNvPr>
+              <p:cNvSpPr txBox="1"/>
+              <p:nvPr/>
+            </p:nvSpPr>
+            <p:spPr>
+              <a:xfrm>
+                <a:off x="6549648" y="2634478"/>
+                <a:ext cx="857251" cy="553998"/>
+              </a:xfrm>
+              <a:prstGeom prst="rect">
+                <a:avLst/>
+              </a:prstGeom>
+              <a:noFill/>
+            </p:spPr>
+            <p:txBody>
+              <a:bodyPr wrap="square" lIns="0" tIns="0" rIns="0" bIns="0" rtlCol="0">
+                <a:spAutoFit/>
+              </a:bodyPr>
+              <a:lstStyle/>
+              <a:p>
+                <a:pPr/>
+                <a14:m>
+                  <m:oMathPara xmlns:m="http://schemas.openxmlformats.org/officeDocument/2006/math">
+                    <m:oMathParaPr>
+                      <m:jc m:val="centerGroup"/>
+                    </m:oMathParaPr>
+                    <m:oMath xmlns:m="http://schemas.openxmlformats.org/officeDocument/2006/math">
+                      <m:r>
+                        <a:rPr lang="ru-RU" i="1">
+                          <a:latin typeface="Cambria Math" panose="02040503050406030204" pitchFamily="18" charset="0"/>
+                        </a:rPr>
+                        <m:t>𝐴</m:t>
+                      </m:r>
+                      <m:r>
+                        <a:rPr lang="ru-RU" i="1">
+                          <a:latin typeface="Cambria Math" panose="02040503050406030204" pitchFamily="18" charset="0"/>
+                        </a:rPr>
+                        <m:t> = </m:t>
+                      </m:r>
+                      <m:r>
+                        <a:rPr lang="ru-RU">
+                          <a:latin typeface="Cambria Math" panose="02040503050406030204" pitchFamily="18" charset="0"/>
+                        </a:rPr>
+                        <m:t>∞</m:t>
+                      </m:r>
+                    </m:oMath>
+                  </m:oMathPara>
+                </a14:m>
+                <a:endParaRPr lang="ru-RU" dirty="0"/>
+              </a:p>
+              <a:p>
+                <a:endParaRPr lang="ru-RU" dirty="0"/>
+              </a:p>
+            </p:txBody>
+          </p:sp>
+        </mc:Choice>
+        <mc:Fallback xmlns="">
+          <p:sp>
+            <p:nvSpPr>
+              <p:cNvPr id="9" name="TextBox 8">
+                <a:extLst>
+                  <a:ext uri="{FF2B5EF4-FFF2-40B4-BE49-F238E27FC236}">
+                    <a16:creationId xmlns:a16="http://schemas.microsoft.com/office/drawing/2014/main" id="{63450F81-09F5-4DDD-BB2F-EF41C026BCA2}"/>
+                  </a:ext>
+                </a:extLst>
+              </p:cNvPr>
+              <p:cNvSpPr txBox="1">
+                <a:spLocks noRot="1" noChangeAspect="1" noMove="1" noResize="1" noEditPoints="1" noAdjustHandles="1" noChangeArrowheads="1" noChangeShapeType="1" noTextEdit="1"/>
+              </p:cNvSpPr>
+              <p:nvPr/>
+            </p:nvSpPr>
+            <p:spPr>
+              <a:xfrm>
+                <a:off x="6549648" y="2634478"/>
+                <a:ext cx="857251" cy="553998"/>
+              </a:xfrm>
+              <a:prstGeom prst="rect">
+                <a:avLst/>
+              </a:prstGeom>
+              <a:blipFill>
+                <a:blip r:embed="rId3"/>
+                <a:stretch>
+                  <a:fillRect l="-2128"/>
+                </a:stretch>
+              </a:blipFill>
+            </p:spPr>
+            <p:txBody>
+              <a:bodyPr/>
+              <a:lstStyle/>
+              <a:p>
+                <a:r>
+                  <a:rPr lang="ru-RU">
+                    <a:noFill/>
+                  </a:rPr>
+                  <a:t> </a:t>
+                </a:r>
+              </a:p>
+            </p:txBody>
+          </p:sp>
+        </mc:Fallback>
+      </mc:AlternateContent>
+      <mc:AlternateContent xmlns:mc="http://schemas.openxmlformats.org/markup-compatibility/2006" xmlns:a14="http://schemas.microsoft.com/office/drawing/2010/main">
+        <mc:Choice Requires="a14">
+          <p:sp>
+            <p:nvSpPr>
+              <p:cNvPr id="10" name="TextBox 9">
+                <a:extLst>
+                  <a:ext uri="{FF2B5EF4-FFF2-40B4-BE49-F238E27FC236}">
+                    <a16:creationId xmlns:a16="http://schemas.microsoft.com/office/drawing/2014/main" id="{4009A760-F7F5-4C82-AB8D-045C6DC8A9BF}"/>
+                  </a:ext>
+                </a:extLst>
+              </p:cNvPr>
+              <p:cNvSpPr txBox="1"/>
+              <p:nvPr/>
+            </p:nvSpPr>
+            <p:spPr>
+              <a:xfrm>
+                <a:off x="7450281" y="5637068"/>
+                <a:ext cx="857251" cy="553998"/>
+              </a:xfrm>
+              <a:prstGeom prst="rect">
+                <a:avLst/>
+              </a:prstGeom>
+              <a:noFill/>
+            </p:spPr>
+            <p:txBody>
+              <a:bodyPr wrap="square" lIns="0" tIns="0" rIns="0" bIns="0" rtlCol="0">
+                <a:spAutoFit/>
+              </a:bodyPr>
+              <a:lstStyle/>
+              <a:p>
+                <a:pPr/>
+                <a14:m>
+                  <m:oMathPara xmlns:m="http://schemas.openxmlformats.org/officeDocument/2006/math">
+                    <m:oMathParaPr>
+                      <m:jc m:val="centerGroup"/>
+                    </m:oMathParaPr>
+                    <m:oMath xmlns:m="http://schemas.openxmlformats.org/officeDocument/2006/math">
+                      <m:r>
+                        <m:rPr>
+                          <m:sty m:val="p"/>
+                        </m:rPr>
+                        <a:rPr lang="ru-RU">
+                          <a:latin typeface="Cambria Math" panose="02040503050406030204" pitchFamily="18" charset="0"/>
+                        </a:rPr>
+                        <m:t>ω</m:t>
+                      </m:r>
+                      <m:r>
+                        <a:rPr lang="ru-RU" i="1">
+                          <a:latin typeface="Cambria Math" panose="02040503050406030204" pitchFamily="18" charset="0"/>
+                        </a:rPr>
+                        <m:t>=</m:t>
+                      </m:r>
+                      <m:r>
+                        <a:rPr lang="ru-RU">
+                          <a:latin typeface="Cambria Math" panose="02040503050406030204" pitchFamily="18" charset="0"/>
+                        </a:rPr>
+                        <m:t>∞</m:t>
+                      </m:r>
+                    </m:oMath>
+                  </m:oMathPara>
+                </a14:m>
+                <a:endParaRPr lang="ru-RU" dirty="0"/>
+              </a:p>
+              <a:p>
+                <a:endParaRPr lang="ru-RU" dirty="0"/>
+              </a:p>
+            </p:txBody>
+          </p:sp>
+        </mc:Choice>
+        <mc:Fallback xmlns="">
+          <p:sp>
+            <p:nvSpPr>
+              <p:cNvPr id="10" name="TextBox 9">
+                <a:extLst>
+                  <a:ext uri="{FF2B5EF4-FFF2-40B4-BE49-F238E27FC236}">
+                    <a16:creationId xmlns:a16="http://schemas.microsoft.com/office/drawing/2014/main" id="{4009A760-F7F5-4C82-AB8D-045C6DC8A9BF}"/>
+                  </a:ext>
+                </a:extLst>
+              </p:cNvPr>
+              <p:cNvSpPr txBox="1">
+                <a:spLocks noRot="1" noChangeAspect="1" noMove="1" noResize="1" noEditPoints="1" noAdjustHandles="1" noChangeArrowheads="1" noChangeShapeType="1" noTextEdit="1"/>
+              </p:cNvSpPr>
+              <p:nvPr/>
+            </p:nvSpPr>
+            <p:spPr>
+              <a:xfrm>
+                <a:off x="7450281" y="5637068"/>
+                <a:ext cx="857251" cy="553998"/>
+              </a:xfrm>
+              <a:prstGeom prst="rect">
+                <a:avLst/>
+              </a:prstGeom>
+              <a:blipFill>
+                <a:blip r:embed="rId4"/>
+                <a:stretch>
+                  <a:fillRect/>
+                </a:stretch>
+              </a:blipFill>
+            </p:spPr>
+            <p:txBody>
+              <a:bodyPr/>
+              <a:lstStyle/>
+              <a:p>
+                <a:r>
+                  <a:rPr lang="ru-RU">
+                    <a:noFill/>
+                  </a:rPr>
+                  <a:t> </a:t>
+                </a:r>
+              </a:p>
+            </p:txBody>
+          </p:sp>
+        </mc:Fallback>
+      </mc:AlternateContent>
+      <p:sp>
+        <p:nvSpPr>
+          <p:cNvPr id="11" name="Прямоугольник 10">
+            <a:extLst>
+              <a:ext uri="{FF2B5EF4-FFF2-40B4-BE49-F238E27FC236}">
+                <a16:creationId xmlns:a16="http://schemas.microsoft.com/office/drawing/2014/main" id="{8496592B-4AEC-4F09-9121-03D32D6C4F4F}"/>
+              </a:ext>
+            </a:extLst>
+          </p:cNvPr>
+          <p:cNvSpPr/>
+          <p:nvPr/>
+        </p:nvSpPr>
+        <p:spPr>
+          <a:xfrm rot="16200000">
+            <a:off x="3422046" y="3569539"/>
+            <a:ext cx="1569027" cy="252900"/>
+          </a:xfrm>
+          <a:prstGeom prst="rect">
+            <a:avLst/>
+          </a:prstGeom>
+          <a:solidFill>
+            <a:srgbClr val="F0F0F0"/>
+          </a:solidFill>
+          <a:ln>
+            <a:solidFill>
+              <a:srgbClr val="F0F0F0"/>
+            </a:solidFill>
+          </a:ln>
+        </p:spPr>
+        <p:style>
+          <a:lnRef idx="2">
+            <a:schemeClr val="accent1">
+              <a:shade val="50000"/>
+            </a:schemeClr>
+          </a:lnRef>
+          <a:fillRef idx="1">
+            <a:schemeClr val="accent1"/>
+          </a:fillRef>
+          <a:effectRef idx="0">
+            <a:schemeClr val="accent1"/>
+          </a:effectRef>
+          <a:fontRef idx="minor">
+            <a:schemeClr val="lt1"/>
+          </a:fontRef>
+        </p:style>
+        <p:txBody>
+          <a:bodyPr rtlCol="0" anchor="ctr"/>
+          <a:lstStyle/>
+          <a:p>
+            <a:pPr algn="ctr"/>
+            <a:endParaRPr lang="ru-RU"/>
+          </a:p>
+        </p:txBody>
+      </p:sp>
+      <p:sp>
+        <p:nvSpPr>
+          <p:cNvPr id="16" name="TextBox 15">
+            <a:extLst>
+              <a:ext uri="{FF2B5EF4-FFF2-40B4-BE49-F238E27FC236}">
+                <a16:creationId xmlns:a16="http://schemas.microsoft.com/office/drawing/2014/main" id="{E450E86D-BBDE-4C98-AAD4-380805F35A28}"/>
+              </a:ext>
+            </a:extLst>
+          </p:cNvPr>
+          <p:cNvSpPr txBox="1"/>
+          <p:nvPr/>
+        </p:nvSpPr>
+        <p:spPr>
+          <a:xfrm>
+            <a:off x="4180450" y="3054981"/>
+            <a:ext cx="3200400" cy="369332"/>
+          </a:xfrm>
+          <a:prstGeom prst="rect">
+            <a:avLst/>
+          </a:prstGeom>
+          <a:noFill/>
+        </p:spPr>
+        <p:txBody>
+          <a:bodyPr wrap="square" rtlCol="0">
+            <a:spAutoFit/>
+          </a:bodyPr>
+          <a:lstStyle/>
+          <a:p>
+            <a:r>
+              <a:rPr lang="ru-RU" dirty="0">
+                <a:latin typeface="Cambria Math" panose="02040503050406030204" pitchFamily="18" charset="0"/>
+                <a:ea typeface="Cambria Math" panose="02040503050406030204" pitchFamily="18" charset="0"/>
+              </a:rPr>
+              <a:t>-</a:t>
+            </a:r>
+          </a:p>
+        </p:txBody>
+      </p:sp>
+      <p:sp>
+        <p:nvSpPr>
+          <p:cNvPr id="17" name="TextBox 16">
+            <a:extLst>
+              <a:ext uri="{FF2B5EF4-FFF2-40B4-BE49-F238E27FC236}">
+                <a16:creationId xmlns:a16="http://schemas.microsoft.com/office/drawing/2014/main" id="{59C4647E-29E7-4A0B-B45D-0621114BF4B0}"/>
+              </a:ext>
+            </a:extLst>
+          </p:cNvPr>
+          <p:cNvSpPr txBox="1"/>
+          <p:nvPr/>
+        </p:nvSpPr>
+        <p:spPr>
+          <a:xfrm>
+            <a:off x="4206499" y="3914930"/>
+            <a:ext cx="3200400" cy="369332"/>
+          </a:xfrm>
+          <a:prstGeom prst="rect">
+            <a:avLst/>
+          </a:prstGeom>
+          <a:noFill/>
+        </p:spPr>
+        <p:txBody>
+          <a:bodyPr wrap="square" rtlCol="0">
+            <a:spAutoFit/>
+          </a:bodyPr>
+          <a:lstStyle/>
+          <a:p>
+            <a:r>
+              <a:rPr lang="ru-RU" dirty="0">
+                <a:latin typeface="Cambria Math" panose="02040503050406030204" pitchFamily="18" charset="0"/>
+                <a:ea typeface="Cambria Math" panose="02040503050406030204" pitchFamily="18" charset="0"/>
+              </a:rPr>
+              <a:t>-</a:t>
+            </a:r>
+          </a:p>
+        </p:txBody>
+      </p:sp>
+      <p:sp>
+        <p:nvSpPr>
+          <p:cNvPr id="7" name="TextBox 6">
+            <a:extLst>
+              <a:ext uri="{FF2B5EF4-FFF2-40B4-BE49-F238E27FC236}">
+                <a16:creationId xmlns:a16="http://schemas.microsoft.com/office/drawing/2014/main" id="{0CE03985-A1CE-4D86-84DB-8DDEA13A3A1F}"/>
+              </a:ext>
+            </a:extLst>
+          </p:cNvPr>
+          <p:cNvSpPr txBox="1"/>
+          <p:nvPr/>
+        </p:nvSpPr>
+        <p:spPr>
+          <a:xfrm>
+            <a:off x="6790459" y="6569240"/>
+            <a:ext cx="3200400" cy="369332"/>
+          </a:xfrm>
+          <a:prstGeom prst="rect">
+            <a:avLst/>
+          </a:prstGeom>
+          <a:noFill/>
+        </p:spPr>
+        <p:txBody>
+          <a:bodyPr wrap="square" rtlCol="0">
+            <a:spAutoFit/>
+          </a:bodyPr>
+          <a:lstStyle/>
+          <a:p>
+            <a:r>
+              <a:rPr lang="ru-RU" dirty="0">
+                <a:latin typeface="Cambria Math" panose="02040503050406030204" pitchFamily="18" charset="0"/>
+                <a:ea typeface="Cambria Math" panose="02040503050406030204" pitchFamily="18" charset="0"/>
+              </a:rPr>
+              <a:t>Действительная часть</a:t>
+            </a:r>
+          </a:p>
+        </p:txBody>
+      </p:sp>
+      <p:sp>
+        <p:nvSpPr>
+          <p:cNvPr id="8" name="TextBox 7">
+            <a:extLst>
+              <a:ext uri="{FF2B5EF4-FFF2-40B4-BE49-F238E27FC236}">
+                <a16:creationId xmlns:a16="http://schemas.microsoft.com/office/drawing/2014/main" id="{3B638C57-8FD3-497A-9A42-02DAA1C81F1F}"/>
+              </a:ext>
+            </a:extLst>
+          </p:cNvPr>
+          <p:cNvSpPr txBox="1"/>
+          <p:nvPr/>
+        </p:nvSpPr>
+        <p:spPr>
+          <a:xfrm rot="16200000">
+            <a:off x="2556538" y="2247698"/>
+            <a:ext cx="3200400" cy="369332"/>
+          </a:xfrm>
+          <a:prstGeom prst="rect">
+            <a:avLst/>
+          </a:prstGeom>
+          <a:noFill/>
+        </p:spPr>
+        <p:txBody>
+          <a:bodyPr wrap="square" rtlCol="0">
+            <a:spAutoFit/>
+          </a:bodyPr>
+          <a:lstStyle/>
+          <a:p>
+            <a:r>
+              <a:rPr lang="ru-RU" dirty="0">
+                <a:latin typeface="Cambria Math" panose="02040503050406030204" pitchFamily="18" charset="0"/>
+                <a:ea typeface="Cambria Math" panose="02040503050406030204" pitchFamily="18" charset="0"/>
+              </a:rPr>
+              <a:t>Мнимая часть</a:t>
+            </a:r>
+          </a:p>
+        </p:txBody>
+      </p:sp>
+      <p:sp>
+        <p:nvSpPr>
+          <p:cNvPr id="18" name="Прямоугольник 17">
+            <a:extLst>
+              <a:ext uri="{FF2B5EF4-FFF2-40B4-BE49-F238E27FC236}">
+                <a16:creationId xmlns:a16="http://schemas.microsoft.com/office/drawing/2014/main" id="{394A1767-AD80-4756-8CA7-B118737BD8C5}"/>
+              </a:ext>
+            </a:extLst>
+          </p:cNvPr>
+          <p:cNvSpPr/>
+          <p:nvPr/>
+        </p:nvSpPr>
+        <p:spPr>
+          <a:xfrm>
+            <a:off x="7380850" y="290147"/>
+            <a:ext cx="1569027" cy="252900"/>
+          </a:xfrm>
+          <a:prstGeom prst="rect">
+            <a:avLst/>
+          </a:prstGeom>
+          <a:solidFill>
+            <a:srgbClr val="F0F0F0"/>
+          </a:solidFill>
+          <a:ln>
+            <a:solidFill>
+              <a:srgbClr val="F0F0F0"/>
+            </a:solidFill>
+          </a:ln>
+        </p:spPr>
+        <p:style>
+          <a:lnRef idx="2">
+            <a:schemeClr val="accent1">
+              <a:shade val="50000"/>
+            </a:schemeClr>
+          </a:lnRef>
+          <a:fillRef idx="1">
+            <a:schemeClr val="accent1"/>
+          </a:fillRef>
+          <a:effectRef idx="0">
+            <a:schemeClr val="accent1"/>
+          </a:effectRef>
+          <a:fontRef idx="minor">
+            <a:schemeClr val="lt1"/>
+          </a:fontRef>
+        </p:style>
+        <p:txBody>
+          <a:bodyPr rtlCol="0" anchor="ctr"/>
+          <a:lstStyle/>
+          <a:p>
+            <a:pPr algn="ctr"/>
+            <a:endParaRPr lang="ru-RU"/>
+          </a:p>
+        </p:txBody>
+      </p:sp>
+    </p:spTree>
+    <p:extLst>
+      <p:ext uri="{BB962C8B-B14F-4D97-AF65-F5344CB8AC3E}">
+        <p14:creationId xmlns:p14="http://schemas.microsoft.com/office/powerpoint/2010/main" val="3899241003"/>
+      </p:ext>
+    </p:extLst>
+  </p:cSld>
+  <p:clrMapOvr>
+    <a:masterClrMapping/>
+  </p:clrMapOvr>
+</p:sld>
+</file>
+
+<file path=ppt/slides/slide14.xml><?xml version="1.0" encoding="utf-8"?>
+<p:sld xmlns:a="http://schemas.openxmlformats.org/drawingml/2006/main" xmlns:r="http://schemas.openxmlformats.org/officeDocument/2006/relationships" xmlns:p="http://schemas.openxmlformats.org/presentationml/2006/main">
+  <p:cSld>
+    <p:spTree>
+      <p:nvGrpSpPr>
+        <p:cNvPr id="1" name=""/>
+        <p:cNvGrpSpPr/>
+        <p:nvPr/>
+      </p:nvGrpSpPr>
+      <p:grpSpPr>
+        <a:xfrm>
+          <a:off x="0" y="0"/>
+          <a:ext cx="0" cy="0"/>
+          <a:chOff x="0" y="0"/>
+          <a:chExt cx="0" cy="0"/>
+        </a:xfrm>
+      </p:grpSpPr>
+      <p:pic>
+        <p:nvPicPr>
+          <p:cNvPr id="5" name="Рисунок 4">
+            <a:extLst>
+              <a:ext uri="{FF2B5EF4-FFF2-40B4-BE49-F238E27FC236}">
+                <a16:creationId xmlns:a16="http://schemas.microsoft.com/office/drawing/2014/main" id="{22C7CD07-7810-4551-851F-708E4C4BEAC6}"/>
+              </a:ext>
+            </a:extLst>
+          </p:cNvPr>
+          <p:cNvPicPr>
+            <a:picLocks noChangeAspect="1"/>
+          </p:cNvPicPr>
+          <p:nvPr/>
+        </p:nvPicPr>
+        <p:blipFill>
+          <a:blip r:embed="rId2"/>
+          <a:stretch>
+            <a:fillRect/>
+          </a:stretch>
+        </p:blipFill>
+        <p:spPr>
+          <a:xfrm>
+            <a:off x="2284395" y="184467"/>
+            <a:ext cx="11631648" cy="6830378"/>
+          </a:xfrm>
+          <a:prstGeom prst="rect">
+            <a:avLst/>
+          </a:prstGeom>
+        </p:spPr>
+      </p:pic>
+      <p:sp>
+        <p:nvSpPr>
+          <p:cNvPr id="7" name="TextBox 6">
+            <a:extLst>
+              <a:ext uri="{FF2B5EF4-FFF2-40B4-BE49-F238E27FC236}">
+                <a16:creationId xmlns:a16="http://schemas.microsoft.com/office/drawing/2014/main" id="{0FC664BD-F28A-4511-BD9D-7AE2A7EF930A}"/>
+              </a:ext>
+            </a:extLst>
+          </p:cNvPr>
+          <p:cNvSpPr txBox="1"/>
+          <p:nvPr/>
+        </p:nvSpPr>
+        <p:spPr>
+          <a:xfrm>
+            <a:off x="7911540" y="6512658"/>
+            <a:ext cx="1988227" cy="369332"/>
+          </a:xfrm>
+          <a:prstGeom prst="rect">
+            <a:avLst/>
+          </a:prstGeom>
+          <a:noFill/>
+        </p:spPr>
+        <p:txBody>
+          <a:bodyPr wrap="square" rtlCol="0">
+            <a:spAutoFit/>
+          </a:bodyPr>
+          <a:lstStyle/>
+          <a:p>
+            <a:r>
+              <a:rPr lang="ru-RU" dirty="0">
+                <a:latin typeface="Cambria Math" panose="02040503050406030204" pitchFamily="18" charset="0"/>
+                <a:ea typeface="Cambria Math" panose="02040503050406030204" pitchFamily="18" charset="0"/>
+              </a:rPr>
+              <a:t>𝜔</a:t>
+            </a:r>
+            <a:r>
+              <a:rPr lang="en-US" dirty="0">
+                <a:latin typeface="Cambria Math" panose="02040503050406030204" pitchFamily="18" charset="0"/>
+                <a:ea typeface="Cambria Math" panose="02040503050406030204" pitchFamily="18" charset="0"/>
+              </a:rPr>
+              <a:t>, </a:t>
+            </a:r>
+            <a:r>
+              <a:rPr lang="ru-RU" dirty="0">
+                <a:latin typeface="Cambria Math" panose="02040503050406030204" pitchFamily="18" charset="0"/>
+                <a:ea typeface="Cambria Math" panose="02040503050406030204" pitchFamily="18" charset="0"/>
+              </a:rPr>
+              <a:t>рад/с</a:t>
+            </a:r>
+          </a:p>
+        </p:txBody>
+      </p:sp>
+      <p:sp>
+        <p:nvSpPr>
+          <p:cNvPr id="12" name="TextBox 11">
+            <a:extLst>
+              <a:ext uri="{FF2B5EF4-FFF2-40B4-BE49-F238E27FC236}">
+                <a16:creationId xmlns:a16="http://schemas.microsoft.com/office/drawing/2014/main" id="{8AEF48AE-B7CC-4946-BC82-63097837E6E0}"/>
+              </a:ext>
+            </a:extLst>
+          </p:cNvPr>
+          <p:cNvSpPr txBox="1"/>
+          <p:nvPr/>
+        </p:nvSpPr>
+        <p:spPr>
+          <a:xfrm rot="16200000">
+            <a:off x="1739339" y="2420876"/>
+            <a:ext cx="1988227" cy="369332"/>
+          </a:xfrm>
+          <a:prstGeom prst="rect">
+            <a:avLst/>
+          </a:prstGeom>
+          <a:noFill/>
+        </p:spPr>
+        <p:txBody>
+          <a:bodyPr wrap="square" rtlCol="0">
+            <a:spAutoFit/>
+          </a:bodyPr>
+          <a:lstStyle/>
+          <a:p>
+            <a:r>
+              <a:rPr lang="en-US" i="1" dirty="0">
+                <a:latin typeface="Cambria Math" panose="02040503050406030204" pitchFamily="18" charset="0"/>
+                <a:ea typeface="Cambria Math" panose="02040503050406030204" pitchFamily="18" charset="0"/>
+              </a:rPr>
+              <a:t>F(</a:t>
+            </a:r>
+            <a:r>
+              <a:rPr lang="ru-RU" i="1" dirty="0">
+                <a:latin typeface="Cambria Math" panose="02040503050406030204" pitchFamily="18" charset="0"/>
+                <a:ea typeface="Cambria Math" panose="02040503050406030204" pitchFamily="18" charset="0"/>
+              </a:rPr>
+              <a:t>𝜔</a:t>
+            </a:r>
+            <a:r>
+              <a:rPr lang="en-US" i="1" dirty="0">
+                <a:latin typeface="Cambria Math" panose="02040503050406030204" pitchFamily="18" charset="0"/>
+                <a:ea typeface="Cambria Math" panose="02040503050406030204" pitchFamily="18" charset="0"/>
+              </a:rPr>
+              <a:t>)</a:t>
+            </a:r>
+            <a:endParaRPr lang="ru-RU" i="1" dirty="0">
+              <a:latin typeface="Cambria Math" panose="02040503050406030204" pitchFamily="18" charset="0"/>
+              <a:ea typeface="Cambria Math" panose="02040503050406030204" pitchFamily="18" charset="0"/>
+            </a:endParaRPr>
+          </a:p>
+        </p:txBody>
+      </p:sp>
+    </p:spTree>
+    <p:extLst>
+      <p:ext uri="{BB962C8B-B14F-4D97-AF65-F5344CB8AC3E}">
+        <p14:creationId xmlns:p14="http://schemas.microsoft.com/office/powerpoint/2010/main" val="423084528"/>
+      </p:ext>
+    </p:extLst>
+  </p:cSld>
+  <p:clrMapOvr>
+    <a:masterClrMapping/>
+  </p:clrMapOvr>
+</p:sld>
+</file>
+
+<file path=ppt/slides/slide15.xml><?xml version="1.0" encoding="utf-8"?>
+<p:sld xmlns:a="http://schemas.openxmlformats.org/drawingml/2006/main" xmlns:r="http://schemas.openxmlformats.org/officeDocument/2006/relationships" xmlns:p="http://schemas.openxmlformats.org/presentationml/2006/main">
+  <p:cSld>
+    <p:spTree>
+      <p:nvGrpSpPr>
+        <p:cNvPr id="1" name=""/>
+        <p:cNvGrpSpPr/>
+        <p:nvPr/>
+      </p:nvGrpSpPr>
+      <p:grpSpPr>
+        <a:xfrm>
+          <a:off x="0" y="0"/>
+          <a:ext cx="0" cy="0"/>
+          <a:chOff x="0" y="0"/>
+          <a:chExt cx="0" cy="0"/>
+        </a:xfrm>
+      </p:grpSpPr>
+      <p:pic>
+        <p:nvPicPr>
+          <p:cNvPr id="4" name="Рисунок 3">
+            <a:extLst>
+              <a:ext uri="{FF2B5EF4-FFF2-40B4-BE49-F238E27FC236}">
+                <a16:creationId xmlns:a16="http://schemas.microsoft.com/office/drawing/2014/main" id="{2878FA11-1BB7-4235-BBBD-6480D29910AD}"/>
+              </a:ext>
+            </a:extLst>
+          </p:cNvPr>
+          <p:cNvPicPr/>
+          <p:nvPr/>
+        </p:nvPicPr>
+        <p:blipFill>
+          <a:blip r:embed="rId2"/>
+          <a:stretch>
+            <a:fillRect/>
+          </a:stretch>
+        </p:blipFill>
+        <p:spPr>
+          <a:xfrm>
+            <a:off x="5130006" y="2074704"/>
+            <a:ext cx="5940425" cy="3049905"/>
+          </a:xfrm>
+          <a:prstGeom prst="rect">
+            <a:avLst/>
+          </a:prstGeom>
+        </p:spPr>
+      </p:pic>
+      <p:sp>
+        <p:nvSpPr>
+          <p:cNvPr id="13" name="Прямоугольник 12">
+            <a:extLst>
+              <a:ext uri="{FF2B5EF4-FFF2-40B4-BE49-F238E27FC236}">
+                <a16:creationId xmlns:a16="http://schemas.microsoft.com/office/drawing/2014/main" id="{5B510EE6-161B-4AE1-9AE8-EB551A18D5B1}"/>
+              </a:ext>
+            </a:extLst>
+          </p:cNvPr>
+          <p:cNvSpPr/>
+          <p:nvPr/>
+        </p:nvSpPr>
+        <p:spPr>
+          <a:xfrm>
+            <a:off x="5184772" y="5033962"/>
+            <a:ext cx="5458621" cy="90647"/>
+          </a:xfrm>
+          <a:prstGeom prst="rect">
+            <a:avLst/>
+          </a:prstGeom>
+          <a:solidFill>
+            <a:schemeClr val="bg1"/>
+          </a:solidFill>
+          <a:ln>
+            <a:solidFill>
+              <a:schemeClr val="bg1"/>
+            </a:solidFill>
+          </a:ln>
+        </p:spPr>
+        <p:style>
+          <a:lnRef idx="2">
+            <a:schemeClr val="accent1">
+              <a:shade val="50000"/>
+            </a:schemeClr>
+          </a:lnRef>
+          <a:fillRef idx="1">
+            <a:schemeClr val="accent1"/>
+          </a:fillRef>
+          <a:effectRef idx="0">
+            <a:schemeClr val="accent1"/>
+          </a:effectRef>
+          <a:fontRef idx="minor">
+            <a:schemeClr val="lt1"/>
+          </a:fontRef>
+        </p:style>
+        <p:txBody>
+          <a:bodyPr rtlCol="0" anchor="ctr"/>
+          <a:lstStyle/>
+          <a:p>
+            <a:pPr algn="ctr"/>
+            <a:endParaRPr lang="ru-RU"/>
+          </a:p>
+        </p:txBody>
+      </p:sp>
+      <p:sp>
+        <p:nvSpPr>
+          <p:cNvPr id="5" name="TextBox 4">
+            <a:extLst>
+              <a:ext uri="{FF2B5EF4-FFF2-40B4-BE49-F238E27FC236}">
+                <a16:creationId xmlns:a16="http://schemas.microsoft.com/office/drawing/2014/main" id="{1CA24034-A437-4082-A56B-9AEC3B945D0D}"/>
+              </a:ext>
+            </a:extLst>
+          </p:cNvPr>
+          <p:cNvSpPr txBox="1"/>
+          <p:nvPr/>
+        </p:nvSpPr>
+        <p:spPr>
+          <a:xfrm>
+            <a:off x="5343523" y="4972210"/>
+            <a:ext cx="438150" cy="246221"/>
+          </a:xfrm>
+          <a:prstGeom prst="rect">
+            <a:avLst/>
+          </a:prstGeom>
+          <a:noFill/>
+        </p:spPr>
+        <p:txBody>
+          <a:bodyPr wrap="square" rtlCol="0">
+            <a:spAutoFit/>
+          </a:bodyPr>
+          <a:lstStyle/>
+          <a:p>
+            <a:r>
+              <a:rPr lang="en-US" sz="1000" dirty="0">
+                <a:solidFill>
+                  <a:schemeClr val="tx1">
+                    <a:lumMod val="65000"/>
+                    <a:lumOff val="35000"/>
+                  </a:schemeClr>
+                </a:solidFill>
+                <a:latin typeface="Cambria Math" panose="02040503050406030204" pitchFamily="18" charset="0"/>
+                <a:ea typeface="Cambria Math" panose="02040503050406030204" pitchFamily="18" charset="0"/>
+              </a:rPr>
+              <a:t>6.42</a:t>
+            </a:r>
+          </a:p>
+        </p:txBody>
+      </p:sp>
+      <p:sp>
+        <p:nvSpPr>
+          <p:cNvPr id="6" name="TextBox 5">
+            <a:extLst>
+              <a:ext uri="{FF2B5EF4-FFF2-40B4-BE49-F238E27FC236}">
+                <a16:creationId xmlns:a16="http://schemas.microsoft.com/office/drawing/2014/main" id="{6E9D9CC3-1A65-47E9-9834-826DAFD374A2}"/>
+              </a:ext>
+            </a:extLst>
+          </p:cNvPr>
+          <p:cNvSpPr txBox="1"/>
+          <p:nvPr/>
+        </p:nvSpPr>
+        <p:spPr>
+          <a:xfrm>
+            <a:off x="6030908" y="4972210"/>
+            <a:ext cx="438150" cy="246221"/>
+          </a:xfrm>
+          <a:prstGeom prst="rect">
+            <a:avLst/>
+          </a:prstGeom>
+          <a:noFill/>
+        </p:spPr>
+        <p:txBody>
+          <a:bodyPr wrap="square" rtlCol="0">
+            <a:spAutoFit/>
+          </a:bodyPr>
+          <a:lstStyle/>
+          <a:p>
+            <a:r>
+              <a:rPr lang="en-US" sz="1000" dirty="0">
+                <a:solidFill>
+                  <a:schemeClr val="tx1">
+                    <a:lumMod val="65000"/>
+                    <a:lumOff val="35000"/>
+                  </a:schemeClr>
+                </a:solidFill>
+                <a:latin typeface="Cambria Math" panose="02040503050406030204" pitchFamily="18" charset="0"/>
+                <a:ea typeface="Cambria Math" panose="02040503050406030204" pitchFamily="18" charset="0"/>
+              </a:rPr>
+              <a:t>6.62</a:t>
+            </a:r>
+          </a:p>
+        </p:txBody>
+      </p:sp>
+      <p:sp>
+        <p:nvSpPr>
+          <p:cNvPr id="7" name="TextBox 6">
+            <a:extLst>
+              <a:ext uri="{FF2B5EF4-FFF2-40B4-BE49-F238E27FC236}">
+                <a16:creationId xmlns:a16="http://schemas.microsoft.com/office/drawing/2014/main" id="{FF30DC96-F4E7-4F33-B0C8-7C427B857113}"/>
+              </a:ext>
+            </a:extLst>
+          </p:cNvPr>
+          <p:cNvSpPr txBox="1"/>
+          <p:nvPr/>
+        </p:nvSpPr>
+        <p:spPr>
+          <a:xfrm>
+            <a:off x="6733380" y="4971563"/>
+            <a:ext cx="438150" cy="246221"/>
+          </a:xfrm>
+          <a:prstGeom prst="rect">
+            <a:avLst/>
+          </a:prstGeom>
+          <a:noFill/>
+        </p:spPr>
+        <p:txBody>
+          <a:bodyPr wrap="square" rtlCol="0">
+            <a:spAutoFit/>
+          </a:bodyPr>
+          <a:lstStyle/>
+          <a:p>
+            <a:r>
+              <a:rPr lang="en-US" sz="1000" dirty="0">
+                <a:solidFill>
+                  <a:schemeClr val="tx1">
+                    <a:lumMod val="65000"/>
+                    <a:lumOff val="35000"/>
+                  </a:schemeClr>
+                </a:solidFill>
+                <a:latin typeface="Cambria Math" panose="02040503050406030204" pitchFamily="18" charset="0"/>
+                <a:ea typeface="Cambria Math" panose="02040503050406030204" pitchFamily="18" charset="0"/>
+              </a:rPr>
+              <a:t>6.82</a:t>
+            </a:r>
+          </a:p>
+        </p:txBody>
+      </p:sp>
+      <p:sp>
+        <p:nvSpPr>
+          <p:cNvPr id="8" name="TextBox 7">
+            <a:extLst>
+              <a:ext uri="{FF2B5EF4-FFF2-40B4-BE49-F238E27FC236}">
+                <a16:creationId xmlns:a16="http://schemas.microsoft.com/office/drawing/2014/main" id="{15F97941-E08C-4C8D-B77E-356CD456AF3C}"/>
+              </a:ext>
+            </a:extLst>
+          </p:cNvPr>
+          <p:cNvSpPr txBox="1"/>
+          <p:nvPr/>
+        </p:nvSpPr>
+        <p:spPr>
+          <a:xfrm>
+            <a:off x="7414416" y="4972210"/>
+            <a:ext cx="438150" cy="246221"/>
+          </a:xfrm>
+          <a:prstGeom prst="rect">
+            <a:avLst/>
+          </a:prstGeom>
+          <a:noFill/>
+        </p:spPr>
+        <p:txBody>
+          <a:bodyPr wrap="square" rtlCol="0">
+            <a:spAutoFit/>
+          </a:bodyPr>
+          <a:lstStyle/>
+          <a:p>
+            <a:r>
+              <a:rPr lang="en-US" sz="1000" dirty="0">
+                <a:solidFill>
+                  <a:schemeClr val="tx1">
+                    <a:lumMod val="65000"/>
+                    <a:lumOff val="35000"/>
+                  </a:schemeClr>
+                </a:solidFill>
+                <a:latin typeface="Cambria Math" panose="02040503050406030204" pitchFamily="18" charset="0"/>
+                <a:ea typeface="Cambria Math" panose="02040503050406030204" pitchFamily="18" charset="0"/>
+              </a:rPr>
+              <a:t>7.02</a:t>
+            </a:r>
+          </a:p>
+        </p:txBody>
+      </p:sp>
+      <p:sp>
+        <p:nvSpPr>
+          <p:cNvPr id="9" name="TextBox 8">
+            <a:extLst>
+              <a:ext uri="{FF2B5EF4-FFF2-40B4-BE49-F238E27FC236}">
+                <a16:creationId xmlns:a16="http://schemas.microsoft.com/office/drawing/2014/main" id="{EF9F50A0-271C-409A-8C6B-B93468BDE933}"/>
+              </a:ext>
+            </a:extLst>
+          </p:cNvPr>
+          <p:cNvSpPr txBox="1"/>
+          <p:nvPr/>
+        </p:nvSpPr>
+        <p:spPr>
+          <a:xfrm>
+            <a:off x="8128799" y="4971563"/>
+            <a:ext cx="438150" cy="246221"/>
+          </a:xfrm>
+          <a:prstGeom prst="rect">
+            <a:avLst/>
+          </a:prstGeom>
+          <a:noFill/>
+        </p:spPr>
+        <p:txBody>
+          <a:bodyPr wrap="square" rtlCol="0">
+            <a:spAutoFit/>
+          </a:bodyPr>
+          <a:lstStyle/>
+          <a:p>
+            <a:r>
+              <a:rPr lang="en-US" sz="1000" dirty="0">
+                <a:solidFill>
+                  <a:schemeClr val="tx1">
+                    <a:lumMod val="65000"/>
+                    <a:lumOff val="35000"/>
+                  </a:schemeClr>
+                </a:solidFill>
+                <a:latin typeface="Cambria Math" panose="02040503050406030204" pitchFamily="18" charset="0"/>
+                <a:ea typeface="Cambria Math" panose="02040503050406030204" pitchFamily="18" charset="0"/>
+              </a:rPr>
+              <a:t>7.22</a:t>
+            </a:r>
+          </a:p>
+        </p:txBody>
+      </p:sp>
+      <p:sp>
+        <p:nvSpPr>
+          <p:cNvPr id="10" name="TextBox 9">
+            <a:extLst>
+              <a:ext uri="{FF2B5EF4-FFF2-40B4-BE49-F238E27FC236}">
+                <a16:creationId xmlns:a16="http://schemas.microsoft.com/office/drawing/2014/main" id="{8985E04B-21B3-4001-8295-40CB80B94FB4}"/>
+              </a:ext>
+            </a:extLst>
+          </p:cNvPr>
+          <p:cNvSpPr txBox="1"/>
+          <p:nvPr/>
+        </p:nvSpPr>
+        <p:spPr>
+          <a:xfrm>
+            <a:off x="8804273" y="4972210"/>
+            <a:ext cx="438150" cy="246221"/>
+          </a:xfrm>
+          <a:prstGeom prst="rect">
+            <a:avLst/>
+          </a:prstGeom>
+          <a:noFill/>
+        </p:spPr>
+        <p:txBody>
+          <a:bodyPr wrap="square" rtlCol="0">
+            <a:spAutoFit/>
+          </a:bodyPr>
+          <a:lstStyle/>
+          <a:p>
+            <a:r>
+              <a:rPr lang="en-US" sz="1000" dirty="0">
+                <a:solidFill>
+                  <a:schemeClr val="tx1">
+                    <a:lumMod val="65000"/>
+                    <a:lumOff val="35000"/>
+                  </a:schemeClr>
+                </a:solidFill>
+                <a:latin typeface="Cambria Math" panose="02040503050406030204" pitchFamily="18" charset="0"/>
+                <a:ea typeface="Cambria Math" panose="02040503050406030204" pitchFamily="18" charset="0"/>
+              </a:rPr>
+              <a:t>7.42</a:t>
+            </a:r>
+          </a:p>
+        </p:txBody>
+      </p:sp>
+      <p:sp>
+        <p:nvSpPr>
+          <p:cNvPr id="11" name="TextBox 10">
+            <a:extLst>
+              <a:ext uri="{FF2B5EF4-FFF2-40B4-BE49-F238E27FC236}">
+                <a16:creationId xmlns:a16="http://schemas.microsoft.com/office/drawing/2014/main" id="{60446092-B5BC-4937-ABA0-BC69289E457B}"/>
+              </a:ext>
+            </a:extLst>
+          </p:cNvPr>
+          <p:cNvSpPr txBox="1"/>
+          <p:nvPr/>
+        </p:nvSpPr>
+        <p:spPr>
+          <a:xfrm>
+            <a:off x="9504762" y="4971563"/>
+            <a:ext cx="438150" cy="246221"/>
+          </a:xfrm>
+          <a:prstGeom prst="rect">
+            <a:avLst/>
+          </a:prstGeom>
+          <a:noFill/>
+        </p:spPr>
+        <p:txBody>
+          <a:bodyPr wrap="square" rtlCol="0">
+            <a:spAutoFit/>
+          </a:bodyPr>
+          <a:lstStyle/>
+          <a:p>
+            <a:r>
+              <a:rPr lang="en-US" sz="1000" dirty="0">
+                <a:solidFill>
+                  <a:schemeClr val="tx1">
+                    <a:lumMod val="65000"/>
+                    <a:lumOff val="35000"/>
+                  </a:schemeClr>
+                </a:solidFill>
+                <a:latin typeface="Cambria Math" panose="02040503050406030204" pitchFamily="18" charset="0"/>
+                <a:ea typeface="Cambria Math" panose="02040503050406030204" pitchFamily="18" charset="0"/>
+              </a:rPr>
+              <a:t>7.62</a:t>
+            </a:r>
+          </a:p>
+        </p:txBody>
+      </p:sp>
+      <p:sp>
+        <p:nvSpPr>
+          <p:cNvPr id="12" name="TextBox 11">
+            <a:extLst>
+              <a:ext uri="{FF2B5EF4-FFF2-40B4-BE49-F238E27FC236}">
+                <a16:creationId xmlns:a16="http://schemas.microsoft.com/office/drawing/2014/main" id="{C11965C3-0964-4440-95A0-6621FD6049E4}"/>
+              </a:ext>
+            </a:extLst>
+          </p:cNvPr>
+          <p:cNvSpPr txBox="1"/>
+          <p:nvPr/>
+        </p:nvSpPr>
+        <p:spPr>
+          <a:xfrm>
+            <a:off x="10180236" y="4971563"/>
+            <a:ext cx="438150" cy="246221"/>
+          </a:xfrm>
+          <a:prstGeom prst="rect">
+            <a:avLst/>
+          </a:prstGeom>
+          <a:noFill/>
+        </p:spPr>
+        <p:txBody>
+          <a:bodyPr wrap="square" rtlCol="0">
+            <a:spAutoFit/>
+          </a:bodyPr>
+          <a:lstStyle/>
+          <a:p>
+            <a:r>
+              <a:rPr lang="en-US" sz="1000" dirty="0">
+                <a:solidFill>
+                  <a:schemeClr val="tx1">
+                    <a:lumMod val="65000"/>
+                    <a:lumOff val="35000"/>
+                  </a:schemeClr>
+                </a:solidFill>
+                <a:latin typeface="Cambria Math" panose="02040503050406030204" pitchFamily="18" charset="0"/>
+                <a:ea typeface="Cambria Math" panose="02040503050406030204" pitchFamily="18" charset="0"/>
+              </a:rPr>
+              <a:t>7.82</a:t>
+            </a:r>
+          </a:p>
+        </p:txBody>
+      </p:sp>
+      <p:sp>
+        <p:nvSpPr>
+          <p:cNvPr id="14" name="Прямоугольник 13">
+            <a:extLst>
+              <a:ext uri="{FF2B5EF4-FFF2-40B4-BE49-F238E27FC236}">
+                <a16:creationId xmlns:a16="http://schemas.microsoft.com/office/drawing/2014/main" id="{DA1B5E23-A22D-4454-AC59-93F19EEE6A0E}"/>
+              </a:ext>
+            </a:extLst>
+          </p:cNvPr>
+          <p:cNvSpPr/>
+          <p:nvPr/>
+        </p:nvSpPr>
+        <p:spPr>
+          <a:xfrm>
+            <a:off x="5019675" y="2218287"/>
+            <a:ext cx="266700" cy="2671763"/>
+          </a:xfrm>
+          <a:prstGeom prst="rect">
+            <a:avLst/>
+          </a:prstGeom>
+          <a:solidFill>
+            <a:schemeClr val="bg1"/>
+          </a:solidFill>
+          <a:ln>
+            <a:solidFill>
+              <a:schemeClr val="bg1"/>
+            </a:solidFill>
+          </a:ln>
+        </p:spPr>
+        <p:style>
+          <a:lnRef idx="2">
+            <a:schemeClr val="accent1">
+              <a:shade val="50000"/>
+            </a:schemeClr>
+          </a:lnRef>
+          <a:fillRef idx="1">
+            <a:schemeClr val="accent1"/>
+          </a:fillRef>
+          <a:effectRef idx="0">
+            <a:schemeClr val="accent1"/>
+          </a:effectRef>
+          <a:fontRef idx="minor">
+            <a:schemeClr val="lt1"/>
+          </a:fontRef>
+        </p:style>
+        <p:txBody>
+          <a:bodyPr rtlCol="0" anchor="ctr"/>
+          <a:lstStyle/>
+          <a:p>
+            <a:pPr algn="ctr"/>
+            <a:endParaRPr lang="ru-RU"/>
+          </a:p>
+        </p:txBody>
+      </p:sp>
+      <p:sp>
+        <p:nvSpPr>
+          <p:cNvPr id="15" name="TextBox 14">
+            <a:extLst>
+              <a:ext uri="{FF2B5EF4-FFF2-40B4-BE49-F238E27FC236}">
+                <a16:creationId xmlns:a16="http://schemas.microsoft.com/office/drawing/2014/main" id="{73663123-31F8-4814-9B43-2BB5A9292B99}"/>
+              </a:ext>
+            </a:extLst>
+          </p:cNvPr>
+          <p:cNvSpPr txBox="1"/>
+          <p:nvPr/>
+        </p:nvSpPr>
+        <p:spPr>
+          <a:xfrm>
+            <a:off x="5067300" y="4571196"/>
+            <a:ext cx="438150" cy="246221"/>
+          </a:xfrm>
+          <a:prstGeom prst="rect">
+            <a:avLst/>
+          </a:prstGeom>
+          <a:noFill/>
+        </p:spPr>
+        <p:txBody>
+          <a:bodyPr wrap="square" rtlCol="0">
+            <a:spAutoFit/>
+          </a:bodyPr>
+          <a:lstStyle/>
+          <a:p>
+            <a:r>
+              <a:rPr lang="en-US" sz="1000" dirty="0">
+                <a:solidFill>
+                  <a:schemeClr val="tx1">
+                    <a:lumMod val="65000"/>
+                    <a:lumOff val="35000"/>
+                  </a:schemeClr>
+                </a:solidFill>
+                <a:latin typeface="Cambria Math" panose="02040503050406030204" pitchFamily="18" charset="0"/>
+                <a:ea typeface="Cambria Math" panose="02040503050406030204" pitchFamily="18" charset="0"/>
+              </a:rPr>
+              <a:t>0</a:t>
+            </a:r>
+          </a:p>
+        </p:txBody>
+      </p:sp>
+      <p:sp>
+        <p:nvSpPr>
+          <p:cNvPr id="17" name="TextBox 16">
+            <a:extLst>
+              <a:ext uri="{FF2B5EF4-FFF2-40B4-BE49-F238E27FC236}">
+                <a16:creationId xmlns:a16="http://schemas.microsoft.com/office/drawing/2014/main" id="{ECF88BFC-0A6A-406A-B0B3-2ED449CCCC13}"/>
+              </a:ext>
+            </a:extLst>
+          </p:cNvPr>
+          <p:cNvSpPr txBox="1"/>
+          <p:nvPr/>
+        </p:nvSpPr>
+        <p:spPr>
+          <a:xfrm>
+            <a:off x="5067300" y="3980646"/>
+            <a:ext cx="438150" cy="246221"/>
+          </a:xfrm>
+          <a:prstGeom prst="rect">
+            <a:avLst/>
+          </a:prstGeom>
+          <a:noFill/>
+        </p:spPr>
+        <p:txBody>
+          <a:bodyPr wrap="square" rtlCol="0">
+            <a:spAutoFit/>
+          </a:bodyPr>
+          <a:lstStyle/>
+          <a:p>
+            <a:r>
+              <a:rPr lang="en-US" sz="1000" dirty="0">
+                <a:solidFill>
+                  <a:schemeClr val="tx1">
+                    <a:lumMod val="65000"/>
+                    <a:lumOff val="35000"/>
+                  </a:schemeClr>
+                </a:solidFill>
+                <a:latin typeface="Cambria Math" panose="02040503050406030204" pitchFamily="18" charset="0"/>
+                <a:ea typeface="Cambria Math" panose="02040503050406030204" pitchFamily="18" charset="0"/>
+              </a:rPr>
+              <a:t>5</a:t>
+            </a:r>
+          </a:p>
+        </p:txBody>
+      </p:sp>
+      <p:sp>
+        <p:nvSpPr>
+          <p:cNvPr id="18" name="TextBox 17">
+            <a:extLst>
+              <a:ext uri="{FF2B5EF4-FFF2-40B4-BE49-F238E27FC236}">
+                <a16:creationId xmlns:a16="http://schemas.microsoft.com/office/drawing/2014/main" id="{10AA5B99-229C-4B32-AFED-C6EF888FD5E1}"/>
+              </a:ext>
+            </a:extLst>
+          </p:cNvPr>
+          <p:cNvSpPr txBox="1"/>
+          <p:nvPr/>
+        </p:nvSpPr>
+        <p:spPr>
+          <a:xfrm>
+            <a:off x="5067300" y="3390096"/>
+            <a:ext cx="438150" cy="246221"/>
+          </a:xfrm>
+          <a:prstGeom prst="rect">
+            <a:avLst/>
+          </a:prstGeom>
+          <a:noFill/>
+        </p:spPr>
+        <p:txBody>
+          <a:bodyPr wrap="square" rtlCol="0">
+            <a:spAutoFit/>
+          </a:bodyPr>
+          <a:lstStyle/>
+          <a:p>
+            <a:r>
+              <a:rPr lang="en-US" sz="1000" dirty="0">
+                <a:solidFill>
+                  <a:schemeClr val="tx1">
+                    <a:lumMod val="65000"/>
+                    <a:lumOff val="35000"/>
+                  </a:schemeClr>
+                </a:solidFill>
+                <a:latin typeface="Cambria Math" panose="02040503050406030204" pitchFamily="18" charset="0"/>
+                <a:ea typeface="Cambria Math" panose="02040503050406030204" pitchFamily="18" charset="0"/>
+              </a:rPr>
+              <a:t>10</a:t>
+            </a:r>
+          </a:p>
+        </p:txBody>
+      </p:sp>
+      <p:sp>
+        <p:nvSpPr>
+          <p:cNvPr id="19" name="TextBox 18">
+            <a:extLst>
+              <a:ext uri="{FF2B5EF4-FFF2-40B4-BE49-F238E27FC236}">
+                <a16:creationId xmlns:a16="http://schemas.microsoft.com/office/drawing/2014/main" id="{1491525D-8B52-459A-91EC-34E27BA4A820}"/>
+              </a:ext>
+            </a:extLst>
+          </p:cNvPr>
+          <p:cNvSpPr txBox="1"/>
+          <p:nvPr/>
+        </p:nvSpPr>
+        <p:spPr>
+          <a:xfrm>
+            <a:off x="5067300" y="2799546"/>
+            <a:ext cx="438150" cy="246221"/>
+          </a:xfrm>
+          <a:prstGeom prst="rect">
+            <a:avLst/>
+          </a:prstGeom>
+          <a:noFill/>
+        </p:spPr>
+        <p:txBody>
+          <a:bodyPr wrap="square" rtlCol="0">
+            <a:spAutoFit/>
+          </a:bodyPr>
+          <a:lstStyle/>
+          <a:p>
+            <a:r>
+              <a:rPr lang="en-US" sz="1000" dirty="0">
+                <a:solidFill>
+                  <a:schemeClr val="tx1">
+                    <a:lumMod val="65000"/>
+                    <a:lumOff val="35000"/>
+                  </a:schemeClr>
+                </a:solidFill>
+                <a:latin typeface="Cambria Math" panose="02040503050406030204" pitchFamily="18" charset="0"/>
+                <a:ea typeface="Cambria Math" panose="02040503050406030204" pitchFamily="18" charset="0"/>
+              </a:rPr>
+              <a:t>15</a:t>
+            </a:r>
+          </a:p>
+        </p:txBody>
+      </p:sp>
+      <p:sp>
+        <p:nvSpPr>
+          <p:cNvPr id="20" name="TextBox 19">
+            <a:extLst>
+              <a:ext uri="{FF2B5EF4-FFF2-40B4-BE49-F238E27FC236}">
+                <a16:creationId xmlns:a16="http://schemas.microsoft.com/office/drawing/2014/main" id="{8B050555-CE37-4284-AC79-8EE2460F8D74}"/>
+              </a:ext>
+            </a:extLst>
+          </p:cNvPr>
+          <p:cNvSpPr txBox="1"/>
+          <p:nvPr/>
+        </p:nvSpPr>
+        <p:spPr>
+          <a:xfrm>
+            <a:off x="5067300" y="2208996"/>
+            <a:ext cx="438150" cy="246221"/>
+          </a:xfrm>
+          <a:prstGeom prst="rect">
+            <a:avLst/>
+          </a:prstGeom>
+          <a:noFill/>
+        </p:spPr>
+        <p:txBody>
+          <a:bodyPr wrap="square" rtlCol="0">
+            <a:spAutoFit/>
+          </a:bodyPr>
+          <a:lstStyle/>
+          <a:p>
+            <a:r>
+              <a:rPr lang="en-US" sz="1000" dirty="0">
+                <a:solidFill>
+                  <a:schemeClr val="tx1">
+                    <a:lumMod val="65000"/>
+                    <a:lumOff val="35000"/>
+                  </a:schemeClr>
+                </a:solidFill>
+                <a:latin typeface="Cambria Math" panose="02040503050406030204" pitchFamily="18" charset="0"/>
+                <a:ea typeface="Cambria Math" panose="02040503050406030204" pitchFamily="18" charset="0"/>
+              </a:rPr>
+              <a:t>20</a:t>
+            </a:r>
+          </a:p>
+        </p:txBody>
+      </p:sp>
+    </p:spTree>
+    <p:extLst>
+      <p:ext uri="{BB962C8B-B14F-4D97-AF65-F5344CB8AC3E}">
+        <p14:creationId xmlns:p14="http://schemas.microsoft.com/office/powerpoint/2010/main" val="1894432607"/>
+      </p:ext>
+    </p:extLst>
+  </p:cSld>
+  <p:clrMapOvr>
+    <a:masterClrMapping/>
+  </p:clrMapOvr>
+</p:sld>
+</file>
+
+<file path=ppt/slides/slide16.xml><?xml version="1.0" encoding="utf-8"?>
+<p:sld xmlns:a="http://schemas.openxmlformats.org/drawingml/2006/main" xmlns:r="http://schemas.openxmlformats.org/officeDocument/2006/relationships" xmlns:p="http://schemas.openxmlformats.org/presentationml/2006/main">
+  <p:cSld>
+    <p:spTree>
+      <p:nvGrpSpPr>
+        <p:cNvPr id="1" name=""/>
+        <p:cNvGrpSpPr/>
+        <p:nvPr/>
+      </p:nvGrpSpPr>
+      <p:grpSpPr>
+        <a:xfrm>
+          <a:off x="0" y="0"/>
+          <a:ext cx="0" cy="0"/>
+          <a:chOff x="0" y="0"/>
+          <a:chExt cx="0" cy="0"/>
+        </a:xfrm>
+      </p:grpSpPr>
+      <p:pic>
+        <p:nvPicPr>
+          <p:cNvPr id="5" name="Рисунок 4">
+            <a:extLst>
+              <a:ext uri="{FF2B5EF4-FFF2-40B4-BE49-F238E27FC236}">
+                <a16:creationId xmlns:a16="http://schemas.microsoft.com/office/drawing/2014/main" id="{D2FD3A5E-2F1E-463D-A9C0-AB22F987681F}"/>
+              </a:ext>
+            </a:extLst>
+          </p:cNvPr>
+          <p:cNvPicPr>
+            <a:picLocks noChangeAspect="1"/>
+          </p:cNvPicPr>
+          <p:nvPr/>
+        </p:nvPicPr>
+        <p:blipFill>
+          <a:blip r:embed="rId2"/>
+          <a:stretch>
+            <a:fillRect/>
+          </a:stretch>
+        </p:blipFill>
+        <p:spPr>
+          <a:xfrm>
+            <a:off x="799247" y="0"/>
+            <a:ext cx="14601944" cy="7199313"/>
+          </a:xfrm>
+          <a:prstGeom prst="rect">
+            <a:avLst/>
+          </a:prstGeom>
+        </p:spPr>
+      </p:pic>
+      <p:cxnSp>
+        <p:nvCxnSpPr>
+          <p:cNvPr id="7" name="Прямая соединительная линия 6">
+            <a:extLst>
+              <a:ext uri="{FF2B5EF4-FFF2-40B4-BE49-F238E27FC236}">
+                <a16:creationId xmlns:a16="http://schemas.microsoft.com/office/drawing/2014/main" id="{52CEB9FF-4709-4E50-AF40-7B32340753FA}"/>
+              </a:ext>
+            </a:extLst>
+          </p:cNvPr>
+          <p:cNvCxnSpPr>
+            <a:cxnSpLocks/>
+          </p:cNvCxnSpPr>
+          <p:nvPr/>
+        </p:nvCxnSpPr>
+        <p:spPr>
+          <a:xfrm>
+            <a:off x="1158513" y="1782700"/>
+            <a:ext cx="13974163" cy="0"/>
+          </a:xfrm>
+          <a:prstGeom prst="line">
+            <a:avLst/>
+          </a:prstGeom>
+          <a:ln w="15875">
+            <a:solidFill>
+              <a:schemeClr val="tx1">
+                <a:lumMod val="65000"/>
+                <a:lumOff val="35000"/>
+              </a:schemeClr>
+            </a:solidFill>
+            <a:prstDash val="lgDash"/>
+          </a:ln>
+        </p:spPr>
+        <p:style>
+          <a:lnRef idx="1">
+            <a:schemeClr val="accent1"/>
+          </a:lnRef>
+          <a:fillRef idx="0">
+            <a:schemeClr val="accent1"/>
+          </a:fillRef>
+          <a:effectRef idx="0">
+            <a:schemeClr val="accent1"/>
+          </a:effectRef>
+          <a:fontRef idx="minor">
+            <a:schemeClr val="tx1"/>
+          </a:fontRef>
+        </p:style>
+      </p:cxnSp>
+      <p:cxnSp>
+        <p:nvCxnSpPr>
+          <p:cNvPr id="10" name="Прямая соединительная линия 9">
+            <a:extLst>
+              <a:ext uri="{FF2B5EF4-FFF2-40B4-BE49-F238E27FC236}">
+                <a16:creationId xmlns:a16="http://schemas.microsoft.com/office/drawing/2014/main" id="{E72B7D8F-5ECB-4233-9DE9-AAF041835F83}"/>
+              </a:ext>
+            </a:extLst>
+          </p:cNvPr>
+          <p:cNvCxnSpPr>
+            <a:cxnSpLocks/>
+          </p:cNvCxnSpPr>
+          <p:nvPr/>
+        </p:nvCxnSpPr>
+        <p:spPr>
+          <a:xfrm>
+            <a:off x="1158513" y="1203151"/>
+            <a:ext cx="13974163" cy="0"/>
+          </a:xfrm>
+          <a:prstGeom prst="line">
+            <a:avLst/>
+          </a:prstGeom>
+          <a:ln w="15875">
+            <a:solidFill>
+              <a:schemeClr val="tx1">
+                <a:lumMod val="65000"/>
+                <a:lumOff val="35000"/>
+              </a:schemeClr>
+            </a:solidFill>
+            <a:prstDash val="lgDash"/>
+          </a:ln>
+        </p:spPr>
+        <p:style>
+          <a:lnRef idx="1">
+            <a:schemeClr val="accent1"/>
+          </a:lnRef>
+          <a:fillRef idx="0">
+            <a:schemeClr val="accent1"/>
+          </a:fillRef>
+          <a:effectRef idx="0">
+            <a:schemeClr val="accent1"/>
+          </a:effectRef>
+          <a:fontRef idx="minor">
+            <a:schemeClr val="tx1"/>
+          </a:fontRef>
+        </p:style>
+      </p:cxnSp>
+      <mc:AlternateContent xmlns:mc="http://schemas.openxmlformats.org/markup-compatibility/2006" xmlns:pslz="http://schemas.microsoft.com/office/powerpoint/2016/slidezoom">
+        <mc:Choice Requires="pslz">
+          <p:graphicFrame>
+            <p:nvGraphicFramePr>
+              <p:cNvPr id="12" name="Ссылка на слайд 11">
+                <a:extLst>
+                  <a:ext uri="{FF2B5EF4-FFF2-40B4-BE49-F238E27FC236}">
+                    <a16:creationId xmlns:a16="http://schemas.microsoft.com/office/drawing/2014/main" id="{8F72F909-2F21-4893-9A9D-C97C6FD5EC85}"/>
+                  </a:ext>
+                </a:extLst>
+              </p:cNvPr>
+              <p:cNvGraphicFramePr>
+                <a:graphicFrameLocks noChangeAspect="1"/>
+              </p:cNvGraphicFramePr>
+              <p:nvPr>
+                <p:extLst>
+                  <p:ext uri="{D42A27DB-BD31-4B8C-83A1-F6EECF244321}">
+                    <p14:modId xmlns:p14="http://schemas.microsoft.com/office/powerpoint/2010/main" val="4201582557"/>
+                  </p:ext>
+                </p:extLst>
+              </p:nvPr>
+            </p:nvGraphicFramePr>
+            <p:xfrm>
+              <a:off x="5211818" y="1817287"/>
+              <a:ext cx="4050110" cy="1799828"/>
+            </p:xfrm>
+            <a:graphic>
+              <a:graphicData uri="http://schemas.microsoft.com/office/powerpoint/2016/slidezoom">
+                <pslz:sldZm>
+                  <pslz:sldZmObj sldId="271" cId="2619646079">
+                    <pslz:zmPr id="{E9941283-40B0-4DB2-B6D8-13607FE636F1}" returnToParent="0" transitionDur="1000">
+                      <p166:blipFill xmlns:p166="http://schemas.microsoft.com/office/powerpoint/2016/6/main">
+                        <a:blip r:embed="rId3"/>
+                        <a:stretch>
+                          <a:fillRect/>
+                        </a:stretch>
+                      </p166:blipFill>
+                      <p166:spPr xmlns:p166="http://schemas.microsoft.com/office/powerpoint/2016/6/main">
+                        <a:xfrm>
+                          <a:off x="0" y="0"/>
+                          <a:ext cx="4050110" cy="1799828"/>
+                        </a:xfrm>
+                        <a:prstGeom prst="rect">
+                          <a:avLst/>
+                        </a:prstGeom>
+                        <a:ln w="3175">
+                          <a:solidFill>
+                            <a:prstClr val="ltGray"/>
+                          </a:solidFill>
+                        </a:ln>
+                      </p166:spPr>
+                    </pslz:zmPr>
+                  </pslz:sldZmObj>
+                </pslz:sldZm>
+              </a:graphicData>
+            </a:graphic>
+          </p:graphicFrame>
+        </mc:Choice>
+        <mc:Fallback xmlns="">
+          <p:pic>
+            <p:nvPicPr>
+              <p:cNvPr id="12" name="Ссылка на слайд 11">
+                <a:extLst>
+                  <a:ext uri="{FF2B5EF4-FFF2-40B4-BE49-F238E27FC236}">
+                    <a16:creationId xmlns:a16="http://schemas.microsoft.com/office/drawing/2014/main" id="{8F72F909-2F21-4893-9A9D-C97C6FD5EC85}"/>
+                  </a:ext>
+                </a:extLst>
+              </p:cNvPr>
+              <p:cNvPicPr>
+                <a:picLocks noGrp="1" noRot="1" noChangeAspect="1" noMove="1" noResize="1" noEditPoints="1" noAdjustHandles="1" noChangeArrowheads="1" noChangeShapeType="1"/>
+              </p:cNvPicPr>
+              <p:nvPr/>
+            </p:nvPicPr>
+            <p:blipFill>
+              <a:blip r:embed="rId4"/>
+              <a:stretch>
+                <a:fillRect/>
+              </a:stretch>
+            </p:blipFill>
+            <p:spPr>
+              <a:xfrm>
+                <a:off x="5211818" y="1817287"/>
+                <a:ext cx="4050110" cy="1799828"/>
+              </a:xfrm>
+              <a:prstGeom prst="rect">
+                <a:avLst/>
+              </a:prstGeom>
+              <a:ln w="3175">
+                <a:solidFill>
+                  <a:prstClr val="ltGray"/>
+                </a:solidFill>
+              </a:ln>
+            </p:spPr>
+          </p:pic>
+        </mc:Fallback>
+      </mc:AlternateContent>
+    </p:spTree>
+    <p:extLst>
+      <p:ext uri="{BB962C8B-B14F-4D97-AF65-F5344CB8AC3E}">
+        <p14:creationId xmlns:p14="http://schemas.microsoft.com/office/powerpoint/2010/main" val="478811533"/>
+      </p:ext>
+    </p:extLst>
+  </p:cSld>
+  <p:clrMapOvr>
+    <a:masterClrMapping/>
+  </p:clrMapOvr>
+</p:sld>
+</file>
+
+<file path=ppt/slides/slide17.xml><?xml version="1.0" encoding="utf-8"?>
+<p:sld xmlns:a="http://schemas.openxmlformats.org/drawingml/2006/main" xmlns:r="http://schemas.openxmlformats.org/officeDocument/2006/relationships" xmlns:p="http://schemas.openxmlformats.org/presentationml/2006/main">
+  <p:cSld>
+    <p:spTree>
+      <p:nvGrpSpPr>
+        <p:cNvPr id="1" name=""/>
+        <p:cNvGrpSpPr/>
+        <p:nvPr/>
+      </p:nvGrpSpPr>
+      <p:grpSpPr>
+        <a:xfrm>
+          <a:off x="0" y="0"/>
+          <a:ext cx="0" cy="0"/>
+          <a:chOff x="0" y="0"/>
+          <a:chExt cx="0" cy="0"/>
+        </a:xfrm>
+      </p:grpSpPr>
+      <p:pic>
+        <p:nvPicPr>
+          <p:cNvPr id="5" name="Рисунок 4">
+            <a:extLst>
+              <a:ext uri="{FF2B5EF4-FFF2-40B4-BE49-F238E27FC236}">
+                <a16:creationId xmlns:a16="http://schemas.microsoft.com/office/drawing/2014/main" id="{A4632A7B-1B5D-49EF-A9BA-D08B6D496F0D}"/>
+              </a:ext>
+            </a:extLst>
+          </p:cNvPr>
+          <p:cNvPicPr>
+            <a:picLocks noChangeAspect="1"/>
+          </p:cNvPicPr>
+          <p:nvPr/>
+        </p:nvPicPr>
+        <p:blipFill>
+          <a:blip r:embed="rId2"/>
+          <a:stretch>
+            <a:fillRect/>
+          </a:stretch>
+        </p:blipFill>
+        <p:spPr>
+          <a:xfrm>
+            <a:off x="1741987" y="0"/>
+            <a:ext cx="12716463" cy="7199313"/>
+          </a:xfrm>
+          <a:prstGeom prst="rect">
+            <a:avLst/>
+          </a:prstGeom>
+        </p:spPr>
+      </p:pic>
+      <p:cxnSp>
+        <p:nvCxnSpPr>
+          <p:cNvPr id="6" name="Прямая соединительная линия 5">
+            <a:extLst>
+              <a:ext uri="{FF2B5EF4-FFF2-40B4-BE49-F238E27FC236}">
+                <a16:creationId xmlns:a16="http://schemas.microsoft.com/office/drawing/2014/main" id="{A904BE9B-9941-4F6D-BE20-53C1C6D4CB34}"/>
+              </a:ext>
+            </a:extLst>
+          </p:cNvPr>
+          <p:cNvCxnSpPr>
+            <a:cxnSpLocks/>
+          </p:cNvCxnSpPr>
+          <p:nvPr/>
+        </p:nvCxnSpPr>
+        <p:spPr>
+          <a:xfrm>
+            <a:off x="2171700" y="2049400"/>
+            <a:ext cx="11899900" cy="0"/>
+          </a:xfrm>
+          <a:prstGeom prst="line">
+            <a:avLst/>
+          </a:prstGeom>
+          <a:ln w="15875">
+            <a:solidFill>
+              <a:schemeClr val="tx1">
+                <a:lumMod val="65000"/>
+                <a:lumOff val="35000"/>
+              </a:schemeClr>
+            </a:solidFill>
+            <a:prstDash val="lgDash"/>
+          </a:ln>
+        </p:spPr>
+        <p:style>
+          <a:lnRef idx="1">
+            <a:schemeClr val="accent1"/>
+          </a:lnRef>
+          <a:fillRef idx="0">
+            <a:schemeClr val="accent1"/>
+          </a:fillRef>
+          <a:effectRef idx="0">
+            <a:schemeClr val="accent1"/>
+          </a:effectRef>
+          <a:fontRef idx="minor">
+            <a:schemeClr val="tx1"/>
+          </a:fontRef>
+        </p:style>
+      </p:cxnSp>
+      <p:cxnSp>
+        <p:nvCxnSpPr>
+          <p:cNvPr id="7" name="Прямая соединительная линия 6">
+            <a:extLst>
+              <a:ext uri="{FF2B5EF4-FFF2-40B4-BE49-F238E27FC236}">
+                <a16:creationId xmlns:a16="http://schemas.microsoft.com/office/drawing/2014/main" id="{08D37A4B-F015-4AE0-ACCB-B914E69E2DEB}"/>
+              </a:ext>
+            </a:extLst>
+          </p:cNvPr>
+          <p:cNvCxnSpPr>
+            <a:cxnSpLocks/>
+          </p:cNvCxnSpPr>
+          <p:nvPr/>
+        </p:nvCxnSpPr>
+        <p:spPr>
+          <a:xfrm>
+            <a:off x="2171700" y="1490600"/>
+            <a:ext cx="11899900" cy="0"/>
+          </a:xfrm>
+          <a:prstGeom prst="line">
+            <a:avLst/>
+          </a:prstGeom>
+          <a:ln w="15875">
+            <a:solidFill>
+              <a:schemeClr val="tx1">
+                <a:lumMod val="65000"/>
+                <a:lumOff val="35000"/>
+              </a:schemeClr>
+            </a:solidFill>
+            <a:prstDash val="lgDash"/>
+          </a:ln>
+        </p:spPr>
+        <p:style>
+          <a:lnRef idx="1">
+            <a:schemeClr val="accent1"/>
+          </a:lnRef>
+          <a:fillRef idx="0">
+            <a:schemeClr val="accent1"/>
+          </a:fillRef>
+          <a:effectRef idx="0">
+            <a:schemeClr val="accent1"/>
+          </a:effectRef>
+          <a:fontRef idx="minor">
+            <a:schemeClr val="tx1"/>
+          </a:fontRef>
+        </p:style>
+      </p:cxnSp>
+      <p:cxnSp>
+        <p:nvCxnSpPr>
+          <p:cNvPr id="13" name="Прямая соединительная линия 12">
+            <a:extLst>
+              <a:ext uri="{FF2B5EF4-FFF2-40B4-BE49-F238E27FC236}">
+                <a16:creationId xmlns:a16="http://schemas.microsoft.com/office/drawing/2014/main" id="{FB9E3359-AAAA-4E80-9ABD-9622C45E7326}"/>
+              </a:ext>
+            </a:extLst>
+          </p:cNvPr>
+          <p:cNvCxnSpPr/>
+          <p:nvPr/>
+        </p:nvCxnSpPr>
+        <p:spPr>
+          <a:xfrm>
+            <a:off x="4178300" y="2374900"/>
+            <a:ext cx="774700" cy="0"/>
+          </a:xfrm>
+          <a:prstGeom prst="line">
+            <a:avLst/>
+          </a:prstGeom>
+          <a:ln w="15875">
+            <a:solidFill>
+              <a:schemeClr val="accent2"/>
+            </a:solidFill>
+          </a:ln>
+        </p:spPr>
+        <p:style>
+          <a:lnRef idx="1">
+            <a:schemeClr val="accent1"/>
+          </a:lnRef>
+          <a:fillRef idx="0">
+            <a:schemeClr val="accent1"/>
+          </a:fillRef>
+          <a:effectRef idx="0">
+            <a:schemeClr val="accent1"/>
+          </a:effectRef>
+          <a:fontRef idx="minor">
+            <a:schemeClr val="tx1"/>
+          </a:fontRef>
+        </p:style>
+      </p:cxnSp>
+    </p:spTree>
+    <p:extLst>
+      <p:ext uri="{BB962C8B-B14F-4D97-AF65-F5344CB8AC3E}">
+        <p14:creationId xmlns:p14="http://schemas.microsoft.com/office/powerpoint/2010/main" val="2619646079"/>
+      </p:ext>
+    </p:extLst>
+  </p:cSld>
+  <p:clrMapOvr>
+    <a:masterClrMapping/>
+  </p:clrMapOvr>
+</p:sld>
+</file>
+
+<file path=ppt/slides/slide18.xml><?xml version="1.0" encoding="utf-8"?>
+<p:sld xmlns:a="http://schemas.openxmlformats.org/drawingml/2006/main" xmlns:r="http://schemas.openxmlformats.org/officeDocument/2006/relationships" xmlns:p="http://schemas.openxmlformats.org/presentationml/2006/main">
+  <p:cSld>
+    <p:spTree>
+      <p:nvGrpSpPr>
+        <p:cNvPr id="1" name=""/>
+        <p:cNvGrpSpPr/>
+        <p:nvPr/>
+      </p:nvGrpSpPr>
+      <p:grpSpPr>
+        <a:xfrm>
+          <a:off x="0" y="0"/>
+          <a:ext cx="0" cy="0"/>
+          <a:chOff x="0" y="0"/>
+          <a:chExt cx="0" cy="0"/>
+        </a:xfrm>
+      </p:grpSpPr>
+      <p:pic>
+        <p:nvPicPr>
+          <p:cNvPr id="5" name="Рисунок 4">
+            <a:extLst>
+              <a:ext uri="{FF2B5EF4-FFF2-40B4-BE49-F238E27FC236}">
+                <a16:creationId xmlns:a16="http://schemas.microsoft.com/office/drawing/2014/main" id="{CC4E2426-2CC3-4B58-A0C4-1CCF38704703}"/>
+              </a:ext>
+            </a:extLst>
+          </p:cNvPr>
+          <p:cNvPicPr>
+            <a:picLocks noChangeAspect="1"/>
+          </p:cNvPicPr>
+          <p:nvPr/>
+        </p:nvPicPr>
+        <p:blipFill>
+          <a:blip r:embed="rId2"/>
+          <a:stretch>
+            <a:fillRect/>
+          </a:stretch>
+        </p:blipFill>
+        <p:spPr>
+          <a:xfrm>
+            <a:off x="2289158" y="360704"/>
+            <a:ext cx="11622122" cy="6477904"/>
+          </a:xfrm>
+          <a:prstGeom prst="rect">
+            <a:avLst/>
+          </a:prstGeom>
+        </p:spPr>
+      </p:pic>
+      <p:cxnSp>
+        <p:nvCxnSpPr>
+          <p:cNvPr id="7" name="Прямая соединительная линия 6">
+            <a:extLst>
+              <a:ext uri="{FF2B5EF4-FFF2-40B4-BE49-F238E27FC236}">
+                <a16:creationId xmlns:a16="http://schemas.microsoft.com/office/drawing/2014/main" id="{1E413C24-25E7-4859-89CE-2ECAE67DBA62}"/>
+              </a:ext>
+            </a:extLst>
+          </p:cNvPr>
+          <p:cNvCxnSpPr>
+            <a:cxnSpLocks/>
+          </p:cNvCxnSpPr>
+          <p:nvPr/>
+        </p:nvCxnSpPr>
+        <p:spPr>
+          <a:xfrm>
+            <a:off x="2908300" y="749300"/>
+            <a:ext cx="1930400" cy="0"/>
+          </a:xfrm>
+          <a:prstGeom prst="line">
+            <a:avLst/>
+          </a:prstGeom>
+          <a:ln w="15875">
+            <a:solidFill>
+              <a:schemeClr val="accent2"/>
+            </a:solidFill>
+          </a:ln>
+        </p:spPr>
+        <p:style>
+          <a:lnRef idx="1">
+            <a:schemeClr val="accent1"/>
+          </a:lnRef>
+          <a:fillRef idx="0">
+            <a:schemeClr val="accent1"/>
+          </a:fillRef>
+          <a:effectRef idx="0">
+            <a:schemeClr val="accent1"/>
+          </a:effectRef>
+          <a:fontRef idx="minor">
+            <a:schemeClr val="tx1"/>
+          </a:fontRef>
+        </p:style>
+      </p:cxnSp>
+      <p:cxnSp>
+        <p:nvCxnSpPr>
+          <p:cNvPr id="10" name="Прямая соединительная линия 9">
+            <a:extLst>
+              <a:ext uri="{FF2B5EF4-FFF2-40B4-BE49-F238E27FC236}">
+                <a16:creationId xmlns:a16="http://schemas.microsoft.com/office/drawing/2014/main" id="{AA36926B-A0D9-4670-BB08-C4F823B6F4B6}"/>
+              </a:ext>
+            </a:extLst>
+          </p:cNvPr>
+          <p:cNvCxnSpPr>
+            <a:cxnSpLocks/>
+          </p:cNvCxnSpPr>
+          <p:nvPr/>
+        </p:nvCxnSpPr>
+        <p:spPr>
+          <a:xfrm>
+            <a:off x="2806700" y="995300"/>
+            <a:ext cx="10426700" cy="0"/>
+          </a:xfrm>
+          <a:prstGeom prst="line">
+            <a:avLst/>
+          </a:prstGeom>
+          <a:ln w="15875">
+            <a:solidFill>
+              <a:schemeClr val="tx1">
+                <a:lumMod val="65000"/>
+                <a:lumOff val="35000"/>
+              </a:schemeClr>
+            </a:solidFill>
+            <a:prstDash val="lgDash"/>
+          </a:ln>
+        </p:spPr>
+        <p:style>
+          <a:lnRef idx="1">
+            <a:schemeClr val="accent1"/>
+          </a:lnRef>
+          <a:fillRef idx="0">
+            <a:schemeClr val="accent1"/>
+          </a:fillRef>
+          <a:effectRef idx="0">
+            <a:schemeClr val="accent1"/>
+          </a:effectRef>
+          <a:fontRef idx="minor">
+            <a:schemeClr val="tx1"/>
+          </a:fontRef>
+        </p:style>
+      </p:cxnSp>
+      <p:cxnSp>
+        <p:nvCxnSpPr>
+          <p:cNvPr id="38" name="Прямая соединительная линия 37">
+            <a:extLst>
+              <a:ext uri="{FF2B5EF4-FFF2-40B4-BE49-F238E27FC236}">
+                <a16:creationId xmlns:a16="http://schemas.microsoft.com/office/drawing/2014/main" id="{679A4F99-63B2-4340-8955-F3DD23B1EC76}"/>
+              </a:ext>
+            </a:extLst>
+          </p:cNvPr>
+          <p:cNvCxnSpPr>
+            <a:cxnSpLocks/>
+          </p:cNvCxnSpPr>
+          <p:nvPr/>
+        </p:nvCxnSpPr>
+        <p:spPr>
+          <a:xfrm>
+            <a:off x="2806700" y="550800"/>
+            <a:ext cx="10426700" cy="0"/>
+          </a:xfrm>
+          <a:prstGeom prst="line">
+            <a:avLst/>
+          </a:prstGeom>
+          <a:ln w="15875">
+            <a:solidFill>
+              <a:schemeClr val="tx1">
+                <a:lumMod val="65000"/>
+                <a:lumOff val="35000"/>
+              </a:schemeClr>
+            </a:solidFill>
+            <a:prstDash val="lgDash"/>
+          </a:ln>
+        </p:spPr>
+        <p:style>
+          <a:lnRef idx="1">
+            <a:schemeClr val="accent1"/>
+          </a:lnRef>
+          <a:fillRef idx="0">
+            <a:schemeClr val="accent1"/>
+          </a:fillRef>
+          <a:effectRef idx="0">
+            <a:schemeClr val="accent1"/>
+          </a:effectRef>
+          <a:fontRef idx="minor">
+            <a:schemeClr val="tx1"/>
+          </a:fontRef>
+        </p:style>
+      </p:cxnSp>
+    </p:spTree>
+    <p:extLst>
+      <p:ext uri="{BB962C8B-B14F-4D97-AF65-F5344CB8AC3E}">
+        <p14:creationId xmlns:p14="http://schemas.microsoft.com/office/powerpoint/2010/main" val="1601771800"/>
+      </p:ext>
+    </p:extLst>
+  </p:cSld>
+  <p:clrMapOvr>
+    <a:masterClrMapping/>
+  </p:clrMapOvr>
+</p:sld>
+</file>
+
+<file path=ppt/slides/slide19.xml><?xml version="1.0" encoding="utf-8"?>
+<p:sld xmlns:a="http://schemas.openxmlformats.org/drawingml/2006/main" xmlns:r="http://schemas.openxmlformats.org/officeDocument/2006/relationships" xmlns:p="http://schemas.openxmlformats.org/presentationml/2006/main">
+  <p:cSld>
+    <p:spTree>
+      <p:nvGrpSpPr>
+        <p:cNvPr id="1" name=""/>
+        <p:cNvGrpSpPr/>
+        <p:nvPr/>
+      </p:nvGrpSpPr>
+      <p:grpSpPr>
+        <a:xfrm>
+          <a:off x="0" y="0"/>
+          <a:ext cx="0" cy="0"/>
+          <a:chOff x="0" y="0"/>
+          <a:chExt cx="0" cy="0"/>
+        </a:xfrm>
+      </p:grpSpPr>
+      <p:pic>
+        <p:nvPicPr>
+          <p:cNvPr id="9" name="Рисунок 8">
+            <a:extLst>
+              <a:ext uri="{FF2B5EF4-FFF2-40B4-BE49-F238E27FC236}">
+                <a16:creationId xmlns:a16="http://schemas.microsoft.com/office/drawing/2014/main" id="{2ADB115A-4B43-47F1-B5F3-4592C8D85728}"/>
+              </a:ext>
+            </a:extLst>
+          </p:cNvPr>
+          <p:cNvPicPr>
+            <a:picLocks noChangeAspect="1"/>
+          </p:cNvPicPr>
+          <p:nvPr/>
+        </p:nvPicPr>
+        <p:blipFill>
+          <a:blip r:embed="rId2"/>
+          <a:stretch>
+            <a:fillRect/>
+          </a:stretch>
+        </p:blipFill>
+        <p:spPr>
+          <a:xfrm>
+            <a:off x="1200877" y="0"/>
+            <a:ext cx="13798684" cy="7199313"/>
+          </a:xfrm>
+          <a:prstGeom prst="rect">
+            <a:avLst/>
+          </a:prstGeom>
+        </p:spPr>
+      </p:pic>
+      <p:cxnSp>
+        <p:nvCxnSpPr>
+          <p:cNvPr id="10" name="Прямая соединительная линия 9">
+            <a:extLst>
+              <a:ext uri="{FF2B5EF4-FFF2-40B4-BE49-F238E27FC236}">
+                <a16:creationId xmlns:a16="http://schemas.microsoft.com/office/drawing/2014/main" id="{C7EC4329-032A-42DD-A805-B52A4CF644E5}"/>
+              </a:ext>
+            </a:extLst>
+          </p:cNvPr>
+          <p:cNvCxnSpPr>
+            <a:cxnSpLocks/>
+          </p:cNvCxnSpPr>
+          <p:nvPr/>
+        </p:nvCxnSpPr>
+        <p:spPr>
+          <a:xfrm>
+            <a:off x="1524000" y="1973200"/>
+            <a:ext cx="13157200" cy="0"/>
+          </a:xfrm>
+          <a:prstGeom prst="line">
+            <a:avLst/>
+          </a:prstGeom>
+          <a:ln w="15875">
+            <a:solidFill>
+              <a:schemeClr val="tx1">
+                <a:lumMod val="65000"/>
+                <a:lumOff val="35000"/>
+              </a:schemeClr>
+            </a:solidFill>
+            <a:prstDash val="lgDash"/>
+          </a:ln>
+        </p:spPr>
+        <p:style>
+          <a:lnRef idx="1">
+            <a:schemeClr val="accent1"/>
+          </a:lnRef>
+          <a:fillRef idx="0">
+            <a:schemeClr val="accent1"/>
+          </a:fillRef>
+          <a:effectRef idx="0">
+            <a:schemeClr val="accent1"/>
+          </a:effectRef>
+          <a:fontRef idx="minor">
+            <a:schemeClr val="tx1"/>
+          </a:fontRef>
+        </p:style>
+      </p:cxnSp>
+      <p:cxnSp>
+        <p:nvCxnSpPr>
+          <p:cNvPr id="11" name="Прямая соединительная линия 10">
+            <a:extLst>
+              <a:ext uri="{FF2B5EF4-FFF2-40B4-BE49-F238E27FC236}">
+                <a16:creationId xmlns:a16="http://schemas.microsoft.com/office/drawing/2014/main" id="{14BA60F8-AD2F-42B4-8FC3-EBE52607008F}"/>
+              </a:ext>
+            </a:extLst>
+          </p:cNvPr>
+          <p:cNvCxnSpPr>
+            <a:cxnSpLocks/>
+          </p:cNvCxnSpPr>
+          <p:nvPr/>
+        </p:nvCxnSpPr>
+        <p:spPr>
+          <a:xfrm>
+            <a:off x="1524000" y="1452500"/>
+            <a:ext cx="13131800" cy="0"/>
+          </a:xfrm>
+          <a:prstGeom prst="line">
+            <a:avLst/>
+          </a:prstGeom>
+          <a:ln w="15875">
+            <a:solidFill>
+              <a:schemeClr val="tx1">
+                <a:lumMod val="65000"/>
+                <a:lumOff val="35000"/>
+              </a:schemeClr>
+            </a:solidFill>
+            <a:prstDash val="lgDash"/>
+          </a:ln>
+        </p:spPr>
+        <p:style>
+          <a:lnRef idx="1">
+            <a:schemeClr val="accent1"/>
+          </a:lnRef>
+          <a:fillRef idx="0">
+            <a:schemeClr val="accent1"/>
+          </a:fillRef>
+          <a:effectRef idx="0">
+            <a:schemeClr val="accent1"/>
+          </a:effectRef>
+          <a:fontRef idx="minor">
+            <a:schemeClr val="tx1"/>
+          </a:fontRef>
+        </p:style>
+      </p:cxnSp>
+    </p:spTree>
+    <p:extLst>
+      <p:ext uri="{BB962C8B-B14F-4D97-AF65-F5344CB8AC3E}">
+        <p14:creationId xmlns:p14="http://schemas.microsoft.com/office/powerpoint/2010/main" val="1446561339"/>
+      </p:ext>
+    </p:extLst>
+  </p:cSld>
+  <p:clrMapOvr>
+    <a:masterClrMapping/>
+  </p:clrMapOvr>
+</p:sld>
+</file>
+
 <file path=ppt/slides/slide2.xml><?xml version="1.0" encoding="utf-8"?>
 <p:sld xmlns:a="http://schemas.openxmlformats.org/drawingml/2006/main" xmlns:r="http://schemas.openxmlformats.org/officeDocument/2006/relationships" xmlns:p="http://schemas.openxmlformats.org/presentationml/2006/main">
   <p:cSld>
@@ -12658,7 +17231,7 @@
             <p:spPr>
               <a:xfrm>
                 <a:off x="8023254" y="2044129"/>
-                <a:ext cx="652007" cy="802912"/>
+                <a:ext cx="652007" cy="798167"/>
               </a:xfrm>
               <a:prstGeom prst="rect">
                 <a:avLst/>
@@ -12681,7 +17254,7 @@
                       <m:f>
                         <m:fPr>
                           <m:ctrlPr>
-                            <a:rPr lang="ru-RU" sz="1100" i="1">
+                            <a:rPr lang="ru-RU" sz="1100" i="1" smtClean="0">
                               <a:latin typeface="Cambria Math" panose="02040503050406030204" pitchFamily="18" charset="0"/>
                               <a:ea typeface="Calibri" panose="020F0502020204030204" pitchFamily="34" charset="0"/>
                               <a:cs typeface="Times New Roman" panose="02020603050405020304" pitchFamily="18" charset="0"/>
@@ -12690,14 +17263,12 @@
                         </m:fPr>
                         <m:num>
                           <m:r>
-                            <m:rPr>
-                              <m:sty m:val="p"/>
-                            </m:rPr>
-                            <a:rPr lang="ru-RU" sz="1400">
+                            <a:rPr lang="ru-RU" sz="1100" b="0" i="0" smtClean="0">
                               <a:latin typeface="Cambria Math" panose="02040503050406030204" pitchFamily="18" charset="0"/>
-                              <a:ea typeface="Cambria Math" panose="02040503050406030204" pitchFamily="18" charset="0"/>
+                              <a:ea typeface="Calibri" panose="020F0502020204030204" pitchFamily="34" charset="0"/>
+                              <a:cs typeface="Times New Roman" panose="02020603050405020304" pitchFamily="18" charset="0"/>
                             </a:rPr>
-                            <m:t>ε</m:t>
+                            <m:t>1</m:t>
                           </m:r>
                         </m:num>
                         <m:den>
@@ -12837,7 +17408,7 @@
             <p:spPr>
               <a:xfrm>
                 <a:off x="8023254" y="2044129"/>
-                <a:ext cx="652007" cy="802912"/>
+                <a:ext cx="652007" cy="798167"/>
               </a:xfrm>
               <a:prstGeom prst="rect">
                 <a:avLst/>
@@ -13907,186 +18478,6 @@
           </a:p>
         </p:txBody>
       </p:sp>
-      <p:sp>
-        <p:nvSpPr>
-          <p:cNvPr id="27" name="Прямоугольник 26">
-            <a:extLst>
-              <a:ext uri="{FF2B5EF4-FFF2-40B4-BE49-F238E27FC236}">
-                <a16:creationId xmlns:a16="http://schemas.microsoft.com/office/drawing/2014/main" id="{150A76DB-243A-44A8-9C7E-7CCBFDD84347}"/>
-              </a:ext>
-            </a:extLst>
-          </p:cNvPr>
-          <p:cNvSpPr/>
-          <p:nvPr/>
-        </p:nvSpPr>
-        <p:spPr>
-          <a:xfrm>
-            <a:off x="5028951" y="612152"/>
-            <a:ext cx="578219" cy="517104"/>
-          </a:xfrm>
-          <a:prstGeom prst="rect">
-            <a:avLst/>
-          </a:prstGeom>
-          <a:noFill/>
-          <a:ln>
-            <a:solidFill>
-              <a:schemeClr val="tx1"/>
-            </a:solidFill>
-          </a:ln>
-        </p:spPr>
-        <p:style>
-          <a:lnRef idx="2">
-            <a:schemeClr val="accent1">
-              <a:shade val="50000"/>
-            </a:schemeClr>
-          </a:lnRef>
-          <a:fillRef idx="1">
-            <a:schemeClr val="accent1"/>
-          </a:fillRef>
-          <a:effectRef idx="0">
-            <a:schemeClr val="accent1"/>
-          </a:effectRef>
-          <a:fontRef idx="minor">
-            <a:schemeClr val="lt1"/>
-          </a:fontRef>
-        </p:style>
-        <p:txBody>
-          <a:bodyPr rtlCol="0" anchor="ctr"/>
-          <a:lstStyle/>
-          <a:p>
-            <a:pPr algn="ctr"/>
-            <a:endParaRPr lang="ru-RU"/>
-          </a:p>
-        </p:txBody>
-      </p:sp>
-      <mc:AlternateContent xmlns:mc="http://schemas.openxmlformats.org/markup-compatibility/2006" xmlns:a14="http://schemas.microsoft.com/office/drawing/2010/main">
-        <mc:Choice Requires="a14">
-          <p:sp>
-            <p:nvSpPr>
-              <p:cNvPr id="28" name="TextBox 27">
-                <a:extLst>
-                  <a:ext uri="{FF2B5EF4-FFF2-40B4-BE49-F238E27FC236}">
-                    <a16:creationId xmlns:a16="http://schemas.microsoft.com/office/drawing/2014/main" id="{9652910E-DE9B-4D99-923C-24905A77EB02}"/>
-                  </a:ext>
-                </a:extLst>
-              </p:cNvPr>
-              <p:cNvSpPr txBox="1"/>
-              <p:nvPr/>
-            </p:nvSpPr>
-            <p:spPr>
-              <a:xfrm>
-                <a:off x="5061927" y="739465"/>
-                <a:ext cx="512265" cy="430887"/>
-              </a:xfrm>
-              <a:prstGeom prst="rect">
-                <a:avLst/>
-              </a:prstGeom>
-              <a:noFill/>
-            </p:spPr>
-            <p:txBody>
-              <a:bodyPr wrap="square" lIns="0" tIns="0" rIns="0" bIns="0" rtlCol="0">
-                <a:spAutoFit/>
-              </a:bodyPr>
-              <a:lstStyle/>
-              <a:p>
-                <a:pPr/>
-                <a14:m>
-                  <m:oMathPara xmlns:m="http://schemas.openxmlformats.org/officeDocument/2006/math">
-                    <m:oMathParaPr>
-                      <m:jc m:val="centerGroup"/>
-                    </m:oMathParaPr>
-                    <m:oMath xmlns:m="http://schemas.openxmlformats.org/officeDocument/2006/math">
-                      <m:sSub>
-                        <m:sSubPr>
-                          <m:ctrlPr>
-                            <a:rPr lang="en-US" sz="1400" i="1">
-                              <a:latin typeface="Cambria Math" panose="02040503050406030204" pitchFamily="18" charset="0"/>
-                              <a:ea typeface="Calibri" panose="020F0502020204030204" pitchFamily="34" charset="0"/>
-                              <a:cs typeface="Times New Roman" panose="02020603050405020304" pitchFamily="18" charset="0"/>
-                            </a:rPr>
-                          </m:ctrlPr>
-                        </m:sSubPr>
-                        <m:e>
-                          <m:r>
-                            <a:rPr lang="ru-RU" sz="1400" i="1">
-                              <a:latin typeface="Cambria Math" panose="02040503050406030204" pitchFamily="18" charset="0"/>
-                              <a:ea typeface="Calibri" panose="020F0502020204030204" pitchFamily="34" charset="0"/>
-                              <a:cs typeface="Times New Roman" panose="02020603050405020304" pitchFamily="18" charset="0"/>
-                            </a:rPr>
-                            <m:t>М</m:t>
-                          </m:r>
-                        </m:e>
-                        <m:sub>
-                          <m:r>
-                            <a:rPr lang="ru-RU" sz="1400" i="1">
-                              <a:latin typeface="Cambria Math" panose="02040503050406030204" pitchFamily="18" charset="0"/>
-                              <a:ea typeface="Calibri" panose="020F0502020204030204" pitchFamily="34" charset="0"/>
-                              <a:cs typeface="Times New Roman" panose="02020603050405020304" pitchFamily="18" charset="0"/>
-                            </a:rPr>
-                            <m:t>в</m:t>
-                          </m:r>
-                        </m:sub>
-                      </m:sSub>
-                    </m:oMath>
-                  </m:oMathPara>
-                </a14:m>
-                <a:endParaRPr lang="ru-RU" sz="1400" dirty="0">
-                  <a:latin typeface="Times New Roman" panose="02020603050405020304" pitchFamily="18" charset="0"/>
-                  <a:ea typeface="Calibri" panose="020F0502020204030204" pitchFamily="34" charset="0"/>
-                  <a:cs typeface="Times New Roman" panose="02020603050405020304" pitchFamily="18" charset="0"/>
-                </a:endParaRPr>
-              </a:p>
-              <a:p>
-                <a:endParaRPr lang="ru-RU" sz="1400" dirty="0"/>
-              </a:p>
-            </p:txBody>
-          </p:sp>
-        </mc:Choice>
-        <mc:Fallback xmlns="">
-          <p:sp>
-            <p:nvSpPr>
-              <p:cNvPr id="28" name="TextBox 27">
-                <a:extLst>
-                  <a:ext uri="{FF2B5EF4-FFF2-40B4-BE49-F238E27FC236}">
-                    <a16:creationId xmlns:a16="http://schemas.microsoft.com/office/drawing/2014/main" id="{9652910E-DE9B-4D99-923C-24905A77EB02}"/>
-                  </a:ext>
-                </a:extLst>
-              </p:cNvPr>
-              <p:cNvSpPr txBox="1">
-                <a:spLocks noRot="1" noChangeAspect="1" noMove="1" noResize="1" noEditPoints="1" noAdjustHandles="1" noChangeArrowheads="1" noChangeShapeType="1" noTextEdit="1"/>
-              </p:cNvSpPr>
-              <p:nvPr/>
-            </p:nvSpPr>
-            <p:spPr>
-              <a:xfrm>
-                <a:off x="5061927" y="739465"/>
-                <a:ext cx="512265" cy="430887"/>
-              </a:xfrm>
-              <a:prstGeom prst="rect">
-                <a:avLst/>
-              </a:prstGeom>
-              <a:blipFill>
-                <a:blip r:embed="rId8"/>
-                <a:stretch>
-                  <a:fillRect/>
-                </a:stretch>
-              </a:blipFill>
-            </p:spPr>
-            <p:txBody>
-              <a:bodyPr/>
-              <a:lstStyle/>
-              <a:p>
-                <a:r>
-                  <a:rPr lang="ru-RU">
-                    <a:noFill/>
-                  </a:rPr>
-                  <a:t> </a:t>
-                </a:r>
-              </a:p>
-            </p:txBody>
-          </p:sp>
-        </mc:Fallback>
-      </mc:AlternateContent>
       <mc:AlternateContent xmlns:mc="http://schemas.openxmlformats.org/markup-compatibility/2006" xmlns:a14="http://schemas.microsoft.com/office/drawing/2010/main">
         <mc:Choice Requires="a14">
           <p:sp>
@@ -14641,247 +19032,6 @@
         <mc:Choice Requires="a14">
           <p:sp>
             <p:nvSpPr>
-              <p:cNvPr id="40" name="TextBox 39">
-                <a:extLst>
-                  <a:ext uri="{FF2B5EF4-FFF2-40B4-BE49-F238E27FC236}">
-                    <a16:creationId xmlns:a16="http://schemas.microsoft.com/office/drawing/2014/main" id="{3CE6252C-D8B6-423C-92AC-67DAA8146978}"/>
-                  </a:ext>
-                </a:extLst>
-              </p:cNvPr>
-              <p:cNvSpPr txBox="1"/>
-              <p:nvPr/>
-            </p:nvSpPr>
-            <p:spPr>
-              <a:xfrm>
-                <a:off x="6026144" y="669484"/>
-                <a:ext cx="652007" cy="869405"/>
-              </a:xfrm>
-              <a:prstGeom prst="rect">
-                <a:avLst/>
-              </a:prstGeom>
-              <a:noFill/>
-            </p:spPr>
-            <p:txBody>
-              <a:bodyPr wrap="square" lIns="0" tIns="0" rIns="0" bIns="0" rtlCol="0">
-                <a:spAutoFit/>
-              </a:bodyPr>
-              <a:lstStyle/>
-              <a:p>
-                <a:pPr/>
-                <a14:m>
-                  <m:oMathPara xmlns:m="http://schemas.openxmlformats.org/officeDocument/2006/math">
-                    <m:oMathParaPr>
-                      <m:jc m:val="centerGroup"/>
-                    </m:oMathParaPr>
-                    <m:oMath xmlns:m="http://schemas.openxmlformats.org/officeDocument/2006/math">
-                      <m:f>
-                        <m:fPr>
-                          <m:ctrlPr>
-                            <a:rPr lang="ru-RU" sz="1400" i="1">
-                              <a:latin typeface="Cambria Math" panose="02040503050406030204" pitchFamily="18" charset="0"/>
-                              <a:ea typeface="Times New Roman" panose="02020603050405020304" pitchFamily="18" charset="0"/>
-                            </a:rPr>
-                          </m:ctrlPr>
-                        </m:fPr>
-                        <m:num>
-                          <m:r>
-                            <a:rPr lang="ru-RU" sz="1400" i="1">
-                              <a:latin typeface="Cambria Math" panose="02040503050406030204" pitchFamily="18" charset="0"/>
-                              <a:ea typeface="Times New Roman" panose="02020603050405020304" pitchFamily="18" charset="0"/>
-                            </a:rPr>
-                            <m:t>1</m:t>
-                          </m:r>
-                        </m:num>
-                        <m:den>
-                          <m:r>
-                            <a:rPr lang="ru-RU" sz="1400" i="1">
-                              <a:latin typeface="Cambria Math" panose="02040503050406030204" pitchFamily="18" charset="0"/>
-                              <a:ea typeface="Times New Roman" panose="02020603050405020304" pitchFamily="18" charset="0"/>
-                              <a:cs typeface="Times New Roman" panose="02020603050405020304" pitchFamily="18" charset="0"/>
-                            </a:rPr>
-                            <m:t>𝑖</m:t>
-                          </m:r>
-                          <m:r>
-                            <m:rPr>
-                              <m:sty m:val="p"/>
-                            </m:rPr>
-                            <a:rPr lang="ru-RU" sz="1400">
-                              <a:latin typeface="Cambria Math" panose="02040503050406030204" pitchFamily="18" charset="0"/>
-                              <a:ea typeface="Times New Roman" panose="02020603050405020304" pitchFamily="18" charset="0"/>
-                              <a:cs typeface="Times New Roman" panose="02020603050405020304" pitchFamily="18" charset="0"/>
-                            </a:rPr>
-                            <m:t>μ</m:t>
-                          </m:r>
-                        </m:den>
-                      </m:f>
-                    </m:oMath>
-                  </m:oMathPara>
-                </a14:m>
-                <a:endParaRPr lang="ru-RU" sz="1400" dirty="0">
-                  <a:latin typeface="Times New Roman" panose="02020603050405020304" pitchFamily="18" charset="0"/>
-                  <a:ea typeface="Calibri" panose="020F0502020204030204" pitchFamily="34" charset="0"/>
-                  <a:cs typeface="Times New Roman" panose="02020603050405020304" pitchFamily="18" charset="0"/>
-                </a:endParaRPr>
-              </a:p>
-              <a:p>
-                <a:endParaRPr lang="ru-RU" sz="1400" dirty="0">
-                  <a:latin typeface="Times New Roman" panose="02020603050405020304" pitchFamily="18" charset="0"/>
-                  <a:ea typeface="Calibri" panose="020F0502020204030204" pitchFamily="34" charset="0"/>
-                  <a:cs typeface="Times New Roman" panose="02020603050405020304" pitchFamily="18" charset="0"/>
-                </a:endParaRPr>
-              </a:p>
-              <a:p>
-                <a:endParaRPr lang="ru-RU" sz="1400" dirty="0"/>
-              </a:p>
-            </p:txBody>
-          </p:sp>
-        </mc:Choice>
-        <mc:Fallback xmlns="">
-          <p:sp>
-            <p:nvSpPr>
-              <p:cNvPr id="40" name="TextBox 39">
-                <a:extLst>
-                  <a:ext uri="{FF2B5EF4-FFF2-40B4-BE49-F238E27FC236}">
-                    <a16:creationId xmlns:a16="http://schemas.microsoft.com/office/drawing/2014/main" id="{3CE6252C-D8B6-423C-92AC-67DAA8146978}"/>
-                  </a:ext>
-                </a:extLst>
-              </p:cNvPr>
-              <p:cNvSpPr txBox="1">
-                <a:spLocks noRot="1" noChangeAspect="1" noMove="1" noResize="1" noEditPoints="1" noAdjustHandles="1" noChangeArrowheads="1" noChangeShapeType="1" noTextEdit="1"/>
-              </p:cNvSpPr>
-              <p:nvPr/>
-            </p:nvSpPr>
-            <p:spPr>
-              <a:xfrm>
-                <a:off x="6026144" y="669484"/>
-                <a:ext cx="652007" cy="869405"/>
-              </a:xfrm>
-              <a:prstGeom prst="rect">
-                <a:avLst/>
-              </a:prstGeom>
-              <a:blipFill>
-                <a:blip r:embed="rId13"/>
-                <a:stretch>
-                  <a:fillRect/>
-                </a:stretch>
-              </a:blipFill>
-            </p:spPr>
-            <p:txBody>
-              <a:bodyPr/>
-              <a:lstStyle/>
-              <a:p>
-                <a:r>
-                  <a:rPr lang="ru-RU">
-                    <a:noFill/>
-                  </a:rPr>
-                  <a:t> </a:t>
-                </a:r>
-              </a:p>
-            </p:txBody>
-          </p:sp>
-        </mc:Fallback>
-      </mc:AlternateContent>
-      <p:sp>
-        <p:nvSpPr>
-          <p:cNvPr id="41" name="Прямоугольник 40">
-            <a:extLst>
-              <a:ext uri="{FF2B5EF4-FFF2-40B4-BE49-F238E27FC236}">
-                <a16:creationId xmlns:a16="http://schemas.microsoft.com/office/drawing/2014/main" id="{008F58D2-1A4C-4C2E-9BA9-1B1920CD442A}"/>
-              </a:ext>
-            </a:extLst>
-          </p:cNvPr>
-          <p:cNvSpPr/>
-          <p:nvPr/>
-        </p:nvSpPr>
-        <p:spPr>
-          <a:xfrm>
-            <a:off x="6095387" y="607667"/>
-            <a:ext cx="578219" cy="517104"/>
-          </a:xfrm>
-          <a:prstGeom prst="rect">
-            <a:avLst/>
-          </a:prstGeom>
-          <a:noFill/>
-          <a:ln>
-            <a:solidFill>
-              <a:schemeClr val="tx1"/>
-            </a:solidFill>
-          </a:ln>
-        </p:spPr>
-        <p:style>
-          <a:lnRef idx="2">
-            <a:schemeClr val="accent1">
-              <a:shade val="50000"/>
-            </a:schemeClr>
-          </a:lnRef>
-          <a:fillRef idx="1">
-            <a:schemeClr val="accent1"/>
-          </a:fillRef>
-          <a:effectRef idx="0">
-            <a:schemeClr val="accent1"/>
-          </a:effectRef>
-          <a:fontRef idx="minor">
-            <a:schemeClr val="lt1"/>
-          </a:fontRef>
-        </p:style>
-        <p:txBody>
-          <a:bodyPr rtlCol="0" anchor="ctr"/>
-          <a:lstStyle/>
-          <a:p>
-            <a:pPr algn="ctr"/>
-            <a:endParaRPr lang="ru-RU"/>
-          </a:p>
-        </p:txBody>
-      </p:sp>
-      <p:cxnSp>
-        <p:nvCxnSpPr>
-          <p:cNvPr id="43" name="Соединитель: уступ 42">
-            <a:extLst>
-              <a:ext uri="{FF2B5EF4-FFF2-40B4-BE49-F238E27FC236}">
-                <a16:creationId xmlns:a16="http://schemas.microsoft.com/office/drawing/2014/main" id="{8C1E0DD6-448F-449E-B2D5-3BD14903ACDE}"/>
-              </a:ext>
-            </a:extLst>
-          </p:cNvPr>
-          <p:cNvCxnSpPr>
-            <a:stCxn id="27" idx="3"/>
-            <a:endCxn id="41" idx="1"/>
-          </p:cNvCxnSpPr>
-          <p:nvPr/>
-        </p:nvCxnSpPr>
-        <p:spPr>
-          <a:xfrm flipV="1">
-            <a:off x="5607170" y="866220"/>
-            <a:ext cx="488217" cy="4485"/>
-          </a:xfrm>
-          <a:prstGeom prst="bentConnector3">
-            <a:avLst/>
-          </a:prstGeom>
-          <a:ln>
-            <a:solidFill>
-              <a:schemeClr val="tx1"/>
-            </a:solidFill>
-            <a:tailEnd type="triangle"/>
-          </a:ln>
-        </p:spPr>
-        <p:style>
-          <a:lnRef idx="1">
-            <a:schemeClr val="accent1"/>
-          </a:lnRef>
-          <a:fillRef idx="0">
-            <a:schemeClr val="accent1"/>
-          </a:fillRef>
-          <a:effectRef idx="0">
-            <a:schemeClr val="accent1"/>
-          </a:effectRef>
-          <a:fontRef idx="minor">
-            <a:schemeClr val="tx1"/>
-          </a:fontRef>
-        </p:style>
-      </p:cxnSp>
-      <mc:AlternateContent xmlns:mc="http://schemas.openxmlformats.org/markup-compatibility/2006" xmlns:a14="http://schemas.microsoft.com/office/drawing/2010/main">
-        <mc:Choice Requires="a14">
-          <p:sp>
-            <p:nvSpPr>
               <p:cNvPr id="44" name="TextBox 43">
                 <a:extLst>
                   <a:ext uri="{FF2B5EF4-FFF2-40B4-BE49-F238E27FC236}">
@@ -15251,110 +19401,6 @@
           </a:p>
         </p:txBody>
       </p:sp>
-      <mc:AlternateContent xmlns:mc="http://schemas.openxmlformats.org/markup-compatibility/2006" xmlns:a14="http://schemas.microsoft.com/office/drawing/2010/main">
-        <mc:Choice Requires="a14">
-          <p:sp>
-            <p:nvSpPr>
-              <p:cNvPr id="52" name="TextBox 51">
-                <a:extLst>
-                  <a:ext uri="{FF2B5EF4-FFF2-40B4-BE49-F238E27FC236}">
-                    <a16:creationId xmlns:a16="http://schemas.microsoft.com/office/drawing/2014/main" id="{F6CA0F54-B6D7-4BFE-A514-EFEDE67BA5F7}"/>
-                  </a:ext>
-                </a:extLst>
-              </p:cNvPr>
-              <p:cNvSpPr txBox="1"/>
-              <p:nvPr/>
-            </p:nvSpPr>
-            <p:spPr>
-              <a:xfrm>
-                <a:off x="7234099" y="2048557"/>
-                <a:ext cx="652007" cy="443455"/>
-              </a:xfrm>
-              <a:prstGeom prst="rect">
-                <a:avLst/>
-              </a:prstGeom>
-              <a:noFill/>
-            </p:spPr>
-            <p:txBody>
-              <a:bodyPr wrap="square" lIns="0" tIns="0" rIns="0" bIns="0" rtlCol="0">
-                <a:spAutoFit/>
-              </a:bodyPr>
-              <a:lstStyle/>
-              <a:p>
-                <a:pPr/>
-                <a14:m>
-                  <m:oMathPara xmlns:m="http://schemas.openxmlformats.org/officeDocument/2006/math">
-                    <m:oMathParaPr>
-                      <m:jc m:val="centerGroup"/>
-                    </m:oMathParaPr>
-                    <m:oMath xmlns:m="http://schemas.openxmlformats.org/officeDocument/2006/math">
-                      <m:r>
-                        <a:rPr lang="ru-RU" sz="1400" i="1">
-                          <a:latin typeface="Cambria Math" panose="02040503050406030204" pitchFamily="18" charset="0"/>
-                          <a:ea typeface="Times New Roman" panose="02020603050405020304" pitchFamily="18" charset="0"/>
-                        </a:rPr>
-                        <m:t>−</m:t>
-                      </m:r>
-                    </m:oMath>
-                  </m:oMathPara>
-                </a14:m>
-                <a:endParaRPr lang="ru-RU" sz="1400" dirty="0">
-                  <a:latin typeface="Times New Roman" panose="02020603050405020304" pitchFamily="18" charset="0"/>
-                  <a:ea typeface="Calibri" panose="020F0502020204030204" pitchFamily="34" charset="0"/>
-                  <a:cs typeface="Times New Roman" panose="02020603050405020304" pitchFamily="18" charset="0"/>
-                </a:endParaRPr>
-              </a:p>
-              <a:p>
-                <a:endParaRPr lang="ru-RU" sz="1400" dirty="0"/>
-              </a:p>
-            </p:txBody>
-          </p:sp>
-        </mc:Choice>
-        <mc:Fallback xmlns="">
-          <p:sp>
-            <p:nvSpPr>
-              <p:cNvPr id="52" name="TextBox 51">
-                <a:extLst>
-                  <a:ext uri="{FF2B5EF4-FFF2-40B4-BE49-F238E27FC236}">
-                    <a16:creationId xmlns:a16="http://schemas.microsoft.com/office/drawing/2014/main" id="{F6CA0F54-B6D7-4BFE-A514-EFEDE67BA5F7}"/>
-                  </a:ext>
-                </a:extLst>
-              </p:cNvPr>
-              <p:cNvSpPr txBox="1">
-                <a:spLocks noRot="1" noChangeAspect="1" noMove="1" noResize="1" noEditPoints="1" noAdjustHandles="1" noChangeArrowheads="1" noChangeShapeType="1" noTextEdit="1"/>
-              </p:cNvSpPr>
-              <p:nvPr/>
-            </p:nvSpPr>
-            <p:spPr>
-              <a:xfrm>
-                <a:off x="7234099" y="2048557"/>
-                <a:ext cx="652007" cy="443455"/>
-              </a:xfrm>
-              <a:prstGeom prst="rect">
-                <a:avLst/>
-              </a:prstGeom>
-              <a:blipFill>
-                <a:blip r:embed="rId16"/>
-                <a:stretch>
-                  <a:fillRect/>
-                </a:stretch>
-              </a:blipFill>
-            </p:spPr>
-            <p:txBody>
-              <a:bodyPr/>
-              <a:lstStyle/>
-              <a:p>
-                <a:r>
-                  <a:rPr lang="ru-RU">
-                    <a:noFill/>
-                  </a:rPr>
-                  <a:t> </a:t>
-                </a:r>
-              </a:p>
-            </p:txBody>
-          </p:sp>
-        </mc:Fallback>
-      </mc:AlternateContent>
       <mc:AlternateContent xmlns:mc="http://schemas.openxmlformats.org/markup-compatibility/2006" xmlns:a14="http://schemas.microsoft.com/office/drawing/2010/main">
         <mc:Choice Requires="a14">
           <p:sp>
@@ -16414,50 +20460,6 @@
       </p:cxnSp>
       <p:cxnSp>
         <p:nvCxnSpPr>
-          <p:cNvPr id="102" name="Соединитель: уступ 101">
-            <a:extLst>
-              <a:ext uri="{FF2B5EF4-FFF2-40B4-BE49-F238E27FC236}">
-                <a16:creationId xmlns:a16="http://schemas.microsoft.com/office/drawing/2014/main" id="{FDF124CE-B3C1-4797-93B5-5FBEC14D8AE7}"/>
-              </a:ext>
-            </a:extLst>
-          </p:cNvPr>
-          <p:cNvCxnSpPr>
-            <a:stCxn id="41" idx="3"/>
-          </p:cNvCxnSpPr>
-          <p:nvPr/>
-        </p:nvCxnSpPr>
-        <p:spPr>
-          <a:xfrm>
-            <a:off x="6673606" y="866219"/>
-            <a:ext cx="654011" cy="1314484"/>
-          </a:xfrm>
-          <a:prstGeom prst="bentConnector2">
-            <a:avLst/>
-          </a:prstGeom>
-          <a:ln>
-            <a:solidFill>
-              <a:schemeClr val="tx1"/>
-            </a:solidFill>
-            <a:tailEnd type="triangle"/>
-          </a:ln>
-        </p:spPr>
-        <p:style>
-          <a:lnRef idx="1">
-            <a:schemeClr val="accent1"/>
-          </a:lnRef>
-          <a:fillRef idx="0">
-            <a:schemeClr val="accent1"/>
-          </a:fillRef>
-          <a:effectRef idx="0">
-            <a:schemeClr val="accent1"/>
-          </a:effectRef>
-          <a:fontRef idx="minor">
-            <a:schemeClr val="tx1"/>
-          </a:fontRef>
-        </p:style>
-      </p:cxnSp>
-      <p:cxnSp>
-        <p:nvCxnSpPr>
           <p:cNvPr id="104" name="Соединитель: уступ 103">
             <a:extLst>
               <a:ext uri="{FF2B5EF4-FFF2-40B4-BE49-F238E27FC236}">
@@ -16546,6 +20548,2577 @@
     <p:extLst>
       <p:ext uri="{BB962C8B-B14F-4D97-AF65-F5344CB8AC3E}">
         <p14:creationId xmlns:p14="http://schemas.microsoft.com/office/powerpoint/2010/main" val="3605550184"/>
+      </p:ext>
+    </p:extLst>
+  </p:cSld>
+  <p:clrMapOvr>
+    <a:masterClrMapping/>
+  </p:clrMapOvr>
+</p:sld>
+</file>
+
+<file path=ppt/slides/slide20.xml><?xml version="1.0" encoding="utf-8"?>
+<p:sld xmlns:a="http://schemas.openxmlformats.org/drawingml/2006/main" xmlns:r="http://schemas.openxmlformats.org/officeDocument/2006/relationships" xmlns:p="http://schemas.openxmlformats.org/presentationml/2006/main">
+  <p:cSld>
+    <p:spTree>
+      <p:nvGrpSpPr>
+        <p:cNvPr id="1" name=""/>
+        <p:cNvGrpSpPr/>
+        <p:nvPr/>
+      </p:nvGrpSpPr>
+      <p:grpSpPr>
+        <a:xfrm>
+          <a:off x="0" y="0"/>
+          <a:ext cx="0" cy="0"/>
+          <a:chOff x="0" y="0"/>
+          <a:chExt cx="0" cy="0"/>
+        </a:xfrm>
+      </p:grpSpPr>
+      <p:cxnSp>
+        <p:nvCxnSpPr>
+          <p:cNvPr id="6" name="Прямая соединительная линия 5">
+            <a:extLst>
+              <a:ext uri="{FF2B5EF4-FFF2-40B4-BE49-F238E27FC236}">
+                <a16:creationId xmlns:a16="http://schemas.microsoft.com/office/drawing/2014/main" id="{A199E0CC-8A82-45C8-BD46-C2739957F538}"/>
+              </a:ext>
+            </a:extLst>
+          </p:cNvPr>
+          <p:cNvCxnSpPr>
+            <a:cxnSpLocks/>
+          </p:cNvCxnSpPr>
+          <p:nvPr/>
+        </p:nvCxnSpPr>
+        <p:spPr>
+          <a:xfrm>
+            <a:off x="2832100" y="1325500"/>
+            <a:ext cx="10731500" cy="0"/>
+          </a:xfrm>
+          <a:prstGeom prst="line">
+            <a:avLst/>
+          </a:prstGeom>
+          <a:ln w="15875">
+            <a:solidFill>
+              <a:schemeClr val="tx1">
+                <a:lumMod val="65000"/>
+                <a:lumOff val="35000"/>
+              </a:schemeClr>
+            </a:solidFill>
+            <a:prstDash val="lgDash"/>
+          </a:ln>
+        </p:spPr>
+        <p:style>
+          <a:lnRef idx="1">
+            <a:schemeClr val="accent1"/>
+          </a:lnRef>
+          <a:fillRef idx="0">
+            <a:schemeClr val="accent1"/>
+          </a:fillRef>
+          <a:effectRef idx="0">
+            <a:schemeClr val="accent1"/>
+          </a:effectRef>
+          <a:fontRef idx="minor">
+            <a:schemeClr val="tx1"/>
+          </a:fontRef>
+        </p:style>
+      </p:cxnSp>
+      <p:cxnSp>
+        <p:nvCxnSpPr>
+          <p:cNvPr id="10" name="Прямая соединительная линия 9">
+            <a:extLst>
+              <a:ext uri="{FF2B5EF4-FFF2-40B4-BE49-F238E27FC236}">
+                <a16:creationId xmlns:a16="http://schemas.microsoft.com/office/drawing/2014/main" id="{32F16DD2-D8BB-4186-8878-CFABD75A8BC8}"/>
+              </a:ext>
+            </a:extLst>
+          </p:cNvPr>
+          <p:cNvCxnSpPr>
+            <a:cxnSpLocks/>
+          </p:cNvCxnSpPr>
+          <p:nvPr/>
+        </p:nvCxnSpPr>
+        <p:spPr>
+          <a:xfrm>
+            <a:off x="2832100" y="690500"/>
+            <a:ext cx="10731500" cy="0"/>
+          </a:xfrm>
+          <a:prstGeom prst="line">
+            <a:avLst/>
+          </a:prstGeom>
+          <a:ln w="15875">
+            <a:solidFill>
+              <a:schemeClr val="tx1">
+                <a:lumMod val="65000"/>
+                <a:lumOff val="35000"/>
+              </a:schemeClr>
+            </a:solidFill>
+            <a:prstDash val="lgDash"/>
+          </a:ln>
+        </p:spPr>
+        <p:style>
+          <a:lnRef idx="1">
+            <a:schemeClr val="accent1"/>
+          </a:lnRef>
+          <a:fillRef idx="0">
+            <a:schemeClr val="accent1"/>
+          </a:fillRef>
+          <a:effectRef idx="0">
+            <a:schemeClr val="accent1"/>
+          </a:effectRef>
+          <a:fontRef idx="minor">
+            <a:schemeClr val="tx1"/>
+          </a:fontRef>
+        </p:style>
+      </p:cxnSp>
+      <p:pic>
+        <p:nvPicPr>
+          <p:cNvPr id="12" name="Рисунок 11">
+            <a:extLst>
+              <a:ext uri="{FF2B5EF4-FFF2-40B4-BE49-F238E27FC236}">
+                <a16:creationId xmlns:a16="http://schemas.microsoft.com/office/drawing/2014/main" id="{79250E76-67FE-4FDD-B139-D1A88EE83F07}"/>
+              </a:ext>
+            </a:extLst>
+          </p:cNvPr>
+          <p:cNvPicPr>
+            <a:picLocks noChangeAspect="1"/>
+          </p:cNvPicPr>
+          <p:nvPr/>
+        </p:nvPicPr>
+        <p:blipFill>
+          <a:blip r:embed="rId2"/>
+          <a:stretch>
+            <a:fillRect/>
+          </a:stretch>
+        </p:blipFill>
+        <p:spPr>
+          <a:xfrm>
+            <a:off x="1307188" y="0"/>
+            <a:ext cx="13586062" cy="7199313"/>
+          </a:xfrm>
+          <a:prstGeom prst="rect">
+            <a:avLst/>
+          </a:prstGeom>
+        </p:spPr>
+      </p:pic>
+      <p:cxnSp>
+        <p:nvCxnSpPr>
+          <p:cNvPr id="13" name="Прямая соединительная линия 12">
+            <a:extLst>
+              <a:ext uri="{FF2B5EF4-FFF2-40B4-BE49-F238E27FC236}">
+                <a16:creationId xmlns:a16="http://schemas.microsoft.com/office/drawing/2014/main" id="{3BDE57D2-6CE3-4F1F-A9ED-CD1BF4C3BCD2}"/>
+              </a:ext>
+            </a:extLst>
+          </p:cNvPr>
+          <p:cNvCxnSpPr>
+            <a:cxnSpLocks/>
+          </p:cNvCxnSpPr>
+          <p:nvPr/>
+        </p:nvCxnSpPr>
+        <p:spPr>
+          <a:xfrm>
+            <a:off x="1854200" y="1541400"/>
+            <a:ext cx="12738100" cy="0"/>
+          </a:xfrm>
+          <a:prstGeom prst="line">
+            <a:avLst/>
+          </a:prstGeom>
+          <a:ln w="15875">
+            <a:solidFill>
+              <a:schemeClr val="tx1">
+                <a:lumMod val="65000"/>
+                <a:lumOff val="35000"/>
+              </a:schemeClr>
+            </a:solidFill>
+            <a:prstDash val="lgDash"/>
+          </a:ln>
+        </p:spPr>
+        <p:style>
+          <a:lnRef idx="1">
+            <a:schemeClr val="accent1"/>
+          </a:lnRef>
+          <a:fillRef idx="0">
+            <a:schemeClr val="accent1"/>
+          </a:fillRef>
+          <a:effectRef idx="0">
+            <a:schemeClr val="accent1"/>
+          </a:effectRef>
+          <a:fontRef idx="minor">
+            <a:schemeClr val="tx1"/>
+          </a:fontRef>
+        </p:style>
+      </p:cxnSp>
+      <p:cxnSp>
+        <p:nvCxnSpPr>
+          <p:cNvPr id="14" name="Прямая соединительная линия 13">
+            <a:extLst>
+              <a:ext uri="{FF2B5EF4-FFF2-40B4-BE49-F238E27FC236}">
+                <a16:creationId xmlns:a16="http://schemas.microsoft.com/office/drawing/2014/main" id="{1854D4EC-2DE0-4585-8B5F-7FA5A8E13FC1}"/>
+              </a:ext>
+            </a:extLst>
+          </p:cNvPr>
+          <p:cNvCxnSpPr>
+            <a:cxnSpLocks/>
+          </p:cNvCxnSpPr>
+          <p:nvPr/>
+        </p:nvCxnSpPr>
+        <p:spPr>
+          <a:xfrm>
+            <a:off x="1854200" y="893700"/>
+            <a:ext cx="12738100" cy="0"/>
+          </a:xfrm>
+          <a:prstGeom prst="line">
+            <a:avLst/>
+          </a:prstGeom>
+          <a:ln w="15875">
+            <a:solidFill>
+              <a:schemeClr val="tx1">
+                <a:lumMod val="65000"/>
+                <a:lumOff val="35000"/>
+              </a:schemeClr>
+            </a:solidFill>
+            <a:prstDash val="lgDash"/>
+          </a:ln>
+        </p:spPr>
+        <p:style>
+          <a:lnRef idx="1">
+            <a:schemeClr val="accent1"/>
+          </a:lnRef>
+          <a:fillRef idx="0">
+            <a:schemeClr val="accent1"/>
+          </a:fillRef>
+          <a:effectRef idx="0">
+            <a:schemeClr val="accent1"/>
+          </a:effectRef>
+          <a:fontRef idx="minor">
+            <a:schemeClr val="tx1"/>
+          </a:fontRef>
+        </p:style>
+      </p:cxnSp>
+    </p:spTree>
+    <p:extLst>
+      <p:ext uri="{BB962C8B-B14F-4D97-AF65-F5344CB8AC3E}">
+        <p14:creationId xmlns:p14="http://schemas.microsoft.com/office/powerpoint/2010/main" val="2277004713"/>
+      </p:ext>
+    </p:extLst>
+  </p:cSld>
+  <p:clrMapOvr>
+    <a:masterClrMapping/>
+  </p:clrMapOvr>
+</p:sld>
+</file>
+
+<file path=ppt/slides/slide21.xml><?xml version="1.0" encoding="utf-8"?>
+<p:sld xmlns:a="http://schemas.openxmlformats.org/drawingml/2006/main" xmlns:r="http://schemas.openxmlformats.org/officeDocument/2006/relationships" xmlns:p="http://schemas.openxmlformats.org/presentationml/2006/main">
+  <p:cSld>
+    <p:spTree>
+      <p:nvGrpSpPr>
+        <p:cNvPr id="1" name=""/>
+        <p:cNvGrpSpPr/>
+        <p:nvPr/>
+      </p:nvGrpSpPr>
+      <p:grpSpPr>
+        <a:xfrm>
+          <a:off x="0" y="0"/>
+          <a:ext cx="0" cy="0"/>
+          <a:chOff x="0" y="0"/>
+          <a:chExt cx="0" cy="0"/>
+        </a:xfrm>
+      </p:grpSpPr>
+      <p:pic>
+        <p:nvPicPr>
+          <p:cNvPr id="5" name="Рисунок 4">
+            <a:extLst>
+              <a:ext uri="{FF2B5EF4-FFF2-40B4-BE49-F238E27FC236}">
+                <a16:creationId xmlns:a16="http://schemas.microsoft.com/office/drawing/2014/main" id="{E17E3668-2900-4C5D-87C2-446443B3A801}"/>
+              </a:ext>
+            </a:extLst>
+          </p:cNvPr>
+          <p:cNvPicPr>
+            <a:picLocks noChangeAspect="1"/>
+          </p:cNvPicPr>
+          <p:nvPr/>
+        </p:nvPicPr>
+        <p:blipFill>
+          <a:blip r:embed="rId2"/>
+          <a:stretch>
+            <a:fillRect/>
+          </a:stretch>
+        </p:blipFill>
+        <p:spPr>
+          <a:xfrm>
+            <a:off x="937920" y="0"/>
+            <a:ext cx="14324598" cy="7199313"/>
+          </a:xfrm>
+          <a:prstGeom prst="rect">
+            <a:avLst/>
+          </a:prstGeom>
+        </p:spPr>
+      </p:pic>
+      <p:cxnSp>
+        <p:nvCxnSpPr>
+          <p:cNvPr id="6" name="Прямая соединительная линия 5">
+            <a:extLst>
+              <a:ext uri="{FF2B5EF4-FFF2-40B4-BE49-F238E27FC236}">
+                <a16:creationId xmlns:a16="http://schemas.microsoft.com/office/drawing/2014/main" id="{E7CA9368-B523-430B-89F5-15AD01B2B324}"/>
+              </a:ext>
+            </a:extLst>
+          </p:cNvPr>
+          <p:cNvCxnSpPr>
+            <a:cxnSpLocks/>
+          </p:cNvCxnSpPr>
+          <p:nvPr/>
+        </p:nvCxnSpPr>
+        <p:spPr>
+          <a:xfrm>
+            <a:off x="1587500" y="762000"/>
+            <a:ext cx="13360400" cy="0"/>
+          </a:xfrm>
+          <a:prstGeom prst="line">
+            <a:avLst/>
+          </a:prstGeom>
+          <a:ln w="15875">
+            <a:solidFill>
+              <a:schemeClr val="accent2"/>
+            </a:solidFill>
+          </a:ln>
+        </p:spPr>
+        <p:style>
+          <a:lnRef idx="1">
+            <a:schemeClr val="accent1"/>
+          </a:lnRef>
+          <a:fillRef idx="0">
+            <a:schemeClr val="accent1"/>
+          </a:fillRef>
+          <a:effectRef idx="0">
+            <a:schemeClr val="accent1"/>
+          </a:effectRef>
+          <a:fontRef idx="minor">
+            <a:schemeClr val="tx1"/>
+          </a:fontRef>
+        </p:style>
+      </p:cxnSp>
+      <p:cxnSp>
+        <p:nvCxnSpPr>
+          <p:cNvPr id="7" name="Прямая соединительная линия 6">
+            <a:extLst>
+              <a:ext uri="{FF2B5EF4-FFF2-40B4-BE49-F238E27FC236}">
+                <a16:creationId xmlns:a16="http://schemas.microsoft.com/office/drawing/2014/main" id="{445AED65-5107-439F-B7CB-F467368C69AF}"/>
+              </a:ext>
+            </a:extLst>
+          </p:cNvPr>
+          <p:cNvCxnSpPr>
+            <a:cxnSpLocks/>
+          </p:cNvCxnSpPr>
+          <p:nvPr/>
+        </p:nvCxnSpPr>
+        <p:spPr>
+          <a:xfrm>
+            <a:off x="1422400" y="1096900"/>
+            <a:ext cx="13525500" cy="0"/>
+          </a:xfrm>
+          <a:prstGeom prst="line">
+            <a:avLst/>
+          </a:prstGeom>
+          <a:ln w="15875">
+            <a:solidFill>
+              <a:schemeClr val="tx1">
+                <a:lumMod val="65000"/>
+                <a:lumOff val="35000"/>
+              </a:schemeClr>
+            </a:solidFill>
+            <a:prstDash val="lgDash"/>
+          </a:ln>
+        </p:spPr>
+        <p:style>
+          <a:lnRef idx="1">
+            <a:schemeClr val="accent1"/>
+          </a:lnRef>
+          <a:fillRef idx="0">
+            <a:schemeClr val="accent1"/>
+          </a:fillRef>
+          <a:effectRef idx="0">
+            <a:schemeClr val="accent1"/>
+          </a:effectRef>
+          <a:fontRef idx="minor">
+            <a:schemeClr val="tx1"/>
+          </a:fontRef>
+        </p:style>
+      </p:cxnSp>
+      <p:cxnSp>
+        <p:nvCxnSpPr>
+          <p:cNvPr id="8" name="Прямая соединительная линия 7">
+            <a:extLst>
+              <a:ext uri="{FF2B5EF4-FFF2-40B4-BE49-F238E27FC236}">
+                <a16:creationId xmlns:a16="http://schemas.microsoft.com/office/drawing/2014/main" id="{D43D1C03-44B4-4B64-B638-3E7873F7EC00}"/>
+              </a:ext>
+            </a:extLst>
+          </p:cNvPr>
+          <p:cNvCxnSpPr>
+            <a:cxnSpLocks/>
+          </p:cNvCxnSpPr>
+          <p:nvPr/>
+        </p:nvCxnSpPr>
+        <p:spPr>
+          <a:xfrm>
+            <a:off x="1460500" y="474600"/>
+            <a:ext cx="13487400" cy="0"/>
+          </a:xfrm>
+          <a:prstGeom prst="line">
+            <a:avLst/>
+          </a:prstGeom>
+          <a:ln w="15875">
+            <a:solidFill>
+              <a:schemeClr val="tx1">
+                <a:lumMod val="65000"/>
+                <a:lumOff val="35000"/>
+              </a:schemeClr>
+            </a:solidFill>
+            <a:prstDash val="lgDash"/>
+          </a:ln>
+        </p:spPr>
+        <p:style>
+          <a:lnRef idx="1">
+            <a:schemeClr val="accent1"/>
+          </a:lnRef>
+          <a:fillRef idx="0">
+            <a:schemeClr val="accent1"/>
+          </a:fillRef>
+          <a:effectRef idx="0">
+            <a:schemeClr val="accent1"/>
+          </a:effectRef>
+          <a:fontRef idx="minor">
+            <a:schemeClr val="tx1"/>
+          </a:fontRef>
+        </p:style>
+      </p:cxnSp>
+    </p:spTree>
+    <p:extLst>
+      <p:ext uri="{BB962C8B-B14F-4D97-AF65-F5344CB8AC3E}">
+        <p14:creationId xmlns:p14="http://schemas.microsoft.com/office/powerpoint/2010/main" val="914178872"/>
+      </p:ext>
+    </p:extLst>
+  </p:cSld>
+  <p:clrMapOvr>
+    <a:masterClrMapping/>
+  </p:clrMapOvr>
+</p:sld>
+</file>
+
+<file path=ppt/slides/slide22.xml><?xml version="1.0" encoding="utf-8"?>
+<p:sld xmlns:a="http://schemas.openxmlformats.org/drawingml/2006/main" xmlns:r="http://schemas.openxmlformats.org/officeDocument/2006/relationships" xmlns:p="http://schemas.openxmlformats.org/presentationml/2006/main">
+  <p:cSld>
+    <p:spTree>
+      <p:nvGrpSpPr>
+        <p:cNvPr id="1" name=""/>
+        <p:cNvGrpSpPr/>
+        <p:nvPr/>
+      </p:nvGrpSpPr>
+      <p:grpSpPr>
+        <a:xfrm>
+          <a:off x="0" y="0"/>
+          <a:ext cx="0" cy="0"/>
+          <a:chOff x="0" y="0"/>
+          <a:chExt cx="0" cy="0"/>
+        </a:xfrm>
+      </p:grpSpPr>
+      <p:pic>
+        <p:nvPicPr>
+          <p:cNvPr id="5" name="Рисунок 4">
+            <a:extLst>
+              <a:ext uri="{FF2B5EF4-FFF2-40B4-BE49-F238E27FC236}">
+                <a16:creationId xmlns:a16="http://schemas.microsoft.com/office/drawing/2014/main" id="{8295A48C-4008-490C-AA89-EAB1A0371591}"/>
+              </a:ext>
+            </a:extLst>
+          </p:cNvPr>
+          <p:cNvPicPr>
+            <a:picLocks noChangeAspect="1"/>
+          </p:cNvPicPr>
+          <p:nvPr/>
+        </p:nvPicPr>
+        <p:blipFill>
+          <a:blip r:embed="rId2"/>
+          <a:stretch>
+            <a:fillRect/>
+          </a:stretch>
+        </p:blipFill>
+        <p:spPr>
+          <a:xfrm>
+            <a:off x="1307946" y="122546"/>
+            <a:ext cx="13584546" cy="6954220"/>
+          </a:xfrm>
+          <a:prstGeom prst="rect">
+            <a:avLst/>
+          </a:prstGeom>
+        </p:spPr>
+      </p:pic>
+      <p:cxnSp>
+        <p:nvCxnSpPr>
+          <p:cNvPr id="6" name="Прямая соединительная линия 5">
+            <a:extLst>
+              <a:ext uri="{FF2B5EF4-FFF2-40B4-BE49-F238E27FC236}">
+                <a16:creationId xmlns:a16="http://schemas.microsoft.com/office/drawing/2014/main" id="{3C037BCF-B710-4E83-ABF8-B90792F5064D}"/>
+              </a:ext>
+            </a:extLst>
+          </p:cNvPr>
+          <p:cNvCxnSpPr>
+            <a:cxnSpLocks/>
+          </p:cNvCxnSpPr>
+          <p:nvPr/>
+        </p:nvCxnSpPr>
+        <p:spPr>
+          <a:xfrm>
+            <a:off x="1955800" y="1643000"/>
+            <a:ext cx="12636500" cy="0"/>
+          </a:xfrm>
+          <a:prstGeom prst="line">
+            <a:avLst/>
+          </a:prstGeom>
+          <a:ln w="15875">
+            <a:solidFill>
+              <a:schemeClr val="tx1">
+                <a:lumMod val="65000"/>
+                <a:lumOff val="35000"/>
+              </a:schemeClr>
+            </a:solidFill>
+            <a:prstDash val="lgDash"/>
+          </a:ln>
+        </p:spPr>
+        <p:style>
+          <a:lnRef idx="1">
+            <a:schemeClr val="accent1"/>
+          </a:lnRef>
+          <a:fillRef idx="0">
+            <a:schemeClr val="accent1"/>
+          </a:fillRef>
+          <a:effectRef idx="0">
+            <a:schemeClr val="accent1"/>
+          </a:effectRef>
+          <a:fontRef idx="minor">
+            <a:schemeClr val="tx1"/>
+          </a:fontRef>
+        </p:style>
+      </p:cxnSp>
+      <p:cxnSp>
+        <p:nvCxnSpPr>
+          <p:cNvPr id="7" name="Прямая соединительная линия 6">
+            <a:extLst>
+              <a:ext uri="{FF2B5EF4-FFF2-40B4-BE49-F238E27FC236}">
+                <a16:creationId xmlns:a16="http://schemas.microsoft.com/office/drawing/2014/main" id="{585102CA-2DDD-4452-8497-DFEAE36383ED}"/>
+              </a:ext>
+            </a:extLst>
+          </p:cNvPr>
+          <p:cNvCxnSpPr>
+            <a:cxnSpLocks/>
+          </p:cNvCxnSpPr>
+          <p:nvPr/>
+        </p:nvCxnSpPr>
+        <p:spPr>
+          <a:xfrm>
+            <a:off x="1955800" y="995300"/>
+            <a:ext cx="12636500" cy="0"/>
+          </a:xfrm>
+          <a:prstGeom prst="line">
+            <a:avLst/>
+          </a:prstGeom>
+          <a:ln w="15875">
+            <a:solidFill>
+              <a:schemeClr val="tx1">
+                <a:lumMod val="65000"/>
+                <a:lumOff val="35000"/>
+              </a:schemeClr>
+            </a:solidFill>
+            <a:prstDash val="lgDash"/>
+          </a:ln>
+        </p:spPr>
+        <p:style>
+          <a:lnRef idx="1">
+            <a:schemeClr val="accent1"/>
+          </a:lnRef>
+          <a:fillRef idx="0">
+            <a:schemeClr val="accent1"/>
+          </a:fillRef>
+          <a:effectRef idx="0">
+            <a:schemeClr val="accent1"/>
+          </a:effectRef>
+          <a:fontRef idx="minor">
+            <a:schemeClr val="tx1"/>
+          </a:fontRef>
+        </p:style>
+      </p:cxnSp>
+    </p:spTree>
+    <p:extLst>
+      <p:ext uri="{BB962C8B-B14F-4D97-AF65-F5344CB8AC3E}">
+        <p14:creationId xmlns:p14="http://schemas.microsoft.com/office/powerpoint/2010/main" val="138027256"/>
+      </p:ext>
+    </p:extLst>
+  </p:cSld>
+  <p:clrMapOvr>
+    <a:masterClrMapping/>
+  </p:clrMapOvr>
+</p:sld>
+</file>
+
+<file path=ppt/slides/slide23.xml><?xml version="1.0" encoding="utf-8"?>
+<p:sld xmlns:a="http://schemas.openxmlformats.org/drawingml/2006/main" xmlns:r="http://schemas.openxmlformats.org/officeDocument/2006/relationships" xmlns:p="http://schemas.openxmlformats.org/presentationml/2006/main">
+  <p:cSld>
+    <p:spTree>
+      <p:nvGrpSpPr>
+        <p:cNvPr id="1" name=""/>
+        <p:cNvGrpSpPr/>
+        <p:nvPr/>
+      </p:nvGrpSpPr>
+      <p:grpSpPr>
+        <a:xfrm>
+          <a:off x="0" y="0"/>
+          <a:ext cx="0" cy="0"/>
+          <a:chOff x="0" y="0"/>
+          <a:chExt cx="0" cy="0"/>
+        </a:xfrm>
+      </p:grpSpPr>
+      <p:pic>
+        <p:nvPicPr>
+          <p:cNvPr id="5" name="Рисунок 4">
+            <a:extLst>
+              <a:ext uri="{FF2B5EF4-FFF2-40B4-BE49-F238E27FC236}">
+                <a16:creationId xmlns:a16="http://schemas.microsoft.com/office/drawing/2014/main" id="{4EB92E34-C9EE-44C4-885B-31FEFB3A83C2}"/>
+              </a:ext>
+            </a:extLst>
+          </p:cNvPr>
+          <p:cNvPicPr>
+            <a:picLocks noChangeAspect="1"/>
+          </p:cNvPicPr>
+          <p:nvPr/>
+        </p:nvPicPr>
+        <p:blipFill>
+          <a:blip r:embed="rId2"/>
+          <a:stretch>
+            <a:fillRect/>
+          </a:stretch>
+        </p:blipFill>
+        <p:spPr>
+          <a:xfrm>
+            <a:off x="1026919" y="322599"/>
+            <a:ext cx="13832081" cy="6554115"/>
+          </a:xfrm>
+          <a:prstGeom prst="rect">
+            <a:avLst/>
+          </a:prstGeom>
+        </p:spPr>
+      </p:pic>
+      <p:cxnSp>
+        <p:nvCxnSpPr>
+          <p:cNvPr id="6" name="Прямая соединительная линия 5">
+            <a:extLst>
+              <a:ext uri="{FF2B5EF4-FFF2-40B4-BE49-F238E27FC236}">
+                <a16:creationId xmlns:a16="http://schemas.microsoft.com/office/drawing/2014/main" id="{13DCDFEB-A9B2-4DCF-80B7-FF9AB67B8596}"/>
+              </a:ext>
+            </a:extLst>
+          </p:cNvPr>
+          <p:cNvCxnSpPr>
+            <a:cxnSpLocks/>
+          </p:cNvCxnSpPr>
+          <p:nvPr/>
+        </p:nvCxnSpPr>
+        <p:spPr>
+          <a:xfrm>
+            <a:off x="1651000" y="1401700"/>
+            <a:ext cx="12941300" cy="0"/>
+          </a:xfrm>
+          <a:prstGeom prst="line">
+            <a:avLst/>
+          </a:prstGeom>
+          <a:ln w="15875">
+            <a:solidFill>
+              <a:schemeClr val="tx1">
+                <a:lumMod val="65000"/>
+                <a:lumOff val="35000"/>
+              </a:schemeClr>
+            </a:solidFill>
+            <a:prstDash val="lgDash"/>
+          </a:ln>
+        </p:spPr>
+        <p:style>
+          <a:lnRef idx="1">
+            <a:schemeClr val="accent1"/>
+          </a:lnRef>
+          <a:fillRef idx="0">
+            <a:schemeClr val="accent1"/>
+          </a:fillRef>
+          <a:effectRef idx="0">
+            <a:schemeClr val="accent1"/>
+          </a:effectRef>
+          <a:fontRef idx="minor">
+            <a:schemeClr val="tx1"/>
+          </a:fontRef>
+        </p:style>
+      </p:cxnSp>
+      <p:cxnSp>
+        <p:nvCxnSpPr>
+          <p:cNvPr id="7" name="Прямая соединительная линия 6">
+            <a:extLst>
+              <a:ext uri="{FF2B5EF4-FFF2-40B4-BE49-F238E27FC236}">
+                <a16:creationId xmlns:a16="http://schemas.microsoft.com/office/drawing/2014/main" id="{E96E7C88-7B15-4CE3-997A-10706546CE25}"/>
+              </a:ext>
+            </a:extLst>
+          </p:cNvPr>
+          <p:cNvCxnSpPr>
+            <a:cxnSpLocks/>
+          </p:cNvCxnSpPr>
+          <p:nvPr/>
+        </p:nvCxnSpPr>
+        <p:spPr>
+          <a:xfrm>
+            <a:off x="1651000" y="754000"/>
+            <a:ext cx="12941300" cy="0"/>
+          </a:xfrm>
+          <a:prstGeom prst="line">
+            <a:avLst/>
+          </a:prstGeom>
+          <a:ln w="15875">
+            <a:solidFill>
+              <a:schemeClr val="tx1">
+                <a:lumMod val="65000"/>
+                <a:lumOff val="35000"/>
+              </a:schemeClr>
+            </a:solidFill>
+            <a:prstDash val="lgDash"/>
+          </a:ln>
+        </p:spPr>
+        <p:style>
+          <a:lnRef idx="1">
+            <a:schemeClr val="accent1"/>
+          </a:lnRef>
+          <a:fillRef idx="0">
+            <a:schemeClr val="accent1"/>
+          </a:fillRef>
+          <a:effectRef idx="0">
+            <a:schemeClr val="accent1"/>
+          </a:effectRef>
+          <a:fontRef idx="minor">
+            <a:schemeClr val="tx1"/>
+          </a:fontRef>
+        </p:style>
+      </p:cxnSp>
+    </p:spTree>
+    <p:extLst>
+      <p:ext uri="{BB962C8B-B14F-4D97-AF65-F5344CB8AC3E}">
+        <p14:creationId xmlns:p14="http://schemas.microsoft.com/office/powerpoint/2010/main" val="512171927"/>
+      </p:ext>
+    </p:extLst>
+  </p:cSld>
+  <p:clrMapOvr>
+    <a:masterClrMapping/>
+  </p:clrMapOvr>
+</p:sld>
+</file>
+
+<file path=ppt/slides/slide24.xml><?xml version="1.0" encoding="utf-8"?>
+<p:sld xmlns:a="http://schemas.openxmlformats.org/drawingml/2006/main" xmlns:r="http://schemas.openxmlformats.org/officeDocument/2006/relationships" xmlns:p="http://schemas.openxmlformats.org/presentationml/2006/main">
+  <p:cSld>
+    <p:spTree>
+      <p:nvGrpSpPr>
+        <p:cNvPr id="1" name=""/>
+        <p:cNvGrpSpPr/>
+        <p:nvPr/>
+      </p:nvGrpSpPr>
+      <p:grpSpPr>
+        <a:xfrm>
+          <a:off x="0" y="0"/>
+          <a:ext cx="0" cy="0"/>
+          <a:chOff x="0" y="0"/>
+          <a:chExt cx="0" cy="0"/>
+        </a:xfrm>
+      </p:grpSpPr>
+      <p:pic>
+        <p:nvPicPr>
+          <p:cNvPr id="5" name="Рисунок 4">
+            <a:extLst>
+              <a:ext uri="{FF2B5EF4-FFF2-40B4-BE49-F238E27FC236}">
+                <a16:creationId xmlns:a16="http://schemas.microsoft.com/office/drawing/2014/main" id="{F590533B-8760-4889-A5F9-B2BF4C206DD9}"/>
+              </a:ext>
+            </a:extLst>
+          </p:cNvPr>
+          <p:cNvPicPr>
+            <a:picLocks noChangeAspect="1"/>
+          </p:cNvPicPr>
+          <p:nvPr/>
+        </p:nvPicPr>
+        <p:blipFill>
+          <a:blip r:embed="rId2"/>
+          <a:stretch>
+            <a:fillRect/>
+          </a:stretch>
+        </p:blipFill>
+        <p:spPr>
+          <a:xfrm>
+            <a:off x="3147308" y="0"/>
+            <a:ext cx="9905822" cy="7199313"/>
+          </a:xfrm>
+          <a:prstGeom prst="rect">
+            <a:avLst/>
+          </a:prstGeom>
+        </p:spPr>
+      </p:pic>
+    </p:spTree>
+    <p:extLst>
+      <p:ext uri="{BB962C8B-B14F-4D97-AF65-F5344CB8AC3E}">
+        <p14:creationId xmlns:p14="http://schemas.microsoft.com/office/powerpoint/2010/main" val="2719226841"/>
+      </p:ext>
+    </p:extLst>
+  </p:cSld>
+  <p:clrMapOvr>
+    <a:masterClrMapping/>
+  </p:clrMapOvr>
+</p:sld>
+</file>
+
+<file path=ppt/slides/slide25.xml><?xml version="1.0" encoding="utf-8"?>
+<p:sld xmlns:a="http://schemas.openxmlformats.org/drawingml/2006/main" xmlns:r="http://schemas.openxmlformats.org/officeDocument/2006/relationships" xmlns:p="http://schemas.openxmlformats.org/presentationml/2006/main">
+  <p:cSld>
+    <p:spTree>
+      <p:nvGrpSpPr>
+        <p:cNvPr id="1" name=""/>
+        <p:cNvGrpSpPr/>
+        <p:nvPr/>
+      </p:nvGrpSpPr>
+      <p:grpSpPr>
+        <a:xfrm>
+          <a:off x="0" y="0"/>
+          <a:ext cx="0" cy="0"/>
+          <a:chOff x="0" y="0"/>
+          <a:chExt cx="0" cy="0"/>
+        </a:xfrm>
+      </p:grpSpPr>
+      <p:pic>
+        <p:nvPicPr>
+          <p:cNvPr id="5" name="Рисунок 4">
+            <a:extLst>
+              <a:ext uri="{FF2B5EF4-FFF2-40B4-BE49-F238E27FC236}">
+                <a16:creationId xmlns:a16="http://schemas.microsoft.com/office/drawing/2014/main" id="{66AE98E0-1C46-4B9C-9329-9020F7A202EA}"/>
+              </a:ext>
+            </a:extLst>
+          </p:cNvPr>
+          <p:cNvPicPr>
+            <a:picLocks noChangeAspect="1"/>
+          </p:cNvPicPr>
+          <p:nvPr/>
+        </p:nvPicPr>
+        <p:blipFill>
+          <a:blip r:embed="rId2"/>
+          <a:stretch>
+            <a:fillRect/>
+          </a:stretch>
+        </p:blipFill>
+        <p:spPr>
+          <a:xfrm>
+            <a:off x="3208449" y="132072"/>
+            <a:ext cx="9783540" cy="6935168"/>
+          </a:xfrm>
+          <a:prstGeom prst="rect">
+            <a:avLst/>
+          </a:prstGeom>
+        </p:spPr>
+      </p:pic>
+    </p:spTree>
+    <p:extLst>
+      <p:ext uri="{BB962C8B-B14F-4D97-AF65-F5344CB8AC3E}">
+        <p14:creationId xmlns:p14="http://schemas.microsoft.com/office/powerpoint/2010/main" val="2828813166"/>
+      </p:ext>
+    </p:extLst>
+  </p:cSld>
+  <p:clrMapOvr>
+    <a:masterClrMapping/>
+  </p:clrMapOvr>
+</p:sld>
+</file>
+
+<file path=ppt/slides/slide26.xml><?xml version="1.0" encoding="utf-8"?>
+<p:sld xmlns:a="http://schemas.openxmlformats.org/drawingml/2006/main" xmlns:r="http://schemas.openxmlformats.org/officeDocument/2006/relationships" xmlns:p="http://schemas.openxmlformats.org/presentationml/2006/main">
+  <p:cSld>
+    <p:spTree>
+      <p:nvGrpSpPr>
+        <p:cNvPr id="1" name=""/>
+        <p:cNvGrpSpPr/>
+        <p:nvPr/>
+      </p:nvGrpSpPr>
+      <p:grpSpPr>
+        <a:xfrm>
+          <a:off x="0" y="0"/>
+          <a:ext cx="0" cy="0"/>
+          <a:chOff x="0" y="0"/>
+          <a:chExt cx="0" cy="0"/>
+        </a:xfrm>
+      </p:grpSpPr>
+      <p:pic>
+        <p:nvPicPr>
+          <p:cNvPr id="5" name="Рисунок 4">
+            <a:extLst>
+              <a:ext uri="{FF2B5EF4-FFF2-40B4-BE49-F238E27FC236}">
+                <a16:creationId xmlns:a16="http://schemas.microsoft.com/office/drawing/2014/main" id="{46B4F35F-EEB4-459C-B06D-9D8B7D21BB7A}"/>
+              </a:ext>
+            </a:extLst>
+          </p:cNvPr>
+          <p:cNvPicPr>
+            <a:picLocks noChangeAspect="1"/>
+          </p:cNvPicPr>
+          <p:nvPr/>
+        </p:nvPicPr>
+        <p:blipFill>
+          <a:blip r:embed="rId2"/>
+          <a:stretch>
+            <a:fillRect/>
+          </a:stretch>
+        </p:blipFill>
+        <p:spPr>
+          <a:xfrm>
+            <a:off x="0" y="0"/>
+            <a:ext cx="8839782" cy="7199313"/>
+          </a:xfrm>
+          <a:prstGeom prst="rect">
+            <a:avLst/>
+          </a:prstGeom>
+        </p:spPr>
+      </p:pic>
+      <p:pic>
+        <p:nvPicPr>
+          <p:cNvPr id="9" name="Рисунок 8">
+            <a:extLst>
+              <a:ext uri="{FF2B5EF4-FFF2-40B4-BE49-F238E27FC236}">
+                <a16:creationId xmlns:a16="http://schemas.microsoft.com/office/drawing/2014/main" id="{C8AC7836-2D39-4F47-9E78-9AB3E88284C2}"/>
+              </a:ext>
+            </a:extLst>
+          </p:cNvPr>
+          <p:cNvPicPr>
+            <a:picLocks noChangeAspect="1"/>
+          </p:cNvPicPr>
+          <p:nvPr/>
+        </p:nvPicPr>
+        <p:blipFill>
+          <a:blip r:embed="rId3"/>
+          <a:stretch>
+            <a:fillRect/>
+          </a:stretch>
+        </p:blipFill>
+        <p:spPr>
+          <a:xfrm>
+            <a:off x="8682225" y="518095"/>
+            <a:ext cx="4467849" cy="3191459"/>
+          </a:xfrm>
+          <a:prstGeom prst="rect">
+            <a:avLst/>
+          </a:prstGeom>
+        </p:spPr>
+      </p:pic>
+      <p:pic>
+        <p:nvPicPr>
+          <p:cNvPr id="13" name="Рисунок 12">
+            <a:extLst>
+              <a:ext uri="{FF2B5EF4-FFF2-40B4-BE49-F238E27FC236}">
+                <a16:creationId xmlns:a16="http://schemas.microsoft.com/office/drawing/2014/main" id="{426B47F1-6E40-48A8-8026-75F92B2963AF}"/>
+              </a:ext>
+            </a:extLst>
+          </p:cNvPr>
+          <p:cNvPicPr>
+            <a:picLocks noChangeAspect="1"/>
+          </p:cNvPicPr>
+          <p:nvPr/>
+        </p:nvPicPr>
+        <p:blipFill>
+          <a:blip r:embed="rId4"/>
+          <a:stretch>
+            <a:fillRect/>
+          </a:stretch>
+        </p:blipFill>
+        <p:spPr>
+          <a:xfrm>
+            <a:off x="8567909" y="3719944"/>
+            <a:ext cx="4696480" cy="3075711"/>
+          </a:xfrm>
+          <a:prstGeom prst="rect">
+            <a:avLst/>
+          </a:prstGeom>
+        </p:spPr>
+      </p:pic>
+      <p:cxnSp>
+        <p:nvCxnSpPr>
+          <p:cNvPr id="15" name="Прямая соединительная линия 14">
+            <a:extLst>
+              <a:ext uri="{FF2B5EF4-FFF2-40B4-BE49-F238E27FC236}">
+                <a16:creationId xmlns:a16="http://schemas.microsoft.com/office/drawing/2014/main" id="{D9CB7EFD-3A95-4D6A-8BA0-779377DB1B89}"/>
+              </a:ext>
+            </a:extLst>
+          </p:cNvPr>
+          <p:cNvCxnSpPr>
+            <a:cxnSpLocks/>
+          </p:cNvCxnSpPr>
+          <p:nvPr/>
+        </p:nvCxnSpPr>
+        <p:spPr>
+          <a:xfrm>
+            <a:off x="3564082" y="394855"/>
+            <a:ext cx="0" cy="5943600"/>
+          </a:xfrm>
+          <a:prstGeom prst="line">
+            <a:avLst/>
+          </a:prstGeom>
+        </p:spPr>
+        <p:style>
+          <a:lnRef idx="1">
+            <a:schemeClr val="dk1"/>
+          </a:lnRef>
+          <a:fillRef idx="0">
+            <a:schemeClr val="dk1"/>
+          </a:fillRef>
+          <a:effectRef idx="0">
+            <a:schemeClr val="dk1"/>
+          </a:effectRef>
+          <a:fontRef idx="minor">
+            <a:schemeClr val="tx1"/>
+          </a:fontRef>
+        </p:style>
+      </p:cxnSp>
+      <p:cxnSp>
+        <p:nvCxnSpPr>
+          <p:cNvPr id="16" name="Прямая соединительная линия 15">
+            <a:extLst>
+              <a:ext uri="{FF2B5EF4-FFF2-40B4-BE49-F238E27FC236}">
+                <a16:creationId xmlns:a16="http://schemas.microsoft.com/office/drawing/2014/main" id="{6C9409D4-3A7E-418D-B0C9-04DB10855C03}"/>
+              </a:ext>
+            </a:extLst>
+          </p:cNvPr>
+          <p:cNvCxnSpPr>
+            <a:cxnSpLocks/>
+          </p:cNvCxnSpPr>
+          <p:nvPr/>
+        </p:nvCxnSpPr>
+        <p:spPr>
+          <a:xfrm flipH="1">
+            <a:off x="3075710" y="592282"/>
+            <a:ext cx="6577445" cy="0"/>
+          </a:xfrm>
+          <a:prstGeom prst="line">
+            <a:avLst/>
+          </a:prstGeom>
+        </p:spPr>
+        <p:style>
+          <a:lnRef idx="1">
+            <a:schemeClr val="dk1"/>
+          </a:lnRef>
+          <a:fillRef idx="0">
+            <a:schemeClr val="dk1"/>
+          </a:fillRef>
+          <a:effectRef idx="0">
+            <a:schemeClr val="dk1"/>
+          </a:effectRef>
+          <a:fontRef idx="minor">
+            <a:schemeClr val="tx1"/>
+          </a:fontRef>
+        </p:style>
+      </p:cxnSp>
+      <p:cxnSp>
+        <p:nvCxnSpPr>
+          <p:cNvPr id="22" name="Прямая соединительная линия 21">
+            <a:extLst>
+              <a:ext uri="{FF2B5EF4-FFF2-40B4-BE49-F238E27FC236}">
+                <a16:creationId xmlns:a16="http://schemas.microsoft.com/office/drawing/2014/main" id="{1C814D09-4284-40CD-8464-3850D87E17AC}"/>
+              </a:ext>
+            </a:extLst>
+          </p:cNvPr>
+          <p:cNvCxnSpPr>
+            <a:cxnSpLocks/>
+          </p:cNvCxnSpPr>
+          <p:nvPr/>
+        </p:nvCxnSpPr>
+        <p:spPr>
+          <a:xfrm flipH="1">
+            <a:off x="2867892" y="3990109"/>
+            <a:ext cx="6577445" cy="0"/>
+          </a:xfrm>
+          <a:prstGeom prst="line">
+            <a:avLst/>
+          </a:prstGeom>
+        </p:spPr>
+        <p:style>
+          <a:lnRef idx="1">
+            <a:schemeClr val="dk1"/>
+          </a:lnRef>
+          <a:fillRef idx="0">
+            <a:schemeClr val="dk1"/>
+          </a:fillRef>
+          <a:effectRef idx="0">
+            <a:schemeClr val="dk1"/>
+          </a:effectRef>
+          <a:fontRef idx="minor">
+            <a:schemeClr val="tx1"/>
+          </a:fontRef>
+        </p:style>
+      </p:cxnSp>
+      <p:cxnSp>
+        <p:nvCxnSpPr>
+          <p:cNvPr id="23" name="Прямая соединительная линия 22">
+            <a:extLst>
+              <a:ext uri="{FF2B5EF4-FFF2-40B4-BE49-F238E27FC236}">
+                <a16:creationId xmlns:a16="http://schemas.microsoft.com/office/drawing/2014/main" id="{4CE9D5AB-0474-4ABD-9B02-B6F80C54B2AF}"/>
+              </a:ext>
+            </a:extLst>
+          </p:cNvPr>
+          <p:cNvCxnSpPr>
+            <a:cxnSpLocks/>
+          </p:cNvCxnSpPr>
+          <p:nvPr/>
+        </p:nvCxnSpPr>
+        <p:spPr>
+          <a:xfrm>
+            <a:off x="8946573" y="176645"/>
+            <a:ext cx="0" cy="6785264"/>
+          </a:xfrm>
+          <a:prstGeom prst="line">
+            <a:avLst/>
+          </a:prstGeom>
+        </p:spPr>
+        <p:style>
+          <a:lnRef idx="1">
+            <a:schemeClr val="dk1"/>
+          </a:lnRef>
+          <a:fillRef idx="0">
+            <a:schemeClr val="dk1"/>
+          </a:fillRef>
+          <a:effectRef idx="0">
+            <a:schemeClr val="dk1"/>
+          </a:effectRef>
+          <a:fontRef idx="minor">
+            <a:schemeClr val="tx1"/>
+          </a:fontRef>
+        </p:style>
+      </p:cxnSp>
+    </p:spTree>
+    <p:extLst>
+      <p:ext uri="{BB962C8B-B14F-4D97-AF65-F5344CB8AC3E}">
+        <p14:creationId xmlns:p14="http://schemas.microsoft.com/office/powerpoint/2010/main" val="3939828616"/>
+      </p:ext>
+    </p:extLst>
+  </p:cSld>
+  <p:clrMapOvr>
+    <a:masterClrMapping/>
+  </p:clrMapOvr>
+</p:sld>
+</file>
+
+<file path=ppt/slides/slide27.xml><?xml version="1.0" encoding="utf-8"?>
+<p:sld xmlns:a="http://schemas.openxmlformats.org/drawingml/2006/main" xmlns:r="http://schemas.openxmlformats.org/officeDocument/2006/relationships" xmlns:p="http://schemas.openxmlformats.org/presentationml/2006/main">
+  <p:cSld>
+    <p:spTree>
+      <p:nvGrpSpPr>
+        <p:cNvPr id="1" name=""/>
+        <p:cNvGrpSpPr/>
+        <p:nvPr/>
+      </p:nvGrpSpPr>
+      <p:grpSpPr>
+        <a:xfrm>
+          <a:off x="0" y="0"/>
+          <a:ext cx="0" cy="0"/>
+          <a:chOff x="0" y="0"/>
+          <a:chExt cx="0" cy="0"/>
+        </a:xfrm>
+      </p:grpSpPr>
+      <p:pic>
+        <p:nvPicPr>
+          <p:cNvPr id="4" name="Рисунок 3">
+            <a:extLst>
+              <a:ext uri="{FF2B5EF4-FFF2-40B4-BE49-F238E27FC236}">
+                <a16:creationId xmlns:a16="http://schemas.microsoft.com/office/drawing/2014/main" id="{5432FC12-BDE8-4C01-B147-BCCC9B5D0FAA}"/>
+              </a:ext>
+            </a:extLst>
+          </p:cNvPr>
+          <p:cNvPicPr>
+            <a:picLocks noChangeAspect="1"/>
+          </p:cNvPicPr>
+          <p:nvPr/>
+        </p:nvPicPr>
+        <p:blipFill>
+          <a:blip r:embed="rId2"/>
+          <a:stretch>
+            <a:fillRect/>
+          </a:stretch>
+        </p:blipFill>
+        <p:spPr>
+          <a:xfrm>
+            <a:off x="0" y="0"/>
+            <a:ext cx="8839782" cy="7199313"/>
+          </a:xfrm>
+          <a:prstGeom prst="rect">
+            <a:avLst/>
+          </a:prstGeom>
+        </p:spPr>
+      </p:pic>
+      <p:pic>
+        <p:nvPicPr>
+          <p:cNvPr id="8" name="Рисунок 7">
+            <a:extLst>
+              <a:ext uri="{FF2B5EF4-FFF2-40B4-BE49-F238E27FC236}">
+                <a16:creationId xmlns:a16="http://schemas.microsoft.com/office/drawing/2014/main" id="{748294AF-FC90-4C6C-A18B-1FEDA5C8BD7D}"/>
+              </a:ext>
+            </a:extLst>
+          </p:cNvPr>
+          <p:cNvPicPr>
+            <a:picLocks noChangeAspect="1"/>
+          </p:cNvPicPr>
+          <p:nvPr/>
+        </p:nvPicPr>
+        <p:blipFill>
+          <a:blip r:embed="rId3"/>
+          <a:stretch>
+            <a:fillRect/>
+          </a:stretch>
+        </p:blipFill>
+        <p:spPr>
+          <a:xfrm>
+            <a:off x="8683095" y="462035"/>
+            <a:ext cx="4486901" cy="3096057"/>
+          </a:xfrm>
+          <a:prstGeom prst="rect">
+            <a:avLst/>
+          </a:prstGeom>
+        </p:spPr>
+      </p:pic>
+      <p:cxnSp>
+        <p:nvCxnSpPr>
+          <p:cNvPr id="9" name="Прямая соединительная линия 8">
+            <a:extLst>
+              <a:ext uri="{FF2B5EF4-FFF2-40B4-BE49-F238E27FC236}">
+                <a16:creationId xmlns:a16="http://schemas.microsoft.com/office/drawing/2014/main" id="{F9FE6152-5324-4524-8F41-B1A6B4FC78D7}"/>
+              </a:ext>
+            </a:extLst>
+          </p:cNvPr>
+          <p:cNvCxnSpPr>
+            <a:cxnSpLocks/>
+          </p:cNvCxnSpPr>
+          <p:nvPr/>
+        </p:nvCxnSpPr>
+        <p:spPr>
+          <a:xfrm flipH="1">
+            <a:off x="3179619" y="633846"/>
+            <a:ext cx="6577445" cy="0"/>
+          </a:xfrm>
+          <a:prstGeom prst="line">
+            <a:avLst/>
+          </a:prstGeom>
+        </p:spPr>
+        <p:style>
+          <a:lnRef idx="1">
+            <a:schemeClr val="dk1"/>
+          </a:lnRef>
+          <a:fillRef idx="0">
+            <a:schemeClr val="dk1"/>
+          </a:fillRef>
+          <a:effectRef idx="0">
+            <a:schemeClr val="dk1"/>
+          </a:effectRef>
+          <a:fontRef idx="minor">
+            <a:schemeClr val="tx1"/>
+          </a:fontRef>
+        </p:style>
+      </p:cxnSp>
+      <p:pic>
+        <p:nvPicPr>
+          <p:cNvPr id="11" name="Рисунок 10">
+            <a:extLst>
+              <a:ext uri="{FF2B5EF4-FFF2-40B4-BE49-F238E27FC236}">
+                <a16:creationId xmlns:a16="http://schemas.microsoft.com/office/drawing/2014/main" id="{3F748D64-DCF6-423B-9957-27004636A89B}"/>
+              </a:ext>
+            </a:extLst>
+          </p:cNvPr>
+          <p:cNvPicPr>
+            <a:picLocks noChangeAspect="1"/>
+          </p:cNvPicPr>
+          <p:nvPr/>
+        </p:nvPicPr>
+        <p:blipFill>
+          <a:blip r:embed="rId4"/>
+          <a:stretch>
+            <a:fillRect/>
+          </a:stretch>
+        </p:blipFill>
+        <p:spPr>
+          <a:xfrm>
+            <a:off x="8565724" y="3772687"/>
+            <a:ext cx="4753638" cy="3457799"/>
+          </a:xfrm>
+          <a:prstGeom prst="rect">
+            <a:avLst/>
+          </a:prstGeom>
+        </p:spPr>
+      </p:pic>
+      <p:cxnSp>
+        <p:nvCxnSpPr>
+          <p:cNvPr id="12" name="Прямая соединительная линия 11">
+            <a:extLst>
+              <a:ext uri="{FF2B5EF4-FFF2-40B4-BE49-F238E27FC236}">
+                <a16:creationId xmlns:a16="http://schemas.microsoft.com/office/drawing/2014/main" id="{D91FED2C-94B3-4B8D-BE45-B58785C70C7B}"/>
+              </a:ext>
+            </a:extLst>
+          </p:cNvPr>
+          <p:cNvCxnSpPr>
+            <a:cxnSpLocks/>
+          </p:cNvCxnSpPr>
+          <p:nvPr/>
+        </p:nvCxnSpPr>
+        <p:spPr>
+          <a:xfrm flipH="1">
+            <a:off x="3179619" y="4021281"/>
+            <a:ext cx="6577445" cy="0"/>
+          </a:xfrm>
+          <a:prstGeom prst="line">
+            <a:avLst/>
+          </a:prstGeom>
+        </p:spPr>
+        <p:style>
+          <a:lnRef idx="1">
+            <a:schemeClr val="dk1"/>
+          </a:lnRef>
+          <a:fillRef idx="0">
+            <a:schemeClr val="dk1"/>
+          </a:fillRef>
+          <a:effectRef idx="0">
+            <a:schemeClr val="dk1"/>
+          </a:effectRef>
+          <a:fontRef idx="minor">
+            <a:schemeClr val="tx1"/>
+          </a:fontRef>
+        </p:style>
+      </p:cxnSp>
+      <p:cxnSp>
+        <p:nvCxnSpPr>
+          <p:cNvPr id="13" name="Прямая соединительная линия 12">
+            <a:extLst>
+              <a:ext uri="{FF2B5EF4-FFF2-40B4-BE49-F238E27FC236}">
+                <a16:creationId xmlns:a16="http://schemas.microsoft.com/office/drawing/2014/main" id="{F9A3803B-7079-40D3-B54F-5B35DEFF55A2}"/>
+              </a:ext>
+            </a:extLst>
+          </p:cNvPr>
+          <p:cNvCxnSpPr>
+            <a:cxnSpLocks/>
+          </p:cNvCxnSpPr>
+          <p:nvPr/>
+        </p:nvCxnSpPr>
+        <p:spPr>
+          <a:xfrm>
+            <a:off x="3574473" y="394855"/>
+            <a:ext cx="0" cy="5943600"/>
+          </a:xfrm>
+          <a:prstGeom prst="line">
+            <a:avLst/>
+          </a:prstGeom>
+        </p:spPr>
+        <p:style>
+          <a:lnRef idx="1">
+            <a:schemeClr val="dk1"/>
+          </a:lnRef>
+          <a:fillRef idx="0">
+            <a:schemeClr val="dk1"/>
+          </a:fillRef>
+          <a:effectRef idx="0">
+            <a:schemeClr val="dk1"/>
+          </a:effectRef>
+          <a:fontRef idx="minor">
+            <a:schemeClr val="tx1"/>
+          </a:fontRef>
+        </p:style>
+      </p:cxnSp>
+      <p:cxnSp>
+        <p:nvCxnSpPr>
+          <p:cNvPr id="14" name="Прямая соединительная линия 13">
+            <a:extLst>
+              <a:ext uri="{FF2B5EF4-FFF2-40B4-BE49-F238E27FC236}">
+                <a16:creationId xmlns:a16="http://schemas.microsoft.com/office/drawing/2014/main" id="{F257CCAA-002A-4375-9867-C2FCC9E5DB13}"/>
+              </a:ext>
+            </a:extLst>
+          </p:cNvPr>
+          <p:cNvCxnSpPr>
+            <a:cxnSpLocks/>
+          </p:cNvCxnSpPr>
+          <p:nvPr/>
+        </p:nvCxnSpPr>
+        <p:spPr>
+          <a:xfrm>
+            <a:off x="8977745" y="586292"/>
+            <a:ext cx="0" cy="5943600"/>
+          </a:xfrm>
+          <a:prstGeom prst="line">
+            <a:avLst/>
+          </a:prstGeom>
+        </p:spPr>
+        <p:style>
+          <a:lnRef idx="1">
+            <a:schemeClr val="dk1"/>
+          </a:lnRef>
+          <a:fillRef idx="0">
+            <a:schemeClr val="dk1"/>
+          </a:fillRef>
+          <a:effectRef idx="0">
+            <a:schemeClr val="dk1"/>
+          </a:effectRef>
+          <a:fontRef idx="minor">
+            <a:schemeClr val="tx1"/>
+          </a:fontRef>
+        </p:style>
+      </p:cxnSp>
+    </p:spTree>
+    <p:extLst>
+      <p:ext uri="{BB962C8B-B14F-4D97-AF65-F5344CB8AC3E}">
+        <p14:creationId xmlns:p14="http://schemas.microsoft.com/office/powerpoint/2010/main" val="1662696643"/>
+      </p:ext>
+    </p:extLst>
+  </p:cSld>
+  <p:clrMapOvr>
+    <a:masterClrMapping/>
+  </p:clrMapOvr>
+</p:sld>
+</file>
+
+<file path=ppt/slides/slide28.xml><?xml version="1.0" encoding="utf-8"?>
+<p:sld xmlns:a="http://schemas.openxmlformats.org/drawingml/2006/main" xmlns:r="http://schemas.openxmlformats.org/officeDocument/2006/relationships" xmlns:p="http://schemas.openxmlformats.org/presentationml/2006/main">
+  <p:cSld>
+    <p:spTree>
+      <p:nvGrpSpPr>
+        <p:cNvPr id="1" name=""/>
+        <p:cNvGrpSpPr/>
+        <p:nvPr/>
+      </p:nvGrpSpPr>
+      <p:grpSpPr>
+        <a:xfrm>
+          <a:off x="0" y="0"/>
+          <a:ext cx="0" cy="0"/>
+          <a:chOff x="0" y="0"/>
+          <a:chExt cx="0" cy="0"/>
+        </a:xfrm>
+      </p:grpSpPr>
+      <p:pic>
+        <p:nvPicPr>
+          <p:cNvPr id="5" name="Рисунок 4">
+            <a:extLst>
+              <a:ext uri="{FF2B5EF4-FFF2-40B4-BE49-F238E27FC236}">
+                <a16:creationId xmlns:a16="http://schemas.microsoft.com/office/drawing/2014/main" id="{88D8E107-A326-41C0-865E-8C1F68142C8B}"/>
+              </a:ext>
+            </a:extLst>
+          </p:cNvPr>
+          <p:cNvPicPr>
+            <a:picLocks noChangeAspect="1"/>
+          </p:cNvPicPr>
+          <p:nvPr/>
+        </p:nvPicPr>
+        <p:blipFill>
+          <a:blip r:embed="rId2"/>
+          <a:stretch>
+            <a:fillRect/>
+          </a:stretch>
+        </p:blipFill>
+        <p:spPr>
+          <a:xfrm>
+            <a:off x="4303976" y="865600"/>
+            <a:ext cx="7592485" cy="5468113"/>
+          </a:xfrm>
+          <a:prstGeom prst="rect">
+            <a:avLst/>
+          </a:prstGeom>
+        </p:spPr>
+      </p:pic>
+      <p:sp>
+        <p:nvSpPr>
+          <p:cNvPr id="6" name="Прямоугольник 5">
+            <a:extLst>
+              <a:ext uri="{FF2B5EF4-FFF2-40B4-BE49-F238E27FC236}">
+                <a16:creationId xmlns:a16="http://schemas.microsoft.com/office/drawing/2014/main" id="{6C4C548B-D93E-43D0-8FDD-4D35F2D664C8}"/>
+              </a:ext>
+            </a:extLst>
+          </p:cNvPr>
+          <p:cNvSpPr/>
+          <p:nvPr/>
+        </p:nvSpPr>
+        <p:spPr>
+          <a:xfrm rot="16200000">
+            <a:off x="3644155" y="3474964"/>
+            <a:ext cx="1569027" cy="249382"/>
+          </a:xfrm>
+          <a:prstGeom prst="rect">
+            <a:avLst/>
+          </a:prstGeom>
+          <a:solidFill>
+            <a:srgbClr val="F0F0F0"/>
+          </a:solidFill>
+          <a:ln>
+            <a:solidFill>
+              <a:srgbClr val="F0F0F0"/>
+            </a:solidFill>
+          </a:ln>
+        </p:spPr>
+        <p:style>
+          <a:lnRef idx="2">
+            <a:schemeClr val="accent1">
+              <a:shade val="50000"/>
+            </a:schemeClr>
+          </a:lnRef>
+          <a:fillRef idx="1">
+            <a:schemeClr val="accent1"/>
+          </a:fillRef>
+          <a:effectRef idx="0">
+            <a:schemeClr val="accent1"/>
+          </a:effectRef>
+          <a:fontRef idx="minor">
+            <a:schemeClr val="lt1"/>
+          </a:fontRef>
+        </p:style>
+        <p:txBody>
+          <a:bodyPr rtlCol="0" anchor="ctr"/>
+          <a:lstStyle/>
+          <a:p>
+            <a:pPr algn="ctr"/>
+            <a:endParaRPr lang="ru-RU"/>
+          </a:p>
+        </p:txBody>
+      </p:sp>
+      <p:sp>
+        <p:nvSpPr>
+          <p:cNvPr id="7" name="TextBox 6">
+            <a:extLst>
+              <a:ext uri="{FF2B5EF4-FFF2-40B4-BE49-F238E27FC236}">
+                <a16:creationId xmlns:a16="http://schemas.microsoft.com/office/drawing/2014/main" id="{9FABF699-9296-43FB-8222-F6491413A54F}"/>
+              </a:ext>
+            </a:extLst>
+          </p:cNvPr>
+          <p:cNvSpPr txBox="1"/>
+          <p:nvPr/>
+        </p:nvSpPr>
+        <p:spPr>
+          <a:xfrm rot="16200000">
+            <a:off x="2789275" y="2472543"/>
+            <a:ext cx="3200400" cy="369332"/>
+          </a:xfrm>
+          <a:prstGeom prst="rect">
+            <a:avLst/>
+          </a:prstGeom>
+          <a:noFill/>
+        </p:spPr>
+        <p:txBody>
+          <a:bodyPr wrap="square" rtlCol="0">
+            <a:spAutoFit/>
+          </a:bodyPr>
+          <a:lstStyle/>
+          <a:p>
+            <a:r>
+              <a:rPr lang="ru-RU" dirty="0">
+                <a:latin typeface="Cambria Math" panose="02040503050406030204" pitchFamily="18" charset="0"/>
+                <a:ea typeface="Cambria Math" panose="02040503050406030204" pitchFamily="18" charset="0"/>
+              </a:rPr>
+              <a:t>Мнимая часть</a:t>
+            </a:r>
+          </a:p>
+        </p:txBody>
+      </p:sp>
+      <mc:AlternateContent xmlns:mc="http://schemas.openxmlformats.org/markup-compatibility/2006">
+        <mc:Choice xmlns:a14="http://schemas.microsoft.com/office/drawing/2010/main" Requires="a14">
+          <p:sp>
+            <p:nvSpPr>
+              <p:cNvPr id="8" name="TextBox 7">
+                <a:extLst>
+                  <a:ext uri="{FF2B5EF4-FFF2-40B4-BE49-F238E27FC236}">
+                    <a16:creationId xmlns:a16="http://schemas.microsoft.com/office/drawing/2014/main" id="{9114C0A8-8DDE-4F1B-8651-0A9D30D24FC7}"/>
+                  </a:ext>
+                </a:extLst>
+              </p:cNvPr>
+              <p:cNvSpPr txBox="1"/>
+              <p:nvPr/>
+            </p:nvSpPr>
+            <p:spPr>
+              <a:xfrm>
+                <a:off x="7343773" y="2657209"/>
+                <a:ext cx="857251" cy="553998"/>
+              </a:xfrm>
+              <a:prstGeom prst="rect">
+                <a:avLst/>
+              </a:prstGeom>
+              <a:noFill/>
+            </p:spPr>
+            <p:txBody>
+              <a:bodyPr wrap="square" lIns="0" tIns="0" rIns="0" bIns="0" rtlCol="0">
+                <a:spAutoFit/>
+              </a:bodyPr>
+              <a:lstStyle/>
+              <a:p>
+                <a:pPr/>
+                <a14:m>
+                  <m:oMathPara xmlns:m="http://schemas.openxmlformats.org/officeDocument/2006/math">
+                    <m:oMathParaPr>
+                      <m:jc m:val="centerGroup"/>
+                    </m:oMathParaPr>
+                    <m:oMath xmlns:m="http://schemas.openxmlformats.org/officeDocument/2006/math">
+                      <m:r>
+                        <a:rPr lang="ru-RU" i="1">
+                          <a:latin typeface="Cambria Math" panose="02040503050406030204" pitchFamily="18" charset="0"/>
+                        </a:rPr>
+                        <m:t>𝐴</m:t>
+                      </m:r>
+                      <m:r>
+                        <a:rPr lang="ru-RU" i="1">
+                          <a:latin typeface="Cambria Math" panose="02040503050406030204" pitchFamily="18" charset="0"/>
+                        </a:rPr>
+                        <m:t> = </m:t>
+                      </m:r>
+                      <m:r>
+                        <a:rPr lang="ru-RU">
+                          <a:latin typeface="Cambria Math" panose="02040503050406030204" pitchFamily="18" charset="0"/>
+                        </a:rPr>
+                        <m:t>∞</m:t>
+                      </m:r>
+                    </m:oMath>
+                  </m:oMathPara>
+                </a14:m>
+                <a:endParaRPr lang="ru-RU" dirty="0"/>
+              </a:p>
+              <a:p>
+                <a:endParaRPr lang="ru-RU" dirty="0"/>
+              </a:p>
+            </p:txBody>
+          </p:sp>
+        </mc:Choice>
+        <mc:Fallback>
+          <p:sp>
+            <p:nvSpPr>
+              <p:cNvPr id="8" name="TextBox 7">
+                <a:extLst>
+                  <a:ext uri="{FF2B5EF4-FFF2-40B4-BE49-F238E27FC236}">
+                    <a16:creationId xmlns:a16="http://schemas.microsoft.com/office/drawing/2014/main" id="{9114C0A8-8DDE-4F1B-8651-0A9D30D24FC7}"/>
+                  </a:ext>
+                </a:extLst>
+              </p:cNvPr>
+              <p:cNvSpPr txBox="1">
+                <a:spLocks noRot="1" noChangeAspect="1" noMove="1" noResize="1" noEditPoints="1" noAdjustHandles="1" noChangeArrowheads="1" noChangeShapeType="1" noTextEdit="1"/>
+              </p:cNvSpPr>
+              <p:nvPr/>
+            </p:nvSpPr>
+            <p:spPr>
+              <a:xfrm>
+                <a:off x="7343773" y="2657209"/>
+                <a:ext cx="857251" cy="553998"/>
+              </a:xfrm>
+              <a:prstGeom prst="rect">
+                <a:avLst/>
+              </a:prstGeom>
+              <a:blipFill>
+                <a:blip r:embed="rId3"/>
+                <a:stretch>
+                  <a:fillRect l="-2857"/>
+                </a:stretch>
+              </a:blipFill>
+            </p:spPr>
+            <p:txBody>
+              <a:bodyPr/>
+              <a:lstStyle/>
+              <a:p>
+                <a:r>
+                  <a:rPr lang="ru-RU">
+                    <a:noFill/>
+                  </a:rPr>
+                  <a:t> </a:t>
+                </a:r>
+              </a:p>
+            </p:txBody>
+          </p:sp>
+        </mc:Fallback>
+      </mc:AlternateContent>
+      <mc:AlternateContent xmlns:mc="http://schemas.openxmlformats.org/markup-compatibility/2006">
+        <mc:Choice xmlns:a14="http://schemas.microsoft.com/office/drawing/2010/main" Requires="a14">
+          <p:sp>
+            <p:nvSpPr>
+              <p:cNvPr id="9" name="TextBox 8">
+                <a:extLst>
+                  <a:ext uri="{FF2B5EF4-FFF2-40B4-BE49-F238E27FC236}">
+                    <a16:creationId xmlns:a16="http://schemas.microsoft.com/office/drawing/2014/main" id="{522F10F7-59D9-4486-81AA-68B8D0504815}"/>
+                  </a:ext>
+                </a:extLst>
+              </p:cNvPr>
+              <p:cNvSpPr txBox="1"/>
+              <p:nvPr/>
+            </p:nvSpPr>
+            <p:spPr>
+              <a:xfrm>
+                <a:off x="9164781" y="5104306"/>
+                <a:ext cx="857251" cy="553998"/>
+              </a:xfrm>
+              <a:prstGeom prst="rect">
+                <a:avLst/>
+              </a:prstGeom>
+              <a:noFill/>
+            </p:spPr>
+            <p:txBody>
+              <a:bodyPr wrap="square" lIns="0" tIns="0" rIns="0" bIns="0" rtlCol="0">
+                <a:spAutoFit/>
+              </a:bodyPr>
+              <a:lstStyle/>
+              <a:p>
+                <a:pPr/>
+                <a14:m>
+                  <m:oMathPara xmlns:m="http://schemas.openxmlformats.org/officeDocument/2006/math">
+                    <m:oMathParaPr>
+                      <m:jc m:val="centerGroup"/>
+                    </m:oMathParaPr>
+                    <m:oMath xmlns:m="http://schemas.openxmlformats.org/officeDocument/2006/math">
+                      <m:r>
+                        <m:rPr>
+                          <m:sty m:val="p"/>
+                        </m:rPr>
+                        <a:rPr lang="ru-RU">
+                          <a:latin typeface="Cambria Math" panose="02040503050406030204" pitchFamily="18" charset="0"/>
+                        </a:rPr>
+                        <m:t>ω</m:t>
+                      </m:r>
+                      <m:r>
+                        <a:rPr lang="ru-RU" i="1">
+                          <a:latin typeface="Cambria Math" panose="02040503050406030204" pitchFamily="18" charset="0"/>
+                        </a:rPr>
+                        <m:t>=</m:t>
+                      </m:r>
+                      <m:r>
+                        <a:rPr lang="ru-RU">
+                          <a:latin typeface="Cambria Math" panose="02040503050406030204" pitchFamily="18" charset="0"/>
+                        </a:rPr>
+                        <m:t>∞</m:t>
+                      </m:r>
+                    </m:oMath>
+                  </m:oMathPara>
+                </a14:m>
+                <a:endParaRPr lang="ru-RU" dirty="0"/>
+              </a:p>
+              <a:p>
+                <a:endParaRPr lang="ru-RU" dirty="0"/>
+              </a:p>
+            </p:txBody>
+          </p:sp>
+        </mc:Choice>
+        <mc:Fallback>
+          <p:sp>
+            <p:nvSpPr>
+              <p:cNvPr id="9" name="TextBox 8">
+                <a:extLst>
+                  <a:ext uri="{FF2B5EF4-FFF2-40B4-BE49-F238E27FC236}">
+                    <a16:creationId xmlns:a16="http://schemas.microsoft.com/office/drawing/2014/main" id="{522F10F7-59D9-4486-81AA-68B8D0504815}"/>
+                  </a:ext>
+                </a:extLst>
+              </p:cNvPr>
+              <p:cNvSpPr txBox="1">
+                <a:spLocks noRot="1" noChangeAspect="1" noMove="1" noResize="1" noEditPoints="1" noAdjustHandles="1" noChangeArrowheads="1" noChangeShapeType="1" noTextEdit="1"/>
+              </p:cNvSpPr>
+              <p:nvPr/>
+            </p:nvSpPr>
+            <p:spPr>
+              <a:xfrm>
+                <a:off x="9164781" y="5104306"/>
+                <a:ext cx="857251" cy="553998"/>
+              </a:xfrm>
+              <a:prstGeom prst="rect">
+                <a:avLst/>
+              </a:prstGeom>
+              <a:blipFill>
+                <a:blip r:embed="rId4"/>
+                <a:stretch>
+                  <a:fillRect/>
+                </a:stretch>
+              </a:blipFill>
+            </p:spPr>
+            <p:txBody>
+              <a:bodyPr/>
+              <a:lstStyle/>
+              <a:p>
+                <a:r>
+                  <a:rPr lang="ru-RU">
+                    <a:noFill/>
+                  </a:rPr>
+                  <a:t> </a:t>
+                </a:r>
+              </a:p>
+            </p:txBody>
+          </p:sp>
+        </mc:Fallback>
+      </mc:AlternateContent>
+      <p:sp>
+        <p:nvSpPr>
+          <p:cNvPr id="11" name="Прямоугольник 10">
+            <a:extLst>
+              <a:ext uri="{FF2B5EF4-FFF2-40B4-BE49-F238E27FC236}">
+                <a16:creationId xmlns:a16="http://schemas.microsoft.com/office/drawing/2014/main" id="{7F1ED56C-F65F-4203-851B-9EE62F46CB1D}"/>
+              </a:ext>
+            </a:extLst>
+          </p:cNvPr>
+          <p:cNvSpPr/>
+          <p:nvPr/>
+        </p:nvSpPr>
+        <p:spPr>
+          <a:xfrm>
+            <a:off x="7595754" y="6084331"/>
+            <a:ext cx="1569027" cy="249382"/>
+          </a:xfrm>
+          <a:prstGeom prst="rect">
+            <a:avLst/>
+          </a:prstGeom>
+          <a:solidFill>
+            <a:srgbClr val="F0F0F0"/>
+          </a:solidFill>
+          <a:ln>
+            <a:solidFill>
+              <a:srgbClr val="F0F0F0"/>
+            </a:solidFill>
+          </a:ln>
+        </p:spPr>
+        <p:style>
+          <a:lnRef idx="2">
+            <a:schemeClr val="accent1">
+              <a:shade val="50000"/>
+            </a:schemeClr>
+          </a:lnRef>
+          <a:fillRef idx="1">
+            <a:schemeClr val="accent1"/>
+          </a:fillRef>
+          <a:effectRef idx="0">
+            <a:schemeClr val="accent1"/>
+          </a:effectRef>
+          <a:fontRef idx="minor">
+            <a:schemeClr val="lt1"/>
+          </a:fontRef>
+        </p:style>
+        <p:txBody>
+          <a:bodyPr rtlCol="0" anchor="ctr"/>
+          <a:lstStyle/>
+          <a:p>
+            <a:pPr algn="ctr"/>
+            <a:endParaRPr lang="ru-RU"/>
+          </a:p>
+        </p:txBody>
+      </p:sp>
+      <p:sp>
+        <p:nvSpPr>
+          <p:cNvPr id="12" name="TextBox 11">
+            <a:extLst>
+              <a:ext uri="{FF2B5EF4-FFF2-40B4-BE49-F238E27FC236}">
+                <a16:creationId xmlns:a16="http://schemas.microsoft.com/office/drawing/2014/main" id="{572EE907-DC05-44B5-8DFB-48818662D120}"/>
+              </a:ext>
+            </a:extLst>
+          </p:cNvPr>
+          <p:cNvSpPr txBox="1"/>
+          <p:nvPr/>
+        </p:nvSpPr>
+        <p:spPr>
+          <a:xfrm>
+            <a:off x="7210606" y="5992728"/>
+            <a:ext cx="3200400" cy="369332"/>
+          </a:xfrm>
+          <a:prstGeom prst="rect">
+            <a:avLst/>
+          </a:prstGeom>
+          <a:noFill/>
+        </p:spPr>
+        <p:txBody>
+          <a:bodyPr wrap="square" rtlCol="0">
+            <a:spAutoFit/>
+          </a:bodyPr>
+          <a:lstStyle/>
+          <a:p>
+            <a:r>
+              <a:rPr lang="ru-RU" dirty="0">
+                <a:latin typeface="Cambria Math" panose="02040503050406030204" pitchFamily="18" charset="0"/>
+                <a:ea typeface="Cambria Math" panose="02040503050406030204" pitchFamily="18" charset="0"/>
+              </a:rPr>
+              <a:t>Действительная часть</a:t>
+            </a:r>
+          </a:p>
+        </p:txBody>
+      </p:sp>
+      <p:sp>
+        <p:nvSpPr>
+          <p:cNvPr id="13" name="Прямоугольник 12">
+            <a:extLst>
+              <a:ext uri="{FF2B5EF4-FFF2-40B4-BE49-F238E27FC236}">
+                <a16:creationId xmlns:a16="http://schemas.microsoft.com/office/drawing/2014/main" id="{F7E900CA-6F8F-4ADE-B567-46AF4DCB2B20}"/>
+              </a:ext>
+            </a:extLst>
+          </p:cNvPr>
+          <p:cNvSpPr/>
+          <p:nvPr/>
+        </p:nvSpPr>
+        <p:spPr>
+          <a:xfrm>
+            <a:off x="7572372" y="971265"/>
+            <a:ext cx="1569027" cy="249382"/>
+          </a:xfrm>
+          <a:prstGeom prst="rect">
+            <a:avLst/>
+          </a:prstGeom>
+          <a:solidFill>
+            <a:srgbClr val="F0F0F0"/>
+          </a:solidFill>
+          <a:ln>
+            <a:solidFill>
+              <a:srgbClr val="F0F0F0"/>
+            </a:solidFill>
+          </a:ln>
+        </p:spPr>
+        <p:style>
+          <a:lnRef idx="2">
+            <a:schemeClr val="accent1">
+              <a:shade val="50000"/>
+            </a:schemeClr>
+          </a:lnRef>
+          <a:fillRef idx="1">
+            <a:schemeClr val="accent1"/>
+          </a:fillRef>
+          <a:effectRef idx="0">
+            <a:schemeClr val="accent1"/>
+          </a:effectRef>
+          <a:fontRef idx="minor">
+            <a:schemeClr val="lt1"/>
+          </a:fontRef>
+        </p:style>
+        <p:txBody>
+          <a:bodyPr rtlCol="0" anchor="ctr"/>
+          <a:lstStyle/>
+          <a:p>
+            <a:pPr algn="ctr"/>
+            <a:endParaRPr lang="ru-RU"/>
+          </a:p>
+        </p:txBody>
+      </p:sp>
+      <p:sp>
+        <p:nvSpPr>
+          <p:cNvPr id="14" name="Прямоугольник 13">
+            <a:extLst>
+              <a:ext uri="{FF2B5EF4-FFF2-40B4-BE49-F238E27FC236}">
+                <a16:creationId xmlns:a16="http://schemas.microsoft.com/office/drawing/2014/main" id="{57C127FC-F706-4D46-B712-4BA848AC4BD4}"/>
+              </a:ext>
+            </a:extLst>
+          </p:cNvPr>
+          <p:cNvSpPr/>
+          <p:nvPr/>
+        </p:nvSpPr>
+        <p:spPr>
+          <a:xfrm>
+            <a:off x="10211663" y="971265"/>
+            <a:ext cx="1569027" cy="249382"/>
+          </a:xfrm>
+          <a:prstGeom prst="rect">
+            <a:avLst/>
+          </a:prstGeom>
+          <a:solidFill>
+            <a:srgbClr val="F0F0F0"/>
+          </a:solidFill>
+          <a:ln>
+            <a:solidFill>
+              <a:srgbClr val="F0F0F0"/>
+            </a:solidFill>
+          </a:ln>
+        </p:spPr>
+        <p:style>
+          <a:lnRef idx="2">
+            <a:schemeClr val="accent1">
+              <a:shade val="50000"/>
+            </a:schemeClr>
+          </a:lnRef>
+          <a:fillRef idx="1">
+            <a:schemeClr val="accent1"/>
+          </a:fillRef>
+          <a:effectRef idx="0">
+            <a:schemeClr val="accent1"/>
+          </a:effectRef>
+          <a:fontRef idx="minor">
+            <a:schemeClr val="lt1"/>
+          </a:fontRef>
+        </p:style>
+        <p:txBody>
+          <a:bodyPr rtlCol="0" anchor="ctr"/>
+          <a:lstStyle/>
+          <a:p>
+            <a:pPr algn="ctr"/>
+            <a:endParaRPr lang="ru-RU"/>
+          </a:p>
+        </p:txBody>
+      </p:sp>
+    </p:spTree>
+    <p:extLst>
+      <p:ext uri="{BB962C8B-B14F-4D97-AF65-F5344CB8AC3E}">
+        <p14:creationId xmlns:p14="http://schemas.microsoft.com/office/powerpoint/2010/main" val="3977255632"/>
+      </p:ext>
+    </p:extLst>
+  </p:cSld>
+  <p:clrMapOvr>
+    <a:masterClrMapping/>
+  </p:clrMapOvr>
+</p:sld>
+</file>
+
+<file path=ppt/slides/slide29.xml><?xml version="1.0" encoding="utf-8"?>
+<p:sld xmlns:a="http://schemas.openxmlformats.org/drawingml/2006/main" xmlns:r="http://schemas.openxmlformats.org/officeDocument/2006/relationships" xmlns:p="http://schemas.openxmlformats.org/presentationml/2006/main">
+  <p:cSld>
+    <p:spTree>
+      <p:nvGrpSpPr>
+        <p:cNvPr id="1" name=""/>
+        <p:cNvGrpSpPr/>
+        <p:nvPr/>
+      </p:nvGrpSpPr>
+      <p:grpSpPr>
+        <a:xfrm>
+          <a:off x="0" y="0"/>
+          <a:ext cx="0" cy="0"/>
+          <a:chOff x="0" y="0"/>
+          <a:chExt cx="0" cy="0"/>
+        </a:xfrm>
+      </p:grpSpPr>
+      <p:pic>
+        <p:nvPicPr>
+          <p:cNvPr id="14" name="Рисунок 13">
+            <a:extLst>
+              <a:ext uri="{FF2B5EF4-FFF2-40B4-BE49-F238E27FC236}">
+                <a16:creationId xmlns:a16="http://schemas.microsoft.com/office/drawing/2014/main" id="{5422BD8D-C1E7-40F6-83D4-0EFCD17733B2}"/>
+              </a:ext>
+            </a:extLst>
+          </p:cNvPr>
+          <p:cNvPicPr>
+            <a:picLocks noChangeAspect="1"/>
+          </p:cNvPicPr>
+          <p:nvPr/>
+        </p:nvPicPr>
+        <p:blipFill>
+          <a:blip r:embed="rId2"/>
+          <a:stretch>
+            <a:fillRect/>
+          </a:stretch>
+        </p:blipFill>
+        <p:spPr>
+          <a:xfrm>
+            <a:off x="5161346" y="1365732"/>
+            <a:ext cx="6216699" cy="4725498"/>
+          </a:xfrm>
+          <a:prstGeom prst="rect">
+            <a:avLst/>
+          </a:prstGeom>
+        </p:spPr>
+      </p:pic>
+      <mc:AlternateContent xmlns:mc="http://schemas.openxmlformats.org/markup-compatibility/2006">
+        <mc:Choice xmlns:a14="http://schemas.microsoft.com/office/drawing/2010/main" Requires="a14">
+          <p:sp>
+            <p:nvSpPr>
+              <p:cNvPr id="7" name="TextBox 6">
+                <a:extLst>
+                  <a:ext uri="{FF2B5EF4-FFF2-40B4-BE49-F238E27FC236}">
+                    <a16:creationId xmlns:a16="http://schemas.microsoft.com/office/drawing/2014/main" id="{52B37946-2B2D-45C0-9DD8-D9AC68A68F58}"/>
+                  </a:ext>
+                </a:extLst>
+              </p:cNvPr>
+              <p:cNvSpPr txBox="1"/>
+              <p:nvPr/>
+            </p:nvSpPr>
+            <p:spPr>
+              <a:xfrm>
+                <a:off x="8525737" y="2432330"/>
+                <a:ext cx="857251" cy="553998"/>
+              </a:xfrm>
+              <a:prstGeom prst="rect">
+                <a:avLst/>
+              </a:prstGeom>
+              <a:noFill/>
+            </p:spPr>
+            <p:txBody>
+              <a:bodyPr wrap="square" lIns="0" tIns="0" rIns="0" bIns="0" rtlCol="0">
+                <a:spAutoFit/>
+              </a:bodyPr>
+              <a:lstStyle/>
+              <a:p>
+                <a:pPr/>
+                <a14:m>
+                  <m:oMathPara xmlns:m="http://schemas.openxmlformats.org/officeDocument/2006/math">
+                    <m:oMathParaPr>
+                      <m:jc m:val="centerGroup"/>
+                    </m:oMathParaPr>
+                    <m:oMath xmlns:m="http://schemas.openxmlformats.org/officeDocument/2006/math">
+                      <m:r>
+                        <a:rPr lang="ru-RU" i="1">
+                          <a:latin typeface="Cambria Math" panose="02040503050406030204" pitchFamily="18" charset="0"/>
+                        </a:rPr>
+                        <m:t>𝐴</m:t>
+                      </m:r>
+                      <m:r>
+                        <a:rPr lang="ru-RU" i="1">
+                          <a:latin typeface="Cambria Math" panose="02040503050406030204" pitchFamily="18" charset="0"/>
+                        </a:rPr>
+                        <m:t> = </m:t>
+                      </m:r>
+                      <m:r>
+                        <a:rPr lang="ru-RU">
+                          <a:latin typeface="Cambria Math" panose="02040503050406030204" pitchFamily="18" charset="0"/>
+                        </a:rPr>
+                        <m:t>∞</m:t>
+                      </m:r>
+                    </m:oMath>
+                  </m:oMathPara>
+                </a14:m>
+                <a:endParaRPr lang="ru-RU" dirty="0"/>
+              </a:p>
+              <a:p>
+                <a:endParaRPr lang="ru-RU" dirty="0"/>
+              </a:p>
+            </p:txBody>
+          </p:sp>
+        </mc:Choice>
+        <mc:Fallback>
+          <p:sp>
+            <p:nvSpPr>
+              <p:cNvPr id="7" name="TextBox 6">
+                <a:extLst>
+                  <a:ext uri="{FF2B5EF4-FFF2-40B4-BE49-F238E27FC236}">
+                    <a16:creationId xmlns:a16="http://schemas.microsoft.com/office/drawing/2014/main" id="{52B37946-2B2D-45C0-9DD8-D9AC68A68F58}"/>
+                  </a:ext>
+                </a:extLst>
+              </p:cNvPr>
+              <p:cNvSpPr txBox="1">
+                <a:spLocks noRot="1" noChangeAspect="1" noMove="1" noResize="1" noEditPoints="1" noAdjustHandles="1" noChangeArrowheads="1" noChangeShapeType="1" noTextEdit="1"/>
+              </p:cNvSpPr>
+              <p:nvPr/>
+            </p:nvSpPr>
+            <p:spPr>
+              <a:xfrm>
+                <a:off x="8525737" y="2432330"/>
+                <a:ext cx="857251" cy="553998"/>
+              </a:xfrm>
+              <a:prstGeom prst="rect">
+                <a:avLst/>
+              </a:prstGeom>
+              <a:blipFill>
+                <a:blip r:embed="rId3"/>
+                <a:stretch>
+                  <a:fillRect l="-2857"/>
+                </a:stretch>
+              </a:blipFill>
+            </p:spPr>
+            <p:txBody>
+              <a:bodyPr/>
+              <a:lstStyle/>
+              <a:p>
+                <a:r>
+                  <a:rPr lang="ru-RU">
+                    <a:noFill/>
+                  </a:rPr>
+                  <a:t> </a:t>
+                </a:r>
+              </a:p>
+            </p:txBody>
+          </p:sp>
+        </mc:Fallback>
+      </mc:AlternateContent>
+      <mc:AlternateContent xmlns:mc="http://schemas.openxmlformats.org/markup-compatibility/2006">
+        <mc:Choice xmlns:a14="http://schemas.microsoft.com/office/drawing/2010/main" Requires="a14">
+          <p:sp>
+            <p:nvSpPr>
+              <p:cNvPr id="8" name="TextBox 7">
+                <a:extLst>
+                  <a:ext uri="{FF2B5EF4-FFF2-40B4-BE49-F238E27FC236}">
+                    <a16:creationId xmlns:a16="http://schemas.microsoft.com/office/drawing/2014/main" id="{DB08A6A7-BE66-4B12-B50A-D89A40F42E1B}"/>
+                  </a:ext>
+                </a:extLst>
+              </p:cNvPr>
+              <p:cNvSpPr txBox="1"/>
+              <p:nvPr/>
+            </p:nvSpPr>
+            <p:spPr>
+              <a:xfrm>
+                <a:off x="6715121" y="5010788"/>
+                <a:ext cx="857251" cy="553998"/>
+              </a:xfrm>
+              <a:prstGeom prst="rect">
+                <a:avLst/>
+              </a:prstGeom>
+              <a:noFill/>
+            </p:spPr>
+            <p:txBody>
+              <a:bodyPr wrap="square" lIns="0" tIns="0" rIns="0" bIns="0" rtlCol="0">
+                <a:spAutoFit/>
+              </a:bodyPr>
+              <a:lstStyle/>
+              <a:p>
+                <a:pPr/>
+                <a14:m>
+                  <m:oMathPara xmlns:m="http://schemas.openxmlformats.org/officeDocument/2006/math">
+                    <m:oMathParaPr>
+                      <m:jc m:val="centerGroup"/>
+                    </m:oMathParaPr>
+                    <m:oMath xmlns:m="http://schemas.openxmlformats.org/officeDocument/2006/math">
+                      <m:r>
+                        <m:rPr>
+                          <m:sty m:val="p"/>
+                        </m:rPr>
+                        <a:rPr lang="ru-RU">
+                          <a:latin typeface="Cambria Math" panose="02040503050406030204" pitchFamily="18" charset="0"/>
+                        </a:rPr>
+                        <m:t>ω</m:t>
+                      </m:r>
+                      <m:r>
+                        <a:rPr lang="ru-RU" i="1">
+                          <a:latin typeface="Cambria Math" panose="02040503050406030204" pitchFamily="18" charset="0"/>
+                        </a:rPr>
+                        <m:t>=</m:t>
+                      </m:r>
+                      <m:r>
+                        <a:rPr lang="ru-RU">
+                          <a:latin typeface="Cambria Math" panose="02040503050406030204" pitchFamily="18" charset="0"/>
+                        </a:rPr>
+                        <m:t>∞</m:t>
+                      </m:r>
+                    </m:oMath>
+                  </m:oMathPara>
+                </a14:m>
+                <a:endParaRPr lang="ru-RU" dirty="0"/>
+              </a:p>
+              <a:p>
+                <a:endParaRPr lang="ru-RU" dirty="0"/>
+              </a:p>
+            </p:txBody>
+          </p:sp>
+        </mc:Choice>
+        <mc:Fallback>
+          <p:sp>
+            <p:nvSpPr>
+              <p:cNvPr id="8" name="TextBox 7">
+                <a:extLst>
+                  <a:ext uri="{FF2B5EF4-FFF2-40B4-BE49-F238E27FC236}">
+                    <a16:creationId xmlns:a16="http://schemas.microsoft.com/office/drawing/2014/main" id="{DB08A6A7-BE66-4B12-B50A-D89A40F42E1B}"/>
+                  </a:ext>
+                </a:extLst>
+              </p:cNvPr>
+              <p:cNvSpPr txBox="1">
+                <a:spLocks noRot="1" noChangeAspect="1" noMove="1" noResize="1" noEditPoints="1" noAdjustHandles="1" noChangeArrowheads="1" noChangeShapeType="1" noTextEdit="1"/>
+              </p:cNvSpPr>
+              <p:nvPr/>
+            </p:nvSpPr>
+            <p:spPr>
+              <a:xfrm>
+                <a:off x="6715121" y="5010788"/>
+                <a:ext cx="857251" cy="553998"/>
+              </a:xfrm>
+              <a:prstGeom prst="rect">
+                <a:avLst/>
+              </a:prstGeom>
+              <a:blipFill>
+                <a:blip r:embed="rId4"/>
+                <a:stretch>
+                  <a:fillRect/>
+                </a:stretch>
+              </a:blipFill>
+            </p:spPr>
+            <p:txBody>
+              <a:bodyPr/>
+              <a:lstStyle/>
+              <a:p>
+                <a:r>
+                  <a:rPr lang="ru-RU">
+                    <a:noFill/>
+                  </a:rPr>
+                  <a:t> </a:t>
+                </a:r>
+              </a:p>
+            </p:txBody>
+          </p:sp>
+        </mc:Fallback>
+      </mc:AlternateContent>
+      <p:sp>
+        <p:nvSpPr>
+          <p:cNvPr id="10" name="Прямоугольник 9">
+            <a:extLst>
+              <a:ext uri="{FF2B5EF4-FFF2-40B4-BE49-F238E27FC236}">
+                <a16:creationId xmlns:a16="http://schemas.microsoft.com/office/drawing/2014/main" id="{77ECEB51-B675-4C93-959A-CF3D618235BF}"/>
+              </a:ext>
+            </a:extLst>
+          </p:cNvPr>
+          <p:cNvSpPr/>
+          <p:nvPr/>
+        </p:nvSpPr>
+        <p:spPr>
+          <a:xfrm>
+            <a:off x="7607502" y="1470029"/>
+            <a:ext cx="1569027" cy="249382"/>
+          </a:xfrm>
+          <a:prstGeom prst="rect">
+            <a:avLst/>
+          </a:prstGeom>
+          <a:solidFill>
+            <a:srgbClr val="F0F0F0"/>
+          </a:solidFill>
+          <a:ln>
+            <a:solidFill>
+              <a:srgbClr val="F0F0F0"/>
+            </a:solidFill>
+          </a:ln>
+        </p:spPr>
+        <p:style>
+          <a:lnRef idx="2">
+            <a:schemeClr val="accent1">
+              <a:shade val="50000"/>
+            </a:schemeClr>
+          </a:lnRef>
+          <a:fillRef idx="1">
+            <a:schemeClr val="accent1"/>
+          </a:fillRef>
+          <a:effectRef idx="0">
+            <a:schemeClr val="accent1"/>
+          </a:effectRef>
+          <a:fontRef idx="minor">
+            <a:schemeClr val="lt1"/>
+          </a:fontRef>
+        </p:style>
+        <p:txBody>
+          <a:bodyPr rtlCol="0" anchor="ctr"/>
+          <a:lstStyle/>
+          <a:p>
+            <a:pPr algn="ctr"/>
+            <a:endParaRPr lang="ru-RU"/>
+          </a:p>
+        </p:txBody>
+      </p:sp>
+      <p:sp>
+        <p:nvSpPr>
+          <p:cNvPr id="11" name="Прямоугольник 10">
+            <a:extLst>
+              <a:ext uri="{FF2B5EF4-FFF2-40B4-BE49-F238E27FC236}">
+                <a16:creationId xmlns:a16="http://schemas.microsoft.com/office/drawing/2014/main" id="{75123D7C-482F-4B0F-BEB7-E0919B34EB72}"/>
+              </a:ext>
+            </a:extLst>
+          </p:cNvPr>
+          <p:cNvSpPr/>
+          <p:nvPr/>
+        </p:nvSpPr>
+        <p:spPr>
+          <a:xfrm>
+            <a:off x="7515218" y="5875145"/>
+            <a:ext cx="1569027" cy="249382"/>
+          </a:xfrm>
+          <a:prstGeom prst="rect">
+            <a:avLst/>
+          </a:prstGeom>
+          <a:solidFill>
+            <a:srgbClr val="F0F0F0"/>
+          </a:solidFill>
+          <a:ln>
+            <a:solidFill>
+              <a:srgbClr val="F0F0F0"/>
+            </a:solidFill>
+          </a:ln>
+        </p:spPr>
+        <p:style>
+          <a:lnRef idx="2">
+            <a:schemeClr val="accent1">
+              <a:shade val="50000"/>
+            </a:schemeClr>
+          </a:lnRef>
+          <a:fillRef idx="1">
+            <a:schemeClr val="accent1"/>
+          </a:fillRef>
+          <a:effectRef idx="0">
+            <a:schemeClr val="accent1"/>
+          </a:effectRef>
+          <a:fontRef idx="minor">
+            <a:schemeClr val="lt1"/>
+          </a:fontRef>
+        </p:style>
+        <p:txBody>
+          <a:bodyPr rtlCol="0" anchor="ctr"/>
+          <a:lstStyle/>
+          <a:p>
+            <a:pPr algn="ctr"/>
+            <a:endParaRPr lang="ru-RU" dirty="0"/>
+          </a:p>
+        </p:txBody>
+      </p:sp>
+      <p:sp>
+        <p:nvSpPr>
+          <p:cNvPr id="12" name="Прямоугольник 11">
+            <a:extLst>
+              <a:ext uri="{FF2B5EF4-FFF2-40B4-BE49-F238E27FC236}">
+                <a16:creationId xmlns:a16="http://schemas.microsoft.com/office/drawing/2014/main" id="{4F40D1AB-3CB0-4A39-9380-C97CCDCE6126}"/>
+              </a:ext>
+            </a:extLst>
+          </p:cNvPr>
+          <p:cNvSpPr/>
+          <p:nvPr/>
+        </p:nvSpPr>
+        <p:spPr>
+          <a:xfrm rot="16200000">
+            <a:off x="4428788" y="3339881"/>
+            <a:ext cx="1569027" cy="249382"/>
+          </a:xfrm>
+          <a:prstGeom prst="rect">
+            <a:avLst/>
+          </a:prstGeom>
+          <a:solidFill>
+            <a:srgbClr val="F0F0F0"/>
+          </a:solidFill>
+          <a:ln>
+            <a:solidFill>
+              <a:srgbClr val="F0F0F0"/>
+            </a:solidFill>
+          </a:ln>
+        </p:spPr>
+        <p:style>
+          <a:lnRef idx="2">
+            <a:schemeClr val="accent1">
+              <a:shade val="50000"/>
+            </a:schemeClr>
+          </a:lnRef>
+          <a:fillRef idx="1">
+            <a:schemeClr val="accent1"/>
+          </a:fillRef>
+          <a:effectRef idx="0">
+            <a:schemeClr val="accent1"/>
+          </a:effectRef>
+          <a:fontRef idx="minor">
+            <a:schemeClr val="lt1"/>
+          </a:fontRef>
+        </p:style>
+        <p:txBody>
+          <a:bodyPr rtlCol="0" anchor="ctr"/>
+          <a:lstStyle/>
+          <a:p>
+            <a:pPr algn="ctr"/>
+            <a:endParaRPr lang="ru-RU"/>
+          </a:p>
+        </p:txBody>
+      </p:sp>
+      <p:sp>
+        <p:nvSpPr>
+          <p:cNvPr id="6" name="TextBox 5">
+            <a:extLst>
+              <a:ext uri="{FF2B5EF4-FFF2-40B4-BE49-F238E27FC236}">
+                <a16:creationId xmlns:a16="http://schemas.microsoft.com/office/drawing/2014/main" id="{6D18924F-B5AF-4980-8ED7-275F22BDDE2C}"/>
+              </a:ext>
+            </a:extLst>
+          </p:cNvPr>
+          <p:cNvSpPr txBox="1"/>
+          <p:nvPr/>
+        </p:nvSpPr>
+        <p:spPr>
+          <a:xfrm rot="16200000">
+            <a:off x="3652291" y="2557933"/>
+            <a:ext cx="3200400" cy="369332"/>
+          </a:xfrm>
+          <a:prstGeom prst="rect">
+            <a:avLst/>
+          </a:prstGeom>
+          <a:noFill/>
+        </p:spPr>
+        <p:txBody>
+          <a:bodyPr wrap="square" rtlCol="0">
+            <a:spAutoFit/>
+          </a:bodyPr>
+          <a:lstStyle/>
+          <a:p>
+            <a:r>
+              <a:rPr lang="ru-RU" dirty="0">
+                <a:latin typeface="Cambria Math" panose="02040503050406030204" pitchFamily="18" charset="0"/>
+                <a:ea typeface="Cambria Math" panose="02040503050406030204" pitchFamily="18" charset="0"/>
+              </a:rPr>
+              <a:t>Мнимая часть</a:t>
+            </a:r>
+          </a:p>
+        </p:txBody>
+      </p:sp>
+      <p:sp>
+        <p:nvSpPr>
+          <p:cNvPr id="9" name="TextBox 8">
+            <a:extLst>
+              <a:ext uri="{FF2B5EF4-FFF2-40B4-BE49-F238E27FC236}">
+                <a16:creationId xmlns:a16="http://schemas.microsoft.com/office/drawing/2014/main" id="{308E1435-E491-4272-ABBE-47FD7300AE2A}"/>
+              </a:ext>
+            </a:extLst>
+          </p:cNvPr>
+          <p:cNvSpPr txBox="1"/>
+          <p:nvPr/>
+        </p:nvSpPr>
+        <p:spPr>
+          <a:xfrm>
+            <a:off x="7182709" y="5769479"/>
+            <a:ext cx="3200400" cy="369332"/>
+          </a:xfrm>
+          <a:prstGeom prst="rect">
+            <a:avLst/>
+          </a:prstGeom>
+          <a:noFill/>
+        </p:spPr>
+        <p:txBody>
+          <a:bodyPr wrap="square" rtlCol="0">
+            <a:spAutoFit/>
+          </a:bodyPr>
+          <a:lstStyle/>
+          <a:p>
+            <a:r>
+              <a:rPr lang="ru-RU" dirty="0">
+                <a:latin typeface="Cambria Math" panose="02040503050406030204" pitchFamily="18" charset="0"/>
+                <a:ea typeface="Cambria Math" panose="02040503050406030204" pitchFamily="18" charset="0"/>
+              </a:rPr>
+              <a:t>Действительная часть</a:t>
+            </a:r>
+          </a:p>
+        </p:txBody>
+      </p:sp>
+      <p:sp>
+        <p:nvSpPr>
+          <p:cNvPr id="15" name="Прямоугольник 14">
+            <a:extLst>
+              <a:ext uri="{FF2B5EF4-FFF2-40B4-BE49-F238E27FC236}">
+                <a16:creationId xmlns:a16="http://schemas.microsoft.com/office/drawing/2014/main" id="{7FFCB776-E823-4121-965C-808EA41B7C31}"/>
+              </a:ext>
+            </a:extLst>
+          </p:cNvPr>
+          <p:cNvSpPr/>
+          <p:nvPr/>
+        </p:nvSpPr>
+        <p:spPr>
+          <a:xfrm>
+            <a:off x="9736280" y="1470029"/>
+            <a:ext cx="1569027" cy="249382"/>
+          </a:xfrm>
+          <a:prstGeom prst="rect">
+            <a:avLst/>
+          </a:prstGeom>
+          <a:solidFill>
+            <a:srgbClr val="F0F0F0"/>
+          </a:solidFill>
+          <a:ln>
+            <a:solidFill>
+              <a:srgbClr val="F0F0F0"/>
+            </a:solidFill>
+          </a:ln>
+        </p:spPr>
+        <p:style>
+          <a:lnRef idx="2">
+            <a:schemeClr val="accent1">
+              <a:shade val="50000"/>
+            </a:schemeClr>
+          </a:lnRef>
+          <a:fillRef idx="1">
+            <a:schemeClr val="accent1"/>
+          </a:fillRef>
+          <a:effectRef idx="0">
+            <a:schemeClr val="accent1"/>
+          </a:effectRef>
+          <a:fontRef idx="minor">
+            <a:schemeClr val="lt1"/>
+          </a:fontRef>
+        </p:style>
+        <p:txBody>
+          <a:bodyPr rtlCol="0" anchor="ctr"/>
+          <a:lstStyle/>
+          <a:p>
+            <a:pPr algn="ctr"/>
+            <a:endParaRPr lang="ru-RU"/>
+          </a:p>
+        </p:txBody>
+      </p:sp>
+    </p:spTree>
+    <p:extLst>
+      <p:ext uri="{BB962C8B-B14F-4D97-AF65-F5344CB8AC3E}">
+        <p14:creationId xmlns:p14="http://schemas.microsoft.com/office/powerpoint/2010/main" val="4238046438"/>
       </p:ext>
     </p:extLst>
   </p:cSld>
@@ -31257,7 +37830,7 @@
             <p:spPr>
               <a:xfrm>
                 <a:off x="8408854" y="2319880"/>
-                <a:ext cx="652007" cy="790666"/>
+                <a:ext cx="652007" cy="798167"/>
               </a:xfrm>
               <a:prstGeom prst="rect">
                 <a:avLst/>
@@ -31280,7 +37853,7 @@
                       <m:f>
                         <m:fPr>
                           <m:ctrlPr>
-                            <a:rPr lang="ru-RU" sz="1100" i="1">
+                            <a:rPr lang="ru-RU" sz="1100" i="1" smtClean="0">
                               <a:latin typeface="Cambria Math" panose="02040503050406030204" pitchFamily="18" charset="0"/>
                               <a:ea typeface="Calibri" panose="020F0502020204030204" pitchFamily="34" charset="0"/>
                               <a:cs typeface="Times New Roman" panose="02020603050405020304" pitchFamily="18" charset="0"/>
@@ -31289,14 +37862,12 @@
                         </m:fPr>
                         <m:num>
                           <m:r>
-                            <m:rPr>
-                              <m:sty m:val="p"/>
-                            </m:rPr>
-                            <a:rPr lang="ru-RU" sz="1400">
+                            <a:rPr lang="ru-RU" sz="1100" b="0" i="0" smtClean="0">
                               <a:latin typeface="Cambria Math" panose="02040503050406030204" pitchFamily="18" charset="0"/>
-                              <a:ea typeface="Cambria Math" panose="02040503050406030204" pitchFamily="18" charset="0"/>
+                              <a:ea typeface="Calibri" panose="020F0502020204030204" pitchFamily="34" charset="0"/>
+                              <a:cs typeface="Times New Roman" panose="02020603050405020304" pitchFamily="18" charset="0"/>
                             </a:rPr>
-                            <m:t>ε</m:t>
+                            <m:t>1</m:t>
                           </m:r>
                         </m:num>
                         <m:den>
@@ -31436,7 +38007,7 @@
             <p:spPr>
               <a:xfrm>
                 <a:off x="8408854" y="2319880"/>
-                <a:ext cx="652007" cy="790666"/>
+                <a:ext cx="652007" cy="798167"/>
               </a:xfrm>
               <a:prstGeom prst="rect">
                 <a:avLst/>
@@ -31444,7 +38015,7 @@
               <a:blipFill>
                 <a:blip r:embed="rId4"/>
                 <a:stretch>
-                  <a:fillRect/>
+                  <a:fillRect t="-769"/>
                 </a:stretch>
               </a:blipFill>
             </p:spPr>
@@ -36344,6 +42915,56 @@
           </a:fontRef>
         </p:style>
       </p:cxnSp>
+      <p:sp>
+        <p:nvSpPr>
+          <p:cNvPr id="2" name="Прямоугольник 1">
+            <a:extLst>
+              <a:ext uri="{FF2B5EF4-FFF2-40B4-BE49-F238E27FC236}">
+                <a16:creationId xmlns:a16="http://schemas.microsoft.com/office/drawing/2014/main" id="{1B73C6E9-5357-48F7-97D3-2E1B18152A24}"/>
+              </a:ext>
+            </a:extLst>
+          </p:cNvPr>
+          <p:cNvSpPr/>
+          <p:nvPr/>
+        </p:nvSpPr>
+        <p:spPr>
+          <a:xfrm>
+            <a:off x="1286547" y="1232739"/>
+            <a:ext cx="2035059" cy="2683082"/>
+          </a:xfrm>
+          <a:prstGeom prst="rect">
+            <a:avLst/>
+          </a:prstGeom>
+          <a:noFill/>
+          <a:ln>
+            <a:prstDash val="lgDash"/>
+          </a:ln>
+        </p:spPr>
+        <p:style>
+          <a:lnRef idx="2">
+            <a:schemeClr val="accent1">
+              <a:shade val="50000"/>
+            </a:schemeClr>
+          </a:lnRef>
+          <a:fillRef idx="1">
+            <a:schemeClr val="accent1"/>
+          </a:fillRef>
+          <a:effectRef idx="0">
+            <a:schemeClr val="accent1"/>
+          </a:effectRef>
+          <a:fontRef idx="minor">
+            <a:schemeClr val="lt1"/>
+          </a:fontRef>
+        </p:style>
+        <p:txBody>
+          <a:bodyPr rtlCol="0" anchor="ctr"/>
+          <a:lstStyle/>
+          <a:p>
+            <a:pPr algn="ctr"/>
+            <a:endParaRPr lang="ru-RU" dirty="0"/>
+          </a:p>
+        </p:txBody>
+      </p:sp>
     </p:spTree>
     <p:extLst>
       <p:ext uri="{BB962C8B-B14F-4D97-AF65-F5344CB8AC3E}">
@@ -38145,7 +44766,7 @@
           </p:nvCxnSpPr>
           <p:spPr>
             <a:xfrm flipV="1">
-              <a:off x="1020235" y="5105698"/>
+              <a:off x="1013014" y="5105698"/>
               <a:ext cx="389375" cy="585907"/>
             </a:xfrm>
             <a:prstGeom prst="line">
@@ -38347,6 +44968,92 @@
                 <a:schemeClr val="tx1"/>
               </a:solidFill>
               <a:tailEnd type="triangle"/>
+            </a:ln>
+          </p:spPr>
+          <p:style>
+            <a:lnRef idx="1">
+              <a:schemeClr val="accent1"/>
+            </a:lnRef>
+            <a:fillRef idx="0">
+              <a:schemeClr val="accent1"/>
+            </a:fillRef>
+            <a:effectRef idx="0">
+              <a:schemeClr val="accent1"/>
+            </a:effectRef>
+            <a:fontRef idx="minor">
+              <a:schemeClr val="tx1"/>
+            </a:fontRef>
+          </p:style>
+        </p:cxnSp>
+        <p:cxnSp>
+          <p:nvCxnSpPr>
+            <p:cNvPr id="69" name="Прямая соединительная линия 68">
+              <a:extLst>
+                <a:ext uri="{FF2B5EF4-FFF2-40B4-BE49-F238E27FC236}">
+                  <a16:creationId xmlns:a16="http://schemas.microsoft.com/office/drawing/2014/main" id="{0B61A0DE-4297-4137-859B-FC15C8180FB4}"/>
+                </a:ext>
+              </a:extLst>
+            </p:cNvPr>
+            <p:cNvCxnSpPr>
+              <a:cxnSpLocks/>
+            </p:cNvCxnSpPr>
+            <p:nvPr/>
+          </p:nvCxnSpPr>
+          <p:spPr>
+            <a:xfrm flipV="1">
+              <a:off x="1679414" y="4124374"/>
+              <a:ext cx="389375" cy="585907"/>
+            </a:xfrm>
+            <a:prstGeom prst="line">
+              <a:avLst/>
+            </a:prstGeom>
+            <a:ln w="19050">
+              <a:solidFill>
+                <a:schemeClr val="tx1"/>
+              </a:solidFill>
+            </a:ln>
+          </p:spPr>
+          <p:style>
+            <a:lnRef idx="1">
+              <a:schemeClr val="accent1"/>
+            </a:lnRef>
+            <a:fillRef idx="0">
+              <a:schemeClr val="accent1"/>
+            </a:fillRef>
+            <a:effectRef idx="0">
+              <a:schemeClr val="accent1"/>
+            </a:effectRef>
+            <a:fontRef idx="minor">
+              <a:schemeClr val="tx1"/>
+            </a:fontRef>
+          </p:style>
+        </p:cxnSp>
+        <p:cxnSp>
+          <p:nvCxnSpPr>
+            <p:cNvPr id="70" name="Прямая соединительная линия 69">
+              <a:extLst>
+                <a:ext uri="{FF2B5EF4-FFF2-40B4-BE49-F238E27FC236}">
+                  <a16:creationId xmlns:a16="http://schemas.microsoft.com/office/drawing/2014/main" id="{173BEEB5-1EDD-4BC4-9791-F92F2161DEED}"/>
+                </a:ext>
+              </a:extLst>
+            </p:cNvPr>
+            <p:cNvCxnSpPr>
+              <a:cxnSpLocks/>
+            </p:cNvCxnSpPr>
+            <p:nvPr/>
+          </p:nvCxnSpPr>
+          <p:spPr>
+            <a:xfrm flipV="1">
+              <a:off x="1298745" y="5133099"/>
+              <a:ext cx="389375" cy="585907"/>
+            </a:xfrm>
+            <a:prstGeom prst="line">
+              <a:avLst/>
+            </a:prstGeom>
+            <a:ln w="19050">
+              <a:solidFill>
+                <a:schemeClr val="tx1"/>
+              </a:solidFill>
             </a:ln>
           </p:spPr>
           <p:style>
@@ -38740,6 +45447,806 @@
           </p:txBody>
         </p:sp>
       </p:grpSp>
+      <p:sp>
+        <p:nvSpPr>
+          <p:cNvPr id="2" name="Овал 1">
+            <a:extLst>
+              <a:ext uri="{FF2B5EF4-FFF2-40B4-BE49-F238E27FC236}">
+                <a16:creationId xmlns:a16="http://schemas.microsoft.com/office/drawing/2014/main" id="{E7445669-B6E1-47DC-8F6C-5094EDD23E61}"/>
+              </a:ext>
+            </a:extLst>
+          </p:cNvPr>
+          <p:cNvSpPr/>
+          <p:nvPr/>
+        </p:nvSpPr>
+        <p:spPr>
+          <a:xfrm>
+            <a:off x="1792135" y="5014102"/>
+            <a:ext cx="209144" cy="174100"/>
+          </a:xfrm>
+          <a:prstGeom prst="ellipse">
+            <a:avLst/>
+          </a:prstGeom>
+          <a:solidFill>
+            <a:schemeClr val="bg1"/>
+          </a:solidFill>
+          <a:ln>
+            <a:solidFill>
+              <a:schemeClr val="bg1"/>
+            </a:solidFill>
+          </a:ln>
+        </p:spPr>
+        <p:style>
+          <a:lnRef idx="2">
+            <a:schemeClr val="accent1">
+              <a:shade val="50000"/>
+            </a:schemeClr>
+          </a:lnRef>
+          <a:fillRef idx="1">
+            <a:schemeClr val="accent1"/>
+          </a:fillRef>
+          <a:effectRef idx="0">
+            <a:schemeClr val="accent1"/>
+          </a:effectRef>
+          <a:fontRef idx="minor">
+            <a:schemeClr val="lt1"/>
+          </a:fontRef>
+        </p:style>
+        <p:txBody>
+          <a:bodyPr rtlCol="0" anchor="ctr"/>
+          <a:lstStyle/>
+          <a:p>
+            <a:pPr algn="ctr"/>
+            <a:endParaRPr lang="ru-RU"/>
+          </a:p>
+        </p:txBody>
+      </p:sp>
+      <p:sp>
+        <p:nvSpPr>
+          <p:cNvPr id="71" name="Овал 70">
+            <a:extLst>
+              <a:ext uri="{FF2B5EF4-FFF2-40B4-BE49-F238E27FC236}">
+                <a16:creationId xmlns:a16="http://schemas.microsoft.com/office/drawing/2014/main" id="{B93E5CEE-F30C-473A-9B15-8B93DF3B08DC}"/>
+              </a:ext>
+            </a:extLst>
+          </p:cNvPr>
+          <p:cNvSpPr/>
+          <p:nvPr/>
+        </p:nvSpPr>
+        <p:spPr>
+          <a:xfrm>
+            <a:off x="1256242" y="4989510"/>
+            <a:ext cx="131886" cy="123252"/>
+          </a:xfrm>
+          <a:prstGeom prst="ellipse">
+            <a:avLst/>
+          </a:prstGeom>
+          <a:solidFill>
+            <a:schemeClr val="bg1"/>
+          </a:solidFill>
+          <a:ln>
+            <a:solidFill>
+              <a:schemeClr val="bg1"/>
+            </a:solidFill>
+          </a:ln>
+        </p:spPr>
+        <p:style>
+          <a:lnRef idx="2">
+            <a:schemeClr val="accent1">
+              <a:shade val="50000"/>
+            </a:schemeClr>
+          </a:lnRef>
+          <a:fillRef idx="1">
+            <a:schemeClr val="accent1"/>
+          </a:fillRef>
+          <a:effectRef idx="0">
+            <a:schemeClr val="accent1"/>
+          </a:effectRef>
+          <a:fontRef idx="minor">
+            <a:schemeClr val="lt1"/>
+          </a:fontRef>
+        </p:style>
+        <p:txBody>
+          <a:bodyPr rtlCol="0" anchor="ctr"/>
+          <a:lstStyle/>
+          <a:p>
+            <a:pPr algn="ctr"/>
+            <a:endParaRPr lang="ru-RU"/>
+          </a:p>
+        </p:txBody>
+      </p:sp>
+      <p:sp>
+        <p:nvSpPr>
+          <p:cNvPr id="6" name="TextBox 5">
+            <a:extLst>
+              <a:ext uri="{FF2B5EF4-FFF2-40B4-BE49-F238E27FC236}">
+                <a16:creationId xmlns:a16="http://schemas.microsoft.com/office/drawing/2014/main" id="{5F390191-F32D-4D86-BB8A-5371215698EE}"/>
+              </a:ext>
+            </a:extLst>
+          </p:cNvPr>
+          <p:cNvSpPr txBox="1"/>
+          <p:nvPr/>
+        </p:nvSpPr>
+        <p:spPr>
+          <a:xfrm>
+            <a:off x="1195051" y="4912636"/>
+            <a:ext cx="652007" cy="276999"/>
+          </a:xfrm>
+          <a:prstGeom prst="rect">
+            <a:avLst/>
+          </a:prstGeom>
+          <a:noFill/>
+        </p:spPr>
+        <p:txBody>
+          <a:bodyPr wrap="square" rtlCol="0">
+            <a:spAutoFit/>
+          </a:bodyPr>
+          <a:lstStyle/>
+          <a:p>
+            <a:r>
+              <a:rPr lang="en-US" sz="1200" i="1" dirty="0">
+                <a:latin typeface="Cambria Math" panose="02040503050406030204" pitchFamily="18" charset="0"/>
+                <a:ea typeface="Cambria Math" panose="02040503050406030204" pitchFamily="18" charset="0"/>
+              </a:rPr>
+              <a:t>b</a:t>
+            </a:r>
+            <a:endParaRPr lang="ru-RU" i="1" dirty="0">
+              <a:latin typeface="Cambria Math" panose="02040503050406030204" pitchFamily="18" charset="0"/>
+              <a:ea typeface="Cambria Math" panose="02040503050406030204" pitchFamily="18" charset="0"/>
+            </a:endParaRPr>
+          </a:p>
+        </p:txBody>
+      </p:sp>
+      <p:sp>
+        <p:nvSpPr>
+          <p:cNvPr id="72" name="TextBox 71">
+            <a:extLst>
+              <a:ext uri="{FF2B5EF4-FFF2-40B4-BE49-F238E27FC236}">
+                <a16:creationId xmlns:a16="http://schemas.microsoft.com/office/drawing/2014/main" id="{DD5F6157-001E-432F-AB42-9EAF81CB3D3A}"/>
+              </a:ext>
+            </a:extLst>
+          </p:cNvPr>
+          <p:cNvSpPr txBox="1"/>
+          <p:nvPr/>
+        </p:nvSpPr>
+        <p:spPr>
+          <a:xfrm>
+            <a:off x="1734785" y="4926336"/>
+            <a:ext cx="652007" cy="276999"/>
+          </a:xfrm>
+          <a:prstGeom prst="rect">
+            <a:avLst/>
+          </a:prstGeom>
+          <a:noFill/>
+        </p:spPr>
+        <p:txBody>
+          <a:bodyPr wrap="square" rtlCol="0">
+            <a:spAutoFit/>
+          </a:bodyPr>
+          <a:lstStyle/>
+          <a:p>
+            <a:r>
+              <a:rPr lang="en-US" sz="1200" i="1" dirty="0">
+                <a:latin typeface="Cambria Math" panose="02040503050406030204" pitchFamily="18" charset="0"/>
+                <a:ea typeface="Cambria Math" panose="02040503050406030204" pitchFamily="18" charset="0"/>
+              </a:rPr>
+              <a:t>b</a:t>
+            </a:r>
+            <a:endParaRPr lang="ru-RU" i="1" dirty="0">
+              <a:latin typeface="Cambria Math" panose="02040503050406030204" pitchFamily="18" charset="0"/>
+              <a:ea typeface="Cambria Math" panose="02040503050406030204" pitchFamily="18" charset="0"/>
+            </a:endParaRPr>
+          </a:p>
+        </p:txBody>
+      </p:sp>
+      <p:pic>
+        <p:nvPicPr>
+          <p:cNvPr id="13" name="Рисунок 12">
+            <a:extLst>
+              <a:ext uri="{FF2B5EF4-FFF2-40B4-BE49-F238E27FC236}">
+                <a16:creationId xmlns:a16="http://schemas.microsoft.com/office/drawing/2014/main" id="{E2225FA9-7074-4CE5-93DB-0D92730414E1}"/>
+              </a:ext>
+            </a:extLst>
+          </p:cNvPr>
+          <p:cNvPicPr>
+            <a:picLocks noChangeAspect="1"/>
+          </p:cNvPicPr>
+          <p:nvPr/>
+        </p:nvPicPr>
+        <p:blipFill>
+          <a:blip r:embed="rId10"/>
+          <a:stretch>
+            <a:fillRect/>
+          </a:stretch>
+        </p:blipFill>
+        <p:spPr>
+          <a:xfrm>
+            <a:off x="10947467" y="4124374"/>
+            <a:ext cx="2618633" cy="2515363"/>
+          </a:xfrm>
+          <a:prstGeom prst="rect">
+            <a:avLst/>
+          </a:prstGeom>
+        </p:spPr>
+      </p:pic>
+      <p:sp>
+        <p:nvSpPr>
+          <p:cNvPr id="16" name="Прямоугольник 15">
+            <a:extLst>
+              <a:ext uri="{FF2B5EF4-FFF2-40B4-BE49-F238E27FC236}">
+                <a16:creationId xmlns:a16="http://schemas.microsoft.com/office/drawing/2014/main" id="{61EB13C3-C7BA-4B30-ACFC-899A947E2EF4}"/>
+              </a:ext>
+            </a:extLst>
+          </p:cNvPr>
+          <p:cNvSpPr/>
+          <p:nvPr/>
+        </p:nvSpPr>
+        <p:spPr>
+          <a:xfrm>
+            <a:off x="11520564" y="4926336"/>
+            <a:ext cx="561331" cy="474220"/>
+          </a:xfrm>
+          <a:prstGeom prst="rect">
+            <a:avLst/>
+          </a:prstGeom>
+          <a:solidFill>
+            <a:schemeClr val="bg1"/>
+          </a:solidFill>
+          <a:ln>
+            <a:solidFill>
+              <a:schemeClr val="bg1"/>
+            </a:solidFill>
+          </a:ln>
+        </p:spPr>
+        <p:style>
+          <a:lnRef idx="2">
+            <a:schemeClr val="accent1">
+              <a:shade val="50000"/>
+            </a:schemeClr>
+          </a:lnRef>
+          <a:fillRef idx="1">
+            <a:schemeClr val="accent1"/>
+          </a:fillRef>
+          <a:effectRef idx="0">
+            <a:schemeClr val="accent1"/>
+          </a:effectRef>
+          <a:fontRef idx="minor">
+            <a:schemeClr val="lt1"/>
+          </a:fontRef>
+        </p:style>
+        <p:txBody>
+          <a:bodyPr rtlCol="0" anchor="ctr"/>
+          <a:lstStyle/>
+          <a:p>
+            <a:pPr algn="ctr"/>
+            <a:endParaRPr lang="ru-RU"/>
+          </a:p>
+        </p:txBody>
+      </p:sp>
+      <p:sp>
+        <p:nvSpPr>
+          <p:cNvPr id="73" name="Прямоугольник 72">
+            <a:extLst>
+              <a:ext uri="{FF2B5EF4-FFF2-40B4-BE49-F238E27FC236}">
+                <a16:creationId xmlns:a16="http://schemas.microsoft.com/office/drawing/2014/main" id="{D49F7759-FC93-47E5-BA5C-33008978AD52}"/>
+              </a:ext>
+            </a:extLst>
+          </p:cNvPr>
+          <p:cNvSpPr/>
+          <p:nvPr/>
+        </p:nvSpPr>
+        <p:spPr>
+          <a:xfrm>
+            <a:off x="12305992" y="5613743"/>
+            <a:ext cx="561331" cy="474220"/>
+          </a:xfrm>
+          <a:prstGeom prst="rect">
+            <a:avLst/>
+          </a:prstGeom>
+          <a:solidFill>
+            <a:schemeClr val="bg1"/>
+          </a:solidFill>
+          <a:ln>
+            <a:solidFill>
+              <a:schemeClr val="bg1"/>
+            </a:solidFill>
+          </a:ln>
+        </p:spPr>
+        <p:style>
+          <a:lnRef idx="2">
+            <a:schemeClr val="accent1">
+              <a:shade val="50000"/>
+            </a:schemeClr>
+          </a:lnRef>
+          <a:fillRef idx="1">
+            <a:schemeClr val="accent1"/>
+          </a:fillRef>
+          <a:effectRef idx="0">
+            <a:schemeClr val="accent1"/>
+          </a:effectRef>
+          <a:fontRef idx="minor">
+            <a:schemeClr val="lt1"/>
+          </a:fontRef>
+        </p:style>
+        <p:txBody>
+          <a:bodyPr rtlCol="0" anchor="ctr"/>
+          <a:lstStyle/>
+          <a:p>
+            <a:pPr algn="ctr"/>
+            <a:endParaRPr lang="ru-RU"/>
+          </a:p>
+        </p:txBody>
+      </p:sp>
+      <p:sp>
+        <p:nvSpPr>
+          <p:cNvPr id="74" name="Прямоугольник 73">
+            <a:extLst>
+              <a:ext uri="{FF2B5EF4-FFF2-40B4-BE49-F238E27FC236}">
+                <a16:creationId xmlns:a16="http://schemas.microsoft.com/office/drawing/2014/main" id="{35CBDB65-40DB-4EF5-A5DD-C02A5CE37D04}"/>
+              </a:ext>
+            </a:extLst>
+          </p:cNvPr>
+          <p:cNvSpPr/>
+          <p:nvPr/>
+        </p:nvSpPr>
+        <p:spPr>
+          <a:xfrm>
+            <a:off x="11492657" y="4058752"/>
+            <a:ext cx="561331" cy="474220"/>
+          </a:xfrm>
+          <a:prstGeom prst="rect">
+            <a:avLst/>
+          </a:prstGeom>
+          <a:solidFill>
+            <a:schemeClr val="bg1"/>
+          </a:solidFill>
+          <a:ln>
+            <a:solidFill>
+              <a:schemeClr val="bg1"/>
+            </a:solidFill>
+          </a:ln>
+        </p:spPr>
+        <p:style>
+          <a:lnRef idx="2">
+            <a:schemeClr val="accent1">
+              <a:shade val="50000"/>
+            </a:schemeClr>
+          </a:lnRef>
+          <a:fillRef idx="1">
+            <a:schemeClr val="accent1"/>
+          </a:fillRef>
+          <a:effectRef idx="0">
+            <a:schemeClr val="accent1"/>
+          </a:effectRef>
+          <a:fontRef idx="minor">
+            <a:schemeClr val="lt1"/>
+          </a:fontRef>
+        </p:style>
+        <p:txBody>
+          <a:bodyPr rtlCol="0" anchor="ctr"/>
+          <a:lstStyle/>
+          <a:p>
+            <a:pPr algn="ctr"/>
+            <a:endParaRPr lang="ru-RU"/>
+          </a:p>
+        </p:txBody>
+      </p:sp>
+      <p:sp>
+        <p:nvSpPr>
+          <p:cNvPr id="75" name="Прямоугольник 74">
+            <a:extLst>
+              <a:ext uri="{FF2B5EF4-FFF2-40B4-BE49-F238E27FC236}">
+                <a16:creationId xmlns:a16="http://schemas.microsoft.com/office/drawing/2014/main" id="{7863A17B-F82F-46DF-BD8C-3CA1DC92D76F}"/>
+              </a:ext>
+            </a:extLst>
+          </p:cNvPr>
+          <p:cNvSpPr/>
+          <p:nvPr/>
+        </p:nvSpPr>
+        <p:spPr>
+          <a:xfrm>
+            <a:off x="12887184" y="5611870"/>
+            <a:ext cx="561331" cy="474220"/>
+          </a:xfrm>
+          <a:prstGeom prst="rect">
+            <a:avLst/>
+          </a:prstGeom>
+          <a:solidFill>
+            <a:schemeClr val="bg1"/>
+          </a:solidFill>
+          <a:ln>
+            <a:solidFill>
+              <a:schemeClr val="bg1"/>
+            </a:solidFill>
+          </a:ln>
+        </p:spPr>
+        <p:style>
+          <a:lnRef idx="2">
+            <a:schemeClr val="accent1">
+              <a:shade val="50000"/>
+            </a:schemeClr>
+          </a:lnRef>
+          <a:fillRef idx="1">
+            <a:schemeClr val="accent1"/>
+          </a:fillRef>
+          <a:effectRef idx="0">
+            <a:schemeClr val="accent1"/>
+          </a:effectRef>
+          <a:fontRef idx="minor">
+            <a:schemeClr val="lt1"/>
+          </a:fontRef>
+        </p:style>
+        <p:txBody>
+          <a:bodyPr rtlCol="0" anchor="ctr"/>
+          <a:lstStyle/>
+          <a:p>
+            <a:pPr algn="ctr"/>
+            <a:endParaRPr lang="ru-RU"/>
+          </a:p>
+        </p:txBody>
+      </p:sp>
+      <p:sp>
+        <p:nvSpPr>
+          <p:cNvPr id="76" name="TextBox 75">
+            <a:extLst>
+              <a:ext uri="{FF2B5EF4-FFF2-40B4-BE49-F238E27FC236}">
+                <a16:creationId xmlns:a16="http://schemas.microsoft.com/office/drawing/2014/main" id="{B2371F1F-D0F6-4471-9ECB-BF3AED73F1D4}"/>
+              </a:ext>
+            </a:extLst>
+          </p:cNvPr>
+          <p:cNvSpPr txBox="1"/>
+          <p:nvPr/>
+        </p:nvSpPr>
+        <p:spPr>
+          <a:xfrm>
+            <a:off x="12298983" y="5556749"/>
+            <a:ext cx="652007" cy="369332"/>
+          </a:xfrm>
+          <a:prstGeom prst="rect">
+            <a:avLst/>
+          </a:prstGeom>
+          <a:noFill/>
+        </p:spPr>
+        <p:txBody>
+          <a:bodyPr wrap="square" rtlCol="0">
+            <a:spAutoFit/>
+          </a:bodyPr>
+          <a:lstStyle/>
+          <a:p>
+            <a:r>
+              <a:rPr lang="en-US" i="1" dirty="0">
+                <a:latin typeface="Cambria Math" panose="02040503050406030204" pitchFamily="18" charset="0"/>
+                <a:ea typeface="Cambria Math" panose="02040503050406030204" pitchFamily="18" charset="0"/>
+              </a:rPr>
+              <a:t>b</a:t>
+            </a:r>
+            <a:endParaRPr lang="ru-RU" i="1" dirty="0">
+              <a:latin typeface="Cambria Math" panose="02040503050406030204" pitchFamily="18" charset="0"/>
+              <a:ea typeface="Cambria Math" panose="02040503050406030204" pitchFamily="18" charset="0"/>
+            </a:endParaRPr>
+          </a:p>
+        </p:txBody>
+      </p:sp>
+      <p:sp>
+        <p:nvSpPr>
+          <p:cNvPr id="77" name="TextBox 76">
+            <a:extLst>
+              <a:ext uri="{FF2B5EF4-FFF2-40B4-BE49-F238E27FC236}">
+                <a16:creationId xmlns:a16="http://schemas.microsoft.com/office/drawing/2014/main" id="{00C680D0-60E8-481A-8F26-930197ED9AD0}"/>
+              </a:ext>
+            </a:extLst>
+          </p:cNvPr>
+          <p:cNvSpPr txBox="1"/>
+          <p:nvPr/>
+        </p:nvSpPr>
+        <p:spPr>
+          <a:xfrm>
+            <a:off x="11722257" y="5555941"/>
+            <a:ext cx="652007" cy="369332"/>
+          </a:xfrm>
+          <a:prstGeom prst="rect">
+            <a:avLst/>
+          </a:prstGeom>
+          <a:noFill/>
+        </p:spPr>
+        <p:txBody>
+          <a:bodyPr wrap="square" rtlCol="0">
+            <a:spAutoFit/>
+          </a:bodyPr>
+          <a:lstStyle/>
+          <a:p>
+            <a:r>
+              <a:rPr lang="ru-RU" i="1" dirty="0">
+                <a:latin typeface="Cambria Math" panose="02040503050406030204" pitchFamily="18" charset="0"/>
+                <a:ea typeface="Cambria Math" panose="02040503050406030204" pitchFamily="18" charset="0"/>
+              </a:rPr>
+              <a:t>-</a:t>
+            </a:r>
+            <a:r>
+              <a:rPr lang="en-US" i="1" dirty="0">
+                <a:latin typeface="Cambria Math" panose="02040503050406030204" pitchFamily="18" charset="0"/>
+                <a:ea typeface="Cambria Math" panose="02040503050406030204" pitchFamily="18" charset="0"/>
+              </a:rPr>
+              <a:t>b</a:t>
+            </a:r>
+            <a:endParaRPr lang="ru-RU" i="1" dirty="0">
+              <a:latin typeface="Cambria Math" panose="02040503050406030204" pitchFamily="18" charset="0"/>
+              <a:ea typeface="Cambria Math" panose="02040503050406030204" pitchFamily="18" charset="0"/>
+            </a:endParaRPr>
+          </a:p>
+        </p:txBody>
+      </p:sp>
+      <mc:AlternateContent xmlns:mc="http://schemas.openxmlformats.org/markup-compatibility/2006">
+        <mc:Choice xmlns:a14="http://schemas.microsoft.com/office/drawing/2010/main" Requires="a14">
+          <p:sp>
+            <p:nvSpPr>
+              <p:cNvPr id="78" name="Надпись 2">
+                <a:extLst>
+                  <a:ext uri="{FF2B5EF4-FFF2-40B4-BE49-F238E27FC236}">
+                    <a16:creationId xmlns:a16="http://schemas.microsoft.com/office/drawing/2014/main" id="{A6BE5A3A-BF87-46EC-81DD-A52728DDEBBB}"/>
+                  </a:ext>
+                </a:extLst>
+              </p:cNvPr>
+              <p:cNvSpPr txBox="1">
+                <a:spLocks noChangeArrowheads="1"/>
+              </p:cNvSpPr>
+              <p:nvPr/>
+            </p:nvSpPr>
+            <p:spPr bwMode="auto">
+              <a:xfrm>
+                <a:off x="11272087" y="4112677"/>
+                <a:ext cx="771525" cy="419100"/>
+              </a:xfrm>
+              <a:prstGeom prst="rect">
+                <a:avLst/>
+              </a:prstGeom>
+              <a:noFill/>
+              <a:ln w="9525">
+                <a:noFill/>
+                <a:miter lim="800000"/>
+                <a:headEnd/>
+                <a:tailEnd/>
+              </a:ln>
+            </p:spPr>
+            <p:txBody>
+              <a:bodyPr rot="0" vert="horz" wrap="square" lIns="91440" tIns="45720" rIns="91440" bIns="45720" anchor="t" anchorCtr="0">
+                <a:noAutofit/>
+              </a:bodyPr>
+              <a:lstStyle/>
+              <a:p>
+                <a:pPr indent="450215" algn="just">
+                  <a:lnSpc>
+                    <a:spcPct val="150000"/>
+                  </a:lnSpc>
+                  <a:spcAft>
+                    <a:spcPts val="800"/>
+                  </a:spcAft>
+                </a:pPr>
+                <a14:m>
+                  <m:oMathPara xmlns:m="http://schemas.openxmlformats.org/officeDocument/2006/math">
+                    <m:oMathParaPr>
+                      <m:jc m:val="centerGroup"/>
+                    </m:oMathParaPr>
+                    <m:oMath xmlns:m="http://schemas.openxmlformats.org/officeDocument/2006/math">
+                      <m:acc>
+                        <m:accPr>
+                          <m:chr m:val="̃"/>
+                          <m:ctrlPr>
+                            <a:rPr lang="ru-RU" i="1">
+                              <a:effectLst/>
+                              <a:latin typeface="Cambria Math" panose="02040503050406030204" pitchFamily="18" charset="0"/>
+                              <a:ea typeface="Times New Roman" panose="02020603050405020304" pitchFamily="18" charset="0"/>
+                              <a:cs typeface="Times New Roman" panose="02020603050405020304" pitchFamily="18" charset="0"/>
+                            </a:rPr>
+                          </m:ctrlPr>
+                        </m:accPr>
+                        <m:e>
+                          <m:r>
+                            <m:rPr>
+                              <m:sty m:val="p"/>
+                            </m:rPr>
+                            <a:rPr lang="ru-RU">
+                              <a:effectLst/>
+                              <a:latin typeface="Cambria Math" panose="02040503050406030204" pitchFamily="18" charset="0"/>
+                              <a:ea typeface="Times New Roman" panose="02020603050405020304" pitchFamily="18" charset="0"/>
+                              <a:cs typeface="Times New Roman" panose="02020603050405020304" pitchFamily="18" charset="0"/>
+                            </a:rPr>
+                            <m:t>α</m:t>
+                          </m:r>
+                        </m:e>
+                      </m:acc>
+                    </m:oMath>
+                  </m:oMathPara>
+                </a14:m>
+                <a:endParaRPr lang="ru-RU" sz="1600" dirty="0">
+                  <a:effectLst/>
+                  <a:latin typeface="Times New Roman" panose="02020603050405020304" pitchFamily="18" charset="0"/>
+                  <a:ea typeface="Calibri" panose="020F0502020204030204" pitchFamily="34" charset="0"/>
+                  <a:cs typeface="Times New Roman" panose="02020603050405020304" pitchFamily="18" charset="0"/>
+                </a:endParaRPr>
+              </a:p>
+            </p:txBody>
+          </p:sp>
+        </mc:Choice>
+        <mc:Fallback>
+          <p:sp>
+            <p:nvSpPr>
+              <p:cNvPr id="78" name="Надпись 2">
+                <a:extLst>
+                  <a:ext uri="{FF2B5EF4-FFF2-40B4-BE49-F238E27FC236}">
+                    <a16:creationId xmlns:a16="http://schemas.microsoft.com/office/drawing/2014/main" id="{A6BE5A3A-BF87-46EC-81DD-A52728DDEBBB}"/>
+                  </a:ext>
+                </a:extLst>
+              </p:cNvPr>
+              <p:cNvSpPr txBox="1">
+                <a:spLocks noRot="1" noChangeAspect="1" noMove="1" noResize="1" noEditPoints="1" noAdjustHandles="1" noChangeArrowheads="1" noChangeShapeType="1" noTextEdit="1"/>
+              </p:cNvSpPr>
+              <p:nvPr/>
+            </p:nvSpPr>
+            <p:spPr bwMode="auto">
+              <a:xfrm>
+                <a:off x="11272087" y="4112677"/>
+                <a:ext cx="771525" cy="419100"/>
+              </a:xfrm>
+              <a:prstGeom prst="rect">
+                <a:avLst/>
+              </a:prstGeom>
+              <a:blipFill>
+                <a:blip r:embed="rId11"/>
+                <a:stretch>
+                  <a:fillRect/>
+                </a:stretch>
+              </a:blipFill>
+              <a:ln w="9525">
+                <a:noFill/>
+                <a:miter lim="800000"/>
+                <a:headEnd/>
+                <a:tailEnd/>
+              </a:ln>
+            </p:spPr>
+            <p:txBody>
+              <a:bodyPr/>
+              <a:lstStyle/>
+              <a:p>
+                <a:r>
+                  <a:rPr lang="ru-RU">
+                    <a:noFill/>
+                  </a:rPr>
+                  <a:t> </a:t>
+                </a:r>
+              </a:p>
+            </p:txBody>
+          </p:sp>
+        </mc:Fallback>
+      </mc:AlternateContent>
+      <mc:AlternateContent xmlns:mc="http://schemas.openxmlformats.org/markup-compatibility/2006">
+        <mc:Choice xmlns:a14="http://schemas.microsoft.com/office/drawing/2010/main" Requires="a14">
+          <p:sp>
+            <p:nvSpPr>
+              <p:cNvPr id="79" name="Надпись 2">
+                <a:extLst>
+                  <a:ext uri="{FF2B5EF4-FFF2-40B4-BE49-F238E27FC236}">
+                    <a16:creationId xmlns:a16="http://schemas.microsoft.com/office/drawing/2014/main" id="{2829CC7F-F73C-4995-8EF4-1930C668AA8E}"/>
+                  </a:ext>
+                </a:extLst>
+              </p:cNvPr>
+              <p:cNvSpPr txBox="1">
+                <a:spLocks noChangeArrowheads="1"/>
+              </p:cNvSpPr>
+              <p:nvPr/>
+            </p:nvSpPr>
+            <p:spPr bwMode="auto">
+              <a:xfrm>
+                <a:off x="12743539" y="5425158"/>
+                <a:ext cx="1019175" cy="628650"/>
+              </a:xfrm>
+              <a:prstGeom prst="rect">
+                <a:avLst/>
+              </a:prstGeom>
+              <a:noFill/>
+              <a:ln w="9525">
+                <a:noFill/>
+                <a:miter lim="800000"/>
+                <a:headEnd/>
+                <a:tailEnd/>
+              </a:ln>
+            </p:spPr>
+            <p:txBody>
+              <a:bodyPr rot="0" vert="horz" wrap="square" lIns="91440" tIns="45720" rIns="91440" bIns="45720" anchor="t" anchorCtr="0">
+                <a:noAutofit/>
+              </a:bodyPr>
+              <a:lstStyle/>
+              <a:p>
+                <a:pPr indent="450215" algn="just">
+                  <a:lnSpc>
+                    <a:spcPct val="150000"/>
+                  </a:lnSpc>
+                  <a:spcAft>
+                    <a:spcPts val="800"/>
+                  </a:spcAft>
+                </a:pPr>
+                <a14:m>
+                  <m:oMathPara xmlns:m="http://schemas.openxmlformats.org/officeDocument/2006/math">
+                    <m:oMathParaPr>
+                      <m:jc m:val="centerGroup"/>
+                    </m:oMathParaPr>
+                    <m:oMath xmlns:m="http://schemas.openxmlformats.org/officeDocument/2006/math">
+                      <m:r>
+                        <m:rPr>
+                          <m:sty m:val="p"/>
+                        </m:rPr>
+                        <a:rPr lang="ru-RU">
+                          <a:effectLst/>
+                          <a:latin typeface="Cambria Math" panose="02040503050406030204" pitchFamily="18" charset="0"/>
+                          <a:ea typeface="Times New Roman" panose="02020603050405020304" pitchFamily="18" charset="0"/>
+                          <a:cs typeface="Times New Roman" panose="02020603050405020304" pitchFamily="18" charset="0"/>
+                        </a:rPr>
+                        <m:t>α</m:t>
+                      </m:r>
+                    </m:oMath>
+                  </m:oMathPara>
+                </a14:m>
+                <a:endParaRPr lang="ru-RU" sz="1600" dirty="0">
+                  <a:effectLst/>
+                  <a:latin typeface="Times New Roman" panose="02020603050405020304" pitchFamily="18" charset="0"/>
+                  <a:ea typeface="Calibri" panose="020F0502020204030204" pitchFamily="34" charset="0"/>
+                  <a:cs typeface="Times New Roman" panose="02020603050405020304" pitchFamily="18" charset="0"/>
+                </a:endParaRPr>
+              </a:p>
+            </p:txBody>
+          </p:sp>
+        </mc:Choice>
+        <mc:Fallback>
+          <p:sp>
+            <p:nvSpPr>
+              <p:cNvPr id="79" name="Надпись 2">
+                <a:extLst>
+                  <a:ext uri="{FF2B5EF4-FFF2-40B4-BE49-F238E27FC236}">
+                    <a16:creationId xmlns:a16="http://schemas.microsoft.com/office/drawing/2014/main" id="{2829CC7F-F73C-4995-8EF4-1930C668AA8E}"/>
+                  </a:ext>
+                </a:extLst>
+              </p:cNvPr>
+              <p:cNvSpPr txBox="1">
+                <a:spLocks noRot="1" noChangeAspect="1" noMove="1" noResize="1" noEditPoints="1" noAdjustHandles="1" noChangeArrowheads="1" noChangeShapeType="1" noTextEdit="1"/>
+              </p:cNvSpPr>
+              <p:nvPr/>
+            </p:nvSpPr>
+            <p:spPr bwMode="auto">
+              <a:xfrm>
+                <a:off x="12743539" y="5425158"/>
+                <a:ext cx="1019175" cy="628650"/>
+              </a:xfrm>
+              <a:prstGeom prst="rect">
+                <a:avLst/>
+              </a:prstGeom>
+              <a:blipFill>
+                <a:blip r:embed="rId12"/>
+                <a:stretch>
+                  <a:fillRect/>
+                </a:stretch>
+              </a:blipFill>
+              <a:ln w="9525">
+                <a:noFill/>
+                <a:miter lim="800000"/>
+                <a:headEnd/>
+                <a:tailEnd/>
+              </a:ln>
+            </p:spPr>
+            <p:txBody>
+              <a:bodyPr/>
+              <a:lstStyle/>
+              <a:p>
+                <a:r>
+                  <a:rPr lang="ru-RU">
+                    <a:noFill/>
+                  </a:rPr>
+                  <a:t> </a:t>
+                </a:r>
+              </a:p>
+            </p:txBody>
+          </p:sp>
+        </mc:Fallback>
+      </mc:AlternateContent>
     </p:spTree>
     <p:extLst>
       <p:ext uri="{BB962C8B-B14F-4D97-AF65-F5344CB8AC3E}">

--- a/txt/schemes.pptx
+++ b/txt/schemes.pptx
@@ -10,30 +10,34 @@
     <p:sldId id="257" r:id="rId4"/>
     <p:sldId id="258" r:id="rId5"/>
     <p:sldId id="260" r:id="rId6"/>
-    <p:sldId id="261" r:id="rId7"/>
-    <p:sldId id="262" r:id="rId8"/>
-    <p:sldId id="263" r:id="rId9"/>
-    <p:sldId id="264" r:id="rId10"/>
-    <p:sldId id="265" r:id="rId11"/>
-    <p:sldId id="266" r:id="rId12"/>
-    <p:sldId id="267" r:id="rId13"/>
-    <p:sldId id="278" r:id="rId14"/>
-    <p:sldId id="268" r:id="rId15"/>
-    <p:sldId id="269" r:id="rId16"/>
-    <p:sldId id="270" r:id="rId17"/>
-    <p:sldId id="271" r:id="rId18"/>
-    <p:sldId id="272" r:id="rId19"/>
-    <p:sldId id="273" r:id="rId20"/>
-    <p:sldId id="274" r:id="rId21"/>
-    <p:sldId id="275" r:id="rId22"/>
-    <p:sldId id="276" r:id="rId23"/>
-    <p:sldId id="277" r:id="rId24"/>
-    <p:sldId id="279" r:id="rId25"/>
-    <p:sldId id="280" r:id="rId26"/>
-    <p:sldId id="281" r:id="rId27"/>
-    <p:sldId id="282" r:id="rId28"/>
-    <p:sldId id="283" r:id="rId29"/>
-    <p:sldId id="284" r:id="rId30"/>
+    <p:sldId id="287" r:id="rId7"/>
+    <p:sldId id="261" r:id="rId8"/>
+    <p:sldId id="262" r:id="rId9"/>
+    <p:sldId id="263" r:id="rId10"/>
+    <p:sldId id="264" r:id="rId11"/>
+    <p:sldId id="265" r:id="rId12"/>
+    <p:sldId id="266" r:id="rId13"/>
+    <p:sldId id="267" r:id="rId14"/>
+    <p:sldId id="278" r:id="rId15"/>
+    <p:sldId id="268" r:id="rId16"/>
+    <p:sldId id="269" r:id="rId17"/>
+    <p:sldId id="270" r:id="rId18"/>
+    <p:sldId id="271" r:id="rId19"/>
+    <p:sldId id="272" r:id="rId20"/>
+    <p:sldId id="273" r:id="rId21"/>
+    <p:sldId id="274" r:id="rId22"/>
+    <p:sldId id="275" r:id="rId23"/>
+    <p:sldId id="276" r:id="rId24"/>
+    <p:sldId id="277" r:id="rId25"/>
+    <p:sldId id="279" r:id="rId26"/>
+    <p:sldId id="280" r:id="rId27"/>
+    <p:sldId id="281" r:id="rId28"/>
+    <p:sldId id="282" r:id="rId29"/>
+    <p:sldId id="283" r:id="rId30"/>
+    <p:sldId id="284" r:id="rId31"/>
+    <p:sldId id="285" r:id="rId32"/>
+    <p:sldId id="286" r:id="rId33"/>
+    <p:sldId id="288" r:id="rId34"/>
   </p:sldIdLst>
   <p:sldSz cx="16200438" cy="7199313"/>
   <p:notesSz cx="6858000" cy="9144000"/>
@@ -145,7 +149,7 @@
   <pc:docChgLst>
     <pc:chgData name="Otto Schefer" userId="fd5a25951ba882f8" providerId="LiveId" clId="{01312597-0B54-46BE-906A-F240F5E61C87}"/>
     <pc:docChg chg="undo custSel addSld delSld modSld">
-      <pc:chgData name="Otto Schefer" userId="fd5a25951ba882f8" providerId="LiveId" clId="{01312597-0B54-46BE-906A-F240F5E61C87}" dt="2021-06-08T00:25:49.173" v="2342" actId="1076"/>
+      <pc:chgData name="Otto Schefer" userId="fd5a25951ba882f8" providerId="LiveId" clId="{01312597-0B54-46BE-906A-F240F5E61C87}" dt="2021-06-10T20:51:39.335" v="3133" actId="478"/>
       <pc:docMkLst>
         <pc:docMk/>
       </pc:docMkLst>
@@ -2058,7 +2062,7 @@
         </pc:cxnChg>
       </pc:sldChg>
       <pc:sldChg chg="addSp delSp modSp new mod">
-        <pc:chgData name="Otto Schefer" userId="fd5a25951ba882f8" providerId="LiveId" clId="{01312597-0B54-46BE-906A-F240F5E61C87}" dt="2021-05-23T22:31:08.017" v="485" actId="208"/>
+        <pc:chgData name="Otto Schefer" userId="fd5a25951ba882f8" providerId="LiveId" clId="{01312597-0B54-46BE-906A-F240F5E61C87}" dt="2021-06-09T17:24:06.783" v="2708" actId="13822"/>
         <pc:sldMkLst>
           <pc:docMk/>
           <pc:sldMk cId="428892733" sldId="260"/>
@@ -2080,7 +2084,7 @@
           </ac:spMkLst>
         </pc:spChg>
         <pc:spChg chg="add mod">
-          <ac:chgData name="Otto Schefer" userId="fd5a25951ba882f8" providerId="LiveId" clId="{01312597-0B54-46BE-906A-F240F5E61C87}" dt="2021-05-22T20:52:49.086" v="425" actId="1036"/>
+          <ac:chgData name="Otto Schefer" userId="fd5a25951ba882f8" providerId="LiveId" clId="{01312597-0B54-46BE-906A-F240F5E61C87}" dt="2021-06-09T17:22:13.530" v="2464" actId="1038"/>
           <ac:spMkLst>
             <pc:docMk/>
             <pc:sldMk cId="428892733" sldId="260"/>
@@ -2096,7 +2100,7 @@
           </ac:spMkLst>
         </pc:spChg>
         <pc:spChg chg="add mod">
-          <ac:chgData name="Otto Schefer" userId="fd5a25951ba882f8" providerId="LiveId" clId="{01312597-0B54-46BE-906A-F240F5E61C87}" dt="2021-05-22T20:52:49.086" v="425" actId="1036"/>
+          <ac:chgData name="Otto Schefer" userId="fd5a25951ba882f8" providerId="LiveId" clId="{01312597-0B54-46BE-906A-F240F5E61C87}" dt="2021-06-09T17:22:13.530" v="2464" actId="1038"/>
           <ac:spMkLst>
             <pc:docMk/>
             <pc:sldMk cId="428892733" sldId="260"/>
@@ -2120,7 +2124,7 @@
           </ac:spMkLst>
         </pc:spChg>
         <pc:spChg chg="add mod">
-          <ac:chgData name="Otto Schefer" userId="fd5a25951ba882f8" providerId="LiveId" clId="{01312597-0B54-46BE-906A-F240F5E61C87}" dt="2021-05-22T20:53:59.494" v="444" actId="1076"/>
+          <ac:chgData name="Otto Schefer" userId="fd5a25951ba882f8" providerId="LiveId" clId="{01312597-0B54-46BE-906A-F240F5E61C87}" dt="2021-06-09T17:22:25.426" v="2499" actId="1037"/>
           <ac:spMkLst>
             <pc:docMk/>
             <pc:sldMk cId="428892733" sldId="260"/>
@@ -2176,7 +2180,7 @@
           </ac:spMkLst>
         </pc:spChg>
         <pc:spChg chg="add mod">
-          <ac:chgData name="Otto Schefer" userId="fd5a25951ba882f8" providerId="LiveId" clId="{01312597-0B54-46BE-906A-F240F5E61C87}" dt="2021-05-23T22:31:00.480" v="484" actId="1076"/>
+          <ac:chgData name="Otto Schefer" userId="fd5a25951ba882f8" providerId="LiveId" clId="{01312597-0B54-46BE-906A-F240F5E61C87}" dt="2021-06-09T17:22:34.537" v="2528" actId="1038"/>
           <ac:spMkLst>
             <pc:docMk/>
             <pc:sldMk cId="428892733" sldId="260"/>
@@ -2200,7 +2204,7 @@
           </ac:spMkLst>
         </pc:spChg>
         <pc:spChg chg="add mod">
-          <ac:chgData name="Otto Schefer" userId="fd5a25951ba882f8" providerId="LiveId" clId="{01312597-0B54-46BE-906A-F240F5E61C87}" dt="2021-05-22T20:52:49.086" v="425" actId="1036"/>
+          <ac:chgData name="Otto Schefer" userId="fd5a25951ba882f8" providerId="LiveId" clId="{01312597-0B54-46BE-906A-F240F5E61C87}" dt="2021-06-09T17:22:47.130" v="2554" actId="1038"/>
           <ac:spMkLst>
             <pc:docMk/>
             <pc:sldMk cId="428892733" sldId="260"/>
@@ -2208,7 +2212,7 @@
           </ac:spMkLst>
         </pc:spChg>
         <pc:spChg chg="add mod">
-          <ac:chgData name="Otto Schefer" userId="fd5a25951ba882f8" providerId="LiveId" clId="{01312597-0B54-46BE-906A-F240F5E61C87}" dt="2021-05-22T20:52:49.086" v="425" actId="1036"/>
+          <ac:chgData name="Otto Schefer" userId="fd5a25951ba882f8" providerId="LiveId" clId="{01312597-0B54-46BE-906A-F240F5E61C87}" dt="2021-06-09T17:22:47.130" v="2554" actId="1038"/>
           <ac:spMkLst>
             <pc:docMk/>
             <pc:sldMk cId="428892733" sldId="260"/>
@@ -2216,7 +2220,7 @@
           </ac:spMkLst>
         </pc:spChg>
         <pc:spChg chg="add mod">
-          <ac:chgData name="Otto Schefer" userId="fd5a25951ba882f8" providerId="LiveId" clId="{01312597-0B54-46BE-906A-F240F5E61C87}" dt="2021-05-23T22:29:30.529" v="465" actId="1076"/>
+          <ac:chgData name="Otto Schefer" userId="fd5a25951ba882f8" providerId="LiveId" clId="{01312597-0B54-46BE-906A-F240F5E61C87}" dt="2021-06-09T17:22:51.643" v="2564" actId="1037"/>
           <ac:spMkLst>
             <pc:docMk/>
             <pc:sldMk cId="428892733" sldId="260"/>
@@ -2224,7 +2228,7 @@
           </ac:spMkLst>
         </pc:spChg>
         <pc:spChg chg="add mod">
-          <ac:chgData name="Otto Schefer" userId="fd5a25951ba882f8" providerId="LiveId" clId="{01312597-0B54-46BE-906A-F240F5E61C87}" dt="2021-05-23T22:29:30.529" v="465" actId="1076"/>
+          <ac:chgData name="Otto Schefer" userId="fd5a25951ba882f8" providerId="LiveId" clId="{01312597-0B54-46BE-906A-F240F5E61C87}" dt="2021-06-09T17:22:51.643" v="2564" actId="1037"/>
           <ac:spMkLst>
             <pc:docMk/>
             <pc:sldMk cId="428892733" sldId="260"/>
@@ -2239,6 +2243,54 @@
             <ac:spMk id="33" creationId="{C3B6A417-0382-47AA-A526-0FDE3732BBEC}"/>
           </ac:spMkLst>
         </pc:spChg>
+        <pc:spChg chg="mod topLvl">
+          <ac:chgData name="Otto Schefer" userId="fd5a25951ba882f8" providerId="LiveId" clId="{01312597-0B54-46BE-906A-F240F5E61C87}" dt="2021-06-09T17:19:29.094" v="2420" actId="164"/>
+          <ac:spMkLst>
+            <pc:docMk/>
+            <pc:sldMk cId="428892733" sldId="260"/>
+            <ac:spMk id="38" creationId="{08DDBB91-9568-408A-87E9-896B15AC2480}"/>
+          </ac:spMkLst>
+        </pc:spChg>
+        <pc:spChg chg="add mod">
+          <ac:chgData name="Otto Schefer" userId="fd5a25951ba882f8" providerId="LiveId" clId="{01312597-0B54-46BE-906A-F240F5E61C87}" dt="2021-06-09T17:19:29.094" v="2420" actId="164"/>
+          <ac:spMkLst>
+            <pc:docMk/>
+            <pc:sldMk cId="428892733" sldId="260"/>
+            <ac:spMk id="46" creationId="{B99DC741-87F4-4846-8F68-2C5D9EDE3A9E}"/>
+          </ac:spMkLst>
+        </pc:spChg>
+        <pc:spChg chg="add mod">
+          <ac:chgData name="Otto Schefer" userId="fd5a25951ba882f8" providerId="LiveId" clId="{01312597-0B54-46BE-906A-F240F5E61C87}" dt="2021-06-09T17:19:22.260" v="2419" actId="1076"/>
+          <ac:spMkLst>
+            <pc:docMk/>
+            <pc:sldMk cId="428892733" sldId="260"/>
+            <ac:spMk id="47" creationId="{F1D7670B-E6D8-447F-86E8-295A9B03A70E}"/>
+          </ac:spMkLst>
+        </pc:spChg>
+        <pc:grpChg chg="add mod">
+          <ac:chgData name="Otto Schefer" userId="fd5a25951ba882f8" providerId="LiveId" clId="{01312597-0B54-46BE-906A-F240F5E61C87}" dt="2021-06-09T17:22:13.530" v="2464" actId="1038"/>
+          <ac:grpSpMkLst>
+            <pc:docMk/>
+            <pc:sldMk cId="428892733" sldId="260"/>
+            <ac:grpSpMk id="7" creationId="{1512C858-5FF6-439F-815A-0C4390D56726}"/>
+          </ac:grpSpMkLst>
+        </pc:grpChg>
+        <pc:grpChg chg="add del mod">
+          <ac:chgData name="Otto Schefer" userId="fd5a25951ba882f8" providerId="LiveId" clId="{01312597-0B54-46BE-906A-F240F5E61C87}" dt="2021-06-09T17:18:57.704" v="2412" actId="165"/>
+          <ac:grpSpMkLst>
+            <pc:docMk/>
+            <pc:sldMk cId="428892733" sldId="260"/>
+            <ac:grpSpMk id="28" creationId="{89180CA7-E5D6-4143-8C80-1D23212DF98F}"/>
+          </ac:grpSpMkLst>
+        </pc:grpChg>
+        <pc:grpChg chg="mod topLvl">
+          <ac:chgData name="Otto Schefer" userId="fd5a25951ba882f8" providerId="LiveId" clId="{01312597-0B54-46BE-906A-F240F5E61C87}" dt="2021-06-09T17:19:29.094" v="2420" actId="164"/>
+          <ac:grpSpMkLst>
+            <pc:docMk/>
+            <pc:sldMk cId="428892733" sldId="260"/>
+            <ac:grpSpMk id="42" creationId="{BF1BE4EE-33CE-42AB-939B-308A598559B9}"/>
+          </ac:grpSpMkLst>
+        </pc:grpChg>
         <pc:cxnChg chg="add del mod">
           <ac:chgData name="Otto Schefer" userId="fd5a25951ba882f8" providerId="LiveId" clId="{01312597-0B54-46BE-906A-F240F5E61C87}" dt="2021-05-22T20:50:54.734" v="384" actId="478"/>
           <ac:cxnSpMkLst>
@@ -2263,6 +2315,14 @@
             <ac:cxnSpMk id="10" creationId="{E16843F9-BC97-4946-9F17-949FADFBDD80}"/>
           </ac:cxnSpMkLst>
         </pc:cxnChg>
+        <pc:cxnChg chg="add mod">
+          <ac:chgData name="Otto Schefer" userId="fd5a25951ba882f8" providerId="LiveId" clId="{01312597-0B54-46BE-906A-F240F5E61C87}" dt="2021-06-09T17:24:06.783" v="2708" actId="13822"/>
+          <ac:cxnSpMkLst>
+            <pc:docMk/>
+            <pc:sldMk cId="428892733" sldId="260"/>
+            <ac:cxnSpMk id="13" creationId="{19DCB381-1773-4B29-AD36-653D47E9EC95}"/>
+          </ac:cxnSpMkLst>
+        </pc:cxnChg>
         <pc:cxnChg chg="add del mod">
           <ac:chgData name="Otto Schefer" userId="fd5a25951ba882f8" providerId="LiveId" clId="{01312597-0B54-46BE-906A-F240F5E61C87}" dt="2021-05-22T20:51:03.502" v="387" actId="478"/>
           <ac:cxnSpMkLst>
@@ -2279,6 +2339,14 @@
             <ac:cxnSpMk id="15" creationId="{71701F17-33C9-4EDA-A170-DC7AF6BDA333}"/>
           </ac:cxnSpMkLst>
         </pc:cxnChg>
+        <pc:cxnChg chg="add mod">
+          <ac:chgData name="Otto Schefer" userId="fd5a25951ba882f8" providerId="LiveId" clId="{01312597-0B54-46BE-906A-F240F5E61C87}" dt="2021-06-09T17:24:06.783" v="2708" actId="13822"/>
+          <ac:cxnSpMkLst>
+            <pc:docMk/>
+            <pc:sldMk cId="428892733" sldId="260"/>
+            <ac:cxnSpMk id="15" creationId="{DE15B007-9ED0-40B8-B281-A8A349A840C6}"/>
+          </ac:cxnSpMkLst>
+        </pc:cxnChg>
         <pc:cxnChg chg="add del mod">
           <ac:chgData name="Otto Schefer" userId="fd5a25951ba882f8" providerId="LiveId" clId="{01312597-0B54-46BE-906A-F240F5E61C87}" dt="2021-05-22T20:51:07.951" v="390" actId="478"/>
           <ac:cxnSpMkLst>
@@ -2288,11 +2356,19 @@
           </ac:cxnSpMkLst>
         </pc:cxnChg>
         <pc:cxnChg chg="add mod">
-          <ac:chgData name="Otto Schefer" userId="fd5a25951ba882f8" providerId="LiveId" clId="{01312597-0B54-46BE-906A-F240F5E61C87}" dt="2021-05-23T22:31:08.017" v="485" actId="208"/>
+          <ac:chgData name="Otto Schefer" userId="fd5a25951ba882f8" providerId="LiveId" clId="{01312597-0B54-46BE-906A-F240F5E61C87}" dt="2021-06-09T17:22:25.426" v="2499" actId="1037"/>
           <ac:cxnSpMkLst>
             <pc:docMk/>
             <pc:sldMk cId="428892733" sldId="260"/>
             <ac:cxnSpMk id="16" creationId="{C385CA3F-CFBE-42C9-8FE9-8E87D9E8E3CA}"/>
+          </ac:cxnSpMkLst>
+        </pc:cxnChg>
+        <pc:cxnChg chg="add mod">
+          <ac:chgData name="Otto Schefer" userId="fd5a25951ba882f8" providerId="LiveId" clId="{01312597-0B54-46BE-906A-F240F5E61C87}" dt="2021-06-09T17:24:06.783" v="2708" actId="13822"/>
+          <ac:cxnSpMkLst>
+            <pc:docMk/>
+            <pc:sldMk cId="428892733" sldId="260"/>
+            <ac:cxnSpMk id="19" creationId="{3F01A431-BA8D-44C9-9D32-95F94E157C21}"/>
           </ac:cxnSpMkLst>
         </pc:cxnChg>
         <pc:cxnChg chg="add del mod">
@@ -2311,16 +2387,32 @@
             <ac:cxnSpMk id="22" creationId="{465187E6-E083-45F0-8C35-4C223E404755}"/>
           </ac:cxnSpMkLst>
         </pc:cxnChg>
-        <pc:cxnChg chg="add mod">
-          <ac:chgData name="Otto Schefer" userId="fd5a25951ba882f8" providerId="LiveId" clId="{01312597-0B54-46BE-906A-F240F5E61C87}" dt="2021-05-22T20:55:06.331" v="457" actId="208"/>
+        <pc:cxnChg chg="mod topLvl">
+          <ac:chgData name="Otto Schefer" userId="fd5a25951ba882f8" providerId="LiveId" clId="{01312597-0B54-46BE-906A-F240F5E61C87}" dt="2021-06-09T17:19:29.094" v="2420" actId="164"/>
+          <ac:cxnSpMkLst>
+            <pc:docMk/>
+            <pc:sldMk cId="428892733" sldId="260"/>
+            <ac:cxnSpMk id="34" creationId="{A878C191-3AE1-49B9-8E32-CBE34438A435}"/>
+          </ac:cxnSpMkLst>
+        </pc:cxnChg>
+        <pc:cxnChg chg="add del mod">
+          <ac:chgData name="Otto Schefer" userId="fd5a25951ba882f8" providerId="LiveId" clId="{01312597-0B54-46BE-906A-F240F5E61C87}" dt="2021-06-09T17:22:01.750" v="2452" actId="478"/>
           <ac:cxnSpMkLst>
             <pc:docMk/>
             <pc:sldMk cId="428892733" sldId="260"/>
             <ac:cxnSpMk id="35" creationId="{6D004D29-CB78-4917-A29F-CB33CDADB8E2}"/>
           </ac:cxnSpMkLst>
         </pc:cxnChg>
+        <pc:cxnChg chg="mod topLvl">
+          <ac:chgData name="Otto Schefer" userId="fd5a25951ba882f8" providerId="LiveId" clId="{01312597-0B54-46BE-906A-F240F5E61C87}" dt="2021-06-09T17:19:29.094" v="2420" actId="164"/>
+          <ac:cxnSpMkLst>
+            <pc:docMk/>
+            <pc:sldMk cId="428892733" sldId="260"/>
+            <ac:cxnSpMk id="36" creationId="{B5DD43A5-4C51-4937-8E50-CAD9BC2B9A85}"/>
+          </ac:cxnSpMkLst>
+        </pc:cxnChg>
         <pc:cxnChg chg="add mod">
-          <ac:chgData name="Otto Schefer" userId="fd5a25951ba882f8" providerId="LiveId" clId="{01312597-0B54-46BE-906A-F240F5E61C87}" dt="2021-05-23T22:29:30.529" v="465" actId="1076"/>
+          <ac:chgData name="Otto Schefer" userId="fd5a25951ba882f8" providerId="LiveId" clId="{01312597-0B54-46BE-906A-F240F5E61C87}" dt="2021-06-09T17:22:51.643" v="2564" actId="1037"/>
           <ac:cxnSpMkLst>
             <pc:docMk/>
             <pc:sldMk cId="428892733" sldId="260"/>
@@ -2328,11 +2420,35 @@
           </ac:cxnSpMkLst>
         </pc:cxnChg>
         <pc:cxnChg chg="add mod">
-          <ac:chgData name="Otto Schefer" userId="fd5a25951ba882f8" providerId="LiveId" clId="{01312597-0B54-46BE-906A-F240F5E61C87}" dt="2021-05-22T20:55:06.331" v="457" actId="208"/>
+          <ac:chgData name="Otto Schefer" userId="fd5a25951ba882f8" providerId="LiveId" clId="{01312597-0B54-46BE-906A-F240F5E61C87}" dt="2021-06-09T17:22:47.130" v="2554" actId="1038"/>
           <ac:cxnSpMkLst>
             <pc:docMk/>
             <pc:sldMk cId="428892733" sldId="260"/>
             <ac:cxnSpMk id="39" creationId="{B4692B33-CA0A-4E9A-AAA5-86A076C8EFD0}"/>
+          </ac:cxnSpMkLst>
+        </pc:cxnChg>
+        <pc:cxnChg chg="mod topLvl">
+          <ac:chgData name="Otto Schefer" userId="fd5a25951ba882f8" providerId="LiveId" clId="{01312597-0B54-46BE-906A-F240F5E61C87}" dt="2021-06-09T17:19:29.094" v="2420" actId="164"/>
+          <ac:cxnSpMkLst>
+            <pc:docMk/>
+            <pc:sldMk cId="428892733" sldId="260"/>
+            <ac:cxnSpMk id="40" creationId="{D666A8CE-7DA6-45C6-A18B-1061A4873983}"/>
+          </ac:cxnSpMkLst>
+        </pc:cxnChg>
+        <pc:cxnChg chg="mod topLvl">
+          <ac:chgData name="Otto Schefer" userId="fd5a25951ba882f8" providerId="LiveId" clId="{01312597-0B54-46BE-906A-F240F5E61C87}" dt="2021-06-09T17:19:29.094" v="2420" actId="164"/>
+          <ac:cxnSpMkLst>
+            <pc:docMk/>
+            <pc:sldMk cId="428892733" sldId="260"/>
+            <ac:cxnSpMk id="41" creationId="{829BD21C-61B5-4DA1-905D-449ECC5C1447}"/>
+          </ac:cxnSpMkLst>
+        </pc:cxnChg>
+        <pc:cxnChg chg="mod">
+          <ac:chgData name="Otto Schefer" userId="fd5a25951ba882f8" providerId="LiveId" clId="{01312597-0B54-46BE-906A-F240F5E61C87}" dt="2021-06-09T17:18:57.704" v="2412" actId="165"/>
+          <ac:cxnSpMkLst>
+            <pc:docMk/>
+            <pc:sldMk cId="428892733" sldId="260"/>
+            <ac:cxnSpMk id="43" creationId="{D03E1F0F-A59C-473E-B8F7-89D37AA2A826}"/>
           </ac:cxnSpMkLst>
         </pc:cxnChg>
         <pc:cxnChg chg="add mod">
@@ -2341,6 +2457,14 @@
             <pc:docMk/>
             <pc:sldMk cId="428892733" sldId="260"/>
             <ac:cxnSpMk id="44" creationId="{356C98B4-57B9-44C2-A27E-159559769A69}"/>
+          </ac:cxnSpMkLst>
+        </pc:cxnChg>
+        <pc:cxnChg chg="mod">
+          <ac:chgData name="Otto Schefer" userId="fd5a25951ba882f8" providerId="LiveId" clId="{01312597-0B54-46BE-906A-F240F5E61C87}" dt="2021-06-09T17:18:57.704" v="2412" actId="165"/>
+          <ac:cxnSpMkLst>
+            <pc:docMk/>
+            <pc:sldMk cId="428892733" sldId="260"/>
+            <ac:cxnSpMk id="45" creationId="{5B32E9D5-ABE1-43D4-9A46-665F46F719BE}"/>
           </ac:cxnSpMkLst>
         </pc:cxnChg>
         <pc:cxnChg chg="add del mod">
@@ -2360,7 +2484,7 @@
           </ac:cxnSpMkLst>
         </pc:cxnChg>
         <pc:cxnChg chg="add mod">
-          <ac:chgData name="Otto Schefer" userId="fd5a25951ba882f8" providerId="LiveId" clId="{01312597-0B54-46BE-906A-F240F5E61C87}" dt="2021-05-22T20:55:11.029" v="458" actId="208"/>
+          <ac:chgData name="Otto Schefer" userId="fd5a25951ba882f8" providerId="LiveId" clId="{01312597-0B54-46BE-906A-F240F5E61C87}" dt="2021-06-09T17:22:47.130" v="2554" actId="1038"/>
           <ac:cxnSpMkLst>
             <pc:docMk/>
             <pc:sldMk cId="428892733" sldId="260"/>
@@ -2375,8 +2499,8 @@
             <ac:cxnSpMk id="55" creationId="{220E78C2-94DE-4A59-9D5B-00F863EAB1D2}"/>
           </ac:cxnSpMkLst>
         </pc:cxnChg>
-        <pc:cxnChg chg="add mod">
-          <ac:chgData name="Otto Schefer" userId="fd5a25951ba882f8" providerId="LiveId" clId="{01312597-0B54-46BE-906A-F240F5E61C87}" dt="2021-05-22T20:55:06.331" v="457" actId="208"/>
+        <pc:cxnChg chg="add del mod">
+          <ac:chgData name="Otto Schefer" userId="fd5a25951ba882f8" providerId="LiveId" clId="{01312597-0B54-46BE-906A-F240F5E61C87}" dt="2021-06-09T17:21:50.025" v="2423" actId="478"/>
           <ac:cxnSpMkLst>
             <pc:docMk/>
             <pc:sldMk cId="428892733" sldId="260"/>
@@ -2384,7 +2508,7 @@
           </ac:cxnSpMkLst>
         </pc:cxnChg>
         <pc:cxnChg chg="add mod">
-          <ac:chgData name="Otto Schefer" userId="fd5a25951ba882f8" providerId="LiveId" clId="{01312597-0B54-46BE-906A-F240F5E61C87}" dt="2021-05-23T22:29:30.529" v="465" actId="1076"/>
+          <ac:chgData name="Otto Schefer" userId="fd5a25951ba882f8" providerId="LiveId" clId="{01312597-0B54-46BE-906A-F240F5E61C87}" dt="2021-06-09T17:22:55.524" v="2565" actId="14100"/>
           <ac:cxnSpMkLst>
             <pc:docMk/>
             <pc:sldMk cId="428892733" sldId="260"/>
@@ -2400,7 +2524,7 @@
           </ac:cxnSpMkLst>
         </pc:cxnChg>
         <pc:cxnChg chg="add mod">
-          <ac:chgData name="Otto Schefer" userId="fd5a25951ba882f8" providerId="LiveId" clId="{01312597-0B54-46BE-906A-F240F5E61C87}" dt="2021-05-22T20:55:06.331" v="457" actId="208"/>
+          <ac:chgData name="Otto Schefer" userId="fd5a25951ba882f8" providerId="LiveId" clId="{01312597-0B54-46BE-906A-F240F5E61C87}" dt="2021-06-09T17:22:25.426" v="2499" actId="1037"/>
           <ac:cxnSpMkLst>
             <pc:docMk/>
             <pc:sldMk cId="428892733" sldId="260"/>
@@ -2999,13 +3123,13 @@
         </pc:cxnChg>
       </pc:sldChg>
       <pc:sldChg chg="addSp delSp modSp new mod">
-        <pc:chgData name="Otto Schefer" userId="fd5a25951ba882f8" providerId="LiveId" clId="{01312597-0B54-46BE-906A-F240F5E61C87}" dt="2021-05-31T19:41:19.645" v="1012" actId="1076"/>
+        <pc:chgData name="Otto Schefer" userId="fd5a25951ba882f8" providerId="LiveId" clId="{01312597-0B54-46BE-906A-F240F5E61C87}" dt="2021-06-10T20:51:39.335" v="3133" actId="478"/>
         <pc:sldMkLst>
           <pc:docMk/>
           <pc:sldMk cId="3671380643" sldId="262"/>
         </pc:sldMkLst>
-        <pc:spChg chg="add mod">
-          <ac:chgData name="Otto Schefer" userId="fd5a25951ba882f8" providerId="LiveId" clId="{01312597-0B54-46BE-906A-F240F5E61C87}" dt="2021-05-31T19:41:19.645" v="1012" actId="1076"/>
+        <pc:spChg chg="add del mod">
+          <ac:chgData name="Otto Schefer" userId="fd5a25951ba882f8" providerId="LiveId" clId="{01312597-0B54-46BE-906A-F240F5E61C87}" dt="2021-06-10T20:51:39.335" v="3133" actId="478"/>
           <ac:spMkLst>
             <pc:docMk/>
             <pc:sldMk cId="3671380643" sldId="262"/>
@@ -3926,7 +4050,7 @@
         </pc:cxnChg>
       </pc:sldChg>
       <pc:sldChg chg="addSp delSp modSp new mod">
-        <pc:chgData name="Otto Schefer" userId="fd5a25951ba882f8" providerId="LiveId" clId="{01312597-0B54-46BE-906A-F240F5E61C87}" dt="2021-06-08T00:25:49.173" v="2342" actId="1076"/>
+        <pc:chgData name="Otto Schefer" userId="fd5a25951ba882f8" providerId="LiveId" clId="{01312597-0B54-46BE-906A-F240F5E61C87}" dt="2021-06-09T19:50:18.711" v="3064" actId="14100"/>
         <pc:sldMkLst>
           <pc:docMk/>
           <pc:sldMk cId="2994267408" sldId="263"/>
@@ -3956,7 +4080,7 @@
           </ac:spMkLst>
         </pc:spChg>
         <pc:spChg chg="add mod">
-          <ac:chgData name="Otto Schefer" userId="fd5a25951ba882f8" providerId="LiveId" clId="{01312597-0B54-46BE-906A-F240F5E61C87}" dt="2021-05-29T12:02:47.478" v="648" actId="1076"/>
+          <ac:chgData name="Otto Schefer" userId="fd5a25951ba882f8" providerId="LiveId" clId="{01312597-0B54-46BE-906A-F240F5E61C87}" dt="2021-06-09T19:47:49.038" v="2801" actId="1076"/>
           <ac:spMkLst>
             <pc:docMk/>
             <pc:sldMk cId="2994267408" sldId="263"/>
@@ -3964,7 +4088,7 @@
           </ac:spMkLst>
         </pc:spChg>
         <pc:spChg chg="add mod">
-          <ac:chgData name="Otto Schefer" userId="fd5a25951ba882f8" providerId="LiveId" clId="{01312597-0B54-46BE-906A-F240F5E61C87}" dt="2021-05-29T12:02:10.028" v="629" actId="1076"/>
+          <ac:chgData name="Otto Schefer" userId="fd5a25951ba882f8" providerId="LiveId" clId="{01312597-0B54-46BE-906A-F240F5E61C87}" dt="2021-06-09T19:47:49.038" v="2801" actId="1076"/>
           <ac:spMkLst>
             <pc:docMk/>
             <pc:sldMk cId="2994267408" sldId="263"/>
@@ -4004,7 +4128,7 @@
           </ac:spMkLst>
         </pc:spChg>
         <pc:spChg chg="add mod">
-          <ac:chgData name="Otto Schefer" userId="fd5a25951ba882f8" providerId="LiveId" clId="{01312597-0B54-46BE-906A-F240F5E61C87}" dt="2021-05-29T12:03:09.734" v="653" actId="1076"/>
+          <ac:chgData name="Otto Schefer" userId="fd5a25951ba882f8" providerId="LiveId" clId="{01312597-0B54-46BE-906A-F240F5E61C87}" dt="2021-06-09T19:47:49.038" v="2801" actId="1076"/>
           <ac:spMkLst>
             <pc:docMk/>
             <pc:sldMk cId="2994267408" sldId="263"/>
@@ -4012,7 +4136,7 @@
           </ac:spMkLst>
         </pc:spChg>
         <pc:spChg chg="add mod">
-          <ac:chgData name="Otto Schefer" userId="fd5a25951ba882f8" providerId="LiveId" clId="{01312597-0B54-46BE-906A-F240F5E61C87}" dt="2021-05-29T12:02:13.134" v="630" actId="571"/>
+          <ac:chgData name="Otto Schefer" userId="fd5a25951ba882f8" providerId="LiveId" clId="{01312597-0B54-46BE-906A-F240F5E61C87}" dt="2021-06-09T19:47:49.038" v="2801" actId="1076"/>
           <ac:spMkLst>
             <pc:docMk/>
             <pc:sldMk cId="2994267408" sldId="263"/>
@@ -4020,7 +4144,7 @@
           </ac:spMkLst>
         </pc:spChg>
         <pc:spChg chg="add mod">
-          <ac:chgData name="Otto Schefer" userId="fd5a25951ba882f8" providerId="LiveId" clId="{01312597-0B54-46BE-906A-F240F5E61C87}" dt="2021-05-29T13:10:15.268" v="767" actId="1076"/>
+          <ac:chgData name="Otto Schefer" userId="fd5a25951ba882f8" providerId="LiveId" clId="{01312597-0B54-46BE-906A-F240F5E61C87}" dt="2021-06-09T19:47:49.038" v="2801" actId="1076"/>
           <ac:spMkLst>
             <pc:docMk/>
             <pc:sldMk cId="2994267408" sldId="263"/>
@@ -4028,7 +4152,7 @@
           </ac:spMkLst>
         </pc:spChg>
         <pc:spChg chg="add mod">
-          <ac:chgData name="Otto Schefer" userId="fd5a25951ba882f8" providerId="LiveId" clId="{01312597-0B54-46BE-906A-F240F5E61C87}" dt="2021-05-29T12:04:07.812" v="665" actId="1076"/>
+          <ac:chgData name="Otto Schefer" userId="fd5a25951ba882f8" providerId="LiveId" clId="{01312597-0B54-46BE-906A-F240F5E61C87}" dt="2021-06-09T19:47:49.038" v="2801" actId="1076"/>
           <ac:spMkLst>
             <pc:docMk/>
             <pc:sldMk cId="2994267408" sldId="263"/>
@@ -4036,7 +4160,7 @@
           </ac:spMkLst>
         </pc:spChg>
         <pc:spChg chg="add mod">
-          <ac:chgData name="Otto Schefer" userId="fd5a25951ba882f8" providerId="LiveId" clId="{01312597-0B54-46BE-906A-F240F5E61C87}" dt="2021-06-08T00:23:39.516" v="2308" actId="1076"/>
+          <ac:chgData name="Otto Schefer" userId="fd5a25951ba882f8" providerId="LiveId" clId="{01312597-0B54-46BE-906A-F240F5E61C87}" dt="2021-06-09T19:48:53.124" v="3041" actId="1038"/>
           <ac:spMkLst>
             <pc:docMk/>
             <pc:sldMk cId="2994267408" sldId="263"/>
@@ -4076,7 +4200,7 @@
           </ac:spMkLst>
         </pc:spChg>
         <pc:spChg chg="add mod">
-          <ac:chgData name="Otto Schefer" userId="fd5a25951ba882f8" providerId="LiveId" clId="{01312597-0B54-46BE-906A-F240F5E61C87}" dt="2021-05-29T13:09:41.131" v="762" actId="1076"/>
+          <ac:chgData name="Otto Schefer" userId="fd5a25951ba882f8" providerId="LiveId" clId="{01312597-0B54-46BE-906A-F240F5E61C87}" dt="2021-06-09T19:47:49.038" v="2801" actId="1076"/>
           <ac:spMkLst>
             <pc:docMk/>
             <pc:sldMk cId="2994267408" sldId="263"/>
@@ -4084,7 +4208,7 @@
           </ac:spMkLst>
         </pc:spChg>
         <pc:spChg chg="add mod">
-          <ac:chgData name="Otto Schefer" userId="fd5a25951ba882f8" providerId="LiveId" clId="{01312597-0B54-46BE-906A-F240F5E61C87}" dt="2021-05-29T13:10:25.255" v="769" actId="1076"/>
+          <ac:chgData name="Otto Schefer" userId="fd5a25951ba882f8" providerId="LiveId" clId="{01312597-0B54-46BE-906A-F240F5E61C87}" dt="2021-06-09T19:47:49.038" v="2801" actId="1076"/>
           <ac:spMkLst>
             <pc:docMk/>
             <pc:sldMk cId="2994267408" sldId="263"/>
@@ -4140,7 +4264,7 @@
           </ac:spMkLst>
         </pc:spChg>
         <pc:spChg chg="add mod">
-          <ac:chgData name="Otto Schefer" userId="fd5a25951ba882f8" providerId="LiveId" clId="{01312597-0B54-46BE-906A-F240F5E61C87}" dt="2021-06-08T00:23:55.352" v="2313" actId="1035"/>
+          <ac:chgData name="Otto Schefer" userId="fd5a25951ba882f8" providerId="LiveId" clId="{01312597-0B54-46BE-906A-F240F5E61C87}" dt="2021-06-09T19:48:53.124" v="3041" actId="1038"/>
           <ac:spMkLst>
             <pc:docMk/>
             <pc:sldMk cId="2994267408" sldId="263"/>
@@ -4156,7 +4280,7 @@
           </ac:spMkLst>
         </pc:spChg>
         <pc:spChg chg="add mod">
-          <ac:chgData name="Otto Schefer" userId="fd5a25951ba882f8" providerId="LiveId" clId="{01312597-0B54-46BE-906A-F240F5E61C87}" dt="2021-06-08T00:23:53.080" v="2312" actId="1035"/>
+          <ac:chgData name="Otto Schefer" userId="fd5a25951ba882f8" providerId="LiveId" clId="{01312597-0B54-46BE-906A-F240F5E61C87}" dt="2021-06-09T19:48:53.124" v="3041" actId="1038"/>
           <ac:spMkLst>
             <pc:docMk/>
             <pc:sldMk cId="2994267408" sldId="263"/>
@@ -4164,7 +4288,7 @@
           </ac:spMkLst>
         </pc:spChg>
         <pc:spChg chg="add mod">
-          <ac:chgData name="Otto Schefer" userId="fd5a25951ba882f8" providerId="LiveId" clId="{01312597-0B54-46BE-906A-F240F5E61C87}" dt="2021-06-08T00:24:44.230" v="2332" actId="1037"/>
+          <ac:chgData name="Otto Schefer" userId="fd5a25951ba882f8" providerId="LiveId" clId="{01312597-0B54-46BE-906A-F240F5E61C87}" dt="2021-06-09T19:48:53.124" v="3041" actId="1038"/>
           <ac:spMkLst>
             <pc:docMk/>
             <pc:sldMk cId="2994267408" sldId="263"/>
@@ -4172,7 +4296,7 @@
           </ac:spMkLst>
         </pc:spChg>
         <pc:spChg chg="add mod">
-          <ac:chgData name="Otto Schefer" userId="fd5a25951ba882f8" providerId="LiveId" clId="{01312597-0B54-46BE-906A-F240F5E61C87}" dt="2021-06-08T00:24:40.471" v="2326" actId="1076"/>
+          <ac:chgData name="Otto Schefer" userId="fd5a25951ba882f8" providerId="LiveId" clId="{01312597-0B54-46BE-906A-F240F5E61C87}" dt="2021-06-09T19:48:53.124" v="3041" actId="1038"/>
           <ac:spMkLst>
             <pc:docMk/>
             <pc:sldMk cId="2994267408" sldId="263"/>
@@ -4180,7 +4304,7 @@
           </ac:spMkLst>
         </pc:spChg>
         <pc:spChg chg="add mod">
-          <ac:chgData name="Otto Schefer" userId="fd5a25951ba882f8" providerId="LiveId" clId="{01312597-0B54-46BE-906A-F240F5E61C87}" dt="2021-06-08T00:25:22.899" v="2338" actId="1076"/>
+          <ac:chgData name="Otto Schefer" userId="fd5a25951ba882f8" providerId="LiveId" clId="{01312597-0B54-46BE-906A-F240F5E61C87}" dt="2021-06-09T19:48:45.235" v="3005" actId="1038"/>
           <ac:spMkLst>
             <pc:docMk/>
             <pc:sldMk cId="2994267408" sldId="263"/>
@@ -4188,11 +4312,75 @@
           </ac:spMkLst>
         </pc:spChg>
         <pc:spChg chg="add mod">
-          <ac:chgData name="Otto Schefer" userId="fd5a25951ba882f8" providerId="LiveId" clId="{01312597-0B54-46BE-906A-F240F5E61C87}" dt="2021-06-08T00:25:49.173" v="2342" actId="1076"/>
+          <ac:chgData name="Otto Schefer" userId="fd5a25951ba882f8" providerId="LiveId" clId="{01312597-0B54-46BE-906A-F240F5E61C87}" dt="2021-06-09T19:48:53.124" v="3041" actId="1038"/>
           <ac:spMkLst>
             <pc:docMk/>
             <pc:sldMk cId="2994267408" sldId="263"/>
             <ac:spMk id="79" creationId="{2829CC7F-F73C-4995-8EF4-1930C668AA8E}"/>
+          </ac:spMkLst>
+        </pc:spChg>
+        <pc:spChg chg="add mod">
+          <ac:chgData name="Otto Schefer" userId="fd5a25951ba882f8" providerId="LiveId" clId="{01312597-0B54-46BE-906A-F240F5E61C87}" dt="2021-06-09T19:48:06.432" v="2807" actId="1076"/>
+          <ac:spMkLst>
+            <pc:docMk/>
+            <pc:sldMk cId="2994267408" sldId="263"/>
+            <ac:spMk id="80" creationId="{AFC4053F-F5A7-4DF9-81C8-1AEFA625A1D3}"/>
+          </ac:spMkLst>
+        </pc:spChg>
+        <pc:spChg chg="add mod">
+          <ac:chgData name="Otto Schefer" userId="fd5a25951ba882f8" providerId="LiveId" clId="{01312597-0B54-46BE-906A-F240F5E61C87}" dt="2021-06-09T19:50:14.884" v="3063" actId="1036"/>
+          <ac:spMkLst>
+            <pc:docMk/>
+            <pc:sldMk cId="2994267408" sldId="263"/>
+            <ac:spMk id="81" creationId="{FF69D1B8-C3CB-45CC-BD07-70187A640015}"/>
+          </ac:spMkLst>
+        </pc:spChg>
+        <pc:spChg chg="add mod">
+          <ac:chgData name="Otto Schefer" userId="fd5a25951ba882f8" providerId="LiveId" clId="{01312597-0B54-46BE-906A-F240F5E61C87}" dt="2021-06-09T19:47:51.600" v="2802" actId="571"/>
+          <ac:spMkLst>
+            <pc:docMk/>
+            <pc:sldMk cId="2994267408" sldId="263"/>
+            <ac:spMk id="82" creationId="{0412135D-9E50-4990-986B-3286A04C2134}"/>
+          </ac:spMkLst>
+        </pc:spChg>
+        <pc:spChg chg="add mod">
+          <ac:chgData name="Otto Schefer" userId="fd5a25951ba882f8" providerId="LiveId" clId="{01312597-0B54-46BE-906A-F240F5E61C87}" dt="2021-06-09T19:47:51.600" v="2802" actId="571"/>
+          <ac:spMkLst>
+            <pc:docMk/>
+            <pc:sldMk cId="2994267408" sldId="263"/>
+            <ac:spMk id="83" creationId="{2311A800-CC60-4BA5-A613-8CE24198FF5F}"/>
+          </ac:spMkLst>
+        </pc:spChg>
+        <pc:spChg chg="add mod">
+          <ac:chgData name="Otto Schefer" userId="fd5a25951ba882f8" providerId="LiveId" clId="{01312597-0B54-46BE-906A-F240F5E61C87}" dt="2021-06-09T19:50:02.295" v="3059" actId="1076"/>
+          <ac:spMkLst>
+            <pc:docMk/>
+            <pc:sldMk cId="2994267408" sldId="263"/>
+            <ac:spMk id="85" creationId="{20686C48-774F-4D65-A60C-2B924587DFAB}"/>
+          </ac:spMkLst>
+        </pc:spChg>
+        <pc:spChg chg="add mod">
+          <ac:chgData name="Otto Schefer" userId="fd5a25951ba882f8" providerId="LiveId" clId="{01312597-0B54-46BE-906A-F240F5E61C87}" dt="2021-06-09T19:49:53.899" v="3058" actId="1076"/>
+          <ac:spMkLst>
+            <pc:docMk/>
+            <pc:sldMk cId="2994267408" sldId="263"/>
+            <ac:spMk id="86" creationId="{CB7D4E83-A943-4DD4-952D-388412FB01AE}"/>
+          </ac:spMkLst>
+        </pc:spChg>
+        <pc:spChg chg="add mod">
+          <ac:chgData name="Otto Schefer" userId="fd5a25951ba882f8" providerId="LiveId" clId="{01312597-0B54-46BE-906A-F240F5E61C87}" dt="2021-06-09T19:47:51.600" v="2802" actId="571"/>
+          <ac:spMkLst>
+            <pc:docMk/>
+            <pc:sldMk cId="2994267408" sldId="263"/>
+            <ac:spMk id="87" creationId="{EDC20F1D-4466-4E39-871D-DD70E8961946}"/>
+          </ac:spMkLst>
+        </pc:spChg>
+        <pc:spChg chg="add mod">
+          <ac:chgData name="Otto Schefer" userId="fd5a25951ba882f8" providerId="LiveId" clId="{01312597-0B54-46BE-906A-F240F5E61C87}" dt="2021-06-09T19:49:32.575" v="3055" actId="1076"/>
+          <ac:spMkLst>
+            <pc:docMk/>
+            <pc:sldMk cId="2994267408" sldId="263"/>
+            <ac:spMk id="88" creationId="{0A9A94F3-8BAD-43C9-B6F0-956DE8FA0B2C}"/>
           </ac:spMkLst>
         </pc:spChg>
         <pc:grpChg chg="add mod">
@@ -4236,7 +4424,7 @@
           </ac:grpSpMkLst>
         </pc:grpChg>
         <pc:picChg chg="add mod">
-          <ac:chgData name="Otto Schefer" userId="fd5a25951ba882f8" providerId="LiveId" clId="{01312597-0B54-46BE-906A-F240F5E61C87}" dt="2021-06-08T00:23:24.404" v="2303" actId="14100"/>
+          <ac:chgData name="Otto Schefer" userId="fd5a25951ba882f8" providerId="LiveId" clId="{01312597-0B54-46BE-906A-F240F5E61C87}" dt="2021-06-09T19:48:53.124" v="3041" actId="1038"/>
           <ac:picMkLst>
             <pc:docMk/>
             <pc:sldMk cId="2994267408" sldId="263"/>
@@ -4284,7 +4472,7 @@
           </ac:cxnSpMkLst>
         </pc:cxnChg>
         <pc:cxnChg chg="add mod">
-          <ac:chgData name="Otto Schefer" userId="fd5a25951ba882f8" providerId="LiveId" clId="{01312597-0B54-46BE-906A-F240F5E61C87}" dt="2021-05-29T12:03:04.860" v="651" actId="13822"/>
+          <ac:chgData name="Otto Schefer" userId="fd5a25951ba882f8" providerId="LiveId" clId="{01312597-0B54-46BE-906A-F240F5E61C87}" dt="2021-06-09T19:47:49.038" v="2801" actId="1076"/>
           <ac:cxnSpMkLst>
             <pc:docMk/>
             <pc:sldMk cId="2994267408" sldId="263"/>
@@ -4308,7 +4496,15 @@
           </ac:cxnSpMkLst>
         </pc:cxnChg>
         <pc:cxnChg chg="add mod">
-          <ac:chgData name="Otto Schefer" userId="fd5a25951ba882f8" providerId="LiveId" clId="{01312597-0B54-46BE-906A-F240F5E61C87}" dt="2021-05-29T12:11:57.529" v="696" actId="1076"/>
+          <ac:chgData name="Otto Schefer" userId="fd5a25951ba882f8" providerId="LiveId" clId="{01312597-0B54-46BE-906A-F240F5E61C87}" dt="2021-06-09T19:50:14.884" v="3063" actId="1036"/>
+          <ac:cxnSpMkLst>
+            <pc:docMk/>
+            <pc:sldMk cId="2994267408" sldId="263"/>
+            <ac:cxnSpMk id="18" creationId="{B2F88C50-AF20-4707-ADCB-1117A9D2B055}"/>
+          </ac:cxnSpMkLst>
+        </pc:cxnChg>
+        <pc:cxnChg chg="add mod">
+          <ac:chgData name="Otto Schefer" userId="fd5a25951ba882f8" providerId="LiveId" clId="{01312597-0B54-46BE-906A-F240F5E61C87}" dt="2021-06-09T19:48:27.857" v="2880" actId="1035"/>
           <ac:cxnSpMkLst>
             <pc:docMk/>
             <pc:sldMk cId="2994267408" sldId="263"/>
@@ -4316,15 +4512,23 @@
           </ac:cxnSpMkLst>
         </pc:cxnChg>
         <pc:cxnChg chg="add mod">
-          <ac:chgData name="Otto Schefer" userId="fd5a25951ba882f8" providerId="LiveId" clId="{01312597-0B54-46BE-906A-F240F5E61C87}" dt="2021-05-29T12:11:10.370" v="689" actId="1582"/>
+          <ac:chgData name="Otto Schefer" userId="fd5a25951ba882f8" providerId="LiveId" clId="{01312597-0B54-46BE-906A-F240F5E61C87}" dt="2021-06-09T19:48:27.857" v="2880" actId="1035"/>
           <ac:cxnSpMkLst>
             <pc:docMk/>
             <pc:sldMk cId="2994267408" sldId="263"/>
             <ac:cxnSpMk id="20" creationId="{3E7E445F-D855-4F1D-9969-E556308FF102}"/>
           </ac:cxnSpMkLst>
         </pc:cxnChg>
+        <pc:cxnChg chg="add del mod">
+          <ac:chgData name="Otto Schefer" userId="fd5a25951ba882f8" providerId="LiveId" clId="{01312597-0B54-46BE-906A-F240F5E61C87}" dt="2021-06-09T19:49:22.381" v="3052" actId="478"/>
+          <ac:cxnSpMkLst>
+            <pc:docMk/>
+            <pc:sldMk cId="2994267408" sldId="263"/>
+            <ac:cxnSpMk id="22" creationId="{F2964AD6-D579-4EC3-8366-35F3A6AB7539}"/>
+          </ac:cxnSpMkLst>
+        </pc:cxnChg>
         <pc:cxnChg chg="add mod">
-          <ac:chgData name="Otto Schefer" userId="fd5a25951ba882f8" providerId="LiveId" clId="{01312597-0B54-46BE-906A-F240F5E61C87}" dt="2021-05-29T12:12:08.615" v="700" actId="14100"/>
+          <ac:chgData name="Otto Schefer" userId="fd5a25951ba882f8" providerId="LiveId" clId="{01312597-0B54-46BE-906A-F240F5E61C87}" dt="2021-06-09T19:48:27.857" v="2880" actId="1035"/>
           <ac:cxnSpMkLst>
             <pc:docMk/>
             <pc:sldMk cId="2994267408" sldId="263"/>
@@ -4332,7 +4536,7 @@
           </ac:cxnSpMkLst>
         </pc:cxnChg>
         <pc:cxnChg chg="add mod">
-          <ac:chgData name="Otto Schefer" userId="fd5a25951ba882f8" providerId="LiveId" clId="{01312597-0B54-46BE-906A-F240F5E61C87}" dt="2021-05-29T12:12:12.570" v="702" actId="14100"/>
+          <ac:chgData name="Otto Schefer" userId="fd5a25951ba882f8" providerId="LiveId" clId="{01312597-0B54-46BE-906A-F240F5E61C87}" dt="2021-06-09T19:48:27.857" v="2880" actId="1035"/>
           <ac:cxnSpMkLst>
             <pc:docMk/>
             <pc:sldMk cId="2994267408" sldId="263"/>
@@ -4340,7 +4544,7 @@
           </ac:cxnSpMkLst>
         </pc:cxnChg>
         <pc:cxnChg chg="add mod">
-          <ac:chgData name="Otto Schefer" userId="fd5a25951ba882f8" providerId="LiveId" clId="{01312597-0B54-46BE-906A-F240F5E61C87}" dt="2021-05-29T12:12:03.191" v="698" actId="14100"/>
+          <ac:chgData name="Otto Schefer" userId="fd5a25951ba882f8" providerId="LiveId" clId="{01312597-0B54-46BE-906A-F240F5E61C87}" dt="2021-06-09T19:48:27.857" v="2880" actId="1035"/>
           <ac:cxnSpMkLst>
             <pc:docMk/>
             <pc:sldMk cId="2994267408" sldId="263"/>
@@ -4348,7 +4552,7 @@
           </ac:cxnSpMkLst>
         </pc:cxnChg>
         <pc:cxnChg chg="add mod">
-          <ac:chgData name="Otto Schefer" userId="fd5a25951ba882f8" providerId="LiveId" clId="{01312597-0B54-46BE-906A-F240F5E61C87}" dt="2021-05-29T12:12:05.984" v="699" actId="14100"/>
+          <ac:chgData name="Otto Schefer" userId="fd5a25951ba882f8" providerId="LiveId" clId="{01312597-0B54-46BE-906A-F240F5E61C87}" dt="2021-06-09T19:48:27.857" v="2880" actId="1035"/>
           <ac:cxnSpMkLst>
             <pc:docMk/>
             <pc:sldMk cId="2994267408" sldId="263"/>
@@ -4356,7 +4560,7 @@
           </ac:cxnSpMkLst>
         </pc:cxnChg>
         <pc:cxnChg chg="add mod">
-          <ac:chgData name="Otto Schefer" userId="fd5a25951ba882f8" providerId="LiveId" clId="{01312597-0B54-46BE-906A-F240F5E61C87}" dt="2021-05-29T12:12:51.974" v="709" actId="1582"/>
+          <ac:chgData name="Otto Schefer" userId="fd5a25951ba882f8" providerId="LiveId" clId="{01312597-0B54-46BE-906A-F240F5E61C87}" dt="2021-06-09T19:48:27.857" v="2880" actId="1035"/>
           <ac:cxnSpMkLst>
             <pc:docMk/>
             <pc:sldMk cId="2994267408" sldId="263"/>
@@ -4364,7 +4568,7 @@
           </ac:cxnSpMkLst>
         </pc:cxnChg>
         <pc:cxnChg chg="add mod">
-          <ac:chgData name="Otto Schefer" userId="fd5a25951ba882f8" providerId="LiveId" clId="{01312597-0B54-46BE-906A-F240F5E61C87}" dt="2021-05-29T12:13:16.456" v="714" actId="1076"/>
+          <ac:chgData name="Otto Schefer" userId="fd5a25951ba882f8" providerId="LiveId" clId="{01312597-0B54-46BE-906A-F240F5E61C87}" dt="2021-06-09T19:48:27.857" v="2880" actId="1035"/>
           <ac:cxnSpMkLst>
             <pc:docMk/>
             <pc:sldMk cId="2994267408" sldId="263"/>
@@ -4372,11 +4576,27 @@
           </ac:cxnSpMkLst>
         </pc:cxnChg>
         <pc:cxnChg chg="add mod">
+          <ac:chgData name="Otto Schefer" userId="fd5a25951ba882f8" providerId="LiveId" clId="{01312597-0B54-46BE-906A-F240F5E61C87}" dt="2021-06-09T19:50:18.711" v="3064" actId="14100"/>
+          <ac:cxnSpMkLst>
+            <pc:docMk/>
+            <pc:sldMk cId="2994267408" sldId="263"/>
+            <ac:cxnSpMk id="38" creationId="{41CBEE2F-0BAC-4559-81B9-52892DF96BD9}"/>
+          </ac:cxnSpMkLst>
+        </pc:cxnChg>
+        <pc:cxnChg chg="add mod">
           <ac:chgData name="Otto Schefer" userId="fd5a25951ba882f8" providerId="LiveId" clId="{01312597-0B54-46BE-906A-F240F5E61C87}" dt="2021-06-01T18:12:00.011" v="1123" actId="571"/>
           <ac:cxnSpMkLst>
             <pc:docMk/>
             <pc:sldMk cId="2994267408" sldId="263"/>
             <ac:cxnSpMk id="39" creationId="{61285598-ED39-4868-9CF3-0861D59A32BF}"/>
+          </ac:cxnSpMkLst>
+        </pc:cxnChg>
+        <pc:cxnChg chg="add mod">
+          <ac:chgData name="Otto Schefer" userId="fd5a25951ba882f8" providerId="LiveId" clId="{01312597-0B54-46BE-906A-F240F5E61C87}" dt="2021-06-09T19:50:10.828" v="3061" actId="13822"/>
+          <ac:cxnSpMkLst>
+            <pc:docMk/>
+            <pc:sldMk cId="2994267408" sldId="263"/>
+            <ac:cxnSpMk id="43" creationId="{1F290D54-9B20-4006-8306-82ACACDEFCD1}"/>
           </ac:cxnSpMkLst>
         </pc:cxnChg>
         <pc:cxnChg chg="add mod topLvl">
@@ -4452,7 +4672,7 @@
           </ac:cxnSpMkLst>
         </pc:cxnChg>
         <pc:cxnChg chg="add mod">
-          <ac:chgData name="Otto Schefer" userId="fd5a25951ba882f8" providerId="LiveId" clId="{01312597-0B54-46BE-906A-F240F5E61C87}" dt="2021-05-29T13:10:20.463" v="768" actId="13822"/>
+          <ac:chgData name="Otto Schefer" userId="fd5a25951ba882f8" providerId="LiveId" clId="{01312597-0B54-46BE-906A-F240F5E61C87}" dt="2021-06-09T19:47:49.038" v="2801" actId="1076"/>
           <ac:cxnSpMkLst>
             <pc:docMk/>
             <pc:sldMk cId="2994267408" sldId="263"/>
@@ -4460,7 +4680,7 @@
           </ac:cxnSpMkLst>
         </pc:cxnChg>
         <pc:cxnChg chg="add mod">
-          <ac:chgData name="Otto Schefer" userId="fd5a25951ba882f8" providerId="LiveId" clId="{01312597-0B54-46BE-906A-F240F5E61C87}" dt="2021-05-29T13:10:20.463" v="768" actId="13822"/>
+          <ac:chgData name="Otto Schefer" userId="fd5a25951ba882f8" providerId="LiveId" clId="{01312597-0B54-46BE-906A-F240F5E61C87}" dt="2021-06-09T19:47:49.038" v="2801" actId="1076"/>
           <ac:cxnSpMkLst>
             <pc:docMk/>
             <pc:sldMk cId="2994267408" sldId="263"/>
@@ -4468,7 +4688,7 @@
           </ac:cxnSpMkLst>
         </pc:cxnChg>
         <pc:cxnChg chg="add mod">
-          <ac:chgData name="Otto Schefer" userId="fd5a25951ba882f8" providerId="LiveId" clId="{01312597-0B54-46BE-906A-F240F5E61C87}" dt="2021-05-29T13:10:20.463" v="768" actId="13822"/>
+          <ac:chgData name="Otto Schefer" userId="fd5a25951ba882f8" providerId="LiveId" clId="{01312597-0B54-46BE-906A-F240F5E61C87}" dt="2021-06-09T19:47:49.038" v="2801" actId="1076"/>
           <ac:cxnSpMkLst>
             <pc:docMk/>
             <pc:sldMk cId="2994267408" sldId="263"/>
@@ -4476,7 +4696,7 @@
           </ac:cxnSpMkLst>
         </pc:cxnChg>
         <pc:cxnChg chg="add mod">
-          <ac:chgData name="Otto Schefer" userId="fd5a25951ba882f8" providerId="LiveId" clId="{01312597-0B54-46BE-906A-F240F5E61C87}" dt="2021-05-29T13:10:20.463" v="768" actId="13822"/>
+          <ac:chgData name="Otto Schefer" userId="fd5a25951ba882f8" providerId="LiveId" clId="{01312597-0B54-46BE-906A-F240F5E61C87}" dt="2021-06-09T19:47:49.038" v="2801" actId="1076"/>
           <ac:cxnSpMkLst>
             <pc:docMk/>
             <pc:sldMk cId="2994267408" sldId="263"/>
@@ -4497,6 +4717,46 @@
             <pc:docMk/>
             <pc:sldMk cId="2994267408" sldId="263"/>
             <ac:cxnSpMk id="70" creationId="{173BEEB5-1EDD-4BC4-9791-F92F2161DEED}"/>
+          </ac:cxnSpMkLst>
+        </pc:cxnChg>
+        <pc:cxnChg chg="add del mod">
+          <ac:chgData name="Otto Schefer" userId="fd5a25951ba882f8" providerId="LiveId" clId="{01312597-0B54-46BE-906A-F240F5E61C87}" dt="2021-06-09T19:47:56.460" v="2804" actId="478"/>
+          <ac:cxnSpMkLst>
+            <pc:docMk/>
+            <pc:sldMk cId="2994267408" sldId="263"/>
+            <ac:cxnSpMk id="84" creationId="{F343C8B3-949A-43D9-90F1-FB7572BB771D}"/>
+          </ac:cxnSpMkLst>
+        </pc:cxnChg>
+        <pc:cxnChg chg="add del mod">
+          <ac:chgData name="Otto Schefer" userId="fd5a25951ba882f8" providerId="LiveId" clId="{01312597-0B54-46BE-906A-F240F5E61C87}" dt="2021-06-09T19:47:58.909" v="2806" actId="478"/>
+          <ac:cxnSpMkLst>
+            <pc:docMk/>
+            <pc:sldMk cId="2994267408" sldId="263"/>
+            <ac:cxnSpMk id="89" creationId="{FE061CFA-D3BA-4D4E-8128-EE274A3534AF}"/>
+          </ac:cxnSpMkLst>
+        </pc:cxnChg>
+        <pc:cxnChg chg="add mod">
+          <ac:chgData name="Otto Schefer" userId="fd5a25951ba882f8" providerId="LiveId" clId="{01312597-0B54-46BE-906A-F240F5E61C87}" dt="2021-06-09T19:47:51.600" v="2802" actId="571"/>
+          <ac:cxnSpMkLst>
+            <pc:docMk/>
+            <pc:sldMk cId="2994267408" sldId="263"/>
+            <ac:cxnSpMk id="90" creationId="{61509780-A360-48A4-873E-BA035765E5C5}"/>
+          </ac:cxnSpMkLst>
+        </pc:cxnChg>
+        <pc:cxnChg chg="add mod">
+          <ac:chgData name="Otto Schefer" userId="fd5a25951ba882f8" providerId="LiveId" clId="{01312597-0B54-46BE-906A-F240F5E61C87}" dt="2021-06-09T19:48:13.368" v="2808" actId="14100"/>
+          <ac:cxnSpMkLst>
+            <pc:docMk/>
+            <pc:sldMk cId="2994267408" sldId="263"/>
+            <ac:cxnSpMk id="91" creationId="{9C4EC957-8A92-4DF9-B326-521DADF43D16}"/>
+          </ac:cxnSpMkLst>
+        </pc:cxnChg>
+        <pc:cxnChg chg="add del mod">
+          <ac:chgData name="Otto Schefer" userId="fd5a25951ba882f8" providerId="LiveId" clId="{01312597-0B54-46BE-906A-F240F5E61C87}" dt="2021-06-09T19:47:57.853" v="2805" actId="478"/>
+          <ac:cxnSpMkLst>
+            <pc:docMk/>
+            <pc:sldMk cId="2994267408" sldId="263"/>
+            <ac:cxnSpMk id="92" creationId="{476E59FF-AF50-4A6F-BB20-59702FD749B4}"/>
           </ac:cxnSpMkLst>
         </pc:cxnChg>
       </pc:sldChg>
@@ -6253,6 +6513,506 @@
             <ac:picMk id="14" creationId="{5422BD8D-C1E7-40F6-83D4-0EFCD17733B2}"/>
           </ac:picMkLst>
         </pc:picChg>
+      </pc:sldChg>
+      <pc:sldChg chg="addSp delSp modSp new mod">
+        <pc:chgData name="Otto Schefer" userId="fd5a25951ba882f8" providerId="LiveId" clId="{01312597-0B54-46BE-906A-F240F5E61C87}" dt="2021-06-08T19:39:00.581" v="2359" actId="14100"/>
+        <pc:sldMkLst>
+          <pc:docMk/>
+          <pc:sldMk cId="1138246484" sldId="285"/>
+        </pc:sldMkLst>
+        <pc:spChg chg="del mod">
+          <ac:chgData name="Otto Schefer" userId="fd5a25951ba882f8" providerId="LiveId" clId="{01312597-0B54-46BE-906A-F240F5E61C87}" dt="2021-06-08T19:37:25.641" v="2345" actId="478"/>
+          <ac:spMkLst>
+            <pc:docMk/>
+            <pc:sldMk cId="1138246484" sldId="285"/>
+            <ac:spMk id="2" creationId="{9DF1619D-A113-4A10-A924-5E3CA82A90E8}"/>
+          </ac:spMkLst>
+        </pc:spChg>
+        <pc:spChg chg="del">
+          <ac:chgData name="Otto Schefer" userId="fd5a25951ba882f8" providerId="LiveId" clId="{01312597-0B54-46BE-906A-F240F5E61C87}" dt="2021-06-08T19:37:27.065" v="2346" actId="478"/>
+          <ac:spMkLst>
+            <pc:docMk/>
+            <pc:sldMk cId="1138246484" sldId="285"/>
+            <ac:spMk id="3" creationId="{3AB6B01B-A112-4FFC-9C67-2C8E495F29FC}"/>
+          </ac:spMkLst>
+        </pc:spChg>
+        <pc:picChg chg="add mod">
+          <ac:chgData name="Otto Schefer" userId="fd5a25951ba882f8" providerId="LiveId" clId="{01312597-0B54-46BE-906A-F240F5E61C87}" dt="2021-06-08T19:37:37.389" v="2348" actId="1076"/>
+          <ac:picMkLst>
+            <pc:docMk/>
+            <pc:sldMk cId="1138246484" sldId="285"/>
+            <ac:picMk id="5" creationId="{D01295C5-9911-4FD7-8FAE-02A2D8B242FC}"/>
+          </ac:picMkLst>
+        </pc:picChg>
+        <pc:picChg chg="add mod">
+          <ac:chgData name="Otto Schefer" userId="fd5a25951ba882f8" providerId="LiveId" clId="{01312597-0B54-46BE-906A-F240F5E61C87}" dt="2021-06-08T19:38:07.337" v="2356" actId="14100"/>
+          <ac:picMkLst>
+            <pc:docMk/>
+            <pc:sldMk cId="1138246484" sldId="285"/>
+            <ac:picMk id="7" creationId="{853AE3DE-E6CA-41DE-A52F-C62F408FA1A6}"/>
+          </ac:picMkLst>
+        </pc:picChg>
+        <pc:picChg chg="add mod">
+          <ac:chgData name="Otto Schefer" userId="fd5a25951ba882f8" providerId="LiveId" clId="{01312597-0B54-46BE-906A-F240F5E61C87}" dt="2021-06-08T19:39:00.581" v="2359" actId="14100"/>
+          <ac:picMkLst>
+            <pc:docMk/>
+            <pc:sldMk cId="1138246484" sldId="285"/>
+            <ac:picMk id="9" creationId="{EE4E48A8-9091-4D61-818A-ACD410AD5598}"/>
+          </ac:picMkLst>
+        </pc:picChg>
+      </pc:sldChg>
+      <pc:sldChg chg="addSp delSp modSp new mod">
+        <pc:chgData name="Otto Schefer" userId="fd5a25951ba882f8" providerId="LiveId" clId="{01312597-0B54-46BE-906A-F240F5E61C87}" dt="2021-06-08T19:46:55.620" v="2403" actId="571"/>
+        <pc:sldMkLst>
+          <pc:docMk/>
+          <pc:sldMk cId="673199866" sldId="286"/>
+        </pc:sldMkLst>
+        <pc:spChg chg="del">
+          <ac:chgData name="Otto Schefer" userId="fd5a25951ba882f8" providerId="LiveId" clId="{01312597-0B54-46BE-906A-F240F5E61C87}" dt="2021-06-08T19:42:00.378" v="2362" actId="478"/>
+          <ac:spMkLst>
+            <pc:docMk/>
+            <pc:sldMk cId="673199866" sldId="286"/>
+            <ac:spMk id="2" creationId="{4D99E28B-3BBE-4A91-8F0E-465CEF3BFD3C}"/>
+          </ac:spMkLst>
+        </pc:spChg>
+        <pc:spChg chg="del">
+          <ac:chgData name="Otto Schefer" userId="fd5a25951ba882f8" providerId="LiveId" clId="{01312597-0B54-46BE-906A-F240F5E61C87}" dt="2021-06-08T19:41:58.904" v="2361" actId="478"/>
+          <ac:spMkLst>
+            <pc:docMk/>
+            <pc:sldMk cId="673199866" sldId="286"/>
+            <ac:spMk id="3" creationId="{9B2FB176-60A6-48FF-8873-368BDA726C3F}"/>
+          </ac:spMkLst>
+        </pc:spChg>
+        <pc:picChg chg="add mod">
+          <ac:chgData name="Otto Schefer" userId="fd5a25951ba882f8" providerId="LiveId" clId="{01312597-0B54-46BE-906A-F240F5E61C87}" dt="2021-06-08T19:42:04.445" v="2364" actId="1076"/>
+          <ac:picMkLst>
+            <pc:docMk/>
+            <pc:sldMk cId="673199866" sldId="286"/>
+            <ac:picMk id="5" creationId="{8E99391A-6F31-40AF-84FE-6433A951AF62}"/>
+          </ac:picMkLst>
+        </pc:picChg>
+        <pc:picChg chg="add mod">
+          <ac:chgData name="Otto Schefer" userId="fd5a25951ba882f8" providerId="LiveId" clId="{01312597-0B54-46BE-906A-F240F5E61C87}" dt="2021-06-08T19:43:50.504" v="2390" actId="1035"/>
+          <ac:picMkLst>
+            <pc:docMk/>
+            <pc:sldMk cId="673199866" sldId="286"/>
+            <ac:picMk id="7" creationId="{39664713-8355-415F-807F-316A8CFD4FCE}"/>
+          </ac:picMkLst>
+        </pc:picChg>
+        <pc:picChg chg="add mod">
+          <ac:chgData name="Otto Schefer" userId="fd5a25951ba882f8" providerId="LiveId" clId="{01312597-0B54-46BE-906A-F240F5E61C87}" dt="2021-06-08T19:44:41.702" v="2395" actId="14100"/>
+          <ac:picMkLst>
+            <pc:docMk/>
+            <pc:sldMk cId="673199866" sldId="286"/>
+            <ac:picMk id="9" creationId="{D2CA59CA-DE56-4259-8907-A3C04C08E315}"/>
+          </ac:picMkLst>
+        </pc:picChg>
+        <pc:cxnChg chg="add mod">
+          <ac:chgData name="Otto Schefer" userId="fd5a25951ba882f8" providerId="LiveId" clId="{01312597-0B54-46BE-906A-F240F5E61C87}" dt="2021-06-08T19:46:33.379" v="2401" actId="1076"/>
+          <ac:cxnSpMkLst>
+            <pc:docMk/>
+            <pc:sldMk cId="673199866" sldId="286"/>
+            <ac:cxnSpMk id="10" creationId="{09308CE9-DE2F-4EC6-8516-EFA798979B2E}"/>
+          </ac:cxnSpMkLst>
+        </pc:cxnChg>
+        <pc:cxnChg chg="add mod">
+          <ac:chgData name="Otto Schefer" userId="fd5a25951ba882f8" providerId="LiveId" clId="{01312597-0B54-46BE-906A-F240F5E61C87}" dt="2021-06-08T19:45:28.252" v="2400" actId="14100"/>
+          <ac:cxnSpMkLst>
+            <pc:docMk/>
+            <pc:sldMk cId="673199866" sldId="286"/>
+            <ac:cxnSpMk id="11" creationId="{D6A4B90C-D030-4651-B40A-DD5A85CA2BCC}"/>
+          </ac:cxnSpMkLst>
+        </pc:cxnChg>
+        <pc:cxnChg chg="add mod">
+          <ac:chgData name="Otto Schefer" userId="fd5a25951ba882f8" providerId="LiveId" clId="{01312597-0B54-46BE-906A-F240F5E61C87}" dt="2021-06-08T19:46:42.183" v="2402" actId="571"/>
+          <ac:cxnSpMkLst>
+            <pc:docMk/>
+            <pc:sldMk cId="673199866" sldId="286"/>
+            <ac:cxnSpMk id="15" creationId="{6B7FD631-775D-4066-9607-5084A379D3C5}"/>
+          </ac:cxnSpMkLst>
+        </pc:cxnChg>
+        <pc:cxnChg chg="add mod">
+          <ac:chgData name="Otto Schefer" userId="fd5a25951ba882f8" providerId="LiveId" clId="{01312597-0B54-46BE-906A-F240F5E61C87}" dt="2021-06-08T19:46:55.620" v="2403" actId="571"/>
+          <ac:cxnSpMkLst>
+            <pc:docMk/>
+            <pc:sldMk cId="673199866" sldId="286"/>
+            <ac:cxnSpMk id="16" creationId="{5496D990-0326-422F-A04E-CBE3DE567332}"/>
+          </ac:cxnSpMkLst>
+        </pc:cxnChg>
+      </pc:sldChg>
+      <pc:sldChg chg="addSp delSp modSp new mod">
+        <pc:chgData name="Otto Schefer" userId="fd5a25951ba882f8" providerId="LiveId" clId="{01312597-0B54-46BE-906A-F240F5E61C87}" dt="2021-06-09T17:18:11.462" v="2406"/>
+        <pc:sldMkLst>
+          <pc:docMk/>
+          <pc:sldMk cId="3800922211" sldId="287"/>
+        </pc:sldMkLst>
+        <pc:spChg chg="del">
+          <ac:chgData name="Otto Schefer" userId="fd5a25951ba882f8" providerId="LiveId" clId="{01312597-0B54-46BE-906A-F240F5E61C87}" dt="2021-06-09T17:18:05.146" v="2405" actId="478"/>
+          <ac:spMkLst>
+            <pc:docMk/>
+            <pc:sldMk cId="3800922211" sldId="287"/>
+            <ac:spMk id="2" creationId="{875BFF38-132E-4383-8787-C673A86E58DE}"/>
+          </ac:spMkLst>
+        </pc:spChg>
+        <pc:spChg chg="del">
+          <ac:chgData name="Otto Schefer" userId="fd5a25951ba882f8" providerId="LiveId" clId="{01312597-0B54-46BE-906A-F240F5E61C87}" dt="2021-06-09T17:18:05.146" v="2405" actId="478"/>
+          <ac:spMkLst>
+            <pc:docMk/>
+            <pc:sldMk cId="3800922211" sldId="287"/>
+            <ac:spMk id="3" creationId="{8011D910-D8CB-4F9F-B0B3-050489FD1648}"/>
+          </ac:spMkLst>
+        </pc:spChg>
+        <pc:spChg chg="add mod">
+          <ac:chgData name="Otto Schefer" userId="fd5a25951ba882f8" providerId="LiveId" clId="{01312597-0B54-46BE-906A-F240F5E61C87}" dt="2021-06-09T17:18:11.462" v="2406"/>
+          <ac:spMkLst>
+            <pc:docMk/>
+            <pc:sldMk cId="3800922211" sldId="287"/>
+            <ac:spMk id="4" creationId="{BBBD8F8C-859A-47E9-890A-3EF4D29226DF}"/>
+          </ac:spMkLst>
+        </pc:spChg>
+        <pc:spChg chg="add mod">
+          <ac:chgData name="Otto Schefer" userId="fd5a25951ba882f8" providerId="LiveId" clId="{01312597-0B54-46BE-906A-F240F5E61C87}" dt="2021-06-09T17:18:11.462" v="2406"/>
+          <ac:spMkLst>
+            <pc:docMk/>
+            <pc:sldMk cId="3800922211" sldId="287"/>
+            <ac:spMk id="5" creationId="{34CA13A6-DB0B-46F8-A51C-918B44A4FA64}"/>
+          </ac:spMkLst>
+        </pc:spChg>
+        <pc:spChg chg="add mod">
+          <ac:chgData name="Otto Schefer" userId="fd5a25951ba882f8" providerId="LiveId" clId="{01312597-0B54-46BE-906A-F240F5E61C87}" dt="2021-06-09T17:18:11.462" v="2406"/>
+          <ac:spMkLst>
+            <pc:docMk/>
+            <pc:sldMk cId="3800922211" sldId="287"/>
+            <ac:spMk id="6" creationId="{857EAE07-E4B4-4F16-8420-73843219C709}"/>
+          </ac:spMkLst>
+        </pc:spChg>
+        <pc:spChg chg="add mod">
+          <ac:chgData name="Otto Schefer" userId="fd5a25951ba882f8" providerId="LiveId" clId="{01312597-0B54-46BE-906A-F240F5E61C87}" dt="2021-06-09T17:18:11.462" v="2406"/>
+          <ac:spMkLst>
+            <pc:docMk/>
+            <pc:sldMk cId="3800922211" sldId="287"/>
+            <ac:spMk id="7" creationId="{48CC2AD7-B2E6-4594-994F-48CB9EBFEE76}"/>
+          </ac:spMkLst>
+        </pc:spChg>
+        <pc:spChg chg="add mod">
+          <ac:chgData name="Otto Schefer" userId="fd5a25951ba882f8" providerId="LiveId" clId="{01312597-0B54-46BE-906A-F240F5E61C87}" dt="2021-06-09T17:18:11.462" v="2406"/>
+          <ac:spMkLst>
+            <pc:docMk/>
+            <pc:sldMk cId="3800922211" sldId="287"/>
+            <ac:spMk id="8" creationId="{5DB35507-D25A-4BF2-B792-75346EC3D030}"/>
+          </ac:spMkLst>
+        </pc:spChg>
+        <pc:spChg chg="add mod">
+          <ac:chgData name="Otto Schefer" userId="fd5a25951ba882f8" providerId="LiveId" clId="{01312597-0B54-46BE-906A-F240F5E61C87}" dt="2021-06-09T17:18:11.462" v="2406"/>
+          <ac:spMkLst>
+            <pc:docMk/>
+            <pc:sldMk cId="3800922211" sldId="287"/>
+            <ac:spMk id="9" creationId="{D67E5E01-E04A-4C94-A4AB-40BB453D72AF}"/>
+          </ac:spMkLst>
+        </pc:spChg>
+        <pc:spChg chg="add mod">
+          <ac:chgData name="Otto Schefer" userId="fd5a25951ba882f8" providerId="LiveId" clId="{01312597-0B54-46BE-906A-F240F5E61C87}" dt="2021-06-09T17:18:11.462" v="2406"/>
+          <ac:spMkLst>
+            <pc:docMk/>
+            <pc:sldMk cId="3800922211" sldId="287"/>
+            <ac:spMk id="10" creationId="{F76C8198-A410-423F-8E42-648DE5FB654B}"/>
+          </ac:spMkLst>
+        </pc:spChg>
+        <pc:spChg chg="add mod">
+          <ac:chgData name="Otto Schefer" userId="fd5a25951ba882f8" providerId="LiveId" clId="{01312597-0B54-46BE-906A-F240F5E61C87}" dt="2021-06-09T17:18:11.462" v="2406"/>
+          <ac:spMkLst>
+            <pc:docMk/>
+            <pc:sldMk cId="3800922211" sldId="287"/>
+            <ac:spMk id="11" creationId="{19AD659E-D9FA-44B9-B147-6B7D11B9D56A}"/>
+          </ac:spMkLst>
+        </pc:spChg>
+        <pc:spChg chg="add mod">
+          <ac:chgData name="Otto Schefer" userId="fd5a25951ba882f8" providerId="LiveId" clId="{01312597-0B54-46BE-906A-F240F5E61C87}" dt="2021-06-09T17:18:11.462" v="2406"/>
+          <ac:spMkLst>
+            <pc:docMk/>
+            <pc:sldMk cId="3800922211" sldId="287"/>
+            <ac:spMk id="12" creationId="{10B3A935-9A7C-4D2B-BFBD-D700E4BB4A49}"/>
+          </ac:spMkLst>
+        </pc:spChg>
+        <pc:spChg chg="add mod">
+          <ac:chgData name="Otto Schefer" userId="fd5a25951ba882f8" providerId="LiveId" clId="{01312597-0B54-46BE-906A-F240F5E61C87}" dt="2021-06-09T17:18:11.462" v="2406"/>
+          <ac:spMkLst>
+            <pc:docMk/>
+            <pc:sldMk cId="3800922211" sldId="287"/>
+            <ac:spMk id="13" creationId="{2E67EAB7-EA59-405C-B23A-D99688860B3E}"/>
+          </ac:spMkLst>
+        </pc:spChg>
+        <pc:spChg chg="add mod">
+          <ac:chgData name="Otto Schefer" userId="fd5a25951ba882f8" providerId="LiveId" clId="{01312597-0B54-46BE-906A-F240F5E61C87}" dt="2021-06-09T17:18:11.462" v="2406"/>
+          <ac:spMkLst>
+            <pc:docMk/>
+            <pc:sldMk cId="3800922211" sldId="287"/>
+            <ac:spMk id="14" creationId="{0B30CF61-84EE-4BAD-A21E-1DB1E1D1A65A}"/>
+          </ac:spMkLst>
+        </pc:spChg>
+        <pc:spChg chg="add mod">
+          <ac:chgData name="Otto Schefer" userId="fd5a25951ba882f8" providerId="LiveId" clId="{01312597-0B54-46BE-906A-F240F5E61C87}" dt="2021-06-09T17:18:11.462" v="2406"/>
+          <ac:spMkLst>
+            <pc:docMk/>
+            <pc:sldMk cId="3800922211" sldId="287"/>
+            <ac:spMk id="24" creationId="{C780DCDC-B5DB-418B-A2F1-5EAC87B8F361}"/>
+          </ac:spMkLst>
+        </pc:spChg>
+        <pc:spChg chg="add mod">
+          <ac:chgData name="Otto Schefer" userId="fd5a25951ba882f8" providerId="LiveId" clId="{01312597-0B54-46BE-906A-F240F5E61C87}" dt="2021-06-09T17:18:11.462" v="2406"/>
+          <ac:spMkLst>
+            <pc:docMk/>
+            <pc:sldMk cId="3800922211" sldId="287"/>
+            <ac:spMk id="25" creationId="{90C0C9FC-4463-43D3-A2B1-406E20D6B166}"/>
+          </ac:spMkLst>
+        </pc:spChg>
+        <pc:cxnChg chg="add mod">
+          <ac:chgData name="Otto Schefer" userId="fd5a25951ba882f8" providerId="LiveId" clId="{01312597-0B54-46BE-906A-F240F5E61C87}" dt="2021-06-09T17:18:11.462" v="2406"/>
+          <ac:cxnSpMkLst>
+            <pc:docMk/>
+            <pc:sldMk cId="3800922211" sldId="287"/>
+            <ac:cxnSpMk id="15" creationId="{F04ECB5B-656F-4327-B2F3-1EA96C2D191C}"/>
+          </ac:cxnSpMkLst>
+        </pc:cxnChg>
+        <pc:cxnChg chg="add mod">
+          <ac:chgData name="Otto Schefer" userId="fd5a25951ba882f8" providerId="LiveId" clId="{01312597-0B54-46BE-906A-F240F5E61C87}" dt="2021-06-09T17:18:11.462" v="2406"/>
+          <ac:cxnSpMkLst>
+            <pc:docMk/>
+            <pc:sldMk cId="3800922211" sldId="287"/>
+            <ac:cxnSpMk id="16" creationId="{07624E3B-BB5D-4051-A2B2-DB62F8F7906C}"/>
+          </ac:cxnSpMkLst>
+        </pc:cxnChg>
+        <pc:cxnChg chg="add mod">
+          <ac:chgData name="Otto Schefer" userId="fd5a25951ba882f8" providerId="LiveId" clId="{01312597-0B54-46BE-906A-F240F5E61C87}" dt="2021-06-09T17:18:11.462" v="2406"/>
+          <ac:cxnSpMkLst>
+            <pc:docMk/>
+            <pc:sldMk cId="3800922211" sldId="287"/>
+            <ac:cxnSpMk id="17" creationId="{7406AB5B-49DD-4DD7-BD9C-564C9E4AC6D8}"/>
+          </ac:cxnSpMkLst>
+        </pc:cxnChg>
+        <pc:cxnChg chg="add mod">
+          <ac:chgData name="Otto Schefer" userId="fd5a25951ba882f8" providerId="LiveId" clId="{01312597-0B54-46BE-906A-F240F5E61C87}" dt="2021-06-09T17:18:11.462" v="2406"/>
+          <ac:cxnSpMkLst>
+            <pc:docMk/>
+            <pc:sldMk cId="3800922211" sldId="287"/>
+            <ac:cxnSpMk id="18" creationId="{472432A8-8E1B-4901-8FCA-818DD5ABCAC0}"/>
+          </ac:cxnSpMkLst>
+        </pc:cxnChg>
+        <pc:cxnChg chg="add mod">
+          <ac:chgData name="Otto Schefer" userId="fd5a25951ba882f8" providerId="LiveId" clId="{01312597-0B54-46BE-906A-F240F5E61C87}" dt="2021-06-09T17:18:11.462" v="2406"/>
+          <ac:cxnSpMkLst>
+            <pc:docMk/>
+            <pc:sldMk cId="3800922211" sldId="287"/>
+            <ac:cxnSpMk id="19" creationId="{1FD5C961-B079-4656-BEA5-9909331BFD22}"/>
+          </ac:cxnSpMkLst>
+        </pc:cxnChg>
+        <pc:cxnChg chg="add mod">
+          <ac:chgData name="Otto Schefer" userId="fd5a25951ba882f8" providerId="LiveId" clId="{01312597-0B54-46BE-906A-F240F5E61C87}" dt="2021-06-09T17:18:11.462" v="2406"/>
+          <ac:cxnSpMkLst>
+            <pc:docMk/>
+            <pc:sldMk cId="3800922211" sldId="287"/>
+            <ac:cxnSpMk id="20" creationId="{98005895-D513-414E-9338-CC2B1A356B2C}"/>
+          </ac:cxnSpMkLst>
+        </pc:cxnChg>
+        <pc:cxnChg chg="add mod">
+          <ac:chgData name="Otto Schefer" userId="fd5a25951ba882f8" providerId="LiveId" clId="{01312597-0B54-46BE-906A-F240F5E61C87}" dt="2021-06-09T17:18:11.462" v="2406"/>
+          <ac:cxnSpMkLst>
+            <pc:docMk/>
+            <pc:sldMk cId="3800922211" sldId="287"/>
+            <ac:cxnSpMk id="21" creationId="{294E2555-22D6-43F7-9B3C-4FA8D24B5FEB}"/>
+          </ac:cxnSpMkLst>
+        </pc:cxnChg>
+        <pc:cxnChg chg="add mod">
+          <ac:chgData name="Otto Schefer" userId="fd5a25951ba882f8" providerId="LiveId" clId="{01312597-0B54-46BE-906A-F240F5E61C87}" dt="2021-06-09T17:18:11.462" v="2406"/>
+          <ac:cxnSpMkLst>
+            <pc:docMk/>
+            <pc:sldMk cId="3800922211" sldId="287"/>
+            <ac:cxnSpMk id="22" creationId="{315F6E9A-C7DA-4410-AF4D-030B59C35FC4}"/>
+          </ac:cxnSpMkLst>
+        </pc:cxnChg>
+        <pc:cxnChg chg="add mod">
+          <ac:chgData name="Otto Schefer" userId="fd5a25951ba882f8" providerId="LiveId" clId="{01312597-0B54-46BE-906A-F240F5E61C87}" dt="2021-06-09T17:18:11.462" v="2406"/>
+          <ac:cxnSpMkLst>
+            <pc:docMk/>
+            <pc:sldMk cId="3800922211" sldId="287"/>
+            <ac:cxnSpMk id="23" creationId="{28613207-6F34-43F6-A1C2-3309DF5C0A96}"/>
+          </ac:cxnSpMkLst>
+        </pc:cxnChg>
+        <pc:cxnChg chg="add mod">
+          <ac:chgData name="Otto Schefer" userId="fd5a25951ba882f8" providerId="LiveId" clId="{01312597-0B54-46BE-906A-F240F5E61C87}" dt="2021-06-09T17:18:11.462" v="2406"/>
+          <ac:cxnSpMkLst>
+            <pc:docMk/>
+            <pc:sldMk cId="3800922211" sldId="287"/>
+            <ac:cxnSpMk id="26" creationId="{5F2CC463-86D2-47F7-AE73-7D2DDA83EC60}"/>
+          </ac:cxnSpMkLst>
+        </pc:cxnChg>
+        <pc:cxnChg chg="add mod">
+          <ac:chgData name="Otto Schefer" userId="fd5a25951ba882f8" providerId="LiveId" clId="{01312597-0B54-46BE-906A-F240F5E61C87}" dt="2021-06-09T17:18:11.462" v="2406"/>
+          <ac:cxnSpMkLst>
+            <pc:docMk/>
+            <pc:sldMk cId="3800922211" sldId="287"/>
+            <ac:cxnSpMk id="27" creationId="{7BFDA434-A0B6-493B-9675-478589FFBAF9}"/>
+          </ac:cxnSpMkLst>
+        </pc:cxnChg>
+      </pc:sldChg>
+      <pc:sldChg chg="addSp delSp modSp new mod">
+        <pc:chgData name="Otto Schefer" userId="fd5a25951ba882f8" providerId="LiveId" clId="{01312597-0B54-46BE-906A-F240F5E61C87}" dt="2021-06-10T17:43:06.771" v="3132" actId="20577"/>
+        <pc:sldMkLst>
+          <pc:docMk/>
+          <pc:sldMk cId="275400485" sldId="288"/>
+        </pc:sldMkLst>
+        <pc:spChg chg="del">
+          <ac:chgData name="Otto Schefer" userId="fd5a25951ba882f8" providerId="LiveId" clId="{01312597-0B54-46BE-906A-F240F5E61C87}" dt="2021-06-10T17:36:55.520" v="3066" actId="478"/>
+          <ac:spMkLst>
+            <pc:docMk/>
+            <pc:sldMk cId="275400485" sldId="288"/>
+            <ac:spMk id="2" creationId="{B69856F2-953F-4288-B5A7-9F3917A09565}"/>
+          </ac:spMkLst>
+        </pc:spChg>
+        <pc:spChg chg="del">
+          <ac:chgData name="Otto Schefer" userId="fd5a25951ba882f8" providerId="LiveId" clId="{01312597-0B54-46BE-906A-F240F5E61C87}" dt="2021-06-10T17:36:57.120" v="3067" actId="478"/>
+          <ac:spMkLst>
+            <pc:docMk/>
+            <pc:sldMk cId="275400485" sldId="288"/>
+            <ac:spMk id="3" creationId="{38E31440-A3E3-4115-8CC4-1C39F7F4DE8D}"/>
+          </ac:spMkLst>
+        </pc:spChg>
+        <pc:spChg chg="add mod">
+          <ac:chgData name="Otto Schefer" userId="fd5a25951ba882f8" providerId="LiveId" clId="{01312597-0B54-46BE-906A-F240F5E61C87}" dt="2021-06-10T17:38:40.075" v="3092" actId="1076"/>
+          <ac:spMkLst>
+            <pc:docMk/>
+            <pc:sldMk cId="275400485" sldId="288"/>
+            <ac:spMk id="11" creationId="{CAF99622-74F5-4E5F-8D18-94B1FD43BA70}"/>
+          </ac:spMkLst>
+        </pc:spChg>
+        <pc:spChg chg="add mod">
+          <ac:chgData name="Otto Schefer" userId="fd5a25951ba882f8" providerId="LiveId" clId="{01312597-0B54-46BE-906A-F240F5E61C87}" dt="2021-06-10T17:39:24.930" v="3103" actId="1076"/>
+          <ac:spMkLst>
+            <pc:docMk/>
+            <pc:sldMk cId="275400485" sldId="288"/>
+            <ac:spMk id="20" creationId="{A76778F8-8093-4F4E-8838-DCDA14AB0477}"/>
+          </ac:spMkLst>
+        </pc:spChg>
+        <pc:spChg chg="add mod">
+          <ac:chgData name="Otto Schefer" userId="fd5a25951ba882f8" providerId="LiveId" clId="{01312597-0B54-46BE-906A-F240F5E61C87}" dt="2021-06-10T17:42:53.837" v="3128" actId="1076"/>
+          <ac:spMkLst>
+            <pc:docMk/>
+            <pc:sldMk cId="275400485" sldId="288"/>
+            <ac:spMk id="41" creationId="{D652DBD2-6F2F-4D87-AC22-336B1FDC9507}"/>
+          </ac:spMkLst>
+        </pc:spChg>
+        <pc:spChg chg="add mod">
+          <ac:chgData name="Otto Schefer" userId="fd5a25951ba882f8" providerId="LiveId" clId="{01312597-0B54-46BE-906A-F240F5E61C87}" dt="2021-06-10T17:43:03.920" v="3131" actId="20577"/>
+          <ac:spMkLst>
+            <pc:docMk/>
+            <pc:sldMk cId="275400485" sldId="288"/>
+            <ac:spMk id="42" creationId="{79704960-659C-4057-8F16-141DDAF16BC6}"/>
+          </ac:spMkLst>
+        </pc:spChg>
+        <pc:spChg chg="add mod">
+          <ac:chgData name="Otto Schefer" userId="fd5a25951ba882f8" providerId="LiveId" clId="{01312597-0B54-46BE-906A-F240F5E61C87}" dt="2021-06-10T17:43:06.771" v="3132" actId="20577"/>
+          <ac:spMkLst>
+            <pc:docMk/>
+            <pc:sldMk cId="275400485" sldId="288"/>
+            <ac:spMk id="43" creationId="{D2ED65D4-C9B4-407E-880A-3AA20E336C80}"/>
+          </ac:spMkLst>
+        </pc:spChg>
+        <pc:picChg chg="add mod">
+          <ac:chgData name="Otto Schefer" userId="fd5a25951ba882f8" providerId="LiveId" clId="{01312597-0B54-46BE-906A-F240F5E61C87}" dt="2021-06-10T17:37:06.049" v="3071" actId="14100"/>
+          <ac:picMkLst>
+            <pc:docMk/>
+            <pc:sldMk cId="275400485" sldId="288"/>
+            <ac:picMk id="4" creationId="{F2A354E9-2AC6-4738-ADC1-EB2804ED9EB8}"/>
+          </ac:picMkLst>
+        </pc:picChg>
+        <pc:cxnChg chg="add mod">
+          <ac:chgData name="Otto Schefer" userId="fd5a25951ba882f8" providerId="LiveId" clId="{01312597-0B54-46BE-906A-F240F5E61C87}" dt="2021-06-10T17:41:43.056" v="3113" actId="692"/>
+          <ac:cxnSpMkLst>
+            <pc:docMk/>
+            <pc:sldMk cId="275400485" sldId="288"/>
+            <ac:cxnSpMk id="6" creationId="{8BC6EE3E-84AD-4D6A-A852-76D8C039745C}"/>
+          </ac:cxnSpMkLst>
+        </pc:cxnChg>
+        <pc:cxnChg chg="add mod">
+          <ac:chgData name="Otto Schefer" userId="fd5a25951ba882f8" providerId="LiveId" clId="{01312597-0B54-46BE-906A-F240F5E61C87}" dt="2021-06-10T17:38:48.049" v="3095" actId="1037"/>
+          <ac:cxnSpMkLst>
+            <pc:docMk/>
+            <pc:sldMk cId="275400485" sldId="288"/>
+            <ac:cxnSpMk id="8" creationId="{7021D187-4E78-4345-B117-84147BFD2EFF}"/>
+          </ac:cxnSpMkLst>
+        </pc:cxnChg>
+        <pc:cxnChg chg="add mod">
+          <ac:chgData name="Otto Schefer" userId="fd5a25951ba882f8" providerId="LiveId" clId="{01312597-0B54-46BE-906A-F240F5E61C87}" dt="2021-06-10T17:41:43.056" v="3113" actId="692"/>
+          <ac:cxnSpMkLst>
+            <pc:docMk/>
+            <pc:sldMk cId="275400485" sldId="288"/>
+            <ac:cxnSpMk id="22" creationId="{C4C62F6E-0CF7-4008-AA40-8E06F280CDE4}"/>
+          </ac:cxnSpMkLst>
+        </pc:cxnChg>
+        <pc:cxnChg chg="add mod">
+          <ac:chgData name="Otto Schefer" userId="fd5a25951ba882f8" providerId="LiveId" clId="{01312597-0B54-46BE-906A-F240F5E61C87}" dt="2021-06-10T17:39:19.230" v="3100" actId="13822"/>
+          <ac:cxnSpMkLst>
+            <pc:docMk/>
+            <pc:sldMk cId="275400485" sldId="288"/>
+            <ac:cxnSpMk id="24" creationId="{D24ED670-251D-461B-9026-DC7E7A4E59FD}"/>
+          </ac:cxnSpMkLst>
+        </pc:cxnChg>
+        <pc:cxnChg chg="add mod">
+          <ac:chgData name="Otto Schefer" userId="fd5a25951ba882f8" providerId="LiveId" clId="{01312597-0B54-46BE-906A-F240F5E61C87}" dt="2021-06-10T17:41:43.056" v="3113" actId="692"/>
+          <ac:cxnSpMkLst>
+            <pc:docMk/>
+            <pc:sldMk cId="275400485" sldId="288"/>
+            <ac:cxnSpMk id="26" creationId="{ACACDEA2-DA46-4DF9-896D-5C080208D9E7}"/>
+          </ac:cxnSpMkLst>
+        </pc:cxnChg>
+        <pc:cxnChg chg="add mod">
+          <ac:chgData name="Otto Schefer" userId="fd5a25951ba882f8" providerId="LiveId" clId="{01312597-0B54-46BE-906A-F240F5E61C87}" dt="2021-06-10T17:41:43.056" v="3113" actId="692"/>
+          <ac:cxnSpMkLst>
+            <pc:docMk/>
+            <pc:sldMk cId="275400485" sldId="288"/>
+            <ac:cxnSpMk id="28" creationId="{F526EFBC-E51A-4F42-96AD-EFE8181CFE9E}"/>
+          </ac:cxnSpMkLst>
+        </pc:cxnChg>
+        <pc:cxnChg chg="add mod">
+          <ac:chgData name="Otto Schefer" userId="fd5a25951ba882f8" providerId="LiveId" clId="{01312597-0B54-46BE-906A-F240F5E61C87}" dt="2021-06-10T17:41:43.056" v="3113" actId="692"/>
+          <ac:cxnSpMkLst>
+            <pc:docMk/>
+            <pc:sldMk cId="275400485" sldId="288"/>
+            <ac:cxnSpMk id="30" creationId="{92ADD485-F35B-41A0-BEB7-931E4C702ABE}"/>
+          </ac:cxnSpMkLst>
+        </pc:cxnChg>
+        <pc:cxnChg chg="add mod">
+          <ac:chgData name="Otto Schefer" userId="fd5a25951ba882f8" providerId="LiveId" clId="{01312597-0B54-46BE-906A-F240F5E61C87}" dt="2021-06-10T17:41:30.942" v="3112" actId="692"/>
+          <ac:cxnSpMkLst>
+            <pc:docMk/>
+            <pc:sldMk cId="275400485" sldId="288"/>
+            <ac:cxnSpMk id="32" creationId="{1B8B9DD3-B6D5-4F7F-B86D-FFF9CBC0B40F}"/>
+          </ac:cxnSpMkLst>
+        </pc:cxnChg>
+        <pc:cxnChg chg="add mod">
+          <ac:chgData name="Otto Schefer" userId="fd5a25951ba882f8" providerId="LiveId" clId="{01312597-0B54-46BE-906A-F240F5E61C87}" dt="2021-06-10T17:42:08.616" v="3115" actId="13822"/>
+          <ac:cxnSpMkLst>
+            <pc:docMk/>
+            <pc:sldMk cId="275400485" sldId="288"/>
+            <ac:cxnSpMk id="34" creationId="{DF305585-CD9E-464A-B3C9-E812AAEF7BD9}"/>
+          </ac:cxnSpMkLst>
+        </pc:cxnChg>
+        <pc:cxnChg chg="add mod">
+          <ac:chgData name="Otto Schefer" userId="fd5a25951ba882f8" providerId="LiveId" clId="{01312597-0B54-46BE-906A-F240F5E61C87}" dt="2021-06-10T17:42:20.177" v="3118" actId="14100"/>
+          <ac:cxnSpMkLst>
+            <pc:docMk/>
+            <pc:sldMk cId="275400485" sldId="288"/>
+            <ac:cxnSpMk id="36" creationId="{FF2CF38A-D764-4554-90EB-1CDC009CA2C3}"/>
+          </ac:cxnSpMkLst>
+        </pc:cxnChg>
+        <pc:cxnChg chg="add mod">
+          <ac:chgData name="Otto Schefer" userId="fd5a25951ba882f8" providerId="LiveId" clId="{01312597-0B54-46BE-906A-F240F5E61C87}" dt="2021-06-10T17:42:31.861" v="3121" actId="14100"/>
+          <ac:cxnSpMkLst>
+            <pc:docMk/>
+            <pc:sldMk cId="275400485" sldId="288"/>
+            <ac:cxnSpMk id="39" creationId="{8814BACE-0C70-45C7-8284-C6B9211D30C3}"/>
+          </ac:cxnSpMkLst>
+        </pc:cxnChg>
       </pc:sldChg>
     </pc:docChg>
   </pc:docChgLst>
@@ -6390,7 +7150,7 @@
           <a:p>
             <a:fld id="{083E7580-4A74-4DC1-979A-56FFF28705FF}" type="datetimeFigureOut">
               <a:rPr lang="ru-RU" smtClean="0"/>
-              <a:t>08.06.2021</a:t>
+              <a:t>10.06.2021</a:t>
             </a:fld>
             <a:endParaRPr lang="ru-RU"/>
           </a:p>
@@ -6560,7 +7320,7 @@
           <a:p>
             <a:fld id="{083E7580-4A74-4DC1-979A-56FFF28705FF}" type="datetimeFigureOut">
               <a:rPr lang="ru-RU" smtClean="0"/>
-              <a:t>08.06.2021</a:t>
+              <a:t>10.06.2021</a:t>
             </a:fld>
             <a:endParaRPr lang="ru-RU"/>
           </a:p>
@@ -6740,7 +7500,7 @@
           <a:p>
             <a:fld id="{083E7580-4A74-4DC1-979A-56FFF28705FF}" type="datetimeFigureOut">
               <a:rPr lang="ru-RU" smtClean="0"/>
-              <a:t>08.06.2021</a:t>
+              <a:t>10.06.2021</a:t>
             </a:fld>
             <a:endParaRPr lang="ru-RU"/>
           </a:p>
@@ -6910,7 +7670,7 @@
           <a:p>
             <a:fld id="{083E7580-4A74-4DC1-979A-56FFF28705FF}" type="datetimeFigureOut">
               <a:rPr lang="ru-RU" smtClean="0"/>
-              <a:t>08.06.2021</a:t>
+              <a:t>10.06.2021</a:t>
             </a:fld>
             <a:endParaRPr lang="ru-RU"/>
           </a:p>
@@ -7156,7 +7916,7 @@
           <a:p>
             <a:fld id="{083E7580-4A74-4DC1-979A-56FFF28705FF}" type="datetimeFigureOut">
               <a:rPr lang="ru-RU" smtClean="0"/>
-              <a:t>08.06.2021</a:t>
+              <a:t>10.06.2021</a:t>
             </a:fld>
             <a:endParaRPr lang="ru-RU"/>
           </a:p>
@@ -7388,7 +8148,7 @@
           <a:p>
             <a:fld id="{083E7580-4A74-4DC1-979A-56FFF28705FF}" type="datetimeFigureOut">
               <a:rPr lang="ru-RU" smtClean="0"/>
-              <a:t>08.06.2021</a:t>
+              <a:t>10.06.2021</a:t>
             </a:fld>
             <a:endParaRPr lang="ru-RU"/>
           </a:p>
@@ -7755,7 +8515,7 @@
           <a:p>
             <a:fld id="{083E7580-4A74-4DC1-979A-56FFF28705FF}" type="datetimeFigureOut">
               <a:rPr lang="ru-RU" smtClean="0"/>
-              <a:t>08.06.2021</a:t>
+              <a:t>10.06.2021</a:t>
             </a:fld>
             <a:endParaRPr lang="ru-RU"/>
           </a:p>
@@ -7873,7 +8633,7 @@
           <a:p>
             <a:fld id="{083E7580-4A74-4DC1-979A-56FFF28705FF}" type="datetimeFigureOut">
               <a:rPr lang="ru-RU" smtClean="0"/>
-              <a:t>08.06.2021</a:t>
+              <a:t>10.06.2021</a:t>
             </a:fld>
             <a:endParaRPr lang="ru-RU"/>
           </a:p>
@@ -7968,7 +8728,7 @@
           <a:p>
             <a:fld id="{083E7580-4A74-4DC1-979A-56FFF28705FF}" type="datetimeFigureOut">
               <a:rPr lang="ru-RU" smtClean="0"/>
-              <a:t>08.06.2021</a:t>
+              <a:t>10.06.2021</a:t>
             </a:fld>
             <a:endParaRPr lang="ru-RU"/>
           </a:p>
@@ -8245,7 +9005,7 @@
           <a:p>
             <a:fld id="{083E7580-4A74-4DC1-979A-56FFF28705FF}" type="datetimeFigureOut">
               <a:rPr lang="ru-RU" smtClean="0"/>
-              <a:t>08.06.2021</a:t>
+              <a:t>10.06.2021</a:t>
             </a:fld>
             <a:endParaRPr lang="ru-RU"/>
           </a:p>
@@ -8502,7 +9262,7 @@
           <a:p>
             <a:fld id="{083E7580-4A74-4DC1-979A-56FFF28705FF}" type="datetimeFigureOut">
               <a:rPr lang="ru-RU" smtClean="0"/>
-              <a:t>08.06.2021</a:t>
+              <a:t>10.06.2021</a:t>
             </a:fld>
             <a:endParaRPr lang="ru-RU"/>
           </a:p>
@@ -8715,7 +9475,7 @@
           <a:p>
             <a:fld id="{083E7580-4A74-4DC1-979A-56FFF28705FF}" type="datetimeFigureOut">
               <a:rPr lang="ru-RU" smtClean="0"/>
-              <a:t>08.06.2021</a:t>
+              <a:t>10.06.2021</a:t>
             </a:fld>
             <a:endParaRPr lang="ru-RU"/>
           </a:p>
@@ -13483,6 +14243,129 @@
       </p:grpSpPr>
       <p:pic>
         <p:nvPicPr>
+          <p:cNvPr id="4" name="Рисунок 3">
+            <a:extLst>
+              <a:ext uri="{FF2B5EF4-FFF2-40B4-BE49-F238E27FC236}">
+                <a16:creationId xmlns:a16="http://schemas.microsoft.com/office/drawing/2014/main" id="{E561011B-3581-422D-9187-6EFC050CF68E}"/>
+              </a:ext>
+            </a:extLst>
+          </p:cNvPr>
+          <p:cNvPicPr/>
+          <p:nvPr/>
+        </p:nvPicPr>
+        <p:blipFill>
+          <a:blip r:embed="rId2">
+            <a:extLst>
+              <a:ext uri="{28A0092B-C50C-407E-A947-70E740481C1C}">
+                <a14:useLocalDpi xmlns:a14="http://schemas.microsoft.com/office/drawing/2010/main" val="0"/>
+              </a:ext>
+            </a:extLst>
+          </a:blip>
+          <a:srcRect/>
+          <a:stretch>
+            <a:fillRect/>
+          </a:stretch>
+        </p:blipFill>
+        <p:spPr bwMode="auto">
+          <a:xfrm>
+            <a:off x="5342414" y="1620679"/>
+            <a:ext cx="5515610" cy="3957955"/>
+          </a:xfrm>
+          <a:prstGeom prst="rect">
+            <a:avLst/>
+          </a:prstGeom>
+          <a:noFill/>
+          <a:ln>
+            <a:noFill/>
+          </a:ln>
+        </p:spPr>
+      </p:pic>
+      <p:sp>
+        <p:nvSpPr>
+          <p:cNvPr id="5" name="Прямоугольник 4">
+            <a:extLst>
+              <a:ext uri="{FF2B5EF4-FFF2-40B4-BE49-F238E27FC236}">
+                <a16:creationId xmlns:a16="http://schemas.microsoft.com/office/drawing/2014/main" id="{0C6E4CC1-4E22-4B13-9F96-F38C167D6302}"/>
+              </a:ext>
+            </a:extLst>
+          </p:cNvPr>
+          <p:cNvSpPr/>
+          <p:nvPr/>
+        </p:nvSpPr>
+        <p:spPr>
+          <a:xfrm>
+            <a:off x="5342414" y="2914650"/>
+            <a:ext cx="542925" cy="971550"/>
+          </a:xfrm>
+          <a:prstGeom prst="rect">
+            <a:avLst/>
+          </a:prstGeom>
+          <a:solidFill>
+            <a:srgbClr val="F0F0F0"/>
+          </a:solidFill>
+          <a:ln>
+            <a:solidFill>
+              <a:srgbClr val="F0F0F0"/>
+            </a:solidFill>
+          </a:ln>
+        </p:spPr>
+        <p:style>
+          <a:lnRef idx="2">
+            <a:schemeClr val="accent1">
+              <a:shade val="50000"/>
+            </a:schemeClr>
+          </a:lnRef>
+          <a:fillRef idx="1">
+            <a:schemeClr val="accent1"/>
+          </a:fillRef>
+          <a:effectRef idx="0">
+            <a:schemeClr val="accent1"/>
+          </a:effectRef>
+          <a:fontRef idx="minor">
+            <a:schemeClr val="lt1"/>
+          </a:fontRef>
+        </p:style>
+        <p:txBody>
+          <a:bodyPr rtlCol="0" anchor="ctr"/>
+          <a:lstStyle/>
+          <a:p>
+            <a:pPr algn="ctr"/>
+            <a:endParaRPr lang="ru-RU"/>
+          </a:p>
+        </p:txBody>
+      </p:sp>
+    </p:spTree>
+    <p:extLst>
+      <p:ext uri="{BB962C8B-B14F-4D97-AF65-F5344CB8AC3E}">
+        <p14:creationId xmlns:p14="http://schemas.microsoft.com/office/powerpoint/2010/main" val="1017938889"/>
+      </p:ext>
+    </p:extLst>
+  </p:cSld>
+  <p:clrMapOvr>
+    <a:masterClrMapping/>
+  </p:clrMapOvr>
+</p:sld>
+</file>
+
+<file path=ppt/slides/slide11.xml><?xml version="1.0" encoding="utf-8"?>
+<p:sld xmlns:a="http://schemas.openxmlformats.org/drawingml/2006/main" xmlns:r="http://schemas.openxmlformats.org/officeDocument/2006/relationships" xmlns:p="http://schemas.openxmlformats.org/presentationml/2006/main">
+  <p:cSld>
+    <p:spTree>
+      <p:nvGrpSpPr>
+        <p:cNvPr id="1" name=""/>
+        <p:cNvGrpSpPr/>
+        <p:nvPr/>
+      </p:nvGrpSpPr>
+      <p:grpSpPr>
+        <a:xfrm>
+          <a:off x="0" y="0"/>
+          <a:ext cx="0" cy="0"/>
+          <a:chOff x="0" y="0"/>
+          <a:chExt cx="0" cy="0"/>
+        </a:xfrm>
+      </p:grpSpPr>
+      <p:pic>
+        <p:nvPicPr>
           <p:cNvPr id="5" name="Рисунок 4">
             <a:extLst>
               <a:ext uri="{FF2B5EF4-FFF2-40B4-BE49-F238E27FC236}">
@@ -13666,7 +14549,7 @@
 </p:sld>
 </file>
 
-<file path=ppt/slides/slide11.xml><?xml version="1.0" encoding="utf-8"?>
+<file path=ppt/slides/slide12.xml><?xml version="1.0" encoding="utf-8"?>
 <p:sld xmlns:a="http://schemas.openxmlformats.org/drawingml/2006/main" xmlns:r="http://schemas.openxmlformats.org/officeDocument/2006/relationships" xmlns:p="http://schemas.openxmlformats.org/presentationml/2006/main">
   <p:cSld>
     <p:spTree>
@@ -14152,7 +15035,7 @@
 </p:sld>
 </file>
 
-<file path=ppt/slides/slide12.xml><?xml version="1.0" encoding="utf-8"?>
+<file path=ppt/slides/slide13.xml><?xml version="1.0" encoding="utf-8"?>
 <p:sld xmlns:a="http://schemas.openxmlformats.org/drawingml/2006/main" xmlns:r="http://schemas.openxmlformats.org/officeDocument/2006/relationships" xmlns:p="http://schemas.openxmlformats.org/presentationml/2006/main">
   <p:cSld>
     <p:spTree>
@@ -14729,7 +15612,7 @@
 </p:sld>
 </file>
 
-<file path=ppt/slides/slide13.xml><?xml version="1.0" encoding="utf-8"?>
+<file path=ppt/slides/slide14.xml><?xml version="1.0" encoding="utf-8"?>
 <p:sld xmlns:a="http://schemas.openxmlformats.org/drawingml/2006/main" xmlns:r="http://schemas.openxmlformats.org/officeDocument/2006/relationships" xmlns:p="http://schemas.openxmlformats.org/presentationml/2006/main">
   <p:cSld>
     <p:spTree>
@@ -15328,7 +16211,7 @@
 </p:sld>
 </file>
 
-<file path=ppt/slides/slide14.xml><?xml version="1.0" encoding="utf-8"?>
+<file path=ppt/slides/slide15.xml><?xml version="1.0" encoding="utf-8"?>
 <p:sld xmlns:a="http://schemas.openxmlformats.org/drawingml/2006/main" xmlns:r="http://schemas.openxmlformats.org/officeDocument/2006/relationships" xmlns:p="http://schemas.openxmlformats.org/presentationml/2006/main">
   <p:cSld>
     <p:spTree>
@@ -15496,7 +16379,7 @@
 </p:sld>
 </file>
 
-<file path=ppt/slides/slide15.xml><?xml version="1.0" encoding="utf-8"?>
+<file path=ppt/slides/slide16.xml><?xml version="1.0" encoding="utf-8"?>
 <p:sld xmlns:a="http://schemas.openxmlformats.org/drawingml/2006/main" xmlns:r="http://schemas.openxmlformats.org/officeDocument/2006/relationships" xmlns:p="http://schemas.openxmlformats.org/presentationml/2006/main">
   <p:cSld>
     <p:spTree>
@@ -16234,7 +17117,7 @@
 </p:sld>
 </file>
 
-<file path=ppt/slides/slide16.xml><?xml version="1.0" encoding="utf-8"?>
+<file path=ppt/slides/slide17.xml><?xml version="1.0" encoding="utf-8"?>
 <p:sld xmlns:a="http://schemas.openxmlformats.org/drawingml/2006/main" xmlns:r="http://schemas.openxmlformats.org/officeDocument/2006/relationships" xmlns:p="http://schemas.openxmlformats.org/presentationml/2006/main">
   <p:cSld>
     <p:spTree>
@@ -16484,7 +17367,7 @@
 </p:sld>
 </file>
 
-<file path=ppt/slides/slide17.xml><?xml version="1.0" encoding="utf-8"?>
+<file path=ppt/slides/slide18.xml><?xml version="1.0" encoding="utf-8"?>
 <p:sld xmlns:a="http://schemas.openxmlformats.org/drawingml/2006/main" xmlns:r="http://schemas.openxmlformats.org/officeDocument/2006/relationships" xmlns:p="http://schemas.openxmlformats.org/presentationml/2006/main">
   <p:cSld>
     <p:spTree>
@@ -16679,7 +17562,7 @@
 </p:sld>
 </file>
 
-<file path=ppt/slides/slide18.xml><?xml version="1.0" encoding="utf-8"?>
+<file path=ppt/slides/slide19.xml><?xml version="1.0" encoding="utf-8"?>
 <p:sld xmlns:a="http://schemas.openxmlformats.org/drawingml/2006/main" xmlns:r="http://schemas.openxmlformats.org/officeDocument/2006/relationships" xmlns:p="http://schemas.openxmlformats.org/presentationml/2006/main">
   <p:cSld>
     <p:spTree>
@@ -16867,160 +17750,6 @@
     <p:extLst>
       <p:ext uri="{BB962C8B-B14F-4D97-AF65-F5344CB8AC3E}">
         <p14:creationId xmlns:p14="http://schemas.microsoft.com/office/powerpoint/2010/main" val="1601771800"/>
-      </p:ext>
-    </p:extLst>
-  </p:cSld>
-  <p:clrMapOvr>
-    <a:masterClrMapping/>
-  </p:clrMapOvr>
-</p:sld>
-</file>
-
-<file path=ppt/slides/slide19.xml><?xml version="1.0" encoding="utf-8"?>
-<p:sld xmlns:a="http://schemas.openxmlformats.org/drawingml/2006/main" xmlns:r="http://schemas.openxmlformats.org/officeDocument/2006/relationships" xmlns:p="http://schemas.openxmlformats.org/presentationml/2006/main">
-  <p:cSld>
-    <p:spTree>
-      <p:nvGrpSpPr>
-        <p:cNvPr id="1" name=""/>
-        <p:cNvGrpSpPr/>
-        <p:nvPr/>
-      </p:nvGrpSpPr>
-      <p:grpSpPr>
-        <a:xfrm>
-          <a:off x="0" y="0"/>
-          <a:ext cx="0" cy="0"/>
-          <a:chOff x="0" y="0"/>
-          <a:chExt cx="0" cy="0"/>
-        </a:xfrm>
-      </p:grpSpPr>
-      <p:pic>
-        <p:nvPicPr>
-          <p:cNvPr id="9" name="Рисунок 8">
-            <a:extLst>
-              <a:ext uri="{FF2B5EF4-FFF2-40B4-BE49-F238E27FC236}">
-                <a16:creationId xmlns:a16="http://schemas.microsoft.com/office/drawing/2014/main" id="{2ADB115A-4B43-47F1-B5F3-4592C8D85728}"/>
-              </a:ext>
-            </a:extLst>
-          </p:cNvPr>
-          <p:cNvPicPr>
-            <a:picLocks noChangeAspect="1"/>
-          </p:cNvPicPr>
-          <p:nvPr/>
-        </p:nvPicPr>
-        <p:blipFill>
-          <a:blip r:embed="rId2"/>
-          <a:stretch>
-            <a:fillRect/>
-          </a:stretch>
-        </p:blipFill>
-        <p:spPr>
-          <a:xfrm>
-            <a:off x="1200877" y="0"/>
-            <a:ext cx="13798684" cy="7199313"/>
-          </a:xfrm>
-          <a:prstGeom prst="rect">
-            <a:avLst/>
-          </a:prstGeom>
-        </p:spPr>
-      </p:pic>
-      <p:cxnSp>
-        <p:nvCxnSpPr>
-          <p:cNvPr id="10" name="Прямая соединительная линия 9">
-            <a:extLst>
-              <a:ext uri="{FF2B5EF4-FFF2-40B4-BE49-F238E27FC236}">
-                <a16:creationId xmlns:a16="http://schemas.microsoft.com/office/drawing/2014/main" id="{C7EC4329-032A-42DD-A805-B52A4CF644E5}"/>
-              </a:ext>
-            </a:extLst>
-          </p:cNvPr>
-          <p:cNvCxnSpPr>
-            <a:cxnSpLocks/>
-          </p:cNvCxnSpPr>
-          <p:nvPr/>
-        </p:nvCxnSpPr>
-        <p:spPr>
-          <a:xfrm>
-            <a:off x="1524000" y="1973200"/>
-            <a:ext cx="13157200" cy="0"/>
-          </a:xfrm>
-          <a:prstGeom prst="line">
-            <a:avLst/>
-          </a:prstGeom>
-          <a:ln w="15875">
-            <a:solidFill>
-              <a:schemeClr val="tx1">
-                <a:lumMod val="65000"/>
-                <a:lumOff val="35000"/>
-              </a:schemeClr>
-            </a:solidFill>
-            <a:prstDash val="lgDash"/>
-          </a:ln>
-        </p:spPr>
-        <p:style>
-          <a:lnRef idx="1">
-            <a:schemeClr val="accent1"/>
-          </a:lnRef>
-          <a:fillRef idx="0">
-            <a:schemeClr val="accent1"/>
-          </a:fillRef>
-          <a:effectRef idx="0">
-            <a:schemeClr val="accent1"/>
-          </a:effectRef>
-          <a:fontRef idx="minor">
-            <a:schemeClr val="tx1"/>
-          </a:fontRef>
-        </p:style>
-      </p:cxnSp>
-      <p:cxnSp>
-        <p:nvCxnSpPr>
-          <p:cNvPr id="11" name="Прямая соединительная линия 10">
-            <a:extLst>
-              <a:ext uri="{FF2B5EF4-FFF2-40B4-BE49-F238E27FC236}">
-                <a16:creationId xmlns:a16="http://schemas.microsoft.com/office/drawing/2014/main" id="{14BA60F8-AD2F-42B4-8FC3-EBE52607008F}"/>
-              </a:ext>
-            </a:extLst>
-          </p:cNvPr>
-          <p:cNvCxnSpPr>
-            <a:cxnSpLocks/>
-          </p:cNvCxnSpPr>
-          <p:nvPr/>
-        </p:nvCxnSpPr>
-        <p:spPr>
-          <a:xfrm>
-            <a:off x="1524000" y="1452500"/>
-            <a:ext cx="13131800" cy="0"/>
-          </a:xfrm>
-          <a:prstGeom prst="line">
-            <a:avLst/>
-          </a:prstGeom>
-          <a:ln w="15875">
-            <a:solidFill>
-              <a:schemeClr val="tx1">
-                <a:lumMod val="65000"/>
-                <a:lumOff val="35000"/>
-              </a:schemeClr>
-            </a:solidFill>
-            <a:prstDash val="lgDash"/>
-          </a:ln>
-        </p:spPr>
-        <p:style>
-          <a:lnRef idx="1">
-            <a:schemeClr val="accent1"/>
-          </a:lnRef>
-          <a:fillRef idx="0">
-            <a:schemeClr val="accent1"/>
-          </a:fillRef>
-          <a:effectRef idx="0">
-            <a:schemeClr val="accent1"/>
-          </a:effectRef>
-          <a:fontRef idx="minor">
-            <a:schemeClr val="tx1"/>
-          </a:fontRef>
-        </p:style>
-      </p:cxnSp>
-    </p:spTree>
-    <p:extLst>
-      <p:ext uri="{BB962C8B-B14F-4D97-AF65-F5344CB8AC3E}">
-        <p14:creationId xmlns:p14="http://schemas.microsoft.com/office/powerpoint/2010/main" val="1446561339"/>
       </p:ext>
     </p:extLst>
   </p:cSld>
@@ -20574,6 +21303,160 @@
           <a:chExt cx="0" cy="0"/>
         </a:xfrm>
       </p:grpSpPr>
+      <p:pic>
+        <p:nvPicPr>
+          <p:cNvPr id="9" name="Рисунок 8">
+            <a:extLst>
+              <a:ext uri="{FF2B5EF4-FFF2-40B4-BE49-F238E27FC236}">
+                <a16:creationId xmlns:a16="http://schemas.microsoft.com/office/drawing/2014/main" id="{2ADB115A-4B43-47F1-B5F3-4592C8D85728}"/>
+              </a:ext>
+            </a:extLst>
+          </p:cNvPr>
+          <p:cNvPicPr>
+            <a:picLocks noChangeAspect="1"/>
+          </p:cNvPicPr>
+          <p:nvPr/>
+        </p:nvPicPr>
+        <p:blipFill>
+          <a:blip r:embed="rId2"/>
+          <a:stretch>
+            <a:fillRect/>
+          </a:stretch>
+        </p:blipFill>
+        <p:spPr>
+          <a:xfrm>
+            <a:off x="1200877" y="0"/>
+            <a:ext cx="13798684" cy="7199313"/>
+          </a:xfrm>
+          <a:prstGeom prst="rect">
+            <a:avLst/>
+          </a:prstGeom>
+        </p:spPr>
+      </p:pic>
+      <p:cxnSp>
+        <p:nvCxnSpPr>
+          <p:cNvPr id="10" name="Прямая соединительная линия 9">
+            <a:extLst>
+              <a:ext uri="{FF2B5EF4-FFF2-40B4-BE49-F238E27FC236}">
+                <a16:creationId xmlns:a16="http://schemas.microsoft.com/office/drawing/2014/main" id="{C7EC4329-032A-42DD-A805-B52A4CF644E5}"/>
+              </a:ext>
+            </a:extLst>
+          </p:cNvPr>
+          <p:cNvCxnSpPr>
+            <a:cxnSpLocks/>
+          </p:cNvCxnSpPr>
+          <p:nvPr/>
+        </p:nvCxnSpPr>
+        <p:spPr>
+          <a:xfrm>
+            <a:off x="1524000" y="1973200"/>
+            <a:ext cx="13157200" cy="0"/>
+          </a:xfrm>
+          <a:prstGeom prst="line">
+            <a:avLst/>
+          </a:prstGeom>
+          <a:ln w="15875">
+            <a:solidFill>
+              <a:schemeClr val="tx1">
+                <a:lumMod val="65000"/>
+                <a:lumOff val="35000"/>
+              </a:schemeClr>
+            </a:solidFill>
+            <a:prstDash val="lgDash"/>
+          </a:ln>
+        </p:spPr>
+        <p:style>
+          <a:lnRef idx="1">
+            <a:schemeClr val="accent1"/>
+          </a:lnRef>
+          <a:fillRef idx="0">
+            <a:schemeClr val="accent1"/>
+          </a:fillRef>
+          <a:effectRef idx="0">
+            <a:schemeClr val="accent1"/>
+          </a:effectRef>
+          <a:fontRef idx="minor">
+            <a:schemeClr val="tx1"/>
+          </a:fontRef>
+        </p:style>
+      </p:cxnSp>
+      <p:cxnSp>
+        <p:nvCxnSpPr>
+          <p:cNvPr id="11" name="Прямая соединительная линия 10">
+            <a:extLst>
+              <a:ext uri="{FF2B5EF4-FFF2-40B4-BE49-F238E27FC236}">
+                <a16:creationId xmlns:a16="http://schemas.microsoft.com/office/drawing/2014/main" id="{14BA60F8-AD2F-42B4-8FC3-EBE52607008F}"/>
+              </a:ext>
+            </a:extLst>
+          </p:cNvPr>
+          <p:cNvCxnSpPr>
+            <a:cxnSpLocks/>
+          </p:cNvCxnSpPr>
+          <p:nvPr/>
+        </p:nvCxnSpPr>
+        <p:spPr>
+          <a:xfrm>
+            <a:off x="1524000" y="1452500"/>
+            <a:ext cx="13131800" cy="0"/>
+          </a:xfrm>
+          <a:prstGeom prst="line">
+            <a:avLst/>
+          </a:prstGeom>
+          <a:ln w="15875">
+            <a:solidFill>
+              <a:schemeClr val="tx1">
+                <a:lumMod val="65000"/>
+                <a:lumOff val="35000"/>
+              </a:schemeClr>
+            </a:solidFill>
+            <a:prstDash val="lgDash"/>
+          </a:ln>
+        </p:spPr>
+        <p:style>
+          <a:lnRef idx="1">
+            <a:schemeClr val="accent1"/>
+          </a:lnRef>
+          <a:fillRef idx="0">
+            <a:schemeClr val="accent1"/>
+          </a:fillRef>
+          <a:effectRef idx="0">
+            <a:schemeClr val="accent1"/>
+          </a:effectRef>
+          <a:fontRef idx="minor">
+            <a:schemeClr val="tx1"/>
+          </a:fontRef>
+        </p:style>
+      </p:cxnSp>
+    </p:spTree>
+    <p:extLst>
+      <p:ext uri="{BB962C8B-B14F-4D97-AF65-F5344CB8AC3E}">
+        <p14:creationId xmlns:p14="http://schemas.microsoft.com/office/powerpoint/2010/main" val="1446561339"/>
+      </p:ext>
+    </p:extLst>
+  </p:cSld>
+  <p:clrMapOvr>
+    <a:masterClrMapping/>
+  </p:clrMapOvr>
+</p:sld>
+</file>
+
+<file path=ppt/slides/slide21.xml><?xml version="1.0" encoding="utf-8"?>
+<p:sld xmlns:a="http://schemas.openxmlformats.org/drawingml/2006/main" xmlns:r="http://schemas.openxmlformats.org/officeDocument/2006/relationships" xmlns:p="http://schemas.openxmlformats.org/presentationml/2006/main">
+  <p:cSld>
+    <p:spTree>
+      <p:nvGrpSpPr>
+        <p:cNvPr id="1" name=""/>
+        <p:cNvGrpSpPr/>
+        <p:nvPr/>
+      </p:nvGrpSpPr>
+      <p:grpSpPr>
+        <a:xfrm>
+          <a:off x="0" y="0"/>
+          <a:ext cx="0" cy="0"/>
+          <a:chOff x="0" y="0"/>
+          <a:chExt cx="0" cy="0"/>
+        </a:xfrm>
+      </p:grpSpPr>
       <p:cxnSp>
         <p:nvCxnSpPr>
           <p:cNvPr id="6" name="Прямая соединительная линия 5">
@@ -20805,7 +21688,7 @@
 </p:sld>
 </file>
 
-<file path=ppt/slides/slide21.xml><?xml version="1.0" encoding="utf-8"?>
+<file path=ppt/slides/slide22.xml><?xml version="1.0" encoding="utf-8"?>
 <p:sld xmlns:a="http://schemas.openxmlformats.org/drawingml/2006/main" xmlns:r="http://schemas.openxmlformats.org/officeDocument/2006/relationships" xmlns:p="http://schemas.openxmlformats.org/presentationml/2006/main">
   <p:cSld>
     <p:spTree>
@@ -21002,7 +21885,7 @@
 </p:sld>
 </file>
 
-<file path=ppt/slides/slide22.xml><?xml version="1.0" encoding="utf-8"?>
+<file path=ppt/slides/slide23.xml><?xml version="1.0" encoding="utf-8"?>
 <p:sld xmlns:a="http://schemas.openxmlformats.org/drawingml/2006/main" xmlns:r="http://schemas.openxmlformats.org/officeDocument/2006/relationships" xmlns:p="http://schemas.openxmlformats.org/presentationml/2006/main">
   <p:cSld>
     <p:spTree>
@@ -21156,7 +22039,7 @@
 </p:sld>
 </file>
 
-<file path=ppt/slides/slide23.xml><?xml version="1.0" encoding="utf-8"?>
+<file path=ppt/slides/slide24.xml><?xml version="1.0" encoding="utf-8"?>
 <p:sld xmlns:a="http://schemas.openxmlformats.org/drawingml/2006/main" xmlns:r="http://schemas.openxmlformats.org/officeDocument/2006/relationships" xmlns:p="http://schemas.openxmlformats.org/presentationml/2006/main">
   <p:cSld>
     <p:spTree>
@@ -21310,7 +22193,7 @@
 </p:sld>
 </file>
 
-<file path=ppt/slides/slide24.xml><?xml version="1.0" encoding="utf-8"?>
+<file path=ppt/slides/slide25.xml><?xml version="1.0" encoding="utf-8"?>
 <p:sld xmlns:a="http://schemas.openxmlformats.org/drawingml/2006/main" xmlns:r="http://schemas.openxmlformats.org/officeDocument/2006/relationships" xmlns:p="http://schemas.openxmlformats.org/presentationml/2006/main">
   <p:cSld>
     <p:spTree>
@@ -21370,7 +22253,7 @@
 </p:sld>
 </file>
 
-<file path=ppt/slides/slide25.xml><?xml version="1.0" encoding="utf-8"?>
+<file path=ppt/slides/slide26.xml><?xml version="1.0" encoding="utf-8"?>
 <p:sld xmlns:a="http://schemas.openxmlformats.org/drawingml/2006/main" xmlns:r="http://schemas.openxmlformats.org/officeDocument/2006/relationships" xmlns:p="http://schemas.openxmlformats.org/presentationml/2006/main">
   <p:cSld>
     <p:spTree>
@@ -21430,7 +22313,7 @@
 </p:sld>
 </file>
 
-<file path=ppt/slides/slide26.xml><?xml version="1.0" encoding="utf-8"?>
+<file path=ppt/slides/slide27.xml><?xml version="1.0" encoding="utf-8"?>
 <p:sld xmlns:a="http://schemas.openxmlformats.org/drawingml/2006/main" xmlns:r="http://schemas.openxmlformats.org/officeDocument/2006/relationships" xmlns:p="http://schemas.openxmlformats.org/presentationml/2006/main">
   <p:cSld>
     <p:spTree>
@@ -21702,7 +22585,7 @@
 </p:sld>
 </file>
 
-<file path=ppt/slides/slide27.xml><?xml version="1.0" encoding="utf-8"?>
+<file path=ppt/slides/slide28.xml><?xml version="1.0" encoding="utf-8"?>
 <p:sld xmlns:a="http://schemas.openxmlformats.org/drawingml/2006/main" xmlns:r="http://schemas.openxmlformats.org/officeDocument/2006/relationships" xmlns:p="http://schemas.openxmlformats.org/presentationml/2006/main">
   <p:cSld>
     <p:spTree>
@@ -21974,7 +22857,7 @@
 </p:sld>
 </file>
 
-<file path=ppt/slides/slide28.xml><?xml version="1.0" encoding="utf-8"?>
+<file path=ppt/slides/slide29.xml><?xml version="1.0" encoding="utf-8"?>
 <p:sld xmlns:a="http://schemas.openxmlformats.org/drawingml/2006/main" xmlns:r="http://schemas.openxmlformats.org/officeDocument/2006/relationships" xmlns:p="http://schemas.openxmlformats.org/presentationml/2006/main">
   <p:cSld>
     <p:spTree>
@@ -22113,8 +22996,8 @@
           </a:p>
         </p:txBody>
       </p:sp>
-      <mc:AlternateContent xmlns:mc="http://schemas.openxmlformats.org/markup-compatibility/2006">
-        <mc:Choice xmlns:a14="http://schemas.microsoft.com/office/drawing/2010/main" Requires="a14">
+      <mc:AlternateContent xmlns:mc="http://schemas.openxmlformats.org/markup-compatibility/2006" xmlns:a14="http://schemas.microsoft.com/office/drawing/2010/main">
+        <mc:Choice Requires="a14">
           <p:sp>
             <p:nvSpPr>
               <p:cNvPr id="8" name="TextBox 7">
@@ -22179,7 +23062,7 @@
             </p:txBody>
           </p:sp>
         </mc:Choice>
-        <mc:Fallback>
+        <mc:Fallback xmlns="">
           <p:sp>
             <p:nvSpPr>
               <p:cNvPr id="8" name="TextBox 7">
@@ -22224,8 +23107,8 @@
           </p:sp>
         </mc:Fallback>
       </mc:AlternateContent>
-      <mc:AlternateContent xmlns:mc="http://schemas.openxmlformats.org/markup-compatibility/2006">
-        <mc:Choice xmlns:a14="http://schemas.microsoft.com/office/drawing/2010/main" Requires="a14">
+      <mc:AlternateContent xmlns:mc="http://schemas.openxmlformats.org/markup-compatibility/2006" xmlns:a14="http://schemas.microsoft.com/office/drawing/2010/main">
+        <mc:Choice Requires="a14">
           <p:sp>
             <p:nvSpPr>
               <p:cNvPr id="9" name="TextBox 8">
@@ -22293,7 +23176,7 @@
             </p:txBody>
           </p:sp>
         </mc:Choice>
-        <mc:Fallback>
+        <mc:Fallback xmlns="">
           <p:sp>
             <p:nvSpPr>
               <p:cNvPr id="9" name="TextBox 8">
@@ -22542,583 +23425,6 @@
     <p:extLst>
       <p:ext uri="{BB962C8B-B14F-4D97-AF65-F5344CB8AC3E}">
         <p14:creationId xmlns:p14="http://schemas.microsoft.com/office/powerpoint/2010/main" val="3977255632"/>
-      </p:ext>
-    </p:extLst>
-  </p:cSld>
-  <p:clrMapOvr>
-    <a:masterClrMapping/>
-  </p:clrMapOvr>
-</p:sld>
-</file>
-
-<file path=ppt/slides/slide29.xml><?xml version="1.0" encoding="utf-8"?>
-<p:sld xmlns:a="http://schemas.openxmlformats.org/drawingml/2006/main" xmlns:r="http://schemas.openxmlformats.org/officeDocument/2006/relationships" xmlns:p="http://schemas.openxmlformats.org/presentationml/2006/main">
-  <p:cSld>
-    <p:spTree>
-      <p:nvGrpSpPr>
-        <p:cNvPr id="1" name=""/>
-        <p:cNvGrpSpPr/>
-        <p:nvPr/>
-      </p:nvGrpSpPr>
-      <p:grpSpPr>
-        <a:xfrm>
-          <a:off x="0" y="0"/>
-          <a:ext cx="0" cy="0"/>
-          <a:chOff x="0" y="0"/>
-          <a:chExt cx="0" cy="0"/>
-        </a:xfrm>
-      </p:grpSpPr>
-      <p:pic>
-        <p:nvPicPr>
-          <p:cNvPr id="14" name="Рисунок 13">
-            <a:extLst>
-              <a:ext uri="{FF2B5EF4-FFF2-40B4-BE49-F238E27FC236}">
-                <a16:creationId xmlns:a16="http://schemas.microsoft.com/office/drawing/2014/main" id="{5422BD8D-C1E7-40F6-83D4-0EFCD17733B2}"/>
-              </a:ext>
-            </a:extLst>
-          </p:cNvPr>
-          <p:cNvPicPr>
-            <a:picLocks noChangeAspect="1"/>
-          </p:cNvPicPr>
-          <p:nvPr/>
-        </p:nvPicPr>
-        <p:blipFill>
-          <a:blip r:embed="rId2"/>
-          <a:stretch>
-            <a:fillRect/>
-          </a:stretch>
-        </p:blipFill>
-        <p:spPr>
-          <a:xfrm>
-            <a:off x="5161346" y="1365732"/>
-            <a:ext cx="6216699" cy="4725498"/>
-          </a:xfrm>
-          <a:prstGeom prst="rect">
-            <a:avLst/>
-          </a:prstGeom>
-        </p:spPr>
-      </p:pic>
-      <mc:AlternateContent xmlns:mc="http://schemas.openxmlformats.org/markup-compatibility/2006">
-        <mc:Choice xmlns:a14="http://schemas.microsoft.com/office/drawing/2010/main" Requires="a14">
-          <p:sp>
-            <p:nvSpPr>
-              <p:cNvPr id="7" name="TextBox 6">
-                <a:extLst>
-                  <a:ext uri="{FF2B5EF4-FFF2-40B4-BE49-F238E27FC236}">
-                    <a16:creationId xmlns:a16="http://schemas.microsoft.com/office/drawing/2014/main" id="{52B37946-2B2D-45C0-9DD8-D9AC68A68F58}"/>
-                  </a:ext>
-                </a:extLst>
-              </p:cNvPr>
-              <p:cNvSpPr txBox="1"/>
-              <p:nvPr/>
-            </p:nvSpPr>
-            <p:spPr>
-              <a:xfrm>
-                <a:off x="8525737" y="2432330"/>
-                <a:ext cx="857251" cy="553998"/>
-              </a:xfrm>
-              <a:prstGeom prst="rect">
-                <a:avLst/>
-              </a:prstGeom>
-              <a:noFill/>
-            </p:spPr>
-            <p:txBody>
-              <a:bodyPr wrap="square" lIns="0" tIns="0" rIns="0" bIns="0" rtlCol="0">
-                <a:spAutoFit/>
-              </a:bodyPr>
-              <a:lstStyle/>
-              <a:p>
-                <a:pPr/>
-                <a14:m>
-                  <m:oMathPara xmlns:m="http://schemas.openxmlformats.org/officeDocument/2006/math">
-                    <m:oMathParaPr>
-                      <m:jc m:val="centerGroup"/>
-                    </m:oMathParaPr>
-                    <m:oMath xmlns:m="http://schemas.openxmlformats.org/officeDocument/2006/math">
-                      <m:r>
-                        <a:rPr lang="ru-RU" i="1">
-                          <a:latin typeface="Cambria Math" panose="02040503050406030204" pitchFamily="18" charset="0"/>
-                        </a:rPr>
-                        <m:t>𝐴</m:t>
-                      </m:r>
-                      <m:r>
-                        <a:rPr lang="ru-RU" i="1">
-                          <a:latin typeface="Cambria Math" panose="02040503050406030204" pitchFamily="18" charset="0"/>
-                        </a:rPr>
-                        <m:t> = </m:t>
-                      </m:r>
-                      <m:r>
-                        <a:rPr lang="ru-RU">
-                          <a:latin typeface="Cambria Math" panose="02040503050406030204" pitchFamily="18" charset="0"/>
-                        </a:rPr>
-                        <m:t>∞</m:t>
-                      </m:r>
-                    </m:oMath>
-                  </m:oMathPara>
-                </a14:m>
-                <a:endParaRPr lang="ru-RU" dirty="0"/>
-              </a:p>
-              <a:p>
-                <a:endParaRPr lang="ru-RU" dirty="0"/>
-              </a:p>
-            </p:txBody>
-          </p:sp>
-        </mc:Choice>
-        <mc:Fallback>
-          <p:sp>
-            <p:nvSpPr>
-              <p:cNvPr id="7" name="TextBox 6">
-                <a:extLst>
-                  <a:ext uri="{FF2B5EF4-FFF2-40B4-BE49-F238E27FC236}">
-                    <a16:creationId xmlns:a16="http://schemas.microsoft.com/office/drawing/2014/main" id="{52B37946-2B2D-45C0-9DD8-D9AC68A68F58}"/>
-                  </a:ext>
-                </a:extLst>
-              </p:cNvPr>
-              <p:cNvSpPr txBox="1">
-                <a:spLocks noRot="1" noChangeAspect="1" noMove="1" noResize="1" noEditPoints="1" noAdjustHandles="1" noChangeArrowheads="1" noChangeShapeType="1" noTextEdit="1"/>
-              </p:cNvSpPr>
-              <p:nvPr/>
-            </p:nvSpPr>
-            <p:spPr>
-              <a:xfrm>
-                <a:off x="8525737" y="2432330"/>
-                <a:ext cx="857251" cy="553998"/>
-              </a:xfrm>
-              <a:prstGeom prst="rect">
-                <a:avLst/>
-              </a:prstGeom>
-              <a:blipFill>
-                <a:blip r:embed="rId3"/>
-                <a:stretch>
-                  <a:fillRect l="-2857"/>
-                </a:stretch>
-              </a:blipFill>
-            </p:spPr>
-            <p:txBody>
-              <a:bodyPr/>
-              <a:lstStyle/>
-              <a:p>
-                <a:r>
-                  <a:rPr lang="ru-RU">
-                    <a:noFill/>
-                  </a:rPr>
-                  <a:t> </a:t>
-                </a:r>
-              </a:p>
-            </p:txBody>
-          </p:sp>
-        </mc:Fallback>
-      </mc:AlternateContent>
-      <mc:AlternateContent xmlns:mc="http://schemas.openxmlformats.org/markup-compatibility/2006">
-        <mc:Choice xmlns:a14="http://schemas.microsoft.com/office/drawing/2010/main" Requires="a14">
-          <p:sp>
-            <p:nvSpPr>
-              <p:cNvPr id="8" name="TextBox 7">
-                <a:extLst>
-                  <a:ext uri="{FF2B5EF4-FFF2-40B4-BE49-F238E27FC236}">
-                    <a16:creationId xmlns:a16="http://schemas.microsoft.com/office/drawing/2014/main" id="{DB08A6A7-BE66-4B12-B50A-D89A40F42E1B}"/>
-                  </a:ext>
-                </a:extLst>
-              </p:cNvPr>
-              <p:cNvSpPr txBox="1"/>
-              <p:nvPr/>
-            </p:nvSpPr>
-            <p:spPr>
-              <a:xfrm>
-                <a:off x="6715121" y="5010788"/>
-                <a:ext cx="857251" cy="553998"/>
-              </a:xfrm>
-              <a:prstGeom prst="rect">
-                <a:avLst/>
-              </a:prstGeom>
-              <a:noFill/>
-            </p:spPr>
-            <p:txBody>
-              <a:bodyPr wrap="square" lIns="0" tIns="0" rIns="0" bIns="0" rtlCol="0">
-                <a:spAutoFit/>
-              </a:bodyPr>
-              <a:lstStyle/>
-              <a:p>
-                <a:pPr/>
-                <a14:m>
-                  <m:oMathPara xmlns:m="http://schemas.openxmlformats.org/officeDocument/2006/math">
-                    <m:oMathParaPr>
-                      <m:jc m:val="centerGroup"/>
-                    </m:oMathParaPr>
-                    <m:oMath xmlns:m="http://schemas.openxmlformats.org/officeDocument/2006/math">
-                      <m:r>
-                        <m:rPr>
-                          <m:sty m:val="p"/>
-                        </m:rPr>
-                        <a:rPr lang="ru-RU">
-                          <a:latin typeface="Cambria Math" panose="02040503050406030204" pitchFamily="18" charset="0"/>
-                        </a:rPr>
-                        <m:t>ω</m:t>
-                      </m:r>
-                      <m:r>
-                        <a:rPr lang="ru-RU" i="1">
-                          <a:latin typeface="Cambria Math" panose="02040503050406030204" pitchFamily="18" charset="0"/>
-                        </a:rPr>
-                        <m:t>=</m:t>
-                      </m:r>
-                      <m:r>
-                        <a:rPr lang="ru-RU">
-                          <a:latin typeface="Cambria Math" panose="02040503050406030204" pitchFamily="18" charset="0"/>
-                        </a:rPr>
-                        <m:t>∞</m:t>
-                      </m:r>
-                    </m:oMath>
-                  </m:oMathPara>
-                </a14:m>
-                <a:endParaRPr lang="ru-RU" dirty="0"/>
-              </a:p>
-              <a:p>
-                <a:endParaRPr lang="ru-RU" dirty="0"/>
-              </a:p>
-            </p:txBody>
-          </p:sp>
-        </mc:Choice>
-        <mc:Fallback>
-          <p:sp>
-            <p:nvSpPr>
-              <p:cNvPr id="8" name="TextBox 7">
-                <a:extLst>
-                  <a:ext uri="{FF2B5EF4-FFF2-40B4-BE49-F238E27FC236}">
-                    <a16:creationId xmlns:a16="http://schemas.microsoft.com/office/drawing/2014/main" id="{DB08A6A7-BE66-4B12-B50A-D89A40F42E1B}"/>
-                  </a:ext>
-                </a:extLst>
-              </p:cNvPr>
-              <p:cNvSpPr txBox="1">
-                <a:spLocks noRot="1" noChangeAspect="1" noMove="1" noResize="1" noEditPoints="1" noAdjustHandles="1" noChangeArrowheads="1" noChangeShapeType="1" noTextEdit="1"/>
-              </p:cNvSpPr>
-              <p:nvPr/>
-            </p:nvSpPr>
-            <p:spPr>
-              <a:xfrm>
-                <a:off x="6715121" y="5010788"/>
-                <a:ext cx="857251" cy="553998"/>
-              </a:xfrm>
-              <a:prstGeom prst="rect">
-                <a:avLst/>
-              </a:prstGeom>
-              <a:blipFill>
-                <a:blip r:embed="rId4"/>
-                <a:stretch>
-                  <a:fillRect/>
-                </a:stretch>
-              </a:blipFill>
-            </p:spPr>
-            <p:txBody>
-              <a:bodyPr/>
-              <a:lstStyle/>
-              <a:p>
-                <a:r>
-                  <a:rPr lang="ru-RU">
-                    <a:noFill/>
-                  </a:rPr>
-                  <a:t> </a:t>
-                </a:r>
-              </a:p>
-            </p:txBody>
-          </p:sp>
-        </mc:Fallback>
-      </mc:AlternateContent>
-      <p:sp>
-        <p:nvSpPr>
-          <p:cNvPr id="10" name="Прямоугольник 9">
-            <a:extLst>
-              <a:ext uri="{FF2B5EF4-FFF2-40B4-BE49-F238E27FC236}">
-                <a16:creationId xmlns:a16="http://schemas.microsoft.com/office/drawing/2014/main" id="{77ECEB51-B675-4C93-959A-CF3D618235BF}"/>
-              </a:ext>
-            </a:extLst>
-          </p:cNvPr>
-          <p:cNvSpPr/>
-          <p:nvPr/>
-        </p:nvSpPr>
-        <p:spPr>
-          <a:xfrm>
-            <a:off x="7607502" y="1470029"/>
-            <a:ext cx="1569027" cy="249382"/>
-          </a:xfrm>
-          <a:prstGeom prst="rect">
-            <a:avLst/>
-          </a:prstGeom>
-          <a:solidFill>
-            <a:srgbClr val="F0F0F0"/>
-          </a:solidFill>
-          <a:ln>
-            <a:solidFill>
-              <a:srgbClr val="F0F0F0"/>
-            </a:solidFill>
-          </a:ln>
-        </p:spPr>
-        <p:style>
-          <a:lnRef idx="2">
-            <a:schemeClr val="accent1">
-              <a:shade val="50000"/>
-            </a:schemeClr>
-          </a:lnRef>
-          <a:fillRef idx="1">
-            <a:schemeClr val="accent1"/>
-          </a:fillRef>
-          <a:effectRef idx="0">
-            <a:schemeClr val="accent1"/>
-          </a:effectRef>
-          <a:fontRef idx="minor">
-            <a:schemeClr val="lt1"/>
-          </a:fontRef>
-        </p:style>
-        <p:txBody>
-          <a:bodyPr rtlCol="0" anchor="ctr"/>
-          <a:lstStyle/>
-          <a:p>
-            <a:pPr algn="ctr"/>
-            <a:endParaRPr lang="ru-RU"/>
-          </a:p>
-        </p:txBody>
-      </p:sp>
-      <p:sp>
-        <p:nvSpPr>
-          <p:cNvPr id="11" name="Прямоугольник 10">
-            <a:extLst>
-              <a:ext uri="{FF2B5EF4-FFF2-40B4-BE49-F238E27FC236}">
-                <a16:creationId xmlns:a16="http://schemas.microsoft.com/office/drawing/2014/main" id="{75123D7C-482F-4B0F-BEB7-E0919B34EB72}"/>
-              </a:ext>
-            </a:extLst>
-          </p:cNvPr>
-          <p:cNvSpPr/>
-          <p:nvPr/>
-        </p:nvSpPr>
-        <p:spPr>
-          <a:xfrm>
-            <a:off x="7515218" y="5875145"/>
-            <a:ext cx="1569027" cy="249382"/>
-          </a:xfrm>
-          <a:prstGeom prst="rect">
-            <a:avLst/>
-          </a:prstGeom>
-          <a:solidFill>
-            <a:srgbClr val="F0F0F0"/>
-          </a:solidFill>
-          <a:ln>
-            <a:solidFill>
-              <a:srgbClr val="F0F0F0"/>
-            </a:solidFill>
-          </a:ln>
-        </p:spPr>
-        <p:style>
-          <a:lnRef idx="2">
-            <a:schemeClr val="accent1">
-              <a:shade val="50000"/>
-            </a:schemeClr>
-          </a:lnRef>
-          <a:fillRef idx="1">
-            <a:schemeClr val="accent1"/>
-          </a:fillRef>
-          <a:effectRef idx="0">
-            <a:schemeClr val="accent1"/>
-          </a:effectRef>
-          <a:fontRef idx="minor">
-            <a:schemeClr val="lt1"/>
-          </a:fontRef>
-        </p:style>
-        <p:txBody>
-          <a:bodyPr rtlCol="0" anchor="ctr"/>
-          <a:lstStyle/>
-          <a:p>
-            <a:pPr algn="ctr"/>
-            <a:endParaRPr lang="ru-RU" dirty="0"/>
-          </a:p>
-        </p:txBody>
-      </p:sp>
-      <p:sp>
-        <p:nvSpPr>
-          <p:cNvPr id="12" name="Прямоугольник 11">
-            <a:extLst>
-              <a:ext uri="{FF2B5EF4-FFF2-40B4-BE49-F238E27FC236}">
-                <a16:creationId xmlns:a16="http://schemas.microsoft.com/office/drawing/2014/main" id="{4F40D1AB-3CB0-4A39-9380-C97CCDCE6126}"/>
-              </a:ext>
-            </a:extLst>
-          </p:cNvPr>
-          <p:cNvSpPr/>
-          <p:nvPr/>
-        </p:nvSpPr>
-        <p:spPr>
-          <a:xfrm rot="16200000">
-            <a:off x="4428788" y="3339881"/>
-            <a:ext cx="1569027" cy="249382"/>
-          </a:xfrm>
-          <a:prstGeom prst="rect">
-            <a:avLst/>
-          </a:prstGeom>
-          <a:solidFill>
-            <a:srgbClr val="F0F0F0"/>
-          </a:solidFill>
-          <a:ln>
-            <a:solidFill>
-              <a:srgbClr val="F0F0F0"/>
-            </a:solidFill>
-          </a:ln>
-        </p:spPr>
-        <p:style>
-          <a:lnRef idx="2">
-            <a:schemeClr val="accent1">
-              <a:shade val="50000"/>
-            </a:schemeClr>
-          </a:lnRef>
-          <a:fillRef idx="1">
-            <a:schemeClr val="accent1"/>
-          </a:fillRef>
-          <a:effectRef idx="0">
-            <a:schemeClr val="accent1"/>
-          </a:effectRef>
-          <a:fontRef idx="minor">
-            <a:schemeClr val="lt1"/>
-          </a:fontRef>
-        </p:style>
-        <p:txBody>
-          <a:bodyPr rtlCol="0" anchor="ctr"/>
-          <a:lstStyle/>
-          <a:p>
-            <a:pPr algn="ctr"/>
-            <a:endParaRPr lang="ru-RU"/>
-          </a:p>
-        </p:txBody>
-      </p:sp>
-      <p:sp>
-        <p:nvSpPr>
-          <p:cNvPr id="6" name="TextBox 5">
-            <a:extLst>
-              <a:ext uri="{FF2B5EF4-FFF2-40B4-BE49-F238E27FC236}">
-                <a16:creationId xmlns:a16="http://schemas.microsoft.com/office/drawing/2014/main" id="{6D18924F-B5AF-4980-8ED7-275F22BDDE2C}"/>
-              </a:ext>
-            </a:extLst>
-          </p:cNvPr>
-          <p:cNvSpPr txBox="1"/>
-          <p:nvPr/>
-        </p:nvSpPr>
-        <p:spPr>
-          <a:xfrm rot="16200000">
-            <a:off x="3652291" y="2557933"/>
-            <a:ext cx="3200400" cy="369332"/>
-          </a:xfrm>
-          <a:prstGeom prst="rect">
-            <a:avLst/>
-          </a:prstGeom>
-          <a:noFill/>
-        </p:spPr>
-        <p:txBody>
-          <a:bodyPr wrap="square" rtlCol="0">
-            <a:spAutoFit/>
-          </a:bodyPr>
-          <a:lstStyle/>
-          <a:p>
-            <a:r>
-              <a:rPr lang="ru-RU" dirty="0">
-                <a:latin typeface="Cambria Math" panose="02040503050406030204" pitchFamily="18" charset="0"/>
-                <a:ea typeface="Cambria Math" panose="02040503050406030204" pitchFamily="18" charset="0"/>
-              </a:rPr>
-              <a:t>Мнимая часть</a:t>
-            </a:r>
-          </a:p>
-        </p:txBody>
-      </p:sp>
-      <p:sp>
-        <p:nvSpPr>
-          <p:cNvPr id="9" name="TextBox 8">
-            <a:extLst>
-              <a:ext uri="{FF2B5EF4-FFF2-40B4-BE49-F238E27FC236}">
-                <a16:creationId xmlns:a16="http://schemas.microsoft.com/office/drawing/2014/main" id="{308E1435-E491-4272-ABBE-47FD7300AE2A}"/>
-              </a:ext>
-            </a:extLst>
-          </p:cNvPr>
-          <p:cNvSpPr txBox="1"/>
-          <p:nvPr/>
-        </p:nvSpPr>
-        <p:spPr>
-          <a:xfrm>
-            <a:off x="7182709" y="5769479"/>
-            <a:ext cx="3200400" cy="369332"/>
-          </a:xfrm>
-          <a:prstGeom prst="rect">
-            <a:avLst/>
-          </a:prstGeom>
-          <a:noFill/>
-        </p:spPr>
-        <p:txBody>
-          <a:bodyPr wrap="square" rtlCol="0">
-            <a:spAutoFit/>
-          </a:bodyPr>
-          <a:lstStyle/>
-          <a:p>
-            <a:r>
-              <a:rPr lang="ru-RU" dirty="0">
-                <a:latin typeface="Cambria Math" panose="02040503050406030204" pitchFamily="18" charset="0"/>
-                <a:ea typeface="Cambria Math" panose="02040503050406030204" pitchFamily="18" charset="0"/>
-              </a:rPr>
-              <a:t>Действительная часть</a:t>
-            </a:r>
-          </a:p>
-        </p:txBody>
-      </p:sp>
-      <p:sp>
-        <p:nvSpPr>
-          <p:cNvPr id="15" name="Прямоугольник 14">
-            <a:extLst>
-              <a:ext uri="{FF2B5EF4-FFF2-40B4-BE49-F238E27FC236}">
-                <a16:creationId xmlns:a16="http://schemas.microsoft.com/office/drawing/2014/main" id="{7FFCB776-E823-4121-965C-808EA41B7C31}"/>
-              </a:ext>
-            </a:extLst>
-          </p:cNvPr>
-          <p:cNvSpPr/>
-          <p:nvPr/>
-        </p:nvSpPr>
-        <p:spPr>
-          <a:xfrm>
-            <a:off x="9736280" y="1470029"/>
-            <a:ext cx="1569027" cy="249382"/>
-          </a:xfrm>
-          <a:prstGeom prst="rect">
-            <a:avLst/>
-          </a:prstGeom>
-          <a:solidFill>
-            <a:srgbClr val="F0F0F0"/>
-          </a:solidFill>
-          <a:ln>
-            <a:solidFill>
-              <a:srgbClr val="F0F0F0"/>
-            </a:solidFill>
-          </a:ln>
-        </p:spPr>
-        <p:style>
-          <a:lnRef idx="2">
-            <a:schemeClr val="accent1">
-              <a:shade val="50000"/>
-            </a:schemeClr>
-          </a:lnRef>
-          <a:fillRef idx="1">
-            <a:schemeClr val="accent1"/>
-          </a:fillRef>
-          <a:effectRef idx="0">
-            <a:schemeClr val="accent1"/>
-          </a:effectRef>
-          <a:fontRef idx="minor">
-            <a:schemeClr val="lt1"/>
-          </a:fontRef>
-        </p:style>
-        <p:txBody>
-          <a:bodyPr rtlCol="0" anchor="ctr"/>
-          <a:lstStyle/>
-          <a:p>
-            <a:pPr algn="ctr"/>
-            <a:endParaRPr lang="ru-RU"/>
-          </a:p>
-        </p:txBody>
-      </p:sp>
-    </p:spTree>
-    <p:extLst>
-      <p:ext uri="{BB962C8B-B14F-4D97-AF65-F5344CB8AC3E}">
-        <p14:creationId xmlns:p14="http://schemas.microsoft.com/office/powerpoint/2010/main" val="4238046438"/>
       </p:ext>
     </p:extLst>
   </p:cSld>
@@ -26926,6 +27232,1666 @@
     <p:extLst>
       <p:ext uri="{BB962C8B-B14F-4D97-AF65-F5344CB8AC3E}">
         <p14:creationId xmlns:p14="http://schemas.microsoft.com/office/powerpoint/2010/main" val="65850638"/>
+      </p:ext>
+    </p:extLst>
+  </p:cSld>
+  <p:clrMapOvr>
+    <a:masterClrMapping/>
+  </p:clrMapOvr>
+</p:sld>
+</file>
+
+<file path=ppt/slides/slide30.xml><?xml version="1.0" encoding="utf-8"?>
+<p:sld xmlns:a="http://schemas.openxmlformats.org/drawingml/2006/main" xmlns:r="http://schemas.openxmlformats.org/officeDocument/2006/relationships" xmlns:p="http://schemas.openxmlformats.org/presentationml/2006/main">
+  <p:cSld>
+    <p:spTree>
+      <p:nvGrpSpPr>
+        <p:cNvPr id="1" name=""/>
+        <p:cNvGrpSpPr/>
+        <p:nvPr/>
+      </p:nvGrpSpPr>
+      <p:grpSpPr>
+        <a:xfrm>
+          <a:off x="0" y="0"/>
+          <a:ext cx="0" cy="0"/>
+          <a:chOff x="0" y="0"/>
+          <a:chExt cx="0" cy="0"/>
+        </a:xfrm>
+      </p:grpSpPr>
+      <p:pic>
+        <p:nvPicPr>
+          <p:cNvPr id="14" name="Рисунок 13">
+            <a:extLst>
+              <a:ext uri="{FF2B5EF4-FFF2-40B4-BE49-F238E27FC236}">
+                <a16:creationId xmlns:a16="http://schemas.microsoft.com/office/drawing/2014/main" id="{5422BD8D-C1E7-40F6-83D4-0EFCD17733B2}"/>
+              </a:ext>
+            </a:extLst>
+          </p:cNvPr>
+          <p:cNvPicPr>
+            <a:picLocks noChangeAspect="1"/>
+          </p:cNvPicPr>
+          <p:nvPr/>
+        </p:nvPicPr>
+        <p:blipFill>
+          <a:blip r:embed="rId2"/>
+          <a:stretch>
+            <a:fillRect/>
+          </a:stretch>
+        </p:blipFill>
+        <p:spPr>
+          <a:xfrm>
+            <a:off x="5161346" y="1365732"/>
+            <a:ext cx="6216699" cy="4725498"/>
+          </a:xfrm>
+          <a:prstGeom prst="rect">
+            <a:avLst/>
+          </a:prstGeom>
+        </p:spPr>
+      </p:pic>
+      <mc:AlternateContent xmlns:mc="http://schemas.openxmlformats.org/markup-compatibility/2006" xmlns:a14="http://schemas.microsoft.com/office/drawing/2010/main">
+        <mc:Choice Requires="a14">
+          <p:sp>
+            <p:nvSpPr>
+              <p:cNvPr id="7" name="TextBox 6">
+                <a:extLst>
+                  <a:ext uri="{FF2B5EF4-FFF2-40B4-BE49-F238E27FC236}">
+                    <a16:creationId xmlns:a16="http://schemas.microsoft.com/office/drawing/2014/main" id="{52B37946-2B2D-45C0-9DD8-D9AC68A68F58}"/>
+                  </a:ext>
+                </a:extLst>
+              </p:cNvPr>
+              <p:cNvSpPr txBox="1"/>
+              <p:nvPr/>
+            </p:nvSpPr>
+            <p:spPr>
+              <a:xfrm>
+                <a:off x="8525737" y="2432330"/>
+                <a:ext cx="857251" cy="553998"/>
+              </a:xfrm>
+              <a:prstGeom prst="rect">
+                <a:avLst/>
+              </a:prstGeom>
+              <a:noFill/>
+            </p:spPr>
+            <p:txBody>
+              <a:bodyPr wrap="square" lIns="0" tIns="0" rIns="0" bIns="0" rtlCol="0">
+                <a:spAutoFit/>
+              </a:bodyPr>
+              <a:lstStyle/>
+              <a:p>
+                <a:pPr/>
+                <a14:m>
+                  <m:oMathPara xmlns:m="http://schemas.openxmlformats.org/officeDocument/2006/math">
+                    <m:oMathParaPr>
+                      <m:jc m:val="centerGroup"/>
+                    </m:oMathParaPr>
+                    <m:oMath xmlns:m="http://schemas.openxmlformats.org/officeDocument/2006/math">
+                      <m:r>
+                        <a:rPr lang="ru-RU" i="1">
+                          <a:latin typeface="Cambria Math" panose="02040503050406030204" pitchFamily="18" charset="0"/>
+                        </a:rPr>
+                        <m:t>𝐴</m:t>
+                      </m:r>
+                      <m:r>
+                        <a:rPr lang="ru-RU" i="1">
+                          <a:latin typeface="Cambria Math" panose="02040503050406030204" pitchFamily="18" charset="0"/>
+                        </a:rPr>
+                        <m:t> = </m:t>
+                      </m:r>
+                      <m:r>
+                        <a:rPr lang="ru-RU">
+                          <a:latin typeface="Cambria Math" panose="02040503050406030204" pitchFamily="18" charset="0"/>
+                        </a:rPr>
+                        <m:t>∞</m:t>
+                      </m:r>
+                    </m:oMath>
+                  </m:oMathPara>
+                </a14:m>
+                <a:endParaRPr lang="ru-RU" dirty="0"/>
+              </a:p>
+              <a:p>
+                <a:endParaRPr lang="ru-RU" dirty="0"/>
+              </a:p>
+            </p:txBody>
+          </p:sp>
+        </mc:Choice>
+        <mc:Fallback xmlns="">
+          <p:sp>
+            <p:nvSpPr>
+              <p:cNvPr id="7" name="TextBox 6">
+                <a:extLst>
+                  <a:ext uri="{FF2B5EF4-FFF2-40B4-BE49-F238E27FC236}">
+                    <a16:creationId xmlns:a16="http://schemas.microsoft.com/office/drawing/2014/main" id="{52B37946-2B2D-45C0-9DD8-D9AC68A68F58}"/>
+                  </a:ext>
+                </a:extLst>
+              </p:cNvPr>
+              <p:cNvSpPr txBox="1">
+                <a:spLocks noRot="1" noChangeAspect="1" noMove="1" noResize="1" noEditPoints="1" noAdjustHandles="1" noChangeArrowheads="1" noChangeShapeType="1" noTextEdit="1"/>
+              </p:cNvSpPr>
+              <p:nvPr/>
+            </p:nvSpPr>
+            <p:spPr>
+              <a:xfrm>
+                <a:off x="8525737" y="2432330"/>
+                <a:ext cx="857251" cy="553998"/>
+              </a:xfrm>
+              <a:prstGeom prst="rect">
+                <a:avLst/>
+              </a:prstGeom>
+              <a:blipFill>
+                <a:blip r:embed="rId3"/>
+                <a:stretch>
+                  <a:fillRect l="-2857"/>
+                </a:stretch>
+              </a:blipFill>
+            </p:spPr>
+            <p:txBody>
+              <a:bodyPr/>
+              <a:lstStyle/>
+              <a:p>
+                <a:r>
+                  <a:rPr lang="ru-RU">
+                    <a:noFill/>
+                  </a:rPr>
+                  <a:t> </a:t>
+                </a:r>
+              </a:p>
+            </p:txBody>
+          </p:sp>
+        </mc:Fallback>
+      </mc:AlternateContent>
+      <mc:AlternateContent xmlns:mc="http://schemas.openxmlformats.org/markup-compatibility/2006" xmlns:a14="http://schemas.microsoft.com/office/drawing/2010/main">
+        <mc:Choice Requires="a14">
+          <p:sp>
+            <p:nvSpPr>
+              <p:cNvPr id="8" name="TextBox 7">
+                <a:extLst>
+                  <a:ext uri="{FF2B5EF4-FFF2-40B4-BE49-F238E27FC236}">
+                    <a16:creationId xmlns:a16="http://schemas.microsoft.com/office/drawing/2014/main" id="{DB08A6A7-BE66-4B12-B50A-D89A40F42E1B}"/>
+                  </a:ext>
+                </a:extLst>
+              </p:cNvPr>
+              <p:cNvSpPr txBox="1"/>
+              <p:nvPr/>
+            </p:nvSpPr>
+            <p:spPr>
+              <a:xfrm>
+                <a:off x="6715121" y="5010788"/>
+                <a:ext cx="857251" cy="553998"/>
+              </a:xfrm>
+              <a:prstGeom prst="rect">
+                <a:avLst/>
+              </a:prstGeom>
+              <a:noFill/>
+            </p:spPr>
+            <p:txBody>
+              <a:bodyPr wrap="square" lIns="0" tIns="0" rIns="0" bIns="0" rtlCol="0">
+                <a:spAutoFit/>
+              </a:bodyPr>
+              <a:lstStyle/>
+              <a:p>
+                <a:pPr/>
+                <a14:m>
+                  <m:oMathPara xmlns:m="http://schemas.openxmlformats.org/officeDocument/2006/math">
+                    <m:oMathParaPr>
+                      <m:jc m:val="centerGroup"/>
+                    </m:oMathParaPr>
+                    <m:oMath xmlns:m="http://schemas.openxmlformats.org/officeDocument/2006/math">
+                      <m:r>
+                        <m:rPr>
+                          <m:sty m:val="p"/>
+                        </m:rPr>
+                        <a:rPr lang="ru-RU">
+                          <a:latin typeface="Cambria Math" panose="02040503050406030204" pitchFamily="18" charset="0"/>
+                        </a:rPr>
+                        <m:t>ω</m:t>
+                      </m:r>
+                      <m:r>
+                        <a:rPr lang="ru-RU" i="1">
+                          <a:latin typeface="Cambria Math" panose="02040503050406030204" pitchFamily="18" charset="0"/>
+                        </a:rPr>
+                        <m:t>=</m:t>
+                      </m:r>
+                      <m:r>
+                        <a:rPr lang="ru-RU">
+                          <a:latin typeface="Cambria Math" panose="02040503050406030204" pitchFamily="18" charset="0"/>
+                        </a:rPr>
+                        <m:t>∞</m:t>
+                      </m:r>
+                    </m:oMath>
+                  </m:oMathPara>
+                </a14:m>
+                <a:endParaRPr lang="ru-RU" dirty="0"/>
+              </a:p>
+              <a:p>
+                <a:endParaRPr lang="ru-RU" dirty="0"/>
+              </a:p>
+            </p:txBody>
+          </p:sp>
+        </mc:Choice>
+        <mc:Fallback xmlns="">
+          <p:sp>
+            <p:nvSpPr>
+              <p:cNvPr id="8" name="TextBox 7">
+                <a:extLst>
+                  <a:ext uri="{FF2B5EF4-FFF2-40B4-BE49-F238E27FC236}">
+                    <a16:creationId xmlns:a16="http://schemas.microsoft.com/office/drawing/2014/main" id="{DB08A6A7-BE66-4B12-B50A-D89A40F42E1B}"/>
+                  </a:ext>
+                </a:extLst>
+              </p:cNvPr>
+              <p:cNvSpPr txBox="1">
+                <a:spLocks noRot="1" noChangeAspect="1" noMove="1" noResize="1" noEditPoints="1" noAdjustHandles="1" noChangeArrowheads="1" noChangeShapeType="1" noTextEdit="1"/>
+              </p:cNvSpPr>
+              <p:nvPr/>
+            </p:nvSpPr>
+            <p:spPr>
+              <a:xfrm>
+                <a:off x="6715121" y="5010788"/>
+                <a:ext cx="857251" cy="553998"/>
+              </a:xfrm>
+              <a:prstGeom prst="rect">
+                <a:avLst/>
+              </a:prstGeom>
+              <a:blipFill>
+                <a:blip r:embed="rId4"/>
+                <a:stretch>
+                  <a:fillRect/>
+                </a:stretch>
+              </a:blipFill>
+            </p:spPr>
+            <p:txBody>
+              <a:bodyPr/>
+              <a:lstStyle/>
+              <a:p>
+                <a:r>
+                  <a:rPr lang="ru-RU">
+                    <a:noFill/>
+                  </a:rPr>
+                  <a:t> </a:t>
+                </a:r>
+              </a:p>
+            </p:txBody>
+          </p:sp>
+        </mc:Fallback>
+      </mc:AlternateContent>
+      <p:sp>
+        <p:nvSpPr>
+          <p:cNvPr id="10" name="Прямоугольник 9">
+            <a:extLst>
+              <a:ext uri="{FF2B5EF4-FFF2-40B4-BE49-F238E27FC236}">
+                <a16:creationId xmlns:a16="http://schemas.microsoft.com/office/drawing/2014/main" id="{77ECEB51-B675-4C93-959A-CF3D618235BF}"/>
+              </a:ext>
+            </a:extLst>
+          </p:cNvPr>
+          <p:cNvSpPr/>
+          <p:nvPr/>
+        </p:nvSpPr>
+        <p:spPr>
+          <a:xfrm>
+            <a:off x="7607502" y="1470029"/>
+            <a:ext cx="1569027" cy="249382"/>
+          </a:xfrm>
+          <a:prstGeom prst="rect">
+            <a:avLst/>
+          </a:prstGeom>
+          <a:solidFill>
+            <a:srgbClr val="F0F0F0"/>
+          </a:solidFill>
+          <a:ln>
+            <a:solidFill>
+              <a:srgbClr val="F0F0F0"/>
+            </a:solidFill>
+          </a:ln>
+        </p:spPr>
+        <p:style>
+          <a:lnRef idx="2">
+            <a:schemeClr val="accent1">
+              <a:shade val="50000"/>
+            </a:schemeClr>
+          </a:lnRef>
+          <a:fillRef idx="1">
+            <a:schemeClr val="accent1"/>
+          </a:fillRef>
+          <a:effectRef idx="0">
+            <a:schemeClr val="accent1"/>
+          </a:effectRef>
+          <a:fontRef idx="minor">
+            <a:schemeClr val="lt1"/>
+          </a:fontRef>
+        </p:style>
+        <p:txBody>
+          <a:bodyPr rtlCol="0" anchor="ctr"/>
+          <a:lstStyle/>
+          <a:p>
+            <a:pPr algn="ctr"/>
+            <a:endParaRPr lang="ru-RU"/>
+          </a:p>
+        </p:txBody>
+      </p:sp>
+      <p:sp>
+        <p:nvSpPr>
+          <p:cNvPr id="11" name="Прямоугольник 10">
+            <a:extLst>
+              <a:ext uri="{FF2B5EF4-FFF2-40B4-BE49-F238E27FC236}">
+                <a16:creationId xmlns:a16="http://schemas.microsoft.com/office/drawing/2014/main" id="{75123D7C-482F-4B0F-BEB7-E0919B34EB72}"/>
+              </a:ext>
+            </a:extLst>
+          </p:cNvPr>
+          <p:cNvSpPr/>
+          <p:nvPr/>
+        </p:nvSpPr>
+        <p:spPr>
+          <a:xfrm>
+            <a:off x="7515218" y="5875145"/>
+            <a:ext cx="1569027" cy="249382"/>
+          </a:xfrm>
+          <a:prstGeom prst="rect">
+            <a:avLst/>
+          </a:prstGeom>
+          <a:solidFill>
+            <a:srgbClr val="F0F0F0"/>
+          </a:solidFill>
+          <a:ln>
+            <a:solidFill>
+              <a:srgbClr val="F0F0F0"/>
+            </a:solidFill>
+          </a:ln>
+        </p:spPr>
+        <p:style>
+          <a:lnRef idx="2">
+            <a:schemeClr val="accent1">
+              <a:shade val="50000"/>
+            </a:schemeClr>
+          </a:lnRef>
+          <a:fillRef idx="1">
+            <a:schemeClr val="accent1"/>
+          </a:fillRef>
+          <a:effectRef idx="0">
+            <a:schemeClr val="accent1"/>
+          </a:effectRef>
+          <a:fontRef idx="minor">
+            <a:schemeClr val="lt1"/>
+          </a:fontRef>
+        </p:style>
+        <p:txBody>
+          <a:bodyPr rtlCol="0" anchor="ctr"/>
+          <a:lstStyle/>
+          <a:p>
+            <a:pPr algn="ctr"/>
+            <a:endParaRPr lang="ru-RU" dirty="0"/>
+          </a:p>
+        </p:txBody>
+      </p:sp>
+      <p:sp>
+        <p:nvSpPr>
+          <p:cNvPr id="12" name="Прямоугольник 11">
+            <a:extLst>
+              <a:ext uri="{FF2B5EF4-FFF2-40B4-BE49-F238E27FC236}">
+                <a16:creationId xmlns:a16="http://schemas.microsoft.com/office/drawing/2014/main" id="{4F40D1AB-3CB0-4A39-9380-C97CCDCE6126}"/>
+              </a:ext>
+            </a:extLst>
+          </p:cNvPr>
+          <p:cNvSpPr/>
+          <p:nvPr/>
+        </p:nvSpPr>
+        <p:spPr>
+          <a:xfrm rot="16200000">
+            <a:off x="4428788" y="3339881"/>
+            <a:ext cx="1569027" cy="249382"/>
+          </a:xfrm>
+          <a:prstGeom prst="rect">
+            <a:avLst/>
+          </a:prstGeom>
+          <a:solidFill>
+            <a:srgbClr val="F0F0F0"/>
+          </a:solidFill>
+          <a:ln>
+            <a:solidFill>
+              <a:srgbClr val="F0F0F0"/>
+            </a:solidFill>
+          </a:ln>
+        </p:spPr>
+        <p:style>
+          <a:lnRef idx="2">
+            <a:schemeClr val="accent1">
+              <a:shade val="50000"/>
+            </a:schemeClr>
+          </a:lnRef>
+          <a:fillRef idx="1">
+            <a:schemeClr val="accent1"/>
+          </a:fillRef>
+          <a:effectRef idx="0">
+            <a:schemeClr val="accent1"/>
+          </a:effectRef>
+          <a:fontRef idx="minor">
+            <a:schemeClr val="lt1"/>
+          </a:fontRef>
+        </p:style>
+        <p:txBody>
+          <a:bodyPr rtlCol="0" anchor="ctr"/>
+          <a:lstStyle/>
+          <a:p>
+            <a:pPr algn="ctr"/>
+            <a:endParaRPr lang="ru-RU"/>
+          </a:p>
+        </p:txBody>
+      </p:sp>
+      <p:sp>
+        <p:nvSpPr>
+          <p:cNvPr id="6" name="TextBox 5">
+            <a:extLst>
+              <a:ext uri="{FF2B5EF4-FFF2-40B4-BE49-F238E27FC236}">
+                <a16:creationId xmlns:a16="http://schemas.microsoft.com/office/drawing/2014/main" id="{6D18924F-B5AF-4980-8ED7-275F22BDDE2C}"/>
+              </a:ext>
+            </a:extLst>
+          </p:cNvPr>
+          <p:cNvSpPr txBox="1"/>
+          <p:nvPr/>
+        </p:nvSpPr>
+        <p:spPr>
+          <a:xfrm rot="16200000">
+            <a:off x="3652291" y="2557933"/>
+            <a:ext cx="3200400" cy="369332"/>
+          </a:xfrm>
+          <a:prstGeom prst="rect">
+            <a:avLst/>
+          </a:prstGeom>
+          <a:noFill/>
+        </p:spPr>
+        <p:txBody>
+          <a:bodyPr wrap="square" rtlCol="0">
+            <a:spAutoFit/>
+          </a:bodyPr>
+          <a:lstStyle/>
+          <a:p>
+            <a:r>
+              <a:rPr lang="ru-RU" dirty="0">
+                <a:latin typeface="Cambria Math" panose="02040503050406030204" pitchFamily="18" charset="0"/>
+                <a:ea typeface="Cambria Math" panose="02040503050406030204" pitchFamily="18" charset="0"/>
+              </a:rPr>
+              <a:t>Мнимая часть</a:t>
+            </a:r>
+          </a:p>
+        </p:txBody>
+      </p:sp>
+      <p:sp>
+        <p:nvSpPr>
+          <p:cNvPr id="9" name="TextBox 8">
+            <a:extLst>
+              <a:ext uri="{FF2B5EF4-FFF2-40B4-BE49-F238E27FC236}">
+                <a16:creationId xmlns:a16="http://schemas.microsoft.com/office/drawing/2014/main" id="{308E1435-E491-4272-ABBE-47FD7300AE2A}"/>
+              </a:ext>
+            </a:extLst>
+          </p:cNvPr>
+          <p:cNvSpPr txBox="1"/>
+          <p:nvPr/>
+        </p:nvSpPr>
+        <p:spPr>
+          <a:xfrm>
+            <a:off x="7182709" y="5769479"/>
+            <a:ext cx="3200400" cy="369332"/>
+          </a:xfrm>
+          <a:prstGeom prst="rect">
+            <a:avLst/>
+          </a:prstGeom>
+          <a:noFill/>
+        </p:spPr>
+        <p:txBody>
+          <a:bodyPr wrap="square" rtlCol="0">
+            <a:spAutoFit/>
+          </a:bodyPr>
+          <a:lstStyle/>
+          <a:p>
+            <a:r>
+              <a:rPr lang="ru-RU" dirty="0">
+                <a:latin typeface="Cambria Math" panose="02040503050406030204" pitchFamily="18" charset="0"/>
+                <a:ea typeface="Cambria Math" panose="02040503050406030204" pitchFamily="18" charset="0"/>
+              </a:rPr>
+              <a:t>Действительная часть</a:t>
+            </a:r>
+          </a:p>
+        </p:txBody>
+      </p:sp>
+      <p:sp>
+        <p:nvSpPr>
+          <p:cNvPr id="15" name="Прямоугольник 14">
+            <a:extLst>
+              <a:ext uri="{FF2B5EF4-FFF2-40B4-BE49-F238E27FC236}">
+                <a16:creationId xmlns:a16="http://schemas.microsoft.com/office/drawing/2014/main" id="{7FFCB776-E823-4121-965C-808EA41B7C31}"/>
+              </a:ext>
+            </a:extLst>
+          </p:cNvPr>
+          <p:cNvSpPr/>
+          <p:nvPr/>
+        </p:nvSpPr>
+        <p:spPr>
+          <a:xfrm>
+            <a:off x="9736280" y="1470029"/>
+            <a:ext cx="1569027" cy="249382"/>
+          </a:xfrm>
+          <a:prstGeom prst="rect">
+            <a:avLst/>
+          </a:prstGeom>
+          <a:solidFill>
+            <a:srgbClr val="F0F0F0"/>
+          </a:solidFill>
+          <a:ln>
+            <a:solidFill>
+              <a:srgbClr val="F0F0F0"/>
+            </a:solidFill>
+          </a:ln>
+        </p:spPr>
+        <p:style>
+          <a:lnRef idx="2">
+            <a:schemeClr val="accent1">
+              <a:shade val="50000"/>
+            </a:schemeClr>
+          </a:lnRef>
+          <a:fillRef idx="1">
+            <a:schemeClr val="accent1"/>
+          </a:fillRef>
+          <a:effectRef idx="0">
+            <a:schemeClr val="accent1"/>
+          </a:effectRef>
+          <a:fontRef idx="minor">
+            <a:schemeClr val="lt1"/>
+          </a:fontRef>
+        </p:style>
+        <p:txBody>
+          <a:bodyPr rtlCol="0" anchor="ctr"/>
+          <a:lstStyle/>
+          <a:p>
+            <a:pPr algn="ctr"/>
+            <a:endParaRPr lang="ru-RU"/>
+          </a:p>
+        </p:txBody>
+      </p:sp>
+    </p:spTree>
+    <p:extLst>
+      <p:ext uri="{BB962C8B-B14F-4D97-AF65-F5344CB8AC3E}">
+        <p14:creationId xmlns:p14="http://schemas.microsoft.com/office/powerpoint/2010/main" val="4238046438"/>
+      </p:ext>
+    </p:extLst>
+  </p:cSld>
+  <p:clrMapOvr>
+    <a:masterClrMapping/>
+  </p:clrMapOvr>
+</p:sld>
+</file>
+
+<file path=ppt/slides/slide31.xml><?xml version="1.0" encoding="utf-8"?>
+<p:sld xmlns:a="http://schemas.openxmlformats.org/drawingml/2006/main" xmlns:r="http://schemas.openxmlformats.org/officeDocument/2006/relationships" xmlns:p="http://schemas.openxmlformats.org/presentationml/2006/main">
+  <p:cSld>
+    <p:spTree>
+      <p:nvGrpSpPr>
+        <p:cNvPr id="1" name=""/>
+        <p:cNvGrpSpPr/>
+        <p:nvPr/>
+      </p:nvGrpSpPr>
+      <p:grpSpPr>
+        <a:xfrm>
+          <a:off x="0" y="0"/>
+          <a:ext cx="0" cy="0"/>
+          <a:chOff x="0" y="0"/>
+          <a:chExt cx="0" cy="0"/>
+        </a:xfrm>
+      </p:grpSpPr>
+      <p:pic>
+        <p:nvPicPr>
+          <p:cNvPr id="5" name="Рисунок 4">
+            <a:extLst>
+              <a:ext uri="{FF2B5EF4-FFF2-40B4-BE49-F238E27FC236}">
+                <a16:creationId xmlns:a16="http://schemas.microsoft.com/office/drawing/2014/main" id="{D01295C5-9911-4FD7-8FAE-02A2D8B242FC}"/>
+              </a:ext>
+            </a:extLst>
+          </p:cNvPr>
+          <p:cNvPicPr>
+            <a:picLocks noChangeAspect="1"/>
+          </p:cNvPicPr>
+          <p:nvPr/>
+        </p:nvPicPr>
+        <p:blipFill>
+          <a:blip r:embed="rId2"/>
+          <a:stretch>
+            <a:fillRect/>
+          </a:stretch>
+        </p:blipFill>
+        <p:spPr>
+          <a:xfrm>
+            <a:off x="0" y="0"/>
+            <a:ext cx="7344800" cy="6897063"/>
+          </a:xfrm>
+          <a:prstGeom prst="rect">
+            <a:avLst/>
+          </a:prstGeom>
+        </p:spPr>
+      </p:pic>
+      <p:pic>
+        <p:nvPicPr>
+          <p:cNvPr id="7" name="Рисунок 6">
+            <a:extLst>
+              <a:ext uri="{FF2B5EF4-FFF2-40B4-BE49-F238E27FC236}">
+                <a16:creationId xmlns:a16="http://schemas.microsoft.com/office/drawing/2014/main" id="{853AE3DE-E6CA-41DE-A52F-C62F408FA1A6}"/>
+              </a:ext>
+            </a:extLst>
+          </p:cNvPr>
+          <p:cNvPicPr>
+            <a:picLocks noChangeAspect="1"/>
+          </p:cNvPicPr>
+          <p:nvPr/>
+        </p:nvPicPr>
+        <p:blipFill>
+          <a:blip r:embed="rId3"/>
+          <a:stretch>
+            <a:fillRect/>
+          </a:stretch>
+        </p:blipFill>
+        <p:spPr>
+          <a:xfrm>
+            <a:off x="6776276" y="318574"/>
+            <a:ext cx="4310429" cy="3264758"/>
+          </a:xfrm>
+          <a:prstGeom prst="rect">
+            <a:avLst/>
+          </a:prstGeom>
+        </p:spPr>
+      </p:pic>
+      <p:pic>
+        <p:nvPicPr>
+          <p:cNvPr id="9" name="Рисунок 8">
+            <a:extLst>
+              <a:ext uri="{FF2B5EF4-FFF2-40B4-BE49-F238E27FC236}">
+                <a16:creationId xmlns:a16="http://schemas.microsoft.com/office/drawing/2014/main" id="{EE4E48A8-9091-4D61-818A-ACD410AD5598}"/>
+              </a:ext>
+            </a:extLst>
+          </p:cNvPr>
+          <p:cNvPicPr>
+            <a:picLocks noChangeAspect="1"/>
+          </p:cNvPicPr>
+          <p:nvPr/>
+        </p:nvPicPr>
+        <p:blipFill>
+          <a:blip r:embed="rId4"/>
+          <a:stretch>
+            <a:fillRect/>
+          </a:stretch>
+        </p:blipFill>
+        <p:spPr>
+          <a:xfrm>
+            <a:off x="6776276" y="3545550"/>
+            <a:ext cx="4677428" cy="2990332"/>
+          </a:xfrm>
+          <a:prstGeom prst="rect">
+            <a:avLst/>
+          </a:prstGeom>
+        </p:spPr>
+      </p:pic>
+    </p:spTree>
+    <p:extLst>
+      <p:ext uri="{BB962C8B-B14F-4D97-AF65-F5344CB8AC3E}">
+        <p14:creationId xmlns:p14="http://schemas.microsoft.com/office/powerpoint/2010/main" val="1138246484"/>
+      </p:ext>
+    </p:extLst>
+  </p:cSld>
+  <p:clrMapOvr>
+    <a:masterClrMapping/>
+  </p:clrMapOvr>
+</p:sld>
+</file>
+
+<file path=ppt/slides/slide32.xml><?xml version="1.0" encoding="utf-8"?>
+<p:sld xmlns:a="http://schemas.openxmlformats.org/drawingml/2006/main" xmlns:r="http://schemas.openxmlformats.org/officeDocument/2006/relationships" xmlns:p="http://schemas.openxmlformats.org/presentationml/2006/main">
+  <p:cSld>
+    <p:spTree>
+      <p:nvGrpSpPr>
+        <p:cNvPr id="1" name=""/>
+        <p:cNvGrpSpPr/>
+        <p:nvPr/>
+      </p:nvGrpSpPr>
+      <p:grpSpPr>
+        <a:xfrm>
+          <a:off x="0" y="0"/>
+          <a:ext cx="0" cy="0"/>
+          <a:chOff x="0" y="0"/>
+          <a:chExt cx="0" cy="0"/>
+        </a:xfrm>
+      </p:grpSpPr>
+      <p:pic>
+        <p:nvPicPr>
+          <p:cNvPr id="5" name="Рисунок 4">
+            <a:extLst>
+              <a:ext uri="{FF2B5EF4-FFF2-40B4-BE49-F238E27FC236}">
+                <a16:creationId xmlns:a16="http://schemas.microsoft.com/office/drawing/2014/main" id="{8E99391A-6F31-40AF-84FE-6433A951AF62}"/>
+              </a:ext>
+            </a:extLst>
+          </p:cNvPr>
+          <p:cNvPicPr>
+            <a:picLocks noChangeAspect="1"/>
+          </p:cNvPicPr>
+          <p:nvPr/>
+        </p:nvPicPr>
+        <p:blipFill>
+          <a:blip r:embed="rId2"/>
+          <a:stretch>
+            <a:fillRect/>
+          </a:stretch>
+        </p:blipFill>
+        <p:spPr>
+          <a:xfrm>
+            <a:off x="0" y="0"/>
+            <a:ext cx="6954220" cy="7068536"/>
+          </a:xfrm>
+          <a:prstGeom prst="rect">
+            <a:avLst/>
+          </a:prstGeom>
+        </p:spPr>
+      </p:pic>
+      <p:pic>
+        <p:nvPicPr>
+          <p:cNvPr id="7" name="Рисунок 6">
+            <a:extLst>
+              <a:ext uri="{FF2B5EF4-FFF2-40B4-BE49-F238E27FC236}">
+                <a16:creationId xmlns:a16="http://schemas.microsoft.com/office/drawing/2014/main" id="{39664713-8355-415F-807F-316A8CFD4FCE}"/>
+              </a:ext>
+            </a:extLst>
+          </p:cNvPr>
+          <p:cNvPicPr>
+            <a:picLocks noChangeAspect="1"/>
+          </p:cNvPicPr>
+          <p:nvPr/>
+        </p:nvPicPr>
+        <p:blipFill>
+          <a:blip r:embed="rId3"/>
+          <a:stretch>
+            <a:fillRect/>
+          </a:stretch>
+        </p:blipFill>
+        <p:spPr>
+          <a:xfrm>
+            <a:off x="7023502" y="180624"/>
+            <a:ext cx="4291564" cy="3356686"/>
+          </a:xfrm>
+          <a:prstGeom prst="rect">
+            <a:avLst/>
+          </a:prstGeom>
+        </p:spPr>
+      </p:pic>
+      <p:pic>
+        <p:nvPicPr>
+          <p:cNvPr id="9" name="Рисунок 8">
+            <a:extLst>
+              <a:ext uri="{FF2B5EF4-FFF2-40B4-BE49-F238E27FC236}">
+                <a16:creationId xmlns:a16="http://schemas.microsoft.com/office/drawing/2014/main" id="{D2CA59CA-DE56-4259-8907-A3C04C08E315}"/>
+              </a:ext>
+            </a:extLst>
+          </p:cNvPr>
+          <p:cNvPicPr>
+            <a:picLocks noChangeAspect="1"/>
+          </p:cNvPicPr>
+          <p:nvPr/>
+        </p:nvPicPr>
+        <p:blipFill>
+          <a:blip r:embed="rId4"/>
+          <a:stretch>
+            <a:fillRect/>
+          </a:stretch>
+        </p:blipFill>
+        <p:spPr>
+          <a:xfrm>
+            <a:off x="6723365" y="3482719"/>
+            <a:ext cx="4744112" cy="2938864"/>
+          </a:xfrm>
+          <a:prstGeom prst="rect">
+            <a:avLst/>
+          </a:prstGeom>
+        </p:spPr>
+      </p:pic>
+      <p:cxnSp>
+        <p:nvCxnSpPr>
+          <p:cNvPr id="10" name="Прямая соединительная линия 9">
+            <a:extLst>
+              <a:ext uri="{FF2B5EF4-FFF2-40B4-BE49-F238E27FC236}">
+                <a16:creationId xmlns:a16="http://schemas.microsoft.com/office/drawing/2014/main" id="{09308CE9-DE2F-4EC6-8516-EFA798979B2E}"/>
+              </a:ext>
+            </a:extLst>
+          </p:cNvPr>
+          <p:cNvCxnSpPr>
+            <a:cxnSpLocks/>
+          </p:cNvCxnSpPr>
+          <p:nvPr/>
+        </p:nvCxnSpPr>
+        <p:spPr>
+          <a:xfrm flipH="1">
+            <a:off x="2805547" y="3834244"/>
+            <a:ext cx="6577445" cy="0"/>
+          </a:xfrm>
+          <a:prstGeom prst="line">
+            <a:avLst/>
+          </a:prstGeom>
+        </p:spPr>
+        <p:style>
+          <a:lnRef idx="1">
+            <a:schemeClr val="dk1"/>
+          </a:lnRef>
+          <a:fillRef idx="0">
+            <a:schemeClr val="dk1"/>
+          </a:fillRef>
+          <a:effectRef idx="0">
+            <a:schemeClr val="dk1"/>
+          </a:effectRef>
+          <a:fontRef idx="minor">
+            <a:schemeClr val="tx1"/>
+          </a:fontRef>
+        </p:style>
+      </p:cxnSp>
+      <p:cxnSp>
+        <p:nvCxnSpPr>
+          <p:cNvPr id="11" name="Прямая соединительная линия 10">
+            <a:extLst>
+              <a:ext uri="{FF2B5EF4-FFF2-40B4-BE49-F238E27FC236}">
+                <a16:creationId xmlns:a16="http://schemas.microsoft.com/office/drawing/2014/main" id="{D6A4B90C-D030-4651-B40A-DD5A85CA2BCC}"/>
+              </a:ext>
+            </a:extLst>
+          </p:cNvPr>
+          <p:cNvCxnSpPr>
+            <a:cxnSpLocks/>
+          </p:cNvCxnSpPr>
+          <p:nvPr/>
+        </p:nvCxnSpPr>
+        <p:spPr>
+          <a:xfrm flipV="1">
+            <a:off x="4499263" y="384464"/>
+            <a:ext cx="0" cy="5101936"/>
+          </a:xfrm>
+          <a:prstGeom prst="line">
+            <a:avLst/>
+          </a:prstGeom>
+        </p:spPr>
+        <p:style>
+          <a:lnRef idx="1">
+            <a:schemeClr val="dk1"/>
+          </a:lnRef>
+          <a:fillRef idx="0">
+            <a:schemeClr val="dk1"/>
+          </a:fillRef>
+          <a:effectRef idx="0">
+            <a:schemeClr val="dk1"/>
+          </a:effectRef>
+          <a:fontRef idx="minor">
+            <a:schemeClr val="tx1"/>
+          </a:fontRef>
+        </p:style>
+      </p:cxnSp>
+      <p:cxnSp>
+        <p:nvCxnSpPr>
+          <p:cNvPr id="15" name="Прямая соединительная линия 14">
+            <a:extLst>
+              <a:ext uri="{FF2B5EF4-FFF2-40B4-BE49-F238E27FC236}">
+                <a16:creationId xmlns:a16="http://schemas.microsoft.com/office/drawing/2014/main" id="{6B7FD631-775D-4066-9607-5084A379D3C5}"/>
+              </a:ext>
+            </a:extLst>
+          </p:cNvPr>
+          <p:cNvCxnSpPr>
+            <a:cxnSpLocks/>
+          </p:cNvCxnSpPr>
+          <p:nvPr/>
+        </p:nvCxnSpPr>
+        <p:spPr>
+          <a:xfrm flipV="1">
+            <a:off x="7180118" y="446809"/>
+            <a:ext cx="0" cy="5101936"/>
+          </a:xfrm>
+          <a:prstGeom prst="line">
+            <a:avLst/>
+          </a:prstGeom>
+        </p:spPr>
+        <p:style>
+          <a:lnRef idx="1">
+            <a:schemeClr val="dk1"/>
+          </a:lnRef>
+          <a:fillRef idx="0">
+            <a:schemeClr val="dk1"/>
+          </a:fillRef>
+          <a:effectRef idx="0">
+            <a:schemeClr val="dk1"/>
+          </a:effectRef>
+          <a:fontRef idx="minor">
+            <a:schemeClr val="tx1"/>
+          </a:fontRef>
+        </p:style>
+      </p:cxnSp>
+      <p:cxnSp>
+        <p:nvCxnSpPr>
+          <p:cNvPr id="16" name="Прямая соединительная линия 15">
+            <a:extLst>
+              <a:ext uri="{FF2B5EF4-FFF2-40B4-BE49-F238E27FC236}">
+                <a16:creationId xmlns:a16="http://schemas.microsoft.com/office/drawing/2014/main" id="{5496D990-0326-422F-A04E-CBE3DE567332}"/>
+              </a:ext>
+            </a:extLst>
+          </p:cNvPr>
+          <p:cNvCxnSpPr>
+            <a:cxnSpLocks/>
+          </p:cNvCxnSpPr>
+          <p:nvPr/>
+        </p:nvCxnSpPr>
+        <p:spPr>
+          <a:xfrm flipH="1">
+            <a:off x="2743202" y="446809"/>
+            <a:ext cx="6577445" cy="0"/>
+          </a:xfrm>
+          <a:prstGeom prst="line">
+            <a:avLst/>
+          </a:prstGeom>
+        </p:spPr>
+        <p:style>
+          <a:lnRef idx="1">
+            <a:schemeClr val="dk1"/>
+          </a:lnRef>
+          <a:fillRef idx="0">
+            <a:schemeClr val="dk1"/>
+          </a:fillRef>
+          <a:effectRef idx="0">
+            <a:schemeClr val="dk1"/>
+          </a:effectRef>
+          <a:fontRef idx="minor">
+            <a:schemeClr val="tx1"/>
+          </a:fontRef>
+        </p:style>
+      </p:cxnSp>
+    </p:spTree>
+    <p:extLst>
+      <p:ext uri="{BB962C8B-B14F-4D97-AF65-F5344CB8AC3E}">
+        <p14:creationId xmlns:p14="http://schemas.microsoft.com/office/powerpoint/2010/main" val="673199866"/>
+      </p:ext>
+    </p:extLst>
+  </p:cSld>
+  <p:clrMapOvr>
+    <a:masterClrMapping/>
+  </p:clrMapOvr>
+</p:sld>
+</file>
+
+<file path=ppt/slides/slide33.xml><?xml version="1.0" encoding="utf-8"?>
+<p:sld xmlns:a="http://schemas.openxmlformats.org/drawingml/2006/main" xmlns:r="http://schemas.openxmlformats.org/officeDocument/2006/relationships" xmlns:p="http://schemas.openxmlformats.org/presentationml/2006/main">
+  <p:cSld>
+    <p:spTree>
+      <p:nvGrpSpPr>
+        <p:cNvPr id="1" name=""/>
+        <p:cNvGrpSpPr/>
+        <p:nvPr/>
+      </p:nvGrpSpPr>
+      <p:grpSpPr>
+        <a:xfrm>
+          <a:off x="0" y="0"/>
+          <a:ext cx="0" cy="0"/>
+          <a:chOff x="0" y="0"/>
+          <a:chExt cx="0" cy="0"/>
+        </a:xfrm>
+      </p:grpSpPr>
+      <p:pic>
+        <p:nvPicPr>
+          <p:cNvPr id="4" name="Рисунок 3">
+            <a:extLst>
+              <a:ext uri="{FF2B5EF4-FFF2-40B4-BE49-F238E27FC236}">
+                <a16:creationId xmlns:a16="http://schemas.microsoft.com/office/drawing/2014/main" id="{F2A354E9-2AC6-4738-ADC1-EB2804ED9EB8}"/>
+              </a:ext>
+            </a:extLst>
+          </p:cNvPr>
+          <p:cNvPicPr/>
+          <p:nvPr/>
+        </p:nvPicPr>
+        <p:blipFill>
+          <a:blip r:embed="rId2"/>
+          <a:stretch>
+            <a:fillRect/>
+          </a:stretch>
+        </p:blipFill>
+        <p:spPr>
+          <a:xfrm>
+            <a:off x="6347618" y="2067791"/>
+            <a:ext cx="3617263" cy="2958393"/>
+          </a:xfrm>
+          <a:prstGeom prst="rect">
+            <a:avLst/>
+          </a:prstGeom>
+        </p:spPr>
+      </p:pic>
+      <p:cxnSp>
+        <p:nvCxnSpPr>
+          <p:cNvPr id="6" name="Прямая соединительная линия 5">
+            <a:extLst>
+              <a:ext uri="{FF2B5EF4-FFF2-40B4-BE49-F238E27FC236}">
+                <a16:creationId xmlns:a16="http://schemas.microsoft.com/office/drawing/2014/main" id="{8BC6EE3E-84AD-4D6A-A852-76D8C039745C}"/>
+              </a:ext>
+            </a:extLst>
+          </p:cNvPr>
+          <p:cNvCxnSpPr>
+            <a:cxnSpLocks/>
+          </p:cNvCxnSpPr>
+          <p:nvPr/>
+        </p:nvCxnSpPr>
+        <p:spPr>
+          <a:xfrm flipV="1">
+            <a:off x="8407400" y="2578100"/>
+            <a:ext cx="711200" cy="755650"/>
+          </a:xfrm>
+          <a:prstGeom prst="line">
+            <a:avLst/>
+          </a:prstGeom>
+          <a:ln>
+            <a:headEnd type="oval" w="sm" len="sm"/>
+          </a:ln>
+        </p:spPr>
+        <p:style>
+          <a:lnRef idx="1">
+            <a:schemeClr val="dk1"/>
+          </a:lnRef>
+          <a:fillRef idx="0">
+            <a:schemeClr val="dk1"/>
+          </a:fillRef>
+          <a:effectRef idx="0">
+            <a:schemeClr val="dk1"/>
+          </a:effectRef>
+          <a:fontRef idx="minor">
+            <a:schemeClr val="tx1"/>
+          </a:fontRef>
+        </p:style>
+      </p:cxnSp>
+      <p:cxnSp>
+        <p:nvCxnSpPr>
+          <p:cNvPr id="8" name="Прямая соединительная линия 7">
+            <a:extLst>
+              <a:ext uri="{FF2B5EF4-FFF2-40B4-BE49-F238E27FC236}">
+                <a16:creationId xmlns:a16="http://schemas.microsoft.com/office/drawing/2014/main" id="{7021D187-4E78-4345-B117-84147BFD2EFF}"/>
+              </a:ext>
+            </a:extLst>
+          </p:cNvPr>
+          <p:cNvCxnSpPr>
+            <a:cxnSpLocks/>
+          </p:cNvCxnSpPr>
+          <p:nvPr/>
+        </p:nvCxnSpPr>
+        <p:spPr>
+          <a:xfrm>
+            <a:off x="9105900" y="2579255"/>
+            <a:ext cx="292100" cy="0"/>
+          </a:xfrm>
+          <a:prstGeom prst="line">
+            <a:avLst/>
+          </a:prstGeom>
+        </p:spPr>
+        <p:style>
+          <a:lnRef idx="1">
+            <a:schemeClr val="dk1"/>
+          </a:lnRef>
+          <a:fillRef idx="0">
+            <a:schemeClr val="dk1"/>
+          </a:fillRef>
+          <a:effectRef idx="0">
+            <a:schemeClr val="dk1"/>
+          </a:effectRef>
+          <a:fontRef idx="minor">
+            <a:schemeClr val="tx1"/>
+          </a:fontRef>
+        </p:style>
+      </p:cxnSp>
+      <p:sp>
+        <p:nvSpPr>
+          <p:cNvPr id="11" name="TextBox 10">
+            <a:extLst>
+              <a:ext uri="{FF2B5EF4-FFF2-40B4-BE49-F238E27FC236}">
+                <a16:creationId xmlns:a16="http://schemas.microsoft.com/office/drawing/2014/main" id="{CAF99622-74F5-4E5F-8D18-94B1FD43BA70}"/>
+              </a:ext>
+            </a:extLst>
+          </p:cNvPr>
+          <p:cNvSpPr txBox="1"/>
+          <p:nvPr/>
+        </p:nvSpPr>
+        <p:spPr>
+          <a:xfrm>
+            <a:off x="9183255" y="2349500"/>
+            <a:ext cx="977900" cy="276999"/>
+          </a:xfrm>
+          <a:prstGeom prst="rect">
+            <a:avLst/>
+          </a:prstGeom>
+          <a:noFill/>
+        </p:spPr>
+        <p:txBody>
+          <a:bodyPr wrap="square" rtlCol="0">
+            <a:spAutoFit/>
+          </a:bodyPr>
+          <a:lstStyle/>
+          <a:p>
+            <a:r>
+              <a:rPr lang="ru-RU" sz="1200" dirty="0">
+                <a:latin typeface="Cambria Math" panose="02040503050406030204" pitchFamily="18" charset="0"/>
+                <a:ea typeface="Cambria Math" panose="02040503050406030204" pitchFamily="18" charset="0"/>
+              </a:rPr>
+              <a:t>1</a:t>
+            </a:r>
+            <a:endParaRPr lang="ru-RU" dirty="0">
+              <a:latin typeface="Cambria Math" panose="02040503050406030204" pitchFamily="18" charset="0"/>
+              <a:ea typeface="Cambria Math" panose="02040503050406030204" pitchFamily="18" charset="0"/>
+            </a:endParaRPr>
+          </a:p>
+        </p:txBody>
+      </p:sp>
+      <p:sp>
+        <p:nvSpPr>
+          <p:cNvPr id="20" name="TextBox 19">
+            <a:extLst>
+              <a:ext uri="{FF2B5EF4-FFF2-40B4-BE49-F238E27FC236}">
+                <a16:creationId xmlns:a16="http://schemas.microsoft.com/office/drawing/2014/main" id="{A76778F8-8093-4F4E-8838-DCDA14AB0477}"/>
+              </a:ext>
+            </a:extLst>
+          </p:cNvPr>
+          <p:cNvSpPr txBox="1"/>
+          <p:nvPr/>
+        </p:nvSpPr>
+        <p:spPr>
+          <a:xfrm>
+            <a:off x="9251950" y="4557451"/>
+            <a:ext cx="977900" cy="276999"/>
+          </a:xfrm>
+          <a:prstGeom prst="rect">
+            <a:avLst/>
+          </a:prstGeom>
+          <a:noFill/>
+        </p:spPr>
+        <p:txBody>
+          <a:bodyPr wrap="square" rtlCol="0">
+            <a:spAutoFit/>
+          </a:bodyPr>
+          <a:lstStyle/>
+          <a:p>
+            <a:r>
+              <a:rPr lang="ru-RU" sz="1200" dirty="0">
+                <a:latin typeface="Cambria Math" panose="02040503050406030204" pitchFamily="18" charset="0"/>
+                <a:ea typeface="Cambria Math" panose="02040503050406030204" pitchFamily="18" charset="0"/>
+              </a:rPr>
+              <a:t>2</a:t>
+            </a:r>
+            <a:endParaRPr lang="ru-RU" dirty="0">
+              <a:latin typeface="Cambria Math" panose="02040503050406030204" pitchFamily="18" charset="0"/>
+              <a:ea typeface="Cambria Math" panose="02040503050406030204" pitchFamily="18" charset="0"/>
+            </a:endParaRPr>
+          </a:p>
+        </p:txBody>
+      </p:sp>
+      <p:cxnSp>
+        <p:nvCxnSpPr>
+          <p:cNvPr id="22" name="Прямая соединительная линия 21">
+            <a:extLst>
+              <a:ext uri="{FF2B5EF4-FFF2-40B4-BE49-F238E27FC236}">
+                <a16:creationId xmlns:a16="http://schemas.microsoft.com/office/drawing/2014/main" id="{C4C62F6E-0CF7-4008-AA40-8E06F280CDE4}"/>
+              </a:ext>
+            </a:extLst>
+          </p:cNvPr>
+          <p:cNvCxnSpPr/>
+          <p:nvPr/>
+        </p:nvCxnSpPr>
+        <p:spPr>
+          <a:xfrm>
+            <a:off x="8407400" y="3905250"/>
+            <a:ext cx="844550" cy="882650"/>
+          </a:xfrm>
+          <a:prstGeom prst="line">
+            <a:avLst/>
+          </a:prstGeom>
+          <a:ln>
+            <a:headEnd type="oval" w="sm" len="sm"/>
+          </a:ln>
+        </p:spPr>
+        <p:style>
+          <a:lnRef idx="1">
+            <a:schemeClr val="dk1"/>
+          </a:lnRef>
+          <a:fillRef idx="0">
+            <a:schemeClr val="dk1"/>
+          </a:fillRef>
+          <a:effectRef idx="0">
+            <a:schemeClr val="dk1"/>
+          </a:effectRef>
+          <a:fontRef idx="minor">
+            <a:schemeClr val="tx1"/>
+          </a:fontRef>
+        </p:style>
+      </p:cxnSp>
+      <p:cxnSp>
+        <p:nvCxnSpPr>
+          <p:cNvPr id="24" name="Прямая соединительная линия 23">
+            <a:extLst>
+              <a:ext uri="{FF2B5EF4-FFF2-40B4-BE49-F238E27FC236}">
+                <a16:creationId xmlns:a16="http://schemas.microsoft.com/office/drawing/2014/main" id="{D24ED670-251D-461B-9026-DC7E7A4E59FD}"/>
+              </a:ext>
+            </a:extLst>
+          </p:cNvPr>
+          <p:cNvCxnSpPr/>
+          <p:nvPr/>
+        </p:nvCxnSpPr>
+        <p:spPr>
+          <a:xfrm>
+            <a:off x="9251950" y="4787900"/>
+            <a:ext cx="266700" cy="0"/>
+          </a:xfrm>
+          <a:prstGeom prst="line">
+            <a:avLst/>
+          </a:prstGeom>
+        </p:spPr>
+        <p:style>
+          <a:lnRef idx="1">
+            <a:schemeClr val="dk1"/>
+          </a:lnRef>
+          <a:fillRef idx="0">
+            <a:schemeClr val="dk1"/>
+          </a:fillRef>
+          <a:effectRef idx="0">
+            <a:schemeClr val="dk1"/>
+          </a:effectRef>
+          <a:fontRef idx="minor">
+            <a:schemeClr val="tx1"/>
+          </a:fontRef>
+        </p:style>
+      </p:cxnSp>
+      <p:cxnSp>
+        <p:nvCxnSpPr>
+          <p:cNvPr id="26" name="Прямая соединительная линия 25">
+            <a:extLst>
+              <a:ext uri="{FF2B5EF4-FFF2-40B4-BE49-F238E27FC236}">
+                <a16:creationId xmlns:a16="http://schemas.microsoft.com/office/drawing/2014/main" id="{ACACDEA2-DA46-4DF9-896D-5C080208D9E7}"/>
+              </a:ext>
+            </a:extLst>
+          </p:cNvPr>
+          <p:cNvCxnSpPr/>
+          <p:nvPr/>
+        </p:nvCxnSpPr>
+        <p:spPr>
+          <a:xfrm flipV="1">
+            <a:off x="7969250" y="1917700"/>
+            <a:ext cx="241300" cy="660400"/>
+          </a:xfrm>
+          <a:prstGeom prst="line">
+            <a:avLst/>
+          </a:prstGeom>
+          <a:ln>
+            <a:headEnd type="oval" w="sm" len="sm"/>
+          </a:ln>
+        </p:spPr>
+        <p:style>
+          <a:lnRef idx="1">
+            <a:schemeClr val="dk1"/>
+          </a:lnRef>
+          <a:fillRef idx="0">
+            <a:schemeClr val="dk1"/>
+          </a:fillRef>
+          <a:effectRef idx="0">
+            <a:schemeClr val="dk1"/>
+          </a:effectRef>
+          <a:fontRef idx="minor">
+            <a:schemeClr val="tx1"/>
+          </a:fontRef>
+        </p:style>
+      </p:cxnSp>
+      <p:cxnSp>
+        <p:nvCxnSpPr>
+          <p:cNvPr id="28" name="Прямая соединительная линия 27">
+            <a:extLst>
+              <a:ext uri="{FF2B5EF4-FFF2-40B4-BE49-F238E27FC236}">
+                <a16:creationId xmlns:a16="http://schemas.microsoft.com/office/drawing/2014/main" id="{F526EFBC-E51A-4F42-96AD-EFE8181CFE9E}"/>
+              </a:ext>
+            </a:extLst>
+          </p:cNvPr>
+          <p:cNvCxnSpPr/>
+          <p:nvPr/>
+        </p:nvCxnSpPr>
+        <p:spPr>
+          <a:xfrm flipH="1" flipV="1">
+            <a:off x="7054850" y="1917700"/>
+            <a:ext cx="374650" cy="1155700"/>
+          </a:xfrm>
+          <a:prstGeom prst="line">
+            <a:avLst/>
+          </a:prstGeom>
+          <a:ln>
+            <a:headEnd type="oval" w="sm" len="sm"/>
+          </a:ln>
+        </p:spPr>
+        <p:style>
+          <a:lnRef idx="1">
+            <a:schemeClr val="dk1"/>
+          </a:lnRef>
+          <a:fillRef idx="0">
+            <a:schemeClr val="dk1"/>
+          </a:fillRef>
+          <a:effectRef idx="0">
+            <a:schemeClr val="dk1"/>
+          </a:effectRef>
+          <a:fontRef idx="minor">
+            <a:schemeClr val="tx1"/>
+          </a:fontRef>
+        </p:style>
+      </p:cxnSp>
+      <p:cxnSp>
+        <p:nvCxnSpPr>
+          <p:cNvPr id="30" name="Прямая соединительная линия 29">
+            <a:extLst>
+              <a:ext uri="{FF2B5EF4-FFF2-40B4-BE49-F238E27FC236}">
+                <a16:creationId xmlns:a16="http://schemas.microsoft.com/office/drawing/2014/main" id="{92ADD485-F35B-41A0-BEB7-931E4C702ABE}"/>
+              </a:ext>
+            </a:extLst>
+          </p:cNvPr>
+          <p:cNvCxnSpPr/>
+          <p:nvPr/>
+        </p:nvCxnSpPr>
+        <p:spPr>
+          <a:xfrm>
+            <a:off x="7194550" y="3714750"/>
+            <a:ext cx="361950" cy="1073150"/>
+          </a:xfrm>
+          <a:prstGeom prst="line">
+            <a:avLst/>
+          </a:prstGeom>
+          <a:ln>
+            <a:headEnd type="oval" w="sm" len="sm"/>
+          </a:ln>
+        </p:spPr>
+        <p:style>
+          <a:lnRef idx="1">
+            <a:schemeClr val="dk1"/>
+          </a:lnRef>
+          <a:fillRef idx="0">
+            <a:schemeClr val="dk1"/>
+          </a:fillRef>
+          <a:effectRef idx="0">
+            <a:schemeClr val="dk1"/>
+          </a:effectRef>
+          <a:fontRef idx="minor">
+            <a:schemeClr val="tx1"/>
+          </a:fontRef>
+        </p:style>
+      </p:cxnSp>
+      <p:cxnSp>
+        <p:nvCxnSpPr>
+          <p:cNvPr id="32" name="Прямая со стрелкой 31">
+            <a:extLst>
+              <a:ext uri="{FF2B5EF4-FFF2-40B4-BE49-F238E27FC236}">
+                <a16:creationId xmlns:a16="http://schemas.microsoft.com/office/drawing/2014/main" id="{1B8B9DD3-B6D5-4F7F-B86D-FFF9CBC0B40F}"/>
+              </a:ext>
+            </a:extLst>
+          </p:cNvPr>
+          <p:cNvCxnSpPr/>
+          <p:nvPr/>
+        </p:nvCxnSpPr>
+        <p:spPr>
+          <a:xfrm>
+            <a:off x="12996792" y="3244850"/>
+            <a:ext cx="914400" cy="914400"/>
+          </a:xfrm>
+          <a:prstGeom prst="straightConnector1">
+            <a:avLst/>
+          </a:prstGeom>
+          <a:ln>
+            <a:headEnd w="sm" len="sm"/>
+            <a:tailEnd type="triangle"/>
+          </a:ln>
+        </p:spPr>
+        <p:style>
+          <a:lnRef idx="1">
+            <a:schemeClr val="accent1"/>
+          </a:lnRef>
+          <a:fillRef idx="0">
+            <a:schemeClr val="accent1"/>
+          </a:fillRef>
+          <a:effectRef idx="0">
+            <a:schemeClr val="accent1"/>
+          </a:effectRef>
+          <a:fontRef idx="minor">
+            <a:schemeClr val="tx1"/>
+          </a:fontRef>
+        </p:style>
+      </p:cxnSp>
+      <p:cxnSp>
+        <p:nvCxnSpPr>
+          <p:cNvPr id="34" name="Прямая соединительная линия 33">
+            <a:extLst>
+              <a:ext uri="{FF2B5EF4-FFF2-40B4-BE49-F238E27FC236}">
+                <a16:creationId xmlns:a16="http://schemas.microsoft.com/office/drawing/2014/main" id="{DF305585-CD9E-464A-B3C9-E812AAEF7BD9}"/>
+              </a:ext>
+            </a:extLst>
+          </p:cNvPr>
+          <p:cNvCxnSpPr/>
+          <p:nvPr/>
+        </p:nvCxnSpPr>
+        <p:spPr>
+          <a:xfrm>
+            <a:off x="8210550" y="1917700"/>
+            <a:ext cx="247650" cy="0"/>
+          </a:xfrm>
+          <a:prstGeom prst="line">
+            <a:avLst/>
+          </a:prstGeom>
+        </p:spPr>
+        <p:style>
+          <a:lnRef idx="1">
+            <a:schemeClr val="dk1"/>
+          </a:lnRef>
+          <a:fillRef idx="0">
+            <a:schemeClr val="dk1"/>
+          </a:fillRef>
+          <a:effectRef idx="0">
+            <a:schemeClr val="dk1"/>
+          </a:effectRef>
+          <a:fontRef idx="minor">
+            <a:schemeClr val="tx1"/>
+          </a:fontRef>
+        </p:style>
+      </p:cxnSp>
+      <p:cxnSp>
+        <p:nvCxnSpPr>
+          <p:cNvPr id="36" name="Прямая соединительная линия 35">
+            <a:extLst>
+              <a:ext uri="{FF2B5EF4-FFF2-40B4-BE49-F238E27FC236}">
+                <a16:creationId xmlns:a16="http://schemas.microsoft.com/office/drawing/2014/main" id="{FF2CF38A-D764-4554-90EB-1CDC009CA2C3}"/>
+              </a:ext>
+            </a:extLst>
+          </p:cNvPr>
+          <p:cNvCxnSpPr>
+            <a:cxnSpLocks/>
+          </p:cNvCxnSpPr>
+          <p:nvPr/>
+        </p:nvCxnSpPr>
+        <p:spPr>
+          <a:xfrm>
+            <a:off x="7054850" y="1917700"/>
+            <a:ext cx="247650" cy="0"/>
+          </a:xfrm>
+          <a:prstGeom prst="line">
+            <a:avLst/>
+          </a:prstGeom>
+        </p:spPr>
+        <p:style>
+          <a:lnRef idx="1">
+            <a:schemeClr val="dk1"/>
+          </a:lnRef>
+          <a:fillRef idx="0">
+            <a:schemeClr val="dk1"/>
+          </a:fillRef>
+          <a:effectRef idx="0">
+            <a:schemeClr val="dk1"/>
+          </a:effectRef>
+          <a:fontRef idx="minor">
+            <a:schemeClr val="tx1"/>
+          </a:fontRef>
+        </p:style>
+      </p:cxnSp>
+      <p:cxnSp>
+        <p:nvCxnSpPr>
+          <p:cNvPr id="39" name="Прямая соединительная линия 38">
+            <a:extLst>
+              <a:ext uri="{FF2B5EF4-FFF2-40B4-BE49-F238E27FC236}">
+                <a16:creationId xmlns:a16="http://schemas.microsoft.com/office/drawing/2014/main" id="{8814BACE-0C70-45C7-8284-C6B9211D30C3}"/>
+              </a:ext>
+            </a:extLst>
+          </p:cNvPr>
+          <p:cNvCxnSpPr>
+            <a:cxnSpLocks/>
+          </p:cNvCxnSpPr>
+          <p:nvPr/>
+        </p:nvCxnSpPr>
+        <p:spPr>
+          <a:xfrm>
+            <a:off x="7556500" y="4787900"/>
+            <a:ext cx="279400" cy="0"/>
+          </a:xfrm>
+          <a:prstGeom prst="line">
+            <a:avLst/>
+          </a:prstGeom>
+        </p:spPr>
+        <p:style>
+          <a:lnRef idx="1">
+            <a:schemeClr val="dk1"/>
+          </a:lnRef>
+          <a:fillRef idx="0">
+            <a:schemeClr val="dk1"/>
+          </a:fillRef>
+          <a:effectRef idx="0">
+            <a:schemeClr val="dk1"/>
+          </a:effectRef>
+          <a:fontRef idx="minor">
+            <a:schemeClr val="tx1"/>
+          </a:fontRef>
+        </p:style>
+      </p:cxnSp>
+      <p:sp>
+        <p:nvSpPr>
+          <p:cNvPr id="41" name="TextBox 40">
+            <a:extLst>
+              <a:ext uri="{FF2B5EF4-FFF2-40B4-BE49-F238E27FC236}">
+                <a16:creationId xmlns:a16="http://schemas.microsoft.com/office/drawing/2014/main" id="{D652DBD2-6F2F-4D87-AC22-336B1FDC9507}"/>
+              </a:ext>
+            </a:extLst>
+          </p:cNvPr>
+          <p:cNvSpPr txBox="1"/>
+          <p:nvPr/>
+        </p:nvSpPr>
+        <p:spPr>
+          <a:xfrm>
+            <a:off x="8205355" y="1685106"/>
+            <a:ext cx="977900" cy="276999"/>
+          </a:xfrm>
+          <a:prstGeom prst="rect">
+            <a:avLst/>
+          </a:prstGeom>
+          <a:noFill/>
+        </p:spPr>
+        <p:txBody>
+          <a:bodyPr wrap="square" rtlCol="0">
+            <a:spAutoFit/>
+          </a:bodyPr>
+          <a:lstStyle/>
+          <a:p>
+            <a:r>
+              <a:rPr lang="ru-RU" sz="1200" dirty="0">
+                <a:latin typeface="Cambria Math" panose="02040503050406030204" pitchFamily="18" charset="0"/>
+                <a:ea typeface="Cambria Math" panose="02040503050406030204" pitchFamily="18" charset="0"/>
+              </a:rPr>
+              <a:t>3</a:t>
+            </a:r>
+            <a:endParaRPr lang="ru-RU" dirty="0">
+              <a:latin typeface="Cambria Math" panose="02040503050406030204" pitchFamily="18" charset="0"/>
+              <a:ea typeface="Cambria Math" panose="02040503050406030204" pitchFamily="18" charset="0"/>
+            </a:endParaRPr>
+          </a:p>
+        </p:txBody>
+      </p:sp>
+      <p:sp>
+        <p:nvSpPr>
+          <p:cNvPr id="42" name="TextBox 41">
+            <a:extLst>
+              <a:ext uri="{FF2B5EF4-FFF2-40B4-BE49-F238E27FC236}">
+                <a16:creationId xmlns:a16="http://schemas.microsoft.com/office/drawing/2014/main" id="{79704960-659C-4057-8F16-141DDAF16BC6}"/>
+              </a:ext>
+            </a:extLst>
+          </p:cNvPr>
+          <p:cNvSpPr txBox="1"/>
+          <p:nvPr/>
+        </p:nvSpPr>
+        <p:spPr>
+          <a:xfrm>
+            <a:off x="7054850" y="1685106"/>
+            <a:ext cx="977900" cy="276999"/>
+          </a:xfrm>
+          <a:prstGeom prst="rect">
+            <a:avLst/>
+          </a:prstGeom>
+          <a:noFill/>
+        </p:spPr>
+        <p:txBody>
+          <a:bodyPr wrap="square" rtlCol="0">
+            <a:spAutoFit/>
+          </a:bodyPr>
+          <a:lstStyle/>
+          <a:p>
+            <a:r>
+              <a:rPr lang="ru-RU" sz="1200" dirty="0">
+                <a:latin typeface="Cambria Math" panose="02040503050406030204" pitchFamily="18" charset="0"/>
+                <a:ea typeface="Cambria Math" panose="02040503050406030204" pitchFamily="18" charset="0"/>
+              </a:rPr>
+              <a:t>4</a:t>
+            </a:r>
+            <a:endParaRPr lang="ru-RU" dirty="0">
+              <a:latin typeface="Cambria Math" panose="02040503050406030204" pitchFamily="18" charset="0"/>
+              <a:ea typeface="Cambria Math" panose="02040503050406030204" pitchFamily="18" charset="0"/>
+            </a:endParaRPr>
+          </a:p>
+        </p:txBody>
+      </p:sp>
+      <p:sp>
+        <p:nvSpPr>
+          <p:cNvPr id="43" name="TextBox 42">
+            <a:extLst>
+              <a:ext uri="{FF2B5EF4-FFF2-40B4-BE49-F238E27FC236}">
+                <a16:creationId xmlns:a16="http://schemas.microsoft.com/office/drawing/2014/main" id="{D2ED65D4-C9B4-407E-880A-3AA20E336C80}"/>
+              </a:ext>
+            </a:extLst>
+          </p:cNvPr>
+          <p:cNvSpPr txBox="1"/>
+          <p:nvPr/>
+        </p:nvSpPr>
+        <p:spPr>
+          <a:xfrm>
+            <a:off x="7570066" y="4557406"/>
+            <a:ext cx="977900" cy="276999"/>
+          </a:xfrm>
+          <a:prstGeom prst="rect">
+            <a:avLst/>
+          </a:prstGeom>
+          <a:noFill/>
+        </p:spPr>
+        <p:txBody>
+          <a:bodyPr wrap="square" rtlCol="0">
+            <a:spAutoFit/>
+          </a:bodyPr>
+          <a:lstStyle/>
+          <a:p>
+            <a:r>
+              <a:rPr lang="ru-RU" sz="1200" dirty="0">
+                <a:latin typeface="Cambria Math" panose="02040503050406030204" pitchFamily="18" charset="0"/>
+                <a:ea typeface="Cambria Math" panose="02040503050406030204" pitchFamily="18" charset="0"/>
+              </a:rPr>
+              <a:t>5</a:t>
+            </a:r>
+            <a:endParaRPr lang="ru-RU" dirty="0">
+              <a:latin typeface="Cambria Math" panose="02040503050406030204" pitchFamily="18" charset="0"/>
+              <a:ea typeface="Cambria Math" panose="02040503050406030204" pitchFamily="18" charset="0"/>
+            </a:endParaRPr>
+          </a:p>
+        </p:txBody>
+      </p:sp>
+    </p:spTree>
+    <p:extLst>
+      <p:ext uri="{BB962C8B-B14F-4D97-AF65-F5344CB8AC3E}">
+        <p14:creationId xmlns:p14="http://schemas.microsoft.com/office/powerpoint/2010/main" val="275400485"/>
       </p:ext>
     </p:extLst>
   </p:cSld>
@@ -31251,8 +33217,8 @@
             </p:nvSpPr>
             <p:spPr>
               <a:xfrm>
-                <a:off x="6083022" y="1623358"/>
-                <a:ext cx="445955" cy="618824"/>
+                <a:off x="5480347" y="1623358"/>
+                <a:ext cx="445955" cy="430887"/>
               </a:xfrm>
               <a:prstGeom prst="rect">
                 <a:avLst/>
@@ -31272,60 +33238,37 @@
                       <m:jc m:val="centerGroup"/>
                     </m:oMathParaPr>
                     <m:oMath xmlns:m="http://schemas.openxmlformats.org/officeDocument/2006/math">
-                      <m:f>
-                        <m:fPr>
+                      <m:sSub>
+                        <m:sSubPr>
                           <m:ctrlPr>
-                            <a:rPr lang="ru-RU" sz="1400" i="1">
+                            <a:rPr lang="en-US" sz="1400" i="1" smtClean="0">
                               <a:latin typeface="Cambria Math" panose="02040503050406030204" pitchFamily="18" charset="0"/>
                               <a:ea typeface="Calibri" panose="020F0502020204030204" pitchFamily="34" charset="0"/>
                               <a:cs typeface="Times New Roman" panose="02020603050405020304" pitchFamily="18" charset="0"/>
                             </a:rPr>
                           </m:ctrlPr>
-                        </m:fPr>
-                        <m:num>
-                          <m:sSub>
-                            <m:sSubPr>
-                              <m:ctrlPr>
-                                <a:rPr lang="en-US" sz="1400" i="1">
-                                  <a:latin typeface="Cambria Math" panose="02040503050406030204" pitchFamily="18" charset="0"/>
-                                  <a:ea typeface="Calibri" panose="020F0502020204030204" pitchFamily="34" charset="0"/>
-                                  <a:cs typeface="Times New Roman" panose="02020603050405020304" pitchFamily="18" charset="0"/>
-                                </a:rPr>
-                              </m:ctrlPr>
-                            </m:sSubPr>
-                            <m:e>
-                              <m:r>
-                                <a:rPr lang="en-US" sz="1400" i="1">
-                                  <a:latin typeface="Cambria Math" panose="02040503050406030204" pitchFamily="18" charset="0"/>
-                                  <a:ea typeface="Calibri" panose="020F0502020204030204" pitchFamily="34" charset="0"/>
-                                  <a:cs typeface="Times New Roman" panose="02020603050405020304" pitchFamily="18" charset="0"/>
-                                </a:rPr>
-                                <m:t>𝐾</m:t>
-                              </m:r>
-                            </m:e>
-                            <m:sub>
-                              <m:r>
-                                <a:rPr lang="en-US" sz="1400" i="1">
-                                  <a:latin typeface="Cambria Math" panose="02040503050406030204" pitchFamily="18" charset="0"/>
-                                  <a:ea typeface="Calibri" panose="020F0502020204030204" pitchFamily="34" charset="0"/>
-                                  <a:cs typeface="Times New Roman" panose="02020603050405020304" pitchFamily="18" charset="0"/>
-                                </a:rPr>
-                                <m:t>𝑖</m:t>
-                              </m:r>
-                            </m:sub>
-                          </m:sSub>
-                        </m:num>
-                        <m:den>
+                        </m:sSubPr>
+                        <m:e>
                           <m:r>
                             <a:rPr lang="en-US" sz="1400" i="1">
                               <a:latin typeface="Cambria Math" panose="02040503050406030204" pitchFamily="18" charset="0"/>
                               <a:ea typeface="Calibri" panose="020F0502020204030204" pitchFamily="34" charset="0"/>
                               <a:cs typeface="Times New Roman" panose="02020603050405020304" pitchFamily="18" charset="0"/>
                             </a:rPr>
-                            <m:t>𝑠</m:t>
+                            <m:t>𝐾</m:t>
                           </m:r>
-                        </m:den>
-                      </m:f>
+                        </m:e>
+                        <m:sub>
+                          <m:r>
+                            <a:rPr lang="en-US" sz="1400" i="1">
+                              <a:latin typeface="Cambria Math" panose="02040503050406030204" pitchFamily="18" charset="0"/>
+                              <a:ea typeface="Calibri" panose="020F0502020204030204" pitchFamily="34" charset="0"/>
+                              <a:cs typeface="Times New Roman" panose="02020603050405020304" pitchFamily="18" charset="0"/>
+                            </a:rPr>
+                            <m:t>𝑖</m:t>
+                          </m:r>
+                        </m:sub>
+                      </m:sSub>
                     </m:oMath>
                   </m:oMathPara>
                 </a14:m>
@@ -31358,8 +33301,8 @@
             </p:nvSpPr>
             <p:spPr>
               <a:xfrm>
-                <a:off x="6083022" y="1623358"/>
-                <a:ext cx="445955" cy="618824"/>
+                <a:off x="5480347" y="1623358"/>
+                <a:ext cx="445955" cy="430887"/>
               </a:xfrm>
               <a:prstGeom prst="rect">
                 <a:avLst/>
@@ -31454,7 +33397,7 @@
         </p:nvSpPr>
         <p:spPr>
           <a:xfrm>
-            <a:off x="5897708" y="1515201"/>
+            <a:off x="5295033" y="1515201"/>
             <a:ext cx="789830" cy="618824"/>
           </a:xfrm>
           <a:prstGeom prst="rect">
@@ -31558,7 +33501,7 @@
         </p:nvSpPr>
         <p:spPr>
           <a:xfrm>
-            <a:off x="4634868" y="2765332"/>
+            <a:off x="4281574" y="2765332"/>
             <a:ext cx="238539" cy="246908"/>
           </a:xfrm>
           <a:prstGeom prst="flowChartSummingJunction">
@@ -31614,7 +33557,7 @@
             </p:nvSpPr>
             <p:spPr>
               <a:xfrm>
-                <a:off x="4856092" y="2920178"/>
+                <a:off x="4492407" y="2920178"/>
                 <a:ext cx="306026" cy="430887"/>
               </a:xfrm>
               <a:prstGeom prst="rect">
@@ -31674,7 +33617,7 @@
             </p:nvSpPr>
             <p:spPr>
               <a:xfrm>
-                <a:off x="4856092" y="2920178"/>
+                <a:off x="4492407" y="2920178"/>
                 <a:ext cx="306026" cy="430887"/>
               </a:xfrm>
               <a:prstGeom prst="rect">
@@ -31718,7 +33661,7 @@
             </p:nvSpPr>
             <p:spPr>
               <a:xfrm>
-                <a:off x="6083022" y="2750778"/>
+                <a:off x="5989503" y="2750778"/>
                 <a:ext cx="445955" cy="447495"/>
               </a:xfrm>
               <a:prstGeom prst="rect">
@@ -31802,7 +33745,7 @@
             </p:nvSpPr>
             <p:spPr>
               <a:xfrm>
-                <a:off x="6083022" y="2750778"/>
+                <a:off x="5989503" y="2750778"/>
                 <a:ext cx="445955" cy="447495"/>
               </a:xfrm>
               <a:prstGeom prst="rect">
@@ -31844,7 +33787,7 @@
         </p:nvSpPr>
         <p:spPr>
           <a:xfrm>
-            <a:off x="5897708" y="2579448"/>
+            <a:off x="5804189" y="2579448"/>
             <a:ext cx="789830" cy="618824"/>
           </a:xfrm>
           <a:prstGeom prst="rect">
@@ -31898,7 +33841,7 @@
             </p:nvSpPr>
             <p:spPr>
               <a:xfrm>
-                <a:off x="6083022" y="3815025"/>
+                <a:off x="5979112" y="3815025"/>
                 <a:ext cx="445955" cy="447495"/>
               </a:xfrm>
               <a:prstGeom prst="rect">
@@ -31990,7 +33933,7 @@
             </p:nvSpPr>
             <p:spPr>
               <a:xfrm>
-                <a:off x="6083022" y="3815025"/>
+                <a:off x="5979112" y="3815025"/>
                 <a:ext cx="445955" cy="447495"/>
               </a:xfrm>
               <a:prstGeom prst="rect">
@@ -32032,7 +33975,7 @@
         </p:nvSpPr>
         <p:spPr>
           <a:xfrm>
-            <a:off x="5897708" y="3643695"/>
+            <a:off x="5793798" y="3643695"/>
             <a:ext cx="789830" cy="618824"/>
           </a:xfrm>
           <a:prstGeom prst="rect">
@@ -32126,51 +34069,6 @@
       </p:sp>
       <p:cxnSp>
         <p:nvCxnSpPr>
-          <p:cNvPr id="35" name="Соединитель: уступ 34">
-            <a:extLst>
-              <a:ext uri="{FF2B5EF4-FFF2-40B4-BE49-F238E27FC236}">
-                <a16:creationId xmlns:a16="http://schemas.microsoft.com/office/drawing/2014/main" id="{6D004D29-CB78-4917-A29F-CB33CDADB8E2}"/>
-              </a:ext>
-            </a:extLst>
-          </p:cNvPr>
-          <p:cNvCxnSpPr>
-            <a:stCxn id="6" idx="3"/>
-            <a:endCxn id="33" idx="0"/>
-          </p:cNvCxnSpPr>
-          <p:nvPr/>
-        </p:nvCxnSpPr>
-        <p:spPr>
-          <a:xfrm>
-            <a:off x="6687539" y="1824614"/>
-            <a:ext cx="816033" cy="940719"/>
-          </a:xfrm>
-          <a:prstGeom prst="bentConnector2">
-            <a:avLst/>
-          </a:prstGeom>
-          <a:ln>
-            <a:solidFill>
-              <a:schemeClr val="tx1"/>
-            </a:solidFill>
-            <a:tailEnd type="triangle"/>
-          </a:ln>
-        </p:spPr>
-        <p:style>
-          <a:lnRef idx="1">
-            <a:schemeClr val="accent1"/>
-          </a:lnRef>
-          <a:fillRef idx="0">
-            <a:schemeClr val="accent1"/>
-          </a:fillRef>
-          <a:effectRef idx="0">
-            <a:schemeClr val="accent1"/>
-          </a:effectRef>
-          <a:fontRef idx="minor">
-            <a:schemeClr val="tx1"/>
-          </a:fontRef>
-        </p:style>
-      </p:cxnSp>
-      <p:cxnSp>
-        <p:nvCxnSpPr>
           <p:cNvPr id="37" name="Соединитель: уступ 36">
             <a:extLst>
               <a:ext uri="{FF2B5EF4-FFF2-40B4-BE49-F238E27FC236}">
@@ -32186,8 +34084,8 @@
         </p:nvCxnSpPr>
         <p:spPr>
           <a:xfrm flipV="1">
-            <a:off x="6687539" y="3012241"/>
-            <a:ext cx="816033" cy="940867"/>
+            <a:off x="6583628" y="3012240"/>
+            <a:ext cx="919944" cy="940867"/>
           </a:xfrm>
           <a:prstGeom prst="bentConnector2">
             <a:avLst/>
@@ -32231,8 +34129,8 @@
         </p:nvCxnSpPr>
         <p:spPr>
           <a:xfrm flipV="1">
-            <a:off x="6687539" y="2888786"/>
-            <a:ext cx="696763" cy="74"/>
+            <a:off x="6594019" y="2888786"/>
+            <a:ext cx="790283" cy="74"/>
           </a:xfrm>
           <a:prstGeom prst="bentConnector3">
             <a:avLst/>
@@ -32321,54 +34219,10 @@
         </p:nvCxnSpPr>
         <p:spPr>
           <a:xfrm>
-            <a:off x="4873406" y="2888786"/>
-            <a:ext cx="1024302" cy="74"/>
+            <a:off x="4520113" y="2888786"/>
+            <a:ext cx="1284076" cy="74"/>
           </a:xfrm>
           <a:prstGeom prst="bentConnector3">
-            <a:avLst/>
-          </a:prstGeom>
-          <a:ln>
-            <a:solidFill>
-              <a:schemeClr val="tx1"/>
-            </a:solidFill>
-            <a:tailEnd type="triangle"/>
-          </a:ln>
-        </p:spPr>
-        <p:style>
-          <a:lnRef idx="1">
-            <a:schemeClr val="accent1"/>
-          </a:lnRef>
-          <a:fillRef idx="0">
-            <a:schemeClr val="accent1"/>
-          </a:fillRef>
-          <a:effectRef idx="0">
-            <a:schemeClr val="accent1"/>
-          </a:effectRef>
-          <a:fontRef idx="minor">
-            <a:schemeClr val="tx1"/>
-          </a:fontRef>
-        </p:style>
-      </p:cxnSp>
-      <p:cxnSp>
-        <p:nvCxnSpPr>
-          <p:cNvPr id="62" name="Соединитель: уступ 61">
-            <a:extLst>
-              <a:ext uri="{FF2B5EF4-FFF2-40B4-BE49-F238E27FC236}">
-                <a16:creationId xmlns:a16="http://schemas.microsoft.com/office/drawing/2014/main" id="{EE58FDA2-5CB1-4CBF-83D4-29710941780D}"/>
-              </a:ext>
-            </a:extLst>
-          </p:cNvPr>
-          <p:cNvCxnSpPr>
-            <a:endCxn id="6" idx="1"/>
-          </p:cNvCxnSpPr>
-          <p:nvPr/>
-        </p:nvCxnSpPr>
-        <p:spPr>
-          <a:xfrm rot="5400000" flipH="1" flipV="1">
-            <a:off x="5109547" y="2100626"/>
-            <a:ext cx="1064173" cy="512151"/>
-          </a:xfrm>
-          <a:prstGeom prst="bentConnector2">
             <a:avLst/>
           </a:prstGeom>
           <a:ln>
@@ -32403,14 +34257,15 @@
             </a:extLst>
           </p:cNvPr>
           <p:cNvCxnSpPr>
+            <a:cxnSpLocks/>
             <a:endCxn id="32" idx="1"/>
           </p:cNvCxnSpPr>
           <p:nvPr/>
         </p:nvCxnSpPr>
         <p:spPr>
           <a:xfrm rot="16200000" flipH="1">
-            <a:off x="5109473" y="3164871"/>
-            <a:ext cx="1064321" cy="512151"/>
+            <a:off x="4854892" y="3014201"/>
+            <a:ext cx="1064322" cy="813489"/>
           </a:xfrm>
           <a:prstGeom prst="bentConnector2">
             <a:avLst/>
@@ -32497,7 +34352,7 @@
         </p:nvCxnSpPr>
         <p:spPr>
           <a:xfrm>
-            <a:off x="4038519" y="2872873"/>
+            <a:off x="3685225" y="2872873"/>
             <a:ext cx="596348" cy="0"/>
           </a:xfrm>
           <a:prstGeom prst="straightConnector1">
@@ -32768,8 +34623,8 @@
         </p:nvCxnSpPr>
         <p:spPr>
           <a:xfrm rot="10800000">
-            <a:off x="4754137" y="3012242"/>
-            <a:ext cx="2556252" cy="2053047"/>
+            <a:off x="4400845" y="3012241"/>
+            <a:ext cx="2909545" cy="2053047"/>
           </a:xfrm>
           <a:prstGeom prst="bentConnector2">
             <a:avLst/>
@@ -32790,6 +34645,660 @@
           </a:fillRef>
           <a:effectRef idx="0">
             <a:schemeClr val="accent1"/>
+          </a:effectRef>
+          <a:fontRef idx="minor">
+            <a:schemeClr val="tx1"/>
+          </a:fontRef>
+        </p:style>
+      </p:cxnSp>
+      <p:grpSp>
+        <p:nvGrpSpPr>
+          <p:cNvPr id="7" name="Группа 6">
+            <a:extLst>
+              <a:ext uri="{FF2B5EF4-FFF2-40B4-BE49-F238E27FC236}">
+                <a16:creationId xmlns:a16="http://schemas.microsoft.com/office/drawing/2014/main" id="{1512C858-5FF6-439F-815A-0C4390D56726}"/>
+              </a:ext>
+            </a:extLst>
+          </p:cNvPr>
+          <p:cNvGrpSpPr/>
+          <p:nvPr/>
+        </p:nvGrpSpPr>
+        <p:grpSpPr>
+          <a:xfrm>
+            <a:off x="6274140" y="1523425"/>
+            <a:ext cx="876081" cy="662863"/>
+            <a:chOff x="12369522" y="3599656"/>
+            <a:chExt cx="876081" cy="662863"/>
+          </a:xfrm>
+        </p:grpSpPr>
+        <p:cxnSp>
+          <p:nvCxnSpPr>
+            <p:cNvPr id="34" name="Прямая со стрелкой 33">
+              <a:extLst>
+                <a:ext uri="{FF2B5EF4-FFF2-40B4-BE49-F238E27FC236}">
+                  <a16:creationId xmlns:a16="http://schemas.microsoft.com/office/drawing/2014/main" id="{A878C191-3AE1-49B9-8E32-CBE34438A435}"/>
+                </a:ext>
+              </a:extLst>
+            </p:cNvPr>
+            <p:cNvCxnSpPr>
+              <a:cxnSpLocks/>
+            </p:cNvCxnSpPr>
+            <p:nvPr/>
+          </p:nvCxnSpPr>
+          <p:spPr>
+            <a:xfrm flipV="1">
+              <a:off x="12982138" y="3682989"/>
+              <a:ext cx="0" cy="408830"/>
+            </a:xfrm>
+            <a:prstGeom prst="straightConnector1">
+              <a:avLst/>
+            </a:prstGeom>
+            <a:ln>
+              <a:solidFill>
+                <a:schemeClr val="tx1"/>
+              </a:solidFill>
+              <a:tailEnd type="triangle"/>
+            </a:ln>
+          </p:spPr>
+          <p:style>
+            <a:lnRef idx="1">
+              <a:schemeClr val="accent1"/>
+            </a:lnRef>
+            <a:fillRef idx="0">
+              <a:schemeClr val="accent1"/>
+            </a:fillRef>
+            <a:effectRef idx="0">
+              <a:schemeClr val="accent1"/>
+            </a:effectRef>
+            <a:fontRef idx="minor">
+              <a:schemeClr val="tx1"/>
+            </a:fontRef>
+          </p:style>
+        </p:cxnSp>
+        <p:cxnSp>
+          <p:nvCxnSpPr>
+            <p:cNvPr id="36" name="Прямая со стрелкой 35">
+              <a:extLst>
+                <a:ext uri="{FF2B5EF4-FFF2-40B4-BE49-F238E27FC236}">
+                  <a16:creationId xmlns:a16="http://schemas.microsoft.com/office/drawing/2014/main" id="{B5DD43A5-4C51-4937-8E50-CAD9BC2B9A85}"/>
+                </a:ext>
+              </a:extLst>
+            </p:cNvPr>
+            <p:cNvCxnSpPr>
+              <a:cxnSpLocks/>
+            </p:cNvCxnSpPr>
+            <p:nvPr/>
+          </p:nvCxnSpPr>
+          <p:spPr>
+            <a:xfrm>
+              <a:off x="12775929" y="3898081"/>
+              <a:ext cx="431704" cy="0"/>
+            </a:xfrm>
+            <a:prstGeom prst="straightConnector1">
+              <a:avLst/>
+            </a:prstGeom>
+            <a:ln>
+              <a:solidFill>
+                <a:schemeClr val="tx1"/>
+              </a:solidFill>
+              <a:tailEnd type="triangle"/>
+            </a:ln>
+          </p:spPr>
+          <p:style>
+            <a:lnRef idx="1">
+              <a:schemeClr val="accent1"/>
+            </a:lnRef>
+            <a:fillRef idx="0">
+              <a:schemeClr val="accent1"/>
+            </a:fillRef>
+            <a:effectRef idx="0">
+              <a:schemeClr val="accent1"/>
+            </a:effectRef>
+            <a:fontRef idx="minor">
+              <a:schemeClr val="tx1"/>
+            </a:fontRef>
+          </p:style>
+        </p:cxnSp>
+        <p:sp>
+          <p:nvSpPr>
+            <p:cNvPr id="38" name="Прямоугольник 37">
+              <a:extLst>
+                <a:ext uri="{FF2B5EF4-FFF2-40B4-BE49-F238E27FC236}">
+                  <a16:creationId xmlns:a16="http://schemas.microsoft.com/office/drawing/2014/main" id="{08DDBB91-9568-408A-87E9-896B15AC2480}"/>
+                </a:ext>
+              </a:extLst>
+            </p:cNvPr>
+            <p:cNvSpPr/>
+            <p:nvPr/>
+          </p:nvSpPr>
+          <p:spPr>
+            <a:xfrm>
+              <a:off x="12458700" y="3599656"/>
+              <a:ext cx="786903" cy="618824"/>
+            </a:xfrm>
+            <a:prstGeom prst="rect">
+              <a:avLst/>
+            </a:prstGeom>
+            <a:noFill/>
+            <a:ln>
+              <a:solidFill>
+                <a:schemeClr val="tx1"/>
+              </a:solidFill>
+            </a:ln>
+          </p:spPr>
+          <p:style>
+            <a:lnRef idx="2">
+              <a:schemeClr val="accent1">
+                <a:shade val="50000"/>
+              </a:schemeClr>
+            </a:lnRef>
+            <a:fillRef idx="1">
+              <a:schemeClr val="accent1"/>
+            </a:fillRef>
+            <a:effectRef idx="0">
+              <a:schemeClr val="accent1"/>
+            </a:effectRef>
+            <a:fontRef idx="minor">
+              <a:schemeClr val="lt1"/>
+            </a:fontRef>
+          </p:style>
+          <p:txBody>
+            <a:bodyPr rtlCol="0" anchor="ctr"/>
+            <a:lstStyle/>
+            <a:p>
+              <a:pPr algn="ctr"/>
+              <a:endParaRPr lang="ru-RU"/>
+            </a:p>
+          </p:txBody>
+        </p:sp>
+        <p:cxnSp>
+          <p:nvCxnSpPr>
+            <p:cNvPr id="40" name="Прямая соединительная линия 39">
+              <a:extLst>
+                <a:ext uri="{FF2B5EF4-FFF2-40B4-BE49-F238E27FC236}">
+                  <a16:creationId xmlns:a16="http://schemas.microsoft.com/office/drawing/2014/main" id="{D666A8CE-7DA6-45C6-A18B-1061A4873983}"/>
+                </a:ext>
+              </a:extLst>
+            </p:cNvPr>
+            <p:cNvCxnSpPr>
+              <a:cxnSpLocks/>
+            </p:cNvCxnSpPr>
+            <p:nvPr/>
+          </p:nvCxnSpPr>
+          <p:spPr>
+            <a:xfrm flipV="1">
+              <a:off x="12982138" y="3782591"/>
+              <a:ext cx="88748" cy="115490"/>
+            </a:xfrm>
+            <a:prstGeom prst="line">
+              <a:avLst/>
+            </a:prstGeom>
+            <a:ln>
+              <a:solidFill>
+                <a:schemeClr val="tx1"/>
+              </a:solidFill>
+            </a:ln>
+          </p:spPr>
+          <p:style>
+            <a:lnRef idx="1">
+              <a:schemeClr val="accent1"/>
+            </a:lnRef>
+            <a:fillRef idx="0">
+              <a:schemeClr val="accent1"/>
+            </a:fillRef>
+            <a:effectRef idx="0">
+              <a:schemeClr val="accent1"/>
+            </a:effectRef>
+            <a:fontRef idx="minor">
+              <a:schemeClr val="tx1"/>
+            </a:fontRef>
+          </p:style>
+        </p:cxnSp>
+        <p:cxnSp>
+          <p:nvCxnSpPr>
+            <p:cNvPr id="41" name="Прямая соединительная линия 40">
+              <a:extLst>
+                <a:ext uri="{FF2B5EF4-FFF2-40B4-BE49-F238E27FC236}">
+                  <a16:creationId xmlns:a16="http://schemas.microsoft.com/office/drawing/2014/main" id="{829BD21C-61B5-4DA1-905D-449ECC5C1447}"/>
+                </a:ext>
+              </a:extLst>
+            </p:cNvPr>
+            <p:cNvCxnSpPr/>
+            <p:nvPr/>
+          </p:nvCxnSpPr>
+          <p:spPr>
+            <a:xfrm>
+              <a:off x="13070886" y="3782590"/>
+              <a:ext cx="129910" cy="0"/>
+            </a:xfrm>
+            <a:prstGeom prst="line">
+              <a:avLst/>
+            </a:prstGeom>
+            <a:ln>
+              <a:solidFill>
+                <a:schemeClr val="tx1"/>
+              </a:solidFill>
+            </a:ln>
+          </p:spPr>
+          <p:style>
+            <a:lnRef idx="1">
+              <a:schemeClr val="accent1"/>
+            </a:lnRef>
+            <a:fillRef idx="0">
+              <a:schemeClr val="accent1"/>
+            </a:fillRef>
+            <a:effectRef idx="0">
+              <a:schemeClr val="accent1"/>
+            </a:effectRef>
+            <a:fontRef idx="minor">
+              <a:schemeClr val="tx1"/>
+            </a:fontRef>
+          </p:style>
+        </p:cxnSp>
+        <p:grpSp>
+          <p:nvGrpSpPr>
+            <p:cNvPr id="42" name="Группа 41">
+              <a:extLst>
+                <a:ext uri="{FF2B5EF4-FFF2-40B4-BE49-F238E27FC236}">
+                  <a16:creationId xmlns:a16="http://schemas.microsoft.com/office/drawing/2014/main" id="{BF1BE4EE-33CE-42AB-939B-308A598559B9}"/>
+                </a:ext>
+              </a:extLst>
+            </p:cNvPr>
+            <p:cNvGrpSpPr/>
+            <p:nvPr/>
+          </p:nvGrpSpPr>
+          <p:grpSpPr>
+            <a:xfrm rot="10800000">
+              <a:off x="12761884" y="3902687"/>
+              <a:ext cx="218658" cy="115491"/>
+              <a:chOff x="6217182" y="5575136"/>
+              <a:chExt cx="218658" cy="115491"/>
+            </a:xfrm>
+          </p:grpSpPr>
+          <p:cxnSp>
+            <p:nvCxnSpPr>
+              <p:cNvPr id="43" name="Прямая соединительная линия 42">
+                <a:extLst>
+                  <a:ext uri="{FF2B5EF4-FFF2-40B4-BE49-F238E27FC236}">
+                    <a16:creationId xmlns:a16="http://schemas.microsoft.com/office/drawing/2014/main" id="{D03E1F0F-A59C-473E-B8F7-89D37AA2A826}"/>
+                  </a:ext>
+                </a:extLst>
+              </p:cNvPr>
+              <p:cNvCxnSpPr>
+                <a:cxnSpLocks/>
+              </p:cNvCxnSpPr>
+              <p:nvPr/>
+            </p:nvCxnSpPr>
+            <p:spPr>
+              <a:xfrm flipV="1">
+                <a:off x="6217182" y="5575137"/>
+                <a:ext cx="88748" cy="115490"/>
+              </a:xfrm>
+              <a:prstGeom prst="line">
+                <a:avLst/>
+              </a:prstGeom>
+              <a:ln>
+                <a:solidFill>
+                  <a:schemeClr val="tx1"/>
+                </a:solidFill>
+              </a:ln>
+            </p:spPr>
+            <p:style>
+              <a:lnRef idx="1">
+                <a:schemeClr val="accent1"/>
+              </a:lnRef>
+              <a:fillRef idx="0">
+                <a:schemeClr val="accent1"/>
+              </a:fillRef>
+              <a:effectRef idx="0">
+                <a:schemeClr val="accent1"/>
+              </a:effectRef>
+              <a:fontRef idx="minor">
+                <a:schemeClr val="tx1"/>
+              </a:fontRef>
+            </p:style>
+          </p:cxnSp>
+          <p:cxnSp>
+            <p:nvCxnSpPr>
+              <p:cNvPr id="45" name="Прямая соединительная линия 44">
+                <a:extLst>
+                  <a:ext uri="{FF2B5EF4-FFF2-40B4-BE49-F238E27FC236}">
+                    <a16:creationId xmlns:a16="http://schemas.microsoft.com/office/drawing/2014/main" id="{5B32E9D5-ABE1-43D4-9A46-665F46F719BE}"/>
+                  </a:ext>
+                </a:extLst>
+              </p:cNvPr>
+              <p:cNvCxnSpPr/>
+              <p:nvPr/>
+            </p:nvCxnSpPr>
+            <p:spPr>
+              <a:xfrm>
+                <a:off x="6305930" y="5575136"/>
+                <a:ext cx="129910" cy="0"/>
+              </a:xfrm>
+              <a:prstGeom prst="line">
+                <a:avLst/>
+              </a:prstGeom>
+              <a:ln>
+                <a:solidFill>
+                  <a:schemeClr val="tx1"/>
+                </a:solidFill>
+              </a:ln>
+            </p:spPr>
+            <p:style>
+              <a:lnRef idx="1">
+                <a:schemeClr val="accent1"/>
+              </a:lnRef>
+              <a:fillRef idx="0">
+                <a:schemeClr val="accent1"/>
+              </a:fillRef>
+              <a:effectRef idx="0">
+                <a:schemeClr val="accent1"/>
+              </a:effectRef>
+              <a:fontRef idx="minor">
+                <a:schemeClr val="tx1"/>
+              </a:fontRef>
+            </p:style>
+          </p:cxnSp>
+        </p:grpSp>
+        <mc:AlternateContent xmlns:mc="http://schemas.openxmlformats.org/markup-compatibility/2006" xmlns:a14="http://schemas.microsoft.com/office/drawing/2010/main">
+          <mc:Choice Requires="a14">
+            <p:sp>
+              <p:nvSpPr>
+                <p:cNvPr id="46" name="TextBox 45">
+                  <a:extLst>
+                    <a:ext uri="{FF2B5EF4-FFF2-40B4-BE49-F238E27FC236}">
+                      <a16:creationId xmlns:a16="http://schemas.microsoft.com/office/drawing/2014/main" id="{B99DC741-87F4-4846-8F68-2C5D9EDE3A9E}"/>
+                    </a:ext>
+                  </a:extLst>
+                </p:cNvPr>
+                <p:cNvSpPr txBox="1"/>
+                <p:nvPr/>
+              </p:nvSpPr>
+              <p:spPr>
+                <a:xfrm>
+                  <a:off x="12369522" y="3643695"/>
+                  <a:ext cx="445955" cy="618824"/>
+                </a:xfrm>
+                <a:prstGeom prst="rect">
+                  <a:avLst/>
+                </a:prstGeom>
+                <a:noFill/>
+              </p:spPr>
+              <p:txBody>
+                <a:bodyPr wrap="square" lIns="0" tIns="0" rIns="0" bIns="0" rtlCol="0">
+                  <a:spAutoFit/>
+                </a:bodyPr>
+                <a:lstStyle/>
+                <a:p>
+                  <a:pPr/>
+                  <a14:m>
+                    <m:oMathPara xmlns:m="http://schemas.openxmlformats.org/officeDocument/2006/math">
+                      <m:oMathParaPr>
+                        <m:jc m:val="centerGroup"/>
+                      </m:oMathParaPr>
+                      <m:oMath xmlns:m="http://schemas.openxmlformats.org/officeDocument/2006/math">
+                        <m:f>
+                          <m:fPr>
+                            <m:ctrlPr>
+                              <a:rPr lang="ru-RU" sz="1400" i="1" smtClean="0">
+                                <a:latin typeface="Cambria Math" panose="02040503050406030204" pitchFamily="18" charset="0"/>
+                                <a:ea typeface="Calibri" panose="020F0502020204030204" pitchFamily="34" charset="0"/>
+                                <a:cs typeface="Times New Roman" panose="02020603050405020304" pitchFamily="18" charset="0"/>
+                              </a:rPr>
+                            </m:ctrlPr>
+                          </m:fPr>
+                          <m:num>
+                            <m:r>
+                              <a:rPr lang="ru-RU" sz="1400" b="0" i="1" smtClean="0">
+                                <a:latin typeface="Cambria Math" panose="02040503050406030204" pitchFamily="18" charset="0"/>
+                                <a:ea typeface="Calibri" panose="020F0502020204030204" pitchFamily="34" charset="0"/>
+                                <a:cs typeface="Times New Roman" panose="02020603050405020304" pitchFamily="18" charset="0"/>
+                              </a:rPr>
+                              <m:t>1</m:t>
+                            </m:r>
+                          </m:num>
+                          <m:den>
+                            <m:r>
+                              <a:rPr lang="en-US" sz="1400" i="1">
+                                <a:latin typeface="Cambria Math" panose="02040503050406030204" pitchFamily="18" charset="0"/>
+                                <a:ea typeface="Calibri" panose="020F0502020204030204" pitchFamily="34" charset="0"/>
+                                <a:cs typeface="Times New Roman" panose="02020603050405020304" pitchFamily="18" charset="0"/>
+                              </a:rPr>
+                              <m:t>𝑠</m:t>
+                            </m:r>
+                          </m:den>
+                        </m:f>
+                      </m:oMath>
+                    </m:oMathPara>
+                  </a14:m>
+                  <a:endParaRPr lang="ru-RU" sz="1400" dirty="0">
+                    <a:latin typeface="Times New Roman" panose="02020603050405020304" pitchFamily="18" charset="0"/>
+                    <a:ea typeface="Calibri" panose="020F0502020204030204" pitchFamily="34" charset="0"/>
+                    <a:cs typeface="Times New Roman" panose="02020603050405020304" pitchFamily="18" charset="0"/>
+                  </a:endParaRPr>
+                </a:p>
+                <a:p>
+                  <a:endParaRPr lang="ru-RU" sz="1400" dirty="0"/>
+                </a:p>
+              </p:txBody>
+            </p:sp>
+          </mc:Choice>
+          <mc:Fallback xmlns="">
+            <p:sp>
+              <p:nvSpPr>
+                <p:cNvPr id="46" name="TextBox 45">
+                  <a:extLst>
+                    <a:ext uri="{FF2B5EF4-FFF2-40B4-BE49-F238E27FC236}">
+                      <a16:creationId xmlns:a16="http://schemas.microsoft.com/office/drawing/2014/main" id="{B99DC741-87F4-4846-8F68-2C5D9EDE3A9E}"/>
+                    </a:ext>
+                  </a:extLst>
+                </p:cNvPr>
+                <p:cNvSpPr txBox="1">
+                  <a:spLocks noRot="1" noChangeAspect="1" noMove="1" noResize="1" noEditPoints="1" noAdjustHandles="1" noChangeArrowheads="1" noChangeShapeType="1" noTextEdit="1"/>
+                </p:cNvSpPr>
+                <p:nvPr/>
+              </p:nvSpPr>
+              <p:spPr>
+                <a:xfrm>
+                  <a:off x="12369522" y="3643695"/>
+                  <a:ext cx="445955" cy="618824"/>
+                </a:xfrm>
+                <a:prstGeom prst="rect">
+                  <a:avLst/>
+                </a:prstGeom>
+                <a:blipFill>
+                  <a:blip r:embed="rId7"/>
+                  <a:stretch>
+                    <a:fillRect/>
+                  </a:stretch>
+                </a:blipFill>
+              </p:spPr>
+              <p:txBody>
+                <a:bodyPr/>
+                <a:lstStyle/>
+                <a:p>
+                  <a:r>
+                    <a:rPr lang="ru-RU">
+                      <a:noFill/>
+                    </a:rPr>
+                    <a:t> </a:t>
+                  </a:r>
+                </a:p>
+              </p:txBody>
+            </p:sp>
+          </mc:Fallback>
+        </mc:AlternateContent>
+      </p:grpSp>
+      <p:sp>
+        <p:nvSpPr>
+          <p:cNvPr id="47" name="Прямоугольник 46">
+            <a:extLst>
+              <a:ext uri="{FF2B5EF4-FFF2-40B4-BE49-F238E27FC236}">
+                <a16:creationId xmlns:a16="http://schemas.microsoft.com/office/drawing/2014/main" id="{F1D7670B-E6D8-447F-86E8-295A9B03A70E}"/>
+              </a:ext>
+            </a:extLst>
+          </p:cNvPr>
+          <p:cNvSpPr/>
+          <p:nvPr/>
+        </p:nvSpPr>
+        <p:spPr>
+          <a:xfrm>
+            <a:off x="13554797" y="3599656"/>
+            <a:ext cx="789830" cy="618824"/>
+          </a:xfrm>
+          <a:prstGeom prst="rect">
+            <a:avLst/>
+          </a:prstGeom>
+          <a:noFill/>
+          <a:ln>
+            <a:solidFill>
+              <a:schemeClr val="tx1"/>
+            </a:solidFill>
+          </a:ln>
+        </p:spPr>
+        <p:style>
+          <a:lnRef idx="2">
+            <a:schemeClr val="accent1">
+              <a:shade val="50000"/>
+            </a:schemeClr>
+          </a:lnRef>
+          <a:fillRef idx="1">
+            <a:schemeClr val="accent1"/>
+          </a:fillRef>
+          <a:effectRef idx="0">
+            <a:schemeClr val="accent1"/>
+          </a:effectRef>
+          <a:fontRef idx="minor">
+            <a:schemeClr val="lt1"/>
+          </a:fontRef>
+        </p:style>
+        <p:txBody>
+          <a:bodyPr rtlCol="0" anchor="ctr"/>
+          <a:lstStyle/>
+          <a:p>
+            <a:pPr algn="ctr"/>
+            <a:endParaRPr lang="ru-RU"/>
+          </a:p>
+        </p:txBody>
+      </p:sp>
+      <p:cxnSp>
+        <p:nvCxnSpPr>
+          <p:cNvPr id="13" name="Соединитель: уступ 12">
+            <a:extLst>
+              <a:ext uri="{FF2B5EF4-FFF2-40B4-BE49-F238E27FC236}">
+                <a16:creationId xmlns:a16="http://schemas.microsoft.com/office/drawing/2014/main" id="{19DCB381-1773-4B29-AD36-653D47E9EC95}"/>
+              </a:ext>
+            </a:extLst>
+          </p:cNvPr>
+          <p:cNvCxnSpPr>
+            <a:endCxn id="6" idx="1"/>
+          </p:cNvCxnSpPr>
+          <p:nvPr/>
+        </p:nvCxnSpPr>
+        <p:spPr>
+          <a:xfrm rot="5400000" flipH="1" flipV="1">
+            <a:off x="4614177" y="2207930"/>
+            <a:ext cx="1064173" cy="297540"/>
+          </a:xfrm>
+          <a:prstGeom prst="bentConnector2">
+            <a:avLst/>
+          </a:prstGeom>
+          <a:ln>
+            <a:tailEnd type="triangle"/>
+          </a:ln>
+        </p:spPr>
+        <p:style>
+          <a:lnRef idx="1">
+            <a:schemeClr val="dk1"/>
+          </a:lnRef>
+          <a:fillRef idx="0">
+            <a:schemeClr val="dk1"/>
+          </a:fillRef>
+          <a:effectRef idx="0">
+            <a:schemeClr val="dk1"/>
+          </a:effectRef>
+          <a:fontRef idx="minor">
+            <a:schemeClr val="tx1"/>
+          </a:fontRef>
+        </p:style>
+      </p:cxnSp>
+      <p:cxnSp>
+        <p:nvCxnSpPr>
+          <p:cNvPr id="15" name="Прямая со стрелкой 14">
+            <a:extLst>
+              <a:ext uri="{FF2B5EF4-FFF2-40B4-BE49-F238E27FC236}">
+                <a16:creationId xmlns:a16="http://schemas.microsoft.com/office/drawing/2014/main" id="{DE15B007-9ED0-40B8-B281-A8A349A840C6}"/>
+              </a:ext>
+            </a:extLst>
+          </p:cNvPr>
+          <p:cNvCxnSpPr>
+            <a:cxnSpLocks/>
+          </p:cNvCxnSpPr>
+          <p:nvPr/>
+        </p:nvCxnSpPr>
+        <p:spPr>
+          <a:xfrm flipV="1">
+            <a:off x="6082378" y="1832837"/>
+            <a:ext cx="280445" cy="2167"/>
+          </a:xfrm>
+          <a:prstGeom prst="straightConnector1">
+            <a:avLst/>
+          </a:prstGeom>
+          <a:ln>
+            <a:tailEnd type="triangle"/>
+          </a:ln>
+        </p:spPr>
+        <p:style>
+          <a:lnRef idx="1">
+            <a:schemeClr val="dk1"/>
+          </a:lnRef>
+          <a:fillRef idx="0">
+            <a:schemeClr val="dk1"/>
+          </a:fillRef>
+          <a:effectRef idx="0">
+            <a:schemeClr val="dk1"/>
+          </a:effectRef>
+          <a:fontRef idx="minor">
+            <a:schemeClr val="tx1"/>
+          </a:fontRef>
+        </p:style>
+      </p:cxnSp>
+      <p:cxnSp>
+        <p:nvCxnSpPr>
+          <p:cNvPr id="19" name="Соединитель: уступ 18">
+            <a:extLst>
+              <a:ext uri="{FF2B5EF4-FFF2-40B4-BE49-F238E27FC236}">
+                <a16:creationId xmlns:a16="http://schemas.microsoft.com/office/drawing/2014/main" id="{3F01A431-BA8D-44C9-9D32-95F94E157C21}"/>
+              </a:ext>
+            </a:extLst>
+          </p:cNvPr>
+          <p:cNvCxnSpPr>
+            <a:stCxn id="38" idx="3"/>
+            <a:endCxn id="33" idx="0"/>
+          </p:cNvCxnSpPr>
+          <p:nvPr/>
+        </p:nvCxnSpPr>
+        <p:spPr>
+          <a:xfrm>
+            <a:off x="7150221" y="1832837"/>
+            <a:ext cx="353351" cy="932495"/>
+          </a:xfrm>
+          <a:prstGeom prst="bentConnector2">
+            <a:avLst/>
+          </a:prstGeom>
+          <a:ln>
+            <a:tailEnd type="triangle"/>
+          </a:ln>
+        </p:spPr>
+        <p:style>
+          <a:lnRef idx="1">
+            <a:schemeClr val="dk1"/>
+          </a:lnRef>
+          <a:fillRef idx="0">
+            <a:schemeClr val="dk1"/>
+          </a:fillRef>
+          <a:effectRef idx="0">
+            <a:schemeClr val="dk1"/>
           </a:effectRef>
           <a:fontRef idx="minor">
             <a:schemeClr val="tx1"/>
@@ -32810,6 +35319,1597 @@
 </file>
 
 <file path=ppt/slides/slide6.xml><?xml version="1.0" encoding="utf-8"?>
+<p:sld xmlns:a="http://schemas.openxmlformats.org/drawingml/2006/main" xmlns:r="http://schemas.openxmlformats.org/officeDocument/2006/relationships" xmlns:p="http://schemas.openxmlformats.org/presentationml/2006/main">
+  <p:cSld>
+    <p:spTree>
+      <p:nvGrpSpPr>
+        <p:cNvPr id="1" name=""/>
+        <p:cNvGrpSpPr/>
+        <p:nvPr/>
+      </p:nvGrpSpPr>
+      <p:grpSpPr>
+        <a:xfrm>
+          <a:off x="0" y="0"/>
+          <a:ext cx="0" cy="0"/>
+          <a:chOff x="0" y="0"/>
+          <a:chExt cx="0" cy="0"/>
+        </a:xfrm>
+      </p:grpSpPr>
+      <mc:AlternateContent xmlns:mc="http://schemas.openxmlformats.org/markup-compatibility/2006" xmlns:a14="http://schemas.microsoft.com/office/drawing/2010/main">
+        <mc:Choice Requires="a14">
+          <p:sp>
+            <p:nvSpPr>
+              <p:cNvPr id="4" name="TextBox 3">
+                <a:extLst>
+                  <a:ext uri="{FF2B5EF4-FFF2-40B4-BE49-F238E27FC236}">
+                    <a16:creationId xmlns:a16="http://schemas.microsoft.com/office/drawing/2014/main" id="{BBBD8F8C-859A-47E9-890A-3EF4D29226DF}"/>
+                  </a:ext>
+                </a:extLst>
+              </p:cNvPr>
+              <p:cNvSpPr txBox="1"/>
+              <p:nvPr/>
+            </p:nvSpPr>
+            <p:spPr>
+              <a:xfrm>
+                <a:off x="6083022" y="1623358"/>
+                <a:ext cx="445955" cy="618824"/>
+              </a:xfrm>
+              <a:prstGeom prst="rect">
+                <a:avLst/>
+              </a:prstGeom>
+              <a:noFill/>
+            </p:spPr>
+            <p:txBody>
+              <a:bodyPr wrap="square" lIns="0" tIns="0" rIns="0" bIns="0" rtlCol="0">
+                <a:spAutoFit/>
+              </a:bodyPr>
+              <a:lstStyle/>
+              <a:p>
+                <a:pPr/>
+                <a14:m>
+                  <m:oMathPara xmlns:m="http://schemas.openxmlformats.org/officeDocument/2006/math">
+                    <m:oMathParaPr>
+                      <m:jc m:val="centerGroup"/>
+                    </m:oMathParaPr>
+                    <m:oMath xmlns:m="http://schemas.openxmlformats.org/officeDocument/2006/math">
+                      <m:f>
+                        <m:fPr>
+                          <m:ctrlPr>
+                            <a:rPr lang="ru-RU" sz="1400" i="1">
+                              <a:latin typeface="Cambria Math" panose="02040503050406030204" pitchFamily="18" charset="0"/>
+                              <a:ea typeface="Calibri" panose="020F0502020204030204" pitchFamily="34" charset="0"/>
+                              <a:cs typeface="Times New Roman" panose="02020603050405020304" pitchFamily="18" charset="0"/>
+                            </a:rPr>
+                          </m:ctrlPr>
+                        </m:fPr>
+                        <m:num>
+                          <m:sSub>
+                            <m:sSubPr>
+                              <m:ctrlPr>
+                                <a:rPr lang="en-US" sz="1400" i="1">
+                                  <a:latin typeface="Cambria Math" panose="02040503050406030204" pitchFamily="18" charset="0"/>
+                                  <a:ea typeface="Calibri" panose="020F0502020204030204" pitchFamily="34" charset="0"/>
+                                  <a:cs typeface="Times New Roman" panose="02020603050405020304" pitchFamily="18" charset="0"/>
+                                </a:rPr>
+                              </m:ctrlPr>
+                            </m:sSubPr>
+                            <m:e>
+                              <m:r>
+                                <a:rPr lang="en-US" sz="1400" i="1">
+                                  <a:latin typeface="Cambria Math" panose="02040503050406030204" pitchFamily="18" charset="0"/>
+                                  <a:ea typeface="Calibri" panose="020F0502020204030204" pitchFamily="34" charset="0"/>
+                                  <a:cs typeface="Times New Roman" panose="02020603050405020304" pitchFamily="18" charset="0"/>
+                                </a:rPr>
+                                <m:t>𝐾</m:t>
+                              </m:r>
+                            </m:e>
+                            <m:sub>
+                              <m:r>
+                                <a:rPr lang="en-US" sz="1400" i="1">
+                                  <a:latin typeface="Cambria Math" panose="02040503050406030204" pitchFamily="18" charset="0"/>
+                                  <a:ea typeface="Calibri" panose="020F0502020204030204" pitchFamily="34" charset="0"/>
+                                  <a:cs typeface="Times New Roman" panose="02020603050405020304" pitchFamily="18" charset="0"/>
+                                </a:rPr>
+                                <m:t>𝑖</m:t>
+                              </m:r>
+                            </m:sub>
+                          </m:sSub>
+                        </m:num>
+                        <m:den>
+                          <m:r>
+                            <a:rPr lang="en-US" sz="1400" i="1">
+                              <a:latin typeface="Cambria Math" panose="02040503050406030204" pitchFamily="18" charset="0"/>
+                              <a:ea typeface="Calibri" panose="020F0502020204030204" pitchFamily="34" charset="0"/>
+                              <a:cs typeface="Times New Roman" panose="02020603050405020304" pitchFamily="18" charset="0"/>
+                            </a:rPr>
+                            <m:t>𝑠</m:t>
+                          </m:r>
+                        </m:den>
+                      </m:f>
+                    </m:oMath>
+                  </m:oMathPara>
+                </a14:m>
+                <a:endParaRPr lang="ru-RU" sz="1400" dirty="0">
+                  <a:latin typeface="Times New Roman" panose="02020603050405020304" pitchFamily="18" charset="0"/>
+                  <a:ea typeface="Calibri" panose="020F0502020204030204" pitchFamily="34" charset="0"/>
+                  <a:cs typeface="Times New Roman" panose="02020603050405020304" pitchFamily="18" charset="0"/>
+                </a:endParaRPr>
+              </a:p>
+              <a:p>
+                <a:endParaRPr lang="ru-RU" sz="1400" dirty="0"/>
+              </a:p>
+            </p:txBody>
+          </p:sp>
+        </mc:Choice>
+        <mc:Fallback xmlns="">
+          <p:sp>
+            <p:nvSpPr>
+              <p:cNvPr id="4" name="TextBox 3">
+                <a:extLst>
+                  <a:ext uri="{FF2B5EF4-FFF2-40B4-BE49-F238E27FC236}">
+                    <a16:creationId xmlns:a16="http://schemas.microsoft.com/office/drawing/2014/main" id="{BBBD8F8C-859A-47E9-890A-3EF4D29226DF}"/>
+                  </a:ext>
+                </a:extLst>
+              </p:cNvPr>
+              <p:cNvSpPr txBox="1">
+                <a:spLocks noRot="1" noChangeAspect="1" noMove="1" noResize="1" noEditPoints="1" noAdjustHandles="1" noChangeArrowheads="1" noChangeShapeType="1" noTextEdit="1"/>
+              </p:cNvSpPr>
+              <p:nvPr/>
+            </p:nvSpPr>
+            <p:spPr>
+              <a:xfrm>
+                <a:off x="6083022" y="1623358"/>
+                <a:ext cx="445955" cy="618824"/>
+              </a:xfrm>
+              <a:prstGeom prst="rect">
+                <a:avLst/>
+              </a:prstGeom>
+              <a:blipFill>
+                <a:blip r:embed="rId2"/>
+                <a:stretch>
+                  <a:fillRect/>
+                </a:stretch>
+              </a:blipFill>
+            </p:spPr>
+            <p:txBody>
+              <a:bodyPr/>
+              <a:lstStyle/>
+              <a:p>
+                <a:r>
+                  <a:rPr lang="ru-RU">
+                    <a:noFill/>
+                  </a:rPr>
+                  <a:t> </a:t>
+                </a:r>
+              </a:p>
+            </p:txBody>
+          </p:sp>
+        </mc:Fallback>
+      </mc:AlternateContent>
+      <p:sp>
+        <p:nvSpPr>
+          <p:cNvPr id="5" name="TextBox 4">
+            <a:extLst>
+              <a:ext uri="{FF2B5EF4-FFF2-40B4-BE49-F238E27FC236}">
+                <a16:creationId xmlns:a16="http://schemas.microsoft.com/office/drawing/2014/main" id="{34CA13A6-DB0B-46F8-A51C-918B44A4FA64}"/>
+              </a:ext>
+            </a:extLst>
+          </p:cNvPr>
+          <p:cNvSpPr txBox="1"/>
+          <p:nvPr/>
+        </p:nvSpPr>
+        <p:spPr>
+          <a:xfrm>
+            <a:off x="8403409" y="2602813"/>
+            <a:ext cx="1424609" cy="646331"/>
+          </a:xfrm>
+          <a:prstGeom prst="rect">
+            <a:avLst/>
+          </a:prstGeom>
+          <a:noFill/>
+        </p:spPr>
+        <p:txBody>
+          <a:bodyPr wrap="square" lIns="0" tIns="0" rIns="0" bIns="0" rtlCol="0">
+            <a:spAutoFit/>
+          </a:bodyPr>
+          <a:lstStyle/>
+          <a:p>
+            <a:pPr algn="ctr"/>
+            <a:r>
+              <a:rPr lang="ru-RU" sz="1400" dirty="0">
+                <a:latin typeface="Cambria Math" panose="02040503050406030204" pitchFamily="18" charset="0"/>
+                <a:ea typeface="Cambria Math" panose="02040503050406030204" pitchFamily="18" charset="0"/>
+                <a:cs typeface="Times New Roman" panose="02020603050405020304" pitchFamily="18" charset="0"/>
+              </a:rPr>
+              <a:t>Объект </a:t>
+            </a:r>
+          </a:p>
+          <a:p>
+            <a:pPr algn="ctr"/>
+            <a:r>
+              <a:rPr lang="ru-RU" sz="1400" dirty="0">
+                <a:latin typeface="Cambria Math" panose="02040503050406030204" pitchFamily="18" charset="0"/>
+                <a:ea typeface="Cambria Math" panose="02040503050406030204" pitchFamily="18" charset="0"/>
+                <a:cs typeface="Times New Roman" panose="02020603050405020304" pitchFamily="18" charset="0"/>
+              </a:rPr>
+              <a:t>регулирования</a:t>
+            </a:r>
+          </a:p>
+          <a:p>
+            <a:endParaRPr lang="ru-RU" sz="1400" dirty="0"/>
+          </a:p>
+        </p:txBody>
+      </p:sp>
+      <p:sp>
+        <p:nvSpPr>
+          <p:cNvPr id="6" name="Прямоугольник 5">
+            <a:extLst>
+              <a:ext uri="{FF2B5EF4-FFF2-40B4-BE49-F238E27FC236}">
+                <a16:creationId xmlns:a16="http://schemas.microsoft.com/office/drawing/2014/main" id="{857EAE07-E4B4-4F16-8420-73843219C709}"/>
+              </a:ext>
+            </a:extLst>
+          </p:cNvPr>
+          <p:cNvSpPr/>
+          <p:nvPr/>
+        </p:nvSpPr>
+        <p:spPr>
+          <a:xfrm>
+            <a:off x="5897708" y="1515201"/>
+            <a:ext cx="789830" cy="618824"/>
+          </a:xfrm>
+          <a:prstGeom prst="rect">
+            <a:avLst/>
+          </a:prstGeom>
+          <a:noFill/>
+          <a:ln>
+            <a:solidFill>
+              <a:schemeClr val="tx1"/>
+            </a:solidFill>
+          </a:ln>
+        </p:spPr>
+        <p:style>
+          <a:lnRef idx="2">
+            <a:schemeClr val="accent1">
+              <a:shade val="50000"/>
+            </a:schemeClr>
+          </a:lnRef>
+          <a:fillRef idx="1">
+            <a:schemeClr val="accent1"/>
+          </a:fillRef>
+          <a:effectRef idx="0">
+            <a:schemeClr val="accent1"/>
+          </a:effectRef>
+          <a:fontRef idx="minor">
+            <a:schemeClr val="lt1"/>
+          </a:fontRef>
+        </p:style>
+        <p:txBody>
+          <a:bodyPr rtlCol="0" anchor="ctr"/>
+          <a:lstStyle/>
+          <a:p>
+            <a:pPr algn="ctr"/>
+            <a:endParaRPr lang="ru-RU"/>
+          </a:p>
+        </p:txBody>
+      </p:sp>
+      <p:sp>
+        <p:nvSpPr>
+          <p:cNvPr id="7" name="Прямоугольник 6">
+            <a:extLst>
+              <a:ext uri="{FF2B5EF4-FFF2-40B4-BE49-F238E27FC236}">
+                <a16:creationId xmlns:a16="http://schemas.microsoft.com/office/drawing/2014/main" id="{48CC2AD7-B2E6-4594-994F-48CB9EBFEE76}"/>
+              </a:ext>
+            </a:extLst>
+          </p:cNvPr>
+          <p:cNvSpPr/>
+          <p:nvPr/>
+        </p:nvSpPr>
+        <p:spPr>
+          <a:xfrm>
+            <a:off x="8102570" y="2512539"/>
+            <a:ext cx="2027993" cy="736593"/>
+          </a:xfrm>
+          <a:prstGeom prst="rect">
+            <a:avLst/>
+          </a:prstGeom>
+          <a:noFill/>
+          <a:ln>
+            <a:solidFill>
+              <a:schemeClr val="tx1"/>
+            </a:solidFill>
+          </a:ln>
+        </p:spPr>
+        <p:style>
+          <a:lnRef idx="2">
+            <a:schemeClr val="accent1">
+              <a:shade val="50000"/>
+            </a:schemeClr>
+          </a:lnRef>
+          <a:fillRef idx="1">
+            <a:schemeClr val="accent1"/>
+          </a:fillRef>
+          <a:effectRef idx="0">
+            <a:schemeClr val="accent1"/>
+          </a:effectRef>
+          <a:fontRef idx="minor">
+            <a:schemeClr val="lt1"/>
+          </a:fontRef>
+        </p:style>
+        <p:txBody>
+          <a:bodyPr rtlCol="0" anchor="ctr"/>
+          <a:lstStyle/>
+          <a:p>
+            <a:pPr algn="ctr"/>
+            <a:endParaRPr lang="ru-RU"/>
+          </a:p>
+        </p:txBody>
+      </p:sp>
+      <p:sp>
+        <p:nvSpPr>
+          <p:cNvPr id="8" name="Блок-схема: узел суммирования 7">
+            <a:extLst>
+              <a:ext uri="{FF2B5EF4-FFF2-40B4-BE49-F238E27FC236}">
+                <a16:creationId xmlns:a16="http://schemas.microsoft.com/office/drawing/2014/main" id="{5DB35507-D25A-4BF2-B792-75346EC3D030}"/>
+              </a:ext>
+            </a:extLst>
+          </p:cNvPr>
+          <p:cNvSpPr/>
+          <p:nvPr/>
+        </p:nvSpPr>
+        <p:spPr>
+          <a:xfrm>
+            <a:off x="4634868" y="2765332"/>
+            <a:ext cx="238539" cy="246908"/>
+          </a:xfrm>
+          <a:prstGeom prst="flowChartSummingJunction">
+            <a:avLst/>
+          </a:prstGeom>
+          <a:noFill/>
+          <a:ln w="6350">
+            <a:solidFill>
+              <a:schemeClr val="tx1"/>
+            </a:solidFill>
+          </a:ln>
+        </p:spPr>
+        <p:style>
+          <a:lnRef idx="2">
+            <a:schemeClr val="accent1">
+              <a:shade val="50000"/>
+            </a:schemeClr>
+          </a:lnRef>
+          <a:fillRef idx="1">
+            <a:schemeClr val="accent1"/>
+          </a:fillRef>
+          <a:effectRef idx="0">
+            <a:schemeClr val="accent1"/>
+          </a:effectRef>
+          <a:fontRef idx="minor">
+            <a:schemeClr val="lt1"/>
+          </a:fontRef>
+        </p:style>
+        <p:txBody>
+          <a:bodyPr rtlCol="0" anchor="ctr"/>
+          <a:lstStyle/>
+          <a:p>
+            <a:pPr algn="ctr"/>
+            <a:endParaRPr lang="ru-RU">
+              <a:noFill/>
+            </a:endParaRPr>
+          </a:p>
+        </p:txBody>
+      </p:sp>
+      <mc:AlternateContent xmlns:mc="http://schemas.openxmlformats.org/markup-compatibility/2006" xmlns:a14="http://schemas.microsoft.com/office/drawing/2010/main">
+        <mc:Choice Requires="a14">
+          <p:sp>
+            <p:nvSpPr>
+              <p:cNvPr id="9" name="TextBox 8">
+                <a:extLst>
+                  <a:ext uri="{FF2B5EF4-FFF2-40B4-BE49-F238E27FC236}">
+                    <a16:creationId xmlns:a16="http://schemas.microsoft.com/office/drawing/2014/main" id="{D67E5E01-E04A-4C94-A4AB-40BB453D72AF}"/>
+                  </a:ext>
+                </a:extLst>
+              </p:cNvPr>
+              <p:cNvSpPr txBox="1"/>
+              <p:nvPr/>
+            </p:nvSpPr>
+            <p:spPr>
+              <a:xfrm>
+                <a:off x="4856092" y="2920178"/>
+                <a:ext cx="306026" cy="430887"/>
+              </a:xfrm>
+              <a:prstGeom prst="rect">
+                <a:avLst/>
+              </a:prstGeom>
+              <a:noFill/>
+            </p:spPr>
+            <p:txBody>
+              <a:bodyPr wrap="square" lIns="0" tIns="0" rIns="0" bIns="0" rtlCol="0">
+                <a:spAutoFit/>
+              </a:bodyPr>
+              <a:lstStyle/>
+              <a:p>
+                <a:pPr/>
+                <a14:m>
+                  <m:oMathPara xmlns:m="http://schemas.openxmlformats.org/officeDocument/2006/math">
+                    <m:oMathParaPr>
+                      <m:jc m:val="centerGroup"/>
+                    </m:oMathParaPr>
+                    <m:oMath xmlns:m="http://schemas.openxmlformats.org/officeDocument/2006/math">
+                      <m:r>
+                        <a:rPr lang="ru-RU" sz="1400" i="1">
+                          <a:latin typeface="Cambria Math" panose="02040503050406030204" pitchFamily="18" charset="0"/>
+                          <a:ea typeface="Times New Roman" panose="02020603050405020304" pitchFamily="18" charset="0"/>
+                        </a:rPr>
+                        <m:t>−</m:t>
+                      </m:r>
+                    </m:oMath>
+                  </m:oMathPara>
+                </a14:m>
+                <a:endParaRPr lang="ru-RU" sz="1400" dirty="0">
+                  <a:latin typeface="Times New Roman" panose="02020603050405020304" pitchFamily="18" charset="0"/>
+                  <a:ea typeface="Calibri" panose="020F0502020204030204" pitchFamily="34" charset="0"/>
+                  <a:cs typeface="Times New Roman" panose="02020603050405020304" pitchFamily="18" charset="0"/>
+                </a:endParaRPr>
+              </a:p>
+              <a:p>
+                <a:endParaRPr lang="ru-RU" sz="1400" dirty="0"/>
+              </a:p>
+            </p:txBody>
+          </p:sp>
+        </mc:Choice>
+        <mc:Fallback xmlns="">
+          <p:sp>
+            <p:nvSpPr>
+              <p:cNvPr id="9" name="TextBox 8">
+                <a:extLst>
+                  <a:ext uri="{FF2B5EF4-FFF2-40B4-BE49-F238E27FC236}">
+                    <a16:creationId xmlns:a16="http://schemas.microsoft.com/office/drawing/2014/main" id="{D67E5E01-E04A-4C94-A4AB-40BB453D72AF}"/>
+                  </a:ext>
+                </a:extLst>
+              </p:cNvPr>
+              <p:cNvSpPr txBox="1">
+                <a:spLocks noRot="1" noChangeAspect="1" noMove="1" noResize="1" noEditPoints="1" noAdjustHandles="1" noChangeArrowheads="1" noChangeShapeType="1" noTextEdit="1"/>
+              </p:cNvSpPr>
+              <p:nvPr/>
+            </p:nvSpPr>
+            <p:spPr>
+              <a:xfrm>
+                <a:off x="4856092" y="2920178"/>
+                <a:ext cx="306026" cy="430887"/>
+              </a:xfrm>
+              <a:prstGeom prst="rect">
+                <a:avLst/>
+              </a:prstGeom>
+              <a:blipFill>
+                <a:blip r:embed="rId3"/>
+                <a:stretch>
+                  <a:fillRect/>
+                </a:stretch>
+              </a:blipFill>
+            </p:spPr>
+            <p:txBody>
+              <a:bodyPr/>
+              <a:lstStyle/>
+              <a:p>
+                <a:r>
+                  <a:rPr lang="ru-RU">
+                    <a:noFill/>
+                  </a:rPr>
+                  <a:t> </a:t>
+                </a:r>
+              </a:p>
+            </p:txBody>
+          </p:sp>
+        </mc:Fallback>
+      </mc:AlternateContent>
+      <mc:AlternateContent xmlns:mc="http://schemas.openxmlformats.org/markup-compatibility/2006" xmlns:a14="http://schemas.microsoft.com/office/drawing/2010/main">
+        <mc:Choice Requires="a14">
+          <p:sp>
+            <p:nvSpPr>
+              <p:cNvPr id="10" name="TextBox 9">
+                <a:extLst>
+                  <a:ext uri="{FF2B5EF4-FFF2-40B4-BE49-F238E27FC236}">
+                    <a16:creationId xmlns:a16="http://schemas.microsoft.com/office/drawing/2014/main" id="{F76C8198-A410-423F-8E42-648DE5FB654B}"/>
+                  </a:ext>
+                </a:extLst>
+              </p:cNvPr>
+              <p:cNvSpPr txBox="1"/>
+              <p:nvPr/>
+            </p:nvSpPr>
+            <p:spPr>
+              <a:xfrm>
+                <a:off x="6083022" y="2750778"/>
+                <a:ext cx="445955" cy="447495"/>
+              </a:xfrm>
+              <a:prstGeom prst="rect">
+                <a:avLst/>
+              </a:prstGeom>
+              <a:noFill/>
+            </p:spPr>
+            <p:txBody>
+              <a:bodyPr wrap="square" lIns="0" tIns="0" rIns="0" bIns="0" rtlCol="0">
+                <a:spAutoFit/>
+              </a:bodyPr>
+              <a:lstStyle/>
+              <a:p>
+                <a:pPr/>
+                <a14:m>
+                  <m:oMathPara xmlns:m="http://schemas.openxmlformats.org/officeDocument/2006/math">
+                    <m:oMathParaPr>
+                      <m:jc m:val="centerGroup"/>
+                    </m:oMathParaPr>
+                    <m:oMath xmlns:m="http://schemas.openxmlformats.org/officeDocument/2006/math">
+                      <m:sSub>
+                        <m:sSubPr>
+                          <m:ctrlPr>
+                            <a:rPr lang="en-US" sz="1400" i="1">
+                              <a:latin typeface="Cambria Math" panose="02040503050406030204" pitchFamily="18" charset="0"/>
+                              <a:ea typeface="Calibri" panose="020F0502020204030204" pitchFamily="34" charset="0"/>
+                              <a:cs typeface="Times New Roman" panose="02020603050405020304" pitchFamily="18" charset="0"/>
+                            </a:rPr>
+                          </m:ctrlPr>
+                        </m:sSubPr>
+                        <m:e>
+                          <m:r>
+                            <a:rPr lang="en-US" sz="1400" i="1">
+                              <a:latin typeface="Cambria Math" panose="02040503050406030204" pitchFamily="18" charset="0"/>
+                              <a:ea typeface="Calibri" panose="020F0502020204030204" pitchFamily="34" charset="0"/>
+                              <a:cs typeface="Times New Roman" panose="02020603050405020304" pitchFamily="18" charset="0"/>
+                            </a:rPr>
+                            <m:t>𝐾</m:t>
+                          </m:r>
+                        </m:e>
+                        <m:sub>
+                          <m:r>
+                            <a:rPr lang="en-US" sz="1400" i="1">
+                              <a:latin typeface="Cambria Math" panose="02040503050406030204" pitchFamily="18" charset="0"/>
+                              <a:ea typeface="Calibri" panose="020F0502020204030204" pitchFamily="34" charset="0"/>
+                              <a:cs typeface="Times New Roman" panose="02020603050405020304" pitchFamily="18" charset="0"/>
+                            </a:rPr>
+                            <m:t>𝑝</m:t>
+                          </m:r>
+                        </m:sub>
+                      </m:sSub>
+                    </m:oMath>
+                  </m:oMathPara>
+                </a14:m>
+                <a:endParaRPr lang="ru-RU" sz="1400" dirty="0">
+                  <a:latin typeface="Times New Roman" panose="02020603050405020304" pitchFamily="18" charset="0"/>
+                  <a:ea typeface="Calibri" panose="020F0502020204030204" pitchFamily="34" charset="0"/>
+                  <a:cs typeface="Times New Roman" panose="02020603050405020304" pitchFamily="18" charset="0"/>
+                </a:endParaRPr>
+              </a:p>
+              <a:p>
+                <a:endParaRPr lang="ru-RU" sz="1400" dirty="0"/>
+              </a:p>
+            </p:txBody>
+          </p:sp>
+        </mc:Choice>
+        <mc:Fallback xmlns="">
+          <p:sp>
+            <p:nvSpPr>
+              <p:cNvPr id="10" name="TextBox 9">
+                <a:extLst>
+                  <a:ext uri="{FF2B5EF4-FFF2-40B4-BE49-F238E27FC236}">
+                    <a16:creationId xmlns:a16="http://schemas.microsoft.com/office/drawing/2014/main" id="{F76C8198-A410-423F-8E42-648DE5FB654B}"/>
+                  </a:ext>
+                </a:extLst>
+              </p:cNvPr>
+              <p:cNvSpPr txBox="1">
+                <a:spLocks noRot="1" noChangeAspect="1" noMove="1" noResize="1" noEditPoints="1" noAdjustHandles="1" noChangeArrowheads="1" noChangeShapeType="1" noTextEdit="1"/>
+              </p:cNvSpPr>
+              <p:nvPr/>
+            </p:nvSpPr>
+            <p:spPr>
+              <a:xfrm>
+                <a:off x="6083022" y="2750778"/>
+                <a:ext cx="445955" cy="447495"/>
+              </a:xfrm>
+              <a:prstGeom prst="rect">
+                <a:avLst/>
+              </a:prstGeom>
+              <a:blipFill>
+                <a:blip r:embed="rId4"/>
+                <a:stretch>
+                  <a:fillRect/>
+                </a:stretch>
+              </a:blipFill>
+            </p:spPr>
+            <p:txBody>
+              <a:bodyPr/>
+              <a:lstStyle/>
+              <a:p>
+                <a:r>
+                  <a:rPr lang="ru-RU">
+                    <a:noFill/>
+                  </a:rPr>
+                  <a:t> </a:t>
+                </a:r>
+              </a:p>
+            </p:txBody>
+          </p:sp>
+        </mc:Fallback>
+      </mc:AlternateContent>
+      <p:sp>
+        <p:nvSpPr>
+          <p:cNvPr id="11" name="Прямоугольник 10">
+            <a:extLst>
+              <a:ext uri="{FF2B5EF4-FFF2-40B4-BE49-F238E27FC236}">
+                <a16:creationId xmlns:a16="http://schemas.microsoft.com/office/drawing/2014/main" id="{19AD659E-D9FA-44B9-B147-6B7D11B9D56A}"/>
+              </a:ext>
+            </a:extLst>
+          </p:cNvPr>
+          <p:cNvSpPr/>
+          <p:nvPr/>
+        </p:nvSpPr>
+        <p:spPr>
+          <a:xfrm>
+            <a:off x="5897708" y="2579448"/>
+            <a:ext cx="789830" cy="618824"/>
+          </a:xfrm>
+          <a:prstGeom prst="rect">
+            <a:avLst/>
+          </a:prstGeom>
+          <a:noFill/>
+          <a:ln>
+            <a:solidFill>
+              <a:schemeClr val="tx1"/>
+            </a:solidFill>
+          </a:ln>
+        </p:spPr>
+        <p:style>
+          <a:lnRef idx="2">
+            <a:schemeClr val="accent1">
+              <a:shade val="50000"/>
+            </a:schemeClr>
+          </a:lnRef>
+          <a:fillRef idx="1">
+            <a:schemeClr val="accent1"/>
+          </a:fillRef>
+          <a:effectRef idx="0">
+            <a:schemeClr val="accent1"/>
+          </a:effectRef>
+          <a:fontRef idx="minor">
+            <a:schemeClr val="lt1"/>
+          </a:fontRef>
+        </p:style>
+        <p:txBody>
+          <a:bodyPr rtlCol="0" anchor="ctr"/>
+          <a:lstStyle/>
+          <a:p>
+            <a:pPr algn="ctr"/>
+            <a:endParaRPr lang="ru-RU"/>
+          </a:p>
+        </p:txBody>
+      </p:sp>
+      <mc:AlternateContent xmlns:mc="http://schemas.openxmlformats.org/markup-compatibility/2006" xmlns:a14="http://schemas.microsoft.com/office/drawing/2010/main">
+        <mc:Choice Requires="a14">
+          <p:sp>
+            <p:nvSpPr>
+              <p:cNvPr id="12" name="TextBox 11">
+                <a:extLst>
+                  <a:ext uri="{FF2B5EF4-FFF2-40B4-BE49-F238E27FC236}">
+                    <a16:creationId xmlns:a16="http://schemas.microsoft.com/office/drawing/2014/main" id="{10B3A935-9A7C-4D2B-BFBD-D700E4BB4A49}"/>
+                  </a:ext>
+                </a:extLst>
+              </p:cNvPr>
+              <p:cNvSpPr txBox="1"/>
+              <p:nvPr/>
+            </p:nvSpPr>
+            <p:spPr>
+              <a:xfrm>
+                <a:off x="6083022" y="3815025"/>
+                <a:ext cx="445955" cy="447495"/>
+              </a:xfrm>
+              <a:prstGeom prst="rect">
+                <a:avLst/>
+              </a:prstGeom>
+              <a:noFill/>
+            </p:spPr>
+            <p:txBody>
+              <a:bodyPr wrap="square" lIns="0" tIns="0" rIns="0" bIns="0" rtlCol="0">
+                <a:spAutoFit/>
+              </a:bodyPr>
+              <a:lstStyle/>
+              <a:p>
+                <a:pPr/>
+                <a14:m>
+                  <m:oMathPara xmlns:m="http://schemas.openxmlformats.org/officeDocument/2006/math">
+                    <m:oMathParaPr>
+                      <m:jc m:val="centerGroup"/>
+                    </m:oMathParaPr>
+                    <m:oMath xmlns:m="http://schemas.openxmlformats.org/officeDocument/2006/math">
+                      <m:sSub>
+                        <m:sSubPr>
+                          <m:ctrlPr>
+                            <a:rPr lang="en-US" sz="1400" i="1">
+                              <a:latin typeface="Cambria Math" panose="02040503050406030204" pitchFamily="18" charset="0"/>
+                              <a:ea typeface="Calibri" panose="020F0502020204030204" pitchFamily="34" charset="0"/>
+                              <a:cs typeface="Times New Roman" panose="02020603050405020304" pitchFamily="18" charset="0"/>
+                            </a:rPr>
+                          </m:ctrlPr>
+                        </m:sSubPr>
+                        <m:e>
+                          <m:r>
+                            <a:rPr lang="en-US" sz="1400" i="1">
+                              <a:latin typeface="Cambria Math" panose="02040503050406030204" pitchFamily="18" charset="0"/>
+                              <a:ea typeface="Calibri" panose="020F0502020204030204" pitchFamily="34" charset="0"/>
+                              <a:cs typeface="Times New Roman" panose="02020603050405020304" pitchFamily="18" charset="0"/>
+                            </a:rPr>
+                            <m:t>𝐾</m:t>
+                          </m:r>
+                        </m:e>
+                        <m:sub>
+                          <m:r>
+                            <a:rPr lang="en-US" sz="1400" i="1">
+                              <a:latin typeface="Cambria Math" panose="02040503050406030204" pitchFamily="18" charset="0"/>
+                              <a:ea typeface="Calibri" panose="020F0502020204030204" pitchFamily="34" charset="0"/>
+                              <a:cs typeface="Times New Roman" panose="02020603050405020304" pitchFamily="18" charset="0"/>
+                            </a:rPr>
+                            <m:t>𝑑</m:t>
+                          </m:r>
+                        </m:sub>
+                      </m:sSub>
+                      <m:r>
+                        <a:rPr lang="en-US" sz="1400" i="1">
+                          <a:latin typeface="Cambria Math" panose="02040503050406030204" pitchFamily="18" charset="0"/>
+                          <a:ea typeface="Calibri" panose="020F0502020204030204" pitchFamily="34" charset="0"/>
+                          <a:cs typeface="Times New Roman" panose="02020603050405020304" pitchFamily="18" charset="0"/>
+                        </a:rPr>
+                        <m:t>𝑠</m:t>
+                      </m:r>
+                    </m:oMath>
+                  </m:oMathPara>
+                </a14:m>
+                <a:endParaRPr lang="ru-RU" sz="1400" dirty="0">
+                  <a:latin typeface="Times New Roman" panose="02020603050405020304" pitchFamily="18" charset="0"/>
+                  <a:ea typeface="Calibri" panose="020F0502020204030204" pitchFamily="34" charset="0"/>
+                  <a:cs typeface="Times New Roman" panose="02020603050405020304" pitchFamily="18" charset="0"/>
+                </a:endParaRPr>
+              </a:p>
+              <a:p>
+                <a:endParaRPr lang="ru-RU" sz="1400" dirty="0"/>
+              </a:p>
+            </p:txBody>
+          </p:sp>
+        </mc:Choice>
+        <mc:Fallback xmlns="">
+          <p:sp>
+            <p:nvSpPr>
+              <p:cNvPr id="12" name="TextBox 11">
+                <a:extLst>
+                  <a:ext uri="{FF2B5EF4-FFF2-40B4-BE49-F238E27FC236}">
+                    <a16:creationId xmlns:a16="http://schemas.microsoft.com/office/drawing/2014/main" id="{10B3A935-9A7C-4D2B-BFBD-D700E4BB4A49}"/>
+                  </a:ext>
+                </a:extLst>
+              </p:cNvPr>
+              <p:cNvSpPr txBox="1">
+                <a:spLocks noRot="1" noChangeAspect="1" noMove="1" noResize="1" noEditPoints="1" noAdjustHandles="1" noChangeArrowheads="1" noChangeShapeType="1" noTextEdit="1"/>
+              </p:cNvSpPr>
+              <p:nvPr/>
+            </p:nvSpPr>
+            <p:spPr>
+              <a:xfrm>
+                <a:off x="6083022" y="3815025"/>
+                <a:ext cx="445955" cy="447495"/>
+              </a:xfrm>
+              <a:prstGeom prst="rect">
+                <a:avLst/>
+              </a:prstGeom>
+              <a:blipFill>
+                <a:blip r:embed="rId5"/>
+                <a:stretch>
+                  <a:fillRect/>
+                </a:stretch>
+              </a:blipFill>
+            </p:spPr>
+            <p:txBody>
+              <a:bodyPr/>
+              <a:lstStyle/>
+              <a:p>
+                <a:r>
+                  <a:rPr lang="ru-RU">
+                    <a:noFill/>
+                  </a:rPr>
+                  <a:t> </a:t>
+                </a:r>
+              </a:p>
+            </p:txBody>
+          </p:sp>
+        </mc:Fallback>
+      </mc:AlternateContent>
+      <p:sp>
+        <p:nvSpPr>
+          <p:cNvPr id="13" name="Прямоугольник 12">
+            <a:extLst>
+              <a:ext uri="{FF2B5EF4-FFF2-40B4-BE49-F238E27FC236}">
+                <a16:creationId xmlns:a16="http://schemas.microsoft.com/office/drawing/2014/main" id="{2E67EAB7-EA59-405C-B23A-D99688860B3E}"/>
+              </a:ext>
+            </a:extLst>
+          </p:cNvPr>
+          <p:cNvSpPr/>
+          <p:nvPr/>
+        </p:nvSpPr>
+        <p:spPr>
+          <a:xfrm>
+            <a:off x="5897708" y="3643695"/>
+            <a:ext cx="789830" cy="618824"/>
+          </a:xfrm>
+          <a:prstGeom prst="rect">
+            <a:avLst/>
+          </a:prstGeom>
+          <a:noFill/>
+          <a:ln>
+            <a:solidFill>
+              <a:schemeClr val="tx1"/>
+            </a:solidFill>
+          </a:ln>
+        </p:spPr>
+        <p:style>
+          <a:lnRef idx="2">
+            <a:schemeClr val="accent1">
+              <a:shade val="50000"/>
+            </a:schemeClr>
+          </a:lnRef>
+          <a:fillRef idx="1">
+            <a:schemeClr val="accent1"/>
+          </a:fillRef>
+          <a:effectRef idx="0">
+            <a:schemeClr val="accent1"/>
+          </a:effectRef>
+          <a:fontRef idx="minor">
+            <a:schemeClr val="lt1"/>
+          </a:fontRef>
+        </p:style>
+        <p:txBody>
+          <a:bodyPr rtlCol="0" anchor="ctr"/>
+          <a:lstStyle/>
+          <a:p>
+            <a:pPr algn="ctr"/>
+            <a:endParaRPr lang="ru-RU"/>
+          </a:p>
+        </p:txBody>
+      </p:sp>
+      <p:sp>
+        <p:nvSpPr>
+          <p:cNvPr id="14" name="Блок-схема: узел суммирования 13">
+            <a:extLst>
+              <a:ext uri="{FF2B5EF4-FFF2-40B4-BE49-F238E27FC236}">
+                <a16:creationId xmlns:a16="http://schemas.microsoft.com/office/drawing/2014/main" id="{0B30CF61-84EE-4BAD-A21E-1DB1E1D1A65A}"/>
+              </a:ext>
+            </a:extLst>
+          </p:cNvPr>
+          <p:cNvSpPr/>
+          <p:nvPr/>
+        </p:nvSpPr>
+        <p:spPr>
+          <a:xfrm>
+            <a:off x="7384302" y="2765332"/>
+            <a:ext cx="238539" cy="246908"/>
+          </a:xfrm>
+          <a:prstGeom prst="flowChartSummingJunction">
+            <a:avLst/>
+          </a:prstGeom>
+          <a:noFill/>
+          <a:ln w="6350">
+            <a:solidFill>
+              <a:schemeClr val="tx1"/>
+            </a:solidFill>
+          </a:ln>
+        </p:spPr>
+        <p:style>
+          <a:lnRef idx="2">
+            <a:schemeClr val="accent1">
+              <a:shade val="50000"/>
+            </a:schemeClr>
+          </a:lnRef>
+          <a:fillRef idx="1">
+            <a:schemeClr val="accent1"/>
+          </a:fillRef>
+          <a:effectRef idx="0">
+            <a:schemeClr val="accent1"/>
+          </a:effectRef>
+          <a:fontRef idx="minor">
+            <a:schemeClr val="lt1"/>
+          </a:fontRef>
+        </p:style>
+        <p:txBody>
+          <a:bodyPr rtlCol="0" anchor="ctr"/>
+          <a:lstStyle/>
+          <a:p>
+            <a:pPr algn="ctr"/>
+            <a:endParaRPr lang="ru-RU">
+              <a:noFill/>
+            </a:endParaRPr>
+          </a:p>
+        </p:txBody>
+      </p:sp>
+      <p:cxnSp>
+        <p:nvCxnSpPr>
+          <p:cNvPr id="15" name="Соединитель: уступ 14">
+            <a:extLst>
+              <a:ext uri="{FF2B5EF4-FFF2-40B4-BE49-F238E27FC236}">
+                <a16:creationId xmlns:a16="http://schemas.microsoft.com/office/drawing/2014/main" id="{F04ECB5B-656F-4327-B2F3-1EA96C2D191C}"/>
+              </a:ext>
+            </a:extLst>
+          </p:cNvPr>
+          <p:cNvCxnSpPr>
+            <a:stCxn id="6" idx="3"/>
+            <a:endCxn id="14" idx="0"/>
+          </p:cNvCxnSpPr>
+          <p:nvPr/>
+        </p:nvCxnSpPr>
+        <p:spPr>
+          <a:xfrm>
+            <a:off x="6687539" y="1824614"/>
+            <a:ext cx="816033" cy="940719"/>
+          </a:xfrm>
+          <a:prstGeom prst="bentConnector2">
+            <a:avLst/>
+          </a:prstGeom>
+          <a:ln>
+            <a:solidFill>
+              <a:schemeClr val="tx1"/>
+            </a:solidFill>
+            <a:tailEnd type="triangle"/>
+          </a:ln>
+        </p:spPr>
+        <p:style>
+          <a:lnRef idx="1">
+            <a:schemeClr val="accent1"/>
+          </a:lnRef>
+          <a:fillRef idx="0">
+            <a:schemeClr val="accent1"/>
+          </a:fillRef>
+          <a:effectRef idx="0">
+            <a:schemeClr val="accent1"/>
+          </a:effectRef>
+          <a:fontRef idx="minor">
+            <a:schemeClr val="tx1"/>
+          </a:fontRef>
+        </p:style>
+      </p:cxnSp>
+      <p:cxnSp>
+        <p:nvCxnSpPr>
+          <p:cNvPr id="16" name="Соединитель: уступ 15">
+            <a:extLst>
+              <a:ext uri="{FF2B5EF4-FFF2-40B4-BE49-F238E27FC236}">
+                <a16:creationId xmlns:a16="http://schemas.microsoft.com/office/drawing/2014/main" id="{07624E3B-BB5D-4051-A2B2-DB62F8F7906C}"/>
+              </a:ext>
+            </a:extLst>
+          </p:cNvPr>
+          <p:cNvCxnSpPr>
+            <a:stCxn id="13" idx="3"/>
+            <a:endCxn id="14" idx="4"/>
+          </p:cNvCxnSpPr>
+          <p:nvPr/>
+        </p:nvCxnSpPr>
+        <p:spPr>
+          <a:xfrm flipV="1">
+            <a:off x="6687539" y="3012241"/>
+            <a:ext cx="816033" cy="940867"/>
+          </a:xfrm>
+          <a:prstGeom prst="bentConnector2">
+            <a:avLst/>
+          </a:prstGeom>
+          <a:ln>
+            <a:solidFill>
+              <a:schemeClr val="tx1"/>
+            </a:solidFill>
+            <a:tailEnd type="triangle"/>
+          </a:ln>
+        </p:spPr>
+        <p:style>
+          <a:lnRef idx="1">
+            <a:schemeClr val="accent1"/>
+          </a:lnRef>
+          <a:fillRef idx="0">
+            <a:schemeClr val="accent1"/>
+          </a:fillRef>
+          <a:effectRef idx="0">
+            <a:schemeClr val="accent1"/>
+          </a:effectRef>
+          <a:fontRef idx="minor">
+            <a:schemeClr val="tx1"/>
+          </a:fontRef>
+        </p:style>
+      </p:cxnSp>
+      <p:cxnSp>
+        <p:nvCxnSpPr>
+          <p:cNvPr id="17" name="Соединитель: уступ 16">
+            <a:extLst>
+              <a:ext uri="{FF2B5EF4-FFF2-40B4-BE49-F238E27FC236}">
+                <a16:creationId xmlns:a16="http://schemas.microsoft.com/office/drawing/2014/main" id="{7406AB5B-49DD-4DD7-BD9C-564C9E4AC6D8}"/>
+              </a:ext>
+            </a:extLst>
+          </p:cNvPr>
+          <p:cNvCxnSpPr>
+            <a:stCxn id="11" idx="3"/>
+            <a:endCxn id="14" idx="2"/>
+          </p:cNvCxnSpPr>
+          <p:nvPr/>
+        </p:nvCxnSpPr>
+        <p:spPr>
+          <a:xfrm flipV="1">
+            <a:off x="6687539" y="2888786"/>
+            <a:ext cx="696763" cy="74"/>
+          </a:xfrm>
+          <a:prstGeom prst="bentConnector3">
+            <a:avLst/>
+          </a:prstGeom>
+          <a:ln>
+            <a:solidFill>
+              <a:schemeClr val="tx1"/>
+            </a:solidFill>
+            <a:tailEnd type="triangle"/>
+          </a:ln>
+        </p:spPr>
+        <p:style>
+          <a:lnRef idx="1">
+            <a:schemeClr val="accent1"/>
+          </a:lnRef>
+          <a:fillRef idx="0">
+            <a:schemeClr val="accent1"/>
+          </a:fillRef>
+          <a:effectRef idx="0">
+            <a:schemeClr val="accent1"/>
+          </a:effectRef>
+          <a:fontRef idx="minor">
+            <a:schemeClr val="tx1"/>
+          </a:fontRef>
+        </p:style>
+      </p:cxnSp>
+      <p:cxnSp>
+        <p:nvCxnSpPr>
+          <p:cNvPr id="18" name="Соединитель: уступ 17">
+            <a:extLst>
+              <a:ext uri="{FF2B5EF4-FFF2-40B4-BE49-F238E27FC236}">
+                <a16:creationId xmlns:a16="http://schemas.microsoft.com/office/drawing/2014/main" id="{472432A8-8E1B-4901-8FCA-818DD5ABCAC0}"/>
+              </a:ext>
+            </a:extLst>
+          </p:cNvPr>
+          <p:cNvCxnSpPr>
+            <a:stCxn id="14" idx="6"/>
+            <a:endCxn id="7" idx="1"/>
+          </p:cNvCxnSpPr>
+          <p:nvPr/>
+        </p:nvCxnSpPr>
+        <p:spPr>
+          <a:xfrm flipV="1">
+            <a:off x="7622841" y="2880836"/>
+            <a:ext cx="479729" cy="7951"/>
+          </a:xfrm>
+          <a:prstGeom prst="bentConnector3">
+            <a:avLst/>
+          </a:prstGeom>
+          <a:ln>
+            <a:solidFill>
+              <a:schemeClr val="tx1"/>
+            </a:solidFill>
+            <a:tailEnd type="triangle"/>
+          </a:ln>
+        </p:spPr>
+        <p:style>
+          <a:lnRef idx="1">
+            <a:schemeClr val="accent1"/>
+          </a:lnRef>
+          <a:fillRef idx="0">
+            <a:schemeClr val="accent1"/>
+          </a:fillRef>
+          <a:effectRef idx="0">
+            <a:schemeClr val="accent1"/>
+          </a:effectRef>
+          <a:fontRef idx="minor">
+            <a:schemeClr val="tx1"/>
+          </a:fontRef>
+        </p:style>
+      </p:cxnSp>
+      <p:cxnSp>
+        <p:nvCxnSpPr>
+          <p:cNvPr id="19" name="Соединитель: уступ 18">
+            <a:extLst>
+              <a:ext uri="{FF2B5EF4-FFF2-40B4-BE49-F238E27FC236}">
+                <a16:creationId xmlns:a16="http://schemas.microsoft.com/office/drawing/2014/main" id="{1FD5C961-B079-4656-BEA5-9909331BFD22}"/>
+              </a:ext>
+            </a:extLst>
+          </p:cNvPr>
+          <p:cNvCxnSpPr>
+            <a:stCxn id="8" idx="6"/>
+            <a:endCxn id="11" idx="1"/>
+          </p:cNvCxnSpPr>
+          <p:nvPr/>
+        </p:nvCxnSpPr>
+        <p:spPr>
+          <a:xfrm>
+            <a:off x="4873406" y="2888786"/>
+            <a:ext cx="1024302" cy="74"/>
+          </a:xfrm>
+          <a:prstGeom prst="bentConnector3">
+            <a:avLst/>
+          </a:prstGeom>
+          <a:ln>
+            <a:solidFill>
+              <a:schemeClr val="tx1"/>
+            </a:solidFill>
+            <a:tailEnd type="triangle"/>
+          </a:ln>
+        </p:spPr>
+        <p:style>
+          <a:lnRef idx="1">
+            <a:schemeClr val="accent1"/>
+          </a:lnRef>
+          <a:fillRef idx="0">
+            <a:schemeClr val="accent1"/>
+          </a:fillRef>
+          <a:effectRef idx="0">
+            <a:schemeClr val="accent1"/>
+          </a:effectRef>
+          <a:fontRef idx="minor">
+            <a:schemeClr val="tx1"/>
+          </a:fontRef>
+        </p:style>
+      </p:cxnSp>
+      <p:cxnSp>
+        <p:nvCxnSpPr>
+          <p:cNvPr id="20" name="Соединитель: уступ 19">
+            <a:extLst>
+              <a:ext uri="{FF2B5EF4-FFF2-40B4-BE49-F238E27FC236}">
+                <a16:creationId xmlns:a16="http://schemas.microsoft.com/office/drawing/2014/main" id="{98005895-D513-414E-9338-CC2B1A356B2C}"/>
+              </a:ext>
+            </a:extLst>
+          </p:cNvPr>
+          <p:cNvCxnSpPr>
+            <a:endCxn id="6" idx="1"/>
+          </p:cNvCxnSpPr>
+          <p:nvPr/>
+        </p:nvCxnSpPr>
+        <p:spPr>
+          <a:xfrm rot="5400000" flipH="1" flipV="1">
+            <a:off x="5109547" y="2100626"/>
+            <a:ext cx="1064173" cy="512151"/>
+          </a:xfrm>
+          <a:prstGeom prst="bentConnector2">
+            <a:avLst/>
+          </a:prstGeom>
+          <a:ln>
+            <a:solidFill>
+              <a:schemeClr val="tx1"/>
+            </a:solidFill>
+            <a:tailEnd type="triangle"/>
+          </a:ln>
+        </p:spPr>
+        <p:style>
+          <a:lnRef idx="1">
+            <a:schemeClr val="accent1"/>
+          </a:lnRef>
+          <a:fillRef idx="0">
+            <a:schemeClr val="accent1"/>
+          </a:fillRef>
+          <a:effectRef idx="0">
+            <a:schemeClr val="accent1"/>
+          </a:effectRef>
+          <a:fontRef idx="minor">
+            <a:schemeClr val="tx1"/>
+          </a:fontRef>
+        </p:style>
+      </p:cxnSp>
+      <p:cxnSp>
+        <p:nvCxnSpPr>
+          <p:cNvPr id="21" name="Соединитель: уступ 20">
+            <a:extLst>
+              <a:ext uri="{FF2B5EF4-FFF2-40B4-BE49-F238E27FC236}">
+                <a16:creationId xmlns:a16="http://schemas.microsoft.com/office/drawing/2014/main" id="{294E2555-22D6-43F7-9B3C-4FA8D24B5FEB}"/>
+              </a:ext>
+            </a:extLst>
+          </p:cNvPr>
+          <p:cNvCxnSpPr>
+            <a:endCxn id="13" idx="1"/>
+          </p:cNvCxnSpPr>
+          <p:nvPr/>
+        </p:nvCxnSpPr>
+        <p:spPr>
+          <a:xfrm rot="16200000" flipH="1">
+            <a:off x="5109473" y="3164871"/>
+            <a:ext cx="1064321" cy="512151"/>
+          </a:xfrm>
+          <a:prstGeom prst="bentConnector2">
+            <a:avLst/>
+          </a:prstGeom>
+          <a:ln>
+            <a:solidFill>
+              <a:schemeClr val="tx1"/>
+            </a:solidFill>
+            <a:tailEnd type="triangle"/>
+          </a:ln>
+        </p:spPr>
+        <p:style>
+          <a:lnRef idx="1">
+            <a:schemeClr val="accent1"/>
+          </a:lnRef>
+          <a:fillRef idx="0">
+            <a:schemeClr val="accent1"/>
+          </a:fillRef>
+          <a:effectRef idx="0">
+            <a:schemeClr val="accent1"/>
+          </a:effectRef>
+          <a:fontRef idx="minor">
+            <a:schemeClr val="tx1"/>
+          </a:fontRef>
+        </p:style>
+      </p:cxnSp>
+      <p:cxnSp>
+        <p:nvCxnSpPr>
+          <p:cNvPr id="22" name="Прямая со стрелкой 21">
+            <a:extLst>
+              <a:ext uri="{FF2B5EF4-FFF2-40B4-BE49-F238E27FC236}">
+                <a16:creationId xmlns:a16="http://schemas.microsoft.com/office/drawing/2014/main" id="{315F6E9A-C7DA-4410-AF4D-030B59C35FC4}"/>
+              </a:ext>
+            </a:extLst>
+          </p:cNvPr>
+          <p:cNvCxnSpPr>
+            <a:cxnSpLocks/>
+          </p:cNvCxnSpPr>
+          <p:nvPr/>
+        </p:nvCxnSpPr>
+        <p:spPr>
+          <a:xfrm>
+            <a:off x="10131506" y="2872873"/>
+            <a:ext cx="596348" cy="0"/>
+          </a:xfrm>
+          <a:prstGeom prst="straightConnector1">
+            <a:avLst/>
+          </a:prstGeom>
+          <a:ln>
+            <a:solidFill>
+              <a:schemeClr val="tx1"/>
+            </a:solidFill>
+            <a:tailEnd type="triangle"/>
+          </a:ln>
+        </p:spPr>
+        <p:style>
+          <a:lnRef idx="1">
+            <a:schemeClr val="accent1"/>
+          </a:lnRef>
+          <a:fillRef idx="0">
+            <a:schemeClr val="accent1"/>
+          </a:fillRef>
+          <a:effectRef idx="0">
+            <a:schemeClr val="accent1"/>
+          </a:effectRef>
+          <a:fontRef idx="minor">
+            <a:schemeClr val="tx1"/>
+          </a:fontRef>
+        </p:style>
+      </p:cxnSp>
+      <p:cxnSp>
+        <p:nvCxnSpPr>
+          <p:cNvPr id="23" name="Прямая со стрелкой 22">
+            <a:extLst>
+              <a:ext uri="{FF2B5EF4-FFF2-40B4-BE49-F238E27FC236}">
+                <a16:creationId xmlns:a16="http://schemas.microsoft.com/office/drawing/2014/main" id="{28613207-6F34-43F6-A1C2-3309DF5C0A96}"/>
+              </a:ext>
+            </a:extLst>
+          </p:cNvPr>
+          <p:cNvCxnSpPr>
+            <a:cxnSpLocks/>
+          </p:cNvCxnSpPr>
+          <p:nvPr/>
+        </p:nvCxnSpPr>
+        <p:spPr>
+          <a:xfrm>
+            <a:off x="4038519" y="2872873"/>
+            <a:ext cx="596348" cy="0"/>
+          </a:xfrm>
+          <a:prstGeom prst="straightConnector1">
+            <a:avLst/>
+          </a:prstGeom>
+          <a:ln>
+            <a:solidFill>
+              <a:schemeClr val="tx1"/>
+            </a:solidFill>
+            <a:tailEnd type="triangle"/>
+          </a:ln>
+        </p:spPr>
+        <p:style>
+          <a:lnRef idx="1">
+            <a:schemeClr val="accent1"/>
+          </a:lnRef>
+          <a:fillRef idx="0">
+            <a:schemeClr val="accent1"/>
+          </a:fillRef>
+          <a:effectRef idx="0">
+            <a:schemeClr val="accent1"/>
+          </a:effectRef>
+          <a:fontRef idx="minor">
+            <a:schemeClr val="tx1"/>
+          </a:fontRef>
+        </p:style>
+      </p:cxnSp>
+      <mc:AlternateContent xmlns:mc="http://schemas.openxmlformats.org/markup-compatibility/2006" xmlns:a14="http://schemas.microsoft.com/office/drawing/2010/main">
+        <mc:Choice Requires="a14">
+          <p:sp>
+            <p:nvSpPr>
+              <p:cNvPr id="24" name="TextBox 23">
+                <a:extLst>
+                  <a:ext uri="{FF2B5EF4-FFF2-40B4-BE49-F238E27FC236}">
+                    <a16:creationId xmlns:a16="http://schemas.microsoft.com/office/drawing/2014/main" id="{C780DCDC-B5DB-418B-A2F1-5EAC87B8F361}"/>
+                  </a:ext>
+                </a:extLst>
+              </p:cNvPr>
+              <p:cNvSpPr txBox="1"/>
+              <p:nvPr/>
+            </p:nvSpPr>
+            <p:spPr>
+              <a:xfrm>
+                <a:off x="7495703" y="4927205"/>
+                <a:ext cx="445955" cy="443455"/>
+              </a:xfrm>
+              <a:prstGeom prst="rect">
+                <a:avLst/>
+              </a:prstGeom>
+              <a:noFill/>
+            </p:spPr>
+            <p:txBody>
+              <a:bodyPr wrap="square" lIns="0" tIns="0" rIns="0" bIns="0" rtlCol="0">
+                <a:spAutoFit/>
+              </a:bodyPr>
+              <a:lstStyle/>
+              <a:p>
+                <a:pPr/>
+                <a14:m>
+                  <m:oMathPara xmlns:m="http://schemas.openxmlformats.org/officeDocument/2006/math">
+                    <m:oMathParaPr>
+                      <m:jc m:val="centerGroup"/>
+                    </m:oMathParaPr>
+                    <m:oMath xmlns:m="http://schemas.openxmlformats.org/officeDocument/2006/math">
+                      <m:sSub>
+                        <m:sSubPr>
+                          <m:ctrlPr>
+                            <a:rPr lang="ru-RU" sz="1400" i="1">
+                              <a:latin typeface="Cambria Math" panose="02040503050406030204" pitchFamily="18" charset="0"/>
+                            </a:rPr>
+                          </m:ctrlPr>
+                        </m:sSubPr>
+                        <m:e>
+                          <m:r>
+                            <a:rPr lang="ru-RU" sz="1400" i="1">
+                              <a:latin typeface="Cambria Math" panose="02040503050406030204" pitchFamily="18" charset="0"/>
+                              <a:ea typeface="Calibri" panose="020F0502020204030204" pitchFamily="34" charset="0"/>
+                              <a:cs typeface="Times New Roman" panose="02020603050405020304" pitchFamily="18" charset="0"/>
+                            </a:rPr>
+                            <m:t>𝑊</m:t>
+                          </m:r>
+                        </m:e>
+                        <m:sub>
+                          <m:r>
+                            <a:rPr lang="ru-RU" sz="1400" i="1">
+                              <a:latin typeface="Cambria Math" panose="02040503050406030204" pitchFamily="18" charset="0"/>
+                              <a:ea typeface="Calibri" panose="020F0502020204030204" pitchFamily="34" charset="0"/>
+                              <a:cs typeface="Times New Roman" panose="02020603050405020304" pitchFamily="18" charset="0"/>
+                            </a:rPr>
+                            <m:t>д</m:t>
+                          </m:r>
+                        </m:sub>
+                      </m:sSub>
+                    </m:oMath>
+                  </m:oMathPara>
+                </a14:m>
+                <a:endParaRPr lang="ru-RU" sz="1400" dirty="0">
+                  <a:latin typeface="Times New Roman" panose="02020603050405020304" pitchFamily="18" charset="0"/>
+                  <a:ea typeface="Calibri" panose="020F0502020204030204" pitchFamily="34" charset="0"/>
+                  <a:cs typeface="Times New Roman" panose="02020603050405020304" pitchFamily="18" charset="0"/>
+                </a:endParaRPr>
+              </a:p>
+              <a:p>
+                <a:endParaRPr lang="ru-RU" sz="1400" dirty="0"/>
+              </a:p>
+            </p:txBody>
+          </p:sp>
+        </mc:Choice>
+        <mc:Fallback xmlns="">
+          <p:sp>
+            <p:nvSpPr>
+              <p:cNvPr id="24" name="TextBox 23">
+                <a:extLst>
+                  <a:ext uri="{FF2B5EF4-FFF2-40B4-BE49-F238E27FC236}">
+                    <a16:creationId xmlns:a16="http://schemas.microsoft.com/office/drawing/2014/main" id="{C780DCDC-B5DB-418B-A2F1-5EAC87B8F361}"/>
+                  </a:ext>
+                </a:extLst>
+              </p:cNvPr>
+              <p:cNvSpPr txBox="1">
+                <a:spLocks noRot="1" noChangeAspect="1" noMove="1" noResize="1" noEditPoints="1" noAdjustHandles="1" noChangeArrowheads="1" noChangeShapeType="1" noTextEdit="1"/>
+              </p:cNvSpPr>
+              <p:nvPr/>
+            </p:nvSpPr>
+            <p:spPr>
+              <a:xfrm>
+                <a:off x="7495703" y="4927205"/>
+                <a:ext cx="445955" cy="443455"/>
+              </a:xfrm>
+              <a:prstGeom prst="rect">
+                <a:avLst/>
+              </a:prstGeom>
+              <a:blipFill>
+                <a:blip r:embed="rId6"/>
+                <a:stretch>
+                  <a:fillRect/>
+                </a:stretch>
+              </a:blipFill>
+            </p:spPr>
+            <p:txBody>
+              <a:bodyPr/>
+              <a:lstStyle/>
+              <a:p>
+                <a:r>
+                  <a:rPr lang="ru-RU">
+                    <a:noFill/>
+                  </a:rPr>
+                  <a:t> </a:t>
+                </a:r>
+              </a:p>
+            </p:txBody>
+          </p:sp>
+        </mc:Fallback>
+      </mc:AlternateContent>
+      <p:sp>
+        <p:nvSpPr>
+          <p:cNvPr id="25" name="Прямоугольник 24">
+            <a:extLst>
+              <a:ext uri="{FF2B5EF4-FFF2-40B4-BE49-F238E27FC236}">
+                <a16:creationId xmlns:a16="http://schemas.microsoft.com/office/drawing/2014/main" id="{90C0C9FC-4463-43D3-A2B1-406E20D6B166}"/>
+              </a:ext>
+            </a:extLst>
+          </p:cNvPr>
+          <p:cNvSpPr/>
+          <p:nvPr/>
+        </p:nvSpPr>
+        <p:spPr>
+          <a:xfrm>
+            <a:off x="7310389" y="4755875"/>
+            <a:ext cx="789830" cy="618824"/>
+          </a:xfrm>
+          <a:prstGeom prst="rect">
+            <a:avLst/>
+          </a:prstGeom>
+          <a:noFill/>
+          <a:ln>
+            <a:solidFill>
+              <a:schemeClr val="tx1"/>
+            </a:solidFill>
+          </a:ln>
+        </p:spPr>
+        <p:style>
+          <a:lnRef idx="2">
+            <a:schemeClr val="accent1">
+              <a:shade val="50000"/>
+            </a:schemeClr>
+          </a:lnRef>
+          <a:fillRef idx="1">
+            <a:schemeClr val="accent1"/>
+          </a:fillRef>
+          <a:effectRef idx="0">
+            <a:schemeClr val="accent1"/>
+          </a:effectRef>
+          <a:fontRef idx="minor">
+            <a:schemeClr val="lt1"/>
+          </a:fontRef>
+        </p:style>
+        <p:txBody>
+          <a:bodyPr rtlCol="0" anchor="ctr"/>
+          <a:lstStyle/>
+          <a:p>
+            <a:pPr algn="ctr"/>
+            <a:endParaRPr lang="ru-RU"/>
+          </a:p>
+        </p:txBody>
+      </p:sp>
+      <p:cxnSp>
+        <p:nvCxnSpPr>
+          <p:cNvPr id="26" name="Соединитель: уступ 25">
+            <a:extLst>
+              <a:ext uri="{FF2B5EF4-FFF2-40B4-BE49-F238E27FC236}">
+                <a16:creationId xmlns:a16="http://schemas.microsoft.com/office/drawing/2014/main" id="{5F2CC463-86D2-47F7-AE73-7D2DDA83EC60}"/>
+              </a:ext>
+            </a:extLst>
+          </p:cNvPr>
+          <p:cNvCxnSpPr>
+            <a:cxnSpLocks/>
+            <a:endCxn id="25" idx="3"/>
+          </p:cNvCxnSpPr>
+          <p:nvPr/>
+        </p:nvCxnSpPr>
+        <p:spPr>
+          <a:xfrm rot="10800000" flipV="1">
+            <a:off x="8100221" y="2872873"/>
+            <a:ext cx="2356237" cy="2192414"/>
+          </a:xfrm>
+          <a:prstGeom prst="bentConnector3">
+            <a:avLst>
+              <a:gd name="adj1" fmla="val 731"/>
+            </a:avLst>
+          </a:prstGeom>
+          <a:ln>
+            <a:solidFill>
+              <a:schemeClr val="tx1"/>
+            </a:solidFill>
+            <a:tailEnd type="triangle"/>
+          </a:ln>
+        </p:spPr>
+        <p:style>
+          <a:lnRef idx="1">
+            <a:schemeClr val="accent1"/>
+          </a:lnRef>
+          <a:fillRef idx="0">
+            <a:schemeClr val="accent1"/>
+          </a:fillRef>
+          <a:effectRef idx="0">
+            <a:schemeClr val="accent1"/>
+          </a:effectRef>
+          <a:fontRef idx="minor">
+            <a:schemeClr val="tx1"/>
+          </a:fontRef>
+        </p:style>
+      </p:cxnSp>
+      <p:cxnSp>
+        <p:nvCxnSpPr>
+          <p:cNvPr id="27" name="Соединитель: уступ 26">
+            <a:extLst>
+              <a:ext uri="{FF2B5EF4-FFF2-40B4-BE49-F238E27FC236}">
+                <a16:creationId xmlns:a16="http://schemas.microsoft.com/office/drawing/2014/main" id="{7BFDA434-A0B6-493B-9675-478589FFBAF9}"/>
+              </a:ext>
+            </a:extLst>
+          </p:cNvPr>
+          <p:cNvCxnSpPr>
+            <a:cxnSpLocks/>
+            <a:stCxn id="25" idx="1"/>
+            <a:endCxn id="8" idx="4"/>
+          </p:cNvCxnSpPr>
+          <p:nvPr/>
+        </p:nvCxnSpPr>
+        <p:spPr>
+          <a:xfrm rot="10800000">
+            <a:off x="4754137" y="3012242"/>
+            <a:ext cx="2556252" cy="2053047"/>
+          </a:xfrm>
+          <a:prstGeom prst="bentConnector2">
+            <a:avLst/>
+          </a:prstGeom>
+          <a:ln>
+            <a:solidFill>
+              <a:schemeClr val="tx1"/>
+            </a:solidFill>
+            <a:tailEnd type="triangle"/>
+          </a:ln>
+        </p:spPr>
+        <p:style>
+          <a:lnRef idx="1">
+            <a:schemeClr val="accent1"/>
+          </a:lnRef>
+          <a:fillRef idx="0">
+            <a:schemeClr val="accent1"/>
+          </a:fillRef>
+          <a:effectRef idx="0">
+            <a:schemeClr val="accent1"/>
+          </a:effectRef>
+          <a:fontRef idx="minor">
+            <a:schemeClr val="tx1"/>
+          </a:fontRef>
+        </p:style>
+      </p:cxnSp>
+    </p:spTree>
+    <p:extLst>
+      <p:ext uri="{BB962C8B-B14F-4D97-AF65-F5344CB8AC3E}">
+        <p14:creationId xmlns:p14="http://schemas.microsoft.com/office/powerpoint/2010/main" val="3800922211"/>
+      </p:ext>
+    </p:extLst>
+  </p:cSld>
+  <p:clrMapOvr>
+    <a:masterClrMapping/>
+  </p:clrMapOvr>
+</p:sld>
+</file>
+
+<file path=ppt/slides/slide7.xml><?xml version="1.0" encoding="utf-8"?>
 <p:sld xmlns:a="http://schemas.openxmlformats.org/drawingml/2006/main" xmlns:r="http://schemas.openxmlformats.org/officeDocument/2006/relationships" xmlns:p="http://schemas.openxmlformats.org/presentationml/2006/main">
   <p:cSld>
     <p:spTree>
@@ -37524,7 +41624,7 @@
 </p:sld>
 </file>
 
-<file path=ppt/slides/slide7.xml><?xml version="1.0" encoding="utf-8"?>
+<file path=ppt/slides/slide8.xml><?xml version="1.0" encoding="utf-8"?>
 <p:sld xmlns:a="http://schemas.openxmlformats.org/drawingml/2006/main" xmlns:r="http://schemas.openxmlformats.org/officeDocument/2006/relationships" xmlns:p="http://schemas.openxmlformats.org/presentationml/2006/main">
   <p:cSld>
     <p:spTree>
@@ -42915,56 +47015,6 @@
           </a:fontRef>
         </p:style>
       </p:cxnSp>
-      <p:sp>
-        <p:nvSpPr>
-          <p:cNvPr id="2" name="Прямоугольник 1">
-            <a:extLst>
-              <a:ext uri="{FF2B5EF4-FFF2-40B4-BE49-F238E27FC236}">
-                <a16:creationId xmlns:a16="http://schemas.microsoft.com/office/drawing/2014/main" id="{1B73C6E9-5357-48F7-97D3-2E1B18152A24}"/>
-              </a:ext>
-            </a:extLst>
-          </p:cNvPr>
-          <p:cNvSpPr/>
-          <p:nvPr/>
-        </p:nvSpPr>
-        <p:spPr>
-          <a:xfrm>
-            <a:off x="1286547" y="1232739"/>
-            <a:ext cx="2035059" cy="2683082"/>
-          </a:xfrm>
-          <a:prstGeom prst="rect">
-            <a:avLst/>
-          </a:prstGeom>
-          <a:noFill/>
-          <a:ln>
-            <a:prstDash val="lgDash"/>
-          </a:ln>
-        </p:spPr>
-        <p:style>
-          <a:lnRef idx="2">
-            <a:schemeClr val="accent1">
-              <a:shade val="50000"/>
-            </a:schemeClr>
-          </a:lnRef>
-          <a:fillRef idx="1">
-            <a:schemeClr val="accent1"/>
-          </a:fillRef>
-          <a:effectRef idx="0">
-            <a:schemeClr val="accent1"/>
-          </a:effectRef>
-          <a:fontRef idx="minor">
-            <a:schemeClr val="lt1"/>
-          </a:fontRef>
-        </p:style>
-        <p:txBody>
-          <a:bodyPr rtlCol="0" anchor="ctr"/>
-          <a:lstStyle/>
-          <a:p>
-            <a:pPr algn="ctr"/>
-            <a:endParaRPr lang="ru-RU" dirty="0"/>
-          </a:p>
-        </p:txBody>
-      </p:sp>
     </p:spTree>
     <p:extLst>
       <p:ext uri="{BB962C8B-B14F-4D97-AF65-F5344CB8AC3E}">
@@ -42978,7 +47028,7 @@
 </p:sld>
 </file>
 
-<file path=ppt/slides/slide8.xml><?xml version="1.0" encoding="utf-8"?>
+<file path=ppt/slides/slide9.xml><?xml version="1.0" encoding="utf-8"?>
 <p:sld xmlns:a="http://schemas.openxmlformats.org/drawingml/2006/main" xmlns:r="http://schemas.openxmlformats.org/officeDocument/2006/relationships" xmlns:p="http://schemas.openxmlformats.org/presentationml/2006/main">
   <p:cSld>
     <p:spTree>
@@ -43011,7 +47061,7 @@
             </p:nvSpPr>
             <p:spPr>
               <a:xfrm>
-                <a:off x="8370563" y="3735587"/>
+                <a:off x="8370563" y="1725812"/>
                 <a:ext cx="1087199" cy="646331"/>
               </a:xfrm>
               <a:prstGeom prst="rect">
@@ -43083,7 +47133,7 @@
             </p:nvSpPr>
             <p:spPr>
               <a:xfrm>
-                <a:off x="8370563" y="3735587"/>
+                <a:off x="8370563" y="1725812"/>
                 <a:ext cx="1087199" cy="646331"/>
               </a:xfrm>
               <a:prstGeom prst="rect">
@@ -43125,7 +47175,7 @@
         </p:nvSpPr>
         <p:spPr>
           <a:xfrm>
-            <a:off x="8171781" y="3599657"/>
+            <a:off x="8171781" y="1589882"/>
             <a:ext cx="1484764" cy="646331"/>
           </a:xfrm>
           <a:prstGeom prst="rect">
@@ -43179,7 +47229,7 @@
             </p:nvSpPr>
             <p:spPr>
               <a:xfrm>
-                <a:off x="8370564" y="2483912"/>
+                <a:off x="8370564" y="474137"/>
                 <a:ext cx="1087199" cy="430887"/>
               </a:xfrm>
               <a:prstGeom prst="rect">
@@ -43247,7 +47297,7 @@
             </p:nvSpPr>
             <p:spPr>
               <a:xfrm>
-                <a:off x="8370564" y="2483912"/>
+                <a:off x="8370564" y="474137"/>
                 <a:ext cx="1087199" cy="430887"/>
               </a:xfrm>
               <a:prstGeom prst="rect">
@@ -43256,7 +47306,7 @@
               <a:blipFill>
                 <a:blip r:embed="rId3"/>
                 <a:stretch>
-                  <a:fillRect b="-23944"/>
+                  <a:fillRect b="-25714"/>
                 </a:stretch>
               </a:blipFill>
             </p:spPr>
@@ -43289,7 +47339,7 @@
         </p:nvSpPr>
         <p:spPr>
           <a:xfrm>
-            <a:off x="8171781" y="2376191"/>
+            <a:off x="8171781" y="366416"/>
             <a:ext cx="1484764" cy="646331"/>
           </a:xfrm>
           <a:prstGeom prst="rect">
@@ -43344,7 +47394,7 @@
         </p:nvCxnSpPr>
         <p:spPr>
           <a:xfrm>
-            <a:off x="9656545" y="2699356"/>
+            <a:off x="9656545" y="689581"/>
             <a:ext cx="12700" cy="1223466"/>
           </a:xfrm>
           <a:prstGeom prst="bentConnector3">
@@ -43387,7 +47437,7 @@
             </p:nvSpPr>
             <p:spPr>
               <a:xfrm>
-                <a:off x="7143976" y="3203367"/>
+                <a:off x="7143976" y="1193592"/>
                 <a:ext cx="478948" cy="215444"/>
               </a:xfrm>
               <a:prstGeom prst="rect">
@@ -43443,7 +47493,7 @@
             </p:nvSpPr>
             <p:spPr>
               <a:xfrm>
-                <a:off x="7143976" y="3203367"/>
+                <a:off x="7143976" y="1193592"/>
                 <a:ext cx="478948" cy="215444"/>
               </a:xfrm>
               <a:prstGeom prst="rect">
@@ -43452,7 +47502,7 @@
               <a:blipFill>
                 <a:blip r:embed="rId4"/>
                 <a:stretch>
-                  <a:fillRect b="-25000"/>
+                  <a:fillRect b="-25714"/>
                 </a:stretch>
               </a:blipFill>
             </p:spPr>
@@ -43487,7 +47537,7 @@
             </p:nvSpPr>
             <p:spPr>
               <a:xfrm>
-                <a:off x="9937752" y="3203367"/>
+                <a:off x="9937752" y="1193592"/>
                 <a:ext cx="478948" cy="215444"/>
               </a:xfrm>
               <a:prstGeom prst="rect">
@@ -43543,7 +47593,7 @@
             </p:nvSpPr>
             <p:spPr>
               <a:xfrm>
-                <a:off x="9937752" y="3203367"/>
+                <a:off x="9937752" y="1193592"/>
                 <a:ext cx="478948" cy="215444"/>
               </a:xfrm>
               <a:prstGeom prst="rect">
@@ -43587,7 +47637,7 @@
         </p:nvCxnSpPr>
         <p:spPr>
           <a:xfrm flipH="1">
-            <a:off x="10888930" y="1514427"/>
+            <a:off x="12498655" y="904827"/>
             <a:ext cx="1154682" cy="1904385"/>
           </a:xfrm>
           <a:prstGeom prst="line">
@@ -43626,7 +47676,7 @@
         </p:nvCxnSpPr>
         <p:spPr>
           <a:xfrm flipH="1">
-            <a:off x="12454241" y="1100959"/>
+            <a:off x="14063966" y="491359"/>
             <a:ext cx="1165097" cy="1921562"/>
           </a:xfrm>
           <a:prstGeom prst="line">
@@ -43665,7 +47715,7 @@
         </p:nvCxnSpPr>
         <p:spPr>
           <a:xfrm flipH="1">
-            <a:off x="11148219" y="3022521"/>
+            <a:off x="12757944" y="2412921"/>
             <a:ext cx="1306022" cy="0"/>
           </a:xfrm>
           <a:prstGeom prst="line">
@@ -43704,7 +47754,7 @@
         </p:nvCxnSpPr>
         <p:spPr>
           <a:xfrm>
-            <a:off x="12043612" y="1514426"/>
+            <a:off x="13653337" y="904826"/>
             <a:ext cx="1330972" cy="0"/>
           </a:xfrm>
           <a:prstGeom prst="line">
@@ -43743,7 +47793,7 @@
         </p:nvCxnSpPr>
         <p:spPr>
           <a:xfrm>
-            <a:off x="11850348" y="1856333"/>
+            <a:off x="13460073" y="1246733"/>
             <a:ext cx="1317502" cy="0"/>
           </a:xfrm>
           <a:prstGeom prst="line">
@@ -43782,7 +47832,7 @@
         </p:nvCxnSpPr>
         <p:spPr>
           <a:xfrm>
-            <a:off x="11311506" y="2699354"/>
+            <a:off x="12921231" y="2089754"/>
             <a:ext cx="1331559" cy="2"/>
           </a:xfrm>
           <a:prstGeom prst="line">
@@ -43821,7 +47871,7 @@
         </p:nvCxnSpPr>
         <p:spPr>
           <a:xfrm flipV="1">
-            <a:off x="12264917" y="917418"/>
+            <a:off x="13874642" y="307818"/>
             <a:ext cx="0" cy="2682239"/>
           </a:xfrm>
           <a:prstGeom prst="straightConnector1">
@@ -43865,7 +47915,7 @@
         </p:nvCxnSpPr>
         <p:spPr>
           <a:xfrm>
-            <a:off x="10789145" y="2259195"/>
+            <a:off x="12398870" y="1649595"/>
             <a:ext cx="3033695" cy="0"/>
           </a:xfrm>
           <a:prstGeom prst="straightConnector1">
@@ -44323,7 +48373,7 @@
         </p:nvSpPr>
         <p:spPr>
           <a:xfrm>
-            <a:off x="7466768" y="2575900"/>
+            <a:off x="7466768" y="566125"/>
             <a:ext cx="238539" cy="246908"/>
           </a:xfrm>
           <a:prstGeom prst="flowChartSummingJunction">
@@ -44379,7 +48429,7 @@
             </p:nvSpPr>
             <p:spPr>
               <a:xfrm>
-                <a:off x="7552906" y="2772479"/>
+                <a:off x="7552906" y="762704"/>
                 <a:ext cx="652007" cy="430887"/>
               </a:xfrm>
               <a:prstGeom prst="rect">
@@ -44439,7 +48489,7 @@
             </p:nvSpPr>
             <p:spPr>
               <a:xfrm>
-                <a:off x="7552906" y="2772479"/>
+                <a:off x="7552906" y="762704"/>
                 <a:ext cx="652007" cy="430887"/>
               </a:xfrm>
               <a:prstGeom prst="rect">
@@ -44484,7 +48534,7 @@
         </p:nvCxnSpPr>
         <p:spPr>
           <a:xfrm rot="10800000">
-            <a:off x="7586039" y="2822809"/>
+            <a:off x="7586039" y="813034"/>
             <a:ext cx="585743" cy="1100015"/>
           </a:xfrm>
           <a:prstGeom prst="bentConnector2">
@@ -44526,7 +48576,7 @@
         </p:nvCxnSpPr>
         <p:spPr>
           <a:xfrm>
-            <a:off x="7705307" y="2699354"/>
+            <a:off x="7705307" y="689579"/>
             <a:ext cx="466474" cy="3"/>
           </a:xfrm>
           <a:prstGeom prst="bentConnector3">
@@ -44567,7 +48617,7 @@
         </p:nvCxnSpPr>
         <p:spPr>
           <a:xfrm flipV="1">
-            <a:off x="6652260" y="2699354"/>
+            <a:off x="6652260" y="689579"/>
             <a:ext cx="814508" cy="11461"/>
           </a:xfrm>
           <a:prstGeom prst="straightConnector1">
@@ -44606,7 +48656,7 @@
         </p:nvCxnSpPr>
         <p:spPr>
           <a:xfrm>
-            <a:off x="9871833" y="2699354"/>
+            <a:off x="9871833" y="689579"/>
             <a:ext cx="559951" cy="11461"/>
           </a:xfrm>
           <a:prstGeom prst="straightConnector1">
@@ -45976,8 +50026,8 @@
           </a:p>
         </p:txBody>
       </p:sp>
-      <mc:AlternateContent xmlns:mc="http://schemas.openxmlformats.org/markup-compatibility/2006">
-        <mc:Choice xmlns:a14="http://schemas.microsoft.com/office/drawing/2010/main" Requires="a14">
+      <mc:AlternateContent xmlns:mc="http://schemas.openxmlformats.org/markup-compatibility/2006" xmlns:a14="http://schemas.microsoft.com/office/drawing/2010/main">
+        <mc:Choice Requires="a14">
           <p:sp>
             <p:nvSpPr>
               <p:cNvPr id="78" name="Надпись 2">
@@ -46068,7 +50118,7 @@
             </p:txBody>
           </p:sp>
         </mc:Choice>
-        <mc:Fallback>
+        <mc:Fallback xmlns="">
           <p:sp>
             <p:nvSpPr>
               <p:cNvPr id="78" name="Надпись 2">
@@ -46119,8 +50169,8 @@
           </p:sp>
         </mc:Fallback>
       </mc:AlternateContent>
-      <mc:AlternateContent xmlns:mc="http://schemas.openxmlformats.org/markup-compatibility/2006">
-        <mc:Choice xmlns:a14="http://schemas.microsoft.com/office/drawing/2010/main" Requires="a14">
+      <mc:AlternateContent xmlns:mc="http://schemas.openxmlformats.org/markup-compatibility/2006" xmlns:a14="http://schemas.microsoft.com/office/drawing/2010/main">
+        <mc:Choice Requires="a14">
           <p:sp>
             <p:nvSpPr>
               <p:cNvPr id="79" name="Надпись 2">
@@ -46196,7 +50246,7 @@
             </p:txBody>
           </p:sp>
         </mc:Choice>
-        <mc:Fallback>
+        <mc:Fallback xmlns="">
           <p:sp>
             <p:nvSpPr>
               <p:cNvPr id="79" name="Надпись 2">
@@ -46247,81 +50297,128 @@
           </p:sp>
         </mc:Fallback>
       </mc:AlternateContent>
-    </p:spTree>
-    <p:extLst>
-      <p:ext uri="{BB962C8B-B14F-4D97-AF65-F5344CB8AC3E}">
-        <p14:creationId xmlns:p14="http://schemas.microsoft.com/office/powerpoint/2010/main" val="2994267408"/>
-      </p:ext>
-    </p:extLst>
-  </p:cSld>
-  <p:clrMapOvr>
-    <a:masterClrMapping/>
-  </p:clrMapOvr>
-</p:sld>
-</file>
-
-<file path=ppt/slides/slide9.xml><?xml version="1.0" encoding="utf-8"?>
-<p:sld xmlns:a="http://schemas.openxmlformats.org/drawingml/2006/main" xmlns:r="http://schemas.openxmlformats.org/officeDocument/2006/relationships" xmlns:p="http://schemas.openxmlformats.org/presentationml/2006/main">
-  <p:cSld>
-    <p:spTree>
-      <p:nvGrpSpPr>
-        <p:cNvPr id="1" name=""/>
-        <p:cNvGrpSpPr/>
-        <p:nvPr/>
-      </p:nvGrpSpPr>
-      <p:grpSpPr>
-        <a:xfrm>
-          <a:off x="0" y="0"/>
-          <a:ext cx="0" cy="0"/>
-          <a:chOff x="0" y="0"/>
-          <a:chExt cx="0" cy="0"/>
-        </a:xfrm>
-      </p:grpSpPr>
-      <p:pic>
-        <p:nvPicPr>
-          <p:cNvPr id="4" name="Рисунок 3">
+      <mc:AlternateContent xmlns:mc="http://schemas.openxmlformats.org/markup-compatibility/2006" xmlns:a14="http://schemas.microsoft.com/office/drawing/2010/main">
+        <mc:Choice Requires="a14">
+          <p:sp>
+            <p:nvSpPr>
+              <p:cNvPr id="80" name="TextBox 79">
+                <a:extLst>
+                  <a:ext uri="{FF2B5EF4-FFF2-40B4-BE49-F238E27FC236}">
+                    <a16:creationId xmlns:a16="http://schemas.microsoft.com/office/drawing/2014/main" id="{AFC4053F-F5A7-4DF9-81C8-1AEFA625A1D3}"/>
+                  </a:ext>
+                </a:extLst>
+              </p:cNvPr>
+              <p:cNvSpPr txBox="1"/>
+              <p:nvPr/>
+            </p:nvSpPr>
+            <p:spPr>
+              <a:xfrm>
+                <a:off x="9492945" y="3784690"/>
+                <a:ext cx="1087199" cy="646331"/>
+              </a:xfrm>
+              <a:prstGeom prst="rect">
+                <a:avLst/>
+              </a:prstGeom>
+              <a:noFill/>
+            </p:spPr>
+            <p:txBody>
+              <a:bodyPr wrap="square" lIns="0" tIns="0" rIns="0" bIns="0" rtlCol="0">
+                <a:spAutoFit/>
+              </a:bodyPr>
+              <a:lstStyle/>
+              <a:p>
+                <a:pPr algn="ctr"/>
+                <a14:m>
+                  <m:oMathPara xmlns:m="http://schemas.openxmlformats.org/officeDocument/2006/math">
+                    <m:oMathParaPr>
+                      <m:jc m:val="centerGroup"/>
+                    </m:oMathParaPr>
+                    <m:oMath xmlns:m="http://schemas.openxmlformats.org/officeDocument/2006/math">
+                      <m:r>
+                        <a:rPr lang="ru-RU" sz="1400" i="1">
+                          <a:latin typeface="Cambria Math" panose="02040503050406030204" pitchFamily="18" charset="0"/>
+                          <a:ea typeface="Calibri" panose="020F0502020204030204" pitchFamily="34" charset="0"/>
+                          <a:cs typeface="Times New Roman" panose="02020603050405020304" pitchFamily="18" charset="0"/>
+                        </a:rPr>
+                        <m:t>Нелинейная </m:t>
+                      </m:r>
+                    </m:oMath>
+                  </m:oMathPara>
+                </a14:m>
+                <a:endParaRPr lang="ru-RU" sz="1400" dirty="0">
+                  <a:latin typeface="Times New Roman" panose="02020603050405020304" pitchFamily="18" charset="0"/>
+                  <a:ea typeface="Calibri" panose="020F0502020204030204" pitchFamily="34" charset="0"/>
+                  <a:cs typeface="Times New Roman" panose="02020603050405020304" pitchFamily="18" charset="0"/>
+                </a:endParaRPr>
+              </a:p>
+              <a:p>
+                <a:pPr algn="ctr"/>
+                <a:r>
+                  <a:rPr lang="ru-RU" sz="1400" dirty="0">
+                    <a:latin typeface="Times New Roman" panose="02020603050405020304" pitchFamily="18" charset="0"/>
+                    <a:ea typeface="Calibri" panose="020F0502020204030204" pitchFamily="34" charset="0"/>
+                    <a:cs typeface="Times New Roman" panose="02020603050405020304" pitchFamily="18" charset="0"/>
+                  </a:rPr>
+                  <a:t>часть</a:t>
+                </a:r>
+              </a:p>
+              <a:p>
+                <a:endParaRPr lang="ru-RU" sz="1400" dirty="0"/>
+              </a:p>
+            </p:txBody>
+          </p:sp>
+        </mc:Choice>
+        <mc:Fallback xmlns="">
+          <p:sp>
+            <p:nvSpPr>
+              <p:cNvPr id="80" name="TextBox 79">
+                <a:extLst>
+                  <a:ext uri="{FF2B5EF4-FFF2-40B4-BE49-F238E27FC236}">
+                    <a16:creationId xmlns:a16="http://schemas.microsoft.com/office/drawing/2014/main" id="{AFC4053F-F5A7-4DF9-81C8-1AEFA625A1D3}"/>
+                  </a:ext>
+                </a:extLst>
+              </p:cNvPr>
+              <p:cNvSpPr txBox="1">
+                <a:spLocks noRot="1" noChangeAspect="1" noMove="1" noResize="1" noEditPoints="1" noAdjustHandles="1" noChangeArrowheads="1" noChangeShapeType="1" noTextEdit="1"/>
+              </p:cNvSpPr>
+              <p:nvPr/>
+            </p:nvSpPr>
+            <p:spPr>
+              <a:xfrm>
+                <a:off x="9492945" y="3784690"/>
+                <a:ext cx="1087199" cy="646331"/>
+              </a:xfrm>
+              <a:prstGeom prst="rect">
+                <a:avLst/>
+              </a:prstGeom>
+              <a:blipFill>
+                <a:blip r:embed="rId13"/>
+                <a:stretch>
+                  <a:fillRect l="-3352"/>
+                </a:stretch>
+              </a:blipFill>
+            </p:spPr>
+            <p:txBody>
+              <a:bodyPr/>
+              <a:lstStyle/>
+              <a:p>
+                <a:r>
+                  <a:rPr lang="ru-RU">
+                    <a:noFill/>
+                  </a:rPr>
+                  <a:t> </a:t>
+                </a:r>
+              </a:p>
+            </p:txBody>
+          </p:sp>
+        </mc:Fallback>
+      </mc:AlternateContent>
+      <p:sp>
+        <p:nvSpPr>
+          <p:cNvPr id="81" name="Прямоугольник 80">
             <a:extLst>
               <a:ext uri="{FF2B5EF4-FFF2-40B4-BE49-F238E27FC236}">
-                <a16:creationId xmlns:a16="http://schemas.microsoft.com/office/drawing/2014/main" id="{E561011B-3581-422D-9187-6EFC050CF68E}"/>
-              </a:ext>
-            </a:extLst>
-          </p:cNvPr>
-          <p:cNvPicPr/>
-          <p:nvPr/>
-        </p:nvPicPr>
-        <p:blipFill>
-          <a:blip r:embed="rId2">
-            <a:extLst>
-              <a:ext uri="{28A0092B-C50C-407E-A947-70E740481C1C}">
-                <a14:useLocalDpi xmlns:a14="http://schemas.microsoft.com/office/drawing/2010/main" val="0"/>
-              </a:ext>
-            </a:extLst>
-          </a:blip>
-          <a:srcRect/>
-          <a:stretch>
-            <a:fillRect/>
-          </a:stretch>
-        </p:blipFill>
-        <p:spPr bwMode="auto">
-          <a:xfrm>
-            <a:off x="5342414" y="1620679"/>
-            <a:ext cx="5515610" cy="3957955"/>
-          </a:xfrm>
-          <a:prstGeom prst="rect">
-            <a:avLst/>
-          </a:prstGeom>
-          <a:noFill/>
-          <a:ln>
-            <a:noFill/>
-          </a:ln>
-        </p:spPr>
-      </p:pic>
-      <p:sp>
-        <p:nvSpPr>
-          <p:cNvPr id="5" name="Прямоугольник 4">
-            <a:extLst>
-              <a:ext uri="{FF2B5EF4-FFF2-40B4-BE49-F238E27FC236}">
-                <a16:creationId xmlns:a16="http://schemas.microsoft.com/office/drawing/2014/main" id="{0C6E4CC1-4E22-4B13-9F96-F38C167D6302}"/>
+                <a16:creationId xmlns:a16="http://schemas.microsoft.com/office/drawing/2014/main" id="{FF69D1B8-C3CB-45CC-BD07-70187A640015}"/>
               </a:ext>
             </a:extLst>
           </p:cNvPr>
@@ -46330,18 +50427,16 @@
         </p:nvSpPr>
         <p:spPr>
           <a:xfrm>
-            <a:off x="5342414" y="2914650"/>
-            <a:ext cx="542925" cy="971550"/>
+            <a:off x="9294163" y="3658285"/>
+            <a:ext cx="1484764" cy="646331"/>
           </a:xfrm>
           <a:prstGeom prst="rect">
             <a:avLst/>
           </a:prstGeom>
-          <a:solidFill>
-            <a:srgbClr val="F0F0F0"/>
-          </a:solidFill>
+          <a:noFill/>
           <a:ln>
             <a:solidFill>
-              <a:srgbClr val="F0F0F0"/>
+              <a:schemeClr val="tx1"/>
             </a:solidFill>
           </a:ln>
         </p:spPr>
@@ -46370,10 +50465,742 @@
           </a:p>
         </p:txBody>
       </p:sp>
+      <mc:AlternateContent xmlns:mc="http://schemas.openxmlformats.org/markup-compatibility/2006" xmlns:a14="http://schemas.microsoft.com/office/drawing/2010/main">
+        <mc:Choice Requires="a14">
+          <p:sp>
+            <p:nvSpPr>
+              <p:cNvPr id="82" name="TextBox 81">
+                <a:extLst>
+                  <a:ext uri="{FF2B5EF4-FFF2-40B4-BE49-F238E27FC236}">
+                    <a16:creationId xmlns:a16="http://schemas.microsoft.com/office/drawing/2014/main" id="{0412135D-9E50-4990-986B-3286A04C2134}"/>
+                  </a:ext>
+                </a:extLst>
+              </p:cNvPr>
+              <p:cNvSpPr txBox="1"/>
+              <p:nvPr/>
+            </p:nvSpPr>
+            <p:spPr>
+              <a:xfrm>
+                <a:off x="7586638" y="3762427"/>
+                <a:ext cx="1087199" cy="430887"/>
+              </a:xfrm>
+              <a:prstGeom prst="rect">
+                <a:avLst/>
+              </a:prstGeom>
+              <a:noFill/>
+            </p:spPr>
+            <p:txBody>
+              <a:bodyPr wrap="square" lIns="0" tIns="0" rIns="0" bIns="0" rtlCol="0">
+                <a:spAutoFit/>
+              </a:bodyPr>
+              <a:lstStyle/>
+              <a:p>
+                <a:pPr algn="ctr"/>
+                <a14:m>
+                  <m:oMathPara xmlns:m="http://schemas.openxmlformats.org/officeDocument/2006/math">
+                    <m:oMathParaPr>
+                      <m:jc m:val="centerGroup"/>
+                    </m:oMathParaPr>
+                    <m:oMath xmlns:m="http://schemas.openxmlformats.org/officeDocument/2006/math">
+                      <m:r>
+                        <a:rPr lang="ru-RU" sz="1400" i="1">
+                          <a:latin typeface="Cambria Math" panose="02040503050406030204" pitchFamily="18" charset="0"/>
+                          <a:ea typeface="Calibri" panose="020F0502020204030204" pitchFamily="34" charset="0"/>
+                          <a:cs typeface="Times New Roman" panose="02020603050405020304" pitchFamily="18" charset="0"/>
+                        </a:rPr>
+                        <m:t>Линейная </m:t>
+                      </m:r>
+                    </m:oMath>
+                  </m:oMathPara>
+                </a14:m>
+                <a:endParaRPr lang="ru-RU" sz="1400" dirty="0">
+                  <a:latin typeface="Times New Roman" panose="02020603050405020304" pitchFamily="18" charset="0"/>
+                  <a:ea typeface="Calibri" panose="020F0502020204030204" pitchFamily="34" charset="0"/>
+                  <a:cs typeface="Times New Roman" panose="02020603050405020304" pitchFamily="18" charset="0"/>
+                </a:endParaRPr>
+              </a:p>
+              <a:p>
+                <a:pPr algn="ctr"/>
+                <a:r>
+                  <a:rPr lang="ru-RU" sz="1400" dirty="0">
+                    <a:latin typeface="Times New Roman" panose="02020603050405020304" pitchFamily="18" charset="0"/>
+                    <a:cs typeface="Times New Roman" panose="02020603050405020304" pitchFamily="18" charset="0"/>
+                  </a:rPr>
+                  <a:t>часть</a:t>
+                </a:r>
+              </a:p>
+            </p:txBody>
+          </p:sp>
+        </mc:Choice>
+        <mc:Fallback xmlns="">
+          <p:sp>
+            <p:nvSpPr>
+              <p:cNvPr id="82" name="TextBox 81">
+                <a:extLst>
+                  <a:ext uri="{FF2B5EF4-FFF2-40B4-BE49-F238E27FC236}">
+                    <a16:creationId xmlns:a16="http://schemas.microsoft.com/office/drawing/2014/main" id="{0412135D-9E50-4990-986B-3286A04C2134}"/>
+                  </a:ext>
+                </a:extLst>
+              </p:cNvPr>
+              <p:cNvSpPr txBox="1">
+                <a:spLocks noRot="1" noChangeAspect="1" noMove="1" noResize="1" noEditPoints="1" noAdjustHandles="1" noChangeArrowheads="1" noChangeShapeType="1" noTextEdit="1"/>
+              </p:cNvSpPr>
+              <p:nvPr/>
+            </p:nvSpPr>
+            <p:spPr>
+              <a:xfrm>
+                <a:off x="7586638" y="3762427"/>
+                <a:ext cx="1087199" cy="430887"/>
+              </a:xfrm>
+              <a:prstGeom prst="rect">
+                <a:avLst/>
+              </a:prstGeom>
+              <a:blipFill>
+                <a:blip r:embed="rId3"/>
+                <a:stretch>
+                  <a:fillRect b="-23944"/>
+                </a:stretch>
+              </a:blipFill>
+            </p:spPr>
+            <p:txBody>
+              <a:bodyPr/>
+              <a:lstStyle/>
+              <a:p>
+                <a:r>
+                  <a:rPr lang="ru-RU">
+                    <a:noFill/>
+                  </a:rPr>
+                  <a:t> </a:t>
+                </a:r>
+              </a:p>
+            </p:txBody>
+          </p:sp>
+        </mc:Fallback>
+      </mc:AlternateContent>
+      <p:sp>
+        <p:nvSpPr>
+          <p:cNvPr id="83" name="Прямоугольник 82">
+            <a:extLst>
+              <a:ext uri="{FF2B5EF4-FFF2-40B4-BE49-F238E27FC236}">
+                <a16:creationId xmlns:a16="http://schemas.microsoft.com/office/drawing/2014/main" id="{2311A800-CC60-4BA5-A613-8CE24198FF5F}"/>
+              </a:ext>
+            </a:extLst>
+          </p:cNvPr>
+          <p:cNvSpPr/>
+          <p:nvPr/>
+        </p:nvSpPr>
+        <p:spPr>
+          <a:xfrm>
+            <a:off x="7387855" y="3654706"/>
+            <a:ext cx="1484764" cy="646331"/>
+          </a:xfrm>
+          <a:prstGeom prst="rect">
+            <a:avLst/>
+          </a:prstGeom>
+          <a:noFill/>
+          <a:ln>
+            <a:solidFill>
+              <a:schemeClr val="tx1"/>
+            </a:solidFill>
+          </a:ln>
+        </p:spPr>
+        <p:style>
+          <a:lnRef idx="2">
+            <a:schemeClr val="accent1">
+              <a:shade val="50000"/>
+            </a:schemeClr>
+          </a:lnRef>
+          <a:fillRef idx="1">
+            <a:schemeClr val="accent1"/>
+          </a:fillRef>
+          <a:effectRef idx="0">
+            <a:schemeClr val="accent1"/>
+          </a:effectRef>
+          <a:fontRef idx="minor">
+            <a:schemeClr val="lt1"/>
+          </a:fontRef>
+        </p:style>
+        <p:txBody>
+          <a:bodyPr rtlCol="0" anchor="ctr"/>
+          <a:lstStyle/>
+          <a:p>
+            <a:pPr algn="ctr"/>
+            <a:endParaRPr lang="ru-RU"/>
+          </a:p>
+        </p:txBody>
+      </p:sp>
+      <mc:AlternateContent xmlns:mc="http://schemas.openxmlformats.org/markup-compatibility/2006" xmlns:a14="http://schemas.microsoft.com/office/drawing/2010/main">
+        <mc:Choice Requires="a14">
+          <p:sp>
+            <p:nvSpPr>
+              <p:cNvPr id="85" name="TextBox 84">
+                <a:extLst>
+                  <a:ext uri="{FF2B5EF4-FFF2-40B4-BE49-F238E27FC236}">
+                    <a16:creationId xmlns:a16="http://schemas.microsoft.com/office/drawing/2014/main" id="{20686C48-774F-4D65-A60C-2B924587DFAB}"/>
+                  </a:ext>
+                </a:extLst>
+              </p:cNvPr>
+              <p:cNvSpPr txBox="1"/>
+              <p:nvPr/>
+            </p:nvSpPr>
+            <p:spPr>
+              <a:xfrm>
+                <a:off x="10826001" y="3626498"/>
+                <a:ext cx="478948" cy="215444"/>
+              </a:xfrm>
+              <a:prstGeom prst="rect">
+                <a:avLst/>
+              </a:prstGeom>
+              <a:noFill/>
+            </p:spPr>
+            <p:txBody>
+              <a:bodyPr wrap="square" lIns="0" tIns="0" rIns="0" bIns="0" rtlCol="0">
+                <a:spAutoFit/>
+              </a:bodyPr>
+              <a:lstStyle/>
+              <a:p>
+                <a:pPr algn="ctr"/>
+                <a14:m>
+                  <m:oMathPara xmlns:m="http://schemas.openxmlformats.org/officeDocument/2006/math">
+                    <m:oMathParaPr>
+                      <m:jc m:val="centerGroup"/>
+                    </m:oMathParaPr>
+                    <m:oMath xmlns:m="http://schemas.openxmlformats.org/officeDocument/2006/math">
+                      <m:r>
+                        <a:rPr lang="en-US" sz="1400" i="1">
+                          <a:latin typeface="Cambria Math" panose="02040503050406030204" pitchFamily="18" charset="0"/>
+                          <a:cs typeface="Times New Roman" panose="02020603050405020304" pitchFamily="18" charset="0"/>
+                        </a:rPr>
+                        <m:t>𝑦</m:t>
+                      </m:r>
+                    </m:oMath>
+                  </m:oMathPara>
+                </a14:m>
+                <a:endParaRPr lang="ru-RU" sz="1400" dirty="0">
+                  <a:latin typeface="Times New Roman" panose="02020603050405020304" pitchFamily="18" charset="0"/>
+                  <a:cs typeface="Times New Roman" panose="02020603050405020304" pitchFamily="18" charset="0"/>
+                </a:endParaRPr>
+              </a:p>
+            </p:txBody>
+          </p:sp>
+        </mc:Choice>
+        <mc:Fallback xmlns="">
+          <p:sp>
+            <p:nvSpPr>
+              <p:cNvPr id="85" name="TextBox 84">
+                <a:extLst>
+                  <a:ext uri="{FF2B5EF4-FFF2-40B4-BE49-F238E27FC236}">
+                    <a16:creationId xmlns:a16="http://schemas.microsoft.com/office/drawing/2014/main" id="{20686C48-774F-4D65-A60C-2B924587DFAB}"/>
+                  </a:ext>
+                </a:extLst>
+              </p:cNvPr>
+              <p:cNvSpPr txBox="1">
+                <a:spLocks noRot="1" noChangeAspect="1" noMove="1" noResize="1" noEditPoints="1" noAdjustHandles="1" noChangeArrowheads="1" noChangeShapeType="1" noTextEdit="1"/>
+              </p:cNvSpPr>
+              <p:nvPr/>
+            </p:nvSpPr>
+            <p:spPr>
+              <a:xfrm>
+                <a:off x="10826001" y="3626498"/>
+                <a:ext cx="478948" cy="215444"/>
+              </a:xfrm>
+              <a:prstGeom prst="rect">
+                <a:avLst/>
+              </a:prstGeom>
+              <a:blipFill>
+                <a:blip r:embed="rId4"/>
+                <a:stretch>
+                  <a:fillRect b="-25714"/>
+                </a:stretch>
+              </a:blipFill>
+            </p:spPr>
+            <p:txBody>
+              <a:bodyPr/>
+              <a:lstStyle/>
+              <a:p>
+                <a:r>
+                  <a:rPr lang="ru-RU">
+                    <a:noFill/>
+                  </a:rPr>
+                  <a:t> </a:t>
+                </a:r>
+              </a:p>
+            </p:txBody>
+          </p:sp>
+        </mc:Fallback>
+      </mc:AlternateContent>
+      <mc:AlternateContent xmlns:mc="http://schemas.openxmlformats.org/markup-compatibility/2006" xmlns:a14="http://schemas.microsoft.com/office/drawing/2010/main">
+        <mc:Choice Requires="a14">
+          <p:sp>
+            <p:nvSpPr>
+              <p:cNvPr id="86" name="TextBox 85">
+                <a:extLst>
+                  <a:ext uri="{FF2B5EF4-FFF2-40B4-BE49-F238E27FC236}">
+                    <a16:creationId xmlns:a16="http://schemas.microsoft.com/office/drawing/2014/main" id="{CB7D4E83-A943-4DD4-952D-388412FB01AE}"/>
+                  </a:ext>
+                </a:extLst>
+              </p:cNvPr>
+              <p:cNvSpPr txBox="1"/>
+              <p:nvPr/>
+            </p:nvSpPr>
+            <p:spPr>
+              <a:xfrm>
+                <a:off x="8840364" y="3626498"/>
+                <a:ext cx="478948" cy="215444"/>
+              </a:xfrm>
+              <a:prstGeom prst="rect">
+                <a:avLst/>
+              </a:prstGeom>
+              <a:noFill/>
+            </p:spPr>
+            <p:txBody>
+              <a:bodyPr wrap="square" lIns="0" tIns="0" rIns="0" bIns="0" rtlCol="0">
+                <a:spAutoFit/>
+              </a:bodyPr>
+              <a:lstStyle/>
+              <a:p>
+                <a:pPr algn="ctr"/>
+                <a14:m>
+                  <m:oMathPara xmlns:m="http://schemas.openxmlformats.org/officeDocument/2006/math">
+                    <m:oMathParaPr>
+                      <m:jc m:val="centerGroup"/>
+                    </m:oMathParaPr>
+                    <m:oMath xmlns:m="http://schemas.openxmlformats.org/officeDocument/2006/math">
+                      <m:r>
+                        <a:rPr lang="en-US" sz="1400" i="1">
+                          <a:latin typeface="Cambria Math" panose="02040503050406030204" pitchFamily="18" charset="0"/>
+                          <a:cs typeface="Times New Roman" panose="02020603050405020304" pitchFamily="18" charset="0"/>
+                        </a:rPr>
+                        <m:t>𝑥</m:t>
+                      </m:r>
+                    </m:oMath>
+                  </m:oMathPara>
+                </a14:m>
+                <a:endParaRPr lang="ru-RU" sz="1400" dirty="0">
+                  <a:latin typeface="Times New Roman" panose="02020603050405020304" pitchFamily="18" charset="0"/>
+                  <a:cs typeface="Times New Roman" panose="02020603050405020304" pitchFamily="18" charset="0"/>
+                </a:endParaRPr>
+              </a:p>
+            </p:txBody>
+          </p:sp>
+        </mc:Choice>
+        <mc:Fallback xmlns="">
+          <p:sp>
+            <p:nvSpPr>
+              <p:cNvPr id="86" name="TextBox 85">
+                <a:extLst>
+                  <a:ext uri="{FF2B5EF4-FFF2-40B4-BE49-F238E27FC236}">
+                    <a16:creationId xmlns:a16="http://schemas.microsoft.com/office/drawing/2014/main" id="{CB7D4E83-A943-4DD4-952D-388412FB01AE}"/>
+                  </a:ext>
+                </a:extLst>
+              </p:cNvPr>
+              <p:cNvSpPr txBox="1">
+                <a:spLocks noRot="1" noChangeAspect="1" noMove="1" noResize="1" noEditPoints="1" noAdjustHandles="1" noChangeArrowheads="1" noChangeShapeType="1" noTextEdit="1"/>
+              </p:cNvSpPr>
+              <p:nvPr/>
+            </p:nvSpPr>
+            <p:spPr>
+              <a:xfrm>
+                <a:off x="8840364" y="3626498"/>
+                <a:ext cx="478948" cy="215444"/>
+              </a:xfrm>
+              <a:prstGeom prst="rect">
+                <a:avLst/>
+              </a:prstGeom>
+              <a:blipFill>
+                <a:blip r:embed="rId5"/>
+                <a:stretch>
+                  <a:fillRect/>
+                </a:stretch>
+              </a:blipFill>
+            </p:spPr>
+            <p:txBody>
+              <a:bodyPr/>
+              <a:lstStyle/>
+              <a:p>
+                <a:r>
+                  <a:rPr lang="ru-RU">
+                    <a:noFill/>
+                  </a:rPr>
+                  <a:t> </a:t>
+                </a:r>
+              </a:p>
+            </p:txBody>
+          </p:sp>
+        </mc:Fallback>
+      </mc:AlternateContent>
+      <p:sp>
+        <p:nvSpPr>
+          <p:cNvPr id="87" name="Блок-схема: узел суммирования 86">
+            <a:extLst>
+              <a:ext uri="{FF2B5EF4-FFF2-40B4-BE49-F238E27FC236}">
+                <a16:creationId xmlns:a16="http://schemas.microsoft.com/office/drawing/2014/main" id="{EDC20F1D-4466-4E39-871D-DD70E8961946}"/>
+              </a:ext>
+            </a:extLst>
+          </p:cNvPr>
+          <p:cNvSpPr/>
+          <p:nvPr/>
+        </p:nvSpPr>
+        <p:spPr>
+          <a:xfrm>
+            <a:off x="6682842" y="3854415"/>
+            <a:ext cx="238539" cy="246908"/>
+          </a:xfrm>
+          <a:prstGeom prst="flowChartSummingJunction">
+            <a:avLst/>
+          </a:prstGeom>
+          <a:noFill/>
+          <a:ln w="6350">
+            <a:solidFill>
+              <a:schemeClr val="tx1"/>
+            </a:solidFill>
+          </a:ln>
+        </p:spPr>
+        <p:style>
+          <a:lnRef idx="2">
+            <a:schemeClr val="accent1">
+              <a:shade val="50000"/>
+            </a:schemeClr>
+          </a:lnRef>
+          <a:fillRef idx="1">
+            <a:schemeClr val="accent1"/>
+          </a:fillRef>
+          <a:effectRef idx="0">
+            <a:schemeClr val="accent1"/>
+          </a:effectRef>
+          <a:fontRef idx="minor">
+            <a:schemeClr val="lt1"/>
+          </a:fontRef>
+        </p:style>
+        <p:txBody>
+          <a:bodyPr rtlCol="0" anchor="ctr"/>
+          <a:lstStyle/>
+          <a:p>
+            <a:pPr algn="ctr"/>
+            <a:endParaRPr lang="ru-RU">
+              <a:noFill/>
+            </a:endParaRPr>
+          </a:p>
+        </p:txBody>
+      </p:sp>
+      <mc:AlternateContent xmlns:mc="http://schemas.openxmlformats.org/markup-compatibility/2006" xmlns:a14="http://schemas.microsoft.com/office/drawing/2010/main">
+        <mc:Choice Requires="a14">
+          <p:sp>
+            <p:nvSpPr>
+              <p:cNvPr id="88" name="TextBox 87">
+                <a:extLst>
+                  <a:ext uri="{FF2B5EF4-FFF2-40B4-BE49-F238E27FC236}">
+                    <a16:creationId xmlns:a16="http://schemas.microsoft.com/office/drawing/2014/main" id="{0A9A94F3-8BAD-43C9-B6F0-956DE8FA0B2C}"/>
+                  </a:ext>
+                </a:extLst>
+              </p:cNvPr>
+              <p:cNvSpPr txBox="1"/>
+              <p:nvPr/>
+            </p:nvSpPr>
+            <p:spPr>
+              <a:xfrm>
+                <a:off x="6707997" y="4088149"/>
+                <a:ext cx="652007" cy="430887"/>
+              </a:xfrm>
+              <a:prstGeom prst="rect">
+                <a:avLst/>
+              </a:prstGeom>
+              <a:noFill/>
+            </p:spPr>
+            <p:txBody>
+              <a:bodyPr wrap="square" lIns="0" tIns="0" rIns="0" bIns="0" rtlCol="0">
+                <a:spAutoFit/>
+              </a:bodyPr>
+              <a:lstStyle/>
+              <a:p>
+                <a:pPr/>
+                <a14:m>
+                  <m:oMathPara xmlns:m="http://schemas.openxmlformats.org/officeDocument/2006/math">
+                    <m:oMathParaPr>
+                      <m:jc m:val="centerGroup"/>
+                    </m:oMathParaPr>
+                    <m:oMath xmlns:m="http://schemas.openxmlformats.org/officeDocument/2006/math">
+                      <m:r>
+                        <a:rPr lang="ru-RU" sz="1400" i="1">
+                          <a:latin typeface="Cambria Math" panose="02040503050406030204" pitchFamily="18" charset="0"/>
+                          <a:ea typeface="Times New Roman" panose="02020603050405020304" pitchFamily="18" charset="0"/>
+                        </a:rPr>
+                        <m:t>−</m:t>
+                      </m:r>
+                    </m:oMath>
+                  </m:oMathPara>
+                </a14:m>
+                <a:endParaRPr lang="ru-RU" sz="1400" dirty="0">
+                  <a:latin typeface="Times New Roman" panose="02020603050405020304" pitchFamily="18" charset="0"/>
+                  <a:ea typeface="Calibri" panose="020F0502020204030204" pitchFamily="34" charset="0"/>
+                  <a:cs typeface="Times New Roman" panose="02020603050405020304" pitchFamily="18" charset="0"/>
+                </a:endParaRPr>
+              </a:p>
+              <a:p>
+                <a:endParaRPr lang="ru-RU" sz="1400" dirty="0"/>
+              </a:p>
+            </p:txBody>
+          </p:sp>
+        </mc:Choice>
+        <mc:Fallback xmlns="">
+          <p:sp>
+            <p:nvSpPr>
+              <p:cNvPr id="88" name="TextBox 87">
+                <a:extLst>
+                  <a:ext uri="{FF2B5EF4-FFF2-40B4-BE49-F238E27FC236}">
+                    <a16:creationId xmlns:a16="http://schemas.microsoft.com/office/drawing/2014/main" id="{0A9A94F3-8BAD-43C9-B6F0-956DE8FA0B2C}"/>
+                  </a:ext>
+                </a:extLst>
+              </p:cNvPr>
+              <p:cNvSpPr txBox="1">
+                <a:spLocks noRot="1" noChangeAspect="1" noMove="1" noResize="1" noEditPoints="1" noAdjustHandles="1" noChangeArrowheads="1" noChangeShapeType="1" noTextEdit="1"/>
+              </p:cNvSpPr>
+              <p:nvPr/>
+            </p:nvSpPr>
+            <p:spPr>
+              <a:xfrm>
+                <a:off x="6707997" y="4088149"/>
+                <a:ext cx="652007" cy="430887"/>
+              </a:xfrm>
+              <a:prstGeom prst="rect">
+                <a:avLst/>
+              </a:prstGeom>
+              <a:blipFill>
+                <a:blip r:embed="rId14"/>
+                <a:stretch>
+                  <a:fillRect/>
+                </a:stretch>
+              </a:blipFill>
+            </p:spPr>
+            <p:txBody>
+              <a:bodyPr/>
+              <a:lstStyle/>
+              <a:p>
+                <a:r>
+                  <a:rPr lang="ru-RU">
+                    <a:noFill/>
+                  </a:rPr>
+                  <a:t> </a:t>
+                </a:r>
+              </a:p>
+            </p:txBody>
+          </p:sp>
+        </mc:Fallback>
+      </mc:AlternateContent>
+      <p:cxnSp>
+        <p:nvCxnSpPr>
+          <p:cNvPr id="90" name="Соединитель: уступ 89">
+            <a:extLst>
+              <a:ext uri="{FF2B5EF4-FFF2-40B4-BE49-F238E27FC236}">
+                <a16:creationId xmlns:a16="http://schemas.microsoft.com/office/drawing/2014/main" id="{61509780-A360-48A4-873E-BA035765E5C5}"/>
+              </a:ext>
+            </a:extLst>
+          </p:cNvPr>
+          <p:cNvCxnSpPr>
+            <a:stCxn id="87" idx="6"/>
+            <a:endCxn id="83" idx="1"/>
+          </p:cNvCxnSpPr>
+          <p:nvPr/>
+        </p:nvCxnSpPr>
+        <p:spPr>
+          <a:xfrm>
+            <a:off x="6921381" y="3977869"/>
+            <a:ext cx="466474" cy="3"/>
+          </a:xfrm>
+          <a:prstGeom prst="bentConnector3">
+            <a:avLst/>
+          </a:prstGeom>
+          <a:ln>
+            <a:tailEnd type="triangle"/>
+          </a:ln>
+        </p:spPr>
+        <p:style>
+          <a:lnRef idx="1">
+            <a:schemeClr val="dk1"/>
+          </a:lnRef>
+          <a:fillRef idx="0">
+            <a:schemeClr val="dk1"/>
+          </a:fillRef>
+          <a:effectRef idx="0">
+            <a:schemeClr val="dk1"/>
+          </a:effectRef>
+          <a:fontRef idx="minor">
+            <a:schemeClr val="tx1"/>
+          </a:fontRef>
+        </p:style>
+      </p:cxnSp>
+      <p:cxnSp>
+        <p:nvCxnSpPr>
+          <p:cNvPr id="91" name="Прямая со стрелкой 90">
+            <a:extLst>
+              <a:ext uri="{FF2B5EF4-FFF2-40B4-BE49-F238E27FC236}">
+                <a16:creationId xmlns:a16="http://schemas.microsoft.com/office/drawing/2014/main" id="{9C4EC957-8A92-4DF9-B326-521DADF43D16}"/>
+              </a:ext>
+            </a:extLst>
+          </p:cNvPr>
+          <p:cNvCxnSpPr>
+            <a:cxnSpLocks/>
+            <a:endCxn id="87" idx="2"/>
+          </p:cNvCxnSpPr>
+          <p:nvPr/>
+        </p:nvCxnSpPr>
+        <p:spPr>
+          <a:xfrm flipV="1">
+            <a:off x="6360050" y="3977869"/>
+            <a:ext cx="322792" cy="4542"/>
+          </a:xfrm>
+          <a:prstGeom prst="straightConnector1">
+            <a:avLst/>
+          </a:prstGeom>
+          <a:ln>
+            <a:tailEnd type="triangle"/>
+          </a:ln>
+        </p:spPr>
+        <p:style>
+          <a:lnRef idx="1">
+            <a:schemeClr val="dk1"/>
+          </a:lnRef>
+          <a:fillRef idx="0">
+            <a:schemeClr val="dk1"/>
+          </a:fillRef>
+          <a:effectRef idx="0">
+            <a:schemeClr val="dk1"/>
+          </a:effectRef>
+          <a:fontRef idx="minor">
+            <a:schemeClr val="tx1"/>
+          </a:fontRef>
+        </p:style>
+      </p:cxnSp>
+      <p:cxnSp>
+        <p:nvCxnSpPr>
+          <p:cNvPr id="18" name="Соединитель: уступ 17">
+            <a:extLst>
+              <a:ext uri="{FF2B5EF4-FFF2-40B4-BE49-F238E27FC236}">
+                <a16:creationId xmlns:a16="http://schemas.microsoft.com/office/drawing/2014/main" id="{B2F88C50-AF20-4707-ADCB-1117A9D2B055}"/>
+              </a:ext>
+            </a:extLst>
+          </p:cNvPr>
+          <p:cNvCxnSpPr>
+            <a:stCxn id="83" idx="3"/>
+            <a:endCxn id="81" idx="1"/>
+          </p:cNvCxnSpPr>
+          <p:nvPr/>
+        </p:nvCxnSpPr>
+        <p:spPr>
+          <a:xfrm>
+            <a:off x="8872619" y="3977872"/>
+            <a:ext cx="421544" cy="3579"/>
+          </a:xfrm>
+          <a:prstGeom prst="bentConnector3">
+            <a:avLst/>
+          </a:prstGeom>
+          <a:ln>
+            <a:tailEnd type="triangle"/>
+          </a:ln>
+        </p:spPr>
+        <p:style>
+          <a:lnRef idx="1">
+            <a:schemeClr val="dk1"/>
+          </a:lnRef>
+          <a:fillRef idx="0">
+            <a:schemeClr val="dk1"/>
+          </a:fillRef>
+          <a:effectRef idx="0">
+            <a:schemeClr val="dk1"/>
+          </a:effectRef>
+          <a:fontRef idx="minor">
+            <a:schemeClr val="tx1"/>
+          </a:fontRef>
+        </p:style>
+      </p:cxnSp>
+      <p:cxnSp>
+        <p:nvCxnSpPr>
+          <p:cNvPr id="38" name="Соединитель: уступ 37">
+            <a:extLst>
+              <a:ext uri="{FF2B5EF4-FFF2-40B4-BE49-F238E27FC236}">
+                <a16:creationId xmlns:a16="http://schemas.microsoft.com/office/drawing/2014/main" id="{41CBEE2F-0BAC-4559-81B9-52892DF96BD9}"/>
+              </a:ext>
+            </a:extLst>
+          </p:cNvPr>
+          <p:cNvCxnSpPr>
+            <a:stCxn id="81" idx="3"/>
+            <a:endCxn id="87" idx="4"/>
+          </p:cNvCxnSpPr>
+          <p:nvPr/>
+        </p:nvCxnSpPr>
+        <p:spPr>
+          <a:xfrm flipH="1">
+            <a:off x="6802112" y="3981451"/>
+            <a:ext cx="3976815" cy="119872"/>
+          </a:xfrm>
+          <a:prstGeom prst="bentConnector4">
+            <a:avLst>
+              <a:gd name="adj1" fmla="val -5748"/>
+              <a:gd name="adj2" fmla="val 523863"/>
+            </a:avLst>
+          </a:prstGeom>
+          <a:ln>
+            <a:tailEnd type="triangle"/>
+          </a:ln>
+        </p:spPr>
+        <p:style>
+          <a:lnRef idx="1">
+            <a:schemeClr val="dk1"/>
+          </a:lnRef>
+          <a:fillRef idx="0">
+            <a:schemeClr val="dk1"/>
+          </a:fillRef>
+          <a:effectRef idx="0">
+            <a:schemeClr val="dk1"/>
+          </a:effectRef>
+          <a:fontRef idx="minor">
+            <a:schemeClr val="tx1"/>
+          </a:fontRef>
+        </p:style>
+      </p:cxnSp>
+      <p:cxnSp>
+        <p:nvCxnSpPr>
+          <p:cNvPr id="43" name="Прямая со стрелкой 42">
+            <a:extLst>
+              <a:ext uri="{FF2B5EF4-FFF2-40B4-BE49-F238E27FC236}">
+                <a16:creationId xmlns:a16="http://schemas.microsoft.com/office/drawing/2014/main" id="{1F290D54-9B20-4006-8306-82ACACDEFCD1}"/>
+              </a:ext>
+            </a:extLst>
+          </p:cNvPr>
+          <p:cNvCxnSpPr/>
+          <p:nvPr/>
+        </p:nvCxnSpPr>
+        <p:spPr>
+          <a:xfrm>
+            <a:off x="10778927" y="3979661"/>
+            <a:ext cx="573097" cy="0"/>
+          </a:xfrm>
+          <a:prstGeom prst="straightConnector1">
+            <a:avLst/>
+          </a:prstGeom>
+          <a:ln>
+            <a:tailEnd type="triangle"/>
+          </a:ln>
+        </p:spPr>
+        <p:style>
+          <a:lnRef idx="1">
+            <a:schemeClr val="dk1"/>
+          </a:lnRef>
+          <a:fillRef idx="0">
+            <a:schemeClr val="dk1"/>
+          </a:fillRef>
+          <a:effectRef idx="0">
+            <a:schemeClr val="dk1"/>
+          </a:effectRef>
+          <a:fontRef idx="minor">
+            <a:schemeClr val="tx1"/>
+          </a:fontRef>
+        </p:style>
+      </p:cxnSp>
     </p:spTree>
     <p:extLst>
       <p:ext uri="{BB962C8B-B14F-4D97-AF65-F5344CB8AC3E}">
-        <p14:creationId xmlns:p14="http://schemas.microsoft.com/office/powerpoint/2010/main" val="1017938889"/>
+        <p14:creationId xmlns:p14="http://schemas.microsoft.com/office/powerpoint/2010/main" val="2994267408"/>
       </p:ext>
     </p:extLst>
   </p:cSld>
